--- a/Presentation/memory-management-and-gc.pptx
+++ b/Presentation/memory-management-and-gc.pptx
@@ -5,7 +5,7 @@
     <p:sldMasterId id="2147483648" r:id="rId1"/>
   </p:sldMasterIdLst>
   <p:notesMasterIdLst>
-    <p:notesMasterId r:id="rId21"/>
+    <p:notesMasterId r:id="rId22"/>
   </p:notesMasterIdLst>
   <p:sldIdLst>
     <p:sldId id="261" r:id="rId2"/>
@@ -21,12 +21,13 @@
     <p:sldId id="269" r:id="rId12"/>
     <p:sldId id="272" r:id="rId13"/>
     <p:sldId id="275" r:id="rId14"/>
-    <p:sldId id="271" r:id="rId15"/>
-    <p:sldId id="263" r:id="rId16"/>
-    <p:sldId id="262" r:id="rId17"/>
-    <p:sldId id="258" r:id="rId18"/>
-    <p:sldId id="259" r:id="rId19"/>
-    <p:sldId id="260" r:id="rId20"/>
+    <p:sldId id="276" r:id="rId15"/>
+    <p:sldId id="271" r:id="rId16"/>
+    <p:sldId id="263" r:id="rId17"/>
+    <p:sldId id="262" r:id="rId18"/>
+    <p:sldId id="258" r:id="rId19"/>
+    <p:sldId id="259" r:id="rId20"/>
+    <p:sldId id="260" r:id="rId21"/>
   </p:sldIdLst>
   <p:sldSz cx="9144000" cy="6858000" type="screen4x3"/>
   <p:notesSz cx="6858000" cy="9144000"/>
@@ -8830,13 +8831,8 @@
           <a:p>
             <a:r>
               <a:rPr lang="ru-RU" dirty="0" smtClean="0"/>
-              <a:t>Данная куча не дефрагментируется т.к. это бы создало большую </a:t>
-            </a:r>
-            <a:r>
-              <a:rPr lang="ru-RU" dirty="0" smtClean="0"/>
-              <a:t>нагрузку. Фрагментация может возникнуть при интенсивном использовании памяти (сотни мегабайт) и программа выделяет большие временные объекты.</a:t>
-            </a:r>
-            <a:endParaRPr lang="ru-RU" dirty="0" smtClean="0"/>
+              <a:t>Данная куча не дефрагментируется т.к. это бы создало большую нагрузку. Фрагментация может возникнуть при интенсивном использовании памяти (сотни мегабайт) и программа выделяет большие временные объекты.</a:t>
+            </a:r>
           </a:p>
           <a:p>
             <a:r>
@@ -8903,11 +8899,7 @@
           <a:p>
             <a:r>
               <a:rPr lang="en-US" dirty="0" smtClean="0"/>
-              <a:t>Large </a:t>
-            </a:r>
-            <a:r>
-              <a:rPr lang="en-US" dirty="0" smtClean="0"/>
-              <a:t>Object Heap </a:t>
+              <a:t>Large Object Heap </a:t>
             </a:r>
             <a:r>
               <a:rPr lang="ru-RU" dirty="0" smtClean="0"/>
@@ -9129,7 +9121,7 @@
             <a:spLocks noGrp="1"/>
           </p:cNvSpPr>
           <p:nvPr>
-            <p:ph type="ctrTitle"/>
+            <p:ph type="title"/>
           </p:nvPr>
         </p:nvSpPr>
         <p:spPr/>
@@ -9139,7 +9131,19 @@
           <a:p>
             <a:r>
               <a:rPr lang="ru-RU" dirty="0" smtClean="0"/>
-              <a:t>Эффективная работа с памятью</a:t>
+              <a:t>Конфигурация </a:t>
+            </a:r>
+            <a:r>
+              <a:rPr lang="en-US" dirty="0" smtClean="0"/>
+              <a:t>Debug </a:t>
+            </a:r>
+            <a:r>
+              <a:rPr lang="ru-RU" dirty="0" smtClean="0"/>
+              <a:t>и </a:t>
+            </a:r>
+            <a:r>
+              <a:rPr lang="en-US" dirty="0" smtClean="0"/>
+              <a:t>GC</a:t>
             </a:r>
             <a:endParaRPr lang="ru-RU" dirty="0"/>
           </a:p>
@@ -9147,12 +9151,12 @@
       </p:sp>
       <p:sp>
         <p:nvSpPr>
-          <p:cNvPr id="3" name="Subtitle 2"/>
+          <p:cNvPr id="3" name="Content Placeholder 2"/>
           <p:cNvSpPr>
             <a:spLocks noGrp="1"/>
           </p:cNvSpPr>
           <p:nvPr>
-            <p:ph type="subTitle" idx="1"/>
+            <p:ph idx="1"/>
           </p:nvPr>
         </p:nvSpPr>
         <p:spPr/>
@@ -9160,27 +9164,55 @@
           <a:bodyPr/>
           <a:lstStyle/>
           <a:p>
-            <a:endParaRPr lang="ru-RU"/>
+            <a:pPr marL="0" indent="0">
+              <a:buNone/>
+            </a:pPr>
+            <a:r>
+              <a:rPr lang="ru-RU" dirty="0" smtClean="0"/>
+              <a:t>При компиляции проекта в конфигурации </a:t>
+            </a:r>
+            <a:r>
+              <a:rPr lang="en-US" dirty="0" smtClean="0"/>
+              <a:t>Debug </a:t>
+            </a:r>
+            <a:r>
+              <a:rPr lang="ru-RU" dirty="0" smtClean="0"/>
+              <a:t>к сборке добавляется атрибут </a:t>
+            </a:r>
+            <a:r>
+              <a:rPr lang="en-US" dirty="0" err="1" smtClean="0"/>
+              <a:t>DebuggableAttribute</a:t>
+            </a:r>
+            <a:r>
+              <a:rPr lang="ru-RU" dirty="0" smtClean="0"/>
+              <a:t>	который дает команду </a:t>
+            </a:r>
+            <a:r>
+              <a:rPr lang="en-US" dirty="0" smtClean="0"/>
+              <a:t>GC </a:t>
+            </a:r>
+            <a:r>
+              <a:rPr lang="ru-RU" dirty="0" smtClean="0"/>
+              <a:t>исскуственно продлевать время жизни локальных переменных до завершения метода. </a:t>
+            </a:r>
+            <a:r>
+              <a:rPr lang="ru-RU" smtClean="0"/>
+              <a:t>Это сделано чтобы программист мог без помех заниматься отладкой.</a:t>
+            </a:r>
+            <a:endParaRPr lang="ru-RU" dirty="0"/>
           </a:p>
         </p:txBody>
       </p:sp>
     </p:spTree>
     <p:extLst>
       <p:ext uri="{BB962C8B-B14F-4D97-AF65-F5344CB8AC3E}">
-        <p14:creationId xmlns:p14="http://schemas.microsoft.com/office/powerpoint/2010/main" val="2886455791"/>
+        <p14:creationId xmlns:p14="http://schemas.microsoft.com/office/powerpoint/2010/main" val="1960211568"/>
       </p:ext>
     </p:extLst>
   </p:cSld>
   <p:clrMapOvr>
     <a:masterClrMapping/>
   </p:clrMapOvr>
-  <p:timing>
-    <p:tnLst>
-      <p:par>
-        <p:cTn id="1" dur="indefinite" restart="never" nodeType="tmRoot"/>
-      </p:par>
-    </p:tnLst>
-  </p:timing>
 </p:sld>
 </file>
 
@@ -9208,27 +9240,17 @@
             <a:spLocks noGrp="1"/>
           </p:cNvSpPr>
           <p:nvPr>
-            <p:ph type="title"/>
+            <p:ph type="ctrTitle"/>
           </p:nvPr>
         </p:nvSpPr>
         <p:spPr/>
         <p:txBody>
-          <a:bodyPr>
-            <a:normAutofit fontScale="90000"/>
-          </a:bodyPr>
+          <a:bodyPr/>
           <a:lstStyle/>
           <a:p>
             <a:r>
               <a:rPr lang="ru-RU" dirty="0" smtClean="0"/>
-              <a:t>Два способа сделать </a:t>
-            </a:r>
-            <a:r>
-              <a:rPr lang="en-US" dirty="0" smtClean="0"/>
-              <a:t>GC </a:t>
-            </a:r>
-            <a:r>
-              <a:rPr lang="ru-RU" dirty="0" smtClean="0"/>
-              <a:t>«счастливым»</a:t>
+              <a:t>Эффективная работа с памятью</a:t>
             </a:r>
             <a:endParaRPr lang="ru-RU" dirty="0"/>
           </a:p>
@@ -9236,139 +9258,27 @@
       </p:sp>
       <p:sp>
         <p:nvSpPr>
-          <p:cNvPr id="4" name="Content Placeholder 3"/>
+          <p:cNvPr id="3" name="Subtitle 2"/>
           <p:cNvSpPr>
             <a:spLocks noGrp="1"/>
           </p:cNvSpPr>
           <p:nvPr>
-            <p:ph sz="half" idx="1"/>
+            <p:ph type="subTitle" idx="1"/>
           </p:nvPr>
         </p:nvSpPr>
-        <p:spPr>
-          <a:ln>
-            <a:solidFill>
-              <a:schemeClr val="bg1"/>
-            </a:solidFill>
-          </a:ln>
-        </p:spPr>
+        <p:spPr/>
         <p:txBody>
-          <a:bodyPr>
-            <a:normAutofit fontScale="92500"/>
-          </a:bodyPr>
+          <a:bodyPr/>
           <a:lstStyle/>
           <a:p>
-            <a:pPr marL="0" indent="0" algn="ctr">
-              <a:buNone/>
-            </a:pPr>
-            <a:r>
-              <a:rPr lang="ru-RU" b="1" dirty="0" smtClean="0"/>
-              <a:t>Заставить его</a:t>
-            </a:r>
-            <a:br>
-              <a:rPr lang="ru-RU" b="1" dirty="0" smtClean="0"/>
-            </a:br>
-            <a:r>
-              <a:rPr lang="ru-RU" b="1" u="sng" dirty="0" smtClean="0"/>
-              <a:t>реже запускаться</a:t>
-            </a:r>
-          </a:p>
-          <a:p>
-            <a:pPr marL="0" indent="0">
-              <a:buNone/>
-            </a:pPr>
-            <a:endParaRPr lang="ru-RU" dirty="0" smtClean="0"/>
-          </a:p>
-          <a:p>
-            <a:pPr marL="0" indent="0">
-              <a:buNone/>
-            </a:pPr>
-            <a:r>
-              <a:rPr lang="ru-RU" dirty="0" smtClean="0"/>
-              <a:t>Чем меньше выделений памяти, тем реже нужно выполнять уборку мусора</a:t>
-            </a:r>
-          </a:p>
-          <a:p>
-            <a:pPr marL="0" indent="0">
-              <a:buNone/>
-            </a:pPr>
-            <a:endParaRPr lang="ru-RU" dirty="0"/>
-          </a:p>
-          <a:p>
-            <a:pPr marL="0" indent="0">
-              <a:buNone/>
-            </a:pPr>
-            <a:r>
-              <a:rPr lang="ru-RU" dirty="0" smtClean="0"/>
-              <a:t>Используйте пулы объектов, по возможности.</a:t>
-            </a:r>
-            <a:endParaRPr lang="ru-RU" dirty="0"/>
-          </a:p>
-        </p:txBody>
-      </p:sp>
-      <p:sp>
-        <p:nvSpPr>
-          <p:cNvPr id="5" name="Content Placeholder 4"/>
-          <p:cNvSpPr>
-            <a:spLocks noGrp="1"/>
-          </p:cNvSpPr>
-          <p:nvPr>
-            <p:ph sz="half" idx="2"/>
-          </p:nvPr>
-        </p:nvSpPr>
-        <p:spPr>
-          <a:ln>
-            <a:solidFill>
-              <a:schemeClr val="bg1"/>
-            </a:solidFill>
-          </a:ln>
-        </p:spPr>
-        <p:txBody>
-          <a:bodyPr>
-            <a:normAutofit fontScale="92500"/>
-          </a:bodyPr>
-          <a:lstStyle/>
-          <a:p>
-            <a:pPr marL="0" indent="0" algn="ctr">
-              <a:buNone/>
-            </a:pPr>
-            <a:r>
-              <a:rPr lang="ru-RU" b="1" u="sng" dirty="0" smtClean="0"/>
-              <a:t>Ускорить</a:t>
-            </a:r>
-            <a:r>
-              <a:rPr lang="ru-RU" b="1" dirty="0"/>
-              <a:t/>
-            </a:r>
-            <a:br>
-              <a:rPr lang="ru-RU" b="1" dirty="0"/>
-            </a:br>
-            <a:r>
-              <a:rPr lang="ru-RU" b="1" dirty="0" smtClean="0"/>
-              <a:t>его работу</a:t>
-            </a:r>
-          </a:p>
-          <a:p>
-            <a:pPr marL="0" indent="0">
-              <a:buNone/>
-            </a:pPr>
-            <a:endParaRPr lang="ru-RU" dirty="0" smtClean="0"/>
-          </a:p>
-          <a:p>
-            <a:pPr marL="0" indent="0">
-              <a:buNone/>
-            </a:pPr>
-            <a:r>
-              <a:rPr lang="ru-RU" dirty="0" smtClean="0"/>
-              <a:t>Время уборки мусора прямо пропорционалньо количеству связей которые нужно обойти.</a:t>
-            </a:r>
-            <a:endParaRPr lang="ru-RU" dirty="0"/>
+            <a:endParaRPr lang="ru-RU"/>
           </a:p>
         </p:txBody>
       </p:sp>
     </p:spTree>
     <p:extLst>
       <p:ext uri="{BB962C8B-B14F-4D97-AF65-F5344CB8AC3E}">
-        <p14:creationId xmlns:p14="http://schemas.microsoft.com/office/powerpoint/2010/main" val="3933915360"/>
+        <p14:creationId xmlns:p14="http://schemas.microsoft.com/office/powerpoint/2010/main" val="2886455791"/>
       </p:ext>
     </p:extLst>
   </p:cSld>
@@ -9409,17 +9319,158 @@
             <a:spLocks noGrp="1"/>
           </p:cNvSpPr>
           <p:nvPr>
-            <p:ph type="ctrTitle"/>
+            <p:ph type="title"/>
           </p:nvPr>
         </p:nvSpPr>
         <p:spPr/>
         <p:txBody>
-          <a:bodyPr/>
+          <a:bodyPr>
+            <a:normAutofit fontScale="90000"/>
+          </a:bodyPr>
           <a:lstStyle/>
           <a:p>
             <a:r>
               <a:rPr lang="ru-RU" dirty="0" smtClean="0"/>
-              <a:t>Мониторинг используемой памяти</a:t>
+              <a:t>Два способа сделать </a:t>
+            </a:r>
+            <a:r>
+              <a:rPr lang="en-US" dirty="0" smtClean="0"/>
+              <a:t>GC </a:t>
+            </a:r>
+            <a:r>
+              <a:rPr lang="ru-RU" dirty="0" smtClean="0"/>
+              <a:t>«счастливым»</a:t>
+            </a:r>
+            <a:endParaRPr lang="ru-RU" dirty="0"/>
+          </a:p>
+        </p:txBody>
+      </p:sp>
+      <p:sp>
+        <p:nvSpPr>
+          <p:cNvPr id="4" name="Content Placeholder 3"/>
+          <p:cNvSpPr>
+            <a:spLocks noGrp="1"/>
+          </p:cNvSpPr>
+          <p:nvPr>
+            <p:ph sz="half" idx="1"/>
+          </p:nvPr>
+        </p:nvSpPr>
+        <p:spPr>
+          <a:ln>
+            <a:solidFill>
+              <a:schemeClr val="bg1"/>
+            </a:solidFill>
+          </a:ln>
+        </p:spPr>
+        <p:txBody>
+          <a:bodyPr>
+            <a:normAutofit fontScale="92500"/>
+          </a:bodyPr>
+          <a:lstStyle/>
+          <a:p>
+            <a:pPr marL="0" indent="0" algn="ctr">
+              <a:buNone/>
+            </a:pPr>
+            <a:r>
+              <a:rPr lang="ru-RU" b="1" dirty="0" smtClean="0"/>
+              <a:t>Заставить его</a:t>
+            </a:r>
+            <a:br>
+              <a:rPr lang="ru-RU" b="1" dirty="0" smtClean="0"/>
+            </a:br>
+            <a:r>
+              <a:rPr lang="ru-RU" b="1" u="sng" dirty="0" smtClean="0"/>
+              <a:t>реже запускаться</a:t>
+            </a:r>
+          </a:p>
+          <a:p>
+            <a:pPr marL="0" indent="0">
+              <a:buNone/>
+            </a:pPr>
+            <a:endParaRPr lang="ru-RU" dirty="0" smtClean="0"/>
+          </a:p>
+          <a:p>
+            <a:pPr marL="0" indent="0">
+              <a:buNone/>
+            </a:pPr>
+            <a:r>
+              <a:rPr lang="ru-RU" dirty="0" smtClean="0"/>
+              <a:t>Чем меньше выделений памяти, тем реже нужно выполнять уборку мусора</a:t>
+            </a:r>
+          </a:p>
+          <a:p>
+            <a:pPr marL="0" indent="0">
+              <a:buNone/>
+            </a:pPr>
+            <a:endParaRPr lang="ru-RU" dirty="0"/>
+          </a:p>
+          <a:p>
+            <a:pPr marL="0" indent="0">
+              <a:buNone/>
+            </a:pPr>
+            <a:r>
+              <a:rPr lang="ru-RU" dirty="0" smtClean="0"/>
+              <a:t>Используйте пулы объектов, по возможности.</a:t>
+            </a:r>
+            <a:endParaRPr lang="ru-RU" dirty="0"/>
+          </a:p>
+        </p:txBody>
+      </p:sp>
+      <p:sp>
+        <p:nvSpPr>
+          <p:cNvPr id="5" name="Content Placeholder 4"/>
+          <p:cNvSpPr>
+            <a:spLocks noGrp="1"/>
+          </p:cNvSpPr>
+          <p:nvPr>
+            <p:ph sz="half" idx="2"/>
+          </p:nvPr>
+        </p:nvSpPr>
+        <p:spPr>
+          <a:ln>
+            <a:solidFill>
+              <a:schemeClr val="bg1"/>
+            </a:solidFill>
+          </a:ln>
+        </p:spPr>
+        <p:txBody>
+          <a:bodyPr>
+            <a:normAutofit fontScale="92500"/>
+          </a:bodyPr>
+          <a:lstStyle/>
+          <a:p>
+            <a:pPr marL="0" indent="0" algn="ctr">
+              <a:buNone/>
+            </a:pPr>
+            <a:r>
+              <a:rPr lang="ru-RU" b="1" u="sng" dirty="0" smtClean="0"/>
+              <a:t>Ускорить</a:t>
+            </a:r>
+            <a:r>
+              <a:rPr lang="ru-RU" b="1" dirty="0"/>
+              <a:t/>
+            </a:r>
+            <a:br>
+              <a:rPr lang="ru-RU" b="1" dirty="0"/>
+            </a:br>
+            <a:r>
+              <a:rPr lang="ru-RU" b="1" dirty="0" smtClean="0"/>
+              <a:t>его работу</a:t>
+            </a:r>
+          </a:p>
+          <a:p>
+            <a:pPr marL="0" indent="0">
+              <a:buNone/>
+            </a:pPr>
+            <a:endParaRPr lang="ru-RU" dirty="0" smtClean="0"/>
+          </a:p>
+          <a:p>
+            <a:pPr marL="0" indent="0">
+              <a:buNone/>
+            </a:pPr>
+            <a:r>
+              <a:rPr lang="ru-RU" dirty="0" smtClean="0"/>
+              <a:t>Время уборки мусора прямо пропорционалньо количеству связей которые нужно обойти.</a:t>
             </a:r>
             <a:endParaRPr lang="ru-RU" dirty="0"/>
           </a:p>
@@ -9428,7 +9479,7 @@
     </p:spTree>
     <p:extLst>
       <p:ext uri="{BB962C8B-B14F-4D97-AF65-F5344CB8AC3E}">
-        <p14:creationId xmlns:p14="http://schemas.microsoft.com/office/powerpoint/2010/main" val="1378078807"/>
+        <p14:creationId xmlns:p14="http://schemas.microsoft.com/office/powerpoint/2010/main" val="3933915360"/>
       </p:ext>
     </p:extLst>
   </p:cSld>
@@ -9469,32 +9520,7 @@
             <a:spLocks noGrp="1"/>
           </p:cNvSpPr>
           <p:nvPr>
-            <p:ph type="title"/>
-          </p:nvPr>
-        </p:nvSpPr>
-        <p:spPr/>
-        <p:txBody>
-          <a:bodyPr>
-            <a:normAutofit fontScale="90000"/>
-          </a:bodyPr>
-          <a:lstStyle/>
-          <a:p>
-            <a:r>
-              <a:rPr lang="ru-RU" dirty="0" smtClean="0"/>
-              <a:t>Мониторинг используемой памяти из кода</a:t>
-            </a:r>
-            <a:endParaRPr lang="ru-RU" dirty="0"/>
-          </a:p>
-        </p:txBody>
-      </p:sp>
-      <p:sp>
-        <p:nvSpPr>
-          <p:cNvPr id="3" name="Content Placeholder 2"/>
-          <p:cNvSpPr>
-            <a:spLocks noGrp="1"/>
-          </p:cNvSpPr>
-          <p:nvPr>
-            <p:ph idx="1"/>
+            <p:ph type="ctrTitle"/>
           </p:nvPr>
         </p:nvSpPr>
         <p:spPr/>
@@ -9503,79 +9529,9 @@
           <a:lstStyle/>
           <a:p>
             <a:r>
-              <a:rPr lang="en-US" dirty="0" err="1" smtClean="0"/>
-              <a:t>GC.CollectionCount</a:t>
-            </a:r>
-            <a:r>
-              <a:rPr lang="en-US" dirty="0" smtClean="0"/>
-              <a:t>(</a:t>
-            </a:r>
-            <a:r>
               <a:rPr lang="ru-RU" dirty="0" smtClean="0"/>
-              <a:t>номерПоколения</a:t>
-            </a:r>
-            <a:r>
-              <a:rPr lang="en-US" dirty="0" smtClean="0"/>
-              <a:t>)</a:t>
-            </a:r>
-            <a:r>
-              <a:rPr lang="ru-RU" dirty="0" smtClean="0"/>
-              <a:t> – сообщает сколько раз выполнялась сборка мусора для указанного поколения</a:t>
-            </a:r>
-          </a:p>
-          <a:p>
-            <a:r>
-              <a:rPr lang="en-US" dirty="0" err="1"/>
-              <a:t>GC.GetTotalMemory</a:t>
-            </a:r>
-            <a:r>
-              <a:rPr lang="en-US" dirty="0"/>
-              <a:t>(</a:t>
-            </a:r>
-            <a:r>
-              <a:rPr lang="en-US" dirty="0" err="1"/>
-              <a:t>bool</a:t>
-            </a:r>
-            <a:r>
-              <a:rPr lang="en-US" dirty="0"/>
-              <a:t> </a:t>
-            </a:r>
-            <a:r>
-              <a:rPr lang="en-US" dirty="0" err="1"/>
-              <a:t>forceFullCollection</a:t>
-            </a:r>
-            <a:r>
-              <a:rPr lang="en-US" dirty="0" smtClean="0"/>
-              <a:t>)</a:t>
-            </a:r>
-            <a:r>
-              <a:rPr lang="ru-RU" dirty="0" smtClean="0"/>
-              <a:t> – возвращает кол-во байтов выделенных в куче</a:t>
-            </a:r>
-          </a:p>
-          <a:p>
-            <a:r>
-              <a:rPr lang="en-US" dirty="0" err="1" smtClean="0"/>
-              <a:t>Environment.WorkingSet</a:t>
-            </a:r>
-            <a:r>
-              <a:rPr lang="en-US" dirty="0" smtClean="0"/>
-              <a:t> – </a:t>
-            </a:r>
-            <a:r>
-              <a:rPr lang="ru-RU" dirty="0" smtClean="0"/>
-              <a:t>размер в байтах рабочего множества процесса </a:t>
-            </a:r>
-            <a:r>
-              <a:rPr lang="en-US" dirty="0" smtClean="0"/>
-              <a:t>(working set)</a:t>
-            </a:r>
-            <a:endParaRPr lang="en-US" dirty="0"/>
-          </a:p>
-          <a:p>
-            <a:endParaRPr lang="en-US" dirty="0"/>
-          </a:p>
-          <a:p>
+              <a:t>Мониторинг используемой памяти</a:t>
+            </a:r>
             <a:endParaRPr lang="ru-RU" dirty="0"/>
           </a:p>
         </p:txBody>
@@ -9583,7 +9539,7 @@
     </p:spTree>
     <p:extLst>
       <p:ext uri="{BB962C8B-B14F-4D97-AF65-F5344CB8AC3E}">
-        <p14:creationId xmlns:p14="http://schemas.microsoft.com/office/powerpoint/2010/main" val="921719331"/>
+        <p14:creationId xmlns:p14="http://schemas.microsoft.com/office/powerpoint/2010/main" val="1378078807"/>
       </p:ext>
     </p:extLst>
   </p:cSld>
@@ -9636,7 +9592,7 @@
           <a:p>
             <a:r>
               <a:rPr lang="ru-RU" dirty="0" smtClean="0"/>
-              <a:t>Мониторинг используемой памяти внешними средствами</a:t>
+              <a:t>Мониторинг используемой памяти из кода</a:t>
             </a:r>
             <a:endParaRPr lang="ru-RU" dirty="0"/>
           </a:p>
@@ -9654,94 +9610,83 @@
         </p:nvSpPr>
         <p:spPr/>
         <p:txBody>
-          <a:bodyPr>
-            <a:normAutofit lnSpcReduction="10000"/>
-          </a:bodyPr>
+          <a:bodyPr/>
           <a:lstStyle/>
           <a:p>
             <a:r>
+              <a:rPr lang="en-US" dirty="0" err="1" smtClean="0"/>
+              <a:t>GC.CollectionCount</a:t>
+            </a:r>
+            <a:r>
+              <a:rPr lang="en-US" dirty="0" smtClean="0"/>
+              <a:t>(</a:t>
+            </a:r>
+            <a:r>
               <a:rPr lang="ru-RU" dirty="0" smtClean="0"/>
-              <a:t>Счетчики  производительности</a:t>
-            </a:r>
-            <a:endParaRPr lang="en-US" dirty="0" smtClean="0"/>
-          </a:p>
-          <a:p>
-            <a:pPr lvl="1"/>
+              <a:t>номерПоколения</a:t>
+            </a:r>
             <a:r>
               <a:rPr lang="en-US" dirty="0" smtClean="0"/>
-              <a:t>Performance Monitor</a:t>
+              <a:t>)</a:t>
             </a:r>
             <a:r>
               <a:rPr lang="ru-RU" dirty="0" smtClean="0"/>
-              <a:t> (</a:t>
+              <a:t> – сообщает сколько раз выполнялась сборка мусора для указанного поколения</a:t>
+            </a:r>
+          </a:p>
+          <a:p>
+            <a:r>
+              <a:rPr lang="en-US" dirty="0" err="1"/>
+              <a:t>GC.GetTotalMemory</a:t>
+            </a:r>
+            <a:r>
+              <a:rPr lang="en-US" dirty="0"/>
+              <a:t>(</a:t>
+            </a:r>
+            <a:r>
+              <a:rPr lang="en-US" dirty="0" err="1"/>
+              <a:t>bool</a:t>
+            </a:r>
+            <a:r>
+              <a:rPr lang="en-US" dirty="0"/>
+              <a:t> </a:t>
+            </a:r>
+            <a:r>
+              <a:rPr lang="en-US" dirty="0" err="1"/>
+              <a:t>forceFullCollection</a:t>
             </a:r>
             <a:r>
               <a:rPr lang="en-US" dirty="0" smtClean="0"/>
-              <a:t>Control Panel </a:t>
-            </a:r>
-            <a:r>
-              <a:rPr lang="en-US" dirty="0"/>
-              <a:t>\ Administrative </a:t>
+              <a:t>)</a:t>
+            </a:r>
+            <a:r>
+              <a:rPr lang="ru-RU" dirty="0" smtClean="0"/>
+              <a:t> – возвращает кол-во байтов выделенных в куче</a:t>
+            </a:r>
+          </a:p>
+          <a:p>
+            <a:r>
+              <a:rPr lang="en-US" dirty="0" err="1" smtClean="0"/>
+              <a:t>Environment.WorkingSet</a:t>
             </a:r>
             <a:r>
               <a:rPr lang="en-US" dirty="0" smtClean="0"/>
-              <a:t>Tools)</a:t>
-            </a:r>
-          </a:p>
-          <a:p>
-            <a:pPr lvl="1"/>
-            <a:r>
-              <a:rPr lang="en-US" dirty="0"/>
-              <a:t>Process Explorer</a:t>
-            </a:r>
-            <a:br>
-              <a:rPr lang="en-US" dirty="0"/>
-            </a:br>
-            <a:r>
-              <a:rPr lang="en-US" dirty="0">
-                <a:hlinkClick r:id="rId2"/>
-              </a:rPr>
-              <a:t>http://</a:t>
-            </a:r>
-            <a:r>
-              <a:rPr lang="en-US" dirty="0" smtClean="0">
-                <a:hlinkClick r:id="rId2"/>
-              </a:rPr>
-              <a:t>technet.microsoft.com/en-us/sysinternals/bb896653</a:t>
-            </a:r>
-            <a:endParaRPr lang="en-US" dirty="0" smtClean="0"/>
-          </a:p>
-          <a:p>
+              <a:t> – </a:t>
+            </a:r>
+            <a:r>
+              <a:rPr lang="ru-RU" dirty="0" smtClean="0"/>
+              <a:t>размер в байтах рабочего множества процесса </a:t>
+            </a:r>
             <a:r>
               <a:rPr lang="en-US" dirty="0" smtClean="0"/>
-              <a:t>ETW</a:t>
-            </a:r>
-          </a:p>
-          <a:p>
-            <a:pPr lvl="1"/>
-            <a:r>
-              <a:rPr lang="en-US" dirty="0" err="1" smtClean="0"/>
-              <a:t>PerfView</a:t>
-            </a:r>
-            <a:r>
-              <a:rPr lang="en-US" dirty="0"/>
-              <a:t/>
-            </a:r>
-            <a:br>
-              <a:rPr lang="en-US" dirty="0"/>
-            </a:br>
-            <a:r>
-              <a:rPr lang="en-US" dirty="0">
-                <a:hlinkClick r:id="rId3"/>
-              </a:rPr>
-              <a:t>http://</a:t>
-            </a:r>
-            <a:r>
-              <a:rPr lang="en-US" dirty="0" smtClean="0">
-                <a:hlinkClick r:id="rId3"/>
-              </a:rPr>
-              <a:t>www.microsoft.com/en-us/download/details.aspx?id=28567</a:t>
-            </a:r>
+              <a:t>(working set)</a:t>
+            </a:r>
+            <a:endParaRPr lang="en-US" dirty="0"/>
+          </a:p>
+          <a:p>
+            <a:endParaRPr lang="en-US" dirty="0"/>
+          </a:p>
+          <a:p>
             <a:endParaRPr lang="ru-RU" dirty="0"/>
           </a:p>
         </p:txBody>
@@ -9749,7 +9694,7 @@
     </p:spTree>
     <p:extLst>
       <p:ext uri="{BB962C8B-B14F-4D97-AF65-F5344CB8AC3E}">
-        <p14:creationId xmlns:p14="http://schemas.microsoft.com/office/powerpoint/2010/main" val="2842368969"/>
+        <p14:creationId xmlns:p14="http://schemas.microsoft.com/office/powerpoint/2010/main" val="921719331"/>
       </p:ext>
     </p:extLst>
   </p:cSld>
@@ -9802,11 +9747,7 @@
           <a:p>
             <a:r>
               <a:rPr lang="ru-RU" dirty="0" smtClean="0"/>
-              <a:t>Анализ используемой памяти средствами </a:t>
-            </a:r>
-            <a:r>
-              <a:rPr lang="en-US" dirty="0" smtClean="0"/>
-              <a:t>Visual Studio</a:t>
+              <a:t>Мониторинг используемой памяти внешними средствами</a:t>
             </a:r>
             <a:endParaRPr lang="ru-RU" dirty="0"/>
           </a:p>
@@ -9824,70 +9765,93 @@
         </p:nvSpPr>
         <p:spPr/>
         <p:txBody>
-          <a:bodyPr/>
+          <a:bodyPr>
+            <a:normAutofit lnSpcReduction="10000"/>
+          </a:bodyPr>
           <a:lstStyle/>
           <a:p>
-            <a:pPr marL="0" indent="0">
-              <a:buNone/>
-            </a:pPr>
             <a:r>
               <a:rPr lang="ru-RU" dirty="0" smtClean="0"/>
-              <a:t>В </a:t>
-            </a:r>
+              <a:t>Счетчики  производительности</a:t>
+            </a:r>
+            <a:endParaRPr lang="en-US" dirty="0" smtClean="0"/>
+          </a:p>
+          <a:p>
+            <a:pPr lvl="1"/>
             <a:r>
               <a:rPr lang="en-US" dirty="0" smtClean="0"/>
-              <a:t>Visual Studio </a:t>
+              <a:t>Performance Monitor</a:t>
             </a:r>
             <a:r>
               <a:rPr lang="ru-RU" dirty="0" smtClean="0"/>
-              <a:t>встроено средство для профилирования кода с точки зрения использования процессора или памяти.</a:t>
-            </a:r>
-          </a:p>
-          <a:p>
-            <a:pPr marL="0" indent="0">
-              <a:buNone/>
-            </a:pPr>
-            <a:endParaRPr lang="ru-RU" dirty="0"/>
-          </a:p>
-          <a:p>
-            <a:pPr marL="0" indent="0">
-              <a:buNone/>
-            </a:pPr>
-            <a:r>
-              <a:rPr lang="ru-RU" dirty="0" smtClean="0"/>
-              <a:t>Меню </a:t>
+              <a:t> (</a:t>
             </a:r>
             <a:r>
               <a:rPr lang="en-US" dirty="0" smtClean="0"/>
-              <a:t>Analyze </a:t>
+              <a:t>Control Panel </a:t>
             </a:r>
             <a:r>
               <a:rPr lang="en-US" dirty="0"/>
-              <a:t>-&gt; </a:t>
+              <a:t>\ Administrative </a:t>
             </a:r>
             <a:r>
               <a:rPr lang="en-US" dirty="0" smtClean="0"/>
-              <a:t>Launch </a:t>
-            </a:r>
+              <a:t>Tools)</a:t>
+            </a:r>
+          </a:p>
+          <a:p>
+            <a:pPr lvl="1"/>
+            <a:r>
+              <a:rPr lang="en-US" dirty="0"/>
+              <a:t>Process Explorer</a:t>
+            </a:r>
+            <a:br>
+              <a:rPr lang="en-US" dirty="0"/>
+            </a:br>
+            <a:r>
+              <a:rPr lang="en-US" dirty="0">
+                <a:hlinkClick r:id="rId2"/>
+              </a:rPr>
+              <a:t>http://</a:t>
+            </a:r>
+            <a:r>
+              <a:rPr lang="en-US" dirty="0" smtClean="0">
+                <a:hlinkClick r:id="rId2"/>
+              </a:rPr>
+              <a:t>technet.microsoft.com/en-us/sysinternals/bb896653</a:t>
+            </a:r>
+            <a:endParaRPr lang="en-US" dirty="0" smtClean="0"/>
+          </a:p>
+          <a:p>
+            <a:r>
+              <a:rPr lang="en-US" dirty="0" smtClean="0"/>
+              <a:t>ETW</a:t>
+            </a:r>
+          </a:p>
+          <a:p>
+            <a:pPr lvl="1"/>
             <a:r>
               <a:rPr lang="en-US" dirty="0" err="1" smtClean="0"/>
-              <a:t>Perfomance</a:t>
-            </a:r>
-            <a:r>
-              <a:rPr lang="en-US" dirty="0" smtClean="0"/>
-              <a:t> Wizard. </a:t>
-            </a:r>
-            <a:r>
-              <a:rPr lang="ru-RU" dirty="0" smtClean="0"/>
-              <a:t>В диалоге выбираем «</a:t>
-            </a:r>
-            <a:r>
-              <a:rPr lang="en-US" dirty="0" smtClean="0"/>
-              <a:t>.NET Memory Allocation (Sampling)</a:t>
-            </a:r>
-            <a:r>
-              <a:rPr lang="ru-RU" dirty="0" smtClean="0"/>
-              <a:t>»</a:t>
+              <a:t>PerfView</a:t>
+            </a:r>
+            <a:r>
+              <a:rPr lang="en-US" dirty="0"/>
+              <a:t/>
+            </a:r>
+            <a:br>
+              <a:rPr lang="en-US" dirty="0"/>
+            </a:br>
+            <a:r>
+              <a:rPr lang="en-US" dirty="0">
+                <a:hlinkClick r:id="rId3"/>
+              </a:rPr>
+              <a:t>http://</a:t>
+            </a:r>
+            <a:r>
+              <a:rPr lang="en-US" dirty="0" smtClean="0">
+                <a:hlinkClick r:id="rId3"/>
+              </a:rPr>
+              <a:t>www.microsoft.com/en-us/download/details.aspx?id=28567</a:t>
             </a:r>
             <a:endParaRPr lang="ru-RU" dirty="0"/>
           </a:p>
@@ -9896,7 +9860,7 @@
     </p:spTree>
     <p:extLst>
       <p:ext uri="{BB962C8B-B14F-4D97-AF65-F5344CB8AC3E}">
-        <p14:creationId xmlns:p14="http://schemas.microsoft.com/office/powerpoint/2010/main" val="3413446304"/>
+        <p14:creationId xmlns:p14="http://schemas.microsoft.com/office/powerpoint/2010/main" val="2842368969"/>
       </p:ext>
     </p:extLst>
   </p:cSld>
@@ -10468,6 +10432,153 @@
             </p:seq>
           </p:childTnLst>
         </p:cTn>
+      </p:par>
+    </p:tnLst>
+  </p:timing>
+</p:sld>
+</file>
+
+<file path=ppt/slides/slide20.xml><?xml version="1.0" encoding="utf-8"?>
+<p:sld xmlns:a="http://schemas.openxmlformats.org/drawingml/2006/main" xmlns:r="http://schemas.openxmlformats.org/officeDocument/2006/relationships" xmlns:p="http://schemas.openxmlformats.org/presentationml/2006/main">
+  <p:cSld>
+    <p:spTree>
+      <p:nvGrpSpPr>
+        <p:cNvPr id="1" name=""/>
+        <p:cNvGrpSpPr/>
+        <p:nvPr/>
+      </p:nvGrpSpPr>
+      <p:grpSpPr>
+        <a:xfrm>
+          <a:off x="0" y="0"/>
+          <a:ext cx="0" cy="0"/>
+          <a:chOff x="0" y="0"/>
+          <a:chExt cx="0" cy="0"/>
+        </a:xfrm>
+      </p:grpSpPr>
+      <p:sp>
+        <p:nvSpPr>
+          <p:cNvPr id="2" name="Title 1"/>
+          <p:cNvSpPr>
+            <a:spLocks noGrp="1"/>
+          </p:cNvSpPr>
+          <p:nvPr>
+            <p:ph type="title"/>
+          </p:nvPr>
+        </p:nvSpPr>
+        <p:spPr/>
+        <p:txBody>
+          <a:bodyPr>
+            <a:normAutofit fontScale="90000"/>
+          </a:bodyPr>
+          <a:lstStyle/>
+          <a:p>
+            <a:r>
+              <a:rPr lang="ru-RU" dirty="0" smtClean="0"/>
+              <a:t>Анализ используемой памяти средствами </a:t>
+            </a:r>
+            <a:r>
+              <a:rPr lang="en-US" dirty="0" smtClean="0"/>
+              <a:t>Visual Studio</a:t>
+            </a:r>
+            <a:endParaRPr lang="ru-RU" dirty="0"/>
+          </a:p>
+        </p:txBody>
+      </p:sp>
+      <p:sp>
+        <p:nvSpPr>
+          <p:cNvPr id="3" name="Content Placeholder 2"/>
+          <p:cNvSpPr>
+            <a:spLocks noGrp="1"/>
+          </p:cNvSpPr>
+          <p:nvPr>
+            <p:ph idx="1"/>
+          </p:nvPr>
+        </p:nvSpPr>
+        <p:spPr/>
+        <p:txBody>
+          <a:bodyPr/>
+          <a:lstStyle/>
+          <a:p>
+            <a:pPr marL="0" indent="0">
+              <a:buNone/>
+            </a:pPr>
+            <a:r>
+              <a:rPr lang="ru-RU" dirty="0" smtClean="0"/>
+              <a:t>В </a:t>
+            </a:r>
+            <a:r>
+              <a:rPr lang="en-US" dirty="0" smtClean="0"/>
+              <a:t>Visual Studio </a:t>
+            </a:r>
+            <a:r>
+              <a:rPr lang="ru-RU" dirty="0" smtClean="0"/>
+              <a:t>встроено средство для профилирования кода с точки зрения использования процессора или памяти.</a:t>
+            </a:r>
+          </a:p>
+          <a:p>
+            <a:pPr marL="0" indent="0">
+              <a:buNone/>
+            </a:pPr>
+            <a:endParaRPr lang="ru-RU" dirty="0"/>
+          </a:p>
+          <a:p>
+            <a:pPr marL="0" indent="0">
+              <a:buNone/>
+            </a:pPr>
+            <a:r>
+              <a:rPr lang="ru-RU" dirty="0" smtClean="0"/>
+              <a:t>Меню </a:t>
+            </a:r>
+            <a:r>
+              <a:rPr lang="en-US" dirty="0" smtClean="0"/>
+              <a:t>Analyze </a:t>
+            </a:r>
+            <a:r>
+              <a:rPr lang="en-US" dirty="0"/>
+              <a:t>-&gt; </a:t>
+            </a:r>
+            <a:r>
+              <a:rPr lang="en-US" dirty="0" smtClean="0"/>
+              <a:t>Launch </a:t>
+            </a:r>
+            <a:r>
+              <a:rPr lang="en-US" dirty="0" err="1" smtClean="0"/>
+              <a:t>Perfomance</a:t>
+            </a:r>
+            <a:r>
+              <a:rPr lang="en-US" dirty="0" smtClean="0"/>
+              <a:t> Wizard. </a:t>
+            </a:r>
+            <a:r>
+              <a:rPr lang="ru-RU" dirty="0" smtClean="0"/>
+              <a:t>В диалоге выбираем «</a:t>
+            </a:r>
+            <a:r>
+              <a:rPr lang="en-US" dirty="0" smtClean="0"/>
+              <a:t>.NET Memory Allocation (Sampling)</a:t>
+            </a:r>
+            <a:r>
+              <a:rPr lang="ru-RU" dirty="0" smtClean="0"/>
+              <a:t>»</a:t>
+            </a:r>
+            <a:endParaRPr lang="ru-RU" dirty="0"/>
+          </a:p>
+        </p:txBody>
+      </p:sp>
+    </p:spTree>
+    <p:extLst>
+      <p:ext uri="{BB962C8B-B14F-4D97-AF65-F5344CB8AC3E}">
+        <p14:creationId xmlns:p14="http://schemas.microsoft.com/office/powerpoint/2010/main" val="3413446304"/>
+      </p:ext>
+    </p:extLst>
+  </p:cSld>
+  <p:clrMapOvr>
+    <a:masterClrMapping/>
+  </p:clrMapOvr>
+  <p:timing>
+    <p:tnLst>
+      <p:par>
+        <p:cTn id="1" dur="indefinite" restart="never" nodeType="tmRoot"/>
       </p:par>
     </p:tnLst>
   </p:timing>

--- a/Presentation/memory-management-and-gc.pptx
+++ b/Presentation/memory-management-and-gc.pptx
@@ -211,7 +211,7 @@
           <a:p>
             <a:fld id="{B24A7054-7FFB-49F4-A126-5DF6E687FF53}" type="datetimeFigureOut">
               <a:rPr lang="ru-RU" smtClean="0"/>
-              <a:t>13.09.2014</a:t>
+              <a:t>19.09.2014</a:t>
             </a:fld>
             <a:endParaRPr lang="ru-RU"/>
           </a:p>
@@ -1577,7 +1577,7 @@
           <a:p>
             <a:fld id="{8E6E6A2A-E9D3-4A0D-B04A-ABDD367A1E08}" type="datetimeFigureOut">
               <a:rPr lang="ru-RU" smtClean="0"/>
-              <a:t>13.09.2014</a:t>
+              <a:t>19.09.2014</a:t>
             </a:fld>
             <a:endParaRPr lang="ru-RU"/>
           </a:p>
@@ -3029,7 +3029,7 @@
           <a:p>
             <a:fld id="{AC3D3127-B7C4-45E3-9797-C527EC9FDD78}" type="datetimeFigureOut">
               <a:rPr lang="ru-RU" smtClean="0"/>
-              <a:t>13.09.2014</a:t>
+              <a:t>19.09.2014</a:t>
             </a:fld>
             <a:endParaRPr lang="ru-RU"/>
           </a:p>
@@ -10143,7 +10143,7 @@
         <p:spPr>
           <a:xfrm>
             <a:off x="179512" y="4653136"/>
-            <a:ext cx="8777087" cy="2062103"/>
+            <a:ext cx="8777087" cy="1938992"/>
           </a:xfrm>
           <a:prstGeom prst="rect">
             <a:avLst/>
@@ -10157,25 +10157,48 @@
           <a:lstStyle/>
           <a:p>
             <a:r>
-              <a:rPr lang="ru-RU" sz="3200" dirty="0" smtClean="0"/>
+              <a:rPr lang="ru-RU" sz="2000" dirty="0" smtClean="0"/>
               <a:t>Благодаря своему сравнительно небольшому размеру значения переменных </a:t>
             </a:r>
             <a:r>
-              <a:rPr lang="en-US" sz="3200" dirty="0" smtClean="0"/>
+              <a:rPr lang="en-US" sz="2000" dirty="0" smtClean="0"/>
               <a:t>value </a:t>
             </a:r>
             <a:r>
-              <a:rPr lang="ru-RU" sz="3200" dirty="0" smtClean="0"/>
+              <a:rPr lang="ru-RU" sz="2000" dirty="0" smtClean="0"/>
               <a:t>типа могут храниться в стеке.</a:t>
             </a:r>
             <a:r>
-              <a:rPr lang="en-US" sz="3200" dirty="0" smtClean="0"/>
+              <a:rPr lang="en-US" sz="2000" dirty="0" smtClean="0"/>
               <a:t> </a:t>
             </a:r>
             <a:r>
-              <a:rPr lang="ru-RU" sz="3200" dirty="0" smtClean="0"/>
-              <a:t>При присваивании происходит копирование значения.</a:t>
-            </a:r>
+              <a:rPr lang="ru-RU" sz="2000" dirty="0" smtClean="0"/>
+              <a:t>При присваивании происходит копирование значения</a:t>
+            </a:r>
+            <a:r>
+              <a:rPr lang="ru-RU" sz="2000" dirty="0" smtClean="0"/>
+              <a:t>.</a:t>
+            </a:r>
+            <a:endParaRPr lang="en-US" sz="2000" dirty="0" smtClean="0"/>
+          </a:p>
+          <a:p>
+            <a:endParaRPr lang="en-US" sz="2000" dirty="0"/>
+          </a:p>
+          <a:p>
+            <a:r>
+              <a:rPr lang="en-US" sz="2000" dirty="0">
+                <a:hlinkClick r:id="rId3"/>
+              </a:rPr>
+              <a:t>http://</a:t>
+            </a:r>
+            <a:r>
+              <a:rPr lang="en-US" sz="2000" dirty="0" smtClean="0">
+                <a:hlinkClick r:id="rId3"/>
+              </a:rPr>
+              <a:t>blogs.msdn.com/b/ruericlippert/archive/2010/10/25/the-truth-about-value-types.aspx</a:t>
+            </a:r>
+            <a:endParaRPr lang="ru-RU" sz="2000" dirty="0" smtClean="0"/>
           </a:p>
         </p:txBody>
       </p:sp>

--- a/Presentation/memory-management-and-gc.pptx
+++ b/Presentation/memory-management-and-gc.pptx
@@ -211,7 +211,7 @@
           <a:p>
             <a:fld id="{B24A7054-7FFB-49F4-A126-5DF6E687FF53}" type="datetimeFigureOut">
               <a:rPr lang="ru-RU" smtClean="0"/>
-              <a:t>19.09.2014</a:t>
+              <a:t>30.10.2014</a:t>
             </a:fld>
             <a:endParaRPr lang="ru-RU"/>
           </a:p>
@@ -1577,7 +1577,7 @@
           <a:p>
             <a:fld id="{8E6E6A2A-E9D3-4A0D-B04A-ABDD367A1E08}" type="datetimeFigureOut">
               <a:rPr lang="ru-RU" smtClean="0"/>
-              <a:t>19.09.2014</a:t>
+              <a:t>30.10.2014</a:t>
             </a:fld>
             <a:endParaRPr lang="ru-RU"/>
           </a:p>
@@ -3029,7 +3029,7 @@
           <a:p>
             <a:fld id="{AC3D3127-B7C4-45E3-9797-C527EC9FDD78}" type="datetimeFigureOut">
               <a:rPr lang="ru-RU" smtClean="0"/>
-              <a:t>19.09.2014</a:t>
+              <a:t>30.10.2014</a:t>
             </a:fld>
             <a:endParaRPr lang="ru-RU"/>
           </a:p>
@@ -10174,11 +10174,7 @@
             </a:r>
             <a:r>
               <a:rPr lang="ru-RU" sz="2000" dirty="0" smtClean="0"/>
-              <a:t>При присваивании происходит копирование значения</a:t>
-            </a:r>
-            <a:r>
-              <a:rPr lang="ru-RU" sz="2000" dirty="0" smtClean="0"/>
-              <a:t>.</a:t>
+              <a:t>При присваивании происходит копирование значения.</a:t>
             </a:r>
             <a:endParaRPr lang="en-US" sz="2000" dirty="0" smtClean="0"/>
           </a:p>
@@ -11962,14 +11958,11 @@
       <p:cxnSp>
         <p:nvCxnSpPr>
           <p:cNvPr id="52" name="Straight Arrow Connector 51"/>
-          <p:cNvCxnSpPr>
-            <a:stCxn id="44" idx="2"/>
-            <a:endCxn id="45" idx="0"/>
-          </p:cNvCxnSpPr>
+          <p:cNvCxnSpPr/>
           <p:nvPr/>
         </p:nvCxnSpPr>
         <p:spPr>
-          <a:xfrm>
+          <a:xfrm flipV="1">
             <a:off x="3258593" y="4259684"/>
             <a:ext cx="0" cy="431800"/>
           </a:xfrm>
@@ -11979,7 +11972,7 @@
           <a:noFill/>
           <a:ln w="31750" cap="rnd" cmpd="sng" algn="ctr">
             <a:solidFill>
-              <a:srgbClr val="00B050"/>
+              <a:srgbClr val="0070C0"/>
             </a:solidFill>
             <a:prstDash val="solid"/>
             <a:tailEnd type="triangle"/>

--- a/Presentation/memory-management-and-gc.pptx
+++ b/Presentation/memory-management-and-gc.pptx
@@ -5,7 +5,7 @@
     <p:sldMasterId id="2147483648" r:id="rId1"/>
   </p:sldMasterIdLst>
   <p:notesMasterIdLst>
-    <p:notesMasterId r:id="rId22"/>
+    <p:notesMasterId r:id="rId24"/>
   </p:notesMasterIdLst>
   <p:sldIdLst>
     <p:sldId id="261" r:id="rId2"/>
@@ -25,9 +25,11 @@
     <p:sldId id="271" r:id="rId16"/>
     <p:sldId id="263" r:id="rId17"/>
     <p:sldId id="262" r:id="rId18"/>
-    <p:sldId id="258" r:id="rId19"/>
-    <p:sldId id="259" r:id="rId20"/>
-    <p:sldId id="260" r:id="rId21"/>
+    <p:sldId id="278" r:id="rId19"/>
+    <p:sldId id="277" r:id="rId20"/>
+    <p:sldId id="258" r:id="rId21"/>
+    <p:sldId id="259" r:id="rId22"/>
+    <p:sldId id="260" r:id="rId23"/>
   </p:sldIdLst>
   <p:sldSz cx="9144000" cy="6858000" type="screen4x3"/>
   <p:notesSz cx="6858000" cy="9144000"/>
@@ -211,7 +213,7 @@
           <a:p>
             <a:fld id="{B24A7054-7FFB-49F4-A126-5DF6E687FF53}" type="datetimeFigureOut">
               <a:rPr lang="ru-RU" smtClean="0"/>
-              <a:t>30.10.2014</a:t>
+              <a:t>10.02.2015</a:t>
             </a:fld>
             <a:endParaRPr lang="ru-RU"/>
           </a:p>
@@ -1577,7 +1579,7 @@
           <a:p>
             <a:fld id="{8E6E6A2A-E9D3-4A0D-B04A-ABDD367A1E08}" type="datetimeFigureOut">
               <a:rPr lang="ru-RU" smtClean="0"/>
-              <a:t>30.10.2014</a:t>
+              <a:t>10.02.2015</a:t>
             </a:fld>
             <a:endParaRPr lang="ru-RU"/>
           </a:p>
@@ -3029,7 +3031,7 @@
           <a:p>
             <a:fld id="{AC3D3127-B7C4-45E3-9797-C527EC9FDD78}" type="datetimeFigureOut">
               <a:rPr lang="ru-RU" smtClean="0"/>
-              <a:t>30.10.2014</a:t>
+              <a:t>10.02.2015</a:t>
             </a:fld>
             <a:endParaRPr lang="ru-RU"/>
           </a:p>
@@ -9530,7 +9532,15 @@
           <a:p>
             <a:r>
               <a:rPr lang="ru-RU" dirty="0" smtClean="0"/>
-              <a:t>Мониторинг используемой памяти</a:t>
+              <a:t>Как </a:t>
+            </a:r>
+            <a:r>
+              <a:rPr lang="en-US" dirty="0" smtClean="0"/>
+              <a:t>Windows</a:t>
+            </a:r>
+            <a:r>
+              <a:rPr lang="ru-RU" dirty="0" smtClean="0"/>
+              <a:t> управляет памятью</a:t>
             </a:r>
             <a:endParaRPr lang="ru-RU" dirty="0"/>
           </a:p>
@@ -9585,14 +9595,16 @@
         </p:nvSpPr>
         <p:spPr/>
         <p:txBody>
-          <a:bodyPr>
-            <a:normAutofit fontScale="90000"/>
-          </a:bodyPr>
+          <a:bodyPr/>
           <a:lstStyle/>
           <a:p>
             <a:r>
               <a:rPr lang="ru-RU" dirty="0" smtClean="0"/>
-              <a:t>Мониторинг используемой памяти из кода</a:t>
+              <a:t>Адресное пространство для </a:t>
+            </a:r>
+            <a:r>
+              <a:rPr lang="en-US" dirty="0" smtClean="0"/>
+              <a:t>x86</a:t>
             </a:r>
             <a:endParaRPr lang="ru-RU" dirty="0"/>
           </a:p>
@@ -9608,106 +9620,1102 @@
             <p:ph idx="1"/>
           </p:nvPr>
         </p:nvSpPr>
-        <p:spPr/>
+        <p:spPr>
+          <a:xfrm>
+            <a:off x="457200" y="1196752"/>
+            <a:ext cx="8229600" cy="1108719"/>
+          </a:xfrm>
+        </p:spPr>
         <p:txBody>
-          <a:bodyPr/>
+          <a:bodyPr>
+            <a:normAutofit/>
+          </a:bodyPr>
           <a:lstStyle/>
           <a:p>
             <a:r>
-              <a:rPr lang="en-US" dirty="0" err="1" smtClean="0"/>
-              <a:t>GC.CollectionCount</a:t>
-            </a:r>
-            <a:r>
-              <a:rPr lang="en-US" dirty="0" smtClean="0"/>
-              <a:t>(</a:t>
-            </a:r>
-            <a:r>
-              <a:rPr lang="ru-RU" dirty="0" smtClean="0"/>
-              <a:t>номерПоколения</a:t>
-            </a:r>
-            <a:r>
-              <a:rPr lang="en-US" dirty="0" smtClean="0"/>
-              <a:t>)</a:t>
-            </a:r>
-            <a:r>
-              <a:rPr lang="ru-RU" dirty="0" smtClean="0"/>
-              <a:t> – сообщает сколько раз выполнялась сборка мусора для указанного поколения</a:t>
-            </a:r>
-          </a:p>
-          <a:p>
-            <a:r>
-              <a:rPr lang="en-US" dirty="0" err="1"/>
-              <a:t>GC.GetTotalMemory</a:t>
-            </a:r>
-            <a:r>
-              <a:rPr lang="en-US" dirty="0"/>
-              <a:t>(</a:t>
-            </a:r>
-            <a:r>
-              <a:rPr lang="en-US" dirty="0" err="1"/>
-              <a:t>bool</a:t>
-            </a:r>
-            <a:r>
-              <a:rPr lang="en-US" dirty="0"/>
-              <a:t> </a:t>
-            </a:r>
-            <a:r>
-              <a:rPr lang="en-US" dirty="0" err="1"/>
-              <a:t>forceFullCollection</a:t>
-            </a:r>
-            <a:r>
-              <a:rPr lang="en-US" dirty="0" smtClean="0"/>
-              <a:t>)</a:t>
-            </a:r>
-            <a:r>
-              <a:rPr lang="ru-RU" dirty="0" smtClean="0"/>
-              <a:t> – возвращает кол-во байтов выделенных в куче</a:t>
-            </a:r>
-          </a:p>
-          <a:p>
-            <a:r>
-              <a:rPr lang="en-US" dirty="0" err="1" smtClean="0"/>
-              <a:t>Environment.WorkingSet</a:t>
-            </a:r>
-            <a:r>
-              <a:rPr lang="en-US" dirty="0" smtClean="0"/>
-              <a:t> – </a:t>
-            </a:r>
-            <a:r>
-              <a:rPr lang="ru-RU" dirty="0" smtClean="0"/>
-              <a:t>размер в байтах рабочего множества процесса </a:t>
-            </a:r>
-            <a:r>
-              <a:rPr lang="en-US" dirty="0" smtClean="0"/>
-              <a:t>(working set)</a:t>
-            </a:r>
-            <a:endParaRPr lang="en-US" dirty="0"/>
-          </a:p>
-          <a:p>
-            <a:endParaRPr lang="en-US" dirty="0"/>
-          </a:p>
-          <a:p>
-            <a:endParaRPr lang="ru-RU" dirty="0"/>
+              <a:rPr lang="ru-RU" sz="1400" dirty="0" smtClean="0"/>
+              <a:t>32 бита = 2</a:t>
+            </a:r>
+            <a:r>
+              <a:rPr lang="en-US" sz="1400" dirty="0" smtClean="0"/>
+              <a:t>^32 = 4 </a:t>
+            </a:r>
+            <a:r>
+              <a:rPr lang="ru-RU" sz="1400" dirty="0" smtClean="0"/>
+              <a:t>Гбайт</a:t>
+            </a:r>
+          </a:p>
+          <a:p>
+            <a:pPr lvl="1"/>
+            <a:r>
+              <a:rPr lang="en-US" sz="1400" dirty="0" smtClean="0"/>
+              <a:t>/3GB </a:t>
+            </a:r>
+            <a:r>
+              <a:rPr lang="ru-RU" sz="1400" dirty="0" smtClean="0"/>
+              <a:t>и </a:t>
+            </a:r>
+            <a:r>
+              <a:rPr lang="en-US" sz="1400" dirty="0" smtClean="0"/>
+              <a:t>/USERVA</a:t>
+            </a:r>
+            <a:r>
+              <a:rPr lang="ru-RU" sz="1400" dirty="0" smtClean="0"/>
+              <a:t> могут расширить адресное пространство процесса до 3 Гбайт</a:t>
+            </a:r>
+          </a:p>
+          <a:p>
+            <a:pPr lvl="1"/>
+            <a:r>
+              <a:rPr lang="ru-RU" sz="1400" dirty="0" smtClean="0"/>
+              <a:t>Процесс должен быть скомпилирован как «</a:t>
+            </a:r>
+            <a:r>
+              <a:rPr lang="en-US" sz="1400" dirty="0"/>
+              <a:t>large address space aware</a:t>
+            </a:r>
+            <a:r>
+              <a:rPr lang="ru-RU" sz="1400" dirty="0" smtClean="0"/>
+              <a:t>» чтобы он мог использовать память выше </a:t>
+            </a:r>
+            <a:r>
+              <a:rPr lang="en-US" sz="1400" dirty="0" smtClean="0"/>
+              <a:t>2 </a:t>
+            </a:r>
+            <a:r>
+              <a:rPr lang="ru-RU" sz="1400" dirty="0" smtClean="0"/>
+              <a:t>Гбайт</a:t>
+            </a:r>
+            <a:endParaRPr lang="ru-RU" sz="1400" dirty="0"/>
+          </a:p>
+        </p:txBody>
+      </p:sp>
+      <p:grpSp>
+        <p:nvGrpSpPr>
+          <p:cNvPr id="29" name="Group 28"/>
+          <p:cNvGrpSpPr/>
+          <p:nvPr/>
+        </p:nvGrpSpPr>
+        <p:grpSpPr>
+          <a:xfrm>
+            <a:off x="585882" y="2735369"/>
+            <a:ext cx="3174608" cy="3789975"/>
+            <a:chOff x="251520" y="2707346"/>
+            <a:chExt cx="3174608" cy="3789975"/>
+          </a:xfrm>
+        </p:grpSpPr>
+        <p:sp>
+          <p:nvSpPr>
+            <p:cNvPr id="20" name="Rectangle 2"/>
+            <p:cNvSpPr>
+              <a:spLocks noChangeArrowheads="1"/>
+            </p:cNvSpPr>
+            <p:nvPr/>
+          </p:nvSpPr>
+          <p:spPr bwMode="auto">
+            <a:xfrm>
+              <a:off x="251520" y="2707346"/>
+              <a:ext cx="2727673" cy="1708150"/>
+            </a:xfrm>
+            <a:prstGeom prst="rect">
+              <a:avLst/>
+            </a:prstGeom>
+            <a:solidFill>
+              <a:srgbClr val="FFC425"/>
+            </a:solidFill>
+            <a:ln w="25400" cap="flat" cmpd="sng" algn="ctr">
+              <a:solidFill>
+                <a:srgbClr val="FFC425">
+                  <a:shade val="50000"/>
+                </a:srgbClr>
+              </a:solidFill>
+              <a:prstDash val="solid"/>
+              <a:headEnd/>
+              <a:tailEnd/>
+            </a:ln>
+            <a:effectLst/>
+          </p:spPr>
+          <p:txBody>
+            <a:bodyPr wrap="none" anchor="ctr"/>
+            <a:lstStyle/>
+            <a:p>
+              <a:pPr marL="0" marR="0" lvl="0" indent="0" defTabSz="914363" eaLnBrk="1" fontAlgn="auto" latinLnBrk="0" hangingPunct="1">
+                <a:lnSpc>
+                  <a:spcPct val="100000"/>
+                </a:lnSpc>
+                <a:spcBef>
+                  <a:spcPts val="0"/>
+                </a:spcBef>
+                <a:spcAft>
+                  <a:spcPts val="0"/>
+                </a:spcAft>
+                <a:buClrTx/>
+                <a:buSzTx/>
+                <a:buFontTx/>
+                <a:buNone/>
+                <a:tabLst/>
+                <a:defRPr/>
+              </a:pPr>
+              <a:endParaRPr kumimoji="0" lang="en-US" sz="1800" b="0" i="0" u="none" strike="noStrike" kern="0" cap="none" spc="0" normalizeH="0" baseline="0" noProof="0" dirty="0">
+                <a:ln>
+                  <a:noFill/>
+                </a:ln>
+                <a:solidFill>
+                  <a:srgbClr val="FFFFFF"/>
+                </a:solidFill>
+                <a:effectLst/>
+                <a:uLnTx/>
+                <a:uFillTx/>
+                <a:latin typeface="Arial"/>
+                <a:ea typeface="+mn-ea"/>
+                <a:cs typeface="+mn-cs"/>
+              </a:endParaRPr>
+            </a:p>
+          </p:txBody>
+        </p:sp>
+        <p:sp>
+          <p:nvSpPr>
+            <p:cNvPr id="21" name="Rectangle 3"/>
+            <p:cNvSpPr>
+              <a:spLocks noChangeArrowheads="1"/>
+            </p:cNvSpPr>
+            <p:nvPr/>
+          </p:nvSpPr>
+          <p:spPr bwMode="auto">
+            <a:xfrm>
+              <a:off x="410230" y="2890226"/>
+              <a:ext cx="2772111" cy="1627188"/>
+            </a:xfrm>
+            <a:prstGeom prst="rect">
+              <a:avLst/>
+            </a:prstGeom>
+            <a:solidFill>
+              <a:srgbClr val="FFC425"/>
+            </a:solidFill>
+            <a:ln w="25400" cap="flat" cmpd="sng" algn="ctr">
+              <a:solidFill>
+                <a:srgbClr val="FFC425">
+                  <a:shade val="50000"/>
+                </a:srgbClr>
+              </a:solidFill>
+              <a:prstDash val="solid"/>
+              <a:headEnd/>
+              <a:tailEnd/>
+            </a:ln>
+            <a:effectLst/>
+          </p:spPr>
+          <p:txBody>
+            <a:bodyPr wrap="none" anchor="ctr"/>
+            <a:lstStyle/>
+            <a:p>
+              <a:pPr marL="0" marR="0" lvl="0" indent="0" defTabSz="914363" eaLnBrk="1" fontAlgn="auto" latinLnBrk="0" hangingPunct="1">
+                <a:lnSpc>
+                  <a:spcPct val="100000"/>
+                </a:lnSpc>
+                <a:spcBef>
+                  <a:spcPts val="0"/>
+                </a:spcBef>
+                <a:spcAft>
+                  <a:spcPts val="0"/>
+                </a:spcAft>
+                <a:buClrTx/>
+                <a:buSzTx/>
+                <a:buFontTx/>
+                <a:buNone/>
+                <a:tabLst/>
+                <a:defRPr/>
+              </a:pPr>
+              <a:endParaRPr kumimoji="0" lang="en-US" sz="1800" b="0" i="0" u="none" strike="noStrike" kern="0" cap="none" spc="0" normalizeH="0" baseline="0" noProof="0" dirty="0">
+                <a:ln>
+                  <a:noFill/>
+                </a:ln>
+                <a:solidFill>
+                  <a:srgbClr val="FFFFFF"/>
+                </a:solidFill>
+                <a:effectLst/>
+                <a:uLnTx/>
+                <a:uFillTx/>
+                <a:latin typeface="Arial"/>
+                <a:ea typeface="+mn-ea"/>
+                <a:cs typeface="+mn-cs"/>
+              </a:endParaRPr>
+            </a:p>
+          </p:txBody>
+        </p:sp>
+        <p:sp>
+          <p:nvSpPr>
+            <p:cNvPr id="22" name="Rectangle 4"/>
+            <p:cNvSpPr>
+              <a:spLocks noChangeArrowheads="1"/>
+            </p:cNvSpPr>
+            <p:nvPr/>
+          </p:nvSpPr>
+          <p:spPr bwMode="auto">
+            <a:xfrm>
+              <a:off x="584184" y="3083266"/>
+              <a:ext cx="2841944" cy="1582738"/>
+            </a:xfrm>
+            <a:prstGeom prst="rect">
+              <a:avLst/>
+            </a:prstGeom>
+            <a:solidFill>
+              <a:srgbClr val="FFC425"/>
+            </a:solidFill>
+            <a:ln w="25400" cap="flat" cmpd="sng" algn="ctr">
+              <a:solidFill>
+                <a:srgbClr val="FFC425">
+                  <a:shade val="50000"/>
+                </a:srgbClr>
+              </a:solidFill>
+              <a:prstDash val="solid"/>
+              <a:headEnd/>
+              <a:tailEnd/>
+            </a:ln>
+            <a:effectLst/>
+          </p:spPr>
+          <p:txBody>
+            <a:bodyPr lIns="46038" tIns="39688" rIns="46038" bIns="39688" anchor="ctr"/>
+            <a:lstStyle/>
+            <a:p>
+              <a:pPr marL="0" marR="0" lvl="0" indent="0" algn="ctr" defTabSz="777875" eaLnBrk="1" fontAlgn="auto" latinLnBrk="0" hangingPunct="1">
+                <a:lnSpc>
+                  <a:spcPct val="100000"/>
+                </a:lnSpc>
+                <a:spcBef>
+                  <a:spcPts val="0"/>
+                </a:spcBef>
+                <a:spcAft>
+                  <a:spcPts val="0"/>
+                </a:spcAft>
+                <a:buClrTx/>
+                <a:buSzTx/>
+                <a:buFontTx/>
+                <a:buNone/>
+                <a:tabLst/>
+                <a:defRPr/>
+              </a:pPr>
+              <a:r>
+                <a:rPr kumimoji="0" lang="en-US" sz="1800" b="0" i="0" u="none" strike="noStrike" kern="0" cap="none" spc="0" normalizeH="0" baseline="0" noProof="0" dirty="0" smtClean="0">
+                  <a:ln>
+                    <a:noFill/>
+                  </a:ln>
+                  <a:solidFill>
+                    <a:srgbClr val="FFFFFF"/>
+                  </a:solidFill>
+                  <a:effectLst/>
+                  <a:uLnTx/>
+                  <a:uFillTx/>
+                  <a:latin typeface="Arial"/>
+                  <a:ea typeface="+mn-ea"/>
+                  <a:cs typeface="Calibri" pitchFamily="34" charset="0"/>
+                </a:rPr>
+                <a:t>2 </a:t>
+              </a:r>
+              <a:r>
+                <a:rPr kumimoji="0" lang="ru-RU" sz="1800" b="0" i="0" u="none" strike="noStrike" kern="0" cap="none" spc="0" normalizeH="0" baseline="0" noProof="0" dirty="0" smtClean="0">
+                  <a:ln>
+                    <a:noFill/>
+                  </a:ln>
+                  <a:solidFill>
+                    <a:srgbClr val="FFFFFF"/>
+                  </a:solidFill>
+                  <a:effectLst/>
+                  <a:uLnTx/>
+                  <a:uFillTx/>
+                  <a:latin typeface="Arial"/>
+                  <a:ea typeface="+mn-ea"/>
+                  <a:cs typeface="Calibri" pitchFamily="34" charset="0"/>
+                </a:rPr>
+                <a:t>Гбайт</a:t>
+              </a:r>
+              <a:endParaRPr kumimoji="0" lang="en-US" sz="1800" b="0" i="0" u="none" strike="noStrike" kern="0" cap="none" spc="0" normalizeH="0" baseline="0" noProof="0" dirty="0">
+                <a:ln>
+                  <a:noFill/>
+                </a:ln>
+                <a:solidFill>
+                  <a:srgbClr val="FFFFFF"/>
+                </a:solidFill>
+                <a:effectLst/>
+                <a:uLnTx/>
+                <a:uFillTx/>
+                <a:latin typeface="Arial"/>
+                <a:ea typeface="+mn-ea"/>
+                <a:cs typeface="Calibri" pitchFamily="34" charset="0"/>
+              </a:endParaRPr>
+            </a:p>
+            <a:p>
+              <a:pPr marL="0" marR="0" lvl="0" indent="0" algn="ctr" defTabSz="777875" eaLnBrk="1" fontAlgn="auto" latinLnBrk="0" hangingPunct="1">
+                <a:lnSpc>
+                  <a:spcPct val="100000"/>
+                </a:lnSpc>
+                <a:spcBef>
+                  <a:spcPts val="0"/>
+                </a:spcBef>
+                <a:spcAft>
+                  <a:spcPts val="0"/>
+                </a:spcAft>
+                <a:buClrTx/>
+                <a:buSzTx/>
+                <a:buFontTx/>
+                <a:buNone/>
+                <a:tabLst/>
+                <a:defRPr/>
+              </a:pPr>
+              <a:r>
+                <a:rPr kumimoji="0" lang="ru-RU" sz="1800" b="0" i="0" u="none" strike="noStrike" kern="0" cap="none" spc="0" normalizeH="0" baseline="0" noProof="0" dirty="0" smtClean="0">
+                  <a:ln>
+                    <a:noFill/>
+                  </a:ln>
+                  <a:solidFill>
+                    <a:srgbClr val="FFFFFF"/>
+                  </a:solidFill>
+                  <a:effectLst/>
+                  <a:uLnTx/>
+                  <a:uFillTx/>
+                  <a:latin typeface="Arial"/>
+                  <a:ea typeface="+mn-ea"/>
+                  <a:cs typeface="Calibri" pitchFamily="34" charset="0"/>
+                </a:rPr>
+                <a:t>Пользовательское</a:t>
+              </a:r>
+              <a:r>
+                <a:rPr lang="ru-RU" kern="0" dirty="0">
+                  <a:solidFill>
+                    <a:srgbClr val="FFFFFF"/>
+                  </a:solidFill>
+                  <a:latin typeface="Arial"/>
+                  <a:cs typeface="Calibri" pitchFamily="34" charset="0"/>
+                </a:rPr>
+                <a:t/>
+              </a:r>
+              <a:br>
+                <a:rPr lang="ru-RU" kern="0" dirty="0">
+                  <a:solidFill>
+                    <a:srgbClr val="FFFFFF"/>
+                  </a:solidFill>
+                  <a:latin typeface="Arial"/>
+                  <a:cs typeface="Calibri" pitchFamily="34" charset="0"/>
+                </a:rPr>
+              </a:br>
+              <a:r>
+                <a:rPr lang="ru-RU" kern="0" dirty="0" smtClean="0">
+                  <a:solidFill>
+                    <a:srgbClr val="FFFFFF"/>
+                  </a:solidFill>
+                  <a:latin typeface="Arial"/>
+                  <a:cs typeface="Calibri" pitchFamily="34" charset="0"/>
+                </a:rPr>
+                <a:t>пространство</a:t>
+              </a:r>
+              <a:endParaRPr kumimoji="0" lang="en-US" sz="1800" b="0" i="0" u="none" strike="noStrike" kern="0" cap="none" spc="0" normalizeH="0" baseline="0" noProof="0" dirty="0">
+                <a:ln>
+                  <a:noFill/>
+                </a:ln>
+                <a:solidFill>
+                  <a:srgbClr val="FFFFFF"/>
+                </a:solidFill>
+                <a:effectLst/>
+                <a:uLnTx/>
+                <a:uFillTx/>
+                <a:latin typeface="Arial"/>
+                <a:ea typeface="+mn-ea"/>
+                <a:cs typeface="Calibri" pitchFamily="34" charset="0"/>
+              </a:endParaRPr>
+            </a:p>
+          </p:txBody>
+        </p:sp>
+        <p:sp>
+          <p:nvSpPr>
+            <p:cNvPr id="23" name="Rectangle 5"/>
+            <p:cNvSpPr>
+              <a:spLocks noChangeArrowheads="1"/>
+            </p:cNvSpPr>
+            <p:nvPr/>
+          </p:nvSpPr>
+          <p:spPr bwMode="auto">
+            <a:xfrm>
+              <a:off x="582069" y="4914582"/>
+              <a:ext cx="2844059" cy="1582739"/>
+            </a:xfrm>
+            <a:prstGeom prst="rect">
+              <a:avLst/>
+            </a:prstGeom>
+            <a:solidFill>
+              <a:srgbClr val="F15C44"/>
+            </a:solidFill>
+            <a:ln w="25400" cap="flat" cmpd="sng" algn="ctr">
+              <a:solidFill>
+                <a:srgbClr val="F15C44">
+                  <a:shade val="50000"/>
+                </a:srgbClr>
+              </a:solidFill>
+              <a:prstDash val="solid"/>
+              <a:headEnd/>
+              <a:tailEnd/>
+            </a:ln>
+            <a:effectLst/>
+          </p:spPr>
+          <p:txBody>
+            <a:bodyPr lIns="77788" tIns="39688" rIns="77788" bIns="39688" anchor="ctr"/>
+            <a:lstStyle/>
+            <a:p>
+              <a:pPr marL="0" marR="0" lvl="0" indent="0" algn="ctr" defTabSz="777875" eaLnBrk="1" fontAlgn="auto" latinLnBrk="0" hangingPunct="1">
+                <a:lnSpc>
+                  <a:spcPct val="100000"/>
+                </a:lnSpc>
+                <a:spcBef>
+                  <a:spcPts val="0"/>
+                </a:spcBef>
+                <a:spcAft>
+                  <a:spcPts val="0"/>
+                </a:spcAft>
+                <a:buClrTx/>
+                <a:buSzTx/>
+                <a:buFontTx/>
+                <a:buNone/>
+                <a:tabLst/>
+                <a:defRPr/>
+              </a:pPr>
+              <a:r>
+                <a:rPr kumimoji="0" lang="en-US" sz="1800" b="0" i="0" u="none" strike="noStrike" kern="0" cap="none" spc="0" normalizeH="0" baseline="0" noProof="0" dirty="0" smtClean="0">
+                  <a:ln>
+                    <a:noFill/>
+                  </a:ln>
+                  <a:solidFill>
+                    <a:srgbClr val="FFFFFF"/>
+                  </a:solidFill>
+                  <a:effectLst/>
+                  <a:uLnTx/>
+                  <a:uFillTx/>
+                  <a:latin typeface="Arial"/>
+                  <a:ea typeface="+mn-ea"/>
+                  <a:cs typeface="Calibri" pitchFamily="34" charset="0"/>
+                </a:rPr>
+                <a:t>2 </a:t>
+              </a:r>
+              <a:r>
+                <a:rPr kumimoji="0" lang="ru-RU" sz="1800" b="0" i="0" u="none" strike="noStrike" kern="0" cap="none" spc="0" normalizeH="0" baseline="0" noProof="0" dirty="0" smtClean="0">
+                  <a:ln>
+                    <a:noFill/>
+                  </a:ln>
+                  <a:solidFill>
+                    <a:srgbClr val="FFFFFF"/>
+                  </a:solidFill>
+                  <a:effectLst/>
+                  <a:uLnTx/>
+                  <a:uFillTx/>
+                  <a:latin typeface="Arial"/>
+                  <a:ea typeface="+mn-ea"/>
+                  <a:cs typeface="Calibri" pitchFamily="34" charset="0"/>
+                </a:rPr>
+                <a:t>Гбайт</a:t>
+              </a:r>
+              <a:endParaRPr kumimoji="0" lang="en-US" sz="1800" b="0" i="0" u="none" strike="noStrike" kern="0" cap="none" spc="0" normalizeH="0" baseline="0" noProof="0" dirty="0">
+                <a:ln>
+                  <a:noFill/>
+                </a:ln>
+                <a:solidFill>
+                  <a:srgbClr val="FFFFFF"/>
+                </a:solidFill>
+                <a:effectLst/>
+                <a:uLnTx/>
+                <a:uFillTx/>
+                <a:latin typeface="Arial"/>
+                <a:ea typeface="+mn-ea"/>
+                <a:cs typeface="Calibri" pitchFamily="34" charset="0"/>
+              </a:endParaRPr>
+            </a:p>
+            <a:p>
+              <a:pPr lvl="0" algn="ctr" defTabSz="777875">
+                <a:defRPr/>
+              </a:pPr>
+              <a:r>
+                <a:rPr lang="ru-RU" kern="0" dirty="0" smtClean="0">
+                  <a:solidFill>
+                    <a:srgbClr val="FFFFFF"/>
+                  </a:solidFill>
+                  <a:latin typeface="Arial"/>
+                  <a:cs typeface="Calibri" pitchFamily="34" charset="0"/>
+                </a:rPr>
+                <a:t>Системное</a:t>
+              </a:r>
+              <a:br>
+                <a:rPr lang="ru-RU" kern="0" dirty="0" smtClean="0">
+                  <a:solidFill>
+                    <a:srgbClr val="FFFFFF"/>
+                  </a:solidFill>
+                  <a:latin typeface="Arial"/>
+                  <a:cs typeface="Calibri" pitchFamily="34" charset="0"/>
+                </a:rPr>
+              </a:br>
+              <a:r>
+                <a:rPr lang="ru-RU" kern="0" dirty="0" smtClean="0">
+                  <a:solidFill>
+                    <a:srgbClr val="FFFFFF"/>
+                  </a:solidFill>
+                  <a:latin typeface="Arial"/>
+                  <a:cs typeface="Calibri" pitchFamily="34" charset="0"/>
+                </a:rPr>
+                <a:t>пространство</a:t>
+              </a:r>
+              <a:endParaRPr kumimoji="0" lang="en-US" sz="1800" b="0" i="0" u="none" strike="noStrike" kern="0" cap="none" spc="0" normalizeH="0" baseline="0" noProof="0" dirty="0">
+                <a:ln>
+                  <a:noFill/>
+                </a:ln>
+                <a:solidFill>
+                  <a:srgbClr val="FFFFFF"/>
+                </a:solidFill>
+                <a:effectLst/>
+                <a:uLnTx/>
+                <a:uFillTx/>
+                <a:latin typeface="Arial"/>
+                <a:ea typeface="+mn-ea"/>
+                <a:cs typeface="Calibri" pitchFamily="34" charset="0"/>
+              </a:endParaRPr>
+            </a:p>
+          </p:txBody>
+        </p:sp>
+      </p:grpSp>
+      <p:grpSp>
+        <p:nvGrpSpPr>
+          <p:cNvPr id="28" name="Group 27"/>
+          <p:cNvGrpSpPr/>
+          <p:nvPr/>
+        </p:nvGrpSpPr>
+        <p:grpSpPr>
+          <a:xfrm>
+            <a:off x="5462803" y="2735369"/>
+            <a:ext cx="3151197" cy="3789975"/>
+            <a:chOff x="5309235" y="2707346"/>
+            <a:chExt cx="3151197" cy="3789975"/>
+          </a:xfrm>
+        </p:grpSpPr>
+        <p:sp>
+          <p:nvSpPr>
+            <p:cNvPr id="24" name="Rectangle 2"/>
+            <p:cNvSpPr>
+              <a:spLocks noChangeArrowheads="1"/>
+            </p:cNvSpPr>
+            <p:nvPr/>
+          </p:nvSpPr>
+          <p:spPr bwMode="auto">
+            <a:xfrm>
+              <a:off x="5309235" y="2707346"/>
+              <a:ext cx="2727673" cy="2489654"/>
+            </a:xfrm>
+            <a:prstGeom prst="rect">
+              <a:avLst/>
+            </a:prstGeom>
+            <a:solidFill>
+              <a:srgbClr val="FFC425"/>
+            </a:solidFill>
+            <a:ln w="25400" cap="flat" cmpd="sng" algn="ctr">
+              <a:solidFill>
+                <a:srgbClr val="FFC425">
+                  <a:shade val="50000"/>
+                </a:srgbClr>
+              </a:solidFill>
+              <a:prstDash val="solid"/>
+              <a:headEnd/>
+              <a:tailEnd/>
+            </a:ln>
+            <a:effectLst/>
+          </p:spPr>
+          <p:txBody>
+            <a:bodyPr wrap="none" anchor="ctr"/>
+            <a:lstStyle/>
+            <a:p>
+              <a:pPr marL="0" marR="0" lvl="0" indent="0" defTabSz="914363" eaLnBrk="1" fontAlgn="auto" latinLnBrk="0" hangingPunct="1">
+                <a:lnSpc>
+                  <a:spcPct val="100000"/>
+                </a:lnSpc>
+                <a:spcBef>
+                  <a:spcPts val="0"/>
+                </a:spcBef>
+                <a:spcAft>
+                  <a:spcPts val="0"/>
+                </a:spcAft>
+                <a:buClrTx/>
+                <a:buSzTx/>
+                <a:buFontTx/>
+                <a:buNone/>
+                <a:tabLst/>
+                <a:defRPr/>
+              </a:pPr>
+              <a:endParaRPr kumimoji="0" lang="en-US" sz="1800" b="0" i="0" u="none" strike="noStrike" kern="0" cap="none" spc="0" normalizeH="0" baseline="0" noProof="0" dirty="0">
+                <a:ln>
+                  <a:noFill/>
+                </a:ln>
+                <a:solidFill>
+                  <a:srgbClr val="FFFFFF"/>
+                </a:solidFill>
+                <a:effectLst/>
+                <a:uLnTx/>
+                <a:uFillTx/>
+                <a:latin typeface="Arial"/>
+                <a:ea typeface="+mn-ea"/>
+                <a:cs typeface="+mn-cs"/>
+              </a:endParaRPr>
+            </a:p>
+          </p:txBody>
+        </p:sp>
+        <p:sp>
+          <p:nvSpPr>
+            <p:cNvPr id="25" name="Rectangle 3"/>
+            <p:cNvSpPr>
+              <a:spLocks noChangeArrowheads="1"/>
+            </p:cNvSpPr>
+            <p:nvPr/>
+          </p:nvSpPr>
+          <p:spPr bwMode="auto">
+            <a:xfrm>
+              <a:off x="5467945" y="2829266"/>
+              <a:ext cx="2772111" cy="2513315"/>
+            </a:xfrm>
+            <a:prstGeom prst="rect">
+              <a:avLst/>
+            </a:prstGeom>
+            <a:solidFill>
+              <a:srgbClr val="FFC425"/>
+            </a:solidFill>
+            <a:ln w="25400" cap="flat" cmpd="sng" algn="ctr">
+              <a:solidFill>
+                <a:srgbClr val="FFC425">
+                  <a:shade val="50000"/>
+                </a:srgbClr>
+              </a:solidFill>
+              <a:prstDash val="solid"/>
+              <a:headEnd/>
+              <a:tailEnd/>
+            </a:ln>
+            <a:effectLst/>
+          </p:spPr>
+          <p:txBody>
+            <a:bodyPr wrap="none" anchor="ctr"/>
+            <a:lstStyle/>
+            <a:p>
+              <a:pPr marL="0" marR="0" lvl="0" indent="0" defTabSz="914363" eaLnBrk="1" fontAlgn="auto" latinLnBrk="0" hangingPunct="1">
+                <a:lnSpc>
+                  <a:spcPct val="100000"/>
+                </a:lnSpc>
+                <a:spcBef>
+                  <a:spcPts val="0"/>
+                </a:spcBef>
+                <a:spcAft>
+                  <a:spcPts val="0"/>
+                </a:spcAft>
+                <a:buClrTx/>
+                <a:buSzTx/>
+                <a:buFontTx/>
+                <a:buNone/>
+                <a:tabLst/>
+                <a:defRPr/>
+              </a:pPr>
+              <a:endParaRPr kumimoji="0" lang="en-US" sz="1800" b="0" i="0" u="none" strike="noStrike" kern="0" cap="none" spc="0" normalizeH="0" baseline="0" noProof="0" dirty="0">
+                <a:ln>
+                  <a:noFill/>
+                </a:ln>
+                <a:solidFill>
+                  <a:srgbClr val="FFFFFF"/>
+                </a:solidFill>
+                <a:effectLst/>
+                <a:uLnTx/>
+                <a:uFillTx/>
+                <a:latin typeface="Arial"/>
+                <a:ea typeface="+mn-ea"/>
+                <a:cs typeface="+mn-cs"/>
+              </a:endParaRPr>
+            </a:p>
+          </p:txBody>
+        </p:sp>
+        <p:sp>
+          <p:nvSpPr>
+            <p:cNvPr id="26" name="Rectangle 4"/>
+            <p:cNvSpPr>
+              <a:spLocks noChangeArrowheads="1"/>
+            </p:cNvSpPr>
+            <p:nvPr/>
+          </p:nvSpPr>
+          <p:spPr bwMode="auto">
+            <a:xfrm>
+              <a:off x="5618488" y="2961346"/>
+              <a:ext cx="2841944" cy="2444659"/>
+            </a:xfrm>
+            <a:prstGeom prst="rect">
+              <a:avLst/>
+            </a:prstGeom>
+            <a:solidFill>
+              <a:srgbClr val="FFC425"/>
+            </a:solidFill>
+            <a:ln w="25400" cap="flat" cmpd="sng" algn="ctr">
+              <a:solidFill>
+                <a:srgbClr val="FFC425">
+                  <a:shade val="50000"/>
+                </a:srgbClr>
+              </a:solidFill>
+              <a:prstDash val="solid"/>
+              <a:headEnd/>
+              <a:tailEnd/>
+            </a:ln>
+            <a:effectLst/>
+          </p:spPr>
+          <p:txBody>
+            <a:bodyPr lIns="46038" tIns="39688" rIns="46038" bIns="39688" anchor="ctr"/>
+            <a:lstStyle/>
+            <a:p>
+              <a:pPr lvl="0" algn="ctr" defTabSz="777875">
+                <a:defRPr/>
+              </a:pPr>
+              <a:r>
+                <a:rPr lang="ru-RU" kern="0" dirty="0" smtClean="0">
+                  <a:solidFill>
+                    <a:srgbClr val="FFFFFF"/>
+                  </a:solidFill>
+                  <a:latin typeface="Arial"/>
+                  <a:cs typeface="Calibri" pitchFamily="34" charset="0"/>
+                </a:rPr>
+                <a:t>3</a:t>
+              </a:r>
+              <a:r>
+                <a:rPr lang="en-US" kern="0" dirty="0" smtClean="0">
+                  <a:solidFill>
+                    <a:srgbClr val="FFFFFF"/>
+                  </a:solidFill>
+                  <a:latin typeface="Arial"/>
+                  <a:cs typeface="Calibri" pitchFamily="34" charset="0"/>
+                </a:rPr>
+                <a:t> </a:t>
+              </a:r>
+              <a:r>
+                <a:rPr lang="ru-RU" kern="0" dirty="0">
+                  <a:solidFill>
+                    <a:srgbClr val="FFFFFF"/>
+                  </a:solidFill>
+                  <a:latin typeface="Arial"/>
+                  <a:cs typeface="Calibri" pitchFamily="34" charset="0"/>
+                </a:rPr>
+                <a:t>Гбайт</a:t>
+              </a:r>
+              <a:endParaRPr lang="en-US" kern="0" dirty="0">
+                <a:solidFill>
+                  <a:srgbClr val="FFFFFF"/>
+                </a:solidFill>
+                <a:latin typeface="Arial"/>
+                <a:cs typeface="Calibri" pitchFamily="34" charset="0"/>
+              </a:endParaRPr>
+            </a:p>
+            <a:p>
+              <a:pPr lvl="0" algn="ctr" defTabSz="777875">
+                <a:defRPr/>
+              </a:pPr>
+              <a:r>
+                <a:rPr lang="ru-RU" kern="0" dirty="0">
+                  <a:solidFill>
+                    <a:srgbClr val="FFFFFF"/>
+                  </a:solidFill>
+                  <a:latin typeface="Arial"/>
+                  <a:cs typeface="Calibri" pitchFamily="34" charset="0"/>
+                </a:rPr>
+                <a:t>Пользовательское</a:t>
+              </a:r>
+              <a:br>
+                <a:rPr lang="ru-RU" kern="0" dirty="0">
+                  <a:solidFill>
+                    <a:srgbClr val="FFFFFF"/>
+                  </a:solidFill>
+                  <a:latin typeface="Arial"/>
+                  <a:cs typeface="Calibri" pitchFamily="34" charset="0"/>
+                </a:rPr>
+              </a:br>
+              <a:r>
+                <a:rPr lang="ru-RU" kern="0" dirty="0">
+                  <a:solidFill>
+                    <a:srgbClr val="FFFFFF"/>
+                  </a:solidFill>
+                  <a:latin typeface="Arial"/>
+                  <a:cs typeface="Calibri" pitchFamily="34" charset="0"/>
+                </a:rPr>
+                <a:t>пространство</a:t>
+              </a:r>
+              <a:endParaRPr kumimoji="0" lang="en-US" sz="1800" b="0" i="0" u="none" strike="noStrike" kern="0" cap="none" spc="0" normalizeH="0" baseline="0" noProof="0" dirty="0">
+                <a:ln>
+                  <a:noFill/>
+                </a:ln>
+                <a:solidFill>
+                  <a:srgbClr val="FFFFFF"/>
+                </a:solidFill>
+                <a:effectLst/>
+                <a:uLnTx/>
+                <a:uFillTx/>
+                <a:latin typeface="Arial"/>
+                <a:ea typeface="+mn-ea"/>
+                <a:cs typeface="Calibri" pitchFamily="34" charset="0"/>
+              </a:endParaRPr>
+            </a:p>
+          </p:txBody>
+        </p:sp>
+        <p:sp>
+          <p:nvSpPr>
+            <p:cNvPr id="27" name="Rectangle 5"/>
+            <p:cNvSpPr>
+              <a:spLocks noChangeArrowheads="1"/>
+            </p:cNvSpPr>
+            <p:nvPr/>
+          </p:nvSpPr>
+          <p:spPr bwMode="auto">
+            <a:xfrm>
+              <a:off x="5616373" y="5669440"/>
+              <a:ext cx="2844059" cy="827881"/>
+            </a:xfrm>
+            <a:prstGeom prst="rect">
+              <a:avLst/>
+            </a:prstGeom>
+            <a:solidFill>
+              <a:srgbClr val="F15C44"/>
+            </a:solidFill>
+            <a:ln w="25400" cap="flat" cmpd="sng" algn="ctr">
+              <a:solidFill>
+                <a:srgbClr val="F15C44">
+                  <a:shade val="50000"/>
+                </a:srgbClr>
+              </a:solidFill>
+              <a:prstDash val="solid"/>
+              <a:headEnd/>
+              <a:tailEnd/>
+            </a:ln>
+            <a:effectLst/>
+          </p:spPr>
+          <p:txBody>
+            <a:bodyPr lIns="77788" tIns="39688" rIns="77788" bIns="39688" anchor="ctr"/>
+            <a:lstStyle/>
+            <a:p>
+              <a:pPr marL="0" marR="0" lvl="0" indent="0" algn="ctr" defTabSz="777875" eaLnBrk="1" fontAlgn="auto" latinLnBrk="0" hangingPunct="1">
+                <a:lnSpc>
+                  <a:spcPct val="100000"/>
+                </a:lnSpc>
+                <a:spcBef>
+                  <a:spcPct val="0"/>
+                </a:spcBef>
+                <a:spcAft>
+                  <a:spcPts val="0"/>
+                </a:spcAft>
+                <a:buClrTx/>
+                <a:buSzTx/>
+                <a:buFontTx/>
+                <a:buNone/>
+                <a:tabLst/>
+                <a:defRPr/>
+              </a:pPr>
+              <a:r>
+                <a:rPr kumimoji="0" lang="en-US" sz="1800" b="0" i="0" u="none" strike="noStrike" kern="0" cap="none" spc="0" normalizeH="0" baseline="0" noProof="0" dirty="0" smtClean="0">
+                  <a:ln>
+                    <a:noFill/>
+                  </a:ln>
+                  <a:solidFill>
+                    <a:srgbClr val="FFFFFF"/>
+                  </a:solidFill>
+                  <a:effectLst/>
+                  <a:uLnTx/>
+                  <a:uFillTx/>
+                  <a:latin typeface="Arial"/>
+                  <a:ea typeface="+mn-ea"/>
+                  <a:cs typeface="Calibri" pitchFamily="34" charset="0"/>
+                </a:rPr>
+                <a:t>1 </a:t>
+              </a:r>
+              <a:r>
+                <a:rPr kumimoji="0" lang="ru-RU" sz="1800" b="0" i="0" u="none" strike="noStrike" kern="0" cap="none" spc="0" normalizeH="0" baseline="0" noProof="0" dirty="0" smtClean="0">
+                  <a:ln>
+                    <a:noFill/>
+                  </a:ln>
+                  <a:solidFill>
+                    <a:srgbClr val="FFFFFF"/>
+                  </a:solidFill>
+                  <a:effectLst/>
+                  <a:uLnTx/>
+                  <a:uFillTx/>
+                  <a:latin typeface="Arial"/>
+                  <a:ea typeface="+mn-ea"/>
+                  <a:cs typeface="Calibri" pitchFamily="34" charset="0"/>
+                </a:rPr>
+                <a:t>Гбайт</a:t>
+              </a:r>
+              <a:endParaRPr kumimoji="0" lang="en-US" sz="1800" b="0" i="0" u="none" strike="noStrike" kern="0" cap="none" spc="0" normalizeH="0" baseline="0" noProof="0" dirty="0" smtClean="0">
+                <a:ln>
+                  <a:noFill/>
+                </a:ln>
+                <a:solidFill>
+                  <a:srgbClr val="FFFFFF"/>
+                </a:solidFill>
+                <a:effectLst/>
+                <a:uLnTx/>
+                <a:uFillTx/>
+                <a:latin typeface="Arial"/>
+                <a:ea typeface="+mn-ea"/>
+                <a:cs typeface="Calibri" pitchFamily="34" charset="0"/>
+              </a:endParaRPr>
+            </a:p>
+            <a:p>
+              <a:pPr marL="0" marR="0" lvl="0" indent="0" algn="ctr" defTabSz="777875" eaLnBrk="1" fontAlgn="auto" latinLnBrk="0" hangingPunct="1">
+                <a:lnSpc>
+                  <a:spcPct val="100000"/>
+                </a:lnSpc>
+                <a:spcBef>
+                  <a:spcPct val="0"/>
+                </a:spcBef>
+                <a:spcAft>
+                  <a:spcPts val="0"/>
+                </a:spcAft>
+                <a:buClrTx/>
+                <a:buSzTx/>
+                <a:buFontTx/>
+                <a:buNone/>
+                <a:tabLst/>
+                <a:defRPr/>
+              </a:pPr>
+              <a:r>
+                <a:rPr kumimoji="0" lang="ru-RU" sz="1800" b="0" i="0" u="none" strike="noStrike" kern="0" cap="none" spc="0" normalizeH="0" baseline="0" noProof="0" dirty="0" smtClean="0">
+                  <a:ln>
+                    <a:noFill/>
+                  </a:ln>
+                  <a:solidFill>
+                    <a:srgbClr val="FFFFFF"/>
+                  </a:solidFill>
+                  <a:effectLst/>
+                  <a:uLnTx/>
+                  <a:uFillTx/>
+                  <a:latin typeface="Arial"/>
+                  <a:ea typeface="+mn-ea"/>
+                  <a:cs typeface="Calibri" pitchFamily="34" charset="0"/>
+                </a:rPr>
+                <a:t>Системное</a:t>
+              </a:r>
+              <a:r>
+                <a:rPr lang="ru-RU" kern="0" dirty="0">
+                  <a:solidFill>
+                    <a:srgbClr val="FFFFFF"/>
+                  </a:solidFill>
+                  <a:latin typeface="Arial"/>
+                  <a:cs typeface="Calibri" pitchFamily="34" charset="0"/>
+                </a:rPr>
+                <a:t/>
+              </a:r>
+              <a:br>
+                <a:rPr lang="ru-RU" kern="0" dirty="0">
+                  <a:solidFill>
+                    <a:srgbClr val="FFFFFF"/>
+                  </a:solidFill>
+                  <a:latin typeface="Arial"/>
+                  <a:cs typeface="Calibri" pitchFamily="34" charset="0"/>
+                </a:rPr>
+              </a:br>
+              <a:r>
+                <a:rPr kumimoji="0" lang="ru-RU" sz="1800" b="0" i="0" u="none" strike="noStrike" kern="0" cap="none" spc="0" normalizeH="0" noProof="0" dirty="0" smtClean="0">
+                  <a:ln>
+                    <a:noFill/>
+                  </a:ln>
+                  <a:solidFill>
+                    <a:srgbClr val="FFFFFF"/>
+                  </a:solidFill>
+                  <a:effectLst/>
+                  <a:uLnTx/>
+                  <a:uFillTx/>
+                  <a:latin typeface="Arial"/>
+                  <a:ea typeface="+mn-ea"/>
+                  <a:cs typeface="Calibri" pitchFamily="34" charset="0"/>
+                </a:rPr>
+                <a:t>пространство</a:t>
+              </a:r>
+              <a:endParaRPr kumimoji="0" lang="en-US" sz="1800" b="0" i="0" u="none" strike="noStrike" kern="0" cap="none" spc="0" normalizeH="0" baseline="0" noProof="0" dirty="0">
+                <a:ln>
+                  <a:noFill/>
+                </a:ln>
+                <a:solidFill>
+                  <a:srgbClr val="FFFFFF"/>
+                </a:solidFill>
+                <a:effectLst/>
+                <a:uLnTx/>
+                <a:uFillTx/>
+                <a:latin typeface="Arial"/>
+                <a:ea typeface="+mn-ea"/>
+                <a:cs typeface="Calibri" pitchFamily="34" charset="0"/>
+              </a:endParaRPr>
+            </a:p>
+          </p:txBody>
+        </p:sp>
+      </p:grpSp>
+      <p:sp>
+        <p:nvSpPr>
+          <p:cNvPr id="30" name="TextBox 29"/>
+          <p:cNvSpPr txBox="1"/>
+          <p:nvPr/>
+        </p:nvSpPr>
+        <p:spPr>
+          <a:xfrm>
+            <a:off x="772733" y="2245799"/>
+            <a:ext cx="2431115" cy="523220"/>
+          </a:xfrm>
+          <a:prstGeom prst="rect">
+            <a:avLst/>
+          </a:prstGeom>
+          <a:noFill/>
+        </p:spPr>
+        <p:txBody>
+          <a:bodyPr wrap="none" rtlCol="0">
+            <a:spAutoFit/>
+          </a:bodyPr>
+          <a:lstStyle/>
+          <a:p>
+            <a:pPr algn="ctr"/>
+            <a:r>
+              <a:rPr lang="ru-RU" sz="2800" dirty="0" smtClean="0"/>
+              <a:t>По умолчанию</a:t>
+            </a:r>
+            <a:endParaRPr lang="ru-RU" sz="2800" dirty="0" smtClean="0"/>
+          </a:p>
+        </p:txBody>
+      </p:sp>
+      <p:sp>
+        <p:nvSpPr>
+          <p:cNvPr id="31" name="TextBox 30"/>
+          <p:cNvSpPr txBox="1"/>
+          <p:nvPr/>
+        </p:nvSpPr>
+        <p:spPr>
+          <a:xfrm>
+            <a:off x="6380781" y="2245799"/>
+            <a:ext cx="1209434" cy="523220"/>
+          </a:xfrm>
+          <a:prstGeom prst="rect">
+            <a:avLst/>
+          </a:prstGeom>
+          <a:noFill/>
+        </p:spPr>
+        <p:txBody>
+          <a:bodyPr wrap="none" rtlCol="0">
+            <a:spAutoFit/>
+          </a:bodyPr>
+          <a:lstStyle/>
+          <a:p>
+            <a:pPr algn="ctr"/>
+            <a:r>
+              <a:rPr lang="ru-RU" sz="2800" dirty="0" smtClean="0"/>
+              <a:t>3Гбайт</a:t>
+            </a:r>
+            <a:endParaRPr lang="ru-RU" sz="2800" dirty="0" smtClean="0"/>
           </a:p>
         </p:txBody>
       </p:sp>
     </p:spTree>
     <p:extLst>
       <p:ext uri="{BB962C8B-B14F-4D97-AF65-F5344CB8AC3E}">
-        <p14:creationId xmlns:p14="http://schemas.microsoft.com/office/powerpoint/2010/main" val="921719331"/>
+        <p14:creationId xmlns:p14="http://schemas.microsoft.com/office/powerpoint/2010/main" val="1084861271"/>
       </p:ext>
     </p:extLst>
   </p:cSld>
   <p:clrMapOvr>
     <a:masterClrMapping/>
   </p:clrMapOvr>
-  <p:timing>
-    <p:tnLst>
-      <p:par>
-        <p:cTn id="1" dur="indefinite" restart="never" nodeType="tmRoot"/>
-      </p:par>
-    </p:tnLst>
-  </p:timing>
 </p:sld>
 </file>
 
@@ -9735,123 +10743,17 @@
             <a:spLocks noGrp="1"/>
           </p:cNvSpPr>
           <p:nvPr>
-            <p:ph type="title"/>
+            <p:ph type="ctrTitle"/>
           </p:nvPr>
         </p:nvSpPr>
         <p:spPr/>
         <p:txBody>
-          <a:bodyPr>
-            <a:normAutofit fontScale="90000"/>
-          </a:bodyPr>
+          <a:bodyPr/>
           <a:lstStyle/>
           <a:p>
             <a:r>
               <a:rPr lang="ru-RU" dirty="0" smtClean="0"/>
-              <a:t>Мониторинг используемой памяти внешними средствами</a:t>
-            </a:r>
-            <a:endParaRPr lang="ru-RU" dirty="0"/>
-          </a:p>
-        </p:txBody>
-      </p:sp>
-      <p:sp>
-        <p:nvSpPr>
-          <p:cNvPr id="3" name="Content Placeholder 2"/>
-          <p:cNvSpPr>
-            <a:spLocks noGrp="1"/>
-          </p:cNvSpPr>
-          <p:nvPr>
-            <p:ph idx="1"/>
-          </p:nvPr>
-        </p:nvSpPr>
-        <p:spPr/>
-        <p:txBody>
-          <a:bodyPr>
-            <a:normAutofit lnSpcReduction="10000"/>
-          </a:bodyPr>
-          <a:lstStyle/>
-          <a:p>
-            <a:r>
-              <a:rPr lang="ru-RU" dirty="0" smtClean="0"/>
-              <a:t>Счетчики  производительности</a:t>
-            </a:r>
-            <a:endParaRPr lang="en-US" dirty="0" smtClean="0"/>
-          </a:p>
-          <a:p>
-            <a:pPr lvl="1"/>
-            <a:r>
-              <a:rPr lang="en-US" dirty="0" smtClean="0"/>
-              <a:t>Performance Monitor</a:t>
-            </a:r>
-            <a:r>
-              <a:rPr lang="ru-RU" dirty="0" smtClean="0"/>
-              <a:t> (</a:t>
-            </a:r>
-            <a:r>
-              <a:rPr lang="en-US" dirty="0" smtClean="0"/>
-              <a:t>Control Panel </a:t>
-            </a:r>
-            <a:r>
-              <a:rPr lang="en-US" dirty="0"/>
-              <a:t>\ Administrative </a:t>
-            </a:r>
-            <a:r>
-              <a:rPr lang="en-US" dirty="0" smtClean="0"/>
-              <a:t>Tools)</a:t>
-            </a:r>
-          </a:p>
-          <a:p>
-            <a:pPr lvl="1"/>
-            <a:r>
-              <a:rPr lang="en-US" dirty="0"/>
-              <a:t>Process Explorer</a:t>
-            </a:r>
-            <a:br>
-              <a:rPr lang="en-US" dirty="0"/>
-            </a:br>
-            <a:r>
-              <a:rPr lang="en-US" dirty="0">
-                <a:hlinkClick r:id="rId2"/>
-              </a:rPr>
-              <a:t>http://</a:t>
-            </a:r>
-            <a:r>
-              <a:rPr lang="en-US" dirty="0" smtClean="0">
-                <a:hlinkClick r:id="rId2"/>
-              </a:rPr>
-              <a:t>technet.microsoft.com/en-us/sysinternals/bb896653</a:t>
-            </a:r>
-            <a:endParaRPr lang="en-US" dirty="0" smtClean="0"/>
-          </a:p>
-          <a:p>
-            <a:r>
-              <a:rPr lang="en-US" dirty="0" smtClean="0"/>
-              <a:t>ETW</a:t>
-            </a:r>
-          </a:p>
-          <a:p>
-            <a:pPr lvl="1"/>
-            <a:r>
-              <a:rPr lang="en-US" dirty="0" err="1" smtClean="0"/>
-              <a:t>PerfView</a:t>
-            </a:r>
-            <a:r>
-              <a:rPr lang="en-US" dirty="0"/>
-              <a:t/>
-            </a:r>
-            <a:br>
-              <a:rPr lang="en-US" dirty="0"/>
-            </a:br>
-            <a:r>
-              <a:rPr lang="en-US" dirty="0">
-                <a:hlinkClick r:id="rId3"/>
-              </a:rPr>
-              <a:t>http://</a:t>
-            </a:r>
-            <a:r>
-              <a:rPr lang="en-US" dirty="0" smtClean="0">
-                <a:hlinkClick r:id="rId3"/>
-              </a:rPr>
-              <a:t>www.microsoft.com/en-us/download/details.aspx?id=28567</a:t>
+              <a:t>Мониторинг используемой памяти</a:t>
             </a:r>
             <a:endParaRPr lang="ru-RU" dirty="0"/>
           </a:p>
@@ -9860,7 +10762,7 @@
     </p:spTree>
     <p:extLst>
       <p:ext uri="{BB962C8B-B14F-4D97-AF65-F5344CB8AC3E}">
-        <p14:creationId xmlns:p14="http://schemas.microsoft.com/office/powerpoint/2010/main" val="2842368969"/>
+        <p14:creationId xmlns:p14="http://schemas.microsoft.com/office/powerpoint/2010/main" val="833686513"/>
       </p:ext>
     </p:extLst>
   </p:cSld>
@@ -10458,6 +11360,327 @@
 </file>
 
 <file path=ppt/slides/slide20.xml><?xml version="1.0" encoding="utf-8"?>
+<p:sld xmlns:a="http://schemas.openxmlformats.org/drawingml/2006/main" xmlns:r="http://schemas.openxmlformats.org/officeDocument/2006/relationships" xmlns:p="http://schemas.openxmlformats.org/presentationml/2006/main">
+  <p:cSld>
+    <p:spTree>
+      <p:nvGrpSpPr>
+        <p:cNvPr id="1" name=""/>
+        <p:cNvGrpSpPr/>
+        <p:nvPr/>
+      </p:nvGrpSpPr>
+      <p:grpSpPr>
+        <a:xfrm>
+          <a:off x="0" y="0"/>
+          <a:ext cx="0" cy="0"/>
+          <a:chOff x="0" y="0"/>
+          <a:chExt cx="0" cy="0"/>
+        </a:xfrm>
+      </p:grpSpPr>
+      <p:sp>
+        <p:nvSpPr>
+          <p:cNvPr id="2" name="Title 1"/>
+          <p:cNvSpPr>
+            <a:spLocks noGrp="1"/>
+          </p:cNvSpPr>
+          <p:nvPr>
+            <p:ph type="title"/>
+          </p:nvPr>
+        </p:nvSpPr>
+        <p:spPr/>
+        <p:txBody>
+          <a:bodyPr>
+            <a:normAutofit fontScale="90000"/>
+          </a:bodyPr>
+          <a:lstStyle/>
+          <a:p>
+            <a:r>
+              <a:rPr lang="ru-RU" dirty="0" smtClean="0"/>
+              <a:t>Мониторинг используемой памяти из кода</a:t>
+            </a:r>
+            <a:endParaRPr lang="ru-RU" dirty="0"/>
+          </a:p>
+        </p:txBody>
+      </p:sp>
+      <p:sp>
+        <p:nvSpPr>
+          <p:cNvPr id="3" name="Content Placeholder 2"/>
+          <p:cNvSpPr>
+            <a:spLocks noGrp="1"/>
+          </p:cNvSpPr>
+          <p:nvPr>
+            <p:ph idx="1"/>
+          </p:nvPr>
+        </p:nvSpPr>
+        <p:spPr/>
+        <p:txBody>
+          <a:bodyPr/>
+          <a:lstStyle/>
+          <a:p>
+            <a:r>
+              <a:rPr lang="en-US" dirty="0" err="1" smtClean="0"/>
+              <a:t>GC.CollectionCount</a:t>
+            </a:r>
+            <a:r>
+              <a:rPr lang="en-US" dirty="0" smtClean="0"/>
+              <a:t>(</a:t>
+            </a:r>
+            <a:r>
+              <a:rPr lang="ru-RU" dirty="0" smtClean="0"/>
+              <a:t>номерПоколения</a:t>
+            </a:r>
+            <a:r>
+              <a:rPr lang="en-US" dirty="0" smtClean="0"/>
+              <a:t>)</a:t>
+            </a:r>
+            <a:r>
+              <a:rPr lang="ru-RU" dirty="0" smtClean="0"/>
+              <a:t> – сообщает сколько раз выполнялась сборка мусора для указанного поколения</a:t>
+            </a:r>
+          </a:p>
+          <a:p>
+            <a:r>
+              <a:rPr lang="en-US" dirty="0" err="1"/>
+              <a:t>GC.GetTotalMemory</a:t>
+            </a:r>
+            <a:r>
+              <a:rPr lang="en-US" dirty="0"/>
+              <a:t>(</a:t>
+            </a:r>
+            <a:r>
+              <a:rPr lang="en-US" dirty="0" err="1"/>
+              <a:t>bool</a:t>
+            </a:r>
+            <a:r>
+              <a:rPr lang="en-US" dirty="0"/>
+              <a:t> </a:t>
+            </a:r>
+            <a:r>
+              <a:rPr lang="en-US" dirty="0" err="1"/>
+              <a:t>forceFullCollection</a:t>
+            </a:r>
+            <a:r>
+              <a:rPr lang="en-US" dirty="0" smtClean="0"/>
+              <a:t>)</a:t>
+            </a:r>
+            <a:r>
+              <a:rPr lang="ru-RU" dirty="0" smtClean="0"/>
+              <a:t> – возвращает кол-во байтов выделенных в куче</a:t>
+            </a:r>
+          </a:p>
+          <a:p>
+            <a:r>
+              <a:rPr lang="en-US" dirty="0" err="1" smtClean="0"/>
+              <a:t>Environment.WorkingSet</a:t>
+            </a:r>
+            <a:r>
+              <a:rPr lang="en-US" dirty="0" smtClean="0"/>
+              <a:t> – </a:t>
+            </a:r>
+            <a:r>
+              <a:rPr lang="ru-RU" dirty="0" smtClean="0"/>
+              <a:t>размер в байтах рабочего множества процесса </a:t>
+            </a:r>
+            <a:r>
+              <a:rPr lang="en-US" dirty="0" smtClean="0"/>
+              <a:t>(working set)</a:t>
+            </a:r>
+            <a:endParaRPr lang="en-US" dirty="0"/>
+          </a:p>
+          <a:p>
+            <a:endParaRPr lang="en-US" dirty="0"/>
+          </a:p>
+          <a:p>
+            <a:endParaRPr lang="ru-RU" dirty="0"/>
+          </a:p>
+        </p:txBody>
+      </p:sp>
+    </p:spTree>
+    <p:extLst>
+      <p:ext uri="{BB962C8B-B14F-4D97-AF65-F5344CB8AC3E}">
+        <p14:creationId xmlns:p14="http://schemas.microsoft.com/office/powerpoint/2010/main" val="921719331"/>
+      </p:ext>
+    </p:extLst>
+  </p:cSld>
+  <p:clrMapOvr>
+    <a:masterClrMapping/>
+  </p:clrMapOvr>
+  <p:timing>
+    <p:tnLst>
+      <p:par>
+        <p:cTn id="1" dur="indefinite" restart="never" nodeType="tmRoot"/>
+      </p:par>
+    </p:tnLst>
+  </p:timing>
+</p:sld>
+</file>
+
+<file path=ppt/slides/slide21.xml><?xml version="1.0" encoding="utf-8"?>
+<p:sld xmlns:a="http://schemas.openxmlformats.org/drawingml/2006/main" xmlns:r="http://schemas.openxmlformats.org/officeDocument/2006/relationships" xmlns:p="http://schemas.openxmlformats.org/presentationml/2006/main">
+  <p:cSld>
+    <p:spTree>
+      <p:nvGrpSpPr>
+        <p:cNvPr id="1" name=""/>
+        <p:cNvGrpSpPr/>
+        <p:nvPr/>
+      </p:nvGrpSpPr>
+      <p:grpSpPr>
+        <a:xfrm>
+          <a:off x="0" y="0"/>
+          <a:ext cx="0" cy="0"/>
+          <a:chOff x="0" y="0"/>
+          <a:chExt cx="0" cy="0"/>
+        </a:xfrm>
+      </p:grpSpPr>
+      <p:sp>
+        <p:nvSpPr>
+          <p:cNvPr id="2" name="Title 1"/>
+          <p:cNvSpPr>
+            <a:spLocks noGrp="1"/>
+          </p:cNvSpPr>
+          <p:nvPr>
+            <p:ph type="title"/>
+          </p:nvPr>
+        </p:nvSpPr>
+        <p:spPr/>
+        <p:txBody>
+          <a:bodyPr>
+            <a:normAutofit fontScale="90000"/>
+          </a:bodyPr>
+          <a:lstStyle/>
+          <a:p>
+            <a:r>
+              <a:rPr lang="ru-RU" dirty="0" smtClean="0"/>
+              <a:t>Мониторинг используемой памяти внешними средствами</a:t>
+            </a:r>
+            <a:endParaRPr lang="ru-RU" dirty="0"/>
+          </a:p>
+        </p:txBody>
+      </p:sp>
+      <p:sp>
+        <p:nvSpPr>
+          <p:cNvPr id="3" name="Content Placeholder 2"/>
+          <p:cNvSpPr>
+            <a:spLocks noGrp="1"/>
+          </p:cNvSpPr>
+          <p:nvPr>
+            <p:ph idx="1"/>
+          </p:nvPr>
+        </p:nvSpPr>
+        <p:spPr/>
+        <p:txBody>
+          <a:bodyPr>
+            <a:normAutofit lnSpcReduction="10000"/>
+          </a:bodyPr>
+          <a:lstStyle/>
+          <a:p>
+            <a:r>
+              <a:rPr lang="ru-RU" dirty="0" smtClean="0"/>
+              <a:t>Счетчики  производительности</a:t>
+            </a:r>
+            <a:endParaRPr lang="en-US" dirty="0" smtClean="0"/>
+          </a:p>
+          <a:p>
+            <a:pPr lvl="1"/>
+            <a:r>
+              <a:rPr lang="en-US" dirty="0" smtClean="0"/>
+              <a:t>Performance Monitor</a:t>
+            </a:r>
+            <a:r>
+              <a:rPr lang="ru-RU" dirty="0" smtClean="0"/>
+              <a:t> (</a:t>
+            </a:r>
+            <a:r>
+              <a:rPr lang="en-US" dirty="0" smtClean="0"/>
+              <a:t>Control Panel </a:t>
+            </a:r>
+            <a:r>
+              <a:rPr lang="en-US" dirty="0"/>
+              <a:t>\ Administrative </a:t>
+            </a:r>
+            <a:r>
+              <a:rPr lang="en-US" dirty="0" smtClean="0"/>
+              <a:t>Tools)</a:t>
+            </a:r>
+          </a:p>
+          <a:p>
+            <a:pPr lvl="1"/>
+            <a:r>
+              <a:rPr lang="en-US" dirty="0"/>
+              <a:t>Process Explorer</a:t>
+            </a:r>
+            <a:br>
+              <a:rPr lang="en-US" dirty="0"/>
+            </a:br>
+            <a:r>
+              <a:rPr lang="en-US" dirty="0">
+                <a:hlinkClick r:id="rId2"/>
+              </a:rPr>
+              <a:t>http://</a:t>
+            </a:r>
+            <a:r>
+              <a:rPr lang="en-US" dirty="0" smtClean="0">
+                <a:hlinkClick r:id="rId2"/>
+              </a:rPr>
+              <a:t>technet.microsoft.com/en-us/sysinternals/bb896653</a:t>
+            </a:r>
+            <a:endParaRPr lang="en-US" dirty="0" smtClean="0"/>
+          </a:p>
+          <a:p>
+            <a:r>
+              <a:rPr lang="en-US" dirty="0" smtClean="0"/>
+              <a:t>ETW</a:t>
+            </a:r>
+          </a:p>
+          <a:p>
+            <a:pPr lvl="1"/>
+            <a:r>
+              <a:rPr lang="en-US" dirty="0" err="1" smtClean="0"/>
+              <a:t>PerfView</a:t>
+            </a:r>
+            <a:r>
+              <a:rPr lang="en-US" dirty="0"/>
+              <a:t/>
+            </a:r>
+            <a:br>
+              <a:rPr lang="en-US" dirty="0"/>
+            </a:br>
+            <a:r>
+              <a:rPr lang="en-US" dirty="0">
+                <a:hlinkClick r:id="rId3"/>
+              </a:rPr>
+              <a:t>http://</a:t>
+            </a:r>
+            <a:r>
+              <a:rPr lang="en-US" dirty="0" smtClean="0">
+                <a:hlinkClick r:id="rId3"/>
+              </a:rPr>
+              <a:t>www.microsoft.com/en-us/download/details.aspx?id=28567</a:t>
+            </a:r>
+            <a:endParaRPr lang="ru-RU" dirty="0"/>
+          </a:p>
+        </p:txBody>
+      </p:sp>
+    </p:spTree>
+    <p:extLst>
+      <p:ext uri="{BB962C8B-B14F-4D97-AF65-F5344CB8AC3E}">
+        <p14:creationId xmlns:p14="http://schemas.microsoft.com/office/powerpoint/2010/main" val="2842368969"/>
+      </p:ext>
+    </p:extLst>
+  </p:cSld>
+  <p:clrMapOvr>
+    <a:masterClrMapping/>
+  </p:clrMapOvr>
+  <p:timing>
+    <p:tnLst>
+      <p:par>
+        <p:cTn id="1" dur="indefinite" restart="never" nodeType="tmRoot"/>
+      </p:par>
+    </p:tnLst>
+  </p:timing>
+</p:sld>
+</file>
+
+<file path=ppt/slides/slide22.xml><?xml version="1.0" encoding="utf-8"?>
 <p:sld xmlns:a="http://schemas.openxmlformats.org/drawingml/2006/main" xmlns:r="http://schemas.openxmlformats.org/officeDocument/2006/relationships" xmlns:p="http://schemas.openxmlformats.org/presentationml/2006/main">
   <p:cSld>
     <p:spTree>

--- a/Presentation/memory-management-and-gc.pptx
+++ b/Presentation/memory-management-and-gc.pptx
@@ -5,7 +5,7 @@
     <p:sldMasterId id="2147483648" r:id="rId1"/>
   </p:sldMasterIdLst>
   <p:notesMasterIdLst>
-    <p:notesMasterId r:id="rId24"/>
+    <p:notesMasterId r:id="rId28"/>
   </p:notesMasterIdLst>
   <p:sldIdLst>
     <p:sldId id="261" r:id="rId2"/>
@@ -19,17 +19,21 @@
     <p:sldId id="268" r:id="rId10"/>
     <p:sldId id="267" r:id="rId11"/>
     <p:sldId id="269" r:id="rId12"/>
-    <p:sldId id="272" r:id="rId13"/>
-    <p:sldId id="275" r:id="rId14"/>
-    <p:sldId id="276" r:id="rId15"/>
-    <p:sldId id="271" r:id="rId16"/>
-    <p:sldId id="263" r:id="rId17"/>
-    <p:sldId id="262" r:id="rId18"/>
-    <p:sldId id="278" r:id="rId19"/>
-    <p:sldId id="277" r:id="rId20"/>
-    <p:sldId id="258" r:id="rId21"/>
-    <p:sldId id="259" r:id="rId22"/>
-    <p:sldId id="260" r:id="rId23"/>
+    <p:sldId id="279" r:id="rId13"/>
+    <p:sldId id="280" r:id="rId14"/>
+    <p:sldId id="281" r:id="rId15"/>
+    <p:sldId id="272" r:id="rId16"/>
+    <p:sldId id="275" r:id="rId17"/>
+    <p:sldId id="276" r:id="rId18"/>
+    <p:sldId id="271" r:id="rId19"/>
+    <p:sldId id="263" r:id="rId20"/>
+    <p:sldId id="262" r:id="rId21"/>
+    <p:sldId id="278" r:id="rId22"/>
+    <p:sldId id="282" r:id="rId23"/>
+    <p:sldId id="277" r:id="rId24"/>
+    <p:sldId id="258" r:id="rId25"/>
+    <p:sldId id="259" r:id="rId26"/>
+    <p:sldId id="260" r:id="rId27"/>
   </p:sldIdLst>
   <p:sldSz cx="9144000" cy="6858000" type="screen4x3"/>
   <p:notesSz cx="6858000" cy="9144000"/>
@@ -213,7 +217,7 @@
           <a:p>
             <a:fld id="{B24A7054-7FFB-49F4-A126-5DF6E687FF53}" type="datetimeFigureOut">
               <a:rPr lang="ru-RU" smtClean="0"/>
-              <a:t>10.02.2015</a:t>
+              <a:t>21.08.2015</a:t>
             </a:fld>
             <a:endParaRPr lang="ru-RU"/>
           </a:p>
@@ -1579,7 +1583,7 @@
           <a:p>
             <a:fld id="{8E6E6A2A-E9D3-4A0D-B04A-ABDD367A1E08}" type="datetimeFigureOut">
               <a:rPr lang="ru-RU" smtClean="0"/>
-              <a:t>10.02.2015</a:t>
+              <a:t>21.08.2015</a:t>
             </a:fld>
             <a:endParaRPr lang="ru-RU"/>
           </a:p>
@@ -3031,7 +3035,7 @@
           <a:p>
             <a:fld id="{AC3D3127-B7C4-45E3-9797-C527EC9FDD78}" type="datetimeFigureOut">
               <a:rPr lang="ru-RU" smtClean="0"/>
-              <a:t>10.02.2015</a:t>
+              <a:t>21.08.2015</a:t>
             </a:fld>
             <a:endParaRPr lang="ru-RU"/>
           </a:p>
@@ -8788,21 +8792,20 @@
         </p:nvSpPr>
         <p:spPr/>
         <p:txBody>
-          <a:bodyPr>
-            <a:normAutofit fontScale="90000"/>
-          </a:bodyPr>
+          <a:bodyPr/>
           <a:lstStyle/>
           <a:p>
             <a:r>
+              <a:rPr lang="en-US" dirty="0" smtClean="0"/>
+              <a:t>Workstation GC </a:t>
+            </a:r>
+            <a:r>
               <a:rPr lang="ru-RU" dirty="0" smtClean="0"/>
-              <a:t>Куча для больших объектов</a:t>
-            </a:r>
-            <a:br>
-              <a:rPr lang="ru-RU" dirty="0" smtClean="0"/>
-            </a:br>
+              <a:t>и </a:t>
+            </a:r>
             <a:r>
               <a:rPr lang="en-US" dirty="0" smtClean="0"/>
-              <a:t>(Large Object Heap – LOH)</a:t>
+              <a:t>Server GC</a:t>
             </a:r>
             <a:endParaRPr lang="ru-RU" dirty="0"/>
           </a:p>
@@ -8818,28 +8821,717 @@
             <p:ph idx="1"/>
           </p:nvPr>
         </p:nvSpPr>
-        <p:spPr/>
+        <p:spPr>
+          <a:xfrm>
+            <a:off x="457200" y="1600201"/>
+            <a:ext cx="8229600" cy="2116832"/>
+          </a:xfrm>
+        </p:spPr>
         <p:txBody>
-          <a:bodyPr>
-            <a:normAutofit fontScale="92500" lnSpcReduction="10000"/>
+          <a:bodyPr/>
+          <a:lstStyle/>
+          <a:p>
+            <a:pPr marL="0" indent="0">
+              <a:buNone/>
+            </a:pPr>
+            <a:r>
+              <a:rPr lang="ru-RU" dirty="0" smtClean="0"/>
+              <a:t>В </a:t>
+            </a:r>
+            <a:r>
+              <a:rPr lang="en-US" dirty="0" smtClean="0"/>
+              <a:t>.NET </a:t>
+            </a:r>
+            <a:r>
+              <a:rPr lang="ru-RU" dirty="0" smtClean="0"/>
+              <a:t>есть два режима работы </a:t>
+            </a:r>
+            <a:r>
+              <a:rPr lang="en-US" dirty="0" smtClean="0"/>
+              <a:t>GC </a:t>
+            </a:r>
+            <a:r>
+              <a:rPr lang="ru-RU" dirty="0" smtClean="0"/>
+              <a:t>который можно менять в файле конфигурации приложения. По умолчанию используется </a:t>
+            </a:r>
+            <a:r>
+              <a:rPr lang="en-US" dirty="0" smtClean="0"/>
+              <a:t>concurrent</a:t>
+            </a:r>
+            <a:r>
+              <a:rPr lang="ru-RU" dirty="0" smtClean="0"/>
+              <a:t> </a:t>
+            </a:r>
+            <a:r>
+              <a:rPr lang="en-US" dirty="0" smtClean="0"/>
+              <a:t>Workstation GC</a:t>
+            </a:r>
+            <a:r>
+              <a:rPr lang="ru-RU" dirty="0" smtClean="0"/>
+              <a:t>.</a:t>
+            </a:r>
+          </a:p>
+          <a:p>
+            <a:pPr marL="0" indent="0">
+              <a:buNone/>
+            </a:pPr>
+            <a:endParaRPr lang="ru-RU" dirty="0"/>
+          </a:p>
+        </p:txBody>
+      </p:sp>
+      <p:sp>
+        <p:nvSpPr>
+          <p:cNvPr id="5" name="Rectangle 4"/>
+          <p:cNvSpPr/>
+          <p:nvPr/>
+        </p:nvSpPr>
+        <p:spPr>
+          <a:xfrm>
+            <a:off x="457200" y="3861048"/>
+            <a:ext cx="8219256" cy="2031325"/>
+          </a:xfrm>
+          <a:prstGeom prst="rect">
+            <a:avLst/>
+          </a:prstGeom>
+          <a:solidFill>
+            <a:schemeClr val="bg1"/>
+          </a:solidFill>
+        </p:spPr>
+        <p:txBody>
+          <a:bodyPr wrap="square">
+            <a:spAutoFit/>
           </a:bodyPr>
           <a:lstStyle/>
           <a:p>
             <a:r>
-              <a:rPr lang="ru-RU" dirty="0" smtClean="0"/>
-              <a:t>Объекты с размером примерно больше 85 килобайт находятся в отдельной куче</a:t>
-            </a:r>
-          </a:p>
-          <a:p>
-            <a:r>
-              <a:rPr lang="ru-RU" dirty="0" smtClean="0"/>
-              <a:t>Данная куча не дефрагментируется т.к. это бы создало большую нагрузку. Фрагментация может возникнуть при интенсивном использовании памяти (сотни мегабайт) и программа выделяет большие временные объекты.</a:t>
-            </a:r>
-          </a:p>
-          <a:p>
-            <a:r>
-              <a:rPr lang="ru-RU" dirty="0" smtClean="0"/>
-              <a:t>Объекты в данной куче считаются принадлежащими второму поколению</a:t>
+              <a:rPr lang="en-US" dirty="0">
+                <a:solidFill>
+                  <a:srgbClr val="0000FF"/>
+                </a:solidFill>
+                <a:highlight>
+                  <a:srgbClr val="FFFFFF"/>
+                </a:highlight>
+                <a:latin typeface="Consolas"/>
+              </a:rPr>
+              <a:t>&lt;?</a:t>
+            </a:r>
+            <a:r>
+              <a:rPr lang="en-US" dirty="0">
+                <a:solidFill>
+                  <a:srgbClr val="A31515"/>
+                </a:solidFill>
+                <a:highlight>
+                  <a:srgbClr val="FFFFFF"/>
+                </a:highlight>
+                <a:latin typeface="Consolas"/>
+              </a:rPr>
+              <a:t>xml</a:t>
+            </a:r>
+            <a:r>
+              <a:rPr lang="en-US" dirty="0">
+                <a:solidFill>
+                  <a:srgbClr val="0000FF"/>
+                </a:solidFill>
+                <a:highlight>
+                  <a:srgbClr val="FFFFFF"/>
+                </a:highlight>
+                <a:latin typeface="Consolas"/>
+              </a:rPr>
+              <a:t> </a:t>
+            </a:r>
+            <a:r>
+              <a:rPr lang="en-US" dirty="0">
+                <a:solidFill>
+                  <a:srgbClr val="FF0000"/>
+                </a:solidFill>
+                <a:highlight>
+                  <a:srgbClr val="FFFFFF"/>
+                </a:highlight>
+                <a:latin typeface="Consolas"/>
+              </a:rPr>
+              <a:t>version</a:t>
+            </a:r>
+            <a:r>
+              <a:rPr lang="en-US" dirty="0">
+                <a:solidFill>
+                  <a:srgbClr val="0000FF"/>
+                </a:solidFill>
+                <a:highlight>
+                  <a:srgbClr val="FFFFFF"/>
+                </a:highlight>
+                <a:latin typeface="Consolas"/>
+              </a:rPr>
+              <a:t>=</a:t>
+            </a:r>
+            <a:r>
+              <a:rPr lang="en-US" dirty="0">
+                <a:solidFill>
+                  <a:srgbClr val="000000"/>
+                </a:solidFill>
+                <a:highlight>
+                  <a:srgbClr val="FFFFFF"/>
+                </a:highlight>
+                <a:latin typeface="Consolas"/>
+              </a:rPr>
+              <a:t>"</a:t>
+            </a:r>
+            <a:r>
+              <a:rPr lang="en-US" dirty="0">
+                <a:solidFill>
+                  <a:srgbClr val="0000FF"/>
+                </a:solidFill>
+                <a:highlight>
+                  <a:srgbClr val="FFFFFF"/>
+                </a:highlight>
+                <a:latin typeface="Consolas"/>
+              </a:rPr>
+              <a:t>1.0</a:t>
+            </a:r>
+            <a:r>
+              <a:rPr lang="en-US" dirty="0">
+                <a:solidFill>
+                  <a:srgbClr val="000000"/>
+                </a:solidFill>
+                <a:highlight>
+                  <a:srgbClr val="FFFFFF"/>
+                </a:highlight>
+                <a:latin typeface="Consolas"/>
+              </a:rPr>
+              <a:t>"</a:t>
+            </a:r>
+            <a:r>
+              <a:rPr lang="en-US" dirty="0">
+                <a:solidFill>
+                  <a:srgbClr val="0000FF"/>
+                </a:solidFill>
+                <a:highlight>
+                  <a:srgbClr val="FFFFFF"/>
+                </a:highlight>
+                <a:latin typeface="Consolas"/>
+              </a:rPr>
+              <a:t> </a:t>
+            </a:r>
+            <a:r>
+              <a:rPr lang="en-US" dirty="0">
+                <a:solidFill>
+                  <a:srgbClr val="FF0000"/>
+                </a:solidFill>
+                <a:highlight>
+                  <a:srgbClr val="FFFFFF"/>
+                </a:highlight>
+                <a:latin typeface="Consolas"/>
+              </a:rPr>
+              <a:t>encoding</a:t>
+            </a:r>
+            <a:r>
+              <a:rPr lang="en-US" dirty="0">
+                <a:solidFill>
+                  <a:srgbClr val="0000FF"/>
+                </a:solidFill>
+                <a:highlight>
+                  <a:srgbClr val="FFFFFF"/>
+                </a:highlight>
+                <a:latin typeface="Consolas"/>
+              </a:rPr>
+              <a:t>=</a:t>
+            </a:r>
+            <a:r>
+              <a:rPr lang="en-US" dirty="0">
+                <a:solidFill>
+                  <a:srgbClr val="000000"/>
+                </a:solidFill>
+                <a:highlight>
+                  <a:srgbClr val="FFFFFF"/>
+                </a:highlight>
+                <a:latin typeface="Consolas"/>
+              </a:rPr>
+              <a:t>"</a:t>
+            </a:r>
+            <a:r>
+              <a:rPr lang="en-US" dirty="0">
+                <a:solidFill>
+                  <a:srgbClr val="0000FF"/>
+                </a:solidFill>
+                <a:highlight>
+                  <a:srgbClr val="FFFFFF"/>
+                </a:highlight>
+                <a:latin typeface="Consolas"/>
+              </a:rPr>
+              <a:t>utf-8</a:t>
+            </a:r>
+            <a:r>
+              <a:rPr lang="en-US" dirty="0">
+                <a:solidFill>
+                  <a:srgbClr val="000000"/>
+                </a:solidFill>
+                <a:highlight>
+                  <a:srgbClr val="FFFFFF"/>
+                </a:highlight>
+                <a:latin typeface="Consolas"/>
+              </a:rPr>
+              <a:t>"</a:t>
+            </a:r>
+            <a:r>
+              <a:rPr lang="en-US" dirty="0">
+                <a:solidFill>
+                  <a:srgbClr val="0000FF"/>
+                </a:solidFill>
+                <a:highlight>
+                  <a:srgbClr val="FFFFFF"/>
+                </a:highlight>
+                <a:latin typeface="Consolas"/>
+              </a:rPr>
+              <a:t> ?&gt;</a:t>
+            </a:r>
+            <a:endParaRPr lang="en-US" dirty="0">
+              <a:solidFill>
+                <a:srgbClr val="000000"/>
+              </a:solidFill>
+              <a:highlight>
+                <a:srgbClr val="FFFFFF"/>
+              </a:highlight>
+              <a:latin typeface="Consolas"/>
+            </a:endParaRPr>
+          </a:p>
+          <a:p>
+            <a:r>
+              <a:rPr lang="en-US" dirty="0">
+                <a:solidFill>
+                  <a:srgbClr val="0000FF"/>
+                </a:solidFill>
+                <a:highlight>
+                  <a:srgbClr val="FFFFFF"/>
+                </a:highlight>
+                <a:latin typeface="Consolas"/>
+              </a:rPr>
+              <a:t>&lt;</a:t>
+            </a:r>
+            <a:r>
+              <a:rPr lang="en-US" dirty="0">
+                <a:solidFill>
+                  <a:srgbClr val="A31515"/>
+                </a:solidFill>
+                <a:highlight>
+                  <a:srgbClr val="FFFFFF"/>
+                </a:highlight>
+                <a:latin typeface="Consolas"/>
+              </a:rPr>
+              <a:t>configuration</a:t>
+            </a:r>
+            <a:r>
+              <a:rPr lang="en-US" dirty="0">
+                <a:solidFill>
+                  <a:srgbClr val="0000FF"/>
+                </a:solidFill>
+                <a:highlight>
+                  <a:srgbClr val="FFFFFF"/>
+                </a:highlight>
+                <a:latin typeface="Consolas"/>
+              </a:rPr>
+              <a:t>&gt;</a:t>
+            </a:r>
+            <a:endParaRPr lang="en-US" dirty="0">
+              <a:solidFill>
+                <a:srgbClr val="000000"/>
+              </a:solidFill>
+              <a:highlight>
+                <a:srgbClr val="FFFFFF"/>
+              </a:highlight>
+              <a:latin typeface="Consolas"/>
+            </a:endParaRPr>
+          </a:p>
+          <a:p>
+            <a:r>
+              <a:rPr lang="en-US" dirty="0" smtClean="0">
+                <a:solidFill>
+                  <a:srgbClr val="0000FF"/>
+                </a:solidFill>
+                <a:highlight>
+                  <a:srgbClr val="FFFFFF"/>
+                </a:highlight>
+                <a:latin typeface="Consolas"/>
+              </a:rPr>
+              <a:t>  &lt;</a:t>
+            </a:r>
+            <a:r>
+              <a:rPr lang="en-US" dirty="0" smtClean="0">
+                <a:solidFill>
+                  <a:srgbClr val="A31515"/>
+                </a:solidFill>
+                <a:highlight>
+                  <a:srgbClr val="FFFFFF"/>
+                </a:highlight>
+                <a:latin typeface="Consolas"/>
+              </a:rPr>
+              <a:t>runtime</a:t>
+            </a:r>
+            <a:r>
+              <a:rPr lang="en-US" dirty="0" smtClean="0">
+                <a:solidFill>
+                  <a:srgbClr val="0000FF"/>
+                </a:solidFill>
+                <a:highlight>
+                  <a:srgbClr val="FFFFFF"/>
+                </a:highlight>
+                <a:latin typeface="Consolas"/>
+              </a:rPr>
+              <a:t>&gt;</a:t>
+            </a:r>
+            <a:endParaRPr lang="en-US" dirty="0" smtClean="0">
+              <a:solidFill>
+                <a:srgbClr val="000000"/>
+              </a:solidFill>
+              <a:highlight>
+                <a:srgbClr val="FFFFFF"/>
+              </a:highlight>
+              <a:latin typeface="Consolas"/>
+            </a:endParaRPr>
+          </a:p>
+          <a:p>
+            <a:r>
+              <a:rPr lang="en-US" dirty="0" smtClean="0">
+                <a:solidFill>
+                  <a:srgbClr val="0000FF"/>
+                </a:solidFill>
+                <a:highlight>
+                  <a:srgbClr val="FFFFFF"/>
+                </a:highlight>
+                <a:latin typeface="Consolas"/>
+              </a:rPr>
+              <a:t>    </a:t>
+            </a:r>
+            <a:r>
+              <a:rPr lang="en-US" dirty="0">
+                <a:solidFill>
+                  <a:srgbClr val="0000FF"/>
+                </a:solidFill>
+                <a:highlight>
+                  <a:srgbClr val="FFFFFF"/>
+                </a:highlight>
+                <a:latin typeface="Consolas"/>
+              </a:rPr>
+              <a:t>&lt;</a:t>
+            </a:r>
+            <a:r>
+              <a:rPr lang="en-US" dirty="0" err="1" smtClean="0">
+                <a:solidFill>
+                  <a:srgbClr val="A31515"/>
+                </a:solidFill>
+                <a:highlight>
+                  <a:srgbClr val="FFFFFF"/>
+                </a:highlight>
+                <a:latin typeface="Consolas"/>
+              </a:rPr>
+              <a:t>gcServer</a:t>
+            </a:r>
+            <a:r>
+              <a:rPr lang="en-US" dirty="0" smtClean="0">
+                <a:solidFill>
+                  <a:srgbClr val="A31515"/>
+                </a:solidFill>
+                <a:highlight>
+                  <a:srgbClr val="FFFFFF"/>
+                </a:highlight>
+                <a:latin typeface="Consolas"/>
+              </a:rPr>
+              <a:t> enabled</a:t>
+            </a:r>
+            <a:r>
+              <a:rPr lang="en-US" dirty="0">
+                <a:solidFill>
+                  <a:srgbClr val="0000FF"/>
+                </a:solidFill>
+                <a:highlight>
+                  <a:srgbClr val="FFFFFF"/>
+                </a:highlight>
+                <a:latin typeface="Consolas"/>
+              </a:rPr>
+              <a:t>=</a:t>
+            </a:r>
+            <a:r>
+              <a:rPr lang="en-US" dirty="0">
+                <a:solidFill>
+                  <a:srgbClr val="000000"/>
+                </a:solidFill>
+                <a:highlight>
+                  <a:srgbClr val="FFFFFF"/>
+                </a:highlight>
+                <a:latin typeface="Consolas"/>
+              </a:rPr>
+              <a:t>"</a:t>
+            </a:r>
+            <a:r>
+              <a:rPr lang="en-US" dirty="0" err="1">
+                <a:solidFill>
+                  <a:srgbClr val="0000FF"/>
+                </a:solidFill>
+                <a:highlight>
+                  <a:srgbClr val="FFFFFF"/>
+                </a:highlight>
+                <a:latin typeface="Consolas"/>
+              </a:rPr>
+              <a:t>true|</a:t>
+            </a:r>
+            <a:r>
+              <a:rPr lang="en-US" b="1" dirty="0" err="1">
+                <a:solidFill>
+                  <a:srgbClr val="0000FF"/>
+                </a:solidFill>
+                <a:highlight>
+                  <a:srgbClr val="FFFFFF"/>
+                </a:highlight>
+                <a:latin typeface="Consolas"/>
+              </a:rPr>
+              <a:t>false</a:t>
+            </a:r>
+            <a:r>
+              <a:rPr lang="en-US" dirty="0">
+                <a:solidFill>
+                  <a:srgbClr val="000000"/>
+                </a:solidFill>
+                <a:highlight>
+                  <a:srgbClr val="FFFFFF"/>
+                </a:highlight>
+                <a:latin typeface="Consolas"/>
+              </a:rPr>
+              <a:t>"</a:t>
+            </a:r>
+            <a:r>
+              <a:rPr lang="en-US" dirty="0">
+                <a:solidFill>
+                  <a:srgbClr val="0000FF"/>
+                </a:solidFill>
+                <a:highlight>
+                  <a:srgbClr val="FFFFFF"/>
+                </a:highlight>
+                <a:latin typeface="Consolas"/>
+              </a:rPr>
+              <a:t> /&gt;</a:t>
+            </a:r>
+            <a:endParaRPr lang="en-US" dirty="0">
+              <a:solidFill>
+                <a:srgbClr val="000000"/>
+              </a:solidFill>
+              <a:highlight>
+                <a:srgbClr val="FFFFFF"/>
+              </a:highlight>
+              <a:latin typeface="Consolas"/>
+            </a:endParaRPr>
+          </a:p>
+          <a:p>
+            <a:r>
+              <a:rPr lang="en-US" dirty="0">
+                <a:solidFill>
+                  <a:srgbClr val="0000FF"/>
+                </a:solidFill>
+                <a:highlight>
+                  <a:srgbClr val="FFFFFF"/>
+                </a:highlight>
+                <a:latin typeface="Consolas"/>
+              </a:rPr>
+              <a:t>    </a:t>
+            </a:r>
+            <a:r>
+              <a:rPr lang="en-US" dirty="0" smtClean="0">
+                <a:solidFill>
+                  <a:srgbClr val="0000FF"/>
+                </a:solidFill>
+                <a:highlight>
+                  <a:srgbClr val="FFFFFF"/>
+                </a:highlight>
+                <a:latin typeface="Consolas"/>
+              </a:rPr>
+              <a:t>&lt;</a:t>
+            </a:r>
+            <a:r>
+              <a:rPr lang="en-US" dirty="0" err="1" smtClean="0">
+                <a:solidFill>
+                  <a:srgbClr val="A31515"/>
+                </a:solidFill>
+                <a:highlight>
+                  <a:srgbClr val="FFFFFF"/>
+                </a:highlight>
+                <a:latin typeface="Consolas"/>
+              </a:rPr>
+              <a:t>gcConcurrent</a:t>
+            </a:r>
+            <a:r>
+              <a:rPr lang="en-US" dirty="0" smtClean="0">
+                <a:solidFill>
+                  <a:srgbClr val="A31515"/>
+                </a:solidFill>
+                <a:highlight>
+                  <a:srgbClr val="FFFFFF"/>
+                </a:highlight>
+                <a:latin typeface="Consolas"/>
+              </a:rPr>
+              <a:t> enabled</a:t>
+            </a:r>
+            <a:r>
+              <a:rPr lang="en-US" dirty="0">
+                <a:solidFill>
+                  <a:srgbClr val="0000FF"/>
+                </a:solidFill>
+                <a:highlight>
+                  <a:srgbClr val="FFFFFF"/>
+                </a:highlight>
+                <a:latin typeface="Consolas"/>
+              </a:rPr>
+              <a:t>=</a:t>
+            </a:r>
+            <a:r>
+              <a:rPr lang="en-US" dirty="0">
+                <a:solidFill>
+                  <a:srgbClr val="000000"/>
+                </a:solidFill>
+                <a:highlight>
+                  <a:srgbClr val="FFFFFF"/>
+                </a:highlight>
+                <a:latin typeface="Consolas"/>
+              </a:rPr>
+              <a:t>"</a:t>
+            </a:r>
+            <a:r>
+              <a:rPr lang="en-US" b="1" dirty="0" err="1">
+                <a:solidFill>
+                  <a:srgbClr val="0000FF"/>
+                </a:solidFill>
+                <a:highlight>
+                  <a:srgbClr val="FFFFFF"/>
+                </a:highlight>
+                <a:latin typeface="Consolas"/>
+              </a:rPr>
+              <a:t>true</a:t>
+            </a:r>
+            <a:r>
+              <a:rPr lang="en-US" dirty="0" err="1">
+                <a:solidFill>
+                  <a:srgbClr val="0000FF"/>
+                </a:solidFill>
+                <a:highlight>
+                  <a:srgbClr val="FFFFFF"/>
+                </a:highlight>
+                <a:latin typeface="Consolas"/>
+              </a:rPr>
+              <a:t>|false</a:t>
+            </a:r>
+            <a:r>
+              <a:rPr lang="en-US" dirty="0">
+                <a:solidFill>
+                  <a:srgbClr val="000000"/>
+                </a:solidFill>
+                <a:highlight>
+                  <a:srgbClr val="FFFFFF"/>
+                </a:highlight>
+                <a:latin typeface="Consolas"/>
+              </a:rPr>
+              <a:t>"</a:t>
+            </a:r>
+            <a:r>
+              <a:rPr lang="en-US" dirty="0">
+                <a:solidFill>
+                  <a:srgbClr val="0000FF"/>
+                </a:solidFill>
+                <a:highlight>
+                  <a:srgbClr val="FFFFFF"/>
+                </a:highlight>
+                <a:latin typeface="Consolas"/>
+              </a:rPr>
+              <a:t> /&gt;</a:t>
+            </a:r>
+            <a:endParaRPr lang="en-US" dirty="0">
+              <a:solidFill>
+                <a:srgbClr val="000000"/>
+              </a:solidFill>
+              <a:highlight>
+                <a:srgbClr val="FFFFFF"/>
+              </a:highlight>
+              <a:latin typeface="Consolas"/>
+            </a:endParaRPr>
+          </a:p>
+          <a:p>
+            <a:r>
+              <a:rPr lang="en-US" dirty="0">
+                <a:solidFill>
+                  <a:srgbClr val="0000FF"/>
+                </a:solidFill>
+                <a:highlight>
+                  <a:srgbClr val="FFFFFF"/>
+                </a:highlight>
+                <a:latin typeface="Consolas"/>
+              </a:rPr>
+              <a:t>  &lt;/</a:t>
+            </a:r>
+            <a:r>
+              <a:rPr lang="en-US" dirty="0">
+                <a:solidFill>
+                  <a:srgbClr val="A31515"/>
+                </a:solidFill>
+                <a:highlight>
+                  <a:srgbClr val="FFFFFF"/>
+                </a:highlight>
+                <a:latin typeface="Consolas"/>
+              </a:rPr>
+              <a:t>runtime</a:t>
+            </a:r>
+            <a:r>
+              <a:rPr lang="en-US" dirty="0">
+                <a:solidFill>
+                  <a:srgbClr val="0000FF"/>
+                </a:solidFill>
+                <a:highlight>
+                  <a:srgbClr val="FFFFFF"/>
+                </a:highlight>
+                <a:latin typeface="Consolas"/>
+              </a:rPr>
+              <a:t>&gt;</a:t>
+            </a:r>
+            <a:endParaRPr lang="en-US" dirty="0">
+              <a:solidFill>
+                <a:srgbClr val="000000"/>
+              </a:solidFill>
+              <a:highlight>
+                <a:srgbClr val="FFFFFF"/>
+              </a:highlight>
+              <a:latin typeface="Consolas"/>
+            </a:endParaRPr>
+          </a:p>
+          <a:p>
+            <a:r>
+              <a:rPr lang="en-US" dirty="0">
+                <a:solidFill>
+                  <a:srgbClr val="0000FF"/>
+                </a:solidFill>
+                <a:highlight>
+                  <a:srgbClr val="FFFFFF"/>
+                </a:highlight>
+                <a:latin typeface="Consolas"/>
+              </a:rPr>
+              <a:t>&lt;/</a:t>
+            </a:r>
+            <a:r>
+              <a:rPr lang="en-US" dirty="0">
+                <a:solidFill>
+                  <a:srgbClr val="A31515"/>
+                </a:solidFill>
+                <a:highlight>
+                  <a:srgbClr val="FFFFFF"/>
+                </a:highlight>
+                <a:latin typeface="Consolas"/>
+              </a:rPr>
+              <a:t>configuration</a:t>
+            </a:r>
+            <a:r>
+              <a:rPr lang="en-US" dirty="0">
+                <a:solidFill>
+                  <a:srgbClr val="0000FF"/>
+                </a:solidFill>
+                <a:highlight>
+                  <a:srgbClr val="FFFFFF"/>
+                </a:highlight>
+                <a:latin typeface="Consolas"/>
+              </a:rPr>
+              <a:t>&gt;</a:t>
             </a:r>
             <a:endParaRPr lang="ru-RU" dirty="0"/>
           </a:p>
@@ -8848,20 +9540,13 @@
     </p:spTree>
     <p:extLst>
       <p:ext uri="{BB962C8B-B14F-4D97-AF65-F5344CB8AC3E}">
-        <p14:creationId xmlns:p14="http://schemas.microsoft.com/office/powerpoint/2010/main" val="3103245170"/>
+        <p14:creationId xmlns:p14="http://schemas.microsoft.com/office/powerpoint/2010/main" val="2754726885"/>
       </p:ext>
     </p:extLst>
   </p:cSld>
   <p:clrMapOvr>
     <a:masterClrMapping/>
   </p:clrMapOvr>
-  <p:timing>
-    <p:tnLst>
-      <p:par>
-        <p:cTn id="1" dur="indefinite" restart="never" nodeType="tmRoot"/>
-      </p:par>
-    </p:tnLst>
-  </p:timing>
 </p:sld>
 </file>
 
@@ -8894,33 +9579,16 @@
         </p:nvSpPr>
         <p:spPr/>
         <p:txBody>
-          <a:bodyPr>
-            <a:normAutofit fontScale="90000"/>
-          </a:bodyPr>
+          <a:bodyPr/>
           <a:lstStyle/>
           <a:p>
             <a:r>
               <a:rPr lang="en-US" dirty="0" smtClean="0"/>
-              <a:t>Large Object Heap </a:t>
-            </a:r>
-            <a:r>
-              <a:rPr lang="ru-RU" dirty="0" smtClean="0"/>
-              <a:t>в </a:t>
+              <a:t>Workstation </a:t>
             </a:r>
             <a:r>
               <a:rPr lang="en-US" dirty="0" smtClean="0"/>
-              <a:t>.NET 4.5.1</a:t>
-            </a:r>
-            <a:r>
-              <a:rPr lang="ru-RU" dirty="0" smtClean="0"/>
-              <a:t/>
-            </a:r>
-            <a:br>
-              <a:rPr lang="ru-RU" dirty="0" smtClean="0"/>
-            </a:br>
-            <a:r>
-              <a:rPr lang="ru-RU" dirty="0" smtClean="0"/>
-              <a:t>и выше</a:t>
+              <a:t>GC</a:t>
             </a:r>
             <a:endParaRPr lang="ru-RU" dirty="0"/>
           </a:p>
@@ -8939,141 +9607,104 @@
         <p:spPr/>
         <p:txBody>
           <a:bodyPr>
-            <a:normAutofit lnSpcReduction="10000"/>
+            <a:normAutofit fontScale="85000" lnSpcReduction="20000"/>
           </a:bodyPr>
           <a:lstStyle/>
           <a:p>
-            <a:pPr marL="0" indent="0">
-              <a:buNone/>
-            </a:pPr>
             <a:r>
               <a:rPr lang="ru-RU" dirty="0" smtClean="0"/>
-              <a:t>Добавлена возможность дефрагментации </a:t>
-            </a:r>
+              <a:t>Используется </a:t>
+            </a:r>
+            <a:r>
+              <a:rPr lang="ru-RU" dirty="0"/>
+              <a:t>по умолчанию для </a:t>
+            </a:r>
+            <a:r>
+              <a:rPr lang="en-US" dirty="0"/>
+              <a:t>desktop </a:t>
+            </a:r>
+            <a:r>
+              <a:rPr lang="ru-RU" dirty="0"/>
+              <a:t>приложений</a:t>
+            </a:r>
+          </a:p>
+          <a:p>
+            <a:r>
+              <a:rPr lang="en-US" dirty="0"/>
+              <a:t>GC </a:t>
+            </a:r>
+            <a:r>
+              <a:rPr lang="ru-RU" dirty="0"/>
+              <a:t>работает только в одном потоке. Нет выгоды от использования многоядерных </a:t>
+            </a:r>
+            <a:r>
+              <a:rPr lang="ru-RU" dirty="0" smtClean="0"/>
+              <a:t>процессоров</a:t>
+            </a:r>
+          </a:p>
+          <a:p>
             <a:r>
               <a:rPr lang="en-US" dirty="0" smtClean="0"/>
-              <a:t>LOH </a:t>
-            </a:r>
+              <a:t>Concurrent </a:t>
+            </a:r>
+            <a:r>
+              <a:rPr lang="en-US" dirty="0"/>
+              <a:t>Workstation </a:t>
+            </a:r>
+            <a:r>
+              <a:rPr lang="en-US" dirty="0" smtClean="0"/>
+              <a:t>GC</a:t>
+            </a:r>
+            <a:endParaRPr lang="ru-RU" dirty="0" smtClean="0"/>
+          </a:p>
+          <a:p>
+            <a:pPr lvl="1"/>
             <a:r>
               <a:rPr lang="ru-RU" dirty="0" smtClean="0"/>
-              <a:t>по запросу.</a:t>
-            </a:r>
-          </a:p>
-          <a:p>
-            <a:pPr marL="0" indent="0">
-              <a:buNone/>
-            </a:pPr>
-            <a:endParaRPr lang="ru-RU" dirty="0"/>
-          </a:p>
-          <a:p>
-            <a:pPr marL="0" indent="0">
-              <a:buNone/>
-            </a:pPr>
-            <a:r>
-              <a:rPr lang="en-US" sz="1600" dirty="0" err="1">
-                <a:latin typeface="Consolas" panose="020B0609020204030204" pitchFamily="49" charset="0"/>
-                <a:cs typeface="Consolas" panose="020B0609020204030204" pitchFamily="49" charset="0"/>
-              </a:rPr>
-              <a:t>GCSettings.LargeObjectHeapCompactionMode</a:t>
-            </a:r>
-            <a:r>
-              <a:rPr lang="en-US" sz="1600" dirty="0">
-                <a:latin typeface="Consolas" panose="020B0609020204030204" pitchFamily="49" charset="0"/>
-                <a:cs typeface="Consolas" panose="020B0609020204030204" pitchFamily="49" charset="0"/>
-              </a:rPr>
-              <a:t> </a:t>
-            </a:r>
-            <a:r>
-              <a:rPr lang="en-US" sz="1600" dirty="0" smtClean="0">
-                <a:latin typeface="Consolas" panose="020B0609020204030204" pitchFamily="49" charset="0"/>
-                <a:cs typeface="Consolas" panose="020B0609020204030204" pitchFamily="49" charset="0"/>
-              </a:rPr>
-              <a:t>=</a:t>
-            </a:r>
-            <a:br>
-              <a:rPr lang="en-US" sz="1600" dirty="0" smtClean="0">
-                <a:latin typeface="Consolas" panose="020B0609020204030204" pitchFamily="49" charset="0"/>
-                <a:cs typeface="Consolas" panose="020B0609020204030204" pitchFamily="49" charset="0"/>
-              </a:rPr>
-            </a:br>
-            <a:r>
-              <a:rPr lang="en-US" sz="1600" dirty="0" smtClean="0">
-                <a:latin typeface="Consolas" panose="020B0609020204030204" pitchFamily="49" charset="0"/>
-                <a:cs typeface="Consolas" panose="020B0609020204030204" pitchFamily="49" charset="0"/>
-              </a:rPr>
-              <a:t>              </a:t>
-            </a:r>
-            <a:r>
-              <a:rPr lang="en-US" sz="1600" dirty="0" err="1" smtClean="0">
-                <a:latin typeface="Consolas" panose="020B0609020204030204" pitchFamily="49" charset="0"/>
-                <a:cs typeface="Consolas" panose="020B0609020204030204" pitchFamily="49" charset="0"/>
-              </a:rPr>
-              <a:t>GCLargeObjectHeapCompactionMode.CompactOnce</a:t>
-            </a:r>
-            <a:r>
-              <a:rPr lang="en-US" sz="1600" dirty="0" smtClean="0">
-                <a:latin typeface="Consolas" panose="020B0609020204030204" pitchFamily="49" charset="0"/>
-                <a:cs typeface="Consolas" panose="020B0609020204030204" pitchFamily="49" charset="0"/>
-              </a:rPr>
-              <a:t>;</a:t>
-            </a:r>
-            <a:r>
-              <a:rPr lang="ru-RU" sz="1600" dirty="0" smtClean="0">
-                <a:latin typeface="Consolas" panose="020B0609020204030204" pitchFamily="49" charset="0"/>
-                <a:cs typeface="Consolas" panose="020B0609020204030204" pitchFamily="49" charset="0"/>
-              </a:rPr>
-              <a:t/>
-            </a:r>
-            <a:br>
-              <a:rPr lang="ru-RU" sz="1600" dirty="0" smtClean="0">
-                <a:latin typeface="Consolas" panose="020B0609020204030204" pitchFamily="49" charset="0"/>
-                <a:cs typeface="Consolas" panose="020B0609020204030204" pitchFamily="49" charset="0"/>
-              </a:rPr>
-            </a:br>
-            <a:r>
-              <a:rPr lang="en-US" sz="1600" dirty="0" err="1" smtClean="0">
-                <a:latin typeface="Consolas" panose="020B0609020204030204" pitchFamily="49" charset="0"/>
-                <a:cs typeface="Consolas" panose="020B0609020204030204" pitchFamily="49" charset="0"/>
-              </a:rPr>
-              <a:t>GC.Collect</a:t>
-            </a:r>
-            <a:r>
-              <a:rPr lang="en-US" sz="1600" dirty="0" smtClean="0">
-                <a:latin typeface="Consolas" panose="020B0609020204030204" pitchFamily="49" charset="0"/>
-                <a:cs typeface="Consolas" panose="020B0609020204030204" pitchFamily="49" charset="0"/>
-              </a:rPr>
-              <a:t>();</a:t>
-            </a:r>
-            <a:endParaRPr lang="ru-RU" sz="1600" dirty="0" smtClean="0">
-              <a:latin typeface="Consolas" panose="020B0609020204030204" pitchFamily="49" charset="0"/>
-              <a:cs typeface="Consolas" panose="020B0609020204030204" pitchFamily="49" charset="0"/>
-            </a:endParaRPr>
-          </a:p>
-          <a:p>
-            <a:pPr marL="0" indent="0">
-              <a:buNone/>
-            </a:pPr>
-            <a:endParaRPr lang="ru-RU" dirty="0"/>
-          </a:p>
-          <a:p>
-            <a:pPr marL="0" indent="0">
-              <a:buNone/>
-            </a:pPr>
+              <a:t>Отдельный поток для </a:t>
+            </a:r>
+            <a:r>
+              <a:rPr lang="en-US" dirty="0" smtClean="0"/>
+              <a:t>GC</a:t>
+            </a:r>
+          </a:p>
+          <a:p>
+            <a:pPr lvl="1"/>
             <a:r>
               <a:rPr lang="ru-RU" dirty="0" smtClean="0"/>
-              <a:t>После полной сборки мусора свойство </a:t>
-            </a:r>
-            <a:r>
-              <a:rPr lang="en-US" dirty="0" err="1" smtClean="0"/>
-              <a:t>LargeObjectHeapCompactionMode</a:t>
+              <a:t>Работает паралельно с приложением. Минимальные задержки исполнения</a:t>
+            </a:r>
+          </a:p>
+          <a:p>
+            <a:r>
+              <a:rPr lang="en-US" dirty="0" smtClean="0"/>
+              <a:t>Non-concurrent </a:t>
+            </a:r>
+            <a:r>
+              <a:rPr lang="en-US" dirty="0"/>
+              <a:t>Workstation </a:t>
+            </a:r>
+            <a:r>
+              <a:rPr lang="en-US" dirty="0" smtClean="0"/>
+              <a:t>GC</a:t>
+            </a:r>
+          </a:p>
+          <a:p>
+            <a:pPr lvl="1"/>
+            <a:r>
+              <a:rPr lang="en-US" dirty="0" smtClean="0"/>
+              <a:t>GC </a:t>
             </a:r>
             <a:r>
               <a:rPr lang="ru-RU" dirty="0" smtClean="0"/>
-              <a:t> принимает значение </a:t>
-            </a:r>
-            <a:r>
-              <a:rPr lang="en-US" dirty="0" smtClean="0"/>
-              <a:t>Default.</a:t>
+              <a:t>запускается в контексте одного из потоков приложения</a:t>
+            </a:r>
+          </a:p>
+          <a:p>
+            <a:pPr lvl="1"/>
+            <a:r>
+              <a:rPr lang="ru-RU" dirty="0" smtClean="0"/>
+              <a:t>Все остальные потоки останавливаются</a:t>
             </a:r>
             <a:endParaRPr lang="ru-RU" dirty="0"/>
           </a:p>
@@ -9082,20 +9713,13 @@
     </p:spTree>
     <p:extLst>
       <p:ext uri="{BB962C8B-B14F-4D97-AF65-F5344CB8AC3E}">
-        <p14:creationId xmlns:p14="http://schemas.microsoft.com/office/powerpoint/2010/main" val="4119858216"/>
+        <p14:creationId xmlns:p14="http://schemas.microsoft.com/office/powerpoint/2010/main" val="2543352552"/>
       </p:ext>
     </p:extLst>
   </p:cSld>
   <p:clrMapOvr>
     <a:masterClrMapping/>
   </p:clrMapOvr>
-  <p:timing>
-    <p:tnLst>
-      <p:par>
-        <p:cTn id="1" dur="indefinite" restart="never" nodeType="tmRoot"/>
-      </p:par>
-    </p:tnLst>
-  </p:timing>
 </p:sld>
 </file>
 
@@ -9132,20 +9756,8 @@
           <a:lstStyle/>
           <a:p>
             <a:r>
-              <a:rPr lang="ru-RU" dirty="0" smtClean="0"/>
-              <a:t>Конфигурация </a:t>
-            </a:r>
-            <a:r>
               <a:rPr lang="en-US" dirty="0" smtClean="0"/>
-              <a:t>Debug </a:t>
-            </a:r>
-            <a:r>
-              <a:rPr lang="ru-RU" dirty="0" smtClean="0"/>
-              <a:t>и </a:t>
-            </a:r>
-            <a:r>
-              <a:rPr lang="en-US" dirty="0" smtClean="0"/>
-              <a:t>GC</a:t>
+              <a:t>Server GC</a:t>
             </a:r>
             <a:endParaRPr lang="ru-RU" dirty="0"/>
           </a:p>
@@ -9163,31 +9775,14 @@
         </p:nvSpPr>
         <p:spPr/>
         <p:txBody>
-          <a:bodyPr/>
+          <a:bodyPr>
+            <a:normAutofit lnSpcReduction="10000"/>
+          </a:bodyPr>
           <a:lstStyle/>
           <a:p>
-            <a:pPr marL="0" indent="0">
-              <a:buNone/>
-            </a:pPr>
             <a:r>
               <a:rPr lang="ru-RU" dirty="0" smtClean="0"/>
-              <a:t>При компиляции проекта в конфигурации </a:t>
-            </a:r>
-            <a:r>
-              <a:rPr lang="en-US" dirty="0" smtClean="0"/>
-              <a:t>Debug </a:t>
-            </a:r>
-            <a:r>
-              <a:rPr lang="ru-RU" dirty="0" smtClean="0"/>
-              <a:t>к сборке добавляется атрибут </a:t>
-            </a:r>
-            <a:r>
-              <a:rPr lang="en-US" dirty="0" err="1" smtClean="0"/>
-              <a:t>DebuggableAttribute</a:t>
-            </a:r>
-            <a:r>
-              <a:rPr lang="ru-RU" dirty="0" smtClean="0"/>
-              <a:t>	который дает команду </a:t>
+              <a:t>Отдельный </a:t>
             </a:r>
             <a:r>
               <a:rPr lang="en-US" dirty="0" smtClean="0"/>
@@ -9195,20 +9790,98 @@
             </a:r>
             <a:r>
               <a:rPr lang="ru-RU" dirty="0" smtClean="0"/>
-              <a:t>исскуственно продлевать время жизни локальных переменных до завершения метода. </a:t>
-            </a:r>
-            <a:r>
-              <a:rPr lang="ru-RU" smtClean="0"/>
-              <a:t>Это сделано чтобы программист мог без помех заниматься отладкой.</a:t>
-            </a:r>
-            <a:endParaRPr lang="ru-RU" dirty="0"/>
+              <a:t>поток для каждого</a:t>
+            </a:r>
+            <a:r>
+              <a:rPr lang="en-US" dirty="0" smtClean="0"/>
+              <a:t> </a:t>
+            </a:r>
+            <a:r>
+              <a:rPr lang="ru-RU" dirty="0" smtClean="0"/>
+              <a:t>ядра</a:t>
+            </a:r>
+          </a:p>
+          <a:p>
+            <a:r>
+              <a:rPr lang="ru-RU" dirty="0" smtClean="0"/>
+              <a:t>Отдельная куча для каждого процессора</a:t>
+            </a:r>
+          </a:p>
+          <a:p>
+            <a:r>
+              <a:rPr lang="ru-RU" dirty="0" smtClean="0"/>
+              <a:t>До .</a:t>
+            </a:r>
+            <a:r>
+              <a:rPr lang="en-US" dirty="0"/>
+              <a:t> NET </a:t>
+            </a:r>
+            <a:r>
+              <a:rPr lang="en-US" dirty="0" smtClean="0"/>
+              <a:t>4.5 </a:t>
+            </a:r>
+            <a:r>
+              <a:rPr lang="ru-RU" dirty="0" smtClean="0"/>
+              <a:t>работал в </a:t>
+            </a:r>
+            <a:r>
+              <a:rPr lang="en-US" dirty="0" smtClean="0"/>
+              <a:t>non</a:t>
+            </a:r>
+            <a:r>
+              <a:rPr lang="ru-RU" dirty="0" smtClean="0"/>
+              <a:t>-</a:t>
+            </a:r>
+            <a:r>
+              <a:rPr lang="en-US" dirty="0" smtClean="0"/>
+              <a:t>concurrent </a:t>
+            </a:r>
+            <a:r>
+              <a:rPr lang="ru-RU" dirty="0" smtClean="0"/>
+              <a:t>режиме. То есть все потоки приложения останавливались во время сборки мусора</a:t>
+            </a:r>
+          </a:p>
+          <a:p>
+            <a:r>
+              <a:rPr lang="ru-RU" dirty="0" smtClean="0"/>
+              <a:t>Начиная с </a:t>
+            </a:r>
+            <a:r>
+              <a:rPr lang="en-US" dirty="0" smtClean="0"/>
+              <a:t>.NET 4.5 </a:t>
+            </a:r>
+            <a:r>
+              <a:rPr lang="ru-RU" dirty="0" smtClean="0"/>
+              <a:t>поддерживает </a:t>
+            </a:r>
+            <a:r>
+              <a:rPr lang="en-US" dirty="0" smtClean="0"/>
+              <a:t>concurrent </a:t>
+            </a:r>
+            <a:r>
+              <a:rPr lang="ru-RU" dirty="0" smtClean="0"/>
+              <a:t>режим. </a:t>
+            </a:r>
+            <a:r>
+              <a:rPr lang="ru-RU" dirty="0" smtClean="0">
+                <a:solidFill>
+                  <a:srgbClr val="FFFF00"/>
+                </a:solidFill>
+              </a:rPr>
+              <a:t>Хороший выбор для приложений которые интенсивно используют память.</a:t>
+            </a:r>
+            <a:endParaRPr lang="ru-RU" dirty="0">
+              <a:solidFill>
+                <a:srgbClr val="FFFF00"/>
+              </a:solidFill>
+            </a:endParaRPr>
           </a:p>
         </p:txBody>
       </p:sp>
     </p:spTree>
     <p:extLst>
       <p:ext uri="{BB962C8B-B14F-4D97-AF65-F5344CB8AC3E}">
-        <p14:creationId xmlns:p14="http://schemas.microsoft.com/office/powerpoint/2010/main" val="1960211568"/>
+        <p14:creationId xmlns:p14="http://schemas.microsoft.com/office/powerpoint/2010/main" val="2172271800"/>
       </p:ext>
     </p:extLst>
   </p:cSld>
@@ -9242,17 +9915,26 @@
             <a:spLocks noGrp="1"/>
           </p:cNvSpPr>
           <p:nvPr>
-            <p:ph type="ctrTitle"/>
+            <p:ph type="title"/>
           </p:nvPr>
         </p:nvSpPr>
         <p:spPr/>
         <p:txBody>
-          <a:bodyPr/>
+          <a:bodyPr>
+            <a:normAutofit fontScale="90000"/>
+          </a:bodyPr>
           <a:lstStyle/>
           <a:p>
             <a:r>
               <a:rPr lang="ru-RU" dirty="0" smtClean="0"/>
-              <a:t>Эффективная работа с памятью</a:t>
+              <a:t>Куча для больших объектов</a:t>
+            </a:r>
+            <a:br>
+              <a:rPr lang="ru-RU" dirty="0" smtClean="0"/>
+            </a:br>
+            <a:r>
+              <a:rPr lang="en-US" dirty="0" smtClean="0"/>
+              <a:t>(Large Object Heap – LOH)</a:t>
             </a:r>
             <a:endParaRPr lang="ru-RU" dirty="0"/>
           </a:p>
@@ -9260,27 +9942,45 @@
       </p:sp>
       <p:sp>
         <p:nvSpPr>
-          <p:cNvPr id="3" name="Subtitle 2"/>
+          <p:cNvPr id="3" name="Content Placeholder 2"/>
           <p:cNvSpPr>
             <a:spLocks noGrp="1"/>
           </p:cNvSpPr>
           <p:nvPr>
-            <p:ph type="subTitle" idx="1"/>
+            <p:ph idx="1"/>
           </p:nvPr>
         </p:nvSpPr>
         <p:spPr/>
         <p:txBody>
-          <a:bodyPr/>
+          <a:bodyPr>
+            <a:normAutofit fontScale="92500" lnSpcReduction="10000"/>
+          </a:bodyPr>
           <a:lstStyle/>
           <a:p>
-            <a:endParaRPr lang="ru-RU"/>
+            <a:r>
+              <a:rPr lang="ru-RU" dirty="0" smtClean="0"/>
+              <a:t>Объекты с размером примерно больше 85 килобайт находятся в отдельной куче</a:t>
+            </a:r>
+          </a:p>
+          <a:p>
+            <a:r>
+              <a:rPr lang="ru-RU" dirty="0" smtClean="0"/>
+              <a:t>Данная куча не дефрагментируется т.к. это бы создало большую нагрузку. Фрагментация может возникнуть при интенсивном использовании памяти (сотни мегабайт) и программа выделяет большие временные объекты.</a:t>
+            </a:r>
+          </a:p>
+          <a:p>
+            <a:r>
+              <a:rPr lang="ru-RU" dirty="0" smtClean="0"/>
+              <a:t>Объекты в данной куче считаются принадлежащими второму поколению</a:t>
+            </a:r>
+            <a:endParaRPr lang="ru-RU" dirty="0"/>
           </a:p>
         </p:txBody>
       </p:sp>
     </p:spTree>
     <p:extLst>
       <p:ext uri="{BB962C8B-B14F-4D97-AF65-F5344CB8AC3E}">
-        <p14:creationId xmlns:p14="http://schemas.microsoft.com/office/powerpoint/2010/main" val="2886455791"/>
+        <p14:creationId xmlns:p14="http://schemas.microsoft.com/office/powerpoint/2010/main" val="3103245170"/>
       </p:ext>
     </p:extLst>
   </p:cSld>
@@ -9332,16 +10032,27 @@
           <a:lstStyle/>
           <a:p>
             <a:r>
+              <a:rPr lang="en-US" dirty="0" smtClean="0"/>
+              <a:t>Large Object Heap </a:t>
+            </a:r>
+            <a:r>
               <a:rPr lang="ru-RU" dirty="0" smtClean="0"/>
-              <a:t>Два способа сделать </a:t>
+              <a:t>в </a:t>
             </a:r>
             <a:r>
               <a:rPr lang="en-US" dirty="0" smtClean="0"/>
-              <a:t>GC </a:t>
+              <a:t>.NET 4.5.1</a:t>
             </a:r>
             <a:r>
               <a:rPr lang="ru-RU" dirty="0" smtClean="0"/>
-              <a:t>«счастливым»</a:t>
+              <a:t/>
+            </a:r>
+            <a:br>
+              <a:rPr lang="ru-RU" dirty="0" smtClean="0"/>
+            </a:br>
+            <a:r>
+              <a:rPr lang="ru-RU" dirty="0" smtClean="0"/>
+              <a:t>и выше</a:t>
             </a:r>
             <a:endParaRPr lang="ru-RU" dirty="0"/>
           </a:p>
@@ -9349,55 +10060,35 @@
       </p:sp>
       <p:sp>
         <p:nvSpPr>
-          <p:cNvPr id="4" name="Content Placeholder 3"/>
+          <p:cNvPr id="3" name="Content Placeholder 2"/>
           <p:cNvSpPr>
             <a:spLocks noGrp="1"/>
           </p:cNvSpPr>
           <p:nvPr>
-            <p:ph sz="half" idx="1"/>
+            <p:ph idx="1"/>
           </p:nvPr>
         </p:nvSpPr>
-        <p:spPr>
-          <a:ln>
-            <a:solidFill>
-              <a:schemeClr val="bg1"/>
-            </a:solidFill>
-          </a:ln>
-        </p:spPr>
+        <p:spPr/>
         <p:txBody>
           <a:bodyPr>
-            <a:normAutofit fontScale="92500"/>
+            <a:normAutofit lnSpcReduction="10000"/>
           </a:bodyPr>
           <a:lstStyle/>
-          <a:p>
-            <a:pPr marL="0" indent="0" algn="ctr">
-              <a:buNone/>
-            </a:pPr>
-            <a:r>
-              <a:rPr lang="ru-RU" b="1" dirty="0" smtClean="0"/>
-              <a:t>Заставить его</a:t>
-            </a:r>
-            <a:br>
-              <a:rPr lang="ru-RU" b="1" dirty="0" smtClean="0"/>
-            </a:br>
-            <a:r>
-              <a:rPr lang="ru-RU" b="1" u="sng" dirty="0" smtClean="0"/>
-              <a:t>реже запускаться</a:t>
-            </a:r>
-          </a:p>
           <a:p>
             <a:pPr marL="0" indent="0">
               <a:buNone/>
             </a:pPr>
-            <a:endParaRPr lang="ru-RU" dirty="0" smtClean="0"/>
-          </a:p>
-          <a:p>
-            <a:pPr marL="0" indent="0">
-              <a:buNone/>
-            </a:pPr>
             <a:r>
               <a:rPr lang="ru-RU" dirty="0" smtClean="0"/>
-              <a:t>Чем меньше выделений памяти, тем реже нужно выполнять уборку мусора</a:t>
+              <a:t>Добавлена возможность дефрагментации </a:t>
+            </a:r>
+            <a:r>
+              <a:rPr lang="en-US" dirty="0" smtClean="0"/>
+              <a:t>LOH </a:t>
+            </a:r>
+            <a:r>
+              <a:rPr lang="ru-RU" dirty="0" smtClean="0"/>
+              <a:t>по запросу.</a:t>
             </a:r>
           </a:p>
           <a:p>
@@ -9411,60 +10102,90 @@
               <a:buNone/>
             </a:pPr>
             <a:r>
-              <a:rPr lang="ru-RU" dirty="0" smtClean="0"/>
-              <a:t>Используйте пулы объектов, по возможности.</a:t>
-            </a:r>
-            <a:endParaRPr lang="ru-RU" dirty="0"/>
-          </a:p>
-        </p:txBody>
-      </p:sp>
-      <p:sp>
-        <p:nvSpPr>
-          <p:cNvPr id="5" name="Content Placeholder 4"/>
-          <p:cNvSpPr>
-            <a:spLocks noGrp="1"/>
-          </p:cNvSpPr>
-          <p:nvPr>
-            <p:ph sz="half" idx="2"/>
-          </p:nvPr>
-        </p:nvSpPr>
-        <p:spPr>
-          <a:ln>
-            <a:solidFill>
-              <a:schemeClr val="bg1"/>
-            </a:solidFill>
-          </a:ln>
-        </p:spPr>
-        <p:txBody>
-          <a:bodyPr>
-            <a:normAutofit fontScale="92500"/>
-          </a:bodyPr>
-          <a:lstStyle/>
-          <a:p>
-            <a:pPr marL="0" indent="0" algn="ctr">
-              <a:buNone/>
-            </a:pPr>
-            <a:r>
-              <a:rPr lang="ru-RU" b="1" u="sng" dirty="0" smtClean="0"/>
-              <a:t>Ускорить</a:t>
-            </a:r>
-            <a:r>
-              <a:rPr lang="ru-RU" b="1" dirty="0"/>
+              <a:rPr lang="en-US" sz="1600" dirty="0" err="1">
+                <a:latin typeface="Consolas" panose="020B0609020204030204" pitchFamily="49" charset="0"/>
+                <a:cs typeface="Consolas" panose="020B0609020204030204" pitchFamily="49" charset="0"/>
+              </a:rPr>
+              <a:t>GCSettings.LargeObjectHeapCompactionMode</a:t>
+            </a:r>
+            <a:r>
+              <a:rPr lang="en-US" sz="1600" dirty="0">
+                <a:latin typeface="Consolas" panose="020B0609020204030204" pitchFamily="49" charset="0"/>
+                <a:cs typeface="Consolas" panose="020B0609020204030204" pitchFamily="49" charset="0"/>
+              </a:rPr>
+              <a:t> </a:t>
+            </a:r>
+            <a:r>
+              <a:rPr lang="en-US" sz="1600" dirty="0" smtClean="0">
+                <a:latin typeface="Consolas" panose="020B0609020204030204" pitchFamily="49" charset="0"/>
+                <a:cs typeface="Consolas" panose="020B0609020204030204" pitchFamily="49" charset="0"/>
+              </a:rPr>
+              <a:t>=</a:t>
+            </a:r>
+            <a:br>
+              <a:rPr lang="en-US" sz="1600" dirty="0" smtClean="0">
+                <a:latin typeface="Consolas" panose="020B0609020204030204" pitchFamily="49" charset="0"/>
+                <a:cs typeface="Consolas" panose="020B0609020204030204" pitchFamily="49" charset="0"/>
+              </a:rPr>
+            </a:br>
+            <a:r>
+              <a:rPr lang="en-US" sz="1600" dirty="0" smtClean="0">
+                <a:latin typeface="Consolas" panose="020B0609020204030204" pitchFamily="49" charset="0"/>
+                <a:cs typeface="Consolas" panose="020B0609020204030204" pitchFamily="49" charset="0"/>
+              </a:rPr>
+              <a:t>              </a:t>
+            </a:r>
+            <a:r>
+              <a:rPr lang="en-US" sz="1600" dirty="0" err="1" smtClean="0">
+                <a:latin typeface="Consolas" panose="020B0609020204030204" pitchFamily="49" charset="0"/>
+                <a:cs typeface="Consolas" panose="020B0609020204030204" pitchFamily="49" charset="0"/>
+              </a:rPr>
+              <a:t>GCLargeObjectHeapCompactionMode.CompactOnce</a:t>
+            </a:r>
+            <a:r>
+              <a:rPr lang="en-US" sz="1600" dirty="0" smtClean="0">
+                <a:latin typeface="Consolas" panose="020B0609020204030204" pitchFamily="49" charset="0"/>
+                <a:cs typeface="Consolas" panose="020B0609020204030204" pitchFamily="49" charset="0"/>
+              </a:rPr>
+              <a:t>;</a:t>
+            </a:r>
+            <a:r>
+              <a:rPr lang="ru-RU" sz="1600" dirty="0" smtClean="0">
+                <a:latin typeface="Consolas" panose="020B0609020204030204" pitchFamily="49" charset="0"/>
+                <a:cs typeface="Consolas" panose="020B0609020204030204" pitchFamily="49" charset="0"/>
+              </a:rPr>
               <a:t/>
             </a:r>
             <a:br>
-              <a:rPr lang="ru-RU" b="1" dirty="0"/>
+              <a:rPr lang="ru-RU" sz="1600" dirty="0" smtClean="0">
+                <a:latin typeface="Consolas" panose="020B0609020204030204" pitchFamily="49" charset="0"/>
+                <a:cs typeface="Consolas" panose="020B0609020204030204" pitchFamily="49" charset="0"/>
+              </a:rPr>
             </a:br>
             <a:r>
-              <a:rPr lang="ru-RU" b="1" dirty="0" smtClean="0"/>
-              <a:t>его работу</a:t>
-            </a:r>
+              <a:rPr lang="en-US" sz="1600" dirty="0" err="1" smtClean="0">
+                <a:latin typeface="Consolas" panose="020B0609020204030204" pitchFamily="49" charset="0"/>
+                <a:cs typeface="Consolas" panose="020B0609020204030204" pitchFamily="49" charset="0"/>
+              </a:rPr>
+              <a:t>GC.Collect</a:t>
+            </a:r>
+            <a:r>
+              <a:rPr lang="en-US" sz="1600" dirty="0" smtClean="0">
+                <a:latin typeface="Consolas" panose="020B0609020204030204" pitchFamily="49" charset="0"/>
+                <a:cs typeface="Consolas" panose="020B0609020204030204" pitchFamily="49" charset="0"/>
+              </a:rPr>
+              <a:t>();</a:t>
+            </a:r>
+            <a:endParaRPr lang="ru-RU" sz="1600" dirty="0" smtClean="0">
+              <a:latin typeface="Consolas" panose="020B0609020204030204" pitchFamily="49" charset="0"/>
+              <a:cs typeface="Consolas" panose="020B0609020204030204" pitchFamily="49" charset="0"/>
+            </a:endParaRPr>
           </a:p>
           <a:p>
             <a:pPr marL="0" indent="0">
               <a:buNone/>
             </a:pPr>
-            <a:endParaRPr lang="ru-RU" dirty="0" smtClean="0"/>
+            <a:endParaRPr lang="ru-RU" dirty="0"/>
           </a:p>
           <a:p>
             <a:pPr marL="0" indent="0">
@@ -9472,7 +10193,19 @@
             </a:pPr>
             <a:r>
               <a:rPr lang="ru-RU" dirty="0" smtClean="0"/>
-              <a:t>Время уборки мусора прямо пропорционалньо количеству связей которые нужно обойти.</a:t>
+              <a:t>После полной сборки мусора свойство </a:t>
+            </a:r>
+            <a:r>
+              <a:rPr lang="en-US" dirty="0" err="1" smtClean="0"/>
+              <a:t>LargeObjectHeapCompactionMode</a:t>
+            </a:r>
+            <a:r>
+              <a:rPr lang="ru-RU" dirty="0" smtClean="0"/>
+              <a:t> принимает значение </a:t>
+            </a:r>
+            <a:r>
+              <a:rPr lang="en-US" dirty="0" smtClean="0"/>
+              <a:t>Default.</a:t>
             </a:r>
             <a:endParaRPr lang="ru-RU" dirty="0"/>
           </a:p>
@@ -9481,7 +10214,7 @@
     </p:spTree>
     <p:extLst>
       <p:ext uri="{BB962C8B-B14F-4D97-AF65-F5344CB8AC3E}">
-        <p14:creationId xmlns:p14="http://schemas.microsoft.com/office/powerpoint/2010/main" val="3933915360"/>
+        <p14:creationId xmlns:p14="http://schemas.microsoft.com/office/powerpoint/2010/main" val="4119858216"/>
       </p:ext>
     </p:extLst>
   </p:cSld>
@@ -9522,7 +10255,7 @@
             <a:spLocks noGrp="1"/>
           </p:cNvSpPr>
           <p:nvPr>
-            <p:ph type="ctrTitle"/>
+            <p:ph type="title"/>
           </p:nvPr>
         </p:nvSpPr>
         <p:spPr/>
@@ -9532,15 +10265,73 @@
           <a:p>
             <a:r>
               <a:rPr lang="ru-RU" dirty="0" smtClean="0"/>
-              <a:t>Как </a:t>
+              <a:t>Конфигурация </a:t>
             </a:r>
             <a:r>
               <a:rPr lang="en-US" dirty="0" smtClean="0"/>
-              <a:t>Windows</a:t>
+              <a:t>Debug </a:t>
             </a:r>
             <a:r>
               <a:rPr lang="ru-RU" dirty="0" smtClean="0"/>
-              <a:t> управляет памятью</a:t>
+              <a:t>и </a:t>
+            </a:r>
+            <a:r>
+              <a:rPr lang="en-US" dirty="0" smtClean="0"/>
+              <a:t>GC</a:t>
+            </a:r>
+            <a:endParaRPr lang="ru-RU" dirty="0"/>
+          </a:p>
+        </p:txBody>
+      </p:sp>
+      <p:sp>
+        <p:nvSpPr>
+          <p:cNvPr id="3" name="Content Placeholder 2"/>
+          <p:cNvSpPr>
+            <a:spLocks noGrp="1"/>
+          </p:cNvSpPr>
+          <p:nvPr>
+            <p:ph idx="1"/>
+          </p:nvPr>
+        </p:nvSpPr>
+        <p:spPr/>
+        <p:txBody>
+          <a:bodyPr/>
+          <a:lstStyle/>
+          <a:p>
+            <a:pPr marL="0" indent="0">
+              <a:buNone/>
+            </a:pPr>
+            <a:r>
+              <a:rPr lang="ru-RU" dirty="0" smtClean="0"/>
+              <a:t>При компиляции проекта в конфигурации </a:t>
+            </a:r>
+            <a:r>
+              <a:rPr lang="en-US" dirty="0" smtClean="0"/>
+              <a:t>Debug </a:t>
+            </a:r>
+            <a:r>
+              <a:rPr lang="ru-RU" dirty="0" smtClean="0"/>
+              <a:t>к сборке добавляется атрибут </a:t>
+            </a:r>
+            <a:r>
+              <a:rPr lang="en-US" dirty="0" err="1" smtClean="0"/>
+              <a:t>DebuggableAttribute</a:t>
+            </a:r>
+            <a:r>
+              <a:rPr lang="ru-RU" dirty="0" smtClean="0"/>
+              <a:t>	который дает команду </a:t>
+            </a:r>
+            <a:r>
+              <a:rPr lang="en-US" dirty="0" smtClean="0"/>
+              <a:t>GC </a:t>
+            </a:r>
+            <a:r>
+              <a:rPr lang="ru-RU" dirty="0" smtClean="0"/>
+              <a:t>исскуственно продлевать время жизни локальных переменных до завершения метода. </a:t>
+            </a:r>
+            <a:r>
+              <a:rPr lang="ru-RU" smtClean="0"/>
+              <a:t>Это сделано чтобы программист мог без помех заниматься отладкой.</a:t>
             </a:r>
             <a:endParaRPr lang="ru-RU" dirty="0"/>
           </a:p>
@@ -9549,7 +10340,7 @@
     </p:spTree>
     <p:extLst>
       <p:ext uri="{BB962C8B-B14F-4D97-AF65-F5344CB8AC3E}">
-        <p14:creationId xmlns:p14="http://schemas.microsoft.com/office/powerpoint/2010/main" val="1378078807"/>
+        <p14:creationId xmlns:p14="http://schemas.microsoft.com/office/powerpoint/2010/main" val="1960211568"/>
       </p:ext>
     </p:extLst>
   </p:cSld>
@@ -9590,7 +10381,7 @@
             <a:spLocks noGrp="1"/>
           </p:cNvSpPr>
           <p:nvPr>
-            <p:ph type="title"/>
+            <p:ph type="ctrTitle"/>
           </p:nvPr>
         </p:nvSpPr>
         <p:spPr/>
@@ -9600,11 +10391,7 @@
           <a:p>
             <a:r>
               <a:rPr lang="ru-RU" dirty="0" smtClean="0"/>
-              <a:t>Адресное пространство для </a:t>
-            </a:r>
-            <a:r>
-              <a:rPr lang="en-US" dirty="0" smtClean="0"/>
-              <a:t>x86</a:t>
+              <a:t>Эффективная работа с памятью</a:t>
             </a:r>
             <a:endParaRPr lang="ru-RU" dirty="0"/>
           </a:p>
@@ -9612,1110 +10399,40 @@
       </p:sp>
       <p:sp>
         <p:nvSpPr>
-          <p:cNvPr id="3" name="Content Placeholder 2"/>
+          <p:cNvPr id="3" name="Subtitle 2"/>
           <p:cNvSpPr>
             <a:spLocks noGrp="1"/>
           </p:cNvSpPr>
           <p:nvPr>
-            <p:ph idx="1"/>
+            <p:ph type="subTitle" idx="1"/>
           </p:nvPr>
         </p:nvSpPr>
-        <p:spPr>
-          <a:xfrm>
-            <a:off x="457200" y="1196752"/>
-            <a:ext cx="8229600" cy="1108719"/>
-          </a:xfrm>
-        </p:spPr>
+        <p:spPr/>
         <p:txBody>
-          <a:bodyPr>
-            <a:normAutofit/>
-          </a:bodyPr>
+          <a:bodyPr/>
           <a:lstStyle/>
           <a:p>
-            <a:r>
-              <a:rPr lang="ru-RU" sz="1400" dirty="0" smtClean="0"/>
-              <a:t>32 бита = 2</a:t>
-            </a:r>
-            <a:r>
-              <a:rPr lang="en-US" sz="1400" dirty="0" smtClean="0"/>
-              <a:t>^32 = 4 </a:t>
-            </a:r>
-            <a:r>
-              <a:rPr lang="ru-RU" sz="1400" dirty="0" smtClean="0"/>
-              <a:t>Гбайт</a:t>
-            </a:r>
-          </a:p>
-          <a:p>
-            <a:pPr lvl="1"/>
-            <a:r>
-              <a:rPr lang="en-US" sz="1400" dirty="0" smtClean="0"/>
-              <a:t>/3GB </a:t>
-            </a:r>
-            <a:r>
-              <a:rPr lang="ru-RU" sz="1400" dirty="0" smtClean="0"/>
-              <a:t>и </a:t>
-            </a:r>
-            <a:r>
-              <a:rPr lang="en-US" sz="1400" dirty="0" smtClean="0"/>
-              <a:t>/USERVA</a:t>
-            </a:r>
-            <a:r>
-              <a:rPr lang="ru-RU" sz="1400" dirty="0" smtClean="0"/>
-              <a:t> могут расширить адресное пространство процесса до 3 Гбайт</a:t>
-            </a:r>
-          </a:p>
-          <a:p>
-            <a:pPr lvl="1"/>
-            <a:r>
-              <a:rPr lang="ru-RU" sz="1400" dirty="0" smtClean="0"/>
-              <a:t>Процесс должен быть скомпилирован как «</a:t>
-            </a:r>
-            <a:r>
-              <a:rPr lang="en-US" sz="1400" dirty="0"/>
-              <a:t>large address space aware</a:t>
-            </a:r>
-            <a:r>
-              <a:rPr lang="ru-RU" sz="1400" dirty="0" smtClean="0"/>
-              <a:t>» чтобы он мог использовать память выше </a:t>
-            </a:r>
-            <a:r>
-              <a:rPr lang="en-US" sz="1400" dirty="0" smtClean="0"/>
-              <a:t>2 </a:t>
-            </a:r>
-            <a:r>
-              <a:rPr lang="ru-RU" sz="1400" dirty="0" smtClean="0"/>
-              <a:t>Гбайт</a:t>
-            </a:r>
-            <a:endParaRPr lang="ru-RU" sz="1400" dirty="0"/>
-          </a:p>
-        </p:txBody>
-      </p:sp>
-      <p:grpSp>
-        <p:nvGrpSpPr>
-          <p:cNvPr id="29" name="Group 28"/>
-          <p:cNvGrpSpPr/>
-          <p:nvPr/>
-        </p:nvGrpSpPr>
-        <p:grpSpPr>
-          <a:xfrm>
-            <a:off x="585882" y="2735369"/>
-            <a:ext cx="3174608" cy="3789975"/>
-            <a:chOff x="251520" y="2707346"/>
-            <a:chExt cx="3174608" cy="3789975"/>
-          </a:xfrm>
-        </p:grpSpPr>
-        <p:sp>
-          <p:nvSpPr>
-            <p:cNvPr id="20" name="Rectangle 2"/>
-            <p:cNvSpPr>
-              <a:spLocks noChangeArrowheads="1"/>
-            </p:cNvSpPr>
-            <p:nvPr/>
-          </p:nvSpPr>
-          <p:spPr bwMode="auto">
-            <a:xfrm>
-              <a:off x="251520" y="2707346"/>
-              <a:ext cx="2727673" cy="1708150"/>
-            </a:xfrm>
-            <a:prstGeom prst="rect">
-              <a:avLst/>
-            </a:prstGeom>
-            <a:solidFill>
-              <a:srgbClr val="FFC425"/>
-            </a:solidFill>
-            <a:ln w="25400" cap="flat" cmpd="sng" algn="ctr">
-              <a:solidFill>
-                <a:srgbClr val="FFC425">
-                  <a:shade val="50000"/>
-                </a:srgbClr>
-              </a:solidFill>
-              <a:prstDash val="solid"/>
-              <a:headEnd/>
-              <a:tailEnd/>
-            </a:ln>
-            <a:effectLst/>
-          </p:spPr>
-          <p:txBody>
-            <a:bodyPr wrap="none" anchor="ctr"/>
-            <a:lstStyle/>
-            <a:p>
-              <a:pPr marL="0" marR="0" lvl="0" indent="0" defTabSz="914363" eaLnBrk="1" fontAlgn="auto" latinLnBrk="0" hangingPunct="1">
-                <a:lnSpc>
-                  <a:spcPct val="100000"/>
-                </a:lnSpc>
-                <a:spcBef>
-                  <a:spcPts val="0"/>
-                </a:spcBef>
-                <a:spcAft>
-                  <a:spcPts val="0"/>
-                </a:spcAft>
-                <a:buClrTx/>
-                <a:buSzTx/>
-                <a:buFontTx/>
-                <a:buNone/>
-                <a:tabLst/>
-                <a:defRPr/>
-              </a:pPr>
-              <a:endParaRPr kumimoji="0" lang="en-US" sz="1800" b="0" i="0" u="none" strike="noStrike" kern="0" cap="none" spc="0" normalizeH="0" baseline="0" noProof="0" dirty="0">
-                <a:ln>
-                  <a:noFill/>
-                </a:ln>
-                <a:solidFill>
-                  <a:srgbClr val="FFFFFF"/>
-                </a:solidFill>
-                <a:effectLst/>
-                <a:uLnTx/>
-                <a:uFillTx/>
-                <a:latin typeface="Arial"/>
-                <a:ea typeface="+mn-ea"/>
-                <a:cs typeface="+mn-cs"/>
-              </a:endParaRPr>
-            </a:p>
-          </p:txBody>
-        </p:sp>
-        <p:sp>
-          <p:nvSpPr>
-            <p:cNvPr id="21" name="Rectangle 3"/>
-            <p:cNvSpPr>
-              <a:spLocks noChangeArrowheads="1"/>
-            </p:cNvSpPr>
-            <p:nvPr/>
-          </p:nvSpPr>
-          <p:spPr bwMode="auto">
-            <a:xfrm>
-              <a:off x="410230" y="2890226"/>
-              <a:ext cx="2772111" cy="1627188"/>
-            </a:xfrm>
-            <a:prstGeom prst="rect">
-              <a:avLst/>
-            </a:prstGeom>
-            <a:solidFill>
-              <a:srgbClr val="FFC425"/>
-            </a:solidFill>
-            <a:ln w="25400" cap="flat" cmpd="sng" algn="ctr">
-              <a:solidFill>
-                <a:srgbClr val="FFC425">
-                  <a:shade val="50000"/>
-                </a:srgbClr>
-              </a:solidFill>
-              <a:prstDash val="solid"/>
-              <a:headEnd/>
-              <a:tailEnd/>
-            </a:ln>
-            <a:effectLst/>
-          </p:spPr>
-          <p:txBody>
-            <a:bodyPr wrap="none" anchor="ctr"/>
-            <a:lstStyle/>
-            <a:p>
-              <a:pPr marL="0" marR="0" lvl="0" indent="0" defTabSz="914363" eaLnBrk="1" fontAlgn="auto" latinLnBrk="0" hangingPunct="1">
-                <a:lnSpc>
-                  <a:spcPct val="100000"/>
-                </a:lnSpc>
-                <a:spcBef>
-                  <a:spcPts val="0"/>
-                </a:spcBef>
-                <a:spcAft>
-                  <a:spcPts val="0"/>
-                </a:spcAft>
-                <a:buClrTx/>
-                <a:buSzTx/>
-                <a:buFontTx/>
-                <a:buNone/>
-                <a:tabLst/>
-                <a:defRPr/>
-              </a:pPr>
-              <a:endParaRPr kumimoji="0" lang="en-US" sz="1800" b="0" i="0" u="none" strike="noStrike" kern="0" cap="none" spc="0" normalizeH="0" baseline="0" noProof="0" dirty="0">
-                <a:ln>
-                  <a:noFill/>
-                </a:ln>
-                <a:solidFill>
-                  <a:srgbClr val="FFFFFF"/>
-                </a:solidFill>
-                <a:effectLst/>
-                <a:uLnTx/>
-                <a:uFillTx/>
-                <a:latin typeface="Arial"/>
-                <a:ea typeface="+mn-ea"/>
-                <a:cs typeface="+mn-cs"/>
-              </a:endParaRPr>
-            </a:p>
-          </p:txBody>
-        </p:sp>
-        <p:sp>
-          <p:nvSpPr>
-            <p:cNvPr id="22" name="Rectangle 4"/>
-            <p:cNvSpPr>
-              <a:spLocks noChangeArrowheads="1"/>
-            </p:cNvSpPr>
-            <p:nvPr/>
-          </p:nvSpPr>
-          <p:spPr bwMode="auto">
-            <a:xfrm>
-              <a:off x="584184" y="3083266"/>
-              <a:ext cx="2841944" cy="1582738"/>
-            </a:xfrm>
-            <a:prstGeom prst="rect">
-              <a:avLst/>
-            </a:prstGeom>
-            <a:solidFill>
-              <a:srgbClr val="FFC425"/>
-            </a:solidFill>
-            <a:ln w="25400" cap="flat" cmpd="sng" algn="ctr">
-              <a:solidFill>
-                <a:srgbClr val="FFC425">
-                  <a:shade val="50000"/>
-                </a:srgbClr>
-              </a:solidFill>
-              <a:prstDash val="solid"/>
-              <a:headEnd/>
-              <a:tailEnd/>
-            </a:ln>
-            <a:effectLst/>
-          </p:spPr>
-          <p:txBody>
-            <a:bodyPr lIns="46038" tIns="39688" rIns="46038" bIns="39688" anchor="ctr"/>
-            <a:lstStyle/>
-            <a:p>
-              <a:pPr marL="0" marR="0" lvl="0" indent="0" algn="ctr" defTabSz="777875" eaLnBrk="1" fontAlgn="auto" latinLnBrk="0" hangingPunct="1">
-                <a:lnSpc>
-                  <a:spcPct val="100000"/>
-                </a:lnSpc>
-                <a:spcBef>
-                  <a:spcPts val="0"/>
-                </a:spcBef>
-                <a:spcAft>
-                  <a:spcPts val="0"/>
-                </a:spcAft>
-                <a:buClrTx/>
-                <a:buSzTx/>
-                <a:buFontTx/>
-                <a:buNone/>
-                <a:tabLst/>
-                <a:defRPr/>
-              </a:pPr>
-              <a:r>
-                <a:rPr kumimoji="0" lang="en-US" sz="1800" b="0" i="0" u="none" strike="noStrike" kern="0" cap="none" spc="0" normalizeH="0" baseline="0" noProof="0" dirty="0" smtClean="0">
-                  <a:ln>
-                    <a:noFill/>
-                  </a:ln>
-                  <a:solidFill>
-                    <a:srgbClr val="FFFFFF"/>
-                  </a:solidFill>
-                  <a:effectLst/>
-                  <a:uLnTx/>
-                  <a:uFillTx/>
-                  <a:latin typeface="Arial"/>
-                  <a:ea typeface="+mn-ea"/>
-                  <a:cs typeface="Calibri" pitchFamily="34" charset="0"/>
-                </a:rPr>
-                <a:t>2 </a:t>
-              </a:r>
-              <a:r>
-                <a:rPr kumimoji="0" lang="ru-RU" sz="1800" b="0" i="0" u="none" strike="noStrike" kern="0" cap="none" spc="0" normalizeH="0" baseline="0" noProof="0" dirty="0" smtClean="0">
-                  <a:ln>
-                    <a:noFill/>
-                  </a:ln>
-                  <a:solidFill>
-                    <a:srgbClr val="FFFFFF"/>
-                  </a:solidFill>
-                  <a:effectLst/>
-                  <a:uLnTx/>
-                  <a:uFillTx/>
-                  <a:latin typeface="Arial"/>
-                  <a:ea typeface="+mn-ea"/>
-                  <a:cs typeface="Calibri" pitchFamily="34" charset="0"/>
-                </a:rPr>
-                <a:t>Гбайт</a:t>
-              </a:r>
-              <a:endParaRPr kumimoji="0" lang="en-US" sz="1800" b="0" i="0" u="none" strike="noStrike" kern="0" cap="none" spc="0" normalizeH="0" baseline="0" noProof="0" dirty="0">
-                <a:ln>
-                  <a:noFill/>
-                </a:ln>
-                <a:solidFill>
-                  <a:srgbClr val="FFFFFF"/>
-                </a:solidFill>
-                <a:effectLst/>
-                <a:uLnTx/>
-                <a:uFillTx/>
-                <a:latin typeface="Arial"/>
-                <a:ea typeface="+mn-ea"/>
-                <a:cs typeface="Calibri" pitchFamily="34" charset="0"/>
-              </a:endParaRPr>
-            </a:p>
-            <a:p>
-              <a:pPr marL="0" marR="0" lvl="0" indent="0" algn="ctr" defTabSz="777875" eaLnBrk="1" fontAlgn="auto" latinLnBrk="0" hangingPunct="1">
-                <a:lnSpc>
-                  <a:spcPct val="100000"/>
-                </a:lnSpc>
-                <a:spcBef>
-                  <a:spcPts val="0"/>
-                </a:spcBef>
-                <a:spcAft>
-                  <a:spcPts val="0"/>
-                </a:spcAft>
-                <a:buClrTx/>
-                <a:buSzTx/>
-                <a:buFontTx/>
-                <a:buNone/>
-                <a:tabLst/>
-                <a:defRPr/>
-              </a:pPr>
-              <a:r>
-                <a:rPr kumimoji="0" lang="ru-RU" sz="1800" b="0" i="0" u="none" strike="noStrike" kern="0" cap="none" spc="0" normalizeH="0" baseline="0" noProof="0" dirty="0" smtClean="0">
-                  <a:ln>
-                    <a:noFill/>
-                  </a:ln>
-                  <a:solidFill>
-                    <a:srgbClr val="FFFFFF"/>
-                  </a:solidFill>
-                  <a:effectLst/>
-                  <a:uLnTx/>
-                  <a:uFillTx/>
-                  <a:latin typeface="Arial"/>
-                  <a:ea typeface="+mn-ea"/>
-                  <a:cs typeface="Calibri" pitchFamily="34" charset="0"/>
-                </a:rPr>
-                <a:t>Пользовательское</a:t>
-              </a:r>
-              <a:r>
-                <a:rPr lang="ru-RU" kern="0" dirty="0">
-                  <a:solidFill>
-                    <a:srgbClr val="FFFFFF"/>
-                  </a:solidFill>
-                  <a:latin typeface="Arial"/>
-                  <a:cs typeface="Calibri" pitchFamily="34" charset="0"/>
-                </a:rPr>
-                <a:t/>
-              </a:r>
-              <a:br>
-                <a:rPr lang="ru-RU" kern="0" dirty="0">
-                  <a:solidFill>
-                    <a:srgbClr val="FFFFFF"/>
-                  </a:solidFill>
-                  <a:latin typeface="Arial"/>
-                  <a:cs typeface="Calibri" pitchFamily="34" charset="0"/>
-                </a:rPr>
-              </a:br>
-              <a:r>
-                <a:rPr lang="ru-RU" kern="0" dirty="0" smtClean="0">
-                  <a:solidFill>
-                    <a:srgbClr val="FFFFFF"/>
-                  </a:solidFill>
-                  <a:latin typeface="Arial"/>
-                  <a:cs typeface="Calibri" pitchFamily="34" charset="0"/>
-                </a:rPr>
-                <a:t>пространство</a:t>
-              </a:r>
-              <a:endParaRPr kumimoji="0" lang="en-US" sz="1800" b="0" i="0" u="none" strike="noStrike" kern="0" cap="none" spc="0" normalizeH="0" baseline="0" noProof="0" dirty="0">
-                <a:ln>
-                  <a:noFill/>
-                </a:ln>
-                <a:solidFill>
-                  <a:srgbClr val="FFFFFF"/>
-                </a:solidFill>
-                <a:effectLst/>
-                <a:uLnTx/>
-                <a:uFillTx/>
-                <a:latin typeface="Arial"/>
-                <a:ea typeface="+mn-ea"/>
-                <a:cs typeface="Calibri" pitchFamily="34" charset="0"/>
-              </a:endParaRPr>
-            </a:p>
-          </p:txBody>
-        </p:sp>
-        <p:sp>
-          <p:nvSpPr>
-            <p:cNvPr id="23" name="Rectangle 5"/>
-            <p:cNvSpPr>
-              <a:spLocks noChangeArrowheads="1"/>
-            </p:cNvSpPr>
-            <p:nvPr/>
-          </p:nvSpPr>
-          <p:spPr bwMode="auto">
-            <a:xfrm>
-              <a:off x="582069" y="4914582"/>
-              <a:ext cx="2844059" cy="1582739"/>
-            </a:xfrm>
-            <a:prstGeom prst="rect">
-              <a:avLst/>
-            </a:prstGeom>
-            <a:solidFill>
-              <a:srgbClr val="F15C44"/>
-            </a:solidFill>
-            <a:ln w="25400" cap="flat" cmpd="sng" algn="ctr">
-              <a:solidFill>
-                <a:srgbClr val="F15C44">
-                  <a:shade val="50000"/>
-                </a:srgbClr>
-              </a:solidFill>
-              <a:prstDash val="solid"/>
-              <a:headEnd/>
-              <a:tailEnd/>
-            </a:ln>
-            <a:effectLst/>
-          </p:spPr>
-          <p:txBody>
-            <a:bodyPr lIns="77788" tIns="39688" rIns="77788" bIns="39688" anchor="ctr"/>
-            <a:lstStyle/>
-            <a:p>
-              <a:pPr marL="0" marR="0" lvl="0" indent="0" algn="ctr" defTabSz="777875" eaLnBrk="1" fontAlgn="auto" latinLnBrk="0" hangingPunct="1">
-                <a:lnSpc>
-                  <a:spcPct val="100000"/>
-                </a:lnSpc>
-                <a:spcBef>
-                  <a:spcPts val="0"/>
-                </a:spcBef>
-                <a:spcAft>
-                  <a:spcPts val="0"/>
-                </a:spcAft>
-                <a:buClrTx/>
-                <a:buSzTx/>
-                <a:buFontTx/>
-                <a:buNone/>
-                <a:tabLst/>
-                <a:defRPr/>
-              </a:pPr>
-              <a:r>
-                <a:rPr kumimoji="0" lang="en-US" sz="1800" b="0" i="0" u="none" strike="noStrike" kern="0" cap="none" spc="0" normalizeH="0" baseline="0" noProof="0" dirty="0" smtClean="0">
-                  <a:ln>
-                    <a:noFill/>
-                  </a:ln>
-                  <a:solidFill>
-                    <a:srgbClr val="FFFFFF"/>
-                  </a:solidFill>
-                  <a:effectLst/>
-                  <a:uLnTx/>
-                  <a:uFillTx/>
-                  <a:latin typeface="Arial"/>
-                  <a:ea typeface="+mn-ea"/>
-                  <a:cs typeface="Calibri" pitchFamily="34" charset="0"/>
-                </a:rPr>
-                <a:t>2 </a:t>
-              </a:r>
-              <a:r>
-                <a:rPr kumimoji="0" lang="ru-RU" sz="1800" b="0" i="0" u="none" strike="noStrike" kern="0" cap="none" spc="0" normalizeH="0" baseline="0" noProof="0" dirty="0" smtClean="0">
-                  <a:ln>
-                    <a:noFill/>
-                  </a:ln>
-                  <a:solidFill>
-                    <a:srgbClr val="FFFFFF"/>
-                  </a:solidFill>
-                  <a:effectLst/>
-                  <a:uLnTx/>
-                  <a:uFillTx/>
-                  <a:latin typeface="Arial"/>
-                  <a:ea typeface="+mn-ea"/>
-                  <a:cs typeface="Calibri" pitchFamily="34" charset="0"/>
-                </a:rPr>
-                <a:t>Гбайт</a:t>
-              </a:r>
-              <a:endParaRPr kumimoji="0" lang="en-US" sz="1800" b="0" i="0" u="none" strike="noStrike" kern="0" cap="none" spc="0" normalizeH="0" baseline="0" noProof="0" dirty="0">
-                <a:ln>
-                  <a:noFill/>
-                </a:ln>
-                <a:solidFill>
-                  <a:srgbClr val="FFFFFF"/>
-                </a:solidFill>
-                <a:effectLst/>
-                <a:uLnTx/>
-                <a:uFillTx/>
-                <a:latin typeface="Arial"/>
-                <a:ea typeface="+mn-ea"/>
-                <a:cs typeface="Calibri" pitchFamily="34" charset="0"/>
-              </a:endParaRPr>
-            </a:p>
-            <a:p>
-              <a:pPr lvl="0" algn="ctr" defTabSz="777875">
-                <a:defRPr/>
-              </a:pPr>
-              <a:r>
-                <a:rPr lang="ru-RU" kern="0" dirty="0" smtClean="0">
-                  <a:solidFill>
-                    <a:srgbClr val="FFFFFF"/>
-                  </a:solidFill>
-                  <a:latin typeface="Arial"/>
-                  <a:cs typeface="Calibri" pitchFamily="34" charset="0"/>
-                </a:rPr>
-                <a:t>Системное</a:t>
-              </a:r>
-              <a:br>
-                <a:rPr lang="ru-RU" kern="0" dirty="0" smtClean="0">
-                  <a:solidFill>
-                    <a:srgbClr val="FFFFFF"/>
-                  </a:solidFill>
-                  <a:latin typeface="Arial"/>
-                  <a:cs typeface="Calibri" pitchFamily="34" charset="0"/>
-                </a:rPr>
-              </a:br>
-              <a:r>
-                <a:rPr lang="ru-RU" kern="0" dirty="0" smtClean="0">
-                  <a:solidFill>
-                    <a:srgbClr val="FFFFFF"/>
-                  </a:solidFill>
-                  <a:latin typeface="Arial"/>
-                  <a:cs typeface="Calibri" pitchFamily="34" charset="0"/>
-                </a:rPr>
-                <a:t>пространство</a:t>
-              </a:r>
-              <a:endParaRPr kumimoji="0" lang="en-US" sz="1800" b="0" i="0" u="none" strike="noStrike" kern="0" cap="none" spc="0" normalizeH="0" baseline="0" noProof="0" dirty="0">
-                <a:ln>
-                  <a:noFill/>
-                </a:ln>
-                <a:solidFill>
-                  <a:srgbClr val="FFFFFF"/>
-                </a:solidFill>
-                <a:effectLst/>
-                <a:uLnTx/>
-                <a:uFillTx/>
-                <a:latin typeface="Arial"/>
-                <a:ea typeface="+mn-ea"/>
-                <a:cs typeface="Calibri" pitchFamily="34" charset="0"/>
-              </a:endParaRPr>
-            </a:p>
-          </p:txBody>
-        </p:sp>
-      </p:grpSp>
-      <p:grpSp>
-        <p:nvGrpSpPr>
-          <p:cNvPr id="28" name="Group 27"/>
-          <p:cNvGrpSpPr/>
-          <p:nvPr/>
-        </p:nvGrpSpPr>
-        <p:grpSpPr>
-          <a:xfrm>
-            <a:off x="5462803" y="2735369"/>
-            <a:ext cx="3151197" cy="3789975"/>
-            <a:chOff x="5309235" y="2707346"/>
-            <a:chExt cx="3151197" cy="3789975"/>
-          </a:xfrm>
-        </p:grpSpPr>
-        <p:sp>
-          <p:nvSpPr>
-            <p:cNvPr id="24" name="Rectangle 2"/>
-            <p:cNvSpPr>
-              <a:spLocks noChangeArrowheads="1"/>
-            </p:cNvSpPr>
-            <p:nvPr/>
-          </p:nvSpPr>
-          <p:spPr bwMode="auto">
-            <a:xfrm>
-              <a:off x="5309235" y="2707346"/>
-              <a:ext cx="2727673" cy="2489654"/>
-            </a:xfrm>
-            <a:prstGeom prst="rect">
-              <a:avLst/>
-            </a:prstGeom>
-            <a:solidFill>
-              <a:srgbClr val="FFC425"/>
-            </a:solidFill>
-            <a:ln w="25400" cap="flat" cmpd="sng" algn="ctr">
-              <a:solidFill>
-                <a:srgbClr val="FFC425">
-                  <a:shade val="50000"/>
-                </a:srgbClr>
-              </a:solidFill>
-              <a:prstDash val="solid"/>
-              <a:headEnd/>
-              <a:tailEnd/>
-            </a:ln>
-            <a:effectLst/>
-          </p:spPr>
-          <p:txBody>
-            <a:bodyPr wrap="none" anchor="ctr"/>
-            <a:lstStyle/>
-            <a:p>
-              <a:pPr marL="0" marR="0" lvl="0" indent="0" defTabSz="914363" eaLnBrk="1" fontAlgn="auto" latinLnBrk="0" hangingPunct="1">
-                <a:lnSpc>
-                  <a:spcPct val="100000"/>
-                </a:lnSpc>
-                <a:spcBef>
-                  <a:spcPts val="0"/>
-                </a:spcBef>
-                <a:spcAft>
-                  <a:spcPts val="0"/>
-                </a:spcAft>
-                <a:buClrTx/>
-                <a:buSzTx/>
-                <a:buFontTx/>
-                <a:buNone/>
-                <a:tabLst/>
-                <a:defRPr/>
-              </a:pPr>
-              <a:endParaRPr kumimoji="0" lang="en-US" sz="1800" b="0" i="0" u="none" strike="noStrike" kern="0" cap="none" spc="0" normalizeH="0" baseline="0" noProof="0" dirty="0">
-                <a:ln>
-                  <a:noFill/>
-                </a:ln>
-                <a:solidFill>
-                  <a:srgbClr val="FFFFFF"/>
-                </a:solidFill>
-                <a:effectLst/>
-                <a:uLnTx/>
-                <a:uFillTx/>
-                <a:latin typeface="Arial"/>
-                <a:ea typeface="+mn-ea"/>
-                <a:cs typeface="+mn-cs"/>
-              </a:endParaRPr>
-            </a:p>
-          </p:txBody>
-        </p:sp>
-        <p:sp>
-          <p:nvSpPr>
-            <p:cNvPr id="25" name="Rectangle 3"/>
-            <p:cNvSpPr>
-              <a:spLocks noChangeArrowheads="1"/>
-            </p:cNvSpPr>
-            <p:nvPr/>
-          </p:nvSpPr>
-          <p:spPr bwMode="auto">
-            <a:xfrm>
-              <a:off x="5467945" y="2829266"/>
-              <a:ext cx="2772111" cy="2513315"/>
-            </a:xfrm>
-            <a:prstGeom prst="rect">
-              <a:avLst/>
-            </a:prstGeom>
-            <a:solidFill>
-              <a:srgbClr val="FFC425"/>
-            </a:solidFill>
-            <a:ln w="25400" cap="flat" cmpd="sng" algn="ctr">
-              <a:solidFill>
-                <a:srgbClr val="FFC425">
-                  <a:shade val="50000"/>
-                </a:srgbClr>
-              </a:solidFill>
-              <a:prstDash val="solid"/>
-              <a:headEnd/>
-              <a:tailEnd/>
-            </a:ln>
-            <a:effectLst/>
-          </p:spPr>
-          <p:txBody>
-            <a:bodyPr wrap="none" anchor="ctr"/>
-            <a:lstStyle/>
-            <a:p>
-              <a:pPr marL="0" marR="0" lvl="0" indent="0" defTabSz="914363" eaLnBrk="1" fontAlgn="auto" latinLnBrk="0" hangingPunct="1">
-                <a:lnSpc>
-                  <a:spcPct val="100000"/>
-                </a:lnSpc>
-                <a:spcBef>
-                  <a:spcPts val="0"/>
-                </a:spcBef>
-                <a:spcAft>
-                  <a:spcPts val="0"/>
-                </a:spcAft>
-                <a:buClrTx/>
-                <a:buSzTx/>
-                <a:buFontTx/>
-                <a:buNone/>
-                <a:tabLst/>
-                <a:defRPr/>
-              </a:pPr>
-              <a:endParaRPr kumimoji="0" lang="en-US" sz="1800" b="0" i="0" u="none" strike="noStrike" kern="0" cap="none" spc="0" normalizeH="0" baseline="0" noProof="0" dirty="0">
-                <a:ln>
-                  <a:noFill/>
-                </a:ln>
-                <a:solidFill>
-                  <a:srgbClr val="FFFFFF"/>
-                </a:solidFill>
-                <a:effectLst/>
-                <a:uLnTx/>
-                <a:uFillTx/>
-                <a:latin typeface="Arial"/>
-                <a:ea typeface="+mn-ea"/>
-                <a:cs typeface="+mn-cs"/>
-              </a:endParaRPr>
-            </a:p>
-          </p:txBody>
-        </p:sp>
-        <p:sp>
-          <p:nvSpPr>
-            <p:cNvPr id="26" name="Rectangle 4"/>
-            <p:cNvSpPr>
-              <a:spLocks noChangeArrowheads="1"/>
-            </p:cNvSpPr>
-            <p:nvPr/>
-          </p:nvSpPr>
-          <p:spPr bwMode="auto">
-            <a:xfrm>
-              <a:off x="5618488" y="2961346"/>
-              <a:ext cx="2841944" cy="2444659"/>
-            </a:xfrm>
-            <a:prstGeom prst="rect">
-              <a:avLst/>
-            </a:prstGeom>
-            <a:solidFill>
-              <a:srgbClr val="FFC425"/>
-            </a:solidFill>
-            <a:ln w="25400" cap="flat" cmpd="sng" algn="ctr">
-              <a:solidFill>
-                <a:srgbClr val="FFC425">
-                  <a:shade val="50000"/>
-                </a:srgbClr>
-              </a:solidFill>
-              <a:prstDash val="solid"/>
-              <a:headEnd/>
-              <a:tailEnd/>
-            </a:ln>
-            <a:effectLst/>
-          </p:spPr>
-          <p:txBody>
-            <a:bodyPr lIns="46038" tIns="39688" rIns="46038" bIns="39688" anchor="ctr"/>
-            <a:lstStyle/>
-            <a:p>
-              <a:pPr lvl="0" algn="ctr" defTabSz="777875">
-                <a:defRPr/>
-              </a:pPr>
-              <a:r>
-                <a:rPr lang="ru-RU" kern="0" dirty="0" smtClean="0">
-                  <a:solidFill>
-                    <a:srgbClr val="FFFFFF"/>
-                  </a:solidFill>
-                  <a:latin typeface="Arial"/>
-                  <a:cs typeface="Calibri" pitchFamily="34" charset="0"/>
-                </a:rPr>
-                <a:t>3</a:t>
-              </a:r>
-              <a:r>
-                <a:rPr lang="en-US" kern="0" dirty="0" smtClean="0">
-                  <a:solidFill>
-                    <a:srgbClr val="FFFFFF"/>
-                  </a:solidFill>
-                  <a:latin typeface="Arial"/>
-                  <a:cs typeface="Calibri" pitchFamily="34" charset="0"/>
-                </a:rPr>
-                <a:t> </a:t>
-              </a:r>
-              <a:r>
-                <a:rPr lang="ru-RU" kern="0" dirty="0">
-                  <a:solidFill>
-                    <a:srgbClr val="FFFFFF"/>
-                  </a:solidFill>
-                  <a:latin typeface="Arial"/>
-                  <a:cs typeface="Calibri" pitchFamily="34" charset="0"/>
-                </a:rPr>
-                <a:t>Гбайт</a:t>
-              </a:r>
-              <a:endParaRPr lang="en-US" kern="0" dirty="0">
-                <a:solidFill>
-                  <a:srgbClr val="FFFFFF"/>
-                </a:solidFill>
-                <a:latin typeface="Arial"/>
-                <a:cs typeface="Calibri" pitchFamily="34" charset="0"/>
-              </a:endParaRPr>
-            </a:p>
-            <a:p>
-              <a:pPr lvl="0" algn="ctr" defTabSz="777875">
-                <a:defRPr/>
-              </a:pPr>
-              <a:r>
-                <a:rPr lang="ru-RU" kern="0" dirty="0">
-                  <a:solidFill>
-                    <a:srgbClr val="FFFFFF"/>
-                  </a:solidFill>
-                  <a:latin typeface="Arial"/>
-                  <a:cs typeface="Calibri" pitchFamily="34" charset="0"/>
-                </a:rPr>
-                <a:t>Пользовательское</a:t>
-              </a:r>
-              <a:br>
-                <a:rPr lang="ru-RU" kern="0" dirty="0">
-                  <a:solidFill>
-                    <a:srgbClr val="FFFFFF"/>
-                  </a:solidFill>
-                  <a:latin typeface="Arial"/>
-                  <a:cs typeface="Calibri" pitchFamily="34" charset="0"/>
-                </a:rPr>
-              </a:br>
-              <a:r>
-                <a:rPr lang="ru-RU" kern="0" dirty="0">
-                  <a:solidFill>
-                    <a:srgbClr val="FFFFFF"/>
-                  </a:solidFill>
-                  <a:latin typeface="Arial"/>
-                  <a:cs typeface="Calibri" pitchFamily="34" charset="0"/>
-                </a:rPr>
-                <a:t>пространство</a:t>
-              </a:r>
-              <a:endParaRPr kumimoji="0" lang="en-US" sz="1800" b="0" i="0" u="none" strike="noStrike" kern="0" cap="none" spc="0" normalizeH="0" baseline="0" noProof="0" dirty="0">
-                <a:ln>
-                  <a:noFill/>
-                </a:ln>
-                <a:solidFill>
-                  <a:srgbClr val="FFFFFF"/>
-                </a:solidFill>
-                <a:effectLst/>
-                <a:uLnTx/>
-                <a:uFillTx/>
-                <a:latin typeface="Arial"/>
-                <a:ea typeface="+mn-ea"/>
-                <a:cs typeface="Calibri" pitchFamily="34" charset="0"/>
-              </a:endParaRPr>
-            </a:p>
-          </p:txBody>
-        </p:sp>
-        <p:sp>
-          <p:nvSpPr>
-            <p:cNvPr id="27" name="Rectangle 5"/>
-            <p:cNvSpPr>
-              <a:spLocks noChangeArrowheads="1"/>
-            </p:cNvSpPr>
-            <p:nvPr/>
-          </p:nvSpPr>
-          <p:spPr bwMode="auto">
-            <a:xfrm>
-              <a:off x="5616373" y="5669440"/>
-              <a:ext cx="2844059" cy="827881"/>
-            </a:xfrm>
-            <a:prstGeom prst="rect">
-              <a:avLst/>
-            </a:prstGeom>
-            <a:solidFill>
-              <a:srgbClr val="F15C44"/>
-            </a:solidFill>
-            <a:ln w="25400" cap="flat" cmpd="sng" algn="ctr">
-              <a:solidFill>
-                <a:srgbClr val="F15C44">
-                  <a:shade val="50000"/>
-                </a:srgbClr>
-              </a:solidFill>
-              <a:prstDash val="solid"/>
-              <a:headEnd/>
-              <a:tailEnd/>
-            </a:ln>
-            <a:effectLst/>
-          </p:spPr>
-          <p:txBody>
-            <a:bodyPr lIns="77788" tIns="39688" rIns="77788" bIns="39688" anchor="ctr"/>
-            <a:lstStyle/>
-            <a:p>
-              <a:pPr marL="0" marR="0" lvl="0" indent="0" algn="ctr" defTabSz="777875" eaLnBrk="1" fontAlgn="auto" latinLnBrk="0" hangingPunct="1">
-                <a:lnSpc>
-                  <a:spcPct val="100000"/>
-                </a:lnSpc>
-                <a:spcBef>
-                  <a:spcPct val="0"/>
-                </a:spcBef>
-                <a:spcAft>
-                  <a:spcPts val="0"/>
-                </a:spcAft>
-                <a:buClrTx/>
-                <a:buSzTx/>
-                <a:buFontTx/>
-                <a:buNone/>
-                <a:tabLst/>
-                <a:defRPr/>
-              </a:pPr>
-              <a:r>
-                <a:rPr kumimoji="0" lang="en-US" sz="1800" b="0" i="0" u="none" strike="noStrike" kern="0" cap="none" spc="0" normalizeH="0" baseline="0" noProof="0" dirty="0" smtClean="0">
-                  <a:ln>
-                    <a:noFill/>
-                  </a:ln>
-                  <a:solidFill>
-                    <a:srgbClr val="FFFFFF"/>
-                  </a:solidFill>
-                  <a:effectLst/>
-                  <a:uLnTx/>
-                  <a:uFillTx/>
-                  <a:latin typeface="Arial"/>
-                  <a:ea typeface="+mn-ea"/>
-                  <a:cs typeface="Calibri" pitchFamily="34" charset="0"/>
-                </a:rPr>
-                <a:t>1 </a:t>
-              </a:r>
-              <a:r>
-                <a:rPr kumimoji="0" lang="ru-RU" sz="1800" b="0" i="0" u="none" strike="noStrike" kern="0" cap="none" spc="0" normalizeH="0" baseline="0" noProof="0" dirty="0" smtClean="0">
-                  <a:ln>
-                    <a:noFill/>
-                  </a:ln>
-                  <a:solidFill>
-                    <a:srgbClr val="FFFFFF"/>
-                  </a:solidFill>
-                  <a:effectLst/>
-                  <a:uLnTx/>
-                  <a:uFillTx/>
-                  <a:latin typeface="Arial"/>
-                  <a:ea typeface="+mn-ea"/>
-                  <a:cs typeface="Calibri" pitchFamily="34" charset="0"/>
-                </a:rPr>
-                <a:t>Гбайт</a:t>
-              </a:r>
-              <a:endParaRPr kumimoji="0" lang="en-US" sz="1800" b="0" i="0" u="none" strike="noStrike" kern="0" cap="none" spc="0" normalizeH="0" baseline="0" noProof="0" dirty="0" smtClean="0">
-                <a:ln>
-                  <a:noFill/>
-                </a:ln>
-                <a:solidFill>
-                  <a:srgbClr val="FFFFFF"/>
-                </a:solidFill>
-                <a:effectLst/>
-                <a:uLnTx/>
-                <a:uFillTx/>
-                <a:latin typeface="Arial"/>
-                <a:ea typeface="+mn-ea"/>
-                <a:cs typeface="Calibri" pitchFamily="34" charset="0"/>
-              </a:endParaRPr>
-            </a:p>
-            <a:p>
-              <a:pPr marL="0" marR="0" lvl="0" indent="0" algn="ctr" defTabSz="777875" eaLnBrk="1" fontAlgn="auto" latinLnBrk="0" hangingPunct="1">
-                <a:lnSpc>
-                  <a:spcPct val="100000"/>
-                </a:lnSpc>
-                <a:spcBef>
-                  <a:spcPct val="0"/>
-                </a:spcBef>
-                <a:spcAft>
-                  <a:spcPts val="0"/>
-                </a:spcAft>
-                <a:buClrTx/>
-                <a:buSzTx/>
-                <a:buFontTx/>
-                <a:buNone/>
-                <a:tabLst/>
-                <a:defRPr/>
-              </a:pPr>
-              <a:r>
-                <a:rPr kumimoji="0" lang="ru-RU" sz="1800" b="0" i="0" u="none" strike="noStrike" kern="0" cap="none" spc="0" normalizeH="0" baseline="0" noProof="0" dirty="0" smtClean="0">
-                  <a:ln>
-                    <a:noFill/>
-                  </a:ln>
-                  <a:solidFill>
-                    <a:srgbClr val="FFFFFF"/>
-                  </a:solidFill>
-                  <a:effectLst/>
-                  <a:uLnTx/>
-                  <a:uFillTx/>
-                  <a:latin typeface="Arial"/>
-                  <a:ea typeface="+mn-ea"/>
-                  <a:cs typeface="Calibri" pitchFamily="34" charset="0"/>
-                </a:rPr>
-                <a:t>Системное</a:t>
-              </a:r>
-              <a:r>
-                <a:rPr lang="ru-RU" kern="0" dirty="0">
-                  <a:solidFill>
-                    <a:srgbClr val="FFFFFF"/>
-                  </a:solidFill>
-                  <a:latin typeface="Arial"/>
-                  <a:cs typeface="Calibri" pitchFamily="34" charset="0"/>
-                </a:rPr>
-                <a:t/>
-              </a:r>
-              <a:br>
-                <a:rPr lang="ru-RU" kern="0" dirty="0">
-                  <a:solidFill>
-                    <a:srgbClr val="FFFFFF"/>
-                  </a:solidFill>
-                  <a:latin typeface="Arial"/>
-                  <a:cs typeface="Calibri" pitchFamily="34" charset="0"/>
-                </a:rPr>
-              </a:br>
-              <a:r>
-                <a:rPr kumimoji="0" lang="ru-RU" sz="1800" b="0" i="0" u="none" strike="noStrike" kern="0" cap="none" spc="0" normalizeH="0" noProof="0" dirty="0" smtClean="0">
-                  <a:ln>
-                    <a:noFill/>
-                  </a:ln>
-                  <a:solidFill>
-                    <a:srgbClr val="FFFFFF"/>
-                  </a:solidFill>
-                  <a:effectLst/>
-                  <a:uLnTx/>
-                  <a:uFillTx/>
-                  <a:latin typeface="Arial"/>
-                  <a:ea typeface="+mn-ea"/>
-                  <a:cs typeface="Calibri" pitchFamily="34" charset="0"/>
-                </a:rPr>
-                <a:t>пространство</a:t>
-              </a:r>
-              <a:endParaRPr kumimoji="0" lang="en-US" sz="1800" b="0" i="0" u="none" strike="noStrike" kern="0" cap="none" spc="0" normalizeH="0" baseline="0" noProof="0" dirty="0">
-                <a:ln>
-                  <a:noFill/>
-                </a:ln>
-                <a:solidFill>
-                  <a:srgbClr val="FFFFFF"/>
-                </a:solidFill>
-                <a:effectLst/>
-                <a:uLnTx/>
-                <a:uFillTx/>
-                <a:latin typeface="Arial"/>
-                <a:ea typeface="+mn-ea"/>
-                <a:cs typeface="Calibri" pitchFamily="34" charset="0"/>
-              </a:endParaRPr>
-            </a:p>
-          </p:txBody>
-        </p:sp>
-      </p:grpSp>
-      <p:sp>
-        <p:nvSpPr>
-          <p:cNvPr id="30" name="TextBox 29"/>
-          <p:cNvSpPr txBox="1"/>
-          <p:nvPr/>
-        </p:nvSpPr>
-        <p:spPr>
-          <a:xfrm>
-            <a:off x="772733" y="2245799"/>
-            <a:ext cx="2431115" cy="523220"/>
-          </a:xfrm>
-          <a:prstGeom prst="rect">
-            <a:avLst/>
-          </a:prstGeom>
-          <a:noFill/>
-        </p:spPr>
-        <p:txBody>
-          <a:bodyPr wrap="none" rtlCol="0">
-            <a:spAutoFit/>
-          </a:bodyPr>
-          <a:lstStyle/>
-          <a:p>
-            <a:pPr algn="ctr"/>
-            <a:r>
-              <a:rPr lang="ru-RU" sz="2800" dirty="0" smtClean="0"/>
-              <a:t>По умолчанию</a:t>
-            </a:r>
-            <a:endParaRPr lang="ru-RU" sz="2800" dirty="0" smtClean="0"/>
-          </a:p>
-        </p:txBody>
-      </p:sp>
-      <p:sp>
-        <p:nvSpPr>
-          <p:cNvPr id="31" name="TextBox 30"/>
-          <p:cNvSpPr txBox="1"/>
-          <p:nvPr/>
-        </p:nvSpPr>
-        <p:spPr>
-          <a:xfrm>
-            <a:off x="6380781" y="2245799"/>
-            <a:ext cx="1209434" cy="523220"/>
-          </a:xfrm>
-          <a:prstGeom prst="rect">
-            <a:avLst/>
-          </a:prstGeom>
-          <a:noFill/>
-        </p:spPr>
-        <p:txBody>
-          <a:bodyPr wrap="none" rtlCol="0">
-            <a:spAutoFit/>
-          </a:bodyPr>
-          <a:lstStyle/>
-          <a:p>
-            <a:pPr algn="ctr"/>
-            <a:r>
-              <a:rPr lang="ru-RU" sz="2800" dirty="0" smtClean="0"/>
-              <a:t>3Гбайт</a:t>
-            </a:r>
-            <a:endParaRPr lang="ru-RU" sz="2800" dirty="0" smtClean="0"/>
+            <a:endParaRPr lang="ru-RU"/>
           </a:p>
         </p:txBody>
       </p:sp>
     </p:spTree>
     <p:extLst>
       <p:ext uri="{BB962C8B-B14F-4D97-AF65-F5344CB8AC3E}">
-        <p14:creationId xmlns:p14="http://schemas.microsoft.com/office/powerpoint/2010/main" val="1084861271"/>
+        <p14:creationId xmlns:p14="http://schemas.microsoft.com/office/powerpoint/2010/main" val="2886455791"/>
       </p:ext>
     </p:extLst>
   </p:cSld>
   <p:clrMapOvr>
     <a:masterClrMapping/>
   </p:clrMapOvr>
+  <p:timing>
+    <p:tnLst>
+      <p:par>
+        <p:cTn id="1" dur="indefinite" restart="never" nodeType="tmRoot"/>
+      </p:par>
+    </p:tnLst>
+  </p:timing>
 </p:sld>
 </file>
 
@@ -10743,17 +10460,158 @@
             <a:spLocks noGrp="1"/>
           </p:cNvSpPr>
           <p:nvPr>
-            <p:ph type="ctrTitle"/>
+            <p:ph type="title"/>
           </p:nvPr>
         </p:nvSpPr>
         <p:spPr/>
         <p:txBody>
-          <a:bodyPr/>
+          <a:bodyPr>
+            <a:normAutofit fontScale="90000"/>
+          </a:bodyPr>
           <a:lstStyle/>
           <a:p>
             <a:r>
               <a:rPr lang="ru-RU" dirty="0" smtClean="0"/>
-              <a:t>Мониторинг используемой памяти</a:t>
+              <a:t>Два способа сделать </a:t>
+            </a:r>
+            <a:r>
+              <a:rPr lang="en-US" dirty="0" smtClean="0"/>
+              <a:t>GC </a:t>
+            </a:r>
+            <a:r>
+              <a:rPr lang="ru-RU" dirty="0" smtClean="0"/>
+              <a:t>«счастливым»</a:t>
+            </a:r>
+            <a:endParaRPr lang="ru-RU" dirty="0"/>
+          </a:p>
+        </p:txBody>
+      </p:sp>
+      <p:sp>
+        <p:nvSpPr>
+          <p:cNvPr id="4" name="Content Placeholder 3"/>
+          <p:cNvSpPr>
+            <a:spLocks noGrp="1"/>
+          </p:cNvSpPr>
+          <p:nvPr>
+            <p:ph sz="half" idx="1"/>
+          </p:nvPr>
+        </p:nvSpPr>
+        <p:spPr>
+          <a:ln>
+            <a:solidFill>
+              <a:schemeClr val="bg1"/>
+            </a:solidFill>
+          </a:ln>
+        </p:spPr>
+        <p:txBody>
+          <a:bodyPr>
+            <a:normAutofit fontScale="92500"/>
+          </a:bodyPr>
+          <a:lstStyle/>
+          <a:p>
+            <a:pPr marL="0" indent="0" algn="ctr">
+              <a:buNone/>
+            </a:pPr>
+            <a:r>
+              <a:rPr lang="ru-RU" b="1" dirty="0" smtClean="0"/>
+              <a:t>Заставить его</a:t>
+            </a:r>
+            <a:br>
+              <a:rPr lang="ru-RU" b="1" dirty="0" smtClean="0"/>
+            </a:br>
+            <a:r>
+              <a:rPr lang="ru-RU" b="1" u="sng" dirty="0" smtClean="0"/>
+              <a:t>реже запускаться</a:t>
+            </a:r>
+          </a:p>
+          <a:p>
+            <a:pPr marL="0" indent="0">
+              <a:buNone/>
+            </a:pPr>
+            <a:endParaRPr lang="ru-RU" dirty="0" smtClean="0"/>
+          </a:p>
+          <a:p>
+            <a:pPr marL="0" indent="0">
+              <a:buNone/>
+            </a:pPr>
+            <a:r>
+              <a:rPr lang="ru-RU" dirty="0" smtClean="0"/>
+              <a:t>Чем меньше выделений памяти, тем реже нужно выполнять уборку мусора</a:t>
+            </a:r>
+          </a:p>
+          <a:p>
+            <a:pPr marL="0" indent="0">
+              <a:buNone/>
+            </a:pPr>
+            <a:endParaRPr lang="ru-RU" dirty="0"/>
+          </a:p>
+          <a:p>
+            <a:pPr marL="0" indent="0">
+              <a:buNone/>
+            </a:pPr>
+            <a:r>
+              <a:rPr lang="ru-RU" dirty="0" smtClean="0"/>
+              <a:t>Используйте пулы объектов, по возможности.</a:t>
+            </a:r>
+            <a:endParaRPr lang="ru-RU" dirty="0"/>
+          </a:p>
+        </p:txBody>
+      </p:sp>
+      <p:sp>
+        <p:nvSpPr>
+          <p:cNvPr id="5" name="Content Placeholder 4"/>
+          <p:cNvSpPr>
+            <a:spLocks noGrp="1"/>
+          </p:cNvSpPr>
+          <p:nvPr>
+            <p:ph sz="half" idx="2"/>
+          </p:nvPr>
+        </p:nvSpPr>
+        <p:spPr>
+          <a:ln>
+            <a:solidFill>
+              <a:schemeClr val="bg1"/>
+            </a:solidFill>
+          </a:ln>
+        </p:spPr>
+        <p:txBody>
+          <a:bodyPr>
+            <a:normAutofit fontScale="92500"/>
+          </a:bodyPr>
+          <a:lstStyle/>
+          <a:p>
+            <a:pPr marL="0" indent="0" algn="ctr">
+              <a:buNone/>
+            </a:pPr>
+            <a:r>
+              <a:rPr lang="ru-RU" b="1" u="sng" dirty="0" smtClean="0"/>
+              <a:t>Ускорить</a:t>
+            </a:r>
+            <a:r>
+              <a:rPr lang="ru-RU" b="1" dirty="0"/>
+              <a:t/>
+            </a:r>
+            <a:br>
+              <a:rPr lang="ru-RU" b="1" dirty="0"/>
+            </a:br>
+            <a:r>
+              <a:rPr lang="ru-RU" b="1" dirty="0" smtClean="0"/>
+              <a:t>его работу</a:t>
+            </a:r>
+          </a:p>
+          <a:p>
+            <a:pPr marL="0" indent="0">
+              <a:buNone/>
+            </a:pPr>
+            <a:endParaRPr lang="ru-RU" dirty="0" smtClean="0"/>
+          </a:p>
+          <a:p>
+            <a:pPr marL="0" indent="0">
+              <a:buNone/>
+            </a:pPr>
+            <a:r>
+              <a:rPr lang="ru-RU" dirty="0" smtClean="0"/>
+              <a:t>Время уборки мусора прямо пропорционалньо количеству связей которые нужно обойти.</a:t>
             </a:r>
             <a:endParaRPr lang="ru-RU" dirty="0"/>
           </a:p>
@@ -10762,7 +10620,7 @@
     </p:spTree>
     <p:extLst>
       <p:ext uri="{BB962C8B-B14F-4D97-AF65-F5344CB8AC3E}">
-        <p14:creationId xmlns:p14="http://schemas.microsoft.com/office/powerpoint/2010/main" val="833686513"/>
+        <p14:creationId xmlns:p14="http://schemas.microsoft.com/office/powerpoint/2010/main" val="3933915360"/>
       </p:ext>
     </p:extLst>
   </p:cSld>
@@ -11383,32 +11241,7 @@
             <a:spLocks noGrp="1"/>
           </p:cNvSpPr>
           <p:nvPr>
-            <p:ph type="title"/>
-          </p:nvPr>
-        </p:nvSpPr>
-        <p:spPr/>
-        <p:txBody>
-          <a:bodyPr>
-            <a:normAutofit fontScale="90000"/>
-          </a:bodyPr>
-          <a:lstStyle/>
-          <a:p>
-            <a:r>
-              <a:rPr lang="ru-RU" dirty="0" smtClean="0"/>
-              <a:t>Мониторинг используемой памяти из кода</a:t>
-            </a:r>
-            <a:endParaRPr lang="ru-RU" dirty="0"/>
-          </a:p>
-        </p:txBody>
-      </p:sp>
-      <p:sp>
-        <p:nvSpPr>
-          <p:cNvPr id="3" name="Content Placeholder 2"/>
-          <p:cNvSpPr>
-            <a:spLocks noGrp="1"/>
-          </p:cNvSpPr>
-          <p:nvPr>
-            <p:ph idx="1"/>
+            <p:ph type="ctrTitle"/>
           </p:nvPr>
         </p:nvSpPr>
         <p:spPr/>
@@ -11417,79 +11250,17 @@
           <a:lstStyle/>
           <a:p>
             <a:r>
-              <a:rPr lang="en-US" dirty="0" err="1" smtClean="0"/>
-              <a:t>GC.CollectionCount</a:t>
+              <a:rPr lang="ru-RU" dirty="0" smtClean="0"/>
+              <a:t>Как </a:t>
             </a:r>
             <a:r>
               <a:rPr lang="en-US" dirty="0" smtClean="0"/>
-              <a:t>(</a:t>
+              <a:t>Windows</a:t>
             </a:r>
             <a:r>
               <a:rPr lang="ru-RU" dirty="0" smtClean="0"/>
-              <a:t>номерПоколения</a:t>
-            </a:r>
-            <a:r>
-              <a:rPr lang="en-US" dirty="0" smtClean="0"/>
-              <a:t>)</a:t>
-            </a:r>
-            <a:r>
-              <a:rPr lang="ru-RU" dirty="0" smtClean="0"/>
-              <a:t> – сообщает сколько раз выполнялась сборка мусора для указанного поколения</a:t>
-            </a:r>
-          </a:p>
-          <a:p>
-            <a:r>
-              <a:rPr lang="en-US" dirty="0" err="1"/>
-              <a:t>GC.GetTotalMemory</a:t>
-            </a:r>
-            <a:r>
-              <a:rPr lang="en-US" dirty="0"/>
-              <a:t>(</a:t>
-            </a:r>
-            <a:r>
-              <a:rPr lang="en-US" dirty="0" err="1"/>
-              <a:t>bool</a:t>
-            </a:r>
-            <a:r>
-              <a:rPr lang="en-US" dirty="0"/>
-              <a:t> </a:t>
-            </a:r>
-            <a:r>
-              <a:rPr lang="en-US" dirty="0" err="1"/>
-              <a:t>forceFullCollection</a:t>
-            </a:r>
-            <a:r>
-              <a:rPr lang="en-US" dirty="0" smtClean="0"/>
-              <a:t>)</a:t>
-            </a:r>
-            <a:r>
-              <a:rPr lang="ru-RU" dirty="0" smtClean="0"/>
-              <a:t> – возвращает кол-во байтов выделенных в куче</a:t>
-            </a:r>
-          </a:p>
-          <a:p>
-            <a:r>
-              <a:rPr lang="en-US" dirty="0" err="1" smtClean="0"/>
-              <a:t>Environment.WorkingSet</a:t>
-            </a:r>
-            <a:r>
-              <a:rPr lang="en-US" dirty="0" smtClean="0"/>
-              <a:t> – </a:t>
-            </a:r>
-            <a:r>
-              <a:rPr lang="ru-RU" dirty="0" smtClean="0"/>
-              <a:t>размер в байтах рабочего множества процесса </a:t>
-            </a:r>
-            <a:r>
-              <a:rPr lang="en-US" dirty="0" smtClean="0"/>
-              <a:t>(working set)</a:t>
-            </a:r>
-            <a:endParaRPr lang="en-US" dirty="0"/>
-          </a:p>
-          <a:p>
-            <a:endParaRPr lang="en-US" dirty="0"/>
-          </a:p>
-          <a:p>
+              <a:t> управляет памятью</a:t>
+            </a:r>
             <a:endParaRPr lang="ru-RU" dirty="0"/>
           </a:p>
         </p:txBody>
@@ -11497,7 +11268,7 @@
     </p:spTree>
     <p:extLst>
       <p:ext uri="{BB962C8B-B14F-4D97-AF65-F5344CB8AC3E}">
-        <p14:creationId xmlns:p14="http://schemas.microsoft.com/office/powerpoint/2010/main" val="921719331"/>
+        <p14:creationId xmlns:p14="http://schemas.microsoft.com/office/powerpoint/2010/main" val="1378078807"/>
       </p:ext>
     </p:extLst>
   </p:cSld>
@@ -11543,6 +11314,2791 @@
         </p:nvSpPr>
         <p:spPr/>
         <p:txBody>
+          <a:bodyPr/>
+          <a:lstStyle/>
+          <a:p>
+            <a:r>
+              <a:rPr lang="ru-RU" dirty="0" smtClean="0"/>
+              <a:t>Адресное пространство для </a:t>
+            </a:r>
+            <a:r>
+              <a:rPr lang="en-US" dirty="0" smtClean="0"/>
+              <a:t>x86</a:t>
+            </a:r>
+            <a:endParaRPr lang="ru-RU" dirty="0"/>
+          </a:p>
+        </p:txBody>
+      </p:sp>
+      <p:sp>
+        <p:nvSpPr>
+          <p:cNvPr id="3" name="Content Placeholder 2"/>
+          <p:cNvSpPr>
+            <a:spLocks noGrp="1"/>
+          </p:cNvSpPr>
+          <p:nvPr>
+            <p:ph idx="1"/>
+          </p:nvPr>
+        </p:nvSpPr>
+        <p:spPr>
+          <a:xfrm>
+            <a:off x="457200" y="1196752"/>
+            <a:ext cx="8229600" cy="1108719"/>
+          </a:xfrm>
+        </p:spPr>
+        <p:txBody>
+          <a:bodyPr>
+            <a:normAutofit/>
+          </a:bodyPr>
+          <a:lstStyle/>
+          <a:p>
+            <a:r>
+              <a:rPr lang="ru-RU" sz="1400" dirty="0" smtClean="0"/>
+              <a:t>32 бита = 2</a:t>
+            </a:r>
+            <a:r>
+              <a:rPr lang="en-US" sz="1400" dirty="0" smtClean="0"/>
+              <a:t>^32 = 4 </a:t>
+            </a:r>
+            <a:r>
+              <a:rPr lang="ru-RU" sz="1400" dirty="0" smtClean="0"/>
+              <a:t>Гбайт</a:t>
+            </a:r>
+          </a:p>
+          <a:p>
+            <a:pPr lvl="1"/>
+            <a:r>
+              <a:rPr lang="en-US" sz="1400" dirty="0" smtClean="0"/>
+              <a:t>/3GB </a:t>
+            </a:r>
+            <a:r>
+              <a:rPr lang="ru-RU" sz="1400" dirty="0" smtClean="0"/>
+              <a:t>и </a:t>
+            </a:r>
+            <a:r>
+              <a:rPr lang="en-US" sz="1400" dirty="0" smtClean="0"/>
+              <a:t>/USERVA</a:t>
+            </a:r>
+            <a:r>
+              <a:rPr lang="ru-RU" sz="1400" dirty="0" smtClean="0"/>
+              <a:t> могут расширить адресное пространство процесса до 3 Гбайт</a:t>
+            </a:r>
+          </a:p>
+          <a:p>
+            <a:pPr lvl="1"/>
+            <a:r>
+              <a:rPr lang="ru-RU" sz="1400" dirty="0" smtClean="0"/>
+              <a:t>Процесс должен быть скомпилирован как «</a:t>
+            </a:r>
+            <a:r>
+              <a:rPr lang="en-US" sz="1400" dirty="0"/>
+              <a:t>large address space aware</a:t>
+            </a:r>
+            <a:r>
+              <a:rPr lang="ru-RU" sz="1400" dirty="0" smtClean="0"/>
+              <a:t>» чтобы он мог использовать память выше </a:t>
+            </a:r>
+            <a:r>
+              <a:rPr lang="en-US" sz="1400" dirty="0" smtClean="0"/>
+              <a:t>2 </a:t>
+            </a:r>
+            <a:r>
+              <a:rPr lang="ru-RU" sz="1400" dirty="0" smtClean="0"/>
+              <a:t>Гбайт</a:t>
+            </a:r>
+            <a:endParaRPr lang="ru-RU" sz="1400" dirty="0"/>
+          </a:p>
+        </p:txBody>
+      </p:sp>
+      <p:grpSp>
+        <p:nvGrpSpPr>
+          <p:cNvPr id="29" name="Group 28"/>
+          <p:cNvGrpSpPr/>
+          <p:nvPr/>
+        </p:nvGrpSpPr>
+        <p:grpSpPr>
+          <a:xfrm>
+            <a:off x="585882" y="2735369"/>
+            <a:ext cx="3174608" cy="3789975"/>
+            <a:chOff x="251520" y="2707346"/>
+            <a:chExt cx="3174608" cy="3789975"/>
+          </a:xfrm>
+        </p:grpSpPr>
+        <p:sp>
+          <p:nvSpPr>
+            <p:cNvPr id="20" name="Rectangle 2"/>
+            <p:cNvSpPr>
+              <a:spLocks noChangeArrowheads="1"/>
+            </p:cNvSpPr>
+            <p:nvPr/>
+          </p:nvSpPr>
+          <p:spPr bwMode="auto">
+            <a:xfrm>
+              <a:off x="251520" y="2707346"/>
+              <a:ext cx="2727673" cy="1708150"/>
+            </a:xfrm>
+            <a:prstGeom prst="rect">
+              <a:avLst/>
+            </a:prstGeom>
+            <a:solidFill>
+              <a:srgbClr val="FFC425"/>
+            </a:solidFill>
+            <a:ln w="25400" cap="flat" cmpd="sng" algn="ctr">
+              <a:solidFill>
+                <a:srgbClr val="FFC425">
+                  <a:shade val="50000"/>
+                </a:srgbClr>
+              </a:solidFill>
+              <a:prstDash val="solid"/>
+              <a:headEnd/>
+              <a:tailEnd/>
+            </a:ln>
+            <a:effectLst/>
+          </p:spPr>
+          <p:txBody>
+            <a:bodyPr wrap="none" anchor="ctr"/>
+            <a:lstStyle/>
+            <a:p>
+              <a:pPr marL="0" marR="0" lvl="0" indent="0" defTabSz="914363" eaLnBrk="1" fontAlgn="auto" latinLnBrk="0" hangingPunct="1">
+                <a:lnSpc>
+                  <a:spcPct val="100000"/>
+                </a:lnSpc>
+                <a:spcBef>
+                  <a:spcPts val="0"/>
+                </a:spcBef>
+                <a:spcAft>
+                  <a:spcPts val="0"/>
+                </a:spcAft>
+                <a:buClrTx/>
+                <a:buSzTx/>
+                <a:buFontTx/>
+                <a:buNone/>
+                <a:tabLst/>
+                <a:defRPr/>
+              </a:pPr>
+              <a:endParaRPr kumimoji="0" lang="en-US" sz="1800" b="0" i="0" u="none" strike="noStrike" kern="0" cap="none" spc="0" normalizeH="0" baseline="0" noProof="0" dirty="0">
+                <a:ln>
+                  <a:noFill/>
+                </a:ln>
+                <a:solidFill>
+                  <a:srgbClr val="FFFFFF"/>
+                </a:solidFill>
+                <a:effectLst/>
+                <a:uLnTx/>
+                <a:uFillTx/>
+                <a:latin typeface="Arial"/>
+                <a:ea typeface="+mn-ea"/>
+                <a:cs typeface="+mn-cs"/>
+              </a:endParaRPr>
+            </a:p>
+          </p:txBody>
+        </p:sp>
+        <p:sp>
+          <p:nvSpPr>
+            <p:cNvPr id="21" name="Rectangle 3"/>
+            <p:cNvSpPr>
+              <a:spLocks noChangeArrowheads="1"/>
+            </p:cNvSpPr>
+            <p:nvPr/>
+          </p:nvSpPr>
+          <p:spPr bwMode="auto">
+            <a:xfrm>
+              <a:off x="410230" y="2890226"/>
+              <a:ext cx="2772111" cy="1627188"/>
+            </a:xfrm>
+            <a:prstGeom prst="rect">
+              <a:avLst/>
+            </a:prstGeom>
+            <a:solidFill>
+              <a:srgbClr val="FFC425"/>
+            </a:solidFill>
+            <a:ln w="25400" cap="flat" cmpd="sng" algn="ctr">
+              <a:solidFill>
+                <a:srgbClr val="FFC425">
+                  <a:shade val="50000"/>
+                </a:srgbClr>
+              </a:solidFill>
+              <a:prstDash val="solid"/>
+              <a:headEnd/>
+              <a:tailEnd/>
+            </a:ln>
+            <a:effectLst/>
+          </p:spPr>
+          <p:txBody>
+            <a:bodyPr wrap="none" anchor="ctr"/>
+            <a:lstStyle/>
+            <a:p>
+              <a:pPr marL="0" marR="0" lvl="0" indent="0" defTabSz="914363" eaLnBrk="1" fontAlgn="auto" latinLnBrk="0" hangingPunct="1">
+                <a:lnSpc>
+                  <a:spcPct val="100000"/>
+                </a:lnSpc>
+                <a:spcBef>
+                  <a:spcPts val="0"/>
+                </a:spcBef>
+                <a:spcAft>
+                  <a:spcPts val="0"/>
+                </a:spcAft>
+                <a:buClrTx/>
+                <a:buSzTx/>
+                <a:buFontTx/>
+                <a:buNone/>
+                <a:tabLst/>
+                <a:defRPr/>
+              </a:pPr>
+              <a:endParaRPr kumimoji="0" lang="en-US" sz="1800" b="0" i="0" u="none" strike="noStrike" kern="0" cap="none" spc="0" normalizeH="0" baseline="0" noProof="0" dirty="0">
+                <a:ln>
+                  <a:noFill/>
+                </a:ln>
+                <a:solidFill>
+                  <a:srgbClr val="FFFFFF"/>
+                </a:solidFill>
+                <a:effectLst/>
+                <a:uLnTx/>
+                <a:uFillTx/>
+                <a:latin typeface="Arial"/>
+                <a:ea typeface="+mn-ea"/>
+                <a:cs typeface="+mn-cs"/>
+              </a:endParaRPr>
+            </a:p>
+          </p:txBody>
+        </p:sp>
+        <p:sp>
+          <p:nvSpPr>
+            <p:cNvPr id="22" name="Rectangle 4"/>
+            <p:cNvSpPr>
+              <a:spLocks noChangeArrowheads="1"/>
+            </p:cNvSpPr>
+            <p:nvPr/>
+          </p:nvSpPr>
+          <p:spPr bwMode="auto">
+            <a:xfrm>
+              <a:off x="584184" y="3083266"/>
+              <a:ext cx="2841944" cy="1582738"/>
+            </a:xfrm>
+            <a:prstGeom prst="rect">
+              <a:avLst/>
+            </a:prstGeom>
+            <a:solidFill>
+              <a:srgbClr val="FFC425"/>
+            </a:solidFill>
+            <a:ln w="25400" cap="flat" cmpd="sng" algn="ctr">
+              <a:solidFill>
+                <a:srgbClr val="FFC425">
+                  <a:shade val="50000"/>
+                </a:srgbClr>
+              </a:solidFill>
+              <a:prstDash val="solid"/>
+              <a:headEnd/>
+              <a:tailEnd/>
+            </a:ln>
+            <a:effectLst/>
+          </p:spPr>
+          <p:txBody>
+            <a:bodyPr lIns="46038" tIns="39688" rIns="46038" bIns="39688" anchor="ctr"/>
+            <a:lstStyle/>
+            <a:p>
+              <a:pPr marL="0" marR="0" lvl="0" indent="0" algn="ctr" defTabSz="777875" eaLnBrk="1" fontAlgn="auto" latinLnBrk="0" hangingPunct="1">
+                <a:lnSpc>
+                  <a:spcPct val="100000"/>
+                </a:lnSpc>
+                <a:spcBef>
+                  <a:spcPts val="0"/>
+                </a:spcBef>
+                <a:spcAft>
+                  <a:spcPts val="0"/>
+                </a:spcAft>
+                <a:buClrTx/>
+                <a:buSzTx/>
+                <a:buFontTx/>
+                <a:buNone/>
+                <a:tabLst/>
+                <a:defRPr/>
+              </a:pPr>
+              <a:r>
+                <a:rPr kumimoji="0" lang="en-US" sz="1800" b="0" i="0" u="none" strike="noStrike" kern="0" cap="none" spc="0" normalizeH="0" baseline="0" noProof="0" dirty="0" smtClean="0">
+                  <a:ln>
+                    <a:noFill/>
+                  </a:ln>
+                  <a:solidFill>
+                    <a:srgbClr val="FFFFFF"/>
+                  </a:solidFill>
+                  <a:effectLst/>
+                  <a:uLnTx/>
+                  <a:uFillTx/>
+                  <a:latin typeface="Arial"/>
+                  <a:ea typeface="+mn-ea"/>
+                  <a:cs typeface="Calibri" pitchFamily="34" charset="0"/>
+                </a:rPr>
+                <a:t>2 </a:t>
+              </a:r>
+              <a:r>
+                <a:rPr kumimoji="0" lang="ru-RU" sz="1800" b="0" i="0" u="none" strike="noStrike" kern="0" cap="none" spc="0" normalizeH="0" baseline="0" noProof="0" dirty="0" smtClean="0">
+                  <a:ln>
+                    <a:noFill/>
+                  </a:ln>
+                  <a:solidFill>
+                    <a:srgbClr val="FFFFFF"/>
+                  </a:solidFill>
+                  <a:effectLst/>
+                  <a:uLnTx/>
+                  <a:uFillTx/>
+                  <a:latin typeface="Arial"/>
+                  <a:ea typeface="+mn-ea"/>
+                  <a:cs typeface="Calibri" pitchFamily="34" charset="0"/>
+                </a:rPr>
+                <a:t>Гбайт</a:t>
+              </a:r>
+              <a:endParaRPr kumimoji="0" lang="en-US" sz="1800" b="0" i="0" u="none" strike="noStrike" kern="0" cap="none" spc="0" normalizeH="0" baseline="0" noProof="0" dirty="0">
+                <a:ln>
+                  <a:noFill/>
+                </a:ln>
+                <a:solidFill>
+                  <a:srgbClr val="FFFFFF"/>
+                </a:solidFill>
+                <a:effectLst/>
+                <a:uLnTx/>
+                <a:uFillTx/>
+                <a:latin typeface="Arial"/>
+                <a:ea typeface="+mn-ea"/>
+                <a:cs typeface="Calibri" pitchFamily="34" charset="0"/>
+              </a:endParaRPr>
+            </a:p>
+            <a:p>
+              <a:pPr marL="0" marR="0" lvl="0" indent="0" algn="ctr" defTabSz="777875" eaLnBrk="1" fontAlgn="auto" latinLnBrk="0" hangingPunct="1">
+                <a:lnSpc>
+                  <a:spcPct val="100000"/>
+                </a:lnSpc>
+                <a:spcBef>
+                  <a:spcPts val="0"/>
+                </a:spcBef>
+                <a:spcAft>
+                  <a:spcPts val="0"/>
+                </a:spcAft>
+                <a:buClrTx/>
+                <a:buSzTx/>
+                <a:buFontTx/>
+                <a:buNone/>
+                <a:tabLst/>
+                <a:defRPr/>
+              </a:pPr>
+              <a:r>
+                <a:rPr kumimoji="0" lang="ru-RU" sz="1800" b="0" i="0" u="none" strike="noStrike" kern="0" cap="none" spc="0" normalizeH="0" baseline="0" noProof="0" dirty="0" smtClean="0">
+                  <a:ln>
+                    <a:noFill/>
+                  </a:ln>
+                  <a:solidFill>
+                    <a:srgbClr val="FFFFFF"/>
+                  </a:solidFill>
+                  <a:effectLst/>
+                  <a:uLnTx/>
+                  <a:uFillTx/>
+                  <a:latin typeface="Arial"/>
+                  <a:ea typeface="+mn-ea"/>
+                  <a:cs typeface="Calibri" pitchFamily="34" charset="0"/>
+                </a:rPr>
+                <a:t>Пользовательское</a:t>
+              </a:r>
+              <a:r>
+                <a:rPr lang="ru-RU" kern="0" dirty="0">
+                  <a:solidFill>
+                    <a:srgbClr val="FFFFFF"/>
+                  </a:solidFill>
+                  <a:latin typeface="Arial"/>
+                  <a:cs typeface="Calibri" pitchFamily="34" charset="0"/>
+                </a:rPr>
+                <a:t/>
+              </a:r>
+              <a:br>
+                <a:rPr lang="ru-RU" kern="0" dirty="0">
+                  <a:solidFill>
+                    <a:srgbClr val="FFFFFF"/>
+                  </a:solidFill>
+                  <a:latin typeface="Arial"/>
+                  <a:cs typeface="Calibri" pitchFamily="34" charset="0"/>
+                </a:rPr>
+              </a:br>
+              <a:r>
+                <a:rPr lang="ru-RU" kern="0" dirty="0" smtClean="0">
+                  <a:solidFill>
+                    <a:srgbClr val="FFFFFF"/>
+                  </a:solidFill>
+                  <a:latin typeface="Arial"/>
+                  <a:cs typeface="Calibri" pitchFamily="34" charset="0"/>
+                </a:rPr>
+                <a:t>пространство</a:t>
+              </a:r>
+              <a:endParaRPr kumimoji="0" lang="en-US" sz="1800" b="0" i="0" u="none" strike="noStrike" kern="0" cap="none" spc="0" normalizeH="0" baseline="0" noProof="0" dirty="0">
+                <a:ln>
+                  <a:noFill/>
+                </a:ln>
+                <a:solidFill>
+                  <a:srgbClr val="FFFFFF"/>
+                </a:solidFill>
+                <a:effectLst/>
+                <a:uLnTx/>
+                <a:uFillTx/>
+                <a:latin typeface="Arial"/>
+                <a:ea typeface="+mn-ea"/>
+                <a:cs typeface="Calibri" pitchFamily="34" charset="0"/>
+              </a:endParaRPr>
+            </a:p>
+          </p:txBody>
+        </p:sp>
+        <p:sp>
+          <p:nvSpPr>
+            <p:cNvPr id="23" name="Rectangle 5"/>
+            <p:cNvSpPr>
+              <a:spLocks noChangeArrowheads="1"/>
+            </p:cNvSpPr>
+            <p:nvPr/>
+          </p:nvSpPr>
+          <p:spPr bwMode="auto">
+            <a:xfrm>
+              <a:off x="582069" y="4914582"/>
+              <a:ext cx="2844059" cy="1582739"/>
+            </a:xfrm>
+            <a:prstGeom prst="rect">
+              <a:avLst/>
+            </a:prstGeom>
+            <a:solidFill>
+              <a:srgbClr val="F15C44"/>
+            </a:solidFill>
+            <a:ln w="25400" cap="flat" cmpd="sng" algn="ctr">
+              <a:solidFill>
+                <a:srgbClr val="F15C44">
+                  <a:shade val="50000"/>
+                </a:srgbClr>
+              </a:solidFill>
+              <a:prstDash val="solid"/>
+              <a:headEnd/>
+              <a:tailEnd/>
+            </a:ln>
+            <a:effectLst/>
+          </p:spPr>
+          <p:txBody>
+            <a:bodyPr lIns="77788" tIns="39688" rIns="77788" bIns="39688" anchor="ctr"/>
+            <a:lstStyle/>
+            <a:p>
+              <a:pPr marL="0" marR="0" lvl="0" indent="0" algn="ctr" defTabSz="777875" eaLnBrk="1" fontAlgn="auto" latinLnBrk="0" hangingPunct="1">
+                <a:lnSpc>
+                  <a:spcPct val="100000"/>
+                </a:lnSpc>
+                <a:spcBef>
+                  <a:spcPts val="0"/>
+                </a:spcBef>
+                <a:spcAft>
+                  <a:spcPts val="0"/>
+                </a:spcAft>
+                <a:buClrTx/>
+                <a:buSzTx/>
+                <a:buFontTx/>
+                <a:buNone/>
+                <a:tabLst/>
+                <a:defRPr/>
+              </a:pPr>
+              <a:r>
+                <a:rPr kumimoji="0" lang="en-US" sz="1800" b="0" i="0" u="none" strike="noStrike" kern="0" cap="none" spc="0" normalizeH="0" baseline="0" noProof="0" dirty="0" smtClean="0">
+                  <a:ln>
+                    <a:noFill/>
+                  </a:ln>
+                  <a:solidFill>
+                    <a:srgbClr val="FFFFFF"/>
+                  </a:solidFill>
+                  <a:effectLst/>
+                  <a:uLnTx/>
+                  <a:uFillTx/>
+                  <a:latin typeface="Arial"/>
+                  <a:ea typeface="+mn-ea"/>
+                  <a:cs typeface="Calibri" pitchFamily="34" charset="0"/>
+                </a:rPr>
+                <a:t>2 </a:t>
+              </a:r>
+              <a:r>
+                <a:rPr kumimoji="0" lang="ru-RU" sz="1800" b="0" i="0" u="none" strike="noStrike" kern="0" cap="none" spc="0" normalizeH="0" baseline="0" noProof="0" dirty="0" smtClean="0">
+                  <a:ln>
+                    <a:noFill/>
+                  </a:ln>
+                  <a:solidFill>
+                    <a:srgbClr val="FFFFFF"/>
+                  </a:solidFill>
+                  <a:effectLst/>
+                  <a:uLnTx/>
+                  <a:uFillTx/>
+                  <a:latin typeface="Arial"/>
+                  <a:ea typeface="+mn-ea"/>
+                  <a:cs typeface="Calibri" pitchFamily="34" charset="0"/>
+                </a:rPr>
+                <a:t>Гбайт</a:t>
+              </a:r>
+              <a:endParaRPr kumimoji="0" lang="en-US" sz="1800" b="0" i="0" u="none" strike="noStrike" kern="0" cap="none" spc="0" normalizeH="0" baseline="0" noProof="0" dirty="0">
+                <a:ln>
+                  <a:noFill/>
+                </a:ln>
+                <a:solidFill>
+                  <a:srgbClr val="FFFFFF"/>
+                </a:solidFill>
+                <a:effectLst/>
+                <a:uLnTx/>
+                <a:uFillTx/>
+                <a:latin typeface="Arial"/>
+                <a:ea typeface="+mn-ea"/>
+                <a:cs typeface="Calibri" pitchFamily="34" charset="0"/>
+              </a:endParaRPr>
+            </a:p>
+            <a:p>
+              <a:pPr lvl="0" algn="ctr" defTabSz="777875">
+                <a:defRPr/>
+              </a:pPr>
+              <a:r>
+                <a:rPr lang="ru-RU" kern="0" dirty="0" smtClean="0">
+                  <a:solidFill>
+                    <a:srgbClr val="FFFFFF"/>
+                  </a:solidFill>
+                  <a:latin typeface="Arial"/>
+                  <a:cs typeface="Calibri" pitchFamily="34" charset="0"/>
+                </a:rPr>
+                <a:t>Системное</a:t>
+              </a:r>
+              <a:br>
+                <a:rPr lang="ru-RU" kern="0" dirty="0" smtClean="0">
+                  <a:solidFill>
+                    <a:srgbClr val="FFFFFF"/>
+                  </a:solidFill>
+                  <a:latin typeface="Arial"/>
+                  <a:cs typeface="Calibri" pitchFamily="34" charset="0"/>
+                </a:rPr>
+              </a:br>
+              <a:r>
+                <a:rPr lang="ru-RU" kern="0" dirty="0" smtClean="0">
+                  <a:solidFill>
+                    <a:srgbClr val="FFFFFF"/>
+                  </a:solidFill>
+                  <a:latin typeface="Arial"/>
+                  <a:cs typeface="Calibri" pitchFamily="34" charset="0"/>
+                </a:rPr>
+                <a:t>пространство</a:t>
+              </a:r>
+              <a:endParaRPr kumimoji="0" lang="en-US" sz="1800" b="0" i="0" u="none" strike="noStrike" kern="0" cap="none" spc="0" normalizeH="0" baseline="0" noProof="0" dirty="0">
+                <a:ln>
+                  <a:noFill/>
+                </a:ln>
+                <a:solidFill>
+                  <a:srgbClr val="FFFFFF"/>
+                </a:solidFill>
+                <a:effectLst/>
+                <a:uLnTx/>
+                <a:uFillTx/>
+                <a:latin typeface="Arial"/>
+                <a:ea typeface="+mn-ea"/>
+                <a:cs typeface="Calibri" pitchFamily="34" charset="0"/>
+              </a:endParaRPr>
+            </a:p>
+          </p:txBody>
+        </p:sp>
+      </p:grpSp>
+      <p:grpSp>
+        <p:nvGrpSpPr>
+          <p:cNvPr id="28" name="Group 27"/>
+          <p:cNvGrpSpPr/>
+          <p:nvPr/>
+        </p:nvGrpSpPr>
+        <p:grpSpPr>
+          <a:xfrm>
+            <a:off x="5462803" y="2735369"/>
+            <a:ext cx="3151197" cy="3789975"/>
+            <a:chOff x="5309235" y="2707346"/>
+            <a:chExt cx="3151197" cy="3789975"/>
+          </a:xfrm>
+        </p:grpSpPr>
+        <p:sp>
+          <p:nvSpPr>
+            <p:cNvPr id="24" name="Rectangle 2"/>
+            <p:cNvSpPr>
+              <a:spLocks noChangeArrowheads="1"/>
+            </p:cNvSpPr>
+            <p:nvPr/>
+          </p:nvSpPr>
+          <p:spPr bwMode="auto">
+            <a:xfrm>
+              <a:off x="5309235" y="2707346"/>
+              <a:ext cx="2727673" cy="2489654"/>
+            </a:xfrm>
+            <a:prstGeom prst="rect">
+              <a:avLst/>
+            </a:prstGeom>
+            <a:solidFill>
+              <a:srgbClr val="FFC425"/>
+            </a:solidFill>
+            <a:ln w="25400" cap="flat" cmpd="sng" algn="ctr">
+              <a:solidFill>
+                <a:srgbClr val="FFC425">
+                  <a:shade val="50000"/>
+                </a:srgbClr>
+              </a:solidFill>
+              <a:prstDash val="solid"/>
+              <a:headEnd/>
+              <a:tailEnd/>
+            </a:ln>
+            <a:effectLst/>
+          </p:spPr>
+          <p:txBody>
+            <a:bodyPr wrap="none" anchor="ctr"/>
+            <a:lstStyle/>
+            <a:p>
+              <a:pPr marL="0" marR="0" lvl="0" indent="0" defTabSz="914363" eaLnBrk="1" fontAlgn="auto" latinLnBrk="0" hangingPunct="1">
+                <a:lnSpc>
+                  <a:spcPct val="100000"/>
+                </a:lnSpc>
+                <a:spcBef>
+                  <a:spcPts val="0"/>
+                </a:spcBef>
+                <a:spcAft>
+                  <a:spcPts val="0"/>
+                </a:spcAft>
+                <a:buClrTx/>
+                <a:buSzTx/>
+                <a:buFontTx/>
+                <a:buNone/>
+                <a:tabLst/>
+                <a:defRPr/>
+              </a:pPr>
+              <a:endParaRPr kumimoji="0" lang="en-US" sz="1800" b="0" i="0" u="none" strike="noStrike" kern="0" cap="none" spc="0" normalizeH="0" baseline="0" noProof="0" dirty="0">
+                <a:ln>
+                  <a:noFill/>
+                </a:ln>
+                <a:solidFill>
+                  <a:srgbClr val="FFFFFF"/>
+                </a:solidFill>
+                <a:effectLst/>
+                <a:uLnTx/>
+                <a:uFillTx/>
+                <a:latin typeface="Arial"/>
+                <a:ea typeface="+mn-ea"/>
+                <a:cs typeface="+mn-cs"/>
+              </a:endParaRPr>
+            </a:p>
+          </p:txBody>
+        </p:sp>
+        <p:sp>
+          <p:nvSpPr>
+            <p:cNvPr id="25" name="Rectangle 3"/>
+            <p:cNvSpPr>
+              <a:spLocks noChangeArrowheads="1"/>
+            </p:cNvSpPr>
+            <p:nvPr/>
+          </p:nvSpPr>
+          <p:spPr bwMode="auto">
+            <a:xfrm>
+              <a:off x="5467945" y="2829266"/>
+              <a:ext cx="2772111" cy="2513315"/>
+            </a:xfrm>
+            <a:prstGeom prst="rect">
+              <a:avLst/>
+            </a:prstGeom>
+            <a:solidFill>
+              <a:srgbClr val="FFC425"/>
+            </a:solidFill>
+            <a:ln w="25400" cap="flat" cmpd="sng" algn="ctr">
+              <a:solidFill>
+                <a:srgbClr val="FFC425">
+                  <a:shade val="50000"/>
+                </a:srgbClr>
+              </a:solidFill>
+              <a:prstDash val="solid"/>
+              <a:headEnd/>
+              <a:tailEnd/>
+            </a:ln>
+            <a:effectLst/>
+          </p:spPr>
+          <p:txBody>
+            <a:bodyPr wrap="none" anchor="ctr"/>
+            <a:lstStyle/>
+            <a:p>
+              <a:pPr marL="0" marR="0" lvl="0" indent="0" defTabSz="914363" eaLnBrk="1" fontAlgn="auto" latinLnBrk="0" hangingPunct="1">
+                <a:lnSpc>
+                  <a:spcPct val="100000"/>
+                </a:lnSpc>
+                <a:spcBef>
+                  <a:spcPts val="0"/>
+                </a:spcBef>
+                <a:spcAft>
+                  <a:spcPts val="0"/>
+                </a:spcAft>
+                <a:buClrTx/>
+                <a:buSzTx/>
+                <a:buFontTx/>
+                <a:buNone/>
+                <a:tabLst/>
+                <a:defRPr/>
+              </a:pPr>
+              <a:endParaRPr kumimoji="0" lang="en-US" sz="1800" b="0" i="0" u="none" strike="noStrike" kern="0" cap="none" spc="0" normalizeH="0" baseline="0" noProof="0" dirty="0">
+                <a:ln>
+                  <a:noFill/>
+                </a:ln>
+                <a:solidFill>
+                  <a:srgbClr val="FFFFFF"/>
+                </a:solidFill>
+                <a:effectLst/>
+                <a:uLnTx/>
+                <a:uFillTx/>
+                <a:latin typeface="Arial"/>
+                <a:ea typeface="+mn-ea"/>
+                <a:cs typeface="+mn-cs"/>
+              </a:endParaRPr>
+            </a:p>
+          </p:txBody>
+        </p:sp>
+        <p:sp>
+          <p:nvSpPr>
+            <p:cNvPr id="26" name="Rectangle 4"/>
+            <p:cNvSpPr>
+              <a:spLocks noChangeArrowheads="1"/>
+            </p:cNvSpPr>
+            <p:nvPr/>
+          </p:nvSpPr>
+          <p:spPr bwMode="auto">
+            <a:xfrm>
+              <a:off x="5618488" y="2961346"/>
+              <a:ext cx="2841944" cy="2444659"/>
+            </a:xfrm>
+            <a:prstGeom prst="rect">
+              <a:avLst/>
+            </a:prstGeom>
+            <a:solidFill>
+              <a:srgbClr val="FFC425"/>
+            </a:solidFill>
+            <a:ln w="25400" cap="flat" cmpd="sng" algn="ctr">
+              <a:solidFill>
+                <a:srgbClr val="FFC425">
+                  <a:shade val="50000"/>
+                </a:srgbClr>
+              </a:solidFill>
+              <a:prstDash val="solid"/>
+              <a:headEnd/>
+              <a:tailEnd/>
+            </a:ln>
+            <a:effectLst/>
+          </p:spPr>
+          <p:txBody>
+            <a:bodyPr lIns="46038" tIns="39688" rIns="46038" bIns="39688" anchor="ctr"/>
+            <a:lstStyle/>
+            <a:p>
+              <a:pPr lvl="0" algn="ctr" defTabSz="777875">
+                <a:defRPr/>
+              </a:pPr>
+              <a:r>
+                <a:rPr lang="ru-RU" kern="0" dirty="0" smtClean="0">
+                  <a:solidFill>
+                    <a:srgbClr val="FFFFFF"/>
+                  </a:solidFill>
+                  <a:latin typeface="Arial"/>
+                  <a:cs typeface="Calibri" pitchFamily="34" charset="0"/>
+                </a:rPr>
+                <a:t>3</a:t>
+              </a:r>
+              <a:r>
+                <a:rPr lang="en-US" kern="0" dirty="0" smtClean="0">
+                  <a:solidFill>
+                    <a:srgbClr val="FFFFFF"/>
+                  </a:solidFill>
+                  <a:latin typeface="Arial"/>
+                  <a:cs typeface="Calibri" pitchFamily="34" charset="0"/>
+                </a:rPr>
+                <a:t> </a:t>
+              </a:r>
+              <a:r>
+                <a:rPr lang="ru-RU" kern="0" dirty="0">
+                  <a:solidFill>
+                    <a:srgbClr val="FFFFFF"/>
+                  </a:solidFill>
+                  <a:latin typeface="Arial"/>
+                  <a:cs typeface="Calibri" pitchFamily="34" charset="0"/>
+                </a:rPr>
+                <a:t>Гбайт</a:t>
+              </a:r>
+              <a:endParaRPr lang="en-US" kern="0" dirty="0">
+                <a:solidFill>
+                  <a:srgbClr val="FFFFFF"/>
+                </a:solidFill>
+                <a:latin typeface="Arial"/>
+                <a:cs typeface="Calibri" pitchFamily="34" charset="0"/>
+              </a:endParaRPr>
+            </a:p>
+            <a:p>
+              <a:pPr lvl="0" algn="ctr" defTabSz="777875">
+                <a:defRPr/>
+              </a:pPr>
+              <a:r>
+                <a:rPr lang="ru-RU" kern="0" dirty="0">
+                  <a:solidFill>
+                    <a:srgbClr val="FFFFFF"/>
+                  </a:solidFill>
+                  <a:latin typeface="Arial"/>
+                  <a:cs typeface="Calibri" pitchFamily="34" charset="0"/>
+                </a:rPr>
+                <a:t>Пользовательское</a:t>
+              </a:r>
+              <a:br>
+                <a:rPr lang="ru-RU" kern="0" dirty="0">
+                  <a:solidFill>
+                    <a:srgbClr val="FFFFFF"/>
+                  </a:solidFill>
+                  <a:latin typeface="Arial"/>
+                  <a:cs typeface="Calibri" pitchFamily="34" charset="0"/>
+                </a:rPr>
+              </a:br>
+              <a:r>
+                <a:rPr lang="ru-RU" kern="0" dirty="0">
+                  <a:solidFill>
+                    <a:srgbClr val="FFFFFF"/>
+                  </a:solidFill>
+                  <a:latin typeface="Arial"/>
+                  <a:cs typeface="Calibri" pitchFamily="34" charset="0"/>
+                </a:rPr>
+                <a:t>пространство</a:t>
+              </a:r>
+              <a:endParaRPr kumimoji="0" lang="en-US" sz="1800" b="0" i="0" u="none" strike="noStrike" kern="0" cap="none" spc="0" normalizeH="0" baseline="0" noProof="0" dirty="0">
+                <a:ln>
+                  <a:noFill/>
+                </a:ln>
+                <a:solidFill>
+                  <a:srgbClr val="FFFFFF"/>
+                </a:solidFill>
+                <a:effectLst/>
+                <a:uLnTx/>
+                <a:uFillTx/>
+                <a:latin typeface="Arial"/>
+                <a:ea typeface="+mn-ea"/>
+                <a:cs typeface="Calibri" pitchFamily="34" charset="0"/>
+              </a:endParaRPr>
+            </a:p>
+          </p:txBody>
+        </p:sp>
+        <p:sp>
+          <p:nvSpPr>
+            <p:cNvPr id="27" name="Rectangle 5"/>
+            <p:cNvSpPr>
+              <a:spLocks noChangeArrowheads="1"/>
+            </p:cNvSpPr>
+            <p:nvPr/>
+          </p:nvSpPr>
+          <p:spPr bwMode="auto">
+            <a:xfrm>
+              <a:off x="5616373" y="5669440"/>
+              <a:ext cx="2844059" cy="827881"/>
+            </a:xfrm>
+            <a:prstGeom prst="rect">
+              <a:avLst/>
+            </a:prstGeom>
+            <a:solidFill>
+              <a:srgbClr val="F15C44"/>
+            </a:solidFill>
+            <a:ln w="25400" cap="flat" cmpd="sng" algn="ctr">
+              <a:solidFill>
+                <a:srgbClr val="F15C44">
+                  <a:shade val="50000"/>
+                </a:srgbClr>
+              </a:solidFill>
+              <a:prstDash val="solid"/>
+              <a:headEnd/>
+              <a:tailEnd/>
+            </a:ln>
+            <a:effectLst/>
+          </p:spPr>
+          <p:txBody>
+            <a:bodyPr lIns="77788" tIns="39688" rIns="77788" bIns="39688" anchor="ctr"/>
+            <a:lstStyle/>
+            <a:p>
+              <a:pPr marL="0" marR="0" lvl="0" indent="0" algn="ctr" defTabSz="777875" eaLnBrk="1" fontAlgn="auto" latinLnBrk="0" hangingPunct="1">
+                <a:lnSpc>
+                  <a:spcPct val="100000"/>
+                </a:lnSpc>
+                <a:spcBef>
+                  <a:spcPct val="0"/>
+                </a:spcBef>
+                <a:spcAft>
+                  <a:spcPts val="0"/>
+                </a:spcAft>
+                <a:buClrTx/>
+                <a:buSzTx/>
+                <a:buFontTx/>
+                <a:buNone/>
+                <a:tabLst/>
+                <a:defRPr/>
+              </a:pPr>
+              <a:r>
+                <a:rPr kumimoji="0" lang="en-US" sz="1800" b="0" i="0" u="none" strike="noStrike" kern="0" cap="none" spc="0" normalizeH="0" baseline="0" noProof="0" dirty="0" smtClean="0">
+                  <a:ln>
+                    <a:noFill/>
+                  </a:ln>
+                  <a:solidFill>
+                    <a:srgbClr val="FFFFFF"/>
+                  </a:solidFill>
+                  <a:effectLst/>
+                  <a:uLnTx/>
+                  <a:uFillTx/>
+                  <a:latin typeface="Arial"/>
+                  <a:ea typeface="+mn-ea"/>
+                  <a:cs typeface="Calibri" pitchFamily="34" charset="0"/>
+                </a:rPr>
+                <a:t>1 </a:t>
+              </a:r>
+              <a:r>
+                <a:rPr kumimoji="0" lang="ru-RU" sz="1800" b="0" i="0" u="none" strike="noStrike" kern="0" cap="none" spc="0" normalizeH="0" baseline="0" noProof="0" dirty="0" smtClean="0">
+                  <a:ln>
+                    <a:noFill/>
+                  </a:ln>
+                  <a:solidFill>
+                    <a:srgbClr val="FFFFFF"/>
+                  </a:solidFill>
+                  <a:effectLst/>
+                  <a:uLnTx/>
+                  <a:uFillTx/>
+                  <a:latin typeface="Arial"/>
+                  <a:ea typeface="+mn-ea"/>
+                  <a:cs typeface="Calibri" pitchFamily="34" charset="0"/>
+                </a:rPr>
+                <a:t>Гбайт</a:t>
+              </a:r>
+              <a:endParaRPr kumimoji="0" lang="en-US" sz="1800" b="0" i="0" u="none" strike="noStrike" kern="0" cap="none" spc="0" normalizeH="0" baseline="0" noProof="0" dirty="0" smtClean="0">
+                <a:ln>
+                  <a:noFill/>
+                </a:ln>
+                <a:solidFill>
+                  <a:srgbClr val="FFFFFF"/>
+                </a:solidFill>
+                <a:effectLst/>
+                <a:uLnTx/>
+                <a:uFillTx/>
+                <a:latin typeface="Arial"/>
+                <a:ea typeface="+mn-ea"/>
+                <a:cs typeface="Calibri" pitchFamily="34" charset="0"/>
+              </a:endParaRPr>
+            </a:p>
+            <a:p>
+              <a:pPr marL="0" marR="0" lvl="0" indent="0" algn="ctr" defTabSz="777875" eaLnBrk="1" fontAlgn="auto" latinLnBrk="0" hangingPunct="1">
+                <a:lnSpc>
+                  <a:spcPct val="100000"/>
+                </a:lnSpc>
+                <a:spcBef>
+                  <a:spcPct val="0"/>
+                </a:spcBef>
+                <a:spcAft>
+                  <a:spcPts val="0"/>
+                </a:spcAft>
+                <a:buClrTx/>
+                <a:buSzTx/>
+                <a:buFontTx/>
+                <a:buNone/>
+                <a:tabLst/>
+                <a:defRPr/>
+              </a:pPr>
+              <a:r>
+                <a:rPr kumimoji="0" lang="ru-RU" sz="1800" b="0" i="0" u="none" strike="noStrike" kern="0" cap="none" spc="0" normalizeH="0" baseline="0" noProof="0" dirty="0" smtClean="0">
+                  <a:ln>
+                    <a:noFill/>
+                  </a:ln>
+                  <a:solidFill>
+                    <a:srgbClr val="FFFFFF"/>
+                  </a:solidFill>
+                  <a:effectLst/>
+                  <a:uLnTx/>
+                  <a:uFillTx/>
+                  <a:latin typeface="Arial"/>
+                  <a:ea typeface="+mn-ea"/>
+                  <a:cs typeface="Calibri" pitchFamily="34" charset="0"/>
+                </a:rPr>
+                <a:t>Системное</a:t>
+              </a:r>
+              <a:r>
+                <a:rPr lang="ru-RU" kern="0" dirty="0">
+                  <a:solidFill>
+                    <a:srgbClr val="FFFFFF"/>
+                  </a:solidFill>
+                  <a:latin typeface="Arial"/>
+                  <a:cs typeface="Calibri" pitchFamily="34" charset="0"/>
+                </a:rPr>
+                <a:t/>
+              </a:r>
+              <a:br>
+                <a:rPr lang="ru-RU" kern="0" dirty="0">
+                  <a:solidFill>
+                    <a:srgbClr val="FFFFFF"/>
+                  </a:solidFill>
+                  <a:latin typeface="Arial"/>
+                  <a:cs typeface="Calibri" pitchFamily="34" charset="0"/>
+                </a:rPr>
+              </a:br>
+              <a:r>
+                <a:rPr kumimoji="0" lang="ru-RU" sz="1800" b="0" i="0" u="none" strike="noStrike" kern="0" cap="none" spc="0" normalizeH="0" noProof="0" dirty="0" smtClean="0">
+                  <a:ln>
+                    <a:noFill/>
+                  </a:ln>
+                  <a:solidFill>
+                    <a:srgbClr val="FFFFFF"/>
+                  </a:solidFill>
+                  <a:effectLst/>
+                  <a:uLnTx/>
+                  <a:uFillTx/>
+                  <a:latin typeface="Arial"/>
+                  <a:ea typeface="+mn-ea"/>
+                  <a:cs typeface="Calibri" pitchFamily="34" charset="0"/>
+                </a:rPr>
+                <a:t>пространство</a:t>
+              </a:r>
+              <a:endParaRPr kumimoji="0" lang="en-US" sz="1800" b="0" i="0" u="none" strike="noStrike" kern="0" cap="none" spc="0" normalizeH="0" baseline="0" noProof="0" dirty="0">
+                <a:ln>
+                  <a:noFill/>
+                </a:ln>
+                <a:solidFill>
+                  <a:srgbClr val="FFFFFF"/>
+                </a:solidFill>
+                <a:effectLst/>
+                <a:uLnTx/>
+                <a:uFillTx/>
+                <a:latin typeface="Arial"/>
+                <a:ea typeface="+mn-ea"/>
+                <a:cs typeface="Calibri" pitchFamily="34" charset="0"/>
+              </a:endParaRPr>
+            </a:p>
+          </p:txBody>
+        </p:sp>
+      </p:grpSp>
+      <p:sp>
+        <p:nvSpPr>
+          <p:cNvPr id="30" name="TextBox 29"/>
+          <p:cNvSpPr txBox="1"/>
+          <p:nvPr/>
+        </p:nvSpPr>
+        <p:spPr>
+          <a:xfrm>
+            <a:off x="772733" y="2245799"/>
+            <a:ext cx="2431115" cy="523220"/>
+          </a:xfrm>
+          <a:prstGeom prst="rect">
+            <a:avLst/>
+          </a:prstGeom>
+          <a:noFill/>
+        </p:spPr>
+        <p:txBody>
+          <a:bodyPr wrap="none" rtlCol="0">
+            <a:spAutoFit/>
+          </a:bodyPr>
+          <a:lstStyle/>
+          <a:p>
+            <a:pPr algn="ctr"/>
+            <a:r>
+              <a:rPr lang="ru-RU" sz="2800" dirty="0" smtClean="0"/>
+              <a:t>По умолчанию</a:t>
+            </a:r>
+          </a:p>
+        </p:txBody>
+      </p:sp>
+      <p:sp>
+        <p:nvSpPr>
+          <p:cNvPr id="31" name="TextBox 30"/>
+          <p:cNvSpPr txBox="1"/>
+          <p:nvPr/>
+        </p:nvSpPr>
+        <p:spPr>
+          <a:xfrm>
+            <a:off x="6380781" y="2245799"/>
+            <a:ext cx="1209434" cy="523220"/>
+          </a:xfrm>
+          <a:prstGeom prst="rect">
+            <a:avLst/>
+          </a:prstGeom>
+          <a:noFill/>
+        </p:spPr>
+        <p:txBody>
+          <a:bodyPr wrap="none" rtlCol="0">
+            <a:spAutoFit/>
+          </a:bodyPr>
+          <a:lstStyle/>
+          <a:p>
+            <a:pPr algn="ctr"/>
+            <a:r>
+              <a:rPr lang="ru-RU" sz="2800" dirty="0" smtClean="0"/>
+              <a:t>3Гбайт</a:t>
+            </a:r>
+          </a:p>
+        </p:txBody>
+      </p:sp>
+      <p:sp>
+        <p:nvSpPr>
+          <p:cNvPr id="16" name="Line 14"/>
+          <p:cNvSpPr>
+            <a:spLocks noChangeShapeType="1"/>
+          </p:cNvSpPr>
+          <p:nvPr/>
+        </p:nvSpPr>
+        <p:spPr bwMode="auto">
+          <a:xfrm>
+            <a:off x="437070" y="2276872"/>
+            <a:ext cx="8311394" cy="0"/>
+          </a:xfrm>
+          <a:prstGeom prst="line">
+            <a:avLst/>
+          </a:prstGeom>
+          <a:noFill/>
+          <a:ln w="28575">
+            <a:solidFill>
+              <a:schemeClr val="tx1"/>
+            </a:solidFill>
+            <a:round/>
+            <a:headEnd/>
+            <a:tailEnd/>
+          </a:ln>
+        </p:spPr>
+        <p:txBody>
+          <a:bodyPr wrap="square" tIns="0" anchor="ctr">
+            <a:spAutoFit/>
+          </a:bodyPr>
+          <a:lstStyle/>
+          <a:p>
+            <a:endParaRPr lang="en-US" dirty="0"/>
+          </a:p>
+        </p:txBody>
+      </p:sp>
+    </p:spTree>
+    <p:extLst>
+      <p:ext uri="{BB962C8B-B14F-4D97-AF65-F5344CB8AC3E}">
+        <p14:creationId xmlns:p14="http://schemas.microsoft.com/office/powerpoint/2010/main" val="1084861271"/>
+      </p:ext>
+    </p:extLst>
+  </p:cSld>
+  <p:clrMapOvr>
+    <a:masterClrMapping/>
+  </p:clrMapOvr>
+  <p:timing>
+    <p:tnLst>
+      <p:par>
+        <p:cTn id="1" dur="indefinite" restart="never" nodeType="tmRoot"/>
+      </p:par>
+    </p:tnLst>
+  </p:timing>
+</p:sld>
+</file>
+
+<file path=ppt/slides/slide22.xml><?xml version="1.0" encoding="utf-8"?>
+<p:sld xmlns:a="http://schemas.openxmlformats.org/drawingml/2006/main" xmlns:r="http://schemas.openxmlformats.org/officeDocument/2006/relationships" xmlns:p="http://schemas.openxmlformats.org/presentationml/2006/main">
+  <p:cSld>
+    <p:spTree>
+      <p:nvGrpSpPr>
+        <p:cNvPr id="1" name=""/>
+        <p:cNvGrpSpPr/>
+        <p:nvPr/>
+      </p:nvGrpSpPr>
+      <p:grpSpPr>
+        <a:xfrm>
+          <a:off x="0" y="0"/>
+          <a:ext cx="0" cy="0"/>
+          <a:chOff x="0" y="0"/>
+          <a:chExt cx="0" cy="0"/>
+        </a:xfrm>
+      </p:grpSpPr>
+      <p:sp>
+        <p:nvSpPr>
+          <p:cNvPr id="2" name="Title 1"/>
+          <p:cNvSpPr>
+            <a:spLocks noGrp="1"/>
+          </p:cNvSpPr>
+          <p:nvPr>
+            <p:ph type="title"/>
+          </p:nvPr>
+        </p:nvSpPr>
+        <p:spPr/>
+        <p:txBody>
+          <a:bodyPr/>
+          <a:lstStyle/>
+          <a:p>
+            <a:r>
+              <a:rPr lang="ru-RU" dirty="0" smtClean="0"/>
+              <a:t>Адресное пространство для </a:t>
+            </a:r>
+            <a:r>
+              <a:rPr lang="en-US" dirty="0" smtClean="0"/>
+              <a:t>x</a:t>
+            </a:r>
+            <a:r>
+              <a:rPr lang="ru-RU" dirty="0" smtClean="0"/>
+              <a:t>64</a:t>
+            </a:r>
+            <a:endParaRPr lang="ru-RU" dirty="0"/>
+          </a:p>
+        </p:txBody>
+      </p:sp>
+      <p:sp>
+        <p:nvSpPr>
+          <p:cNvPr id="3" name="Content Placeholder 2"/>
+          <p:cNvSpPr>
+            <a:spLocks noGrp="1"/>
+          </p:cNvSpPr>
+          <p:nvPr>
+            <p:ph idx="1"/>
+          </p:nvPr>
+        </p:nvSpPr>
+        <p:spPr>
+          <a:xfrm>
+            <a:off x="457200" y="1196752"/>
+            <a:ext cx="8229600" cy="1108719"/>
+          </a:xfrm>
+        </p:spPr>
+        <p:txBody>
+          <a:bodyPr>
+            <a:normAutofit/>
+          </a:bodyPr>
+          <a:lstStyle/>
+          <a:p>
+            <a:r>
+              <a:rPr lang="ru-RU" sz="1400" dirty="0" smtClean="0"/>
+              <a:t>64 </a:t>
+            </a:r>
+            <a:r>
+              <a:rPr lang="ru-RU" sz="1400" dirty="0" smtClean="0"/>
+              <a:t>бита = 2</a:t>
+            </a:r>
+            <a:r>
+              <a:rPr lang="en-US" sz="1400" dirty="0" smtClean="0"/>
+              <a:t>^</a:t>
+            </a:r>
+            <a:r>
+              <a:rPr lang="ru-RU" sz="1400" dirty="0" smtClean="0"/>
+              <a:t>64</a:t>
+            </a:r>
+            <a:r>
+              <a:rPr lang="en-US" sz="1400" dirty="0" smtClean="0"/>
+              <a:t> </a:t>
+            </a:r>
+            <a:r>
+              <a:rPr lang="en-US" sz="1400" dirty="0" smtClean="0"/>
+              <a:t>= </a:t>
+            </a:r>
+            <a:r>
+              <a:rPr lang="en-US" sz="1400" dirty="0" smtClean="0"/>
+              <a:t>17</a:t>
+            </a:r>
+            <a:r>
+              <a:rPr lang="ru-RU" sz="1400" dirty="0" smtClean="0"/>
+              <a:t> </a:t>
+            </a:r>
+            <a:r>
+              <a:rPr lang="en-US" sz="1400" dirty="0" smtClean="0"/>
+              <a:t>179</a:t>
+            </a:r>
+            <a:r>
+              <a:rPr lang="ru-RU" sz="1400" dirty="0" smtClean="0"/>
+              <a:t> </a:t>
+            </a:r>
+            <a:r>
+              <a:rPr lang="en-US" sz="1400" dirty="0" smtClean="0"/>
+              <a:t>869</a:t>
+            </a:r>
+            <a:r>
+              <a:rPr lang="ru-RU" sz="1400" dirty="0" smtClean="0"/>
+              <a:t> </a:t>
+            </a:r>
+            <a:r>
+              <a:rPr lang="en-US" sz="1400" dirty="0" smtClean="0"/>
+              <a:t>184 </a:t>
+            </a:r>
+            <a:r>
+              <a:rPr lang="ru-RU" sz="1400" dirty="0" smtClean="0"/>
+              <a:t>Гб =</a:t>
+            </a:r>
+            <a:r>
+              <a:rPr lang="en-US" sz="1400" dirty="0" smtClean="0">
+                <a:latin typeface="Calibri"/>
+              </a:rPr>
+              <a:t> 16 </a:t>
+            </a:r>
+            <a:r>
+              <a:rPr lang="ru-RU" sz="1400" dirty="0" smtClean="0">
+                <a:latin typeface="Calibri"/>
+              </a:rPr>
+              <a:t>Эксабайтов</a:t>
+            </a:r>
+            <a:endParaRPr lang="ru-RU" sz="1400" dirty="0" smtClean="0"/>
+          </a:p>
+          <a:p>
+            <a:pPr lvl="1"/>
+            <a:r>
+              <a:rPr lang="ru-RU" sz="1400" dirty="0" smtClean="0"/>
+              <a:t>В </a:t>
+            </a:r>
+            <a:r>
+              <a:rPr lang="en-US" sz="1400" dirty="0" smtClean="0"/>
+              <a:t>x64 </a:t>
+            </a:r>
+            <a:r>
+              <a:rPr lang="ru-RU" sz="1400" dirty="0" smtClean="0"/>
+              <a:t>архитектуре в данный момент используется 48 битов 	= </a:t>
+            </a:r>
+            <a:r>
+              <a:rPr lang="en-US" sz="1400" dirty="0" smtClean="0"/>
+              <a:t>262</a:t>
+            </a:r>
+            <a:r>
+              <a:rPr lang="ru-RU" sz="1400" dirty="0" smtClean="0"/>
+              <a:t> </a:t>
+            </a:r>
+            <a:r>
+              <a:rPr lang="en-US" sz="1400" dirty="0" smtClean="0"/>
+              <a:t>144 </a:t>
+            </a:r>
+            <a:r>
+              <a:rPr lang="ru-RU" sz="1400" dirty="0" smtClean="0"/>
+              <a:t>Гб 	</a:t>
+            </a:r>
+            <a:r>
+              <a:rPr lang="en-US" sz="1400" dirty="0" smtClean="0"/>
+              <a:t>= </a:t>
+            </a:r>
+            <a:r>
+              <a:rPr lang="en-US" sz="1400" dirty="0"/>
+              <a:t>256 </a:t>
+            </a:r>
+            <a:r>
+              <a:rPr lang="ru-RU" sz="1400" dirty="0" smtClean="0"/>
+              <a:t>Тб</a:t>
+            </a:r>
+          </a:p>
+          <a:p>
+            <a:pPr lvl="1"/>
+            <a:r>
+              <a:rPr lang="ru-RU" sz="1400" dirty="0" smtClean="0"/>
+              <a:t>В </a:t>
+            </a:r>
+            <a:r>
+              <a:rPr lang="en-US" sz="1400" dirty="0" smtClean="0"/>
+              <a:t>IA-64</a:t>
+            </a:r>
+            <a:r>
+              <a:rPr lang="ru-RU" sz="1400" dirty="0"/>
+              <a:t> архитектуре в данный момент используется </a:t>
+            </a:r>
+            <a:r>
+              <a:rPr lang="ru-RU" sz="1400" dirty="0" smtClean="0"/>
+              <a:t>50 битов 	= </a:t>
+            </a:r>
+            <a:r>
+              <a:rPr lang="en-US" sz="1400" dirty="0" smtClean="0"/>
+              <a:t>1</a:t>
+            </a:r>
+            <a:r>
+              <a:rPr lang="ru-RU" sz="1400" dirty="0" smtClean="0"/>
+              <a:t> </a:t>
+            </a:r>
+            <a:r>
+              <a:rPr lang="en-US" sz="1400" dirty="0" smtClean="0"/>
+              <a:t>048</a:t>
+            </a:r>
+            <a:r>
+              <a:rPr lang="ru-RU" sz="1400" dirty="0" smtClean="0"/>
+              <a:t> </a:t>
+            </a:r>
+            <a:r>
+              <a:rPr lang="en-US" sz="1400" dirty="0" smtClean="0"/>
+              <a:t>576 </a:t>
+            </a:r>
+            <a:r>
+              <a:rPr lang="ru-RU" sz="1400" dirty="0" smtClean="0"/>
+              <a:t>Гб 	</a:t>
+            </a:r>
+            <a:r>
+              <a:rPr lang="en-US" sz="1400" dirty="0" smtClean="0"/>
+              <a:t>= </a:t>
+            </a:r>
+            <a:r>
+              <a:rPr lang="en-US" sz="1400" dirty="0"/>
+              <a:t>1024 </a:t>
+            </a:r>
+            <a:r>
+              <a:rPr lang="ru-RU" sz="1400" dirty="0" smtClean="0"/>
+              <a:t>Тб</a:t>
+            </a:r>
+          </a:p>
+          <a:p>
+            <a:pPr lvl="1"/>
+            <a:r>
+              <a:rPr lang="en-US" sz="1400" dirty="0" smtClean="0"/>
+              <a:t>Windows X64 </a:t>
+            </a:r>
+            <a:r>
+              <a:rPr lang="ru-RU" sz="1400" dirty="0" smtClean="0"/>
+              <a:t>использует 44 бита 			= </a:t>
+            </a:r>
+            <a:r>
+              <a:rPr lang="en-US" sz="1400" dirty="0" smtClean="0"/>
+              <a:t>16</a:t>
+            </a:r>
+            <a:r>
+              <a:rPr lang="ru-RU" sz="1400" dirty="0" smtClean="0"/>
+              <a:t> </a:t>
+            </a:r>
+            <a:r>
+              <a:rPr lang="en-US" sz="1400" dirty="0" smtClean="0"/>
+              <a:t>384 </a:t>
+            </a:r>
+            <a:r>
+              <a:rPr lang="ru-RU" sz="1400" dirty="0" smtClean="0"/>
+              <a:t>Гб 		</a:t>
+            </a:r>
+            <a:r>
+              <a:rPr lang="en-US" sz="1400" dirty="0" smtClean="0"/>
+              <a:t>= </a:t>
+            </a:r>
+            <a:r>
+              <a:rPr lang="en-US" sz="1400" dirty="0"/>
+              <a:t>16 </a:t>
+            </a:r>
+            <a:r>
+              <a:rPr lang="ru-RU" sz="1400" dirty="0" smtClean="0"/>
+              <a:t>Тб</a:t>
+            </a:r>
+          </a:p>
+          <a:p>
+            <a:pPr lvl="1"/>
+            <a:endParaRPr lang="ru-RU" sz="1400" dirty="0"/>
+          </a:p>
+        </p:txBody>
+      </p:sp>
+      <p:sp>
+        <p:nvSpPr>
+          <p:cNvPr id="16" name="Line 14"/>
+          <p:cNvSpPr>
+            <a:spLocks noChangeShapeType="1"/>
+          </p:cNvSpPr>
+          <p:nvPr/>
+        </p:nvSpPr>
+        <p:spPr bwMode="auto">
+          <a:xfrm>
+            <a:off x="437070" y="2304168"/>
+            <a:ext cx="8311394" cy="0"/>
+          </a:xfrm>
+          <a:prstGeom prst="line">
+            <a:avLst/>
+          </a:prstGeom>
+          <a:noFill/>
+          <a:ln w="28575">
+            <a:solidFill>
+              <a:schemeClr val="tx1"/>
+            </a:solidFill>
+            <a:round/>
+            <a:headEnd/>
+            <a:tailEnd/>
+          </a:ln>
+        </p:spPr>
+        <p:txBody>
+          <a:bodyPr wrap="square" tIns="0" anchor="ctr">
+            <a:spAutoFit/>
+          </a:bodyPr>
+          <a:lstStyle/>
+          <a:p>
+            <a:endParaRPr lang="en-US" dirty="0"/>
+          </a:p>
+        </p:txBody>
+      </p:sp>
+      <p:sp>
+        <p:nvSpPr>
+          <p:cNvPr id="39" name="Text Box 11"/>
+          <p:cNvSpPr txBox="1">
+            <a:spLocks noChangeArrowheads="1"/>
+          </p:cNvSpPr>
+          <p:nvPr/>
+        </p:nvSpPr>
+        <p:spPr bwMode="auto">
+          <a:xfrm>
+            <a:off x="1396343" y="2375882"/>
+            <a:ext cx="908633" cy="477054"/>
+          </a:xfrm>
+          <a:prstGeom prst="rect">
+            <a:avLst/>
+          </a:prstGeom>
+          <a:noFill/>
+          <a:ln w="12700">
+            <a:noFill/>
+            <a:miter lim="800000"/>
+            <a:headEnd/>
+            <a:tailEnd/>
+          </a:ln>
+        </p:spPr>
+        <p:txBody>
+          <a:bodyPr wrap="square" tIns="0">
+            <a:spAutoFit/>
+          </a:bodyPr>
+          <a:lstStyle/>
+          <a:p>
+            <a:pPr defTabSz="914363"/>
+            <a:r>
+              <a:rPr lang="en-US" sz="2800" dirty="0" smtClean="0">
+                <a:solidFill>
+                  <a:srgbClr val="FFFFFF"/>
+                </a:solidFill>
+                <a:latin typeface="Arial"/>
+              </a:rPr>
+              <a:t>x64</a:t>
+            </a:r>
+            <a:endParaRPr lang="en-US" sz="2800" dirty="0">
+              <a:solidFill>
+                <a:srgbClr val="FFFFFF"/>
+              </a:solidFill>
+              <a:latin typeface="Arial"/>
+            </a:endParaRPr>
+          </a:p>
+        </p:txBody>
+      </p:sp>
+      <p:sp>
+        <p:nvSpPr>
+          <p:cNvPr id="40" name="Text Box 12"/>
+          <p:cNvSpPr txBox="1">
+            <a:spLocks noChangeArrowheads="1"/>
+          </p:cNvSpPr>
+          <p:nvPr/>
+        </p:nvSpPr>
+        <p:spPr bwMode="auto">
+          <a:xfrm>
+            <a:off x="4211960" y="2375882"/>
+            <a:ext cx="4716016" cy="477054"/>
+          </a:xfrm>
+          <a:prstGeom prst="rect">
+            <a:avLst/>
+          </a:prstGeom>
+          <a:noFill/>
+          <a:ln w="12700">
+            <a:noFill/>
+            <a:miter lim="800000"/>
+            <a:headEnd/>
+            <a:tailEnd/>
+          </a:ln>
+        </p:spPr>
+        <p:txBody>
+          <a:bodyPr wrap="square" tIns="0">
+            <a:spAutoFit/>
+          </a:bodyPr>
+          <a:lstStyle/>
+          <a:p>
+            <a:pPr defTabSz="914363"/>
+            <a:r>
+              <a:rPr lang="en-US" sz="2800" dirty="0" smtClean="0">
+                <a:solidFill>
+                  <a:srgbClr val="FFFFFF"/>
+                </a:solidFill>
+                <a:latin typeface="Arial"/>
+              </a:rPr>
+              <a:t>32-</a:t>
+            </a:r>
+            <a:r>
+              <a:rPr lang="ru-RU" sz="2800" dirty="0" smtClean="0">
+                <a:solidFill>
+                  <a:srgbClr val="FFFFFF"/>
+                </a:solidFill>
+                <a:latin typeface="Arial"/>
+              </a:rPr>
+              <a:t>битовый</a:t>
+            </a:r>
+            <a:r>
+              <a:rPr lang="en-US" sz="2800" dirty="0" smtClean="0">
+                <a:solidFill>
+                  <a:srgbClr val="FFFFFF"/>
+                </a:solidFill>
+                <a:latin typeface="Arial"/>
+              </a:rPr>
+              <a:t> </a:t>
+            </a:r>
+            <a:r>
+              <a:rPr lang="ru-RU" sz="2800" dirty="0" smtClean="0">
+                <a:solidFill>
+                  <a:srgbClr val="FFFFFF"/>
+                </a:solidFill>
+                <a:latin typeface="Arial"/>
+              </a:rPr>
+              <a:t>процесс на </a:t>
+            </a:r>
+            <a:r>
+              <a:rPr lang="en-US" sz="2800" dirty="0" smtClean="0">
+                <a:solidFill>
+                  <a:srgbClr val="FFFFFF"/>
+                </a:solidFill>
+                <a:latin typeface="Arial"/>
+              </a:rPr>
+              <a:t>x64</a:t>
+            </a:r>
+            <a:endParaRPr lang="en-US" sz="2800" dirty="0">
+              <a:solidFill>
+                <a:srgbClr val="FFFFFF"/>
+              </a:solidFill>
+              <a:latin typeface="Arial"/>
+            </a:endParaRPr>
+          </a:p>
+        </p:txBody>
+      </p:sp>
+      <p:sp>
+        <p:nvSpPr>
+          <p:cNvPr id="41" name="Rectangle 2"/>
+          <p:cNvSpPr>
+            <a:spLocks noChangeArrowheads="1"/>
+          </p:cNvSpPr>
+          <p:nvPr/>
+        </p:nvSpPr>
+        <p:spPr bwMode="auto">
+          <a:xfrm>
+            <a:off x="539552" y="2917145"/>
+            <a:ext cx="2727673" cy="1708150"/>
+          </a:xfrm>
+          <a:prstGeom prst="rect">
+            <a:avLst/>
+          </a:prstGeom>
+          <a:solidFill>
+            <a:srgbClr val="FFC425"/>
+          </a:solidFill>
+          <a:ln w="25400" cap="flat" cmpd="sng" algn="ctr">
+            <a:solidFill>
+              <a:srgbClr val="FFC425">
+                <a:shade val="50000"/>
+              </a:srgbClr>
+            </a:solidFill>
+            <a:prstDash val="solid"/>
+            <a:headEnd/>
+            <a:tailEnd/>
+          </a:ln>
+          <a:effectLst/>
+        </p:spPr>
+        <p:txBody>
+          <a:bodyPr wrap="none" anchor="ctr"/>
+          <a:lstStyle/>
+          <a:p>
+            <a:pPr marL="0" marR="0" lvl="0" indent="0" defTabSz="914363" eaLnBrk="1" fontAlgn="auto" latinLnBrk="0" hangingPunct="1">
+              <a:lnSpc>
+                <a:spcPct val="100000"/>
+              </a:lnSpc>
+              <a:spcBef>
+                <a:spcPts val="0"/>
+              </a:spcBef>
+              <a:spcAft>
+                <a:spcPts val="0"/>
+              </a:spcAft>
+              <a:buClrTx/>
+              <a:buSzTx/>
+              <a:buFontTx/>
+              <a:buNone/>
+              <a:tabLst/>
+              <a:defRPr/>
+            </a:pPr>
+            <a:endParaRPr kumimoji="0" lang="en-US" sz="1800" b="0" i="0" u="none" strike="noStrike" kern="0" cap="none" spc="0" normalizeH="0" baseline="0" noProof="0" dirty="0">
+              <a:ln>
+                <a:noFill/>
+              </a:ln>
+              <a:solidFill>
+                <a:srgbClr val="FFFFFF"/>
+              </a:solidFill>
+              <a:effectLst/>
+              <a:uLnTx/>
+              <a:uFillTx/>
+              <a:latin typeface="Arial"/>
+              <a:ea typeface="+mn-ea"/>
+              <a:cs typeface="+mn-cs"/>
+            </a:endParaRPr>
+          </a:p>
+        </p:txBody>
+      </p:sp>
+      <p:sp>
+        <p:nvSpPr>
+          <p:cNvPr id="42" name="Rectangle 3"/>
+          <p:cNvSpPr>
+            <a:spLocks noChangeArrowheads="1"/>
+          </p:cNvSpPr>
+          <p:nvPr/>
+        </p:nvSpPr>
+        <p:spPr bwMode="auto">
+          <a:xfrm>
+            <a:off x="718582" y="3043986"/>
+            <a:ext cx="2772111" cy="1627188"/>
+          </a:xfrm>
+          <a:prstGeom prst="rect">
+            <a:avLst/>
+          </a:prstGeom>
+          <a:solidFill>
+            <a:srgbClr val="FFC425"/>
+          </a:solidFill>
+          <a:ln w="25400" cap="flat" cmpd="sng" algn="ctr">
+            <a:solidFill>
+              <a:srgbClr val="FFC425">
+                <a:shade val="50000"/>
+              </a:srgbClr>
+            </a:solidFill>
+            <a:prstDash val="solid"/>
+            <a:headEnd/>
+            <a:tailEnd/>
+          </a:ln>
+          <a:effectLst/>
+        </p:spPr>
+        <p:txBody>
+          <a:bodyPr wrap="none" anchor="ctr"/>
+          <a:lstStyle/>
+          <a:p>
+            <a:pPr marL="0" marR="0" lvl="0" indent="0" defTabSz="914363" eaLnBrk="1" fontAlgn="auto" latinLnBrk="0" hangingPunct="1">
+              <a:lnSpc>
+                <a:spcPct val="100000"/>
+              </a:lnSpc>
+              <a:spcBef>
+                <a:spcPts val="0"/>
+              </a:spcBef>
+              <a:spcAft>
+                <a:spcPts val="0"/>
+              </a:spcAft>
+              <a:buClrTx/>
+              <a:buSzTx/>
+              <a:buFontTx/>
+              <a:buNone/>
+              <a:tabLst/>
+              <a:defRPr/>
+            </a:pPr>
+            <a:endParaRPr kumimoji="0" lang="en-US" sz="1800" b="0" i="0" u="none" strike="noStrike" kern="0" cap="none" spc="0" normalizeH="0" baseline="0" noProof="0" dirty="0">
+              <a:ln>
+                <a:noFill/>
+              </a:ln>
+              <a:solidFill>
+                <a:srgbClr val="FFFFFF"/>
+              </a:solidFill>
+              <a:effectLst/>
+              <a:uLnTx/>
+              <a:uFillTx/>
+              <a:latin typeface="Arial"/>
+              <a:ea typeface="+mn-ea"/>
+              <a:cs typeface="+mn-cs"/>
+            </a:endParaRPr>
+          </a:p>
+        </p:txBody>
+      </p:sp>
+      <p:sp>
+        <p:nvSpPr>
+          <p:cNvPr id="43" name="Rectangle 5"/>
+          <p:cNvSpPr>
+            <a:spLocks noChangeArrowheads="1"/>
+          </p:cNvSpPr>
+          <p:nvPr/>
+        </p:nvSpPr>
+        <p:spPr bwMode="auto">
+          <a:xfrm>
+            <a:off x="916601" y="4939620"/>
+            <a:ext cx="2844059" cy="1657732"/>
+          </a:xfrm>
+          <a:prstGeom prst="rect">
+            <a:avLst/>
+          </a:prstGeom>
+          <a:solidFill>
+            <a:srgbClr val="F15C44"/>
+          </a:solidFill>
+          <a:ln w="25400" cap="flat" cmpd="sng" algn="ctr">
+            <a:solidFill>
+              <a:srgbClr val="F15C44">
+                <a:shade val="50000"/>
+              </a:srgbClr>
+            </a:solidFill>
+            <a:prstDash val="solid"/>
+            <a:headEnd/>
+            <a:tailEnd/>
+          </a:ln>
+          <a:effectLst/>
+        </p:spPr>
+        <p:txBody>
+          <a:bodyPr lIns="77788" tIns="39688" rIns="77788" bIns="39688" anchor="ctr"/>
+          <a:lstStyle/>
+          <a:p>
+            <a:pPr marL="0" marR="0" lvl="0" indent="0" algn="ctr" defTabSz="777875" eaLnBrk="1" fontAlgn="auto" latinLnBrk="0" hangingPunct="1">
+              <a:lnSpc>
+                <a:spcPct val="100000"/>
+              </a:lnSpc>
+              <a:spcBef>
+                <a:spcPct val="0"/>
+              </a:spcBef>
+              <a:spcAft>
+                <a:spcPts val="0"/>
+              </a:spcAft>
+              <a:buClrTx/>
+              <a:buSzTx/>
+              <a:buFontTx/>
+              <a:buNone/>
+              <a:tabLst/>
+              <a:defRPr/>
+            </a:pPr>
+            <a:r>
+              <a:rPr kumimoji="0" lang="en-US" sz="1800" b="0" i="0" u="none" strike="noStrike" kern="0" cap="none" spc="0" normalizeH="0" baseline="0" noProof="0" dirty="0" smtClean="0">
+                <a:ln>
+                  <a:noFill/>
+                </a:ln>
+                <a:solidFill>
+                  <a:srgbClr val="FFFFFF"/>
+                </a:solidFill>
+                <a:effectLst/>
+                <a:uLnTx/>
+                <a:uFillTx/>
+                <a:latin typeface="Arial"/>
+                <a:ea typeface="+mn-ea"/>
+                <a:cs typeface="Calibri" pitchFamily="34" charset="0"/>
+              </a:rPr>
+              <a:t>8 </a:t>
+            </a:r>
+            <a:r>
+              <a:rPr kumimoji="0" lang="ru-RU" sz="1800" b="0" i="0" u="none" strike="noStrike" kern="0" cap="none" spc="0" normalizeH="0" baseline="0" noProof="0" dirty="0" smtClean="0">
+                <a:ln>
+                  <a:noFill/>
+                </a:ln>
+                <a:solidFill>
+                  <a:srgbClr val="FFFFFF"/>
+                </a:solidFill>
+                <a:effectLst/>
+                <a:uLnTx/>
+                <a:uFillTx/>
+                <a:latin typeface="Arial"/>
+                <a:ea typeface="+mn-ea"/>
+                <a:cs typeface="Calibri" pitchFamily="34" charset="0"/>
+              </a:rPr>
+              <a:t>Тб</a:t>
+            </a:r>
+            <a:endParaRPr kumimoji="0" lang="en-US" sz="1800" b="0" i="0" u="none" strike="noStrike" kern="0" cap="none" spc="0" normalizeH="0" baseline="0" noProof="0" dirty="0" smtClean="0">
+              <a:ln>
+                <a:noFill/>
+              </a:ln>
+              <a:solidFill>
+                <a:srgbClr val="FFFFFF"/>
+              </a:solidFill>
+              <a:effectLst/>
+              <a:uLnTx/>
+              <a:uFillTx/>
+              <a:latin typeface="Arial"/>
+              <a:ea typeface="+mn-ea"/>
+              <a:cs typeface="Calibri" pitchFamily="34" charset="0"/>
+            </a:endParaRPr>
+          </a:p>
+          <a:p>
+            <a:pPr lvl="0" algn="ctr" defTabSz="777875">
+              <a:spcBef>
+                <a:spcPct val="0"/>
+              </a:spcBef>
+              <a:defRPr/>
+            </a:pPr>
+            <a:r>
+              <a:rPr lang="ru-RU" kern="0" dirty="0">
+                <a:solidFill>
+                  <a:srgbClr val="FFFFFF"/>
+                </a:solidFill>
+                <a:latin typeface="Arial"/>
+                <a:cs typeface="Calibri" pitchFamily="34" charset="0"/>
+              </a:rPr>
+              <a:t>Системное</a:t>
+            </a:r>
+            <a:br>
+              <a:rPr lang="ru-RU" kern="0" dirty="0">
+                <a:solidFill>
+                  <a:srgbClr val="FFFFFF"/>
+                </a:solidFill>
+                <a:latin typeface="Arial"/>
+                <a:cs typeface="Calibri" pitchFamily="34" charset="0"/>
+              </a:rPr>
+            </a:br>
+            <a:r>
+              <a:rPr lang="ru-RU" kern="0" dirty="0">
+                <a:solidFill>
+                  <a:srgbClr val="FFFFFF"/>
+                </a:solidFill>
+                <a:latin typeface="Arial"/>
+                <a:cs typeface="Calibri" pitchFamily="34" charset="0"/>
+              </a:rPr>
+              <a:t>пространство</a:t>
+            </a:r>
+            <a:endParaRPr kumimoji="0" lang="en-US" sz="1800" b="0" i="0" u="none" strike="noStrike" kern="0" cap="none" spc="0" normalizeH="0" baseline="0" noProof="0" dirty="0">
+              <a:ln>
+                <a:noFill/>
+              </a:ln>
+              <a:solidFill>
+                <a:srgbClr val="FFFFFF"/>
+              </a:solidFill>
+              <a:effectLst/>
+              <a:uLnTx/>
+              <a:uFillTx/>
+              <a:latin typeface="Arial"/>
+              <a:ea typeface="+mn-ea"/>
+              <a:cs typeface="Calibri" pitchFamily="34" charset="0"/>
+            </a:endParaRPr>
+          </a:p>
+        </p:txBody>
+      </p:sp>
+      <p:sp>
+        <p:nvSpPr>
+          <p:cNvPr id="44" name="Rectangle 2"/>
+          <p:cNvSpPr>
+            <a:spLocks noChangeArrowheads="1"/>
+          </p:cNvSpPr>
+          <p:nvPr/>
+        </p:nvSpPr>
+        <p:spPr bwMode="auto">
+          <a:xfrm>
+            <a:off x="4932040" y="3124200"/>
+            <a:ext cx="2727673" cy="969496"/>
+          </a:xfrm>
+          <a:prstGeom prst="rect">
+            <a:avLst/>
+          </a:prstGeom>
+          <a:solidFill>
+            <a:srgbClr val="FFC425"/>
+          </a:solidFill>
+          <a:ln w="25400" cap="flat" cmpd="sng" algn="ctr">
+            <a:solidFill>
+              <a:srgbClr val="FFC425">
+                <a:shade val="50000"/>
+              </a:srgbClr>
+            </a:solidFill>
+            <a:prstDash val="solid"/>
+            <a:headEnd/>
+            <a:tailEnd/>
+          </a:ln>
+          <a:effectLst/>
+        </p:spPr>
+        <p:txBody>
+          <a:bodyPr wrap="none" anchor="ctr"/>
+          <a:lstStyle/>
+          <a:p>
+            <a:pPr marL="0" marR="0" lvl="0" indent="0" defTabSz="914363" eaLnBrk="1" fontAlgn="auto" latinLnBrk="0" hangingPunct="1">
+              <a:lnSpc>
+                <a:spcPct val="100000"/>
+              </a:lnSpc>
+              <a:spcBef>
+                <a:spcPts val="0"/>
+              </a:spcBef>
+              <a:spcAft>
+                <a:spcPts val="0"/>
+              </a:spcAft>
+              <a:buClrTx/>
+              <a:buSzTx/>
+              <a:buFontTx/>
+              <a:buNone/>
+              <a:tabLst/>
+              <a:defRPr/>
+            </a:pPr>
+            <a:endParaRPr kumimoji="0" lang="en-US" sz="1800" b="0" i="0" u="none" strike="noStrike" kern="0" cap="none" spc="0" normalizeH="0" baseline="0" noProof="0" dirty="0">
+              <a:ln>
+                <a:noFill/>
+              </a:ln>
+              <a:solidFill>
+                <a:srgbClr val="FFFFFF"/>
+              </a:solidFill>
+              <a:effectLst/>
+              <a:uLnTx/>
+              <a:uFillTx/>
+              <a:latin typeface="Arial"/>
+              <a:ea typeface="+mn-ea"/>
+              <a:cs typeface="+mn-cs"/>
+            </a:endParaRPr>
+          </a:p>
+        </p:txBody>
+      </p:sp>
+      <p:sp>
+        <p:nvSpPr>
+          <p:cNvPr id="45" name="Rectangle 3"/>
+          <p:cNvSpPr>
+            <a:spLocks noChangeArrowheads="1"/>
+          </p:cNvSpPr>
+          <p:nvPr/>
+        </p:nvSpPr>
+        <p:spPr bwMode="auto">
+          <a:xfrm>
+            <a:off x="5090750" y="3359710"/>
+            <a:ext cx="2772111" cy="883495"/>
+          </a:xfrm>
+          <a:prstGeom prst="rect">
+            <a:avLst/>
+          </a:prstGeom>
+          <a:solidFill>
+            <a:srgbClr val="FFC425"/>
+          </a:solidFill>
+          <a:ln w="25400" cap="flat" cmpd="sng" algn="ctr">
+            <a:solidFill>
+              <a:srgbClr val="FFC425">
+                <a:shade val="50000"/>
+              </a:srgbClr>
+            </a:solidFill>
+            <a:prstDash val="solid"/>
+            <a:headEnd/>
+            <a:tailEnd/>
+          </a:ln>
+          <a:effectLst/>
+        </p:spPr>
+        <p:txBody>
+          <a:bodyPr wrap="none" anchor="ctr"/>
+          <a:lstStyle/>
+          <a:p>
+            <a:pPr marL="0" marR="0" lvl="0" indent="0" defTabSz="914363" eaLnBrk="1" fontAlgn="auto" latinLnBrk="0" hangingPunct="1">
+              <a:lnSpc>
+                <a:spcPct val="100000"/>
+              </a:lnSpc>
+              <a:spcBef>
+                <a:spcPts val="0"/>
+              </a:spcBef>
+              <a:spcAft>
+                <a:spcPts val="0"/>
+              </a:spcAft>
+              <a:buClrTx/>
+              <a:buSzTx/>
+              <a:buFontTx/>
+              <a:buNone/>
+              <a:tabLst/>
+              <a:defRPr/>
+            </a:pPr>
+            <a:endParaRPr kumimoji="0" lang="en-US" sz="1800" b="0" i="0" u="none" strike="noStrike" kern="0" cap="none" spc="0" normalizeH="0" baseline="0" noProof="0" dirty="0">
+              <a:ln>
+                <a:noFill/>
+              </a:ln>
+              <a:solidFill>
+                <a:srgbClr val="FFFFFF"/>
+              </a:solidFill>
+              <a:effectLst/>
+              <a:uLnTx/>
+              <a:uFillTx/>
+              <a:latin typeface="Arial"/>
+              <a:ea typeface="+mn-ea"/>
+              <a:cs typeface="+mn-cs"/>
+            </a:endParaRPr>
+          </a:p>
+        </p:txBody>
+      </p:sp>
+      <p:sp>
+        <p:nvSpPr>
+          <p:cNvPr id="46" name="Rectangle 4"/>
+          <p:cNvSpPr>
+            <a:spLocks noChangeArrowheads="1"/>
+          </p:cNvSpPr>
+          <p:nvPr/>
+        </p:nvSpPr>
+        <p:spPr bwMode="auto">
+          <a:xfrm>
+            <a:off x="5255564" y="3566160"/>
+            <a:ext cx="2841944" cy="905562"/>
+          </a:xfrm>
+          <a:prstGeom prst="rect">
+            <a:avLst/>
+          </a:prstGeom>
+          <a:solidFill>
+            <a:srgbClr val="FFC425"/>
+          </a:solidFill>
+          <a:ln w="25400" cap="flat" cmpd="sng" algn="ctr">
+            <a:solidFill>
+              <a:srgbClr val="FFC425">
+                <a:shade val="50000"/>
+              </a:srgbClr>
+            </a:solidFill>
+            <a:prstDash val="solid"/>
+            <a:headEnd/>
+            <a:tailEnd/>
+          </a:ln>
+          <a:effectLst/>
+        </p:spPr>
+        <p:txBody>
+          <a:bodyPr lIns="46038" tIns="39688" rIns="46038" bIns="39688" anchor="ctr"/>
+          <a:lstStyle/>
+          <a:p>
+            <a:pPr marL="0" marR="0" lvl="0" indent="0" algn="ctr" defTabSz="777875" eaLnBrk="1" fontAlgn="auto" latinLnBrk="0" hangingPunct="1">
+              <a:lnSpc>
+                <a:spcPct val="100000"/>
+              </a:lnSpc>
+              <a:spcBef>
+                <a:spcPts val="0"/>
+              </a:spcBef>
+              <a:spcAft>
+                <a:spcPts val="0"/>
+              </a:spcAft>
+              <a:buClrTx/>
+              <a:buSzTx/>
+              <a:buFontTx/>
+              <a:buNone/>
+              <a:tabLst/>
+              <a:defRPr/>
+            </a:pPr>
+            <a:r>
+              <a:rPr kumimoji="0" lang="en-US" sz="1800" b="0" i="0" u="none" strike="noStrike" kern="0" cap="none" spc="0" normalizeH="0" baseline="0" noProof="0" dirty="0" smtClean="0">
+                <a:ln>
+                  <a:noFill/>
+                </a:ln>
+                <a:solidFill>
+                  <a:srgbClr val="FFFFFF"/>
+                </a:solidFill>
+                <a:effectLst/>
+                <a:uLnTx/>
+                <a:uFillTx/>
+                <a:latin typeface="Arial"/>
+                <a:ea typeface="+mn-ea"/>
+                <a:cs typeface="Calibri" pitchFamily="34" charset="0"/>
+              </a:rPr>
+              <a:t> 4 </a:t>
+            </a:r>
+            <a:r>
+              <a:rPr kumimoji="0" lang="ru-RU" sz="1800" b="0" i="0" u="none" strike="noStrike" kern="0" cap="none" spc="0" normalizeH="0" baseline="0" noProof="0" dirty="0" smtClean="0">
+                <a:ln>
+                  <a:noFill/>
+                </a:ln>
+                <a:solidFill>
+                  <a:srgbClr val="FFFFFF"/>
+                </a:solidFill>
+                <a:effectLst/>
+                <a:uLnTx/>
+                <a:uFillTx/>
+                <a:latin typeface="Arial"/>
+                <a:ea typeface="+mn-ea"/>
+                <a:cs typeface="Calibri" pitchFamily="34" charset="0"/>
+              </a:rPr>
+              <a:t>Гб</a:t>
+            </a:r>
+            <a:endParaRPr kumimoji="0" lang="en-US" sz="1800" b="0" i="0" u="none" strike="noStrike" kern="0" cap="none" spc="0" normalizeH="0" baseline="0" noProof="0" dirty="0">
+              <a:ln>
+                <a:noFill/>
+              </a:ln>
+              <a:solidFill>
+                <a:srgbClr val="FFFFFF"/>
+              </a:solidFill>
+              <a:effectLst/>
+              <a:uLnTx/>
+              <a:uFillTx/>
+              <a:latin typeface="Arial"/>
+              <a:ea typeface="+mn-ea"/>
+              <a:cs typeface="Calibri" pitchFamily="34" charset="0"/>
+            </a:endParaRPr>
+          </a:p>
+          <a:p>
+            <a:pPr lvl="0" algn="ctr" defTabSz="777875">
+              <a:defRPr/>
+            </a:pPr>
+            <a:r>
+              <a:rPr lang="ru-RU" kern="0" dirty="0">
+                <a:solidFill>
+                  <a:srgbClr val="FFFFFF"/>
+                </a:solidFill>
+                <a:latin typeface="Arial"/>
+                <a:cs typeface="Calibri" pitchFamily="34" charset="0"/>
+              </a:rPr>
+              <a:t>Пользовательское</a:t>
+            </a:r>
+            <a:br>
+              <a:rPr lang="ru-RU" kern="0" dirty="0">
+                <a:solidFill>
+                  <a:srgbClr val="FFFFFF"/>
+                </a:solidFill>
+                <a:latin typeface="Arial"/>
+                <a:cs typeface="Calibri" pitchFamily="34" charset="0"/>
+              </a:rPr>
+            </a:br>
+            <a:r>
+              <a:rPr lang="ru-RU" kern="0" dirty="0">
+                <a:solidFill>
+                  <a:srgbClr val="FFFFFF"/>
+                </a:solidFill>
+                <a:latin typeface="Arial"/>
+                <a:cs typeface="Calibri" pitchFamily="34" charset="0"/>
+              </a:rPr>
+              <a:t>пространство</a:t>
+            </a:r>
+            <a:endParaRPr kumimoji="0" lang="en-US" sz="1800" b="0" i="0" u="none" strike="noStrike" kern="0" cap="none" spc="0" normalizeH="0" baseline="0" noProof="0" dirty="0">
+              <a:ln>
+                <a:noFill/>
+              </a:ln>
+              <a:solidFill>
+                <a:srgbClr val="FFFFFF"/>
+              </a:solidFill>
+              <a:effectLst/>
+              <a:uLnTx/>
+              <a:uFillTx/>
+              <a:latin typeface="Arial"/>
+              <a:ea typeface="+mn-ea"/>
+              <a:cs typeface="Calibri" pitchFamily="34" charset="0"/>
+            </a:endParaRPr>
+          </a:p>
+        </p:txBody>
+      </p:sp>
+      <p:sp>
+        <p:nvSpPr>
+          <p:cNvPr id="47" name="Rectangle 5"/>
+          <p:cNvSpPr>
+            <a:spLocks noChangeArrowheads="1"/>
+          </p:cNvSpPr>
+          <p:nvPr/>
+        </p:nvSpPr>
+        <p:spPr bwMode="auto">
+          <a:xfrm>
+            <a:off x="5253449" y="4648201"/>
+            <a:ext cx="2844059" cy="1657731"/>
+          </a:xfrm>
+          <a:prstGeom prst="rect">
+            <a:avLst/>
+          </a:prstGeom>
+          <a:solidFill>
+            <a:srgbClr val="F15C44"/>
+          </a:solidFill>
+          <a:ln w="25400" cap="flat" cmpd="sng" algn="ctr">
+            <a:solidFill>
+              <a:srgbClr val="F15C44">
+                <a:shade val="50000"/>
+              </a:srgbClr>
+            </a:solidFill>
+            <a:prstDash val="solid"/>
+            <a:headEnd/>
+            <a:tailEnd/>
+          </a:ln>
+          <a:effectLst/>
+        </p:spPr>
+        <p:txBody>
+          <a:bodyPr lIns="77788" tIns="39688" rIns="77788" bIns="39688" anchor="ctr"/>
+          <a:lstStyle/>
+          <a:p>
+            <a:pPr marL="0" marR="0" lvl="0" indent="0" algn="ctr" defTabSz="777875" eaLnBrk="1" fontAlgn="auto" latinLnBrk="0" hangingPunct="1">
+              <a:lnSpc>
+                <a:spcPct val="100000"/>
+              </a:lnSpc>
+              <a:spcBef>
+                <a:spcPct val="0"/>
+              </a:spcBef>
+              <a:spcAft>
+                <a:spcPts val="0"/>
+              </a:spcAft>
+              <a:buClrTx/>
+              <a:buSzTx/>
+              <a:buFontTx/>
+              <a:buNone/>
+              <a:tabLst/>
+              <a:defRPr/>
+            </a:pPr>
+            <a:r>
+              <a:rPr kumimoji="0" lang="en-US" sz="1800" b="0" i="0" u="none" strike="noStrike" kern="0" cap="none" spc="0" normalizeH="0" baseline="0" noProof="0" dirty="0">
+                <a:ln>
+                  <a:noFill/>
+                </a:ln>
+                <a:solidFill>
+                  <a:srgbClr val="FFFFFF"/>
+                </a:solidFill>
+                <a:effectLst/>
+                <a:uLnTx/>
+                <a:uFillTx/>
+                <a:latin typeface="Arial"/>
+                <a:ea typeface="+mn-ea"/>
+                <a:cs typeface="Calibri" pitchFamily="34" charset="0"/>
+              </a:rPr>
+              <a:t>8</a:t>
+            </a:r>
+            <a:r>
+              <a:rPr kumimoji="0" lang="en-US" sz="1800" b="0" i="0" u="none" strike="noStrike" kern="0" cap="none" spc="0" normalizeH="0" baseline="0" noProof="0" dirty="0" smtClean="0">
+                <a:ln>
+                  <a:noFill/>
+                </a:ln>
+                <a:solidFill>
+                  <a:srgbClr val="FFFFFF"/>
+                </a:solidFill>
+                <a:effectLst/>
+                <a:uLnTx/>
+                <a:uFillTx/>
+                <a:latin typeface="Arial"/>
+                <a:ea typeface="+mn-ea"/>
+                <a:cs typeface="Calibri" pitchFamily="34" charset="0"/>
+              </a:rPr>
+              <a:t> </a:t>
+            </a:r>
+            <a:r>
+              <a:rPr kumimoji="0" lang="ru-RU" sz="1800" b="0" i="0" u="none" strike="noStrike" kern="0" cap="none" spc="0" normalizeH="0" baseline="0" noProof="0" dirty="0" smtClean="0">
+                <a:ln>
+                  <a:noFill/>
+                </a:ln>
+                <a:solidFill>
+                  <a:srgbClr val="FFFFFF"/>
+                </a:solidFill>
+                <a:effectLst/>
+                <a:uLnTx/>
+                <a:uFillTx/>
+                <a:latin typeface="Arial"/>
+                <a:ea typeface="+mn-ea"/>
+                <a:cs typeface="Calibri" pitchFamily="34" charset="0"/>
+              </a:rPr>
+              <a:t>Тб</a:t>
+            </a:r>
+            <a:endParaRPr kumimoji="0" lang="en-US" sz="1800" b="0" i="0" u="none" strike="noStrike" kern="0" cap="none" spc="0" normalizeH="0" baseline="0" noProof="0" dirty="0" smtClean="0">
+              <a:ln>
+                <a:noFill/>
+              </a:ln>
+              <a:solidFill>
+                <a:srgbClr val="FFFFFF"/>
+              </a:solidFill>
+              <a:effectLst/>
+              <a:uLnTx/>
+              <a:uFillTx/>
+              <a:latin typeface="Arial"/>
+              <a:ea typeface="+mn-ea"/>
+              <a:cs typeface="Calibri" pitchFamily="34" charset="0"/>
+            </a:endParaRPr>
+          </a:p>
+          <a:p>
+            <a:pPr lvl="0" algn="ctr" defTabSz="777875">
+              <a:spcBef>
+                <a:spcPct val="0"/>
+              </a:spcBef>
+              <a:defRPr/>
+            </a:pPr>
+            <a:r>
+              <a:rPr lang="ru-RU" kern="0" dirty="0">
+                <a:solidFill>
+                  <a:srgbClr val="FFFFFF"/>
+                </a:solidFill>
+                <a:latin typeface="Arial"/>
+                <a:cs typeface="Calibri" pitchFamily="34" charset="0"/>
+              </a:rPr>
+              <a:t>Системное</a:t>
+            </a:r>
+            <a:br>
+              <a:rPr lang="ru-RU" kern="0" dirty="0">
+                <a:solidFill>
+                  <a:srgbClr val="FFFFFF"/>
+                </a:solidFill>
+                <a:latin typeface="Arial"/>
+                <a:cs typeface="Calibri" pitchFamily="34" charset="0"/>
+              </a:rPr>
+            </a:br>
+            <a:r>
+              <a:rPr lang="ru-RU" kern="0" dirty="0">
+                <a:solidFill>
+                  <a:srgbClr val="FFFFFF"/>
+                </a:solidFill>
+                <a:latin typeface="Arial"/>
+                <a:cs typeface="Calibri" pitchFamily="34" charset="0"/>
+              </a:rPr>
+              <a:t>пространство</a:t>
+            </a:r>
+            <a:endParaRPr kumimoji="0" lang="en-US" sz="1800" b="0" i="0" u="none" strike="noStrike" kern="0" cap="none" spc="0" normalizeH="0" baseline="0" noProof="0" dirty="0">
+              <a:ln>
+                <a:noFill/>
+              </a:ln>
+              <a:solidFill>
+                <a:srgbClr val="FFFFFF"/>
+              </a:solidFill>
+              <a:effectLst/>
+              <a:uLnTx/>
+              <a:uFillTx/>
+              <a:latin typeface="Arial"/>
+              <a:ea typeface="+mn-ea"/>
+              <a:cs typeface="Calibri" pitchFamily="34" charset="0"/>
+            </a:endParaRPr>
+          </a:p>
+        </p:txBody>
+      </p:sp>
+      <p:sp>
+        <p:nvSpPr>
+          <p:cNvPr id="48" name="Rectangle 4"/>
+          <p:cNvSpPr>
+            <a:spLocks noChangeArrowheads="1"/>
+          </p:cNvSpPr>
+          <p:nvPr/>
+        </p:nvSpPr>
+        <p:spPr bwMode="auto">
+          <a:xfrm>
+            <a:off x="918716" y="3181230"/>
+            <a:ext cx="2841944" cy="1581912"/>
+          </a:xfrm>
+          <a:prstGeom prst="rect">
+            <a:avLst/>
+          </a:prstGeom>
+          <a:solidFill>
+            <a:srgbClr val="FFC425"/>
+          </a:solidFill>
+          <a:ln w="25400" cap="flat" cmpd="sng" algn="ctr">
+            <a:solidFill>
+              <a:srgbClr val="FFC425">
+                <a:shade val="50000"/>
+              </a:srgbClr>
+            </a:solidFill>
+            <a:prstDash val="solid"/>
+            <a:headEnd/>
+            <a:tailEnd/>
+          </a:ln>
+          <a:effectLst/>
+        </p:spPr>
+        <p:txBody>
+          <a:bodyPr lIns="46038" tIns="39688" rIns="46038" bIns="39688" anchor="ctr"/>
+          <a:lstStyle/>
+          <a:p>
+            <a:pPr marL="0" marR="0" lvl="0" indent="0" algn="ctr" defTabSz="777875" eaLnBrk="1" fontAlgn="auto" latinLnBrk="0" hangingPunct="1">
+              <a:lnSpc>
+                <a:spcPct val="100000"/>
+              </a:lnSpc>
+              <a:spcBef>
+                <a:spcPts val="0"/>
+              </a:spcBef>
+              <a:spcAft>
+                <a:spcPts val="0"/>
+              </a:spcAft>
+              <a:buClrTx/>
+              <a:buSzTx/>
+              <a:buFontTx/>
+              <a:buNone/>
+              <a:tabLst/>
+              <a:defRPr/>
+            </a:pPr>
+            <a:r>
+              <a:rPr kumimoji="0" lang="en-US" sz="1800" b="0" i="0" u="none" strike="noStrike" kern="0" cap="none" spc="0" normalizeH="0" baseline="0" noProof="0" dirty="0" smtClean="0">
+                <a:ln>
+                  <a:noFill/>
+                </a:ln>
+                <a:solidFill>
+                  <a:srgbClr val="FFFFFF"/>
+                </a:solidFill>
+                <a:effectLst/>
+                <a:uLnTx/>
+                <a:uFillTx/>
+                <a:latin typeface="Arial"/>
+                <a:ea typeface="+mn-ea"/>
+                <a:cs typeface="Calibri" pitchFamily="34" charset="0"/>
+              </a:rPr>
+              <a:t>8 </a:t>
+            </a:r>
+            <a:r>
+              <a:rPr kumimoji="0" lang="ru-RU" sz="1800" b="0" i="0" u="none" strike="noStrike" kern="0" cap="none" spc="0" normalizeH="0" baseline="0" noProof="0" dirty="0" smtClean="0">
+                <a:ln>
+                  <a:noFill/>
+                </a:ln>
+                <a:solidFill>
+                  <a:srgbClr val="FFFFFF"/>
+                </a:solidFill>
+                <a:effectLst/>
+                <a:uLnTx/>
+                <a:uFillTx/>
+                <a:latin typeface="Arial"/>
+                <a:ea typeface="+mn-ea"/>
+                <a:cs typeface="Calibri" pitchFamily="34" charset="0"/>
+              </a:rPr>
+              <a:t>Тб</a:t>
+            </a:r>
+            <a:endParaRPr kumimoji="0" lang="en-US" sz="1800" b="0" i="0" u="none" strike="noStrike" kern="0" cap="none" spc="0" normalizeH="0" baseline="0" noProof="0" dirty="0">
+              <a:ln>
+                <a:noFill/>
+              </a:ln>
+              <a:solidFill>
+                <a:srgbClr val="FFFFFF"/>
+              </a:solidFill>
+              <a:effectLst/>
+              <a:uLnTx/>
+              <a:uFillTx/>
+              <a:latin typeface="Arial"/>
+              <a:ea typeface="+mn-ea"/>
+              <a:cs typeface="Calibri" pitchFamily="34" charset="0"/>
+            </a:endParaRPr>
+          </a:p>
+          <a:p>
+            <a:pPr lvl="0" algn="ctr" defTabSz="777875">
+              <a:defRPr/>
+            </a:pPr>
+            <a:r>
+              <a:rPr lang="ru-RU" kern="0" dirty="0">
+                <a:solidFill>
+                  <a:srgbClr val="FFFFFF"/>
+                </a:solidFill>
+                <a:latin typeface="Arial"/>
+                <a:cs typeface="Calibri" pitchFamily="34" charset="0"/>
+              </a:rPr>
+              <a:t>Пользовательское</a:t>
+            </a:r>
+            <a:br>
+              <a:rPr lang="ru-RU" kern="0" dirty="0">
+                <a:solidFill>
+                  <a:srgbClr val="FFFFFF"/>
+                </a:solidFill>
+                <a:latin typeface="Arial"/>
+                <a:cs typeface="Calibri" pitchFamily="34" charset="0"/>
+              </a:rPr>
+            </a:br>
+            <a:r>
+              <a:rPr lang="ru-RU" kern="0" dirty="0">
+                <a:solidFill>
+                  <a:srgbClr val="FFFFFF"/>
+                </a:solidFill>
+                <a:latin typeface="Arial"/>
+                <a:cs typeface="Calibri" pitchFamily="34" charset="0"/>
+              </a:rPr>
+              <a:t>пространство</a:t>
+            </a:r>
+            <a:endParaRPr kumimoji="0" lang="en-US" sz="1800" b="0" i="0" u="none" strike="noStrike" kern="0" cap="none" spc="0" normalizeH="0" baseline="0" noProof="0" dirty="0">
+              <a:ln>
+                <a:noFill/>
+              </a:ln>
+              <a:solidFill>
+                <a:srgbClr val="FFFFFF"/>
+              </a:solidFill>
+              <a:effectLst/>
+              <a:uLnTx/>
+              <a:uFillTx/>
+              <a:latin typeface="Arial"/>
+              <a:ea typeface="+mn-ea"/>
+              <a:cs typeface="Calibri" pitchFamily="34" charset="0"/>
+            </a:endParaRPr>
+          </a:p>
+        </p:txBody>
+      </p:sp>
+    </p:spTree>
+    <p:extLst>
+      <p:ext uri="{BB962C8B-B14F-4D97-AF65-F5344CB8AC3E}">
+        <p14:creationId xmlns:p14="http://schemas.microsoft.com/office/powerpoint/2010/main" val="2301603699"/>
+      </p:ext>
+    </p:extLst>
+  </p:cSld>
+  <p:clrMapOvr>
+    <a:masterClrMapping/>
+  </p:clrMapOvr>
+  <p:timing>
+    <p:tnLst>
+      <p:par>
+        <p:cTn id="1" dur="indefinite" restart="never" nodeType="tmRoot"/>
+      </p:par>
+    </p:tnLst>
+  </p:timing>
+</p:sld>
+</file>
+
+<file path=ppt/slides/slide23.xml><?xml version="1.0" encoding="utf-8"?>
+<p:sld xmlns:a="http://schemas.openxmlformats.org/drawingml/2006/main" xmlns:r="http://schemas.openxmlformats.org/officeDocument/2006/relationships" xmlns:p="http://schemas.openxmlformats.org/presentationml/2006/main">
+  <p:cSld>
+    <p:spTree>
+      <p:nvGrpSpPr>
+        <p:cNvPr id="1" name=""/>
+        <p:cNvGrpSpPr/>
+        <p:nvPr/>
+      </p:nvGrpSpPr>
+      <p:grpSpPr>
+        <a:xfrm>
+          <a:off x="0" y="0"/>
+          <a:ext cx="0" cy="0"/>
+          <a:chOff x="0" y="0"/>
+          <a:chExt cx="0" cy="0"/>
+        </a:xfrm>
+      </p:grpSpPr>
+      <p:sp>
+        <p:nvSpPr>
+          <p:cNvPr id="2" name="Title 1"/>
+          <p:cNvSpPr>
+            <a:spLocks noGrp="1"/>
+          </p:cNvSpPr>
+          <p:nvPr>
+            <p:ph type="ctrTitle"/>
+          </p:nvPr>
+        </p:nvSpPr>
+        <p:spPr/>
+        <p:txBody>
+          <a:bodyPr/>
+          <a:lstStyle/>
+          <a:p>
+            <a:r>
+              <a:rPr lang="ru-RU" dirty="0" smtClean="0"/>
+              <a:t>Мониторинг используемой памяти</a:t>
+            </a:r>
+            <a:endParaRPr lang="ru-RU" dirty="0"/>
+          </a:p>
+        </p:txBody>
+      </p:sp>
+    </p:spTree>
+    <p:extLst>
+      <p:ext uri="{BB962C8B-B14F-4D97-AF65-F5344CB8AC3E}">
+        <p14:creationId xmlns:p14="http://schemas.microsoft.com/office/powerpoint/2010/main" val="833686513"/>
+      </p:ext>
+    </p:extLst>
+  </p:cSld>
+  <p:clrMapOvr>
+    <a:masterClrMapping/>
+  </p:clrMapOvr>
+  <p:timing>
+    <p:tnLst>
+      <p:par>
+        <p:cTn id="1" dur="indefinite" restart="never" nodeType="tmRoot"/>
+      </p:par>
+    </p:tnLst>
+  </p:timing>
+</p:sld>
+</file>
+
+<file path=ppt/slides/slide24.xml><?xml version="1.0" encoding="utf-8"?>
+<p:sld xmlns:a="http://schemas.openxmlformats.org/drawingml/2006/main" xmlns:r="http://schemas.openxmlformats.org/officeDocument/2006/relationships" xmlns:p="http://schemas.openxmlformats.org/presentationml/2006/main">
+  <p:cSld>
+    <p:spTree>
+      <p:nvGrpSpPr>
+        <p:cNvPr id="1" name=""/>
+        <p:cNvGrpSpPr/>
+        <p:nvPr/>
+      </p:nvGrpSpPr>
+      <p:grpSpPr>
+        <a:xfrm>
+          <a:off x="0" y="0"/>
+          <a:ext cx="0" cy="0"/>
+          <a:chOff x="0" y="0"/>
+          <a:chExt cx="0" cy="0"/>
+        </a:xfrm>
+      </p:grpSpPr>
+      <p:sp>
+        <p:nvSpPr>
+          <p:cNvPr id="2" name="Title 1"/>
+          <p:cNvSpPr>
+            <a:spLocks noGrp="1"/>
+          </p:cNvSpPr>
+          <p:nvPr>
+            <p:ph type="title"/>
+          </p:nvPr>
+        </p:nvSpPr>
+        <p:spPr/>
+        <p:txBody>
+          <a:bodyPr>
+            <a:normAutofit fontScale="90000"/>
+          </a:bodyPr>
+          <a:lstStyle/>
+          <a:p>
+            <a:r>
+              <a:rPr lang="ru-RU" dirty="0" smtClean="0"/>
+              <a:t>Мониторинг используемой памяти из кода</a:t>
+            </a:r>
+            <a:endParaRPr lang="ru-RU" dirty="0"/>
+          </a:p>
+        </p:txBody>
+      </p:sp>
+      <p:sp>
+        <p:nvSpPr>
+          <p:cNvPr id="3" name="Content Placeholder 2"/>
+          <p:cNvSpPr>
+            <a:spLocks noGrp="1"/>
+          </p:cNvSpPr>
+          <p:nvPr>
+            <p:ph idx="1"/>
+          </p:nvPr>
+        </p:nvSpPr>
+        <p:spPr/>
+        <p:txBody>
+          <a:bodyPr/>
+          <a:lstStyle/>
+          <a:p>
+            <a:r>
+              <a:rPr lang="en-US" dirty="0" err="1" smtClean="0"/>
+              <a:t>GC.CollectionCount</a:t>
+            </a:r>
+            <a:r>
+              <a:rPr lang="en-US" dirty="0" smtClean="0"/>
+              <a:t>(</a:t>
+            </a:r>
+            <a:r>
+              <a:rPr lang="ru-RU" dirty="0" smtClean="0"/>
+              <a:t>номерПоколения</a:t>
+            </a:r>
+            <a:r>
+              <a:rPr lang="en-US" dirty="0" smtClean="0"/>
+              <a:t>)</a:t>
+            </a:r>
+            <a:r>
+              <a:rPr lang="ru-RU" dirty="0" smtClean="0"/>
+              <a:t> – сообщает сколько раз выполнялась сборка мусора для указанного поколения</a:t>
+            </a:r>
+          </a:p>
+          <a:p>
+            <a:r>
+              <a:rPr lang="en-US" dirty="0" err="1"/>
+              <a:t>GC.GetTotalMemory</a:t>
+            </a:r>
+            <a:r>
+              <a:rPr lang="en-US" dirty="0"/>
+              <a:t>(</a:t>
+            </a:r>
+            <a:r>
+              <a:rPr lang="en-US" dirty="0" err="1"/>
+              <a:t>bool</a:t>
+            </a:r>
+            <a:r>
+              <a:rPr lang="en-US" dirty="0"/>
+              <a:t> </a:t>
+            </a:r>
+            <a:r>
+              <a:rPr lang="en-US" dirty="0" err="1"/>
+              <a:t>forceFullCollection</a:t>
+            </a:r>
+            <a:r>
+              <a:rPr lang="en-US" dirty="0" smtClean="0"/>
+              <a:t>)</a:t>
+            </a:r>
+            <a:r>
+              <a:rPr lang="ru-RU" dirty="0" smtClean="0"/>
+              <a:t> – возвращает кол-во байтов выделенных в куче</a:t>
+            </a:r>
+          </a:p>
+          <a:p>
+            <a:r>
+              <a:rPr lang="en-US" dirty="0" err="1" smtClean="0"/>
+              <a:t>Environment.WorkingSet</a:t>
+            </a:r>
+            <a:r>
+              <a:rPr lang="en-US" dirty="0" smtClean="0"/>
+              <a:t> – </a:t>
+            </a:r>
+            <a:r>
+              <a:rPr lang="ru-RU" dirty="0" smtClean="0"/>
+              <a:t>размер в байтах рабочего множества процесса </a:t>
+            </a:r>
+            <a:r>
+              <a:rPr lang="en-US" dirty="0" smtClean="0"/>
+              <a:t>(working set)</a:t>
+            </a:r>
+            <a:endParaRPr lang="en-US" dirty="0"/>
+          </a:p>
+          <a:p>
+            <a:endParaRPr lang="en-US" dirty="0"/>
+          </a:p>
+          <a:p>
+            <a:endParaRPr lang="ru-RU" dirty="0"/>
+          </a:p>
+        </p:txBody>
+      </p:sp>
+    </p:spTree>
+    <p:extLst>
+      <p:ext uri="{BB962C8B-B14F-4D97-AF65-F5344CB8AC3E}">
+        <p14:creationId xmlns:p14="http://schemas.microsoft.com/office/powerpoint/2010/main" val="921719331"/>
+      </p:ext>
+    </p:extLst>
+  </p:cSld>
+  <p:clrMapOvr>
+    <a:masterClrMapping/>
+  </p:clrMapOvr>
+  <p:timing>
+    <p:tnLst>
+      <p:par>
+        <p:cTn id="1" dur="indefinite" restart="never" nodeType="tmRoot"/>
+      </p:par>
+    </p:tnLst>
+  </p:timing>
+</p:sld>
+</file>
+
+<file path=ppt/slides/slide25.xml><?xml version="1.0" encoding="utf-8"?>
+<p:sld xmlns:a="http://schemas.openxmlformats.org/drawingml/2006/main" xmlns:r="http://schemas.openxmlformats.org/officeDocument/2006/relationships" xmlns:p="http://schemas.openxmlformats.org/presentationml/2006/main">
+  <p:cSld>
+    <p:spTree>
+      <p:nvGrpSpPr>
+        <p:cNvPr id="1" name=""/>
+        <p:cNvGrpSpPr/>
+        <p:nvPr/>
+      </p:nvGrpSpPr>
+      <p:grpSpPr>
+        <a:xfrm>
+          <a:off x="0" y="0"/>
+          <a:ext cx="0" cy="0"/>
+          <a:chOff x="0" y="0"/>
+          <a:chExt cx="0" cy="0"/>
+        </a:xfrm>
+      </p:grpSpPr>
+      <p:sp>
+        <p:nvSpPr>
+          <p:cNvPr id="2" name="Title 1"/>
+          <p:cNvSpPr>
+            <a:spLocks noGrp="1"/>
+          </p:cNvSpPr>
+          <p:nvPr>
+            <p:ph type="title"/>
+          </p:nvPr>
+        </p:nvSpPr>
+        <p:spPr/>
+        <p:txBody>
           <a:bodyPr>
             <a:normAutofit fontScale="90000"/>
           </a:bodyPr>
@@ -11680,7 +14236,7 @@
 </p:sld>
 </file>
 
-<file path=ppt/slides/slide22.xml><?xml version="1.0" encoding="utf-8"?>
+<file path=ppt/slides/slide26.xml><?xml version="1.0" encoding="utf-8"?>
 <p:sld xmlns:a="http://schemas.openxmlformats.org/drawingml/2006/main" xmlns:r="http://schemas.openxmlformats.org/officeDocument/2006/relationships" xmlns:p="http://schemas.openxmlformats.org/presentationml/2006/main">
   <p:cSld>
     <p:spTree>
@@ -12043,14 +14599,39 @@
         </p:spPr>
         <p:txBody>
           <a:bodyPr>
-            <a:normAutofit/>
+            <a:normAutofit fontScale="92500" lnSpcReduction="10000"/>
           </a:bodyPr>
           <a:lstStyle/>
           <a:p>
             <a:r>
               <a:rPr lang="ru-RU" sz="2800" dirty="0" smtClean="0"/>
-              <a:t>Поставить на паузу все потоки процесса</a:t>
-            </a:r>
+              <a:t>Поставить на паузу все </a:t>
+            </a:r>
+            <a:r>
+              <a:rPr lang="ru-RU" sz="2800" dirty="0" smtClean="0"/>
+              <a:t>потоки процесса (</a:t>
+            </a:r>
+            <a:r>
+              <a:rPr lang="en-US" sz="2800" dirty="0" smtClean="0"/>
+              <a:t>non-concurrent </a:t>
+            </a:r>
+            <a:r>
+              <a:rPr lang="ru-RU" sz="2800" dirty="0"/>
+              <a:t>режим) </a:t>
+            </a:r>
+            <a:r>
+              <a:rPr lang="ru-RU" sz="2800" dirty="0" smtClean="0"/>
+              <a:t>или только часть из них (</a:t>
+            </a:r>
+            <a:r>
+              <a:rPr lang="en-US" sz="2800" dirty="0" smtClean="0"/>
+              <a:t>concurrent </a:t>
+            </a:r>
+            <a:r>
+              <a:rPr lang="ru-RU" sz="2800" dirty="0"/>
+              <a:t>режим)</a:t>
+            </a:r>
+            <a:endParaRPr lang="ru-RU" sz="2800" dirty="0" smtClean="0"/>
           </a:p>
           <a:p>
             <a:r>
@@ -12079,8 +14660,29 @@
           <a:p>
             <a:r>
               <a:rPr lang="ru-RU" sz="2800" dirty="0" smtClean="0"/>
-              <a:t>Выполняем дефрагментацию кучи чтобы свободное пространство шло непрерывным блоком в конце кучи. Одновременно исправляем адреса ссылок.</a:t>
-            </a:r>
+              <a:t>Выполняем дефрагментацию кучи чтобы свободное пространство шло непрерывным блоком в конце кучи. Одновременно исправляем адреса ссылок</a:t>
+            </a:r>
+            <a:r>
+              <a:rPr lang="ru-RU" sz="2800" dirty="0" smtClean="0"/>
+              <a:t>.</a:t>
+            </a:r>
+            <a:endParaRPr lang="en-US" sz="2800" dirty="0" smtClean="0"/>
+          </a:p>
+          <a:p>
+            <a:pPr lvl="1"/>
+            <a:r>
+              <a:rPr lang="ru-RU" sz="2400" dirty="0" smtClean="0"/>
+              <a:t>Примечание: Для </a:t>
+            </a:r>
+            <a:r>
+              <a:rPr lang="en-US" sz="2400" dirty="0" smtClean="0"/>
+              <a:t>LOH</a:t>
+            </a:r>
+            <a:r>
+              <a:rPr lang="ru-RU" sz="2400" dirty="0" smtClean="0"/>
+              <a:t> дефрагментация не выполняется</a:t>
+            </a:r>
+            <a:endParaRPr lang="ru-RU" sz="2400" dirty="0" smtClean="0"/>
           </a:p>
           <a:p>
             <a:r>

--- a/Presentation/memory-management-and-gc.pptx
+++ b/Presentation/memory-management-and-gc.pptx
@@ -5,7 +5,7 @@
     <p:sldMasterId id="2147483648" r:id="rId1"/>
   </p:sldMasterIdLst>
   <p:notesMasterIdLst>
-    <p:notesMasterId r:id="rId28"/>
+    <p:notesMasterId r:id="rId29"/>
   </p:notesMasterIdLst>
   <p:sldIdLst>
     <p:sldId id="261" r:id="rId2"/>
@@ -33,7 +33,8 @@
     <p:sldId id="277" r:id="rId24"/>
     <p:sldId id="258" r:id="rId25"/>
     <p:sldId id="259" r:id="rId26"/>
-    <p:sldId id="260" r:id="rId27"/>
+    <p:sldId id="283" r:id="rId27"/>
+    <p:sldId id="260" r:id="rId28"/>
   </p:sldIdLst>
   <p:sldSz cx="9144000" cy="6858000" type="screen4x3"/>
   <p:notesSz cx="6858000" cy="9144000"/>
@@ -217,7 +218,7 @@
           <a:p>
             <a:fld id="{B24A7054-7FFB-49F4-A126-5DF6E687FF53}" type="datetimeFigureOut">
               <a:rPr lang="ru-RU" smtClean="0"/>
-              <a:t>21.08.2015</a:t>
+              <a:t>22.08.2015</a:t>
             </a:fld>
             <a:endParaRPr lang="ru-RU"/>
           </a:p>
@@ -1583,7 +1584,7 @@
           <a:p>
             <a:fld id="{8E6E6A2A-E9D3-4A0D-B04A-ABDD367A1E08}" type="datetimeFigureOut">
               <a:rPr lang="ru-RU" smtClean="0"/>
-              <a:t>21.08.2015</a:t>
+              <a:t>22.08.2015</a:t>
             </a:fld>
             <a:endParaRPr lang="ru-RU"/>
           </a:p>
@@ -3035,7 +3036,7 @@
           <a:p>
             <a:fld id="{AC3D3127-B7C4-45E3-9797-C527EC9FDD78}" type="datetimeFigureOut">
               <a:rPr lang="ru-RU" smtClean="0"/>
-              <a:t>21.08.2015</a:t>
+              <a:t>22.08.2015</a:t>
             </a:fld>
             <a:endParaRPr lang="ru-RU"/>
           </a:p>
@@ -9584,11 +9585,7 @@
           <a:p>
             <a:r>
               <a:rPr lang="en-US" dirty="0" smtClean="0"/>
-              <a:t>Workstation </a:t>
-            </a:r>
-            <a:r>
-              <a:rPr lang="en-US" dirty="0" smtClean="0"/>
-              <a:t>GC</a:t>
+              <a:t>Workstation GC</a:t>
             </a:r>
             <a:endParaRPr lang="ru-RU" dirty="0"/>
           </a:p>
@@ -12551,11 +12548,7 @@
           <a:p>
             <a:r>
               <a:rPr lang="ru-RU" sz="1400" dirty="0" smtClean="0"/>
-              <a:t>64 </a:t>
-            </a:r>
-            <a:r>
-              <a:rPr lang="ru-RU" sz="1400" dirty="0" smtClean="0"/>
-              <a:t>бита = 2</a:t>
+              <a:t>64 бита = 2</a:t>
             </a:r>
             <a:r>
               <a:rPr lang="en-US" sz="1400" dirty="0" smtClean="0"/>
@@ -12567,15 +12560,7 @@
             </a:r>
             <a:r>
               <a:rPr lang="en-US" sz="1400" dirty="0" smtClean="0"/>
-              <a:t> </a:t>
-            </a:r>
-            <a:r>
-              <a:rPr lang="en-US" sz="1400" dirty="0" smtClean="0"/>
-              <a:t>= </a:t>
-            </a:r>
-            <a:r>
-              <a:rPr lang="en-US" sz="1400" dirty="0" smtClean="0"/>
-              <a:t>17</a:t>
+              <a:t> = 17</a:t>
             </a:r>
             <a:r>
               <a:rPr lang="ru-RU" sz="1400" dirty="0" smtClean="0"/>
@@ -14263,6 +14248,4637 @@
             <p:ph type="title"/>
           </p:nvPr>
         </p:nvSpPr>
+        <p:spPr>
+          <a:xfrm>
+            <a:off x="457200" y="188640"/>
+            <a:ext cx="8229600" cy="648072"/>
+          </a:xfrm>
+        </p:spPr>
+        <p:txBody>
+          <a:bodyPr>
+            <a:normAutofit fontScale="90000"/>
+          </a:bodyPr>
+          <a:lstStyle/>
+          <a:p>
+            <a:r>
+              <a:rPr lang="ru-RU" sz="2400" dirty="0" smtClean="0"/>
+              <a:t>Счетчики производительности для мониторинга памяти</a:t>
+            </a:r>
+            <a:r>
+              <a:rPr lang="en-US" sz="2400" dirty="0" smtClean="0"/>
+              <a:t/>
+            </a:r>
+            <a:br>
+              <a:rPr lang="en-US" sz="2400" dirty="0" smtClean="0"/>
+            </a:br>
+            <a:r>
+              <a:rPr lang="en-US" sz="2400" dirty="0" smtClean="0"/>
+              <a:t>(</a:t>
+            </a:r>
+            <a:r>
+              <a:rPr lang="ru-RU" sz="2400" dirty="0" smtClean="0"/>
+              <a:t>категория </a:t>
+            </a:r>
+            <a:r>
+              <a:rPr lang="en-US" sz="2000" dirty="0"/>
+              <a:t>.NET CLR </a:t>
+            </a:r>
+            <a:r>
+              <a:rPr lang="en-US" sz="2000" dirty="0" smtClean="0"/>
+              <a:t>Memory</a:t>
+            </a:r>
+            <a:r>
+              <a:rPr lang="ru-RU" sz="2000" dirty="0" smtClean="0"/>
+              <a:t>)</a:t>
+            </a:r>
+            <a:endParaRPr lang="ru-RU" sz="2400" dirty="0"/>
+          </a:p>
+        </p:txBody>
+      </p:sp>
+      <p:graphicFrame>
+        <p:nvGraphicFramePr>
+          <p:cNvPr id="8" name="Table 7"/>
+          <p:cNvGraphicFramePr>
+            <a:graphicFrameLocks noGrp="1"/>
+          </p:cNvGraphicFramePr>
+          <p:nvPr>
+            <p:extLst>
+              <p:ext uri="{D42A27DB-BD31-4B8C-83A1-F6EECF244321}">
+                <p14:modId xmlns:p14="http://schemas.microsoft.com/office/powerpoint/2010/main" val="541397274"/>
+              </p:ext>
+            </p:extLst>
+          </p:nvPr>
+        </p:nvGraphicFramePr>
+        <p:xfrm>
+          <a:off x="467544" y="1124744"/>
+          <a:ext cx="8208912" cy="5394960"/>
+        </p:xfrm>
+        <a:graphic>
+          <a:graphicData uri="http://schemas.openxmlformats.org/drawingml/2006/table">
+            <a:tbl>
+              <a:tblPr/>
+              <a:tblGrid>
+                <a:gridCol w="3312368"/>
+                <a:gridCol w="4896544"/>
+              </a:tblGrid>
+              <a:tr h="182299">
+                <a:tc>
+                  <a:txBody>
+                    <a:bodyPr/>
+                    <a:lstStyle>
+                      <a:lvl1pPr marL="0" algn="l" defTabSz="914400" rtl="0" eaLnBrk="1" latinLnBrk="0" hangingPunct="1">
+                        <a:defRPr sz="1800" kern="1200">
+                          <a:solidFill>
+                            <a:schemeClr val="tx1"/>
+                          </a:solidFill>
+                          <a:latin typeface="Calibri"/>
+                        </a:defRPr>
+                      </a:lvl1pPr>
+                      <a:lvl2pPr marL="457200" algn="l" defTabSz="914400" rtl="0" eaLnBrk="1" latinLnBrk="0" hangingPunct="1">
+                        <a:defRPr sz="1800" kern="1200">
+                          <a:solidFill>
+                            <a:schemeClr val="tx1"/>
+                          </a:solidFill>
+                          <a:latin typeface="Calibri"/>
+                        </a:defRPr>
+                      </a:lvl2pPr>
+                      <a:lvl3pPr marL="914400" algn="l" defTabSz="914400" rtl="0" eaLnBrk="1" latinLnBrk="0" hangingPunct="1">
+                        <a:defRPr sz="1800" kern="1200">
+                          <a:solidFill>
+                            <a:schemeClr val="tx1"/>
+                          </a:solidFill>
+                          <a:latin typeface="Calibri"/>
+                        </a:defRPr>
+                      </a:lvl3pPr>
+                      <a:lvl4pPr marL="1371600" algn="l" defTabSz="914400" rtl="0" eaLnBrk="1" latinLnBrk="0" hangingPunct="1">
+                        <a:defRPr sz="1800" kern="1200">
+                          <a:solidFill>
+                            <a:schemeClr val="tx1"/>
+                          </a:solidFill>
+                          <a:latin typeface="Calibri"/>
+                        </a:defRPr>
+                      </a:lvl4pPr>
+                      <a:lvl5pPr marL="1828800" algn="l" defTabSz="914400" rtl="0" eaLnBrk="1" latinLnBrk="0" hangingPunct="1">
+                        <a:defRPr sz="1800" kern="1200">
+                          <a:solidFill>
+                            <a:schemeClr val="tx1"/>
+                          </a:solidFill>
+                          <a:latin typeface="Calibri"/>
+                        </a:defRPr>
+                      </a:lvl5pPr>
+                      <a:lvl6pPr marL="2286000" algn="l" defTabSz="914400" rtl="0" eaLnBrk="1" latinLnBrk="0" hangingPunct="1">
+                        <a:defRPr sz="1800" kern="1200">
+                          <a:solidFill>
+                            <a:schemeClr val="tx1"/>
+                          </a:solidFill>
+                          <a:latin typeface="Calibri"/>
+                        </a:defRPr>
+                      </a:lvl6pPr>
+                      <a:lvl7pPr marL="2743200" algn="l" defTabSz="914400" rtl="0" eaLnBrk="1" latinLnBrk="0" hangingPunct="1">
+                        <a:defRPr sz="1800" kern="1200">
+                          <a:solidFill>
+                            <a:schemeClr val="tx1"/>
+                          </a:solidFill>
+                          <a:latin typeface="Calibri"/>
+                        </a:defRPr>
+                      </a:lvl7pPr>
+                      <a:lvl8pPr marL="3200400" algn="l" defTabSz="914400" rtl="0" eaLnBrk="1" latinLnBrk="0" hangingPunct="1">
+                        <a:defRPr sz="1800" kern="1200">
+                          <a:solidFill>
+                            <a:schemeClr val="tx1"/>
+                          </a:solidFill>
+                          <a:latin typeface="Calibri"/>
+                        </a:defRPr>
+                      </a:lvl8pPr>
+                      <a:lvl9pPr marL="3657600" algn="l" defTabSz="914400" rtl="0" eaLnBrk="1" latinLnBrk="0" hangingPunct="1">
+                        <a:defRPr sz="1800" kern="1200">
+                          <a:solidFill>
+                            <a:schemeClr val="tx1"/>
+                          </a:solidFill>
+                          <a:latin typeface="Calibri"/>
+                        </a:defRPr>
+                      </a:lvl9pPr>
+                    </a:lstStyle>
+                    <a:p>
+                      <a:pPr algn="l" fontAlgn="b"/>
+                      <a:r>
+                        <a:rPr lang="ru-RU" sz="1400" b="0" i="0" u="none" strike="noStrike" dirty="0" smtClean="0">
+                          <a:solidFill>
+                            <a:srgbClr val="0070C0"/>
+                          </a:solidFill>
+                          <a:effectLst/>
+                          <a:latin typeface="+mn-lt"/>
+                          <a:cs typeface="Consolas" panose="020B0609020204030204" pitchFamily="49" charset="0"/>
+                        </a:rPr>
+                        <a:t>Название</a:t>
+                      </a:r>
+                      <a:endParaRPr lang="en-US" sz="1400" b="0" i="0" u="none" strike="noStrike" dirty="0">
+                        <a:solidFill>
+                          <a:srgbClr val="0070C0"/>
+                        </a:solidFill>
+                        <a:effectLst/>
+                        <a:latin typeface="+mn-lt"/>
+                        <a:cs typeface="Consolas" panose="020B0609020204030204" pitchFamily="49" charset="0"/>
+                      </a:endParaRPr>
+                    </a:p>
+                  </a:txBody>
+                  <a:tcPr marL="45720" marR="45720" anchor="b">
+                    <a:lnL w="12700" cap="flat" cmpd="sng" algn="ctr">
+                      <a:solidFill>
+                        <a:srgbClr val="FFFFFF"/>
+                      </a:solidFill>
+                      <a:prstDash val="solid"/>
+                      <a:round/>
+                      <a:headEnd type="none" w="med" len="med"/>
+                      <a:tailEnd type="none" w="med" len="med"/>
+                    </a:lnL>
+                    <a:lnR w="12700" cap="flat" cmpd="sng" algn="ctr">
+                      <a:solidFill>
+                        <a:srgbClr val="FFFFFF"/>
+                      </a:solidFill>
+                      <a:prstDash val="solid"/>
+                      <a:round/>
+                      <a:headEnd type="none" w="med" len="med"/>
+                      <a:tailEnd type="none" w="med" len="med"/>
+                    </a:lnR>
+                    <a:lnT w="12700" cap="flat" cmpd="sng" algn="ctr">
+                      <a:solidFill>
+                        <a:srgbClr val="FFFFFF"/>
+                      </a:solidFill>
+                      <a:prstDash val="solid"/>
+                      <a:round/>
+                      <a:headEnd type="none" w="med" len="med"/>
+                      <a:tailEnd type="none" w="med" len="med"/>
+                    </a:lnT>
+                    <a:lnB w="12700" cap="flat" cmpd="sng" algn="ctr">
+                      <a:solidFill>
+                        <a:srgbClr val="FFFFFF"/>
+                      </a:solidFill>
+                      <a:prstDash val="solid"/>
+                      <a:round/>
+                      <a:headEnd type="none" w="med" len="med"/>
+                      <a:tailEnd type="none" w="med" len="med"/>
+                    </a:lnB>
+                    <a:lnTlToBr w="12700" cmpd="sng">
+                      <a:noFill/>
+                      <a:prstDash val="solid"/>
+                    </a:lnTlToBr>
+                    <a:lnBlToTr w="12700" cmpd="sng">
+                      <a:noFill/>
+                      <a:prstDash val="solid"/>
+                    </a:lnBlToTr>
+                    <a:solidFill>
+                      <a:srgbClr val="FFFFFF"/>
+                    </a:solidFill>
+                  </a:tcPr>
+                </a:tc>
+                <a:tc>
+                  <a:txBody>
+                    <a:bodyPr/>
+                    <a:lstStyle>
+                      <a:lvl1pPr marL="0" algn="l" defTabSz="914400" rtl="0" eaLnBrk="1" latinLnBrk="0" hangingPunct="1">
+                        <a:defRPr sz="1800" kern="1200">
+                          <a:solidFill>
+                            <a:schemeClr val="tx1"/>
+                          </a:solidFill>
+                          <a:latin typeface="Calibri"/>
+                        </a:defRPr>
+                      </a:lvl1pPr>
+                      <a:lvl2pPr marL="457200" algn="l" defTabSz="914400" rtl="0" eaLnBrk="1" latinLnBrk="0" hangingPunct="1">
+                        <a:defRPr sz="1800" kern="1200">
+                          <a:solidFill>
+                            <a:schemeClr val="tx1"/>
+                          </a:solidFill>
+                          <a:latin typeface="Calibri"/>
+                        </a:defRPr>
+                      </a:lvl2pPr>
+                      <a:lvl3pPr marL="914400" algn="l" defTabSz="914400" rtl="0" eaLnBrk="1" latinLnBrk="0" hangingPunct="1">
+                        <a:defRPr sz="1800" kern="1200">
+                          <a:solidFill>
+                            <a:schemeClr val="tx1"/>
+                          </a:solidFill>
+                          <a:latin typeface="Calibri"/>
+                        </a:defRPr>
+                      </a:lvl3pPr>
+                      <a:lvl4pPr marL="1371600" algn="l" defTabSz="914400" rtl="0" eaLnBrk="1" latinLnBrk="0" hangingPunct="1">
+                        <a:defRPr sz="1800" kern="1200">
+                          <a:solidFill>
+                            <a:schemeClr val="tx1"/>
+                          </a:solidFill>
+                          <a:latin typeface="Calibri"/>
+                        </a:defRPr>
+                      </a:lvl4pPr>
+                      <a:lvl5pPr marL="1828800" algn="l" defTabSz="914400" rtl="0" eaLnBrk="1" latinLnBrk="0" hangingPunct="1">
+                        <a:defRPr sz="1800" kern="1200">
+                          <a:solidFill>
+                            <a:schemeClr val="tx1"/>
+                          </a:solidFill>
+                          <a:latin typeface="Calibri"/>
+                        </a:defRPr>
+                      </a:lvl5pPr>
+                      <a:lvl6pPr marL="2286000" algn="l" defTabSz="914400" rtl="0" eaLnBrk="1" latinLnBrk="0" hangingPunct="1">
+                        <a:defRPr sz="1800" kern="1200">
+                          <a:solidFill>
+                            <a:schemeClr val="tx1"/>
+                          </a:solidFill>
+                          <a:latin typeface="Calibri"/>
+                        </a:defRPr>
+                      </a:lvl6pPr>
+                      <a:lvl7pPr marL="2743200" algn="l" defTabSz="914400" rtl="0" eaLnBrk="1" latinLnBrk="0" hangingPunct="1">
+                        <a:defRPr sz="1800" kern="1200">
+                          <a:solidFill>
+                            <a:schemeClr val="tx1"/>
+                          </a:solidFill>
+                          <a:latin typeface="Calibri"/>
+                        </a:defRPr>
+                      </a:lvl7pPr>
+                      <a:lvl8pPr marL="3200400" algn="l" defTabSz="914400" rtl="0" eaLnBrk="1" latinLnBrk="0" hangingPunct="1">
+                        <a:defRPr sz="1800" kern="1200">
+                          <a:solidFill>
+                            <a:schemeClr val="tx1"/>
+                          </a:solidFill>
+                          <a:latin typeface="Calibri"/>
+                        </a:defRPr>
+                      </a:lvl8pPr>
+                      <a:lvl9pPr marL="3657600" algn="l" defTabSz="914400" rtl="0" eaLnBrk="1" latinLnBrk="0" hangingPunct="1">
+                        <a:defRPr sz="1800" kern="1200">
+                          <a:solidFill>
+                            <a:schemeClr val="tx1"/>
+                          </a:solidFill>
+                          <a:latin typeface="Calibri"/>
+                        </a:defRPr>
+                      </a:lvl9pPr>
+                    </a:lstStyle>
+                    <a:p>
+                      <a:pPr algn="l" fontAlgn="b"/>
+                      <a:r>
+                        <a:rPr lang="ru-RU" sz="1400" b="0" i="0" u="none" strike="noStrike" dirty="0" smtClean="0">
+                          <a:solidFill>
+                            <a:srgbClr val="0070C0"/>
+                          </a:solidFill>
+                          <a:effectLst/>
+                          <a:latin typeface="+mn-lt"/>
+                          <a:cs typeface="Consolas" panose="020B0609020204030204" pitchFamily="49" charset="0"/>
+                        </a:rPr>
+                        <a:t>Описание</a:t>
+                      </a:r>
+                      <a:endParaRPr lang="en-US" sz="1400" b="0" i="0" u="none" strike="noStrike" dirty="0">
+                        <a:solidFill>
+                          <a:srgbClr val="0070C0"/>
+                        </a:solidFill>
+                        <a:effectLst/>
+                        <a:latin typeface="+mn-lt"/>
+                        <a:cs typeface="Consolas" panose="020B0609020204030204" pitchFamily="49" charset="0"/>
+                      </a:endParaRPr>
+                    </a:p>
+                  </a:txBody>
+                  <a:tcPr marL="45720" marR="45720" anchor="b">
+                    <a:lnL w="12700" cap="flat" cmpd="sng" algn="ctr">
+                      <a:solidFill>
+                        <a:srgbClr val="FFFFFF"/>
+                      </a:solidFill>
+                      <a:prstDash val="solid"/>
+                      <a:round/>
+                      <a:headEnd type="none" w="med" len="med"/>
+                      <a:tailEnd type="none" w="med" len="med"/>
+                    </a:lnL>
+                    <a:lnR w="12700" cap="flat" cmpd="sng" algn="ctr">
+                      <a:solidFill>
+                        <a:srgbClr val="FFFFFF"/>
+                      </a:solidFill>
+                      <a:prstDash val="solid"/>
+                      <a:round/>
+                      <a:headEnd type="none" w="med" len="med"/>
+                      <a:tailEnd type="none" w="med" len="med"/>
+                    </a:lnR>
+                    <a:lnT w="12700" cap="flat" cmpd="sng" algn="ctr">
+                      <a:solidFill>
+                        <a:srgbClr val="FFFFFF"/>
+                      </a:solidFill>
+                      <a:prstDash val="solid"/>
+                      <a:round/>
+                      <a:headEnd type="none" w="med" len="med"/>
+                      <a:tailEnd type="none" w="med" len="med"/>
+                    </a:lnT>
+                    <a:lnB w="12700" cap="flat" cmpd="sng" algn="ctr">
+                      <a:solidFill>
+                        <a:srgbClr val="FFFFFF"/>
+                      </a:solidFill>
+                      <a:prstDash val="solid"/>
+                      <a:round/>
+                      <a:headEnd type="none" w="med" len="med"/>
+                      <a:tailEnd type="none" w="med" len="med"/>
+                    </a:lnB>
+                    <a:lnTlToBr w="12700" cmpd="sng">
+                      <a:noFill/>
+                      <a:prstDash val="solid"/>
+                    </a:lnTlToBr>
+                    <a:lnBlToTr w="12700" cmpd="sng">
+                      <a:noFill/>
+                      <a:prstDash val="solid"/>
+                    </a:lnBlToTr>
+                    <a:solidFill>
+                      <a:srgbClr val="FFFFFF"/>
+                    </a:solidFill>
+                  </a:tcPr>
+                </a:tc>
+              </a:tr>
+              <a:tr h="182299">
+                <a:tc>
+                  <a:txBody>
+                    <a:bodyPr/>
+                    <a:lstStyle>
+                      <a:lvl1pPr marL="0" algn="l" defTabSz="914400" rtl="0" eaLnBrk="1" latinLnBrk="0" hangingPunct="1">
+                        <a:defRPr sz="1800" kern="1200">
+                          <a:solidFill>
+                            <a:schemeClr val="tx1"/>
+                          </a:solidFill>
+                          <a:latin typeface="Calibri"/>
+                        </a:defRPr>
+                      </a:lvl1pPr>
+                      <a:lvl2pPr marL="457200" algn="l" defTabSz="914400" rtl="0" eaLnBrk="1" latinLnBrk="0" hangingPunct="1">
+                        <a:defRPr sz="1800" kern="1200">
+                          <a:solidFill>
+                            <a:schemeClr val="tx1"/>
+                          </a:solidFill>
+                          <a:latin typeface="Calibri"/>
+                        </a:defRPr>
+                      </a:lvl2pPr>
+                      <a:lvl3pPr marL="914400" algn="l" defTabSz="914400" rtl="0" eaLnBrk="1" latinLnBrk="0" hangingPunct="1">
+                        <a:defRPr sz="1800" kern="1200">
+                          <a:solidFill>
+                            <a:schemeClr val="tx1"/>
+                          </a:solidFill>
+                          <a:latin typeface="Calibri"/>
+                        </a:defRPr>
+                      </a:lvl3pPr>
+                      <a:lvl4pPr marL="1371600" algn="l" defTabSz="914400" rtl="0" eaLnBrk="1" latinLnBrk="0" hangingPunct="1">
+                        <a:defRPr sz="1800" kern="1200">
+                          <a:solidFill>
+                            <a:schemeClr val="tx1"/>
+                          </a:solidFill>
+                          <a:latin typeface="Calibri"/>
+                        </a:defRPr>
+                      </a:lvl4pPr>
+                      <a:lvl5pPr marL="1828800" algn="l" defTabSz="914400" rtl="0" eaLnBrk="1" latinLnBrk="0" hangingPunct="1">
+                        <a:defRPr sz="1800" kern="1200">
+                          <a:solidFill>
+                            <a:schemeClr val="tx1"/>
+                          </a:solidFill>
+                          <a:latin typeface="Calibri"/>
+                        </a:defRPr>
+                      </a:lvl5pPr>
+                      <a:lvl6pPr marL="2286000" algn="l" defTabSz="914400" rtl="0" eaLnBrk="1" latinLnBrk="0" hangingPunct="1">
+                        <a:defRPr sz="1800" kern="1200">
+                          <a:solidFill>
+                            <a:schemeClr val="tx1"/>
+                          </a:solidFill>
+                          <a:latin typeface="Calibri"/>
+                        </a:defRPr>
+                      </a:lvl6pPr>
+                      <a:lvl7pPr marL="2743200" algn="l" defTabSz="914400" rtl="0" eaLnBrk="1" latinLnBrk="0" hangingPunct="1">
+                        <a:defRPr sz="1800" kern="1200">
+                          <a:solidFill>
+                            <a:schemeClr val="tx1"/>
+                          </a:solidFill>
+                          <a:latin typeface="Calibri"/>
+                        </a:defRPr>
+                      </a:lvl7pPr>
+                      <a:lvl8pPr marL="3200400" algn="l" defTabSz="914400" rtl="0" eaLnBrk="1" latinLnBrk="0" hangingPunct="1">
+                        <a:defRPr sz="1800" kern="1200">
+                          <a:solidFill>
+                            <a:schemeClr val="tx1"/>
+                          </a:solidFill>
+                          <a:latin typeface="Calibri"/>
+                        </a:defRPr>
+                      </a:lvl8pPr>
+                      <a:lvl9pPr marL="3657600" algn="l" defTabSz="914400" rtl="0" eaLnBrk="1" latinLnBrk="0" hangingPunct="1">
+                        <a:defRPr sz="1800" kern="1200">
+                          <a:solidFill>
+                            <a:schemeClr val="tx1"/>
+                          </a:solidFill>
+                          <a:latin typeface="Calibri"/>
+                        </a:defRPr>
+                      </a:lvl9pPr>
+                    </a:lstStyle>
+                    <a:p>
+                      <a:pPr algn="l" fontAlgn="b"/>
+                      <a:r>
+                        <a:rPr lang="en-US" sz="1400" b="1" i="0" u="none" strike="noStrike" dirty="0" smtClean="0">
+                          <a:solidFill>
+                            <a:schemeClr val="bg1"/>
+                          </a:solidFill>
+                          <a:effectLst/>
+                          <a:latin typeface="+mn-lt"/>
+                          <a:cs typeface="Consolas" panose="020B0609020204030204" pitchFamily="49" charset="0"/>
+                        </a:rPr>
+                        <a:t># Bytes in all Heaps</a:t>
+                      </a:r>
+                      <a:endParaRPr lang="en-US" sz="1400" b="1" i="0" u="none" strike="noStrike" dirty="0">
+                        <a:solidFill>
+                          <a:schemeClr val="bg1"/>
+                        </a:solidFill>
+                        <a:effectLst/>
+                        <a:latin typeface="+mn-lt"/>
+                        <a:cs typeface="Consolas" panose="020B0609020204030204" pitchFamily="49" charset="0"/>
+                      </a:endParaRPr>
+                    </a:p>
+                  </a:txBody>
+                  <a:tcPr marL="45720" marR="45720" anchor="b">
+                    <a:lnL w="12700" cap="flat" cmpd="sng" algn="ctr">
+                      <a:solidFill>
+                        <a:srgbClr val="FFFFFF"/>
+                      </a:solidFill>
+                      <a:prstDash val="solid"/>
+                      <a:round/>
+                      <a:headEnd type="none" w="med" len="med"/>
+                      <a:tailEnd type="none" w="med" len="med"/>
+                    </a:lnL>
+                    <a:lnR w="12700" cap="flat" cmpd="sng" algn="ctr">
+                      <a:solidFill>
+                        <a:srgbClr val="FFFFFF"/>
+                      </a:solidFill>
+                      <a:prstDash val="solid"/>
+                      <a:round/>
+                      <a:headEnd type="none" w="med" len="med"/>
+                      <a:tailEnd type="none" w="med" len="med"/>
+                    </a:lnR>
+                    <a:lnT w="12700" cap="flat" cmpd="sng" algn="ctr">
+                      <a:solidFill>
+                        <a:srgbClr val="FFFFFF"/>
+                      </a:solidFill>
+                      <a:prstDash val="solid"/>
+                      <a:round/>
+                      <a:headEnd type="none" w="med" len="med"/>
+                      <a:tailEnd type="none" w="med" len="med"/>
+                    </a:lnT>
+                    <a:lnB w="12700" cap="flat" cmpd="sng" algn="ctr">
+                      <a:solidFill>
+                        <a:srgbClr val="FFFFFF"/>
+                      </a:solidFill>
+                      <a:prstDash val="solid"/>
+                      <a:round/>
+                      <a:headEnd type="none" w="med" len="med"/>
+                      <a:tailEnd type="none" w="med" len="med"/>
+                    </a:lnB>
+                    <a:lnTlToBr w="12700" cmpd="sng">
+                      <a:noFill/>
+                      <a:prstDash val="solid"/>
+                    </a:lnTlToBr>
+                    <a:lnBlToTr w="12700" cmpd="sng">
+                      <a:noFill/>
+                      <a:prstDash val="solid"/>
+                    </a:lnBlToTr>
+                    <a:noFill/>
+                  </a:tcPr>
+                </a:tc>
+                <a:tc>
+                  <a:txBody>
+                    <a:bodyPr/>
+                    <a:lstStyle>
+                      <a:lvl1pPr marL="0" algn="l" defTabSz="914400" rtl="0" eaLnBrk="1" latinLnBrk="0" hangingPunct="1">
+                        <a:defRPr sz="1800" kern="1200">
+                          <a:solidFill>
+                            <a:schemeClr val="tx1"/>
+                          </a:solidFill>
+                          <a:latin typeface="Calibri"/>
+                        </a:defRPr>
+                      </a:lvl1pPr>
+                      <a:lvl2pPr marL="457200" algn="l" defTabSz="914400" rtl="0" eaLnBrk="1" latinLnBrk="0" hangingPunct="1">
+                        <a:defRPr sz="1800" kern="1200">
+                          <a:solidFill>
+                            <a:schemeClr val="tx1"/>
+                          </a:solidFill>
+                          <a:latin typeface="Calibri"/>
+                        </a:defRPr>
+                      </a:lvl2pPr>
+                      <a:lvl3pPr marL="914400" algn="l" defTabSz="914400" rtl="0" eaLnBrk="1" latinLnBrk="0" hangingPunct="1">
+                        <a:defRPr sz="1800" kern="1200">
+                          <a:solidFill>
+                            <a:schemeClr val="tx1"/>
+                          </a:solidFill>
+                          <a:latin typeface="Calibri"/>
+                        </a:defRPr>
+                      </a:lvl3pPr>
+                      <a:lvl4pPr marL="1371600" algn="l" defTabSz="914400" rtl="0" eaLnBrk="1" latinLnBrk="0" hangingPunct="1">
+                        <a:defRPr sz="1800" kern="1200">
+                          <a:solidFill>
+                            <a:schemeClr val="tx1"/>
+                          </a:solidFill>
+                          <a:latin typeface="Calibri"/>
+                        </a:defRPr>
+                      </a:lvl4pPr>
+                      <a:lvl5pPr marL="1828800" algn="l" defTabSz="914400" rtl="0" eaLnBrk="1" latinLnBrk="0" hangingPunct="1">
+                        <a:defRPr sz="1800" kern="1200">
+                          <a:solidFill>
+                            <a:schemeClr val="tx1"/>
+                          </a:solidFill>
+                          <a:latin typeface="Calibri"/>
+                        </a:defRPr>
+                      </a:lvl5pPr>
+                      <a:lvl6pPr marL="2286000" algn="l" defTabSz="914400" rtl="0" eaLnBrk="1" latinLnBrk="0" hangingPunct="1">
+                        <a:defRPr sz="1800" kern="1200">
+                          <a:solidFill>
+                            <a:schemeClr val="tx1"/>
+                          </a:solidFill>
+                          <a:latin typeface="Calibri"/>
+                        </a:defRPr>
+                      </a:lvl6pPr>
+                      <a:lvl7pPr marL="2743200" algn="l" defTabSz="914400" rtl="0" eaLnBrk="1" latinLnBrk="0" hangingPunct="1">
+                        <a:defRPr sz="1800" kern="1200">
+                          <a:solidFill>
+                            <a:schemeClr val="tx1"/>
+                          </a:solidFill>
+                          <a:latin typeface="Calibri"/>
+                        </a:defRPr>
+                      </a:lvl7pPr>
+                      <a:lvl8pPr marL="3200400" algn="l" defTabSz="914400" rtl="0" eaLnBrk="1" latinLnBrk="0" hangingPunct="1">
+                        <a:defRPr sz="1800" kern="1200">
+                          <a:solidFill>
+                            <a:schemeClr val="tx1"/>
+                          </a:solidFill>
+                          <a:latin typeface="Calibri"/>
+                        </a:defRPr>
+                      </a:lvl8pPr>
+                      <a:lvl9pPr marL="3657600" algn="l" defTabSz="914400" rtl="0" eaLnBrk="1" latinLnBrk="0" hangingPunct="1">
+                        <a:defRPr sz="1800" kern="1200">
+                          <a:solidFill>
+                            <a:schemeClr val="tx1"/>
+                          </a:solidFill>
+                          <a:latin typeface="Calibri"/>
+                        </a:defRPr>
+                      </a:lvl9pPr>
+                    </a:lstStyle>
+                    <a:p>
+                      <a:pPr algn="l" fontAlgn="b"/>
+                      <a:r>
+                        <a:rPr lang="ru-RU" sz="1400" b="0" i="0" u="none" strike="noStrike" dirty="0" smtClean="0">
+                          <a:solidFill>
+                            <a:schemeClr val="bg1"/>
+                          </a:solidFill>
+                          <a:effectLst/>
+                          <a:latin typeface="+mn-lt"/>
+                          <a:cs typeface="Consolas" panose="020B0609020204030204" pitchFamily="49" charset="0"/>
+                        </a:rPr>
+                        <a:t>Общий размер кучи</a:t>
+                      </a:r>
+                      <a:r>
+                        <a:rPr lang="en-US" sz="1400" b="0" i="0" u="none" strike="noStrike" dirty="0" smtClean="0">
+                          <a:solidFill>
+                            <a:schemeClr val="bg1"/>
+                          </a:solidFill>
+                          <a:effectLst/>
+                          <a:latin typeface="+mn-lt"/>
+                          <a:cs typeface="Consolas" panose="020B0609020204030204" pitchFamily="49" charset="0"/>
+                        </a:rPr>
+                        <a:t>:</a:t>
+                      </a:r>
+                      <a:r>
+                        <a:rPr lang="ru-RU" sz="1400" b="0" i="0" u="none" strike="noStrike" dirty="0" smtClean="0">
+                          <a:solidFill>
+                            <a:schemeClr val="bg1"/>
+                          </a:solidFill>
+                          <a:effectLst/>
+                          <a:latin typeface="+mn-lt"/>
+                          <a:cs typeface="Consolas" panose="020B0609020204030204" pitchFamily="49" charset="0"/>
+                        </a:rPr>
+                        <a:t> </a:t>
+                      </a:r>
+                      <a:r>
+                        <a:rPr lang="en-US" sz="1400" b="0" i="0" u="none" strike="noStrike" dirty="0" smtClean="0">
+                          <a:solidFill>
+                            <a:schemeClr val="bg1"/>
+                          </a:solidFill>
+                          <a:effectLst/>
+                          <a:latin typeface="+mn-lt"/>
+                          <a:cs typeface="Consolas" panose="020B0609020204030204" pitchFamily="49" charset="0"/>
+                        </a:rPr>
+                        <a:t>Gen0+Gen1+Gen2+LOH</a:t>
+                      </a:r>
+                      <a:endParaRPr lang="en-US" sz="1400" b="0" i="0" u="none" strike="noStrike" dirty="0">
+                        <a:solidFill>
+                          <a:schemeClr val="bg1"/>
+                        </a:solidFill>
+                        <a:effectLst/>
+                        <a:latin typeface="+mn-lt"/>
+                        <a:cs typeface="Consolas" panose="020B0609020204030204" pitchFamily="49" charset="0"/>
+                      </a:endParaRPr>
+                    </a:p>
+                  </a:txBody>
+                  <a:tcPr marL="45720" marR="45720" anchor="b">
+                    <a:lnL w="12700" cap="flat" cmpd="sng" algn="ctr">
+                      <a:solidFill>
+                        <a:srgbClr val="FFFFFF"/>
+                      </a:solidFill>
+                      <a:prstDash val="solid"/>
+                      <a:round/>
+                      <a:headEnd type="none" w="med" len="med"/>
+                      <a:tailEnd type="none" w="med" len="med"/>
+                    </a:lnL>
+                    <a:lnR w="12700" cap="flat" cmpd="sng" algn="ctr">
+                      <a:solidFill>
+                        <a:srgbClr val="FFFFFF"/>
+                      </a:solidFill>
+                      <a:prstDash val="solid"/>
+                      <a:round/>
+                      <a:headEnd type="none" w="med" len="med"/>
+                      <a:tailEnd type="none" w="med" len="med"/>
+                    </a:lnR>
+                    <a:lnT w="12700" cap="flat" cmpd="sng" algn="ctr">
+                      <a:solidFill>
+                        <a:srgbClr val="FFFFFF"/>
+                      </a:solidFill>
+                      <a:prstDash val="solid"/>
+                      <a:round/>
+                      <a:headEnd type="none" w="med" len="med"/>
+                      <a:tailEnd type="none" w="med" len="med"/>
+                    </a:lnT>
+                    <a:lnB w="12700" cap="flat" cmpd="sng" algn="ctr">
+                      <a:solidFill>
+                        <a:srgbClr val="FFFFFF"/>
+                      </a:solidFill>
+                      <a:prstDash val="solid"/>
+                      <a:round/>
+                      <a:headEnd type="none" w="med" len="med"/>
+                      <a:tailEnd type="none" w="med" len="med"/>
+                    </a:lnB>
+                    <a:lnTlToBr w="12700" cmpd="sng">
+                      <a:noFill/>
+                      <a:prstDash val="solid"/>
+                    </a:lnTlToBr>
+                    <a:lnBlToTr w="12700" cmpd="sng">
+                      <a:noFill/>
+                      <a:prstDash val="solid"/>
+                    </a:lnBlToTr>
+                    <a:noFill/>
+                  </a:tcPr>
+                </a:tc>
+              </a:tr>
+              <a:tr h="182299">
+                <a:tc>
+                  <a:txBody>
+                    <a:bodyPr/>
+                    <a:lstStyle>
+                      <a:lvl1pPr marL="0" algn="l" defTabSz="914400" rtl="0" eaLnBrk="1" latinLnBrk="0" hangingPunct="1">
+                        <a:defRPr sz="1800" kern="1200">
+                          <a:solidFill>
+                            <a:schemeClr val="tx1"/>
+                          </a:solidFill>
+                          <a:latin typeface="Calibri"/>
+                        </a:defRPr>
+                      </a:lvl1pPr>
+                      <a:lvl2pPr marL="457200" algn="l" defTabSz="914400" rtl="0" eaLnBrk="1" latinLnBrk="0" hangingPunct="1">
+                        <a:defRPr sz="1800" kern="1200">
+                          <a:solidFill>
+                            <a:schemeClr val="tx1"/>
+                          </a:solidFill>
+                          <a:latin typeface="Calibri"/>
+                        </a:defRPr>
+                      </a:lvl2pPr>
+                      <a:lvl3pPr marL="914400" algn="l" defTabSz="914400" rtl="0" eaLnBrk="1" latinLnBrk="0" hangingPunct="1">
+                        <a:defRPr sz="1800" kern="1200">
+                          <a:solidFill>
+                            <a:schemeClr val="tx1"/>
+                          </a:solidFill>
+                          <a:latin typeface="Calibri"/>
+                        </a:defRPr>
+                      </a:lvl3pPr>
+                      <a:lvl4pPr marL="1371600" algn="l" defTabSz="914400" rtl="0" eaLnBrk="1" latinLnBrk="0" hangingPunct="1">
+                        <a:defRPr sz="1800" kern="1200">
+                          <a:solidFill>
+                            <a:schemeClr val="tx1"/>
+                          </a:solidFill>
+                          <a:latin typeface="Calibri"/>
+                        </a:defRPr>
+                      </a:lvl4pPr>
+                      <a:lvl5pPr marL="1828800" algn="l" defTabSz="914400" rtl="0" eaLnBrk="1" latinLnBrk="0" hangingPunct="1">
+                        <a:defRPr sz="1800" kern="1200">
+                          <a:solidFill>
+                            <a:schemeClr val="tx1"/>
+                          </a:solidFill>
+                          <a:latin typeface="Calibri"/>
+                        </a:defRPr>
+                      </a:lvl5pPr>
+                      <a:lvl6pPr marL="2286000" algn="l" defTabSz="914400" rtl="0" eaLnBrk="1" latinLnBrk="0" hangingPunct="1">
+                        <a:defRPr sz="1800" kern="1200">
+                          <a:solidFill>
+                            <a:schemeClr val="tx1"/>
+                          </a:solidFill>
+                          <a:latin typeface="Calibri"/>
+                        </a:defRPr>
+                      </a:lvl6pPr>
+                      <a:lvl7pPr marL="2743200" algn="l" defTabSz="914400" rtl="0" eaLnBrk="1" latinLnBrk="0" hangingPunct="1">
+                        <a:defRPr sz="1800" kern="1200">
+                          <a:solidFill>
+                            <a:schemeClr val="tx1"/>
+                          </a:solidFill>
+                          <a:latin typeface="Calibri"/>
+                        </a:defRPr>
+                      </a:lvl7pPr>
+                      <a:lvl8pPr marL="3200400" algn="l" defTabSz="914400" rtl="0" eaLnBrk="1" latinLnBrk="0" hangingPunct="1">
+                        <a:defRPr sz="1800" kern="1200">
+                          <a:solidFill>
+                            <a:schemeClr val="tx1"/>
+                          </a:solidFill>
+                          <a:latin typeface="Calibri"/>
+                        </a:defRPr>
+                      </a:lvl8pPr>
+                      <a:lvl9pPr marL="3657600" algn="l" defTabSz="914400" rtl="0" eaLnBrk="1" latinLnBrk="0" hangingPunct="1">
+                        <a:defRPr sz="1800" kern="1200">
+                          <a:solidFill>
+                            <a:schemeClr val="tx1"/>
+                          </a:solidFill>
+                          <a:latin typeface="Calibri"/>
+                        </a:defRPr>
+                      </a:lvl9pPr>
+                    </a:lstStyle>
+                    <a:p>
+                      <a:pPr algn="l" fontAlgn="b"/>
+                      <a:r>
+                        <a:rPr lang="en-US" sz="1400" b="1" i="0" u="none" strike="noStrike" kern="1200" dirty="0" smtClean="0">
+                          <a:solidFill>
+                            <a:schemeClr val="bg1"/>
+                          </a:solidFill>
+                          <a:effectLst/>
+                          <a:latin typeface="Calibri"/>
+                          <a:ea typeface="+mn-ea"/>
+                          <a:cs typeface="Consolas" panose="020B0609020204030204" pitchFamily="49" charset="0"/>
+                        </a:rPr>
+                        <a:t># GC Handles</a:t>
+                      </a:r>
+                      <a:endParaRPr lang="en-US" sz="1400" b="1" i="0" u="none" strike="noStrike" dirty="0">
+                        <a:solidFill>
+                          <a:schemeClr val="bg1"/>
+                        </a:solidFill>
+                        <a:effectLst/>
+                        <a:latin typeface="+mn-lt"/>
+                        <a:cs typeface="Consolas" panose="020B0609020204030204" pitchFamily="49" charset="0"/>
+                      </a:endParaRPr>
+                    </a:p>
+                  </a:txBody>
+                  <a:tcPr marL="45720" marR="45720" anchor="b">
+                    <a:lnL w="12700" cap="flat" cmpd="sng" algn="ctr">
+                      <a:solidFill>
+                        <a:srgbClr val="FFFFFF"/>
+                      </a:solidFill>
+                      <a:prstDash val="solid"/>
+                      <a:round/>
+                      <a:headEnd type="none" w="med" len="med"/>
+                      <a:tailEnd type="none" w="med" len="med"/>
+                    </a:lnL>
+                    <a:lnR w="12700" cap="flat" cmpd="sng" algn="ctr">
+                      <a:solidFill>
+                        <a:srgbClr val="FFFFFF"/>
+                      </a:solidFill>
+                      <a:prstDash val="solid"/>
+                      <a:round/>
+                      <a:headEnd type="none" w="med" len="med"/>
+                      <a:tailEnd type="none" w="med" len="med"/>
+                    </a:lnR>
+                    <a:lnT w="12700" cap="flat" cmpd="sng" algn="ctr">
+                      <a:solidFill>
+                        <a:srgbClr val="FFFFFF"/>
+                      </a:solidFill>
+                      <a:prstDash val="solid"/>
+                      <a:round/>
+                      <a:headEnd type="none" w="med" len="med"/>
+                      <a:tailEnd type="none" w="med" len="med"/>
+                    </a:lnT>
+                    <a:lnB w="12700" cap="flat" cmpd="sng" algn="ctr">
+                      <a:solidFill>
+                        <a:srgbClr val="FFFFFF"/>
+                      </a:solidFill>
+                      <a:prstDash val="solid"/>
+                      <a:round/>
+                      <a:headEnd type="none" w="med" len="med"/>
+                      <a:tailEnd type="none" w="med" len="med"/>
+                    </a:lnB>
+                    <a:lnTlToBr w="12700" cmpd="sng">
+                      <a:noFill/>
+                      <a:prstDash val="solid"/>
+                    </a:lnTlToBr>
+                    <a:lnBlToTr w="12700" cmpd="sng">
+                      <a:noFill/>
+                      <a:prstDash val="solid"/>
+                    </a:lnBlToTr>
+                    <a:noFill/>
+                  </a:tcPr>
+                </a:tc>
+                <a:tc>
+                  <a:txBody>
+                    <a:bodyPr/>
+                    <a:lstStyle>
+                      <a:lvl1pPr marL="0" algn="l" defTabSz="914400" rtl="0" eaLnBrk="1" latinLnBrk="0" hangingPunct="1">
+                        <a:defRPr sz="1800" kern="1200">
+                          <a:solidFill>
+                            <a:schemeClr val="tx1"/>
+                          </a:solidFill>
+                          <a:latin typeface="Calibri"/>
+                        </a:defRPr>
+                      </a:lvl1pPr>
+                      <a:lvl2pPr marL="457200" algn="l" defTabSz="914400" rtl="0" eaLnBrk="1" latinLnBrk="0" hangingPunct="1">
+                        <a:defRPr sz="1800" kern="1200">
+                          <a:solidFill>
+                            <a:schemeClr val="tx1"/>
+                          </a:solidFill>
+                          <a:latin typeface="Calibri"/>
+                        </a:defRPr>
+                      </a:lvl2pPr>
+                      <a:lvl3pPr marL="914400" algn="l" defTabSz="914400" rtl="0" eaLnBrk="1" latinLnBrk="0" hangingPunct="1">
+                        <a:defRPr sz="1800" kern="1200">
+                          <a:solidFill>
+                            <a:schemeClr val="tx1"/>
+                          </a:solidFill>
+                          <a:latin typeface="Calibri"/>
+                        </a:defRPr>
+                      </a:lvl3pPr>
+                      <a:lvl4pPr marL="1371600" algn="l" defTabSz="914400" rtl="0" eaLnBrk="1" latinLnBrk="0" hangingPunct="1">
+                        <a:defRPr sz="1800" kern="1200">
+                          <a:solidFill>
+                            <a:schemeClr val="tx1"/>
+                          </a:solidFill>
+                          <a:latin typeface="Calibri"/>
+                        </a:defRPr>
+                      </a:lvl4pPr>
+                      <a:lvl5pPr marL="1828800" algn="l" defTabSz="914400" rtl="0" eaLnBrk="1" latinLnBrk="0" hangingPunct="1">
+                        <a:defRPr sz="1800" kern="1200">
+                          <a:solidFill>
+                            <a:schemeClr val="tx1"/>
+                          </a:solidFill>
+                          <a:latin typeface="Calibri"/>
+                        </a:defRPr>
+                      </a:lvl5pPr>
+                      <a:lvl6pPr marL="2286000" algn="l" defTabSz="914400" rtl="0" eaLnBrk="1" latinLnBrk="0" hangingPunct="1">
+                        <a:defRPr sz="1800" kern="1200">
+                          <a:solidFill>
+                            <a:schemeClr val="tx1"/>
+                          </a:solidFill>
+                          <a:latin typeface="Calibri"/>
+                        </a:defRPr>
+                      </a:lvl6pPr>
+                      <a:lvl7pPr marL="2743200" algn="l" defTabSz="914400" rtl="0" eaLnBrk="1" latinLnBrk="0" hangingPunct="1">
+                        <a:defRPr sz="1800" kern="1200">
+                          <a:solidFill>
+                            <a:schemeClr val="tx1"/>
+                          </a:solidFill>
+                          <a:latin typeface="Calibri"/>
+                        </a:defRPr>
+                      </a:lvl7pPr>
+                      <a:lvl8pPr marL="3200400" algn="l" defTabSz="914400" rtl="0" eaLnBrk="1" latinLnBrk="0" hangingPunct="1">
+                        <a:defRPr sz="1800" kern="1200">
+                          <a:solidFill>
+                            <a:schemeClr val="tx1"/>
+                          </a:solidFill>
+                          <a:latin typeface="Calibri"/>
+                        </a:defRPr>
+                      </a:lvl8pPr>
+                      <a:lvl9pPr marL="3657600" algn="l" defTabSz="914400" rtl="0" eaLnBrk="1" latinLnBrk="0" hangingPunct="1">
+                        <a:defRPr sz="1800" kern="1200">
+                          <a:solidFill>
+                            <a:schemeClr val="tx1"/>
+                          </a:solidFill>
+                          <a:latin typeface="Calibri"/>
+                        </a:defRPr>
+                      </a:lvl9pPr>
+                    </a:lstStyle>
+                    <a:p>
+                      <a:pPr algn="l" fontAlgn="b"/>
+                      <a:r>
+                        <a:rPr lang="ru-RU" sz="1400" b="0" i="0" u="none" strike="noStrike" dirty="0" smtClean="0">
+                          <a:solidFill>
+                            <a:schemeClr val="bg1"/>
+                          </a:solidFill>
+                          <a:effectLst/>
+                          <a:latin typeface="+mn-lt"/>
+                          <a:cs typeface="Consolas" panose="020B0609020204030204" pitchFamily="49" charset="0"/>
+                        </a:rPr>
+                        <a:t>Текущее кол-во </a:t>
+                      </a:r>
+                      <a:r>
+                        <a:rPr lang="en-US" sz="1400" b="0" i="0" u="none" strike="noStrike" dirty="0" smtClean="0">
+                          <a:solidFill>
+                            <a:schemeClr val="bg1"/>
+                          </a:solidFill>
+                          <a:effectLst/>
+                          <a:latin typeface="+mn-lt"/>
+                          <a:cs typeface="Consolas" panose="020B0609020204030204" pitchFamily="49" charset="0"/>
+                        </a:rPr>
+                        <a:t>GC </a:t>
+                      </a:r>
+                      <a:r>
+                        <a:rPr lang="ru-RU" sz="1400" b="0" i="0" u="none" strike="noStrike" dirty="0" smtClean="0">
+                          <a:solidFill>
+                            <a:schemeClr val="bg1"/>
+                          </a:solidFill>
+                          <a:effectLst/>
+                          <a:latin typeface="+mn-lt"/>
+                          <a:cs typeface="Consolas" panose="020B0609020204030204" pitchFamily="49" charset="0"/>
+                        </a:rPr>
+                        <a:t>дескрипторов</a:t>
+                      </a:r>
+                      <a:endParaRPr lang="en-US" sz="1400" b="0" i="0" u="none" strike="noStrike" dirty="0">
+                        <a:solidFill>
+                          <a:schemeClr val="bg1"/>
+                        </a:solidFill>
+                        <a:effectLst/>
+                        <a:latin typeface="+mn-lt"/>
+                        <a:cs typeface="Consolas" panose="020B0609020204030204" pitchFamily="49" charset="0"/>
+                      </a:endParaRPr>
+                    </a:p>
+                  </a:txBody>
+                  <a:tcPr marL="45720" marR="45720" anchor="b">
+                    <a:lnL w="12700" cap="flat" cmpd="sng" algn="ctr">
+                      <a:solidFill>
+                        <a:srgbClr val="FFFFFF"/>
+                      </a:solidFill>
+                      <a:prstDash val="solid"/>
+                      <a:round/>
+                      <a:headEnd type="none" w="med" len="med"/>
+                      <a:tailEnd type="none" w="med" len="med"/>
+                    </a:lnL>
+                    <a:lnR w="12700" cap="flat" cmpd="sng" algn="ctr">
+                      <a:solidFill>
+                        <a:srgbClr val="FFFFFF"/>
+                      </a:solidFill>
+                      <a:prstDash val="solid"/>
+                      <a:round/>
+                      <a:headEnd type="none" w="med" len="med"/>
+                      <a:tailEnd type="none" w="med" len="med"/>
+                    </a:lnR>
+                    <a:lnT w="12700" cap="flat" cmpd="sng" algn="ctr">
+                      <a:solidFill>
+                        <a:srgbClr val="FFFFFF"/>
+                      </a:solidFill>
+                      <a:prstDash val="solid"/>
+                      <a:round/>
+                      <a:headEnd type="none" w="med" len="med"/>
+                      <a:tailEnd type="none" w="med" len="med"/>
+                    </a:lnT>
+                    <a:lnB w="12700" cap="flat" cmpd="sng" algn="ctr">
+                      <a:solidFill>
+                        <a:srgbClr val="FFFFFF"/>
+                      </a:solidFill>
+                      <a:prstDash val="solid"/>
+                      <a:round/>
+                      <a:headEnd type="none" w="med" len="med"/>
+                      <a:tailEnd type="none" w="med" len="med"/>
+                    </a:lnB>
+                    <a:lnTlToBr w="12700" cmpd="sng">
+                      <a:noFill/>
+                      <a:prstDash val="solid"/>
+                    </a:lnTlToBr>
+                    <a:lnBlToTr w="12700" cmpd="sng">
+                      <a:noFill/>
+                      <a:prstDash val="solid"/>
+                    </a:lnBlToTr>
+                    <a:noFill/>
+                  </a:tcPr>
+                </a:tc>
+              </a:tr>
+              <a:tr h="182299">
+                <a:tc>
+                  <a:txBody>
+                    <a:bodyPr/>
+                    <a:lstStyle>
+                      <a:lvl1pPr marL="0" algn="l" defTabSz="914400" rtl="0" eaLnBrk="1" latinLnBrk="0" hangingPunct="1">
+                        <a:defRPr sz="1800" kern="1200">
+                          <a:solidFill>
+                            <a:schemeClr val="tx1"/>
+                          </a:solidFill>
+                          <a:latin typeface="Calibri"/>
+                        </a:defRPr>
+                      </a:lvl1pPr>
+                      <a:lvl2pPr marL="457200" algn="l" defTabSz="914400" rtl="0" eaLnBrk="1" latinLnBrk="0" hangingPunct="1">
+                        <a:defRPr sz="1800" kern="1200">
+                          <a:solidFill>
+                            <a:schemeClr val="tx1"/>
+                          </a:solidFill>
+                          <a:latin typeface="Calibri"/>
+                        </a:defRPr>
+                      </a:lvl2pPr>
+                      <a:lvl3pPr marL="914400" algn="l" defTabSz="914400" rtl="0" eaLnBrk="1" latinLnBrk="0" hangingPunct="1">
+                        <a:defRPr sz="1800" kern="1200">
+                          <a:solidFill>
+                            <a:schemeClr val="tx1"/>
+                          </a:solidFill>
+                          <a:latin typeface="Calibri"/>
+                        </a:defRPr>
+                      </a:lvl3pPr>
+                      <a:lvl4pPr marL="1371600" algn="l" defTabSz="914400" rtl="0" eaLnBrk="1" latinLnBrk="0" hangingPunct="1">
+                        <a:defRPr sz="1800" kern="1200">
+                          <a:solidFill>
+                            <a:schemeClr val="tx1"/>
+                          </a:solidFill>
+                          <a:latin typeface="Calibri"/>
+                        </a:defRPr>
+                      </a:lvl4pPr>
+                      <a:lvl5pPr marL="1828800" algn="l" defTabSz="914400" rtl="0" eaLnBrk="1" latinLnBrk="0" hangingPunct="1">
+                        <a:defRPr sz="1800" kern="1200">
+                          <a:solidFill>
+                            <a:schemeClr val="tx1"/>
+                          </a:solidFill>
+                          <a:latin typeface="Calibri"/>
+                        </a:defRPr>
+                      </a:lvl5pPr>
+                      <a:lvl6pPr marL="2286000" algn="l" defTabSz="914400" rtl="0" eaLnBrk="1" latinLnBrk="0" hangingPunct="1">
+                        <a:defRPr sz="1800" kern="1200">
+                          <a:solidFill>
+                            <a:schemeClr val="tx1"/>
+                          </a:solidFill>
+                          <a:latin typeface="Calibri"/>
+                        </a:defRPr>
+                      </a:lvl6pPr>
+                      <a:lvl7pPr marL="2743200" algn="l" defTabSz="914400" rtl="0" eaLnBrk="1" latinLnBrk="0" hangingPunct="1">
+                        <a:defRPr sz="1800" kern="1200">
+                          <a:solidFill>
+                            <a:schemeClr val="tx1"/>
+                          </a:solidFill>
+                          <a:latin typeface="Calibri"/>
+                        </a:defRPr>
+                      </a:lvl7pPr>
+                      <a:lvl8pPr marL="3200400" algn="l" defTabSz="914400" rtl="0" eaLnBrk="1" latinLnBrk="0" hangingPunct="1">
+                        <a:defRPr sz="1800" kern="1200">
+                          <a:solidFill>
+                            <a:schemeClr val="tx1"/>
+                          </a:solidFill>
+                          <a:latin typeface="Calibri"/>
+                        </a:defRPr>
+                      </a:lvl8pPr>
+                      <a:lvl9pPr marL="3657600" algn="l" defTabSz="914400" rtl="0" eaLnBrk="1" latinLnBrk="0" hangingPunct="1">
+                        <a:defRPr sz="1800" kern="1200">
+                          <a:solidFill>
+                            <a:schemeClr val="tx1"/>
+                          </a:solidFill>
+                          <a:latin typeface="Calibri"/>
+                        </a:defRPr>
+                      </a:lvl9pPr>
+                    </a:lstStyle>
+                    <a:p>
+                      <a:pPr marL="0" marR="0" indent="0" algn="l" defTabSz="914400" rtl="0" eaLnBrk="1" fontAlgn="b" latinLnBrk="0" hangingPunct="1">
+                        <a:lnSpc>
+                          <a:spcPct val="100000"/>
+                        </a:lnSpc>
+                        <a:spcBef>
+                          <a:spcPts val="0"/>
+                        </a:spcBef>
+                        <a:spcAft>
+                          <a:spcPts val="0"/>
+                        </a:spcAft>
+                        <a:buClrTx/>
+                        <a:buSzTx/>
+                        <a:buFontTx/>
+                        <a:buNone/>
+                        <a:tabLst/>
+                        <a:defRPr/>
+                      </a:pPr>
+                      <a:r>
+                        <a:rPr lang="en-US" sz="1400" b="1" i="0" u="none" strike="noStrike" kern="1200" dirty="0" smtClean="0">
+                          <a:solidFill>
+                            <a:schemeClr val="bg1"/>
+                          </a:solidFill>
+                          <a:effectLst/>
+                          <a:latin typeface="Calibri"/>
+                          <a:ea typeface="+mn-ea"/>
+                          <a:cs typeface="Consolas" panose="020B0609020204030204" pitchFamily="49" charset="0"/>
+                        </a:rPr>
+                        <a:t># Gen 0,1,2 Collections</a:t>
+                      </a:r>
+                      <a:endParaRPr lang="en-US" sz="1400" b="1" i="0" u="none" strike="noStrike" dirty="0">
+                        <a:solidFill>
+                          <a:schemeClr val="bg1"/>
+                        </a:solidFill>
+                        <a:effectLst/>
+                        <a:latin typeface="+mn-lt"/>
+                        <a:cs typeface="Consolas" panose="020B0609020204030204" pitchFamily="49" charset="0"/>
+                      </a:endParaRPr>
+                    </a:p>
+                  </a:txBody>
+                  <a:tcPr marL="45720" marR="45720" anchor="b">
+                    <a:lnL w="12700" cap="flat" cmpd="sng" algn="ctr">
+                      <a:solidFill>
+                        <a:srgbClr val="FFFFFF"/>
+                      </a:solidFill>
+                      <a:prstDash val="solid"/>
+                      <a:round/>
+                      <a:headEnd type="none" w="med" len="med"/>
+                      <a:tailEnd type="none" w="med" len="med"/>
+                    </a:lnL>
+                    <a:lnR w="12700" cap="flat" cmpd="sng" algn="ctr">
+                      <a:solidFill>
+                        <a:srgbClr val="FFFFFF"/>
+                      </a:solidFill>
+                      <a:prstDash val="solid"/>
+                      <a:round/>
+                      <a:headEnd type="none" w="med" len="med"/>
+                      <a:tailEnd type="none" w="med" len="med"/>
+                    </a:lnR>
+                    <a:lnT w="12700" cap="flat" cmpd="sng" algn="ctr">
+                      <a:solidFill>
+                        <a:srgbClr val="FFFFFF"/>
+                      </a:solidFill>
+                      <a:prstDash val="solid"/>
+                      <a:round/>
+                      <a:headEnd type="none" w="med" len="med"/>
+                      <a:tailEnd type="none" w="med" len="med"/>
+                    </a:lnT>
+                    <a:lnB w="12700" cap="flat" cmpd="sng" algn="ctr">
+                      <a:solidFill>
+                        <a:srgbClr val="FFFFFF"/>
+                      </a:solidFill>
+                      <a:prstDash val="solid"/>
+                      <a:round/>
+                      <a:headEnd type="none" w="med" len="med"/>
+                      <a:tailEnd type="none" w="med" len="med"/>
+                    </a:lnB>
+                    <a:lnTlToBr w="12700" cmpd="sng">
+                      <a:noFill/>
+                      <a:prstDash val="solid"/>
+                    </a:lnTlToBr>
+                    <a:lnBlToTr w="12700" cmpd="sng">
+                      <a:noFill/>
+                      <a:prstDash val="solid"/>
+                    </a:lnBlToTr>
+                    <a:noFill/>
+                  </a:tcPr>
+                </a:tc>
+                <a:tc>
+                  <a:txBody>
+                    <a:bodyPr/>
+                    <a:lstStyle>
+                      <a:lvl1pPr marL="0" algn="l" defTabSz="914400" rtl="0" eaLnBrk="1" latinLnBrk="0" hangingPunct="1">
+                        <a:defRPr sz="1800" kern="1200">
+                          <a:solidFill>
+                            <a:schemeClr val="tx1"/>
+                          </a:solidFill>
+                          <a:latin typeface="Calibri"/>
+                        </a:defRPr>
+                      </a:lvl1pPr>
+                      <a:lvl2pPr marL="457200" algn="l" defTabSz="914400" rtl="0" eaLnBrk="1" latinLnBrk="0" hangingPunct="1">
+                        <a:defRPr sz="1800" kern="1200">
+                          <a:solidFill>
+                            <a:schemeClr val="tx1"/>
+                          </a:solidFill>
+                          <a:latin typeface="Calibri"/>
+                        </a:defRPr>
+                      </a:lvl2pPr>
+                      <a:lvl3pPr marL="914400" algn="l" defTabSz="914400" rtl="0" eaLnBrk="1" latinLnBrk="0" hangingPunct="1">
+                        <a:defRPr sz="1800" kern="1200">
+                          <a:solidFill>
+                            <a:schemeClr val="tx1"/>
+                          </a:solidFill>
+                          <a:latin typeface="Calibri"/>
+                        </a:defRPr>
+                      </a:lvl3pPr>
+                      <a:lvl4pPr marL="1371600" algn="l" defTabSz="914400" rtl="0" eaLnBrk="1" latinLnBrk="0" hangingPunct="1">
+                        <a:defRPr sz="1800" kern="1200">
+                          <a:solidFill>
+                            <a:schemeClr val="tx1"/>
+                          </a:solidFill>
+                          <a:latin typeface="Calibri"/>
+                        </a:defRPr>
+                      </a:lvl4pPr>
+                      <a:lvl5pPr marL="1828800" algn="l" defTabSz="914400" rtl="0" eaLnBrk="1" latinLnBrk="0" hangingPunct="1">
+                        <a:defRPr sz="1800" kern="1200">
+                          <a:solidFill>
+                            <a:schemeClr val="tx1"/>
+                          </a:solidFill>
+                          <a:latin typeface="Calibri"/>
+                        </a:defRPr>
+                      </a:lvl5pPr>
+                      <a:lvl6pPr marL="2286000" algn="l" defTabSz="914400" rtl="0" eaLnBrk="1" latinLnBrk="0" hangingPunct="1">
+                        <a:defRPr sz="1800" kern="1200">
+                          <a:solidFill>
+                            <a:schemeClr val="tx1"/>
+                          </a:solidFill>
+                          <a:latin typeface="Calibri"/>
+                        </a:defRPr>
+                      </a:lvl6pPr>
+                      <a:lvl7pPr marL="2743200" algn="l" defTabSz="914400" rtl="0" eaLnBrk="1" latinLnBrk="0" hangingPunct="1">
+                        <a:defRPr sz="1800" kern="1200">
+                          <a:solidFill>
+                            <a:schemeClr val="tx1"/>
+                          </a:solidFill>
+                          <a:latin typeface="Calibri"/>
+                        </a:defRPr>
+                      </a:lvl7pPr>
+                      <a:lvl8pPr marL="3200400" algn="l" defTabSz="914400" rtl="0" eaLnBrk="1" latinLnBrk="0" hangingPunct="1">
+                        <a:defRPr sz="1800" kern="1200">
+                          <a:solidFill>
+                            <a:schemeClr val="tx1"/>
+                          </a:solidFill>
+                          <a:latin typeface="Calibri"/>
+                        </a:defRPr>
+                      </a:lvl8pPr>
+                      <a:lvl9pPr marL="3657600" algn="l" defTabSz="914400" rtl="0" eaLnBrk="1" latinLnBrk="0" hangingPunct="1">
+                        <a:defRPr sz="1800" kern="1200">
+                          <a:solidFill>
+                            <a:schemeClr val="tx1"/>
+                          </a:solidFill>
+                          <a:latin typeface="Calibri"/>
+                        </a:defRPr>
+                      </a:lvl9pPr>
+                    </a:lstStyle>
+                    <a:p>
+                      <a:pPr algn="l" fontAlgn="b"/>
+                      <a:r>
+                        <a:rPr lang="ru-RU" sz="1400" b="0" i="0" u="none" strike="noStrike" dirty="0" smtClean="0">
+                          <a:solidFill>
+                            <a:schemeClr val="bg1"/>
+                          </a:solidFill>
+                          <a:effectLst/>
+                          <a:latin typeface="+mn-lt"/>
+                          <a:cs typeface="Consolas" panose="020B0609020204030204" pitchFamily="49" charset="0"/>
+                        </a:rPr>
+                        <a:t>Сколько раз </a:t>
+                      </a:r>
+                      <a:r>
+                        <a:rPr lang="en-US" sz="1400" b="0" i="0" u="none" strike="noStrike" dirty="0" smtClean="0">
+                          <a:solidFill>
+                            <a:schemeClr val="bg1"/>
+                          </a:solidFill>
+                          <a:effectLst/>
+                          <a:latin typeface="+mn-lt"/>
+                          <a:cs typeface="Consolas" panose="020B0609020204030204" pitchFamily="49" charset="0"/>
+                        </a:rPr>
+                        <a:t>GC </a:t>
+                      </a:r>
+                      <a:r>
+                        <a:rPr lang="ru-RU" sz="1400" b="0" i="0" u="none" strike="noStrike" dirty="0" smtClean="0">
+                          <a:solidFill>
+                            <a:schemeClr val="bg1"/>
+                          </a:solidFill>
+                          <a:effectLst/>
+                          <a:latin typeface="+mn-lt"/>
+                          <a:cs typeface="Consolas" panose="020B0609020204030204" pitchFamily="49" charset="0"/>
+                        </a:rPr>
+                        <a:t>выполнялся для каждого поколения</a:t>
+                      </a:r>
+                      <a:endParaRPr lang="en-US" sz="1400" b="0" i="0" u="none" strike="noStrike" dirty="0">
+                        <a:solidFill>
+                          <a:schemeClr val="bg1"/>
+                        </a:solidFill>
+                        <a:effectLst/>
+                        <a:latin typeface="+mn-lt"/>
+                        <a:cs typeface="Consolas" panose="020B0609020204030204" pitchFamily="49" charset="0"/>
+                      </a:endParaRPr>
+                    </a:p>
+                  </a:txBody>
+                  <a:tcPr marL="45720" marR="45720" anchor="b">
+                    <a:lnL w="12700" cap="flat" cmpd="sng" algn="ctr">
+                      <a:solidFill>
+                        <a:srgbClr val="FFFFFF"/>
+                      </a:solidFill>
+                      <a:prstDash val="solid"/>
+                      <a:round/>
+                      <a:headEnd type="none" w="med" len="med"/>
+                      <a:tailEnd type="none" w="med" len="med"/>
+                    </a:lnL>
+                    <a:lnR w="12700" cap="flat" cmpd="sng" algn="ctr">
+                      <a:solidFill>
+                        <a:srgbClr val="FFFFFF"/>
+                      </a:solidFill>
+                      <a:prstDash val="solid"/>
+                      <a:round/>
+                      <a:headEnd type="none" w="med" len="med"/>
+                      <a:tailEnd type="none" w="med" len="med"/>
+                    </a:lnR>
+                    <a:lnT w="12700" cap="flat" cmpd="sng" algn="ctr">
+                      <a:solidFill>
+                        <a:srgbClr val="FFFFFF"/>
+                      </a:solidFill>
+                      <a:prstDash val="solid"/>
+                      <a:round/>
+                      <a:headEnd type="none" w="med" len="med"/>
+                      <a:tailEnd type="none" w="med" len="med"/>
+                    </a:lnT>
+                    <a:lnB w="12700" cap="flat" cmpd="sng" algn="ctr">
+                      <a:solidFill>
+                        <a:srgbClr val="FFFFFF"/>
+                      </a:solidFill>
+                      <a:prstDash val="solid"/>
+                      <a:round/>
+                      <a:headEnd type="none" w="med" len="med"/>
+                      <a:tailEnd type="none" w="med" len="med"/>
+                    </a:lnB>
+                    <a:lnTlToBr w="12700" cmpd="sng">
+                      <a:noFill/>
+                      <a:prstDash val="solid"/>
+                    </a:lnTlToBr>
+                    <a:lnBlToTr w="12700" cmpd="sng">
+                      <a:noFill/>
+                      <a:prstDash val="solid"/>
+                    </a:lnBlToTr>
+                    <a:noFill/>
+                  </a:tcPr>
+                </a:tc>
+              </a:tr>
+              <a:tr h="0">
+                <a:tc>
+                  <a:txBody>
+                    <a:bodyPr/>
+                    <a:lstStyle>
+                      <a:lvl1pPr marL="0" algn="l" defTabSz="914400" rtl="0" eaLnBrk="1" latinLnBrk="0" hangingPunct="1">
+                        <a:defRPr sz="1800" kern="1200">
+                          <a:solidFill>
+                            <a:schemeClr val="tx1"/>
+                          </a:solidFill>
+                          <a:latin typeface="Calibri"/>
+                        </a:defRPr>
+                      </a:lvl1pPr>
+                      <a:lvl2pPr marL="457200" algn="l" defTabSz="914400" rtl="0" eaLnBrk="1" latinLnBrk="0" hangingPunct="1">
+                        <a:defRPr sz="1800" kern="1200">
+                          <a:solidFill>
+                            <a:schemeClr val="tx1"/>
+                          </a:solidFill>
+                          <a:latin typeface="Calibri"/>
+                        </a:defRPr>
+                      </a:lvl2pPr>
+                      <a:lvl3pPr marL="914400" algn="l" defTabSz="914400" rtl="0" eaLnBrk="1" latinLnBrk="0" hangingPunct="1">
+                        <a:defRPr sz="1800" kern="1200">
+                          <a:solidFill>
+                            <a:schemeClr val="tx1"/>
+                          </a:solidFill>
+                          <a:latin typeface="Calibri"/>
+                        </a:defRPr>
+                      </a:lvl3pPr>
+                      <a:lvl4pPr marL="1371600" algn="l" defTabSz="914400" rtl="0" eaLnBrk="1" latinLnBrk="0" hangingPunct="1">
+                        <a:defRPr sz="1800" kern="1200">
+                          <a:solidFill>
+                            <a:schemeClr val="tx1"/>
+                          </a:solidFill>
+                          <a:latin typeface="Calibri"/>
+                        </a:defRPr>
+                      </a:lvl4pPr>
+                      <a:lvl5pPr marL="1828800" algn="l" defTabSz="914400" rtl="0" eaLnBrk="1" latinLnBrk="0" hangingPunct="1">
+                        <a:defRPr sz="1800" kern="1200">
+                          <a:solidFill>
+                            <a:schemeClr val="tx1"/>
+                          </a:solidFill>
+                          <a:latin typeface="Calibri"/>
+                        </a:defRPr>
+                      </a:lvl5pPr>
+                      <a:lvl6pPr marL="2286000" algn="l" defTabSz="914400" rtl="0" eaLnBrk="1" latinLnBrk="0" hangingPunct="1">
+                        <a:defRPr sz="1800" kern="1200">
+                          <a:solidFill>
+                            <a:schemeClr val="tx1"/>
+                          </a:solidFill>
+                          <a:latin typeface="Calibri"/>
+                        </a:defRPr>
+                      </a:lvl6pPr>
+                      <a:lvl7pPr marL="2743200" algn="l" defTabSz="914400" rtl="0" eaLnBrk="1" latinLnBrk="0" hangingPunct="1">
+                        <a:defRPr sz="1800" kern="1200">
+                          <a:solidFill>
+                            <a:schemeClr val="tx1"/>
+                          </a:solidFill>
+                          <a:latin typeface="Calibri"/>
+                        </a:defRPr>
+                      </a:lvl7pPr>
+                      <a:lvl8pPr marL="3200400" algn="l" defTabSz="914400" rtl="0" eaLnBrk="1" latinLnBrk="0" hangingPunct="1">
+                        <a:defRPr sz="1800" kern="1200">
+                          <a:solidFill>
+                            <a:schemeClr val="tx1"/>
+                          </a:solidFill>
+                          <a:latin typeface="Calibri"/>
+                        </a:defRPr>
+                      </a:lvl8pPr>
+                      <a:lvl9pPr marL="3657600" algn="l" defTabSz="914400" rtl="0" eaLnBrk="1" latinLnBrk="0" hangingPunct="1">
+                        <a:defRPr sz="1800" kern="1200">
+                          <a:solidFill>
+                            <a:schemeClr val="tx1"/>
+                          </a:solidFill>
+                          <a:latin typeface="Calibri"/>
+                        </a:defRPr>
+                      </a:lvl9pPr>
+                    </a:lstStyle>
+                    <a:p>
+                      <a:pPr algn="l" fontAlgn="b"/>
+                      <a:r>
+                        <a:rPr lang="en-US" sz="1400" b="1" i="0" u="none" strike="noStrike" kern="1200" dirty="0" smtClean="0">
+                          <a:solidFill>
+                            <a:schemeClr val="bg1"/>
+                          </a:solidFill>
+                          <a:effectLst/>
+                          <a:latin typeface="Calibri"/>
+                          <a:ea typeface="+mn-ea"/>
+                          <a:cs typeface="Consolas" panose="020B0609020204030204" pitchFamily="49" charset="0"/>
+                        </a:rPr>
+                        <a:t># Induced GC</a:t>
+                      </a:r>
+                      <a:endParaRPr lang="en-US" sz="1400" b="1" i="0" u="none" strike="noStrike" dirty="0">
+                        <a:solidFill>
+                          <a:schemeClr val="bg1"/>
+                        </a:solidFill>
+                        <a:effectLst/>
+                        <a:latin typeface="+mn-lt"/>
+                        <a:cs typeface="Consolas" panose="020B0609020204030204" pitchFamily="49" charset="0"/>
+                      </a:endParaRPr>
+                    </a:p>
+                  </a:txBody>
+                  <a:tcPr marL="45720" marR="45720" anchor="b">
+                    <a:lnL w="12700" cap="flat" cmpd="sng" algn="ctr">
+                      <a:solidFill>
+                        <a:srgbClr val="FFFFFF"/>
+                      </a:solidFill>
+                      <a:prstDash val="solid"/>
+                      <a:round/>
+                      <a:headEnd type="none" w="med" len="med"/>
+                      <a:tailEnd type="none" w="med" len="med"/>
+                    </a:lnL>
+                    <a:lnR w="12700" cap="flat" cmpd="sng" algn="ctr">
+                      <a:solidFill>
+                        <a:srgbClr val="FFFFFF"/>
+                      </a:solidFill>
+                      <a:prstDash val="solid"/>
+                      <a:round/>
+                      <a:headEnd type="none" w="med" len="med"/>
+                      <a:tailEnd type="none" w="med" len="med"/>
+                    </a:lnR>
+                    <a:lnT w="12700" cap="flat" cmpd="sng" algn="ctr">
+                      <a:solidFill>
+                        <a:srgbClr val="FFFFFF"/>
+                      </a:solidFill>
+                      <a:prstDash val="solid"/>
+                      <a:round/>
+                      <a:headEnd type="none" w="med" len="med"/>
+                      <a:tailEnd type="none" w="med" len="med"/>
+                    </a:lnT>
+                    <a:lnB w="12700" cap="flat" cmpd="sng" algn="ctr">
+                      <a:solidFill>
+                        <a:srgbClr val="FFFFFF"/>
+                      </a:solidFill>
+                      <a:prstDash val="solid"/>
+                      <a:round/>
+                      <a:headEnd type="none" w="med" len="med"/>
+                      <a:tailEnd type="none" w="med" len="med"/>
+                    </a:lnB>
+                    <a:lnTlToBr w="12700" cmpd="sng">
+                      <a:noFill/>
+                      <a:prstDash val="solid"/>
+                    </a:lnTlToBr>
+                    <a:lnBlToTr w="12700" cmpd="sng">
+                      <a:noFill/>
+                      <a:prstDash val="solid"/>
+                    </a:lnBlToTr>
+                    <a:noFill/>
+                  </a:tcPr>
+                </a:tc>
+                <a:tc>
+                  <a:txBody>
+                    <a:bodyPr/>
+                    <a:lstStyle>
+                      <a:lvl1pPr marL="0" algn="l" defTabSz="914400" rtl="0" eaLnBrk="1" latinLnBrk="0" hangingPunct="1">
+                        <a:defRPr sz="1800" kern="1200">
+                          <a:solidFill>
+                            <a:schemeClr val="tx1"/>
+                          </a:solidFill>
+                          <a:latin typeface="Calibri"/>
+                        </a:defRPr>
+                      </a:lvl1pPr>
+                      <a:lvl2pPr marL="457200" algn="l" defTabSz="914400" rtl="0" eaLnBrk="1" latinLnBrk="0" hangingPunct="1">
+                        <a:defRPr sz="1800" kern="1200">
+                          <a:solidFill>
+                            <a:schemeClr val="tx1"/>
+                          </a:solidFill>
+                          <a:latin typeface="Calibri"/>
+                        </a:defRPr>
+                      </a:lvl2pPr>
+                      <a:lvl3pPr marL="914400" algn="l" defTabSz="914400" rtl="0" eaLnBrk="1" latinLnBrk="0" hangingPunct="1">
+                        <a:defRPr sz="1800" kern="1200">
+                          <a:solidFill>
+                            <a:schemeClr val="tx1"/>
+                          </a:solidFill>
+                          <a:latin typeface="Calibri"/>
+                        </a:defRPr>
+                      </a:lvl3pPr>
+                      <a:lvl4pPr marL="1371600" algn="l" defTabSz="914400" rtl="0" eaLnBrk="1" latinLnBrk="0" hangingPunct="1">
+                        <a:defRPr sz="1800" kern="1200">
+                          <a:solidFill>
+                            <a:schemeClr val="tx1"/>
+                          </a:solidFill>
+                          <a:latin typeface="Calibri"/>
+                        </a:defRPr>
+                      </a:lvl4pPr>
+                      <a:lvl5pPr marL="1828800" algn="l" defTabSz="914400" rtl="0" eaLnBrk="1" latinLnBrk="0" hangingPunct="1">
+                        <a:defRPr sz="1800" kern="1200">
+                          <a:solidFill>
+                            <a:schemeClr val="tx1"/>
+                          </a:solidFill>
+                          <a:latin typeface="Calibri"/>
+                        </a:defRPr>
+                      </a:lvl5pPr>
+                      <a:lvl6pPr marL="2286000" algn="l" defTabSz="914400" rtl="0" eaLnBrk="1" latinLnBrk="0" hangingPunct="1">
+                        <a:defRPr sz="1800" kern="1200">
+                          <a:solidFill>
+                            <a:schemeClr val="tx1"/>
+                          </a:solidFill>
+                          <a:latin typeface="Calibri"/>
+                        </a:defRPr>
+                      </a:lvl6pPr>
+                      <a:lvl7pPr marL="2743200" algn="l" defTabSz="914400" rtl="0" eaLnBrk="1" latinLnBrk="0" hangingPunct="1">
+                        <a:defRPr sz="1800" kern="1200">
+                          <a:solidFill>
+                            <a:schemeClr val="tx1"/>
+                          </a:solidFill>
+                          <a:latin typeface="Calibri"/>
+                        </a:defRPr>
+                      </a:lvl7pPr>
+                      <a:lvl8pPr marL="3200400" algn="l" defTabSz="914400" rtl="0" eaLnBrk="1" latinLnBrk="0" hangingPunct="1">
+                        <a:defRPr sz="1800" kern="1200">
+                          <a:solidFill>
+                            <a:schemeClr val="tx1"/>
+                          </a:solidFill>
+                          <a:latin typeface="Calibri"/>
+                        </a:defRPr>
+                      </a:lvl8pPr>
+                      <a:lvl9pPr marL="3657600" algn="l" defTabSz="914400" rtl="0" eaLnBrk="1" latinLnBrk="0" hangingPunct="1">
+                        <a:defRPr sz="1800" kern="1200">
+                          <a:solidFill>
+                            <a:schemeClr val="tx1"/>
+                          </a:solidFill>
+                          <a:latin typeface="Calibri"/>
+                        </a:defRPr>
+                      </a:lvl9pPr>
+                    </a:lstStyle>
+                    <a:p>
+                      <a:pPr algn="l" fontAlgn="b"/>
+                      <a:r>
+                        <a:rPr lang="ru-RU" sz="1400" b="0" i="0" u="none" strike="noStrike" dirty="0" smtClean="0">
+                          <a:solidFill>
+                            <a:schemeClr val="bg1"/>
+                          </a:solidFill>
+                          <a:effectLst/>
+                          <a:latin typeface="+mn-lt"/>
+                          <a:cs typeface="Consolas" panose="020B0609020204030204" pitchFamily="49" charset="0"/>
+                        </a:rPr>
+                        <a:t>Сколько раз вызывался </a:t>
+                      </a:r>
+                      <a:r>
+                        <a:rPr lang="en-US" sz="1400" b="0" i="0" u="none" strike="noStrike" dirty="0" err="1" smtClean="0">
+                          <a:solidFill>
+                            <a:schemeClr val="bg1"/>
+                          </a:solidFill>
+                          <a:effectLst/>
+                          <a:latin typeface="+mn-lt"/>
+                          <a:cs typeface="Consolas" panose="020B0609020204030204" pitchFamily="49" charset="0"/>
+                        </a:rPr>
+                        <a:t>GC.Collect</a:t>
+                      </a:r>
+                      <a:r>
+                        <a:rPr lang="en-US" sz="1400" b="0" i="0" u="none" strike="noStrike" dirty="0" smtClean="0">
+                          <a:solidFill>
+                            <a:schemeClr val="bg1"/>
+                          </a:solidFill>
+                          <a:effectLst/>
+                          <a:latin typeface="+mn-lt"/>
+                          <a:cs typeface="Consolas" panose="020B0609020204030204" pitchFamily="49" charset="0"/>
+                        </a:rPr>
+                        <a:t>()</a:t>
+                      </a:r>
+                      <a:endParaRPr lang="en-US" sz="1400" b="0" i="0" u="none" strike="noStrike" dirty="0">
+                        <a:solidFill>
+                          <a:schemeClr val="bg1"/>
+                        </a:solidFill>
+                        <a:effectLst/>
+                        <a:latin typeface="+mn-lt"/>
+                        <a:cs typeface="Consolas" panose="020B0609020204030204" pitchFamily="49" charset="0"/>
+                      </a:endParaRPr>
+                    </a:p>
+                  </a:txBody>
+                  <a:tcPr marL="45720" marR="45720" anchor="b">
+                    <a:lnL w="12700" cap="flat" cmpd="sng" algn="ctr">
+                      <a:solidFill>
+                        <a:srgbClr val="FFFFFF"/>
+                      </a:solidFill>
+                      <a:prstDash val="solid"/>
+                      <a:round/>
+                      <a:headEnd type="none" w="med" len="med"/>
+                      <a:tailEnd type="none" w="med" len="med"/>
+                    </a:lnL>
+                    <a:lnR w="12700" cap="flat" cmpd="sng" algn="ctr">
+                      <a:solidFill>
+                        <a:srgbClr val="FFFFFF"/>
+                      </a:solidFill>
+                      <a:prstDash val="solid"/>
+                      <a:round/>
+                      <a:headEnd type="none" w="med" len="med"/>
+                      <a:tailEnd type="none" w="med" len="med"/>
+                    </a:lnR>
+                    <a:lnT w="12700" cap="flat" cmpd="sng" algn="ctr">
+                      <a:solidFill>
+                        <a:srgbClr val="FFFFFF"/>
+                      </a:solidFill>
+                      <a:prstDash val="solid"/>
+                      <a:round/>
+                      <a:headEnd type="none" w="med" len="med"/>
+                      <a:tailEnd type="none" w="med" len="med"/>
+                    </a:lnT>
+                    <a:lnB w="12700" cap="flat" cmpd="sng" algn="ctr">
+                      <a:solidFill>
+                        <a:srgbClr val="FFFFFF"/>
+                      </a:solidFill>
+                      <a:prstDash val="solid"/>
+                      <a:round/>
+                      <a:headEnd type="none" w="med" len="med"/>
+                      <a:tailEnd type="none" w="med" len="med"/>
+                    </a:lnB>
+                    <a:lnTlToBr w="12700" cmpd="sng">
+                      <a:noFill/>
+                      <a:prstDash val="solid"/>
+                    </a:lnTlToBr>
+                    <a:lnBlToTr w="12700" cmpd="sng">
+                      <a:noFill/>
+                      <a:prstDash val="solid"/>
+                    </a:lnBlToTr>
+                    <a:noFill/>
+                  </a:tcPr>
+                </a:tc>
+              </a:tr>
+              <a:tr h="0">
+                <a:tc>
+                  <a:txBody>
+                    <a:bodyPr/>
+                    <a:lstStyle>
+                      <a:lvl1pPr marL="0" algn="l" defTabSz="914400" rtl="0" eaLnBrk="1" latinLnBrk="0" hangingPunct="1">
+                        <a:defRPr sz="1800" kern="1200">
+                          <a:solidFill>
+                            <a:schemeClr val="tx1"/>
+                          </a:solidFill>
+                          <a:latin typeface="Calibri"/>
+                        </a:defRPr>
+                      </a:lvl1pPr>
+                      <a:lvl2pPr marL="457200" algn="l" defTabSz="914400" rtl="0" eaLnBrk="1" latinLnBrk="0" hangingPunct="1">
+                        <a:defRPr sz="1800" kern="1200">
+                          <a:solidFill>
+                            <a:schemeClr val="tx1"/>
+                          </a:solidFill>
+                          <a:latin typeface="Calibri"/>
+                        </a:defRPr>
+                      </a:lvl2pPr>
+                      <a:lvl3pPr marL="914400" algn="l" defTabSz="914400" rtl="0" eaLnBrk="1" latinLnBrk="0" hangingPunct="1">
+                        <a:defRPr sz="1800" kern="1200">
+                          <a:solidFill>
+                            <a:schemeClr val="tx1"/>
+                          </a:solidFill>
+                          <a:latin typeface="Calibri"/>
+                        </a:defRPr>
+                      </a:lvl3pPr>
+                      <a:lvl4pPr marL="1371600" algn="l" defTabSz="914400" rtl="0" eaLnBrk="1" latinLnBrk="0" hangingPunct="1">
+                        <a:defRPr sz="1800" kern="1200">
+                          <a:solidFill>
+                            <a:schemeClr val="tx1"/>
+                          </a:solidFill>
+                          <a:latin typeface="Calibri"/>
+                        </a:defRPr>
+                      </a:lvl4pPr>
+                      <a:lvl5pPr marL="1828800" algn="l" defTabSz="914400" rtl="0" eaLnBrk="1" latinLnBrk="0" hangingPunct="1">
+                        <a:defRPr sz="1800" kern="1200">
+                          <a:solidFill>
+                            <a:schemeClr val="tx1"/>
+                          </a:solidFill>
+                          <a:latin typeface="Calibri"/>
+                        </a:defRPr>
+                      </a:lvl5pPr>
+                      <a:lvl6pPr marL="2286000" algn="l" defTabSz="914400" rtl="0" eaLnBrk="1" latinLnBrk="0" hangingPunct="1">
+                        <a:defRPr sz="1800" kern="1200">
+                          <a:solidFill>
+                            <a:schemeClr val="tx1"/>
+                          </a:solidFill>
+                          <a:latin typeface="Calibri"/>
+                        </a:defRPr>
+                      </a:lvl6pPr>
+                      <a:lvl7pPr marL="2743200" algn="l" defTabSz="914400" rtl="0" eaLnBrk="1" latinLnBrk="0" hangingPunct="1">
+                        <a:defRPr sz="1800" kern="1200">
+                          <a:solidFill>
+                            <a:schemeClr val="tx1"/>
+                          </a:solidFill>
+                          <a:latin typeface="Calibri"/>
+                        </a:defRPr>
+                      </a:lvl7pPr>
+                      <a:lvl8pPr marL="3200400" algn="l" defTabSz="914400" rtl="0" eaLnBrk="1" latinLnBrk="0" hangingPunct="1">
+                        <a:defRPr sz="1800" kern="1200">
+                          <a:solidFill>
+                            <a:schemeClr val="tx1"/>
+                          </a:solidFill>
+                          <a:latin typeface="Calibri"/>
+                        </a:defRPr>
+                      </a:lvl8pPr>
+                      <a:lvl9pPr marL="3657600" algn="l" defTabSz="914400" rtl="0" eaLnBrk="1" latinLnBrk="0" hangingPunct="1">
+                        <a:defRPr sz="1800" kern="1200">
+                          <a:solidFill>
+                            <a:schemeClr val="tx1"/>
+                          </a:solidFill>
+                          <a:latin typeface="Calibri"/>
+                        </a:defRPr>
+                      </a:lvl9pPr>
+                    </a:lstStyle>
+                    <a:p>
+                      <a:pPr algn="l" fontAlgn="b"/>
+                      <a:r>
+                        <a:rPr lang="en-US" sz="1400" b="1" i="0" u="none" strike="noStrike" kern="1200" dirty="0" smtClean="0">
+                          <a:solidFill>
+                            <a:schemeClr val="bg1"/>
+                          </a:solidFill>
+                          <a:effectLst/>
+                          <a:latin typeface="Calibri"/>
+                          <a:ea typeface="+mn-ea"/>
+                          <a:cs typeface="Consolas" panose="020B0609020204030204" pitchFamily="49" charset="0"/>
+                        </a:rPr>
+                        <a:t># Total committed Bytes</a:t>
+                      </a:r>
+                      <a:endParaRPr lang="en-US" sz="1400" b="1" i="0" u="none" strike="noStrike" dirty="0">
+                        <a:solidFill>
+                          <a:schemeClr val="bg1"/>
+                        </a:solidFill>
+                        <a:effectLst/>
+                        <a:latin typeface="+mn-lt"/>
+                        <a:cs typeface="Consolas" panose="020B0609020204030204" pitchFamily="49" charset="0"/>
+                      </a:endParaRPr>
+                    </a:p>
+                  </a:txBody>
+                  <a:tcPr marL="45720" marR="45720" anchor="b">
+                    <a:lnL w="12700" cap="flat" cmpd="sng" algn="ctr">
+                      <a:solidFill>
+                        <a:srgbClr val="FFFFFF"/>
+                      </a:solidFill>
+                      <a:prstDash val="solid"/>
+                      <a:round/>
+                      <a:headEnd type="none" w="med" len="med"/>
+                      <a:tailEnd type="none" w="med" len="med"/>
+                    </a:lnL>
+                    <a:lnR w="12700" cap="flat" cmpd="sng" algn="ctr">
+                      <a:solidFill>
+                        <a:srgbClr val="FFFFFF"/>
+                      </a:solidFill>
+                      <a:prstDash val="solid"/>
+                      <a:round/>
+                      <a:headEnd type="none" w="med" len="med"/>
+                      <a:tailEnd type="none" w="med" len="med"/>
+                    </a:lnR>
+                    <a:lnT w="12700" cap="flat" cmpd="sng" algn="ctr">
+                      <a:solidFill>
+                        <a:srgbClr val="FFFFFF"/>
+                      </a:solidFill>
+                      <a:prstDash val="solid"/>
+                      <a:round/>
+                      <a:headEnd type="none" w="med" len="med"/>
+                      <a:tailEnd type="none" w="med" len="med"/>
+                    </a:lnT>
+                    <a:lnB w="12700" cap="flat" cmpd="sng" algn="ctr">
+                      <a:solidFill>
+                        <a:srgbClr val="FFFFFF"/>
+                      </a:solidFill>
+                      <a:prstDash val="solid"/>
+                      <a:round/>
+                      <a:headEnd type="none" w="med" len="med"/>
+                      <a:tailEnd type="none" w="med" len="med"/>
+                    </a:lnB>
+                    <a:lnTlToBr w="12700" cmpd="sng">
+                      <a:noFill/>
+                      <a:prstDash val="solid"/>
+                    </a:lnTlToBr>
+                    <a:lnBlToTr w="12700" cmpd="sng">
+                      <a:noFill/>
+                      <a:prstDash val="solid"/>
+                    </a:lnBlToTr>
+                    <a:noFill/>
+                  </a:tcPr>
+                </a:tc>
+                <a:tc>
+                  <a:txBody>
+                    <a:bodyPr/>
+                    <a:lstStyle>
+                      <a:lvl1pPr marL="0" algn="l" defTabSz="914400" rtl="0" eaLnBrk="1" latinLnBrk="0" hangingPunct="1">
+                        <a:defRPr sz="1800" kern="1200">
+                          <a:solidFill>
+                            <a:schemeClr val="tx1"/>
+                          </a:solidFill>
+                          <a:latin typeface="Calibri"/>
+                        </a:defRPr>
+                      </a:lvl1pPr>
+                      <a:lvl2pPr marL="457200" algn="l" defTabSz="914400" rtl="0" eaLnBrk="1" latinLnBrk="0" hangingPunct="1">
+                        <a:defRPr sz="1800" kern="1200">
+                          <a:solidFill>
+                            <a:schemeClr val="tx1"/>
+                          </a:solidFill>
+                          <a:latin typeface="Calibri"/>
+                        </a:defRPr>
+                      </a:lvl2pPr>
+                      <a:lvl3pPr marL="914400" algn="l" defTabSz="914400" rtl="0" eaLnBrk="1" latinLnBrk="0" hangingPunct="1">
+                        <a:defRPr sz="1800" kern="1200">
+                          <a:solidFill>
+                            <a:schemeClr val="tx1"/>
+                          </a:solidFill>
+                          <a:latin typeface="Calibri"/>
+                        </a:defRPr>
+                      </a:lvl3pPr>
+                      <a:lvl4pPr marL="1371600" algn="l" defTabSz="914400" rtl="0" eaLnBrk="1" latinLnBrk="0" hangingPunct="1">
+                        <a:defRPr sz="1800" kern="1200">
+                          <a:solidFill>
+                            <a:schemeClr val="tx1"/>
+                          </a:solidFill>
+                          <a:latin typeface="Calibri"/>
+                        </a:defRPr>
+                      </a:lvl4pPr>
+                      <a:lvl5pPr marL="1828800" algn="l" defTabSz="914400" rtl="0" eaLnBrk="1" latinLnBrk="0" hangingPunct="1">
+                        <a:defRPr sz="1800" kern="1200">
+                          <a:solidFill>
+                            <a:schemeClr val="tx1"/>
+                          </a:solidFill>
+                          <a:latin typeface="Calibri"/>
+                        </a:defRPr>
+                      </a:lvl5pPr>
+                      <a:lvl6pPr marL="2286000" algn="l" defTabSz="914400" rtl="0" eaLnBrk="1" latinLnBrk="0" hangingPunct="1">
+                        <a:defRPr sz="1800" kern="1200">
+                          <a:solidFill>
+                            <a:schemeClr val="tx1"/>
+                          </a:solidFill>
+                          <a:latin typeface="Calibri"/>
+                        </a:defRPr>
+                      </a:lvl6pPr>
+                      <a:lvl7pPr marL="2743200" algn="l" defTabSz="914400" rtl="0" eaLnBrk="1" latinLnBrk="0" hangingPunct="1">
+                        <a:defRPr sz="1800" kern="1200">
+                          <a:solidFill>
+                            <a:schemeClr val="tx1"/>
+                          </a:solidFill>
+                          <a:latin typeface="Calibri"/>
+                        </a:defRPr>
+                      </a:lvl7pPr>
+                      <a:lvl8pPr marL="3200400" algn="l" defTabSz="914400" rtl="0" eaLnBrk="1" latinLnBrk="0" hangingPunct="1">
+                        <a:defRPr sz="1800" kern="1200">
+                          <a:solidFill>
+                            <a:schemeClr val="tx1"/>
+                          </a:solidFill>
+                          <a:latin typeface="Calibri"/>
+                        </a:defRPr>
+                      </a:lvl8pPr>
+                      <a:lvl9pPr marL="3657600" algn="l" defTabSz="914400" rtl="0" eaLnBrk="1" latinLnBrk="0" hangingPunct="1">
+                        <a:defRPr sz="1800" kern="1200">
+                          <a:solidFill>
+                            <a:schemeClr val="tx1"/>
+                          </a:solidFill>
+                          <a:latin typeface="Calibri"/>
+                        </a:defRPr>
+                      </a:lvl9pPr>
+                    </a:lstStyle>
+                    <a:p>
+                      <a:pPr algn="l" fontAlgn="b"/>
+                      <a:r>
+                        <a:rPr lang="ru-RU" sz="1400" b="0" i="0" u="none" strike="noStrike" dirty="0" smtClean="0">
+                          <a:solidFill>
+                            <a:schemeClr val="bg1"/>
+                          </a:solidFill>
+                          <a:effectLst/>
+                          <a:latin typeface="+mn-lt"/>
+                          <a:cs typeface="Consolas" panose="020B0609020204030204" pitchFamily="49" charset="0"/>
+                        </a:rPr>
+                        <a:t>Кол-во</a:t>
+                      </a:r>
+                      <a:r>
+                        <a:rPr lang="ru-RU" sz="1400" b="0" i="0" u="none" strike="noStrike" baseline="0" dirty="0" smtClean="0">
+                          <a:solidFill>
+                            <a:schemeClr val="bg1"/>
+                          </a:solidFill>
+                          <a:effectLst/>
+                          <a:latin typeface="+mn-lt"/>
+                          <a:cs typeface="Consolas" panose="020B0609020204030204" pitchFamily="49" charset="0"/>
+                        </a:rPr>
+                        <a:t> </a:t>
+                      </a:r>
+                      <a:r>
+                        <a:rPr lang="en-US" sz="1400" b="0" i="0" u="none" strike="noStrike" baseline="0" dirty="0" smtClean="0">
+                          <a:solidFill>
+                            <a:schemeClr val="bg1"/>
+                          </a:solidFill>
+                          <a:effectLst/>
+                          <a:latin typeface="+mn-lt"/>
+                          <a:cs typeface="Consolas" panose="020B0609020204030204" pitchFamily="49" charset="0"/>
+                        </a:rPr>
+                        <a:t>committed </a:t>
+                      </a:r>
+                      <a:r>
+                        <a:rPr lang="ru-RU" sz="1400" b="0" i="0" u="none" strike="noStrike" baseline="0" dirty="0" smtClean="0">
+                          <a:solidFill>
+                            <a:schemeClr val="bg1"/>
+                          </a:solidFill>
+                          <a:effectLst/>
+                          <a:latin typeface="+mn-lt"/>
+                          <a:cs typeface="Consolas" panose="020B0609020204030204" pitchFamily="49" charset="0"/>
+                        </a:rPr>
+                        <a:t>байтов для </a:t>
+                      </a:r>
+                      <a:r>
+                        <a:rPr lang="en-US" sz="1400" b="0" i="0" u="none" strike="noStrike" baseline="0" dirty="0" smtClean="0">
+                          <a:solidFill>
+                            <a:schemeClr val="bg1"/>
+                          </a:solidFill>
+                          <a:effectLst/>
+                          <a:latin typeface="+mn-lt"/>
+                          <a:cs typeface="Consolas" panose="020B0609020204030204" pitchFamily="49" charset="0"/>
+                        </a:rPr>
+                        <a:t>GC (</a:t>
+                      </a:r>
+                      <a:r>
+                        <a:rPr lang="ru-RU" sz="1400" b="0" i="0" u="none" strike="noStrike" baseline="0" dirty="0" smtClean="0">
+                          <a:solidFill>
+                            <a:schemeClr val="bg1"/>
+                          </a:solidFill>
+                          <a:effectLst/>
+                          <a:latin typeface="+mn-lt"/>
+                          <a:cs typeface="Consolas" panose="020B0609020204030204" pitchFamily="49" charset="0"/>
+                        </a:rPr>
+                        <a:t>выделено и используется)</a:t>
+                      </a:r>
+                      <a:endParaRPr lang="en-US" sz="1400" b="0" i="0" u="none" strike="noStrike" dirty="0">
+                        <a:solidFill>
+                          <a:schemeClr val="bg1"/>
+                        </a:solidFill>
+                        <a:effectLst/>
+                        <a:latin typeface="+mn-lt"/>
+                        <a:cs typeface="Consolas" panose="020B0609020204030204" pitchFamily="49" charset="0"/>
+                      </a:endParaRPr>
+                    </a:p>
+                  </a:txBody>
+                  <a:tcPr marL="45720" marR="45720" anchor="b">
+                    <a:lnL w="12700" cap="flat" cmpd="sng" algn="ctr">
+                      <a:solidFill>
+                        <a:srgbClr val="FFFFFF"/>
+                      </a:solidFill>
+                      <a:prstDash val="solid"/>
+                      <a:round/>
+                      <a:headEnd type="none" w="med" len="med"/>
+                      <a:tailEnd type="none" w="med" len="med"/>
+                    </a:lnL>
+                    <a:lnR w="12700" cap="flat" cmpd="sng" algn="ctr">
+                      <a:solidFill>
+                        <a:srgbClr val="FFFFFF"/>
+                      </a:solidFill>
+                      <a:prstDash val="solid"/>
+                      <a:round/>
+                      <a:headEnd type="none" w="med" len="med"/>
+                      <a:tailEnd type="none" w="med" len="med"/>
+                    </a:lnR>
+                    <a:lnT w="12700" cap="flat" cmpd="sng" algn="ctr">
+                      <a:solidFill>
+                        <a:srgbClr val="FFFFFF"/>
+                      </a:solidFill>
+                      <a:prstDash val="solid"/>
+                      <a:round/>
+                      <a:headEnd type="none" w="med" len="med"/>
+                      <a:tailEnd type="none" w="med" len="med"/>
+                    </a:lnT>
+                    <a:lnB w="12700" cap="flat" cmpd="sng" algn="ctr">
+                      <a:solidFill>
+                        <a:srgbClr val="FFFFFF"/>
+                      </a:solidFill>
+                      <a:prstDash val="solid"/>
+                      <a:round/>
+                      <a:headEnd type="none" w="med" len="med"/>
+                      <a:tailEnd type="none" w="med" len="med"/>
+                    </a:lnB>
+                    <a:lnTlToBr w="12700" cmpd="sng">
+                      <a:noFill/>
+                      <a:prstDash val="solid"/>
+                    </a:lnTlToBr>
+                    <a:lnBlToTr w="12700" cmpd="sng">
+                      <a:noFill/>
+                      <a:prstDash val="solid"/>
+                    </a:lnBlToTr>
+                    <a:noFill/>
+                  </a:tcPr>
+                </a:tc>
+              </a:tr>
+              <a:tr h="0">
+                <a:tc>
+                  <a:txBody>
+                    <a:bodyPr/>
+                    <a:lstStyle>
+                      <a:lvl1pPr marL="0" algn="l" defTabSz="914400" rtl="0" eaLnBrk="1" latinLnBrk="0" hangingPunct="1">
+                        <a:defRPr sz="1800" kern="1200">
+                          <a:solidFill>
+                            <a:schemeClr val="tx1"/>
+                          </a:solidFill>
+                          <a:latin typeface="Calibri"/>
+                        </a:defRPr>
+                      </a:lvl1pPr>
+                      <a:lvl2pPr marL="457200" algn="l" defTabSz="914400" rtl="0" eaLnBrk="1" latinLnBrk="0" hangingPunct="1">
+                        <a:defRPr sz="1800" kern="1200">
+                          <a:solidFill>
+                            <a:schemeClr val="tx1"/>
+                          </a:solidFill>
+                          <a:latin typeface="Calibri"/>
+                        </a:defRPr>
+                      </a:lvl2pPr>
+                      <a:lvl3pPr marL="914400" algn="l" defTabSz="914400" rtl="0" eaLnBrk="1" latinLnBrk="0" hangingPunct="1">
+                        <a:defRPr sz="1800" kern="1200">
+                          <a:solidFill>
+                            <a:schemeClr val="tx1"/>
+                          </a:solidFill>
+                          <a:latin typeface="Calibri"/>
+                        </a:defRPr>
+                      </a:lvl3pPr>
+                      <a:lvl4pPr marL="1371600" algn="l" defTabSz="914400" rtl="0" eaLnBrk="1" latinLnBrk="0" hangingPunct="1">
+                        <a:defRPr sz="1800" kern="1200">
+                          <a:solidFill>
+                            <a:schemeClr val="tx1"/>
+                          </a:solidFill>
+                          <a:latin typeface="Calibri"/>
+                        </a:defRPr>
+                      </a:lvl4pPr>
+                      <a:lvl5pPr marL="1828800" algn="l" defTabSz="914400" rtl="0" eaLnBrk="1" latinLnBrk="0" hangingPunct="1">
+                        <a:defRPr sz="1800" kern="1200">
+                          <a:solidFill>
+                            <a:schemeClr val="tx1"/>
+                          </a:solidFill>
+                          <a:latin typeface="Calibri"/>
+                        </a:defRPr>
+                      </a:lvl5pPr>
+                      <a:lvl6pPr marL="2286000" algn="l" defTabSz="914400" rtl="0" eaLnBrk="1" latinLnBrk="0" hangingPunct="1">
+                        <a:defRPr sz="1800" kern="1200">
+                          <a:solidFill>
+                            <a:schemeClr val="tx1"/>
+                          </a:solidFill>
+                          <a:latin typeface="Calibri"/>
+                        </a:defRPr>
+                      </a:lvl6pPr>
+                      <a:lvl7pPr marL="2743200" algn="l" defTabSz="914400" rtl="0" eaLnBrk="1" latinLnBrk="0" hangingPunct="1">
+                        <a:defRPr sz="1800" kern="1200">
+                          <a:solidFill>
+                            <a:schemeClr val="tx1"/>
+                          </a:solidFill>
+                          <a:latin typeface="Calibri"/>
+                        </a:defRPr>
+                      </a:lvl7pPr>
+                      <a:lvl8pPr marL="3200400" algn="l" defTabSz="914400" rtl="0" eaLnBrk="1" latinLnBrk="0" hangingPunct="1">
+                        <a:defRPr sz="1800" kern="1200">
+                          <a:solidFill>
+                            <a:schemeClr val="tx1"/>
+                          </a:solidFill>
+                          <a:latin typeface="Calibri"/>
+                        </a:defRPr>
+                      </a:lvl8pPr>
+                      <a:lvl9pPr marL="3657600" algn="l" defTabSz="914400" rtl="0" eaLnBrk="1" latinLnBrk="0" hangingPunct="1">
+                        <a:defRPr sz="1800" kern="1200">
+                          <a:solidFill>
+                            <a:schemeClr val="tx1"/>
+                          </a:solidFill>
+                          <a:latin typeface="Calibri"/>
+                        </a:defRPr>
+                      </a:lvl9pPr>
+                    </a:lstStyle>
+                    <a:p>
+                      <a:pPr marL="0" marR="0" indent="0" algn="l" defTabSz="914400" rtl="0" eaLnBrk="1" fontAlgn="b" latinLnBrk="0" hangingPunct="1">
+                        <a:lnSpc>
+                          <a:spcPct val="100000"/>
+                        </a:lnSpc>
+                        <a:spcBef>
+                          <a:spcPts val="0"/>
+                        </a:spcBef>
+                        <a:spcAft>
+                          <a:spcPts val="0"/>
+                        </a:spcAft>
+                        <a:buClrTx/>
+                        <a:buSzTx/>
+                        <a:buFontTx/>
+                        <a:buNone/>
+                        <a:tabLst/>
+                        <a:defRPr/>
+                      </a:pPr>
+                      <a:r>
+                        <a:rPr lang="en-US" sz="1400" b="1" i="0" u="none" strike="noStrike" kern="1200" dirty="0" smtClean="0">
+                          <a:solidFill>
+                            <a:schemeClr val="bg1"/>
+                          </a:solidFill>
+                          <a:effectLst/>
+                          <a:latin typeface="Calibri"/>
+                          <a:ea typeface="+mn-ea"/>
+                          <a:cs typeface="Consolas" panose="020B0609020204030204" pitchFamily="49" charset="0"/>
+                        </a:rPr>
+                        <a:t># Total reserved Bytes</a:t>
+                      </a:r>
+                      <a:endParaRPr lang="en-US" sz="1400" b="1" i="0" u="none" strike="noStrike" dirty="0">
+                        <a:solidFill>
+                          <a:schemeClr val="bg1"/>
+                        </a:solidFill>
+                        <a:effectLst/>
+                        <a:latin typeface="+mn-lt"/>
+                        <a:cs typeface="Consolas" panose="020B0609020204030204" pitchFamily="49" charset="0"/>
+                      </a:endParaRPr>
+                    </a:p>
+                  </a:txBody>
+                  <a:tcPr marL="45720" marR="45720" anchor="ctr">
+                    <a:lnL w="12700" cap="flat" cmpd="sng" algn="ctr">
+                      <a:solidFill>
+                        <a:srgbClr val="FFFFFF"/>
+                      </a:solidFill>
+                      <a:prstDash val="solid"/>
+                      <a:round/>
+                      <a:headEnd type="none" w="med" len="med"/>
+                      <a:tailEnd type="none" w="med" len="med"/>
+                    </a:lnL>
+                    <a:lnR w="12700" cap="flat" cmpd="sng" algn="ctr">
+                      <a:solidFill>
+                        <a:srgbClr val="FFFFFF"/>
+                      </a:solidFill>
+                      <a:prstDash val="solid"/>
+                      <a:round/>
+                      <a:headEnd type="none" w="med" len="med"/>
+                      <a:tailEnd type="none" w="med" len="med"/>
+                    </a:lnR>
+                    <a:lnT w="12700" cap="flat" cmpd="sng" algn="ctr">
+                      <a:solidFill>
+                        <a:srgbClr val="FFFFFF"/>
+                      </a:solidFill>
+                      <a:prstDash val="solid"/>
+                      <a:round/>
+                      <a:headEnd type="none" w="med" len="med"/>
+                      <a:tailEnd type="none" w="med" len="med"/>
+                    </a:lnT>
+                    <a:lnB w="12700" cap="flat" cmpd="sng" algn="ctr">
+                      <a:solidFill>
+                        <a:srgbClr val="FFFFFF"/>
+                      </a:solidFill>
+                      <a:prstDash val="solid"/>
+                      <a:round/>
+                      <a:headEnd type="none" w="med" len="med"/>
+                      <a:tailEnd type="none" w="med" len="med"/>
+                    </a:lnB>
+                    <a:lnTlToBr w="12700" cmpd="sng">
+                      <a:noFill/>
+                      <a:prstDash val="solid"/>
+                    </a:lnTlToBr>
+                    <a:lnBlToTr w="12700" cmpd="sng">
+                      <a:noFill/>
+                      <a:prstDash val="solid"/>
+                    </a:lnBlToTr>
+                    <a:noFill/>
+                  </a:tcPr>
+                </a:tc>
+                <a:tc>
+                  <a:txBody>
+                    <a:bodyPr/>
+                    <a:lstStyle>
+                      <a:lvl1pPr marL="0" algn="l" defTabSz="914400" rtl="0" eaLnBrk="1" latinLnBrk="0" hangingPunct="1">
+                        <a:defRPr sz="1800" kern="1200">
+                          <a:solidFill>
+                            <a:schemeClr val="tx1"/>
+                          </a:solidFill>
+                          <a:latin typeface="Calibri"/>
+                        </a:defRPr>
+                      </a:lvl1pPr>
+                      <a:lvl2pPr marL="457200" algn="l" defTabSz="914400" rtl="0" eaLnBrk="1" latinLnBrk="0" hangingPunct="1">
+                        <a:defRPr sz="1800" kern="1200">
+                          <a:solidFill>
+                            <a:schemeClr val="tx1"/>
+                          </a:solidFill>
+                          <a:latin typeface="Calibri"/>
+                        </a:defRPr>
+                      </a:lvl2pPr>
+                      <a:lvl3pPr marL="914400" algn="l" defTabSz="914400" rtl="0" eaLnBrk="1" latinLnBrk="0" hangingPunct="1">
+                        <a:defRPr sz="1800" kern="1200">
+                          <a:solidFill>
+                            <a:schemeClr val="tx1"/>
+                          </a:solidFill>
+                          <a:latin typeface="Calibri"/>
+                        </a:defRPr>
+                      </a:lvl3pPr>
+                      <a:lvl4pPr marL="1371600" algn="l" defTabSz="914400" rtl="0" eaLnBrk="1" latinLnBrk="0" hangingPunct="1">
+                        <a:defRPr sz="1800" kern="1200">
+                          <a:solidFill>
+                            <a:schemeClr val="tx1"/>
+                          </a:solidFill>
+                          <a:latin typeface="Calibri"/>
+                        </a:defRPr>
+                      </a:lvl4pPr>
+                      <a:lvl5pPr marL="1828800" algn="l" defTabSz="914400" rtl="0" eaLnBrk="1" latinLnBrk="0" hangingPunct="1">
+                        <a:defRPr sz="1800" kern="1200">
+                          <a:solidFill>
+                            <a:schemeClr val="tx1"/>
+                          </a:solidFill>
+                          <a:latin typeface="Calibri"/>
+                        </a:defRPr>
+                      </a:lvl5pPr>
+                      <a:lvl6pPr marL="2286000" algn="l" defTabSz="914400" rtl="0" eaLnBrk="1" latinLnBrk="0" hangingPunct="1">
+                        <a:defRPr sz="1800" kern="1200">
+                          <a:solidFill>
+                            <a:schemeClr val="tx1"/>
+                          </a:solidFill>
+                          <a:latin typeface="Calibri"/>
+                        </a:defRPr>
+                      </a:lvl6pPr>
+                      <a:lvl7pPr marL="2743200" algn="l" defTabSz="914400" rtl="0" eaLnBrk="1" latinLnBrk="0" hangingPunct="1">
+                        <a:defRPr sz="1800" kern="1200">
+                          <a:solidFill>
+                            <a:schemeClr val="tx1"/>
+                          </a:solidFill>
+                          <a:latin typeface="Calibri"/>
+                        </a:defRPr>
+                      </a:lvl7pPr>
+                      <a:lvl8pPr marL="3200400" algn="l" defTabSz="914400" rtl="0" eaLnBrk="1" latinLnBrk="0" hangingPunct="1">
+                        <a:defRPr sz="1800" kern="1200">
+                          <a:solidFill>
+                            <a:schemeClr val="tx1"/>
+                          </a:solidFill>
+                          <a:latin typeface="Calibri"/>
+                        </a:defRPr>
+                      </a:lvl8pPr>
+                      <a:lvl9pPr marL="3657600" algn="l" defTabSz="914400" rtl="0" eaLnBrk="1" latinLnBrk="0" hangingPunct="1">
+                        <a:defRPr sz="1800" kern="1200">
+                          <a:solidFill>
+                            <a:schemeClr val="tx1"/>
+                          </a:solidFill>
+                          <a:latin typeface="Calibri"/>
+                        </a:defRPr>
+                      </a:lvl9pPr>
+                    </a:lstStyle>
+                    <a:p>
+                      <a:pPr marL="0" marR="0" indent="0" algn="l" defTabSz="914400" rtl="0" eaLnBrk="1" fontAlgn="b" latinLnBrk="0" hangingPunct="1">
+                        <a:lnSpc>
+                          <a:spcPct val="100000"/>
+                        </a:lnSpc>
+                        <a:spcBef>
+                          <a:spcPts val="0"/>
+                        </a:spcBef>
+                        <a:spcAft>
+                          <a:spcPts val="0"/>
+                        </a:spcAft>
+                        <a:buClrTx/>
+                        <a:buSzTx/>
+                        <a:buFontTx/>
+                        <a:buNone/>
+                        <a:tabLst/>
+                        <a:defRPr/>
+                      </a:pPr>
+                      <a:r>
+                        <a:rPr lang="ru-RU" sz="1400" b="0" i="0" u="none" strike="noStrike" kern="1200" dirty="0" smtClean="0">
+                          <a:solidFill>
+                            <a:schemeClr val="bg1"/>
+                          </a:solidFill>
+                          <a:effectLst/>
+                          <a:latin typeface="Calibri"/>
+                          <a:ea typeface="+mn-ea"/>
+                          <a:cs typeface="Consolas" panose="020B0609020204030204" pitchFamily="49" charset="0"/>
+                        </a:rPr>
+                        <a:t>Кол-во</a:t>
+                      </a:r>
+                      <a:r>
+                        <a:rPr lang="ru-RU" sz="1400" b="0" i="0" u="none" strike="noStrike" kern="1200" baseline="0" dirty="0" smtClean="0">
+                          <a:solidFill>
+                            <a:schemeClr val="bg1"/>
+                          </a:solidFill>
+                          <a:effectLst/>
+                          <a:latin typeface="Calibri"/>
+                          <a:ea typeface="+mn-ea"/>
+                          <a:cs typeface="Consolas" panose="020B0609020204030204" pitchFamily="49" charset="0"/>
+                        </a:rPr>
+                        <a:t> зарезервированных байтов для </a:t>
+                      </a:r>
+                      <a:r>
+                        <a:rPr lang="en-US" sz="1400" b="0" i="0" u="none" strike="noStrike" kern="1200" baseline="0" dirty="0" smtClean="0">
+                          <a:solidFill>
+                            <a:schemeClr val="bg1"/>
+                          </a:solidFill>
+                          <a:effectLst/>
+                          <a:latin typeface="Calibri"/>
+                          <a:ea typeface="+mn-ea"/>
+                          <a:cs typeface="Consolas" panose="020B0609020204030204" pitchFamily="49" charset="0"/>
+                        </a:rPr>
+                        <a:t>GC</a:t>
+                      </a:r>
+                      <a:endParaRPr lang="en-US" sz="1400" b="0" i="0" u="none" strike="noStrike" dirty="0">
+                        <a:solidFill>
+                          <a:schemeClr val="bg1"/>
+                        </a:solidFill>
+                        <a:effectLst/>
+                        <a:latin typeface="+mn-lt"/>
+                        <a:cs typeface="Consolas" panose="020B0609020204030204" pitchFamily="49" charset="0"/>
+                      </a:endParaRPr>
+                    </a:p>
+                  </a:txBody>
+                  <a:tcPr marL="45720" marR="45720" anchor="b">
+                    <a:lnL w="12700" cap="flat" cmpd="sng" algn="ctr">
+                      <a:solidFill>
+                        <a:srgbClr val="FFFFFF"/>
+                      </a:solidFill>
+                      <a:prstDash val="solid"/>
+                      <a:round/>
+                      <a:headEnd type="none" w="med" len="med"/>
+                      <a:tailEnd type="none" w="med" len="med"/>
+                    </a:lnL>
+                    <a:lnR w="12700" cap="flat" cmpd="sng" algn="ctr">
+                      <a:solidFill>
+                        <a:srgbClr val="FFFFFF"/>
+                      </a:solidFill>
+                      <a:prstDash val="solid"/>
+                      <a:round/>
+                      <a:headEnd type="none" w="med" len="med"/>
+                      <a:tailEnd type="none" w="med" len="med"/>
+                    </a:lnR>
+                    <a:lnT w="12700" cap="flat" cmpd="sng" algn="ctr">
+                      <a:solidFill>
+                        <a:srgbClr val="FFFFFF"/>
+                      </a:solidFill>
+                      <a:prstDash val="solid"/>
+                      <a:round/>
+                      <a:headEnd type="none" w="med" len="med"/>
+                      <a:tailEnd type="none" w="med" len="med"/>
+                    </a:lnT>
+                    <a:lnB w="12700" cap="flat" cmpd="sng" algn="ctr">
+                      <a:solidFill>
+                        <a:srgbClr val="FFFFFF"/>
+                      </a:solidFill>
+                      <a:prstDash val="solid"/>
+                      <a:round/>
+                      <a:headEnd type="none" w="med" len="med"/>
+                      <a:tailEnd type="none" w="med" len="med"/>
+                    </a:lnB>
+                    <a:lnTlToBr w="12700" cmpd="sng">
+                      <a:noFill/>
+                      <a:prstDash val="solid"/>
+                    </a:lnTlToBr>
+                    <a:lnBlToTr w="12700" cmpd="sng">
+                      <a:noFill/>
+                      <a:prstDash val="solid"/>
+                    </a:lnBlToTr>
+                    <a:noFill/>
+                  </a:tcPr>
+                </a:tc>
+              </a:tr>
+              <a:tr h="0">
+                <a:tc>
+                  <a:txBody>
+                    <a:bodyPr/>
+                    <a:lstStyle>
+                      <a:lvl1pPr marL="0" algn="l" defTabSz="914400" rtl="0" eaLnBrk="1" latinLnBrk="0" hangingPunct="1">
+                        <a:defRPr sz="1800" kern="1200">
+                          <a:solidFill>
+                            <a:schemeClr val="tx1"/>
+                          </a:solidFill>
+                          <a:latin typeface="Calibri"/>
+                        </a:defRPr>
+                      </a:lvl1pPr>
+                      <a:lvl2pPr marL="457200" algn="l" defTabSz="914400" rtl="0" eaLnBrk="1" latinLnBrk="0" hangingPunct="1">
+                        <a:defRPr sz="1800" kern="1200">
+                          <a:solidFill>
+                            <a:schemeClr val="tx1"/>
+                          </a:solidFill>
+                          <a:latin typeface="Calibri"/>
+                        </a:defRPr>
+                      </a:lvl2pPr>
+                      <a:lvl3pPr marL="914400" algn="l" defTabSz="914400" rtl="0" eaLnBrk="1" latinLnBrk="0" hangingPunct="1">
+                        <a:defRPr sz="1800" kern="1200">
+                          <a:solidFill>
+                            <a:schemeClr val="tx1"/>
+                          </a:solidFill>
+                          <a:latin typeface="Calibri"/>
+                        </a:defRPr>
+                      </a:lvl3pPr>
+                      <a:lvl4pPr marL="1371600" algn="l" defTabSz="914400" rtl="0" eaLnBrk="1" latinLnBrk="0" hangingPunct="1">
+                        <a:defRPr sz="1800" kern="1200">
+                          <a:solidFill>
+                            <a:schemeClr val="tx1"/>
+                          </a:solidFill>
+                          <a:latin typeface="Calibri"/>
+                        </a:defRPr>
+                      </a:lvl4pPr>
+                      <a:lvl5pPr marL="1828800" algn="l" defTabSz="914400" rtl="0" eaLnBrk="1" latinLnBrk="0" hangingPunct="1">
+                        <a:defRPr sz="1800" kern="1200">
+                          <a:solidFill>
+                            <a:schemeClr val="tx1"/>
+                          </a:solidFill>
+                          <a:latin typeface="Calibri"/>
+                        </a:defRPr>
+                      </a:lvl5pPr>
+                      <a:lvl6pPr marL="2286000" algn="l" defTabSz="914400" rtl="0" eaLnBrk="1" latinLnBrk="0" hangingPunct="1">
+                        <a:defRPr sz="1800" kern="1200">
+                          <a:solidFill>
+                            <a:schemeClr val="tx1"/>
+                          </a:solidFill>
+                          <a:latin typeface="Calibri"/>
+                        </a:defRPr>
+                      </a:lvl6pPr>
+                      <a:lvl7pPr marL="2743200" algn="l" defTabSz="914400" rtl="0" eaLnBrk="1" latinLnBrk="0" hangingPunct="1">
+                        <a:defRPr sz="1800" kern="1200">
+                          <a:solidFill>
+                            <a:schemeClr val="tx1"/>
+                          </a:solidFill>
+                          <a:latin typeface="Calibri"/>
+                        </a:defRPr>
+                      </a:lvl7pPr>
+                      <a:lvl8pPr marL="3200400" algn="l" defTabSz="914400" rtl="0" eaLnBrk="1" latinLnBrk="0" hangingPunct="1">
+                        <a:defRPr sz="1800" kern="1200">
+                          <a:solidFill>
+                            <a:schemeClr val="tx1"/>
+                          </a:solidFill>
+                          <a:latin typeface="Calibri"/>
+                        </a:defRPr>
+                      </a:lvl8pPr>
+                      <a:lvl9pPr marL="3657600" algn="l" defTabSz="914400" rtl="0" eaLnBrk="1" latinLnBrk="0" hangingPunct="1">
+                        <a:defRPr sz="1800" kern="1200">
+                          <a:solidFill>
+                            <a:schemeClr val="tx1"/>
+                          </a:solidFill>
+                          <a:latin typeface="Calibri"/>
+                        </a:defRPr>
+                      </a:lvl9pPr>
+                    </a:lstStyle>
+                    <a:p>
+                      <a:pPr algn="l" fontAlgn="b"/>
+                      <a:r>
+                        <a:rPr lang="en-US" sz="1400" b="1" i="0" u="none" strike="noStrike" kern="1200" dirty="0" smtClean="0">
+                          <a:solidFill>
+                            <a:schemeClr val="bg1"/>
+                          </a:solidFill>
+                          <a:effectLst/>
+                          <a:latin typeface="Calibri"/>
+                          <a:ea typeface="+mn-ea"/>
+                          <a:cs typeface="Consolas" panose="020B0609020204030204" pitchFamily="49" charset="0"/>
+                        </a:rPr>
+                        <a:t># of Pinned Objects</a:t>
+                      </a:r>
+                      <a:endParaRPr lang="en-US" sz="1400" b="1" i="0" u="none" strike="noStrike" dirty="0">
+                        <a:solidFill>
+                          <a:schemeClr val="bg1"/>
+                        </a:solidFill>
+                        <a:effectLst/>
+                        <a:latin typeface="+mn-lt"/>
+                        <a:cs typeface="Consolas" panose="020B0609020204030204" pitchFamily="49" charset="0"/>
+                      </a:endParaRPr>
+                    </a:p>
+                  </a:txBody>
+                  <a:tcPr marL="45720" marR="45720" anchor="b">
+                    <a:lnL w="12700" cap="flat" cmpd="sng" algn="ctr">
+                      <a:solidFill>
+                        <a:srgbClr val="FFFFFF"/>
+                      </a:solidFill>
+                      <a:prstDash val="solid"/>
+                      <a:round/>
+                      <a:headEnd type="none" w="med" len="med"/>
+                      <a:tailEnd type="none" w="med" len="med"/>
+                    </a:lnL>
+                    <a:lnR w="12700" cap="flat" cmpd="sng" algn="ctr">
+                      <a:solidFill>
+                        <a:srgbClr val="FFFFFF"/>
+                      </a:solidFill>
+                      <a:prstDash val="solid"/>
+                      <a:round/>
+                      <a:headEnd type="none" w="med" len="med"/>
+                      <a:tailEnd type="none" w="med" len="med"/>
+                    </a:lnR>
+                    <a:lnT w="12700" cap="flat" cmpd="sng" algn="ctr">
+                      <a:solidFill>
+                        <a:srgbClr val="FFFFFF"/>
+                      </a:solidFill>
+                      <a:prstDash val="solid"/>
+                      <a:round/>
+                      <a:headEnd type="none" w="med" len="med"/>
+                      <a:tailEnd type="none" w="med" len="med"/>
+                    </a:lnT>
+                    <a:lnB w="12700" cap="flat" cmpd="sng" algn="ctr">
+                      <a:solidFill>
+                        <a:srgbClr val="FFFFFF"/>
+                      </a:solidFill>
+                      <a:prstDash val="solid"/>
+                      <a:round/>
+                      <a:headEnd type="none" w="med" len="med"/>
+                      <a:tailEnd type="none" w="med" len="med"/>
+                    </a:lnB>
+                    <a:lnTlToBr w="12700" cmpd="sng">
+                      <a:noFill/>
+                      <a:prstDash val="solid"/>
+                    </a:lnTlToBr>
+                    <a:lnBlToTr w="12700" cmpd="sng">
+                      <a:noFill/>
+                      <a:prstDash val="solid"/>
+                    </a:lnBlToTr>
+                    <a:noFill/>
+                  </a:tcPr>
+                </a:tc>
+                <a:tc>
+                  <a:txBody>
+                    <a:bodyPr/>
+                    <a:lstStyle>
+                      <a:lvl1pPr marL="0" algn="l" defTabSz="914400" rtl="0" eaLnBrk="1" latinLnBrk="0" hangingPunct="1">
+                        <a:defRPr sz="1800" kern="1200">
+                          <a:solidFill>
+                            <a:schemeClr val="tx1"/>
+                          </a:solidFill>
+                          <a:latin typeface="Calibri"/>
+                        </a:defRPr>
+                      </a:lvl1pPr>
+                      <a:lvl2pPr marL="457200" algn="l" defTabSz="914400" rtl="0" eaLnBrk="1" latinLnBrk="0" hangingPunct="1">
+                        <a:defRPr sz="1800" kern="1200">
+                          <a:solidFill>
+                            <a:schemeClr val="tx1"/>
+                          </a:solidFill>
+                          <a:latin typeface="Calibri"/>
+                        </a:defRPr>
+                      </a:lvl2pPr>
+                      <a:lvl3pPr marL="914400" algn="l" defTabSz="914400" rtl="0" eaLnBrk="1" latinLnBrk="0" hangingPunct="1">
+                        <a:defRPr sz="1800" kern="1200">
+                          <a:solidFill>
+                            <a:schemeClr val="tx1"/>
+                          </a:solidFill>
+                          <a:latin typeface="Calibri"/>
+                        </a:defRPr>
+                      </a:lvl3pPr>
+                      <a:lvl4pPr marL="1371600" algn="l" defTabSz="914400" rtl="0" eaLnBrk="1" latinLnBrk="0" hangingPunct="1">
+                        <a:defRPr sz="1800" kern="1200">
+                          <a:solidFill>
+                            <a:schemeClr val="tx1"/>
+                          </a:solidFill>
+                          <a:latin typeface="Calibri"/>
+                        </a:defRPr>
+                      </a:lvl4pPr>
+                      <a:lvl5pPr marL="1828800" algn="l" defTabSz="914400" rtl="0" eaLnBrk="1" latinLnBrk="0" hangingPunct="1">
+                        <a:defRPr sz="1800" kern="1200">
+                          <a:solidFill>
+                            <a:schemeClr val="tx1"/>
+                          </a:solidFill>
+                          <a:latin typeface="Calibri"/>
+                        </a:defRPr>
+                      </a:lvl5pPr>
+                      <a:lvl6pPr marL="2286000" algn="l" defTabSz="914400" rtl="0" eaLnBrk="1" latinLnBrk="0" hangingPunct="1">
+                        <a:defRPr sz="1800" kern="1200">
+                          <a:solidFill>
+                            <a:schemeClr val="tx1"/>
+                          </a:solidFill>
+                          <a:latin typeface="Calibri"/>
+                        </a:defRPr>
+                      </a:lvl6pPr>
+                      <a:lvl7pPr marL="2743200" algn="l" defTabSz="914400" rtl="0" eaLnBrk="1" latinLnBrk="0" hangingPunct="1">
+                        <a:defRPr sz="1800" kern="1200">
+                          <a:solidFill>
+                            <a:schemeClr val="tx1"/>
+                          </a:solidFill>
+                          <a:latin typeface="Calibri"/>
+                        </a:defRPr>
+                      </a:lvl7pPr>
+                      <a:lvl8pPr marL="3200400" algn="l" defTabSz="914400" rtl="0" eaLnBrk="1" latinLnBrk="0" hangingPunct="1">
+                        <a:defRPr sz="1800" kern="1200">
+                          <a:solidFill>
+                            <a:schemeClr val="tx1"/>
+                          </a:solidFill>
+                          <a:latin typeface="Calibri"/>
+                        </a:defRPr>
+                      </a:lvl8pPr>
+                      <a:lvl9pPr marL="3657600" algn="l" defTabSz="914400" rtl="0" eaLnBrk="1" latinLnBrk="0" hangingPunct="1">
+                        <a:defRPr sz="1800" kern="1200">
+                          <a:solidFill>
+                            <a:schemeClr val="tx1"/>
+                          </a:solidFill>
+                          <a:latin typeface="Calibri"/>
+                        </a:defRPr>
+                      </a:lvl9pPr>
+                    </a:lstStyle>
+                    <a:p>
+                      <a:pPr algn="l" fontAlgn="b"/>
+                      <a:r>
+                        <a:rPr lang="ru-RU" sz="1400" b="0" i="0" u="none" strike="noStrike" dirty="0" smtClean="0">
+                          <a:solidFill>
+                            <a:schemeClr val="bg1"/>
+                          </a:solidFill>
+                          <a:effectLst/>
+                          <a:latin typeface="+mn-lt"/>
+                          <a:cs typeface="Consolas" panose="020B0609020204030204" pitchFamily="49" charset="0"/>
+                        </a:rPr>
+                        <a:t>Текущее кол-во</a:t>
+                      </a:r>
+                      <a:r>
+                        <a:rPr lang="ru-RU" sz="1400" b="0" i="0" u="none" strike="noStrike" baseline="0" dirty="0" smtClean="0">
+                          <a:solidFill>
+                            <a:schemeClr val="bg1"/>
+                          </a:solidFill>
+                          <a:effectLst/>
+                          <a:latin typeface="+mn-lt"/>
+                          <a:cs typeface="Consolas" panose="020B0609020204030204" pitchFamily="49" charset="0"/>
+                        </a:rPr>
+                        <a:t> прикрепленных </a:t>
+                      </a:r>
+                      <a:r>
+                        <a:rPr lang="en-US" sz="1400" b="0" i="0" u="none" strike="noStrike" baseline="0" dirty="0" smtClean="0">
+                          <a:solidFill>
+                            <a:schemeClr val="bg1"/>
+                          </a:solidFill>
+                          <a:effectLst/>
+                          <a:latin typeface="+mn-lt"/>
+                          <a:cs typeface="Consolas" panose="020B0609020204030204" pitchFamily="49" charset="0"/>
+                        </a:rPr>
+                        <a:t>(fixed </a:t>
+                      </a:r>
+                      <a:r>
+                        <a:rPr lang="ru-RU" sz="1400" b="0" i="0" u="none" strike="noStrike" baseline="0" dirty="0" smtClean="0">
+                          <a:solidFill>
+                            <a:schemeClr val="bg1"/>
+                          </a:solidFill>
+                          <a:effectLst/>
+                          <a:latin typeface="+mn-lt"/>
+                          <a:cs typeface="Consolas" panose="020B0609020204030204" pitchFamily="49" charset="0"/>
+                        </a:rPr>
+                        <a:t>в </a:t>
+                      </a:r>
+                      <a:r>
+                        <a:rPr lang="en-US" sz="1400" b="0" i="0" u="none" strike="noStrike" baseline="0" dirty="0" smtClean="0">
+                          <a:solidFill>
+                            <a:schemeClr val="bg1"/>
+                          </a:solidFill>
+                          <a:effectLst/>
+                          <a:latin typeface="+mn-lt"/>
+                          <a:cs typeface="Consolas" panose="020B0609020204030204" pitchFamily="49" charset="0"/>
+                        </a:rPr>
+                        <a:t>C#) </a:t>
+                      </a:r>
+                      <a:r>
+                        <a:rPr lang="ru-RU" sz="1400" b="0" i="0" u="none" strike="noStrike" baseline="0" dirty="0" smtClean="0">
+                          <a:solidFill>
+                            <a:schemeClr val="bg1"/>
+                          </a:solidFill>
+                          <a:effectLst/>
+                          <a:latin typeface="+mn-lt"/>
+                          <a:cs typeface="Consolas" panose="020B0609020204030204" pitchFamily="49" charset="0"/>
+                        </a:rPr>
+                        <a:t>объектов</a:t>
+                      </a:r>
+                      <a:endParaRPr lang="en-US" sz="1400" b="0" i="0" u="none" strike="noStrike" dirty="0">
+                        <a:solidFill>
+                          <a:schemeClr val="bg1"/>
+                        </a:solidFill>
+                        <a:effectLst/>
+                        <a:latin typeface="+mn-lt"/>
+                        <a:cs typeface="Consolas" panose="020B0609020204030204" pitchFamily="49" charset="0"/>
+                      </a:endParaRPr>
+                    </a:p>
+                  </a:txBody>
+                  <a:tcPr marL="45720" marR="45720" anchor="b">
+                    <a:lnL w="12700" cap="flat" cmpd="sng" algn="ctr">
+                      <a:solidFill>
+                        <a:srgbClr val="FFFFFF"/>
+                      </a:solidFill>
+                      <a:prstDash val="solid"/>
+                      <a:round/>
+                      <a:headEnd type="none" w="med" len="med"/>
+                      <a:tailEnd type="none" w="med" len="med"/>
+                    </a:lnL>
+                    <a:lnR w="12700" cap="flat" cmpd="sng" algn="ctr">
+                      <a:solidFill>
+                        <a:srgbClr val="FFFFFF"/>
+                      </a:solidFill>
+                      <a:prstDash val="solid"/>
+                      <a:round/>
+                      <a:headEnd type="none" w="med" len="med"/>
+                      <a:tailEnd type="none" w="med" len="med"/>
+                    </a:lnR>
+                    <a:lnT w="12700" cap="flat" cmpd="sng" algn="ctr">
+                      <a:solidFill>
+                        <a:srgbClr val="FFFFFF"/>
+                      </a:solidFill>
+                      <a:prstDash val="solid"/>
+                      <a:round/>
+                      <a:headEnd type="none" w="med" len="med"/>
+                      <a:tailEnd type="none" w="med" len="med"/>
+                    </a:lnT>
+                    <a:lnB w="12700" cap="flat" cmpd="sng" algn="ctr">
+                      <a:solidFill>
+                        <a:srgbClr val="FFFFFF"/>
+                      </a:solidFill>
+                      <a:prstDash val="solid"/>
+                      <a:round/>
+                      <a:headEnd type="none" w="med" len="med"/>
+                      <a:tailEnd type="none" w="med" len="med"/>
+                    </a:lnB>
+                    <a:lnTlToBr w="12700" cmpd="sng">
+                      <a:noFill/>
+                      <a:prstDash val="solid"/>
+                    </a:lnTlToBr>
+                    <a:lnBlToTr w="12700" cmpd="sng">
+                      <a:noFill/>
+                      <a:prstDash val="solid"/>
+                    </a:lnBlToTr>
+                    <a:noFill/>
+                  </a:tcPr>
+                </a:tc>
+              </a:tr>
+              <a:tr h="0">
+                <a:tc>
+                  <a:txBody>
+                    <a:bodyPr/>
+                    <a:lstStyle>
+                      <a:lvl1pPr marL="0" algn="l" defTabSz="914400" rtl="0" eaLnBrk="1" latinLnBrk="0" hangingPunct="1">
+                        <a:defRPr sz="1800" kern="1200">
+                          <a:solidFill>
+                            <a:schemeClr val="tx1"/>
+                          </a:solidFill>
+                          <a:latin typeface="Calibri"/>
+                        </a:defRPr>
+                      </a:lvl1pPr>
+                      <a:lvl2pPr marL="457200" algn="l" defTabSz="914400" rtl="0" eaLnBrk="1" latinLnBrk="0" hangingPunct="1">
+                        <a:defRPr sz="1800" kern="1200">
+                          <a:solidFill>
+                            <a:schemeClr val="tx1"/>
+                          </a:solidFill>
+                          <a:latin typeface="Calibri"/>
+                        </a:defRPr>
+                      </a:lvl2pPr>
+                      <a:lvl3pPr marL="914400" algn="l" defTabSz="914400" rtl="0" eaLnBrk="1" latinLnBrk="0" hangingPunct="1">
+                        <a:defRPr sz="1800" kern="1200">
+                          <a:solidFill>
+                            <a:schemeClr val="tx1"/>
+                          </a:solidFill>
+                          <a:latin typeface="Calibri"/>
+                        </a:defRPr>
+                      </a:lvl3pPr>
+                      <a:lvl4pPr marL="1371600" algn="l" defTabSz="914400" rtl="0" eaLnBrk="1" latinLnBrk="0" hangingPunct="1">
+                        <a:defRPr sz="1800" kern="1200">
+                          <a:solidFill>
+                            <a:schemeClr val="tx1"/>
+                          </a:solidFill>
+                          <a:latin typeface="Calibri"/>
+                        </a:defRPr>
+                      </a:lvl4pPr>
+                      <a:lvl5pPr marL="1828800" algn="l" defTabSz="914400" rtl="0" eaLnBrk="1" latinLnBrk="0" hangingPunct="1">
+                        <a:defRPr sz="1800" kern="1200">
+                          <a:solidFill>
+                            <a:schemeClr val="tx1"/>
+                          </a:solidFill>
+                          <a:latin typeface="Calibri"/>
+                        </a:defRPr>
+                      </a:lvl5pPr>
+                      <a:lvl6pPr marL="2286000" algn="l" defTabSz="914400" rtl="0" eaLnBrk="1" latinLnBrk="0" hangingPunct="1">
+                        <a:defRPr sz="1800" kern="1200">
+                          <a:solidFill>
+                            <a:schemeClr val="tx1"/>
+                          </a:solidFill>
+                          <a:latin typeface="Calibri"/>
+                        </a:defRPr>
+                      </a:lvl6pPr>
+                      <a:lvl7pPr marL="2743200" algn="l" defTabSz="914400" rtl="0" eaLnBrk="1" latinLnBrk="0" hangingPunct="1">
+                        <a:defRPr sz="1800" kern="1200">
+                          <a:solidFill>
+                            <a:schemeClr val="tx1"/>
+                          </a:solidFill>
+                          <a:latin typeface="Calibri"/>
+                        </a:defRPr>
+                      </a:lvl7pPr>
+                      <a:lvl8pPr marL="3200400" algn="l" defTabSz="914400" rtl="0" eaLnBrk="1" latinLnBrk="0" hangingPunct="1">
+                        <a:defRPr sz="1800" kern="1200">
+                          <a:solidFill>
+                            <a:schemeClr val="tx1"/>
+                          </a:solidFill>
+                          <a:latin typeface="Calibri"/>
+                        </a:defRPr>
+                      </a:lvl8pPr>
+                      <a:lvl9pPr marL="3657600" algn="l" defTabSz="914400" rtl="0" eaLnBrk="1" latinLnBrk="0" hangingPunct="1">
+                        <a:defRPr sz="1800" kern="1200">
+                          <a:solidFill>
+                            <a:schemeClr val="tx1"/>
+                          </a:solidFill>
+                          <a:latin typeface="Calibri"/>
+                        </a:defRPr>
+                      </a:lvl9pPr>
+                    </a:lstStyle>
+                    <a:p>
+                      <a:pPr algn="l" fontAlgn="b"/>
+                      <a:r>
+                        <a:rPr lang="en-US" sz="1400" b="1" i="0" u="none" strike="noStrike" kern="1200" dirty="0" smtClean="0">
+                          <a:solidFill>
+                            <a:schemeClr val="bg1"/>
+                          </a:solidFill>
+                          <a:effectLst/>
+                          <a:latin typeface="Calibri"/>
+                          <a:ea typeface="+mn-ea"/>
+                          <a:cs typeface="Consolas" panose="020B0609020204030204" pitchFamily="49" charset="0"/>
+                        </a:rPr>
+                        <a:t># of Sink Blocks in use</a:t>
+                      </a:r>
+                      <a:endParaRPr lang="en-US" sz="1400" b="1" i="0" u="none" strike="noStrike" dirty="0">
+                        <a:solidFill>
+                          <a:schemeClr val="bg1"/>
+                        </a:solidFill>
+                        <a:effectLst/>
+                        <a:latin typeface="+mn-lt"/>
+                        <a:cs typeface="Consolas" panose="020B0609020204030204" pitchFamily="49" charset="0"/>
+                      </a:endParaRPr>
+                    </a:p>
+                  </a:txBody>
+                  <a:tcPr marL="45720" marR="45720" anchor="b">
+                    <a:lnL w="12700" cap="flat" cmpd="sng" algn="ctr">
+                      <a:solidFill>
+                        <a:srgbClr val="FFFFFF"/>
+                      </a:solidFill>
+                      <a:prstDash val="solid"/>
+                      <a:round/>
+                      <a:headEnd type="none" w="med" len="med"/>
+                      <a:tailEnd type="none" w="med" len="med"/>
+                    </a:lnL>
+                    <a:lnR w="12700" cap="flat" cmpd="sng" algn="ctr">
+                      <a:solidFill>
+                        <a:srgbClr val="FFFFFF"/>
+                      </a:solidFill>
+                      <a:prstDash val="solid"/>
+                      <a:round/>
+                      <a:headEnd type="none" w="med" len="med"/>
+                      <a:tailEnd type="none" w="med" len="med"/>
+                    </a:lnR>
+                    <a:lnT w="12700" cap="flat" cmpd="sng" algn="ctr">
+                      <a:solidFill>
+                        <a:srgbClr val="FFFFFF"/>
+                      </a:solidFill>
+                      <a:prstDash val="solid"/>
+                      <a:round/>
+                      <a:headEnd type="none" w="med" len="med"/>
+                      <a:tailEnd type="none" w="med" len="med"/>
+                    </a:lnT>
+                    <a:lnB w="12700" cap="flat" cmpd="sng" algn="ctr">
+                      <a:solidFill>
+                        <a:srgbClr val="FFFFFF"/>
+                      </a:solidFill>
+                      <a:prstDash val="solid"/>
+                      <a:round/>
+                      <a:headEnd type="none" w="med" len="med"/>
+                      <a:tailEnd type="none" w="med" len="med"/>
+                    </a:lnB>
+                    <a:lnTlToBr w="12700" cmpd="sng">
+                      <a:noFill/>
+                      <a:prstDash val="solid"/>
+                    </a:lnTlToBr>
+                    <a:lnBlToTr w="12700" cmpd="sng">
+                      <a:noFill/>
+                      <a:prstDash val="solid"/>
+                    </a:lnBlToTr>
+                    <a:noFill/>
+                  </a:tcPr>
+                </a:tc>
+                <a:tc>
+                  <a:txBody>
+                    <a:bodyPr/>
+                    <a:lstStyle>
+                      <a:lvl1pPr marL="0" algn="l" defTabSz="914400" rtl="0" eaLnBrk="1" latinLnBrk="0" hangingPunct="1">
+                        <a:defRPr sz="1800" kern="1200">
+                          <a:solidFill>
+                            <a:schemeClr val="tx1"/>
+                          </a:solidFill>
+                          <a:latin typeface="Calibri"/>
+                        </a:defRPr>
+                      </a:lvl1pPr>
+                      <a:lvl2pPr marL="457200" algn="l" defTabSz="914400" rtl="0" eaLnBrk="1" latinLnBrk="0" hangingPunct="1">
+                        <a:defRPr sz="1800" kern="1200">
+                          <a:solidFill>
+                            <a:schemeClr val="tx1"/>
+                          </a:solidFill>
+                          <a:latin typeface="Calibri"/>
+                        </a:defRPr>
+                      </a:lvl2pPr>
+                      <a:lvl3pPr marL="914400" algn="l" defTabSz="914400" rtl="0" eaLnBrk="1" latinLnBrk="0" hangingPunct="1">
+                        <a:defRPr sz="1800" kern="1200">
+                          <a:solidFill>
+                            <a:schemeClr val="tx1"/>
+                          </a:solidFill>
+                          <a:latin typeface="Calibri"/>
+                        </a:defRPr>
+                      </a:lvl3pPr>
+                      <a:lvl4pPr marL="1371600" algn="l" defTabSz="914400" rtl="0" eaLnBrk="1" latinLnBrk="0" hangingPunct="1">
+                        <a:defRPr sz="1800" kern="1200">
+                          <a:solidFill>
+                            <a:schemeClr val="tx1"/>
+                          </a:solidFill>
+                          <a:latin typeface="Calibri"/>
+                        </a:defRPr>
+                      </a:lvl4pPr>
+                      <a:lvl5pPr marL="1828800" algn="l" defTabSz="914400" rtl="0" eaLnBrk="1" latinLnBrk="0" hangingPunct="1">
+                        <a:defRPr sz="1800" kern="1200">
+                          <a:solidFill>
+                            <a:schemeClr val="tx1"/>
+                          </a:solidFill>
+                          <a:latin typeface="Calibri"/>
+                        </a:defRPr>
+                      </a:lvl5pPr>
+                      <a:lvl6pPr marL="2286000" algn="l" defTabSz="914400" rtl="0" eaLnBrk="1" latinLnBrk="0" hangingPunct="1">
+                        <a:defRPr sz="1800" kern="1200">
+                          <a:solidFill>
+                            <a:schemeClr val="tx1"/>
+                          </a:solidFill>
+                          <a:latin typeface="Calibri"/>
+                        </a:defRPr>
+                      </a:lvl6pPr>
+                      <a:lvl7pPr marL="2743200" algn="l" defTabSz="914400" rtl="0" eaLnBrk="1" latinLnBrk="0" hangingPunct="1">
+                        <a:defRPr sz="1800" kern="1200">
+                          <a:solidFill>
+                            <a:schemeClr val="tx1"/>
+                          </a:solidFill>
+                          <a:latin typeface="Calibri"/>
+                        </a:defRPr>
+                      </a:lvl7pPr>
+                      <a:lvl8pPr marL="3200400" algn="l" defTabSz="914400" rtl="0" eaLnBrk="1" latinLnBrk="0" hangingPunct="1">
+                        <a:defRPr sz="1800" kern="1200">
+                          <a:solidFill>
+                            <a:schemeClr val="tx1"/>
+                          </a:solidFill>
+                          <a:latin typeface="Calibri"/>
+                        </a:defRPr>
+                      </a:lvl8pPr>
+                      <a:lvl9pPr marL="3657600" algn="l" defTabSz="914400" rtl="0" eaLnBrk="1" latinLnBrk="0" hangingPunct="1">
+                        <a:defRPr sz="1800" kern="1200">
+                          <a:solidFill>
+                            <a:schemeClr val="tx1"/>
+                          </a:solidFill>
+                          <a:latin typeface="Calibri"/>
+                        </a:defRPr>
+                      </a:lvl9pPr>
+                    </a:lstStyle>
+                    <a:p>
+                      <a:pPr algn="l" fontAlgn="b"/>
+                      <a:r>
+                        <a:rPr lang="ru-RU" sz="1400" b="0" i="0" u="none" strike="noStrike" dirty="0" smtClean="0">
+                          <a:solidFill>
+                            <a:schemeClr val="bg1"/>
+                          </a:solidFill>
+                          <a:effectLst/>
+                          <a:latin typeface="+mn-lt"/>
+                          <a:cs typeface="Consolas" panose="020B0609020204030204" pitchFamily="49" charset="0"/>
+                        </a:rPr>
+                        <a:t>Текущее вол-во объектов синхронизации</a:t>
+                      </a:r>
+                      <a:endParaRPr lang="en-US" sz="1400" b="0" i="0" u="none" strike="noStrike" dirty="0">
+                        <a:solidFill>
+                          <a:schemeClr val="bg1"/>
+                        </a:solidFill>
+                        <a:effectLst/>
+                        <a:latin typeface="+mn-lt"/>
+                        <a:cs typeface="Consolas" panose="020B0609020204030204" pitchFamily="49" charset="0"/>
+                      </a:endParaRPr>
+                    </a:p>
+                  </a:txBody>
+                  <a:tcPr marL="45720" marR="45720" anchor="b">
+                    <a:lnL w="12700" cap="flat" cmpd="sng" algn="ctr">
+                      <a:solidFill>
+                        <a:srgbClr val="FFFFFF"/>
+                      </a:solidFill>
+                      <a:prstDash val="solid"/>
+                      <a:round/>
+                      <a:headEnd type="none" w="med" len="med"/>
+                      <a:tailEnd type="none" w="med" len="med"/>
+                    </a:lnL>
+                    <a:lnR w="12700" cap="flat" cmpd="sng" algn="ctr">
+                      <a:solidFill>
+                        <a:srgbClr val="FFFFFF"/>
+                      </a:solidFill>
+                      <a:prstDash val="solid"/>
+                      <a:round/>
+                      <a:headEnd type="none" w="med" len="med"/>
+                      <a:tailEnd type="none" w="med" len="med"/>
+                    </a:lnR>
+                    <a:lnT w="12700" cap="flat" cmpd="sng" algn="ctr">
+                      <a:solidFill>
+                        <a:srgbClr val="FFFFFF"/>
+                      </a:solidFill>
+                      <a:prstDash val="solid"/>
+                      <a:round/>
+                      <a:headEnd type="none" w="med" len="med"/>
+                      <a:tailEnd type="none" w="med" len="med"/>
+                    </a:lnT>
+                    <a:lnB w="12700" cap="flat" cmpd="sng" algn="ctr">
+                      <a:solidFill>
+                        <a:srgbClr val="FFFFFF"/>
+                      </a:solidFill>
+                      <a:prstDash val="solid"/>
+                      <a:round/>
+                      <a:headEnd type="none" w="med" len="med"/>
+                      <a:tailEnd type="none" w="med" len="med"/>
+                    </a:lnB>
+                    <a:lnTlToBr w="12700" cmpd="sng">
+                      <a:noFill/>
+                      <a:prstDash val="solid"/>
+                    </a:lnTlToBr>
+                    <a:lnBlToTr w="12700" cmpd="sng">
+                      <a:noFill/>
+                      <a:prstDash val="solid"/>
+                    </a:lnBlToTr>
+                    <a:noFill/>
+                  </a:tcPr>
+                </a:tc>
+              </a:tr>
+              <a:tr h="0">
+                <a:tc>
+                  <a:txBody>
+                    <a:bodyPr/>
+                    <a:lstStyle>
+                      <a:lvl1pPr marL="0" algn="l" defTabSz="914400" rtl="0" eaLnBrk="1" latinLnBrk="0" hangingPunct="1">
+                        <a:defRPr sz="1800" kern="1200">
+                          <a:solidFill>
+                            <a:schemeClr val="tx1"/>
+                          </a:solidFill>
+                          <a:latin typeface="Calibri"/>
+                        </a:defRPr>
+                      </a:lvl1pPr>
+                      <a:lvl2pPr marL="457200" algn="l" defTabSz="914400" rtl="0" eaLnBrk="1" latinLnBrk="0" hangingPunct="1">
+                        <a:defRPr sz="1800" kern="1200">
+                          <a:solidFill>
+                            <a:schemeClr val="tx1"/>
+                          </a:solidFill>
+                          <a:latin typeface="Calibri"/>
+                        </a:defRPr>
+                      </a:lvl2pPr>
+                      <a:lvl3pPr marL="914400" algn="l" defTabSz="914400" rtl="0" eaLnBrk="1" latinLnBrk="0" hangingPunct="1">
+                        <a:defRPr sz="1800" kern="1200">
+                          <a:solidFill>
+                            <a:schemeClr val="tx1"/>
+                          </a:solidFill>
+                          <a:latin typeface="Calibri"/>
+                        </a:defRPr>
+                      </a:lvl3pPr>
+                      <a:lvl4pPr marL="1371600" algn="l" defTabSz="914400" rtl="0" eaLnBrk="1" latinLnBrk="0" hangingPunct="1">
+                        <a:defRPr sz="1800" kern="1200">
+                          <a:solidFill>
+                            <a:schemeClr val="tx1"/>
+                          </a:solidFill>
+                          <a:latin typeface="Calibri"/>
+                        </a:defRPr>
+                      </a:lvl4pPr>
+                      <a:lvl5pPr marL="1828800" algn="l" defTabSz="914400" rtl="0" eaLnBrk="1" latinLnBrk="0" hangingPunct="1">
+                        <a:defRPr sz="1800" kern="1200">
+                          <a:solidFill>
+                            <a:schemeClr val="tx1"/>
+                          </a:solidFill>
+                          <a:latin typeface="Calibri"/>
+                        </a:defRPr>
+                      </a:lvl5pPr>
+                      <a:lvl6pPr marL="2286000" algn="l" defTabSz="914400" rtl="0" eaLnBrk="1" latinLnBrk="0" hangingPunct="1">
+                        <a:defRPr sz="1800" kern="1200">
+                          <a:solidFill>
+                            <a:schemeClr val="tx1"/>
+                          </a:solidFill>
+                          <a:latin typeface="Calibri"/>
+                        </a:defRPr>
+                      </a:lvl6pPr>
+                      <a:lvl7pPr marL="2743200" algn="l" defTabSz="914400" rtl="0" eaLnBrk="1" latinLnBrk="0" hangingPunct="1">
+                        <a:defRPr sz="1800" kern="1200">
+                          <a:solidFill>
+                            <a:schemeClr val="tx1"/>
+                          </a:solidFill>
+                          <a:latin typeface="Calibri"/>
+                        </a:defRPr>
+                      </a:lvl7pPr>
+                      <a:lvl8pPr marL="3200400" algn="l" defTabSz="914400" rtl="0" eaLnBrk="1" latinLnBrk="0" hangingPunct="1">
+                        <a:defRPr sz="1800" kern="1200">
+                          <a:solidFill>
+                            <a:schemeClr val="tx1"/>
+                          </a:solidFill>
+                          <a:latin typeface="Calibri"/>
+                        </a:defRPr>
+                      </a:lvl8pPr>
+                      <a:lvl9pPr marL="3657600" algn="l" defTabSz="914400" rtl="0" eaLnBrk="1" latinLnBrk="0" hangingPunct="1">
+                        <a:defRPr sz="1800" kern="1200">
+                          <a:solidFill>
+                            <a:schemeClr val="tx1"/>
+                          </a:solidFill>
+                          <a:latin typeface="Calibri"/>
+                        </a:defRPr>
+                      </a:lvl9pPr>
+                    </a:lstStyle>
+                    <a:p>
+                      <a:pPr algn="l" fontAlgn="b"/>
+                      <a:r>
+                        <a:rPr lang="en-US" sz="1400" b="1" i="0" u="none" strike="noStrike" kern="1200" dirty="0" smtClean="0">
+                          <a:solidFill>
+                            <a:schemeClr val="bg1"/>
+                          </a:solidFill>
+                          <a:effectLst/>
+                          <a:latin typeface="Calibri"/>
+                          <a:ea typeface="+mn-ea"/>
+                          <a:cs typeface="Consolas" panose="020B0609020204030204" pitchFamily="49" charset="0"/>
+                        </a:rPr>
+                        <a:t>% Time in GC</a:t>
+                      </a:r>
+                      <a:endParaRPr lang="en-US" sz="1400" b="1" i="0" u="none" strike="noStrike" dirty="0">
+                        <a:solidFill>
+                          <a:schemeClr val="bg1"/>
+                        </a:solidFill>
+                        <a:effectLst/>
+                        <a:latin typeface="+mn-lt"/>
+                        <a:cs typeface="Consolas" panose="020B0609020204030204" pitchFamily="49" charset="0"/>
+                      </a:endParaRPr>
+                    </a:p>
+                  </a:txBody>
+                  <a:tcPr marL="45720" marR="45720" anchor="b">
+                    <a:lnL w="12700" cap="flat" cmpd="sng" algn="ctr">
+                      <a:solidFill>
+                        <a:srgbClr val="FFFFFF"/>
+                      </a:solidFill>
+                      <a:prstDash val="solid"/>
+                      <a:round/>
+                      <a:headEnd type="none" w="med" len="med"/>
+                      <a:tailEnd type="none" w="med" len="med"/>
+                    </a:lnL>
+                    <a:lnR w="12700" cap="flat" cmpd="sng" algn="ctr">
+                      <a:solidFill>
+                        <a:srgbClr val="FFFFFF"/>
+                      </a:solidFill>
+                      <a:prstDash val="solid"/>
+                      <a:round/>
+                      <a:headEnd type="none" w="med" len="med"/>
+                      <a:tailEnd type="none" w="med" len="med"/>
+                    </a:lnR>
+                    <a:lnT w="12700" cap="flat" cmpd="sng" algn="ctr">
+                      <a:solidFill>
+                        <a:srgbClr val="FFFFFF"/>
+                      </a:solidFill>
+                      <a:prstDash val="solid"/>
+                      <a:round/>
+                      <a:headEnd type="none" w="med" len="med"/>
+                      <a:tailEnd type="none" w="med" len="med"/>
+                    </a:lnT>
+                    <a:lnB w="12700" cap="flat" cmpd="sng" algn="ctr">
+                      <a:solidFill>
+                        <a:srgbClr val="FFFFFF"/>
+                      </a:solidFill>
+                      <a:prstDash val="solid"/>
+                      <a:round/>
+                      <a:headEnd type="none" w="med" len="med"/>
+                      <a:tailEnd type="none" w="med" len="med"/>
+                    </a:lnB>
+                    <a:lnTlToBr w="12700" cmpd="sng">
+                      <a:noFill/>
+                      <a:prstDash val="solid"/>
+                    </a:lnTlToBr>
+                    <a:lnBlToTr w="12700" cmpd="sng">
+                      <a:noFill/>
+                      <a:prstDash val="solid"/>
+                    </a:lnBlToTr>
+                    <a:noFill/>
+                  </a:tcPr>
+                </a:tc>
+                <a:tc>
+                  <a:txBody>
+                    <a:bodyPr/>
+                    <a:lstStyle>
+                      <a:lvl1pPr marL="0" algn="l" defTabSz="914400" rtl="0" eaLnBrk="1" latinLnBrk="0" hangingPunct="1">
+                        <a:defRPr sz="1800" kern="1200">
+                          <a:solidFill>
+                            <a:schemeClr val="tx1"/>
+                          </a:solidFill>
+                          <a:latin typeface="Calibri"/>
+                        </a:defRPr>
+                      </a:lvl1pPr>
+                      <a:lvl2pPr marL="457200" algn="l" defTabSz="914400" rtl="0" eaLnBrk="1" latinLnBrk="0" hangingPunct="1">
+                        <a:defRPr sz="1800" kern="1200">
+                          <a:solidFill>
+                            <a:schemeClr val="tx1"/>
+                          </a:solidFill>
+                          <a:latin typeface="Calibri"/>
+                        </a:defRPr>
+                      </a:lvl2pPr>
+                      <a:lvl3pPr marL="914400" algn="l" defTabSz="914400" rtl="0" eaLnBrk="1" latinLnBrk="0" hangingPunct="1">
+                        <a:defRPr sz="1800" kern="1200">
+                          <a:solidFill>
+                            <a:schemeClr val="tx1"/>
+                          </a:solidFill>
+                          <a:latin typeface="Calibri"/>
+                        </a:defRPr>
+                      </a:lvl3pPr>
+                      <a:lvl4pPr marL="1371600" algn="l" defTabSz="914400" rtl="0" eaLnBrk="1" latinLnBrk="0" hangingPunct="1">
+                        <a:defRPr sz="1800" kern="1200">
+                          <a:solidFill>
+                            <a:schemeClr val="tx1"/>
+                          </a:solidFill>
+                          <a:latin typeface="Calibri"/>
+                        </a:defRPr>
+                      </a:lvl4pPr>
+                      <a:lvl5pPr marL="1828800" algn="l" defTabSz="914400" rtl="0" eaLnBrk="1" latinLnBrk="0" hangingPunct="1">
+                        <a:defRPr sz="1800" kern="1200">
+                          <a:solidFill>
+                            <a:schemeClr val="tx1"/>
+                          </a:solidFill>
+                          <a:latin typeface="Calibri"/>
+                        </a:defRPr>
+                      </a:lvl5pPr>
+                      <a:lvl6pPr marL="2286000" algn="l" defTabSz="914400" rtl="0" eaLnBrk="1" latinLnBrk="0" hangingPunct="1">
+                        <a:defRPr sz="1800" kern="1200">
+                          <a:solidFill>
+                            <a:schemeClr val="tx1"/>
+                          </a:solidFill>
+                          <a:latin typeface="Calibri"/>
+                        </a:defRPr>
+                      </a:lvl6pPr>
+                      <a:lvl7pPr marL="2743200" algn="l" defTabSz="914400" rtl="0" eaLnBrk="1" latinLnBrk="0" hangingPunct="1">
+                        <a:defRPr sz="1800" kern="1200">
+                          <a:solidFill>
+                            <a:schemeClr val="tx1"/>
+                          </a:solidFill>
+                          <a:latin typeface="Calibri"/>
+                        </a:defRPr>
+                      </a:lvl7pPr>
+                      <a:lvl8pPr marL="3200400" algn="l" defTabSz="914400" rtl="0" eaLnBrk="1" latinLnBrk="0" hangingPunct="1">
+                        <a:defRPr sz="1800" kern="1200">
+                          <a:solidFill>
+                            <a:schemeClr val="tx1"/>
+                          </a:solidFill>
+                          <a:latin typeface="Calibri"/>
+                        </a:defRPr>
+                      </a:lvl8pPr>
+                      <a:lvl9pPr marL="3657600" algn="l" defTabSz="914400" rtl="0" eaLnBrk="1" latinLnBrk="0" hangingPunct="1">
+                        <a:defRPr sz="1800" kern="1200">
+                          <a:solidFill>
+                            <a:schemeClr val="tx1"/>
+                          </a:solidFill>
+                          <a:latin typeface="Calibri"/>
+                        </a:defRPr>
+                      </a:lvl9pPr>
+                    </a:lstStyle>
+                    <a:p>
+                      <a:pPr algn="l" fontAlgn="b"/>
+                      <a:r>
+                        <a:rPr lang="ru-RU" sz="1400" b="0" i="0" u="none" strike="noStrike" dirty="0" smtClean="0">
+                          <a:solidFill>
+                            <a:schemeClr val="bg1"/>
+                          </a:solidFill>
+                          <a:effectLst/>
+                          <a:latin typeface="+mn-lt"/>
+                          <a:cs typeface="Consolas" panose="020B0609020204030204" pitchFamily="49" charset="0"/>
+                        </a:rPr>
+                        <a:t>Сколько в % заняла последняя сборка мусора</a:t>
+                      </a:r>
+                      <a:endParaRPr lang="en-US" sz="1400" b="0" i="0" u="none" strike="noStrike" dirty="0">
+                        <a:solidFill>
+                          <a:schemeClr val="bg1"/>
+                        </a:solidFill>
+                        <a:effectLst/>
+                        <a:latin typeface="+mn-lt"/>
+                        <a:cs typeface="Consolas" panose="020B0609020204030204" pitchFamily="49" charset="0"/>
+                      </a:endParaRPr>
+                    </a:p>
+                  </a:txBody>
+                  <a:tcPr marL="45720" marR="45720" anchor="b">
+                    <a:lnL w="12700" cap="flat" cmpd="sng" algn="ctr">
+                      <a:solidFill>
+                        <a:srgbClr val="FFFFFF"/>
+                      </a:solidFill>
+                      <a:prstDash val="solid"/>
+                      <a:round/>
+                      <a:headEnd type="none" w="med" len="med"/>
+                      <a:tailEnd type="none" w="med" len="med"/>
+                    </a:lnL>
+                    <a:lnR w="12700" cap="flat" cmpd="sng" algn="ctr">
+                      <a:solidFill>
+                        <a:srgbClr val="FFFFFF"/>
+                      </a:solidFill>
+                      <a:prstDash val="solid"/>
+                      <a:round/>
+                      <a:headEnd type="none" w="med" len="med"/>
+                      <a:tailEnd type="none" w="med" len="med"/>
+                    </a:lnR>
+                    <a:lnT w="12700" cap="flat" cmpd="sng" algn="ctr">
+                      <a:solidFill>
+                        <a:srgbClr val="FFFFFF"/>
+                      </a:solidFill>
+                      <a:prstDash val="solid"/>
+                      <a:round/>
+                      <a:headEnd type="none" w="med" len="med"/>
+                      <a:tailEnd type="none" w="med" len="med"/>
+                    </a:lnT>
+                    <a:lnB w="12700" cap="flat" cmpd="sng" algn="ctr">
+                      <a:solidFill>
+                        <a:srgbClr val="FFFFFF"/>
+                      </a:solidFill>
+                      <a:prstDash val="solid"/>
+                      <a:round/>
+                      <a:headEnd type="none" w="med" len="med"/>
+                      <a:tailEnd type="none" w="med" len="med"/>
+                    </a:lnB>
+                    <a:lnTlToBr w="12700" cmpd="sng">
+                      <a:noFill/>
+                      <a:prstDash val="solid"/>
+                    </a:lnTlToBr>
+                    <a:lnBlToTr w="12700" cmpd="sng">
+                      <a:noFill/>
+                      <a:prstDash val="solid"/>
+                    </a:lnBlToTr>
+                    <a:noFill/>
+                  </a:tcPr>
+                </a:tc>
+              </a:tr>
+              <a:tr h="0">
+                <a:tc>
+                  <a:txBody>
+                    <a:bodyPr/>
+                    <a:lstStyle/>
+                    <a:p>
+                      <a:pPr algn="l" fontAlgn="b"/>
+                      <a:r>
+                        <a:rPr lang="en-US" sz="1400" b="1" i="0" u="none" strike="noStrike" dirty="0" smtClean="0">
+                          <a:solidFill>
+                            <a:schemeClr val="bg1"/>
+                          </a:solidFill>
+                          <a:effectLst/>
+                          <a:latin typeface="+mn-lt"/>
+                          <a:cs typeface="Consolas" panose="020B0609020204030204" pitchFamily="49" charset="0"/>
+                        </a:rPr>
+                        <a:t>Allocated Bytes/sec</a:t>
+                      </a:r>
+                      <a:endParaRPr lang="en-US" sz="1400" b="1" i="0" u="none" strike="noStrike" dirty="0">
+                        <a:solidFill>
+                          <a:schemeClr val="bg1"/>
+                        </a:solidFill>
+                        <a:effectLst/>
+                        <a:latin typeface="+mn-lt"/>
+                        <a:cs typeface="Consolas" panose="020B0609020204030204" pitchFamily="49" charset="0"/>
+                      </a:endParaRPr>
+                    </a:p>
+                  </a:txBody>
+                  <a:tcPr marL="45720" marR="45720" anchor="b">
+                    <a:lnL w="12700" cap="flat" cmpd="sng" algn="ctr">
+                      <a:solidFill>
+                        <a:srgbClr val="FFFFFF"/>
+                      </a:solidFill>
+                      <a:prstDash val="solid"/>
+                      <a:round/>
+                      <a:headEnd type="none" w="med" len="med"/>
+                      <a:tailEnd type="none" w="med" len="med"/>
+                    </a:lnL>
+                    <a:lnR w="12700" cap="flat" cmpd="sng" algn="ctr">
+                      <a:solidFill>
+                        <a:srgbClr val="FFFFFF"/>
+                      </a:solidFill>
+                      <a:prstDash val="solid"/>
+                      <a:round/>
+                      <a:headEnd type="none" w="med" len="med"/>
+                      <a:tailEnd type="none" w="med" len="med"/>
+                    </a:lnR>
+                    <a:lnT w="12700" cap="flat" cmpd="sng" algn="ctr">
+                      <a:solidFill>
+                        <a:srgbClr val="FFFFFF"/>
+                      </a:solidFill>
+                      <a:prstDash val="solid"/>
+                      <a:round/>
+                      <a:headEnd type="none" w="med" len="med"/>
+                      <a:tailEnd type="none" w="med" len="med"/>
+                    </a:lnT>
+                    <a:lnB w="12700" cap="flat" cmpd="sng" algn="ctr">
+                      <a:solidFill>
+                        <a:srgbClr val="FFFFFF"/>
+                      </a:solidFill>
+                      <a:prstDash val="solid"/>
+                      <a:round/>
+                      <a:headEnd type="none" w="med" len="med"/>
+                      <a:tailEnd type="none" w="med" len="med"/>
+                    </a:lnB>
+                    <a:lnTlToBr w="12700" cmpd="sng">
+                      <a:noFill/>
+                      <a:prstDash val="solid"/>
+                    </a:lnTlToBr>
+                    <a:lnBlToTr w="12700" cmpd="sng">
+                      <a:noFill/>
+                      <a:prstDash val="solid"/>
+                    </a:lnBlToTr>
+                    <a:noFill/>
+                  </a:tcPr>
+                </a:tc>
+                <a:tc>
+                  <a:txBody>
+                    <a:bodyPr/>
+                    <a:lstStyle/>
+                    <a:p>
+                      <a:pPr algn="l" fontAlgn="b"/>
+                      <a:r>
+                        <a:rPr lang="ru-RU" sz="1400" b="0" i="0" u="none" strike="noStrike" dirty="0" smtClean="0">
+                          <a:solidFill>
+                            <a:schemeClr val="bg1"/>
+                          </a:solidFill>
+                          <a:effectLst/>
+                          <a:latin typeface="+mn-lt"/>
+                          <a:cs typeface="Consolas" panose="020B0609020204030204" pitchFamily="49" charset="0"/>
+                        </a:rPr>
+                        <a:t>Скорость выделения</a:t>
+                      </a:r>
+                      <a:r>
+                        <a:rPr lang="ru-RU" sz="1400" b="0" i="0" u="none" strike="noStrike" baseline="0" dirty="0" smtClean="0">
+                          <a:solidFill>
+                            <a:schemeClr val="bg1"/>
+                          </a:solidFill>
+                          <a:effectLst/>
+                          <a:latin typeface="+mn-lt"/>
+                          <a:cs typeface="Consolas" panose="020B0609020204030204" pitchFamily="49" charset="0"/>
+                        </a:rPr>
+                        <a:t> Два последних значения / интервал</a:t>
+                      </a:r>
+                      <a:endParaRPr lang="en-US" sz="1400" b="0" i="0" u="none" strike="noStrike" dirty="0">
+                        <a:solidFill>
+                          <a:schemeClr val="bg1"/>
+                        </a:solidFill>
+                        <a:effectLst/>
+                        <a:latin typeface="+mn-lt"/>
+                        <a:cs typeface="Consolas" panose="020B0609020204030204" pitchFamily="49" charset="0"/>
+                      </a:endParaRPr>
+                    </a:p>
+                  </a:txBody>
+                  <a:tcPr marL="45720" marR="45720" anchor="b">
+                    <a:lnL w="12700" cap="flat" cmpd="sng" algn="ctr">
+                      <a:solidFill>
+                        <a:srgbClr val="FFFFFF"/>
+                      </a:solidFill>
+                      <a:prstDash val="solid"/>
+                      <a:round/>
+                      <a:headEnd type="none" w="med" len="med"/>
+                      <a:tailEnd type="none" w="med" len="med"/>
+                    </a:lnL>
+                    <a:lnR w="12700" cap="flat" cmpd="sng" algn="ctr">
+                      <a:solidFill>
+                        <a:srgbClr val="FFFFFF"/>
+                      </a:solidFill>
+                      <a:prstDash val="solid"/>
+                      <a:round/>
+                      <a:headEnd type="none" w="med" len="med"/>
+                      <a:tailEnd type="none" w="med" len="med"/>
+                    </a:lnR>
+                    <a:lnT w="12700" cap="flat" cmpd="sng" algn="ctr">
+                      <a:solidFill>
+                        <a:srgbClr val="FFFFFF"/>
+                      </a:solidFill>
+                      <a:prstDash val="solid"/>
+                      <a:round/>
+                      <a:headEnd type="none" w="med" len="med"/>
+                      <a:tailEnd type="none" w="med" len="med"/>
+                    </a:lnT>
+                    <a:lnB w="12700" cap="flat" cmpd="sng" algn="ctr">
+                      <a:solidFill>
+                        <a:srgbClr val="FFFFFF"/>
+                      </a:solidFill>
+                      <a:prstDash val="solid"/>
+                      <a:round/>
+                      <a:headEnd type="none" w="med" len="med"/>
+                      <a:tailEnd type="none" w="med" len="med"/>
+                    </a:lnB>
+                    <a:lnTlToBr w="12700" cmpd="sng">
+                      <a:noFill/>
+                      <a:prstDash val="solid"/>
+                    </a:lnTlToBr>
+                    <a:lnBlToTr w="12700" cmpd="sng">
+                      <a:noFill/>
+                      <a:prstDash val="solid"/>
+                    </a:lnBlToTr>
+                    <a:noFill/>
+                  </a:tcPr>
+                </a:tc>
+              </a:tr>
+              <a:tr h="0">
+                <a:tc>
+                  <a:txBody>
+                    <a:bodyPr/>
+                    <a:lstStyle/>
+                    <a:p>
+                      <a:pPr algn="l" fontAlgn="b"/>
+                      <a:r>
+                        <a:rPr lang="en-US" sz="1400" b="1" i="0" u="none" strike="noStrike" dirty="0" smtClean="0">
+                          <a:solidFill>
+                            <a:schemeClr val="bg1"/>
+                          </a:solidFill>
+                          <a:effectLst/>
+                          <a:latin typeface="+mn-lt"/>
+                          <a:cs typeface="Consolas" panose="020B0609020204030204" pitchFamily="49" charset="0"/>
+                        </a:rPr>
+                        <a:t>Finalization Survivors</a:t>
+                      </a:r>
+                      <a:endParaRPr lang="en-US" sz="1400" b="1" i="0" u="none" strike="noStrike" dirty="0">
+                        <a:solidFill>
+                          <a:schemeClr val="bg1"/>
+                        </a:solidFill>
+                        <a:effectLst/>
+                        <a:latin typeface="+mn-lt"/>
+                        <a:cs typeface="Consolas" panose="020B0609020204030204" pitchFamily="49" charset="0"/>
+                      </a:endParaRPr>
+                    </a:p>
+                  </a:txBody>
+                  <a:tcPr marL="45720" marR="45720" anchor="b">
+                    <a:lnL w="12700" cap="flat" cmpd="sng" algn="ctr">
+                      <a:solidFill>
+                        <a:srgbClr val="FFFFFF"/>
+                      </a:solidFill>
+                      <a:prstDash val="solid"/>
+                      <a:round/>
+                      <a:headEnd type="none" w="med" len="med"/>
+                      <a:tailEnd type="none" w="med" len="med"/>
+                    </a:lnL>
+                    <a:lnR w="12700" cap="flat" cmpd="sng" algn="ctr">
+                      <a:solidFill>
+                        <a:srgbClr val="FFFFFF"/>
+                      </a:solidFill>
+                      <a:prstDash val="solid"/>
+                      <a:round/>
+                      <a:headEnd type="none" w="med" len="med"/>
+                      <a:tailEnd type="none" w="med" len="med"/>
+                    </a:lnR>
+                    <a:lnT w="12700" cap="flat" cmpd="sng" algn="ctr">
+                      <a:solidFill>
+                        <a:srgbClr val="FFFFFF"/>
+                      </a:solidFill>
+                      <a:prstDash val="solid"/>
+                      <a:round/>
+                      <a:headEnd type="none" w="med" len="med"/>
+                      <a:tailEnd type="none" w="med" len="med"/>
+                    </a:lnT>
+                    <a:lnB w="12700" cap="flat" cmpd="sng" algn="ctr">
+                      <a:solidFill>
+                        <a:srgbClr val="FFFFFF"/>
+                      </a:solidFill>
+                      <a:prstDash val="solid"/>
+                      <a:round/>
+                      <a:headEnd type="none" w="med" len="med"/>
+                      <a:tailEnd type="none" w="med" len="med"/>
+                    </a:lnB>
+                    <a:lnTlToBr w="12700" cmpd="sng">
+                      <a:noFill/>
+                      <a:prstDash val="solid"/>
+                    </a:lnTlToBr>
+                    <a:lnBlToTr w="12700" cmpd="sng">
+                      <a:noFill/>
+                      <a:prstDash val="solid"/>
+                    </a:lnBlToTr>
+                    <a:noFill/>
+                  </a:tcPr>
+                </a:tc>
+                <a:tc>
+                  <a:txBody>
+                    <a:bodyPr/>
+                    <a:lstStyle/>
+                    <a:p>
+                      <a:pPr algn="l" fontAlgn="b"/>
+                      <a:r>
+                        <a:rPr lang="ru-RU" sz="1400" b="0" i="0" u="none" strike="noStrike" dirty="0" smtClean="0">
+                          <a:solidFill>
+                            <a:schemeClr val="bg1"/>
+                          </a:solidFill>
+                          <a:effectLst/>
+                          <a:latin typeface="+mn-lt"/>
+                          <a:cs typeface="Consolas" panose="020B0609020204030204" pitchFamily="49" charset="0"/>
+                        </a:rPr>
+                        <a:t>Сколько объектов не были удалены т.к. нужно вызывать </a:t>
+                      </a:r>
+                      <a:r>
+                        <a:rPr lang="en-US" sz="1400" b="0" i="0" u="none" strike="noStrike" dirty="0" smtClean="0">
+                          <a:solidFill>
+                            <a:schemeClr val="bg1"/>
+                          </a:solidFill>
+                          <a:effectLst/>
+                          <a:latin typeface="+mn-lt"/>
+                          <a:cs typeface="Consolas" panose="020B0609020204030204" pitchFamily="49" charset="0"/>
+                        </a:rPr>
+                        <a:t>~Fin</a:t>
+                      </a:r>
+                      <a:endParaRPr lang="en-US" sz="1400" b="0" i="0" u="none" strike="noStrike" dirty="0">
+                        <a:solidFill>
+                          <a:schemeClr val="bg1"/>
+                        </a:solidFill>
+                        <a:effectLst/>
+                        <a:latin typeface="+mn-lt"/>
+                        <a:cs typeface="Consolas" panose="020B0609020204030204" pitchFamily="49" charset="0"/>
+                      </a:endParaRPr>
+                    </a:p>
+                  </a:txBody>
+                  <a:tcPr marL="45720" marR="45720" anchor="b">
+                    <a:lnL w="12700" cap="flat" cmpd="sng" algn="ctr">
+                      <a:solidFill>
+                        <a:srgbClr val="FFFFFF"/>
+                      </a:solidFill>
+                      <a:prstDash val="solid"/>
+                      <a:round/>
+                      <a:headEnd type="none" w="med" len="med"/>
+                      <a:tailEnd type="none" w="med" len="med"/>
+                    </a:lnL>
+                    <a:lnR w="12700" cap="flat" cmpd="sng" algn="ctr">
+                      <a:solidFill>
+                        <a:srgbClr val="FFFFFF"/>
+                      </a:solidFill>
+                      <a:prstDash val="solid"/>
+                      <a:round/>
+                      <a:headEnd type="none" w="med" len="med"/>
+                      <a:tailEnd type="none" w="med" len="med"/>
+                    </a:lnR>
+                    <a:lnT w="12700" cap="flat" cmpd="sng" algn="ctr">
+                      <a:solidFill>
+                        <a:srgbClr val="FFFFFF"/>
+                      </a:solidFill>
+                      <a:prstDash val="solid"/>
+                      <a:round/>
+                      <a:headEnd type="none" w="med" len="med"/>
+                      <a:tailEnd type="none" w="med" len="med"/>
+                    </a:lnT>
+                    <a:lnB w="12700" cap="flat" cmpd="sng" algn="ctr">
+                      <a:solidFill>
+                        <a:srgbClr val="FFFFFF"/>
+                      </a:solidFill>
+                      <a:prstDash val="solid"/>
+                      <a:round/>
+                      <a:headEnd type="none" w="med" len="med"/>
+                      <a:tailEnd type="none" w="med" len="med"/>
+                    </a:lnB>
+                    <a:lnTlToBr w="12700" cmpd="sng">
+                      <a:noFill/>
+                      <a:prstDash val="solid"/>
+                    </a:lnTlToBr>
+                    <a:lnBlToTr w="12700" cmpd="sng">
+                      <a:noFill/>
+                      <a:prstDash val="solid"/>
+                    </a:lnBlToTr>
+                    <a:noFill/>
+                  </a:tcPr>
+                </a:tc>
+              </a:tr>
+              <a:tr h="0">
+                <a:tc>
+                  <a:txBody>
+                    <a:bodyPr/>
+                    <a:lstStyle/>
+                    <a:p>
+                      <a:pPr algn="l" fontAlgn="b"/>
+                      <a:r>
+                        <a:rPr lang="en-US" sz="1400" b="1" i="0" u="none" strike="noStrike" dirty="0" smtClean="0">
+                          <a:solidFill>
+                            <a:schemeClr val="bg1"/>
+                          </a:solidFill>
+                          <a:effectLst/>
+                          <a:latin typeface="+mn-lt"/>
+                          <a:cs typeface="Consolas" panose="020B0609020204030204" pitchFamily="49" charset="0"/>
+                        </a:rPr>
+                        <a:t>Gen 0,1 Promoted Bytes/Sec</a:t>
+                      </a:r>
+                      <a:endParaRPr lang="en-US" sz="1400" b="1" i="0" u="none" strike="noStrike" dirty="0">
+                        <a:solidFill>
+                          <a:schemeClr val="bg1"/>
+                        </a:solidFill>
+                        <a:effectLst/>
+                        <a:latin typeface="+mn-lt"/>
+                        <a:cs typeface="Consolas" panose="020B0609020204030204" pitchFamily="49" charset="0"/>
+                      </a:endParaRPr>
+                    </a:p>
+                  </a:txBody>
+                  <a:tcPr marL="45720" marR="45720" anchor="b">
+                    <a:lnL w="12700" cap="flat" cmpd="sng" algn="ctr">
+                      <a:solidFill>
+                        <a:srgbClr val="FFFFFF"/>
+                      </a:solidFill>
+                      <a:prstDash val="solid"/>
+                      <a:round/>
+                      <a:headEnd type="none" w="med" len="med"/>
+                      <a:tailEnd type="none" w="med" len="med"/>
+                    </a:lnL>
+                    <a:lnR w="12700" cap="flat" cmpd="sng" algn="ctr">
+                      <a:solidFill>
+                        <a:srgbClr val="FFFFFF"/>
+                      </a:solidFill>
+                      <a:prstDash val="solid"/>
+                      <a:round/>
+                      <a:headEnd type="none" w="med" len="med"/>
+                      <a:tailEnd type="none" w="med" len="med"/>
+                    </a:lnR>
+                    <a:lnT w="12700" cap="flat" cmpd="sng" algn="ctr">
+                      <a:solidFill>
+                        <a:srgbClr val="FFFFFF"/>
+                      </a:solidFill>
+                      <a:prstDash val="solid"/>
+                      <a:round/>
+                      <a:headEnd type="none" w="med" len="med"/>
+                      <a:tailEnd type="none" w="med" len="med"/>
+                    </a:lnT>
+                    <a:lnB w="12700" cap="flat" cmpd="sng" algn="ctr">
+                      <a:solidFill>
+                        <a:srgbClr val="FFFFFF"/>
+                      </a:solidFill>
+                      <a:prstDash val="solid"/>
+                      <a:round/>
+                      <a:headEnd type="none" w="med" len="med"/>
+                      <a:tailEnd type="none" w="med" len="med"/>
+                    </a:lnB>
+                    <a:lnTlToBr w="12700" cmpd="sng">
+                      <a:noFill/>
+                      <a:prstDash val="solid"/>
+                    </a:lnTlToBr>
+                    <a:lnBlToTr w="12700" cmpd="sng">
+                      <a:noFill/>
+                      <a:prstDash val="solid"/>
+                    </a:lnBlToTr>
+                    <a:noFill/>
+                  </a:tcPr>
+                </a:tc>
+                <a:tc>
+                  <a:txBody>
+                    <a:bodyPr/>
+                    <a:lstStyle/>
+                    <a:p>
+                      <a:pPr algn="l" fontAlgn="b"/>
+                      <a:r>
+                        <a:rPr lang="ru-RU" sz="1400" b="0" i="0" u="none" strike="noStrike" dirty="0" smtClean="0">
+                          <a:solidFill>
+                            <a:schemeClr val="bg1"/>
+                          </a:solidFill>
+                          <a:effectLst/>
+                          <a:latin typeface="+mn-lt"/>
+                          <a:cs typeface="Consolas" panose="020B0609020204030204" pitchFamily="49" charset="0"/>
+                        </a:rPr>
+                        <a:t>Сколько байт/сек</a:t>
+                      </a:r>
+                      <a:r>
+                        <a:rPr lang="ru-RU" sz="1400" b="0" i="0" u="none" strike="noStrike" baseline="0" dirty="0" smtClean="0">
+                          <a:solidFill>
+                            <a:schemeClr val="bg1"/>
+                          </a:solidFill>
+                          <a:effectLst/>
+                          <a:latin typeface="+mn-lt"/>
+                          <a:cs typeface="Consolas" panose="020B0609020204030204" pitchFamily="49" charset="0"/>
+                        </a:rPr>
+                        <a:t> меняет поколение</a:t>
+                      </a:r>
+                      <a:endParaRPr lang="en-US" sz="1400" b="0" i="0" u="none" strike="noStrike" dirty="0">
+                        <a:solidFill>
+                          <a:schemeClr val="bg1"/>
+                        </a:solidFill>
+                        <a:effectLst/>
+                        <a:latin typeface="+mn-lt"/>
+                        <a:cs typeface="Consolas" panose="020B0609020204030204" pitchFamily="49" charset="0"/>
+                      </a:endParaRPr>
+                    </a:p>
+                  </a:txBody>
+                  <a:tcPr marL="45720" marR="45720" anchor="b">
+                    <a:lnL w="12700" cap="flat" cmpd="sng" algn="ctr">
+                      <a:solidFill>
+                        <a:srgbClr val="FFFFFF"/>
+                      </a:solidFill>
+                      <a:prstDash val="solid"/>
+                      <a:round/>
+                      <a:headEnd type="none" w="med" len="med"/>
+                      <a:tailEnd type="none" w="med" len="med"/>
+                    </a:lnL>
+                    <a:lnR w="12700" cap="flat" cmpd="sng" algn="ctr">
+                      <a:solidFill>
+                        <a:srgbClr val="FFFFFF"/>
+                      </a:solidFill>
+                      <a:prstDash val="solid"/>
+                      <a:round/>
+                      <a:headEnd type="none" w="med" len="med"/>
+                      <a:tailEnd type="none" w="med" len="med"/>
+                    </a:lnR>
+                    <a:lnT w="12700" cap="flat" cmpd="sng" algn="ctr">
+                      <a:solidFill>
+                        <a:srgbClr val="FFFFFF"/>
+                      </a:solidFill>
+                      <a:prstDash val="solid"/>
+                      <a:round/>
+                      <a:headEnd type="none" w="med" len="med"/>
+                      <a:tailEnd type="none" w="med" len="med"/>
+                    </a:lnT>
+                    <a:lnB w="12700" cap="flat" cmpd="sng" algn="ctr">
+                      <a:solidFill>
+                        <a:srgbClr val="FFFFFF"/>
+                      </a:solidFill>
+                      <a:prstDash val="solid"/>
+                      <a:round/>
+                      <a:headEnd type="none" w="med" len="med"/>
+                      <a:tailEnd type="none" w="med" len="med"/>
+                    </a:lnB>
+                    <a:lnTlToBr w="12700" cmpd="sng">
+                      <a:noFill/>
+                      <a:prstDash val="solid"/>
+                    </a:lnTlToBr>
+                    <a:lnBlToTr w="12700" cmpd="sng">
+                      <a:noFill/>
+                      <a:prstDash val="solid"/>
+                    </a:lnBlToTr>
+                    <a:noFill/>
+                  </a:tcPr>
+                </a:tc>
+              </a:tr>
+              <a:tr h="0">
+                <a:tc>
+                  <a:txBody>
+                    <a:bodyPr/>
+                    <a:lstStyle/>
+                    <a:p>
+                      <a:pPr algn="l" fontAlgn="b"/>
+                      <a:r>
+                        <a:rPr lang="en-US" sz="1400" b="1" i="0" u="none" strike="noStrike" dirty="0" smtClean="0">
+                          <a:solidFill>
+                            <a:schemeClr val="bg1"/>
+                          </a:solidFill>
+                          <a:effectLst/>
+                          <a:latin typeface="+mn-lt"/>
+                          <a:cs typeface="Consolas" panose="020B0609020204030204" pitchFamily="49" charset="0"/>
+                        </a:rPr>
+                        <a:t>Gen 0</a:t>
+                      </a:r>
+                      <a:endParaRPr lang="en-US" sz="1400" b="1" i="0" u="none" strike="noStrike" dirty="0">
+                        <a:solidFill>
+                          <a:schemeClr val="bg1"/>
+                        </a:solidFill>
+                        <a:effectLst/>
+                        <a:latin typeface="+mn-lt"/>
+                        <a:cs typeface="Consolas" panose="020B0609020204030204" pitchFamily="49" charset="0"/>
+                      </a:endParaRPr>
+                    </a:p>
+                  </a:txBody>
+                  <a:tcPr marL="45720" marR="45720" anchor="b">
+                    <a:lnL w="12700" cap="flat" cmpd="sng" algn="ctr">
+                      <a:solidFill>
+                        <a:srgbClr val="FFFFFF"/>
+                      </a:solidFill>
+                      <a:prstDash val="solid"/>
+                      <a:round/>
+                      <a:headEnd type="none" w="med" len="med"/>
+                      <a:tailEnd type="none" w="med" len="med"/>
+                    </a:lnL>
+                    <a:lnR w="12700" cap="flat" cmpd="sng" algn="ctr">
+                      <a:solidFill>
+                        <a:srgbClr val="FFFFFF"/>
+                      </a:solidFill>
+                      <a:prstDash val="solid"/>
+                      <a:round/>
+                      <a:headEnd type="none" w="med" len="med"/>
+                      <a:tailEnd type="none" w="med" len="med"/>
+                    </a:lnR>
+                    <a:lnT w="12700" cap="flat" cmpd="sng" algn="ctr">
+                      <a:solidFill>
+                        <a:srgbClr val="FFFFFF"/>
+                      </a:solidFill>
+                      <a:prstDash val="solid"/>
+                      <a:round/>
+                      <a:headEnd type="none" w="med" len="med"/>
+                      <a:tailEnd type="none" w="med" len="med"/>
+                    </a:lnT>
+                    <a:lnB w="12700" cap="flat" cmpd="sng" algn="ctr">
+                      <a:solidFill>
+                        <a:srgbClr val="FFFFFF"/>
+                      </a:solidFill>
+                      <a:prstDash val="solid"/>
+                      <a:round/>
+                      <a:headEnd type="none" w="med" len="med"/>
+                      <a:tailEnd type="none" w="med" len="med"/>
+                    </a:lnB>
+                    <a:lnTlToBr w="12700" cmpd="sng">
+                      <a:noFill/>
+                      <a:prstDash val="solid"/>
+                    </a:lnTlToBr>
+                    <a:lnBlToTr w="12700" cmpd="sng">
+                      <a:noFill/>
+                      <a:prstDash val="solid"/>
+                    </a:lnBlToTr>
+                    <a:noFill/>
+                  </a:tcPr>
+                </a:tc>
+                <a:tc>
+                  <a:txBody>
+                    <a:bodyPr/>
+                    <a:lstStyle/>
+                    <a:p>
+                      <a:pPr algn="l" fontAlgn="b"/>
+                      <a:r>
+                        <a:rPr lang="ru-RU" sz="1400" b="0" i="0" u="none" strike="noStrike" dirty="0" smtClean="0">
+                          <a:solidFill>
+                            <a:schemeClr val="bg1"/>
+                          </a:solidFill>
+                          <a:effectLst/>
+                          <a:latin typeface="+mn-lt"/>
+                          <a:cs typeface="Consolas" panose="020B0609020204030204" pitchFamily="49" charset="0"/>
+                        </a:rPr>
+                        <a:t>Максимальный размер поколения</a:t>
+                      </a:r>
+                      <a:r>
+                        <a:rPr lang="en-US" sz="1400" b="0" i="0" u="none" strike="noStrike" baseline="0" dirty="0" smtClean="0">
+                          <a:solidFill>
+                            <a:schemeClr val="bg1"/>
+                          </a:solidFill>
+                          <a:effectLst/>
+                          <a:latin typeface="+mn-lt"/>
+                          <a:cs typeface="Consolas" panose="020B0609020204030204" pitchFamily="49" charset="0"/>
+                        </a:rPr>
+                        <a:t>-0</a:t>
+                      </a:r>
+                      <a:endParaRPr lang="en-US" sz="1400" b="0" i="0" u="none" strike="noStrike" dirty="0">
+                        <a:solidFill>
+                          <a:schemeClr val="bg1"/>
+                        </a:solidFill>
+                        <a:effectLst/>
+                        <a:latin typeface="+mn-lt"/>
+                        <a:cs typeface="Consolas" panose="020B0609020204030204" pitchFamily="49" charset="0"/>
+                      </a:endParaRPr>
+                    </a:p>
+                  </a:txBody>
+                  <a:tcPr marL="45720" marR="45720" anchor="b">
+                    <a:lnL w="12700" cap="flat" cmpd="sng" algn="ctr">
+                      <a:solidFill>
+                        <a:srgbClr val="FFFFFF"/>
+                      </a:solidFill>
+                      <a:prstDash val="solid"/>
+                      <a:round/>
+                      <a:headEnd type="none" w="med" len="med"/>
+                      <a:tailEnd type="none" w="med" len="med"/>
+                    </a:lnL>
+                    <a:lnR w="12700" cap="flat" cmpd="sng" algn="ctr">
+                      <a:solidFill>
+                        <a:srgbClr val="FFFFFF"/>
+                      </a:solidFill>
+                      <a:prstDash val="solid"/>
+                      <a:round/>
+                      <a:headEnd type="none" w="med" len="med"/>
+                      <a:tailEnd type="none" w="med" len="med"/>
+                    </a:lnR>
+                    <a:lnT w="12700" cap="flat" cmpd="sng" algn="ctr">
+                      <a:solidFill>
+                        <a:srgbClr val="FFFFFF"/>
+                      </a:solidFill>
+                      <a:prstDash val="solid"/>
+                      <a:round/>
+                      <a:headEnd type="none" w="med" len="med"/>
+                      <a:tailEnd type="none" w="med" len="med"/>
+                    </a:lnT>
+                    <a:lnB w="12700" cap="flat" cmpd="sng" algn="ctr">
+                      <a:solidFill>
+                        <a:srgbClr val="FFFFFF"/>
+                      </a:solidFill>
+                      <a:prstDash val="solid"/>
+                      <a:round/>
+                      <a:headEnd type="none" w="med" len="med"/>
+                      <a:tailEnd type="none" w="med" len="med"/>
+                    </a:lnB>
+                    <a:lnTlToBr w="12700" cmpd="sng">
+                      <a:noFill/>
+                      <a:prstDash val="solid"/>
+                    </a:lnTlToBr>
+                    <a:lnBlToTr w="12700" cmpd="sng">
+                      <a:noFill/>
+                      <a:prstDash val="solid"/>
+                    </a:lnBlToTr>
+                    <a:noFill/>
+                  </a:tcPr>
+                </a:tc>
+              </a:tr>
+              <a:tr h="0">
+                <a:tc>
+                  <a:txBody>
+                    <a:bodyPr/>
+                    <a:lstStyle/>
+                    <a:p>
+                      <a:pPr marL="0" marR="0" indent="0" algn="l" defTabSz="914400" rtl="0" eaLnBrk="1" fontAlgn="b" latinLnBrk="0" hangingPunct="1">
+                        <a:lnSpc>
+                          <a:spcPct val="100000"/>
+                        </a:lnSpc>
+                        <a:spcBef>
+                          <a:spcPts val="0"/>
+                        </a:spcBef>
+                        <a:spcAft>
+                          <a:spcPts val="0"/>
+                        </a:spcAft>
+                        <a:buClrTx/>
+                        <a:buSzTx/>
+                        <a:buFontTx/>
+                        <a:buNone/>
+                        <a:tabLst/>
+                        <a:defRPr/>
+                      </a:pPr>
+                      <a:r>
+                        <a:rPr lang="en-US" sz="1400" b="1" i="0" u="none" strike="noStrike" dirty="0" smtClean="0">
+                          <a:solidFill>
+                            <a:schemeClr val="bg1"/>
+                          </a:solidFill>
+                          <a:effectLst/>
+                          <a:latin typeface="+mn-lt"/>
+                          <a:cs typeface="Consolas" panose="020B0609020204030204" pitchFamily="49" charset="0"/>
+                        </a:rPr>
+                        <a:t>Gen 1,2 heap size</a:t>
+                      </a:r>
+                      <a:r>
+                        <a:rPr lang="ru-RU" sz="1400" b="1" i="0" u="none" strike="noStrike" dirty="0" smtClean="0">
+                          <a:solidFill>
+                            <a:schemeClr val="bg1"/>
+                          </a:solidFill>
+                          <a:effectLst/>
+                          <a:latin typeface="+mn-lt"/>
+                          <a:cs typeface="Consolas" panose="020B0609020204030204" pitchFamily="49" charset="0"/>
+                        </a:rPr>
+                        <a:t/>
+                      </a:r>
+                      <a:br>
+                        <a:rPr lang="ru-RU" sz="1400" b="1" i="0" u="none" strike="noStrike" dirty="0" smtClean="0">
+                          <a:solidFill>
+                            <a:schemeClr val="bg1"/>
+                          </a:solidFill>
+                          <a:effectLst/>
+                          <a:latin typeface="+mn-lt"/>
+                          <a:cs typeface="Consolas" panose="020B0609020204030204" pitchFamily="49" charset="0"/>
+                        </a:rPr>
+                      </a:br>
+                      <a:r>
+                        <a:rPr lang="en-US" sz="1400" b="1" i="0" u="none" strike="noStrike" dirty="0" smtClean="0">
+                          <a:solidFill>
+                            <a:schemeClr val="bg1"/>
+                          </a:solidFill>
+                          <a:effectLst/>
+                          <a:latin typeface="+mn-lt"/>
+                          <a:cs typeface="Consolas" panose="020B0609020204030204" pitchFamily="49" charset="0"/>
+                        </a:rPr>
+                        <a:t>Large Object Heap size</a:t>
+                      </a:r>
+                      <a:endParaRPr lang="en-US" sz="1400" b="1" i="0" u="none" strike="noStrike" dirty="0">
+                        <a:solidFill>
+                          <a:schemeClr val="bg1"/>
+                        </a:solidFill>
+                        <a:effectLst/>
+                        <a:latin typeface="+mn-lt"/>
+                        <a:cs typeface="Consolas" panose="020B0609020204030204" pitchFamily="49" charset="0"/>
+                      </a:endParaRPr>
+                    </a:p>
+                  </a:txBody>
+                  <a:tcPr marL="45720" marR="45720" anchor="b">
+                    <a:lnL w="12700" cap="flat" cmpd="sng" algn="ctr">
+                      <a:solidFill>
+                        <a:srgbClr val="FFFFFF"/>
+                      </a:solidFill>
+                      <a:prstDash val="solid"/>
+                      <a:round/>
+                      <a:headEnd type="none" w="med" len="med"/>
+                      <a:tailEnd type="none" w="med" len="med"/>
+                    </a:lnL>
+                    <a:lnR w="12700" cap="flat" cmpd="sng" algn="ctr">
+                      <a:solidFill>
+                        <a:srgbClr val="FFFFFF"/>
+                      </a:solidFill>
+                      <a:prstDash val="solid"/>
+                      <a:round/>
+                      <a:headEnd type="none" w="med" len="med"/>
+                      <a:tailEnd type="none" w="med" len="med"/>
+                    </a:lnR>
+                    <a:lnT w="12700" cap="flat" cmpd="sng" algn="ctr">
+                      <a:solidFill>
+                        <a:srgbClr val="FFFFFF"/>
+                      </a:solidFill>
+                      <a:prstDash val="solid"/>
+                      <a:round/>
+                      <a:headEnd type="none" w="med" len="med"/>
+                      <a:tailEnd type="none" w="med" len="med"/>
+                    </a:lnT>
+                    <a:lnB w="12700" cap="flat" cmpd="sng" algn="ctr">
+                      <a:solidFill>
+                        <a:srgbClr val="FFFFFF"/>
+                      </a:solidFill>
+                      <a:prstDash val="solid"/>
+                      <a:round/>
+                      <a:headEnd type="none" w="med" len="med"/>
+                      <a:tailEnd type="none" w="med" len="med"/>
+                    </a:lnB>
+                    <a:lnTlToBr w="12700" cmpd="sng">
+                      <a:noFill/>
+                      <a:prstDash val="solid"/>
+                    </a:lnTlToBr>
+                    <a:lnBlToTr w="12700" cmpd="sng">
+                      <a:noFill/>
+                      <a:prstDash val="solid"/>
+                    </a:lnBlToTr>
+                    <a:noFill/>
+                  </a:tcPr>
+                </a:tc>
+                <a:tc>
+                  <a:txBody>
+                    <a:bodyPr/>
+                    <a:lstStyle/>
+                    <a:p>
+                      <a:pPr algn="l" fontAlgn="b"/>
+                      <a:r>
+                        <a:rPr lang="ru-RU" sz="1400" b="0" i="0" u="none" strike="noStrike" dirty="0" smtClean="0">
+                          <a:solidFill>
+                            <a:schemeClr val="bg1"/>
+                          </a:solidFill>
+                          <a:effectLst/>
+                          <a:latin typeface="+mn-lt"/>
+                          <a:cs typeface="Consolas" panose="020B0609020204030204" pitchFamily="49" charset="0"/>
+                        </a:rPr>
+                        <a:t>Текущее</a:t>
+                      </a:r>
+                      <a:r>
+                        <a:rPr lang="ru-RU" sz="1400" b="0" i="0" u="none" strike="noStrike" baseline="0" dirty="0" smtClean="0">
+                          <a:solidFill>
+                            <a:schemeClr val="bg1"/>
+                          </a:solidFill>
+                          <a:effectLst/>
+                          <a:latin typeface="+mn-lt"/>
+                          <a:cs typeface="Consolas" panose="020B0609020204030204" pitchFamily="49" charset="0"/>
+                        </a:rPr>
+                        <a:t> кол-во байтов в поколениях 1</a:t>
+                      </a:r>
+                      <a:r>
+                        <a:rPr lang="en-US" sz="1400" b="0" i="0" u="none" strike="noStrike" baseline="0" dirty="0" smtClean="0">
+                          <a:solidFill>
+                            <a:schemeClr val="bg1"/>
+                          </a:solidFill>
+                          <a:effectLst/>
+                          <a:latin typeface="+mn-lt"/>
+                          <a:cs typeface="Consolas" panose="020B0609020204030204" pitchFamily="49" charset="0"/>
+                        </a:rPr>
+                        <a:t> </a:t>
+                      </a:r>
+                      <a:r>
+                        <a:rPr lang="ru-RU" sz="1400" b="0" i="0" u="none" strike="noStrike" baseline="0" dirty="0" smtClean="0">
+                          <a:solidFill>
+                            <a:schemeClr val="bg1"/>
+                          </a:solidFill>
+                          <a:effectLst/>
+                          <a:latin typeface="+mn-lt"/>
+                          <a:cs typeface="Consolas" panose="020B0609020204030204" pitchFamily="49" charset="0"/>
+                        </a:rPr>
+                        <a:t>и 2, а также </a:t>
+                      </a:r>
+                      <a:r>
+                        <a:rPr lang="en-US" sz="1400" b="0" i="0" u="none" strike="noStrike" baseline="0" dirty="0" smtClean="0">
+                          <a:solidFill>
+                            <a:schemeClr val="bg1"/>
+                          </a:solidFill>
+                          <a:effectLst/>
+                          <a:latin typeface="+mn-lt"/>
+                          <a:cs typeface="Consolas" panose="020B0609020204030204" pitchFamily="49" charset="0"/>
+                        </a:rPr>
+                        <a:t>LOH</a:t>
+                      </a:r>
+                      <a:endParaRPr lang="en-US" sz="1400" b="0" i="0" u="none" strike="noStrike" dirty="0">
+                        <a:solidFill>
+                          <a:schemeClr val="bg1"/>
+                        </a:solidFill>
+                        <a:effectLst/>
+                        <a:latin typeface="+mn-lt"/>
+                        <a:cs typeface="Consolas" panose="020B0609020204030204" pitchFamily="49" charset="0"/>
+                      </a:endParaRPr>
+                    </a:p>
+                  </a:txBody>
+                  <a:tcPr marL="45720" marR="45720" anchor="ctr">
+                    <a:lnL w="12700" cap="flat" cmpd="sng" algn="ctr">
+                      <a:solidFill>
+                        <a:srgbClr val="FFFFFF"/>
+                      </a:solidFill>
+                      <a:prstDash val="solid"/>
+                      <a:round/>
+                      <a:headEnd type="none" w="med" len="med"/>
+                      <a:tailEnd type="none" w="med" len="med"/>
+                    </a:lnL>
+                    <a:lnR w="12700" cap="flat" cmpd="sng" algn="ctr">
+                      <a:solidFill>
+                        <a:srgbClr val="FFFFFF"/>
+                      </a:solidFill>
+                      <a:prstDash val="solid"/>
+                      <a:round/>
+                      <a:headEnd type="none" w="med" len="med"/>
+                      <a:tailEnd type="none" w="med" len="med"/>
+                    </a:lnR>
+                    <a:lnT w="12700" cap="flat" cmpd="sng" algn="ctr">
+                      <a:solidFill>
+                        <a:srgbClr val="FFFFFF"/>
+                      </a:solidFill>
+                      <a:prstDash val="solid"/>
+                      <a:round/>
+                      <a:headEnd type="none" w="med" len="med"/>
+                      <a:tailEnd type="none" w="med" len="med"/>
+                    </a:lnT>
+                    <a:lnB w="12700" cap="flat" cmpd="sng" algn="ctr">
+                      <a:solidFill>
+                        <a:srgbClr val="FFFFFF"/>
+                      </a:solidFill>
+                      <a:prstDash val="solid"/>
+                      <a:round/>
+                      <a:headEnd type="none" w="med" len="med"/>
+                      <a:tailEnd type="none" w="med" len="med"/>
+                    </a:lnB>
+                    <a:lnTlToBr w="12700" cmpd="sng">
+                      <a:noFill/>
+                      <a:prstDash val="solid"/>
+                    </a:lnTlToBr>
+                    <a:lnBlToTr w="12700" cmpd="sng">
+                      <a:noFill/>
+                      <a:prstDash val="solid"/>
+                    </a:lnBlToTr>
+                    <a:noFill/>
+                  </a:tcPr>
+                </a:tc>
+              </a:tr>
+              <a:tr h="0">
+                <a:tc>
+                  <a:txBody>
+                    <a:bodyPr/>
+                    <a:lstStyle/>
+                    <a:p>
+                      <a:pPr algn="l" fontAlgn="b"/>
+                      <a:r>
+                        <a:rPr lang="en-US" sz="1400" b="1" i="0" u="none" strike="noStrike" dirty="0" smtClean="0">
+                          <a:solidFill>
+                            <a:schemeClr val="bg1"/>
+                          </a:solidFill>
+                          <a:effectLst/>
+                          <a:latin typeface="+mn-lt"/>
+                          <a:cs typeface="Consolas" panose="020B0609020204030204" pitchFamily="49" charset="0"/>
+                        </a:rPr>
+                        <a:t>Promoted Finalization-Memory from Gen 0</a:t>
+                      </a:r>
+                      <a:endParaRPr lang="en-US" sz="1400" b="1" i="0" u="none" strike="noStrike" dirty="0">
+                        <a:solidFill>
+                          <a:schemeClr val="bg1"/>
+                        </a:solidFill>
+                        <a:effectLst/>
+                        <a:latin typeface="+mn-lt"/>
+                        <a:cs typeface="Consolas" panose="020B0609020204030204" pitchFamily="49" charset="0"/>
+                      </a:endParaRPr>
+                    </a:p>
+                  </a:txBody>
+                  <a:tcPr marL="45720" marR="45720" anchor="b">
+                    <a:lnL w="12700" cap="flat" cmpd="sng" algn="ctr">
+                      <a:solidFill>
+                        <a:srgbClr val="FFFFFF"/>
+                      </a:solidFill>
+                      <a:prstDash val="solid"/>
+                      <a:round/>
+                      <a:headEnd type="none" w="med" len="med"/>
+                      <a:tailEnd type="none" w="med" len="med"/>
+                    </a:lnL>
+                    <a:lnR w="12700" cap="flat" cmpd="sng" algn="ctr">
+                      <a:solidFill>
+                        <a:srgbClr val="FFFFFF"/>
+                      </a:solidFill>
+                      <a:prstDash val="solid"/>
+                      <a:round/>
+                      <a:headEnd type="none" w="med" len="med"/>
+                      <a:tailEnd type="none" w="med" len="med"/>
+                    </a:lnR>
+                    <a:lnT w="12700" cap="flat" cmpd="sng" algn="ctr">
+                      <a:solidFill>
+                        <a:srgbClr val="FFFFFF"/>
+                      </a:solidFill>
+                      <a:prstDash val="solid"/>
+                      <a:round/>
+                      <a:headEnd type="none" w="med" len="med"/>
+                      <a:tailEnd type="none" w="med" len="med"/>
+                    </a:lnT>
+                    <a:lnB w="12700" cap="flat" cmpd="sng" algn="ctr">
+                      <a:solidFill>
+                        <a:srgbClr val="FFFFFF"/>
+                      </a:solidFill>
+                      <a:prstDash val="solid"/>
+                      <a:round/>
+                      <a:headEnd type="none" w="med" len="med"/>
+                      <a:tailEnd type="none" w="med" len="med"/>
+                    </a:lnB>
+                    <a:lnTlToBr w="12700" cmpd="sng">
+                      <a:noFill/>
+                      <a:prstDash val="solid"/>
+                    </a:lnTlToBr>
+                    <a:lnBlToTr w="12700" cmpd="sng">
+                      <a:noFill/>
+                      <a:prstDash val="solid"/>
+                    </a:lnBlToTr>
+                    <a:noFill/>
+                  </a:tcPr>
+                </a:tc>
+                <a:tc>
+                  <a:txBody>
+                    <a:bodyPr/>
+                    <a:lstStyle/>
+                    <a:p>
+                      <a:pPr algn="l" fontAlgn="b"/>
+                      <a:r>
+                        <a:rPr lang="ru-RU" sz="1400" b="0" i="0" u="none" strike="noStrike" dirty="0" smtClean="0">
+                          <a:solidFill>
+                            <a:schemeClr val="bg1"/>
+                          </a:solidFill>
+                          <a:effectLst/>
+                          <a:latin typeface="+mn-lt"/>
+                          <a:cs typeface="Consolas" panose="020B0609020204030204" pitchFamily="49" charset="0"/>
+                        </a:rPr>
+                        <a:t>Сколько байтов перешло из 0 в 1 т.к. нужен вызов </a:t>
+                      </a:r>
+                      <a:r>
+                        <a:rPr lang="en-US" sz="1400" b="0" i="0" u="none" strike="noStrike" dirty="0" smtClean="0">
+                          <a:solidFill>
+                            <a:schemeClr val="bg1"/>
+                          </a:solidFill>
+                          <a:effectLst/>
+                          <a:latin typeface="+mn-lt"/>
+                          <a:cs typeface="Consolas" panose="020B0609020204030204" pitchFamily="49" charset="0"/>
+                        </a:rPr>
+                        <a:t>~Fin</a:t>
+                      </a:r>
+                      <a:endParaRPr lang="en-US" sz="1400" b="0" i="0" u="none" strike="noStrike" dirty="0">
+                        <a:solidFill>
+                          <a:schemeClr val="bg1"/>
+                        </a:solidFill>
+                        <a:effectLst/>
+                        <a:latin typeface="+mn-lt"/>
+                        <a:cs typeface="Consolas" panose="020B0609020204030204" pitchFamily="49" charset="0"/>
+                      </a:endParaRPr>
+                    </a:p>
+                  </a:txBody>
+                  <a:tcPr marL="45720" marR="45720" anchor="b">
+                    <a:lnL w="12700" cap="flat" cmpd="sng" algn="ctr">
+                      <a:solidFill>
+                        <a:srgbClr val="FFFFFF"/>
+                      </a:solidFill>
+                      <a:prstDash val="solid"/>
+                      <a:round/>
+                      <a:headEnd type="none" w="med" len="med"/>
+                      <a:tailEnd type="none" w="med" len="med"/>
+                    </a:lnL>
+                    <a:lnR w="12700" cap="flat" cmpd="sng" algn="ctr">
+                      <a:solidFill>
+                        <a:srgbClr val="FFFFFF"/>
+                      </a:solidFill>
+                      <a:prstDash val="solid"/>
+                      <a:round/>
+                      <a:headEnd type="none" w="med" len="med"/>
+                      <a:tailEnd type="none" w="med" len="med"/>
+                    </a:lnR>
+                    <a:lnT w="12700" cap="flat" cmpd="sng" algn="ctr">
+                      <a:solidFill>
+                        <a:srgbClr val="FFFFFF"/>
+                      </a:solidFill>
+                      <a:prstDash val="solid"/>
+                      <a:round/>
+                      <a:headEnd type="none" w="med" len="med"/>
+                      <a:tailEnd type="none" w="med" len="med"/>
+                    </a:lnT>
+                    <a:lnB w="12700" cap="flat" cmpd="sng" algn="ctr">
+                      <a:solidFill>
+                        <a:srgbClr val="FFFFFF"/>
+                      </a:solidFill>
+                      <a:prstDash val="solid"/>
+                      <a:round/>
+                      <a:headEnd type="none" w="med" len="med"/>
+                      <a:tailEnd type="none" w="med" len="med"/>
+                    </a:lnB>
+                    <a:lnTlToBr w="12700" cmpd="sng">
+                      <a:noFill/>
+                      <a:prstDash val="solid"/>
+                    </a:lnTlToBr>
+                    <a:lnBlToTr w="12700" cmpd="sng">
+                      <a:noFill/>
+                      <a:prstDash val="solid"/>
+                    </a:lnBlToTr>
+                    <a:noFill/>
+                  </a:tcPr>
+                </a:tc>
+              </a:tr>
+              <a:tr h="0">
+                <a:tc>
+                  <a:txBody>
+                    <a:bodyPr/>
+                    <a:lstStyle/>
+                    <a:p>
+                      <a:pPr algn="l" fontAlgn="b"/>
+                      <a:r>
+                        <a:rPr lang="en-US" sz="1400" b="1" i="0" u="none" strike="noStrike" dirty="0" smtClean="0">
+                          <a:solidFill>
+                            <a:schemeClr val="bg1"/>
+                          </a:solidFill>
+                          <a:effectLst/>
+                          <a:latin typeface="+mn-lt"/>
+                          <a:cs typeface="Consolas" panose="020B0609020204030204" pitchFamily="49" charset="0"/>
+                        </a:rPr>
+                        <a:t>Promoted Memory from Gen 0, 1</a:t>
+                      </a:r>
+                      <a:endParaRPr lang="en-US" sz="1400" b="1" i="0" u="none" strike="noStrike" dirty="0">
+                        <a:solidFill>
+                          <a:schemeClr val="bg1"/>
+                        </a:solidFill>
+                        <a:effectLst/>
+                        <a:latin typeface="+mn-lt"/>
+                        <a:cs typeface="Consolas" panose="020B0609020204030204" pitchFamily="49" charset="0"/>
+                      </a:endParaRPr>
+                    </a:p>
+                  </a:txBody>
+                  <a:tcPr marL="45720" marR="45720" anchor="b">
+                    <a:lnL w="12700" cap="flat" cmpd="sng" algn="ctr">
+                      <a:solidFill>
+                        <a:srgbClr val="FFFFFF"/>
+                      </a:solidFill>
+                      <a:prstDash val="solid"/>
+                      <a:round/>
+                      <a:headEnd type="none" w="med" len="med"/>
+                      <a:tailEnd type="none" w="med" len="med"/>
+                    </a:lnL>
+                    <a:lnR w="12700" cap="flat" cmpd="sng" algn="ctr">
+                      <a:solidFill>
+                        <a:srgbClr val="FFFFFF"/>
+                      </a:solidFill>
+                      <a:prstDash val="solid"/>
+                      <a:round/>
+                      <a:headEnd type="none" w="med" len="med"/>
+                      <a:tailEnd type="none" w="med" len="med"/>
+                    </a:lnR>
+                    <a:lnT w="12700" cap="flat" cmpd="sng" algn="ctr">
+                      <a:solidFill>
+                        <a:srgbClr val="FFFFFF"/>
+                      </a:solidFill>
+                      <a:prstDash val="solid"/>
+                      <a:round/>
+                      <a:headEnd type="none" w="med" len="med"/>
+                      <a:tailEnd type="none" w="med" len="med"/>
+                    </a:lnT>
+                    <a:lnB w="12700" cap="flat" cmpd="sng" algn="ctr">
+                      <a:solidFill>
+                        <a:srgbClr val="FFFFFF"/>
+                      </a:solidFill>
+                      <a:prstDash val="solid"/>
+                      <a:round/>
+                      <a:headEnd type="none" w="med" len="med"/>
+                      <a:tailEnd type="none" w="med" len="med"/>
+                    </a:lnB>
+                    <a:lnTlToBr w="12700" cmpd="sng">
+                      <a:noFill/>
+                      <a:prstDash val="solid"/>
+                    </a:lnTlToBr>
+                    <a:lnBlToTr w="12700" cmpd="sng">
+                      <a:noFill/>
+                      <a:prstDash val="solid"/>
+                    </a:lnBlToTr>
+                    <a:noFill/>
+                  </a:tcPr>
+                </a:tc>
+                <a:tc>
+                  <a:txBody>
+                    <a:bodyPr/>
+                    <a:lstStyle/>
+                    <a:p>
+                      <a:pPr algn="l" fontAlgn="b"/>
+                      <a:r>
+                        <a:rPr lang="ru-RU" sz="1400" b="0" i="0" u="none" strike="noStrike" dirty="0" smtClean="0">
+                          <a:solidFill>
+                            <a:schemeClr val="bg1"/>
+                          </a:solidFill>
+                          <a:effectLst/>
+                          <a:latin typeface="+mn-lt"/>
+                          <a:cs typeface="Consolas" panose="020B0609020204030204" pitchFamily="49" charset="0"/>
+                        </a:rPr>
+                        <a:t>Сколько байтов пережило </a:t>
+                      </a:r>
+                      <a:r>
+                        <a:rPr lang="en-US" sz="1400" b="0" i="0" u="none" strike="noStrike" dirty="0" smtClean="0">
+                          <a:solidFill>
+                            <a:schemeClr val="bg1"/>
+                          </a:solidFill>
+                          <a:effectLst/>
+                          <a:latin typeface="+mn-lt"/>
+                          <a:cs typeface="Consolas" panose="020B0609020204030204" pitchFamily="49" charset="0"/>
+                        </a:rPr>
+                        <a:t>GC</a:t>
+                      </a:r>
+                      <a:r>
+                        <a:rPr lang="ru-RU" sz="1400" b="0" i="0" u="none" strike="noStrike" baseline="0" dirty="0" smtClean="0">
+                          <a:solidFill>
+                            <a:schemeClr val="bg1"/>
+                          </a:solidFill>
+                          <a:effectLst/>
+                          <a:latin typeface="+mn-lt"/>
+                          <a:cs typeface="Consolas" panose="020B0609020204030204" pitchFamily="49" charset="0"/>
+                        </a:rPr>
+                        <a:t> в данном поколении</a:t>
+                      </a:r>
+                      <a:endParaRPr lang="en-US" sz="1400" b="0" i="0" u="none" strike="noStrike" dirty="0">
+                        <a:solidFill>
+                          <a:schemeClr val="bg1"/>
+                        </a:solidFill>
+                        <a:effectLst/>
+                        <a:latin typeface="+mn-lt"/>
+                        <a:cs typeface="Consolas" panose="020B0609020204030204" pitchFamily="49" charset="0"/>
+                      </a:endParaRPr>
+                    </a:p>
+                  </a:txBody>
+                  <a:tcPr marL="45720" marR="45720" anchor="b">
+                    <a:lnL w="12700" cap="flat" cmpd="sng" algn="ctr">
+                      <a:solidFill>
+                        <a:srgbClr val="FFFFFF"/>
+                      </a:solidFill>
+                      <a:prstDash val="solid"/>
+                      <a:round/>
+                      <a:headEnd type="none" w="med" len="med"/>
+                      <a:tailEnd type="none" w="med" len="med"/>
+                    </a:lnL>
+                    <a:lnR w="12700" cap="flat" cmpd="sng" algn="ctr">
+                      <a:solidFill>
+                        <a:srgbClr val="FFFFFF"/>
+                      </a:solidFill>
+                      <a:prstDash val="solid"/>
+                      <a:round/>
+                      <a:headEnd type="none" w="med" len="med"/>
+                      <a:tailEnd type="none" w="med" len="med"/>
+                    </a:lnR>
+                    <a:lnT w="12700" cap="flat" cmpd="sng" algn="ctr">
+                      <a:solidFill>
+                        <a:srgbClr val="FFFFFF"/>
+                      </a:solidFill>
+                      <a:prstDash val="solid"/>
+                      <a:round/>
+                      <a:headEnd type="none" w="med" len="med"/>
+                      <a:tailEnd type="none" w="med" len="med"/>
+                    </a:lnT>
+                    <a:lnB w="12700" cap="flat" cmpd="sng" algn="ctr">
+                      <a:solidFill>
+                        <a:srgbClr val="FFFFFF"/>
+                      </a:solidFill>
+                      <a:prstDash val="solid"/>
+                      <a:round/>
+                      <a:headEnd type="none" w="med" len="med"/>
+                      <a:tailEnd type="none" w="med" len="med"/>
+                    </a:lnB>
+                    <a:lnTlToBr w="12700" cmpd="sng">
+                      <a:noFill/>
+                      <a:prstDash val="solid"/>
+                    </a:lnTlToBr>
+                    <a:lnBlToTr w="12700" cmpd="sng">
+                      <a:noFill/>
+                      <a:prstDash val="solid"/>
+                    </a:lnBlToTr>
+                    <a:noFill/>
+                  </a:tcPr>
+                </a:tc>
+              </a:tr>
+            </a:tbl>
+          </a:graphicData>
+        </a:graphic>
+      </p:graphicFrame>
+    </p:spTree>
+    <p:extLst>
+      <p:ext uri="{BB962C8B-B14F-4D97-AF65-F5344CB8AC3E}">
+        <p14:creationId xmlns:p14="http://schemas.microsoft.com/office/powerpoint/2010/main" val="81790670"/>
+      </p:ext>
+    </p:extLst>
+  </p:cSld>
+  <p:clrMapOvr>
+    <a:masterClrMapping/>
+  </p:clrMapOvr>
+  <p:timing>
+    <p:tnLst>
+      <p:par>
+        <p:cTn id="1" dur="indefinite" restart="never" nodeType="tmRoot"/>
+      </p:par>
+    </p:tnLst>
+  </p:timing>
+</p:sld>
+</file>
+
+<file path=ppt/slides/slide27.xml><?xml version="1.0" encoding="utf-8"?>
+<p:sld xmlns:a="http://schemas.openxmlformats.org/drawingml/2006/main" xmlns:r="http://schemas.openxmlformats.org/officeDocument/2006/relationships" xmlns:p="http://schemas.openxmlformats.org/presentationml/2006/main">
+  <p:cSld>
+    <p:spTree>
+      <p:nvGrpSpPr>
+        <p:cNvPr id="1" name=""/>
+        <p:cNvGrpSpPr/>
+        <p:nvPr/>
+      </p:nvGrpSpPr>
+      <p:grpSpPr>
+        <a:xfrm>
+          <a:off x="0" y="0"/>
+          <a:ext cx="0" cy="0"/>
+          <a:chOff x="0" y="0"/>
+          <a:chExt cx="0" cy="0"/>
+        </a:xfrm>
+      </p:grpSpPr>
+      <p:sp>
+        <p:nvSpPr>
+          <p:cNvPr id="2" name="Title 1"/>
+          <p:cNvSpPr>
+            <a:spLocks noGrp="1"/>
+          </p:cNvSpPr>
+          <p:nvPr>
+            <p:ph type="title"/>
+          </p:nvPr>
+        </p:nvSpPr>
         <p:spPr/>
         <p:txBody>
           <a:bodyPr>
@@ -14605,11 +19221,7 @@
           <a:p>
             <a:r>
               <a:rPr lang="ru-RU" sz="2800" dirty="0" smtClean="0"/>
-              <a:t>Поставить на паузу все </a:t>
-            </a:r>
-            <a:r>
-              <a:rPr lang="ru-RU" sz="2800" dirty="0" smtClean="0"/>
-              <a:t>потоки процесса (</a:t>
+              <a:t>Поставить на паузу все потоки процесса (</a:t>
             </a:r>
             <a:r>
               <a:rPr lang="en-US" sz="2800" dirty="0" smtClean="0"/>
@@ -14660,11 +19272,7 @@
           <a:p>
             <a:r>
               <a:rPr lang="ru-RU" sz="2800" dirty="0" smtClean="0"/>
-              <a:t>Выполняем дефрагментацию кучи чтобы свободное пространство шло непрерывным блоком в конце кучи. Одновременно исправляем адреса ссылок</a:t>
-            </a:r>
-            <a:r>
-              <a:rPr lang="ru-RU" sz="2800" dirty="0" smtClean="0"/>
-              <a:t>.</a:t>
+              <a:t>Выполняем дефрагментацию кучи чтобы свободное пространство шло непрерывным блоком в конце кучи. Одновременно исправляем адреса ссылок.</a:t>
             </a:r>
             <a:endParaRPr lang="en-US" sz="2800" dirty="0" smtClean="0"/>
           </a:p>
@@ -14682,7 +19290,6 @@
               <a:rPr lang="ru-RU" sz="2400" dirty="0" smtClean="0"/>
               <a:t> дефрагментация не выполняется</a:t>
             </a:r>
-            <a:endParaRPr lang="ru-RU" sz="2400" dirty="0" smtClean="0"/>
           </a:p>
           <a:p>
             <a:r>

--- a/Presentation/memory-management-and-gc.pptx
+++ b/Presentation/memory-management-and-gc.pptx
@@ -5,7 +5,7 @@
     <p:sldMasterId id="2147483648" r:id="rId1"/>
   </p:sldMasterIdLst>
   <p:notesMasterIdLst>
-    <p:notesMasterId r:id="rId29"/>
+    <p:notesMasterId r:id="rId30"/>
   </p:notesMasterIdLst>
   <p:sldIdLst>
     <p:sldId id="261" r:id="rId2"/>
@@ -27,14 +27,15 @@
     <p:sldId id="276" r:id="rId18"/>
     <p:sldId id="271" r:id="rId19"/>
     <p:sldId id="263" r:id="rId20"/>
-    <p:sldId id="262" r:id="rId21"/>
-    <p:sldId id="278" r:id="rId22"/>
-    <p:sldId id="282" r:id="rId23"/>
-    <p:sldId id="277" r:id="rId24"/>
-    <p:sldId id="258" r:id="rId25"/>
-    <p:sldId id="259" r:id="rId26"/>
-    <p:sldId id="283" r:id="rId27"/>
-    <p:sldId id="260" r:id="rId28"/>
+    <p:sldId id="284" r:id="rId21"/>
+    <p:sldId id="262" r:id="rId22"/>
+    <p:sldId id="278" r:id="rId23"/>
+    <p:sldId id="282" r:id="rId24"/>
+    <p:sldId id="277" r:id="rId25"/>
+    <p:sldId id="258" r:id="rId26"/>
+    <p:sldId id="259" r:id="rId27"/>
+    <p:sldId id="283" r:id="rId28"/>
+    <p:sldId id="260" r:id="rId29"/>
   </p:sldIdLst>
   <p:sldSz cx="9144000" cy="6858000" type="screen4x3"/>
   <p:notesSz cx="6858000" cy="9144000"/>
@@ -218,7 +219,7 @@
           <a:p>
             <a:fld id="{B24A7054-7FFB-49F4-A126-5DF6E687FF53}" type="datetimeFigureOut">
               <a:rPr lang="ru-RU" smtClean="0"/>
-              <a:t>22.08.2015</a:t>
+              <a:t>23.08.2015</a:t>
             </a:fld>
             <a:endParaRPr lang="ru-RU"/>
           </a:p>
@@ -1584,7 +1585,7 @@
           <a:p>
             <a:fld id="{8E6E6A2A-E9D3-4A0D-B04A-ABDD367A1E08}" type="datetimeFigureOut">
               <a:rPr lang="ru-RU" smtClean="0"/>
-              <a:t>22.08.2015</a:t>
+              <a:t>23.08.2015</a:t>
             </a:fld>
             <a:endParaRPr lang="ru-RU"/>
           </a:p>
@@ -3036,7 +3037,7 @@
           <a:p>
             <a:fld id="{AC3D3127-B7C4-45E3-9797-C527EC9FDD78}" type="datetimeFigureOut">
               <a:rPr lang="ru-RU" smtClean="0"/>
-              <a:t>22.08.2015</a:t>
+              <a:t>23.08.2015</a:t>
             </a:fld>
             <a:endParaRPr lang="ru-RU"/>
           </a:p>
@@ -10608,7 +10609,15 @@
             </a:pPr>
             <a:r>
               <a:rPr lang="ru-RU" dirty="0" smtClean="0"/>
-              <a:t>Время уборки мусора прямо пропорционалньо количеству связей которые нужно обойти.</a:t>
+              <a:t>Время уборки мусора прямо </a:t>
+            </a:r>
+            <a:r>
+              <a:rPr lang="ru-RU" dirty="0" smtClean="0"/>
+              <a:t>пропорционально </a:t>
+            </a:r>
+            <a:r>
+              <a:rPr lang="ru-RU" dirty="0" smtClean="0"/>
+              <a:t>количеству связей которые нужно обойти.</a:t>
             </a:r>
             <a:endParaRPr lang="ru-RU" dirty="0"/>
           </a:p>
@@ -11238,6 +11247,1028 @@
             <a:spLocks noGrp="1"/>
           </p:cNvSpPr>
           <p:nvPr>
+            <p:ph type="title"/>
+          </p:nvPr>
+        </p:nvSpPr>
+        <p:spPr/>
+        <p:txBody>
+          <a:bodyPr>
+            <a:noAutofit/>
+          </a:bodyPr>
+          <a:lstStyle/>
+          <a:p>
+            <a:r>
+              <a:rPr lang="ru-RU" sz="3600" dirty="0" smtClean="0"/>
+              <a:t>Советы по использованию финализаторов (</a:t>
+            </a:r>
+            <a:r>
+              <a:rPr lang="en-US" sz="3600" dirty="0" smtClean="0"/>
+              <a:t>finalizers</a:t>
+            </a:r>
+            <a:r>
+              <a:rPr lang="ru-RU" sz="3600" dirty="0" smtClean="0"/>
+              <a:t>)</a:t>
+            </a:r>
+            <a:endParaRPr lang="ru-RU" sz="3600" dirty="0"/>
+          </a:p>
+        </p:txBody>
+      </p:sp>
+      <p:sp>
+        <p:nvSpPr>
+          <p:cNvPr id="3" name="Content Placeholder 2"/>
+          <p:cNvSpPr>
+            <a:spLocks noGrp="1"/>
+          </p:cNvSpPr>
+          <p:nvPr>
+            <p:ph idx="1"/>
+          </p:nvPr>
+        </p:nvSpPr>
+        <p:spPr/>
+        <p:txBody>
+          <a:bodyPr>
+            <a:normAutofit lnSpcReduction="10000"/>
+          </a:bodyPr>
+          <a:lstStyle/>
+          <a:p>
+            <a:r>
+              <a:rPr lang="ru-RU" sz="2400" dirty="0" smtClean="0"/>
+              <a:t>Классы с финализаторами следует размещать в корне иерархии классов</a:t>
+            </a:r>
+            <a:br>
+              <a:rPr lang="ru-RU" sz="2400" dirty="0" smtClean="0"/>
+            </a:br>
+            <a:endParaRPr lang="ru-RU" sz="2400" dirty="0" smtClean="0"/>
+          </a:p>
+          <a:p>
+            <a:endParaRPr lang="ru-RU" sz="2400" dirty="0" smtClean="0"/>
+          </a:p>
+          <a:p>
+            <a:endParaRPr lang="ru-RU" sz="2400" dirty="0" smtClean="0"/>
+          </a:p>
+          <a:p>
+            <a:endParaRPr lang="ru-RU" sz="2400" dirty="0" smtClean="0"/>
+          </a:p>
+          <a:p>
+            <a:endParaRPr lang="ru-RU" sz="2400" dirty="0" smtClean="0"/>
+          </a:p>
+          <a:p>
+            <a:r>
+              <a:rPr lang="ru-RU" sz="2400" dirty="0" smtClean="0"/>
+              <a:t>Быстрый код без блокировок</a:t>
+            </a:r>
+          </a:p>
+          <a:p>
+            <a:r>
+              <a:rPr lang="ru-RU" sz="2400" dirty="0" smtClean="0"/>
+              <a:t>Небольшой размер классов</a:t>
+            </a:r>
+          </a:p>
+          <a:p>
+            <a:r>
+              <a:rPr lang="ru-RU" sz="2400" dirty="0" smtClean="0"/>
+              <a:t>Избегайте циклических зависимостей между классами с финализаторами</a:t>
+            </a:r>
+            <a:endParaRPr lang="ru-RU" sz="2400" dirty="0"/>
+          </a:p>
+        </p:txBody>
+      </p:sp>
+      <p:grpSp>
+        <p:nvGrpSpPr>
+          <p:cNvPr id="6" name="Group 5"/>
+          <p:cNvGrpSpPr/>
+          <p:nvPr/>
+        </p:nvGrpSpPr>
+        <p:grpSpPr>
+          <a:xfrm>
+            <a:off x="1709904" y="2436857"/>
+            <a:ext cx="2646072" cy="1604501"/>
+            <a:chOff x="755576" y="1988840"/>
+            <a:chExt cx="3261581" cy="1800200"/>
+          </a:xfrm>
+        </p:grpSpPr>
+        <p:sp>
+          <p:nvSpPr>
+            <p:cNvPr id="7" name="Oval 6"/>
+            <p:cNvSpPr/>
+            <p:nvPr/>
+          </p:nvSpPr>
+          <p:spPr>
+            <a:xfrm>
+              <a:off x="755576" y="2996952"/>
+              <a:ext cx="432048" cy="432048"/>
+            </a:xfrm>
+            <a:prstGeom prst="ellipse">
+              <a:avLst/>
+            </a:prstGeom>
+            <a:solidFill>
+              <a:srgbClr val="92D050"/>
+            </a:solidFill>
+          </p:spPr>
+          <p:style>
+            <a:lnRef idx="2">
+              <a:schemeClr val="accent1">
+                <a:shade val="50000"/>
+              </a:schemeClr>
+            </a:lnRef>
+            <a:fillRef idx="1">
+              <a:schemeClr val="accent1"/>
+            </a:fillRef>
+            <a:effectRef idx="0">
+              <a:schemeClr val="accent1"/>
+            </a:effectRef>
+            <a:fontRef idx="minor">
+              <a:schemeClr val="lt1"/>
+            </a:fontRef>
+          </p:style>
+          <p:txBody>
+            <a:bodyPr rtlCol="0" anchor="ctr"/>
+            <a:lstStyle/>
+            <a:p>
+              <a:pPr algn="ctr"/>
+              <a:endParaRPr lang="ru-RU"/>
+            </a:p>
+          </p:txBody>
+        </p:sp>
+        <p:sp>
+          <p:nvSpPr>
+            <p:cNvPr id="8" name="Oval 7"/>
+            <p:cNvSpPr/>
+            <p:nvPr/>
+          </p:nvSpPr>
+          <p:spPr>
+            <a:xfrm>
+              <a:off x="1475656" y="2564904"/>
+              <a:ext cx="432048" cy="432048"/>
+            </a:xfrm>
+            <a:prstGeom prst="ellipse">
+              <a:avLst/>
+            </a:prstGeom>
+            <a:solidFill>
+              <a:srgbClr val="92D050"/>
+            </a:solidFill>
+          </p:spPr>
+          <p:style>
+            <a:lnRef idx="2">
+              <a:schemeClr val="accent1">
+                <a:shade val="50000"/>
+              </a:schemeClr>
+            </a:lnRef>
+            <a:fillRef idx="1">
+              <a:schemeClr val="accent1"/>
+            </a:fillRef>
+            <a:effectRef idx="0">
+              <a:schemeClr val="accent1"/>
+            </a:effectRef>
+            <a:fontRef idx="minor">
+              <a:schemeClr val="lt1"/>
+            </a:fontRef>
+          </p:style>
+          <p:txBody>
+            <a:bodyPr rtlCol="0" anchor="ctr"/>
+            <a:lstStyle/>
+            <a:p>
+              <a:pPr algn="ctr"/>
+              <a:endParaRPr lang="ru-RU"/>
+            </a:p>
+          </p:txBody>
+        </p:sp>
+        <p:sp>
+          <p:nvSpPr>
+            <p:cNvPr id="9" name="Oval 8"/>
+            <p:cNvSpPr/>
+            <p:nvPr/>
+          </p:nvSpPr>
+          <p:spPr>
+            <a:xfrm>
+              <a:off x="2302971" y="2564904"/>
+              <a:ext cx="432048" cy="432048"/>
+            </a:xfrm>
+            <a:prstGeom prst="ellipse">
+              <a:avLst/>
+            </a:prstGeom>
+            <a:solidFill>
+              <a:srgbClr val="92D050"/>
+            </a:solidFill>
+          </p:spPr>
+          <p:style>
+            <a:lnRef idx="2">
+              <a:schemeClr val="accent1">
+                <a:shade val="50000"/>
+              </a:schemeClr>
+            </a:lnRef>
+            <a:fillRef idx="1">
+              <a:schemeClr val="accent1"/>
+            </a:fillRef>
+            <a:effectRef idx="0">
+              <a:schemeClr val="accent1"/>
+            </a:effectRef>
+            <a:fontRef idx="minor">
+              <a:schemeClr val="lt1"/>
+            </a:fontRef>
+          </p:style>
+          <p:txBody>
+            <a:bodyPr rtlCol="0" anchor="ctr"/>
+            <a:lstStyle/>
+            <a:p>
+              <a:pPr algn="ctr"/>
+              <a:endParaRPr lang="ru-RU"/>
+            </a:p>
+          </p:txBody>
+        </p:sp>
+        <p:sp>
+          <p:nvSpPr>
+            <p:cNvPr id="10" name="Oval 9"/>
+            <p:cNvSpPr/>
+            <p:nvPr/>
+          </p:nvSpPr>
+          <p:spPr>
+            <a:xfrm>
+              <a:off x="3180322" y="2564904"/>
+              <a:ext cx="432048" cy="432048"/>
+            </a:xfrm>
+            <a:prstGeom prst="ellipse">
+              <a:avLst/>
+            </a:prstGeom>
+            <a:solidFill>
+              <a:srgbClr val="FFFF00"/>
+            </a:solidFill>
+          </p:spPr>
+          <p:style>
+            <a:lnRef idx="2">
+              <a:schemeClr val="accent1">
+                <a:shade val="50000"/>
+              </a:schemeClr>
+            </a:lnRef>
+            <a:fillRef idx="1">
+              <a:schemeClr val="accent1"/>
+            </a:fillRef>
+            <a:effectRef idx="0">
+              <a:schemeClr val="accent1"/>
+            </a:effectRef>
+            <a:fontRef idx="minor">
+              <a:schemeClr val="lt1"/>
+            </a:fontRef>
+          </p:style>
+          <p:txBody>
+            <a:bodyPr rtlCol="0" anchor="ctr"/>
+            <a:lstStyle/>
+            <a:p>
+              <a:pPr algn="ctr"/>
+              <a:endParaRPr lang="ru-RU"/>
+            </a:p>
+          </p:txBody>
+        </p:sp>
+        <p:sp>
+          <p:nvSpPr>
+            <p:cNvPr id="11" name="Oval 10"/>
+            <p:cNvSpPr/>
+            <p:nvPr/>
+          </p:nvSpPr>
+          <p:spPr>
+            <a:xfrm>
+              <a:off x="1475656" y="3356992"/>
+              <a:ext cx="432048" cy="432048"/>
+            </a:xfrm>
+            <a:prstGeom prst="ellipse">
+              <a:avLst/>
+            </a:prstGeom>
+            <a:solidFill>
+              <a:srgbClr val="92D050"/>
+            </a:solidFill>
+          </p:spPr>
+          <p:style>
+            <a:lnRef idx="2">
+              <a:schemeClr val="accent1">
+                <a:shade val="50000"/>
+              </a:schemeClr>
+            </a:lnRef>
+            <a:fillRef idx="1">
+              <a:schemeClr val="accent1"/>
+            </a:fillRef>
+            <a:effectRef idx="0">
+              <a:schemeClr val="accent1"/>
+            </a:effectRef>
+            <a:fontRef idx="minor">
+              <a:schemeClr val="lt1"/>
+            </a:fontRef>
+          </p:style>
+          <p:txBody>
+            <a:bodyPr rtlCol="0" anchor="ctr"/>
+            <a:lstStyle/>
+            <a:p>
+              <a:pPr algn="ctr"/>
+              <a:endParaRPr lang="ru-RU"/>
+            </a:p>
+          </p:txBody>
+        </p:sp>
+        <p:sp>
+          <p:nvSpPr>
+            <p:cNvPr id="12" name="TextBox 11"/>
+            <p:cNvSpPr txBox="1"/>
+            <p:nvPr/>
+          </p:nvSpPr>
+          <p:spPr>
+            <a:xfrm>
+              <a:off x="2775535" y="3068960"/>
+              <a:ext cx="1241622" cy="400110"/>
+            </a:xfrm>
+            <a:prstGeom prst="rect">
+              <a:avLst/>
+            </a:prstGeom>
+            <a:noFill/>
+          </p:spPr>
+          <p:txBody>
+            <a:bodyPr wrap="none" rtlCol="0">
+              <a:spAutoFit/>
+            </a:bodyPr>
+            <a:lstStyle/>
+            <a:p>
+              <a:pPr algn="ctr"/>
+              <a:r>
+                <a:rPr lang="en-US" sz="2000" dirty="0" err="1" smtClean="0"/>
+                <a:t>finalizable</a:t>
+              </a:r>
+              <a:endParaRPr lang="ru-RU" sz="2000" dirty="0" smtClean="0"/>
+            </a:p>
+          </p:txBody>
+        </p:sp>
+        <p:cxnSp>
+          <p:nvCxnSpPr>
+            <p:cNvPr id="13" name="Straight Arrow Connector 12"/>
+            <p:cNvCxnSpPr>
+              <a:stCxn id="7" idx="7"/>
+              <a:endCxn id="8" idx="2"/>
+            </p:cNvCxnSpPr>
+            <p:nvPr/>
+          </p:nvCxnSpPr>
+          <p:spPr>
+            <a:xfrm flipV="1">
+              <a:off x="1124352" y="2780928"/>
+              <a:ext cx="351304" cy="279296"/>
+            </a:xfrm>
+            <a:prstGeom prst="straightConnector1">
+              <a:avLst/>
+            </a:prstGeom>
+            <a:ln w="12700">
+              <a:solidFill>
+                <a:schemeClr val="bg1"/>
+              </a:solidFill>
+              <a:tailEnd type="arrow" w="lg" len="lg"/>
+            </a:ln>
+          </p:spPr>
+          <p:style>
+            <a:lnRef idx="1">
+              <a:schemeClr val="accent1"/>
+            </a:lnRef>
+            <a:fillRef idx="0">
+              <a:schemeClr val="accent1"/>
+            </a:fillRef>
+            <a:effectRef idx="0">
+              <a:schemeClr val="accent1"/>
+            </a:effectRef>
+            <a:fontRef idx="minor">
+              <a:schemeClr val="tx1"/>
+            </a:fontRef>
+          </p:style>
+        </p:cxnSp>
+        <p:cxnSp>
+          <p:nvCxnSpPr>
+            <p:cNvPr id="14" name="Straight Arrow Connector 13"/>
+            <p:cNvCxnSpPr>
+              <a:stCxn id="8" idx="6"/>
+              <a:endCxn id="9" idx="2"/>
+            </p:cNvCxnSpPr>
+            <p:nvPr/>
+          </p:nvCxnSpPr>
+          <p:spPr>
+            <a:xfrm>
+              <a:off x="1907704" y="2780928"/>
+              <a:ext cx="395267" cy="0"/>
+            </a:xfrm>
+            <a:prstGeom prst="straightConnector1">
+              <a:avLst/>
+            </a:prstGeom>
+            <a:ln w="12700">
+              <a:solidFill>
+                <a:schemeClr val="bg1"/>
+              </a:solidFill>
+              <a:tailEnd type="arrow" w="lg" len="lg"/>
+            </a:ln>
+          </p:spPr>
+          <p:style>
+            <a:lnRef idx="1">
+              <a:schemeClr val="accent1"/>
+            </a:lnRef>
+            <a:fillRef idx="0">
+              <a:schemeClr val="accent1"/>
+            </a:fillRef>
+            <a:effectRef idx="0">
+              <a:schemeClr val="accent1"/>
+            </a:effectRef>
+            <a:fontRef idx="minor">
+              <a:schemeClr val="tx1"/>
+            </a:fontRef>
+          </p:style>
+        </p:cxnSp>
+        <p:cxnSp>
+          <p:nvCxnSpPr>
+            <p:cNvPr id="15" name="Straight Arrow Connector 14"/>
+            <p:cNvCxnSpPr>
+              <a:stCxn id="9" idx="6"/>
+              <a:endCxn id="10" idx="2"/>
+            </p:cNvCxnSpPr>
+            <p:nvPr/>
+          </p:nvCxnSpPr>
+          <p:spPr>
+            <a:xfrm>
+              <a:off x="2735019" y="2780928"/>
+              <a:ext cx="445303" cy="0"/>
+            </a:xfrm>
+            <a:prstGeom prst="straightConnector1">
+              <a:avLst/>
+            </a:prstGeom>
+            <a:ln w="12700">
+              <a:solidFill>
+                <a:schemeClr val="bg1"/>
+              </a:solidFill>
+              <a:tailEnd type="arrow" w="lg" len="lg"/>
+            </a:ln>
+          </p:spPr>
+          <p:style>
+            <a:lnRef idx="1">
+              <a:schemeClr val="accent1"/>
+            </a:lnRef>
+            <a:fillRef idx="0">
+              <a:schemeClr val="accent1"/>
+            </a:fillRef>
+            <a:effectRef idx="0">
+              <a:schemeClr val="accent1"/>
+            </a:effectRef>
+            <a:fontRef idx="minor">
+              <a:schemeClr val="tx1"/>
+            </a:fontRef>
+          </p:style>
+        </p:cxnSp>
+        <p:cxnSp>
+          <p:nvCxnSpPr>
+            <p:cNvPr id="16" name="Straight Arrow Connector 15"/>
+            <p:cNvCxnSpPr>
+              <a:stCxn id="7" idx="5"/>
+              <a:endCxn id="11" idx="2"/>
+            </p:cNvCxnSpPr>
+            <p:nvPr/>
+          </p:nvCxnSpPr>
+          <p:spPr>
+            <a:xfrm>
+              <a:off x="1124352" y="3365728"/>
+              <a:ext cx="351304" cy="207288"/>
+            </a:xfrm>
+            <a:prstGeom prst="straightConnector1">
+              <a:avLst/>
+            </a:prstGeom>
+            <a:ln w="12700">
+              <a:solidFill>
+                <a:schemeClr val="bg1"/>
+              </a:solidFill>
+              <a:tailEnd type="arrow" w="lg" len="lg"/>
+            </a:ln>
+          </p:spPr>
+          <p:style>
+            <a:lnRef idx="1">
+              <a:schemeClr val="accent1"/>
+            </a:lnRef>
+            <a:fillRef idx="0">
+              <a:schemeClr val="accent1"/>
+            </a:fillRef>
+            <a:effectRef idx="0">
+              <a:schemeClr val="accent1"/>
+            </a:effectRef>
+            <a:fontRef idx="minor">
+              <a:schemeClr val="tx1"/>
+            </a:fontRef>
+          </p:style>
+        </p:cxnSp>
+        <p:sp>
+          <p:nvSpPr>
+            <p:cNvPr id="17" name="TextBox 16"/>
+            <p:cNvSpPr txBox="1"/>
+            <p:nvPr/>
+          </p:nvSpPr>
+          <p:spPr>
+            <a:xfrm>
+              <a:off x="1591497" y="1988840"/>
+              <a:ext cx="1854995" cy="523220"/>
+            </a:xfrm>
+            <a:prstGeom prst="rect">
+              <a:avLst/>
+            </a:prstGeom>
+            <a:noFill/>
+          </p:spPr>
+          <p:txBody>
+            <a:bodyPr wrap="none" rtlCol="0">
+              <a:spAutoFit/>
+            </a:bodyPr>
+            <a:lstStyle/>
+            <a:p>
+              <a:pPr algn="ctr"/>
+              <a:r>
+                <a:rPr lang="ru-RU" sz="2800" i="1" dirty="0" smtClean="0"/>
+                <a:t>Правильно</a:t>
+              </a:r>
+              <a:endParaRPr lang="ru-RU" sz="2800" i="1" dirty="0" smtClean="0"/>
+            </a:p>
+          </p:txBody>
+        </p:sp>
+      </p:grpSp>
+      <p:grpSp>
+        <p:nvGrpSpPr>
+          <p:cNvPr id="18" name="Group 17"/>
+          <p:cNvGrpSpPr/>
+          <p:nvPr/>
+        </p:nvGrpSpPr>
+        <p:grpSpPr>
+          <a:xfrm>
+            <a:off x="4716016" y="2436857"/>
+            <a:ext cx="2876718" cy="1640215"/>
+            <a:chOff x="5058570" y="1988840"/>
+            <a:chExt cx="3545878" cy="1840270"/>
+          </a:xfrm>
+        </p:grpSpPr>
+        <p:sp>
+          <p:nvSpPr>
+            <p:cNvPr id="19" name="Oval 18"/>
+            <p:cNvSpPr/>
+            <p:nvPr/>
+          </p:nvSpPr>
+          <p:spPr>
+            <a:xfrm>
+              <a:off x="5733194" y="2996952"/>
+              <a:ext cx="432048" cy="432048"/>
+            </a:xfrm>
+            <a:prstGeom prst="ellipse">
+              <a:avLst/>
+            </a:prstGeom>
+            <a:solidFill>
+              <a:srgbClr val="FFFF00"/>
+            </a:solidFill>
+          </p:spPr>
+          <p:style>
+            <a:lnRef idx="2">
+              <a:schemeClr val="accent1">
+                <a:shade val="50000"/>
+              </a:schemeClr>
+            </a:lnRef>
+            <a:fillRef idx="1">
+              <a:schemeClr val="accent1"/>
+            </a:fillRef>
+            <a:effectRef idx="0">
+              <a:schemeClr val="accent1"/>
+            </a:effectRef>
+            <a:fontRef idx="minor">
+              <a:schemeClr val="lt1"/>
+            </a:fontRef>
+          </p:style>
+          <p:txBody>
+            <a:bodyPr rtlCol="0" anchor="ctr"/>
+            <a:lstStyle/>
+            <a:p>
+              <a:pPr algn="ctr"/>
+              <a:endParaRPr lang="ru-RU"/>
+            </a:p>
+          </p:txBody>
+        </p:sp>
+        <p:sp>
+          <p:nvSpPr>
+            <p:cNvPr id="20" name="Oval 19"/>
+            <p:cNvSpPr/>
+            <p:nvPr/>
+          </p:nvSpPr>
+          <p:spPr>
+            <a:xfrm>
+              <a:off x="6453274" y="2564904"/>
+              <a:ext cx="432048" cy="432048"/>
+            </a:xfrm>
+            <a:prstGeom prst="ellipse">
+              <a:avLst/>
+            </a:prstGeom>
+            <a:solidFill>
+              <a:srgbClr val="92D050"/>
+            </a:solidFill>
+          </p:spPr>
+          <p:style>
+            <a:lnRef idx="2">
+              <a:schemeClr val="accent1">
+                <a:shade val="50000"/>
+              </a:schemeClr>
+            </a:lnRef>
+            <a:fillRef idx="1">
+              <a:schemeClr val="accent1"/>
+            </a:fillRef>
+            <a:effectRef idx="0">
+              <a:schemeClr val="accent1"/>
+            </a:effectRef>
+            <a:fontRef idx="minor">
+              <a:schemeClr val="lt1"/>
+            </a:fontRef>
+          </p:style>
+          <p:txBody>
+            <a:bodyPr rtlCol="0" anchor="ctr"/>
+            <a:lstStyle/>
+            <a:p>
+              <a:pPr algn="ctr"/>
+              <a:endParaRPr lang="ru-RU"/>
+            </a:p>
+          </p:txBody>
+        </p:sp>
+        <p:sp>
+          <p:nvSpPr>
+            <p:cNvPr id="21" name="Oval 20"/>
+            <p:cNvSpPr/>
+            <p:nvPr/>
+          </p:nvSpPr>
+          <p:spPr>
+            <a:xfrm>
+              <a:off x="7280589" y="2564904"/>
+              <a:ext cx="432048" cy="432048"/>
+            </a:xfrm>
+            <a:prstGeom prst="ellipse">
+              <a:avLst/>
+            </a:prstGeom>
+            <a:solidFill>
+              <a:srgbClr val="92D050"/>
+            </a:solidFill>
+          </p:spPr>
+          <p:style>
+            <a:lnRef idx="2">
+              <a:schemeClr val="accent1">
+                <a:shade val="50000"/>
+              </a:schemeClr>
+            </a:lnRef>
+            <a:fillRef idx="1">
+              <a:schemeClr val="accent1"/>
+            </a:fillRef>
+            <a:effectRef idx="0">
+              <a:schemeClr val="accent1"/>
+            </a:effectRef>
+            <a:fontRef idx="minor">
+              <a:schemeClr val="lt1"/>
+            </a:fontRef>
+          </p:style>
+          <p:txBody>
+            <a:bodyPr rtlCol="0" anchor="ctr"/>
+            <a:lstStyle/>
+            <a:p>
+              <a:pPr algn="ctr"/>
+              <a:endParaRPr lang="ru-RU"/>
+            </a:p>
+          </p:txBody>
+        </p:sp>
+        <p:sp>
+          <p:nvSpPr>
+            <p:cNvPr id="22" name="Oval 21"/>
+            <p:cNvSpPr/>
+            <p:nvPr/>
+          </p:nvSpPr>
+          <p:spPr>
+            <a:xfrm>
+              <a:off x="8157940" y="2564904"/>
+              <a:ext cx="432048" cy="432048"/>
+            </a:xfrm>
+            <a:prstGeom prst="ellipse">
+              <a:avLst/>
+            </a:prstGeom>
+            <a:solidFill>
+              <a:srgbClr val="92D050"/>
+            </a:solidFill>
+          </p:spPr>
+          <p:style>
+            <a:lnRef idx="2">
+              <a:schemeClr val="accent1">
+                <a:shade val="50000"/>
+              </a:schemeClr>
+            </a:lnRef>
+            <a:fillRef idx="1">
+              <a:schemeClr val="accent1"/>
+            </a:fillRef>
+            <a:effectRef idx="0">
+              <a:schemeClr val="accent1"/>
+            </a:effectRef>
+            <a:fontRef idx="minor">
+              <a:schemeClr val="lt1"/>
+            </a:fontRef>
+          </p:style>
+          <p:txBody>
+            <a:bodyPr rtlCol="0" anchor="ctr"/>
+            <a:lstStyle/>
+            <a:p>
+              <a:pPr algn="ctr"/>
+              <a:endParaRPr lang="ru-RU"/>
+            </a:p>
+          </p:txBody>
+        </p:sp>
+        <p:sp>
+          <p:nvSpPr>
+            <p:cNvPr id="23" name="Oval 22"/>
+            <p:cNvSpPr/>
+            <p:nvPr/>
+          </p:nvSpPr>
+          <p:spPr>
+            <a:xfrm>
+              <a:off x="6453274" y="3356992"/>
+              <a:ext cx="432048" cy="432048"/>
+            </a:xfrm>
+            <a:prstGeom prst="ellipse">
+              <a:avLst/>
+            </a:prstGeom>
+            <a:solidFill>
+              <a:srgbClr val="92D050"/>
+            </a:solidFill>
+          </p:spPr>
+          <p:style>
+            <a:lnRef idx="2">
+              <a:schemeClr val="accent1">
+                <a:shade val="50000"/>
+              </a:schemeClr>
+            </a:lnRef>
+            <a:fillRef idx="1">
+              <a:schemeClr val="accent1"/>
+            </a:fillRef>
+            <a:effectRef idx="0">
+              <a:schemeClr val="accent1"/>
+            </a:effectRef>
+            <a:fontRef idx="minor">
+              <a:schemeClr val="lt1"/>
+            </a:fontRef>
+          </p:style>
+          <p:txBody>
+            <a:bodyPr rtlCol="0" anchor="ctr"/>
+            <a:lstStyle/>
+            <a:p>
+              <a:pPr algn="ctr"/>
+              <a:endParaRPr lang="ru-RU"/>
+            </a:p>
+          </p:txBody>
+        </p:sp>
+        <p:sp>
+          <p:nvSpPr>
+            <p:cNvPr id="24" name="TextBox 23"/>
+            <p:cNvSpPr txBox="1"/>
+            <p:nvPr/>
+          </p:nvSpPr>
+          <p:spPr>
+            <a:xfrm>
+              <a:off x="5058570" y="3429000"/>
+              <a:ext cx="1241622" cy="400110"/>
+            </a:xfrm>
+            <a:prstGeom prst="rect">
+              <a:avLst/>
+            </a:prstGeom>
+            <a:noFill/>
+          </p:spPr>
+          <p:txBody>
+            <a:bodyPr wrap="none" rtlCol="0">
+              <a:spAutoFit/>
+            </a:bodyPr>
+            <a:lstStyle/>
+            <a:p>
+              <a:pPr algn="ctr"/>
+              <a:r>
+                <a:rPr lang="en-US" sz="2000" dirty="0" err="1" smtClean="0"/>
+                <a:t>finalizable</a:t>
+              </a:r>
+              <a:endParaRPr lang="ru-RU" sz="2000" dirty="0" smtClean="0"/>
+            </a:p>
+          </p:txBody>
+        </p:sp>
+        <p:cxnSp>
+          <p:nvCxnSpPr>
+            <p:cNvPr id="25" name="Straight Arrow Connector 24"/>
+            <p:cNvCxnSpPr>
+              <a:stCxn id="19" idx="7"/>
+              <a:endCxn id="20" idx="2"/>
+            </p:cNvCxnSpPr>
+            <p:nvPr/>
+          </p:nvCxnSpPr>
+          <p:spPr>
+            <a:xfrm flipV="1">
+              <a:off x="6101970" y="2780928"/>
+              <a:ext cx="351304" cy="279296"/>
+            </a:xfrm>
+            <a:prstGeom prst="straightConnector1">
+              <a:avLst/>
+            </a:prstGeom>
+            <a:ln w="12700">
+              <a:solidFill>
+                <a:schemeClr val="bg1"/>
+              </a:solidFill>
+              <a:tailEnd type="arrow" w="lg" len="lg"/>
+            </a:ln>
+          </p:spPr>
+          <p:style>
+            <a:lnRef idx="1">
+              <a:schemeClr val="accent1"/>
+            </a:lnRef>
+            <a:fillRef idx="0">
+              <a:schemeClr val="accent1"/>
+            </a:fillRef>
+            <a:effectRef idx="0">
+              <a:schemeClr val="accent1"/>
+            </a:effectRef>
+            <a:fontRef idx="minor">
+              <a:schemeClr val="tx1"/>
+            </a:fontRef>
+          </p:style>
+        </p:cxnSp>
+        <p:cxnSp>
+          <p:nvCxnSpPr>
+            <p:cNvPr id="26" name="Straight Arrow Connector 25"/>
+            <p:cNvCxnSpPr>
+              <a:stCxn id="20" idx="6"/>
+              <a:endCxn id="21" idx="2"/>
+            </p:cNvCxnSpPr>
+            <p:nvPr/>
+          </p:nvCxnSpPr>
+          <p:spPr>
+            <a:xfrm>
+              <a:off x="6885322" y="2780928"/>
+              <a:ext cx="395267" cy="0"/>
+            </a:xfrm>
+            <a:prstGeom prst="straightConnector1">
+              <a:avLst/>
+            </a:prstGeom>
+            <a:ln w="12700">
+              <a:solidFill>
+                <a:schemeClr val="bg1"/>
+              </a:solidFill>
+              <a:tailEnd type="arrow" w="lg" len="lg"/>
+            </a:ln>
+          </p:spPr>
+          <p:style>
+            <a:lnRef idx="1">
+              <a:schemeClr val="accent1"/>
+            </a:lnRef>
+            <a:fillRef idx="0">
+              <a:schemeClr val="accent1"/>
+            </a:fillRef>
+            <a:effectRef idx="0">
+              <a:schemeClr val="accent1"/>
+            </a:effectRef>
+            <a:fontRef idx="minor">
+              <a:schemeClr val="tx1"/>
+            </a:fontRef>
+          </p:style>
+        </p:cxnSp>
+        <p:cxnSp>
+          <p:nvCxnSpPr>
+            <p:cNvPr id="27" name="Straight Arrow Connector 26"/>
+            <p:cNvCxnSpPr>
+              <a:stCxn id="21" idx="6"/>
+              <a:endCxn id="22" idx="2"/>
+            </p:cNvCxnSpPr>
+            <p:nvPr/>
+          </p:nvCxnSpPr>
+          <p:spPr>
+            <a:xfrm>
+              <a:off x="7712637" y="2780928"/>
+              <a:ext cx="445303" cy="0"/>
+            </a:xfrm>
+            <a:prstGeom prst="straightConnector1">
+              <a:avLst/>
+            </a:prstGeom>
+            <a:ln w="12700">
+              <a:solidFill>
+                <a:schemeClr val="bg1"/>
+              </a:solidFill>
+              <a:tailEnd type="arrow" w="lg" len="lg"/>
+            </a:ln>
+          </p:spPr>
+          <p:style>
+            <a:lnRef idx="1">
+              <a:schemeClr val="accent1"/>
+            </a:lnRef>
+            <a:fillRef idx="0">
+              <a:schemeClr val="accent1"/>
+            </a:fillRef>
+            <a:effectRef idx="0">
+              <a:schemeClr val="accent1"/>
+            </a:effectRef>
+            <a:fontRef idx="minor">
+              <a:schemeClr val="tx1"/>
+            </a:fontRef>
+          </p:style>
+        </p:cxnSp>
+        <p:cxnSp>
+          <p:nvCxnSpPr>
+            <p:cNvPr id="28" name="Straight Arrow Connector 27"/>
+            <p:cNvCxnSpPr>
+              <a:stCxn id="19" idx="5"/>
+              <a:endCxn id="23" idx="2"/>
+            </p:cNvCxnSpPr>
+            <p:nvPr/>
+          </p:nvCxnSpPr>
+          <p:spPr>
+            <a:xfrm>
+              <a:off x="6101970" y="3365728"/>
+              <a:ext cx="351304" cy="207288"/>
+            </a:xfrm>
+            <a:prstGeom prst="straightConnector1">
+              <a:avLst/>
+            </a:prstGeom>
+            <a:ln w="12700">
+              <a:solidFill>
+                <a:schemeClr val="bg1"/>
+              </a:solidFill>
+              <a:tailEnd type="arrow" w="lg" len="lg"/>
+            </a:ln>
+          </p:spPr>
+          <p:style>
+            <a:lnRef idx="1">
+              <a:schemeClr val="accent1"/>
+            </a:lnRef>
+            <a:fillRef idx="0">
+              <a:schemeClr val="accent1"/>
+            </a:fillRef>
+            <a:effectRef idx="0">
+              <a:schemeClr val="accent1"/>
+            </a:effectRef>
+            <a:fontRef idx="minor">
+              <a:schemeClr val="tx1"/>
+            </a:fontRef>
+          </p:style>
+        </p:cxnSp>
+        <p:sp>
+          <p:nvSpPr>
+            <p:cNvPr id="29" name="TextBox 28"/>
+            <p:cNvSpPr txBox="1"/>
+            <p:nvPr/>
+          </p:nvSpPr>
+          <p:spPr>
+            <a:xfrm>
+              <a:off x="6388777" y="1988840"/>
+              <a:ext cx="2215671" cy="523220"/>
+            </a:xfrm>
+            <a:prstGeom prst="rect">
+              <a:avLst/>
+            </a:prstGeom>
+            <a:noFill/>
+          </p:spPr>
+          <p:txBody>
+            <a:bodyPr wrap="none" rtlCol="0">
+              <a:spAutoFit/>
+            </a:bodyPr>
+            <a:lstStyle/>
+            <a:p>
+              <a:pPr algn="ctr"/>
+              <a:r>
+                <a:rPr lang="ru-RU" sz="2800" i="1" dirty="0" smtClean="0"/>
+                <a:t>Неп</a:t>
+              </a:r>
+              <a:r>
+                <a:rPr lang="ru-RU" sz="2800" i="1" dirty="0" smtClean="0"/>
+                <a:t>равильно</a:t>
+              </a:r>
+              <a:endParaRPr lang="ru-RU" sz="2800" i="1" dirty="0" smtClean="0"/>
+            </a:p>
+          </p:txBody>
+        </p:sp>
+      </p:grpSp>
+    </p:spTree>
+    <p:extLst>
+      <p:ext uri="{BB962C8B-B14F-4D97-AF65-F5344CB8AC3E}">
+        <p14:creationId xmlns:p14="http://schemas.microsoft.com/office/powerpoint/2010/main" val="51479124"/>
+      </p:ext>
+    </p:extLst>
+  </p:cSld>
+  <p:clrMapOvr>
+    <a:masterClrMapping/>
+  </p:clrMapOvr>
+</p:sld>
+</file>
+
+<file path=ppt/slides/slide21.xml><?xml version="1.0" encoding="utf-8"?>
+<p:sld xmlns:a="http://schemas.openxmlformats.org/drawingml/2006/main" xmlns:r="http://schemas.openxmlformats.org/officeDocument/2006/relationships" xmlns:p="http://schemas.openxmlformats.org/presentationml/2006/main">
+  <p:cSld>
+    <p:spTree>
+      <p:nvGrpSpPr>
+        <p:cNvPr id="1" name=""/>
+        <p:cNvGrpSpPr/>
+        <p:nvPr/>
+      </p:nvGrpSpPr>
+      <p:grpSpPr>
+        <a:xfrm>
+          <a:off x="0" y="0"/>
+          <a:ext cx="0" cy="0"/>
+          <a:chOff x="0" y="0"/>
+          <a:chExt cx="0" cy="0"/>
+        </a:xfrm>
+      </p:grpSpPr>
+      <p:sp>
+        <p:nvSpPr>
+          <p:cNvPr id="2" name="Title 1"/>
+          <p:cNvSpPr>
+            <a:spLocks noGrp="1"/>
+          </p:cNvSpPr>
+          <p:nvPr>
             <p:ph type="ctrTitle"/>
           </p:nvPr>
         </p:nvSpPr>
@@ -11282,7 +12313,7 @@
 </p:sld>
 </file>
 
-<file path=ppt/slides/slide21.xml><?xml version="1.0" encoding="utf-8"?>
+<file path=ppt/slides/slide22.xml><?xml version="1.0" encoding="utf-8"?>
 <p:sld xmlns:a="http://schemas.openxmlformats.org/drawingml/2006/main" xmlns:r="http://schemas.openxmlformats.org/officeDocument/2006/relationships" xmlns:p="http://schemas.openxmlformats.org/presentationml/2006/main">
   <p:cSld>
     <p:spTree>
@@ -12476,7 +13507,7 @@
 </p:sld>
 </file>
 
-<file path=ppt/slides/slide22.xml><?xml version="1.0" encoding="utf-8"?>
+<file path=ppt/slides/slide23.xml><?xml version="1.0" encoding="utf-8"?>
 <p:sld xmlns:a="http://schemas.openxmlformats.org/drawingml/2006/main" xmlns:r="http://schemas.openxmlformats.org/officeDocument/2006/relationships" xmlns:p="http://schemas.openxmlformats.org/presentationml/2006/main">
   <p:cSld>
     <p:spTree>
@@ -13824,66 +14855,6 @@
     <p:extLst>
       <p:ext uri="{BB962C8B-B14F-4D97-AF65-F5344CB8AC3E}">
         <p14:creationId xmlns:p14="http://schemas.microsoft.com/office/powerpoint/2010/main" val="2301603699"/>
-      </p:ext>
-    </p:extLst>
-  </p:cSld>
-  <p:clrMapOvr>
-    <a:masterClrMapping/>
-  </p:clrMapOvr>
-  <p:timing>
-    <p:tnLst>
-      <p:par>
-        <p:cTn id="1" dur="indefinite" restart="never" nodeType="tmRoot"/>
-      </p:par>
-    </p:tnLst>
-  </p:timing>
-</p:sld>
-</file>
-
-<file path=ppt/slides/slide23.xml><?xml version="1.0" encoding="utf-8"?>
-<p:sld xmlns:a="http://schemas.openxmlformats.org/drawingml/2006/main" xmlns:r="http://schemas.openxmlformats.org/officeDocument/2006/relationships" xmlns:p="http://schemas.openxmlformats.org/presentationml/2006/main">
-  <p:cSld>
-    <p:spTree>
-      <p:nvGrpSpPr>
-        <p:cNvPr id="1" name=""/>
-        <p:cNvGrpSpPr/>
-        <p:nvPr/>
-      </p:nvGrpSpPr>
-      <p:grpSpPr>
-        <a:xfrm>
-          <a:off x="0" y="0"/>
-          <a:ext cx="0" cy="0"/>
-          <a:chOff x="0" y="0"/>
-          <a:chExt cx="0" cy="0"/>
-        </a:xfrm>
-      </p:grpSpPr>
-      <p:sp>
-        <p:nvSpPr>
-          <p:cNvPr id="2" name="Title 1"/>
-          <p:cNvSpPr>
-            <a:spLocks noGrp="1"/>
-          </p:cNvSpPr>
-          <p:nvPr>
-            <p:ph type="ctrTitle"/>
-          </p:nvPr>
-        </p:nvSpPr>
-        <p:spPr/>
-        <p:txBody>
-          <a:bodyPr/>
-          <a:lstStyle/>
-          <a:p>
-            <a:r>
-              <a:rPr lang="ru-RU" dirty="0" smtClean="0"/>
-              <a:t>Мониторинг используемой памяти</a:t>
-            </a:r>
-            <a:endParaRPr lang="ru-RU" dirty="0"/>
-          </a:p>
-        </p:txBody>
-      </p:sp>
-    </p:spTree>
-    <p:extLst>
-      <p:ext uri="{BB962C8B-B14F-4D97-AF65-F5344CB8AC3E}">
-        <p14:creationId xmlns:p14="http://schemas.microsoft.com/office/powerpoint/2010/main" val="833686513"/>
       </p:ext>
     </p:extLst>
   </p:cSld>
@@ -13924,32 +14895,7 @@
             <a:spLocks noGrp="1"/>
           </p:cNvSpPr>
           <p:nvPr>
-            <p:ph type="title"/>
-          </p:nvPr>
-        </p:nvSpPr>
-        <p:spPr/>
-        <p:txBody>
-          <a:bodyPr>
-            <a:normAutofit fontScale="90000"/>
-          </a:bodyPr>
-          <a:lstStyle/>
-          <a:p>
-            <a:r>
-              <a:rPr lang="ru-RU" dirty="0" smtClean="0"/>
-              <a:t>Мониторинг используемой памяти из кода</a:t>
-            </a:r>
-            <a:endParaRPr lang="ru-RU" dirty="0"/>
-          </a:p>
-        </p:txBody>
-      </p:sp>
-      <p:sp>
-        <p:nvSpPr>
-          <p:cNvPr id="3" name="Content Placeholder 2"/>
-          <p:cNvSpPr>
-            <a:spLocks noGrp="1"/>
-          </p:cNvSpPr>
-          <p:nvPr>
-            <p:ph idx="1"/>
+            <p:ph type="ctrTitle"/>
           </p:nvPr>
         </p:nvSpPr>
         <p:spPr/>
@@ -13958,79 +14904,9 @@
           <a:lstStyle/>
           <a:p>
             <a:r>
-              <a:rPr lang="en-US" dirty="0" err="1" smtClean="0"/>
-              <a:t>GC.CollectionCount</a:t>
-            </a:r>
-            <a:r>
-              <a:rPr lang="en-US" dirty="0" smtClean="0"/>
-              <a:t>(</a:t>
-            </a:r>
-            <a:r>
               <a:rPr lang="ru-RU" dirty="0" smtClean="0"/>
-              <a:t>номерПоколения</a:t>
-            </a:r>
-            <a:r>
-              <a:rPr lang="en-US" dirty="0" smtClean="0"/>
-              <a:t>)</a:t>
-            </a:r>
-            <a:r>
-              <a:rPr lang="ru-RU" dirty="0" smtClean="0"/>
-              <a:t> – сообщает сколько раз выполнялась сборка мусора для указанного поколения</a:t>
-            </a:r>
-          </a:p>
-          <a:p>
-            <a:r>
-              <a:rPr lang="en-US" dirty="0" err="1"/>
-              <a:t>GC.GetTotalMemory</a:t>
-            </a:r>
-            <a:r>
-              <a:rPr lang="en-US" dirty="0"/>
-              <a:t>(</a:t>
-            </a:r>
-            <a:r>
-              <a:rPr lang="en-US" dirty="0" err="1"/>
-              <a:t>bool</a:t>
-            </a:r>
-            <a:r>
-              <a:rPr lang="en-US" dirty="0"/>
-              <a:t> </a:t>
-            </a:r>
-            <a:r>
-              <a:rPr lang="en-US" dirty="0" err="1"/>
-              <a:t>forceFullCollection</a:t>
-            </a:r>
-            <a:r>
-              <a:rPr lang="en-US" dirty="0" smtClean="0"/>
-              <a:t>)</a:t>
-            </a:r>
-            <a:r>
-              <a:rPr lang="ru-RU" dirty="0" smtClean="0"/>
-              <a:t> – возвращает кол-во байтов выделенных в куче</a:t>
-            </a:r>
-          </a:p>
-          <a:p>
-            <a:r>
-              <a:rPr lang="en-US" dirty="0" err="1" smtClean="0"/>
-              <a:t>Environment.WorkingSet</a:t>
-            </a:r>
-            <a:r>
-              <a:rPr lang="en-US" dirty="0" smtClean="0"/>
-              <a:t> – </a:t>
-            </a:r>
-            <a:r>
-              <a:rPr lang="ru-RU" dirty="0" smtClean="0"/>
-              <a:t>размер в байтах рабочего множества процесса </a:t>
-            </a:r>
-            <a:r>
-              <a:rPr lang="en-US" dirty="0" smtClean="0"/>
-              <a:t>(working set)</a:t>
-            </a:r>
-            <a:endParaRPr lang="en-US" dirty="0"/>
-          </a:p>
-          <a:p>
-            <a:endParaRPr lang="en-US" dirty="0"/>
-          </a:p>
-          <a:p>
+              <a:t>Мониторинг используемой памяти</a:t>
+            </a:r>
             <a:endParaRPr lang="ru-RU" dirty="0"/>
           </a:p>
         </p:txBody>
@@ -14038,7 +14914,7 @@
     </p:spTree>
     <p:extLst>
       <p:ext uri="{BB962C8B-B14F-4D97-AF65-F5344CB8AC3E}">
-        <p14:creationId xmlns:p14="http://schemas.microsoft.com/office/powerpoint/2010/main" val="921719331"/>
+        <p14:creationId xmlns:p14="http://schemas.microsoft.com/office/powerpoint/2010/main" val="833686513"/>
       </p:ext>
     </p:extLst>
   </p:cSld>
@@ -14091,6 +14967,161 @@
           <a:p>
             <a:r>
               <a:rPr lang="ru-RU" dirty="0" smtClean="0"/>
+              <a:t>Мониторинг используемой памяти из кода</a:t>
+            </a:r>
+            <a:endParaRPr lang="ru-RU" dirty="0"/>
+          </a:p>
+        </p:txBody>
+      </p:sp>
+      <p:sp>
+        <p:nvSpPr>
+          <p:cNvPr id="3" name="Content Placeholder 2"/>
+          <p:cNvSpPr>
+            <a:spLocks noGrp="1"/>
+          </p:cNvSpPr>
+          <p:nvPr>
+            <p:ph idx="1"/>
+          </p:nvPr>
+        </p:nvSpPr>
+        <p:spPr/>
+        <p:txBody>
+          <a:bodyPr/>
+          <a:lstStyle/>
+          <a:p>
+            <a:r>
+              <a:rPr lang="en-US" dirty="0" err="1" smtClean="0"/>
+              <a:t>GC.CollectionCount</a:t>
+            </a:r>
+            <a:r>
+              <a:rPr lang="en-US" dirty="0" smtClean="0"/>
+              <a:t>(</a:t>
+            </a:r>
+            <a:r>
+              <a:rPr lang="ru-RU" dirty="0" smtClean="0"/>
+              <a:t>номерПоколения</a:t>
+            </a:r>
+            <a:r>
+              <a:rPr lang="en-US" dirty="0" smtClean="0"/>
+              <a:t>)</a:t>
+            </a:r>
+            <a:r>
+              <a:rPr lang="ru-RU" dirty="0" smtClean="0"/>
+              <a:t> – сообщает сколько раз выполнялась сборка мусора для указанного поколения</a:t>
+            </a:r>
+          </a:p>
+          <a:p>
+            <a:r>
+              <a:rPr lang="en-US" dirty="0" err="1"/>
+              <a:t>GC.GetTotalMemory</a:t>
+            </a:r>
+            <a:r>
+              <a:rPr lang="en-US" dirty="0"/>
+              <a:t>(</a:t>
+            </a:r>
+            <a:r>
+              <a:rPr lang="en-US" dirty="0" err="1"/>
+              <a:t>bool</a:t>
+            </a:r>
+            <a:r>
+              <a:rPr lang="en-US" dirty="0"/>
+              <a:t> </a:t>
+            </a:r>
+            <a:r>
+              <a:rPr lang="en-US" dirty="0" err="1"/>
+              <a:t>forceFullCollection</a:t>
+            </a:r>
+            <a:r>
+              <a:rPr lang="en-US" dirty="0" smtClean="0"/>
+              <a:t>)</a:t>
+            </a:r>
+            <a:r>
+              <a:rPr lang="ru-RU" dirty="0" smtClean="0"/>
+              <a:t> – возвращает кол-во байтов выделенных в куче</a:t>
+            </a:r>
+          </a:p>
+          <a:p>
+            <a:r>
+              <a:rPr lang="en-US" dirty="0" err="1" smtClean="0"/>
+              <a:t>Environment.WorkingSet</a:t>
+            </a:r>
+            <a:r>
+              <a:rPr lang="en-US" dirty="0" smtClean="0"/>
+              <a:t> – </a:t>
+            </a:r>
+            <a:r>
+              <a:rPr lang="ru-RU" dirty="0" smtClean="0"/>
+              <a:t>размер в байтах рабочего множества процесса </a:t>
+            </a:r>
+            <a:r>
+              <a:rPr lang="en-US" dirty="0" smtClean="0"/>
+              <a:t>(working set)</a:t>
+            </a:r>
+            <a:endParaRPr lang="en-US" dirty="0"/>
+          </a:p>
+          <a:p>
+            <a:endParaRPr lang="en-US" dirty="0"/>
+          </a:p>
+          <a:p>
+            <a:endParaRPr lang="ru-RU" dirty="0"/>
+          </a:p>
+        </p:txBody>
+      </p:sp>
+    </p:spTree>
+    <p:extLst>
+      <p:ext uri="{BB962C8B-B14F-4D97-AF65-F5344CB8AC3E}">
+        <p14:creationId xmlns:p14="http://schemas.microsoft.com/office/powerpoint/2010/main" val="921719331"/>
+      </p:ext>
+    </p:extLst>
+  </p:cSld>
+  <p:clrMapOvr>
+    <a:masterClrMapping/>
+  </p:clrMapOvr>
+  <p:timing>
+    <p:tnLst>
+      <p:par>
+        <p:cTn id="1" dur="indefinite" restart="never" nodeType="tmRoot"/>
+      </p:par>
+    </p:tnLst>
+  </p:timing>
+</p:sld>
+</file>
+
+<file path=ppt/slides/slide26.xml><?xml version="1.0" encoding="utf-8"?>
+<p:sld xmlns:a="http://schemas.openxmlformats.org/drawingml/2006/main" xmlns:r="http://schemas.openxmlformats.org/officeDocument/2006/relationships" xmlns:p="http://schemas.openxmlformats.org/presentationml/2006/main">
+  <p:cSld>
+    <p:spTree>
+      <p:nvGrpSpPr>
+        <p:cNvPr id="1" name=""/>
+        <p:cNvGrpSpPr/>
+        <p:nvPr/>
+      </p:nvGrpSpPr>
+      <p:grpSpPr>
+        <a:xfrm>
+          <a:off x="0" y="0"/>
+          <a:ext cx="0" cy="0"/>
+          <a:chOff x="0" y="0"/>
+          <a:chExt cx="0" cy="0"/>
+        </a:xfrm>
+      </p:grpSpPr>
+      <p:sp>
+        <p:nvSpPr>
+          <p:cNvPr id="2" name="Title 1"/>
+          <p:cNvSpPr>
+            <a:spLocks noGrp="1"/>
+          </p:cNvSpPr>
+          <p:nvPr>
+            <p:ph type="title"/>
+          </p:nvPr>
+        </p:nvSpPr>
+        <p:spPr/>
+        <p:txBody>
+          <a:bodyPr>
+            <a:normAutofit fontScale="90000"/>
+          </a:bodyPr>
+          <a:lstStyle/>
+          <a:p>
+            <a:r>
+              <a:rPr lang="ru-RU" dirty="0" smtClean="0"/>
               <a:t>Мониторинг используемой памяти внешними средствами</a:t>
             </a:r>
             <a:endParaRPr lang="ru-RU" dirty="0"/>
@@ -14221,7 +15252,7 @@
 </p:sld>
 </file>
 
-<file path=ppt/slides/slide26.xml><?xml version="1.0" encoding="utf-8"?>
+<file path=ppt/slides/slide27.xml><?xml version="1.0" encoding="utf-8"?>
 <p:sld xmlns:a="http://schemas.openxmlformats.org/drawingml/2006/main" xmlns:r="http://schemas.openxmlformats.org/officeDocument/2006/relationships" xmlns:p="http://schemas.openxmlformats.org/presentationml/2006/main">
   <p:cSld>
     <p:spTree>
@@ -18852,7 +19883,7 @@
 </p:sld>
 </file>
 
-<file path=ppt/slides/slide27.xml><?xml version="1.0" encoding="utf-8"?>
+<file path=ppt/slides/slide28.xml><?xml version="1.0" encoding="utf-8"?>
 <p:sld xmlns:a="http://schemas.openxmlformats.org/drawingml/2006/main" xmlns:r="http://schemas.openxmlformats.org/officeDocument/2006/relationships" xmlns:p="http://schemas.openxmlformats.org/presentationml/2006/main">
   <p:cSld>
     <p:spTree>

--- a/Presentation/memory-management-and-gc.pptx
+++ b/Presentation/memory-management-and-gc.pptx
@@ -5,37 +5,38 @@
     <p:sldMasterId id="2147483648" r:id="rId1"/>
   </p:sldMasterIdLst>
   <p:notesMasterIdLst>
-    <p:notesMasterId r:id="rId30"/>
+    <p:notesMasterId r:id="rId31"/>
   </p:notesMasterIdLst>
   <p:sldIdLst>
     <p:sldId id="261" r:id="rId2"/>
     <p:sldId id="257" r:id="rId3"/>
     <p:sldId id="274" r:id="rId4"/>
-    <p:sldId id="264" r:id="rId5"/>
-    <p:sldId id="270" r:id="rId6"/>
-    <p:sldId id="265" r:id="rId7"/>
-    <p:sldId id="266" r:id="rId8"/>
-    <p:sldId id="273" r:id="rId9"/>
-    <p:sldId id="268" r:id="rId10"/>
-    <p:sldId id="267" r:id="rId11"/>
-    <p:sldId id="269" r:id="rId12"/>
-    <p:sldId id="279" r:id="rId13"/>
-    <p:sldId id="280" r:id="rId14"/>
-    <p:sldId id="281" r:id="rId15"/>
-    <p:sldId id="272" r:id="rId16"/>
-    <p:sldId id="275" r:id="rId17"/>
-    <p:sldId id="276" r:id="rId18"/>
-    <p:sldId id="271" r:id="rId19"/>
-    <p:sldId id="263" r:id="rId20"/>
-    <p:sldId id="284" r:id="rId21"/>
-    <p:sldId id="262" r:id="rId22"/>
-    <p:sldId id="278" r:id="rId23"/>
-    <p:sldId id="282" r:id="rId24"/>
-    <p:sldId id="277" r:id="rId25"/>
-    <p:sldId id="258" r:id="rId26"/>
-    <p:sldId id="259" r:id="rId27"/>
-    <p:sldId id="283" r:id="rId28"/>
-    <p:sldId id="260" r:id="rId29"/>
+    <p:sldId id="285" r:id="rId5"/>
+    <p:sldId id="264" r:id="rId6"/>
+    <p:sldId id="270" r:id="rId7"/>
+    <p:sldId id="265" r:id="rId8"/>
+    <p:sldId id="266" r:id="rId9"/>
+    <p:sldId id="273" r:id="rId10"/>
+    <p:sldId id="268" r:id="rId11"/>
+    <p:sldId id="267" r:id="rId12"/>
+    <p:sldId id="269" r:id="rId13"/>
+    <p:sldId id="279" r:id="rId14"/>
+    <p:sldId id="280" r:id="rId15"/>
+    <p:sldId id="281" r:id="rId16"/>
+    <p:sldId id="272" r:id="rId17"/>
+    <p:sldId id="275" r:id="rId18"/>
+    <p:sldId id="276" r:id="rId19"/>
+    <p:sldId id="271" r:id="rId20"/>
+    <p:sldId id="263" r:id="rId21"/>
+    <p:sldId id="284" r:id="rId22"/>
+    <p:sldId id="262" r:id="rId23"/>
+    <p:sldId id="278" r:id="rId24"/>
+    <p:sldId id="282" r:id="rId25"/>
+    <p:sldId id="277" r:id="rId26"/>
+    <p:sldId id="258" r:id="rId27"/>
+    <p:sldId id="259" r:id="rId28"/>
+    <p:sldId id="283" r:id="rId29"/>
+    <p:sldId id="260" r:id="rId30"/>
   </p:sldIdLst>
   <p:sldSz cx="9144000" cy="6858000" type="screen4x3"/>
   <p:notesSz cx="6858000" cy="9144000"/>
@@ -219,7 +220,7 @@
           <a:p>
             <a:fld id="{B24A7054-7FFB-49F4-A126-5DF6E687FF53}" type="datetimeFigureOut">
               <a:rPr lang="ru-RU" smtClean="0"/>
-              <a:t>23.08.2015</a:t>
+              <a:t>28.08.2015</a:t>
             </a:fld>
             <a:endParaRPr lang="ru-RU"/>
           </a:p>
@@ -1585,7 +1586,7 @@
           <a:p>
             <a:fld id="{8E6E6A2A-E9D3-4A0D-B04A-ABDD367A1E08}" type="datetimeFigureOut">
               <a:rPr lang="ru-RU" smtClean="0"/>
-              <a:t>23.08.2015</a:t>
+              <a:t>28.08.2015</a:t>
             </a:fld>
             <a:endParaRPr lang="ru-RU"/>
           </a:p>
@@ -3037,7 +3038,7 @@
           <a:p>
             <a:fld id="{AC3D3127-B7C4-45E3-9797-C527EC9FDD78}" type="datetimeFigureOut">
               <a:rPr lang="ru-RU" smtClean="0"/>
-              <a:t>23.08.2015</a:t>
+              <a:t>28.08.2015</a:t>
             </a:fld>
             <a:endParaRPr lang="ru-RU"/>
           </a:p>
@@ -3608,6 +3609,135 @@
 </file>
 
 <file path=ppt/slides/slide10.xml><?xml version="1.0" encoding="utf-8"?>
+<p:sld xmlns:a="http://schemas.openxmlformats.org/drawingml/2006/main" xmlns:r="http://schemas.openxmlformats.org/officeDocument/2006/relationships" xmlns:p="http://schemas.openxmlformats.org/presentationml/2006/main">
+  <p:cSld>
+    <p:spTree>
+      <p:nvGrpSpPr>
+        <p:cNvPr id="1" name=""/>
+        <p:cNvGrpSpPr/>
+        <p:nvPr/>
+      </p:nvGrpSpPr>
+      <p:grpSpPr>
+        <a:xfrm>
+          <a:off x="0" y="0"/>
+          <a:ext cx="0" cy="0"/>
+          <a:chOff x="0" y="0"/>
+          <a:chExt cx="0" cy="0"/>
+        </a:xfrm>
+      </p:grpSpPr>
+      <p:sp>
+        <p:nvSpPr>
+          <p:cNvPr id="2" name="Title 1"/>
+          <p:cNvSpPr>
+            <a:spLocks noGrp="1"/>
+          </p:cNvSpPr>
+          <p:nvPr>
+            <p:ph type="title"/>
+          </p:nvPr>
+        </p:nvSpPr>
+        <p:spPr/>
+        <p:txBody>
+          <a:bodyPr>
+            <a:normAutofit fontScale="90000"/>
+          </a:bodyPr>
+          <a:lstStyle/>
+          <a:p>
+            <a:r>
+              <a:rPr lang="ru-RU" dirty="0" smtClean="0"/>
+              <a:t>Сборка мусора на основе поколений</a:t>
+            </a:r>
+            <a:r>
+              <a:rPr lang="en-US" dirty="0" smtClean="0"/>
+              <a:t> </a:t>
+            </a:r>
+            <a:r>
+              <a:rPr lang="ru-RU" dirty="0" smtClean="0"/>
+              <a:t>(</a:t>
+            </a:r>
+            <a:r>
+              <a:rPr lang="en-US" dirty="0" smtClean="0"/>
+              <a:t>generation based garbage collection</a:t>
+            </a:r>
+            <a:r>
+              <a:rPr lang="ru-RU" dirty="0" smtClean="0"/>
+              <a:t>)</a:t>
+            </a:r>
+            <a:endParaRPr lang="ru-RU" dirty="0"/>
+          </a:p>
+        </p:txBody>
+      </p:sp>
+      <p:sp>
+        <p:nvSpPr>
+          <p:cNvPr id="3" name="Content Placeholder 2"/>
+          <p:cNvSpPr>
+            <a:spLocks noGrp="1"/>
+          </p:cNvSpPr>
+          <p:nvPr>
+            <p:ph idx="1"/>
+          </p:nvPr>
+        </p:nvSpPr>
+        <p:spPr/>
+        <p:txBody>
+          <a:bodyPr>
+            <a:normAutofit fontScale="92500" lnSpcReduction="10000"/>
+          </a:bodyPr>
+          <a:lstStyle/>
+          <a:p>
+            <a:pPr marL="0" indent="0">
+              <a:buNone/>
+            </a:pPr>
+            <a:r>
+              <a:rPr lang="ru-RU" dirty="0" smtClean="0"/>
+              <a:t>Сборщик мусора в </a:t>
+            </a:r>
+            <a:r>
+              <a:rPr lang="en-US" dirty="0" smtClean="0"/>
+              <a:t>.NET </a:t>
+            </a:r>
+            <a:r>
+              <a:rPr lang="ru-RU" dirty="0" smtClean="0"/>
+              <a:t>использует т.н. поколения для повышения эффективности своей работы. Выделяемые объекты делятся на три поколения: 0, 1 и 2.</a:t>
+            </a:r>
+          </a:p>
+          <a:p>
+            <a:pPr marL="0" indent="0">
+              <a:buNone/>
+            </a:pPr>
+            <a:endParaRPr lang="ru-RU" dirty="0" smtClean="0"/>
+          </a:p>
+          <a:p>
+            <a:pPr marL="0" indent="0">
+              <a:buNone/>
+            </a:pPr>
+            <a:r>
+              <a:rPr lang="ru-RU" dirty="0" smtClean="0"/>
+              <a:t>Поколения связаны с временем жизни объекта и то сколько сборок мусора они пережили: 0 – коротко-живущие объекты; 1 – объекты со средним временем жизни; 2 – долгоживущие объекты.</a:t>
+            </a:r>
+            <a:endParaRPr lang="ru-RU" dirty="0"/>
+          </a:p>
+        </p:txBody>
+      </p:sp>
+    </p:spTree>
+    <p:extLst>
+      <p:ext uri="{BB962C8B-B14F-4D97-AF65-F5344CB8AC3E}">
+        <p14:creationId xmlns:p14="http://schemas.microsoft.com/office/powerpoint/2010/main" val="1382093847"/>
+      </p:ext>
+    </p:extLst>
+  </p:cSld>
+  <p:clrMapOvr>
+    <a:masterClrMapping/>
+  </p:clrMapOvr>
+  <p:timing>
+    <p:tnLst>
+      <p:par>
+        <p:cTn id="1" dur="indefinite" restart="never" nodeType="tmRoot"/>
+      </p:par>
+    </p:tnLst>
+  </p:timing>
+</p:sld>
+</file>
+
+<file path=ppt/slides/slide11.xml><?xml version="1.0" encoding="utf-8"?>
 <p:sld xmlns:a="http://schemas.openxmlformats.org/drawingml/2006/main" xmlns:r="http://schemas.openxmlformats.org/officeDocument/2006/relationships" xmlns:p="http://schemas.openxmlformats.org/presentationml/2006/main">
   <p:cSld>
     <p:spTree>
@@ -5622,7 +5752,7 @@
 </p:sld>
 </file>
 
-<file path=ppt/slides/slide11.xml><?xml version="1.0" encoding="utf-8"?>
+<file path=ppt/slides/slide12.xml><?xml version="1.0" encoding="utf-8"?>
 <p:sld xmlns:a="http://schemas.openxmlformats.org/drawingml/2006/main" xmlns:r="http://schemas.openxmlformats.org/officeDocument/2006/relationships" xmlns:p="http://schemas.openxmlformats.org/presentationml/2006/main">
   <p:cSld>
     <p:spTree>
@@ -8765,793 +8895,6 @@
 </p:sld>
 </file>
 
-<file path=ppt/slides/slide12.xml><?xml version="1.0" encoding="utf-8"?>
-<p:sld xmlns:a="http://schemas.openxmlformats.org/drawingml/2006/main" xmlns:r="http://schemas.openxmlformats.org/officeDocument/2006/relationships" xmlns:p="http://schemas.openxmlformats.org/presentationml/2006/main">
-  <p:cSld>
-    <p:spTree>
-      <p:nvGrpSpPr>
-        <p:cNvPr id="1" name=""/>
-        <p:cNvGrpSpPr/>
-        <p:nvPr/>
-      </p:nvGrpSpPr>
-      <p:grpSpPr>
-        <a:xfrm>
-          <a:off x="0" y="0"/>
-          <a:ext cx="0" cy="0"/>
-          <a:chOff x="0" y="0"/>
-          <a:chExt cx="0" cy="0"/>
-        </a:xfrm>
-      </p:grpSpPr>
-      <p:sp>
-        <p:nvSpPr>
-          <p:cNvPr id="2" name="Title 1"/>
-          <p:cNvSpPr>
-            <a:spLocks noGrp="1"/>
-          </p:cNvSpPr>
-          <p:nvPr>
-            <p:ph type="title"/>
-          </p:nvPr>
-        </p:nvSpPr>
-        <p:spPr/>
-        <p:txBody>
-          <a:bodyPr/>
-          <a:lstStyle/>
-          <a:p>
-            <a:r>
-              <a:rPr lang="en-US" dirty="0" smtClean="0"/>
-              <a:t>Workstation GC </a:t>
-            </a:r>
-            <a:r>
-              <a:rPr lang="ru-RU" dirty="0" smtClean="0"/>
-              <a:t>и </a:t>
-            </a:r>
-            <a:r>
-              <a:rPr lang="en-US" dirty="0" smtClean="0"/>
-              <a:t>Server GC</a:t>
-            </a:r>
-            <a:endParaRPr lang="ru-RU" dirty="0"/>
-          </a:p>
-        </p:txBody>
-      </p:sp>
-      <p:sp>
-        <p:nvSpPr>
-          <p:cNvPr id="3" name="Content Placeholder 2"/>
-          <p:cNvSpPr>
-            <a:spLocks noGrp="1"/>
-          </p:cNvSpPr>
-          <p:nvPr>
-            <p:ph idx="1"/>
-          </p:nvPr>
-        </p:nvSpPr>
-        <p:spPr>
-          <a:xfrm>
-            <a:off x="457200" y="1600201"/>
-            <a:ext cx="8229600" cy="2116832"/>
-          </a:xfrm>
-        </p:spPr>
-        <p:txBody>
-          <a:bodyPr/>
-          <a:lstStyle/>
-          <a:p>
-            <a:pPr marL="0" indent="0">
-              <a:buNone/>
-            </a:pPr>
-            <a:r>
-              <a:rPr lang="ru-RU" dirty="0" smtClean="0"/>
-              <a:t>В </a:t>
-            </a:r>
-            <a:r>
-              <a:rPr lang="en-US" dirty="0" smtClean="0"/>
-              <a:t>.NET </a:t>
-            </a:r>
-            <a:r>
-              <a:rPr lang="ru-RU" dirty="0" smtClean="0"/>
-              <a:t>есть два режима работы </a:t>
-            </a:r>
-            <a:r>
-              <a:rPr lang="en-US" dirty="0" smtClean="0"/>
-              <a:t>GC </a:t>
-            </a:r>
-            <a:r>
-              <a:rPr lang="ru-RU" dirty="0" smtClean="0"/>
-              <a:t>который можно менять в файле конфигурации приложения. По умолчанию используется </a:t>
-            </a:r>
-            <a:r>
-              <a:rPr lang="en-US" dirty="0" smtClean="0"/>
-              <a:t>concurrent</a:t>
-            </a:r>
-            <a:r>
-              <a:rPr lang="ru-RU" dirty="0" smtClean="0"/>
-              <a:t> </a:t>
-            </a:r>
-            <a:r>
-              <a:rPr lang="en-US" dirty="0" smtClean="0"/>
-              <a:t>Workstation GC</a:t>
-            </a:r>
-            <a:r>
-              <a:rPr lang="ru-RU" dirty="0" smtClean="0"/>
-              <a:t>.</a:t>
-            </a:r>
-          </a:p>
-          <a:p>
-            <a:pPr marL="0" indent="0">
-              <a:buNone/>
-            </a:pPr>
-            <a:endParaRPr lang="ru-RU" dirty="0"/>
-          </a:p>
-        </p:txBody>
-      </p:sp>
-      <p:sp>
-        <p:nvSpPr>
-          <p:cNvPr id="5" name="Rectangle 4"/>
-          <p:cNvSpPr/>
-          <p:nvPr/>
-        </p:nvSpPr>
-        <p:spPr>
-          <a:xfrm>
-            <a:off x="457200" y="3861048"/>
-            <a:ext cx="8219256" cy="2031325"/>
-          </a:xfrm>
-          <a:prstGeom prst="rect">
-            <a:avLst/>
-          </a:prstGeom>
-          <a:solidFill>
-            <a:schemeClr val="bg1"/>
-          </a:solidFill>
-        </p:spPr>
-        <p:txBody>
-          <a:bodyPr wrap="square">
-            <a:spAutoFit/>
-          </a:bodyPr>
-          <a:lstStyle/>
-          <a:p>
-            <a:r>
-              <a:rPr lang="en-US" dirty="0">
-                <a:solidFill>
-                  <a:srgbClr val="0000FF"/>
-                </a:solidFill>
-                <a:highlight>
-                  <a:srgbClr val="FFFFFF"/>
-                </a:highlight>
-                <a:latin typeface="Consolas"/>
-              </a:rPr>
-              <a:t>&lt;?</a:t>
-            </a:r>
-            <a:r>
-              <a:rPr lang="en-US" dirty="0">
-                <a:solidFill>
-                  <a:srgbClr val="A31515"/>
-                </a:solidFill>
-                <a:highlight>
-                  <a:srgbClr val="FFFFFF"/>
-                </a:highlight>
-                <a:latin typeface="Consolas"/>
-              </a:rPr>
-              <a:t>xml</a:t>
-            </a:r>
-            <a:r>
-              <a:rPr lang="en-US" dirty="0">
-                <a:solidFill>
-                  <a:srgbClr val="0000FF"/>
-                </a:solidFill>
-                <a:highlight>
-                  <a:srgbClr val="FFFFFF"/>
-                </a:highlight>
-                <a:latin typeface="Consolas"/>
-              </a:rPr>
-              <a:t> </a:t>
-            </a:r>
-            <a:r>
-              <a:rPr lang="en-US" dirty="0">
-                <a:solidFill>
-                  <a:srgbClr val="FF0000"/>
-                </a:solidFill>
-                <a:highlight>
-                  <a:srgbClr val="FFFFFF"/>
-                </a:highlight>
-                <a:latin typeface="Consolas"/>
-              </a:rPr>
-              <a:t>version</a:t>
-            </a:r>
-            <a:r>
-              <a:rPr lang="en-US" dirty="0">
-                <a:solidFill>
-                  <a:srgbClr val="0000FF"/>
-                </a:solidFill>
-                <a:highlight>
-                  <a:srgbClr val="FFFFFF"/>
-                </a:highlight>
-                <a:latin typeface="Consolas"/>
-              </a:rPr>
-              <a:t>=</a:t>
-            </a:r>
-            <a:r>
-              <a:rPr lang="en-US" dirty="0">
-                <a:solidFill>
-                  <a:srgbClr val="000000"/>
-                </a:solidFill>
-                <a:highlight>
-                  <a:srgbClr val="FFFFFF"/>
-                </a:highlight>
-                <a:latin typeface="Consolas"/>
-              </a:rPr>
-              <a:t>"</a:t>
-            </a:r>
-            <a:r>
-              <a:rPr lang="en-US" dirty="0">
-                <a:solidFill>
-                  <a:srgbClr val="0000FF"/>
-                </a:solidFill>
-                <a:highlight>
-                  <a:srgbClr val="FFFFFF"/>
-                </a:highlight>
-                <a:latin typeface="Consolas"/>
-              </a:rPr>
-              <a:t>1.0</a:t>
-            </a:r>
-            <a:r>
-              <a:rPr lang="en-US" dirty="0">
-                <a:solidFill>
-                  <a:srgbClr val="000000"/>
-                </a:solidFill>
-                <a:highlight>
-                  <a:srgbClr val="FFFFFF"/>
-                </a:highlight>
-                <a:latin typeface="Consolas"/>
-              </a:rPr>
-              <a:t>"</a:t>
-            </a:r>
-            <a:r>
-              <a:rPr lang="en-US" dirty="0">
-                <a:solidFill>
-                  <a:srgbClr val="0000FF"/>
-                </a:solidFill>
-                <a:highlight>
-                  <a:srgbClr val="FFFFFF"/>
-                </a:highlight>
-                <a:latin typeface="Consolas"/>
-              </a:rPr>
-              <a:t> </a:t>
-            </a:r>
-            <a:r>
-              <a:rPr lang="en-US" dirty="0">
-                <a:solidFill>
-                  <a:srgbClr val="FF0000"/>
-                </a:solidFill>
-                <a:highlight>
-                  <a:srgbClr val="FFFFFF"/>
-                </a:highlight>
-                <a:latin typeface="Consolas"/>
-              </a:rPr>
-              <a:t>encoding</a:t>
-            </a:r>
-            <a:r>
-              <a:rPr lang="en-US" dirty="0">
-                <a:solidFill>
-                  <a:srgbClr val="0000FF"/>
-                </a:solidFill>
-                <a:highlight>
-                  <a:srgbClr val="FFFFFF"/>
-                </a:highlight>
-                <a:latin typeface="Consolas"/>
-              </a:rPr>
-              <a:t>=</a:t>
-            </a:r>
-            <a:r>
-              <a:rPr lang="en-US" dirty="0">
-                <a:solidFill>
-                  <a:srgbClr val="000000"/>
-                </a:solidFill>
-                <a:highlight>
-                  <a:srgbClr val="FFFFFF"/>
-                </a:highlight>
-                <a:latin typeface="Consolas"/>
-              </a:rPr>
-              <a:t>"</a:t>
-            </a:r>
-            <a:r>
-              <a:rPr lang="en-US" dirty="0">
-                <a:solidFill>
-                  <a:srgbClr val="0000FF"/>
-                </a:solidFill>
-                <a:highlight>
-                  <a:srgbClr val="FFFFFF"/>
-                </a:highlight>
-                <a:latin typeface="Consolas"/>
-              </a:rPr>
-              <a:t>utf-8</a:t>
-            </a:r>
-            <a:r>
-              <a:rPr lang="en-US" dirty="0">
-                <a:solidFill>
-                  <a:srgbClr val="000000"/>
-                </a:solidFill>
-                <a:highlight>
-                  <a:srgbClr val="FFFFFF"/>
-                </a:highlight>
-                <a:latin typeface="Consolas"/>
-              </a:rPr>
-              <a:t>"</a:t>
-            </a:r>
-            <a:r>
-              <a:rPr lang="en-US" dirty="0">
-                <a:solidFill>
-                  <a:srgbClr val="0000FF"/>
-                </a:solidFill>
-                <a:highlight>
-                  <a:srgbClr val="FFFFFF"/>
-                </a:highlight>
-                <a:latin typeface="Consolas"/>
-              </a:rPr>
-              <a:t> ?&gt;</a:t>
-            </a:r>
-            <a:endParaRPr lang="en-US" dirty="0">
-              <a:solidFill>
-                <a:srgbClr val="000000"/>
-              </a:solidFill>
-              <a:highlight>
-                <a:srgbClr val="FFFFFF"/>
-              </a:highlight>
-              <a:latin typeface="Consolas"/>
-            </a:endParaRPr>
-          </a:p>
-          <a:p>
-            <a:r>
-              <a:rPr lang="en-US" dirty="0">
-                <a:solidFill>
-                  <a:srgbClr val="0000FF"/>
-                </a:solidFill>
-                <a:highlight>
-                  <a:srgbClr val="FFFFFF"/>
-                </a:highlight>
-                <a:latin typeface="Consolas"/>
-              </a:rPr>
-              <a:t>&lt;</a:t>
-            </a:r>
-            <a:r>
-              <a:rPr lang="en-US" dirty="0">
-                <a:solidFill>
-                  <a:srgbClr val="A31515"/>
-                </a:solidFill>
-                <a:highlight>
-                  <a:srgbClr val="FFFFFF"/>
-                </a:highlight>
-                <a:latin typeface="Consolas"/>
-              </a:rPr>
-              <a:t>configuration</a:t>
-            </a:r>
-            <a:r>
-              <a:rPr lang="en-US" dirty="0">
-                <a:solidFill>
-                  <a:srgbClr val="0000FF"/>
-                </a:solidFill>
-                <a:highlight>
-                  <a:srgbClr val="FFFFFF"/>
-                </a:highlight>
-                <a:latin typeface="Consolas"/>
-              </a:rPr>
-              <a:t>&gt;</a:t>
-            </a:r>
-            <a:endParaRPr lang="en-US" dirty="0">
-              <a:solidFill>
-                <a:srgbClr val="000000"/>
-              </a:solidFill>
-              <a:highlight>
-                <a:srgbClr val="FFFFFF"/>
-              </a:highlight>
-              <a:latin typeface="Consolas"/>
-            </a:endParaRPr>
-          </a:p>
-          <a:p>
-            <a:r>
-              <a:rPr lang="en-US" dirty="0" smtClean="0">
-                <a:solidFill>
-                  <a:srgbClr val="0000FF"/>
-                </a:solidFill>
-                <a:highlight>
-                  <a:srgbClr val="FFFFFF"/>
-                </a:highlight>
-                <a:latin typeface="Consolas"/>
-              </a:rPr>
-              <a:t>  &lt;</a:t>
-            </a:r>
-            <a:r>
-              <a:rPr lang="en-US" dirty="0" smtClean="0">
-                <a:solidFill>
-                  <a:srgbClr val="A31515"/>
-                </a:solidFill>
-                <a:highlight>
-                  <a:srgbClr val="FFFFFF"/>
-                </a:highlight>
-                <a:latin typeface="Consolas"/>
-              </a:rPr>
-              <a:t>runtime</a:t>
-            </a:r>
-            <a:r>
-              <a:rPr lang="en-US" dirty="0" smtClean="0">
-                <a:solidFill>
-                  <a:srgbClr val="0000FF"/>
-                </a:solidFill>
-                <a:highlight>
-                  <a:srgbClr val="FFFFFF"/>
-                </a:highlight>
-                <a:latin typeface="Consolas"/>
-              </a:rPr>
-              <a:t>&gt;</a:t>
-            </a:r>
-            <a:endParaRPr lang="en-US" dirty="0" smtClean="0">
-              <a:solidFill>
-                <a:srgbClr val="000000"/>
-              </a:solidFill>
-              <a:highlight>
-                <a:srgbClr val="FFFFFF"/>
-              </a:highlight>
-              <a:latin typeface="Consolas"/>
-            </a:endParaRPr>
-          </a:p>
-          <a:p>
-            <a:r>
-              <a:rPr lang="en-US" dirty="0" smtClean="0">
-                <a:solidFill>
-                  <a:srgbClr val="0000FF"/>
-                </a:solidFill>
-                <a:highlight>
-                  <a:srgbClr val="FFFFFF"/>
-                </a:highlight>
-                <a:latin typeface="Consolas"/>
-              </a:rPr>
-              <a:t>    </a:t>
-            </a:r>
-            <a:r>
-              <a:rPr lang="en-US" dirty="0">
-                <a:solidFill>
-                  <a:srgbClr val="0000FF"/>
-                </a:solidFill>
-                <a:highlight>
-                  <a:srgbClr val="FFFFFF"/>
-                </a:highlight>
-                <a:latin typeface="Consolas"/>
-              </a:rPr>
-              <a:t>&lt;</a:t>
-            </a:r>
-            <a:r>
-              <a:rPr lang="en-US" dirty="0" err="1" smtClean="0">
-                <a:solidFill>
-                  <a:srgbClr val="A31515"/>
-                </a:solidFill>
-                <a:highlight>
-                  <a:srgbClr val="FFFFFF"/>
-                </a:highlight>
-                <a:latin typeface="Consolas"/>
-              </a:rPr>
-              <a:t>gcServer</a:t>
-            </a:r>
-            <a:r>
-              <a:rPr lang="en-US" dirty="0" smtClean="0">
-                <a:solidFill>
-                  <a:srgbClr val="A31515"/>
-                </a:solidFill>
-                <a:highlight>
-                  <a:srgbClr val="FFFFFF"/>
-                </a:highlight>
-                <a:latin typeface="Consolas"/>
-              </a:rPr>
-              <a:t> enabled</a:t>
-            </a:r>
-            <a:r>
-              <a:rPr lang="en-US" dirty="0">
-                <a:solidFill>
-                  <a:srgbClr val="0000FF"/>
-                </a:solidFill>
-                <a:highlight>
-                  <a:srgbClr val="FFFFFF"/>
-                </a:highlight>
-                <a:latin typeface="Consolas"/>
-              </a:rPr>
-              <a:t>=</a:t>
-            </a:r>
-            <a:r>
-              <a:rPr lang="en-US" dirty="0">
-                <a:solidFill>
-                  <a:srgbClr val="000000"/>
-                </a:solidFill>
-                <a:highlight>
-                  <a:srgbClr val="FFFFFF"/>
-                </a:highlight>
-                <a:latin typeface="Consolas"/>
-              </a:rPr>
-              <a:t>"</a:t>
-            </a:r>
-            <a:r>
-              <a:rPr lang="en-US" dirty="0" err="1">
-                <a:solidFill>
-                  <a:srgbClr val="0000FF"/>
-                </a:solidFill>
-                <a:highlight>
-                  <a:srgbClr val="FFFFFF"/>
-                </a:highlight>
-                <a:latin typeface="Consolas"/>
-              </a:rPr>
-              <a:t>true|</a:t>
-            </a:r>
-            <a:r>
-              <a:rPr lang="en-US" b="1" dirty="0" err="1">
-                <a:solidFill>
-                  <a:srgbClr val="0000FF"/>
-                </a:solidFill>
-                <a:highlight>
-                  <a:srgbClr val="FFFFFF"/>
-                </a:highlight>
-                <a:latin typeface="Consolas"/>
-              </a:rPr>
-              <a:t>false</a:t>
-            </a:r>
-            <a:r>
-              <a:rPr lang="en-US" dirty="0">
-                <a:solidFill>
-                  <a:srgbClr val="000000"/>
-                </a:solidFill>
-                <a:highlight>
-                  <a:srgbClr val="FFFFFF"/>
-                </a:highlight>
-                <a:latin typeface="Consolas"/>
-              </a:rPr>
-              <a:t>"</a:t>
-            </a:r>
-            <a:r>
-              <a:rPr lang="en-US" dirty="0">
-                <a:solidFill>
-                  <a:srgbClr val="0000FF"/>
-                </a:solidFill>
-                <a:highlight>
-                  <a:srgbClr val="FFFFFF"/>
-                </a:highlight>
-                <a:latin typeface="Consolas"/>
-              </a:rPr>
-              <a:t> /&gt;</a:t>
-            </a:r>
-            <a:endParaRPr lang="en-US" dirty="0">
-              <a:solidFill>
-                <a:srgbClr val="000000"/>
-              </a:solidFill>
-              <a:highlight>
-                <a:srgbClr val="FFFFFF"/>
-              </a:highlight>
-              <a:latin typeface="Consolas"/>
-            </a:endParaRPr>
-          </a:p>
-          <a:p>
-            <a:r>
-              <a:rPr lang="en-US" dirty="0">
-                <a:solidFill>
-                  <a:srgbClr val="0000FF"/>
-                </a:solidFill>
-                <a:highlight>
-                  <a:srgbClr val="FFFFFF"/>
-                </a:highlight>
-                <a:latin typeface="Consolas"/>
-              </a:rPr>
-              <a:t>    </a:t>
-            </a:r>
-            <a:r>
-              <a:rPr lang="en-US" dirty="0" smtClean="0">
-                <a:solidFill>
-                  <a:srgbClr val="0000FF"/>
-                </a:solidFill>
-                <a:highlight>
-                  <a:srgbClr val="FFFFFF"/>
-                </a:highlight>
-                <a:latin typeface="Consolas"/>
-              </a:rPr>
-              <a:t>&lt;</a:t>
-            </a:r>
-            <a:r>
-              <a:rPr lang="en-US" dirty="0" err="1" smtClean="0">
-                <a:solidFill>
-                  <a:srgbClr val="A31515"/>
-                </a:solidFill>
-                <a:highlight>
-                  <a:srgbClr val="FFFFFF"/>
-                </a:highlight>
-                <a:latin typeface="Consolas"/>
-              </a:rPr>
-              <a:t>gcConcurrent</a:t>
-            </a:r>
-            <a:r>
-              <a:rPr lang="en-US" dirty="0" smtClean="0">
-                <a:solidFill>
-                  <a:srgbClr val="A31515"/>
-                </a:solidFill>
-                <a:highlight>
-                  <a:srgbClr val="FFFFFF"/>
-                </a:highlight>
-                <a:latin typeface="Consolas"/>
-              </a:rPr>
-              <a:t> enabled</a:t>
-            </a:r>
-            <a:r>
-              <a:rPr lang="en-US" dirty="0">
-                <a:solidFill>
-                  <a:srgbClr val="0000FF"/>
-                </a:solidFill>
-                <a:highlight>
-                  <a:srgbClr val="FFFFFF"/>
-                </a:highlight>
-                <a:latin typeface="Consolas"/>
-              </a:rPr>
-              <a:t>=</a:t>
-            </a:r>
-            <a:r>
-              <a:rPr lang="en-US" dirty="0">
-                <a:solidFill>
-                  <a:srgbClr val="000000"/>
-                </a:solidFill>
-                <a:highlight>
-                  <a:srgbClr val="FFFFFF"/>
-                </a:highlight>
-                <a:latin typeface="Consolas"/>
-              </a:rPr>
-              <a:t>"</a:t>
-            </a:r>
-            <a:r>
-              <a:rPr lang="en-US" b="1" dirty="0" err="1">
-                <a:solidFill>
-                  <a:srgbClr val="0000FF"/>
-                </a:solidFill>
-                <a:highlight>
-                  <a:srgbClr val="FFFFFF"/>
-                </a:highlight>
-                <a:latin typeface="Consolas"/>
-              </a:rPr>
-              <a:t>true</a:t>
-            </a:r>
-            <a:r>
-              <a:rPr lang="en-US" dirty="0" err="1">
-                <a:solidFill>
-                  <a:srgbClr val="0000FF"/>
-                </a:solidFill>
-                <a:highlight>
-                  <a:srgbClr val="FFFFFF"/>
-                </a:highlight>
-                <a:latin typeface="Consolas"/>
-              </a:rPr>
-              <a:t>|false</a:t>
-            </a:r>
-            <a:r>
-              <a:rPr lang="en-US" dirty="0">
-                <a:solidFill>
-                  <a:srgbClr val="000000"/>
-                </a:solidFill>
-                <a:highlight>
-                  <a:srgbClr val="FFFFFF"/>
-                </a:highlight>
-                <a:latin typeface="Consolas"/>
-              </a:rPr>
-              <a:t>"</a:t>
-            </a:r>
-            <a:r>
-              <a:rPr lang="en-US" dirty="0">
-                <a:solidFill>
-                  <a:srgbClr val="0000FF"/>
-                </a:solidFill>
-                <a:highlight>
-                  <a:srgbClr val="FFFFFF"/>
-                </a:highlight>
-                <a:latin typeface="Consolas"/>
-              </a:rPr>
-              <a:t> /&gt;</a:t>
-            </a:r>
-            <a:endParaRPr lang="en-US" dirty="0">
-              <a:solidFill>
-                <a:srgbClr val="000000"/>
-              </a:solidFill>
-              <a:highlight>
-                <a:srgbClr val="FFFFFF"/>
-              </a:highlight>
-              <a:latin typeface="Consolas"/>
-            </a:endParaRPr>
-          </a:p>
-          <a:p>
-            <a:r>
-              <a:rPr lang="en-US" dirty="0">
-                <a:solidFill>
-                  <a:srgbClr val="0000FF"/>
-                </a:solidFill>
-                <a:highlight>
-                  <a:srgbClr val="FFFFFF"/>
-                </a:highlight>
-                <a:latin typeface="Consolas"/>
-              </a:rPr>
-              <a:t>  &lt;/</a:t>
-            </a:r>
-            <a:r>
-              <a:rPr lang="en-US" dirty="0">
-                <a:solidFill>
-                  <a:srgbClr val="A31515"/>
-                </a:solidFill>
-                <a:highlight>
-                  <a:srgbClr val="FFFFFF"/>
-                </a:highlight>
-                <a:latin typeface="Consolas"/>
-              </a:rPr>
-              <a:t>runtime</a:t>
-            </a:r>
-            <a:r>
-              <a:rPr lang="en-US" dirty="0">
-                <a:solidFill>
-                  <a:srgbClr val="0000FF"/>
-                </a:solidFill>
-                <a:highlight>
-                  <a:srgbClr val="FFFFFF"/>
-                </a:highlight>
-                <a:latin typeface="Consolas"/>
-              </a:rPr>
-              <a:t>&gt;</a:t>
-            </a:r>
-            <a:endParaRPr lang="en-US" dirty="0">
-              <a:solidFill>
-                <a:srgbClr val="000000"/>
-              </a:solidFill>
-              <a:highlight>
-                <a:srgbClr val="FFFFFF"/>
-              </a:highlight>
-              <a:latin typeface="Consolas"/>
-            </a:endParaRPr>
-          </a:p>
-          <a:p>
-            <a:r>
-              <a:rPr lang="en-US" dirty="0">
-                <a:solidFill>
-                  <a:srgbClr val="0000FF"/>
-                </a:solidFill>
-                <a:highlight>
-                  <a:srgbClr val="FFFFFF"/>
-                </a:highlight>
-                <a:latin typeface="Consolas"/>
-              </a:rPr>
-              <a:t>&lt;/</a:t>
-            </a:r>
-            <a:r>
-              <a:rPr lang="en-US" dirty="0">
-                <a:solidFill>
-                  <a:srgbClr val="A31515"/>
-                </a:solidFill>
-                <a:highlight>
-                  <a:srgbClr val="FFFFFF"/>
-                </a:highlight>
-                <a:latin typeface="Consolas"/>
-              </a:rPr>
-              <a:t>configuration</a:t>
-            </a:r>
-            <a:r>
-              <a:rPr lang="en-US" dirty="0">
-                <a:solidFill>
-                  <a:srgbClr val="0000FF"/>
-                </a:solidFill>
-                <a:highlight>
-                  <a:srgbClr val="FFFFFF"/>
-                </a:highlight>
-                <a:latin typeface="Consolas"/>
-              </a:rPr>
-              <a:t>&gt;</a:t>
-            </a:r>
-            <a:endParaRPr lang="ru-RU" dirty="0"/>
-          </a:p>
-        </p:txBody>
-      </p:sp>
-    </p:spTree>
-    <p:extLst>
-      <p:ext uri="{BB962C8B-B14F-4D97-AF65-F5344CB8AC3E}">
-        <p14:creationId xmlns:p14="http://schemas.microsoft.com/office/powerpoint/2010/main" val="2754726885"/>
-      </p:ext>
-    </p:extLst>
-  </p:cSld>
-  <p:clrMapOvr>
-    <a:masterClrMapping/>
-  </p:clrMapOvr>
-</p:sld>
-</file>
-
 <file path=ppt/slides/slide13.xml><?xml version="1.0" encoding="utf-8"?>
 <p:sld xmlns:a="http://schemas.openxmlformats.org/drawingml/2006/main" xmlns:r="http://schemas.openxmlformats.org/officeDocument/2006/relationships" xmlns:p="http://schemas.openxmlformats.org/presentationml/2006/main">
   <p:cSld>
@@ -9586,7 +8929,15 @@
           <a:p>
             <a:r>
               <a:rPr lang="en-US" dirty="0" smtClean="0"/>
-              <a:t>Workstation GC</a:t>
+              <a:t>Workstation GC </a:t>
+            </a:r>
+            <a:r>
+              <a:rPr lang="ru-RU" dirty="0" smtClean="0"/>
+              <a:t>и </a:t>
+            </a:r>
+            <a:r>
+              <a:rPr lang="en-US" dirty="0" smtClean="0"/>
+              <a:t>Server GC</a:t>
             </a:r>
             <a:endParaRPr lang="ru-RU" dirty="0"/>
           </a:p>
@@ -9602,107 +8953,717 @@
             <p:ph idx="1"/>
           </p:nvPr>
         </p:nvSpPr>
-        <p:spPr/>
+        <p:spPr>
+          <a:xfrm>
+            <a:off x="457200" y="1600201"/>
+            <a:ext cx="8229600" cy="2116832"/>
+          </a:xfrm>
+        </p:spPr>
         <p:txBody>
-          <a:bodyPr>
-            <a:normAutofit fontScale="85000" lnSpcReduction="20000"/>
+          <a:bodyPr/>
+          <a:lstStyle/>
+          <a:p>
+            <a:pPr marL="0" indent="0">
+              <a:buNone/>
+            </a:pPr>
+            <a:r>
+              <a:rPr lang="ru-RU" dirty="0" smtClean="0"/>
+              <a:t>В </a:t>
+            </a:r>
+            <a:r>
+              <a:rPr lang="en-US" dirty="0" smtClean="0"/>
+              <a:t>.NET </a:t>
+            </a:r>
+            <a:r>
+              <a:rPr lang="ru-RU" dirty="0" smtClean="0"/>
+              <a:t>есть два режима работы </a:t>
+            </a:r>
+            <a:r>
+              <a:rPr lang="en-US" dirty="0" smtClean="0"/>
+              <a:t>GC </a:t>
+            </a:r>
+            <a:r>
+              <a:rPr lang="ru-RU" dirty="0" smtClean="0"/>
+              <a:t>который можно менять в файле конфигурации приложения. По умолчанию используется </a:t>
+            </a:r>
+            <a:r>
+              <a:rPr lang="en-US" dirty="0" smtClean="0"/>
+              <a:t>concurrent</a:t>
+            </a:r>
+            <a:r>
+              <a:rPr lang="ru-RU" dirty="0" smtClean="0"/>
+              <a:t> </a:t>
+            </a:r>
+            <a:r>
+              <a:rPr lang="en-US" dirty="0" smtClean="0"/>
+              <a:t>Workstation GC</a:t>
+            </a:r>
+            <a:r>
+              <a:rPr lang="ru-RU" dirty="0" smtClean="0"/>
+              <a:t>.</a:t>
+            </a:r>
+          </a:p>
+          <a:p>
+            <a:pPr marL="0" indent="0">
+              <a:buNone/>
+            </a:pPr>
+            <a:endParaRPr lang="ru-RU" dirty="0"/>
+          </a:p>
+        </p:txBody>
+      </p:sp>
+      <p:sp>
+        <p:nvSpPr>
+          <p:cNvPr id="5" name="Rectangle 4"/>
+          <p:cNvSpPr/>
+          <p:nvPr/>
+        </p:nvSpPr>
+        <p:spPr>
+          <a:xfrm>
+            <a:off x="457200" y="3861048"/>
+            <a:ext cx="8219256" cy="2031325"/>
+          </a:xfrm>
+          <a:prstGeom prst="rect">
+            <a:avLst/>
+          </a:prstGeom>
+          <a:solidFill>
+            <a:schemeClr val="bg1"/>
+          </a:solidFill>
+        </p:spPr>
+        <p:txBody>
+          <a:bodyPr wrap="square">
+            <a:spAutoFit/>
           </a:bodyPr>
           <a:lstStyle/>
           <a:p>
             <a:r>
-              <a:rPr lang="ru-RU" dirty="0" smtClean="0"/>
-              <a:t>Используется </a:t>
-            </a:r>
-            <a:r>
-              <a:rPr lang="ru-RU" dirty="0"/>
-              <a:t>по умолчанию для </a:t>
-            </a:r>
-            <a:r>
-              <a:rPr lang="en-US" dirty="0"/>
-              <a:t>desktop </a:t>
-            </a:r>
-            <a:r>
-              <a:rPr lang="ru-RU" dirty="0"/>
-              <a:t>приложений</a:t>
-            </a:r>
-          </a:p>
-          <a:p>
-            <a:r>
-              <a:rPr lang="en-US" dirty="0"/>
-              <a:t>GC </a:t>
-            </a:r>
-            <a:r>
-              <a:rPr lang="ru-RU" dirty="0"/>
-              <a:t>работает только в одном потоке. Нет выгоды от использования многоядерных </a:t>
-            </a:r>
-            <a:r>
-              <a:rPr lang="ru-RU" dirty="0" smtClean="0"/>
-              <a:t>процессоров</a:t>
-            </a:r>
-          </a:p>
-          <a:p>
-            <a:r>
-              <a:rPr lang="en-US" dirty="0" smtClean="0"/>
-              <a:t>Concurrent </a:t>
-            </a:r>
-            <a:r>
-              <a:rPr lang="en-US" dirty="0"/>
-              <a:t>Workstation </a:t>
-            </a:r>
-            <a:r>
-              <a:rPr lang="en-US" dirty="0" smtClean="0"/>
-              <a:t>GC</a:t>
-            </a:r>
-            <a:endParaRPr lang="ru-RU" dirty="0" smtClean="0"/>
-          </a:p>
-          <a:p>
-            <a:pPr lvl="1"/>
-            <a:r>
-              <a:rPr lang="ru-RU" dirty="0" smtClean="0"/>
-              <a:t>Отдельный поток для </a:t>
-            </a:r>
-            <a:r>
-              <a:rPr lang="en-US" dirty="0" smtClean="0"/>
-              <a:t>GC</a:t>
-            </a:r>
-          </a:p>
-          <a:p>
-            <a:pPr lvl="1"/>
-            <a:r>
-              <a:rPr lang="ru-RU" dirty="0" smtClean="0"/>
-              <a:t>Работает паралельно с приложением. Минимальные задержки исполнения</a:t>
-            </a:r>
-          </a:p>
-          <a:p>
-            <a:r>
-              <a:rPr lang="en-US" dirty="0" smtClean="0"/>
-              <a:t>Non-concurrent </a:t>
-            </a:r>
-            <a:r>
-              <a:rPr lang="en-US" dirty="0"/>
-              <a:t>Workstation </a:t>
-            </a:r>
-            <a:r>
-              <a:rPr lang="en-US" dirty="0" smtClean="0"/>
-              <a:t>GC</a:t>
-            </a:r>
-          </a:p>
-          <a:p>
-            <a:pPr lvl="1"/>
-            <a:r>
-              <a:rPr lang="en-US" dirty="0" smtClean="0"/>
-              <a:t>GC </a:t>
-            </a:r>
-            <a:r>
-              <a:rPr lang="ru-RU" dirty="0" smtClean="0"/>
-              <a:t>запускается в контексте одного из потоков приложения</a:t>
-            </a:r>
-          </a:p>
-          <a:p>
-            <a:pPr lvl="1"/>
-            <a:r>
-              <a:rPr lang="ru-RU" dirty="0" smtClean="0"/>
-              <a:t>Все остальные потоки останавливаются</a:t>
+              <a:rPr lang="en-US" dirty="0">
+                <a:solidFill>
+                  <a:srgbClr val="0000FF"/>
+                </a:solidFill>
+                <a:highlight>
+                  <a:srgbClr val="FFFFFF"/>
+                </a:highlight>
+                <a:latin typeface="Consolas"/>
+              </a:rPr>
+              <a:t>&lt;?</a:t>
+            </a:r>
+            <a:r>
+              <a:rPr lang="en-US" dirty="0">
+                <a:solidFill>
+                  <a:srgbClr val="A31515"/>
+                </a:solidFill>
+                <a:highlight>
+                  <a:srgbClr val="FFFFFF"/>
+                </a:highlight>
+                <a:latin typeface="Consolas"/>
+              </a:rPr>
+              <a:t>xml</a:t>
+            </a:r>
+            <a:r>
+              <a:rPr lang="en-US" dirty="0">
+                <a:solidFill>
+                  <a:srgbClr val="0000FF"/>
+                </a:solidFill>
+                <a:highlight>
+                  <a:srgbClr val="FFFFFF"/>
+                </a:highlight>
+                <a:latin typeface="Consolas"/>
+              </a:rPr>
+              <a:t> </a:t>
+            </a:r>
+            <a:r>
+              <a:rPr lang="en-US" dirty="0">
+                <a:solidFill>
+                  <a:srgbClr val="FF0000"/>
+                </a:solidFill>
+                <a:highlight>
+                  <a:srgbClr val="FFFFFF"/>
+                </a:highlight>
+                <a:latin typeface="Consolas"/>
+              </a:rPr>
+              <a:t>version</a:t>
+            </a:r>
+            <a:r>
+              <a:rPr lang="en-US" dirty="0">
+                <a:solidFill>
+                  <a:srgbClr val="0000FF"/>
+                </a:solidFill>
+                <a:highlight>
+                  <a:srgbClr val="FFFFFF"/>
+                </a:highlight>
+                <a:latin typeface="Consolas"/>
+              </a:rPr>
+              <a:t>=</a:t>
+            </a:r>
+            <a:r>
+              <a:rPr lang="en-US" dirty="0">
+                <a:solidFill>
+                  <a:srgbClr val="000000"/>
+                </a:solidFill>
+                <a:highlight>
+                  <a:srgbClr val="FFFFFF"/>
+                </a:highlight>
+                <a:latin typeface="Consolas"/>
+              </a:rPr>
+              <a:t>"</a:t>
+            </a:r>
+            <a:r>
+              <a:rPr lang="en-US" dirty="0">
+                <a:solidFill>
+                  <a:srgbClr val="0000FF"/>
+                </a:solidFill>
+                <a:highlight>
+                  <a:srgbClr val="FFFFFF"/>
+                </a:highlight>
+                <a:latin typeface="Consolas"/>
+              </a:rPr>
+              <a:t>1.0</a:t>
+            </a:r>
+            <a:r>
+              <a:rPr lang="en-US" dirty="0">
+                <a:solidFill>
+                  <a:srgbClr val="000000"/>
+                </a:solidFill>
+                <a:highlight>
+                  <a:srgbClr val="FFFFFF"/>
+                </a:highlight>
+                <a:latin typeface="Consolas"/>
+              </a:rPr>
+              <a:t>"</a:t>
+            </a:r>
+            <a:r>
+              <a:rPr lang="en-US" dirty="0">
+                <a:solidFill>
+                  <a:srgbClr val="0000FF"/>
+                </a:solidFill>
+                <a:highlight>
+                  <a:srgbClr val="FFFFFF"/>
+                </a:highlight>
+                <a:latin typeface="Consolas"/>
+              </a:rPr>
+              <a:t> </a:t>
+            </a:r>
+            <a:r>
+              <a:rPr lang="en-US" dirty="0">
+                <a:solidFill>
+                  <a:srgbClr val="FF0000"/>
+                </a:solidFill>
+                <a:highlight>
+                  <a:srgbClr val="FFFFFF"/>
+                </a:highlight>
+                <a:latin typeface="Consolas"/>
+              </a:rPr>
+              <a:t>encoding</a:t>
+            </a:r>
+            <a:r>
+              <a:rPr lang="en-US" dirty="0">
+                <a:solidFill>
+                  <a:srgbClr val="0000FF"/>
+                </a:solidFill>
+                <a:highlight>
+                  <a:srgbClr val="FFFFFF"/>
+                </a:highlight>
+                <a:latin typeface="Consolas"/>
+              </a:rPr>
+              <a:t>=</a:t>
+            </a:r>
+            <a:r>
+              <a:rPr lang="en-US" dirty="0">
+                <a:solidFill>
+                  <a:srgbClr val="000000"/>
+                </a:solidFill>
+                <a:highlight>
+                  <a:srgbClr val="FFFFFF"/>
+                </a:highlight>
+                <a:latin typeface="Consolas"/>
+              </a:rPr>
+              <a:t>"</a:t>
+            </a:r>
+            <a:r>
+              <a:rPr lang="en-US" dirty="0">
+                <a:solidFill>
+                  <a:srgbClr val="0000FF"/>
+                </a:solidFill>
+                <a:highlight>
+                  <a:srgbClr val="FFFFFF"/>
+                </a:highlight>
+                <a:latin typeface="Consolas"/>
+              </a:rPr>
+              <a:t>utf-8</a:t>
+            </a:r>
+            <a:r>
+              <a:rPr lang="en-US" dirty="0">
+                <a:solidFill>
+                  <a:srgbClr val="000000"/>
+                </a:solidFill>
+                <a:highlight>
+                  <a:srgbClr val="FFFFFF"/>
+                </a:highlight>
+                <a:latin typeface="Consolas"/>
+              </a:rPr>
+              <a:t>"</a:t>
+            </a:r>
+            <a:r>
+              <a:rPr lang="en-US" dirty="0">
+                <a:solidFill>
+                  <a:srgbClr val="0000FF"/>
+                </a:solidFill>
+                <a:highlight>
+                  <a:srgbClr val="FFFFFF"/>
+                </a:highlight>
+                <a:latin typeface="Consolas"/>
+              </a:rPr>
+              <a:t> ?&gt;</a:t>
+            </a:r>
+            <a:endParaRPr lang="en-US" dirty="0">
+              <a:solidFill>
+                <a:srgbClr val="000000"/>
+              </a:solidFill>
+              <a:highlight>
+                <a:srgbClr val="FFFFFF"/>
+              </a:highlight>
+              <a:latin typeface="Consolas"/>
+            </a:endParaRPr>
+          </a:p>
+          <a:p>
+            <a:r>
+              <a:rPr lang="en-US" dirty="0">
+                <a:solidFill>
+                  <a:srgbClr val="0000FF"/>
+                </a:solidFill>
+                <a:highlight>
+                  <a:srgbClr val="FFFFFF"/>
+                </a:highlight>
+                <a:latin typeface="Consolas"/>
+              </a:rPr>
+              <a:t>&lt;</a:t>
+            </a:r>
+            <a:r>
+              <a:rPr lang="en-US" dirty="0">
+                <a:solidFill>
+                  <a:srgbClr val="A31515"/>
+                </a:solidFill>
+                <a:highlight>
+                  <a:srgbClr val="FFFFFF"/>
+                </a:highlight>
+                <a:latin typeface="Consolas"/>
+              </a:rPr>
+              <a:t>configuration</a:t>
+            </a:r>
+            <a:r>
+              <a:rPr lang="en-US" dirty="0">
+                <a:solidFill>
+                  <a:srgbClr val="0000FF"/>
+                </a:solidFill>
+                <a:highlight>
+                  <a:srgbClr val="FFFFFF"/>
+                </a:highlight>
+                <a:latin typeface="Consolas"/>
+              </a:rPr>
+              <a:t>&gt;</a:t>
+            </a:r>
+            <a:endParaRPr lang="en-US" dirty="0">
+              <a:solidFill>
+                <a:srgbClr val="000000"/>
+              </a:solidFill>
+              <a:highlight>
+                <a:srgbClr val="FFFFFF"/>
+              </a:highlight>
+              <a:latin typeface="Consolas"/>
+            </a:endParaRPr>
+          </a:p>
+          <a:p>
+            <a:r>
+              <a:rPr lang="en-US" dirty="0" smtClean="0">
+                <a:solidFill>
+                  <a:srgbClr val="0000FF"/>
+                </a:solidFill>
+                <a:highlight>
+                  <a:srgbClr val="FFFFFF"/>
+                </a:highlight>
+                <a:latin typeface="Consolas"/>
+              </a:rPr>
+              <a:t>  &lt;</a:t>
+            </a:r>
+            <a:r>
+              <a:rPr lang="en-US" dirty="0" smtClean="0">
+                <a:solidFill>
+                  <a:srgbClr val="A31515"/>
+                </a:solidFill>
+                <a:highlight>
+                  <a:srgbClr val="FFFFFF"/>
+                </a:highlight>
+                <a:latin typeface="Consolas"/>
+              </a:rPr>
+              <a:t>runtime</a:t>
+            </a:r>
+            <a:r>
+              <a:rPr lang="en-US" dirty="0" smtClean="0">
+                <a:solidFill>
+                  <a:srgbClr val="0000FF"/>
+                </a:solidFill>
+                <a:highlight>
+                  <a:srgbClr val="FFFFFF"/>
+                </a:highlight>
+                <a:latin typeface="Consolas"/>
+              </a:rPr>
+              <a:t>&gt;</a:t>
+            </a:r>
+            <a:endParaRPr lang="en-US" dirty="0" smtClean="0">
+              <a:solidFill>
+                <a:srgbClr val="000000"/>
+              </a:solidFill>
+              <a:highlight>
+                <a:srgbClr val="FFFFFF"/>
+              </a:highlight>
+              <a:latin typeface="Consolas"/>
+            </a:endParaRPr>
+          </a:p>
+          <a:p>
+            <a:r>
+              <a:rPr lang="en-US" dirty="0" smtClean="0">
+                <a:solidFill>
+                  <a:srgbClr val="0000FF"/>
+                </a:solidFill>
+                <a:highlight>
+                  <a:srgbClr val="FFFFFF"/>
+                </a:highlight>
+                <a:latin typeface="Consolas"/>
+              </a:rPr>
+              <a:t>    </a:t>
+            </a:r>
+            <a:r>
+              <a:rPr lang="en-US" dirty="0">
+                <a:solidFill>
+                  <a:srgbClr val="0000FF"/>
+                </a:solidFill>
+                <a:highlight>
+                  <a:srgbClr val="FFFFFF"/>
+                </a:highlight>
+                <a:latin typeface="Consolas"/>
+              </a:rPr>
+              <a:t>&lt;</a:t>
+            </a:r>
+            <a:r>
+              <a:rPr lang="en-US" dirty="0" err="1" smtClean="0">
+                <a:solidFill>
+                  <a:srgbClr val="A31515"/>
+                </a:solidFill>
+                <a:highlight>
+                  <a:srgbClr val="FFFFFF"/>
+                </a:highlight>
+                <a:latin typeface="Consolas"/>
+              </a:rPr>
+              <a:t>gcServer</a:t>
+            </a:r>
+            <a:r>
+              <a:rPr lang="en-US" dirty="0" smtClean="0">
+                <a:solidFill>
+                  <a:srgbClr val="A31515"/>
+                </a:solidFill>
+                <a:highlight>
+                  <a:srgbClr val="FFFFFF"/>
+                </a:highlight>
+                <a:latin typeface="Consolas"/>
+              </a:rPr>
+              <a:t> enabled</a:t>
+            </a:r>
+            <a:r>
+              <a:rPr lang="en-US" dirty="0">
+                <a:solidFill>
+                  <a:srgbClr val="0000FF"/>
+                </a:solidFill>
+                <a:highlight>
+                  <a:srgbClr val="FFFFFF"/>
+                </a:highlight>
+                <a:latin typeface="Consolas"/>
+              </a:rPr>
+              <a:t>=</a:t>
+            </a:r>
+            <a:r>
+              <a:rPr lang="en-US" dirty="0">
+                <a:solidFill>
+                  <a:srgbClr val="000000"/>
+                </a:solidFill>
+                <a:highlight>
+                  <a:srgbClr val="FFFFFF"/>
+                </a:highlight>
+                <a:latin typeface="Consolas"/>
+              </a:rPr>
+              <a:t>"</a:t>
+            </a:r>
+            <a:r>
+              <a:rPr lang="en-US" dirty="0" err="1">
+                <a:solidFill>
+                  <a:srgbClr val="0000FF"/>
+                </a:solidFill>
+                <a:highlight>
+                  <a:srgbClr val="FFFFFF"/>
+                </a:highlight>
+                <a:latin typeface="Consolas"/>
+              </a:rPr>
+              <a:t>true|</a:t>
+            </a:r>
+            <a:r>
+              <a:rPr lang="en-US" b="1" dirty="0" err="1">
+                <a:solidFill>
+                  <a:srgbClr val="0000FF"/>
+                </a:solidFill>
+                <a:highlight>
+                  <a:srgbClr val="FFFFFF"/>
+                </a:highlight>
+                <a:latin typeface="Consolas"/>
+              </a:rPr>
+              <a:t>false</a:t>
+            </a:r>
+            <a:r>
+              <a:rPr lang="en-US" dirty="0">
+                <a:solidFill>
+                  <a:srgbClr val="000000"/>
+                </a:solidFill>
+                <a:highlight>
+                  <a:srgbClr val="FFFFFF"/>
+                </a:highlight>
+                <a:latin typeface="Consolas"/>
+              </a:rPr>
+              <a:t>"</a:t>
+            </a:r>
+            <a:r>
+              <a:rPr lang="en-US" dirty="0">
+                <a:solidFill>
+                  <a:srgbClr val="0000FF"/>
+                </a:solidFill>
+                <a:highlight>
+                  <a:srgbClr val="FFFFFF"/>
+                </a:highlight>
+                <a:latin typeface="Consolas"/>
+              </a:rPr>
+              <a:t> /&gt;</a:t>
+            </a:r>
+            <a:endParaRPr lang="en-US" dirty="0">
+              <a:solidFill>
+                <a:srgbClr val="000000"/>
+              </a:solidFill>
+              <a:highlight>
+                <a:srgbClr val="FFFFFF"/>
+              </a:highlight>
+              <a:latin typeface="Consolas"/>
+            </a:endParaRPr>
+          </a:p>
+          <a:p>
+            <a:r>
+              <a:rPr lang="en-US" dirty="0">
+                <a:solidFill>
+                  <a:srgbClr val="0000FF"/>
+                </a:solidFill>
+                <a:highlight>
+                  <a:srgbClr val="FFFFFF"/>
+                </a:highlight>
+                <a:latin typeface="Consolas"/>
+              </a:rPr>
+              <a:t>    </a:t>
+            </a:r>
+            <a:r>
+              <a:rPr lang="en-US" dirty="0" smtClean="0">
+                <a:solidFill>
+                  <a:srgbClr val="0000FF"/>
+                </a:solidFill>
+                <a:highlight>
+                  <a:srgbClr val="FFFFFF"/>
+                </a:highlight>
+                <a:latin typeface="Consolas"/>
+              </a:rPr>
+              <a:t>&lt;</a:t>
+            </a:r>
+            <a:r>
+              <a:rPr lang="en-US" dirty="0" err="1" smtClean="0">
+                <a:solidFill>
+                  <a:srgbClr val="A31515"/>
+                </a:solidFill>
+                <a:highlight>
+                  <a:srgbClr val="FFFFFF"/>
+                </a:highlight>
+                <a:latin typeface="Consolas"/>
+              </a:rPr>
+              <a:t>gcConcurrent</a:t>
+            </a:r>
+            <a:r>
+              <a:rPr lang="en-US" dirty="0" smtClean="0">
+                <a:solidFill>
+                  <a:srgbClr val="A31515"/>
+                </a:solidFill>
+                <a:highlight>
+                  <a:srgbClr val="FFFFFF"/>
+                </a:highlight>
+                <a:latin typeface="Consolas"/>
+              </a:rPr>
+              <a:t> enabled</a:t>
+            </a:r>
+            <a:r>
+              <a:rPr lang="en-US" dirty="0">
+                <a:solidFill>
+                  <a:srgbClr val="0000FF"/>
+                </a:solidFill>
+                <a:highlight>
+                  <a:srgbClr val="FFFFFF"/>
+                </a:highlight>
+                <a:latin typeface="Consolas"/>
+              </a:rPr>
+              <a:t>=</a:t>
+            </a:r>
+            <a:r>
+              <a:rPr lang="en-US" dirty="0">
+                <a:solidFill>
+                  <a:srgbClr val="000000"/>
+                </a:solidFill>
+                <a:highlight>
+                  <a:srgbClr val="FFFFFF"/>
+                </a:highlight>
+                <a:latin typeface="Consolas"/>
+              </a:rPr>
+              <a:t>"</a:t>
+            </a:r>
+            <a:r>
+              <a:rPr lang="en-US" b="1" dirty="0" err="1">
+                <a:solidFill>
+                  <a:srgbClr val="0000FF"/>
+                </a:solidFill>
+                <a:highlight>
+                  <a:srgbClr val="FFFFFF"/>
+                </a:highlight>
+                <a:latin typeface="Consolas"/>
+              </a:rPr>
+              <a:t>true</a:t>
+            </a:r>
+            <a:r>
+              <a:rPr lang="en-US" dirty="0" err="1">
+                <a:solidFill>
+                  <a:srgbClr val="0000FF"/>
+                </a:solidFill>
+                <a:highlight>
+                  <a:srgbClr val="FFFFFF"/>
+                </a:highlight>
+                <a:latin typeface="Consolas"/>
+              </a:rPr>
+              <a:t>|false</a:t>
+            </a:r>
+            <a:r>
+              <a:rPr lang="en-US" dirty="0">
+                <a:solidFill>
+                  <a:srgbClr val="000000"/>
+                </a:solidFill>
+                <a:highlight>
+                  <a:srgbClr val="FFFFFF"/>
+                </a:highlight>
+                <a:latin typeface="Consolas"/>
+              </a:rPr>
+              <a:t>"</a:t>
+            </a:r>
+            <a:r>
+              <a:rPr lang="en-US" dirty="0">
+                <a:solidFill>
+                  <a:srgbClr val="0000FF"/>
+                </a:solidFill>
+                <a:highlight>
+                  <a:srgbClr val="FFFFFF"/>
+                </a:highlight>
+                <a:latin typeface="Consolas"/>
+              </a:rPr>
+              <a:t> /&gt;</a:t>
+            </a:r>
+            <a:endParaRPr lang="en-US" dirty="0">
+              <a:solidFill>
+                <a:srgbClr val="000000"/>
+              </a:solidFill>
+              <a:highlight>
+                <a:srgbClr val="FFFFFF"/>
+              </a:highlight>
+              <a:latin typeface="Consolas"/>
+            </a:endParaRPr>
+          </a:p>
+          <a:p>
+            <a:r>
+              <a:rPr lang="en-US" dirty="0">
+                <a:solidFill>
+                  <a:srgbClr val="0000FF"/>
+                </a:solidFill>
+                <a:highlight>
+                  <a:srgbClr val="FFFFFF"/>
+                </a:highlight>
+                <a:latin typeface="Consolas"/>
+              </a:rPr>
+              <a:t>  &lt;/</a:t>
+            </a:r>
+            <a:r>
+              <a:rPr lang="en-US" dirty="0">
+                <a:solidFill>
+                  <a:srgbClr val="A31515"/>
+                </a:solidFill>
+                <a:highlight>
+                  <a:srgbClr val="FFFFFF"/>
+                </a:highlight>
+                <a:latin typeface="Consolas"/>
+              </a:rPr>
+              <a:t>runtime</a:t>
+            </a:r>
+            <a:r>
+              <a:rPr lang="en-US" dirty="0">
+                <a:solidFill>
+                  <a:srgbClr val="0000FF"/>
+                </a:solidFill>
+                <a:highlight>
+                  <a:srgbClr val="FFFFFF"/>
+                </a:highlight>
+                <a:latin typeface="Consolas"/>
+              </a:rPr>
+              <a:t>&gt;</a:t>
+            </a:r>
+            <a:endParaRPr lang="en-US" dirty="0">
+              <a:solidFill>
+                <a:srgbClr val="000000"/>
+              </a:solidFill>
+              <a:highlight>
+                <a:srgbClr val="FFFFFF"/>
+              </a:highlight>
+              <a:latin typeface="Consolas"/>
+            </a:endParaRPr>
+          </a:p>
+          <a:p>
+            <a:r>
+              <a:rPr lang="en-US" dirty="0">
+                <a:solidFill>
+                  <a:srgbClr val="0000FF"/>
+                </a:solidFill>
+                <a:highlight>
+                  <a:srgbClr val="FFFFFF"/>
+                </a:highlight>
+                <a:latin typeface="Consolas"/>
+              </a:rPr>
+              <a:t>&lt;/</a:t>
+            </a:r>
+            <a:r>
+              <a:rPr lang="en-US" dirty="0">
+                <a:solidFill>
+                  <a:srgbClr val="A31515"/>
+                </a:solidFill>
+                <a:highlight>
+                  <a:srgbClr val="FFFFFF"/>
+                </a:highlight>
+                <a:latin typeface="Consolas"/>
+              </a:rPr>
+              <a:t>configuration</a:t>
+            </a:r>
+            <a:r>
+              <a:rPr lang="en-US" dirty="0">
+                <a:solidFill>
+                  <a:srgbClr val="0000FF"/>
+                </a:solidFill>
+                <a:highlight>
+                  <a:srgbClr val="FFFFFF"/>
+                </a:highlight>
+                <a:latin typeface="Consolas"/>
+              </a:rPr>
+              <a:t>&gt;</a:t>
             </a:r>
             <a:endParaRPr lang="ru-RU" dirty="0"/>
           </a:p>
@@ -9711,7 +9672,7 @@
     </p:spTree>
     <p:extLst>
       <p:ext uri="{BB962C8B-B14F-4D97-AF65-F5344CB8AC3E}">
-        <p14:creationId xmlns:p14="http://schemas.microsoft.com/office/powerpoint/2010/main" val="2543352552"/>
+        <p14:creationId xmlns:p14="http://schemas.microsoft.com/office/powerpoint/2010/main" val="2754726885"/>
       </p:ext>
     </p:extLst>
   </p:cSld>
@@ -9755,7 +9716,7 @@
           <a:p>
             <a:r>
               <a:rPr lang="en-US" dirty="0" smtClean="0"/>
-              <a:t>Server GC</a:t>
+              <a:t>Workstation GC</a:t>
             </a:r>
             <a:endParaRPr lang="ru-RU" dirty="0"/>
           </a:p>
@@ -9774,112 +9735,113 @@
         <p:spPr/>
         <p:txBody>
           <a:bodyPr>
-            <a:normAutofit lnSpcReduction="10000"/>
+            <a:normAutofit fontScale="85000" lnSpcReduction="20000"/>
           </a:bodyPr>
           <a:lstStyle/>
           <a:p>
             <a:r>
               <a:rPr lang="ru-RU" dirty="0" smtClean="0"/>
-              <a:t>Отдельный </a:t>
-            </a:r>
+              <a:t>Используется </a:t>
+            </a:r>
+            <a:r>
+              <a:rPr lang="ru-RU" dirty="0"/>
+              <a:t>по умолчанию для </a:t>
+            </a:r>
+            <a:r>
+              <a:rPr lang="en-US" dirty="0"/>
+              <a:t>desktop </a:t>
+            </a:r>
+            <a:r>
+              <a:rPr lang="ru-RU" dirty="0"/>
+              <a:t>приложений</a:t>
+            </a:r>
+          </a:p>
+          <a:p>
+            <a:r>
+              <a:rPr lang="en-US" dirty="0"/>
+              <a:t>GC </a:t>
+            </a:r>
+            <a:r>
+              <a:rPr lang="ru-RU" dirty="0"/>
+              <a:t>работает только в одном потоке. Нет выгоды от использования многоядерных </a:t>
+            </a:r>
+            <a:r>
+              <a:rPr lang="ru-RU" dirty="0" smtClean="0"/>
+              <a:t>процессоров</a:t>
+            </a:r>
+          </a:p>
+          <a:p>
+            <a:r>
+              <a:rPr lang="en-US" dirty="0" smtClean="0"/>
+              <a:t>Concurrent </a:t>
+            </a:r>
+            <a:r>
+              <a:rPr lang="en-US" dirty="0"/>
+              <a:t>Workstation </a:t>
+            </a:r>
+            <a:r>
+              <a:rPr lang="en-US" dirty="0" smtClean="0"/>
+              <a:t>GC</a:t>
+            </a:r>
+            <a:endParaRPr lang="ru-RU" dirty="0" smtClean="0"/>
+          </a:p>
+          <a:p>
+            <a:pPr lvl="1"/>
+            <a:r>
+              <a:rPr lang="ru-RU" dirty="0" smtClean="0"/>
+              <a:t>Отдельный поток для </a:t>
+            </a:r>
+            <a:r>
+              <a:rPr lang="en-US" dirty="0" smtClean="0"/>
+              <a:t>GC</a:t>
+            </a:r>
+          </a:p>
+          <a:p>
+            <a:pPr lvl="1"/>
+            <a:r>
+              <a:rPr lang="ru-RU" dirty="0" smtClean="0"/>
+              <a:t>Работает паралельно с приложением. Минимальные задержки исполнения</a:t>
+            </a:r>
+          </a:p>
+          <a:p>
+            <a:r>
+              <a:rPr lang="en-US" dirty="0" smtClean="0"/>
+              <a:t>Non-concurrent </a:t>
+            </a:r>
+            <a:r>
+              <a:rPr lang="en-US" dirty="0"/>
+              <a:t>Workstation </a:t>
+            </a:r>
+            <a:r>
+              <a:rPr lang="en-US" dirty="0" smtClean="0"/>
+              <a:t>GC</a:t>
+            </a:r>
+          </a:p>
+          <a:p>
+            <a:pPr lvl="1"/>
             <a:r>
               <a:rPr lang="en-US" dirty="0" smtClean="0"/>
               <a:t>GC </a:t>
             </a:r>
             <a:r>
               <a:rPr lang="ru-RU" dirty="0" smtClean="0"/>
-              <a:t>поток для каждого</a:t>
-            </a:r>
-            <a:r>
-              <a:rPr lang="en-US" dirty="0" smtClean="0"/>
-              <a:t> </a:t>
-            </a:r>
+              <a:t>запускается в контексте одного из потоков приложения</a:t>
+            </a:r>
+          </a:p>
+          <a:p>
+            <a:pPr lvl="1"/>
             <a:r>
               <a:rPr lang="ru-RU" dirty="0" smtClean="0"/>
-              <a:t>ядра</a:t>
-            </a:r>
-          </a:p>
-          <a:p>
-            <a:r>
-              <a:rPr lang="ru-RU" dirty="0" smtClean="0"/>
-              <a:t>Отдельная куча для каждого процессора</a:t>
-            </a:r>
-          </a:p>
-          <a:p>
-            <a:r>
-              <a:rPr lang="ru-RU" dirty="0" smtClean="0"/>
-              <a:t>До .</a:t>
-            </a:r>
-            <a:r>
-              <a:rPr lang="en-US" dirty="0"/>
-              <a:t> NET </a:t>
-            </a:r>
-            <a:r>
-              <a:rPr lang="en-US" dirty="0" smtClean="0"/>
-              <a:t>4.5 </a:t>
-            </a:r>
-            <a:r>
-              <a:rPr lang="ru-RU" dirty="0" smtClean="0"/>
-              <a:t>работал в </a:t>
-            </a:r>
-            <a:r>
-              <a:rPr lang="en-US" dirty="0" smtClean="0"/>
-              <a:t>non</a:t>
-            </a:r>
-            <a:r>
-              <a:rPr lang="ru-RU" dirty="0" smtClean="0"/>
-              <a:t>-</a:t>
-            </a:r>
-            <a:r>
-              <a:rPr lang="en-US" dirty="0" smtClean="0"/>
-              <a:t>concurrent </a:t>
-            </a:r>
-            <a:r>
-              <a:rPr lang="ru-RU" dirty="0" smtClean="0"/>
-              <a:t>режиме. То есть все потоки приложения останавливались во время сборки мусора</a:t>
-            </a:r>
-          </a:p>
-          <a:p>
-            <a:r>
-              <a:rPr lang="ru-RU" dirty="0" smtClean="0"/>
-              <a:t>Начиная с </a:t>
-            </a:r>
-            <a:r>
-              <a:rPr lang="en-US" dirty="0" smtClean="0"/>
-              <a:t>.NET 4.5 </a:t>
-            </a:r>
-            <a:r>
-              <a:rPr lang="ru-RU" dirty="0" smtClean="0"/>
-              <a:t>поддерживает </a:t>
-            </a:r>
-            <a:r>
-              <a:rPr lang="en-US" dirty="0" smtClean="0"/>
-              <a:t>concurrent </a:t>
-            </a:r>
-            <a:r>
-              <a:rPr lang="ru-RU" dirty="0" smtClean="0"/>
-              <a:t>режим. </a:t>
-            </a:r>
-            <a:r>
-              <a:rPr lang="ru-RU" dirty="0" smtClean="0">
-                <a:solidFill>
-                  <a:srgbClr val="FFFF00"/>
-                </a:solidFill>
-              </a:rPr>
-              <a:t>Хороший выбор для приложений которые интенсивно используют память.</a:t>
-            </a:r>
-            <a:endParaRPr lang="ru-RU" dirty="0">
-              <a:solidFill>
-                <a:srgbClr val="FFFF00"/>
-              </a:solidFill>
-            </a:endParaRPr>
+              <a:t>Все остальные потоки останавливаются</a:t>
+            </a:r>
+            <a:endParaRPr lang="ru-RU" dirty="0"/>
           </a:p>
         </p:txBody>
       </p:sp>
     </p:spTree>
     <p:extLst>
       <p:ext uri="{BB962C8B-B14F-4D97-AF65-F5344CB8AC3E}">
-        <p14:creationId xmlns:p14="http://schemas.microsoft.com/office/powerpoint/2010/main" val="2172271800"/>
+        <p14:creationId xmlns:p14="http://schemas.microsoft.com/office/powerpoint/2010/main" val="2543352552"/>
       </p:ext>
     </p:extLst>
   </p:cSld>
@@ -9918,21 +9880,12 @@
         </p:nvSpPr>
         <p:spPr/>
         <p:txBody>
-          <a:bodyPr>
-            <a:normAutofit fontScale="90000"/>
-          </a:bodyPr>
+          <a:bodyPr/>
           <a:lstStyle/>
           <a:p>
             <a:r>
-              <a:rPr lang="ru-RU" dirty="0" smtClean="0"/>
-              <a:t>Куча для больших объектов</a:t>
-            </a:r>
-            <a:br>
-              <a:rPr lang="ru-RU" dirty="0" smtClean="0"/>
-            </a:br>
-            <a:r>
               <a:rPr lang="en-US" dirty="0" smtClean="0"/>
-              <a:t>(Large Object Heap – LOH)</a:t>
+              <a:t>Server GC</a:t>
             </a:r>
             <a:endParaRPr lang="ru-RU" dirty="0"/>
           </a:p>
@@ -9951,47 +9904,118 @@
         <p:spPr/>
         <p:txBody>
           <a:bodyPr>
-            <a:normAutofit fontScale="92500" lnSpcReduction="10000"/>
+            <a:normAutofit lnSpcReduction="10000"/>
           </a:bodyPr>
           <a:lstStyle/>
           <a:p>
             <a:r>
               <a:rPr lang="ru-RU" dirty="0" smtClean="0"/>
-              <a:t>Объекты с размером примерно больше 85 килобайт находятся в отдельной куче</a:t>
-            </a:r>
-          </a:p>
-          <a:p>
+              <a:t>Отдельный </a:t>
+            </a:r>
+            <a:r>
+              <a:rPr lang="en-US" dirty="0" smtClean="0"/>
+              <a:t>GC </a:t>
+            </a:r>
             <a:r>
               <a:rPr lang="ru-RU" dirty="0" smtClean="0"/>
-              <a:t>Данная куча не дефрагментируется т.к. это бы создало большую нагрузку. Фрагментация может возникнуть при интенсивном использовании памяти (сотни мегабайт) и программа выделяет большие временные объекты.</a:t>
-            </a:r>
-          </a:p>
-          <a:p>
+              <a:t>поток для каждого</a:t>
+            </a:r>
+            <a:r>
+              <a:rPr lang="en-US" dirty="0" smtClean="0"/>
+              <a:t> </a:t>
+            </a:r>
             <a:r>
               <a:rPr lang="ru-RU" dirty="0" smtClean="0"/>
-              <a:t>Объекты в данной куче считаются принадлежащими второму поколению</a:t>
-            </a:r>
-            <a:endParaRPr lang="ru-RU" dirty="0"/>
+              <a:t>ядра</a:t>
+            </a:r>
+          </a:p>
+          <a:p>
+            <a:r>
+              <a:rPr lang="ru-RU" dirty="0" smtClean="0"/>
+              <a:t>Отдельная куча для каждого процессора</a:t>
+            </a:r>
+          </a:p>
+          <a:p>
+            <a:r>
+              <a:rPr lang="ru-RU" dirty="0" smtClean="0"/>
+              <a:t>До .</a:t>
+            </a:r>
+            <a:r>
+              <a:rPr lang="en-US" dirty="0"/>
+              <a:t> NET </a:t>
+            </a:r>
+            <a:r>
+              <a:rPr lang="en-US" dirty="0" smtClean="0"/>
+              <a:t>4.5 </a:t>
+            </a:r>
+            <a:r>
+              <a:rPr lang="ru-RU" dirty="0" smtClean="0"/>
+              <a:t>работал в </a:t>
+            </a:r>
+            <a:r>
+              <a:rPr lang="en-US" dirty="0" smtClean="0"/>
+              <a:t>non</a:t>
+            </a:r>
+            <a:r>
+              <a:rPr lang="ru-RU" dirty="0" smtClean="0"/>
+              <a:t>-</a:t>
+            </a:r>
+            <a:r>
+              <a:rPr lang="en-US" dirty="0" smtClean="0"/>
+              <a:t>concurrent </a:t>
+            </a:r>
+            <a:r>
+              <a:rPr lang="ru-RU" dirty="0" smtClean="0"/>
+              <a:t>режиме. То есть все потоки приложения останавливались во время сборки мусора</a:t>
+            </a:r>
+          </a:p>
+          <a:p>
+            <a:r>
+              <a:rPr lang="ru-RU" dirty="0" smtClean="0"/>
+              <a:t>Начиная с </a:t>
+            </a:r>
+            <a:r>
+              <a:rPr lang="en-US" dirty="0" smtClean="0"/>
+              <a:t>.NET 4.5 </a:t>
+            </a:r>
+            <a:r>
+              <a:rPr lang="ru-RU" dirty="0" smtClean="0"/>
+              <a:t>поддерживает </a:t>
+            </a:r>
+            <a:r>
+              <a:rPr lang="en-US" dirty="0" smtClean="0"/>
+              <a:t>concurrent </a:t>
+            </a:r>
+            <a:r>
+              <a:rPr lang="ru-RU" dirty="0" smtClean="0"/>
+              <a:t>режим. </a:t>
+            </a:r>
+            <a:r>
+              <a:rPr lang="ru-RU" dirty="0" smtClean="0">
+                <a:solidFill>
+                  <a:srgbClr val="FFFF00"/>
+                </a:solidFill>
+              </a:rPr>
+              <a:t>Хороший выбор для приложений которые интенсивно используют память.</a:t>
+            </a:r>
+            <a:endParaRPr lang="ru-RU" dirty="0">
+              <a:solidFill>
+                <a:srgbClr val="FFFF00"/>
+              </a:solidFill>
+            </a:endParaRPr>
           </a:p>
         </p:txBody>
       </p:sp>
     </p:spTree>
     <p:extLst>
       <p:ext uri="{BB962C8B-B14F-4D97-AF65-F5344CB8AC3E}">
-        <p14:creationId xmlns:p14="http://schemas.microsoft.com/office/powerpoint/2010/main" val="3103245170"/>
+        <p14:creationId xmlns:p14="http://schemas.microsoft.com/office/powerpoint/2010/main" val="2172271800"/>
       </p:ext>
     </p:extLst>
   </p:cSld>
   <p:clrMapOvr>
     <a:masterClrMapping/>
   </p:clrMapOvr>
-  <p:timing>
-    <p:tnLst>
-      <p:par>
-        <p:cTn id="1" dur="indefinite" restart="never" nodeType="tmRoot"/>
-      </p:par>
-    </p:tnLst>
-  </p:timing>
 </p:sld>
 </file>
 
@@ -10030,27 +10054,15 @@
           <a:lstStyle/>
           <a:p>
             <a:r>
-              <a:rPr lang="en-US" dirty="0" smtClean="0"/>
-              <a:t>Large Object Heap </a:t>
-            </a:r>
-            <a:r>
               <a:rPr lang="ru-RU" dirty="0" smtClean="0"/>
-              <a:t>в </a:t>
-            </a:r>
-            <a:r>
-              <a:rPr lang="en-US" dirty="0" smtClean="0"/>
-              <a:t>.NET 4.5.1</a:t>
-            </a:r>
-            <a:r>
-              <a:rPr lang="ru-RU" dirty="0" smtClean="0"/>
-              <a:t/>
+              <a:t>Куча для больших объектов</a:t>
             </a:r>
             <a:br>
               <a:rPr lang="ru-RU" dirty="0" smtClean="0"/>
             </a:br>
             <a:r>
-              <a:rPr lang="ru-RU" dirty="0" smtClean="0"/>
-              <a:t>и выше</a:t>
+              <a:rPr lang="en-US" dirty="0" smtClean="0"/>
+              <a:t>(Large Object Heap – LOH)</a:t>
             </a:r>
             <a:endParaRPr lang="ru-RU" dirty="0"/>
           </a:p>
@@ -10069,141 +10081,25 @@
         <p:spPr/>
         <p:txBody>
           <a:bodyPr>
-            <a:normAutofit lnSpcReduction="10000"/>
+            <a:normAutofit fontScale="92500" lnSpcReduction="10000"/>
           </a:bodyPr>
           <a:lstStyle/>
           <a:p>
-            <a:pPr marL="0" indent="0">
-              <a:buNone/>
-            </a:pPr>
             <a:r>
               <a:rPr lang="ru-RU" dirty="0" smtClean="0"/>
-              <a:t>Добавлена возможность дефрагментации </a:t>
-            </a:r>
-            <a:r>
-              <a:rPr lang="en-US" dirty="0" smtClean="0"/>
-              <a:t>LOH </a:t>
-            </a:r>
+              <a:t>Объекты с размером примерно больше 85 килобайт находятся в отдельной куче</a:t>
+            </a:r>
+          </a:p>
+          <a:p>
             <a:r>
               <a:rPr lang="ru-RU" dirty="0" smtClean="0"/>
-              <a:t>по запросу.</a:t>
-            </a:r>
-          </a:p>
-          <a:p>
-            <a:pPr marL="0" indent="0">
-              <a:buNone/>
-            </a:pPr>
-            <a:endParaRPr lang="ru-RU" dirty="0"/>
-          </a:p>
-          <a:p>
-            <a:pPr marL="0" indent="0">
-              <a:buNone/>
-            </a:pPr>
-            <a:r>
-              <a:rPr lang="en-US" sz="1600" dirty="0" err="1">
-                <a:latin typeface="Consolas" panose="020B0609020204030204" pitchFamily="49" charset="0"/>
-                <a:cs typeface="Consolas" panose="020B0609020204030204" pitchFamily="49" charset="0"/>
-              </a:rPr>
-              <a:t>GCSettings.LargeObjectHeapCompactionMode</a:t>
-            </a:r>
-            <a:r>
-              <a:rPr lang="en-US" sz="1600" dirty="0">
-                <a:latin typeface="Consolas" panose="020B0609020204030204" pitchFamily="49" charset="0"/>
-                <a:cs typeface="Consolas" panose="020B0609020204030204" pitchFamily="49" charset="0"/>
-              </a:rPr>
-              <a:t> </a:t>
-            </a:r>
-            <a:r>
-              <a:rPr lang="en-US" sz="1600" dirty="0" smtClean="0">
-                <a:latin typeface="Consolas" panose="020B0609020204030204" pitchFamily="49" charset="0"/>
-                <a:cs typeface="Consolas" panose="020B0609020204030204" pitchFamily="49" charset="0"/>
-              </a:rPr>
-              <a:t>=</a:t>
-            </a:r>
-            <a:br>
-              <a:rPr lang="en-US" sz="1600" dirty="0" smtClean="0">
-                <a:latin typeface="Consolas" panose="020B0609020204030204" pitchFamily="49" charset="0"/>
-                <a:cs typeface="Consolas" panose="020B0609020204030204" pitchFamily="49" charset="0"/>
-              </a:rPr>
-            </a:br>
-            <a:r>
-              <a:rPr lang="en-US" sz="1600" dirty="0" smtClean="0">
-                <a:latin typeface="Consolas" panose="020B0609020204030204" pitchFamily="49" charset="0"/>
-                <a:cs typeface="Consolas" panose="020B0609020204030204" pitchFamily="49" charset="0"/>
-              </a:rPr>
-              <a:t>              </a:t>
-            </a:r>
-            <a:r>
-              <a:rPr lang="en-US" sz="1600" dirty="0" err="1" smtClean="0">
-                <a:latin typeface="Consolas" panose="020B0609020204030204" pitchFamily="49" charset="0"/>
-                <a:cs typeface="Consolas" panose="020B0609020204030204" pitchFamily="49" charset="0"/>
-              </a:rPr>
-              <a:t>GCLargeObjectHeapCompactionMode.CompactOnce</a:t>
-            </a:r>
-            <a:r>
-              <a:rPr lang="en-US" sz="1600" dirty="0" smtClean="0">
-                <a:latin typeface="Consolas" panose="020B0609020204030204" pitchFamily="49" charset="0"/>
-                <a:cs typeface="Consolas" panose="020B0609020204030204" pitchFamily="49" charset="0"/>
-              </a:rPr>
-              <a:t>;</a:t>
-            </a:r>
-            <a:r>
-              <a:rPr lang="ru-RU" sz="1600" dirty="0" smtClean="0">
-                <a:latin typeface="Consolas" panose="020B0609020204030204" pitchFamily="49" charset="0"/>
-                <a:cs typeface="Consolas" panose="020B0609020204030204" pitchFamily="49" charset="0"/>
-              </a:rPr>
-              <a:t/>
-            </a:r>
-            <a:br>
-              <a:rPr lang="ru-RU" sz="1600" dirty="0" smtClean="0">
-                <a:latin typeface="Consolas" panose="020B0609020204030204" pitchFamily="49" charset="0"/>
-                <a:cs typeface="Consolas" panose="020B0609020204030204" pitchFamily="49" charset="0"/>
-              </a:rPr>
-            </a:br>
-            <a:r>
-              <a:rPr lang="en-US" sz="1600" dirty="0" err="1" smtClean="0">
-                <a:latin typeface="Consolas" panose="020B0609020204030204" pitchFamily="49" charset="0"/>
-                <a:cs typeface="Consolas" panose="020B0609020204030204" pitchFamily="49" charset="0"/>
-              </a:rPr>
-              <a:t>GC.Collect</a:t>
-            </a:r>
-            <a:r>
-              <a:rPr lang="en-US" sz="1600" dirty="0" smtClean="0">
-                <a:latin typeface="Consolas" panose="020B0609020204030204" pitchFamily="49" charset="0"/>
-                <a:cs typeface="Consolas" panose="020B0609020204030204" pitchFamily="49" charset="0"/>
-              </a:rPr>
-              <a:t>();</a:t>
-            </a:r>
-            <a:endParaRPr lang="ru-RU" sz="1600" dirty="0" smtClean="0">
-              <a:latin typeface="Consolas" panose="020B0609020204030204" pitchFamily="49" charset="0"/>
-              <a:cs typeface="Consolas" panose="020B0609020204030204" pitchFamily="49" charset="0"/>
-            </a:endParaRPr>
-          </a:p>
-          <a:p>
-            <a:pPr marL="0" indent="0">
-              <a:buNone/>
-            </a:pPr>
-            <a:endParaRPr lang="ru-RU" dirty="0"/>
-          </a:p>
-          <a:p>
-            <a:pPr marL="0" indent="0">
-              <a:buNone/>
-            </a:pPr>
+              <a:t>Данная куча не дефрагментируется т.к. это бы создало большую нагрузку. Фрагментация может возникнуть при интенсивном использовании памяти (сотни мегабайт) и программа выделяет большие временные объекты.</a:t>
+            </a:r>
+          </a:p>
+          <a:p>
             <a:r>
               <a:rPr lang="ru-RU" dirty="0" smtClean="0"/>
-              <a:t>После полной сборки мусора свойство </a:t>
-            </a:r>
-            <a:r>
-              <a:rPr lang="en-US" dirty="0" err="1" smtClean="0"/>
-              <a:t>LargeObjectHeapCompactionMode</a:t>
-            </a:r>
-            <a:r>
-              <a:rPr lang="ru-RU" dirty="0" smtClean="0"/>
-              <a:t> принимает значение </a:t>
-            </a:r>
-            <a:r>
-              <a:rPr lang="en-US" dirty="0" smtClean="0"/>
-              <a:t>Default.</a:t>
+              <a:t>Объекты в данной куче считаются принадлежащими второму поколению</a:t>
             </a:r>
             <a:endParaRPr lang="ru-RU" dirty="0"/>
           </a:p>
@@ -10212,7 +10108,7 @@
     </p:spTree>
     <p:extLst>
       <p:ext uri="{BB962C8B-B14F-4D97-AF65-F5344CB8AC3E}">
-        <p14:creationId xmlns:p14="http://schemas.microsoft.com/office/powerpoint/2010/main" val="4119858216"/>
+        <p14:creationId xmlns:p14="http://schemas.microsoft.com/office/powerpoint/2010/main" val="3103245170"/>
       </p:ext>
     </p:extLst>
   </p:cSld>
@@ -10258,24 +10154,33 @@
         </p:nvSpPr>
         <p:spPr/>
         <p:txBody>
-          <a:bodyPr/>
+          <a:bodyPr>
+            <a:normAutofit fontScale="90000"/>
+          </a:bodyPr>
           <a:lstStyle/>
           <a:p>
             <a:r>
+              <a:rPr lang="en-US" dirty="0" smtClean="0"/>
+              <a:t>Large Object Heap </a:t>
+            </a:r>
+            <a:r>
               <a:rPr lang="ru-RU" dirty="0" smtClean="0"/>
-              <a:t>Конфигурация </a:t>
+              <a:t>в </a:t>
             </a:r>
             <a:r>
               <a:rPr lang="en-US" dirty="0" smtClean="0"/>
-              <a:t>Debug </a:t>
+              <a:t>.NET 4.5.1</a:t>
             </a:r>
             <a:r>
               <a:rPr lang="ru-RU" dirty="0" smtClean="0"/>
-              <a:t>и </a:t>
-            </a:r>
-            <a:r>
-              <a:rPr lang="en-US" dirty="0" smtClean="0"/>
-              <a:t>GC</a:t>
+              <a:t/>
+            </a:r>
+            <a:br>
+              <a:rPr lang="ru-RU" dirty="0" smtClean="0"/>
+            </a:br>
+            <a:r>
+              <a:rPr lang="ru-RU" dirty="0" smtClean="0"/>
+              <a:t>и выше</a:t>
             </a:r>
             <a:endParaRPr lang="ru-RU" dirty="0"/>
           </a:p>
@@ -10293,7 +10198,9 @@
         </p:nvSpPr>
         <p:spPr/>
         <p:txBody>
-          <a:bodyPr/>
+          <a:bodyPr>
+            <a:normAutofit lnSpcReduction="10000"/>
+          </a:bodyPr>
           <a:lstStyle/>
           <a:p>
             <a:pPr marL="0" indent="0">
@@ -10301,35 +10208,132 @@
             </a:pPr>
             <a:r>
               <a:rPr lang="ru-RU" dirty="0" smtClean="0"/>
-              <a:t>При компиляции проекта в конфигурации </a:t>
+              <a:t>Добавлена возможность дефрагментации </a:t>
             </a:r>
             <a:r>
               <a:rPr lang="en-US" dirty="0" smtClean="0"/>
-              <a:t>Debug </a:t>
+              <a:t>LOH </a:t>
             </a:r>
             <a:r>
               <a:rPr lang="ru-RU" dirty="0" smtClean="0"/>
-              <a:t>к сборке добавляется атрибут </a:t>
+              <a:t>по запросу.</a:t>
+            </a:r>
+          </a:p>
+          <a:p>
+            <a:pPr marL="0" indent="0">
+              <a:buNone/>
+            </a:pPr>
+            <a:endParaRPr lang="ru-RU" dirty="0"/>
+          </a:p>
+          <a:p>
+            <a:pPr marL="0" indent="0">
+              <a:buNone/>
+            </a:pPr>
+            <a:r>
+              <a:rPr lang="en-US" sz="1600" dirty="0" err="1">
+                <a:latin typeface="Consolas" panose="020B0609020204030204" pitchFamily="49" charset="0"/>
+                <a:cs typeface="Consolas" panose="020B0609020204030204" pitchFamily="49" charset="0"/>
+              </a:rPr>
+              <a:t>GCSettings.LargeObjectHeapCompactionMode</a:t>
+            </a:r>
+            <a:r>
+              <a:rPr lang="en-US" sz="1600" dirty="0">
+                <a:latin typeface="Consolas" panose="020B0609020204030204" pitchFamily="49" charset="0"/>
+                <a:cs typeface="Consolas" panose="020B0609020204030204" pitchFamily="49" charset="0"/>
+              </a:rPr>
+              <a:t> </a:t>
+            </a:r>
+            <a:r>
+              <a:rPr lang="en-US" sz="1600" dirty="0" smtClean="0">
+                <a:latin typeface="Consolas" panose="020B0609020204030204" pitchFamily="49" charset="0"/>
+                <a:cs typeface="Consolas" panose="020B0609020204030204" pitchFamily="49" charset="0"/>
+              </a:rPr>
+              <a:t>=</a:t>
+            </a:r>
+            <a:br>
+              <a:rPr lang="en-US" sz="1600" dirty="0" smtClean="0">
+                <a:latin typeface="Consolas" panose="020B0609020204030204" pitchFamily="49" charset="0"/>
+                <a:cs typeface="Consolas" panose="020B0609020204030204" pitchFamily="49" charset="0"/>
+              </a:rPr>
+            </a:br>
+            <a:r>
+              <a:rPr lang="en-US" sz="1600" dirty="0" smtClean="0">
+                <a:latin typeface="Consolas" panose="020B0609020204030204" pitchFamily="49" charset="0"/>
+                <a:cs typeface="Consolas" panose="020B0609020204030204" pitchFamily="49" charset="0"/>
+              </a:rPr>
+              <a:t>              </a:t>
+            </a:r>
+            <a:r>
+              <a:rPr lang="en-US" sz="1600" dirty="0" err="1" smtClean="0">
+                <a:latin typeface="Consolas" panose="020B0609020204030204" pitchFamily="49" charset="0"/>
+                <a:cs typeface="Consolas" panose="020B0609020204030204" pitchFamily="49" charset="0"/>
+              </a:rPr>
+              <a:t>GCLargeObjectHeapCompactionMode.CompactOnce</a:t>
+            </a:r>
+            <a:r>
+              <a:rPr lang="en-US" sz="1600" dirty="0" smtClean="0">
+                <a:latin typeface="Consolas" panose="020B0609020204030204" pitchFamily="49" charset="0"/>
+                <a:cs typeface="Consolas" panose="020B0609020204030204" pitchFamily="49" charset="0"/>
+              </a:rPr>
+              <a:t>;</a:t>
+            </a:r>
+            <a:r>
+              <a:rPr lang="ru-RU" sz="1600" dirty="0" smtClean="0">
+                <a:latin typeface="Consolas" panose="020B0609020204030204" pitchFamily="49" charset="0"/>
+                <a:cs typeface="Consolas" panose="020B0609020204030204" pitchFamily="49" charset="0"/>
+              </a:rPr>
+              <a:t/>
+            </a:r>
+            <a:br>
+              <a:rPr lang="ru-RU" sz="1600" dirty="0" smtClean="0">
+                <a:latin typeface="Consolas" panose="020B0609020204030204" pitchFamily="49" charset="0"/>
+                <a:cs typeface="Consolas" panose="020B0609020204030204" pitchFamily="49" charset="0"/>
+              </a:rPr>
+            </a:br>
+            <a:r>
+              <a:rPr lang="en-US" sz="1600" dirty="0" err="1" smtClean="0">
+                <a:latin typeface="Consolas" panose="020B0609020204030204" pitchFamily="49" charset="0"/>
+                <a:cs typeface="Consolas" panose="020B0609020204030204" pitchFamily="49" charset="0"/>
+              </a:rPr>
+              <a:t>GC.Collect</a:t>
+            </a:r>
+            <a:r>
+              <a:rPr lang="en-US" sz="1600" dirty="0" smtClean="0">
+                <a:latin typeface="Consolas" panose="020B0609020204030204" pitchFamily="49" charset="0"/>
+                <a:cs typeface="Consolas" panose="020B0609020204030204" pitchFamily="49" charset="0"/>
+              </a:rPr>
+              <a:t>();</a:t>
+            </a:r>
+            <a:endParaRPr lang="ru-RU" sz="1600" dirty="0" smtClean="0">
+              <a:latin typeface="Consolas" panose="020B0609020204030204" pitchFamily="49" charset="0"/>
+              <a:cs typeface="Consolas" panose="020B0609020204030204" pitchFamily="49" charset="0"/>
+            </a:endParaRPr>
+          </a:p>
+          <a:p>
+            <a:pPr marL="0" indent="0">
+              <a:buNone/>
+            </a:pPr>
+            <a:endParaRPr lang="ru-RU" dirty="0"/>
+          </a:p>
+          <a:p>
+            <a:pPr marL="0" indent="0">
+              <a:buNone/>
+            </a:pPr>
+            <a:r>
+              <a:rPr lang="ru-RU" dirty="0" smtClean="0"/>
+              <a:t>После полной сборки мусора свойство </a:t>
             </a:r>
             <a:r>
               <a:rPr lang="en-US" dirty="0" err="1" smtClean="0"/>
-              <a:t>DebuggableAttribute</a:t>
+              <a:t>LargeObjectHeapCompactionMode</a:t>
             </a:r>
             <a:r>
               <a:rPr lang="ru-RU" dirty="0" smtClean="0"/>
-              <a:t>	который дает команду </a:t>
+              <a:t> принимает значение </a:t>
             </a:r>
             <a:r>
               <a:rPr lang="en-US" dirty="0" smtClean="0"/>
-              <a:t>GC </a:t>
-            </a:r>
-            <a:r>
-              <a:rPr lang="ru-RU" dirty="0" smtClean="0"/>
-              <a:t>исскуственно продлевать время жизни локальных переменных до завершения метода. </a:t>
-            </a:r>
-            <a:r>
-              <a:rPr lang="ru-RU" smtClean="0"/>
-              <a:t>Это сделано чтобы программист мог без помех заниматься отладкой.</a:t>
+              <a:t>Default.</a:t>
             </a:r>
             <a:endParaRPr lang="ru-RU" dirty="0"/>
           </a:p>
@@ -10338,7 +10342,7 @@
     </p:spTree>
     <p:extLst>
       <p:ext uri="{BB962C8B-B14F-4D97-AF65-F5344CB8AC3E}">
-        <p14:creationId xmlns:p14="http://schemas.microsoft.com/office/powerpoint/2010/main" val="1960211568"/>
+        <p14:creationId xmlns:p14="http://schemas.microsoft.com/office/powerpoint/2010/main" val="4119858216"/>
       </p:ext>
     </p:extLst>
   </p:cSld>
@@ -10379,7 +10383,7 @@
             <a:spLocks noGrp="1"/>
           </p:cNvSpPr>
           <p:nvPr>
-            <p:ph type="ctrTitle"/>
+            <p:ph type="title"/>
           </p:nvPr>
         </p:nvSpPr>
         <p:spPr/>
@@ -10389,7 +10393,19 @@
           <a:p>
             <a:r>
               <a:rPr lang="ru-RU" dirty="0" smtClean="0"/>
-              <a:t>Эффективная работа с памятью</a:t>
+              <a:t>Конфигурация </a:t>
+            </a:r>
+            <a:r>
+              <a:rPr lang="en-US" dirty="0" smtClean="0"/>
+              <a:t>Debug </a:t>
+            </a:r>
+            <a:r>
+              <a:rPr lang="ru-RU" dirty="0" smtClean="0"/>
+              <a:t>и </a:t>
+            </a:r>
+            <a:r>
+              <a:rPr lang="en-US" dirty="0" smtClean="0"/>
+              <a:t>GC</a:t>
             </a:r>
             <a:endParaRPr lang="ru-RU" dirty="0"/>
           </a:p>
@@ -10397,12 +10413,12 @@
       </p:sp>
       <p:sp>
         <p:nvSpPr>
-          <p:cNvPr id="3" name="Subtitle 2"/>
+          <p:cNvPr id="3" name="Content Placeholder 2"/>
           <p:cNvSpPr>
             <a:spLocks noGrp="1"/>
           </p:cNvSpPr>
           <p:nvPr>
-            <p:ph type="subTitle" idx="1"/>
+            <p:ph idx="1"/>
           </p:nvPr>
         </p:nvSpPr>
         <p:spPr/>
@@ -10410,14 +10426,49 @@
           <a:bodyPr/>
           <a:lstStyle/>
           <a:p>
-            <a:endParaRPr lang="ru-RU"/>
+            <a:pPr marL="0" indent="0">
+              <a:buNone/>
+            </a:pPr>
+            <a:r>
+              <a:rPr lang="ru-RU" dirty="0" smtClean="0"/>
+              <a:t>При компиляции проекта в конфигурации </a:t>
+            </a:r>
+            <a:r>
+              <a:rPr lang="en-US" dirty="0" smtClean="0"/>
+              <a:t>Debug </a:t>
+            </a:r>
+            <a:r>
+              <a:rPr lang="ru-RU" dirty="0" smtClean="0"/>
+              <a:t>к сборке добавляется атрибут </a:t>
+            </a:r>
+            <a:r>
+              <a:rPr lang="en-US" dirty="0" err="1" smtClean="0"/>
+              <a:t>DebuggableAttribute</a:t>
+            </a:r>
+            <a:r>
+              <a:rPr lang="ru-RU" dirty="0" smtClean="0"/>
+              <a:t>	который дает команду </a:t>
+            </a:r>
+            <a:r>
+              <a:rPr lang="en-US" dirty="0" smtClean="0"/>
+              <a:t>GC </a:t>
+            </a:r>
+            <a:r>
+              <a:rPr lang="ru-RU" dirty="0" smtClean="0"/>
+              <a:t>исскуственно продлевать время жизни локальных переменных до завершения метода. </a:t>
+            </a:r>
+            <a:r>
+              <a:rPr lang="ru-RU" smtClean="0"/>
+              <a:t>Это сделано чтобы программист мог без помех заниматься отладкой.</a:t>
+            </a:r>
+            <a:endParaRPr lang="ru-RU" dirty="0"/>
           </a:p>
         </p:txBody>
       </p:sp>
     </p:spTree>
     <p:extLst>
       <p:ext uri="{BB962C8B-B14F-4D97-AF65-F5344CB8AC3E}">
-        <p14:creationId xmlns:p14="http://schemas.microsoft.com/office/powerpoint/2010/main" val="2886455791"/>
+        <p14:creationId xmlns:p14="http://schemas.microsoft.com/office/powerpoint/2010/main" val="1960211568"/>
       </p:ext>
     </p:extLst>
   </p:cSld>
@@ -10458,27 +10509,17 @@
             <a:spLocks noGrp="1"/>
           </p:cNvSpPr>
           <p:nvPr>
-            <p:ph type="title"/>
+            <p:ph type="ctrTitle"/>
           </p:nvPr>
         </p:nvSpPr>
         <p:spPr/>
         <p:txBody>
-          <a:bodyPr>
-            <a:normAutofit fontScale="90000"/>
-          </a:bodyPr>
+          <a:bodyPr/>
           <a:lstStyle/>
           <a:p>
             <a:r>
               <a:rPr lang="ru-RU" dirty="0" smtClean="0"/>
-              <a:t>Два способа сделать </a:t>
-            </a:r>
-            <a:r>
-              <a:rPr lang="en-US" dirty="0" smtClean="0"/>
-              <a:t>GC </a:t>
-            </a:r>
-            <a:r>
-              <a:rPr lang="ru-RU" dirty="0" smtClean="0"/>
-              <a:t>«счастливым»</a:t>
+              <a:t>Эффективная работа с памятью</a:t>
             </a:r>
             <a:endParaRPr lang="ru-RU" dirty="0"/>
           </a:p>
@@ -10486,147 +10527,27 @@
       </p:sp>
       <p:sp>
         <p:nvSpPr>
-          <p:cNvPr id="4" name="Content Placeholder 3"/>
+          <p:cNvPr id="3" name="Subtitle 2"/>
           <p:cNvSpPr>
             <a:spLocks noGrp="1"/>
           </p:cNvSpPr>
           <p:nvPr>
-            <p:ph sz="half" idx="1"/>
+            <p:ph type="subTitle" idx="1"/>
           </p:nvPr>
         </p:nvSpPr>
-        <p:spPr>
-          <a:ln>
-            <a:solidFill>
-              <a:schemeClr val="bg1"/>
-            </a:solidFill>
-          </a:ln>
-        </p:spPr>
+        <p:spPr/>
         <p:txBody>
-          <a:bodyPr>
-            <a:normAutofit fontScale="92500"/>
-          </a:bodyPr>
+          <a:bodyPr/>
           <a:lstStyle/>
           <a:p>
-            <a:pPr marL="0" indent="0" algn="ctr">
-              <a:buNone/>
-            </a:pPr>
-            <a:r>
-              <a:rPr lang="ru-RU" b="1" dirty="0" smtClean="0"/>
-              <a:t>Заставить его</a:t>
-            </a:r>
-            <a:br>
-              <a:rPr lang="ru-RU" b="1" dirty="0" smtClean="0"/>
-            </a:br>
-            <a:r>
-              <a:rPr lang="ru-RU" b="1" u="sng" dirty="0" smtClean="0"/>
-              <a:t>реже запускаться</a:t>
-            </a:r>
-          </a:p>
-          <a:p>
-            <a:pPr marL="0" indent="0">
-              <a:buNone/>
-            </a:pPr>
-            <a:endParaRPr lang="ru-RU" dirty="0" smtClean="0"/>
-          </a:p>
-          <a:p>
-            <a:pPr marL="0" indent="0">
-              <a:buNone/>
-            </a:pPr>
-            <a:r>
-              <a:rPr lang="ru-RU" dirty="0" smtClean="0"/>
-              <a:t>Чем меньше выделений памяти, тем реже нужно выполнять уборку мусора</a:t>
-            </a:r>
-          </a:p>
-          <a:p>
-            <a:pPr marL="0" indent="0">
-              <a:buNone/>
-            </a:pPr>
-            <a:endParaRPr lang="ru-RU" dirty="0"/>
-          </a:p>
-          <a:p>
-            <a:pPr marL="0" indent="0">
-              <a:buNone/>
-            </a:pPr>
-            <a:r>
-              <a:rPr lang="ru-RU" dirty="0" smtClean="0"/>
-              <a:t>Используйте пулы объектов, по возможности.</a:t>
-            </a:r>
-            <a:endParaRPr lang="ru-RU" dirty="0"/>
-          </a:p>
-        </p:txBody>
-      </p:sp>
-      <p:sp>
-        <p:nvSpPr>
-          <p:cNvPr id="5" name="Content Placeholder 4"/>
-          <p:cNvSpPr>
-            <a:spLocks noGrp="1"/>
-          </p:cNvSpPr>
-          <p:nvPr>
-            <p:ph sz="half" idx="2"/>
-          </p:nvPr>
-        </p:nvSpPr>
-        <p:spPr>
-          <a:ln>
-            <a:solidFill>
-              <a:schemeClr val="bg1"/>
-            </a:solidFill>
-          </a:ln>
-        </p:spPr>
-        <p:txBody>
-          <a:bodyPr>
-            <a:normAutofit fontScale="92500"/>
-          </a:bodyPr>
-          <a:lstStyle/>
-          <a:p>
-            <a:pPr marL="0" indent="0" algn="ctr">
-              <a:buNone/>
-            </a:pPr>
-            <a:r>
-              <a:rPr lang="ru-RU" b="1" u="sng" dirty="0" smtClean="0"/>
-              <a:t>Ускорить</a:t>
-            </a:r>
-            <a:r>
-              <a:rPr lang="ru-RU" b="1" dirty="0"/>
-              <a:t/>
-            </a:r>
-            <a:br>
-              <a:rPr lang="ru-RU" b="1" dirty="0"/>
-            </a:br>
-            <a:r>
-              <a:rPr lang="ru-RU" b="1" dirty="0" smtClean="0"/>
-              <a:t>его работу</a:t>
-            </a:r>
-          </a:p>
-          <a:p>
-            <a:pPr marL="0" indent="0">
-              <a:buNone/>
-            </a:pPr>
-            <a:endParaRPr lang="ru-RU" dirty="0" smtClean="0"/>
-          </a:p>
-          <a:p>
-            <a:pPr marL="0" indent="0">
-              <a:buNone/>
-            </a:pPr>
-            <a:r>
-              <a:rPr lang="ru-RU" dirty="0" smtClean="0"/>
-              <a:t>Время уборки мусора прямо </a:t>
-            </a:r>
-            <a:r>
-              <a:rPr lang="ru-RU" dirty="0" smtClean="0"/>
-              <a:t>пропорционально </a:t>
-            </a:r>
-            <a:r>
-              <a:rPr lang="ru-RU" dirty="0" smtClean="0"/>
-              <a:t>количеству связей которые нужно обойти.</a:t>
-            </a:r>
-            <a:endParaRPr lang="ru-RU" dirty="0"/>
+            <a:endParaRPr lang="ru-RU"/>
           </a:p>
         </p:txBody>
       </p:sp>
     </p:spTree>
     <p:extLst>
       <p:ext uri="{BB962C8B-B14F-4D97-AF65-F5344CB8AC3E}">
-        <p14:creationId xmlns:p14="http://schemas.microsoft.com/office/powerpoint/2010/main" val="3933915360"/>
+        <p14:creationId xmlns:p14="http://schemas.microsoft.com/office/powerpoint/2010/main" val="2886455791"/>
       </p:ext>
     </p:extLst>
   </p:cSld>
@@ -11224,6 +11145,207 @@
 </file>
 
 <file path=ppt/slides/slide20.xml><?xml version="1.0" encoding="utf-8"?>
+<p:sld xmlns:a="http://schemas.openxmlformats.org/drawingml/2006/main" xmlns:r="http://schemas.openxmlformats.org/officeDocument/2006/relationships" xmlns:p="http://schemas.openxmlformats.org/presentationml/2006/main">
+  <p:cSld>
+    <p:spTree>
+      <p:nvGrpSpPr>
+        <p:cNvPr id="1" name=""/>
+        <p:cNvGrpSpPr/>
+        <p:nvPr/>
+      </p:nvGrpSpPr>
+      <p:grpSpPr>
+        <a:xfrm>
+          <a:off x="0" y="0"/>
+          <a:ext cx="0" cy="0"/>
+          <a:chOff x="0" y="0"/>
+          <a:chExt cx="0" cy="0"/>
+        </a:xfrm>
+      </p:grpSpPr>
+      <p:sp>
+        <p:nvSpPr>
+          <p:cNvPr id="2" name="Title 1"/>
+          <p:cNvSpPr>
+            <a:spLocks noGrp="1"/>
+          </p:cNvSpPr>
+          <p:nvPr>
+            <p:ph type="title"/>
+          </p:nvPr>
+        </p:nvSpPr>
+        <p:spPr/>
+        <p:txBody>
+          <a:bodyPr>
+            <a:normAutofit fontScale="90000"/>
+          </a:bodyPr>
+          <a:lstStyle/>
+          <a:p>
+            <a:r>
+              <a:rPr lang="ru-RU" dirty="0" smtClean="0"/>
+              <a:t>Два способа сделать </a:t>
+            </a:r>
+            <a:r>
+              <a:rPr lang="en-US" dirty="0" smtClean="0"/>
+              <a:t>GC </a:t>
+            </a:r>
+            <a:r>
+              <a:rPr lang="ru-RU" dirty="0" smtClean="0"/>
+              <a:t>«счастливым»</a:t>
+            </a:r>
+            <a:endParaRPr lang="ru-RU" dirty="0"/>
+          </a:p>
+        </p:txBody>
+      </p:sp>
+      <p:sp>
+        <p:nvSpPr>
+          <p:cNvPr id="4" name="Content Placeholder 3"/>
+          <p:cNvSpPr>
+            <a:spLocks noGrp="1"/>
+          </p:cNvSpPr>
+          <p:nvPr>
+            <p:ph sz="half" idx="1"/>
+          </p:nvPr>
+        </p:nvSpPr>
+        <p:spPr>
+          <a:ln>
+            <a:solidFill>
+              <a:schemeClr val="bg1"/>
+            </a:solidFill>
+          </a:ln>
+        </p:spPr>
+        <p:txBody>
+          <a:bodyPr>
+            <a:normAutofit fontScale="92500"/>
+          </a:bodyPr>
+          <a:lstStyle/>
+          <a:p>
+            <a:pPr marL="0" indent="0" algn="ctr">
+              <a:buNone/>
+            </a:pPr>
+            <a:r>
+              <a:rPr lang="ru-RU" b="1" dirty="0" smtClean="0"/>
+              <a:t>Заставить его</a:t>
+            </a:r>
+            <a:br>
+              <a:rPr lang="ru-RU" b="1" dirty="0" smtClean="0"/>
+            </a:br>
+            <a:r>
+              <a:rPr lang="ru-RU" b="1" u="sng" dirty="0" smtClean="0"/>
+              <a:t>реже запускаться</a:t>
+            </a:r>
+          </a:p>
+          <a:p>
+            <a:pPr marL="0" indent="0">
+              <a:buNone/>
+            </a:pPr>
+            <a:endParaRPr lang="ru-RU" dirty="0" smtClean="0"/>
+          </a:p>
+          <a:p>
+            <a:pPr marL="0" indent="0">
+              <a:buNone/>
+            </a:pPr>
+            <a:r>
+              <a:rPr lang="ru-RU" dirty="0" smtClean="0"/>
+              <a:t>Чем меньше выделений памяти, тем реже нужно выполнять уборку мусора</a:t>
+            </a:r>
+          </a:p>
+          <a:p>
+            <a:pPr marL="0" indent="0">
+              <a:buNone/>
+            </a:pPr>
+            <a:endParaRPr lang="ru-RU" dirty="0"/>
+          </a:p>
+          <a:p>
+            <a:pPr marL="0" indent="0">
+              <a:buNone/>
+            </a:pPr>
+            <a:r>
+              <a:rPr lang="ru-RU" dirty="0" smtClean="0"/>
+              <a:t>Используйте пулы объектов, по возможности.</a:t>
+            </a:r>
+            <a:endParaRPr lang="ru-RU" dirty="0"/>
+          </a:p>
+        </p:txBody>
+      </p:sp>
+      <p:sp>
+        <p:nvSpPr>
+          <p:cNvPr id="5" name="Content Placeholder 4"/>
+          <p:cNvSpPr>
+            <a:spLocks noGrp="1"/>
+          </p:cNvSpPr>
+          <p:nvPr>
+            <p:ph sz="half" idx="2"/>
+          </p:nvPr>
+        </p:nvSpPr>
+        <p:spPr>
+          <a:ln>
+            <a:solidFill>
+              <a:schemeClr val="bg1"/>
+            </a:solidFill>
+          </a:ln>
+        </p:spPr>
+        <p:txBody>
+          <a:bodyPr>
+            <a:normAutofit fontScale="92500"/>
+          </a:bodyPr>
+          <a:lstStyle/>
+          <a:p>
+            <a:pPr marL="0" indent="0" algn="ctr">
+              <a:buNone/>
+            </a:pPr>
+            <a:r>
+              <a:rPr lang="ru-RU" b="1" u="sng" dirty="0" smtClean="0"/>
+              <a:t>Ускорить</a:t>
+            </a:r>
+            <a:r>
+              <a:rPr lang="ru-RU" b="1" dirty="0"/>
+              <a:t/>
+            </a:r>
+            <a:br>
+              <a:rPr lang="ru-RU" b="1" dirty="0"/>
+            </a:br>
+            <a:r>
+              <a:rPr lang="ru-RU" b="1" dirty="0" smtClean="0"/>
+              <a:t>его работу</a:t>
+            </a:r>
+          </a:p>
+          <a:p>
+            <a:pPr marL="0" indent="0">
+              <a:buNone/>
+            </a:pPr>
+            <a:endParaRPr lang="ru-RU" dirty="0" smtClean="0"/>
+          </a:p>
+          <a:p>
+            <a:pPr marL="0" indent="0">
+              <a:buNone/>
+            </a:pPr>
+            <a:r>
+              <a:rPr lang="ru-RU" dirty="0" smtClean="0"/>
+              <a:t>Время уборки мусора прямо пропорционально количеству связей которые нужно обойти.</a:t>
+            </a:r>
+            <a:endParaRPr lang="ru-RU" dirty="0"/>
+          </a:p>
+        </p:txBody>
+      </p:sp>
+    </p:spTree>
+    <p:extLst>
+      <p:ext uri="{BB962C8B-B14F-4D97-AF65-F5344CB8AC3E}">
+        <p14:creationId xmlns:p14="http://schemas.microsoft.com/office/powerpoint/2010/main" val="3933915360"/>
+      </p:ext>
+    </p:extLst>
+  </p:cSld>
+  <p:clrMapOvr>
+    <a:masterClrMapping/>
+  </p:clrMapOvr>
+  <p:timing>
+    <p:tnLst>
+      <p:par>
+        <p:cTn id="1" dur="indefinite" restart="never" nodeType="tmRoot"/>
+      </p:par>
+    </p:tnLst>
+  </p:timing>
+</p:sld>
+</file>
+
+<file path=ppt/slides/slide21.xml><?xml version="1.0" encoding="utf-8"?>
 <p:sld xmlns:a="http://schemas.openxmlformats.org/drawingml/2006/main" xmlns:r="http://schemas.openxmlformats.org/officeDocument/2006/relationships" xmlns:p="http://schemas.openxmlformats.org/presentationml/2006/main">
   <p:cSld>
     <p:spTree>
@@ -11775,7 +11897,6 @@
                 <a:rPr lang="ru-RU" sz="2800" i="1" dirty="0" smtClean="0"/>
                 <a:t>Правильно</a:t>
               </a:r>
-              <a:endParaRPr lang="ru-RU" sz="2800" i="1" dirty="0" smtClean="0"/>
             </a:p>
           </p:txBody>
         </p:sp>
@@ -12221,13 +12342,8 @@
               <a:pPr algn="ctr"/>
               <a:r>
                 <a:rPr lang="ru-RU" sz="2800" i="1" dirty="0" smtClean="0"/>
-                <a:t>Неп</a:t>
+                <a:t>Неправильно</a:t>
               </a:r>
-              <a:r>
-                <a:rPr lang="ru-RU" sz="2800" i="1" dirty="0" smtClean="0"/>
-                <a:t>равильно</a:t>
-              </a:r>
-              <a:endParaRPr lang="ru-RU" sz="2800" i="1" dirty="0" smtClean="0"/>
             </a:p>
           </p:txBody>
         </p:sp>
@@ -12245,7 +12361,7 @@
 </p:sld>
 </file>
 
-<file path=ppt/slides/slide21.xml><?xml version="1.0" encoding="utf-8"?>
+<file path=ppt/slides/slide22.xml><?xml version="1.0" encoding="utf-8"?>
 <p:sld xmlns:a="http://schemas.openxmlformats.org/drawingml/2006/main" xmlns:r="http://schemas.openxmlformats.org/officeDocument/2006/relationships" xmlns:p="http://schemas.openxmlformats.org/presentationml/2006/main">
   <p:cSld>
     <p:spTree>
@@ -12313,7 +12429,7 @@
 </p:sld>
 </file>
 
-<file path=ppt/slides/slide22.xml><?xml version="1.0" encoding="utf-8"?>
+<file path=ppt/slides/slide23.xml><?xml version="1.0" encoding="utf-8"?>
 <p:sld xmlns:a="http://schemas.openxmlformats.org/drawingml/2006/main" xmlns:r="http://schemas.openxmlformats.org/officeDocument/2006/relationships" xmlns:p="http://schemas.openxmlformats.org/presentationml/2006/main">
   <p:cSld>
     <p:spTree>
@@ -13507,7 +13623,7 @@
 </p:sld>
 </file>
 
-<file path=ppt/slides/slide23.xml><?xml version="1.0" encoding="utf-8"?>
+<file path=ppt/slides/slide24.xml><?xml version="1.0" encoding="utf-8"?>
 <p:sld xmlns:a="http://schemas.openxmlformats.org/drawingml/2006/main" xmlns:r="http://schemas.openxmlformats.org/officeDocument/2006/relationships" xmlns:p="http://schemas.openxmlformats.org/presentationml/2006/main">
   <p:cSld>
     <p:spTree>
@@ -14855,66 +14971,6 @@
     <p:extLst>
       <p:ext uri="{BB962C8B-B14F-4D97-AF65-F5344CB8AC3E}">
         <p14:creationId xmlns:p14="http://schemas.microsoft.com/office/powerpoint/2010/main" val="2301603699"/>
-      </p:ext>
-    </p:extLst>
-  </p:cSld>
-  <p:clrMapOvr>
-    <a:masterClrMapping/>
-  </p:clrMapOvr>
-  <p:timing>
-    <p:tnLst>
-      <p:par>
-        <p:cTn id="1" dur="indefinite" restart="never" nodeType="tmRoot"/>
-      </p:par>
-    </p:tnLst>
-  </p:timing>
-</p:sld>
-</file>
-
-<file path=ppt/slides/slide24.xml><?xml version="1.0" encoding="utf-8"?>
-<p:sld xmlns:a="http://schemas.openxmlformats.org/drawingml/2006/main" xmlns:r="http://schemas.openxmlformats.org/officeDocument/2006/relationships" xmlns:p="http://schemas.openxmlformats.org/presentationml/2006/main">
-  <p:cSld>
-    <p:spTree>
-      <p:nvGrpSpPr>
-        <p:cNvPr id="1" name=""/>
-        <p:cNvGrpSpPr/>
-        <p:nvPr/>
-      </p:nvGrpSpPr>
-      <p:grpSpPr>
-        <a:xfrm>
-          <a:off x="0" y="0"/>
-          <a:ext cx="0" cy="0"/>
-          <a:chOff x="0" y="0"/>
-          <a:chExt cx="0" cy="0"/>
-        </a:xfrm>
-      </p:grpSpPr>
-      <p:sp>
-        <p:nvSpPr>
-          <p:cNvPr id="2" name="Title 1"/>
-          <p:cNvSpPr>
-            <a:spLocks noGrp="1"/>
-          </p:cNvSpPr>
-          <p:nvPr>
-            <p:ph type="ctrTitle"/>
-          </p:nvPr>
-        </p:nvSpPr>
-        <p:spPr/>
-        <p:txBody>
-          <a:bodyPr/>
-          <a:lstStyle/>
-          <a:p>
-            <a:r>
-              <a:rPr lang="ru-RU" dirty="0" smtClean="0"/>
-              <a:t>Мониторинг используемой памяти</a:t>
-            </a:r>
-            <a:endParaRPr lang="ru-RU" dirty="0"/>
-          </a:p>
-        </p:txBody>
-      </p:sp>
-    </p:spTree>
-    <p:extLst>
-      <p:ext uri="{BB962C8B-B14F-4D97-AF65-F5344CB8AC3E}">
-        <p14:creationId xmlns:p14="http://schemas.microsoft.com/office/powerpoint/2010/main" val="833686513"/>
       </p:ext>
     </p:extLst>
   </p:cSld>
@@ -14955,32 +15011,7 @@
             <a:spLocks noGrp="1"/>
           </p:cNvSpPr>
           <p:nvPr>
-            <p:ph type="title"/>
-          </p:nvPr>
-        </p:nvSpPr>
-        <p:spPr/>
-        <p:txBody>
-          <a:bodyPr>
-            <a:normAutofit fontScale="90000"/>
-          </a:bodyPr>
-          <a:lstStyle/>
-          <a:p>
-            <a:r>
-              <a:rPr lang="ru-RU" dirty="0" smtClean="0"/>
-              <a:t>Мониторинг используемой памяти из кода</a:t>
-            </a:r>
-            <a:endParaRPr lang="ru-RU" dirty="0"/>
-          </a:p>
-        </p:txBody>
-      </p:sp>
-      <p:sp>
-        <p:nvSpPr>
-          <p:cNvPr id="3" name="Content Placeholder 2"/>
-          <p:cNvSpPr>
-            <a:spLocks noGrp="1"/>
-          </p:cNvSpPr>
-          <p:nvPr>
-            <p:ph idx="1"/>
+            <p:ph type="ctrTitle"/>
           </p:nvPr>
         </p:nvSpPr>
         <p:spPr/>
@@ -14989,79 +15020,9 @@
           <a:lstStyle/>
           <a:p>
             <a:r>
-              <a:rPr lang="en-US" dirty="0" err="1" smtClean="0"/>
-              <a:t>GC.CollectionCount</a:t>
-            </a:r>
-            <a:r>
-              <a:rPr lang="en-US" dirty="0" smtClean="0"/>
-              <a:t>(</a:t>
-            </a:r>
-            <a:r>
               <a:rPr lang="ru-RU" dirty="0" smtClean="0"/>
-              <a:t>номерПоколения</a:t>
-            </a:r>
-            <a:r>
-              <a:rPr lang="en-US" dirty="0" smtClean="0"/>
-              <a:t>)</a:t>
-            </a:r>
-            <a:r>
-              <a:rPr lang="ru-RU" dirty="0" smtClean="0"/>
-              <a:t> – сообщает сколько раз выполнялась сборка мусора для указанного поколения</a:t>
-            </a:r>
-          </a:p>
-          <a:p>
-            <a:r>
-              <a:rPr lang="en-US" dirty="0" err="1"/>
-              <a:t>GC.GetTotalMemory</a:t>
-            </a:r>
-            <a:r>
-              <a:rPr lang="en-US" dirty="0"/>
-              <a:t>(</a:t>
-            </a:r>
-            <a:r>
-              <a:rPr lang="en-US" dirty="0" err="1"/>
-              <a:t>bool</a:t>
-            </a:r>
-            <a:r>
-              <a:rPr lang="en-US" dirty="0"/>
-              <a:t> </a:t>
-            </a:r>
-            <a:r>
-              <a:rPr lang="en-US" dirty="0" err="1"/>
-              <a:t>forceFullCollection</a:t>
-            </a:r>
-            <a:r>
-              <a:rPr lang="en-US" dirty="0" smtClean="0"/>
-              <a:t>)</a:t>
-            </a:r>
-            <a:r>
-              <a:rPr lang="ru-RU" dirty="0" smtClean="0"/>
-              <a:t> – возвращает кол-во байтов выделенных в куче</a:t>
-            </a:r>
-          </a:p>
-          <a:p>
-            <a:r>
-              <a:rPr lang="en-US" dirty="0" err="1" smtClean="0"/>
-              <a:t>Environment.WorkingSet</a:t>
-            </a:r>
-            <a:r>
-              <a:rPr lang="en-US" dirty="0" smtClean="0"/>
-              <a:t> – </a:t>
-            </a:r>
-            <a:r>
-              <a:rPr lang="ru-RU" dirty="0" smtClean="0"/>
-              <a:t>размер в байтах рабочего множества процесса </a:t>
-            </a:r>
-            <a:r>
-              <a:rPr lang="en-US" dirty="0" smtClean="0"/>
-              <a:t>(working set)</a:t>
-            </a:r>
-            <a:endParaRPr lang="en-US" dirty="0"/>
-          </a:p>
-          <a:p>
-            <a:endParaRPr lang="en-US" dirty="0"/>
-          </a:p>
-          <a:p>
+              <a:t>Мониторинг используемой памяти</a:t>
+            </a:r>
             <a:endParaRPr lang="ru-RU" dirty="0"/>
           </a:p>
         </p:txBody>
@@ -15069,7 +15030,7 @@
     </p:spTree>
     <p:extLst>
       <p:ext uri="{BB962C8B-B14F-4D97-AF65-F5344CB8AC3E}">
-        <p14:creationId xmlns:p14="http://schemas.microsoft.com/office/powerpoint/2010/main" val="921719331"/>
+        <p14:creationId xmlns:p14="http://schemas.microsoft.com/office/powerpoint/2010/main" val="833686513"/>
       </p:ext>
     </p:extLst>
   </p:cSld>
@@ -15122,6 +15083,161 @@
           <a:p>
             <a:r>
               <a:rPr lang="ru-RU" dirty="0" smtClean="0"/>
+              <a:t>Мониторинг используемой памяти из кода</a:t>
+            </a:r>
+            <a:endParaRPr lang="ru-RU" dirty="0"/>
+          </a:p>
+        </p:txBody>
+      </p:sp>
+      <p:sp>
+        <p:nvSpPr>
+          <p:cNvPr id="3" name="Content Placeholder 2"/>
+          <p:cNvSpPr>
+            <a:spLocks noGrp="1"/>
+          </p:cNvSpPr>
+          <p:nvPr>
+            <p:ph idx="1"/>
+          </p:nvPr>
+        </p:nvSpPr>
+        <p:spPr/>
+        <p:txBody>
+          <a:bodyPr/>
+          <a:lstStyle/>
+          <a:p>
+            <a:r>
+              <a:rPr lang="en-US" dirty="0" err="1" smtClean="0"/>
+              <a:t>GC.CollectionCount</a:t>
+            </a:r>
+            <a:r>
+              <a:rPr lang="en-US" dirty="0" smtClean="0"/>
+              <a:t>(</a:t>
+            </a:r>
+            <a:r>
+              <a:rPr lang="ru-RU" dirty="0" smtClean="0"/>
+              <a:t>номерПоколения</a:t>
+            </a:r>
+            <a:r>
+              <a:rPr lang="en-US" dirty="0" smtClean="0"/>
+              <a:t>)</a:t>
+            </a:r>
+            <a:r>
+              <a:rPr lang="ru-RU" dirty="0" smtClean="0"/>
+              <a:t> – сообщает сколько раз выполнялась сборка мусора для указанного поколения</a:t>
+            </a:r>
+          </a:p>
+          <a:p>
+            <a:r>
+              <a:rPr lang="en-US" dirty="0" err="1"/>
+              <a:t>GC.GetTotalMemory</a:t>
+            </a:r>
+            <a:r>
+              <a:rPr lang="en-US" dirty="0"/>
+              <a:t>(</a:t>
+            </a:r>
+            <a:r>
+              <a:rPr lang="en-US" dirty="0" err="1"/>
+              <a:t>bool</a:t>
+            </a:r>
+            <a:r>
+              <a:rPr lang="en-US" dirty="0"/>
+              <a:t> </a:t>
+            </a:r>
+            <a:r>
+              <a:rPr lang="en-US" dirty="0" err="1"/>
+              <a:t>forceFullCollection</a:t>
+            </a:r>
+            <a:r>
+              <a:rPr lang="en-US" dirty="0" smtClean="0"/>
+              <a:t>)</a:t>
+            </a:r>
+            <a:r>
+              <a:rPr lang="ru-RU" dirty="0" smtClean="0"/>
+              <a:t> – возвращает кол-во байтов выделенных в куче</a:t>
+            </a:r>
+          </a:p>
+          <a:p>
+            <a:r>
+              <a:rPr lang="en-US" dirty="0" err="1" smtClean="0"/>
+              <a:t>Environment.WorkingSet</a:t>
+            </a:r>
+            <a:r>
+              <a:rPr lang="en-US" dirty="0" smtClean="0"/>
+              <a:t> – </a:t>
+            </a:r>
+            <a:r>
+              <a:rPr lang="ru-RU" dirty="0" smtClean="0"/>
+              <a:t>размер в байтах рабочего множества процесса </a:t>
+            </a:r>
+            <a:r>
+              <a:rPr lang="en-US" dirty="0" smtClean="0"/>
+              <a:t>(working set)</a:t>
+            </a:r>
+            <a:endParaRPr lang="en-US" dirty="0"/>
+          </a:p>
+          <a:p>
+            <a:endParaRPr lang="en-US" dirty="0"/>
+          </a:p>
+          <a:p>
+            <a:endParaRPr lang="ru-RU" dirty="0"/>
+          </a:p>
+        </p:txBody>
+      </p:sp>
+    </p:spTree>
+    <p:extLst>
+      <p:ext uri="{BB962C8B-B14F-4D97-AF65-F5344CB8AC3E}">
+        <p14:creationId xmlns:p14="http://schemas.microsoft.com/office/powerpoint/2010/main" val="921719331"/>
+      </p:ext>
+    </p:extLst>
+  </p:cSld>
+  <p:clrMapOvr>
+    <a:masterClrMapping/>
+  </p:clrMapOvr>
+  <p:timing>
+    <p:tnLst>
+      <p:par>
+        <p:cTn id="1" dur="indefinite" restart="never" nodeType="tmRoot"/>
+      </p:par>
+    </p:tnLst>
+  </p:timing>
+</p:sld>
+</file>
+
+<file path=ppt/slides/slide27.xml><?xml version="1.0" encoding="utf-8"?>
+<p:sld xmlns:a="http://schemas.openxmlformats.org/drawingml/2006/main" xmlns:r="http://schemas.openxmlformats.org/officeDocument/2006/relationships" xmlns:p="http://schemas.openxmlformats.org/presentationml/2006/main">
+  <p:cSld>
+    <p:spTree>
+      <p:nvGrpSpPr>
+        <p:cNvPr id="1" name=""/>
+        <p:cNvGrpSpPr/>
+        <p:nvPr/>
+      </p:nvGrpSpPr>
+      <p:grpSpPr>
+        <a:xfrm>
+          <a:off x="0" y="0"/>
+          <a:ext cx="0" cy="0"/>
+          <a:chOff x="0" y="0"/>
+          <a:chExt cx="0" cy="0"/>
+        </a:xfrm>
+      </p:grpSpPr>
+      <p:sp>
+        <p:nvSpPr>
+          <p:cNvPr id="2" name="Title 1"/>
+          <p:cNvSpPr>
+            <a:spLocks noGrp="1"/>
+          </p:cNvSpPr>
+          <p:nvPr>
+            <p:ph type="title"/>
+          </p:nvPr>
+        </p:nvSpPr>
+        <p:spPr/>
+        <p:txBody>
+          <a:bodyPr>
+            <a:normAutofit fontScale="90000"/>
+          </a:bodyPr>
+          <a:lstStyle/>
+          <a:p>
+            <a:r>
+              <a:rPr lang="ru-RU" dirty="0" smtClean="0"/>
               <a:t>Мониторинг используемой памяти внешними средствами</a:t>
             </a:r>
             <a:endParaRPr lang="ru-RU" dirty="0"/>
@@ -15252,7 +15368,7 @@
 </p:sld>
 </file>
 
-<file path=ppt/slides/slide27.xml><?xml version="1.0" encoding="utf-8"?>
+<file path=ppt/slides/slide28.xml><?xml version="1.0" encoding="utf-8"?>
 <p:sld xmlns:a="http://schemas.openxmlformats.org/drawingml/2006/main" xmlns:r="http://schemas.openxmlformats.org/officeDocument/2006/relationships" xmlns:p="http://schemas.openxmlformats.org/presentationml/2006/main">
   <p:cSld>
     <p:spTree>
@@ -19883,7 +19999,7 @@
 </p:sld>
 </file>
 
-<file path=ppt/slides/slide28.xml><?xml version="1.0" encoding="utf-8"?>
+<file path=ppt/slides/slide29.xml><?xml version="1.0" encoding="utf-8"?>
 <p:sld xmlns:a="http://schemas.openxmlformats.org/drawingml/2006/main" xmlns:r="http://schemas.openxmlformats.org/officeDocument/2006/relationships" xmlns:p="http://schemas.openxmlformats.org/presentationml/2006/main">
   <p:cSld>
     <p:spTree>
@@ -20133,45 +20249,390 @@
             <a:spLocks noGrp="1"/>
           </p:cNvSpPr>
           <p:nvPr>
-            <p:ph type="ctrTitle"/>
+            <p:ph type="title"/>
           </p:nvPr>
         </p:nvSpPr>
         <p:spPr/>
         <p:txBody>
-          <a:bodyPr/>
+          <a:bodyPr>
+            <a:noAutofit/>
+          </a:bodyPr>
           <a:lstStyle/>
           <a:p>
             <a:r>
-              <a:rPr lang="ru-RU" dirty="0" smtClean="0"/>
-              <a:t>Сборщик мусора</a:t>
-            </a:r>
-            <a:endParaRPr lang="ru-RU" dirty="0"/>
+              <a:rPr lang="ru-RU" sz="3200" dirty="0" smtClean="0"/>
+              <a:t>Упаковка </a:t>
+            </a:r>
+            <a:r>
+              <a:rPr lang="en-US" sz="3200" dirty="0" smtClean="0"/>
+              <a:t>(boxing) </a:t>
+            </a:r>
+            <a:r>
+              <a:rPr lang="ru-RU" sz="3200" dirty="0" smtClean="0"/>
+              <a:t>и распаковка </a:t>
+            </a:r>
+            <a:r>
+              <a:rPr lang="en-US" sz="3200" dirty="0" smtClean="0"/>
+              <a:t>(unboxing)</a:t>
+            </a:r>
+            <a:endParaRPr lang="ru-RU" sz="3200" dirty="0"/>
           </a:p>
         </p:txBody>
       </p:sp>
       <p:sp>
         <p:nvSpPr>
-          <p:cNvPr id="3" name="Subtitle 2"/>
+          <p:cNvPr id="3" name="Content Placeholder 2"/>
           <p:cNvSpPr>
             <a:spLocks noGrp="1"/>
           </p:cNvSpPr>
           <p:nvPr>
-            <p:ph type="subTitle" idx="1"/>
+            <p:ph idx="1"/>
           </p:nvPr>
         </p:nvSpPr>
-        <p:spPr/>
+        <p:spPr>
+          <a:xfrm>
+            <a:off x="457200" y="1600200"/>
+            <a:ext cx="8229600" cy="3412975"/>
+          </a:xfrm>
+        </p:spPr>
         <p:txBody>
-          <a:bodyPr/>
+          <a:bodyPr>
+            <a:normAutofit/>
+          </a:bodyPr>
           <a:lstStyle/>
           <a:p>
-            <a:endParaRPr lang="ru-RU"/>
+            <a:pPr marL="0" indent="0">
+              <a:buNone/>
+            </a:pPr>
+            <a:r>
+              <a:rPr lang="ru-RU" sz="2400" dirty="0" smtClean="0"/>
+              <a:t>В </a:t>
+            </a:r>
+            <a:r>
+              <a:rPr lang="en-US" sz="2400" dirty="0" smtClean="0"/>
+              <a:t>.NET </a:t>
+            </a:r>
+            <a:r>
+              <a:rPr lang="ru-RU" sz="2400" dirty="0" smtClean="0"/>
+              <a:t>все типы являются наследниками от ссылочного типа </a:t>
+            </a:r>
+            <a:r>
+              <a:rPr lang="en-US" sz="2400" dirty="0" err="1" smtClean="0"/>
+              <a:t>System.Object</a:t>
+            </a:r>
+            <a:r>
+              <a:rPr lang="ru-RU" sz="2400" dirty="0" smtClean="0"/>
+              <a:t>. В том числе и </a:t>
+            </a:r>
+            <a:r>
+              <a:rPr lang="en-US" sz="2400" dirty="0" smtClean="0"/>
+              <a:t>value </a:t>
+            </a:r>
+            <a:r>
+              <a:rPr lang="ru-RU" sz="2400" dirty="0" smtClean="0"/>
+              <a:t>типы, такие как </a:t>
+            </a:r>
+            <a:r>
+              <a:rPr lang="en-US" sz="2400" dirty="0" err="1" smtClean="0"/>
+              <a:t>int</a:t>
+            </a:r>
+            <a:r>
+              <a:rPr lang="en-US" sz="2400" dirty="0" smtClean="0"/>
+              <a:t>, double, </a:t>
+            </a:r>
+            <a:r>
+              <a:rPr lang="en-US" sz="2400" dirty="0" err="1" smtClean="0"/>
+              <a:t>DateTime</a:t>
+            </a:r>
+            <a:r>
+              <a:rPr lang="en-US" sz="2400" dirty="0" smtClean="0"/>
+              <a:t> </a:t>
+            </a:r>
+            <a:r>
+              <a:rPr lang="ru-RU" sz="2400" dirty="0" smtClean="0"/>
+              <a:t>и другие</a:t>
+            </a:r>
+            <a:r>
+              <a:rPr lang="en-US" sz="2400" dirty="0" smtClean="0"/>
+              <a:t>. </a:t>
+            </a:r>
+            <a:r>
+              <a:rPr lang="ru-RU" sz="2400" dirty="0" smtClean="0"/>
+              <a:t>Следовательно можно привести значение</a:t>
+            </a:r>
+            <a:r>
+              <a:rPr lang="en-US" sz="2400" dirty="0" smtClean="0"/>
+              <a:t> value</a:t>
+            </a:r>
+            <a:r>
+              <a:rPr lang="ru-RU" sz="2400" dirty="0" smtClean="0"/>
+              <a:t>-типа к типу </a:t>
+            </a:r>
+            <a:r>
+              <a:rPr lang="en-US" sz="2400" dirty="0" smtClean="0"/>
+              <a:t>object. </a:t>
+            </a:r>
+            <a:r>
+              <a:rPr lang="ru-RU" sz="2400" dirty="0" smtClean="0"/>
+              <a:t>Этот процесс называется «упаковкой» и в результате копия значения </a:t>
+            </a:r>
+            <a:r>
+              <a:rPr lang="en-US" sz="2400" dirty="0" smtClean="0"/>
+              <a:t>value</a:t>
+            </a:r>
+            <a:r>
+              <a:rPr lang="ru-RU" sz="2400" dirty="0" smtClean="0"/>
+              <a:t>-типа оказывается в управляемой куче. Обратный процесс называется «распаковкой». Следует стремиться к избавлению от упаковок/распаковок т.к. они снижают производительность.</a:t>
+            </a:r>
+            <a:endParaRPr lang="ru-RU" sz="2400" dirty="0"/>
+          </a:p>
+        </p:txBody>
+      </p:sp>
+      <p:sp>
+        <p:nvSpPr>
+          <p:cNvPr id="6" name="Rectangle 5"/>
+          <p:cNvSpPr/>
+          <p:nvPr/>
+        </p:nvSpPr>
+        <p:spPr>
+          <a:xfrm>
+            <a:off x="457200" y="5157192"/>
+            <a:ext cx="8147248" cy="923330"/>
+          </a:xfrm>
+          <a:prstGeom prst="rect">
+            <a:avLst/>
+          </a:prstGeom>
+          <a:solidFill>
+            <a:schemeClr val="bg1"/>
+          </a:solidFill>
+        </p:spPr>
+        <p:txBody>
+          <a:bodyPr wrap="square">
+            <a:spAutoFit/>
+          </a:bodyPr>
+          <a:lstStyle/>
+          <a:p>
+            <a:r>
+              <a:rPr lang="en-US" dirty="0" err="1">
+                <a:solidFill>
+                  <a:srgbClr val="0000FF"/>
+                </a:solidFill>
+                <a:highlight>
+                  <a:srgbClr val="FFFFFF"/>
+                </a:highlight>
+                <a:latin typeface="Consolas"/>
+              </a:rPr>
+              <a:t>int</a:t>
+            </a:r>
+            <a:r>
+              <a:rPr lang="en-US" dirty="0">
+                <a:solidFill>
+                  <a:srgbClr val="000000"/>
+                </a:solidFill>
+                <a:highlight>
+                  <a:srgbClr val="FFFFFF"/>
+                </a:highlight>
+                <a:latin typeface="Consolas"/>
+              </a:rPr>
+              <a:t> x = 10;</a:t>
+            </a:r>
+          </a:p>
+          <a:p>
+            <a:r>
+              <a:rPr lang="en-US" dirty="0">
+                <a:solidFill>
+                  <a:srgbClr val="0000FF"/>
+                </a:solidFill>
+                <a:highlight>
+                  <a:srgbClr val="FFFFFF"/>
+                </a:highlight>
+                <a:latin typeface="Consolas"/>
+              </a:rPr>
+              <a:t>object</a:t>
+            </a:r>
+            <a:r>
+              <a:rPr lang="en-US" dirty="0">
+                <a:solidFill>
+                  <a:srgbClr val="000000"/>
+                </a:solidFill>
+                <a:highlight>
+                  <a:srgbClr val="FFFFFF"/>
+                </a:highlight>
+                <a:latin typeface="Consolas"/>
+              </a:rPr>
+              <a:t> </a:t>
+            </a:r>
+            <a:r>
+              <a:rPr lang="en-US" dirty="0" err="1">
+                <a:solidFill>
+                  <a:srgbClr val="000000"/>
+                </a:solidFill>
+                <a:highlight>
+                  <a:srgbClr val="FFFFFF"/>
+                </a:highlight>
+                <a:latin typeface="Consolas"/>
+              </a:rPr>
+              <a:t>obj</a:t>
+            </a:r>
+            <a:r>
+              <a:rPr lang="en-US" dirty="0">
+                <a:solidFill>
+                  <a:srgbClr val="000000"/>
+                </a:solidFill>
+                <a:highlight>
+                  <a:srgbClr val="FFFFFF"/>
+                </a:highlight>
+                <a:latin typeface="Consolas"/>
+              </a:rPr>
+              <a:t> = x; </a:t>
+            </a:r>
+            <a:r>
+              <a:rPr lang="en-US" dirty="0">
+                <a:solidFill>
+                  <a:srgbClr val="008000"/>
+                </a:solidFill>
+                <a:highlight>
+                  <a:srgbClr val="FFFFFF"/>
+                </a:highlight>
+                <a:latin typeface="Consolas"/>
+              </a:rPr>
+              <a:t>// </a:t>
+            </a:r>
+            <a:r>
+              <a:rPr lang="ru-RU" dirty="0">
+                <a:solidFill>
+                  <a:srgbClr val="008000"/>
+                </a:solidFill>
+                <a:highlight>
+                  <a:srgbClr val="FFFFFF"/>
+                </a:highlight>
+                <a:latin typeface="Consolas"/>
+              </a:rPr>
+              <a:t>Упаковка</a:t>
+            </a:r>
+            <a:endParaRPr lang="ru-RU" dirty="0">
+              <a:solidFill>
+                <a:srgbClr val="000000"/>
+              </a:solidFill>
+              <a:highlight>
+                <a:srgbClr val="FFFFFF"/>
+              </a:highlight>
+              <a:latin typeface="Consolas"/>
+            </a:endParaRPr>
+          </a:p>
+          <a:p>
+            <a:r>
+              <a:rPr lang="en-US" dirty="0" err="1">
+                <a:solidFill>
+                  <a:srgbClr val="0000FF"/>
+                </a:solidFill>
+                <a:highlight>
+                  <a:srgbClr val="FFFFFF"/>
+                </a:highlight>
+                <a:latin typeface="Consolas"/>
+              </a:rPr>
+              <a:t>int</a:t>
+            </a:r>
+            <a:r>
+              <a:rPr lang="en-US" dirty="0">
+                <a:solidFill>
+                  <a:srgbClr val="000000"/>
+                </a:solidFill>
+                <a:highlight>
+                  <a:srgbClr val="FFFFFF"/>
+                </a:highlight>
+                <a:latin typeface="Consolas"/>
+              </a:rPr>
+              <a:t> y = (</a:t>
+            </a:r>
+            <a:r>
+              <a:rPr lang="en-US" dirty="0" err="1">
+                <a:solidFill>
+                  <a:srgbClr val="0000FF"/>
+                </a:solidFill>
+                <a:highlight>
+                  <a:srgbClr val="FFFFFF"/>
+                </a:highlight>
+                <a:latin typeface="Consolas"/>
+              </a:rPr>
+              <a:t>int</a:t>
+            </a:r>
+            <a:r>
+              <a:rPr lang="en-US" dirty="0">
+                <a:solidFill>
+                  <a:srgbClr val="000000"/>
+                </a:solidFill>
+                <a:highlight>
+                  <a:srgbClr val="FFFFFF"/>
+                </a:highlight>
+                <a:latin typeface="Consolas"/>
+              </a:rPr>
+              <a:t>)</a:t>
+            </a:r>
+            <a:r>
+              <a:rPr lang="en-US" dirty="0" err="1">
+                <a:solidFill>
+                  <a:srgbClr val="000000"/>
+                </a:solidFill>
+                <a:highlight>
+                  <a:srgbClr val="FFFFFF"/>
+                </a:highlight>
+                <a:latin typeface="Consolas"/>
+              </a:rPr>
+              <a:t>obj</a:t>
+            </a:r>
+            <a:r>
+              <a:rPr lang="en-US" dirty="0">
+                <a:solidFill>
+                  <a:srgbClr val="000000"/>
+                </a:solidFill>
+                <a:highlight>
+                  <a:srgbClr val="FFFFFF"/>
+                </a:highlight>
+                <a:latin typeface="Consolas"/>
+              </a:rPr>
+              <a:t>; </a:t>
+            </a:r>
+            <a:r>
+              <a:rPr lang="en-US" dirty="0">
+                <a:solidFill>
+                  <a:srgbClr val="008000"/>
+                </a:solidFill>
+                <a:highlight>
+                  <a:srgbClr val="FFFFFF"/>
+                </a:highlight>
+                <a:latin typeface="Consolas"/>
+              </a:rPr>
+              <a:t>// </a:t>
+            </a:r>
+            <a:r>
+              <a:rPr lang="ru-RU" dirty="0">
+                <a:solidFill>
+                  <a:srgbClr val="008000"/>
+                </a:solidFill>
+                <a:highlight>
+                  <a:srgbClr val="FFFFFF"/>
+                </a:highlight>
+                <a:latin typeface="Consolas"/>
+              </a:rPr>
+              <a:t>Распаковка</a:t>
+            </a:r>
+            <a:endParaRPr lang="ru-RU" dirty="0">
+              <a:solidFill>
+                <a:srgbClr val="000000"/>
+              </a:solidFill>
+              <a:highlight>
+                <a:srgbClr val="FFFFFF"/>
+              </a:highlight>
+              <a:latin typeface="Consolas"/>
+            </a:endParaRPr>
           </a:p>
         </p:txBody>
       </p:sp>
     </p:spTree>
     <p:extLst>
       <p:ext uri="{BB962C8B-B14F-4D97-AF65-F5344CB8AC3E}">
-        <p14:creationId xmlns:p14="http://schemas.microsoft.com/office/powerpoint/2010/main" val="2047597325"/>
+        <p14:creationId xmlns:p14="http://schemas.microsoft.com/office/powerpoint/2010/main" val="730677553"/>
       </p:ext>
     </p:extLst>
   </p:cSld>
@@ -20212,6 +20673,85 @@
             <a:spLocks noGrp="1"/>
           </p:cNvSpPr>
           <p:nvPr>
+            <p:ph type="ctrTitle"/>
+          </p:nvPr>
+        </p:nvSpPr>
+        <p:spPr/>
+        <p:txBody>
+          <a:bodyPr/>
+          <a:lstStyle/>
+          <a:p>
+            <a:r>
+              <a:rPr lang="ru-RU" dirty="0" smtClean="0"/>
+              <a:t>Сборщик мусора</a:t>
+            </a:r>
+            <a:endParaRPr lang="ru-RU" dirty="0"/>
+          </a:p>
+        </p:txBody>
+      </p:sp>
+      <p:sp>
+        <p:nvSpPr>
+          <p:cNvPr id="3" name="Subtitle 2"/>
+          <p:cNvSpPr>
+            <a:spLocks noGrp="1"/>
+          </p:cNvSpPr>
+          <p:nvPr>
+            <p:ph type="subTitle" idx="1"/>
+          </p:nvPr>
+        </p:nvSpPr>
+        <p:spPr/>
+        <p:txBody>
+          <a:bodyPr/>
+          <a:lstStyle/>
+          <a:p>
+            <a:endParaRPr lang="ru-RU"/>
+          </a:p>
+        </p:txBody>
+      </p:sp>
+    </p:spTree>
+    <p:extLst>
+      <p:ext uri="{BB962C8B-B14F-4D97-AF65-F5344CB8AC3E}">
+        <p14:creationId xmlns:p14="http://schemas.microsoft.com/office/powerpoint/2010/main" val="2047597325"/>
+      </p:ext>
+    </p:extLst>
+  </p:cSld>
+  <p:clrMapOvr>
+    <a:masterClrMapping/>
+  </p:clrMapOvr>
+  <p:timing>
+    <p:tnLst>
+      <p:par>
+        <p:cTn id="1" dur="indefinite" restart="never" nodeType="tmRoot"/>
+      </p:par>
+    </p:tnLst>
+  </p:timing>
+</p:sld>
+</file>
+
+<file path=ppt/slides/slide6.xml><?xml version="1.0" encoding="utf-8"?>
+<p:sld xmlns:a="http://schemas.openxmlformats.org/drawingml/2006/main" xmlns:r="http://schemas.openxmlformats.org/officeDocument/2006/relationships" xmlns:p="http://schemas.openxmlformats.org/presentationml/2006/main">
+  <p:cSld>
+    <p:spTree>
+      <p:nvGrpSpPr>
+        <p:cNvPr id="1" name=""/>
+        <p:cNvGrpSpPr/>
+        <p:nvPr/>
+      </p:nvGrpSpPr>
+      <p:grpSpPr>
+        <a:xfrm>
+          <a:off x="0" y="0"/>
+          <a:ext cx="0" cy="0"/>
+          <a:chOff x="0" y="0"/>
+          <a:chExt cx="0" cy="0"/>
+        </a:xfrm>
+      </p:grpSpPr>
+      <p:sp>
+        <p:nvSpPr>
+          <p:cNvPr id="2" name="Title 1"/>
+          <p:cNvSpPr>
+            <a:spLocks noGrp="1"/>
+          </p:cNvSpPr>
+          <p:nvPr>
             <p:ph type="title"/>
           </p:nvPr>
         </p:nvSpPr>
@@ -20359,7 +20899,7 @@
 </p:sld>
 </file>
 
-<file path=ppt/slides/slide6.xml><?xml version="1.0" encoding="utf-8"?>
+<file path=ppt/slides/slide7.xml><?xml version="1.0" encoding="utf-8"?>
 <p:sld xmlns:a="http://schemas.openxmlformats.org/drawingml/2006/main" xmlns:r="http://schemas.openxmlformats.org/officeDocument/2006/relationships" xmlns:p="http://schemas.openxmlformats.org/presentationml/2006/main">
   <p:cSld>
     <p:spTree>
@@ -22290,7 +22830,7 @@
 </p:sld>
 </file>
 
-<file path=ppt/slides/slide7.xml><?xml version="1.0" encoding="utf-8"?>
+<file path=ppt/slides/slide8.xml><?xml version="1.0" encoding="utf-8"?>
 <p:sld xmlns:a="http://schemas.openxmlformats.org/drawingml/2006/main" xmlns:r="http://schemas.openxmlformats.org/officeDocument/2006/relationships" xmlns:p="http://schemas.openxmlformats.org/presentationml/2006/main">
   <p:cSld>
     <p:spTree>
@@ -22390,135 +22930,6 @@
     <p:extLst>
       <p:ext uri="{BB962C8B-B14F-4D97-AF65-F5344CB8AC3E}">
         <p14:creationId xmlns:p14="http://schemas.microsoft.com/office/powerpoint/2010/main" val="2062523309"/>
-      </p:ext>
-    </p:extLst>
-  </p:cSld>
-  <p:clrMapOvr>
-    <a:masterClrMapping/>
-  </p:clrMapOvr>
-  <p:timing>
-    <p:tnLst>
-      <p:par>
-        <p:cTn id="1" dur="indefinite" restart="never" nodeType="tmRoot"/>
-      </p:par>
-    </p:tnLst>
-  </p:timing>
-</p:sld>
-</file>
-
-<file path=ppt/slides/slide8.xml><?xml version="1.0" encoding="utf-8"?>
-<p:sld xmlns:a="http://schemas.openxmlformats.org/drawingml/2006/main" xmlns:r="http://schemas.openxmlformats.org/officeDocument/2006/relationships" xmlns:p="http://schemas.openxmlformats.org/presentationml/2006/main">
-  <p:cSld>
-    <p:spTree>
-      <p:nvGrpSpPr>
-        <p:cNvPr id="1" name=""/>
-        <p:cNvGrpSpPr/>
-        <p:nvPr/>
-      </p:nvGrpSpPr>
-      <p:grpSpPr>
-        <a:xfrm>
-          <a:off x="0" y="0"/>
-          <a:ext cx="0" cy="0"/>
-          <a:chOff x="0" y="0"/>
-          <a:chExt cx="0" cy="0"/>
-        </a:xfrm>
-      </p:grpSpPr>
-      <p:sp>
-        <p:nvSpPr>
-          <p:cNvPr id="2" name="Title 1"/>
-          <p:cNvSpPr>
-            <a:spLocks noGrp="1"/>
-          </p:cNvSpPr>
-          <p:nvPr>
-            <p:ph type="title"/>
-          </p:nvPr>
-        </p:nvSpPr>
-        <p:spPr/>
-        <p:txBody>
-          <a:bodyPr>
-            <a:normAutofit fontScale="90000"/>
-          </a:bodyPr>
-          <a:lstStyle/>
-          <a:p>
-            <a:r>
-              <a:rPr lang="ru-RU" dirty="0" smtClean="0"/>
-              <a:t>Когда запускается сборщик мусора?</a:t>
-            </a:r>
-            <a:endParaRPr lang="ru-RU" dirty="0"/>
-          </a:p>
-        </p:txBody>
-      </p:sp>
-      <p:sp>
-        <p:nvSpPr>
-          <p:cNvPr id="3" name="Content Placeholder 2"/>
-          <p:cNvSpPr>
-            <a:spLocks noGrp="1"/>
-          </p:cNvSpPr>
-          <p:nvPr>
-            <p:ph idx="1"/>
-          </p:nvPr>
-        </p:nvSpPr>
-        <p:spPr/>
-        <p:txBody>
-          <a:bodyPr/>
-          <a:lstStyle/>
-          <a:p>
-            <a:r>
-              <a:rPr lang="ru-RU" dirty="0" smtClean="0"/>
-              <a:t>Если память </a:t>
-            </a:r>
-            <a:r>
-              <a:rPr lang="ru-RU" dirty="0"/>
-              <a:t>выделенная </a:t>
-            </a:r>
-            <a:r>
-              <a:rPr lang="ru-RU" dirty="0" smtClean="0"/>
-              <a:t>в управляемой кучи достигает определенного предела. Данный предел зависит от версии </a:t>
-            </a:r>
-            <a:r>
-              <a:rPr lang="en-US" dirty="0" smtClean="0"/>
-              <a:t>CLR </a:t>
-            </a:r>
-            <a:r>
-              <a:rPr lang="ru-RU" dirty="0" smtClean="0"/>
-              <a:t>и также  менятся в зависимости от поведения программы</a:t>
-            </a:r>
-          </a:p>
-          <a:p>
-            <a:r>
-              <a:rPr lang="ru-RU" dirty="0" smtClean="0"/>
-              <a:t>Если </a:t>
-            </a:r>
-            <a:r>
-              <a:rPr lang="en-US" dirty="0" smtClean="0"/>
-              <a:t>Windows</a:t>
-            </a:r>
-            <a:r>
-              <a:rPr lang="ru-RU" dirty="0" smtClean="0"/>
-              <a:t> сообщает о приближении к пределу доступной виртуальной памяти</a:t>
-            </a:r>
-          </a:p>
-          <a:p>
-            <a:r>
-              <a:rPr lang="ru-RU" dirty="0" smtClean="0"/>
-              <a:t>Вручную с помощью </a:t>
-            </a:r>
-            <a:r>
-              <a:rPr lang="en-US" dirty="0" err="1" smtClean="0"/>
-              <a:t>GC.Collect</a:t>
-            </a:r>
-            <a:r>
-              <a:rPr lang="en-US" dirty="0" smtClean="0"/>
-              <a:t>()</a:t>
-            </a:r>
-            <a:endParaRPr lang="ru-RU" dirty="0"/>
-          </a:p>
-        </p:txBody>
-      </p:sp>
-    </p:spTree>
-    <p:extLst>
-      <p:ext uri="{BB962C8B-B14F-4D97-AF65-F5344CB8AC3E}">
-        <p14:creationId xmlns:p14="http://schemas.microsoft.com/office/powerpoint/2010/main" val="2767050093"/>
       </p:ext>
     </p:extLst>
   </p:cSld>
@@ -22571,23 +22982,7 @@
           <a:p>
             <a:r>
               <a:rPr lang="ru-RU" dirty="0" smtClean="0"/>
-              <a:t>Сборка мусора на основе поколений</a:t>
-            </a:r>
-            <a:r>
-              <a:rPr lang="en-US" dirty="0" smtClean="0"/>
-              <a:t> </a:t>
-            </a:r>
-            <a:r>
-              <a:rPr lang="ru-RU" dirty="0" smtClean="0"/>
-              <a:t>(</a:t>
-            </a:r>
-            <a:r>
-              <a:rPr lang="en-US" dirty="0" smtClean="0"/>
-              <a:t>generation based garbage collection</a:t>
-            </a:r>
-            <a:r>
-              <a:rPr lang="ru-RU" dirty="0" smtClean="0"/>
-              <a:t>)</a:t>
+              <a:t>Когда запускается сборщик мусора?</a:t>
             </a:r>
             <a:endParaRPr lang="ru-RU" dirty="0"/>
           </a:p>
@@ -22605,40 +23000,56 @@
         </p:nvSpPr>
         <p:spPr/>
         <p:txBody>
-          <a:bodyPr>
-            <a:normAutofit fontScale="92500" lnSpcReduction="10000"/>
-          </a:bodyPr>
+          <a:bodyPr/>
           <a:lstStyle/>
           <a:p>
-            <a:pPr marL="0" indent="0">
-              <a:buNone/>
-            </a:pPr>
             <a:r>
               <a:rPr lang="ru-RU" dirty="0" smtClean="0"/>
-              <a:t>Сборщик мусора в </a:t>
+              <a:t>Если память </a:t>
+            </a:r>
+            <a:r>
+              <a:rPr lang="ru-RU" dirty="0"/>
+              <a:t>выделенная </a:t>
+            </a:r>
+            <a:r>
+              <a:rPr lang="ru-RU" dirty="0" smtClean="0"/>
+              <a:t>в управляемой кучи достигает определенного предела. Данный предел зависит от версии </a:t>
             </a:r>
             <a:r>
               <a:rPr lang="en-US" dirty="0" smtClean="0"/>
-              <a:t>.NET </a:t>
+              <a:t>CLR </a:t>
             </a:r>
             <a:r>
               <a:rPr lang="ru-RU" dirty="0" smtClean="0"/>
-              <a:t>использует т.н. поколения для повышения эффективности своей работы. Выделяемые объекты делятся на три поколения: 0, 1 и 2.</a:t>
-            </a:r>
-          </a:p>
-          <a:p>
-            <a:pPr marL="0" indent="0">
-              <a:buNone/>
-            </a:pPr>
-            <a:endParaRPr lang="ru-RU" dirty="0" smtClean="0"/>
-          </a:p>
-          <a:p>
-            <a:pPr marL="0" indent="0">
-              <a:buNone/>
-            </a:pPr>
+              <a:t>и также  менятся в зависимости от поведения программы</a:t>
+            </a:r>
+          </a:p>
+          <a:p>
             <a:r>
               <a:rPr lang="ru-RU" dirty="0" smtClean="0"/>
-              <a:t>Поколения связаны с временем жизни объекта и то сколько сборок мусора они пережили: 0 – коротко-живущие объекты; 1 – объекты со средним временем жизни; 2 – долгоживущие объекты.</a:t>
+              <a:t>Если </a:t>
+            </a:r>
+            <a:r>
+              <a:rPr lang="en-US" dirty="0" smtClean="0"/>
+              <a:t>Windows</a:t>
+            </a:r>
+            <a:r>
+              <a:rPr lang="ru-RU" dirty="0" smtClean="0"/>
+              <a:t> сообщает о приближении к пределу доступной виртуальной памяти</a:t>
+            </a:r>
+          </a:p>
+          <a:p>
+            <a:r>
+              <a:rPr lang="ru-RU" dirty="0" smtClean="0"/>
+              <a:t>Вручную с помощью </a:t>
+            </a:r>
+            <a:r>
+              <a:rPr lang="en-US" dirty="0" err="1" smtClean="0"/>
+              <a:t>GC.Collect</a:t>
+            </a:r>
+            <a:r>
+              <a:rPr lang="en-US" dirty="0" smtClean="0"/>
+              <a:t>()</a:t>
             </a:r>
             <a:endParaRPr lang="ru-RU" dirty="0"/>
           </a:p>
@@ -22647,7 +23058,7 @@
     </p:spTree>
     <p:extLst>
       <p:ext uri="{BB962C8B-B14F-4D97-AF65-F5344CB8AC3E}">
-        <p14:creationId xmlns:p14="http://schemas.microsoft.com/office/powerpoint/2010/main" val="1382093847"/>
+        <p14:creationId xmlns:p14="http://schemas.microsoft.com/office/powerpoint/2010/main" val="2767050093"/>
       </p:ext>
     </p:extLst>
   </p:cSld>

--- a/Presentation/memory-management-and-gc.pptx
+++ b/Presentation/memory-management-and-gc.pptx
@@ -5,38 +5,39 @@
     <p:sldMasterId id="2147483648" r:id="rId1"/>
   </p:sldMasterIdLst>
   <p:notesMasterIdLst>
-    <p:notesMasterId r:id="rId31"/>
+    <p:notesMasterId r:id="rId32"/>
   </p:notesMasterIdLst>
   <p:sldIdLst>
     <p:sldId id="261" r:id="rId2"/>
     <p:sldId id="257" r:id="rId3"/>
     <p:sldId id="274" r:id="rId4"/>
     <p:sldId id="285" r:id="rId5"/>
-    <p:sldId id="264" r:id="rId6"/>
-    <p:sldId id="270" r:id="rId7"/>
-    <p:sldId id="265" r:id="rId8"/>
-    <p:sldId id="266" r:id="rId9"/>
-    <p:sldId id="273" r:id="rId10"/>
-    <p:sldId id="268" r:id="rId11"/>
-    <p:sldId id="267" r:id="rId12"/>
-    <p:sldId id="269" r:id="rId13"/>
-    <p:sldId id="279" r:id="rId14"/>
-    <p:sldId id="280" r:id="rId15"/>
-    <p:sldId id="281" r:id="rId16"/>
-    <p:sldId id="272" r:id="rId17"/>
-    <p:sldId id="275" r:id="rId18"/>
-    <p:sldId id="276" r:id="rId19"/>
-    <p:sldId id="271" r:id="rId20"/>
-    <p:sldId id="263" r:id="rId21"/>
-    <p:sldId id="284" r:id="rId22"/>
-    <p:sldId id="262" r:id="rId23"/>
-    <p:sldId id="278" r:id="rId24"/>
-    <p:sldId id="282" r:id="rId25"/>
-    <p:sldId id="277" r:id="rId26"/>
-    <p:sldId id="258" r:id="rId27"/>
-    <p:sldId id="259" r:id="rId28"/>
-    <p:sldId id="283" r:id="rId29"/>
-    <p:sldId id="260" r:id="rId30"/>
+    <p:sldId id="286" r:id="rId6"/>
+    <p:sldId id="264" r:id="rId7"/>
+    <p:sldId id="270" r:id="rId8"/>
+    <p:sldId id="265" r:id="rId9"/>
+    <p:sldId id="266" r:id="rId10"/>
+    <p:sldId id="273" r:id="rId11"/>
+    <p:sldId id="268" r:id="rId12"/>
+    <p:sldId id="267" r:id="rId13"/>
+    <p:sldId id="269" r:id="rId14"/>
+    <p:sldId id="279" r:id="rId15"/>
+    <p:sldId id="280" r:id="rId16"/>
+    <p:sldId id="281" r:id="rId17"/>
+    <p:sldId id="272" r:id="rId18"/>
+    <p:sldId id="275" r:id="rId19"/>
+    <p:sldId id="276" r:id="rId20"/>
+    <p:sldId id="271" r:id="rId21"/>
+    <p:sldId id="263" r:id="rId22"/>
+    <p:sldId id="284" r:id="rId23"/>
+    <p:sldId id="262" r:id="rId24"/>
+    <p:sldId id="278" r:id="rId25"/>
+    <p:sldId id="282" r:id="rId26"/>
+    <p:sldId id="277" r:id="rId27"/>
+    <p:sldId id="258" r:id="rId28"/>
+    <p:sldId id="259" r:id="rId29"/>
+    <p:sldId id="283" r:id="rId30"/>
+    <p:sldId id="260" r:id="rId31"/>
   </p:sldIdLst>
   <p:sldSz cx="9144000" cy="6858000" type="screen4x3"/>
   <p:notesSz cx="6858000" cy="9144000"/>
@@ -220,7 +221,7 @@
           <a:p>
             <a:fld id="{B24A7054-7FFB-49F4-A126-5DF6E687FF53}" type="datetimeFigureOut">
               <a:rPr lang="ru-RU" smtClean="0"/>
-              <a:t>28.08.2015</a:t>
+              <a:t>06.10.2015</a:t>
             </a:fld>
             <a:endParaRPr lang="ru-RU"/>
           </a:p>
@@ -1586,7 +1587,7 @@
           <a:p>
             <a:fld id="{8E6E6A2A-E9D3-4A0D-B04A-ABDD367A1E08}" type="datetimeFigureOut">
               <a:rPr lang="ru-RU" smtClean="0"/>
-              <a:t>28.08.2015</a:t>
+              <a:t>06.10.2015</a:t>
             </a:fld>
             <a:endParaRPr lang="ru-RU"/>
           </a:p>
@@ -3038,7 +3039,7 @@
           <a:p>
             <a:fld id="{AC3D3127-B7C4-45E3-9797-C527EC9FDD78}" type="datetimeFigureOut">
               <a:rPr lang="ru-RU" smtClean="0"/>
-              <a:t>28.08.2015</a:t>
+              <a:t>06.10.2015</a:t>
             </a:fld>
             <a:endParaRPr lang="ru-RU"/>
           </a:p>
@@ -3644,6 +3645,135 @@
           <a:p>
             <a:r>
               <a:rPr lang="ru-RU" dirty="0" smtClean="0"/>
+              <a:t>Когда запускается сборщик мусора?</a:t>
+            </a:r>
+            <a:endParaRPr lang="ru-RU" dirty="0"/>
+          </a:p>
+        </p:txBody>
+      </p:sp>
+      <p:sp>
+        <p:nvSpPr>
+          <p:cNvPr id="3" name="Content Placeholder 2"/>
+          <p:cNvSpPr>
+            <a:spLocks noGrp="1"/>
+          </p:cNvSpPr>
+          <p:nvPr>
+            <p:ph idx="1"/>
+          </p:nvPr>
+        </p:nvSpPr>
+        <p:spPr/>
+        <p:txBody>
+          <a:bodyPr/>
+          <a:lstStyle/>
+          <a:p>
+            <a:r>
+              <a:rPr lang="ru-RU" dirty="0" smtClean="0"/>
+              <a:t>Если память </a:t>
+            </a:r>
+            <a:r>
+              <a:rPr lang="ru-RU" dirty="0"/>
+              <a:t>выделенная </a:t>
+            </a:r>
+            <a:r>
+              <a:rPr lang="ru-RU" dirty="0" smtClean="0"/>
+              <a:t>в управляемой кучи достигает определенного предела. Данный предел зависит от версии </a:t>
+            </a:r>
+            <a:r>
+              <a:rPr lang="en-US" dirty="0" smtClean="0"/>
+              <a:t>CLR </a:t>
+            </a:r>
+            <a:r>
+              <a:rPr lang="ru-RU" dirty="0" smtClean="0"/>
+              <a:t>и также  менятся в зависимости от поведения программы</a:t>
+            </a:r>
+          </a:p>
+          <a:p>
+            <a:r>
+              <a:rPr lang="ru-RU" dirty="0" smtClean="0"/>
+              <a:t>Если </a:t>
+            </a:r>
+            <a:r>
+              <a:rPr lang="en-US" dirty="0" smtClean="0"/>
+              <a:t>Windows</a:t>
+            </a:r>
+            <a:r>
+              <a:rPr lang="ru-RU" dirty="0" smtClean="0"/>
+              <a:t> сообщает о приближении к пределу доступной виртуальной памяти</a:t>
+            </a:r>
+          </a:p>
+          <a:p>
+            <a:r>
+              <a:rPr lang="ru-RU" dirty="0" smtClean="0"/>
+              <a:t>Вручную с помощью </a:t>
+            </a:r>
+            <a:r>
+              <a:rPr lang="en-US" dirty="0" err="1" smtClean="0"/>
+              <a:t>GC.Collect</a:t>
+            </a:r>
+            <a:r>
+              <a:rPr lang="en-US" dirty="0" smtClean="0"/>
+              <a:t>()</a:t>
+            </a:r>
+            <a:endParaRPr lang="ru-RU" dirty="0"/>
+          </a:p>
+        </p:txBody>
+      </p:sp>
+    </p:spTree>
+    <p:extLst>
+      <p:ext uri="{BB962C8B-B14F-4D97-AF65-F5344CB8AC3E}">
+        <p14:creationId xmlns:p14="http://schemas.microsoft.com/office/powerpoint/2010/main" val="2767050093"/>
+      </p:ext>
+    </p:extLst>
+  </p:cSld>
+  <p:clrMapOvr>
+    <a:masterClrMapping/>
+  </p:clrMapOvr>
+  <p:timing>
+    <p:tnLst>
+      <p:par>
+        <p:cTn id="1" dur="indefinite" restart="never" nodeType="tmRoot"/>
+      </p:par>
+    </p:tnLst>
+  </p:timing>
+</p:sld>
+</file>
+
+<file path=ppt/slides/slide11.xml><?xml version="1.0" encoding="utf-8"?>
+<p:sld xmlns:a="http://schemas.openxmlformats.org/drawingml/2006/main" xmlns:r="http://schemas.openxmlformats.org/officeDocument/2006/relationships" xmlns:p="http://schemas.openxmlformats.org/presentationml/2006/main">
+  <p:cSld>
+    <p:spTree>
+      <p:nvGrpSpPr>
+        <p:cNvPr id="1" name=""/>
+        <p:cNvGrpSpPr/>
+        <p:nvPr/>
+      </p:nvGrpSpPr>
+      <p:grpSpPr>
+        <a:xfrm>
+          <a:off x="0" y="0"/>
+          <a:ext cx="0" cy="0"/>
+          <a:chOff x="0" y="0"/>
+          <a:chExt cx="0" cy="0"/>
+        </a:xfrm>
+      </p:grpSpPr>
+      <p:sp>
+        <p:nvSpPr>
+          <p:cNvPr id="2" name="Title 1"/>
+          <p:cNvSpPr>
+            <a:spLocks noGrp="1"/>
+          </p:cNvSpPr>
+          <p:nvPr>
+            <p:ph type="title"/>
+          </p:nvPr>
+        </p:nvSpPr>
+        <p:spPr/>
+        <p:txBody>
+          <a:bodyPr>
+            <a:normAutofit fontScale="90000"/>
+          </a:bodyPr>
+          <a:lstStyle/>
+          <a:p>
+            <a:r>
+              <a:rPr lang="ru-RU" dirty="0" smtClean="0"/>
               <a:t>Сборка мусора на основе поколений</a:t>
             </a:r>
             <a:r>
@@ -3737,7 +3867,7 @@
 </p:sld>
 </file>
 
-<file path=ppt/slides/slide11.xml><?xml version="1.0" encoding="utf-8"?>
+<file path=ppt/slides/slide12.xml><?xml version="1.0" encoding="utf-8"?>
 <p:sld xmlns:a="http://schemas.openxmlformats.org/drawingml/2006/main" xmlns:r="http://schemas.openxmlformats.org/officeDocument/2006/relationships" xmlns:p="http://schemas.openxmlformats.org/presentationml/2006/main">
   <p:cSld>
     <p:spTree>
@@ -5752,7 +5882,7 @@
 </p:sld>
 </file>
 
-<file path=ppt/slides/slide12.xml><?xml version="1.0" encoding="utf-8"?>
+<file path=ppt/slides/slide13.xml><?xml version="1.0" encoding="utf-8"?>
 <p:sld xmlns:a="http://schemas.openxmlformats.org/drawingml/2006/main" xmlns:r="http://schemas.openxmlformats.org/officeDocument/2006/relationships" xmlns:p="http://schemas.openxmlformats.org/presentationml/2006/main">
   <p:cSld>
     <p:spTree>
@@ -8895,793 +9025,6 @@
 </p:sld>
 </file>
 
-<file path=ppt/slides/slide13.xml><?xml version="1.0" encoding="utf-8"?>
-<p:sld xmlns:a="http://schemas.openxmlformats.org/drawingml/2006/main" xmlns:r="http://schemas.openxmlformats.org/officeDocument/2006/relationships" xmlns:p="http://schemas.openxmlformats.org/presentationml/2006/main">
-  <p:cSld>
-    <p:spTree>
-      <p:nvGrpSpPr>
-        <p:cNvPr id="1" name=""/>
-        <p:cNvGrpSpPr/>
-        <p:nvPr/>
-      </p:nvGrpSpPr>
-      <p:grpSpPr>
-        <a:xfrm>
-          <a:off x="0" y="0"/>
-          <a:ext cx="0" cy="0"/>
-          <a:chOff x="0" y="0"/>
-          <a:chExt cx="0" cy="0"/>
-        </a:xfrm>
-      </p:grpSpPr>
-      <p:sp>
-        <p:nvSpPr>
-          <p:cNvPr id="2" name="Title 1"/>
-          <p:cNvSpPr>
-            <a:spLocks noGrp="1"/>
-          </p:cNvSpPr>
-          <p:nvPr>
-            <p:ph type="title"/>
-          </p:nvPr>
-        </p:nvSpPr>
-        <p:spPr/>
-        <p:txBody>
-          <a:bodyPr/>
-          <a:lstStyle/>
-          <a:p>
-            <a:r>
-              <a:rPr lang="en-US" dirty="0" smtClean="0"/>
-              <a:t>Workstation GC </a:t>
-            </a:r>
-            <a:r>
-              <a:rPr lang="ru-RU" dirty="0" smtClean="0"/>
-              <a:t>и </a:t>
-            </a:r>
-            <a:r>
-              <a:rPr lang="en-US" dirty="0" smtClean="0"/>
-              <a:t>Server GC</a:t>
-            </a:r>
-            <a:endParaRPr lang="ru-RU" dirty="0"/>
-          </a:p>
-        </p:txBody>
-      </p:sp>
-      <p:sp>
-        <p:nvSpPr>
-          <p:cNvPr id="3" name="Content Placeholder 2"/>
-          <p:cNvSpPr>
-            <a:spLocks noGrp="1"/>
-          </p:cNvSpPr>
-          <p:nvPr>
-            <p:ph idx="1"/>
-          </p:nvPr>
-        </p:nvSpPr>
-        <p:spPr>
-          <a:xfrm>
-            <a:off x="457200" y="1600201"/>
-            <a:ext cx="8229600" cy="2116832"/>
-          </a:xfrm>
-        </p:spPr>
-        <p:txBody>
-          <a:bodyPr/>
-          <a:lstStyle/>
-          <a:p>
-            <a:pPr marL="0" indent="0">
-              <a:buNone/>
-            </a:pPr>
-            <a:r>
-              <a:rPr lang="ru-RU" dirty="0" smtClean="0"/>
-              <a:t>В </a:t>
-            </a:r>
-            <a:r>
-              <a:rPr lang="en-US" dirty="0" smtClean="0"/>
-              <a:t>.NET </a:t>
-            </a:r>
-            <a:r>
-              <a:rPr lang="ru-RU" dirty="0" smtClean="0"/>
-              <a:t>есть два режима работы </a:t>
-            </a:r>
-            <a:r>
-              <a:rPr lang="en-US" dirty="0" smtClean="0"/>
-              <a:t>GC </a:t>
-            </a:r>
-            <a:r>
-              <a:rPr lang="ru-RU" dirty="0" smtClean="0"/>
-              <a:t>который можно менять в файле конфигурации приложения. По умолчанию используется </a:t>
-            </a:r>
-            <a:r>
-              <a:rPr lang="en-US" dirty="0" smtClean="0"/>
-              <a:t>concurrent</a:t>
-            </a:r>
-            <a:r>
-              <a:rPr lang="ru-RU" dirty="0" smtClean="0"/>
-              <a:t> </a:t>
-            </a:r>
-            <a:r>
-              <a:rPr lang="en-US" dirty="0" smtClean="0"/>
-              <a:t>Workstation GC</a:t>
-            </a:r>
-            <a:r>
-              <a:rPr lang="ru-RU" dirty="0" smtClean="0"/>
-              <a:t>.</a:t>
-            </a:r>
-          </a:p>
-          <a:p>
-            <a:pPr marL="0" indent="0">
-              <a:buNone/>
-            </a:pPr>
-            <a:endParaRPr lang="ru-RU" dirty="0"/>
-          </a:p>
-        </p:txBody>
-      </p:sp>
-      <p:sp>
-        <p:nvSpPr>
-          <p:cNvPr id="5" name="Rectangle 4"/>
-          <p:cNvSpPr/>
-          <p:nvPr/>
-        </p:nvSpPr>
-        <p:spPr>
-          <a:xfrm>
-            <a:off x="457200" y="3861048"/>
-            <a:ext cx="8219256" cy="2031325"/>
-          </a:xfrm>
-          <a:prstGeom prst="rect">
-            <a:avLst/>
-          </a:prstGeom>
-          <a:solidFill>
-            <a:schemeClr val="bg1"/>
-          </a:solidFill>
-        </p:spPr>
-        <p:txBody>
-          <a:bodyPr wrap="square">
-            <a:spAutoFit/>
-          </a:bodyPr>
-          <a:lstStyle/>
-          <a:p>
-            <a:r>
-              <a:rPr lang="en-US" dirty="0">
-                <a:solidFill>
-                  <a:srgbClr val="0000FF"/>
-                </a:solidFill>
-                <a:highlight>
-                  <a:srgbClr val="FFFFFF"/>
-                </a:highlight>
-                <a:latin typeface="Consolas"/>
-              </a:rPr>
-              <a:t>&lt;?</a:t>
-            </a:r>
-            <a:r>
-              <a:rPr lang="en-US" dirty="0">
-                <a:solidFill>
-                  <a:srgbClr val="A31515"/>
-                </a:solidFill>
-                <a:highlight>
-                  <a:srgbClr val="FFFFFF"/>
-                </a:highlight>
-                <a:latin typeface="Consolas"/>
-              </a:rPr>
-              <a:t>xml</a:t>
-            </a:r>
-            <a:r>
-              <a:rPr lang="en-US" dirty="0">
-                <a:solidFill>
-                  <a:srgbClr val="0000FF"/>
-                </a:solidFill>
-                <a:highlight>
-                  <a:srgbClr val="FFFFFF"/>
-                </a:highlight>
-                <a:latin typeface="Consolas"/>
-              </a:rPr>
-              <a:t> </a:t>
-            </a:r>
-            <a:r>
-              <a:rPr lang="en-US" dirty="0">
-                <a:solidFill>
-                  <a:srgbClr val="FF0000"/>
-                </a:solidFill>
-                <a:highlight>
-                  <a:srgbClr val="FFFFFF"/>
-                </a:highlight>
-                <a:latin typeface="Consolas"/>
-              </a:rPr>
-              <a:t>version</a:t>
-            </a:r>
-            <a:r>
-              <a:rPr lang="en-US" dirty="0">
-                <a:solidFill>
-                  <a:srgbClr val="0000FF"/>
-                </a:solidFill>
-                <a:highlight>
-                  <a:srgbClr val="FFFFFF"/>
-                </a:highlight>
-                <a:latin typeface="Consolas"/>
-              </a:rPr>
-              <a:t>=</a:t>
-            </a:r>
-            <a:r>
-              <a:rPr lang="en-US" dirty="0">
-                <a:solidFill>
-                  <a:srgbClr val="000000"/>
-                </a:solidFill>
-                <a:highlight>
-                  <a:srgbClr val="FFFFFF"/>
-                </a:highlight>
-                <a:latin typeface="Consolas"/>
-              </a:rPr>
-              <a:t>"</a:t>
-            </a:r>
-            <a:r>
-              <a:rPr lang="en-US" dirty="0">
-                <a:solidFill>
-                  <a:srgbClr val="0000FF"/>
-                </a:solidFill>
-                <a:highlight>
-                  <a:srgbClr val="FFFFFF"/>
-                </a:highlight>
-                <a:latin typeface="Consolas"/>
-              </a:rPr>
-              <a:t>1.0</a:t>
-            </a:r>
-            <a:r>
-              <a:rPr lang="en-US" dirty="0">
-                <a:solidFill>
-                  <a:srgbClr val="000000"/>
-                </a:solidFill>
-                <a:highlight>
-                  <a:srgbClr val="FFFFFF"/>
-                </a:highlight>
-                <a:latin typeface="Consolas"/>
-              </a:rPr>
-              <a:t>"</a:t>
-            </a:r>
-            <a:r>
-              <a:rPr lang="en-US" dirty="0">
-                <a:solidFill>
-                  <a:srgbClr val="0000FF"/>
-                </a:solidFill>
-                <a:highlight>
-                  <a:srgbClr val="FFFFFF"/>
-                </a:highlight>
-                <a:latin typeface="Consolas"/>
-              </a:rPr>
-              <a:t> </a:t>
-            </a:r>
-            <a:r>
-              <a:rPr lang="en-US" dirty="0">
-                <a:solidFill>
-                  <a:srgbClr val="FF0000"/>
-                </a:solidFill>
-                <a:highlight>
-                  <a:srgbClr val="FFFFFF"/>
-                </a:highlight>
-                <a:latin typeface="Consolas"/>
-              </a:rPr>
-              <a:t>encoding</a:t>
-            </a:r>
-            <a:r>
-              <a:rPr lang="en-US" dirty="0">
-                <a:solidFill>
-                  <a:srgbClr val="0000FF"/>
-                </a:solidFill>
-                <a:highlight>
-                  <a:srgbClr val="FFFFFF"/>
-                </a:highlight>
-                <a:latin typeface="Consolas"/>
-              </a:rPr>
-              <a:t>=</a:t>
-            </a:r>
-            <a:r>
-              <a:rPr lang="en-US" dirty="0">
-                <a:solidFill>
-                  <a:srgbClr val="000000"/>
-                </a:solidFill>
-                <a:highlight>
-                  <a:srgbClr val="FFFFFF"/>
-                </a:highlight>
-                <a:latin typeface="Consolas"/>
-              </a:rPr>
-              <a:t>"</a:t>
-            </a:r>
-            <a:r>
-              <a:rPr lang="en-US" dirty="0">
-                <a:solidFill>
-                  <a:srgbClr val="0000FF"/>
-                </a:solidFill>
-                <a:highlight>
-                  <a:srgbClr val="FFFFFF"/>
-                </a:highlight>
-                <a:latin typeface="Consolas"/>
-              </a:rPr>
-              <a:t>utf-8</a:t>
-            </a:r>
-            <a:r>
-              <a:rPr lang="en-US" dirty="0">
-                <a:solidFill>
-                  <a:srgbClr val="000000"/>
-                </a:solidFill>
-                <a:highlight>
-                  <a:srgbClr val="FFFFFF"/>
-                </a:highlight>
-                <a:latin typeface="Consolas"/>
-              </a:rPr>
-              <a:t>"</a:t>
-            </a:r>
-            <a:r>
-              <a:rPr lang="en-US" dirty="0">
-                <a:solidFill>
-                  <a:srgbClr val="0000FF"/>
-                </a:solidFill>
-                <a:highlight>
-                  <a:srgbClr val="FFFFFF"/>
-                </a:highlight>
-                <a:latin typeface="Consolas"/>
-              </a:rPr>
-              <a:t> ?&gt;</a:t>
-            </a:r>
-            <a:endParaRPr lang="en-US" dirty="0">
-              <a:solidFill>
-                <a:srgbClr val="000000"/>
-              </a:solidFill>
-              <a:highlight>
-                <a:srgbClr val="FFFFFF"/>
-              </a:highlight>
-              <a:latin typeface="Consolas"/>
-            </a:endParaRPr>
-          </a:p>
-          <a:p>
-            <a:r>
-              <a:rPr lang="en-US" dirty="0">
-                <a:solidFill>
-                  <a:srgbClr val="0000FF"/>
-                </a:solidFill>
-                <a:highlight>
-                  <a:srgbClr val="FFFFFF"/>
-                </a:highlight>
-                <a:latin typeface="Consolas"/>
-              </a:rPr>
-              <a:t>&lt;</a:t>
-            </a:r>
-            <a:r>
-              <a:rPr lang="en-US" dirty="0">
-                <a:solidFill>
-                  <a:srgbClr val="A31515"/>
-                </a:solidFill>
-                <a:highlight>
-                  <a:srgbClr val="FFFFFF"/>
-                </a:highlight>
-                <a:latin typeface="Consolas"/>
-              </a:rPr>
-              <a:t>configuration</a:t>
-            </a:r>
-            <a:r>
-              <a:rPr lang="en-US" dirty="0">
-                <a:solidFill>
-                  <a:srgbClr val="0000FF"/>
-                </a:solidFill>
-                <a:highlight>
-                  <a:srgbClr val="FFFFFF"/>
-                </a:highlight>
-                <a:latin typeface="Consolas"/>
-              </a:rPr>
-              <a:t>&gt;</a:t>
-            </a:r>
-            <a:endParaRPr lang="en-US" dirty="0">
-              <a:solidFill>
-                <a:srgbClr val="000000"/>
-              </a:solidFill>
-              <a:highlight>
-                <a:srgbClr val="FFFFFF"/>
-              </a:highlight>
-              <a:latin typeface="Consolas"/>
-            </a:endParaRPr>
-          </a:p>
-          <a:p>
-            <a:r>
-              <a:rPr lang="en-US" dirty="0" smtClean="0">
-                <a:solidFill>
-                  <a:srgbClr val="0000FF"/>
-                </a:solidFill>
-                <a:highlight>
-                  <a:srgbClr val="FFFFFF"/>
-                </a:highlight>
-                <a:latin typeface="Consolas"/>
-              </a:rPr>
-              <a:t>  &lt;</a:t>
-            </a:r>
-            <a:r>
-              <a:rPr lang="en-US" dirty="0" smtClean="0">
-                <a:solidFill>
-                  <a:srgbClr val="A31515"/>
-                </a:solidFill>
-                <a:highlight>
-                  <a:srgbClr val="FFFFFF"/>
-                </a:highlight>
-                <a:latin typeface="Consolas"/>
-              </a:rPr>
-              <a:t>runtime</a:t>
-            </a:r>
-            <a:r>
-              <a:rPr lang="en-US" dirty="0" smtClean="0">
-                <a:solidFill>
-                  <a:srgbClr val="0000FF"/>
-                </a:solidFill>
-                <a:highlight>
-                  <a:srgbClr val="FFFFFF"/>
-                </a:highlight>
-                <a:latin typeface="Consolas"/>
-              </a:rPr>
-              <a:t>&gt;</a:t>
-            </a:r>
-            <a:endParaRPr lang="en-US" dirty="0" smtClean="0">
-              <a:solidFill>
-                <a:srgbClr val="000000"/>
-              </a:solidFill>
-              <a:highlight>
-                <a:srgbClr val="FFFFFF"/>
-              </a:highlight>
-              <a:latin typeface="Consolas"/>
-            </a:endParaRPr>
-          </a:p>
-          <a:p>
-            <a:r>
-              <a:rPr lang="en-US" dirty="0" smtClean="0">
-                <a:solidFill>
-                  <a:srgbClr val="0000FF"/>
-                </a:solidFill>
-                <a:highlight>
-                  <a:srgbClr val="FFFFFF"/>
-                </a:highlight>
-                <a:latin typeface="Consolas"/>
-              </a:rPr>
-              <a:t>    </a:t>
-            </a:r>
-            <a:r>
-              <a:rPr lang="en-US" dirty="0">
-                <a:solidFill>
-                  <a:srgbClr val="0000FF"/>
-                </a:solidFill>
-                <a:highlight>
-                  <a:srgbClr val="FFFFFF"/>
-                </a:highlight>
-                <a:latin typeface="Consolas"/>
-              </a:rPr>
-              <a:t>&lt;</a:t>
-            </a:r>
-            <a:r>
-              <a:rPr lang="en-US" dirty="0" err="1" smtClean="0">
-                <a:solidFill>
-                  <a:srgbClr val="A31515"/>
-                </a:solidFill>
-                <a:highlight>
-                  <a:srgbClr val="FFFFFF"/>
-                </a:highlight>
-                <a:latin typeface="Consolas"/>
-              </a:rPr>
-              <a:t>gcServer</a:t>
-            </a:r>
-            <a:r>
-              <a:rPr lang="en-US" dirty="0" smtClean="0">
-                <a:solidFill>
-                  <a:srgbClr val="A31515"/>
-                </a:solidFill>
-                <a:highlight>
-                  <a:srgbClr val="FFFFFF"/>
-                </a:highlight>
-                <a:latin typeface="Consolas"/>
-              </a:rPr>
-              <a:t> enabled</a:t>
-            </a:r>
-            <a:r>
-              <a:rPr lang="en-US" dirty="0">
-                <a:solidFill>
-                  <a:srgbClr val="0000FF"/>
-                </a:solidFill>
-                <a:highlight>
-                  <a:srgbClr val="FFFFFF"/>
-                </a:highlight>
-                <a:latin typeface="Consolas"/>
-              </a:rPr>
-              <a:t>=</a:t>
-            </a:r>
-            <a:r>
-              <a:rPr lang="en-US" dirty="0">
-                <a:solidFill>
-                  <a:srgbClr val="000000"/>
-                </a:solidFill>
-                <a:highlight>
-                  <a:srgbClr val="FFFFFF"/>
-                </a:highlight>
-                <a:latin typeface="Consolas"/>
-              </a:rPr>
-              <a:t>"</a:t>
-            </a:r>
-            <a:r>
-              <a:rPr lang="en-US" dirty="0" err="1">
-                <a:solidFill>
-                  <a:srgbClr val="0000FF"/>
-                </a:solidFill>
-                <a:highlight>
-                  <a:srgbClr val="FFFFFF"/>
-                </a:highlight>
-                <a:latin typeface="Consolas"/>
-              </a:rPr>
-              <a:t>true|</a:t>
-            </a:r>
-            <a:r>
-              <a:rPr lang="en-US" b="1" dirty="0" err="1">
-                <a:solidFill>
-                  <a:srgbClr val="0000FF"/>
-                </a:solidFill>
-                <a:highlight>
-                  <a:srgbClr val="FFFFFF"/>
-                </a:highlight>
-                <a:latin typeface="Consolas"/>
-              </a:rPr>
-              <a:t>false</a:t>
-            </a:r>
-            <a:r>
-              <a:rPr lang="en-US" dirty="0">
-                <a:solidFill>
-                  <a:srgbClr val="000000"/>
-                </a:solidFill>
-                <a:highlight>
-                  <a:srgbClr val="FFFFFF"/>
-                </a:highlight>
-                <a:latin typeface="Consolas"/>
-              </a:rPr>
-              <a:t>"</a:t>
-            </a:r>
-            <a:r>
-              <a:rPr lang="en-US" dirty="0">
-                <a:solidFill>
-                  <a:srgbClr val="0000FF"/>
-                </a:solidFill>
-                <a:highlight>
-                  <a:srgbClr val="FFFFFF"/>
-                </a:highlight>
-                <a:latin typeface="Consolas"/>
-              </a:rPr>
-              <a:t> /&gt;</a:t>
-            </a:r>
-            <a:endParaRPr lang="en-US" dirty="0">
-              <a:solidFill>
-                <a:srgbClr val="000000"/>
-              </a:solidFill>
-              <a:highlight>
-                <a:srgbClr val="FFFFFF"/>
-              </a:highlight>
-              <a:latin typeface="Consolas"/>
-            </a:endParaRPr>
-          </a:p>
-          <a:p>
-            <a:r>
-              <a:rPr lang="en-US" dirty="0">
-                <a:solidFill>
-                  <a:srgbClr val="0000FF"/>
-                </a:solidFill>
-                <a:highlight>
-                  <a:srgbClr val="FFFFFF"/>
-                </a:highlight>
-                <a:latin typeface="Consolas"/>
-              </a:rPr>
-              <a:t>    </a:t>
-            </a:r>
-            <a:r>
-              <a:rPr lang="en-US" dirty="0" smtClean="0">
-                <a:solidFill>
-                  <a:srgbClr val="0000FF"/>
-                </a:solidFill>
-                <a:highlight>
-                  <a:srgbClr val="FFFFFF"/>
-                </a:highlight>
-                <a:latin typeface="Consolas"/>
-              </a:rPr>
-              <a:t>&lt;</a:t>
-            </a:r>
-            <a:r>
-              <a:rPr lang="en-US" dirty="0" err="1" smtClean="0">
-                <a:solidFill>
-                  <a:srgbClr val="A31515"/>
-                </a:solidFill>
-                <a:highlight>
-                  <a:srgbClr val="FFFFFF"/>
-                </a:highlight>
-                <a:latin typeface="Consolas"/>
-              </a:rPr>
-              <a:t>gcConcurrent</a:t>
-            </a:r>
-            <a:r>
-              <a:rPr lang="en-US" dirty="0" smtClean="0">
-                <a:solidFill>
-                  <a:srgbClr val="A31515"/>
-                </a:solidFill>
-                <a:highlight>
-                  <a:srgbClr val="FFFFFF"/>
-                </a:highlight>
-                <a:latin typeface="Consolas"/>
-              </a:rPr>
-              <a:t> enabled</a:t>
-            </a:r>
-            <a:r>
-              <a:rPr lang="en-US" dirty="0">
-                <a:solidFill>
-                  <a:srgbClr val="0000FF"/>
-                </a:solidFill>
-                <a:highlight>
-                  <a:srgbClr val="FFFFFF"/>
-                </a:highlight>
-                <a:latin typeface="Consolas"/>
-              </a:rPr>
-              <a:t>=</a:t>
-            </a:r>
-            <a:r>
-              <a:rPr lang="en-US" dirty="0">
-                <a:solidFill>
-                  <a:srgbClr val="000000"/>
-                </a:solidFill>
-                <a:highlight>
-                  <a:srgbClr val="FFFFFF"/>
-                </a:highlight>
-                <a:latin typeface="Consolas"/>
-              </a:rPr>
-              <a:t>"</a:t>
-            </a:r>
-            <a:r>
-              <a:rPr lang="en-US" b="1" dirty="0" err="1">
-                <a:solidFill>
-                  <a:srgbClr val="0000FF"/>
-                </a:solidFill>
-                <a:highlight>
-                  <a:srgbClr val="FFFFFF"/>
-                </a:highlight>
-                <a:latin typeface="Consolas"/>
-              </a:rPr>
-              <a:t>true</a:t>
-            </a:r>
-            <a:r>
-              <a:rPr lang="en-US" dirty="0" err="1">
-                <a:solidFill>
-                  <a:srgbClr val="0000FF"/>
-                </a:solidFill>
-                <a:highlight>
-                  <a:srgbClr val="FFFFFF"/>
-                </a:highlight>
-                <a:latin typeface="Consolas"/>
-              </a:rPr>
-              <a:t>|false</a:t>
-            </a:r>
-            <a:r>
-              <a:rPr lang="en-US" dirty="0">
-                <a:solidFill>
-                  <a:srgbClr val="000000"/>
-                </a:solidFill>
-                <a:highlight>
-                  <a:srgbClr val="FFFFFF"/>
-                </a:highlight>
-                <a:latin typeface="Consolas"/>
-              </a:rPr>
-              <a:t>"</a:t>
-            </a:r>
-            <a:r>
-              <a:rPr lang="en-US" dirty="0">
-                <a:solidFill>
-                  <a:srgbClr val="0000FF"/>
-                </a:solidFill>
-                <a:highlight>
-                  <a:srgbClr val="FFFFFF"/>
-                </a:highlight>
-                <a:latin typeface="Consolas"/>
-              </a:rPr>
-              <a:t> /&gt;</a:t>
-            </a:r>
-            <a:endParaRPr lang="en-US" dirty="0">
-              <a:solidFill>
-                <a:srgbClr val="000000"/>
-              </a:solidFill>
-              <a:highlight>
-                <a:srgbClr val="FFFFFF"/>
-              </a:highlight>
-              <a:latin typeface="Consolas"/>
-            </a:endParaRPr>
-          </a:p>
-          <a:p>
-            <a:r>
-              <a:rPr lang="en-US" dirty="0">
-                <a:solidFill>
-                  <a:srgbClr val="0000FF"/>
-                </a:solidFill>
-                <a:highlight>
-                  <a:srgbClr val="FFFFFF"/>
-                </a:highlight>
-                <a:latin typeface="Consolas"/>
-              </a:rPr>
-              <a:t>  &lt;/</a:t>
-            </a:r>
-            <a:r>
-              <a:rPr lang="en-US" dirty="0">
-                <a:solidFill>
-                  <a:srgbClr val="A31515"/>
-                </a:solidFill>
-                <a:highlight>
-                  <a:srgbClr val="FFFFFF"/>
-                </a:highlight>
-                <a:latin typeface="Consolas"/>
-              </a:rPr>
-              <a:t>runtime</a:t>
-            </a:r>
-            <a:r>
-              <a:rPr lang="en-US" dirty="0">
-                <a:solidFill>
-                  <a:srgbClr val="0000FF"/>
-                </a:solidFill>
-                <a:highlight>
-                  <a:srgbClr val="FFFFFF"/>
-                </a:highlight>
-                <a:latin typeface="Consolas"/>
-              </a:rPr>
-              <a:t>&gt;</a:t>
-            </a:r>
-            <a:endParaRPr lang="en-US" dirty="0">
-              <a:solidFill>
-                <a:srgbClr val="000000"/>
-              </a:solidFill>
-              <a:highlight>
-                <a:srgbClr val="FFFFFF"/>
-              </a:highlight>
-              <a:latin typeface="Consolas"/>
-            </a:endParaRPr>
-          </a:p>
-          <a:p>
-            <a:r>
-              <a:rPr lang="en-US" dirty="0">
-                <a:solidFill>
-                  <a:srgbClr val="0000FF"/>
-                </a:solidFill>
-                <a:highlight>
-                  <a:srgbClr val="FFFFFF"/>
-                </a:highlight>
-                <a:latin typeface="Consolas"/>
-              </a:rPr>
-              <a:t>&lt;/</a:t>
-            </a:r>
-            <a:r>
-              <a:rPr lang="en-US" dirty="0">
-                <a:solidFill>
-                  <a:srgbClr val="A31515"/>
-                </a:solidFill>
-                <a:highlight>
-                  <a:srgbClr val="FFFFFF"/>
-                </a:highlight>
-                <a:latin typeface="Consolas"/>
-              </a:rPr>
-              <a:t>configuration</a:t>
-            </a:r>
-            <a:r>
-              <a:rPr lang="en-US" dirty="0">
-                <a:solidFill>
-                  <a:srgbClr val="0000FF"/>
-                </a:solidFill>
-                <a:highlight>
-                  <a:srgbClr val="FFFFFF"/>
-                </a:highlight>
-                <a:latin typeface="Consolas"/>
-              </a:rPr>
-              <a:t>&gt;</a:t>
-            </a:r>
-            <a:endParaRPr lang="ru-RU" dirty="0"/>
-          </a:p>
-        </p:txBody>
-      </p:sp>
-    </p:spTree>
-    <p:extLst>
-      <p:ext uri="{BB962C8B-B14F-4D97-AF65-F5344CB8AC3E}">
-        <p14:creationId xmlns:p14="http://schemas.microsoft.com/office/powerpoint/2010/main" val="2754726885"/>
-      </p:ext>
-    </p:extLst>
-  </p:cSld>
-  <p:clrMapOvr>
-    <a:masterClrMapping/>
-  </p:clrMapOvr>
-</p:sld>
-</file>
-
 <file path=ppt/slides/slide14.xml><?xml version="1.0" encoding="utf-8"?>
 <p:sld xmlns:a="http://schemas.openxmlformats.org/drawingml/2006/main" xmlns:r="http://schemas.openxmlformats.org/officeDocument/2006/relationships" xmlns:p="http://schemas.openxmlformats.org/presentationml/2006/main">
   <p:cSld>
@@ -9716,7 +9059,15 @@
           <a:p>
             <a:r>
               <a:rPr lang="en-US" dirty="0" smtClean="0"/>
-              <a:t>Workstation GC</a:t>
+              <a:t>Workstation GC </a:t>
+            </a:r>
+            <a:r>
+              <a:rPr lang="ru-RU" dirty="0" smtClean="0"/>
+              <a:t>и </a:t>
+            </a:r>
+            <a:r>
+              <a:rPr lang="en-US" dirty="0" smtClean="0"/>
+              <a:t>Server GC</a:t>
             </a:r>
             <a:endParaRPr lang="ru-RU" dirty="0"/>
           </a:p>
@@ -9732,107 +9083,717 @@
             <p:ph idx="1"/>
           </p:nvPr>
         </p:nvSpPr>
-        <p:spPr/>
+        <p:spPr>
+          <a:xfrm>
+            <a:off x="457200" y="1600201"/>
+            <a:ext cx="8229600" cy="2116832"/>
+          </a:xfrm>
+        </p:spPr>
         <p:txBody>
-          <a:bodyPr>
-            <a:normAutofit fontScale="85000" lnSpcReduction="20000"/>
+          <a:bodyPr/>
+          <a:lstStyle/>
+          <a:p>
+            <a:pPr marL="0" indent="0">
+              <a:buNone/>
+            </a:pPr>
+            <a:r>
+              <a:rPr lang="ru-RU" dirty="0" smtClean="0"/>
+              <a:t>В </a:t>
+            </a:r>
+            <a:r>
+              <a:rPr lang="en-US" dirty="0" smtClean="0"/>
+              <a:t>.NET </a:t>
+            </a:r>
+            <a:r>
+              <a:rPr lang="ru-RU" dirty="0" smtClean="0"/>
+              <a:t>есть два режима работы </a:t>
+            </a:r>
+            <a:r>
+              <a:rPr lang="en-US" dirty="0" smtClean="0"/>
+              <a:t>GC </a:t>
+            </a:r>
+            <a:r>
+              <a:rPr lang="ru-RU" dirty="0" smtClean="0"/>
+              <a:t>который можно менять в файле конфигурации приложения. По умолчанию используется </a:t>
+            </a:r>
+            <a:r>
+              <a:rPr lang="en-US" dirty="0" smtClean="0"/>
+              <a:t>concurrent</a:t>
+            </a:r>
+            <a:r>
+              <a:rPr lang="ru-RU" dirty="0" smtClean="0"/>
+              <a:t> </a:t>
+            </a:r>
+            <a:r>
+              <a:rPr lang="en-US" dirty="0" smtClean="0"/>
+              <a:t>Workstation GC</a:t>
+            </a:r>
+            <a:r>
+              <a:rPr lang="ru-RU" dirty="0" smtClean="0"/>
+              <a:t>.</a:t>
+            </a:r>
+          </a:p>
+          <a:p>
+            <a:pPr marL="0" indent="0">
+              <a:buNone/>
+            </a:pPr>
+            <a:endParaRPr lang="ru-RU" dirty="0"/>
+          </a:p>
+        </p:txBody>
+      </p:sp>
+      <p:sp>
+        <p:nvSpPr>
+          <p:cNvPr id="5" name="Rectangle 4"/>
+          <p:cNvSpPr/>
+          <p:nvPr/>
+        </p:nvSpPr>
+        <p:spPr>
+          <a:xfrm>
+            <a:off x="457200" y="3861048"/>
+            <a:ext cx="8219256" cy="2031325"/>
+          </a:xfrm>
+          <a:prstGeom prst="rect">
+            <a:avLst/>
+          </a:prstGeom>
+          <a:solidFill>
+            <a:schemeClr val="bg1"/>
+          </a:solidFill>
+        </p:spPr>
+        <p:txBody>
+          <a:bodyPr wrap="square">
+            <a:spAutoFit/>
           </a:bodyPr>
           <a:lstStyle/>
           <a:p>
             <a:r>
-              <a:rPr lang="ru-RU" dirty="0" smtClean="0"/>
-              <a:t>Используется </a:t>
-            </a:r>
-            <a:r>
-              <a:rPr lang="ru-RU" dirty="0"/>
-              <a:t>по умолчанию для </a:t>
-            </a:r>
-            <a:r>
-              <a:rPr lang="en-US" dirty="0"/>
-              <a:t>desktop </a:t>
-            </a:r>
-            <a:r>
-              <a:rPr lang="ru-RU" dirty="0"/>
-              <a:t>приложений</a:t>
-            </a:r>
-          </a:p>
-          <a:p>
-            <a:r>
-              <a:rPr lang="en-US" dirty="0"/>
-              <a:t>GC </a:t>
-            </a:r>
-            <a:r>
-              <a:rPr lang="ru-RU" dirty="0"/>
-              <a:t>работает только в одном потоке. Нет выгоды от использования многоядерных </a:t>
-            </a:r>
-            <a:r>
-              <a:rPr lang="ru-RU" dirty="0" smtClean="0"/>
-              <a:t>процессоров</a:t>
-            </a:r>
-          </a:p>
-          <a:p>
-            <a:r>
-              <a:rPr lang="en-US" dirty="0" smtClean="0"/>
-              <a:t>Concurrent </a:t>
-            </a:r>
-            <a:r>
-              <a:rPr lang="en-US" dirty="0"/>
-              <a:t>Workstation </a:t>
-            </a:r>
-            <a:r>
-              <a:rPr lang="en-US" dirty="0" smtClean="0"/>
-              <a:t>GC</a:t>
-            </a:r>
-            <a:endParaRPr lang="ru-RU" dirty="0" smtClean="0"/>
-          </a:p>
-          <a:p>
-            <a:pPr lvl="1"/>
-            <a:r>
-              <a:rPr lang="ru-RU" dirty="0" smtClean="0"/>
-              <a:t>Отдельный поток для </a:t>
-            </a:r>
-            <a:r>
-              <a:rPr lang="en-US" dirty="0" smtClean="0"/>
-              <a:t>GC</a:t>
-            </a:r>
-          </a:p>
-          <a:p>
-            <a:pPr lvl="1"/>
-            <a:r>
-              <a:rPr lang="ru-RU" dirty="0" smtClean="0"/>
-              <a:t>Работает паралельно с приложением. Минимальные задержки исполнения</a:t>
-            </a:r>
-          </a:p>
-          <a:p>
-            <a:r>
-              <a:rPr lang="en-US" dirty="0" smtClean="0"/>
-              <a:t>Non-concurrent </a:t>
-            </a:r>
-            <a:r>
-              <a:rPr lang="en-US" dirty="0"/>
-              <a:t>Workstation </a:t>
-            </a:r>
-            <a:r>
-              <a:rPr lang="en-US" dirty="0" smtClean="0"/>
-              <a:t>GC</a:t>
-            </a:r>
-          </a:p>
-          <a:p>
-            <a:pPr lvl="1"/>
-            <a:r>
-              <a:rPr lang="en-US" dirty="0" smtClean="0"/>
-              <a:t>GC </a:t>
-            </a:r>
-            <a:r>
-              <a:rPr lang="ru-RU" dirty="0" smtClean="0"/>
-              <a:t>запускается в контексте одного из потоков приложения</a:t>
-            </a:r>
-          </a:p>
-          <a:p>
-            <a:pPr lvl="1"/>
-            <a:r>
-              <a:rPr lang="ru-RU" dirty="0" smtClean="0"/>
-              <a:t>Все остальные потоки останавливаются</a:t>
+              <a:rPr lang="en-US" dirty="0">
+                <a:solidFill>
+                  <a:srgbClr val="0000FF"/>
+                </a:solidFill>
+                <a:highlight>
+                  <a:srgbClr val="FFFFFF"/>
+                </a:highlight>
+                <a:latin typeface="Consolas"/>
+              </a:rPr>
+              <a:t>&lt;?</a:t>
+            </a:r>
+            <a:r>
+              <a:rPr lang="en-US" dirty="0">
+                <a:solidFill>
+                  <a:srgbClr val="A31515"/>
+                </a:solidFill>
+                <a:highlight>
+                  <a:srgbClr val="FFFFFF"/>
+                </a:highlight>
+                <a:latin typeface="Consolas"/>
+              </a:rPr>
+              <a:t>xml</a:t>
+            </a:r>
+            <a:r>
+              <a:rPr lang="en-US" dirty="0">
+                <a:solidFill>
+                  <a:srgbClr val="0000FF"/>
+                </a:solidFill>
+                <a:highlight>
+                  <a:srgbClr val="FFFFFF"/>
+                </a:highlight>
+                <a:latin typeface="Consolas"/>
+              </a:rPr>
+              <a:t> </a:t>
+            </a:r>
+            <a:r>
+              <a:rPr lang="en-US" dirty="0">
+                <a:solidFill>
+                  <a:srgbClr val="FF0000"/>
+                </a:solidFill>
+                <a:highlight>
+                  <a:srgbClr val="FFFFFF"/>
+                </a:highlight>
+                <a:latin typeface="Consolas"/>
+              </a:rPr>
+              <a:t>version</a:t>
+            </a:r>
+            <a:r>
+              <a:rPr lang="en-US" dirty="0">
+                <a:solidFill>
+                  <a:srgbClr val="0000FF"/>
+                </a:solidFill>
+                <a:highlight>
+                  <a:srgbClr val="FFFFFF"/>
+                </a:highlight>
+                <a:latin typeface="Consolas"/>
+              </a:rPr>
+              <a:t>=</a:t>
+            </a:r>
+            <a:r>
+              <a:rPr lang="en-US" dirty="0">
+                <a:solidFill>
+                  <a:srgbClr val="000000"/>
+                </a:solidFill>
+                <a:highlight>
+                  <a:srgbClr val="FFFFFF"/>
+                </a:highlight>
+                <a:latin typeface="Consolas"/>
+              </a:rPr>
+              <a:t>"</a:t>
+            </a:r>
+            <a:r>
+              <a:rPr lang="en-US" dirty="0">
+                <a:solidFill>
+                  <a:srgbClr val="0000FF"/>
+                </a:solidFill>
+                <a:highlight>
+                  <a:srgbClr val="FFFFFF"/>
+                </a:highlight>
+                <a:latin typeface="Consolas"/>
+              </a:rPr>
+              <a:t>1.0</a:t>
+            </a:r>
+            <a:r>
+              <a:rPr lang="en-US" dirty="0">
+                <a:solidFill>
+                  <a:srgbClr val="000000"/>
+                </a:solidFill>
+                <a:highlight>
+                  <a:srgbClr val="FFFFFF"/>
+                </a:highlight>
+                <a:latin typeface="Consolas"/>
+              </a:rPr>
+              <a:t>"</a:t>
+            </a:r>
+            <a:r>
+              <a:rPr lang="en-US" dirty="0">
+                <a:solidFill>
+                  <a:srgbClr val="0000FF"/>
+                </a:solidFill>
+                <a:highlight>
+                  <a:srgbClr val="FFFFFF"/>
+                </a:highlight>
+                <a:latin typeface="Consolas"/>
+              </a:rPr>
+              <a:t> </a:t>
+            </a:r>
+            <a:r>
+              <a:rPr lang="en-US" dirty="0">
+                <a:solidFill>
+                  <a:srgbClr val="FF0000"/>
+                </a:solidFill>
+                <a:highlight>
+                  <a:srgbClr val="FFFFFF"/>
+                </a:highlight>
+                <a:latin typeface="Consolas"/>
+              </a:rPr>
+              <a:t>encoding</a:t>
+            </a:r>
+            <a:r>
+              <a:rPr lang="en-US" dirty="0">
+                <a:solidFill>
+                  <a:srgbClr val="0000FF"/>
+                </a:solidFill>
+                <a:highlight>
+                  <a:srgbClr val="FFFFFF"/>
+                </a:highlight>
+                <a:latin typeface="Consolas"/>
+              </a:rPr>
+              <a:t>=</a:t>
+            </a:r>
+            <a:r>
+              <a:rPr lang="en-US" dirty="0">
+                <a:solidFill>
+                  <a:srgbClr val="000000"/>
+                </a:solidFill>
+                <a:highlight>
+                  <a:srgbClr val="FFFFFF"/>
+                </a:highlight>
+                <a:latin typeface="Consolas"/>
+              </a:rPr>
+              <a:t>"</a:t>
+            </a:r>
+            <a:r>
+              <a:rPr lang="en-US" dirty="0">
+                <a:solidFill>
+                  <a:srgbClr val="0000FF"/>
+                </a:solidFill>
+                <a:highlight>
+                  <a:srgbClr val="FFFFFF"/>
+                </a:highlight>
+                <a:latin typeface="Consolas"/>
+              </a:rPr>
+              <a:t>utf-8</a:t>
+            </a:r>
+            <a:r>
+              <a:rPr lang="en-US" dirty="0">
+                <a:solidFill>
+                  <a:srgbClr val="000000"/>
+                </a:solidFill>
+                <a:highlight>
+                  <a:srgbClr val="FFFFFF"/>
+                </a:highlight>
+                <a:latin typeface="Consolas"/>
+              </a:rPr>
+              <a:t>"</a:t>
+            </a:r>
+            <a:r>
+              <a:rPr lang="en-US" dirty="0">
+                <a:solidFill>
+                  <a:srgbClr val="0000FF"/>
+                </a:solidFill>
+                <a:highlight>
+                  <a:srgbClr val="FFFFFF"/>
+                </a:highlight>
+                <a:latin typeface="Consolas"/>
+              </a:rPr>
+              <a:t> ?&gt;</a:t>
+            </a:r>
+            <a:endParaRPr lang="en-US" dirty="0">
+              <a:solidFill>
+                <a:srgbClr val="000000"/>
+              </a:solidFill>
+              <a:highlight>
+                <a:srgbClr val="FFFFFF"/>
+              </a:highlight>
+              <a:latin typeface="Consolas"/>
+            </a:endParaRPr>
+          </a:p>
+          <a:p>
+            <a:r>
+              <a:rPr lang="en-US" dirty="0">
+                <a:solidFill>
+                  <a:srgbClr val="0000FF"/>
+                </a:solidFill>
+                <a:highlight>
+                  <a:srgbClr val="FFFFFF"/>
+                </a:highlight>
+                <a:latin typeface="Consolas"/>
+              </a:rPr>
+              <a:t>&lt;</a:t>
+            </a:r>
+            <a:r>
+              <a:rPr lang="en-US" dirty="0">
+                <a:solidFill>
+                  <a:srgbClr val="A31515"/>
+                </a:solidFill>
+                <a:highlight>
+                  <a:srgbClr val="FFFFFF"/>
+                </a:highlight>
+                <a:latin typeface="Consolas"/>
+              </a:rPr>
+              <a:t>configuration</a:t>
+            </a:r>
+            <a:r>
+              <a:rPr lang="en-US" dirty="0">
+                <a:solidFill>
+                  <a:srgbClr val="0000FF"/>
+                </a:solidFill>
+                <a:highlight>
+                  <a:srgbClr val="FFFFFF"/>
+                </a:highlight>
+                <a:latin typeface="Consolas"/>
+              </a:rPr>
+              <a:t>&gt;</a:t>
+            </a:r>
+            <a:endParaRPr lang="en-US" dirty="0">
+              <a:solidFill>
+                <a:srgbClr val="000000"/>
+              </a:solidFill>
+              <a:highlight>
+                <a:srgbClr val="FFFFFF"/>
+              </a:highlight>
+              <a:latin typeface="Consolas"/>
+            </a:endParaRPr>
+          </a:p>
+          <a:p>
+            <a:r>
+              <a:rPr lang="en-US" dirty="0" smtClean="0">
+                <a:solidFill>
+                  <a:srgbClr val="0000FF"/>
+                </a:solidFill>
+                <a:highlight>
+                  <a:srgbClr val="FFFFFF"/>
+                </a:highlight>
+                <a:latin typeface="Consolas"/>
+              </a:rPr>
+              <a:t>  &lt;</a:t>
+            </a:r>
+            <a:r>
+              <a:rPr lang="en-US" dirty="0" smtClean="0">
+                <a:solidFill>
+                  <a:srgbClr val="A31515"/>
+                </a:solidFill>
+                <a:highlight>
+                  <a:srgbClr val="FFFFFF"/>
+                </a:highlight>
+                <a:latin typeface="Consolas"/>
+              </a:rPr>
+              <a:t>runtime</a:t>
+            </a:r>
+            <a:r>
+              <a:rPr lang="en-US" dirty="0" smtClean="0">
+                <a:solidFill>
+                  <a:srgbClr val="0000FF"/>
+                </a:solidFill>
+                <a:highlight>
+                  <a:srgbClr val="FFFFFF"/>
+                </a:highlight>
+                <a:latin typeface="Consolas"/>
+              </a:rPr>
+              <a:t>&gt;</a:t>
+            </a:r>
+            <a:endParaRPr lang="en-US" dirty="0" smtClean="0">
+              <a:solidFill>
+                <a:srgbClr val="000000"/>
+              </a:solidFill>
+              <a:highlight>
+                <a:srgbClr val="FFFFFF"/>
+              </a:highlight>
+              <a:latin typeface="Consolas"/>
+            </a:endParaRPr>
+          </a:p>
+          <a:p>
+            <a:r>
+              <a:rPr lang="en-US" dirty="0" smtClean="0">
+                <a:solidFill>
+                  <a:srgbClr val="0000FF"/>
+                </a:solidFill>
+                <a:highlight>
+                  <a:srgbClr val="FFFFFF"/>
+                </a:highlight>
+                <a:latin typeface="Consolas"/>
+              </a:rPr>
+              <a:t>    </a:t>
+            </a:r>
+            <a:r>
+              <a:rPr lang="en-US" dirty="0">
+                <a:solidFill>
+                  <a:srgbClr val="0000FF"/>
+                </a:solidFill>
+                <a:highlight>
+                  <a:srgbClr val="FFFFFF"/>
+                </a:highlight>
+                <a:latin typeface="Consolas"/>
+              </a:rPr>
+              <a:t>&lt;</a:t>
+            </a:r>
+            <a:r>
+              <a:rPr lang="en-US" dirty="0" err="1" smtClean="0">
+                <a:solidFill>
+                  <a:srgbClr val="A31515"/>
+                </a:solidFill>
+                <a:highlight>
+                  <a:srgbClr val="FFFFFF"/>
+                </a:highlight>
+                <a:latin typeface="Consolas"/>
+              </a:rPr>
+              <a:t>gcServer</a:t>
+            </a:r>
+            <a:r>
+              <a:rPr lang="en-US" dirty="0" smtClean="0">
+                <a:solidFill>
+                  <a:srgbClr val="A31515"/>
+                </a:solidFill>
+                <a:highlight>
+                  <a:srgbClr val="FFFFFF"/>
+                </a:highlight>
+                <a:latin typeface="Consolas"/>
+              </a:rPr>
+              <a:t> enabled</a:t>
+            </a:r>
+            <a:r>
+              <a:rPr lang="en-US" dirty="0">
+                <a:solidFill>
+                  <a:srgbClr val="0000FF"/>
+                </a:solidFill>
+                <a:highlight>
+                  <a:srgbClr val="FFFFFF"/>
+                </a:highlight>
+                <a:latin typeface="Consolas"/>
+              </a:rPr>
+              <a:t>=</a:t>
+            </a:r>
+            <a:r>
+              <a:rPr lang="en-US" dirty="0">
+                <a:solidFill>
+                  <a:srgbClr val="000000"/>
+                </a:solidFill>
+                <a:highlight>
+                  <a:srgbClr val="FFFFFF"/>
+                </a:highlight>
+                <a:latin typeface="Consolas"/>
+              </a:rPr>
+              <a:t>"</a:t>
+            </a:r>
+            <a:r>
+              <a:rPr lang="en-US" dirty="0" err="1">
+                <a:solidFill>
+                  <a:srgbClr val="0000FF"/>
+                </a:solidFill>
+                <a:highlight>
+                  <a:srgbClr val="FFFFFF"/>
+                </a:highlight>
+                <a:latin typeface="Consolas"/>
+              </a:rPr>
+              <a:t>true|</a:t>
+            </a:r>
+            <a:r>
+              <a:rPr lang="en-US" b="1" dirty="0" err="1">
+                <a:solidFill>
+                  <a:srgbClr val="0000FF"/>
+                </a:solidFill>
+                <a:highlight>
+                  <a:srgbClr val="FFFFFF"/>
+                </a:highlight>
+                <a:latin typeface="Consolas"/>
+              </a:rPr>
+              <a:t>false</a:t>
+            </a:r>
+            <a:r>
+              <a:rPr lang="en-US" dirty="0">
+                <a:solidFill>
+                  <a:srgbClr val="000000"/>
+                </a:solidFill>
+                <a:highlight>
+                  <a:srgbClr val="FFFFFF"/>
+                </a:highlight>
+                <a:latin typeface="Consolas"/>
+              </a:rPr>
+              <a:t>"</a:t>
+            </a:r>
+            <a:r>
+              <a:rPr lang="en-US" dirty="0">
+                <a:solidFill>
+                  <a:srgbClr val="0000FF"/>
+                </a:solidFill>
+                <a:highlight>
+                  <a:srgbClr val="FFFFFF"/>
+                </a:highlight>
+                <a:latin typeface="Consolas"/>
+              </a:rPr>
+              <a:t> /&gt;</a:t>
+            </a:r>
+            <a:endParaRPr lang="en-US" dirty="0">
+              <a:solidFill>
+                <a:srgbClr val="000000"/>
+              </a:solidFill>
+              <a:highlight>
+                <a:srgbClr val="FFFFFF"/>
+              </a:highlight>
+              <a:latin typeface="Consolas"/>
+            </a:endParaRPr>
+          </a:p>
+          <a:p>
+            <a:r>
+              <a:rPr lang="en-US" dirty="0">
+                <a:solidFill>
+                  <a:srgbClr val="0000FF"/>
+                </a:solidFill>
+                <a:highlight>
+                  <a:srgbClr val="FFFFFF"/>
+                </a:highlight>
+                <a:latin typeface="Consolas"/>
+              </a:rPr>
+              <a:t>    </a:t>
+            </a:r>
+            <a:r>
+              <a:rPr lang="en-US" dirty="0" smtClean="0">
+                <a:solidFill>
+                  <a:srgbClr val="0000FF"/>
+                </a:solidFill>
+                <a:highlight>
+                  <a:srgbClr val="FFFFFF"/>
+                </a:highlight>
+                <a:latin typeface="Consolas"/>
+              </a:rPr>
+              <a:t>&lt;</a:t>
+            </a:r>
+            <a:r>
+              <a:rPr lang="en-US" dirty="0" err="1" smtClean="0">
+                <a:solidFill>
+                  <a:srgbClr val="A31515"/>
+                </a:solidFill>
+                <a:highlight>
+                  <a:srgbClr val="FFFFFF"/>
+                </a:highlight>
+                <a:latin typeface="Consolas"/>
+              </a:rPr>
+              <a:t>gcConcurrent</a:t>
+            </a:r>
+            <a:r>
+              <a:rPr lang="en-US" dirty="0" smtClean="0">
+                <a:solidFill>
+                  <a:srgbClr val="A31515"/>
+                </a:solidFill>
+                <a:highlight>
+                  <a:srgbClr val="FFFFFF"/>
+                </a:highlight>
+                <a:latin typeface="Consolas"/>
+              </a:rPr>
+              <a:t> enabled</a:t>
+            </a:r>
+            <a:r>
+              <a:rPr lang="en-US" dirty="0">
+                <a:solidFill>
+                  <a:srgbClr val="0000FF"/>
+                </a:solidFill>
+                <a:highlight>
+                  <a:srgbClr val="FFFFFF"/>
+                </a:highlight>
+                <a:latin typeface="Consolas"/>
+              </a:rPr>
+              <a:t>=</a:t>
+            </a:r>
+            <a:r>
+              <a:rPr lang="en-US" dirty="0">
+                <a:solidFill>
+                  <a:srgbClr val="000000"/>
+                </a:solidFill>
+                <a:highlight>
+                  <a:srgbClr val="FFFFFF"/>
+                </a:highlight>
+                <a:latin typeface="Consolas"/>
+              </a:rPr>
+              <a:t>"</a:t>
+            </a:r>
+            <a:r>
+              <a:rPr lang="en-US" b="1" dirty="0" err="1">
+                <a:solidFill>
+                  <a:srgbClr val="0000FF"/>
+                </a:solidFill>
+                <a:highlight>
+                  <a:srgbClr val="FFFFFF"/>
+                </a:highlight>
+                <a:latin typeface="Consolas"/>
+              </a:rPr>
+              <a:t>true</a:t>
+            </a:r>
+            <a:r>
+              <a:rPr lang="en-US" dirty="0" err="1">
+                <a:solidFill>
+                  <a:srgbClr val="0000FF"/>
+                </a:solidFill>
+                <a:highlight>
+                  <a:srgbClr val="FFFFFF"/>
+                </a:highlight>
+                <a:latin typeface="Consolas"/>
+              </a:rPr>
+              <a:t>|false</a:t>
+            </a:r>
+            <a:r>
+              <a:rPr lang="en-US" dirty="0">
+                <a:solidFill>
+                  <a:srgbClr val="000000"/>
+                </a:solidFill>
+                <a:highlight>
+                  <a:srgbClr val="FFFFFF"/>
+                </a:highlight>
+                <a:latin typeface="Consolas"/>
+              </a:rPr>
+              <a:t>"</a:t>
+            </a:r>
+            <a:r>
+              <a:rPr lang="en-US" dirty="0">
+                <a:solidFill>
+                  <a:srgbClr val="0000FF"/>
+                </a:solidFill>
+                <a:highlight>
+                  <a:srgbClr val="FFFFFF"/>
+                </a:highlight>
+                <a:latin typeface="Consolas"/>
+              </a:rPr>
+              <a:t> /&gt;</a:t>
+            </a:r>
+            <a:endParaRPr lang="en-US" dirty="0">
+              <a:solidFill>
+                <a:srgbClr val="000000"/>
+              </a:solidFill>
+              <a:highlight>
+                <a:srgbClr val="FFFFFF"/>
+              </a:highlight>
+              <a:latin typeface="Consolas"/>
+            </a:endParaRPr>
+          </a:p>
+          <a:p>
+            <a:r>
+              <a:rPr lang="en-US" dirty="0">
+                <a:solidFill>
+                  <a:srgbClr val="0000FF"/>
+                </a:solidFill>
+                <a:highlight>
+                  <a:srgbClr val="FFFFFF"/>
+                </a:highlight>
+                <a:latin typeface="Consolas"/>
+              </a:rPr>
+              <a:t>  &lt;/</a:t>
+            </a:r>
+            <a:r>
+              <a:rPr lang="en-US" dirty="0">
+                <a:solidFill>
+                  <a:srgbClr val="A31515"/>
+                </a:solidFill>
+                <a:highlight>
+                  <a:srgbClr val="FFFFFF"/>
+                </a:highlight>
+                <a:latin typeface="Consolas"/>
+              </a:rPr>
+              <a:t>runtime</a:t>
+            </a:r>
+            <a:r>
+              <a:rPr lang="en-US" dirty="0">
+                <a:solidFill>
+                  <a:srgbClr val="0000FF"/>
+                </a:solidFill>
+                <a:highlight>
+                  <a:srgbClr val="FFFFFF"/>
+                </a:highlight>
+                <a:latin typeface="Consolas"/>
+              </a:rPr>
+              <a:t>&gt;</a:t>
+            </a:r>
+            <a:endParaRPr lang="en-US" dirty="0">
+              <a:solidFill>
+                <a:srgbClr val="000000"/>
+              </a:solidFill>
+              <a:highlight>
+                <a:srgbClr val="FFFFFF"/>
+              </a:highlight>
+              <a:latin typeface="Consolas"/>
+            </a:endParaRPr>
+          </a:p>
+          <a:p>
+            <a:r>
+              <a:rPr lang="en-US" dirty="0">
+                <a:solidFill>
+                  <a:srgbClr val="0000FF"/>
+                </a:solidFill>
+                <a:highlight>
+                  <a:srgbClr val="FFFFFF"/>
+                </a:highlight>
+                <a:latin typeface="Consolas"/>
+              </a:rPr>
+              <a:t>&lt;/</a:t>
+            </a:r>
+            <a:r>
+              <a:rPr lang="en-US" dirty="0">
+                <a:solidFill>
+                  <a:srgbClr val="A31515"/>
+                </a:solidFill>
+                <a:highlight>
+                  <a:srgbClr val="FFFFFF"/>
+                </a:highlight>
+                <a:latin typeface="Consolas"/>
+              </a:rPr>
+              <a:t>configuration</a:t>
+            </a:r>
+            <a:r>
+              <a:rPr lang="en-US" dirty="0">
+                <a:solidFill>
+                  <a:srgbClr val="0000FF"/>
+                </a:solidFill>
+                <a:highlight>
+                  <a:srgbClr val="FFFFFF"/>
+                </a:highlight>
+                <a:latin typeface="Consolas"/>
+              </a:rPr>
+              <a:t>&gt;</a:t>
             </a:r>
             <a:endParaRPr lang="ru-RU" dirty="0"/>
           </a:p>
@@ -9841,7 +9802,7 @@
     </p:spTree>
     <p:extLst>
       <p:ext uri="{BB962C8B-B14F-4D97-AF65-F5344CB8AC3E}">
-        <p14:creationId xmlns:p14="http://schemas.microsoft.com/office/powerpoint/2010/main" val="2543352552"/>
+        <p14:creationId xmlns:p14="http://schemas.microsoft.com/office/powerpoint/2010/main" val="2754726885"/>
       </p:ext>
     </p:extLst>
   </p:cSld>
@@ -9885,7 +9846,7 @@
           <a:p>
             <a:r>
               <a:rPr lang="en-US" dirty="0" smtClean="0"/>
-              <a:t>Server GC</a:t>
+              <a:t>Workstation GC</a:t>
             </a:r>
             <a:endParaRPr lang="ru-RU" dirty="0"/>
           </a:p>
@@ -9904,112 +9865,113 @@
         <p:spPr/>
         <p:txBody>
           <a:bodyPr>
-            <a:normAutofit lnSpcReduction="10000"/>
+            <a:normAutofit fontScale="85000" lnSpcReduction="20000"/>
           </a:bodyPr>
           <a:lstStyle/>
           <a:p>
             <a:r>
               <a:rPr lang="ru-RU" dirty="0" smtClean="0"/>
-              <a:t>Отдельный </a:t>
-            </a:r>
+              <a:t>Используется </a:t>
+            </a:r>
+            <a:r>
+              <a:rPr lang="ru-RU" dirty="0"/>
+              <a:t>по умолчанию для </a:t>
+            </a:r>
+            <a:r>
+              <a:rPr lang="en-US" dirty="0"/>
+              <a:t>desktop </a:t>
+            </a:r>
+            <a:r>
+              <a:rPr lang="ru-RU" dirty="0"/>
+              <a:t>приложений</a:t>
+            </a:r>
+          </a:p>
+          <a:p>
+            <a:r>
+              <a:rPr lang="en-US" dirty="0"/>
+              <a:t>GC </a:t>
+            </a:r>
+            <a:r>
+              <a:rPr lang="ru-RU" dirty="0"/>
+              <a:t>работает только в одном потоке. Нет выгоды от использования многоядерных </a:t>
+            </a:r>
+            <a:r>
+              <a:rPr lang="ru-RU" dirty="0" smtClean="0"/>
+              <a:t>процессоров</a:t>
+            </a:r>
+          </a:p>
+          <a:p>
+            <a:r>
+              <a:rPr lang="en-US" dirty="0" smtClean="0"/>
+              <a:t>Concurrent </a:t>
+            </a:r>
+            <a:r>
+              <a:rPr lang="en-US" dirty="0"/>
+              <a:t>Workstation </a:t>
+            </a:r>
+            <a:r>
+              <a:rPr lang="en-US" dirty="0" smtClean="0"/>
+              <a:t>GC</a:t>
+            </a:r>
+            <a:endParaRPr lang="ru-RU" dirty="0" smtClean="0"/>
+          </a:p>
+          <a:p>
+            <a:pPr lvl="1"/>
+            <a:r>
+              <a:rPr lang="ru-RU" dirty="0" smtClean="0"/>
+              <a:t>Отдельный поток для </a:t>
+            </a:r>
+            <a:r>
+              <a:rPr lang="en-US" dirty="0" smtClean="0"/>
+              <a:t>GC</a:t>
+            </a:r>
+          </a:p>
+          <a:p>
+            <a:pPr lvl="1"/>
+            <a:r>
+              <a:rPr lang="ru-RU" dirty="0" smtClean="0"/>
+              <a:t>Работает паралельно с приложением. Минимальные задержки исполнения</a:t>
+            </a:r>
+          </a:p>
+          <a:p>
+            <a:r>
+              <a:rPr lang="en-US" dirty="0" smtClean="0"/>
+              <a:t>Non-concurrent </a:t>
+            </a:r>
+            <a:r>
+              <a:rPr lang="en-US" dirty="0"/>
+              <a:t>Workstation </a:t>
+            </a:r>
+            <a:r>
+              <a:rPr lang="en-US" dirty="0" smtClean="0"/>
+              <a:t>GC</a:t>
+            </a:r>
+          </a:p>
+          <a:p>
+            <a:pPr lvl="1"/>
             <a:r>
               <a:rPr lang="en-US" dirty="0" smtClean="0"/>
               <a:t>GC </a:t>
             </a:r>
             <a:r>
               <a:rPr lang="ru-RU" dirty="0" smtClean="0"/>
-              <a:t>поток для каждого</a:t>
-            </a:r>
-            <a:r>
-              <a:rPr lang="en-US" dirty="0" smtClean="0"/>
-              <a:t> </a:t>
-            </a:r>
+              <a:t>запускается в контексте одного из потоков приложения</a:t>
+            </a:r>
+          </a:p>
+          <a:p>
+            <a:pPr lvl="1"/>
             <a:r>
               <a:rPr lang="ru-RU" dirty="0" smtClean="0"/>
-              <a:t>ядра</a:t>
-            </a:r>
-          </a:p>
-          <a:p>
-            <a:r>
-              <a:rPr lang="ru-RU" dirty="0" smtClean="0"/>
-              <a:t>Отдельная куча для каждого процессора</a:t>
-            </a:r>
-          </a:p>
-          <a:p>
-            <a:r>
-              <a:rPr lang="ru-RU" dirty="0" smtClean="0"/>
-              <a:t>До .</a:t>
-            </a:r>
-            <a:r>
-              <a:rPr lang="en-US" dirty="0"/>
-              <a:t> NET </a:t>
-            </a:r>
-            <a:r>
-              <a:rPr lang="en-US" dirty="0" smtClean="0"/>
-              <a:t>4.5 </a:t>
-            </a:r>
-            <a:r>
-              <a:rPr lang="ru-RU" dirty="0" smtClean="0"/>
-              <a:t>работал в </a:t>
-            </a:r>
-            <a:r>
-              <a:rPr lang="en-US" dirty="0" smtClean="0"/>
-              <a:t>non</a:t>
-            </a:r>
-            <a:r>
-              <a:rPr lang="ru-RU" dirty="0" smtClean="0"/>
-              <a:t>-</a:t>
-            </a:r>
-            <a:r>
-              <a:rPr lang="en-US" dirty="0" smtClean="0"/>
-              <a:t>concurrent </a:t>
-            </a:r>
-            <a:r>
-              <a:rPr lang="ru-RU" dirty="0" smtClean="0"/>
-              <a:t>режиме. То есть все потоки приложения останавливались во время сборки мусора</a:t>
-            </a:r>
-          </a:p>
-          <a:p>
-            <a:r>
-              <a:rPr lang="ru-RU" dirty="0" smtClean="0"/>
-              <a:t>Начиная с </a:t>
-            </a:r>
-            <a:r>
-              <a:rPr lang="en-US" dirty="0" smtClean="0"/>
-              <a:t>.NET 4.5 </a:t>
-            </a:r>
-            <a:r>
-              <a:rPr lang="ru-RU" dirty="0" smtClean="0"/>
-              <a:t>поддерживает </a:t>
-            </a:r>
-            <a:r>
-              <a:rPr lang="en-US" dirty="0" smtClean="0"/>
-              <a:t>concurrent </a:t>
-            </a:r>
-            <a:r>
-              <a:rPr lang="ru-RU" dirty="0" smtClean="0"/>
-              <a:t>режим. </a:t>
-            </a:r>
-            <a:r>
-              <a:rPr lang="ru-RU" dirty="0" smtClean="0">
-                <a:solidFill>
-                  <a:srgbClr val="FFFF00"/>
-                </a:solidFill>
-              </a:rPr>
-              <a:t>Хороший выбор для приложений которые интенсивно используют память.</a:t>
-            </a:r>
-            <a:endParaRPr lang="ru-RU" dirty="0">
-              <a:solidFill>
-                <a:srgbClr val="FFFF00"/>
-              </a:solidFill>
-            </a:endParaRPr>
+              <a:t>Все остальные потоки останавливаются</a:t>
+            </a:r>
+            <a:endParaRPr lang="ru-RU" dirty="0"/>
           </a:p>
         </p:txBody>
       </p:sp>
     </p:spTree>
     <p:extLst>
       <p:ext uri="{BB962C8B-B14F-4D97-AF65-F5344CB8AC3E}">
-        <p14:creationId xmlns:p14="http://schemas.microsoft.com/office/powerpoint/2010/main" val="2172271800"/>
+        <p14:creationId xmlns:p14="http://schemas.microsoft.com/office/powerpoint/2010/main" val="2543352552"/>
       </p:ext>
     </p:extLst>
   </p:cSld>
@@ -10048,21 +10010,12 @@
         </p:nvSpPr>
         <p:spPr/>
         <p:txBody>
-          <a:bodyPr>
-            <a:normAutofit fontScale="90000"/>
-          </a:bodyPr>
+          <a:bodyPr/>
           <a:lstStyle/>
           <a:p>
             <a:r>
-              <a:rPr lang="ru-RU" dirty="0" smtClean="0"/>
-              <a:t>Куча для больших объектов</a:t>
-            </a:r>
-            <a:br>
-              <a:rPr lang="ru-RU" dirty="0" smtClean="0"/>
-            </a:br>
-            <a:r>
               <a:rPr lang="en-US" dirty="0" smtClean="0"/>
-              <a:t>(Large Object Heap – LOH)</a:t>
+              <a:t>Server GC</a:t>
             </a:r>
             <a:endParaRPr lang="ru-RU" dirty="0"/>
           </a:p>
@@ -10081,47 +10034,118 @@
         <p:spPr/>
         <p:txBody>
           <a:bodyPr>
-            <a:normAutofit fontScale="92500" lnSpcReduction="10000"/>
+            <a:normAutofit lnSpcReduction="10000"/>
           </a:bodyPr>
           <a:lstStyle/>
           <a:p>
             <a:r>
               <a:rPr lang="ru-RU" dirty="0" smtClean="0"/>
-              <a:t>Объекты с размером примерно больше 85 килобайт находятся в отдельной куче</a:t>
-            </a:r>
-          </a:p>
-          <a:p>
+              <a:t>Отдельный </a:t>
+            </a:r>
+            <a:r>
+              <a:rPr lang="en-US" dirty="0" smtClean="0"/>
+              <a:t>GC </a:t>
+            </a:r>
             <a:r>
               <a:rPr lang="ru-RU" dirty="0" smtClean="0"/>
-              <a:t>Данная куча не дефрагментируется т.к. это бы создало большую нагрузку. Фрагментация может возникнуть при интенсивном использовании памяти (сотни мегабайт) и программа выделяет большие временные объекты.</a:t>
-            </a:r>
-          </a:p>
-          <a:p>
+              <a:t>поток для каждого</a:t>
+            </a:r>
+            <a:r>
+              <a:rPr lang="en-US" dirty="0" smtClean="0"/>
+              <a:t> </a:t>
+            </a:r>
             <a:r>
               <a:rPr lang="ru-RU" dirty="0" smtClean="0"/>
-              <a:t>Объекты в данной куче считаются принадлежащими второму поколению</a:t>
-            </a:r>
-            <a:endParaRPr lang="ru-RU" dirty="0"/>
+              <a:t>ядра</a:t>
+            </a:r>
+          </a:p>
+          <a:p>
+            <a:r>
+              <a:rPr lang="ru-RU" dirty="0" smtClean="0"/>
+              <a:t>Отдельная куча для каждого процессора</a:t>
+            </a:r>
+          </a:p>
+          <a:p>
+            <a:r>
+              <a:rPr lang="ru-RU" dirty="0" smtClean="0"/>
+              <a:t>До .</a:t>
+            </a:r>
+            <a:r>
+              <a:rPr lang="en-US" dirty="0"/>
+              <a:t> NET </a:t>
+            </a:r>
+            <a:r>
+              <a:rPr lang="en-US" dirty="0" smtClean="0"/>
+              <a:t>4.5 </a:t>
+            </a:r>
+            <a:r>
+              <a:rPr lang="ru-RU" dirty="0" smtClean="0"/>
+              <a:t>работал в </a:t>
+            </a:r>
+            <a:r>
+              <a:rPr lang="en-US" dirty="0" smtClean="0"/>
+              <a:t>non</a:t>
+            </a:r>
+            <a:r>
+              <a:rPr lang="ru-RU" dirty="0" smtClean="0"/>
+              <a:t>-</a:t>
+            </a:r>
+            <a:r>
+              <a:rPr lang="en-US" dirty="0" smtClean="0"/>
+              <a:t>concurrent </a:t>
+            </a:r>
+            <a:r>
+              <a:rPr lang="ru-RU" dirty="0" smtClean="0"/>
+              <a:t>режиме. То есть все потоки приложения останавливались во время сборки мусора</a:t>
+            </a:r>
+          </a:p>
+          <a:p>
+            <a:r>
+              <a:rPr lang="ru-RU" dirty="0" smtClean="0"/>
+              <a:t>Начиная с </a:t>
+            </a:r>
+            <a:r>
+              <a:rPr lang="en-US" dirty="0" smtClean="0"/>
+              <a:t>.NET 4.5 </a:t>
+            </a:r>
+            <a:r>
+              <a:rPr lang="ru-RU" dirty="0" smtClean="0"/>
+              <a:t>поддерживает </a:t>
+            </a:r>
+            <a:r>
+              <a:rPr lang="en-US" dirty="0" smtClean="0"/>
+              <a:t>concurrent </a:t>
+            </a:r>
+            <a:r>
+              <a:rPr lang="ru-RU" dirty="0" smtClean="0"/>
+              <a:t>режим. </a:t>
+            </a:r>
+            <a:r>
+              <a:rPr lang="ru-RU" dirty="0" smtClean="0">
+                <a:solidFill>
+                  <a:srgbClr val="FFFF00"/>
+                </a:solidFill>
+              </a:rPr>
+              <a:t>Хороший выбор для приложений которые интенсивно используют память.</a:t>
+            </a:r>
+            <a:endParaRPr lang="ru-RU" dirty="0">
+              <a:solidFill>
+                <a:srgbClr val="FFFF00"/>
+              </a:solidFill>
+            </a:endParaRPr>
           </a:p>
         </p:txBody>
       </p:sp>
     </p:spTree>
     <p:extLst>
       <p:ext uri="{BB962C8B-B14F-4D97-AF65-F5344CB8AC3E}">
-        <p14:creationId xmlns:p14="http://schemas.microsoft.com/office/powerpoint/2010/main" val="3103245170"/>
+        <p14:creationId xmlns:p14="http://schemas.microsoft.com/office/powerpoint/2010/main" val="2172271800"/>
       </p:ext>
     </p:extLst>
   </p:cSld>
   <p:clrMapOvr>
     <a:masterClrMapping/>
   </p:clrMapOvr>
-  <p:timing>
-    <p:tnLst>
-      <p:par>
-        <p:cTn id="1" dur="indefinite" restart="never" nodeType="tmRoot"/>
-      </p:par>
-    </p:tnLst>
-  </p:timing>
 </p:sld>
 </file>
 
@@ -10160,27 +10184,15 @@
           <a:lstStyle/>
           <a:p>
             <a:r>
-              <a:rPr lang="en-US" dirty="0" smtClean="0"/>
-              <a:t>Large Object Heap </a:t>
-            </a:r>
-            <a:r>
               <a:rPr lang="ru-RU" dirty="0" smtClean="0"/>
-              <a:t>в </a:t>
-            </a:r>
-            <a:r>
-              <a:rPr lang="en-US" dirty="0" smtClean="0"/>
-              <a:t>.NET 4.5.1</a:t>
-            </a:r>
-            <a:r>
-              <a:rPr lang="ru-RU" dirty="0" smtClean="0"/>
-              <a:t/>
+              <a:t>Куча для больших объектов</a:t>
             </a:r>
             <a:br>
               <a:rPr lang="ru-RU" dirty="0" smtClean="0"/>
             </a:br>
             <a:r>
-              <a:rPr lang="ru-RU" dirty="0" smtClean="0"/>
-              <a:t>и выше</a:t>
+              <a:rPr lang="en-US" dirty="0" smtClean="0"/>
+              <a:t>(Large Object Heap – LOH)</a:t>
             </a:r>
             <a:endParaRPr lang="ru-RU" dirty="0"/>
           </a:p>
@@ -10199,141 +10211,25 @@
         <p:spPr/>
         <p:txBody>
           <a:bodyPr>
-            <a:normAutofit lnSpcReduction="10000"/>
+            <a:normAutofit fontScale="92500" lnSpcReduction="10000"/>
           </a:bodyPr>
           <a:lstStyle/>
           <a:p>
-            <a:pPr marL="0" indent="0">
-              <a:buNone/>
-            </a:pPr>
             <a:r>
               <a:rPr lang="ru-RU" dirty="0" smtClean="0"/>
-              <a:t>Добавлена возможность дефрагментации </a:t>
-            </a:r>
-            <a:r>
-              <a:rPr lang="en-US" dirty="0" smtClean="0"/>
-              <a:t>LOH </a:t>
-            </a:r>
+              <a:t>Объекты с размером примерно больше 85 килобайт находятся в отдельной куче</a:t>
+            </a:r>
+          </a:p>
+          <a:p>
             <a:r>
               <a:rPr lang="ru-RU" dirty="0" smtClean="0"/>
-              <a:t>по запросу.</a:t>
-            </a:r>
-          </a:p>
-          <a:p>
-            <a:pPr marL="0" indent="0">
-              <a:buNone/>
-            </a:pPr>
-            <a:endParaRPr lang="ru-RU" dirty="0"/>
-          </a:p>
-          <a:p>
-            <a:pPr marL="0" indent="0">
-              <a:buNone/>
-            </a:pPr>
-            <a:r>
-              <a:rPr lang="en-US" sz="1600" dirty="0" err="1">
-                <a:latin typeface="Consolas" panose="020B0609020204030204" pitchFamily="49" charset="0"/>
-                <a:cs typeface="Consolas" panose="020B0609020204030204" pitchFamily="49" charset="0"/>
-              </a:rPr>
-              <a:t>GCSettings.LargeObjectHeapCompactionMode</a:t>
-            </a:r>
-            <a:r>
-              <a:rPr lang="en-US" sz="1600" dirty="0">
-                <a:latin typeface="Consolas" panose="020B0609020204030204" pitchFamily="49" charset="0"/>
-                <a:cs typeface="Consolas" panose="020B0609020204030204" pitchFamily="49" charset="0"/>
-              </a:rPr>
-              <a:t> </a:t>
-            </a:r>
-            <a:r>
-              <a:rPr lang="en-US" sz="1600" dirty="0" smtClean="0">
-                <a:latin typeface="Consolas" panose="020B0609020204030204" pitchFamily="49" charset="0"/>
-                <a:cs typeface="Consolas" panose="020B0609020204030204" pitchFamily="49" charset="0"/>
-              </a:rPr>
-              <a:t>=</a:t>
-            </a:r>
-            <a:br>
-              <a:rPr lang="en-US" sz="1600" dirty="0" smtClean="0">
-                <a:latin typeface="Consolas" panose="020B0609020204030204" pitchFamily="49" charset="0"/>
-                <a:cs typeface="Consolas" panose="020B0609020204030204" pitchFamily="49" charset="0"/>
-              </a:rPr>
-            </a:br>
-            <a:r>
-              <a:rPr lang="en-US" sz="1600" dirty="0" smtClean="0">
-                <a:latin typeface="Consolas" panose="020B0609020204030204" pitchFamily="49" charset="0"/>
-                <a:cs typeface="Consolas" panose="020B0609020204030204" pitchFamily="49" charset="0"/>
-              </a:rPr>
-              <a:t>              </a:t>
-            </a:r>
-            <a:r>
-              <a:rPr lang="en-US" sz="1600" dirty="0" err="1" smtClean="0">
-                <a:latin typeface="Consolas" panose="020B0609020204030204" pitchFamily="49" charset="0"/>
-                <a:cs typeface="Consolas" panose="020B0609020204030204" pitchFamily="49" charset="0"/>
-              </a:rPr>
-              <a:t>GCLargeObjectHeapCompactionMode.CompactOnce</a:t>
-            </a:r>
-            <a:r>
-              <a:rPr lang="en-US" sz="1600" dirty="0" smtClean="0">
-                <a:latin typeface="Consolas" panose="020B0609020204030204" pitchFamily="49" charset="0"/>
-                <a:cs typeface="Consolas" panose="020B0609020204030204" pitchFamily="49" charset="0"/>
-              </a:rPr>
-              <a:t>;</a:t>
-            </a:r>
-            <a:r>
-              <a:rPr lang="ru-RU" sz="1600" dirty="0" smtClean="0">
-                <a:latin typeface="Consolas" panose="020B0609020204030204" pitchFamily="49" charset="0"/>
-                <a:cs typeface="Consolas" panose="020B0609020204030204" pitchFamily="49" charset="0"/>
-              </a:rPr>
-              <a:t/>
-            </a:r>
-            <a:br>
-              <a:rPr lang="ru-RU" sz="1600" dirty="0" smtClean="0">
-                <a:latin typeface="Consolas" panose="020B0609020204030204" pitchFamily="49" charset="0"/>
-                <a:cs typeface="Consolas" panose="020B0609020204030204" pitchFamily="49" charset="0"/>
-              </a:rPr>
-            </a:br>
-            <a:r>
-              <a:rPr lang="en-US" sz="1600" dirty="0" err="1" smtClean="0">
-                <a:latin typeface="Consolas" panose="020B0609020204030204" pitchFamily="49" charset="0"/>
-                <a:cs typeface="Consolas" panose="020B0609020204030204" pitchFamily="49" charset="0"/>
-              </a:rPr>
-              <a:t>GC.Collect</a:t>
-            </a:r>
-            <a:r>
-              <a:rPr lang="en-US" sz="1600" dirty="0" smtClean="0">
-                <a:latin typeface="Consolas" panose="020B0609020204030204" pitchFamily="49" charset="0"/>
-                <a:cs typeface="Consolas" panose="020B0609020204030204" pitchFamily="49" charset="0"/>
-              </a:rPr>
-              <a:t>();</a:t>
-            </a:r>
-            <a:endParaRPr lang="ru-RU" sz="1600" dirty="0" smtClean="0">
-              <a:latin typeface="Consolas" panose="020B0609020204030204" pitchFamily="49" charset="0"/>
-              <a:cs typeface="Consolas" panose="020B0609020204030204" pitchFamily="49" charset="0"/>
-            </a:endParaRPr>
-          </a:p>
-          <a:p>
-            <a:pPr marL="0" indent="0">
-              <a:buNone/>
-            </a:pPr>
-            <a:endParaRPr lang="ru-RU" dirty="0"/>
-          </a:p>
-          <a:p>
-            <a:pPr marL="0" indent="0">
-              <a:buNone/>
-            </a:pPr>
+              <a:t>Данная куча не дефрагментируется т.к. это бы создало большую нагрузку. Фрагментация может возникнуть при интенсивном использовании памяти (сотни мегабайт) и программа выделяет большие временные объекты.</a:t>
+            </a:r>
+          </a:p>
+          <a:p>
             <a:r>
               <a:rPr lang="ru-RU" dirty="0" smtClean="0"/>
-              <a:t>После полной сборки мусора свойство </a:t>
-            </a:r>
-            <a:r>
-              <a:rPr lang="en-US" dirty="0" err="1" smtClean="0"/>
-              <a:t>LargeObjectHeapCompactionMode</a:t>
-            </a:r>
-            <a:r>
-              <a:rPr lang="ru-RU" dirty="0" smtClean="0"/>
-              <a:t> принимает значение </a:t>
-            </a:r>
-            <a:r>
-              <a:rPr lang="en-US" dirty="0" smtClean="0"/>
-              <a:t>Default.</a:t>
+              <a:t>Объекты в данной куче считаются принадлежащими второму поколению</a:t>
             </a:r>
             <a:endParaRPr lang="ru-RU" dirty="0"/>
           </a:p>
@@ -10342,7 +10238,7 @@
     </p:spTree>
     <p:extLst>
       <p:ext uri="{BB962C8B-B14F-4D97-AF65-F5344CB8AC3E}">
-        <p14:creationId xmlns:p14="http://schemas.microsoft.com/office/powerpoint/2010/main" val="4119858216"/>
+        <p14:creationId xmlns:p14="http://schemas.microsoft.com/office/powerpoint/2010/main" val="3103245170"/>
       </p:ext>
     </p:extLst>
   </p:cSld>
@@ -10388,24 +10284,33 @@
         </p:nvSpPr>
         <p:spPr/>
         <p:txBody>
-          <a:bodyPr/>
+          <a:bodyPr>
+            <a:normAutofit fontScale="90000"/>
+          </a:bodyPr>
           <a:lstStyle/>
           <a:p>
             <a:r>
+              <a:rPr lang="en-US" dirty="0" smtClean="0"/>
+              <a:t>Large Object Heap </a:t>
+            </a:r>
+            <a:r>
               <a:rPr lang="ru-RU" dirty="0" smtClean="0"/>
-              <a:t>Конфигурация </a:t>
+              <a:t>в </a:t>
             </a:r>
             <a:r>
               <a:rPr lang="en-US" dirty="0" smtClean="0"/>
-              <a:t>Debug </a:t>
+              <a:t>.NET 4.5.1</a:t>
             </a:r>
             <a:r>
               <a:rPr lang="ru-RU" dirty="0" smtClean="0"/>
-              <a:t>и </a:t>
-            </a:r>
-            <a:r>
-              <a:rPr lang="en-US" dirty="0" smtClean="0"/>
-              <a:t>GC</a:t>
+              <a:t/>
+            </a:r>
+            <a:br>
+              <a:rPr lang="ru-RU" dirty="0" smtClean="0"/>
+            </a:br>
+            <a:r>
+              <a:rPr lang="ru-RU" dirty="0" smtClean="0"/>
+              <a:t>и выше</a:t>
             </a:r>
             <a:endParaRPr lang="ru-RU" dirty="0"/>
           </a:p>
@@ -10423,7 +10328,9 @@
         </p:nvSpPr>
         <p:spPr/>
         <p:txBody>
-          <a:bodyPr/>
+          <a:bodyPr>
+            <a:normAutofit lnSpcReduction="10000"/>
+          </a:bodyPr>
           <a:lstStyle/>
           <a:p>
             <a:pPr marL="0" indent="0">
@@ -10431,35 +10338,132 @@
             </a:pPr>
             <a:r>
               <a:rPr lang="ru-RU" dirty="0" smtClean="0"/>
-              <a:t>При компиляции проекта в конфигурации </a:t>
+              <a:t>Добавлена возможность дефрагментации </a:t>
             </a:r>
             <a:r>
               <a:rPr lang="en-US" dirty="0" smtClean="0"/>
-              <a:t>Debug </a:t>
+              <a:t>LOH </a:t>
             </a:r>
             <a:r>
               <a:rPr lang="ru-RU" dirty="0" smtClean="0"/>
-              <a:t>к сборке добавляется атрибут </a:t>
+              <a:t>по запросу.</a:t>
+            </a:r>
+          </a:p>
+          <a:p>
+            <a:pPr marL="0" indent="0">
+              <a:buNone/>
+            </a:pPr>
+            <a:endParaRPr lang="ru-RU" dirty="0"/>
+          </a:p>
+          <a:p>
+            <a:pPr marL="0" indent="0">
+              <a:buNone/>
+            </a:pPr>
+            <a:r>
+              <a:rPr lang="en-US" sz="1600" dirty="0" err="1">
+                <a:latin typeface="Consolas" panose="020B0609020204030204" pitchFamily="49" charset="0"/>
+                <a:cs typeface="Consolas" panose="020B0609020204030204" pitchFamily="49" charset="0"/>
+              </a:rPr>
+              <a:t>GCSettings.LargeObjectHeapCompactionMode</a:t>
+            </a:r>
+            <a:r>
+              <a:rPr lang="en-US" sz="1600" dirty="0">
+                <a:latin typeface="Consolas" panose="020B0609020204030204" pitchFamily="49" charset="0"/>
+                <a:cs typeface="Consolas" panose="020B0609020204030204" pitchFamily="49" charset="0"/>
+              </a:rPr>
+              <a:t> </a:t>
+            </a:r>
+            <a:r>
+              <a:rPr lang="en-US" sz="1600" dirty="0" smtClean="0">
+                <a:latin typeface="Consolas" panose="020B0609020204030204" pitchFamily="49" charset="0"/>
+                <a:cs typeface="Consolas" panose="020B0609020204030204" pitchFamily="49" charset="0"/>
+              </a:rPr>
+              <a:t>=</a:t>
+            </a:r>
+            <a:br>
+              <a:rPr lang="en-US" sz="1600" dirty="0" smtClean="0">
+                <a:latin typeface="Consolas" panose="020B0609020204030204" pitchFamily="49" charset="0"/>
+                <a:cs typeface="Consolas" panose="020B0609020204030204" pitchFamily="49" charset="0"/>
+              </a:rPr>
+            </a:br>
+            <a:r>
+              <a:rPr lang="en-US" sz="1600" dirty="0" smtClean="0">
+                <a:latin typeface="Consolas" panose="020B0609020204030204" pitchFamily="49" charset="0"/>
+                <a:cs typeface="Consolas" panose="020B0609020204030204" pitchFamily="49" charset="0"/>
+              </a:rPr>
+              <a:t>              </a:t>
+            </a:r>
+            <a:r>
+              <a:rPr lang="en-US" sz="1600" dirty="0" err="1" smtClean="0">
+                <a:latin typeface="Consolas" panose="020B0609020204030204" pitchFamily="49" charset="0"/>
+                <a:cs typeface="Consolas" panose="020B0609020204030204" pitchFamily="49" charset="0"/>
+              </a:rPr>
+              <a:t>GCLargeObjectHeapCompactionMode.CompactOnce</a:t>
+            </a:r>
+            <a:r>
+              <a:rPr lang="en-US" sz="1600" dirty="0" smtClean="0">
+                <a:latin typeface="Consolas" panose="020B0609020204030204" pitchFamily="49" charset="0"/>
+                <a:cs typeface="Consolas" panose="020B0609020204030204" pitchFamily="49" charset="0"/>
+              </a:rPr>
+              <a:t>;</a:t>
+            </a:r>
+            <a:r>
+              <a:rPr lang="ru-RU" sz="1600" dirty="0" smtClean="0">
+                <a:latin typeface="Consolas" panose="020B0609020204030204" pitchFamily="49" charset="0"/>
+                <a:cs typeface="Consolas" panose="020B0609020204030204" pitchFamily="49" charset="0"/>
+              </a:rPr>
+              <a:t/>
+            </a:r>
+            <a:br>
+              <a:rPr lang="ru-RU" sz="1600" dirty="0" smtClean="0">
+                <a:latin typeface="Consolas" panose="020B0609020204030204" pitchFamily="49" charset="0"/>
+                <a:cs typeface="Consolas" panose="020B0609020204030204" pitchFamily="49" charset="0"/>
+              </a:rPr>
+            </a:br>
+            <a:r>
+              <a:rPr lang="en-US" sz="1600" dirty="0" err="1" smtClean="0">
+                <a:latin typeface="Consolas" panose="020B0609020204030204" pitchFamily="49" charset="0"/>
+                <a:cs typeface="Consolas" panose="020B0609020204030204" pitchFamily="49" charset="0"/>
+              </a:rPr>
+              <a:t>GC.Collect</a:t>
+            </a:r>
+            <a:r>
+              <a:rPr lang="en-US" sz="1600" dirty="0" smtClean="0">
+                <a:latin typeface="Consolas" panose="020B0609020204030204" pitchFamily="49" charset="0"/>
+                <a:cs typeface="Consolas" panose="020B0609020204030204" pitchFamily="49" charset="0"/>
+              </a:rPr>
+              <a:t>();</a:t>
+            </a:r>
+            <a:endParaRPr lang="ru-RU" sz="1600" dirty="0" smtClean="0">
+              <a:latin typeface="Consolas" panose="020B0609020204030204" pitchFamily="49" charset="0"/>
+              <a:cs typeface="Consolas" panose="020B0609020204030204" pitchFamily="49" charset="0"/>
+            </a:endParaRPr>
+          </a:p>
+          <a:p>
+            <a:pPr marL="0" indent="0">
+              <a:buNone/>
+            </a:pPr>
+            <a:endParaRPr lang="ru-RU" dirty="0"/>
+          </a:p>
+          <a:p>
+            <a:pPr marL="0" indent="0">
+              <a:buNone/>
+            </a:pPr>
+            <a:r>
+              <a:rPr lang="ru-RU" dirty="0" smtClean="0"/>
+              <a:t>После полной сборки мусора свойство </a:t>
             </a:r>
             <a:r>
               <a:rPr lang="en-US" dirty="0" err="1" smtClean="0"/>
-              <a:t>DebuggableAttribute</a:t>
+              <a:t>LargeObjectHeapCompactionMode</a:t>
             </a:r>
             <a:r>
               <a:rPr lang="ru-RU" dirty="0" smtClean="0"/>
-              <a:t>	который дает команду </a:t>
+              <a:t> принимает значение </a:t>
             </a:r>
             <a:r>
               <a:rPr lang="en-US" dirty="0" smtClean="0"/>
-              <a:t>GC </a:t>
-            </a:r>
-            <a:r>
-              <a:rPr lang="ru-RU" dirty="0" smtClean="0"/>
-              <a:t>исскуственно продлевать время жизни локальных переменных до завершения метода. </a:t>
-            </a:r>
-            <a:r>
-              <a:rPr lang="ru-RU" smtClean="0"/>
-              <a:t>Это сделано чтобы программист мог без помех заниматься отладкой.</a:t>
+              <a:t>Default.</a:t>
             </a:r>
             <a:endParaRPr lang="ru-RU" dirty="0"/>
           </a:p>
@@ -10468,7 +10472,7 @@
     </p:spTree>
     <p:extLst>
       <p:ext uri="{BB962C8B-B14F-4D97-AF65-F5344CB8AC3E}">
-        <p14:creationId xmlns:p14="http://schemas.microsoft.com/office/powerpoint/2010/main" val="1960211568"/>
+        <p14:creationId xmlns:p14="http://schemas.microsoft.com/office/powerpoint/2010/main" val="4119858216"/>
       </p:ext>
     </p:extLst>
   </p:cSld>
@@ -10509,7 +10513,7 @@
             <a:spLocks noGrp="1"/>
           </p:cNvSpPr>
           <p:nvPr>
-            <p:ph type="ctrTitle"/>
+            <p:ph type="title"/>
           </p:nvPr>
         </p:nvSpPr>
         <p:spPr/>
@@ -10519,7 +10523,19 @@
           <a:p>
             <a:r>
               <a:rPr lang="ru-RU" dirty="0" smtClean="0"/>
-              <a:t>Эффективная работа с памятью</a:t>
+              <a:t>Конфигурация </a:t>
+            </a:r>
+            <a:r>
+              <a:rPr lang="en-US" dirty="0" smtClean="0"/>
+              <a:t>Debug </a:t>
+            </a:r>
+            <a:r>
+              <a:rPr lang="ru-RU" dirty="0" smtClean="0"/>
+              <a:t>и </a:t>
+            </a:r>
+            <a:r>
+              <a:rPr lang="en-US" dirty="0" smtClean="0"/>
+              <a:t>GC</a:t>
             </a:r>
             <a:endParaRPr lang="ru-RU" dirty="0"/>
           </a:p>
@@ -10527,12 +10543,12 @@
       </p:sp>
       <p:sp>
         <p:nvSpPr>
-          <p:cNvPr id="3" name="Subtitle 2"/>
+          <p:cNvPr id="3" name="Content Placeholder 2"/>
           <p:cNvSpPr>
             <a:spLocks noGrp="1"/>
           </p:cNvSpPr>
           <p:nvPr>
-            <p:ph type="subTitle" idx="1"/>
+            <p:ph idx="1"/>
           </p:nvPr>
         </p:nvSpPr>
         <p:spPr/>
@@ -10540,14 +10556,49 @@
           <a:bodyPr/>
           <a:lstStyle/>
           <a:p>
-            <a:endParaRPr lang="ru-RU"/>
+            <a:pPr marL="0" indent="0">
+              <a:buNone/>
+            </a:pPr>
+            <a:r>
+              <a:rPr lang="ru-RU" dirty="0" smtClean="0"/>
+              <a:t>При компиляции проекта в конфигурации </a:t>
+            </a:r>
+            <a:r>
+              <a:rPr lang="en-US" dirty="0" smtClean="0"/>
+              <a:t>Debug </a:t>
+            </a:r>
+            <a:r>
+              <a:rPr lang="ru-RU" dirty="0" smtClean="0"/>
+              <a:t>к сборке добавляется атрибут </a:t>
+            </a:r>
+            <a:r>
+              <a:rPr lang="en-US" dirty="0" err="1" smtClean="0"/>
+              <a:t>DebuggableAttribute</a:t>
+            </a:r>
+            <a:r>
+              <a:rPr lang="ru-RU" dirty="0" smtClean="0"/>
+              <a:t>	который дает команду </a:t>
+            </a:r>
+            <a:r>
+              <a:rPr lang="en-US" dirty="0" smtClean="0"/>
+              <a:t>GC </a:t>
+            </a:r>
+            <a:r>
+              <a:rPr lang="ru-RU" dirty="0" smtClean="0"/>
+              <a:t>исскуственно продлевать время жизни локальных переменных до завершения метода. </a:t>
+            </a:r>
+            <a:r>
+              <a:rPr lang="ru-RU" smtClean="0"/>
+              <a:t>Это сделано чтобы программист мог без помех заниматься отладкой.</a:t>
+            </a:r>
+            <a:endParaRPr lang="ru-RU" dirty="0"/>
           </a:p>
         </p:txBody>
       </p:sp>
     </p:spTree>
     <p:extLst>
       <p:ext uri="{BB962C8B-B14F-4D97-AF65-F5344CB8AC3E}">
-        <p14:creationId xmlns:p14="http://schemas.microsoft.com/office/powerpoint/2010/main" val="2886455791"/>
+        <p14:creationId xmlns:p14="http://schemas.microsoft.com/office/powerpoint/2010/main" val="1960211568"/>
       </p:ext>
     </p:extLst>
   </p:cSld>
@@ -11168,6 +11219,85 @@
             <a:spLocks noGrp="1"/>
           </p:cNvSpPr>
           <p:nvPr>
+            <p:ph type="ctrTitle"/>
+          </p:nvPr>
+        </p:nvSpPr>
+        <p:spPr/>
+        <p:txBody>
+          <a:bodyPr/>
+          <a:lstStyle/>
+          <a:p>
+            <a:r>
+              <a:rPr lang="ru-RU" dirty="0" smtClean="0"/>
+              <a:t>Эффективная работа с памятью</a:t>
+            </a:r>
+            <a:endParaRPr lang="ru-RU" dirty="0"/>
+          </a:p>
+        </p:txBody>
+      </p:sp>
+      <p:sp>
+        <p:nvSpPr>
+          <p:cNvPr id="3" name="Subtitle 2"/>
+          <p:cNvSpPr>
+            <a:spLocks noGrp="1"/>
+          </p:cNvSpPr>
+          <p:nvPr>
+            <p:ph type="subTitle" idx="1"/>
+          </p:nvPr>
+        </p:nvSpPr>
+        <p:spPr/>
+        <p:txBody>
+          <a:bodyPr/>
+          <a:lstStyle/>
+          <a:p>
+            <a:endParaRPr lang="ru-RU"/>
+          </a:p>
+        </p:txBody>
+      </p:sp>
+    </p:spTree>
+    <p:extLst>
+      <p:ext uri="{BB962C8B-B14F-4D97-AF65-F5344CB8AC3E}">
+        <p14:creationId xmlns:p14="http://schemas.microsoft.com/office/powerpoint/2010/main" val="2886455791"/>
+      </p:ext>
+    </p:extLst>
+  </p:cSld>
+  <p:clrMapOvr>
+    <a:masterClrMapping/>
+  </p:clrMapOvr>
+  <p:timing>
+    <p:tnLst>
+      <p:par>
+        <p:cTn id="1" dur="indefinite" restart="never" nodeType="tmRoot"/>
+      </p:par>
+    </p:tnLst>
+  </p:timing>
+</p:sld>
+</file>
+
+<file path=ppt/slides/slide21.xml><?xml version="1.0" encoding="utf-8"?>
+<p:sld xmlns:a="http://schemas.openxmlformats.org/drawingml/2006/main" xmlns:r="http://schemas.openxmlformats.org/officeDocument/2006/relationships" xmlns:p="http://schemas.openxmlformats.org/presentationml/2006/main">
+  <p:cSld>
+    <p:spTree>
+      <p:nvGrpSpPr>
+        <p:cNvPr id="1" name=""/>
+        <p:cNvGrpSpPr/>
+        <p:nvPr/>
+      </p:nvGrpSpPr>
+      <p:grpSpPr>
+        <a:xfrm>
+          <a:off x="0" y="0"/>
+          <a:ext cx="0" cy="0"/>
+          <a:chOff x="0" y="0"/>
+          <a:chExt cx="0" cy="0"/>
+        </a:xfrm>
+      </p:grpSpPr>
+      <p:sp>
+        <p:nvSpPr>
+          <p:cNvPr id="2" name="Title 1"/>
+          <p:cNvSpPr>
+            <a:spLocks noGrp="1"/>
+          </p:cNvSpPr>
+          <p:nvPr>
             <p:ph type="title"/>
           </p:nvPr>
         </p:nvSpPr>
@@ -11345,7 +11475,7 @@
 </p:sld>
 </file>
 
-<file path=ppt/slides/slide21.xml><?xml version="1.0" encoding="utf-8"?>
+<file path=ppt/slides/slide22.xml><?xml version="1.0" encoding="utf-8"?>
 <p:sld xmlns:a="http://schemas.openxmlformats.org/drawingml/2006/main" xmlns:r="http://schemas.openxmlformats.org/officeDocument/2006/relationships" xmlns:p="http://schemas.openxmlformats.org/presentationml/2006/main">
   <p:cSld>
     <p:spTree>
@@ -12361,7 +12491,7 @@
 </p:sld>
 </file>
 
-<file path=ppt/slides/slide22.xml><?xml version="1.0" encoding="utf-8"?>
+<file path=ppt/slides/slide23.xml><?xml version="1.0" encoding="utf-8"?>
 <p:sld xmlns:a="http://schemas.openxmlformats.org/drawingml/2006/main" xmlns:r="http://schemas.openxmlformats.org/officeDocument/2006/relationships" xmlns:p="http://schemas.openxmlformats.org/presentationml/2006/main">
   <p:cSld>
     <p:spTree>
@@ -12429,7 +12559,7 @@
 </p:sld>
 </file>
 
-<file path=ppt/slides/slide23.xml><?xml version="1.0" encoding="utf-8"?>
+<file path=ppt/slides/slide24.xml><?xml version="1.0" encoding="utf-8"?>
 <p:sld xmlns:a="http://schemas.openxmlformats.org/drawingml/2006/main" xmlns:r="http://schemas.openxmlformats.org/officeDocument/2006/relationships" xmlns:p="http://schemas.openxmlformats.org/presentationml/2006/main">
   <p:cSld>
     <p:spTree>
@@ -13623,7 +13753,7 @@
 </p:sld>
 </file>
 
-<file path=ppt/slides/slide24.xml><?xml version="1.0" encoding="utf-8"?>
+<file path=ppt/slides/slide25.xml><?xml version="1.0" encoding="utf-8"?>
 <p:sld xmlns:a="http://schemas.openxmlformats.org/drawingml/2006/main" xmlns:r="http://schemas.openxmlformats.org/officeDocument/2006/relationships" xmlns:p="http://schemas.openxmlformats.org/presentationml/2006/main">
   <p:cSld>
     <p:spTree>
@@ -14971,66 +15101,6 @@
     <p:extLst>
       <p:ext uri="{BB962C8B-B14F-4D97-AF65-F5344CB8AC3E}">
         <p14:creationId xmlns:p14="http://schemas.microsoft.com/office/powerpoint/2010/main" val="2301603699"/>
-      </p:ext>
-    </p:extLst>
-  </p:cSld>
-  <p:clrMapOvr>
-    <a:masterClrMapping/>
-  </p:clrMapOvr>
-  <p:timing>
-    <p:tnLst>
-      <p:par>
-        <p:cTn id="1" dur="indefinite" restart="never" nodeType="tmRoot"/>
-      </p:par>
-    </p:tnLst>
-  </p:timing>
-</p:sld>
-</file>
-
-<file path=ppt/slides/slide25.xml><?xml version="1.0" encoding="utf-8"?>
-<p:sld xmlns:a="http://schemas.openxmlformats.org/drawingml/2006/main" xmlns:r="http://schemas.openxmlformats.org/officeDocument/2006/relationships" xmlns:p="http://schemas.openxmlformats.org/presentationml/2006/main">
-  <p:cSld>
-    <p:spTree>
-      <p:nvGrpSpPr>
-        <p:cNvPr id="1" name=""/>
-        <p:cNvGrpSpPr/>
-        <p:nvPr/>
-      </p:nvGrpSpPr>
-      <p:grpSpPr>
-        <a:xfrm>
-          <a:off x="0" y="0"/>
-          <a:ext cx="0" cy="0"/>
-          <a:chOff x="0" y="0"/>
-          <a:chExt cx="0" cy="0"/>
-        </a:xfrm>
-      </p:grpSpPr>
-      <p:sp>
-        <p:nvSpPr>
-          <p:cNvPr id="2" name="Title 1"/>
-          <p:cNvSpPr>
-            <a:spLocks noGrp="1"/>
-          </p:cNvSpPr>
-          <p:nvPr>
-            <p:ph type="ctrTitle"/>
-          </p:nvPr>
-        </p:nvSpPr>
-        <p:spPr/>
-        <p:txBody>
-          <a:bodyPr/>
-          <a:lstStyle/>
-          <a:p>
-            <a:r>
-              <a:rPr lang="ru-RU" dirty="0" smtClean="0"/>
-              <a:t>Мониторинг используемой памяти</a:t>
-            </a:r>
-            <a:endParaRPr lang="ru-RU" dirty="0"/>
-          </a:p>
-        </p:txBody>
-      </p:sp>
-    </p:spTree>
-    <p:extLst>
-      <p:ext uri="{BB962C8B-B14F-4D97-AF65-F5344CB8AC3E}">
-        <p14:creationId xmlns:p14="http://schemas.microsoft.com/office/powerpoint/2010/main" val="833686513"/>
       </p:ext>
     </p:extLst>
   </p:cSld>
@@ -15071,32 +15141,7 @@
             <a:spLocks noGrp="1"/>
           </p:cNvSpPr>
           <p:nvPr>
-            <p:ph type="title"/>
-          </p:nvPr>
-        </p:nvSpPr>
-        <p:spPr/>
-        <p:txBody>
-          <a:bodyPr>
-            <a:normAutofit fontScale="90000"/>
-          </a:bodyPr>
-          <a:lstStyle/>
-          <a:p>
-            <a:r>
-              <a:rPr lang="ru-RU" dirty="0" smtClean="0"/>
-              <a:t>Мониторинг используемой памяти из кода</a:t>
-            </a:r>
-            <a:endParaRPr lang="ru-RU" dirty="0"/>
-          </a:p>
-        </p:txBody>
-      </p:sp>
-      <p:sp>
-        <p:nvSpPr>
-          <p:cNvPr id="3" name="Content Placeholder 2"/>
-          <p:cNvSpPr>
-            <a:spLocks noGrp="1"/>
-          </p:cNvSpPr>
-          <p:nvPr>
-            <p:ph idx="1"/>
+            <p:ph type="ctrTitle"/>
           </p:nvPr>
         </p:nvSpPr>
         <p:spPr/>
@@ -15105,79 +15150,9 @@
           <a:lstStyle/>
           <a:p>
             <a:r>
-              <a:rPr lang="en-US" dirty="0" err="1" smtClean="0"/>
-              <a:t>GC.CollectionCount</a:t>
-            </a:r>
-            <a:r>
-              <a:rPr lang="en-US" dirty="0" smtClean="0"/>
-              <a:t>(</a:t>
-            </a:r>
-            <a:r>
               <a:rPr lang="ru-RU" dirty="0" smtClean="0"/>
-              <a:t>номерПоколения</a:t>
-            </a:r>
-            <a:r>
-              <a:rPr lang="en-US" dirty="0" smtClean="0"/>
-              <a:t>)</a:t>
-            </a:r>
-            <a:r>
-              <a:rPr lang="ru-RU" dirty="0" smtClean="0"/>
-              <a:t> – сообщает сколько раз выполнялась сборка мусора для указанного поколения</a:t>
-            </a:r>
-          </a:p>
-          <a:p>
-            <a:r>
-              <a:rPr lang="en-US" dirty="0" err="1"/>
-              <a:t>GC.GetTotalMemory</a:t>
-            </a:r>
-            <a:r>
-              <a:rPr lang="en-US" dirty="0"/>
-              <a:t>(</a:t>
-            </a:r>
-            <a:r>
-              <a:rPr lang="en-US" dirty="0" err="1"/>
-              <a:t>bool</a:t>
-            </a:r>
-            <a:r>
-              <a:rPr lang="en-US" dirty="0"/>
-              <a:t> </a:t>
-            </a:r>
-            <a:r>
-              <a:rPr lang="en-US" dirty="0" err="1"/>
-              <a:t>forceFullCollection</a:t>
-            </a:r>
-            <a:r>
-              <a:rPr lang="en-US" dirty="0" smtClean="0"/>
-              <a:t>)</a:t>
-            </a:r>
-            <a:r>
-              <a:rPr lang="ru-RU" dirty="0" smtClean="0"/>
-              <a:t> – возвращает кол-во байтов выделенных в куче</a:t>
-            </a:r>
-          </a:p>
-          <a:p>
-            <a:r>
-              <a:rPr lang="en-US" dirty="0" err="1" smtClean="0"/>
-              <a:t>Environment.WorkingSet</a:t>
-            </a:r>
-            <a:r>
-              <a:rPr lang="en-US" dirty="0" smtClean="0"/>
-              <a:t> – </a:t>
-            </a:r>
-            <a:r>
-              <a:rPr lang="ru-RU" dirty="0" smtClean="0"/>
-              <a:t>размер в байтах рабочего множества процесса </a:t>
-            </a:r>
-            <a:r>
-              <a:rPr lang="en-US" dirty="0" smtClean="0"/>
-              <a:t>(working set)</a:t>
-            </a:r>
-            <a:endParaRPr lang="en-US" dirty="0"/>
-          </a:p>
-          <a:p>
-            <a:endParaRPr lang="en-US" dirty="0"/>
-          </a:p>
-          <a:p>
+              <a:t>Мониторинг используемой памяти</a:t>
+            </a:r>
             <a:endParaRPr lang="ru-RU" dirty="0"/>
           </a:p>
         </p:txBody>
@@ -15185,7 +15160,7 @@
     </p:spTree>
     <p:extLst>
       <p:ext uri="{BB962C8B-B14F-4D97-AF65-F5344CB8AC3E}">
-        <p14:creationId xmlns:p14="http://schemas.microsoft.com/office/powerpoint/2010/main" val="921719331"/>
+        <p14:creationId xmlns:p14="http://schemas.microsoft.com/office/powerpoint/2010/main" val="833686513"/>
       </p:ext>
     </p:extLst>
   </p:cSld>
@@ -15238,6 +15213,161 @@
           <a:p>
             <a:r>
               <a:rPr lang="ru-RU" dirty="0" smtClean="0"/>
+              <a:t>Мониторинг используемой памяти из кода</a:t>
+            </a:r>
+            <a:endParaRPr lang="ru-RU" dirty="0"/>
+          </a:p>
+        </p:txBody>
+      </p:sp>
+      <p:sp>
+        <p:nvSpPr>
+          <p:cNvPr id="3" name="Content Placeholder 2"/>
+          <p:cNvSpPr>
+            <a:spLocks noGrp="1"/>
+          </p:cNvSpPr>
+          <p:nvPr>
+            <p:ph idx="1"/>
+          </p:nvPr>
+        </p:nvSpPr>
+        <p:spPr/>
+        <p:txBody>
+          <a:bodyPr/>
+          <a:lstStyle/>
+          <a:p>
+            <a:r>
+              <a:rPr lang="en-US" dirty="0" err="1" smtClean="0"/>
+              <a:t>GC.CollectionCount</a:t>
+            </a:r>
+            <a:r>
+              <a:rPr lang="en-US" dirty="0" smtClean="0"/>
+              <a:t>(</a:t>
+            </a:r>
+            <a:r>
+              <a:rPr lang="ru-RU" dirty="0" smtClean="0"/>
+              <a:t>номерПоколения</a:t>
+            </a:r>
+            <a:r>
+              <a:rPr lang="en-US" dirty="0" smtClean="0"/>
+              <a:t>)</a:t>
+            </a:r>
+            <a:r>
+              <a:rPr lang="ru-RU" dirty="0" smtClean="0"/>
+              <a:t> – сообщает сколько раз выполнялась сборка мусора для указанного поколения</a:t>
+            </a:r>
+          </a:p>
+          <a:p>
+            <a:r>
+              <a:rPr lang="en-US" dirty="0" err="1"/>
+              <a:t>GC.GetTotalMemory</a:t>
+            </a:r>
+            <a:r>
+              <a:rPr lang="en-US" dirty="0"/>
+              <a:t>(</a:t>
+            </a:r>
+            <a:r>
+              <a:rPr lang="en-US" dirty="0" err="1"/>
+              <a:t>bool</a:t>
+            </a:r>
+            <a:r>
+              <a:rPr lang="en-US" dirty="0"/>
+              <a:t> </a:t>
+            </a:r>
+            <a:r>
+              <a:rPr lang="en-US" dirty="0" err="1"/>
+              <a:t>forceFullCollection</a:t>
+            </a:r>
+            <a:r>
+              <a:rPr lang="en-US" dirty="0" smtClean="0"/>
+              <a:t>)</a:t>
+            </a:r>
+            <a:r>
+              <a:rPr lang="ru-RU" dirty="0" smtClean="0"/>
+              <a:t> – возвращает кол-во байтов выделенных в куче</a:t>
+            </a:r>
+          </a:p>
+          <a:p>
+            <a:r>
+              <a:rPr lang="en-US" dirty="0" err="1" smtClean="0"/>
+              <a:t>Environment.WorkingSet</a:t>
+            </a:r>
+            <a:r>
+              <a:rPr lang="en-US" dirty="0" smtClean="0"/>
+              <a:t> – </a:t>
+            </a:r>
+            <a:r>
+              <a:rPr lang="ru-RU" dirty="0" smtClean="0"/>
+              <a:t>размер в байтах рабочего множества процесса </a:t>
+            </a:r>
+            <a:r>
+              <a:rPr lang="en-US" dirty="0" smtClean="0"/>
+              <a:t>(working set)</a:t>
+            </a:r>
+            <a:endParaRPr lang="en-US" dirty="0"/>
+          </a:p>
+          <a:p>
+            <a:endParaRPr lang="en-US" dirty="0"/>
+          </a:p>
+          <a:p>
+            <a:endParaRPr lang="ru-RU" dirty="0"/>
+          </a:p>
+        </p:txBody>
+      </p:sp>
+    </p:spTree>
+    <p:extLst>
+      <p:ext uri="{BB962C8B-B14F-4D97-AF65-F5344CB8AC3E}">
+        <p14:creationId xmlns:p14="http://schemas.microsoft.com/office/powerpoint/2010/main" val="921719331"/>
+      </p:ext>
+    </p:extLst>
+  </p:cSld>
+  <p:clrMapOvr>
+    <a:masterClrMapping/>
+  </p:clrMapOvr>
+  <p:timing>
+    <p:tnLst>
+      <p:par>
+        <p:cTn id="1" dur="indefinite" restart="never" nodeType="tmRoot"/>
+      </p:par>
+    </p:tnLst>
+  </p:timing>
+</p:sld>
+</file>
+
+<file path=ppt/slides/slide28.xml><?xml version="1.0" encoding="utf-8"?>
+<p:sld xmlns:a="http://schemas.openxmlformats.org/drawingml/2006/main" xmlns:r="http://schemas.openxmlformats.org/officeDocument/2006/relationships" xmlns:p="http://schemas.openxmlformats.org/presentationml/2006/main">
+  <p:cSld>
+    <p:spTree>
+      <p:nvGrpSpPr>
+        <p:cNvPr id="1" name=""/>
+        <p:cNvGrpSpPr/>
+        <p:nvPr/>
+      </p:nvGrpSpPr>
+      <p:grpSpPr>
+        <a:xfrm>
+          <a:off x="0" y="0"/>
+          <a:ext cx="0" cy="0"/>
+          <a:chOff x="0" y="0"/>
+          <a:chExt cx="0" cy="0"/>
+        </a:xfrm>
+      </p:grpSpPr>
+      <p:sp>
+        <p:nvSpPr>
+          <p:cNvPr id="2" name="Title 1"/>
+          <p:cNvSpPr>
+            <a:spLocks noGrp="1"/>
+          </p:cNvSpPr>
+          <p:nvPr>
+            <p:ph type="title"/>
+          </p:nvPr>
+        </p:nvSpPr>
+        <p:spPr/>
+        <p:txBody>
+          <a:bodyPr>
+            <a:normAutofit fontScale="90000"/>
+          </a:bodyPr>
+          <a:lstStyle/>
+          <a:p>
+            <a:r>
+              <a:rPr lang="ru-RU" dirty="0" smtClean="0"/>
               <a:t>Мониторинг используемой памяти внешними средствами</a:t>
             </a:r>
             <a:endParaRPr lang="ru-RU" dirty="0"/>
@@ -15368,7 +15498,7 @@
 </p:sld>
 </file>
 
-<file path=ppt/slides/slide28.xml><?xml version="1.0" encoding="utf-8"?>
+<file path=ppt/slides/slide29.xml><?xml version="1.0" encoding="utf-8"?>
 <p:sld xmlns:a="http://schemas.openxmlformats.org/drawingml/2006/main" xmlns:r="http://schemas.openxmlformats.org/officeDocument/2006/relationships" xmlns:p="http://schemas.openxmlformats.org/presentationml/2006/main">
   <p:cSld>
     <p:spTree>
@@ -19999,7 +20129,86 @@
 </p:sld>
 </file>
 
-<file path=ppt/slides/slide29.xml><?xml version="1.0" encoding="utf-8"?>
+<file path=ppt/slides/slide3.xml><?xml version="1.0" encoding="utf-8"?>
+<p:sld xmlns:a="http://schemas.openxmlformats.org/drawingml/2006/main" xmlns:r="http://schemas.openxmlformats.org/officeDocument/2006/relationships" xmlns:p="http://schemas.openxmlformats.org/presentationml/2006/main">
+  <p:cSld>
+    <p:spTree>
+      <p:nvGrpSpPr>
+        <p:cNvPr id="1" name=""/>
+        <p:cNvGrpSpPr/>
+        <p:nvPr/>
+      </p:nvGrpSpPr>
+      <p:grpSpPr>
+        <a:xfrm>
+          <a:off x="0" y="0"/>
+          <a:ext cx="0" cy="0"/>
+          <a:chOff x="0" y="0"/>
+          <a:chExt cx="0" cy="0"/>
+        </a:xfrm>
+      </p:grpSpPr>
+      <p:sp>
+        <p:nvSpPr>
+          <p:cNvPr id="2" name="Title 1"/>
+          <p:cNvSpPr>
+            <a:spLocks noGrp="1"/>
+          </p:cNvSpPr>
+          <p:nvPr>
+            <p:ph type="title"/>
+          </p:nvPr>
+        </p:nvSpPr>
+        <p:spPr/>
+        <p:txBody>
+          <a:bodyPr/>
+          <a:lstStyle/>
+          <a:p>
+            <a:r>
+              <a:rPr lang="ru-RU" dirty="0" smtClean="0"/>
+              <a:t>Ссылочные типы</a:t>
+            </a:r>
+            <a:endParaRPr lang="ru-RU" dirty="0"/>
+          </a:p>
+        </p:txBody>
+      </p:sp>
+      <p:sp>
+        <p:nvSpPr>
+          <p:cNvPr id="3" name="Content Placeholder 2"/>
+          <p:cNvSpPr>
+            <a:spLocks noGrp="1"/>
+          </p:cNvSpPr>
+          <p:nvPr>
+            <p:ph idx="1"/>
+          </p:nvPr>
+        </p:nvSpPr>
+        <p:spPr/>
+        <p:txBody>
+          <a:bodyPr/>
+          <a:lstStyle/>
+          <a:p>
+            <a:endParaRPr lang="ru-RU"/>
+          </a:p>
+        </p:txBody>
+      </p:sp>
+    </p:spTree>
+    <p:extLst>
+      <p:ext uri="{BB962C8B-B14F-4D97-AF65-F5344CB8AC3E}">
+        <p14:creationId xmlns:p14="http://schemas.microsoft.com/office/powerpoint/2010/main" val="4243704484"/>
+      </p:ext>
+    </p:extLst>
+  </p:cSld>
+  <p:clrMapOvr>
+    <a:masterClrMapping/>
+  </p:clrMapOvr>
+  <p:timing>
+    <p:tnLst>
+      <p:par>
+        <p:cTn id="1" dur="indefinite" restart="never" nodeType="tmRoot"/>
+      </p:par>
+    </p:tnLst>
+  </p:timing>
+</p:sld>
+</file>
+
+<file path=ppt/slides/slide30.xml><?xml version="1.0" encoding="utf-8"?>
 <p:sld xmlns:a="http://schemas.openxmlformats.org/drawingml/2006/main" xmlns:r="http://schemas.openxmlformats.org/officeDocument/2006/relationships" xmlns:p="http://schemas.openxmlformats.org/presentationml/2006/main">
   <p:cSld>
     <p:spTree>
@@ -20130,85 +20339,6 @@
     <p:extLst>
       <p:ext uri="{BB962C8B-B14F-4D97-AF65-F5344CB8AC3E}">
         <p14:creationId xmlns:p14="http://schemas.microsoft.com/office/powerpoint/2010/main" val="3413446304"/>
-      </p:ext>
-    </p:extLst>
-  </p:cSld>
-  <p:clrMapOvr>
-    <a:masterClrMapping/>
-  </p:clrMapOvr>
-  <p:timing>
-    <p:tnLst>
-      <p:par>
-        <p:cTn id="1" dur="indefinite" restart="never" nodeType="tmRoot"/>
-      </p:par>
-    </p:tnLst>
-  </p:timing>
-</p:sld>
-</file>
-
-<file path=ppt/slides/slide3.xml><?xml version="1.0" encoding="utf-8"?>
-<p:sld xmlns:a="http://schemas.openxmlformats.org/drawingml/2006/main" xmlns:r="http://schemas.openxmlformats.org/officeDocument/2006/relationships" xmlns:p="http://schemas.openxmlformats.org/presentationml/2006/main">
-  <p:cSld>
-    <p:spTree>
-      <p:nvGrpSpPr>
-        <p:cNvPr id="1" name=""/>
-        <p:cNvGrpSpPr/>
-        <p:nvPr/>
-      </p:nvGrpSpPr>
-      <p:grpSpPr>
-        <a:xfrm>
-          <a:off x="0" y="0"/>
-          <a:ext cx="0" cy="0"/>
-          <a:chOff x="0" y="0"/>
-          <a:chExt cx="0" cy="0"/>
-        </a:xfrm>
-      </p:grpSpPr>
-      <p:sp>
-        <p:nvSpPr>
-          <p:cNvPr id="2" name="Title 1"/>
-          <p:cNvSpPr>
-            <a:spLocks noGrp="1"/>
-          </p:cNvSpPr>
-          <p:nvPr>
-            <p:ph type="title"/>
-          </p:nvPr>
-        </p:nvSpPr>
-        <p:spPr/>
-        <p:txBody>
-          <a:bodyPr/>
-          <a:lstStyle/>
-          <a:p>
-            <a:r>
-              <a:rPr lang="ru-RU" dirty="0" smtClean="0"/>
-              <a:t>Ссылочные типы</a:t>
-            </a:r>
-            <a:endParaRPr lang="ru-RU" dirty="0"/>
-          </a:p>
-        </p:txBody>
-      </p:sp>
-      <p:sp>
-        <p:nvSpPr>
-          <p:cNvPr id="3" name="Content Placeholder 2"/>
-          <p:cNvSpPr>
-            <a:spLocks noGrp="1"/>
-          </p:cNvSpPr>
-          <p:nvPr>
-            <p:ph idx="1"/>
-          </p:nvPr>
-        </p:nvSpPr>
-        <p:spPr/>
-        <p:txBody>
-          <a:bodyPr/>
-          <a:lstStyle/>
-          <a:p>
-            <a:endParaRPr lang="ru-RU"/>
-          </a:p>
-        </p:txBody>
-      </p:sp>
-    </p:spTree>
-    <p:extLst>
-      <p:ext uri="{BB962C8B-B14F-4D97-AF65-F5344CB8AC3E}">
-        <p14:creationId xmlns:p14="http://schemas.microsoft.com/office/powerpoint/2010/main" val="4243704484"/>
       </p:ext>
     </p:extLst>
   </p:cSld>
@@ -20673,6 +20803,168 @@
             <a:spLocks noGrp="1"/>
           </p:cNvSpPr>
           <p:nvPr>
+            <p:ph type="title"/>
+          </p:nvPr>
+        </p:nvSpPr>
+        <p:spPr/>
+        <p:txBody>
+          <a:bodyPr>
+            <a:normAutofit/>
+          </a:bodyPr>
+          <a:lstStyle/>
+          <a:p>
+            <a:r>
+              <a:rPr lang="ru-RU" sz="3600" dirty="0" smtClean="0"/>
+              <a:t>Выделение памяти на стеке: </a:t>
+            </a:r>
+            <a:r>
+              <a:rPr lang="en-US" sz="3600" dirty="0" err="1" smtClean="0"/>
+              <a:t>stackalloc</a:t>
+            </a:r>
+            <a:endParaRPr lang="ru-RU" sz="3600" dirty="0"/>
+          </a:p>
+        </p:txBody>
+      </p:sp>
+      <p:sp>
+        <p:nvSpPr>
+          <p:cNvPr id="3" name="Content Placeholder 2"/>
+          <p:cNvSpPr>
+            <a:spLocks noGrp="1"/>
+          </p:cNvSpPr>
+          <p:nvPr>
+            <p:ph idx="1"/>
+          </p:nvPr>
+        </p:nvSpPr>
+        <p:spPr/>
+        <p:txBody>
+          <a:bodyPr>
+            <a:normAutofit fontScale="92500" lnSpcReduction="20000"/>
+          </a:bodyPr>
+          <a:lstStyle/>
+          <a:p>
+            <a:pPr marL="0" indent="0">
+              <a:buNone/>
+            </a:pPr>
+            <a:r>
+              <a:rPr lang="ru-RU" dirty="0" smtClean="0"/>
+              <a:t>С помощью ключевого слова </a:t>
+            </a:r>
+            <a:r>
+              <a:rPr lang="en-US" dirty="0" err="1" smtClean="0"/>
+              <a:t>stackalloc</a:t>
+            </a:r>
+            <a:r>
+              <a:rPr lang="en-US" dirty="0" smtClean="0"/>
+              <a:t> </a:t>
+            </a:r>
+            <a:r>
+              <a:rPr lang="ru-RU" dirty="0" smtClean="0"/>
+              <a:t>можно выделять память </a:t>
+            </a:r>
+            <a:r>
+              <a:rPr lang="ru-RU" smtClean="0"/>
+              <a:t>на стеке что может улучшить производительность:</a:t>
+            </a:r>
+            <a:endParaRPr lang="ru-RU" dirty="0" smtClean="0"/>
+          </a:p>
+          <a:p>
+            <a:r>
+              <a:rPr lang="ru-RU" dirty="0" smtClean="0"/>
+              <a:t>Меньшая нагрузка на </a:t>
+            </a:r>
+            <a:r>
+              <a:rPr lang="en-US" dirty="0" smtClean="0"/>
+              <a:t>GC</a:t>
+            </a:r>
+          </a:p>
+          <a:p>
+            <a:r>
+              <a:rPr lang="ru-RU" dirty="0" smtClean="0"/>
+              <a:t>Память освобождается при выходе из метода</a:t>
+            </a:r>
+          </a:p>
+          <a:p>
+            <a:r>
+              <a:rPr lang="ru-RU" dirty="0" smtClean="0"/>
+              <a:t>Улучшенная «локальность» </a:t>
+            </a:r>
+            <a:r>
+              <a:rPr lang="en-US" dirty="0" smtClean="0"/>
+              <a:t>(locality) </a:t>
+            </a:r>
+            <a:r>
+              <a:rPr lang="ru-RU" dirty="0" smtClean="0"/>
+              <a:t>данных для кеша процессора</a:t>
+            </a:r>
+          </a:p>
+          <a:p>
+            <a:endParaRPr lang="ru-RU" dirty="0"/>
+          </a:p>
+          <a:p>
+            <a:pPr marL="0" indent="0">
+              <a:buNone/>
+            </a:pPr>
+            <a:r>
+              <a:rPr lang="en-US" dirty="0" err="1" smtClean="0"/>
+              <a:t>stackalloc</a:t>
+            </a:r>
+            <a:r>
+              <a:rPr lang="en-US" dirty="0" smtClean="0"/>
+              <a:t> </a:t>
+            </a:r>
+            <a:r>
+              <a:rPr lang="ru-RU" dirty="0" smtClean="0"/>
+              <a:t>можно использовать только в </a:t>
+            </a:r>
+            <a:r>
+              <a:rPr lang="en-US" dirty="0" smtClean="0"/>
+              <a:t>unsafe </a:t>
+            </a:r>
+            <a:r>
+              <a:rPr lang="ru-RU" dirty="0" smtClean="0"/>
+              <a:t>контексте.</a:t>
+            </a:r>
+            <a:endParaRPr lang="ru-RU" dirty="0"/>
+          </a:p>
+        </p:txBody>
+      </p:sp>
+    </p:spTree>
+    <p:extLst>
+      <p:ext uri="{BB962C8B-B14F-4D97-AF65-F5344CB8AC3E}">
+        <p14:creationId xmlns:p14="http://schemas.microsoft.com/office/powerpoint/2010/main" val="3374218314"/>
+      </p:ext>
+    </p:extLst>
+  </p:cSld>
+  <p:clrMapOvr>
+    <a:masterClrMapping/>
+  </p:clrMapOvr>
+</p:sld>
+</file>
+
+<file path=ppt/slides/slide6.xml><?xml version="1.0" encoding="utf-8"?>
+<p:sld xmlns:a="http://schemas.openxmlformats.org/drawingml/2006/main" xmlns:r="http://schemas.openxmlformats.org/officeDocument/2006/relationships" xmlns:p="http://schemas.openxmlformats.org/presentationml/2006/main">
+  <p:cSld>
+    <p:spTree>
+      <p:nvGrpSpPr>
+        <p:cNvPr id="1" name=""/>
+        <p:cNvGrpSpPr/>
+        <p:nvPr/>
+      </p:nvGrpSpPr>
+      <p:grpSpPr>
+        <a:xfrm>
+          <a:off x="0" y="0"/>
+          <a:ext cx="0" cy="0"/>
+          <a:chOff x="0" y="0"/>
+          <a:chExt cx="0" cy="0"/>
+        </a:xfrm>
+      </p:grpSpPr>
+      <p:sp>
+        <p:nvSpPr>
+          <p:cNvPr id="2" name="Title 1"/>
+          <p:cNvSpPr>
+            <a:spLocks noGrp="1"/>
+          </p:cNvSpPr>
+          <p:nvPr>
             <p:ph type="ctrTitle"/>
           </p:nvPr>
         </p:nvSpPr>
@@ -20728,7 +21020,7 @@
 </p:sld>
 </file>
 
-<file path=ppt/slides/slide6.xml><?xml version="1.0" encoding="utf-8"?>
+<file path=ppt/slides/slide7.xml><?xml version="1.0" encoding="utf-8"?>
 <p:sld xmlns:a="http://schemas.openxmlformats.org/drawingml/2006/main" xmlns:r="http://schemas.openxmlformats.org/officeDocument/2006/relationships" xmlns:p="http://schemas.openxmlformats.org/presentationml/2006/main">
   <p:cSld>
     <p:spTree>
@@ -20899,7 +21191,7 @@
 </p:sld>
 </file>
 
-<file path=ppt/slides/slide7.xml><?xml version="1.0" encoding="utf-8"?>
+<file path=ppt/slides/slide8.xml><?xml version="1.0" encoding="utf-8"?>
 <p:sld xmlns:a="http://schemas.openxmlformats.org/drawingml/2006/main" xmlns:r="http://schemas.openxmlformats.org/officeDocument/2006/relationships" xmlns:p="http://schemas.openxmlformats.org/presentationml/2006/main">
   <p:cSld>
     <p:spTree>
@@ -22830,7 +23122,7 @@
 </p:sld>
 </file>
 
-<file path=ppt/slides/slide8.xml><?xml version="1.0" encoding="utf-8"?>
+<file path=ppt/slides/slide9.xml><?xml version="1.0" encoding="utf-8"?>
 <p:sld xmlns:a="http://schemas.openxmlformats.org/drawingml/2006/main" xmlns:r="http://schemas.openxmlformats.org/officeDocument/2006/relationships" xmlns:p="http://schemas.openxmlformats.org/presentationml/2006/main">
   <p:cSld>
     <p:spTree>
@@ -22930,135 +23222,6 @@
     <p:extLst>
       <p:ext uri="{BB962C8B-B14F-4D97-AF65-F5344CB8AC3E}">
         <p14:creationId xmlns:p14="http://schemas.microsoft.com/office/powerpoint/2010/main" val="2062523309"/>
-      </p:ext>
-    </p:extLst>
-  </p:cSld>
-  <p:clrMapOvr>
-    <a:masterClrMapping/>
-  </p:clrMapOvr>
-  <p:timing>
-    <p:tnLst>
-      <p:par>
-        <p:cTn id="1" dur="indefinite" restart="never" nodeType="tmRoot"/>
-      </p:par>
-    </p:tnLst>
-  </p:timing>
-</p:sld>
-</file>
-
-<file path=ppt/slides/slide9.xml><?xml version="1.0" encoding="utf-8"?>
-<p:sld xmlns:a="http://schemas.openxmlformats.org/drawingml/2006/main" xmlns:r="http://schemas.openxmlformats.org/officeDocument/2006/relationships" xmlns:p="http://schemas.openxmlformats.org/presentationml/2006/main">
-  <p:cSld>
-    <p:spTree>
-      <p:nvGrpSpPr>
-        <p:cNvPr id="1" name=""/>
-        <p:cNvGrpSpPr/>
-        <p:nvPr/>
-      </p:nvGrpSpPr>
-      <p:grpSpPr>
-        <a:xfrm>
-          <a:off x="0" y="0"/>
-          <a:ext cx="0" cy="0"/>
-          <a:chOff x="0" y="0"/>
-          <a:chExt cx="0" cy="0"/>
-        </a:xfrm>
-      </p:grpSpPr>
-      <p:sp>
-        <p:nvSpPr>
-          <p:cNvPr id="2" name="Title 1"/>
-          <p:cNvSpPr>
-            <a:spLocks noGrp="1"/>
-          </p:cNvSpPr>
-          <p:nvPr>
-            <p:ph type="title"/>
-          </p:nvPr>
-        </p:nvSpPr>
-        <p:spPr/>
-        <p:txBody>
-          <a:bodyPr>
-            <a:normAutofit fontScale="90000"/>
-          </a:bodyPr>
-          <a:lstStyle/>
-          <a:p>
-            <a:r>
-              <a:rPr lang="ru-RU" dirty="0" smtClean="0"/>
-              <a:t>Когда запускается сборщик мусора?</a:t>
-            </a:r>
-            <a:endParaRPr lang="ru-RU" dirty="0"/>
-          </a:p>
-        </p:txBody>
-      </p:sp>
-      <p:sp>
-        <p:nvSpPr>
-          <p:cNvPr id="3" name="Content Placeholder 2"/>
-          <p:cNvSpPr>
-            <a:spLocks noGrp="1"/>
-          </p:cNvSpPr>
-          <p:nvPr>
-            <p:ph idx="1"/>
-          </p:nvPr>
-        </p:nvSpPr>
-        <p:spPr/>
-        <p:txBody>
-          <a:bodyPr/>
-          <a:lstStyle/>
-          <a:p>
-            <a:r>
-              <a:rPr lang="ru-RU" dirty="0" smtClean="0"/>
-              <a:t>Если память </a:t>
-            </a:r>
-            <a:r>
-              <a:rPr lang="ru-RU" dirty="0"/>
-              <a:t>выделенная </a:t>
-            </a:r>
-            <a:r>
-              <a:rPr lang="ru-RU" dirty="0" smtClean="0"/>
-              <a:t>в управляемой кучи достигает определенного предела. Данный предел зависит от версии </a:t>
-            </a:r>
-            <a:r>
-              <a:rPr lang="en-US" dirty="0" smtClean="0"/>
-              <a:t>CLR </a:t>
-            </a:r>
-            <a:r>
-              <a:rPr lang="ru-RU" dirty="0" smtClean="0"/>
-              <a:t>и также  менятся в зависимости от поведения программы</a:t>
-            </a:r>
-          </a:p>
-          <a:p>
-            <a:r>
-              <a:rPr lang="ru-RU" dirty="0" smtClean="0"/>
-              <a:t>Если </a:t>
-            </a:r>
-            <a:r>
-              <a:rPr lang="en-US" dirty="0" smtClean="0"/>
-              <a:t>Windows</a:t>
-            </a:r>
-            <a:r>
-              <a:rPr lang="ru-RU" dirty="0" smtClean="0"/>
-              <a:t> сообщает о приближении к пределу доступной виртуальной памяти</a:t>
-            </a:r>
-          </a:p>
-          <a:p>
-            <a:r>
-              <a:rPr lang="ru-RU" dirty="0" smtClean="0"/>
-              <a:t>Вручную с помощью </a:t>
-            </a:r>
-            <a:r>
-              <a:rPr lang="en-US" dirty="0" err="1" smtClean="0"/>
-              <a:t>GC.Collect</a:t>
-            </a:r>
-            <a:r>
-              <a:rPr lang="en-US" dirty="0" smtClean="0"/>
-              <a:t>()</a:t>
-            </a:r>
-            <a:endParaRPr lang="ru-RU" dirty="0"/>
-          </a:p>
-        </p:txBody>
-      </p:sp>
-    </p:spTree>
-    <p:extLst>
-      <p:ext uri="{BB962C8B-B14F-4D97-AF65-F5344CB8AC3E}">
-        <p14:creationId xmlns:p14="http://schemas.microsoft.com/office/powerpoint/2010/main" val="2767050093"/>
       </p:ext>
     </p:extLst>
   </p:cSld>

--- a/Presentation/memory-management-and-gc.pptx
+++ b/Presentation/memory-management-and-gc.pptx
@@ -221,7 +221,7 @@
           <a:p>
             <a:fld id="{B24A7054-7FFB-49F4-A126-5DF6E687FF53}" type="datetimeFigureOut">
               <a:rPr lang="ru-RU" smtClean="0"/>
-              <a:t>06.10.2015</a:t>
+              <a:t>30.12.2015</a:t>
             </a:fld>
             <a:endParaRPr lang="ru-RU"/>
           </a:p>
@@ -1587,7 +1587,7 @@
           <a:p>
             <a:fld id="{8E6E6A2A-E9D3-4A0D-B04A-ABDD367A1E08}" type="datetimeFigureOut">
               <a:rPr lang="ru-RU" smtClean="0"/>
-              <a:t>06.10.2015</a:t>
+              <a:t>30.12.2015</a:t>
             </a:fld>
             <a:endParaRPr lang="ru-RU"/>
           </a:p>
@@ -3039,7 +3039,7 @@
           <a:p>
             <a:fld id="{AC3D3127-B7C4-45E3-9797-C527EC9FDD78}" type="datetimeFigureOut">
               <a:rPr lang="ru-RU" smtClean="0"/>
-              <a:t>06.10.2015</a:t>
+              <a:t>30.12.2015</a:t>
             </a:fld>
             <a:endParaRPr lang="ru-RU"/>
           </a:p>
@@ -21239,8 +21239,8 @@
         </p:nvSpPr>
         <p:spPr>
           <a:xfrm>
-            <a:off x="1911822" y="2066484"/>
-            <a:ext cx="5180458" cy="698500"/>
+            <a:off x="1691680" y="1328579"/>
+            <a:ext cx="5760640" cy="1436405"/>
           </a:xfrm>
           <a:prstGeom prst="rect">
             <a:avLst/>
@@ -21314,136 +21314,6 @@
         <p:spPr>
           <a:xfrm>
             <a:off x="2889722" y="2218884"/>
-            <a:ext cx="762000" cy="393700"/>
-          </a:xfrm>
-          <a:prstGeom prst="rect">
-            <a:avLst/>
-          </a:prstGeom>
-          <a:solidFill>
-            <a:srgbClr val="E9A039"/>
-          </a:solidFill>
-          <a:ln w="19050" cap="rnd" cmpd="sng" algn="ctr">
-            <a:solidFill>
-              <a:srgbClr val="6F6F6F">
-                <a:shade val="50000"/>
-              </a:srgbClr>
-            </a:solidFill>
-            <a:prstDash val="solid"/>
-          </a:ln>
-          <a:effectLst/>
-        </p:spPr>
-        <p:txBody>
-          <a:bodyPr rtlCol="0" anchor="ctr"/>
-          <a:lstStyle/>
-          <a:p>
-            <a:pPr marL="0" marR="0" lvl="0" indent="0" algn="ctr" defTabSz="914400" eaLnBrk="1" fontAlgn="auto" latinLnBrk="0" hangingPunct="1">
-              <a:lnSpc>
-                <a:spcPct val="100000"/>
-              </a:lnSpc>
-              <a:spcBef>
-                <a:spcPts val="0"/>
-              </a:spcBef>
-              <a:spcAft>
-                <a:spcPts val="0"/>
-              </a:spcAft>
-              <a:buClrTx/>
-              <a:buSzTx/>
-              <a:buFontTx/>
-              <a:buNone/>
-              <a:tabLst/>
-              <a:defRPr/>
-            </a:pPr>
-            <a:endParaRPr kumimoji="0" lang="ru-RU" sz="1800" b="0" i="0" u="none" strike="noStrike" kern="0" cap="none" spc="0" normalizeH="0" baseline="0" noProof="0" smtClean="0">
-              <a:ln>
-                <a:noFill/>
-              </a:ln>
-              <a:solidFill>
-                <a:prstClr val="white"/>
-              </a:solidFill>
-              <a:effectLst/>
-              <a:uLnTx/>
-              <a:uFillTx/>
-              <a:latin typeface="Century Gothic" panose="020B0502020202020204"/>
-              <a:ea typeface="+mn-ea"/>
-              <a:cs typeface="+mn-cs"/>
-            </a:endParaRPr>
-          </a:p>
-        </p:txBody>
-      </p:sp>
-      <p:sp>
-        <p:nvSpPr>
-          <p:cNvPr id="35" name="Rectangle 34"/>
-          <p:cNvSpPr/>
-          <p:nvPr/>
-        </p:nvSpPr>
-        <p:spPr>
-          <a:xfrm>
-            <a:off x="4121051" y="2218884"/>
-            <a:ext cx="762000" cy="393700"/>
-          </a:xfrm>
-          <a:prstGeom prst="rect">
-            <a:avLst/>
-          </a:prstGeom>
-          <a:solidFill>
-            <a:srgbClr val="E9A039"/>
-          </a:solidFill>
-          <a:ln w="19050" cap="rnd" cmpd="sng" algn="ctr">
-            <a:solidFill>
-              <a:srgbClr val="6F6F6F">
-                <a:shade val="50000"/>
-              </a:srgbClr>
-            </a:solidFill>
-            <a:prstDash val="solid"/>
-          </a:ln>
-          <a:effectLst/>
-        </p:spPr>
-        <p:txBody>
-          <a:bodyPr rtlCol="0" anchor="ctr"/>
-          <a:lstStyle/>
-          <a:p>
-            <a:pPr marL="0" marR="0" lvl="0" indent="0" algn="ctr" defTabSz="914400" eaLnBrk="1" fontAlgn="auto" latinLnBrk="0" hangingPunct="1">
-              <a:lnSpc>
-                <a:spcPct val="100000"/>
-              </a:lnSpc>
-              <a:spcBef>
-                <a:spcPts val="0"/>
-              </a:spcBef>
-              <a:spcAft>
-                <a:spcPts val="0"/>
-              </a:spcAft>
-              <a:buClrTx/>
-              <a:buSzTx/>
-              <a:buFontTx/>
-              <a:buNone/>
-              <a:tabLst/>
-              <a:defRPr/>
-            </a:pPr>
-            <a:endParaRPr kumimoji="0" lang="ru-RU" sz="1800" b="0" i="0" u="none" strike="noStrike" kern="0" cap="none" spc="0" normalizeH="0" baseline="0" noProof="0" smtClean="0">
-              <a:ln>
-                <a:noFill/>
-              </a:ln>
-              <a:solidFill>
-                <a:prstClr val="white"/>
-              </a:solidFill>
-              <a:effectLst/>
-              <a:uLnTx/>
-              <a:uFillTx/>
-              <a:latin typeface="Century Gothic" panose="020B0502020202020204"/>
-              <a:ea typeface="+mn-ea"/>
-              <a:cs typeface="+mn-cs"/>
-            </a:endParaRPr>
-          </a:p>
-        </p:txBody>
-      </p:sp>
-      <p:sp>
-        <p:nvSpPr>
-          <p:cNvPr id="36" name="Rectangle 35"/>
-          <p:cNvSpPr/>
-          <p:nvPr/>
-        </p:nvSpPr>
-        <p:spPr>
-          <a:xfrm>
-            <a:off x="5364509" y="2234614"/>
             <a:ext cx="762000" cy="393700"/>
           </a:xfrm>
           <a:prstGeom prst="rect">
@@ -22117,7 +21987,6 @@
         <p:nvCxnSpPr>
           <p:cNvPr id="47" name="Straight Arrow Connector 46"/>
           <p:cNvCxnSpPr>
-            <a:stCxn id="35" idx="2"/>
             <a:endCxn id="40" idx="0"/>
           </p:cNvCxnSpPr>
           <p:nvPr/>
@@ -22145,7 +22014,6 @@
         <p:nvCxnSpPr>
           <p:cNvPr id="48" name="Straight Arrow Connector 47"/>
           <p:cNvCxnSpPr>
-            <a:stCxn id="36" idx="2"/>
             <a:endCxn id="37" idx="0"/>
           </p:cNvCxnSpPr>
           <p:nvPr/>
@@ -22520,6 +22388,342 @@
           <a:effectLst/>
         </p:spPr>
       </p:cxnSp>
+      <p:sp>
+        <p:nvSpPr>
+          <p:cNvPr id="3" name="TextBox 2"/>
+          <p:cNvSpPr txBox="1"/>
+          <p:nvPr/>
+        </p:nvSpPr>
+        <p:spPr>
+          <a:xfrm>
+            <a:off x="5099634" y="1484784"/>
+            <a:ext cx="665567" cy="338554"/>
+          </a:xfrm>
+          <a:prstGeom prst="rect">
+            <a:avLst/>
+          </a:prstGeom>
+          <a:noFill/>
+        </p:spPr>
+        <p:txBody>
+          <a:bodyPr wrap="none" rtlCol="0">
+            <a:spAutoFit/>
+          </a:bodyPr>
+          <a:lstStyle/>
+          <a:p>
+            <a:pPr algn="ctr"/>
+            <a:r>
+              <a:rPr lang="ru-RU" sz="1600" dirty="0" smtClean="0">
+                <a:latin typeface="Century Gothic" panose="020B0502020202020204" pitchFamily="34" charset="0"/>
+              </a:rPr>
+              <a:t>Стек</a:t>
+            </a:r>
+            <a:endParaRPr lang="ru-RU" sz="1600" dirty="0" smtClean="0">
+              <a:latin typeface="Century Gothic" panose="020B0502020202020204" pitchFamily="34" charset="0"/>
+            </a:endParaRPr>
+          </a:p>
+        </p:txBody>
+      </p:sp>
+      <p:sp>
+        <p:nvSpPr>
+          <p:cNvPr id="63" name="TextBox 62"/>
+          <p:cNvSpPr txBox="1"/>
+          <p:nvPr/>
+        </p:nvSpPr>
+        <p:spPr>
+          <a:xfrm>
+            <a:off x="2893483" y="1328579"/>
+            <a:ext cx="2008469" cy="830997"/>
+          </a:xfrm>
+          <a:prstGeom prst="rect">
+            <a:avLst/>
+          </a:prstGeom>
+          <a:noFill/>
+        </p:spPr>
+        <p:txBody>
+          <a:bodyPr wrap="square" rtlCol="0">
+            <a:spAutoFit/>
+          </a:bodyPr>
+          <a:lstStyle/>
+          <a:p>
+            <a:pPr algn="ctr"/>
+            <a:r>
+              <a:rPr lang="en-US" sz="1600" dirty="0" smtClean="0">
+                <a:latin typeface="Century Gothic" panose="020B0502020202020204" pitchFamily="34" charset="0"/>
+              </a:rPr>
+              <a:t>static </a:t>
+            </a:r>
+            <a:r>
+              <a:rPr lang="ru-RU" sz="1600" dirty="0" smtClean="0">
+                <a:latin typeface="Century Gothic" panose="020B0502020202020204" pitchFamily="34" charset="0"/>
+              </a:rPr>
+              <a:t>переменные и регистры</a:t>
+            </a:r>
+            <a:endParaRPr lang="ru-RU" sz="1600" dirty="0" smtClean="0">
+              <a:latin typeface="Century Gothic" panose="020B0502020202020204" pitchFamily="34" charset="0"/>
+            </a:endParaRPr>
+          </a:p>
+        </p:txBody>
+      </p:sp>
+      <p:sp>
+        <p:nvSpPr>
+          <p:cNvPr id="64" name="Rectangle 63"/>
+          <p:cNvSpPr/>
+          <p:nvPr/>
+        </p:nvSpPr>
+        <p:spPr>
+          <a:xfrm>
+            <a:off x="5345187" y="2243212"/>
+            <a:ext cx="762000" cy="393700"/>
+          </a:xfrm>
+          <a:prstGeom prst="rect">
+            <a:avLst/>
+          </a:prstGeom>
+          <a:solidFill>
+            <a:srgbClr val="E9A039"/>
+          </a:solidFill>
+          <a:ln w="19050" cap="rnd" cmpd="sng" algn="ctr">
+            <a:solidFill>
+              <a:srgbClr val="6F6F6F">
+                <a:shade val="50000"/>
+              </a:srgbClr>
+            </a:solidFill>
+            <a:prstDash val="solid"/>
+          </a:ln>
+          <a:effectLst/>
+        </p:spPr>
+        <p:txBody>
+          <a:bodyPr rtlCol="0" anchor="ctr"/>
+          <a:lstStyle/>
+          <a:p>
+            <a:pPr marL="0" marR="0" lvl="0" indent="0" algn="ctr" defTabSz="914400" eaLnBrk="1" fontAlgn="auto" latinLnBrk="0" hangingPunct="1">
+              <a:lnSpc>
+                <a:spcPct val="100000"/>
+              </a:lnSpc>
+              <a:spcBef>
+                <a:spcPts val="0"/>
+              </a:spcBef>
+              <a:spcAft>
+                <a:spcPts val="0"/>
+              </a:spcAft>
+              <a:buClrTx/>
+              <a:buSzTx/>
+              <a:buFontTx/>
+              <a:buNone/>
+              <a:tabLst/>
+              <a:defRPr/>
+            </a:pPr>
+            <a:endParaRPr kumimoji="0" lang="ru-RU" sz="1800" b="0" i="0" u="none" strike="noStrike" kern="0" cap="none" spc="0" normalizeH="0" baseline="0" noProof="0" smtClean="0">
+              <a:ln>
+                <a:noFill/>
+              </a:ln>
+              <a:solidFill>
+                <a:prstClr val="white"/>
+              </a:solidFill>
+              <a:effectLst/>
+              <a:uLnTx/>
+              <a:uFillTx/>
+              <a:latin typeface="Century Gothic" panose="020B0502020202020204"/>
+              <a:ea typeface="+mn-ea"/>
+              <a:cs typeface="+mn-cs"/>
+            </a:endParaRPr>
+          </a:p>
+        </p:txBody>
+      </p:sp>
+      <p:sp>
+        <p:nvSpPr>
+          <p:cNvPr id="65" name="Rectangle 64"/>
+          <p:cNvSpPr/>
+          <p:nvPr/>
+        </p:nvSpPr>
+        <p:spPr>
+          <a:xfrm>
+            <a:off x="5220072" y="2085176"/>
+            <a:ext cx="762000" cy="393700"/>
+          </a:xfrm>
+          <a:prstGeom prst="rect">
+            <a:avLst/>
+          </a:prstGeom>
+          <a:solidFill>
+            <a:srgbClr val="E9A039"/>
+          </a:solidFill>
+          <a:ln w="19050" cap="rnd" cmpd="sng" algn="ctr">
+            <a:solidFill>
+              <a:srgbClr val="6F6F6F">
+                <a:shade val="50000"/>
+              </a:srgbClr>
+            </a:solidFill>
+            <a:prstDash val="solid"/>
+          </a:ln>
+          <a:effectLst/>
+        </p:spPr>
+        <p:txBody>
+          <a:bodyPr rtlCol="0" anchor="ctr"/>
+          <a:lstStyle/>
+          <a:p>
+            <a:pPr marL="0" marR="0" lvl="0" indent="0" algn="ctr" defTabSz="914400" eaLnBrk="1" fontAlgn="auto" latinLnBrk="0" hangingPunct="1">
+              <a:lnSpc>
+                <a:spcPct val="100000"/>
+              </a:lnSpc>
+              <a:spcBef>
+                <a:spcPts val="0"/>
+              </a:spcBef>
+              <a:spcAft>
+                <a:spcPts val="0"/>
+              </a:spcAft>
+              <a:buClrTx/>
+              <a:buSzTx/>
+              <a:buFontTx/>
+              <a:buNone/>
+              <a:tabLst/>
+              <a:defRPr/>
+            </a:pPr>
+            <a:endParaRPr kumimoji="0" lang="ru-RU" sz="1800" b="0" i="0" u="none" strike="noStrike" kern="0" cap="none" spc="0" normalizeH="0" baseline="0" noProof="0" smtClean="0">
+              <a:ln>
+                <a:noFill/>
+              </a:ln>
+              <a:solidFill>
+                <a:prstClr val="white"/>
+              </a:solidFill>
+              <a:effectLst/>
+              <a:uLnTx/>
+              <a:uFillTx/>
+              <a:latin typeface="Century Gothic" panose="020B0502020202020204"/>
+              <a:ea typeface="+mn-ea"/>
+              <a:cs typeface="+mn-cs"/>
+            </a:endParaRPr>
+          </a:p>
+        </p:txBody>
+      </p:sp>
+      <p:sp>
+        <p:nvSpPr>
+          <p:cNvPr id="66" name="Rectangle 65"/>
+          <p:cNvSpPr/>
+          <p:nvPr/>
+        </p:nvSpPr>
+        <p:spPr>
+          <a:xfrm>
+            <a:off x="5076056" y="1941160"/>
+            <a:ext cx="762000" cy="393700"/>
+          </a:xfrm>
+          <a:prstGeom prst="rect">
+            <a:avLst/>
+          </a:prstGeom>
+          <a:solidFill>
+            <a:srgbClr val="E9A039"/>
+          </a:solidFill>
+          <a:ln w="19050" cap="rnd" cmpd="sng" algn="ctr">
+            <a:solidFill>
+              <a:srgbClr val="6F6F6F">
+                <a:shade val="50000"/>
+              </a:srgbClr>
+            </a:solidFill>
+            <a:prstDash val="solid"/>
+          </a:ln>
+          <a:effectLst/>
+        </p:spPr>
+        <p:txBody>
+          <a:bodyPr rtlCol="0" anchor="ctr"/>
+          <a:lstStyle/>
+          <a:p>
+            <a:pPr marL="0" marR="0" lvl="0" indent="0" algn="ctr" defTabSz="914400" eaLnBrk="1" fontAlgn="auto" latinLnBrk="0" hangingPunct="1">
+              <a:lnSpc>
+                <a:spcPct val="100000"/>
+              </a:lnSpc>
+              <a:spcBef>
+                <a:spcPts val="0"/>
+              </a:spcBef>
+              <a:spcAft>
+                <a:spcPts val="0"/>
+              </a:spcAft>
+              <a:buClrTx/>
+              <a:buSzTx/>
+              <a:buFontTx/>
+              <a:buNone/>
+              <a:tabLst/>
+              <a:defRPr/>
+            </a:pPr>
+            <a:endParaRPr kumimoji="0" lang="ru-RU" sz="1800" b="0" i="0" u="none" strike="noStrike" kern="0" cap="none" spc="0" normalizeH="0" baseline="0" noProof="0" smtClean="0">
+              <a:ln>
+                <a:noFill/>
+              </a:ln>
+              <a:solidFill>
+                <a:prstClr val="white"/>
+              </a:solidFill>
+              <a:effectLst/>
+              <a:uLnTx/>
+              <a:uFillTx/>
+              <a:latin typeface="Century Gothic" panose="020B0502020202020204"/>
+              <a:ea typeface="+mn-ea"/>
+              <a:cs typeface="+mn-cs"/>
+            </a:endParaRPr>
+          </a:p>
+        </p:txBody>
+      </p:sp>
+      <p:sp>
+        <p:nvSpPr>
+          <p:cNvPr id="67" name="Rectangle 66"/>
+          <p:cNvSpPr/>
+          <p:nvPr/>
+        </p:nvSpPr>
+        <p:spPr>
+          <a:xfrm>
+            <a:off x="4139952" y="2234614"/>
+            <a:ext cx="762000" cy="393700"/>
+          </a:xfrm>
+          <a:prstGeom prst="rect">
+            <a:avLst/>
+          </a:prstGeom>
+          <a:solidFill>
+            <a:srgbClr val="E9A039"/>
+          </a:solidFill>
+          <a:ln w="19050" cap="rnd" cmpd="sng" algn="ctr">
+            <a:solidFill>
+              <a:srgbClr val="6F6F6F">
+                <a:shade val="50000"/>
+              </a:srgbClr>
+            </a:solidFill>
+            <a:prstDash val="solid"/>
+          </a:ln>
+          <a:effectLst/>
+        </p:spPr>
+        <p:txBody>
+          <a:bodyPr rtlCol="0" anchor="ctr"/>
+          <a:lstStyle/>
+          <a:p>
+            <a:pPr marL="0" marR="0" lvl="0" indent="0" algn="ctr" defTabSz="914400" eaLnBrk="1" fontAlgn="auto" latinLnBrk="0" hangingPunct="1">
+              <a:lnSpc>
+                <a:spcPct val="100000"/>
+              </a:lnSpc>
+              <a:spcBef>
+                <a:spcPts val="0"/>
+              </a:spcBef>
+              <a:spcAft>
+                <a:spcPts val="0"/>
+              </a:spcAft>
+              <a:buClrTx/>
+              <a:buSzTx/>
+              <a:buFontTx/>
+              <a:buNone/>
+              <a:tabLst/>
+              <a:defRPr/>
+            </a:pPr>
+            <a:endParaRPr kumimoji="0" lang="ru-RU" sz="1800" b="0" i="0" u="none" strike="noStrike" kern="0" cap="none" spc="0" normalizeH="0" baseline="0" noProof="0" smtClean="0">
+              <a:ln>
+                <a:noFill/>
+              </a:ln>
+              <a:solidFill>
+                <a:prstClr val="white"/>
+              </a:solidFill>
+              <a:effectLst/>
+              <a:uLnTx/>
+              <a:uFillTx/>
+              <a:latin typeface="Century Gothic" panose="020B0502020202020204"/>
+              <a:ea typeface="+mn-ea"/>
+              <a:cs typeface="+mn-cs"/>
+            </a:endParaRPr>
+          </a:p>
+        </p:txBody>
+      </p:sp>
     </p:spTree>
     <p:extLst>
       <p:ext uri="{BB962C8B-B14F-4D97-AF65-F5344CB8AC3E}">

--- a/Presentation/memory-management-and-gc.pptx
+++ b/Presentation/memory-management-and-gc.pptx
@@ -5,7 +5,7 @@
     <p:sldMasterId id="2147483648" r:id="rId1"/>
   </p:sldMasterIdLst>
   <p:notesMasterIdLst>
-    <p:notesMasterId r:id="rId32"/>
+    <p:notesMasterId r:id="rId34"/>
   </p:notesMasterIdLst>
   <p:sldIdLst>
     <p:sldId id="261" r:id="rId2"/>
@@ -24,20 +24,22 @@
     <p:sldId id="279" r:id="rId15"/>
     <p:sldId id="280" r:id="rId16"/>
     <p:sldId id="281" r:id="rId17"/>
-    <p:sldId id="272" r:id="rId18"/>
-    <p:sldId id="275" r:id="rId19"/>
-    <p:sldId id="276" r:id="rId20"/>
-    <p:sldId id="271" r:id="rId21"/>
-    <p:sldId id="263" r:id="rId22"/>
-    <p:sldId id="284" r:id="rId23"/>
-    <p:sldId id="262" r:id="rId24"/>
-    <p:sldId id="278" r:id="rId25"/>
-    <p:sldId id="282" r:id="rId26"/>
-    <p:sldId id="277" r:id="rId27"/>
-    <p:sldId id="258" r:id="rId28"/>
-    <p:sldId id="259" r:id="rId29"/>
-    <p:sldId id="283" r:id="rId30"/>
-    <p:sldId id="260" r:id="rId31"/>
+    <p:sldId id="287" r:id="rId18"/>
+    <p:sldId id="288" r:id="rId19"/>
+    <p:sldId id="272" r:id="rId20"/>
+    <p:sldId id="275" r:id="rId21"/>
+    <p:sldId id="276" r:id="rId22"/>
+    <p:sldId id="271" r:id="rId23"/>
+    <p:sldId id="263" r:id="rId24"/>
+    <p:sldId id="284" r:id="rId25"/>
+    <p:sldId id="262" r:id="rId26"/>
+    <p:sldId id="278" r:id="rId27"/>
+    <p:sldId id="282" r:id="rId28"/>
+    <p:sldId id="277" r:id="rId29"/>
+    <p:sldId id="258" r:id="rId30"/>
+    <p:sldId id="259" r:id="rId31"/>
+    <p:sldId id="283" r:id="rId32"/>
+    <p:sldId id="260" r:id="rId33"/>
   </p:sldIdLst>
   <p:sldSz cx="9144000" cy="6858000" type="screen4x3"/>
   <p:notesSz cx="6858000" cy="9144000"/>
@@ -221,7 +223,7 @@
           <a:p>
             <a:fld id="{B24A7054-7FFB-49F4-A126-5DF6E687FF53}" type="datetimeFigureOut">
               <a:rPr lang="ru-RU" smtClean="0"/>
-              <a:t>30.12.2015</a:t>
+              <a:t>04.02.2016</a:t>
             </a:fld>
             <a:endParaRPr lang="ru-RU"/>
           </a:p>
@@ -1587,7 +1589,7 @@
           <a:p>
             <a:fld id="{8E6E6A2A-E9D3-4A0D-B04A-ABDD367A1E08}" type="datetimeFigureOut">
               <a:rPr lang="ru-RU" smtClean="0"/>
-              <a:t>30.12.2015</a:t>
+              <a:t>04.02.2016</a:t>
             </a:fld>
             <a:endParaRPr lang="ru-RU"/>
           </a:p>
@@ -3039,7 +3041,7 @@
           <a:p>
             <a:fld id="{AC3D3127-B7C4-45E3-9797-C527EC9FDD78}" type="datetimeFigureOut">
               <a:rPr lang="ru-RU" smtClean="0"/>
-              <a:t>30.12.2015</a:t>
+              <a:t>04.02.2016</a:t>
             </a:fld>
             <a:endParaRPr lang="ru-RU"/>
           </a:p>
@@ -10178,21 +10180,12 @@
         </p:nvSpPr>
         <p:spPr/>
         <p:txBody>
-          <a:bodyPr>
-            <a:normAutofit fontScale="90000"/>
-          </a:bodyPr>
+          <a:bodyPr/>
           <a:lstStyle/>
           <a:p>
             <a:r>
-              <a:rPr lang="ru-RU" dirty="0" smtClean="0"/>
-              <a:t>Куча для больших объектов</a:t>
-            </a:r>
-            <a:br>
-              <a:rPr lang="ru-RU" dirty="0" smtClean="0"/>
-            </a:br>
-            <a:r>
               <a:rPr lang="en-US" dirty="0" smtClean="0"/>
-              <a:t>(Large Object Heap – LOH)</a:t>
+              <a:t>using</a:t>
             </a:r>
             <a:endParaRPr lang="ru-RU" dirty="0"/>
           </a:p>
@@ -10210,26 +10203,36 @@
         </p:nvSpPr>
         <p:spPr/>
         <p:txBody>
-          <a:bodyPr>
-            <a:normAutofit fontScale="92500" lnSpcReduction="10000"/>
-          </a:bodyPr>
+          <a:bodyPr/>
           <a:lstStyle/>
           <a:p>
             <a:r>
               <a:rPr lang="ru-RU" dirty="0" smtClean="0"/>
-              <a:t>Объекты с размером примерно больше 85 килобайт находятся в отдельной куче</a:t>
+              <a:t>Переменная видна только внутри блока</a:t>
             </a:r>
           </a:p>
           <a:p>
             <a:r>
               <a:rPr lang="ru-RU" dirty="0" smtClean="0"/>
-              <a:t>Данная куча не дефрагментируется т.к. это бы создало большую нагрузку. Фрагментация может возникнуть при интенсивном использовании памяти (сотни мегабайт) и программа выделяет большие временные объекты.</a:t>
-            </a:r>
-          </a:p>
-          <a:p>
+              <a:t>Автоматически вызывается </a:t>
+            </a:r>
+            <a:r>
+              <a:rPr lang="en-US" dirty="0" smtClean="0"/>
+              <a:t>Dispose() </a:t>
+            </a:r>
             <a:r>
               <a:rPr lang="ru-RU" dirty="0" smtClean="0"/>
-              <a:t>Объекты в данной куче считаются принадлежащими второму поколению</a:t>
+              <a:t>внутри блока </a:t>
+            </a:r>
+            <a:r>
+              <a:rPr lang="en-US" dirty="0" smtClean="0"/>
+              <a:t>finally</a:t>
+            </a:r>
+          </a:p>
+          <a:p>
+            <a:r>
+              <a:rPr lang="ru-RU" dirty="0" smtClean="0"/>
+              <a:t>Переменная доступна только для чтения</a:t>
             </a:r>
             <a:endParaRPr lang="ru-RU" dirty="0"/>
           </a:p>
@@ -10238,20 +10241,13 @@
     </p:spTree>
     <p:extLst>
       <p:ext uri="{BB962C8B-B14F-4D97-AF65-F5344CB8AC3E}">
-        <p14:creationId xmlns:p14="http://schemas.microsoft.com/office/powerpoint/2010/main" val="3103245170"/>
+        <p14:creationId xmlns:p14="http://schemas.microsoft.com/office/powerpoint/2010/main" val="1354930669"/>
       </p:ext>
     </p:extLst>
   </p:cSld>
   <p:clrMapOvr>
     <a:masterClrMapping/>
   </p:clrMapOvr>
-  <p:timing>
-    <p:tnLst>
-      <p:par>
-        <p:cTn id="1" dur="indefinite" restart="never" nodeType="tmRoot"/>
-      </p:par>
-    </p:tnLst>
-  </p:timing>
 </p:sld>
 </file>
 
@@ -10284,33 +10280,16 @@
         </p:nvSpPr>
         <p:spPr/>
         <p:txBody>
-          <a:bodyPr>
-            <a:normAutofit fontScale="90000"/>
-          </a:bodyPr>
+          <a:bodyPr/>
           <a:lstStyle/>
           <a:p>
             <a:r>
-              <a:rPr lang="en-US" dirty="0" smtClean="0"/>
-              <a:t>Large Object Heap </a:t>
-            </a:r>
-            <a:r>
               <a:rPr lang="ru-RU" dirty="0" smtClean="0"/>
-              <a:t>в </a:t>
-            </a:r>
-            <a:r>
-              <a:rPr lang="en-US" dirty="0" smtClean="0"/>
-              <a:t>.NET 4.5.1</a:t>
-            </a:r>
-            <a:r>
-              <a:rPr lang="ru-RU" dirty="0" smtClean="0"/>
-              <a:t/>
-            </a:r>
-            <a:br>
-              <a:rPr lang="ru-RU" dirty="0" smtClean="0"/>
-            </a:br>
-            <a:r>
-              <a:rPr lang="ru-RU" dirty="0" smtClean="0"/>
-              <a:t>и выше</a:t>
+              <a:t>Своя реализация </a:t>
+            </a:r>
+            <a:r>
+              <a:rPr lang="en-US" dirty="0" err="1" smtClean="0"/>
+              <a:t>IDisposable</a:t>
             </a:r>
             <a:endParaRPr lang="ru-RU" dirty="0"/>
           </a:p>
@@ -10328,142 +10307,18 @@
         </p:nvSpPr>
         <p:spPr/>
         <p:txBody>
-          <a:bodyPr>
-            <a:normAutofit lnSpcReduction="10000"/>
-          </a:bodyPr>
+          <a:bodyPr/>
           <a:lstStyle/>
           <a:p>
-            <a:pPr marL="0" indent="0">
-              <a:buNone/>
-            </a:pPr>
             <a:r>
               <a:rPr lang="ru-RU" dirty="0" smtClean="0"/>
-              <a:t>Добавлена возможность дефрагментации </a:t>
-            </a:r>
-            <a:r>
-              <a:rPr lang="en-US" dirty="0" smtClean="0"/>
-              <a:t>LOH </a:t>
-            </a:r>
+              <a:t>Должна быть реентерабельной</a:t>
+            </a:r>
+          </a:p>
+          <a:p>
             <a:r>
               <a:rPr lang="ru-RU" dirty="0" smtClean="0"/>
-              <a:t>по запросу.</a:t>
-            </a:r>
-          </a:p>
-          <a:p>
-            <a:pPr marL="0" indent="0">
-              <a:buNone/>
-            </a:pPr>
-            <a:endParaRPr lang="ru-RU" dirty="0"/>
-          </a:p>
-          <a:p>
-            <a:pPr marL="0" indent="0">
-              <a:buNone/>
-            </a:pPr>
-            <a:r>
-              <a:rPr lang="en-US" sz="1600" dirty="0" err="1">
-                <a:latin typeface="Consolas" panose="020B0609020204030204" pitchFamily="49" charset="0"/>
-                <a:cs typeface="Consolas" panose="020B0609020204030204" pitchFamily="49" charset="0"/>
-              </a:rPr>
-              <a:t>GCSettings.LargeObjectHeapCompactionMode</a:t>
-            </a:r>
-            <a:r>
-              <a:rPr lang="en-US" sz="1600" dirty="0">
-                <a:latin typeface="Consolas" panose="020B0609020204030204" pitchFamily="49" charset="0"/>
-                <a:cs typeface="Consolas" panose="020B0609020204030204" pitchFamily="49" charset="0"/>
-              </a:rPr>
-              <a:t> </a:t>
-            </a:r>
-            <a:r>
-              <a:rPr lang="en-US" sz="1600" dirty="0" smtClean="0">
-                <a:latin typeface="Consolas" panose="020B0609020204030204" pitchFamily="49" charset="0"/>
-                <a:cs typeface="Consolas" panose="020B0609020204030204" pitchFamily="49" charset="0"/>
-              </a:rPr>
-              <a:t>=</a:t>
-            </a:r>
-            <a:br>
-              <a:rPr lang="en-US" sz="1600" dirty="0" smtClean="0">
-                <a:latin typeface="Consolas" panose="020B0609020204030204" pitchFamily="49" charset="0"/>
-                <a:cs typeface="Consolas" panose="020B0609020204030204" pitchFamily="49" charset="0"/>
-              </a:rPr>
-            </a:br>
-            <a:r>
-              <a:rPr lang="en-US" sz="1600" dirty="0" smtClean="0">
-                <a:latin typeface="Consolas" panose="020B0609020204030204" pitchFamily="49" charset="0"/>
-                <a:cs typeface="Consolas" panose="020B0609020204030204" pitchFamily="49" charset="0"/>
-              </a:rPr>
-              <a:t>              </a:t>
-            </a:r>
-            <a:r>
-              <a:rPr lang="en-US" sz="1600" dirty="0" err="1" smtClean="0">
-                <a:latin typeface="Consolas" panose="020B0609020204030204" pitchFamily="49" charset="0"/>
-                <a:cs typeface="Consolas" panose="020B0609020204030204" pitchFamily="49" charset="0"/>
-              </a:rPr>
-              <a:t>GCLargeObjectHeapCompactionMode.CompactOnce</a:t>
-            </a:r>
-            <a:r>
-              <a:rPr lang="en-US" sz="1600" dirty="0" smtClean="0">
-                <a:latin typeface="Consolas" panose="020B0609020204030204" pitchFamily="49" charset="0"/>
-                <a:cs typeface="Consolas" panose="020B0609020204030204" pitchFamily="49" charset="0"/>
-              </a:rPr>
-              <a:t>;</a:t>
-            </a:r>
-            <a:r>
-              <a:rPr lang="ru-RU" sz="1600" dirty="0" smtClean="0">
-                <a:latin typeface="Consolas" panose="020B0609020204030204" pitchFamily="49" charset="0"/>
-                <a:cs typeface="Consolas" panose="020B0609020204030204" pitchFamily="49" charset="0"/>
-              </a:rPr>
-              <a:t/>
-            </a:r>
-            <a:br>
-              <a:rPr lang="ru-RU" sz="1600" dirty="0" smtClean="0">
-                <a:latin typeface="Consolas" panose="020B0609020204030204" pitchFamily="49" charset="0"/>
-                <a:cs typeface="Consolas" panose="020B0609020204030204" pitchFamily="49" charset="0"/>
-              </a:rPr>
-            </a:br>
-            <a:r>
-              <a:rPr lang="en-US" sz="1600" dirty="0" err="1" smtClean="0">
-                <a:latin typeface="Consolas" panose="020B0609020204030204" pitchFamily="49" charset="0"/>
-                <a:cs typeface="Consolas" panose="020B0609020204030204" pitchFamily="49" charset="0"/>
-              </a:rPr>
-              <a:t>GC.Collect</a:t>
-            </a:r>
-            <a:r>
-              <a:rPr lang="en-US" sz="1600" dirty="0" smtClean="0">
-                <a:latin typeface="Consolas" panose="020B0609020204030204" pitchFamily="49" charset="0"/>
-                <a:cs typeface="Consolas" panose="020B0609020204030204" pitchFamily="49" charset="0"/>
-              </a:rPr>
-              <a:t>();</a:t>
-            </a:r>
-            <a:endParaRPr lang="ru-RU" sz="1600" dirty="0" smtClean="0">
-              <a:latin typeface="Consolas" panose="020B0609020204030204" pitchFamily="49" charset="0"/>
-              <a:cs typeface="Consolas" panose="020B0609020204030204" pitchFamily="49" charset="0"/>
-            </a:endParaRPr>
-          </a:p>
-          <a:p>
-            <a:pPr marL="0" indent="0">
-              <a:buNone/>
-            </a:pPr>
-            <a:endParaRPr lang="ru-RU" dirty="0"/>
-          </a:p>
-          <a:p>
-            <a:pPr marL="0" indent="0">
-              <a:buNone/>
-            </a:pPr>
-            <a:r>
-              <a:rPr lang="ru-RU" dirty="0" smtClean="0"/>
-              <a:t>После полной сборки мусора свойство </a:t>
-            </a:r>
-            <a:r>
-              <a:rPr lang="en-US" dirty="0" err="1" smtClean="0"/>
-              <a:t>LargeObjectHeapCompactionMode</a:t>
-            </a:r>
-            <a:r>
-              <a:rPr lang="ru-RU" dirty="0" smtClean="0"/>
-              <a:t> принимает значение </a:t>
-            </a:r>
-            <a:r>
-              <a:rPr lang="en-US" dirty="0" smtClean="0"/>
-              <a:t>Default.</a:t>
+              <a:t>Не должна генерировать исключений при повторном вызове</a:t>
             </a:r>
             <a:endParaRPr lang="ru-RU" dirty="0"/>
           </a:p>
@@ -10472,20 +10327,13 @@
     </p:spTree>
     <p:extLst>
       <p:ext uri="{BB962C8B-B14F-4D97-AF65-F5344CB8AC3E}">
-        <p14:creationId xmlns:p14="http://schemas.microsoft.com/office/powerpoint/2010/main" val="4119858216"/>
+        <p14:creationId xmlns:p14="http://schemas.microsoft.com/office/powerpoint/2010/main" val="3947807755"/>
       </p:ext>
     </p:extLst>
   </p:cSld>
   <p:clrMapOvr>
     <a:masterClrMapping/>
   </p:clrMapOvr>
-  <p:timing>
-    <p:tnLst>
-      <p:par>
-        <p:cTn id="1" dur="indefinite" restart="never" nodeType="tmRoot"/>
-      </p:par>
-    </p:tnLst>
-  </p:timing>
 </p:sld>
 </file>
 
@@ -10518,24 +10366,21 @@
         </p:nvSpPr>
         <p:spPr/>
         <p:txBody>
-          <a:bodyPr/>
+          <a:bodyPr>
+            <a:normAutofit fontScale="90000"/>
+          </a:bodyPr>
           <a:lstStyle/>
           <a:p>
             <a:r>
               <a:rPr lang="ru-RU" dirty="0" smtClean="0"/>
-              <a:t>Конфигурация </a:t>
-            </a:r>
+              <a:t>Куча для больших объектов</a:t>
+            </a:r>
+            <a:br>
+              <a:rPr lang="ru-RU" dirty="0" smtClean="0"/>
+            </a:br>
             <a:r>
               <a:rPr lang="en-US" dirty="0" smtClean="0"/>
-              <a:t>Debug </a:t>
-            </a:r>
-            <a:r>
-              <a:rPr lang="ru-RU" dirty="0" smtClean="0"/>
-              <a:t>и </a:t>
-            </a:r>
-            <a:r>
-              <a:rPr lang="en-US" dirty="0" smtClean="0"/>
-              <a:t>GC</a:t>
+              <a:t>(Large Object Heap – LOH)</a:t>
             </a:r>
             <a:endParaRPr lang="ru-RU" dirty="0"/>
           </a:p>
@@ -10553,43 +10398,26 @@
         </p:nvSpPr>
         <p:spPr/>
         <p:txBody>
-          <a:bodyPr/>
+          <a:bodyPr>
+            <a:normAutofit fontScale="92500" lnSpcReduction="10000"/>
+          </a:bodyPr>
           <a:lstStyle/>
           <a:p>
-            <a:pPr marL="0" indent="0">
-              <a:buNone/>
-            </a:pPr>
             <a:r>
               <a:rPr lang="ru-RU" dirty="0" smtClean="0"/>
-              <a:t>При компиляции проекта в конфигурации </a:t>
-            </a:r>
-            <a:r>
-              <a:rPr lang="en-US" dirty="0" smtClean="0"/>
-              <a:t>Debug </a:t>
-            </a:r>
+              <a:t>Объекты с размером примерно больше 85 килобайт находятся в отдельной куче</a:t>
+            </a:r>
+          </a:p>
+          <a:p>
             <a:r>
               <a:rPr lang="ru-RU" dirty="0" smtClean="0"/>
-              <a:t>к сборке добавляется атрибут </a:t>
-            </a:r>
-            <a:r>
-              <a:rPr lang="en-US" dirty="0" err="1" smtClean="0"/>
-              <a:t>DebuggableAttribute</a:t>
-            </a:r>
+              <a:t>Данная куча не дефрагментируется т.к. это бы создало большую нагрузку. Фрагментация может возникнуть при интенсивном использовании памяти (сотни мегабайт) и программа выделяет большие временные объекты.</a:t>
+            </a:r>
+          </a:p>
+          <a:p>
             <a:r>
               <a:rPr lang="ru-RU" dirty="0" smtClean="0"/>
-              <a:t>	который дает команду </a:t>
-            </a:r>
-            <a:r>
-              <a:rPr lang="en-US" dirty="0" smtClean="0"/>
-              <a:t>GC </a:t>
-            </a:r>
-            <a:r>
-              <a:rPr lang="ru-RU" dirty="0" smtClean="0"/>
-              <a:t>исскуственно продлевать время жизни локальных переменных до завершения метода. </a:t>
-            </a:r>
-            <a:r>
-              <a:rPr lang="ru-RU" smtClean="0"/>
-              <a:t>Это сделано чтобы программист мог без помех заниматься отладкой.</a:t>
+              <a:t>Объекты в данной куче считаются принадлежащими второму поколению</a:t>
             </a:r>
             <a:endParaRPr lang="ru-RU" dirty="0"/>
           </a:p>
@@ -10598,7 +10426,7 @@
     </p:spTree>
     <p:extLst>
       <p:ext uri="{BB962C8B-B14F-4D97-AF65-F5344CB8AC3E}">
-        <p14:creationId xmlns:p14="http://schemas.microsoft.com/office/powerpoint/2010/main" val="1960211568"/>
+        <p14:creationId xmlns:p14="http://schemas.microsoft.com/office/powerpoint/2010/main" val="3103245170"/>
       </p:ext>
     </p:extLst>
   </p:cSld>
@@ -11219,17 +11047,38 @@
             <a:spLocks noGrp="1"/>
           </p:cNvSpPr>
           <p:nvPr>
-            <p:ph type="ctrTitle"/>
+            <p:ph type="title"/>
           </p:nvPr>
         </p:nvSpPr>
         <p:spPr/>
         <p:txBody>
-          <a:bodyPr/>
+          <a:bodyPr>
+            <a:normAutofit fontScale="90000"/>
+          </a:bodyPr>
           <a:lstStyle/>
           <a:p>
             <a:r>
+              <a:rPr lang="en-US" dirty="0" smtClean="0"/>
+              <a:t>Large Object Heap </a:t>
+            </a:r>
+            <a:r>
               <a:rPr lang="ru-RU" dirty="0" smtClean="0"/>
-              <a:t>Эффективная работа с памятью</a:t>
+              <a:t>в </a:t>
+            </a:r>
+            <a:r>
+              <a:rPr lang="en-US" dirty="0" smtClean="0"/>
+              <a:t>.NET 4.5.1</a:t>
+            </a:r>
+            <a:r>
+              <a:rPr lang="ru-RU" dirty="0" smtClean="0"/>
+              <a:t/>
+            </a:r>
+            <a:br>
+              <a:rPr lang="ru-RU" dirty="0" smtClean="0"/>
+            </a:br>
+            <a:r>
+              <a:rPr lang="ru-RU" dirty="0" smtClean="0"/>
+              <a:t>и выше</a:t>
             </a:r>
             <a:endParaRPr lang="ru-RU" dirty="0"/>
           </a:p>
@@ -11237,27 +11086,161 @@
       </p:sp>
       <p:sp>
         <p:nvSpPr>
-          <p:cNvPr id="3" name="Subtitle 2"/>
+          <p:cNvPr id="3" name="Content Placeholder 2"/>
           <p:cNvSpPr>
             <a:spLocks noGrp="1"/>
           </p:cNvSpPr>
           <p:nvPr>
-            <p:ph type="subTitle" idx="1"/>
+            <p:ph idx="1"/>
           </p:nvPr>
         </p:nvSpPr>
         <p:spPr/>
         <p:txBody>
-          <a:bodyPr/>
+          <a:bodyPr>
+            <a:normAutofit lnSpcReduction="10000"/>
+          </a:bodyPr>
           <a:lstStyle/>
           <a:p>
-            <a:endParaRPr lang="ru-RU"/>
+            <a:pPr marL="0" indent="0">
+              <a:buNone/>
+            </a:pPr>
+            <a:r>
+              <a:rPr lang="ru-RU" dirty="0" smtClean="0"/>
+              <a:t>Добавлена возможность дефрагментации </a:t>
+            </a:r>
+            <a:r>
+              <a:rPr lang="en-US" dirty="0" smtClean="0"/>
+              <a:t>LOH </a:t>
+            </a:r>
+            <a:r>
+              <a:rPr lang="ru-RU" dirty="0" smtClean="0"/>
+              <a:t>по запросу.</a:t>
+            </a:r>
+          </a:p>
+          <a:p>
+            <a:pPr marL="0" indent="0">
+              <a:buNone/>
+            </a:pPr>
+            <a:endParaRPr lang="ru-RU" dirty="0"/>
+          </a:p>
+          <a:p>
+            <a:pPr marL="0" indent="0">
+              <a:buNone/>
+            </a:pPr>
+            <a:r>
+              <a:rPr lang="en-US" sz="1600" dirty="0" err="1">
+                <a:latin typeface="Consolas" panose="020B0609020204030204" pitchFamily="49" charset="0"/>
+                <a:cs typeface="Consolas" panose="020B0609020204030204" pitchFamily="49" charset="0"/>
+              </a:rPr>
+              <a:t>GCSettings.LargeObjectHeapCompactionMode</a:t>
+            </a:r>
+            <a:r>
+              <a:rPr lang="en-US" sz="1600" dirty="0">
+                <a:latin typeface="Consolas" panose="020B0609020204030204" pitchFamily="49" charset="0"/>
+                <a:cs typeface="Consolas" panose="020B0609020204030204" pitchFamily="49" charset="0"/>
+              </a:rPr>
+              <a:t> </a:t>
+            </a:r>
+            <a:r>
+              <a:rPr lang="en-US" sz="1600" dirty="0" smtClean="0">
+                <a:latin typeface="Consolas" panose="020B0609020204030204" pitchFamily="49" charset="0"/>
+                <a:cs typeface="Consolas" panose="020B0609020204030204" pitchFamily="49" charset="0"/>
+              </a:rPr>
+              <a:t>=</a:t>
+            </a:r>
+            <a:br>
+              <a:rPr lang="en-US" sz="1600" dirty="0" smtClean="0">
+                <a:latin typeface="Consolas" panose="020B0609020204030204" pitchFamily="49" charset="0"/>
+                <a:cs typeface="Consolas" panose="020B0609020204030204" pitchFamily="49" charset="0"/>
+              </a:rPr>
+            </a:br>
+            <a:r>
+              <a:rPr lang="en-US" sz="1600" dirty="0" smtClean="0">
+                <a:latin typeface="Consolas" panose="020B0609020204030204" pitchFamily="49" charset="0"/>
+                <a:cs typeface="Consolas" panose="020B0609020204030204" pitchFamily="49" charset="0"/>
+              </a:rPr>
+              <a:t>              </a:t>
+            </a:r>
+            <a:r>
+              <a:rPr lang="en-US" sz="1600" dirty="0" err="1" smtClean="0">
+                <a:latin typeface="Consolas" panose="020B0609020204030204" pitchFamily="49" charset="0"/>
+                <a:cs typeface="Consolas" panose="020B0609020204030204" pitchFamily="49" charset="0"/>
+              </a:rPr>
+              <a:t>GCLargeObjectHeapCompactionMode.CompactOnce</a:t>
+            </a:r>
+            <a:r>
+              <a:rPr lang="en-US" sz="1600" dirty="0" smtClean="0">
+                <a:latin typeface="Consolas" panose="020B0609020204030204" pitchFamily="49" charset="0"/>
+                <a:cs typeface="Consolas" panose="020B0609020204030204" pitchFamily="49" charset="0"/>
+              </a:rPr>
+              <a:t>;</a:t>
+            </a:r>
+            <a:r>
+              <a:rPr lang="ru-RU" sz="1600" dirty="0" smtClean="0">
+                <a:latin typeface="Consolas" panose="020B0609020204030204" pitchFamily="49" charset="0"/>
+                <a:cs typeface="Consolas" panose="020B0609020204030204" pitchFamily="49" charset="0"/>
+              </a:rPr>
+              <a:t/>
+            </a:r>
+            <a:br>
+              <a:rPr lang="ru-RU" sz="1600" dirty="0" smtClean="0">
+                <a:latin typeface="Consolas" panose="020B0609020204030204" pitchFamily="49" charset="0"/>
+                <a:cs typeface="Consolas" panose="020B0609020204030204" pitchFamily="49" charset="0"/>
+              </a:rPr>
+            </a:br>
+            <a:r>
+              <a:rPr lang="en-US" sz="1600" dirty="0" err="1" smtClean="0">
+                <a:latin typeface="Consolas" panose="020B0609020204030204" pitchFamily="49" charset="0"/>
+                <a:cs typeface="Consolas" panose="020B0609020204030204" pitchFamily="49" charset="0"/>
+              </a:rPr>
+              <a:t>GC.Collect</a:t>
+            </a:r>
+            <a:r>
+              <a:rPr lang="en-US" sz="1600" dirty="0" smtClean="0">
+                <a:latin typeface="Consolas" panose="020B0609020204030204" pitchFamily="49" charset="0"/>
+                <a:cs typeface="Consolas" panose="020B0609020204030204" pitchFamily="49" charset="0"/>
+              </a:rPr>
+              <a:t>();</a:t>
+            </a:r>
+            <a:endParaRPr lang="ru-RU" sz="1600" dirty="0" smtClean="0">
+              <a:latin typeface="Consolas" panose="020B0609020204030204" pitchFamily="49" charset="0"/>
+              <a:cs typeface="Consolas" panose="020B0609020204030204" pitchFamily="49" charset="0"/>
+            </a:endParaRPr>
+          </a:p>
+          <a:p>
+            <a:pPr marL="0" indent="0">
+              <a:buNone/>
+            </a:pPr>
+            <a:endParaRPr lang="ru-RU" dirty="0"/>
+          </a:p>
+          <a:p>
+            <a:pPr marL="0" indent="0">
+              <a:buNone/>
+            </a:pPr>
+            <a:r>
+              <a:rPr lang="ru-RU" dirty="0" smtClean="0"/>
+              <a:t>После полной сборки мусора свойство </a:t>
+            </a:r>
+            <a:r>
+              <a:rPr lang="en-US" dirty="0" err="1" smtClean="0"/>
+              <a:t>LargeObjectHeapCompactionMode</a:t>
+            </a:r>
+            <a:r>
+              <a:rPr lang="ru-RU" dirty="0" smtClean="0"/>
+              <a:t> принимает значение </a:t>
+            </a:r>
+            <a:r>
+              <a:rPr lang="en-US" dirty="0" smtClean="0"/>
+              <a:t>Default.</a:t>
+            </a:r>
+            <a:endParaRPr lang="ru-RU" dirty="0"/>
           </a:p>
         </p:txBody>
       </p:sp>
     </p:spTree>
     <p:extLst>
       <p:ext uri="{BB962C8B-B14F-4D97-AF65-F5344CB8AC3E}">
-        <p14:creationId xmlns:p14="http://schemas.microsoft.com/office/powerpoint/2010/main" val="2886455791"/>
+        <p14:creationId xmlns:p14="http://schemas.microsoft.com/office/powerpoint/2010/main" val="4119858216"/>
       </p:ext>
     </p:extLst>
   </p:cSld>
@@ -11303,6 +11286,211 @@
         </p:nvSpPr>
         <p:spPr/>
         <p:txBody>
+          <a:bodyPr/>
+          <a:lstStyle/>
+          <a:p>
+            <a:r>
+              <a:rPr lang="ru-RU" dirty="0" smtClean="0"/>
+              <a:t>Конфигурация </a:t>
+            </a:r>
+            <a:r>
+              <a:rPr lang="en-US" dirty="0" smtClean="0"/>
+              <a:t>Debug </a:t>
+            </a:r>
+            <a:r>
+              <a:rPr lang="ru-RU" dirty="0" smtClean="0"/>
+              <a:t>и </a:t>
+            </a:r>
+            <a:r>
+              <a:rPr lang="en-US" dirty="0" smtClean="0"/>
+              <a:t>GC</a:t>
+            </a:r>
+            <a:endParaRPr lang="ru-RU" dirty="0"/>
+          </a:p>
+        </p:txBody>
+      </p:sp>
+      <p:sp>
+        <p:nvSpPr>
+          <p:cNvPr id="3" name="Content Placeholder 2"/>
+          <p:cNvSpPr>
+            <a:spLocks noGrp="1"/>
+          </p:cNvSpPr>
+          <p:nvPr>
+            <p:ph idx="1"/>
+          </p:nvPr>
+        </p:nvSpPr>
+        <p:spPr/>
+        <p:txBody>
+          <a:bodyPr/>
+          <a:lstStyle/>
+          <a:p>
+            <a:pPr marL="0" indent="0">
+              <a:buNone/>
+            </a:pPr>
+            <a:r>
+              <a:rPr lang="ru-RU" dirty="0" smtClean="0"/>
+              <a:t>При компиляции проекта в конфигурации </a:t>
+            </a:r>
+            <a:r>
+              <a:rPr lang="en-US" dirty="0" smtClean="0"/>
+              <a:t>Debug </a:t>
+            </a:r>
+            <a:r>
+              <a:rPr lang="ru-RU" dirty="0" smtClean="0"/>
+              <a:t>к сборке добавляется атрибут </a:t>
+            </a:r>
+            <a:r>
+              <a:rPr lang="en-US" dirty="0" err="1" smtClean="0"/>
+              <a:t>DebuggableAttribute</a:t>
+            </a:r>
+            <a:r>
+              <a:rPr lang="ru-RU" dirty="0" smtClean="0"/>
+              <a:t>	который дает команду </a:t>
+            </a:r>
+            <a:r>
+              <a:rPr lang="en-US" dirty="0" smtClean="0"/>
+              <a:t>GC </a:t>
+            </a:r>
+            <a:r>
+              <a:rPr lang="ru-RU" dirty="0" smtClean="0"/>
+              <a:t>исскуственно продлевать время жизни локальных переменных до завершения метода. </a:t>
+            </a:r>
+            <a:r>
+              <a:rPr lang="ru-RU" smtClean="0"/>
+              <a:t>Это сделано чтобы программист мог без помех заниматься отладкой.</a:t>
+            </a:r>
+            <a:endParaRPr lang="ru-RU" dirty="0"/>
+          </a:p>
+        </p:txBody>
+      </p:sp>
+    </p:spTree>
+    <p:extLst>
+      <p:ext uri="{BB962C8B-B14F-4D97-AF65-F5344CB8AC3E}">
+        <p14:creationId xmlns:p14="http://schemas.microsoft.com/office/powerpoint/2010/main" val="1960211568"/>
+      </p:ext>
+    </p:extLst>
+  </p:cSld>
+  <p:clrMapOvr>
+    <a:masterClrMapping/>
+  </p:clrMapOvr>
+  <p:timing>
+    <p:tnLst>
+      <p:par>
+        <p:cTn id="1" dur="indefinite" restart="never" nodeType="tmRoot"/>
+      </p:par>
+    </p:tnLst>
+  </p:timing>
+</p:sld>
+</file>
+
+<file path=ppt/slides/slide22.xml><?xml version="1.0" encoding="utf-8"?>
+<p:sld xmlns:a="http://schemas.openxmlformats.org/drawingml/2006/main" xmlns:r="http://schemas.openxmlformats.org/officeDocument/2006/relationships" xmlns:p="http://schemas.openxmlformats.org/presentationml/2006/main">
+  <p:cSld>
+    <p:spTree>
+      <p:nvGrpSpPr>
+        <p:cNvPr id="1" name=""/>
+        <p:cNvGrpSpPr/>
+        <p:nvPr/>
+      </p:nvGrpSpPr>
+      <p:grpSpPr>
+        <a:xfrm>
+          <a:off x="0" y="0"/>
+          <a:ext cx="0" cy="0"/>
+          <a:chOff x="0" y="0"/>
+          <a:chExt cx="0" cy="0"/>
+        </a:xfrm>
+      </p:grpSpPr>
+      <p:sp>
+        <p:nvSpPr>
+          <p:cNvPr id="2" name="Title 1"/>
+          <p:cNvSpPr>
+            <a:spLocks noGrp="1"/>
+          </p:cNvSpPr>
+          <p:nvPr>
+            <p:ph type="ctrTitle"/>
+          </p:nvPr>
+        </p:nvSpPr>
+        <p:spPr/>
+        <p:txBody>
+          <a:bodyPr/>
+          <a:lstStyle/>
+          <a:p>
+            <a:r>
+              <a:rPr lang="ru-RU" dirty="0" smtClean="0"/>
+              <a:t>Эффективная работа с памятью</a:t>
+            </a:r>
+            <a:endParaRPr lang="ru-RU" dirty="0"/>
+          </a:p>
+        </p:txBody>
+      </p:sp>
+      <p:sp>
+        <p:nvSpPr>
+          <p:cNvPr id="3" name="Subtitle 2"/>
+          <p:cNvSpPr>
+            <a:spLocks noGrp="1"/>
+          </p:cNvSpPr>
+          <p:nvPr>
+            <p:ph type="subTitle" idx="1"/>
+          </p:nvPr>
+        </p:nvSpPr>
+        <p:spPr/>
+        <p:txBody>
+          <a:bodyPr/>
+          <a:lstStyle/>
+          <a:p>
+            <a:endParaRPr lang="ru-RU"/>
+          </a:p>
+        </p:txBody>
+      </p:sp>
+    </p:spTree>
+    <p:extLst>
+      <p:ext uri="{BB962C8B-B14F-4D97-AF65-F5344CB8AC3E}">
+        <p14:creationId xmlns:p14="http://schemas.microsoft.com/office/powerpoint/2010/main" val="2886455791"/>
+      </p:ext>
+    </p:extLst>
+  </p:cSld>
+  <p:clrMapOvr>
+    <a:masterClrMapping/>
+  </p:clrMapOvr>
+  <p:timing>
+    <p:tnLst>
+      <p:par>
+        <p:cTn id="1" dur="indefinite" restart="never" nodeType="tmRoot"/>
+      </p:par>
+    </p:tnLst>
+  </p:timing>
+</p:sld>
+</file>
+
+<file path=ppt/slides/slide23.xml><?xml version="1.0" encoding="utf-8"?>
+<p:sld xmlns:a="http://schemas.openxmlformats.org/drawingml/2006/main" xmlns:r="http://schemas.openxmlformats.org/officeDocument/2006/relationships" xmlns:p="http://schemas.openxmlformats.org/presentationml/2006/main">
+  <p:cSld>
+    <p:spTree>
+      <p:nvGrpSpPr>
+        <p:cNvPr id="1" name=""/>
+        <p:cNvGrpSpPr/>
+        <p:nvPr/>
+      </p:nvGrpSpPr>
+      <p:grpSpPr>
+        <a:xfrm>
+          <a:off x="0" y="0"/>
+          <a:ext cx="0" cy="0"/>
+          <a:chOff x="0" y="0"/>
+          <a:chExt cx="0" cy="0"/>
+        </a:xfrm>
+      </p:grpSpPr>
+      <p:sp>
+        <p:nvSpPr>
+          <p:cNvPr id="2" name="Title 1"/>
+          <p:cNvSpPr>
+            <a:spLocks noGrp="1"/>
+          </p:cNvSpPr>
+          <p:nvPr>
+            <p:ph type="title"/>
+          </p:nvPr>
+        </p:nvSpPr>
+        <p:spPr/>
+        <p:txBody>
           <a:bodyPr>
             <a:normAutofit fontScale="90000"/>
           </a:bodyPr>
@@ -11475,7 +11663,7 @@
 </p:sld>
 </file>
 
-<file path=ppt/slides/slide22.xml><?xml version="1.0" encoding="utf-8"?>
+<file path=ppt/slides/slide24.xml><?xml version="1.0" encoding="utf-8"?>
 <p:sld xmlns:a="http://schemas.openxmlformats.org/drawingml/2006/main" xmlns:r="http://schemas.openxmlformats.org/officeDocument/2006/relationships" xmlns:p="http://schemas.openxmlformats.org/presentationml/2006/main">
   <p:cSld>
     <p:spTree>
@@ -12491,7 +12679,7 @@
 </p:sld>
 </file>
 
-<file path=ppt/slides/slide23.xml><?xml version="1.0" encoding="utf-8"?>
+<file path=ppt/slides/slide25.xml><?xml version="1.0" encoding="utf-8"?>
 <p:sld xmlns:a="http://schemas.openxmlformats.org/drawingml/2006/main" xmlns:r="http://schemas.openxmlformats.org/officeDocument/2006/relationships" xmlns:p="http://schemas.openxmlformats.org/presentationml/2006/main">
   <p:cSld>
     <p:spTree>
@@ -12559,7 +12747,7 @@
 </p:sld>
 </file>
 
-<file path=ppt/slides/slide24.xml><?xml version="1.0" encoding="utf-8"?>
+<file path=ppt/slides/slide26.xml><?xml version="1.0" encoding="utf-8"?>
 <p:sld xmlns:a="http://schemas.openxmlformats.org/drawingml/2006/main" xmlns:r="http://schemas.openxmlformats.org/officeDocument/2006/relationships" xmlns:p="http://schemas.openxmlformats.org/presentationml/2006/main">
   <p:cSld>
     <p:spTree>
@@ -13753,7 +13941,7 @@
 </p:sld>
 </file>
 
-<file path=ppt/slides/slide25.xml><?xml version="1.0" encoding="utf-8"?>
+<file path=ppt/slides/slide27.xml><?xml version="1.0" encoding="utf-8"?>
 <p:sld xmlns:a="http://schemas.openxmlformats.org/drawingml/2006/main" xmlns:r="http://schemas.openxmlformats.org/officeDocument/2006/relationships" xmlns:p="http://schemas.openxmlformats.org/presentationml/2006/main">
   <p:cSld>
     <p:spTree>
@@ -15101,221 +15289,6 @@
     <p:extLst>
       <p:ext uri="{BB962C8B-B14F-4D97-AF65-F5344CB8AC3E}">
         <p14:creationId xmlns:p14="http://schemas.microsoft.com/office/powerpoint/2010/main" val="2301603699"/>
-      </p:ext>
-    </p:extLst>
-  </p:cSld>
-  <p:clrMapOvr>
-    <a:masterClrMapping/>
-  </p:clrMapOvr>
-  <p:timing>
-    <p:tnLst>
-      <p:par>
-        <p:cTn id="1" dur="indefinite" restart="never" nodeType="tmRoot"/>
-      </p:par>
-    </p:tnLst>
-  </p:timing>
-</p:sld>
-</file>
-
-<file path=ppt/slides/slide26.xml><?xml version="1.0" encoding="utf-8"?>
-<p:sld xmlns:a="http://schemas.openxmlformats.org/drawingml/2006/main" xmlns:r="http://schemas.openxmlformats.org/officeDocument/2006/relationships" xmlns:p="http://schemas.openxmlformats.org/presentationml/2006/main">
-  <p:cSld>
-    <p:spTree>
-      <p:nvGrpSpPr>
-        <p:cNvPr id="1" name=""/>
-        <p:cNvGrpSpPr/>
-        <p:nvPr/>
-      </p:nvGrpSpPr>
-      <p:grpSpPr>
-        <a:xfrm>
-          <a:off x="0" y="0"/>
-          <a:ext cx="0" cy="0"/>
-          <a:chOff x="0" y="0"/>
-          <a:chExt cx="0" cy="0"/>
-        </a:xfrm>
-      </p:grpSpPr>
-      <p:sp>
-        <p:nvSpPr>
-          <p:cNvPr id="2" name="Title 1"/>
-          <p:cNvSpPr>
-            <a:spLocks noGrp="1"/>
-          </p:cNvSpPr>
-          <p:nvPr>
-            <p:ph type="ctrTitle"/>
-          </p:nvPr>
-        </p:nvSpPr>
-        <p:spPr/>
-        <p:txBody>
-          <a:bodyPr/>
-          <a:lstStyle/>
-          <a:p>
-            <a:r>
-              <a:rPr lang="ru-RU" dirty="0" smtClean="0"/>
-              <a:t>Мониторинг используемой памяти</a:t>
-            </a:r>
-            <a:endParaRPr lang="ru-RU" dirty="0"/>
-          </a:p>
-        </p:txBody>
-      </p:sp>
-    </p:spTree>
-    <p:extLst>
-      <p:ext uri="{BB962C8B-B14F-4D97-AF65-F5344CB8AC3E}">
-        <p14:creationId xmlns:p14="http://schemas.microsoft.com/office/powerpoint/2010/main" val="833686513"/>
-      </p:ext>
-    </p:extLst>
-  </p:cSld>
-  <p:clrMapOvr>
-    <a:masterClrMapping/>
-  </p:clrMapOvr>
-  <p:timing>
-    <p:tnLst>
-      <p:par>
-        <p:cTn id="1" dur="indefinite" restart="never" nodeType="tmRoot"/>
-      </p:par>
-    </p:tnLst>
-  </p:timing>
-</p:sld>
-</file>
-
-<file path=ppt/slides/slide27.xml><?xml version="1.0" encoding="utf-8"?>
-<p:sld xmlns:a="http://schemas.openxmlformats.org/drawingml/2006/main" xmlns:r="http://schemas.openxmlformats.org/officeDocument/2006/relationships" xmlns:p="http://schemas.openxmlformats.org/presentationml/2006/main">
-  <p:cSld>
-    <p:spTree>
-      <p:nvGrpSpPr>
-        <p:cNvPr id="1" name=""/>
-        <p:cNvGrpSpPr/>
-        <p:nvPr/>
-      </p:nvGrpSpPr>
-      <p:grpSpPr>
-        <a:xfrm>
-          <a:off x="0" y="0"/>
-          <a:ext cx="0" cy="0"/>
-          <a:chOff x="0" y="0"/>
-          <a:chExt cx="0" cy="0"/>
-        </a:xfrm>
-      </p:grpSpPr>
-      <p:sp>
-        <p:nvSpPr>
-          <p:cNvPr id="2" name="Title 1"/>
-          <p:cNvSpPr>
-            <a:spLocks noGrp="1"/>
-          </p:cNvSpPr>
-          <p:nvPr>
-            <p:ph type="title"/>
-          </p:nvPr>
-        </p:nvSpPr>
-        <p:spPr/>
-        <p:txBody>
-          <a:bodyPr>
-            <a:normAutofit fontScale="90000"/>
-          </a:bodyPr>
-          <a:lstStyle/>
-          <a:p>
-            <a:r>
-              <a:rPr lang="ru-RU" dirty="0" smtClean="0"/>
-              <a:t>Мониторинг используемой памяти из кода</a:t>
-            </a:r>
-            <a:endParaRPr lang="ru-RU" dirty="0"/>
-          </a:p>
-        </p:txBody>
-      </p:sp>
-      <p:sp>
-        <p:nvSpPr>
-          <p:cNvPr id="3" name="Content Placeholder 2"/>
-          <p:cNvSpPr>
-            <a:spLocks noGrp="1"/>
-          </p:cNvSpPr>
-          <p:nvPr>
-            <p:ph idx="1"/>
-          </p:nvPr>
-        </p:nvSpPr>
-        <p:spPr/>
-        <p:txBody>
-          <a:bodyPr/>
-          <a:lstStyle/>
-          <a:p>
-            <a:r>
-              <a:rPr lang="en-US" dirty="0" err="1" smtClean="0"/>
-              <a:t>GC.CollectionCount</a:t>
-            </a:r>
-            <a:r>
-              <a:rPr lang="en-US" dirty="0" smtClean="0"/>
-              <a:t>(</a:t>
-            </a:r>
-            <a:r>
-              <a:rPr lang="ru-RU" dirty="0" smtClean="0"/>
-              <a:t>номерПоколения</a:t>
-            </a:r>
-            <a:r>
-              <a:rPr lang="en-US" dirty="0" smtClean="0"/>
-              <a:t>)</a:t>
-            </a:r>
-            <a:r>
-              <a:rPr lang="ru-RU" dirty="0" smtClean="0"/>
-              <a:t> – сообщает сколько раз выполнялась сборка мусора для указанного поколения</a:t>
-            </a:r>
-          </a:p>
-          <a:p>
-            <a:r>
-              <a:rPr lang="en-US" dirty="0" err="1"/>
-              <a:t>GC.GetTotalMemory</a:t>
-            </a:r>
-            <a:r>
-              <a:rPr lang="en-US" dirty="0"/>
-              <a:t>(</a:t>
-            </a:r>
-            <a:r>
-              <a:rPr lang="en-US" dirty="0" err="1"/>
-              <a:t>bool</a:t>
-            </a:r>
-            <a:r>
-              <a:rPr lang="en-US" dirty="0"/>
-              <a:t> </a:t>
-            </a:r>
-            <a:r>
-              <a:rPr lang="en-US" dirty="0" err="1"/>
-              <a:t>forceFullCollection</a:t>
-            </a:r>
-            <a:r>
-              <a:rPr lang="en-US" dirty="0" smtClean="0"/>
-              <a:t>)</a:t>
-            </a:r>
-            <a:r>
-              <a:rPr lang="ru-RU" dirty="0" smtClean="0"/>
-              <a:t> – возвращает кол-во байтов выделенных в куче</a:t>
-            </a:r>
-          </a:p>
-          <a:p>
-            <a:r>
-              <a:rPr lang="en-US" dirty="0" err="1" smtClean="0"/>
-              <a:t>Environment.WorkingSet</a:t>
-            </a:r>
-            <a:r>
-              <a:rPr lang="en-US" dirty="0" smtClean="0"/>
-              <a:t> – </a:t>
-            </a:r>
-            <a:r>
-              <a:rPr lang="ru-RU" dirty="0" smtClean="0"/>
-              <a:t>размер в байтах рабочего множества процесса </a:t>
-            </a:r>
-            <a:r>
-              <a:rPr lang="en-US" dirty="0" smtClean="0"/>
-              <a:t>(working set)</a:t>
-            </a:r>
-            <a:endParaRPr lang="en-US" dirty="0"/>
-          </a:p>
-          <a:p>
-            <a:endParaRPr lang="en-US" dirty="0"/>
-          </a:p>
-          <a:p>
-            <a:endParaRPr lang="ru-RU" dirty="0"/>
-          </a:p>
-        </p:txBody>
-      </p:sp>
-    </p:spTree>
-    <p:extLst>
-      <p:ext uri="{BB962C8B-B14F-4D97-AF65-F5344CB8AC3E}">
-        <p14:creationId xmlns:p14="http://schemas.microsoft.com/office/powerpoint/2010/main" val="921719331"/>
       </p:ext>
     </p:extLst>
   </p:cSld>
@@ -15356,6 +15329,300 @@
             <a:spLocks noGrp="1"/>
           </p:cNvSpPr>
           <p:nvPr>
+            <p:ph type="ctrTitle"/>
+          </p:nvPr>
+        </p:nvSpPr>
+        <p:spPr/>
+        <p:txBody>
+          <a:bodyPr/>
+          <a:lstStyle/>
+          <a:p>
+            <a:r>
+              <a:rPr lang="ru-RU" dirty="0" smtClean="0"/>
+              <a:t>Мониторинг используемой памяти</a:t>
+            </a:r>
+            <a:endParaRPr lang="ru-RU" dirty="0"/>
+          </a:p>
+        </p:txBody>
+      </p:sp>
+    </p:spTree>
+    <p:extLst>
+      <p:ext uri="{BB962C8B-B14F-4D97-AF65-F5344CB8AC3E}">
+        <p14:creationId xmlns:p14="http://schemas.microsoft.com/office/powerpoint/2010/main" val="833686513"/>
+      </p:ext>
+    </p:extLst>
+  </p:cSld>
+  <p:clrMapOvr>
+    <a:masterClrMapping/>
+  </p:clrMapOvr>
+  <p:timing>
+    <p:tnLst>
+      <p:par>
+        <p:cTn id="1" dur="indefinite" restart="never" nodeType="tmRoot"/>
+      </p:par>
+    </p:tnLst>
+  </p:timing>
+</p:sld>
+</file>
+
+<file path=ppt/slides/slide29.xml><?xml version="1.0" encoding="utf-8"?>
+<p:sld xmlns:a="http://schemas.openxmlformats.org/drawingml/2006/main" xmlns:r="http://schemas.openxmlformats.org/officeDocument/2006/relationships" xmlns:p="http://schemas.openxmlformats.org/presentationml/2006/main">
+  <p:cSld>
+    <p:spTree>
+      <p:nvGrpSpPr>
+        <p:cNvPr id="1" name=""/>
+        <p:cNvGrpSpPr/>
+        <p:nvPr/>
+      </p:nvGrpSpPr>
+      <p:grpSpPr>
+        <a:xfrm>
+          <a:off x="0" y="0"/>
+          <a:ext cx="0" cy="0"/>
+          <a:chOff x="0" y="0"/>
+          <a:chExt cx="0" cy="0"/>
+        </a:xfrm>
+      </p:grpSpPr>
+      <p:sp>
+        <p:nvSpPr>
+          <p:cNvPr id="2" name="Title 1"/>
+          <p:cNvSpPr>
+            <a:spLocks noGrp="1"/>
+          </p:cNvSpPr>
+          <p:nvPr>
+            <p:ph type="title"/>
+          </p:nvPr>
+        </p:nvSpPr>
+        <p:spPr/>
+        <p:txBody>
+          <a:bodyPr>
+            <a:normAutofit fontScale="90000"/>
+          </a:bodyPr>
+          <a:lstStyle/>
+          <a:p>
+            <a:r>
+              <a:rPr lang="ru-RU" dirty="0" smtClean="0"/>
+              <a:t>Мониторинг используемой памяти из кода</a:t>
+            </a:r>
+            <a:endParaRPr lang="ru-RU" dirty="0"/>
+          </a:p>
+        </p:txBody>
+      </p:sp>
+      <p:sp>
+        <p:nvSpPr>
+          <p:cNvPr id="3" name="Content Placeholder 2"/>
+          <p:cNvSpPr>
+            <a:spLocks noGrp="1"/>
+          </p:cNvSpPr>
+          <p:nvPr>
+            <p:ph idx="1"/>
+          </p:nvPr>
+        </p:nvSpPr>
+        <p:spPr/>
+        <p:txBody>
+          <a:bodyPr/>
+          <a:lstStyle/>
+          <a:p>
+            <a:r>
+              <a:rPr lang="en-US" dirty="0" err="1" smtClean="0"/>
+              <a:t>GC.CollectionCount</a:t>
+            </a:r>
+            <a:r>
+              <a:rPr lang="en-US" dirty="0" smtClean="0"/>
+              <a:t>(</a:t>
+            </a:r>
+            <a:r>
+              <a:rPr lang="ru-RU" dirty="0" smtClean="0"/>
+              <a:t>номерПоколения</a:t>
+            </a:r>
+            <a:r>
+              <a:rPr lang="en-US" dirty="0" smtClean="0"/>
+              <a:t>)</a:t>
+            </a:r>
+            <a:r>
+              <a:rPr lang="ru-RU" dirty="0" smtClean="0"/>
+              <a:t> – сообщает сколько раз выполнялась сборка мусора для указанного поколения</a:t>
+            </a:r>
+          </a:p>
+          <a:p>
+            <a:r>
+              <a:rPr lang="en-US" dirty="0" err="1"/>
+              <a:t>GC.GetTotalMemory</a:t>
+            </a:r>
+            <a:r>
+              <a:rPr lang="en-US" dirty="0"/>
+              <a:t>(</a:t>
+            </a:r>
+            <a:r>
+              <a:rPr lang="en-US" dirty="0" err="1"/>
+              <a:t>bool</a:t>
+            </a:r>
+            <a:r>
+              <a:rPr lang="en-US" dirty="0"/>
+              <a:t> </a:t>
+            </a:r>
+            <a:r>
+              <a:rPr lang="en-US" dirty="0" err="1"/>
+              <a:t>forceFullCollection</a:t>
+            </a:r>
+            <a:r>
+              <a:rPr lang="en-US" dirty="0" smtClean="0"/>
+              <a:t>)</a:t>
+            </a:r>
+            <a:r>
+              <a:rPr lang="ru-RU" dirty="0" smtClean="0"/>
+              <a:t> – возвращает кол-во байтов выделенных в куче</a:t>
+            </a:r>
+          </a:p>
+          <a:p>
+            <a:r>
+              <a:rPr lang="en-US" dirty="0" err="1" smtClean="0"/>
+              <a:t>Environment.WorkingSet</a:t>
+            </a:r>
+            <a:r>
+              <a:rPr lang="en-US" dirty="0" smtClean="0"/>
+              <a:t> – </a:t>
+            </a:r>
+            <a:r>
+              <a:rPr lang="ru-RU" dirty="0" smtClean="0"/>
+              <a:t>размер в байтах рабочего множества процесса </a:t>
+            </a:r>
+            <a:r>
+              <a:rPr lang="en-US" dirty="0" smtClean="0"/>
+              <a:t>(working set)</a:t>
+            </a:r>
+            <a:endParaRPr lang="en-US" dirty="0"/>
+          </a:p>
+          <a:p>
+            <a:endParaRPr lang="en-US" dirty="0"/>
+          </a:p>
+          <a:p>
+            <a:endParaRPr lang="ru-RU" dirty="0"/>
+          </a:p>
+        </p:txBody>
+      </p:sp>
+    </p:spTree>
+    <p:extLst>
+      <p:ext uri="{BB962C8B-B14F-4D97-AF65-F5344CB8AC3E}">
+        <p14:creationId xmlns:p14="http://schemas.microsoft.com/office/powerpoint/2010/main" val="921719331"/>
+      </p:ext>
+    </p:extLst>
+  </p:cSld>
+  <p:clrMapOvr>
+    <a:masterClrMapping/>
+  </p:clrMapOvr>
+  <p:timing>
+    <p:tnLst>
+      <p:par>
+        <p:cTn id="1" dur="indefinite" restart="never" nodeType="tmRoot"/>
+      </p:par>
+    </p:tnLst>
+  </p:timing>
+</p:sld>
+</file>
+
+<file path=ppt/slides/slide3.xml><?xml version="1.0" encoding="utf-8"?>
+<p:sld xmlns:a="http://schemas.openxmlformats.org/drawingml/2006/main" xmlns:r="http://schemas.openxmlformats.org/officeDocument/2006/relationships" xmlns:p="http://schemas.openxmlformats.org/presentationml/2006/main">
+  <p:cSld>
+    <p:spTree>
+      <p:nvGrpSpPr>
+        <p:cNvPr id="1" name=""/>
+        <p:cNvGrpSpPr/>
+        <p:nvPr/>
+      </p:nvGrpSpPr>
+      <p:grpSpPr>
+        <a:xfrm>
+          <a:off x="0" y="0"/>
+          <a:ext cx="0" cy="0"/>
+          <a:chOff x="0" y="0"/>
+          <a:chExt cx="0" cy="0"/>
+        </a:xfrm>
+      </p:grpSpPr>
+      <p:sp>
+        <p:nvSpPr>
+          <p:cNvPr id="2" name="Title 1"/>
+          <p:cNvSpPr>
+            <a:spLocks noGrp="1"/>
+          </p:cNvSpPr>
+          <p:nvPr>
+            <p:ph type="title"/>
+          </p:nvPr>
+        </p:nvSpPr>
+        <p:spPr/>
+        <p:txBody>
+          <a:bodyPr/>
+          <a:lstStyle/>
+          <a:p>
+            <a:r>
+              <a:rPr lang="ru-RU" dirty="0" smtClean="0"/>
+              <a:t>Ссылочные типы</a:t>
+            </a:r>
+            <a:endParaRPr lang="ru-RU" dirty="0"/>
+          </a:p>
+        </p:txBody>
+      </p:sp>
+      <p:sp>
+        <p:nvSpPr>
+          <p:cNvPr id="3" name="Content Placeholder 2"/>
+          <p:cNvSpPr>
+            <a:spLocks noGrp="1"/>
+          </p:cNvSpPr>
+          <p:nvPr>
+            <p:ph idx="1"/>
+          </p:nvPr>
+        </p:nvSpPr>
+        <p:spPr/>
+        <p:txBody>
+          <a:bodyPr/>
+          <a:lstStyle/>
+          <a:p>
+            <a:endParaRPr lang="ru-RU"/>
+          </a:p>
+        </p:txBody>
+      </p:sp>
+    </p:spTree>
+    <p:extLst>
+      <p:ext uri="{BB962C8B-B14F-4D97-AF65-F5344CB8AC3E}">
+        <p14:creationId xmlns:p14="http://schemas.microsoft.com/office/powerpoint/2010/main" val="4243704484"/>
+      </p:ext>
+    </p:extLst>
+  </p:cSld>
+  <p:clrMapOvr>
+    <a:masterClrMapping/>
+  </p:clrMapOvr>
+  <p:timing>
+    <p:tnLst>
+      <p:par>
+        <p:cTn id="1" dur="indefinite" restart="never" nodeType="tmRoot"/>
+      </p:par>
+    </p:tnLst>
+  </p:timing>
+</p:sld>
+</file>
+
+<file path=ppt/slides/slide30.xml><?xml version="1.0" encoding="utf-8"?>
+<p:sld xmlns:a="http://schemas.openxmlformats.org/drawingml/2006/main" xmlns:r="http://schemas.openxmlformats.org/officeDocument/2006/relationships" xmlns:p="http://schemas.openxmlformats.org/presentationml/2006/main">
+  <p:cSld>
+    <p:spTree>
+      <p:nvGrpSpPr>
+        <p:cNvPr id="1" name=""/>
+        <p:cNvGrpSpPr/>
+        <p:nvPr/>
+      </p:nvGrpSpPr>
+      <p:grpSpPr>
+        <a:xfrm>
+          <a:off x="0" y="0"/>
+          <a:ext cx="0" cy="0"/>
+          <a:chOff x="0" y="0"/>
+          <a:chExt cx="0" cy="0"/>
+        </a:xfrm>
+      </p:grpSpPr>
+      <p:sp>
+        <p:nvSpPr>
+          <p:cNvPr id="2" name="Title 1"/>
+          <p:cNvSpPr>
+            <a:spLocks noGrp="1"/>
+          </p:cNvSpPr>
+          <p:nvPr>
             <p:ph type="title"/>
           </p:nvPr>
         </p:nvSpPr>
@@ -15498,7 +15765,7 @@
 </p:sld>
 </file>
 
-<file path=ppt/slides/slide29.xml><?xml version="1.0" encoding="utf-8"?>
+<file path=ppt/slides/slide31.xml><?xml version="1.0" encoding="utf-8"?>
 <p:sld xmlns:a="http://schemas.openxmlformats.org/drawingml/2006/main" xmlns:r="http://schemas.openxmlformats.org/officeDocument/2006/relationships" xmlns:p="http://schemas.openxmlformats.org/presentationml/2006/main">
   <p:cSld>
     <p:spTree>
@@ -20129,86 +20396,7 @@
 </p:sld>
 </file>
 
-<file path=ppt/slides/slide3.xml><?xml version="1.0" encoding="utf-8"?>
-<p:sld xmlns:a="http://schemas.openxmlformats.org/drawingml/2006/main" xmlns:r="http://schemas.openxmlformats.org/officeDocument/2006/relationships" xmlns:p="http://schemas.openxmlformats.org/presentationml/2006/main">
-  <p:cSld>
-    <p:spTree>
-      <p:nvGrpSpPr>
-        <p:cNvPr id="1" name=""/>
-        <p:cNvGrpSpPr/>
-        <p:nvPr/>
-      </p:nvGrpSpPr>
-      <p:grpSpPr>
-        <a:xfrm>
-          <a:off x="0" y="0"/>
-          <a:ext cx="0" cy="0"/>
-          <a:chOff x="0" y="0"/>
-          <a:chExt cx="0" cy="0"/>
-        </a:xfrm>
-      </p:grpSpPr>
-      <p:sp>
-        <p:nvSpPr>
-          <p:cNvPr id="2" name="Title 1"/>
-          <p:cNvSpPr>
-            <a:spLocks noGrp="1"/>
-          </p:cNvSpPr>
-          <p:nvPr>
-            <p:ph type="title"/>
-          </p:nvPr>
-        </p:nvSpPr>
-        <p:spPr/>
-        <p:txBody>
-          <a:bodyPr/>
-          <a:lstStyle/>
-          <a:p>
-            <a:r>
-              <a:rPr lang="ru-RU" dirty="0" smtClean="0"/>
-              <a:t>Ссылочные типы</a:t>
-            </a:r>
-            <a:endParaRPr lang="ru-RU" dirty="0"/>
-          </a:p>
-        </p:txBody>
-      </p:sp>
-      <p:sp>
-        <p:nvSpPr>
-          <p:cNvPr id="3" name="Content Placeholder 2"/>
-          <p:cNvSpPr>
-            <a:spLocks noGrp="1"/>
-          </p:cNvSpPr>
-          <p:nvPr>
-            <p:ph idx="1"/>
-          </p:nvPr>
-        </p:nvSpPr>
-        <p:spPr/>
-        <p:txBody>
-          <a:bodyPr/>
-          <a:lstStyle/>
-          <a:p>
-            <a:endParaRPr lang="ru-RU"/>
-          </a:p>
-        </p:txBody>
-      </p:sp>
-    </p:spTree>
-    <p:extLst>
-      <p:ext uri="{BB962C8B-B14F-4D97-AF65-F5344CB8AC3E}">
-        <p14:creationId xmlns:p14="http://schemas.microsoft.com/office/powerpoint/2010/main" val="4243704484"/>
-      </p:ext>
-    </p:extLst>
-  </p:cSld>
-  <p:clrMapOvr>
-    <a:masterClrMapping/>
-  </p:clrMapOvr>
-  <p:timing>
-    <p:tnLst>
-      <p:par>
-        <p:cTn id="1" dur="indefinite" restart="never" nodeType="tmRoot"/>
-      </p:par>
-    </p:tnLst>
-  </p:timing>
-</p:sld>
-</file>
-
-<file path=ppt/slides/slide30.xml><?xml version="1.0" encoding="utf-8"?>
+<file path=ppt/slides/slide32.xml><?xml version="1.0" encoding="utf-8"?>
 <p:sld xmlns:a="http://schemas.openxmlformats.org/drawingml/2006/main" xmlns:r="http://schemas.openxmlformats.org/officeDocument/2006/relationships" xmlns:p="http://schemas.openxmlformats.org/presentationml/2006/main">
   <p:cSld>
     <p:spTree>
@@ -22417,9 +22605,6 @@
               </a:rPr>
               <a:t>Стек</a:t>
             </a:r>
-            <a:endParaRPr lang="ru-RU" sz="1600" dirty="0" smtClean="0">
-              <a:latin typeface="Century Gothic" panose="020B0502020202020204" pitchFamily="34" charset="0"/>
-            </a:endParaRPr>
           </a:p>
         </p:txBody>
       </p:sp>
@@ -22458,9 +22643,6 @@
               </a:rPr>
               <a:t>переменные и регистры</a:t>
             </a:r>
-            <a:endParaRPr lang="ru-RU" sz="1600" dirty="0" smtClean="0">
-              <a:latin typeface="Century Gothic" panose="020B0502020202020204" pitchFamily="34" charset="0"/>
-            </a:endParaRPr>
           </a:p>
         </p:txBody>
       </p:sp>

--- a/Presentation/memory-management-and-gc.pptx
+++ b/Presentation/memory-management-and-gc.pptx
@@ -5,7 +5,7 @@
     <p:sldMasterId id="2147483648" r:id="rId1"/>
   </p:sldMasterIdLst>
   <p:notesMasterIdLst>
-    <p:notesMasterId r:id="rId34"/>
+    <p:notesMasterId r:id="rId35"/>
   </p:notesMasterIdLst>
   <p:sldIdLst>
     <p:sldId id="261" r:id="rId2"/>
@@ -28,18 +28,19 @@
     <p:sldId id="288" r:id="rId19"/>
     <p:sldId id="272" r:id="rId20"/>
     <p:sldId id="275" r:id="rId21"/>
-    <p:sldId id="276" r:id="rId22"/>
-    <p:sldId id="271" r:id="rId23"/>
-    <p:sldId id="263" r:id="rId24"/>
-    <p:sldId id="284" r:id="rId25"/>
-    <p:sldId id="262" r:id="rId26"/>
-    <p:sldId id="278" r:id="rId27"/>
-    <p:sldId id="282" r:id="rId28"/>
-    <p:sldId id="277" r:id="rId29"/>
-    <p:sldId id="258" r:id="rId30"/>
-    <p:sldId id="259" r:id="rId31"/>
-    <p:sldId id="283" r:id="rId32"/>
-    <p:sldId id="260" r:id="rId33"/>
+    <p:sldId id="289" r:id="rId22"/>
+    <p:sldId id="276" r:id="rId23"/>
+    <p:sldId id="271" r:id="rId24"/>
+    <p:sldId id="263" r:id="rId25"/>
+    <p:sldId id="284" r:id="rId26"/>
+    <p:sldId id="262" r:id="rId27"/>
+    <p:sldId id="278" r:id="rId28"/>
+    <p:sldId id="282" r:id="rId29"/>
+    <p:sldId id="277" r:id="rId30"/>
+    <p:sldId id="258" r:id="rId31"/>
+    <p:sldId id="259" r:id="rId32"/>
+    <p:sldId id="283" r:id="rId33"/>
+    <p:sldId id="260" r:id="rId34"/>
   </p:sldIdLst>
   <p:sldSz cx="9144000" cy="6858000" type="screen4x3"/>
   <p:notesSz cx="6858000" cy="9144000"/>
@@ -223,7 +224,7 @@
           <a:p>
             <a:fld id="{B24A7054-7FFB-49F4-A126-5DF6E687FF53}" type="datetimeFigureOut">
               <a:rPr lang="ru-RU" smtClean="0"/>
-              <a:t>04.02.2016</a:t>
+              <a:t>13.05.2016</a:t>
             </a:fld>
             <a:endParaRPr lang="ru-RU"/>
           </a:p>
@@ -1589,7 +1590,7 @@
           <a:p>
             <a:fld id="{8E6E6A2A-E9D3-4A0D-B04A-ABDD367A1E08}" type="datetimeFigureOut">
               <a:rPr lang="ru-RU" smtClean="0"/>
-              <a:t>04.02.2016</a:t>
+              <a:t>13.05.2016</a:t>
             </a:fld>
             <a:endParaRPr lang="ru-RU"/>
           </a:p>
@@ -3041,7 +3042,7 @@
           <a:p>
             <a:fld id="{AC3D3127-B7C4-45E3-9797-C527EC9FDD78}" type="datetimeFigureOut">
               <a:rPr lang="ru-RU" smtClean="0"/>
-              <a:t>04.02.2016</a:t>
+              <a:t>13.05.2016</a:t>
             </a:fld>
             <a:endParaRPr lang="ru-RU"/>
           </a:p>
@@ -11291,19 +11292,11 @@
           <a:p>
             <a:r>
               <a:rPr lang="ru-RU" dirty="0" smtClean="0"/>
-              <a:t>Конфигурация </a:t>
+              <a:t>Временный запрет </a:t>
             </a:r>
             <a:r>
               <a:rPr lang="en-US" dirty="0" smtClean="0"/>
-              <a:t>Debug </a:t>
-            </a:r>
-            <a:r>
-              <a:rPr lang="ru-RU" dirty="0" smtClean="0"/>
-              <a:t>и </a:t>
-            </a:r>
-            <a:r>
-              <a:rPr lang="en-US" dirty="0" smtClean="0"/>
-              <a:t>GC</a:t>
+              <a:t>GC (.NET 4.6+)</a:t>
             </a:r>
             <a:endParaRPr lang="ru-RU" dirty="0"/>
           </a:p>
@@ -11329,35 +11322,59 @@
             </a:pPr>
             <a:r>
               <a:rPr lang="ru-RU" dirty="0" smtClean="0"/>
-              <a:t>При компиляции проекта в конфигурации </a:t>
+              <a:t>В </a:t>
             </a:r>
             <a:r>
               <a:rPr lang="en-US" dirty="0" smtClean="0"/>
-              <a:t>Debug </a:t>
+              <a:t>.NET 4.6 </a:t>
             </a:r>
             <a:r>
               <a:rPr lang="ru-RU" dirty="0" smtClean="0"/>
-              <a:t>к сборке добавляется атрибут </a:t>
-            </a:r>
+              <a:t>были добавлены методы</a:t>
+            </a:r>
+            <a:endParaRPr lang="en-US" dirty="0" smtClean="0"/>
+          </a:p>
+          <a:p>
             <a:r>
               <a:rPr lang="en-US" dirty="0" err="1" smtClean="0"/>
-              <a:t>DebuggableAttribute</a:t>
+              <a:t>GC.TryStartNoGCRegion</a:t>
             </a:r>
             <a:r>
               <a:rPr lang="ru-RU" dirty="0" smtClean="0"/>
-              <a:t>	который дает команду </a:t>
+              <a:t>(</a:t>
             </a:r>
             <a:r>
               <a:rPr lang="en-US" dirty="0" smtClean="0"/>
-              <a:t>GC </a:t>
+              <a:t>long </a:t>
+            </a:r>
+            <a:r>
+              <a:rPr lang="en-US" dirty="0" err="1" smtClean="0"/>
+              <a:t>totalSize</a:t>
             </a:r>
             <a:r>
               <a:rPr lang="ru-RU" dirty="0" smtClean="0"/>
-              <a:t>исскуственно продлевать время жизни локальных переменных до завершения метода. </a:t>
-            </a:r>
-            <a:r>
-              <a:rPr lang="ru-RU" smtClean="0"/>
-              <a:t>Это сделано чтобы программист мог без помех заниматься отладкой.</a:t>
+              <a:t>)</a:t>
+            </a:r>
+            <a:endParaRPr lang="en-US" dirty="0" smtClean="0"/>
+          </a:p>
+          <a:p>
+            <a:r>
+              <a:rPr lang="en-US" dirty="0" err="1" smtClean="0"/>
+              <a:t>GC.EndNoGCRegion</a:t>
+            </a:r>
+            <a:r>
+              <a:rPr lang="ru-RU" dirty="0" smtClean="0"/>
+              <a:t>()</a:t>
+            </a:r>
+            <a:endParaRPr lang="en-US" dirty="0" smtClean="0"/>
+          </a:p>
+          <a:p>
+            <a:pPr marL="0" indent="0">
+              <a:buNone/>
+            </a:pPr>
+            <a:r>
+              <a:rPr lang="ru-RU" dirty="0" smtClean="0"/>
+              <a:t>для временного запрета сборки мусора при условии наличия указанного объема памяти.</a:t>
             </a:r>
             <a:endParaRPr lang="ru-RU" dirty="0"/>
           </a:p>
@@ -11366,20 +11383,13 @@
     </p:spTree>
     <p:extLst>
       <p:ext uri="{BB962C8B-B14F-4D97-AF65-F5344CB8AC3E}">
-        <p14:creationId xmlns:p14="http://schemas.microsoft.com/office/powerpoint/2010/main" val="1960211568"/>
+        <p14:creationId xmlns:p14="http://schemas.microsoft.com/office/powerpoint/2010/main" val="812672197"/>
       </p:ext>
     </p:extLst>
   </p:cSld>
   <p:clrMapOvr>
     <a:masterClrMapping/>
   </p:clrMapOvr>
-  <p:timing>
-    <p:tnLst>
-      <p:par>
-        <p:cTn id="1" dur="indefinite" restart="never" nodeType="tmRoot"/>
-      </p:par>
-    </p:tnLst>
-  </p:timing>
 </p:sld>
 </file>
 
@@ -11407,7 +11417,7 @@
             <a:spLocks noGrp="1"/>
           </p:cNvSpPr>
           <p:nvPr>
-            <p:ph type="ctrTitle"/>
+            <p:ph type="title"/>
           </p:nvPr>
         </p:nvSpPr>
         <p:spPr/>
@@ -11417,7 +11427,19 @@
           <a:p>
             <a:r>
               <a:rPr lang="ru-RU" dirty="0" smtClean="0"/>
-              <a:t>Эффективная работа с памятью</a:t>
+              <a:t>Конфигурация </a:t>
+            </a:r>
+            <a:r>
+              <a:rPr lang="en-US" dirty="0" smtClean="0"/>
+              <a:t>Debug </a:t>
+            </a:r>
+            <a:r>
+              <a:rPr lang="ru-RU" dirty="0" smtClean="0"/>
+              <a:t>и </a:t>
+            </a:r>
+            <a:r>
+              <a:rPr lang="en-US" dirty="0" smtClean="0"/>
+              <a:t>GC</a:t>
             </a:r>
             <a:endParaRPr lang="ru-RU" dirty="0"/>
           </a:p>
@@ -11425,12 +11447,12 @@
       </p:sp>
       <p:sp>
         <p:nvSpPr>
-          <p:cNvPr id="3" name="Subtitle 2"/>
+          <p:cNvPr id="3" name="Content Placeholder 2"/>
           <p:cNvSpPr>
             <a:spLocks noGrp="1"/>
           </p:cNvSpPr>
           <p:nvPr>
-            <p:ph type="subTitle" idx="1"/>
+            <p:ph idx="1"/>
           </p:nvPr>
         </p:nvSpPr>
         <p:spPr/>
@@ -11438,14 +11460,49 @@
           <a:bodyPr/>
           <a:lstStyle/>
           <a:p>
-            <a:endParaRPr lang="ru-RU"/>
+            <a:pPr marL="0" indent="0">
+              <a:buNone/>
+            </a:pPr>
+            <a:r>
+              <a:rPr lang="ru-RU" dirty="0" smtClean="0"/>
+              <a:t>При компиляции проекта в конфигурации </a:t>
+            </a:r>
+            <a:r>
+              <a:rPr lang="en-US" dirty="0" smtClean="0"/>
+              <a:t>Debug </a:t>
+            </a:r>
+            <a:r>
+              <a:rPr lang="ru-RU" dirty="0" smtClean="0"/>
+              <a:t>к сборке добавляется атрибут </a:t>
+            </a:r>
+            <a:r>
+              <a:rPr lang="en-US" dirty="0" err="1" smtClean="0"/>
+              <a:t>DebuggableAttribute</a:t>
+            </a:r>
+            <a:r>
+              <a:rPr lang="ru-RU" dirty="0" smtClean="0"/>
+              <a:t>	который дает команду </a:t>
+            </a:r>
+            <a:r>
+              <a:rPr lang="en-US" dirty="0" smtClean="0"/>
+              <a:t>GC </a:t>
+            </a:r>
+            <a:r>
+              <a:rPr lang="ru-RU" dirty="0" smtClean="0"/>
+              <a:t>исскуственно продлевать время жизни локальных переменных до завершения метода. </a:t>
+            </a:r>
+            <a:r>
+              <a:rPr lang="ru-RU" smtClean="0"/>
+              <a:t>Это сделано чтобы программист мог без помех заниматься отладкой.</a:t>
+            </a:r>
+            <a:endParaRPr lang="ru-RU" dirty="0"/>
           </a:p>
         </p:txBody>
       </p:sp>
     </p:spTree>
     <p:extLst>
       <p:ext uri="{BB962C8B-B14F-4D97-AF65-F5344CB8AC3E}">
-        <p14:creationId xmlns:p14="http://schemas.microsoft.com/office/powerpoint/2010/main" val="2886455791"/>
+        <p14:creationId xmlns:p14="http://schemas.microsoft.com/office/powerpoint/2010/main" val="1960211568"/>
       </p:ext>
     </p:extLst>
   </p:cSld>
@@ -11486,6 +11543,85 @@
             <a:spLocks noGrp="1"/>
           </p:cNvSpPr>
           <p:nvPr>
+            <p:ph type="ctrTitle"/>
+          </p:nvPr>
+        </p:nvSpPr>
+        <p:spPr/>
+        <p:txBody>
+          <a:bodyPr/>
+          <a:lstStyle/>
+          <a:p>
+            <a:r>
+              <a:rPr lang="ru-RU" dirty="0" smtClean="0"/>
+              <a:t>Эффективная работа с памятью</a:t>
+            </a:r>
+            <a:endParaRPr lang="ru-RU" dirty="0"/>
+          </a:p>
+        </p:txBody>
+      </p:sp>
+      <p:sp>
+        <p:nvSpPr>
+          <p:cNvPr id="3" name="Subtitle 2"/>
+          <p:cNvSpPr>
+            <a:spLocks noGrp="1"/>
+          </p:cNvSpPr>
+          <p:nvPr>
+            <p:ph type="subTitle" idx="1"/>
+          </p:nvPr>
+        </p:nvSpPr>
+        <p:spPr/>
+        <p:txBody>
+          <a:bodyPr/>
+          <a:lstStyle/>
+          <a:p>
+            <a:endParaRPr lang="ru-RU"/>
+          </a:p>
+        </p:txBody>
+      </p:sp>
+    </p:spTree>
+    <p:extLst>
+      <p:ext uri="{BB962C8B-B14F-4D97-AF65-F5344CB8AC3E}">
+        <p14:creationId xmlns:p14="http://schemas.microsoft.com/office/powerpoint/2010/main" val="2886455791"/>
+      </p:ext>
+    </p:extLst>
+  </p:cSld>
+  <p:clrMapOvr>
+    <a:masterClrMapping/>
+  </p:clrMapOvr>
+  <p:timing>
+    <p:tnLst>
+      <p:par>
+        <p:cTn id="1" dur="indefinite" restart="never" nodeType="tmRoot"/>
+      </p:par>
+    </p:tnLst>
+  </p:timing>
+</p:sld>
+</file>
+
+<file path=ppt/slides/slide24.xml><?xml version="1.0" encoding="utf-8"?>
+<p:sld xmlns:a="http://schemas.openxmlformats.org/drawingml/2006/main" xmlns:r="http://schemas.openxmlformats.org/officeDocument/2006/relationships" xmlns:p="http://schemas.openxmlformats.org/presentationml/2006/main">
+  <p:cSld>
+    <p:spTree>
+      <p:nvGrpSpPr>
+        <p:cNvPr id="1" name=""/>
+        <p:cNvGrpSpPr/>
+        <p:nvPr/>
+      </p:nvGrpSpPr>
+      <p:grpSpPr>
+        <a:xfrm>
+          <a:off x="0" y="0"/>
+          <a:ext cx="0" cy="0"/>
+          <a:chOff x="0" y="0"/>
+          <a:chExt cx="0" cy="0"/>
+        </a:xfrm>
+      </p:grpSpPr>
+      <p:sp>
+        <p:nvSpPr>
+          <p:cNvPr id="2" name="Title 1"/>
+          <p:cNvSpPr>
+            <a:spLocks noGrp="1"/>
+          </p:cNvSpPr>
+          <p:nvPr>
             <p:ph type="title"/>
           </p:nvPr>
         </p:nvSpPr>
@@ -11663,7 +11799,7 @@
 </p:sld>
 </file>
 
-<file path=ppt/slides/slide24.xml><?xml version="1.0" encoding="utf-8"?>
+<file path=ppt/slides/slide25.xml><?xml version="1.0" encoding="utf-8"?>
 <p:sld xmlns:a="http://schemas.openxmlformats.org/drawingml/2006/main" xmlns:r="http://schemas.openxmlformats.org/officeDocument/2006/relationships" xmlns:p="http://schemas.openxmlformats.org/presentationml/2006/main">
   <p:cSld>
     <p:spTree>
@@ -12679,7 +12815,7 @@
 </p:sld>
 </file>
 
-<file path=ppt/slides/slide25.xml><?xml version="1.0" encoding="utf-8"?>
+<file path=ppt/slides/slide26.xml><?xml version="1.0" encoding="utf-8"?>
 <p:sld xmlns:a="http://schemas.openxmlformats.org/drawingml/2006/main" xmlns:r="http://schemas.openxmlformats.org/officeDocument/2006/relationships" xmlns:p="http://schemas.openxmlformats.org/presentationml/2006/main">
   <p:cSld>
     <p:spTree>
@@ -12747,7 +12883,7 @@
 </p:sld>
 </file>
 
-<file path=ppt/slides/slide26.xml><?xml version="1.0" encoding="utf-8"?>
+<file path=ppt/slides/slide27.xml><?xml version="1.0" encoding="utf-8"?>
 <p:sld xmlns:a="http://schemas.openxmlformats.org/drawingml/2006/main" xmlns:r="http://schemas.openxmlformats.org/officeDocument/2006/relationships" xmlns:p="http://schemas.openxmlformats.org/presentationml/2006/main">
   <p:cSld>
     <p:spTree>
@@ -13941,7 +14077,7 @@
 </p:sld>
 </file>
 
-<file path=ppt/slides/slide27.xml><?xml version="1.0" encoding="utf-8"?>
+<file path=ppt/slides/slide28.xml><?xml version="1.0" encoding="utf-8"?>
 <p:sld xmlns:a="http://schemas.openxmlformats.org/drawingml/2006/main" xmlns:r="http://schemas.openxmlformats.org/officeDocument/2006/relationships" xmlns:p="http://schemas.openxmlformats.org/presentationml/2006/main">
   <p:cSld>
     <p:spTree>
@@ -15289,66 +15425,6 @@
     <p:extLst>
       <p:ext uri="{BB962C8B-B14F-4D97-AF65-F5344CB8AC3E}">
         <p14:creationId xmlns:p14="http://schemas.microsoft.com/office/powerpoint/2010/main" val="2301603699"/>
-      </p:ext>
-    </p:extLst>
-  </p:cSld>
-  <p:clrMapOvr>
-    <a:masterClrMapping/>
-  </p:clrMapOvr>
-  <p:timing>
-    <p:tnLst>
-      <p:par>
-        <p:cTn id="1" dur="indefinite" restart="never" nodeType="tmRoot"/>
-      </p:par>
-    </p:tnLst>
-  </p:timing>
-</p:sld>
-</file>
-
-<file path=ppt/slides/slide28.xml><?xml version="1.0" encoding="utf-8"?>
-<p:sld xmlns:a="http://schemas.openxmlformats.org/drawingml/2006/main" xmlns:r="http://schemas.openxmlformats.org/officeDocument/2006/relationships" xmlns:p="http://schemas.openxmlformats.org/presentationml/2006/main">
-  <p:cSld>
-    <p:spTree>
-      <p:nvGrpSpPr>
-        <p:cNvPr id="1" name=""/>
-        <p:cNvGrpSpPr/>
-        <p:nvPr/>
-      </p:nvGrpSpPr>
-      <p:grpSpPr>
-        <a:xfrm>
-          <a:off x="0" y="0"/>
-          <a:ext cx="0" cy="0"/>
-          <a:chOff x="0" y="0"/>
-          <a:chExt cx="0" cy="0"/>
-        </a:xfrm>
-      </p:grpSpPr>
-      <p:sp>
-        <p:nvSpPr>
-          <p:cNvPr id="2" name="Title 1"/>
-          <p:cNvSpPr>
-            <a:spLocks noGrp="1"/>
-          </p:cNvSpPr>
-          <p:nvPr>
-            <p:ph type="ctrTitle"/>
-          </p:nvPr>
-        </p:nvSpPr>
-        <p:spPr/>
-        <p:txBody>
-          <a:bodyPr/>
-          <a:lstStyle/>
-          <a:p>
-            <a:r>
-              <a:rPr lang="ru-RU" dirty="0" smtClean="0"/>
-              <a:t>Мониторинг используемой памяти</a:t>
-            </a:r>
-            <a:endParaRPr lang="ru-RU" dirty="0"/>
-          </a:p>
-        </p:txBody>
-      </p:sp>
-    </p:spTree>
-    <p:extLst>
-      <p:ext uri="{BB962C8B-B14F-4D97-AF65-F5344CB8AC3E}">
-        <p14:creationId xmlns:p14="http://schemas.microsoft.com/office/powerpoint/2010/main" val="833686513"/>
       </p:ext>
     </p:extLst>
   </p:cSld>
@@ -15389,32 +15465,7 @@
             <a:spLocks noGrp="1"/>
           </p:cNvSpPr>
           <p:nvPr>
-            <p:ph type="title"/>
-          </p:nvPr>
-        </p:nvSpPr>
-        <p:spPr/>
-        <p:txBody>
-          <a:bodyPr>
-            <a:normAutofit fontScale="90000"/>
-          </a:bodyPr>
-          <a:lstStyle/>
-          <a:p>
-            <a:r>
-              <a:rPr lang="ru-RU" dirty="0" smtClean="0"/>
-              <a:t>Мониторинг используемой памяти из кода</a:t>
-            </a:r>
-            <a:endParaRPr lang="ru-RU" dirty="0"/>
-          </a:p>
-        </p:txBody>
-      </p:sp>
-      <p:sp>
-        <p:nvSpPr>
-          <p:cNvPr id="3" name="Content Placeholder 2"/>
-          <p:cNvSpPr>
-            <a:spLocks noGrp="1"/>
-          </p:cNvSpPr>
-          <p:nvPr>
-            <p:ph idx="1"/>
+            <p:ph type="ctrTitle"/>
           </p:nvPr>
         </p:nvSpPr>
         <p:spPr/>
@@ -15423,79 +15474,9 @@
           <a:lstStyle/>
           <a:p>
             <a:r>
-              <a:rPr lang="en-US" dirty="0" err="1" smtClean="0"/>
-              <a:t>GC.CollectionCount</a:t>
-            </a:r>
-            <a:r>
-              <a:rPr lang="en-US" dirty="0" smtClean="0"/>
-              <a:t>(</a:t>
-            </a:r>
-            <a:r>
               <a:rPr lang="ru-RU" dirty="0" smtClean="0"/>
-              <a:t>номерПоколения</a:t>
-            </a:r>
-            <a:r>
-              <a:rPr lang="en-US" dirty="0" smtClean="0"/>
-              <a:t>)</a:t>
-            </a:r>
-            <a:r>
-              <a:rPr lang="ru-RU" dirty="0" smtClean="0"/>
-              <a:t> – сообщает сколько раз выполнялась сборка мусора для указанного поколения</a:t>
-            </a:r>
-          </a:p>
-          <a:p>
-            <a:r>
-              <a:rPr lang="en-US" dirty="0" err="1"/>
-              <a:t>GC.GetTotalMemory</a:t>
-            </a:r>
-            <a:r>
-              <a:rPr lang="en-US" dirty="0"/>
-              <a:t>(</a:t>
-            </a:r>
-            <a:r>
-              <a:rPr lang="en-US" dirty="0" err="1"/>
-              <a:t>bool</a:t>
-            </a:r>
-            <a:r>
-              <a:rPr lang="en-US" dirty="0"/>
-              <a:t> </a:t>
-            </a:r>
-            <a:r>
-              <a:rPr lang="en-US" dirty="0" err="1"/>
-              <a:t>forceFullCollection</a:t>
-            </a:r>
-            <a:r>
-              <a:rPr lang="en-US" dirty="0" smtClean="0"/>
-              <a:t>)</a:t>
-            </a:r>
-            <a:r>
-              <a:rPr lang="ru-RU" dirty="0" smtClean="0"/>
-              <a:t> – возвращает кол-во байтов выделенных в куче</a:t>
-            </a:r>
-          </a:p>
-          <a:p>
-            <a:r>
-              <a:rPr lang="en-US" dirty="0" err="1" smtClean="0"/>
-              <a:t>Environment.WorkingSet</a:t>
-            </a:r>
-            <a:r>
-              <a:rPr lang="en-US" dirty="0" smtClean="0"/>
-              <a:t> – </a:t>
-            </a:r>
-            <a:r>
-              <a:rPr lang="ru-RU" dirty="0" smtClean="0"/>
-              <a:t>размер в байтах рабочего множества процесса </a:t>
-            </a:r>
-            <a:r>
-              <a:rPr lang="en-US" dirty="0" smtClean="0"/>
-              <a:t>(working set)</a:t>
-            </a:r>
-            <a:endParaRPr lang="en-US" dirty="0"/>
-          </a:p>
-          <a:p>
-            <a:endParaRPr lang="en-US" dirty="0"/>
-          </a:p>
-          <a:p>
+              <a:t>Мониторинг используемой памяти</a:t>
+            </a:r>
             <a:endParaRPr lang="ru-RU" dirty="0"/>
           </a:p>
         </p:txBody>
@@ -15503,7 +15484,7 @@
     </p:spTree>
     <p:extLst>
       <p:ext uri="{BB962C8B-B14F-4D97-AF65-F5344CB8AC3E}">
-        <p14:creationId xmlns:p14="http://schemas.microsoft.com/office/powerpoint/2010/main" val="921719331"/>
+        <p14:creationId xmlns:p14="http://schemas.microsoft.com/office/powerpoint/2010/main" val="833686513"/>
       </p:ext>
     </p:extLst>
   </p:cSld>
@@ -15635,6 +15616,161 @@
           <a:p>
             <a:r>
               <a:rPr lang="ru-RU" dirty="0" smtClean="0"/>
+              <a:t>Мониторинг используемой памяти из кода</a:t>
+            </a:r>
+            <a:endParaRPr lang="ru-RU" dirty="0"/>
+          </a:p>
+        </p:txBody>
+      </p:sp>
+      <p:sp>
+        <p:nvSpPr>
+          <p:cNvPr id="3" name="Content Placeholder 2"/>
+          <p:cNvSpPr>
+            <a:spLocks noGrp="1"/>
+          </p:cNvSpPr>
+          <p:nvPr>
+            <p:ph idx="1"/>
+          </p:nvPr>
+        </p:nvSpPr>
+        <p:spPr/>
+        <p:txBody>
+          <a:bodyPr/>
+          <a:lstStyle/>
+          <a:p>
+            <a:r>
+              <a:rPr lang="en-US" dirty="0" err="1" smtClean="0"/>
+              <a:t>GC.CollectionCount</a:t>
+            </a:r>
+            <a:r>
+              <a:rPr lang="en-US" dirty="0" smtClean="0"/>
+              <a:t>(</a:t>
+            </a:r>
+            <a:r>
+              <a:rPr lang="ru-RU" dirty="0" smtClean="0"/>
+              <a:t>номерПоколения</a:t>
+            </a:r>
+            <a:r>
+              <a:rPr lang="en-US" dirty="0" smtClean="0"/>
+              <a:t>)</a:t>
+            </a:r>
+            <a:r>
+              <a:rPr lang="ru-RU" dirty="0" smtClean="0"/>
+              <a:t> – сообщает сколько раз выполнялась сборка мусора для указанного поколения</a:t>
+            </a:r>
+          </a:p>
+          <a:p>
+            <a:r>
+              <a:rPr lang="en-US" dirty="0" err="1"/>
+              <a:t>GC.GetTotalMemory</a:t>
+            </a:r>
+            <a:r>
+              <a:rPr lang="en-US" dirty="0"/>
+              <a:t>(</a:t>
+            </a:r>
+            <a:r>
+              <a:rPr lang="en-US" dirty="0" err="1"/>
+              <a:t>bool</a:t>
+            </a:r>
+            <a:r>
+              <a:rPr lang="en-US" dirty="0"/>
+              <a:t> </a:t>
+            </a:r>
+            <a:r>
+              <a:rPr lang="en-US" dirty="0" err="1"/>
+              <a:t>forceFullCollection</a:t>
+            </a:r>
+            <a:r>
+              <a:rPr lang="en-US" dirty="0" smtClean="0"/>
+              <a:t>)</a:t>
+            </a:r>
+            <a:r>
+              <a:rPr lang="ru-RU" dirty="0" smtClean="0"/>
+              <a:t> – возвращает кол-во байтов выделенных в куче</a:t>
+            </a:r>
+          </a:p>
+          <a:p>
+            <a:r>
+              <a:rPr lang="en-US" dirty="0" err="1" smtClean="0"/>
+              <a:t>Environment.WorkingSet</a:t>
+            </a:r>
+            <a:r>
+              <a:rPr lang="en-US" dirty="0" smtClean="0"/>
+              <a:t> – </a:t>
+            </a:r>
+            <a:r>
+              <a:rPr lang="ru-RU" dirty="0" smtClean="0"/>
+              <a:t>размер в байтах рабочего множества процесса </a:t>
+            </a:r>
+            <a:r>
+              <a:rPr lang="en-US" dirty="0" smtClean="0"/>
+              <a:t>(working set)</a:t>
+            </a:r>
+            <a:endParaRPr lang="en-US" dirty="0"/>
+          </a:p>
+          <a:p>
+            <a:endParaRPr lang="en-US" dirty="0"/>
+          </a:p>
+          <a:p>
+            <a:endParaRPr lang="ru-RU" dirty="0"/>
+          </a:p>
+        </p:txBody>
+      </p:sp>
+    </p:spTree>
+    <p:extLst>
+      <p:ext uri="{BB962C8B-B14F-4D97-AF65-F5344CB8AC3E}">
+        <p14:creationId xmlns:p14="http://schemas.microsoft.com/office/powerpoint/2010/main" val="921719331"/>
+      </p:ext>
+    </p:extLst>
+  </p:cSld>
+  <p:clrMapOvr>
+    <a:masterClrMapping/>
+  </p:clrMapOvr>
+  <p:timing>
+    <p:tnLst>
+      <p:par>
+        <p:cTn id="1" dur="indefinite" restart="never" nodeType="tmRoot"/>
+      </p:par>
+    </p:tnLst>
+  </p:timing>
+</p:sld>
+</file>
+
+<file path=ppt/slides/slide31.xml><?xml version="1.0" encoding="utf-8"?>
+<p:sld xmlns:a="http://schemas.openxmlformats.org/drawingml/2006/main" xmlns:r="http://schemas.openxmlformats.org/officeDocument/2006/relationships" xmlns:p="http://schemas.openxmlformats.org/presentationml/2006/main">
+  <p:cSld>
+    <p:spTree>
+      <p:nvGrpSpPr>
+        <p:cNvPr id="1" name=""/>
+        <p:cNvGrpSpPr/>
+        <p:nvPr/>
+      </p:nvGrpSpPr>
+      <p:grpSpPr>
+        <a:xfrm>
+          <a:off x="0" y="0"/>
+          <a:ext cx="0" cy="0"/>
+          <a:chOff x="0" y="0"/>
+          <a:chExt cx="0" cy="0"/>
+        </a:xfrm>
+      </p:grpSpPr>
+      <p:sp>
+        <p:nvSpPr>
+          <p:cNvPr id="2" name="Title 1"/>
+          <p:cNvSpPr>
+            <a:spLocks noGrp="1"/>
+          </p:cNvSpPr>
+          <p:nvPr>
+            <p:ph type="title"/>
+          </p:nvPr>
+        </p:nvSpPr>
+        <p:spPr/>
+        <p:txBody>
+          <a:bodyPr>
+            <a:normAutofit fontScale="90000"/>
+          </a:bodyPr>
+          <a:lstStyle/>
+          <a:p>
+            <a:r>
+              <a:rPr lang="ru-RU" dirty="0" smtClean="0"/>
               <a:t>Мониторинг используемой памяти внешними средствами</a:t>
             </a:r>
             <a:endParaRPr lang="ru-RU" dirty="0"/>
@@ -15765,7 +15901,7 @@
 </p:sld>
 </file>
 
-<file path=ppt/slides/slide31.xml><?xml version="1.0" encoding="utf-8"?>
+<file path=ppt/slides/slide32.xml><?xml version="1.0" encoding="utf-8"?>
 <p:sld xmlns:a="http://schemas.openxmlformats.org/drawingml/2006/main" xmlns:r="http://schemas.openxmlformats.org/officeDocument/2006/relationships" xmlns:p="http://schemas.openxmlformats.org/presentationml/2006/main">
   <p:cSld>
     <p:spTree>
@@ -20396,7 +20532,7 @@
 </p:sld>
 </file>
 
-<file path=ppt/slides/slide32.xml><?xml version="1.0" encoding="utf-8"?>
+<file path=ppt/slides/slide33.xml><?xml version="1.0" encoding="utf-8"?>
 <p:sld xmlns:a="http://schemas.openxmlformats.org/drawingml/2006/main" xmlns:r="http://schemas.openxmlformats.org/officeDocument/2006/relationships" xmlns:p="http://schemas.openxmlformats.org/presentationml/2006/main">
   <p:cSld>
     <p:spTree>

--- a/Presentation/memory-management-and-gc.pptx
+++ b/Presentation/memory-management-and-gc.pptx
@@ -5,7 +5,7 @@
     <p:sldMasterId id="2147483648" r:id="rId1"/>
   </p:sldMasterIdLst>
   <p:notesMasterIdLst>
-    <p:notesMasterId r:id="rId35"/>
+    <p:notesMasterId r:id="rId36"/>
   </p:notesMasterIdLst>
   <p:sldIdLst>
     <p:sldId id="261" r:id="rId2"/>
@@ -39,8 +39,9 @@
     <p:sldId id="277" r:id="rId30"/>
     <p:sldId id="258" r:id="rId31"/>
     <p:sldId id="259" r:id="rId32"/>
-    <p:sldId id="283" r:id="rId33"/>
-    <p:sldId id="260" r:id="rId34"/>
+    <p:sldId id="290" r:id="rId33"/>
+    <p:sldId id="283" r:id="rId34"/>
+    <p:sldId id="260" r:id="rId35"/>
   </p:sldIdLst>
   <p:sldSz cx="9144000" cy="6858000" type="screen4x3"/>
   <p:notesSz cx="6858000" cy="9144000"/>
@@ -224,7 +225,7 @@
           <a:p>
             <a:fld id="{B24A7054-7FFB-49F4-A126-5DF6E687FF53}" type="datetimeFigureOut">
               <a:rPr lang="ru-RU" smtClean="0"/>
-              <a:t>13.05.2016</a:t>
+              <a:t>06.06.2016</a:t>
             </a:fld>
             <a:endParaRPr lang="ru-RU"/>
           </a:p>
@@ -1590,7 +1591,7 @@
           <a:p>
             <a:fld id="{8E6E6A2A-E9D3-4A0D-B04A-ABDD367A1E08}" type="datetimeFigureOut">
               <a:rPr lang="ru-RU" smtClean="0"/>
-              <a:t>13.05.2016</a:t>
+              <a:t>06.06.2016</a:t>
             </a:fld>
             <a:endParaRPr lang="ru-RU"/>
           </a:p>
@@ -3042,7 +3043,7 @@
           <a:p>
             <a:fld id="{AC3D3127-B7C4-45E3-9797-C527EC9FDD78}" type="datetimeFigureOut">
               <a:rPr lang="ru-RU" smtClean="0"/>
-              <a:t>13.05.2016</a:t>
+              <a:t>06.06.2016</a:t>
             </a:fld>
             <a:endParaRPr lang="ru-RU"/>
           </a:p>
@@ -15790,7 +15791,7 @@
         <p:spPr/>
         <p:txBody>
           <a:bodyPr>
-            <a:normAutofit lnSpcReduction="10000"/>
+            <a:normAutofit/>
           </a:bodyPr>
           <a:lstStyle/>
           <a:p>
@@ -15849,33 +15850,30 @@
           <a:p>
             <a:r>
               <a:rPr lang="en-US" dirty="0" smtClean="0"/>
-              <a:t>ETW</a:t>
-            </a:r>
-          </a:p>
-          <a:p>
-            <a:pPr lvl="1"/>
+              <a:t>Microsoft </a:t>
+            </a:r>
             <a:r>
               <a:rPr lang="en-US" dirty="0" err="1" smtClean="0"/>
               <a:t>PerfView</a:t>
             </a:r>
-            <a:r>
-              <a:rPr lang="en-US" dirty="0"/>
-              <a:t/>
-            </a:r>
-            <a:br>
-              <a:rPr lang="en-US" dirty="0"/>
-            </a:br>
-            <a:r>
-              <a:rPr lang="en-US" dirty="0">
-                <a:hlinkClick r:id="rId3"/>
-              </a:rPr>
-              <a:t>http://</a:t>
-            </a:r>
-            <a:r>
-              <a:rPr lang="en-US" dirty="0" smtClean="0">
-                <a:hlinkClick r:id="rId3"/>
-              </a:rPr>
-              <a:t>www.microsoft.com/en-us/download/details.aspx?id=28567</a:t>
+            <a:endParaRPr lang="en-US" dirty="0" smtClean="0"/>
+          </a:p>
+          <a:p>
+            <a:r>
+              <a:rPr lang="en-US" dirty="0" err="1" smtClean="0"/>
+              <a:t>dotMemory</a:t>
+            </a:r>
+            <a:r>
+              <a:rPr lang="en-US" dirty="0" smtClean="0"/>
+              <a:t> </a:t>
+            </a:r>
+            <a:r>
+              <a:rPr lang="ru-RU" dirty="0" smtClean="0"/>
+              <a:t>от </a:t>
+            </a:r>
+            <a:r>
+              <a:rPr lang="en-US" dirty="0" smtClean="0"/>
+              <a:t>JetBrains</a:t>
             </a:r>
             <a:endParaRPr lang="ru-RU" dirty="0"/>
           </a:p>
@@ -15902,6 +15900,185 @@
 </file>
 
 <file path=ppt/slides/slide32.xml><?xml version="1.0" encoding="utf-8"?>
+<p:sld xmlns:a="http://schemas.openxmlformats.org/drawingml/2006/main" xmlns:r="http://schemas.openxmlformats.org/officeDocument/2006/relationships" xmlns:p="http://schemas.openxmlformats.org/presentationml/2006/main">
+  <p:cSld>
+    <p:spTree>
+      <p:nvGrpSpPr>
+        <p:cNvPr id="1" name=""/>
+        <p:cNvGrpSpPr/>
+        <p:nvPr/>
+      </p:nvGrpSpPr>
+      <p:grpSpPr>
+        <a:xfrm>
+          <a:off x="0" y="0"/>
+          <a:ext cx="0" cy="0"/>
+          <a:chOff x="0" y="0"/>
+          <a:chExt cx="0" cy="0"/>
+        </a:xfrm>
+      </p:grpSpPr>
+      <p:sp>
+        <p:nvSpPr>
+          <p:cNvPr id="2" name="Title 1"/>
+          <p:cNvSpPr>
+            <a:spLocks noGrp="1"/>
+          </p:cNvSpPr>
+          <p:nvPr>
+            <p:ph type="title"/>
+          </p:nvPr>
+        </p:nvSpPr>
+        <p:spPr/>
+        <p:txBody>
+          <a:bodyPr/>
+          <a:lstStyle/>
+          <a:p>
+            <a:r>
+              <a:rPr lang="en-US" dirty="0" err="1" smtClean="0"/>
+              <a:t>PerfView</a:t>
+            </a:r>
+            <a:endParaRPr lang="ru-RU" dirty="0"/>
+          </a:p>
+        </p:txBody>
+      </p:sp>
+      <p:sp>
+        <p:nvSpPr>
+          <p:cNvPr id="3" name="Content Placeholder 2"/>
+          <p:cNvSpPr>
+            <a:spLocks noGrp="1"/>
+          </p:cNvSpPr>
+          <p:nvPr>
+            <p:ph idx="1"/>
+          </p:nvPr>
+        </p:nvSpPr>
+        <p:spPr/>
+        <p:txBody>
+          <a:bodyPr>
+            <a:normAutofit fontScale="92500" lnSpcReduction="20000"/>
+          </a:bodyPr>
+          <a:lstStyle/>
+          <a:p>
+            <a:pPr marL="0" indent="0">
+              <a:buNone/>
+            </a:pPr>
+            <a:r>
+              <a:rPr lang="en-US" dirty="0" err="1" smtClean="0"/>
+              <a:t>PerfView</a:t>
+            </a:r>
+            <a:r>
+              <a:rPr lang="en-US" dirty="0" smtClean="0"/>
+              <a:t> </a:t>
+            </a:r>
+            <a:r>
+              <a:rPr lang="ru-RU" dirty="0" smtClean="0"/>
+              <a:t>это бесплатный инструмент для профилирования </a:t>
+            </a:r>
+            <a:r>
+              <a:rPr lang="en-US" dirty="0" smtClean="0"/>
+              <a:t>.NET</a:t>
+            </a:r>
+            <a:r>
+              <a:rPr lang="ru-RU" dirty="0" smtClean="0"/>
+              <a:t> приложений.</a:t>
+            </a:r>
+            <a:endParaRPr lang="en-US" dirty="0"/>
+          </a:p>
+          <a:p>
+            <a:pPr marL="0" indent="0">
+              <a:buNone/>
+            </a:pPr>
+            <a:endParaRPr lang="ru-RU" dirty="0" smtClean="0"/>
+          </a:p>
+          <a:p>
+            <a:pPr marL="0" indent="0">
+              <a:buNone/>
+            </a:pPr>
+            <a:r>
+              <a:rPr lang="ru-RU" dirty="0" smtClean="0"/>
+              <a:t>Скачать</a:t>
+            </a:r>
+            <a:r>
+              <a:rPr lang="en-US" dirty="0" smtClean="0"/>
+              <a:t>:</a:t>
+            </a:r>
+          </a:p>
+          <a:p>
+            <a:pPr marL="0" indent="0">
+              <a:buNone/>
+            </a:pPr>
+            <a:r>
+              <a:rPr lang="en-US" dirty="0">
+                <a:hlinkClick r:id="rId2"/>
+              </a:rPr>
+              <a:t>http://www.microsoft.com/en-us/download/details.aspx?id=28567</a:t>
+            </a:r>
+            <a:endParaRPr lang="en-US" dirty="0" smtClean="0"/>
+          </a:p>
+          <a:p>
+            <a:pPr marL="0" indent="0">
+              <a:buNone/>
+            </a:pPr>
+            <a:endParaRPr lang="en-US" dirty="0" smtClean="0">
+              <a:hlinkClick r:id="rId3"/>
+            </a:endParaRPr>
+          </a:p>
+          <a:p>
+            <a:pPr marL="0" indent="0">
+              <a:buNone/>
+            </a:pPr>
+            <a:r>
+              <a:rPr lang="ru-RU" dirty="0" smtClean="0"/>
+              <a:t>Серия обучающих видео</a:t>
+            </a:r>
+            <a:r>
+              <a:rPr lang="en-US" dirty="0" smtClean="0"/>
+              <a:t>:</a:t>
+            </a:r>
+          </a:p>
+          <a:p>
+            <a:pPr marL="0" indent="0">
+              <a:buNone/>
+            </a:pPr>
+            <a:r>
+              <a:rPr lang="en-US" dirty="0" smtClean="0">
+                <a:hlinkClick r:id="rId3"/>
+              </a:rPr>
+              <a:t>https</a:t>
+            </a:r>
+            <a:r>
+              <a:rPr lang="en-US" dirty="0">
+                <a:hlinkClick r:id="rId3"/>
+              </a:rPr>
+              <a:t>://</a:t>
+            </a:r>
+            <a:r>
+              <a:rPr lang="en-US" dirty="0" smtClean="0">
+                <a:hlinkClick r:id="rId3"/>
+              </a:rPr>
+              <a:t>channel9.msdn.com/Series/PerfView-Tutorial</a:t>
+            </a:r>
+            <a:endParaRPr lang="en-US" dirty="0" smtClean="0"/>
+          </a:p>
+          <a:p>
+            <a:pPr marL="0" indent="0">
+              <a:buNone/>
+            </a:pPr>
+            <a:endParaRPr lang="ru-RU" dirty="0"/>
+          </a:p>
+        </p:txBody>
+      </p:sp>
+    </p:spTree>
+    <p:extLst>
+      <p:ext uri="{BB962C8B-B14F-4D97-AF65-F5344CB8AC3E}">
+        <p14:creationId xmlns:p14="http://schemas.microsoft.com/office/powerpoint/2010/main" val="2652394393"/>
+      </p:ext>
+    </p:extLst>
+  </p:cSld>
+  <p:clrMapOvr>
+    <a:masterClrMapping/>
+  </p:clrMapOvr>
+</p:sld>
+</file>
+
+<file path=ppt/slides/slide33.xml><?xml version="1.0" encoding="utf-8"?>
 <p:sld xmlns:a="http://schemas.openxmlformats.org/drawingml/2006/main" xmlns:r="http://schemas.openxmlformats.org/officeDocument/2006/relationships" xmlns:p="http://schemas.openxmlformats.org/presentationml/2006/main">
   <p:cSld>
     <p:spTree>
@@ -20532,7 +20709,7 @@
 </p:sld>
 </file>
 
-<file path=ppt/slides/slide33.xml><?xml version="1.0" encoding="utf-8"?>
+<file path=ppt/slides/slide34.xml><?xml version="1.0" encoding="utf-8"?>
 <p:sld xmlns:a="http://schemas.openxmlformats.org/drawingml/2006/main" xmlns:r="http://schemas.openxmlformats.org/officeDocument/2006/relationships" xmlns:p="http://schemas.openxmlformats.org/presentationml/2006/main">
   <p:cSld>
     <p:spTree>

--- a/Presentation/memory-management-and-gc.pptx
+++ b/Presentation/memory-management-and-gc.pptx
@@ -5,43 +5,44 @@
     <p:sldMasterId id="2147483648" r:id="rId1"/>
   </p:sldMasterIdLst>
   <p:notesMasterIdLst>
-    <p:notesMasterId r:id="rId36"/>
+    <p:notesMasterId r:id="rId37"/>
   </p:notesMasterIdLst>
   <p:sldIdLst>
     <p:sldId id="261" r:id="rId2"/>
     <p:sldId id="257" r:id="rId3"/>
     <p:sldId id="274" r:id="rId4"/>
     <p:sldId id="285" r:id="rId5"/>
-    <p:sldId id="286" r:id="rId6"/>
-    <p:sldId id="264" r:id="rId7"/>
-    <p:sldId id="270" r:id="rId8"/>
-    <p:sldId id="265" r:id="rId9"/>
-    <p:sldId id="266" r:id="rId10"/>
-    <p:sldId id="273" r:id="rId11"/>
-    <p:sldId id="268" r:id="rId12"/>
-    <p:sldId id="267" r:id="rId13"/>
-    <p:sldId id="269" r:id="rId14"/>
-    <p:sldId id="279" r:id="rId15"/>
-    <p:sldId id="280" r:id="rId16"/>
-    <p:sldId id="281" r:id="rId17"/>
-    <p:sldId id="287" r:id="rId18"/>
-    <p:sldId id="288" r:id="rId19"/>
-    <p:sldId id="272" r:id="rId20"/>
-    <p:sldId id="275" r:id="rId21"/>
-    <p:sldId id="289" r:id="rId22"/>
-    <p:sldId id="276" r:id="rId23"/>
-    <p:sldId id="271" r:id="rId24"/>
-    <p:sldId id="263" r:id="rId25"/>
-    <p:sldId id="284" r:id="rId26"/>
-    <p:sldId id="262" r:id="rId27"/>
-    <p:sldId id="278" r:id="rId28"/>
-    <p:sldId id="282" r:id="rId29"/>
-    <p:sldId id="277" r:id="rId30"/>
-    <p:sldId id="258" r:id="rId31"/>
-    <p:sldId id="259" r:id="rId32"/>
-    <p:sldId id="290" r:id="rId33"/>
-    <p:sldId id="283" r:id="rId34"/>
-    <p:sldId id="260" r:id="rId35"/>
+    <p:sldId id="291" r:id="rId6"/>
+    <p:sldId id="286" r:id="rId7"/>
+    <p:sldId id="264" r:id="rId8"/>
+    <p:sldId id="270" r:id="rId9"/>
+    <p:sldId id="265" r:id="rId10"/>
+    <p:sldId id="266" r:id="rId11"/>
+    <p:sldId id="273" r:id="rId12"/>
+    <p:sldId id="268" r:id="rId13"/>
+    <p:sldId id="267" r:id="rId14"/>
+    <p:sldId id="269" r:id="rId15"/>
+    <p:sldId id="279" r:id="rId16"/>
+    <p:sldId id="280" r:id="rId17"/>
+    <p:sldId id="281" r:id="rId18"/>
+    <p:sldId id="287" r:id="rId19"/>
+    <p:sldId id="288" r:id="rId20"/>
+    <p:sldId id="272" r:id="rId21"/>
+    <p:sldId id="275" r:id="rId22"/>
+    <p:sldId id="289" r:id="rId23"/>
+    <p:sldId id="276" r:id="rId24"/>
+    <p:sldId id="271" r:id="rId25"/>
+    <p:sldId id="263" r:id="rId26"/>
+    <p:sldId id="284" r:id="rId27"/>
+    <p:sldId id="262" r:id="rId28"/>
+    <p:sldId id="278" r:id="rId29"/>
+    <p:sldId id="282" r:id="rId30"/>
+    <p:sldId id="277" r:id="rId31"/>
+    <p:sldId id="258" r:id="rId32"/>
+    <p:sldId id="259" r:id="rId33"/>
+    <p:sldId id="290" r:id="rId34"/>
+    <p:sldId id="283" r:id="rId35"/>
+    <p:sldId id="260" r:id="rId36"/>
   </p:sldIdLst>
   <p:sldSz cx="9144000" cy="6858000" type="screen4x3"/>
   <p:notesSz cx="6858000" cy="9144000"/>
@@ -225,7 +226,7 @@
           <a:p>
             <a:fld id="{B24A7054-7FFB-49F4-A126-5DF6E687FF53}" type="datetimeFigureOut">
               <a:rPr lang="ru-RU" smtClean="0"/>
-              <a:t>06.06.2016</a:t>
+              <a:t>05.08.2016</a:t>
             </a:fld>
             <a:endParaRPr lang="ru-RU"/>
           </a:p>
@@ -1591,7 +1592,7 @@
           <a:p>
             <a:fld id="{8E6E6A2A-E9D3-4A0D-B04A-ABDD367A1E08}" type="datetimeFigureOut">
               <a:rPr lang="ru-RU" smtClean="0"/>
-              <a:t>06.06.2016</a:t>
+              <a:t>05.08.2016</a:t>
             </a:fld>
             <a:endParaRPr lang="ru-RU"/>
           </a:p>
@@ -3043,7 +3044,7 @@
           <a:p>
             <a:fld id="{AC3D3127-B7C4-45E3-9797-C527EC9FDD78}" type="datetimeFigureOut">
               <a:rPr lang="ru-RU" smtClean="0"/>
-              <a:t>06.06.2016</a:t>
+              <a:t>05.08.2016</a:t>
             </a:fld>
             <a:endParaRPr lang="ru-RU"/>
           </a:p>
@@ -3642,14 +3643,12 @@
         </p:nvSpPr>
         <p:spPr/>
         <p:txBody>
-          <a:bodyPr>
-            <a:normAutofit fontScale="90000"/>
-          </a:bodyPr>
+          <a:bodyPr/>
           <a:lstStyle/>
           <a:p>
             <a:r>
               <a:rPr lang="ru-RU" dirty="0" smtClean="0"/>
-              <a:t>Когда запускается сборщик мусора?</a:t>
+              <a:t>Корни</a:t>
             </a:r>
             <a:endParaRPr lang="ru-RU" dirty="0"/>
           </a:p>
@@ -3667,56 +3666,45 @@
         </p:nvSpPr>
         <p:spPr/>
         <p:txBody>
-          <a:bodyPr/>
+          <a:bodyPr>
+            <a:normAutofit fontScale="92500" lnSpcReduction="10000"/>
+          </a:bodyPr>
           <a:lstStyle/>
           <a:p>
+            <a:pPr marL="0" indent="0">
+              <a:buNone/>
+            </a:pPr>
             <a:r>
               <a:rPr lang="ru-RU" dirty="0" smtClean="0"/>
-              <a:t>Если память </a:t>
-            </a:r>
-            <a:r>
-              <a:rPr lang="ru-RU" dirty="0"/>
-              <a:t>выделенная </a:t>
+              <a:t>Корни – ссылочные переменные с которых сборщик мусора начинает искать достижимые объекты. Корни автоматически считаются достижимыми.</a:t>
+            </a:r>
+          </a:p>
+          <a:p>
+            <a:pPr marL="0" indent="0">
+              <a:buNone/>
+            </a:pPr>
+            <a:endParaRPr lang="ru-RU" dirty="0"/>
+          </a:p>
+          <a:p>
+            <a:r>
+              <a:rPr lang="en-US" dirty="0" smtClean="0"/>
+              <a:t>static </a:t>
             </a:r>
             <a:r>
               <a:rPr lang="ru-RU" dirty="0" smtClean="0"/>
-              <a:t>в управляемой кучи достигает определенного предела. Данный предел зависит от версии </a:t>
-            </a:r>
-            <a:r>
-              <a:rPr lang="en-US" dirty="0" smtClean="0"/>
-              <a:t>CLR </a:t>
-            </a:r>
+              <a:t>переменные</a:t>
+            </a:r>
+          </a:p>
+          <a:p>
             <a:r>
               <a:rPr lang="ru-RU" dirty="0" smtClean="0"/>
-              <a:t>и также  менятся в зависимости от поведения программы</a:t>
+              <a:t>стек - локальные переменные и аргументы функций</a:t>
             </a:r>
           </a:p>
           <a:p>
             <a:r>
               <a:rPr lang="ru-RU" dirty="0" smtClean="0"/>
-              <a:t>Если </a:t>
-            </a:r>
-            <a:r>
-              <a:rPr lang="en-US" dirty="0" smtClean="0"/>
-              <a:t>Windows</a:t>
-            </a:r>
-            <a:r>
-              <a:rPr lang="ru-RU" dirty="0" smtClean="0"/>
-              <a:t> сообщает о приближении к пределу доступной виртуальной памяти</a:t>
-            </a:r>
-          </a:p>
-          <a:p>
-            <a:r>
-              <a:rPr lang="ru-RU" dirty="0" smtClean="0"/>
-              <a:t>Вручную с помощью </a:t>
-            </a:r>
-            <a:r>
-              <a:rPr lang="en-US" dirty="0" err="1" smtClean="0"/>
-              <a:t>GC.Collect</a:t>
-            </a:r>
-            <a:r>
-              <a:rPr lang="en-US" dirty="0" smtClean="0"/>
-              <a:t>()</a:t>
+              <a:t>регистры процессора</a:t>
             </a:r>
             <a:endParaRPr lang="ru-RU" dirty="0"/>
           </a:p>
@@ -3725,7 +3713,7 @@
     </p:spTree>
     <p:extLst>
       <p:ext uri="{BB962C8B-B14F-4D97-AF65-F5344CB8AC3E}">
-        <p14:creationId xmlns:p14="http://schemas.microsoft.com/office/powerpoint/2010/main" val="2767050093"/>
+        <p14:creationId xmlns:p14="http://schemas.microsoft.com/office/powerpoint/2010/main" val="2062523309"/>
       </p:ext>
     </p:extLst>
   </p:cSld>
@@ -3778,6 +3766,135 @@
           <a:p>
             <a:r>
               <a:rPr lang="ru-RU" dirty="0" smtClean="0"/>
+              <a:t>Когда запускается сборщик мусора?</a:t>
+            </a:r>
+            <a:endParaRPr lang="ru-RU" dirty="0"/>
+          </a:p>
+        </p:txBody>
+      </p:sp>
+      <p:sp>
+        <p:nvSpPr>
+          <p:cNvPr id="3" name="Content Placeholder 2"/>
+          <p:cNvSpPr>
+            <a:spLocks noGrp="1"/>
+          </p:cNvSpPr>
+          <p:nvPr>
+            <p:ph idx="1"/>
+          </p:nvPr>
+        </p:nvSpPr>
+        <p:spPr/>
+        <p:txBody>
+          <a:bodyPr/>
+          <a:lstStyle/>
+          <a:p>
+            <a:r>
+              <a:rPr lang="ru-RU" dirty="0" smtClean="0"/>
+              <a:t>Если память </a:t>
+            </a:r>
+            <a:r>
+              <a:rPr lang="ru-RU" dirty="0"/>
+              <a:t>выделенная </a:t>
+            </a:r>
+            <a:r>
+              <a:rPr lang="ru-RU" dirty="0" smtClean="0"/>
+              <a:t>в управляемой кучи достигает определенного предела. Данный предел зависит от версии </a:t>
+            </a:r>
+            <a:r>
+              <a:rPr lang="en-US" dirty="0" smtClean="0"/>
+              <a:t>CLR </a:t>
+            </a:r>
+            <a:r>
+              <a:rPr lang="ru-RU" dirty="0" smtClean="0"/>
+              <a:t>и также  менятся в зависимости от поведения программы</a:t>
+            </a:r>
+          </a:p>
+          <a:p>
+            <a:r>
+              <a:rPr lang="ru-RU" dirty="0" smtClean="0"/>
+              <a:t>Если </a:t>
+            </a:r>
+            <a:r>
+              <a:rPr lang="en-US" dirty="0" smtClean="0"/>
+              <a:t>Windows</a:t>
+            </a:r>
+            <a:r>
+              <a:rPr lang="ru-RU" dirty="0" smtClean="0"/>
+              <a:t> сообщает о приближении к пределу доступной виртуальной памяти</a:t>
+            </a:r>
+          </a:p>
+          <a:p>
+            <a:r>
+              <a:rPr lang="ru-RU" dirty="0" smtClean="0"/>
+              <a:t>Вручную с помощью </a:t>
+            </a:r>
+            <a:r>
+              <a:rPr lang="en-US" dirty="0" err="1" smtClean="0"/>
+              <a:t>GC.Collect</a:t>
+            </a:r>
+            <a:r>
+              <a:rPr lang="en-US" dirty="0" smtClean="0"/>
+              <a:t>()</a:t>
+            </a:r>
+            <a:endParaRPr lang="ru-RU" dirty="0"/>
+          </a:p>
+        </p:txBody>
+      </p:sp>
+    </p:spTree>
+    <p:extLst>
+      <p:ext uri="{BB962C8B-B14F-4D97-AF65-F5344CB8AC3E}">
+        <p14:creationId xmlns:p14="http://schemas.microsoft.com/office/powerpoint/2010/main" val="2767050093"/>
+      </p:ext>
+    </p:extLst>
+  </p:cSld>
+  <p:clrMapOvr>
+    <a:masterClrMapping/>
+  </p:clrMapOvr>
+  <p:timing>
+    <p:tnLst>
+      <p:par>
+        <p:cTn id="1" dur="indefinite" restart="never" nodeType="tmRoot"/>
+      </p:par>
+    </p:tnLst>
+  </p:timing>
+</p:sld>
+</file>
+
+<file path=ppt/slides/slide12.xml><?xml version="1.0" encoding="utf-8"?>
+<p:sld xmlns:a="http://schemas.openxmlformats.org/drawingml/2006/main" xmlns:r="http://schemas.openxmlformats.org/officeDocument/2006/relationships" xmlns:p="http://schemas.openxmlformats.org/presentationml/2006/main">
+  <p:cSld>
+    <p:spTree>
+      <p:nvGrpSpPr>
+        <p:cNvPr id="1" name=""/>
+        <p:cNvGrpSpPr/>
+        <p:nvPr/>
+      </p:nvGrpSpPr>
+      <p:grpSpPr>
+        <a:xfrm>
+          <a:off x="0" y="0"/>
+          <a:ext cx="0" cy="0"/>
+          <a:chOff x="0" y="0"/>
+          <a:chExt cx="0" cy="0"/>
+        </a:xfrm>
+      </p:grpSpPr>
+      <p:sp>
+        <p:nvSpPr>
+          <p:cNvPr id="2" name="Title 1"/>
+          <p:cNvSpPr>
+            <a:spLocks noGrp="1"/>
+          </p:cNvSpPr>
+          <p:nvPr>
+            <p:ph type="title"/>
+          </p:nvPr>
+        </p:nvSpPr>
+        <p:spPr/>
+        <p:txBody>
+          <a:bodyPr>
+            <a:normAutofit fontScale="90000"/>
+          </a:bodyPr>
+          <a:lstStyle/>
+          <a:p>
+            <a:r>
+              <a:rPr lang="ru-RU" dirty="0" smtClean="0"/>
               <a:t>Сборка мусора на основе поколений</a:t>
             </a:r>
             <a:r>
@@ -3871,7 +3988,7 @@
 </p:sld>
 </file>
 
-<file path=ppt/slides/slide12.xml><?xml version="1.0" encoding="utf-8"?>
+<file path=ppt/slides/slide13.xml><?xml version="1.0" encoding="utf-8"?>
 <p:sld xmlns:a="http://schemas.openxmlformats.org/drawingml/2006/main" xmlns:r="http://schemas.openxmlformats.org/officeDocument/2006/relationships" xmlns:p="http://schemas.openxmlformats.org/presentationml/2006/main">
   <p:cSld>
     <p:spTree>
@@ -5886,7 +6003,7 @@
 </p:sld>
 </file>
 
-<file path=ppt/slides/slide13.xml><?xml version="1.0" encoding="utf-8"?>
+<file path=ppt/slides/slide14.xml><?xml version="1.0" encoding="utf-8"?>
 <p:sld xmlns:a="http://schemas.openxmlformats.org/drawingml/2006/main" xmlns:r="http://schemas.openxmlformats.org/officeDocument/2006/relationships" xmlns:p="http://schemas.openxmlformats.org/presentationml/2006/main">
   <p:cSld>
     <p:spTree>
@@ -9029,793 +9146,6 @@
 </p:sld>
 </file>
 
-<file path=ppt/slides/slide14.xml><?xml version="1.0" encoding="utf-8"?>
-<p:sld xmlns:a="http://schemas.openxmlformats.org/drawingml/2006/main" xmlns:r="http://schemas.openxmlformats.org/officeDocument/2006/relationships" xmlns:p="http://schemas.openxmlformats.org/presentationml/2006/main">
-  <p:cSld>
-    <p:spTree>
-      <p:nvGrpSpPr>
-        <p:cNvPr id="1" name=""/>
-        <p:cNvGrpSpPr/>
-        <p:nvPr/>
-      </p:nvGrpSpPr>
-      <p:grpSpPr>
-        <a:xfrm>
-          <a:off x="0" y="0"/>
-          <a:ext cx="0" cy="0"/>
-          <a:chOff x="0" y="0"/>
-          <a:chExt cx="0" cy="0"/>
-        </a:xfrm>
-      </p:grpSpPr>
-      <p:sp>
-        <p:nvSpPr>
-          <p:cNvPr id="2" name="Title 1"/>
-          <p:cNvSpPr>
-            <a:spLocks noGrp="1"/>
-          </p:cNvSpPr>
-          <p:nvPr>
-            <p:ph type="title"/>
-          </p:nvPr>
-        </p:nvSpPr>
-        <p:spPr/>
-        <p:txBody>
-          <a:bodyPr/>
-          <a:lstStyle/>
-          <a:p>
-            <a:r>
-              <a:rPr lang="en-US" dirty="0" smtClean="0"/>
-              <a:t>Workstation GC </a:t>
-            </a:r>
-            <a:r>
-              <a:rPr lang="ru-RU" dirty="0" smtClean="0"/>
-              <a:t>и </a:t>
-            </a:r>
-            <a:r>
-              <a:rPr lang="en-US" dirty="0" smtClean="0"/>
-              <a:t>Server GC</a:t>
-            </a:r>
-            <a:endParaRPr lang="ru-RU" dirty="0"/>
-          </a:p>
-        </p:txBody>
-      </p:sp>
-      <p:sp>
-        <p:nvSpPr>
-          <p:cNvPr id="3" name="Content Placeholder 2"/>
-          <p:cNvSpPr>
-            <a:spLocks noGrp="1"/>
-          </p:cNvSpPr>
-          <p:nvPr>
-            <p:ph idx="1"/>
-          </p:nvPr>
-        </p:nvSpPr>
-        <p:spPr>
-          <a:xfrm>
-            <a:off x="457200" y="1600201"/>
-            <a:ext cx="8229600" cy="2116832"/>
-          </a:xfrm>
-        </p:spPr>
-        <p:txBody>
-          <a:bodyPr/>
-          <a:lstStyle/>
-          <a:p>
-            <a:pPr marL="0" indent="0">
-              <a:buNone/>
-            </a:pPr>
-            <a:r>
-              <a:rPr lang="ru-RU" dirty="0" smtClean="0"/>
-              <a:t>В </a:t>
-            </a:r>
-            <a:r>
-              <a:rPr lang="en-US" dirty="0" smtClean="0"/>
-              <a:t>.NET </a:t>
-            </a:r>
-            <a:r>
-              <a:rPr lang="ru-RU" dirty="0" smtClean="0"/>
-              <a:t>есть два режима работы </a:t>
-            </a:r>
-            <a:r>
-              <a:rPr lang="en-US" dirty="0" smtClean="0"/>
-              <a:t>GC </a:t>
-            </a:r>
-            <a:r>
-              <a:rPr lang="ru-RU" dirty="0" smtClean="0"/>
-              <a:t>который можно менять в файле конфигурации приложения. По умолчанию используется </a:t>
-            </a:r>
-            <a:r>
-              <a:rPr lang="en-US" dirty="0" smtClean="0"/>
-              <a:t>concurrent</a:t>
-            </a:r>
-            <a:r>
-              <a:rPr lang="ru-RU" dirty="0" smtClean="0"/>
-              <a:t> </a:t>
-            </a:r>
-            <a:r>
-              <a:rPr lang="en-US" dirty="0" smtClean="0"/>
-              <a:t>Workstation GC</a:t>
-            </a:r>
-            <a:r>
-              <a:rPr lang="ru-RU" dirty="0" smtClean="0"/>
-              <a:t>.</a:t>
-            </a:r>
-          </a:p>
-          <a:p>
-            <a:pPr marL="0" indent="0">
-              <a:buNone/>
-            </a:pPr>
-            <a:endParaRPr lang="ru-RU" dirty="0"/>
-          </a:p>
-        </p:txBody>
-      </p:sp>
-      <p:sp>
-        <p:nvSpPr>
-          <p:cNvPr id="5" name="Rectangle 4"/>
-          <p:cNvSpPr/>
-          <p:nvPr/>
-        </p:nvSpPr>
-        <p:spPr>
-          <a:xfrm>
-            <a:off x="457200" y="3861048"/>
-            <a:ext cx="8219256" cy="2031325"/>
-          </a:xfrm>
-          <a:prstGeom prst="rect">
-            <a:avLst/>
-          </a:prstGeom>
-          <a:solidFill>
-            <a:schemeClr val="bg1"/>
-          </a:solidFill>
-        </p:spPr>
-        <p:txBody>
-          <a:bodyPr wrap="square">
-            <a:spAutoFit/>
-          </a:bodyPr>
-          <a:lstStyle/>
-          <a:p>
-            <a:r>
-              <a:rPr lang="en-US" dirty="0">
-                <a:solidFill>
-                  <a:srgbClr val="0000FF"/>
-                </a:solidFill>
-                <a:highlight>
-                  <a:srgbClr val="FFFFFF"/>
-                </a:highlight>
-                <a:latin typeface="Consolas"/>
-              </a:rPr>
-              <a:t>&lt;?</a:t>
-            </a:r>
-            <a:r>
-              <a:rPr lang="en-US" dirty="0">
-                <a:solidFill>
-                  <a:srgbClr val="A31515"/>
-                </a:solidFill>
-                <a:highlight>
-                  <a:srgbClr val="FFFFFF"/>
-                </a:highlight>
-                <a:latin typeface="Consolas"/>
-              </a:rPr>
-              <a:t>xml</a:t>
-            </a:r>
-            <a:r>
-              <a:rPr lang="en-US" dirty="0">
-                <a:solidFill>
-                  <a:srgbClr val="0000FF"/>
-                </a:solidFill>
-                <a:highlight>
-                  <a:srgbClr val="FFFFFF"/>
-                </a:highlight>
-                <a:latin typeface="Consolas"/>
-              </a:rPr>
-              <a:t> </a:t>
-            </a:r>
-            <a:r>
-              <a:rPr lang="en-US" dirty="0">
-                <a:solidFill>
-                  <a:srgbClr val="FF0000"/>
-                </a:solidFill>
-                <a:highlight>
-                  <a:srgbClr val="FFFFFF"/>
-                </a:highlight>
-                <a:latin typeface="Consolas"/>
-              </a:rPr>
-              <a:t>version</a:t>
-            </a:r>
-            <a:r>
-              <a:rPr lang="en-US" dirty="0">
-                <a:solidFill>
-                  <a:srgbClr val="0000FF"/>
-                </a:solidFill>
-                <a:highlight>
-                  <a:srgbClr val="FFFFFF"/>
-                </a:highlight>
-                <a:latin typeface="Consolas"/>
-              </a:rPr>
-              <a:t>=</a:t>
-            </a:r>
-            <a:r>
-              <a:rPr lang="en-US" dirty="0">
-                <a:solidFill>
-                  <a:srgbClr val="000000"/>
-                </a:solidFill>
-                <a:highlight>
-                  <a:srgbClr val="FFFFFF"/>
-                </a:highlight>
-                <a:latin typeface="Consolas"/>
-              </a:rPr>
-              <a:t>"</a:t>
-            </a:r>
-            <a:r>
-              <a:rPr lang="en-US" dirty="0">
-                <a:solidFill>
-                  <a:srgbClr val="0000FF"/>
-                </a:solidFill>
-                <a:highlight>
-                  <a:srgbClr val="FFFFFF"/>
-                </a:highlight>
-                <a:latin typeface="Consolas"/>
-              </a:rPr>
-              <a:t>1.0</a:t>
-            </a:r>
-            <a:r>
-              <a:rPr lang="en-US" dirty="0">
-                <a:solidFill>
-                  <a:srgbClr val="000000"/>
-                </a:solidFill>
-                <a:highlight>
-                  <a:srgbClr val="FFFFFF"/>
-                </a:highlight>
-                <a:latin typeface="Consolas"/>
-              </a:rPr>
-              <a:t>"</a:t>
-            </a:r>
-            <a:r>
-              <a:rPr lang="en-US" dirty="0">
-                <a:solidFill>
-                  <a:srgbClr val="0000FF"/>
-                </a:solidFill>
-                <a:highlight>
-                  <a:srgbClr val="FFFFFF"/>
-                </a:highlight>
-                <a:latin typeface="Consolas"/>
-              </a:rPr>
-              <a:t> </a:t>
-            </a:r>
-            <a:r>
-              <a:rPr lang="en-US" dirty="0">
-                <a:solidFill>
-                  <a:srgbClr val="FF0000"/>
-                </a:solidFill>
-                <a:highlight>
-                  <a:srgbClr val="FFFFFF"/>
-                </a:highlight>
-                <a:latin typeface="Consolas"/>
-              </a:rPr>
-              <a:t>encoding</a:t>
-            </a:r>
-            <a:r>
-              <a:rPr lang="en-US" dirty="0">
-                <a:solidFill>
-                  <a:srgbClr val="0000FF"/>
-                </a:solidFill>
-                <a:highlight>
-                  <a:srgbClr val="FFFFFF"/>
-                </a:highlight>
-                <a:latin typeface="Consolas"/>
-              </a:rPr>
-              <a:t>=</a:t>
-            </a:r>
-            <a:r>
-              <a:rPr lang="en-US" dirty="0">
-                <a:solidFill>
-                  <a:srgbClr val="000000"/>
-                </a:solidFill>
-                <a:highlight>
-                  <a:srgbClr val="FFFFFF"/>
-                </a:highlight>
-                <a:latin typeface="Consolas"/>
-              </a:rPr>
-              <a:t>"</a:t>
-            </a:r>
-            <a:r>
-              <a:rPr lang="en-US" dirty="0">
-                <a:solidFill>
-                  <a:srgbClr val="0000FF"/>
-                </a:solidFill>
-                <a:highlight>
-                  <a:srgbClr val="FFFFFF"/>
-                </a:highlight>
-                <a:latin typeface="Consolas"/>
-              </a:rPr>
-              <a:t>utf-8</a:t>
-            </a:r>
-            <a:r>
-              <a:rPr lang="en-US" dirty="0">
-                <a:solidFill>
-                  <a:srgbClr val="000000"/>
-                </a:solidFill>
-                <a:highlight>
-                  <a:srgbClr val="FFFFFF"/>
-                </a:highlight>
-                <a:latin typeface="Consolas"/>
-              </a:rPr>
-              <a:t>"</a:t>
-            </a:r>
-            <a:r>
-              <a:rPr lang="en-US" dirty="0">
-                <a:solidFill>
-                  <a:srgbClr val="0000FF"/>
-                </a:solidFill>
-                <a:highlight>
-                  <a:srgbClr val="FFFFFF"/>
-                </a:highlight>
-                <a:latin typeface="Consolas"/>
-              </a:rPr>
-              <a:t> ?&gt;</a:t>
-            </a:r>
-            <a:endParaRPr lang="en-US" dirty="0">
-              <a:solidFill>
-                <a:srgbClr val="000000"/>
-              </a:solidFill>
-              <a:highlight>
-                <a:srgbClr val="FFFFFF"/>
-              </a:highlight>
-              <a:latin typeface="Consolas"/>
-            </a:endParaRPr>
-          </a:p>
-          <a:p>
-            <a:r>
-              <a:rPr lang="en-US" dirty="0">
-                <a:solidFill>
-                  <a:srgbClr val="0000FF"/>
-                </a:solidFill>
-                <a:highlight>
-                  <a:srgbClr val="FFFFFF"/>
-                </a:highlight>
-                <a:latin typeface="Consolas"/>
-              </a:rPr>
-              <a:t>&lt;</a:t>
-            </a:r>
-            <a:r>
-              <a:rPr lang="en-US" dirty="0">
-                <a:solidFill>
-                  <a:srgbClr val="A31515"/>
-                </a:solidFill>
-                <a:highlight>
-                  <a:srgbClr val="FFFFFF"/>
-                </a:highlight>
-                <a:latin typeface="Consolas"/>
-              </a:rPr>
-              <a:t>configuration</a:t>
-            </a:r>
-            <a:r>
-              <a:rPr lang="en-US" dirty="0">
-                <a:solidFill>
-                  <a:srgbClr val="0000FF"/>
-                </a:solidFill>
-                <a:highlight>
-                  <a:srgbClr val="FFFFFF"/>
-                </a:highlight>
-                <a:latin typeface="Consolas"/>
-              </a:rPr>
-              <a:t>&gt;</a:t>
-            </a:r>
-            <a:endParaRPr lang="en-US" dirty="0">
-              <a:solidFill>
-                <a:srgbClr val="000000"/>
-              </a:solidFill>
-              <a:highlight>
-                <a:srgbClr val="FFFFFF"/>
-              </a:highlight>
-              <a:latin typeface="Consolas"/>
-            </a:endParaRPr>
-          </a:p>
-          <a:p>
-            <a:r>
-              <a:rPr lang="en-US" dirty="0" smtClean="0">
-                <a:solidFill>
-                  <a:srgbClr val="0000FF"/>
-                </a:solidFill>
-                <a:highlight>
-                  <a:srgbClr val="FFFFFF"/>
-                </a:highlight>
-                <a:latin typeface="Consolas"/>
-              </a:rPr>
-              <a:t>  &lt;</a:t>
-            </a:r>
-            <a:r>
-              <a:rPr lang="en-US" dirty="0" smtClean="0">
-                <a:solidFill>
-                  <a:srgbClr val="A31515"/>
-                </a:solidFill>
-                <a:highlight>
-                  <a:srgbClr val="FFFFFF"/>
-                </a:highlight>
-                <a:latin typeface="Consolas"/>
-              </a:rPr>
-              <a:t>runtime</a:t>
-            </a:r>
-            <a:r>
-              <a:rPr lang="en-US" dirty="0" smtClean="0">
-                <a:solidFill>
-                  <a:srgbClr val="0000FF"/>
-                </a:solidFill>
-                <a:highlight>
-                  <a:srgbClr val="FFFFFF"/>
-                </a:highlight>
-                <a:latin typeface="Consolas"/>
-              </a:rPr>
-              <a:t>&gt;</a:t>
-            </a:r>
-            <a:endParaRPr lang="en-US" dirty="0" smtClean="0">
-              <a:solidFill>
-                <a:srgbClr val="000000"/>
-              </a:solidFill>
-              <a:highlight>
-                <a:srgbClr val="FFFFFF"/>
-              </a:highlight>
-              <a:latin typeface="Consolas"/>
-            </a:endParaRPr>
-          </a:p>
-          <a:p>
-            <a:r>
-              <a:rPr lang="en-US" dirty="0" smtClean="0">
-                <a:solidFill>
-                  <a:srgbClr val="0000FF"/>
-                </a:solidFill>
-                <a:highlight>
-                  <a:srgbClr val="FFFFFF"/>
-                </a:highlight>
-                <a:latin typeface="Consolas"/>
-              </a:rPr>
-              <a:t>    </a:t>
-            </a:r>
-            <a:r>
-              <a:rPr lang="en-US" dirty="0">
-                <a:solidFill>
-                  <a:srgbClr val="0000FF"/>
-                </a:solidFill>
-                <a:highlight>
-                  <a:srgbClr val="FFFFFF"/>
-                </a:highlight>
-                <a:latin typeface="Consolas"/>
-              </a:rPr>
-              <a:t>&lt;</a:t>
-            </a:r>
-            <a:r>
-              <a:rPr lang="en-US" dirty="0" err="1" smtClean="0">
-                <a:solidFill>
-                  <a:srgbClr val="A31515"/>
-                </a:solidFill>
-                <a:highlight>
-                  <a:srgbClr val="FFFFFF"/>
-                </a:highlight>
-                <a:latin typeface="Consolas"/>
-              </a:rPr>
-              <a:t>gcServer</a:t>
-            </a:r>
-            <a:r>
-              <a:rPr lang="en-US" dirty="0" smtClean="0">
-                <a:solidFill>
-                  <a:srgbClr val="A31515"/>
-                </a:solidFill>
-                <a:highlight>
-                  <a:srgbClr val="FFFFFF"/>
-                </a:highlight>
-                <a:latin typeface="Consolas"/>
-              </a:rPr>
-              <a:t> enabled</a:t>
-            </a:r>
-            <a:r>
-              <a:rPr lang="en-US" dirty="0">
-                <a:solidFill>
-                  <a:srgbClr val="0000FF"/>
-                </a:solidFill>
-                <a:highlight>
-                  <a:srgbClr val="FFFFFF"/>
-                </a:highlight>
-                <a:latin typeface="Consolas"/>
-              </a:rPr>
-              <a:t>=</a:t>
-            </a:r>
-            <a:r>
-              <a:rPr lang="en-US" dirty="0">
-                <a:solidFill>
-                  <a:srgbClr val="000000"/>
-                </a:solidFill>
-                <a:highlight>
-                  <a:srgbClr val="FFFFFF"/>
-                </a:highlight>
-                <a:latin typeface="Consolas"/>
-              </a:rPr>
-              <a:t>"</a:t>
-            </a:r>
-            <a:r>
-              <a:rPr lang="en-US" dirty="0" err="1">
-                <a:solidFill>
-                  <a:srgbClr val="0000FF"/>
-                </a:solidFill>
-                <a:highlight>
-                  <a:srgbClr val="FFFFFF"/>
-                </a:highlight>
-                <a:latin typeface="Consolas"/>
-              </a:rPr>
-              <a:t>true|</a:t>
-            </a:r>
-            <a:r>
-              <a:rPr lang="en-US" b="1" dirty="0" err="1">
-                <a:solidFill>
-                  <a:srgbClr val="0000FF"/>
-                </a:solidFill>
-                <a:highlight>
-                  <a:srgbClr val="FFFFFF"/>
-                </a:highlight>
-                <a:latin typeface="Consolas"/>
-              </a:rPr>
-              <a:t>false</a:t>
-            </a:r>
-            <a:r>
-              <a:rPr lang="en-US" dirty="0">
-                <a:solidFill>
-                  <a:srgbClr val="000000"/>
-                </a:solidFill>
-                <a:highlight>
-                  <a:srgbClr val="FFFFFF"/>
-                </a:highlight>
-                <a:latin typeface="Consolas"/>
-              </a:rPr>
-              <a:t>"</a:t>
-            </a:r>
-            <a:r>
-              <a:rPr lang="en-US" dirty="0">
-                <a:solidFill>
-                  <a:srgbClr val="0000FF"/>
-                </a:solidFill>
-                <a:highlight>
-                  <a:srgbClr val="FFFFFF"/>
-                </a:highlight>
-                <a:latin typeface="Consolas"/>
-              </a:rPr>
-              <a:t> /&gt;</a:t>
-            </a:r>
-            <a:endParaRPr lang="en-US" dirty="0">
-              <a:solidFill>
-                <a:srgbClr val="000000"/>
-              </a:solidFill>
-              <a:highlight>
-                <a:srgbClr val="FFFFFF"/>
-              </a:highlight>
-              <a:latin typeface="Consolas"/>
-            </a:endParaRPr>
-          </a:p>
-          <a:p>
-            <a:r>
-              <a:rPr lang="en-US" dirty="0">
-                <a:solidFill>
-                  <a:srgbClr val="0000FF"/>
-                </a:solidFill>
-                <a:highlight>
-                  <a:srgbClr val="FFFFFF"/>
-                </a:highlight>
-                <a:latin typeface="Consolas"/>
-              </a:rPr>
-              <a:t>    </a:t>
-            </a:r>
-            <a:r>
-              <a:rPr lang="en-US" dirty="0" smtClean="0">
-                <a:solidFill>
-                  <a:srgbClr val="0000FF"/>
-                </a:solidFill>
-                <a:highlight>
-                  <a:srgbClr val="FFFFFF"/>
-                </a:highlight>
-                <a:latin typeface="Consolas"/>
-              </a:rPr>
-              <a:t>&lt;</a:t>
-            </a:r>
-            <a:r>
-              <a:rPr lang="en-US" dirty="0" err="1" smtClean="0">
-                <a:solidFill>
-                  <a:srgbClr val="A31515"/>
-                </a:solidFill>
-                <a:highlight>
-                  <a:srgbClr val="FFFFFF"/>
-                </a:highlight>
-                <a:latin typeface="Consolas"/>
-              </a:rPr>
-              <a:t>gcConcurrent</a:t>
-            </a:r>
-            <a:r>
-              <a:rPr lang="en-US" dirty="0" smtClean="0">
-                <a:solidFill>
-                  <a:srgbClr val="A31515"/>
-                </a:solidFill>
-                <a:highlight>
-                  <a:srgbClr val="FFFFFF"/>
-                </a:highlight>
-                <a:latin typeface="Consolas"/>
-              </a:rPr>
-              <a:t> enabled</a:t>
-            </a:r>
-            <a:r>
-              <a:rPr lang="en-US" dirty="0">
-                <a:solidFill>
-                  <a:srgbClr val="0000FF"/>
-                </a:solidFill>
-                <a:highlight>
-                  <a:srgbClr val="FFFFFF"/>
-                </a:highlight>
-                <a:latin typeface="Consolas"/>
-              </a:rPr>
-              <a:t>=</a:t>
-            </a:r>
-            <a:r>
-              <a:rPr lang="en-US" dirty="0">
-                <a:solidFill>
-                  <a:srgbClr val="000000"/>
-                </a:solidFill>
-                <a:highlight>
-                  <a:srgbClr val="FFFFFF"/>
-                </a:highlight>
-                <a:latin typeface="Consolas"/>
-              </a:rPr>
-              <a:t>"</a:t>
-            </a:r>
-            <a:r>
-              <a:rPr lang="en-US" b="1" dirty="0" err="1">
-                <a:solidFill>
-                  <a:srgbClr val="0000FF"/>
-                </a:solidFill>
-                <a:highlight>
-                  <a:srgbClr val="FFFFFF"/>
-                </a:highlight>
-                <a:latin typeface="Consolas"/>
-              </a:rPr>
-              <a:t>true</a:t>
-            </a:r>
-            <a:r>
-              <a:rPr lang="en-US" dirty="0" err="1">
-                <a:solidFill>
-                  <a:srgbClr val="0000FF"/>
-                </a:solidFill>
-                <a:highlight>
-                  <a:srgbClr val="FFFFFF"/>
-                </a:highlight>
-                <a:latin typeface="Consolas"/>
-              </a:rPr>
-              <a:t>|false</a:t>
-            </a:r>
-            <a:r>
-              <a:rPr lang="en-US" dirty="0">
-                <a:solidFill>
-                  <a:srgbClr val="000000"/>
-                </a:solidFill>
-                <a:highlight>
-                  <a:srgbClr val="FFFFFF"/>
-                </a:highlight>
-                <a:latin typeface="Consolas"/>
-              </a:rPr>
-              <a:t>"</a:t>
-            </a:r>
-            <a:r>
-              <a:rPr lang="en-US" dirty="0">
-                <a:solidFill>
-                  <a:srgbClr val="0000FF"/>
-                </a:solidFill>
-                <a:highlight>
-                  <a:srgbClr val="FFFFFF"/>
-                </a:highlight>
-                <a:latin typeface="Consolas"/>
-              </a:rPr>
-              <a:t> /&gt;</a:t>
-            </a:r>
-            <a:endParaRPr lang="en-US" dirty="0">
-              <a:solidFill>
-                <a:srgbClr val="000000"/>
-              </a:solidFill>
-              <a:highlight>
-                <a:srgbClr val="FFFFFF"/>
-              </a:highlight>
-              <a:latin typeface="Consolas"/>
-            </a:endParaRPr>
-          </a:p>
-          <a:p>
-            <a:r>
-              <a:rPr lang="en-US" dirty="0">
-                <a:solidFill>
-                  <a:srgbClr val="0000FF"/>
-                </a:solidFill>
-                <a:highlight>
-                  <a:srgbClr val="FFFFFF"/>
-                </a:highlight>
-                <a:latin typeface="Consolas"/>
-              </a:rPr>
-              <a:t>  &lt;/</a:t>
-            </a:r>
-            <a:r>
-              <a:rPr lang="en-US" dirty="0">
-                <a:solidFill>
-                  <a:srgbClr val="A31515"/>
-                </a:solidFill>
-                <a:highlight>
-                  <a:srgbClr val="FFFFFF"/>
-                </a:highlight>
-                <a:latin typeface="Consolas"/>
-              </a:rPr>
-              <a:t>runtime</a:t>
-            </a:r>
-            <a:r>
-              <a:rPr lang="en-US" dirty="0">
-                <a:solidFill>
-                  <a:srgbClr val="0000FF"/>
-                </a:solidFill>
-                <a:highlight>
-                  <a:srgbClr val="FFFFFF"/>
-                </a:highlight>
-                <a:latin typeface="Consolas"/>
-              </a:rPr>
-              <a:t>&gt;</a:t>
-            </a:r>
-            <a:endParaRPr lang="en-US" dirty="0">
-              <a:solidFill>
-                <a:srgbClr val="000000"/>
-              </a:solidFill>
-              <a:highlight>
-                <a:srgbClr val="FFFFFF"/>
-              </a:highlight>
-              <a:latin typeface="Consolas"/>
-            </a:endParaRPr>
-          </a:p>
-          <a:p>
-            <a:r>
-              <a:rPr lang="en-US" dirty="0">
-                <a:solidFill>
-                  <a:srgbClr val="0000FF"/>
-                </a:solidFill>
-                <a:highlight>
-                  <a:srgbClr val="FFFFFF"/>
-                </a:highlight>
-                <a:latin typeface="Consolas"/>
-              </a:rPr>
-              <a:t>&lt;/</a:t>
-            </a:r>
-            <a:r>
-              <a:rPr lang="en-US" dirty="0">
-                <a:solidFill>
-                  <a:srgbClr val="A31515"/>
-                </a:solidFill>
-                <a:highlight>
-                  <a:srgbClr val="FFFFFF"/>
-                </a:highlight>
-                <a:latin typeface="Consolas"/>
-              </a:rPr>
-              <a:t>configuration</a:t>
-            </a:r>
-            <a:r>
-              <a:rPr lang="en-US" dirty="0">
-                <a:solidFill>
-                  <a:srgbClr val="0000FF"/>
-                </a:solidFill>
-                <a:highlight>
-                  <a:srgbClr val="FFFFFF"/>
-                </a:highlight>
-                <a:latin typeface="Consolas"/>
-              </a:rPr>
-              <a:t>&gt;</a:t>
-            </a:r>
-            <a:endParaRPr lang="ru-RU" dirty="0"/>
-          </a:p>
-        </p:txBody>
-      </p:sp>
-    </p:spTree>
-    <p:extLst>
-      <p:ext uri="{BB962C8B-B14F-4D97-AF65-F5344CB8AC3E}">
-        <p14:creationId xmlns:p14="http://schemas.microsoft.com/office/powerpoint/2010/main" val="2754726885"/>
-      </p:ext>
-    </p:extLst>
-  </p:cSld>
-  <p:clrMapOvr>
-    <a:masterClrMapping/>
-  </p:clrMapOvr>
-</p:sld>
-</file>
-
 <file path=ppt/slides/slide15.xml><?xml version="1.0" encoding="utf-8"?>
 <p:sld xmlns:a="http://schemas.openxmlformats.org/drawingml/2006/main" xmlns:r="http://schemas.openxmlformats.org/officeDocument/2006/relationships" xmlns:p="http://schemas.openxmlformats.org/presentationml/2006/main">
   <p:cSld>
@@ -9850,7 +9180,15 @@
           <a:p>
             <a:r>
               <a:rPr lang="en-US" dirty="0" smtClean="0"/>
-              <a:t>Workstation GC</a:t>
+              <a:t>Workstation GC </a:t>
+            </a:r>
+            <a:r>
+              <a:rPr lang="ru-RU" dirty="0" smtClean="0"/>
+              <a:t>и </a:t>
+            </a:r>
+            <a:r>
+              <a:rPr lang="en-US" dirty="0" smtClean="0"/>
+              <a:t>Server GC</a:t>
             </a:r>
             <a:endParaRPr lang="ru-RU" dirty="0"/>
           </a:p>
@@ -9866,107 +9204,717 @@
             <p:ph idx="1"/>
           </p:nvPr>
         </p:nvSpPr>
-        <p:spPr/>
+        <p:spPr>
+          <a:xfrm>
+            <a:off x="457200" y="1600201"/>
+            <a:ext cx="8229600" cy="2116832"/>
+          </a:xfrm>
+        </p:spPr>
         <p:txBody>
-          <a:bodyPr>
-            <a:normAutofit fontScale="85000" lnSpcReduction="20000"/>
+          <a:bodyPr/>
+          <a:lstStyle/>
+          <a:p>
+            <a:pPr marL="0" indent="0">
+              <a:buNone/>
+            </a:pPr>
+            <a:r>
+              <a:rPr lang="ru-RU" dirty="0" smtClean="0"/>
+              <a:t>В </a:t>
+            </a:r>
+            <a:r>
+              <a:rPr lang="en-US" dirty="0" smtClean="0"/>
+              <a:t>.NET </a:t>
+            </a:r>
+            <a:r>
+              <a:rPr lang="ru-RU" dirty="0" smtClean="0"/>
+              <a:t>есть два режима работы </a:t>
+            </a:r>
+            <a:r>
+              <a:rPr lang="en-US" dirty="0" smtClean="0"/>
+              <a:t>GC </a:t>
+            </a:r>
+            <a:r>
+              <a:rPr lang="ru-RU" dirty="0" smtClean="0"/>
+              <a:t>который можно менять в файле конфигурации приложения. По умолчанию используется </a:t>
+            </a:r>
+            <a:r>
+              <a:rPr lang="en-US" dirty="0" smtClean="0"/>
+              <a:t>concurrent</a:t>
+            </a:r>
+            <a:r>
+              <a:rPr lang="ru-RU" dirty="0" smtClean="0"/>
+              <a:t> </a:t>
+            </a:r>
+            <a:r>
+              <a:rPr lang="en-US" dirty="0" smtClean="0"/>
+              <a:t>Workstation GC</a:t>
+            </a:r>
+            <a:r>
+              <a:rPr lang="ru-RU" dirty="0" smtClean="0"/>
+              <a:t>.</a:t>
+            </a:r>
+          </a:p>
+          <a:p>
+            <a:pPr marL="0" indent="0">
+              <a:buNone/>
+            </a:pPr>
+            <a:endParaRPr lang="ru-RU" dirty="0"/>
+          </a:p>
+        </p:txBody>
+      </p:sp>
+      <p:sp>
+        <p:nvSpPr>
+          <p:cNvPr id="5" name="Rectangle 4"/>
+          <p:cNvSpPr/>
+          <p:nvPr/>
+        </p:nvSpPr>
+        <p:spPr>
+          <a:xfrm>
+            <a:off x="457200" y="3861048"/>
+            <a:ext cx="8219256" cy="2031325"/>
+          </a:xfrm>
+          <a:prstGeom prst="rect">
+            <a:avLst/>
+          </a:prstGeom>
+          <a:solidFill>
+            <a:schemeClr val="bg1"/>
+          </a:solidFill>
+        </p:spPr>
+        <p:txBody>
+          <a:bodyPr wrap="square">
+            <a:spAutoFit/>
           </a:bodyPr>
           <a:lstStyle/>
           <a:p>
             <a:r>
-              <a:rPr lang="ru-RU" dirty="0" smtClean="0"/>
-              <a:t>Используется </a:t>
-            </a:r>
-            <a:r>
-              <a:rPr lang="ru-RU" dirty="0"/>
-              <a:t>по умолчанию для </a:t>
-            </a:r>
-            <a:r>
-              <a:rPr lang="en-US" dirty="0"/>
-              <a:t>desktop </a:t>
-            </a:r>
-            <a:r>
-              <a:rPr lang="ru-RU" dirty="0"/>
-              <a:t>приложений</a:t>
-            </a:r>
-          </a:p>
-          <a:p>
-            <a:r>
-              <a:rPr lang="en-US" dirty="0"/>
-              <a:t>GC </a:t>
-            </a:r>
-            <a:r>
-              <a:rPr lang="ru-RU" dirty="0"/>
-              <a:t>работает только в одном потоке. Нет выгоды от использования многоядерных </a:t>
-            </a:r>
-            <a:r>
-              <a:rPr lang="ru-RU" dirty="0" smtClean="0"/>
-              <a:t>процессоров</a:t>
-            </a:r>
-          </a:p>
-          <a:p>
-            <a:r>
-              <a:rPr lang="en-US" dirty="0" smtClean="0"/>
-              <a:t>Concurrent </a:t>
-            </a:r>
-            <a:r>
-              <a:rPr lang="en-US" dirty="0"/>
-              <a:t>Workstation </a:t>
-            </a:r>
-            <a:r>
-              <a:rPr lang="en-US" dirty="0" smtClean="0"/>
-              <a:t>GC</a:t>
-            </a:r>
-            <a:endParaRPr lang="ru-RU" dirty="0" smtClean="0"/>
-          </a:p>
-          <a:p>
-            <a:pPr lvl="1"/>
-            <a:r>
-              <a:rPr lang="ru-RU" dirty="0" smtClean="0"/>
-              <a:t>Отдельный поток для </a:t>
-            </a:r>
-            <a:r>
-              <a:rPr lang="en-US" dirty="0" smtClean="0"/>
-              <a:t>GC</a:t>
-            </a:r>
-          </a:p>
-          <a:p>
-            <a:pPr lvl="1"/>
-            <a:r>
-              <a:rPr lang="ru-RU" dirty="0" smtClean="0"/>
-              <a:t>Работает паралельно с приложением. Минимальные задержки исполнения</a:t>
-            </a:r>
-          </a:p>
-          <a:p>
-            <a:r>
-              <a:rPr lang="en-US" dirty="0" smtClean="0"/>
-              <a:t>Non-concurrent </a:t>
-            </a:r>
-            <a:r>
-              <a:rPr lang="en-US" dirty="0"/>
-              <a:t>Workstation </a:t>
-            </a:r>
-            <a:r>
-              <a:rPr lang="en-US" dirty="0" smtClean="0"/>
-              <a:t>GC</a:t>
-            </a:r>
-          </a:p>
-          <a:p>
-            <a:pPr lvl="1"/>
-            <a:r>
-              <a:rPr lang="en-US" dirty="0" smtClean="0"/>
-              <a:t>GC </a:t>
-            </a:r>
-            <a:r>
-              <a:rPr lang="ru-RU" dirty="0" smtClean="0"/>
-              <a:t>запускается в контексте одного из потоков приложения</a:t>
-            </a:r>
-          </a:p>
-          <a:p>
-            <a:pPr lvl="1"/>
-            <a:r>
-              <a:rPr lang="ru-RU" dirty="0" smtClean="0"/>
-              <a:t>Все остальные потоки останавливаются</a:t>
+              <a:rPr lang="en-US" dirty="0">
+                <a:solidFill>
+                  <a:srgbClr val="0000FF"/>
+                </a:solidFill>
+                <a:highlight>
+                  <a:srgbClr val="FFFFFF"/>
+                </a:highlight>
+                <a:latin typeface="Consolas"/>
+              </a:rPr>
+              <a:t>&lt;?</a:t>
+            </a:r>
+            <a:r>
+              <a:rPr lang="en-US" dirty="0">
+                <a:solidFill>
+                  <a:srgbClr val="A31515"/>
+                </a:solidFill>
+                <a:highlight>
+                  <a:srgbClr val="FFFFFF"/>
+                </a:highlight>
+                <a:latin typeface="Consolas"/>
+              </a:rPr>
+              <a:t>xml</a:t>
+            </a:r>
+            <a:r>
+              <a:rPr lang="en-US" dirty="0">
+                <a:solidFill>
+                  <a:srgbClr val="0000FF"/>
+                </a:solidFill>
+                <a:highlight>
+                  <a:srgbClr val="FFFFFF"/>
+                </a:highlight>
+                <a:latin typeface="Consolas"/>
+              </a:rPr>
+              <a:t> </a:t>
+            </a:r>
+            <a:r>
+              <a:rPr lang="en-US" dirty="0">
+                <a:solidFill>
+                  <a:srgbClr val="FF0000"/>
+                </a:solidFill>
+                <a:highlight>
+                  <a:srgbClr val="FFFFFF"/>
+                </a:highlight>
+                <a:latin typeface="Consolas"/>
+              </a:rPr>
+              <a:t>version</a:t>
+            </a:r>
+            <a:r>
+              <a:rPr lang="en-US" dirty="0">
+                <a:solidFill>
+                  <a:srgbClr val="0000FF"/>
+                </a:solidFill>
+                <a:highlight>
+                  <a:srgbClr val="FFFFFF"/>
+                </a:highlight>
+                <a:latin typeface="Consolas"/>
+              </a:rPr>
+              <a:t>=</a:t>
+            </a:r>
+            <a:r>
+              <a:rPr lang="en-US" dirty="0">
+                <a:solidFill>
+                  <a:srgbClr val="000000"/>
+                </a:solidFill>
+                <a:highlight>
+                  <a:srgbClr val="FFFFFF"/>
+                </a:highlight>
+                <a:latin typeface="Consolas"/>
+              </a:rPr>
+              <a:t>"</a:t>
+            </a:r>
+            <a:r>
+              <a:rPr lang="en-US" dirty="0">
+                <a:solidFill>
+                  <a:srgbClr val="0000FF"/>
+                </a:solidFill>
+                <a:highlight>
+                  <a:srgbClr val="FFFFFF"/>
+                </a:highlight>
+                <a:latin typeface="Consolas"/>
+              </a:rPr>
+              <a:t>1.0</a:t>
+            </a:r>
+            <a:r>
+              <a:rPr lang="en-US" dirty="0">
+                <a:solidFill>
+                  <a:srgbClr val="000000"/>
+                </a:solidFill>
+                <a:highlight>
+                  <a:srgbClr val="FFFFFF"/>
+                </a:highlight>
+                <a:latin typeface="Consolas"/>
+              </a:rPr>
+              <a:t>"</a:t>
+            </a:r>
+            <a:r>
+              <a:rPr lang="en-US" dirty="0">
+                <a:solidFill>
+                  <a:srgbClr val="0000FF"/>
+                </a:solidFill>
+                <a:highlight>
+                  <a:srgbClr val="FFFFFF"/>
+                </a:highlight>
+                <a:latin typeface="Consolas"/>
+              </a:rPr>
+              <a:t> </a:t>
+            </a:r>
+            <a:r>
+              <a:rPr lang="en-US" dirty="0">
+                <a:solidFill>
+                  <a:srgbClr val="FF0000"/>
+                </a:solidFill>
+                <a:highlight>
+                  <a:srgbClr val="FFFFFF"/>
+                </a:highlight>
+                <a:latin typeface="Consolas"/>
+              </a:rPr>
+              <a:t>encoding</a:t>
+            </a:r>
+            <a:r>
+              <a:rPr lang="en-US" dirty="0">
+                <a:solidFill>
+                  <a:srgbClr val="0000FF"/>
+                </a:solidFill>
+                <a:highlight>
+                  <a:srgbClr val="FFFFFF"/>
+                </a:highlight>
+                <a:latin typeface="Consolas"/>
+              </a:rPr>
+              <a:t>=</a:t>
+            </a:r>
+            <a:r>
+              <a:rPr lang="en-US" dirty="0">
+                <a:solidFill>
+                  <a:srgbClr val="000000"/>
+                </a:solidFill>
+                <a:highlight>
+                  <a:srgbClr val="FFFFFF"/>
+                </a:highlight>
+                <a:latin typeface="Consolas"/>
+              </a:rPr>
+              <a:t>"</a:t>
+            </a:r>
+            <a:r>
+              <a:rPr lang="en-US" dirty="0">
+                <a:solidFill>
+                  <a:srgbClr val="0000FF"/>
+                </a:solidFill>
+                <a:highlight>
+                  <a:srgbClr val="FFFFFF"/>
+                </a:highlight>
+                <a:latin typeface="Consolas"/>
+              </a:rPr>
+              <a:t>utf-8</a:t>
+            </a:r>
+            <a:r>
+              <a:rPr lang="en-US" dirty="0">
+                <a:solidFill>
+                  <a:srgbClr val="000000"/>
+                </a:solidFill>
+                <a:highlight>
+                  <a:srgbClr val="FFFFFF"/>
+                </a:highlight>
+                <a:latin typeface="Consolas"/>
+              </a:rPr>
+              <a:t>"</a:t>
+            </a:r>
+            <a:r>
+              <a:rPr lang="en-US" dirty="0">
+                <a:solidFill>
+                  <a:srgbClr val="0000FF"/>
+                </a:solidFill>
+                <a:highlight>
+                  <a:srgbClr val="FFFFFF"/>
+                </a:highlight>
+                <a:latin typeface="Consolas"/>
+              </a:rPr>
+              <a:t> ?&gt;</a:t>
+            </a:r>
+            <a:endParaRPr lang="en-US" dirty="0">
+              <a:solidFill>
+                <a:srgbClr val="000000"/>
+              </a:solidFill>
+              <a:highlight>
+                <a:srgbClr val="FFFFFF"/>
+              </a:highlight>
+              <a:latin typeface="Consolas"/>
+            </a:endParaRPr>
+          </a:p>
+          <a:p>
+            <a:r>
+              <a:rPr lang="en-US" dirty="0">
+                <a:solidFill>
+                  <a:srgbClr val="0000FF"/>
+                </a:solidFill>
+                <a:highlight>
+                  <a:srgbClr val="FFFFFF"/>
+                </a:highlight>
+                <a:latin typeface="Consolas"/>
+              </a:rPr>
+              <a:t>&lt;</a:t>
+            </a:r>
+            <a:r>
+              <a:rPr lang="en-US" dirty="0">
+                <a:solidFill>
+                  <a:srgbClr val="A31515"/>
+                </a:solidFill>
+                <a:highlight>
+                  <a:srgbClr val="FFFFFF"/>
+                </a:highlight>
+                <a:latin typeface="Consolas"/>
+              </a:rPr>
+              <a:t>configuration</a:t>
+            </a:r>
+            <a:r>
+              <a:rPr lang="en-US" dirty="0">
+                <a:solidFill>
+                  <a:srgbClr val="0000FF"/>
+                </a:solidFill>
+                <a:highlight>
+                  <a:srgbClr val="FFFFFF"/>
+                </a:highlight>
+                <a:latin typeface="Consolas"/>
+              </a:rPr>
+              <a:t>&gt;</a:t>
+            </a:r>
+            <a:endParaRPr lang="en-US" dirty="0">
+              <a:solidFill>
+                <a:srgbClr val="000000"/>
+              </a:solidFill>
+              <a:highlight>
+                <a:srgbClr val="FFFFFF"/>
+              </a:highlight>
+              <a:latin typeface="Consolas"/>
+            </a:endParaRPr>
+          </a:p>
+          <a:p>
+            <a:r>
+              <a:rPr lang="en-US" dirty="0" smtClean="0">
+                <a:solidFill>
+                  <a:srgbClr val="0000FF"/>
+                </a:solidFill>
+                <a:highlight>
+                  <a:srgbClr val="FFFFFF"/>
+                </a:highlight>
+                <a:latin typeface="Consolas"/>
+              </a:rPr>
+              <a:t>  &lt;</a:t>
+            </a:r>
+            <a:r>
+              <a:rPr lang="en-US" dirty="0" smtClean="0">
+                <a:solidFill>
+                  <a:srgbClr val="A31515"/>
+                </a:solidFill>
+                <a:highlight>
+                  <a:srgbClr val="FFFFFF"/>
+                </a:highlight>
+                <a:latin typeface="Consolas"/>
+              </a:rPr>
+              <a:t>runtime</a:t>
+            </a:r>
+            <a:r>
+              <a:rPr lang="en-US" dirty="0" smtClean="0">
+                <a:solidFill>
+                  <a:srgbClr val="0000FF"/>
+                </a:solidFill>
+                <a:highlight>
+                  <a:srgbClr val="FFFFFF"/>
+                </a:highlight>
+                <a:latin typeface="Consolas"/>
+              </a:rPr>
+              <a:t>&gt;</a:t>
+            </a:r>
+            <a:endParaRPr lang="en-US" dirty="0" smtClean="0">
+              <a:solidFill>
+                <a:srgbClr val="000000"/>
+              </a:solidFill>
+              <a:highlight>
+                <a:srgbClr val="FFFFFF"/>
+              </a:highlight>
+              <a:latin typeface="Consolas"/>
+            </a:endParaRPr>
+          </a:p>
+          <a:p>
+            <a:r>
+              <a:rPr lang="en-US" dirty="0" smtClean="0">
+                <a:solidFill>
+                  <a:srgbClr val="0000FF"/>
+                </a:solidFill>
+                <a:highlight>
+                  <a:srgbClr val="FFFFFF"/>
+                </a:highlight>
+                <a:latin typeface="Consolas"/>
+              </a:rPr>
+              <a:t>    </a:t>
+            </a:r>
+            <a:r>
+              <a:rPr lang="en-US" dirty="0">
+                <a:solidFill>
+                  <a:srgbClr val="0000FF"/>
+                </a:solidFill>
+                <a:highlight>
+                  <a:srgbClr val="FFFFFF"/>
+                </a:highlight>
+                <a:latin typeface="Consolas"/>
+              </a:rPr>
+              <a:t>&lt;</a:t>
+            </a:r>
+            <a:r>
+              <a:rPr lang="en-US" dirty="0" err="1" smtClean="0">
+                <a:solidFill>
+                  <a:srgbClr val="A31515"/>
+                </a:solidFill>
+                <a:highlight>
+                  <a:srgbClr val="FFFFFF"/>
+                </a:highlight>
+                <a:latin typeface="Consolas"/>
+              </a:rPr>
+              <a:t>gcServer</a:t>
+            </a:r>
+            <a:r>
+              <a:rPr lang="en-US" dirty="0" smtClean="0">
+                <a:solidFill>
+                  <a:srgbClr val="A31515"/>
+                </a:solidFill>
+                <a:highlight>
+                  <a:srgbClr val="FFFFFF"/>
+                </a:highlight>
+                <a:latin typeface="Consolas"/>
+              </a:rPr>
+              <a:t> enabled</a:t>
+            </a:r>
+            <a:r>
+              <a:rPr lang="en-US" dirty="0">
+                <a:solidFill>
+                  <a:srgbClr val="0000FF"/>
+                </a:solidFill>
+                <a:highlight>
+                  <a:srgbClr val="FFFFFF"/>
+                </a:highlight>
+                <a:latin typeface="Consolas"/>
+              </a:rPr>
+              <a:t>=</a:t>
+            </a:r>
+            <a:r>
+              <a:rPr lang="en-US" dirty="0">
+                <a:solidFill>
+                  <a:srgbClr val="000000"/>
+                </a:solidFill>
+                <a:highlight>
+                  <a:srgbClr val="FFFFFF"/>
+                </a:highlight>
+                <a:latin typeface="Consolas"/>
+              </a:rPr>
+              <a:t>"</a:t>
+            </a:r>
+            <a:r>
+              <a:rPr lang="en-US" dirty="0" err="1">
+                <a:solidFill>
+                  <a:srgbClr val="0000FF"/>
+                </a:solidFill>
+                <a:highlight>
+                  <a:srgbClr val="FFFFFF"/>
+                </a:highlight>
+                <a:latin typeface="Consolas"/>
+              </a:rPr>
+              <a:t>true|</a:t>
+            </a:r>
+            <a:r>
+              <a:rPr lang="en-US" b="1" dirty="0" err="1">
+                <a:solidFill>
+                  <a:srgbClr val="0000FF"/>
+                </a:solidFill>
+                <a:highlight>
+                  <a:srgbClr val="FFFFFF"/>
+                </a:highlight>
+                <a:latin typeface="Consolas"/>
+              </a:rPr>
+              <a:t>false</a:t>
+            </a:r>
+            <a:r>
+              <a:rPr lang="en-US" dirty="0">
+                <a:solidFill>
+                  <a:srgbClr val="000000"/>
+                </a:solidFill>
+                <a:highlight>
+                  <a:srgbClr val="FFFFFF"/>
+                </a:highlight>
+                <a:latin typeface="Consolas"/>
+              </a:rPr>
+              <a:t>"</a:t>
+            </a:r>
+            <a:r>
+              <a:rPr lang="en-US" dirty="0">
+                <a:solidFill>
+                  <a:srgbClr val="0000FF"/>
+                </a:solidFill>
+                <a:highlight>
+                  <a:srgbClr val="FFFFFF"/>
+                </a:highlight>
+                <a:latin typeface="Consolas"/>
+              </a:rPr>
+              <a:t> /&gt;</a:t>
+            </a:r>
+            <a:endParaRPr lang="en-US" dirty="0">
+              <a:solidFill>
+                <a:srgbClr val="000000"/>
+              </a:solidFill>
+              <a:highlight>
+                <a:srgbClr val="FFFFFF"/>
+              </a:highlight>
+              <a:latin typeface="Consolas"/>
+            </a:endParaRPr>
+          </a:p>
+          <a:p>
+            <a:r>
+              <a:rPr lang="en-US" dirty="0">
+                <a:solidFill>
+                  <a:srgbClr val="0000FF"/>
+                </a:solidFill>
+                <a:highlight>
+                  <a:srgbClr val="FFFFFF"/>
+                </a:highlight>
+                <a:latin typeface="Consolas"/>
+              </a:rPr>
+              <a:t>    </a:t>
+            </a:r>
+            <a:r>
+              <a:rPr lang="en-US" dirty="0" smtClean="0">
+                <a:solidFill>
+                  <a:srgbClr val="0000FF"/>
+                </a:solidFill>
+                <a:highlight>
+                  <a:srgbClr val="FFFFFF"/>
+                </a:highlight>
+                <a:latin typeface="Consolas"/>
+              </a:rPr>
+              <a:t>&lt;</a:t>
+            </a:r>
+            <a:r>
+              <a:rPr lang="en-US" dirty="0" err="1" smtClean="0">
+                <a:solidFill>
+                  <a:srgbClr val="A31515"/>
+                </a:solidFill>
+                <a:highlight>
+                  <a:srgbClr val="FFFFFF"/>
+                </a:highlight>
+                <a:latin typeface="Consolas"/>
+              </a:rPr>
+              <a:t>gcConcurrent</a:t>
+            </a:r>
+            <a:r>
+              <a:rPr lang="en-US" dirty="0" smtClean="0">
+                <a:solidFill>
+                  <a:srgbClr val="A31515"/>
+                </a:solidFill>
+                <a:highlight>
+                  <a:srgbClr val="FFFFFF"/>
+                </a:highlight>
+                <a:latin typeface="Consolas"/>
+              </a:rPr>
+              <a:t> enabled</a:t>
+            </a:r>
+            <a:r>
+              <a:rPr lang="en-US" dirty="0">
+                <a:solidFill>
+                  <a:srgbClr val="0000FF"/>
+                </a:solidFill>
+                <a:highlight>
+                  <a:srgbClr val="FFFFFF"/>
+                </a:highlight>
+                <a:latin typeface="Consolas"/>
+              </a:rPr>
+              <a:t>=</a:t>
+            </a:r>
+            <a:r>
+              <a:rPr lang="en-US" dirty="0">
+                <a:solidFill>
+                  <a:srgbClr val="000000"/>
+                </a:solidFill>
+                <a:highlight>
+                  <a:srgbClr val="FFFFFF"/>
+                </a:highlight>
+                <a:latin typeface="Consolas"/>
+              </a:rPr>
+              <a:t>"</a:t>
+            </a:r>
+            <a:r>
+              <a:rPr lang="en-US" b="1" dirty="0" err="1">
+                <a:solidFill>
+                  <a:srgbClr val="0000FF"/>
+                </a:solidFill>
+                <a:highlight>
+                  <a:srgbClr val="FFFFFF"/>
+                </a:highlight>
+                <a:latin typeface="Consolas"/>
+              </a:rPr>
+              <a:t>true</a:t>
+            </a:r>
+            <a:r>
+              <a:rPr lang="en-US" dirty="0" err="1">
+                <a:solidFill>
+                  <a:srgbClr val="0000FF"/>
+                </a:solidFill>
+                <a:highlight>
+                  <a:srgbClr val="FFFFFF"/>
+                </a:highlight>
+                <a:latin typeface="Consolas"/>
+              </a:rPr>
+              <a:t>|false</a:t>
+            </a:r>
+            <a:r>
+              <a:rPr lang="en-US" dirty="0">
+                <a:solidFill>
+                  <a:srgbClr val="000000"/>
+                </a:solidFill>
+                <a:highlight>
+                  <a:srgbClr val="FFFFFF"/>
+                </a:highlight>
+                <a:latin typeface="Consolas"/>
+              </a:rPr>
+              <a:t>"</a:t>
+            </a:r>
+            <a:r>
+              <a:rPr lang="en-US" dirty="0">
+                <a:solidFill>
+                  <a:srgbClr val="0000FF"/>
+                </a:solidFill>
+                <a:highlight>
+                  <a:srgbClr val="FFFFFF"/>
+                </a:highlight>
+                <a:latin typeface="Consolas"/>
+              </a:rPr>
+              <a:t> /&gt;</a:t>
+            </a:r>
+            <a:endParaRPr lang="en-US" dirty="0">
+              <a:solidFill>
+                <a:srgbClr val="000000"/>
+              </a:solidFill>
+              <a:highlight>
+                <a:srgbClr val="FFFFFF"/>
+              </a:highlight>
+              <a:latin typeface="Consolas"/>
+            </a:endParaRPr>
+          </a:p>
+          <a:p>
+            <a:r>
+              <a:rPr lang="en-US" dirty="0">
+                <a:solidFill>
+                  <a:srgbClr val="0000FF"/>
+                </a:solidFill>
+                <a:highlight>
+                  <a:srgbClr val="FFFFFF"/>
+                </a:highlight>
+                <a:latin typeface="Consolas"/>
+              </a:rPr>
+              <a:t>  &lt;/</a:t>
+            </a:r>
+            <a:r>
+              <a:rPr lang="en-US" dirty="0">
+                <a:solidFill>
+                  <a:srgbClr val="A31515"/>
+                </a:solidFill>
+                <a:highlight>
+                  <a:srgbClr val="FFFFFF"/>
+                </a:highlight>
+                <a:latin typeface="Consolas"/>
+              </a:rPr>
+              <a:t>runtime</a:t>
+            </a:r>
+            <a:r>
+              <a:rPr lang="en-US" dirty="0">
+                <a:solidFill>
+                  <a:srgbClr val="0000FF"/>
+                </a:solidFill>
+                <a:highlight>
+                  <a:srgbClr val="FFFFFF"/>
+                </a:highlight>
+                <a:latin typeface="Consolas"/>
+              </a:rPr>
+              <a:t>&gt;</a:t>
+            </a:r>
+            <a:endParaRPr lang="en-US" dirty="0">
+              <a:solidFill>
+                <a:srgbClr val="000000"/>
+              </a:solidFill>
+              <a:highlight>
+                <a:srgbClr val="FFFFFF"/>
+              </a:highlight>
+              <a:latin typeface="Consolas"/>
+            </a:endParaRPr>
+          </a:p>
+          <a:p>
+            <a:r>
+              <a:rPr lang="en-US" dirty="0">
+                <a:solidFill>
+                  <a:srgbClr val="0000FF"/>
+                </a:solidFill>
+                <a:highlight>
+                  <a:srgbClr val="FFFFFF"/>
+                </a:highlight>
+                <a:latin typeface="Consolas"/>
+              </a:rPr>
+              <a:t>&lt;/</a:t>
+            </a:r>
+            <a:r>
+              <a:rPr lang="en-US" dirty="0">
+                <a:solidFill>
+                  <a:srgbClr val="A31515"/>
+                </a:solidFill>
+                <a:highlight>
+                  <a:srgbClr val="FFFFFF"/>
+                </a:highlight>
+                <a:latin typeface="Consolas"/>
+              </a:rPr>
+              <a:t>configuration</a:t>
+            </a:r>
+            <a:r>
+              <a:rPr lang="en-US" dirty="0">
+                <a:solidFill>
+                  <a:srgbClr val="0000FF"/>
+                </a:solidFill>
+                <a:highlight>
+                  <a:srgbClr val="FFFFFF"/>
+                </a:highlight>
+                <a:latin typeface="Consolas"/>
+              </a:rPr>
+              <a:t>&gt;</a:t>
             </a:r>
             <a:endParaRPr lang="ru-RU" dirty="0"/>
           </a:p>
@@ -9975,7 +9923,7 @@
     </p:spTree>
     <p:extLst>
       <p:ext uri="{BB962C8B-B14F-4D97-AF65-F5344CB8AC3E}">
-        <p14:creationId xmlns:p14="http://schemas.microsoft.com/office/powerpoint/2010/main" val="2543352552"/>
+        <p14:creationId xmlns:p14="http://schemas.microsoft.com/office/powerpoint/2010/main" val="2754726885"/>
       </p:ext>
     </p:extLst>
   </p:cSld>
@@ -10019,7 +9967,7 @@
           <a:p>
             <a:r>
               <a:rPr lang="en-US" dirty="0" smtClean="0"/>
-              <a:t>Server GC</a:t>
+              <a:t>Workstation GC</a:t>
             </a:r>
             <a:endParaRPr lang="ru-RU" dirty="0"/>
           </a:p>
@@ -10038,112 +9986,113 @@
         <p:spPr/>
         <p:txBody>
           <a:bodyPr>
-            <a:normAutofit lnSpcReduction="10000"/>
+            <a:normAutofit fontScale="85000" lnSpcReduction="20000"/>
           </a:bodyPr>
           <a:lstStyle/>
           <a:p>
             <a:r>
               <a:rPr lang="ru-RU" dirty="0" smtClean="0"/>
-              <a:t>Отдельный </a:t>
-            </a:r>
+              <a:t>Используется </a:t>
+            </a:r>
+            <a:r>
+              <a:rPr lang="ru-RU" dirty="0"/>
+              <a:t>по умолчанию для </a:t>
+            </a:r>
+            <a:r>
+              <a:rPr lang="en-US" dirty="0"/>
+              <a:t>desktop </a:t>
+            </a:r>
+            <a:r>
+              <a:rPr lang="ru-RU" dirty="0"/>
+              <a:t>приложений</a:t>
+            </a:r>
+          </a:p>
+          <a:p>
+            <a:r>
+              <a:rPr lang="en-US" dirty="0"/>
+              <a:t>GC </a:t>
+            </a:r>
+            <a:r>
+              <a:rPr lang="ru-RU" dirty="0"/>
+              <a:t>работает только в одном потоке. Нет выгоды от использования многоядерных </a:t>
+            </a:r>
+            <a:r>
+              <a:rPr lang="ru-RU" dirty="0" smtClean="0"/>
+              <a:t>процессоров</a:t>
+            </a:r>
+          </a:p>
+          <a:p>
+            <a:r>
+              <a:rPr lang="en-US" dirty="0" smtClean="0"/>
+              <a:t>Concurrent </a:t>
+            </a:r>
+            <a:r>
+              <a:rPr lang="en-US" dirty="0"/>
+              <a:t>Workstation </a:t>
+            </a:r>
+            <a:r>
+              <a:rPr lang="en-US" dirty="0" smtClean="0"/>
+              <a:t>GC</a:t>
+            </a:r>
+            <a:endParaRPr lang="ru-RU" dirty="0" smtClean="0"/>
+          </a:p>
+          <a:p>
+            <a:pPr lvl="1"/>
+            <a:r>
+              <a:rPr lang="ru-RU" dirty="0" smtClean="0"/>
+              <a:t>Отдельный поток для </a:t>
+            </a:r>
+            <a:r>
+              <a:rPr lang="en-US" dirty="0" smtClean="0"/>
+              <a:t>GC</a:t>
+            </a:r>
+          </a:p>
+          <a:p>
+            <a:pPr lvl="1"/>
+            <a:r>
+              <a:rPr lang="ru-RU" dirty="0" smtClean="0"/>
+              <a:t>Работает паралельно с приложением. Минимальные задержки исполнения</a:t>
+            </a:r>
+          </a:p>
+          <a:p>
+            <a:r>
+              <a:rPr lang="en-US" dirty="0" smtClean="0"/>
+              <a:t>Non-concurrent </a:t>
+            </a:r>
+            <a:r>
+              <a:rPr lang="en-US" dirty="0"/>
+              <a:t>Workstation </a:t>
+            </a:r>
+            <a:r>
+              <a:rPr lang="en-US" dirty="0" smtClean="0"/>
+              <a:t>GC</a:t>
+            </a:r>
+          </a:p>
+          <a:p>
+            <a:pPr lvl="1"/>
             <a:r>
               <a:rPr lang="en-US" dirty="0" smtClean="0"/>
               <a:t>GC </a:t>
             </a:r>
             <a:r>
               <a:rPr lang="ru-RU" dirty="0" smtClean="0"/>
-              <a:t>поток для каждого</a:t>
-            </a:r>
-            <a:r>
-              <a:rPr lang="en-US" dirty="0" smtClean="0"/>
-              <a:t> </a:t>
-            </a:r>
+              <a:t>запускается в контексте одного из потоков приложения</a:t>
+            </a:r>
+          </a:p>
+          <a:p>
+            <a:pPr lvl="1"/>
             <a:r>
               <a:rPr lang="ru-RU" dirty="0" smtClean="0"/>
-              <a:t>ядра</a:t>
-            </a:r>
-          </a:p>
-          <a:p>
-            <a:r>
-              <a:rPr lang="ru-RU" dirty="0" smtClean="0"/>
-              <a:t>Отдельная куча для каждого процессора</a:t>
-            </a:r>
-          </a:p>
-          <a:p>
-            <a:r>
-              <a:rPr lang="ru-RU" dirty="0" smtClean="0"/>
-              <a:t>До .</a:t>
-            </a:r>
-            <a:r>
-              <a:rPr lang="en-US" dirty="0"/>
-              <a:t> NET </a:t>
-            </a:r>
-            <a:r>
-              <a:rPr lang="en-US" dirty="0" smtClean="0"/>
-              <a:t>4.5 </a:t>
-            </a:r>
-            <a:r>
-              <a:rPr lang="ru-RU" dirty="0" smtClean="0"/>
-              <a:t>работал в </a:t>
-            </a:r>
-            <a:r>
-              <a:rPr lang="en-US" dirty="0" smtClean="0"/>
-              <a:t>non</a:t>
-            </a:r>
-            <a:r>
-              <a:rPr lang="ru-RU" dirty="0" smtClean="0"/>
-              <a:t>-</a:t>
-            </a:r>
-            <a:r>
-              <a:rPr lang="en-US" dirty="0" smtClean="0"/>
-              <a:t>concurrent </a:t>
-            </a:r>
-            <a:r>
-              <a:rPr lang="ru-RU" dirty="0" smtClean="0"/>
-              <a:t>режиме. То есть все потоки приложения останавливались во время сборки мусора</a:t>
-            </a:r>
-          </a:p>
-          <a:p>
-            <a:r>
-              <a:rPr lang="ru-RU" dirty="0" smtClean="0"/>
-              <a:t>Начиная с </a:t>
-            </a:r>
-            <a:r>
-              <a:rPr lang="en-US" dirty="0" smtClean="0"/>
-              <a:t>.NET 4.5 </a:t>
-            </a:r>
-            <a:r>
-              <a:rPr lang="ru-RU" dirty="0" smtClean="0"/>
-              <a:t>поддерживает </a:t>
-            </a:r>
-            <a:r>
-              <a:rPr lang="en-US" dirty="0" smtClean="0"/>
-              <a:t>concurrent </a:t>
-            </a:r>
-            <a:r>
-              <a:rPr lang="ru-RU" dirty="0" smtClean="0"/>
-              <a:t>режим. </a:t>
-            </a:r>
-            <a:r>
-              <a:rPr lang="ru-RU" dirty="0" smtClean="0">
-                <a:solidFill>
-                  <a:srgbClr val="FFFF00"/>
-                </a:solidFill>
-              </a:rPr>
-              <a:t>Хороший выбор для приложений которые интенсивно используют память.</a:t>
-            </a:r>
-            <a:endParaRPr lang="ru-RU" dirty="0">
-              <a:solidFill>
-                <a:srgbClr val="FFFF00"/>
-              </a:solidFill>
-            </a:endParaRPr>
+              <a:t>Все остальные потоки останавливаются</a:t>
+            </a:r>
+            <a:endParaRPr lang="ru-RU" dirty="0"/>
           </a:p>
         </p:txBody>
       </p:sp>
     </p:spTree>
     <p:extLst>
       <p:ext uri="{BB962C8B-B14F-4D97-AF65-F5344CB8AC3E}">
-        <p14:creationId xmlns:p14="http://schemas.microsoft.com/office/powerpoint/2010/main" val="2172271800"/>
+        <p14:creationId xmlns:p14="http://schemas.microsoft.com/office/powerpoint/2010/main" val="2543352552"/>
       </p:ext>
     </p:extLst>
   </p:cSld>
@@ -10187,7 +10136,7 @@
           <a:p>
             <a:r>
               <a:rPr lang="en-US" dirty="0" smtClean="0"/>
-              <a:t>using</a:t>
+              <a:t>Server GC</a:t>
             </a:r>
             <a:endParaRPr lang="ru-RU" dirty="0"/>
           </a:p>
@@ -10205,45 +10154,113 @@
         </p:nvSpPr>
         <p:spPr/>
         <p:txBody>
-          <a:bodyPr/>
+          <a:bodyPr>
+            <a:normAutofit lnSpcReduction="10000"/>
+          </a:bodyPr>
           <a:lstStyle/>
           <a:p>
             <a:r>
               <a:rPr lang="ru-RU" dirty="0" smtClean="0"/>
-              <a:t>Переменная видна только внутри блока</a:t>
-            </a:r>
-          </a:p>
-          <a:p>
+              <a:t>Отдельный </a:t>
+            </a:r>
+            <a:r>
+              <a:rPr lang="en-US" dirty="0" smtClean="0"/>
+              <a:t>GC </a:t>
+            </a:r>
             <a:r>
               <a:rPr lang="ru-RU" dirty="0" smtClean="0"/>
-              <a:t>Автоматически вызывается </a:t>
+              <a:t>поток для каждого</a:t>
             </a:r>
             <a:r>
               <a:rPr lang="en-US" dirty="0" smtClean="0"/>
-              <a:t>Dispose() </a:t>
+              <a:t> </a:t>
             </a:r>
             <a:r>
               <a:rPr lang="ru-RU" dirty="0" smtClean="0"/>
-              <a:t>внутри блока </a:t>
+              <a:t>ядра</a:t>
+            </a:r>
+          </a:p>
+          <a:p>
+            <a:r>
+              <a:rPr lang="ru-RU" dirty="0" smtClean="0"/>
+              <a:t>Отдельная куча для каждого процессора</a:t>
+            </a:r>
+          </a:p>
+          <a:p>
+            <a:r>
+              <a:rPr lang="ru-RU" dirty="0" smtClean="0"/>
+              <a:t>До .</a:t>
+            </a:r>
+            <a:r>
+              <a:rPr lang="en-US" dirty="0"/>
+              <a:t> NET </a:t>
             </a:r>
             <a:r>
               <a:rPr lang="en-US" dirty="0" smtClean="0"/>
-              <a:t>finally</a:t>
-            </a:r>
-          </a:p>
-          <a:p>
+              <a:t>4.5 </a:t>
+            </a:r>
             <a:r>
               <a:rPr lang="ru-RU" dirty="0" smtClean="0"/>
-              <a:t>Переменная доступна только для чтения</a:t>
-            </a:r>
-            <a:endParaRPr lang="ru-RU" dirty="0"/>
+              <a:t>работал в </a:t>
+            </a:r>
+            <a:r>
+              <a:rPr lang="en-US" dirty="0" smtClean="0"/>
+              <a:t>non</a:t>
+            </a:r>
+            <a:r>
+              <a:rPr lang="ru-RU" dirty="0" smtClean="0"/>
+              <a:t>-</a:t>
+            </a:r>
+            <a:r>
+              <a:rPr lang="en-US" dirty="0" smtClean="0"/>
+              <a:t>concurrent </a:t>
+            </a:r>
+            <a:r>
+              <a:rPr lang="ru-RU" dirty="0" smtClean="0"/>
+              <a:t>режиме. То есть все потоки приложения останавливались во время сборки мусора</a:t>
+            </a:r>
+          </a:p>
+          <a:p>
+            <a:r>
+              <a:rPr lang="ru-RU" dirty="0" smtClean="0"/>
+              <a:t>Начиная с </a:t>
+            </a:r>
+            <a:r>
+              <a:rPr lang="en-US" dirty="0" smtClean="0"/>
+              <a:t>.NET 4.5 </a:t>
+            </a:r>
+            <a:r>
+              <a:rPr lang="ru-RU" dirty="0" smtClean="0"/>
+              <a:t>поддерживает </a:t>
+            </a:r>
+            <a:r>
+              <a:rPr lang="en-US" dirty="0" smtClean="0"/>
+              <a:t>concurrent </a:t>
+            </a:r>
+            <a:r>
+              <a:rPr lang="ru-RU" dirty="0" smtClean="0"/>
+              <a:t>режим. </a:t>
+            </a:r>
+            <a:r>
+              <a:rPr lang="ru-RU" dirty="0" smtClean="0">
+                <a:solidFill>
+                  <a:srgbClr val="FFFF00"/>
+                </a:solidFill>
+              </a:rPr>
+              <a:t>Хороший выбор для приложений которые интенсивно используют память.</a:t>
+            </a:r>
+            <a:endParaRPr lang="ru-RU" dirty="0">
+              <a:solidFill>
+                <a:srgbClr val="FFFF00"/>
+              </a:solidFill>
+            </a:endParaRPr>
           </a:p>
         </p:txBody>
       </p:sp>
     </p:spTree>
     <p:extLst>
       <p:ext uri="{BB962C8B-B14F-4D97-AF65-F5344CB8AC3E}">
-        <p14:creationId xmlns:p14="http://schemas.microsoft.com/office/powerpoint/2010/main" val="1354930669"/>
+        <p14:creationId xmlns:p14="http://schemas.microsoft.com/office/powerpoint/2010/main" val="2172271800"/>
       </p:ext>
     </p:extLst>
   </p:cSld>
@@ -10286,12 +10303,8 @@
           <a:lstStyle/>
           <a:p>
             <a:r>
-              <a:rPr lang="ru-RU" dirty="0" smtClean="0"/>
-              <a:t>Своя реализация </a:t>
-            </a:r>
-            <a:r>
-              <a:rPr lang="en-US" dirty="0" err="1" smtClean="0"/>
-              <a:t>IDisposable</a:t>
+              <a:rPr lang="en-US" dirty="0" smtClean="0"/>
+              <a:t>using</a:t>
             </a:r>
             <a:endParaRPr lang="ru-RU" dirty="0"/>
           </a:p>
@@ -10314,13 +10327,31 @@
           <a:p>
             <a:r>
               <a:rPr lang="ru-RU" dirty="0" smtClean="0"/>
-              <a:t>Должна быть реентерабельной</a:t>
+              <a:t>Переменная видна только внутри блока</a:t>
             </a:r>
           </a:p>
           <a:p>
             <a:r>
               <a:rPr lang="ru-RU" dirty="0" smtClean="0"/>
-              <a:t>Не должна генерировать исключений при повторном вызове</a:t>
+              <a:t>Автоматически вызывается </a:t>
+            </a:r>
+            <a:r>
+              <a:rPr lang="en-US" dirty="0" smtClean="0"/>
+              <a:t>Dispose() </a:t>
+            </a:r>
+            <a:r>
+              <a:rPr lang="ru-RU" dirty="0" smtClean="0"/>
+              <a:t>внутри блока </a:t>
+            </a:r>
+            <a:r>
+              <a:rPr lang="en-US" dirty="0" smtClean="0"/>
+              <a:t>finally</a:t>
+            </a:r>
+          </a:p>
+          <a:p>
+            <a:r>
+              <a:rPr lang="ru-RU" dirty="0" smtClean="0"/>
+              <a:t>Переменная доступна только для чтения</a:t>
             </a:r>
             <a:endParaRPr lang="ru-RU" dirty="0"/>
           </a:p>
@@ -10329,7 +10360,7 @@
     </p:spTree>
     <p:extLst>
       <p:ext uri="{BB962C8B-B14F-4D97-AF65-F5344CB8AC3E}">
-        <p14:creationId xmlns:p14="http://schemas.microsoft.com/office/powerpoint/2010/main" val="3947807755"/>
+        <p14:creationId xmlns:p14="http://schemas.microsoft.com/office/powerpoint/2010/main" val="1354930669"/>
       </p:ext>
     </p:extLst>
   </p:cSld>
@@ -10368,21 +10399,16 @@
         </p:nvSpPr>
         <p:spPr/>
         <p:txBody>
-          <a:bodyPr>
-            <a:normAutofit fontScale="90000"/>
-          </a:bodyPr>
+          <a:bodyPr/>
           <a:lstStyle/>
           <a:p>
             <a:r>
               <a:rPr lang="ru-RU" dirty="0" smtClean="0"/>
-              <a:t>Куча для больших объектов</a:t>
-            </a:r>
-            <a:br>
-              <a:rPr lang="ru-RU" dirty="0" smtClean="0"/>
-            </a:br>
-            <a:r>
-              <a:rPr lang="en-US" dirty="0" smtClean="0"/>
-              <a:t>(Large Object Heap – LOH)</a:t>
+              <a:t>Своя реализация </a:t>
+            </a:r>
+            <a:r>
+              <a:rPr lang="en-US" dirty="0" err="1" smtClean="0"/>
+              <a:t>IDisposable</a:t>
             </a:r>
             <a:endParaRPr lang="ru-RU" dirty="0"/>
           </a:p>
@@ -10400,26 +10426,18 @@
         </p:nvSpPr>
         <p:spPr/>
         <p:txBody>
-          <a:bodyPr>
-            <a:normAutofit fontScale="92500" lnSpcReduction="10000"/>
-          </a:bodyPr>
+          <a:bodyPr/>
           <a:lstStyle/>
           <a:p>
             <a:r>
               <a:rPr lang="ru-RU" dirty="0" smtClean="0"/>
-              <a:t>Объекты с размером примерно больше 85 килобайт находятся в отдельной куче</a:t>
+              <a:t>Должна быть реентерабельной</a:t>
             </a:r>
           </a:p>
           <a:p>
             <a:r>
               <a:rPr lang="ru-RU" dirty="0" smtClean="0"/>
-              <a:t>Данная куча не дефрагментируется т.к. это бы создало большую нагрузку. Фрагментация может возникнуть при интенсивном использовании памяти (сотни мегабайт) и программа выделяет большие временные объекты.</a:t>
-            </a:r>
-          </a:p>
-          <a:p>
-            <a:r>
-              <a:rPr lang="ru-RU" dirty="0" smtClean="0"/>
-              <a:t>Объекты в данной куче считаются принадлежащими второму поколению</a:t>
+              <a:t>Не должна генерировать исключений при повторном вызове</a:t>
             </a:r>
             <a:endParaRPr lang="ru-RU" dirty="0"/>
           </a:p>
@@ -10428,20 +10446,13 @@
     </p:spTree>
     <p:extLst>
       <p:ext uri="{BB962C8B-B14F-4D97-AF65-F5344CB8AC3E}">
-        <p14:creationId xmlns:p14="http://schemas.microsoft.com/office/powerpoint/2010/main" val="3103245170"/>
+        <p14:creationId xmlns:p14="http://schemas.microsoft.com/office/powerpoint/2010/main" val="3947807755"/>
       </p:ext>
     </p:extLst>
   </p:cSld>
   <p:clrMapOvr>
     <a:masterClrMapping/>
   </p:clrMapOvr>
-  <p:timing>
-    <p:tnLst>
-      <p:par>
-        <p:cTn id="1" dur="indefinite" restart="never" nodeType="tmRoot"/>
-      </p:par>
-    </p:tnLst>
-  </p:timing>
 </p:sld>
 </file>
 
@@ -11060,27 +11071,15 @@
           <a:lstStyle/>
           <a:p>
             <a:r>
-              <a:rPr lang="en-US" dirty="0" smtClean="0"/>
-              <a:t>Large Object Heap </a:t>
-            </a:r>
-            <a:r>
               <a:rPr lang="ru-RU" dirty="0" smtClean="0"/>
-              <a:t>в </a:t>
-            </a:r>
-            <a:r>
-              <a:rPr lang="en-US" dirty="0" smtClean="0"/>
-              <a:t>.NET 4.5.1</a:t>
-            </a:r>
-            <a:r>
-              <a:rPr lang="ru-RU" dirty="0" smtClean="0"/>
-              <a:t/>
+              <a:t>Куча для больших объектов</a:t>
             </a:r>
             <a:br>
               <a:rPr lang="ru-RU" dirty="0" smtClean="0"/>
             </a:br>
             <a:r>
-              <a:rPr lang="ru-RU" dirty="0" smtClean="0"/>
-              <a:t>и выше</a:t>
+              <a:rPr lang="en-US" dirty="0" smtClean="0"/>
+              <a:t>(Large Object Heap – LOH)</a:t>
             </a:r>
             <a:endParaRPr lang="ru-RU" dirty="0"/>
           </a:p>
@@ -11099,141 +11098,25 @@
         <p:spPr/>
         <p:txBody>
           <a:bodyPr>
-            <a:normAutofit lnSpcReduction="10000"/>
+            <a:normAutofit fontScale="92500" lnSpcReduction="10000"/>
           </a:bodyPr>
           <a:lstStyle/>
           <a:p>
-            <a:pPr marL="0" indent="0">
-              <a:buNone/>
-            </a:pPr>
             <a:r>
               <a:rPr lang="ru-RU" dirty="0" smtClean="0"/>
-              <a:t>Добавлена возможность дефрагментации </a:t>
-            </a:r>
-            <a:r>
-              <a:rPr lang="en-US" dirty="0" smtClean="0"/>
-              <a:t>LOH </a:t>
-            </a:r>
+              <a:t>Объекты с размером примерно больше 85 килобайт находятся в отдельной куче</a:t>
+            </a:r>
+          </a:p>
+          <a:p>
             <a:r>
               <a:rPr lang="ru-RU" dirty="0" smtClean="0"/>
-              <a:t>по запросу.</a:t>
-            </a:r>
-          </a:p>
-          <a:p>
-            <a:pPr marL="0" indent="0">
-              <a:buNone/>
-            </a:pPr>
-            <a:endParaRPr lang="ru-RU" dirty="0"/>
-          </a:p>
-          <a:p>
-            <a:pPr marL="0" indent="0">
-              <a:buNone/>
-            </a:pPr>
-            <a:r>
-              <a:rPr lang="en-US" sz="1600" dirty="0" err="1">
-                <a:latin typeface="Consolas" panose="020B0609020204030204" pitchFamily="49" charset="0"/>
-                <a:cs typeface="Consolas" panose="020B0609020204030204" pitchFamily="49" charset="0"/>
-              </a:rPr>
-              <a:t>GCSettings.LargeObjectHeapCompactionMode</a:t>
-            </a:r>
-            <a:r>
-              <a:rPr lang="en-US" sz="1600" dirty="0">
-                <a:latin typeface="Consolas" panose="020B0609020204030204" pitchFamily="49" charset="0"/>
-                <a:cs typeface="Consolas" panose="020B0609020204030204" pitchFamily="49" charset="0"/>
-              </a:rPr>
-              <a:t> </a:t>
-            </a:r>
-            <a:r>
-              <a:rPr lang="en-US" sz="1600" dirty="0" smtClean="0">
-                <a:latin typeface="Consolas" panose="020B0609020204030204" pitchFamily="49" charset="0"/>
-                <a:cs typeface="Consolas" panose="020B0609020204030204" pitchFamily="49" charset="0"/>
-              </a:rPr>
-              <a:t>=</a:t>
-            </a:r>
-            <a:br>
-              <a:rPr lang="en-US" sz="1600" dirty="0" smtClean="0">
-                <a:latin typeface="Consolas" panose="020B0609020204030204" pitchFamily="49" charset="0"/>
-                <a:cs typeface="Consolas" panose="020B0609020204030204" pitchFamily="49" charset="0"/>
-              </a:rPr>
-            </a:br>
-            <a:r>
-              <a:rPr lang="en-US" sz="1600" dirty="0" smtClean="0">
-                <a:latin typeface="Consolas" panose="020B0609020204030204" pitchFamily="49" charset="0"/>
-                <a:cs typeface="Consolas" panose="020B0609020204030204" pitchFamily="49" charset="0"/>
-              </a:rPr>
-              <a:t>              </a:t>
-            </a:r>
-            <a:r>
-              <a:rPr lang="en-US" sz="1600" dirty="0" err="1" smtClean="0">
-                <a:latin typeface="Consolas" panose="020B0609020204030204" pitchFamily="49" charset="0"/>
-                <a:cs typeface="Consolas" panose="020B0609020204030204" pitchFamily="49" charset="0"/>
-              </a:rPr>
-              <a:t>GCLargeObjectHeapCompactionMode.CompactOnce</a:t>
-            </a:r>
-            <a:r>
-              <a:rPr lang="en-US" sz="1600" dirty="0" smtClean="0">
-                <a:latin typeface="Consolas" panose="020B0609020204030204" pitchFamily="49" charset="0"/>
-                <a:cs typeface="Consolas" panose="020B0609020204030204" pitchFamily="49" charset="0"/>
-              </a:rPr>
-              <a:t>;</a:t>
-            </a:r>
-            <a:r>
-              <a:rPr lang="ru-RU" sz="1600" dirty="0" smtClean="0">
-                <a:latin typeface="Consolas" panose="020B0609020204030204" pitchFamily="49" charset="0"/>
-                <a:cs typeface="Consolas" panose="020B0609020204030204" pitchFamily="49" charset="0"/>
-              </a:rPr>
-              <a:t/>
-            </a:r>
-            <a:br>
-              <a:rPr lang="ru-RU" sz="1600" dirty="0" smtClean="0">
-                <a:latin typeface="Consolas" panose="020B0609020204030204" pitchFamily="49" charset="0"/>
-                <a:cs typeface="Consolas" panose="020B0609020204030204" pitchFamily="49" charset="0"/>
-              </a:rPr>
-            </a:br>
-            <a:r>
-              <a:rPr lang="en-US" sz="1600" dirty="0" err="1" smtClean="0">
-                <a:latin typeface="Consolas" panose="020B0609020204030204" pitchFamily="49" charset="0"/>
-                <a:cs typeface="Consolas" panose="020B0609020204030204" pitchFamily="49" charset="0"/>
-              </a:rPr>
-              <a:t>GC.Collect</a:t>
-            </a:r>
-            <a:r>
-              <a:rPr lang="en-US" sz="1600" dirty="0" smtClean="0">
-                <a:latin typeface="Consolas" panose="020B0609020204030204" pitchFamily="49" charset="0"/>
-                <a:cs typeface="Consolas" panose="020B0609020204030204" pitchFamily="49" charset="0"/>
-              </a:rPr>
-              <a:t>();</a:t>
-            </a:r>
-            <a:endParaRPr lang="ru-RU" sz="1600" dirty="0" smtClean="0">
-              <a:latin typeface="Consolas" panose="020B0609020204030204" pitchFamily="49" charset="0"/>
-              <a:cs typeface="Consolas" panose="020B0609020204030204" pitchFamily="49" charset="0"/>
-            </a:endParaRPr>
-          </a:p>
-          <a:p>
-            <a:pPr marL="0" indent="0">
-              <a:buNone/>
-            </a:pPr>
-            <a:endParaRPr lang="ru-RU" dirty="0"/>
-          </a:p>
-          <a:p>
-            <a:pPr marL="0" indent="0">
-              <a:buNone/>
-            </a:pPr>
+              <a:t>Данная куча не дефрагментируется т.к. это бы создало большую нагрузку. Фрагментация может возникнуть при интенсивном использовании памяти (сотни мегабайт) и программа выделяет большие временные объекты.</a:t>
+            </a:r>
+          </a:p>
+          <a:p>
             <a:r>
               <a:rPr lang="ru-RU" dirty="0" smtClean="0"/>
-              <a:t>После полной сборки мусора свойство </a:t>
-            </a:r>
-            <a:r>
-              <a:rPr lang="en-US" dirty="0" err="1" smtClean="0"/>
-              <a:t>LargeObjectHeapCompactionMode</a:t>
-            </a:r>
-            <a:r>
-              <a:rPr lang="ru-RU" dirty="0" smtClean="0"/>
-              <a:t> принимает значение </a:t>
-            </a:r>
-            <a:r>
-              <a:rPr lang="en-US" dirty="0" smtClean="0"/>
-              <a:t>Default.</a:t>
+              <a:t>Объекты в данной куче считаются принадлежащими второму поколению</a:t>
             </a:r>
             <a:endParaRPr lang="ru-RU" dirty="0"/>
           </a:p>
@@ -11242,7 +11125,7 @@
     </p:spTree>
     <p:extLst>
       <p:ext uri="{BB962C8B-B14F-4D97-AF65-F5344CB8AC3E}">
-        <p14:creationId xmlns:p14="http://schemas.microsoft.com/office/powerpoint/2010/main" val="4119858216"/>
+        <p14:creationId xmlns:p14="http://schemas.microsoft.com/office/powerpoint/2010/main" val="3103245170"/>
       </p:ext>
     </p:extLst>
   </p:cSld>
@@ -11288,16 +11171,33 @@
         </p:nvSpPr>
         <p:spPr/>
         <p:txBody>
-          <a:bodyPr/>
+          <a:bodyPr>
+            <a:normAutofit fontScale="90000"/>
+          </a:bodyPr>
           <a:lstStyle/>
           <a:p>
             <a:r>
+              <a:rPr lang="en-US" dirty="0" smtClean="0"/>
+              <a:t>Large Object Heap </a:t>
+            </a:r>
+            <a:r>
               <a:rPr lang="ru-RU" dirty="0" smtClean="0"/>
-              <a:t>Временный запрет </a:t>
+              <a:t>в </a:t>
             </a:r>
             <a:r>
               <a:rPr lang="en-US" dirty="0" smtClean="0"/>
-              <a:t>GC (.NET 4.6+)</a:t>
+              <a:t>.NET 4.5.1</a:t>
+            </a:r>
+            <a:r>
+              <a:rPr lang="ru-RU" dirty="0" smtClean="0"/>
+              <a:t/>
+            </a:r>
+            <a:br>
+              <a:rPr lang="ru-RU" dirty="0" smtClean="0"/>
+            </a:br>
+            <a:r>
+              <a:rPr lang="ru-RU" dirty="0" smtClean="0"/>
+              <a:t>и выше</a:t>
             </a:r>
             <a:endParaRPr lang="ru-RU" dirty="0"/>
           </a:p>
@@ -11315,7 +11215,9 @@
         </p:nvSpPr>
         <p:spPr/>
         <p:txBody>
-          <a:bodyPr/>
+          <a:bodyPr>
+            <a:normAutofit lnSpcReduction="10000"/>
+          </a:bodyPr>
           <a:lstStyle/>
           <a:p>
             <a:pPr marL="0" indent="0">
@@ -11323,59 +11225,132 @@
             </a:pPr>
             <a:r>
               <a:rPr lang="ru-RU" dirty="0" smtClean="0"/>
-              <a:t>В </a:t>
+              <a:t>Добавлена возможность дефрагментации </a:t>
             </a:r>
             <a:r>
               <a:rPr lang="en-US" dirty="0" smtClean="0"/>
-              <a:t>.NET 4.6 </a:t>
+              <a:t>LOH </a:t>
             </a:r>
             <a:r>
               <a:rPr lang="ru-RU" dirty="0" smtClean="0"/>
-              <a:t>были добавлены методы</a:t>
-            </a:r>
-            <a:endParaRPr lang="en-US" dirty="0" smtClean="0"/>
-          </a:p>
-          <a:p>
-            <a:r>
-              <a:rPr lang="en-US" dirty="0" err="1" smtClean="0"/>
-              <a:t>GC.TryStartNoGCRegion</a:t>
-            </a:r>
-            <a:r>
-              <a:rPr lang="ru-RU" dirty="0" smtClean="0"/>
-              <a:t>(</a:t>
-            </a:r>
-            <a:r>
-              <a:rPr lang="en-US" dirty="0" smtClean="0"/>
-              <a:t>long </a:t>
-            </a:r>
-            <a:r>
-              <a:rPr lang="en-US" dirty="0" err="1" smtClean="0"/>
-              <a:t>totalSize</a:t>
-            </a:r>
-            <a:r>
-              <a:rPr lang="ru-RU" dirty="0" smtClean="0"/>
-              <a:t>)</a:t>
-            </a:r>
-            <a:endParaRPr lang="en-US" dirty="0" smtClean="0"/>
-          </a:p>
-          <a:p>
-            <a:r>
-              <a:rPr lang="en-US" dirty="0" err="1" smtClean="0"/>
-              <a:t>GC.EndNoGCRegion</a:t>
-            </a:r>
-            <a:r>
-              <a:rPr lang="ru-RU" dirty="0" smtClean="0"/>
-              <a:t>()</a:t>
-            </a:r>
-            <a:endParaRPr lang="en-US" dirty="0" smtClean="0"/>
+              <a:t>по запросу.</a:t>
+            </a:r>
           </a:p>
           <a:p>
             <a:pPr marL="0" indent="0">
               <a:buNone/>
             </a:pPr>
+            <a:endParaRPr lang="ru-RU" dirty="0"/>
+          </a:p>
+          <a:p>
+            <a:pPr marL="0" indent="0">
+              <a:buNone/>
+            </a:pPr>
+            <a:r>
+              <a:rPr lang="en-US" sz="1600" dirty="0" err="1">
+                <a:latin typeface="Consolas" panose="020B0609020204030204" pitchFamily="49" charset="0"/>
+                <a:cs typeface="Consolas" panose="020B0609020204030204" pitchFamily="49" charset="0"/>
+              </a:rPr>
+              <a:t>GCSettings.LargeObjectHeapCompactionMode</a:t>
+            </a:r>
+            <a:r>
+              <a:rPr lang="en-US" sz="1600" dirty="0">
+                <a:latin typeface="Consolas" panose="020B0609020204030204" pitchFamily="49" charset="0"/>
+                <a:cs typeface="Consolas" panose="020B0609020204030204" pitchFamily="49" charset="0"/>
+              </a:rPr>
+              <a:t> </a:t>
+            </a:r>
+            <a:r>
+              <a:rPr lang="en-US" sz="1600" dirty="0" smtClean="0">
+                <a:latin typeface="Consolas" panose="020B0609020204030204" pitchFamily="49" charset="0"/>
+                <a:cs typeface="Consolas" panose="020B0609020204030204" pitchFamily="49" charset="0"/>
+              </a:rPr>
+              <a:t>=</a:t>
+            </a:r>
+            <a:br>
+              <a:rPr lang="en-US" sz="1600" dirty="0" smtClean="0">
+                <a:latin typeface="Consolas" panose="020B0609020204030204" pitchFamily="49" charset="0"/>
+                <a:cs typeface="Consolas" panose="020B0609020204030204" pitchFamily="49" charset="0"/>
+              </a:rPr>
+            </a:br>
+            <a:r>
+              <a:rPr lang="en-US" sz="1600" dirty="0" smtClean="0">
+                <a:latin typeface="Consolas" panose="020B0609020204030204" pitchFamily="49" charset="0"/>
+                <a:cs typeface="Consolas" panose="020B0609020204030204" pitchFamily="49" charset="0"/>
+              </a:rPr>
+              <a:t>              </a:t>
+            </a:r>
+            <a:r>
+              <a:rPr lang="en-US" sz="1600" dirty="0" err="1" smtClean="0">
+                <a:latin typeface="Consolas" panose="020B0609020204030204" pitchFamily="49" charset="0"/>
+                <a:cs typeface="Consolas" panose="020B0609020204030204" pitchFamily="49" charset="0"/>
+              </a:rPr>
+              <a:t>GCLargeObjectHeapCompactionMode.CompactOnce</a:t>
+            </a:r>
+            <a:r>
+              <a:rPr lang="en-US" sz="1600" dirty="0" smtClean="0">
+                <a:latin typeface="Consolas" panose="020B0609020204030204" pitchFamily="49" charset="0"/>
+                <a:cs typeface="Consolas" panose="020B0609020204030204" pitchFamily="49" charset="0"/>
+              </a:rPr>
+              <a:t>;</a:t>
+            </a:r>
+            <a:r>
+              <a:rPr lang="ru-RU" sz="1600" dirty="0" smtClean="0">
+                <a:latin typeface="Consolas" panose="020B0609020204030204" pitchFamily="49" charset="0"/>
+                <a:cs typeface="Consolas" panose="020B0609020204030204" pitchFamily="49" charset="0"/>
+              </a:rPr>
+              <a:t/>
+            </a:r>
+            <a:br>
+              <a:rPr lang="ru-RU" sz="1600" dirty="0" smtClean="0">
+                <a:latin typeface="Consolas" panose="020B0609020204030204" pitchFamily="49" charset="0"/>
+                <a:cs typeface="Consolas" panose="020B0609020204030204" pitchFamily="49" charset="0"/>
+              </a:rPr>
+            </a:br>
+            <a:r>
+              <a:rPr lang="en-US" sz="1600" dirty="0" err="1" smtClean="0">
+                <a:latin typeface="Consolas" panose="020B0609020204030204" pitchFamily="49" charset="0"/>
+                <a:cs typeface="Consolas" panose="020B0609020204030204" pitchFamily="49" charset="0"/>
+              </a:rPr>
+              <a:t>GC.Collect</a:t>
+            </a:r>
+            <a:r>
+              <a:rPr lang="en-US" sz="1600" dirty="0" smtClean="0">
+                <a:latin typeface="Consolas" panose="020B0609020204030204" pitchFamily="49" charset="0"/>
+                <a:cs typeface="Consolas" panose="020B0609020204030204" pitchFamily="49" charset="0"/>
+              </a:rPr>
+              <a:t>();</a:t>
+            </a:r>
+            <a:endParaRPr lang="ru-RU" sz="1600" dirty="0" smtClean="0">
+              <a:latin typeface="Consolas" panose="020B0609020204030204" pitchFamily="49" charset="0"/>
+              <a:cs typeface="Consolas" panose="020B0609020204030204" pitchFamily="49" charset="0"/>
+            </a:endParaRPr>
+          </a:p>
+          <a:p>
+            <a:pPr marL="0" indent="0">
+              <a:buNone/>
+            </a:pPr>
+            <a:endParaRPr lang="ru-RU" dirty="0"/>
+          </a:p>
+          <a:p>
+            <a:pPr marL="0" indent="0">
+              <a:buNone/>
+            </a:pPr>
             <a:r>
               <a:rPr lang="ru-RU" dirty="0" smtClean="0"/>
-              <a:t>для временного запрета сборки мусора при условии наличия указанного объема памяти.</a:t>
+              <a:t>После полной сборки мусора свойство </a:t>
+            </a:r>
+            <a:r>
+              <a:rPr lang="en-US" dirty="0" err="1" smtClean="0"/>
+              <a:t>LargeObjectHeapCompactionMode</a:t>
+            </a:r>
+            <a:r>
+              <a:rPr lang="ru-RU" dirty="0" smtClean="0"/>
+              <a:t> принимает значение </a:t>
+            </a:r>
+            <a:r>
+              <a:rPr lang="en-US" dirty="0" smtClean="0"/>
+              <a:t>Default.</a:t>
             </a:r>
             <a:endParaRPr lang="ru-RU" dirty="0"/>
           </a:p>
@@ -11384,13 +11359,20 @@
     </p:spTree>
     <p:extLst>
       <p:ext uri="{BB962C8B-B14F-4D97-AF65-F5344CB8AC3E}">
-        <p14:creationId xmlns:p14="http://schemas.microsoft.com/office/powerpoint/2010/main" val="812672197"/>
+        <p14:creationId xmlns:p14="http://schemas.microsoft.com/office/powerpoint/2010/main" val="4119858216"/>
       </p:ext>
     </p:extLst>
   </p:cSld>
   <p:clrMapOvr>
     <a:masterClrMapping/>
   </p:clrMapOvr>
+  <p:timing>
+    <p:tnLst>
+      <p:par>
+        <p:cTn id="1" dur="indefinite" restart="never" nodeType="tmRoot"/>
+      </p:par>
+    </p:tnLst>
+  </p:timing>
 </p:sld>
 </file>
 
@@ -11428,19 +11410,11 @@
           <a:p>
             <a:r>
               <a:rPr lang="ru-RU" dirty="0" smtClean="0"/>
-              <a:t>Конфигурация </a:t>
+              <a:t>Временный запрет </a:t>
             </a:r>
             <a:r>
               <a:rPr lang="en-US" dirty="0" smtClean="0"/>
-              <a:t>Debug </a:t>
-            </a:r>
-            <a:r>
-              <a:rPr lang="ru-RU" dirty="0" smtClean="0"/>
-              <a:t>и </a:t>
-            </a:r>
-            <a:r>
-              <a:rPr lang="en-US" dirty="0" smtClean="0"/>
-              <a:t>GC</a:t>
+              <a:t>GC (.NET 4.6+)</a:t>
             </a:r>
             <a:endParaRPr lang="ru-RU" dirty="0"/>
           </a:p>
@@ -11466,35 +11440,59 @@
             </a:pPr>
             <a:r>
               <a:rPr lang="ru-RU" dirty="0" smtClean="0"/>
-              <a:t>При компиляции проекта в конфигурации </a:t>
+              <a:t>В </a:t>
             </a:r>
             <a:r>
               <a:rPr lang="en-US" dirty="0" smtClean="0"/>
-              <a:t>Debug </a:t>
+              <a:t>.NET 4.6 </a:t>
             </a:r>
             <a:r>
               <a:rPr lang="ru-RU" dirty="0" smtClean="0"/>
-              <a:t>к сборке добавляется атрибут </a:t>
-            </a:r>
+              <a:t>были добавлены методы</a:t>
+            </a:r>
+            <a:endParaRPr lang="en-US" dirty="0" smtClean="0"/>
+          </a:p>
+          <a:p>
             <a:r>
               <a:rPr lang="en-US" dirty="0" err="1" smtClean="0"/>
-              <a:t>DebuggableAttribute</a:t>
+              <a:t>GC.TryStartNoGCRegion</a:t>
             </a:r>
             <a:r>
               <a:rPr lang="ru-RU" dirty="0" smtClean="0"/>
-              <a:t>	который дает команду </a:t>
+              <a:t>(</a:t>
             </a:r>
             <a:r>
               <a:rPr lang="en-US" dirty="0" smtClean="0"/>
-              <a:t>GC </a:t>
+              <a:t>long </a:t>
+            </a:r>
+            <a:r>
+              <a:rPr lang="en-US" dirty="0" err="1" smtClean="0"/>
+              <a:t>totalSize</a:t>
             </a:r>
             <a:r>
               <a:rPr lang="ru-RU" dirty="0" smtClean="0"/>
-              <a:t>исскуственно продлевать время жизни локальных переменных до завершения метода. </a:t>
-            </a:r>
-            <a:r>
-              <a:rPr lang="ru-RU" smtClean="0"/>
-              <a:t>Это сделано чтобы программист мог без помех заниматься отладкой.</a:t>
+              <a:t>)</a:t>
+            </a:r>
+            <a:endParaRPr lang="en-US" dirty="0" smtClean="0"/>
+          </a:p>
+          <a:p>
+            <a:r>
+              <a:rPr lang="en-US" dirty="0" err="1" smtClean="0"/>
+              <a:t>GC.EndNoGCRegion</a:t>
+            </a:r>
+            <a:r>
+              <a:rPr lang="ru-RU" dirty="0" smtClean="0"/>
+              <a:t>()</a:t>
+            </a:r>
+            <a:endParaRPr lang="en-US" dirty="0" smtClean="0"/>
+          </a:p>
+          <a:p>
+            <a:pPr marL="0" indent="0">
+              <a:buNone/>
+            </a:pPr>
+            <a:r>
+              <a:rPr lang="ru-RU" dirty="0" smtClean="0"/>
+              <a:t>для временного запрета сборки мусора при условии наличия указанного объема памяти.</a:t>
             </a:r>
             <a:endParaRPr lang="ru-RU" dirty="0"/>
           </a:p>
@@ -11503,20 +11501,13 @@
     </p:spTree>
     <p:extLst>
       <p:ext uri="{BB962C8B-B14F-4D97-AF65-F5344CB8AC3E}">
-        <p14:creationId xmlns:p14="http://schemas.microsoft.com/office/powerpoint/2010/main" val="1960211568"/>
+        <p14:creationId xmlns:p14="http://schemas.microsoft.com/office/powerpoint/2010/main" val="812672197"/>
       </p:ext>
     </p:extLst>
   </p:cSld>
   <p:clrMapOvr>
     <a:masterClrMapping/>
   </p:clrMapOvr>
-  <p:timing>
-    <p:tnLst>
-      <p:par>
-        <p:cTn id="1" dur="indefinite" restart="never" nodeType="tmRoot"/>
-      </p:par>
-    </p:tnLst>
-  </p:timing>
 </p:sld>
 </file>
 
@@ -11544,7 +11535,7 @@
             <a:spLocks noGrp="1"/>
           </p:cNvSpPr>
           <p:nvPr>
-            <p:ph type="ctrTitle"/>
+            <p:ph type="title"/>
           </p:nvPr>
         </p:nvSpPr>
         <p:spPr/>
@@ -11554,7 +11545,19 @@
           <a:p>
             <a:r>
               <a:rPr lang="ru-RU" dirty="0" smtClean="0"/>
-              <a:t>Эффективная работа с памятью</a:t>
+              <a:t>Конфигурация </a:t>
+            </a:r>
+            <a:r>
+              <a:rPr lang="en-US" dirty="0" smtClean="0"/>
+              <a:t>Debug </a:t>
+            </a:r>
+            <a:r>
+              <a:rPr lang="ru-RU" dirty="0" smtClean="0"/>
+              <a:t>и </a:t>
+            </a:r>
+            <a:r>
+              <a:rPr lang="en-US" dirty="0" smtClean="0"/>
+              <a:t>GC</a:t>
             </a:r>
             <a:endParaRPr lang="ru-RU" dirty="0"/>
           </a:p>
@@ -11562,12 +11565,12 @@
       </p:sp>
       <p:sp>
         <p:nvSpPr>
-          <p:cNvPr id="3" name="Subtitle 2"/>
+          <p:cNvPr id="3" name="Content Placeholder 2"/>
           <p:cNvSpPr>
             <a:spLocks noGrp="1"/>
           </p:cNvSpPr>
           <p:nvPr>
-            <p:ph type="subTitle" idx="1"/>
+            <p:ph idx="1"/>
           </p:nvPr>
         </p:nvSpPr>
         <p:spPr/>
@@ -11575,14 +11578,49 @@
           <a:bodyPr/>
           <a:lstStyle/>
           <a:p>
-            <a:endParaRPr lang="ru-RU"/>
+            <a:pPr marL="0" indent="0">
+              <a:buNone/>
+            </a:pPr>
+            <a:r>
+              <a:rPr lang="ru-RU" dirty="0" smtClean="0"/>
+              <a:t>При компиляции проекта в конфигурации </a:t>
+            </a:r>
+            <a:r>
+              <a:rPr lang="en-US" dirty="0" smtClean="0"/>
+              <a:t>Debug </a:t>
+            </a:r>
+            <a:r>
+              <a:rPr lang="ru-RU" dirty="0" smtClean="0"/>
+              <a:t>к сборке добавляется атрибут </a:t>
+            </a:r>
+            <a:r>
+              <a:rPr lang="en-US" dirty="0" err="1" smtClean="0"/>
+              <a:t>DebuggableAttribute</a:t>
+            </a:r>
+            <a:r>
+              <a:rPr lang="ru-RU" dirty="0" smtClean="0"/>
+              <a:t>	который дает команду </a:t>
+            </a:r>
+            <a:r>
+              <a:rPr lang="en-US" dirty="0" smtClean="0"/>
+              <a:t>GC </a:t>
+            </a:r>
+            <a:r>
+              <a:rPr lang="ru-RU" dirty="0" smtClean="0"/>
+              <a:t>исскуственно продлевать время жизни локальных переменных до завершения метода. </a:t>
+            </a:r>
+            <a:r>
+              <a:rPr lang="ru-RU" smtClean="0"/>
+              <a:t>Это сделано чтобы программист мог без помех заниматься отладкой.</a:t>
+            </a:r>
+            <a:endParaRPr lang="ru-RU" dirty="0"/>
           </a:p>
         </p:txBody>
       </p:sp>
     </p:spTree>
     <p:extLst>
       <p:ext uri="{BB962C8B-B14F-4D97-AF65-F5344CB8AC3E}">
-        <p14:creationId xmlns:p14="http://schemas.microsoft.com/office/powerpoint/2010/main" val="2886455791"/>
+        <p14:creationId xmlns:p14="http://schemas.microsoft.com/office/powerpoint/2010/main" val="1960211568"/>
       </p:ext>
     </p:extLst>
   </p:cSld>
@@ -11623,6 +11661,85 @@
             <a:spLocks noGrp="1"/>
           </p:cNvSpPr>
           <p:nvPr>
+            <p:ph type="ctrTitle"/>
+          </p:nvPr>
+        </p:nvSpPr>
+        <p:spPr/>
+        <p:txBody>
+          <a:bodyPr/>
+          <a:lstStyle/>
+          <a:p>
+            <a:r>
+              <a:rPr lang="ru-RU" dirty="0" smtClean="0"/>
+              <a:t>Эффективная работа с памятью</a:t>
+            </a:r>
+            <a:endParaRPr lang="ru-RU" dirty="0"/>
+          </a:p>
+        </p:txBody>
+      </p:sp>
+      <p:sp>
+        <p:nvSpPr>
+          <p:cNvPr id="3" name="Subtitle 2"/>
+          <p:cNvSpPr>
+            <a:spLocks noGrp="1"/>
+          </p:cNvSpPr>
+          <p:nvPr>
+            <p:ph type="subTitle" idx="1"/>
+          </p:nvPr>
+        </p:nvSpPr>
+        <p:spPr/>
+        <p:txBody>
+          <a:bodyPr/>
+          <a:lstStyle/>
+          <a:p>
+            <a:endParaRPr lang="ru-RU"/>
+          </a:p>
+        </p:txBody>
+      </p:sp>
+    </p:spTree>
+    <p:extLst>
+      <p:ext uri="{BB962C8B-B14F-4D97-AF65-F5344CB8AC3E}">
+        <p14:creationId xmlns:p14="http://schemas.microsoft.com/office/powerpoint/2010/main" val="2886455791"/>
+      </p:ext>
+    </p:extLst>
+  </p:cSld>
+  <p:clrMapOvr>
+    <a:masterClrMapping/>
+  </p:clrMapOvr>
+  <p:timing>
+    <p:tnLst>
+      <p:par>
+        <p:cTn id="1" dur="indefinite" restart="never" nodeType="tmRoot"/>
+      </p:par>
+    </p:tnLst>
+  </p:timing>
+</p:sld>
+</file>
+
+<file path=ppt/slides/slide25.xml><?xml version="1.0" encoding="utf-8"?>
+<p:sld xmlns:a="http://schemas.openxmlformats.org/drawingml/2006/main" xmlns:r="http://schemas.openxmlformats.org/officeDocument/2006/relationships" xmlns:p="http://schemas.openxmlformats.org/presentationml/2006/main">
+  <p:cSld>
+    <p:spTree>
+      <p:nvGrpSpPr>
+        <p:cNvPr id="1" name=""/>
+        <p:cNvGrpSpPr/>
+        <p:nvPr/>
+      </p:nvGrpSpPr>
+      <p:grpSpPr>
+        <a:xfrm>
+          <a:off x="0" y="0"/>
+          <a:ext cx="0" cy="0"/>
+          <a:chOff x="0" y="0"/>
+          <a:chExt cx="0" cy="0"/>
+        </a:xfrm>
+      </p:grpSpPr>
+      <p:sp>
+        <p:nvSpPr>
+          <p:cNvPr id="2" name="Title 1"/>
+          <p:cNvSpPr>
+            <a:spLocks noGrp="1"/>
+          </p:cNvSpPr>
+          <p:nvPr>
             <p:ph type="title"/>
           </p:nvPr>
         </p:nvSpPr>
@@ -11800,7 +11917,7 @@
 </p:sld>
 </file>
 
-<file path=ppt/slides/slide25.xml><?xml version="1.0" encoding="utf-8"?>
+<file path=ppt/slides/slide26.xml><?xml version="1.0" encoding="utf-8"?>
 <p:sld xmlns:a="http://schemas.openxmlformats.org/drawingml/2006/main" xmlns:r="http://schemas.openxmlformats.org/officeDocument/2006/relationships" xmlns:p="http://schemas.openxmlformats.org/presentationml/2006/main">
   <p:cSld>
     <p:spTree>
@@ -12816,7 +12933,7 @@
 </p:sld>
 </file>
 
-<file path=ppt/slides/slide26.xml><?xml version="1.0" encoding="utf-8"?>
+<file path=ppt/slides/slide27.xml><?xml version="1.0" encoding="utf-8"?>
 <p:sld xmlns:a="http://schemas.openxmlformats.org/drawingml/2006/main" xmlns:r="http://schemas.openxmlformats.org/officeDocument/2006/relationships" xmlns:p="http://schemas.openxmlformats.org/presentationml/2006/main">
   <p:cSld>
     <p:spTree>
@@ -12884,7 +13001,7 @@
 </p:sld>
 </file>
 
-<file path=ppt/slides/slide27.xml><?xml version="1.0" encoding="utf-8"?>
+<file path=ppt/slides/slide28.xml><?xml version="1.0" encoding="utf-8"?>
 <p:sld xmlns:a="http://schemas.openxmlformats.org/drawingml/2006/main" xmlns:r="http://schemas.openxmlformats.org/officeDocument/2006/relationships" xmlns:p="http://schemas.openxmlformats.org/presentationml/2006/main">
   <p:cSld>
     <p:spTree>
@@ -14078,7 +14195,7 @@
 </p:sld>
 </file>
 
-<file path=ppt/slides/slide28.xml><?xml version="1.0" encoding="utf-8"?>
+<file path=ppt/slides/slide29.xml><?xml version="1.0" encoding="utf-8"?>
 <p:sld xmlns:a="http://schemas.openxmlformats.org/drawingml/2006/main" xmlns:r="http://schemas.openxmlformats.org/officeDocument/2006/relationships" xmlns:p="http://schemas.openxmlformats.org/presentationml/2006/main">
   <p:cSld>
     <p:spTree>
@@ -15426,66 +15543,6 @@
     <p:extLst>
       <p:ext uri="{BB962C8B-B14F-4D97-AF65-F5344CB8AC3E}">
         <p14:creationId xmlns:p14="http://schemas.microsoft.com/office/powerpoint/2010/main" val="2301603699"/>
-      </p:ext>
-    </p:extLst>
-  </p:cSld>
-  <p:clrMapOvr>
-    <a:masterClrMapping/>
-  </p:clrMapOvr>
-  <p:timing>
-    <p:tnLst>
-      <p:par>
-        <p:cTn id="1" dur="indefinite" restart="never" nodeType="tmRoot"/>
-      </p:par>
-    </p:tnLst>
-  </p:timing>
-</p:sld>
-</file>
-
-<file path=ppt/slides/slide29.xml><?xml version="1.0" encoding="utf-8"?>
-<p:sld xmlns:a="http://schemas.openxmlformats.org/drawingml/2006/main" xmlns:r="http://schemas.openxmlformats.org/officeDocument/2006/relationships" xmlns:p="http://schemas.openxmlformats.org/presentationml/2006/main">
-  <p:cSld>
-    <p:spTree>
-      <p:nvGrpSpPr>
-        <p:cNvPr id="1" name=""/>
-        <p:cNvGrpSpPr/>
-        <p:nvPr/>
-      </p:nvGrpSpPr>
-      <p:grpSpPr>
-        <a:xfrm>
-          <a:off x="0" y="0"/>
-          <a:ext cx="0" cy="0"/>
-          <a:chOff x="0" y="0"/>
-          <a:chExt cx="0" cy="0"/>
-        </a:xfrm>
-      </p:grpSpPr>
-      <p:sp>
-        <p:nvSpPr>
-          <p:cNvPr id="2" name="Title 1"/>
-          <p:cNvSpPr>
-            <a:spLocks noGrp="1"/>
-          </p:cNvSpPr>
-          <p:nvPr>
-            <p:ph type="ctrTitle"/>
-          </p:nvPr>
-        </p:nvSpPr>
-        <p:spPr/>
-        <p:txBody>
-          <a:bodyPr/>
-          <a:lstStyle/>
-          <a:p>
-            <a:r>
-              <a:rPr lang="ru-RU" dirty="0" smtClean="0"/>
-              <a:t>Мониторинг используемой памяти</a:t>
-            </a:r>
-            <a:endParaRPr lang="ru-RU" dirty="0"/>
-          </a:p>
-        </p:txBody>
-      </p:sp>
-    </p:spTree>
-    <p:extLst>
-      <p:ext uri="{BB962C8B-B14F-4D97-AF65-F5344CB8AC3E}">
-        <p14:creationId xmlns:p14="http://schemas.microsoft.com/office/powerpoint/2010/main" val="833686513"/>
       </p:ext>
     </p:extLst>
   </p:cSld>
@@ -15605,32 +15662,7 @@
             <a:spLocks noGrp="1"/>
           </p:cNvSpPr>
           <p:nvPr>
-            <p:ph type="title"/>
-          </p:nvPr>
-        </p:nvSpPr>
-        <p:spPr/>
-        <p:txBody>
-          <a:bodyPr>
-            <a:normAutofit fontScale="90000"/>
-          </a:bodyPr>
-          <a:lstStyle/>
-          <a:p>
-            <a:r>
-              <a:rPr lang="ru-RU" dirty="0" smtClean="0"/>
-              <a:t>Мониторинг используемой памяти из кода</a:t>
-            </a:r>
-            <a:endParaRPr lang="ru-RU" dirty="0"/>
-          </a:p>
-        </p:txBody>
-      </p:sp>
-      <p:sp>
-        <p:nvSpPr>
-          <p:cNvPr id="3" name="Content Placeholder 2"/>
-          <p:cNvSpPr>
-            <a:spLocks noGrp="1"/>
-          </p:cNvSpPr>
-          <p:nvPr>
-            <p:ph idx="1"/>
+            <p:ph type="ctrTitle"/>
           </p:nvPr>
         </p:nvSpPr>
         <p:spPr/>
@@ -15639,79 +15671,9 @@
           <a:lstStyle/>
           <a:p>
             <a:r>
-              <a:rPr lang="en-US" dirty="0" err="1" smtClean="0"/>
-              <a:t>GC.CollectionCount</a:t>
-            </a:r>
-            <a:r>
-              <a:rPr lang="en-US" dirty="0" smtClean="0"/>
-              <a:t>(</a:t>
-            </a:r>
-            <a:r>
               <a:rPr lang="ru-RU" dirty="0" smtClean="0"/>
-              <a:t>номерПоколения</a:t>
-            </a:r>
-            <a:r>
-              <a:rPr lang="en-US" dirty="0" smtClean="0"/>
-              <a:t>)</a:t>
-            </a:r>
-            <a:r>
-              <a:rPr lang="ru-RU" dirty="0" smtClean="0"/>
-              <a:t> – сообщает сколько раз выполнялась сборка мусора для указанного поколения</a:t>
-            </a:r>
-          </a:p>
-          <a:p>
-            <a:r>
-              <a:rPr lang="en-US" dirty="0" err="1"/>
-              <a:t>GC.GetTotalMemory</a:t>
-            </a:r>
-            <a:r>
-              <a:rPr lang="en-US" dirty="0"/>
-              <a:t>(</a:t>
-            </a:r>
-            <a:r>
-              <a:rPr lang="en-US" dirty="0" err="1"/>
-              <a:t>bool</a:t>
-            </a:r>
-            <a:r>
-              <a:rPr lang="en-US" dirty="0"/>
-              <a:t> </a:t>
-            </a:r>
-            <a:r>
-              <a:rPr lang="en-US" dirty="0" err="1"/>
-              <a:t>forceFullCollection</a:t>
-            </a:r>
-            <a:r>
-              <a:rPr lang="en-US" dirty="0" smtClean="0"/>
-              <a:t>)</a:t>
-            </a:r>
-            <a:r>
-              <a:rPr lang="ru-RU" dirty="0" smtClean="0"/>
-              <a:t> – возвращает кол-во байтов выделенных в куче</a:t>
-            </a:r>
-          </a:p>
-          <a:p>
-            <a:r>
-              <a:rPr lang="en-US" dirty="0" err="1" smtClean="0"/>
-              <a:t>Environment.WorkingSet</a:t>
-            </a:r>
-            <a:r>
-              <a:rPr lang="en-US" dirty="0" smtClean="0"/>
-              <a:t> – </a:t>
-            </a:r>
-            <a:r>
-              <a:rPr lang="ru-RU" dirty="0" smtClean="0"/>
-              <a:t>размер в байтах рабочего множества процесса </a:t>
-            </a:r>
-            <a:r>
-              <a:rPr lang="en-US" dirty="0" smtClean="0"/>
-              <a:t>(working set)</a:t>
-            </a:r>
-            <a:endParaRPr lang="en-US" dirty="0"/>
-          </a:p>
-          <a:p>
-            <a:endParaRPr lang="en-US" dirty="0"/>
-          </a:p>
-          <a:p>
+              <a:t>Мониторинг используемой памяти</a:t>
+            </a:r>
             <a:endParaRPr lang="ru-RU" dirty="0"/>
           </a:p>
         </p:txBody>
@@ -15719,7 +15681,7 @@
     </p:spTree>
     <p:extLst>
       <p:ext uri="{BB962C8B-B14F-4D97-AF65-F5344CB8AC3E}">
-        <p14:creationId xmlns:p14="http://schemas.microsoft.com/office/powerpoint/2010/main" val="921719331"/>
+        <p14:creationId xmlns:p14="http://schemas.microsoft.com/office/powerpoint/2010/main" val="833686513"/>
       </p:ext>
     </p:extLst>
   </p:cSld>
@@ -15772,7 +15734,7 @@
           <a:p>
             <a:r>
               <a:rPr lang="ru-RU" dirty="0" smtClean="0"/>
-              <a:t>Мониторинг используемой памяти внешними средствами</a:t>
+              <a:t>Мониторинг используемой памяти из кода</a:t>
             </a:r>
             <a:endParaRPr lang="ru-RU" dirty="0"/>
           </a:p>
@@ -15790,91 +15752,83 @@
         </p:nvSpPr>
         <p:spPr/>
         <p:txBody>
-          <a:bodyPr>
-            <a:normAutofit/>
-          </a:bodyPr>
+          <a:bodyPr/>
           <a:lstStyle/>
           <a:p>
             <a:r>
+              <a:rPr lang="en-US" dirty="0" err="1" smtClean="0"/>
+              <a:t>GC.CollectionCount</a:t>
+            </a:r>
+            <a:r>
+              <a:rPr lang="en-US" dirty="0" smtClean="0"/>
+              <a:t>(</a:t>
+            </a:r>
+            <a:r>
               <a:rPr lang="ru-RU" dirty="0" smtClean="0"/>
-              <a:t>Счетчики  производительности</a:t>
-            </a:r>
-            <a:endParaRPr lang="en-US" dirty="0" smtClean="0"/>
-          </a:p>
-          <a:p>
-            <a:pPr lvl="1"/>
+              <a:t>номерПоколения</a:t>
+            </a:r>
             <a:r>
               <a:rPr lang="en-US" dirty="0" smtClean="0"/>
-              <a:t>Performance Monitor</a:t>
+              <a:t>)</a:t>
             </a:r>
             <a:r>
               <a:rPr lang="ru-RU" dirty="0" smtClean="0"/>
-              <a:t> (</a:t>
+              <a:t> – сообщает сколько раз выполнялась сборка мусора для указанного поколения</a:t>
+            </a:r>
+          </a:p>
+          <a:p>
+            <a:r>
+              <a:rPr lang="en-US" dirty="0" err="1"/>
+              <a:t>GC.GetTotalMemory</a:t>
+            </a:r>
+            <a:r>
+              <a:rPr lang="en-US" dirty="0"/>
+              <a:t>(</a:t>
+            </a:r>
+            <a:r>
+              <a:rPr lang="en-US" dirty="0" err="1"/>
+              <a:t>bool</a:t>
+            </a:r>
+            <a:r>
+              <a:rPr lang="en-US" dirty="0"/>
+              <a:t> </a:t>
+            </a:r>
+            <a:r>
+              <a:rPr lang="en-US" dirty="0" err="1"/>
+              <a:t>forceFullCollection</a:t>
             </a:r>
             <a:r>
               <a:rPr lang="en-US" dirty="0" smtClean="0"/>
-              <a:t>Control Panel </a:t>
-            </a:r>
-            <a:r>
-              <a:rPr lang="en-US" dirty="0"/>
-              <a:t>\ Administrative </a:t>
+              <a:t>)</a:t>
+            </a:r>
+            <a:r>
+              <a:rPr lang="ru-RU" dirty="0" smtClean="0"/>
+              <a:t> – возвращает кол-во байтов выделенных в куче</a:t>
+            </a:r>
+          </a:p>
+          <a:p>
+            <a:r>
+              <a:rPr lang="en-US" dirty="0" err="1" smtClean="0"/>
+              <a:t>Environment.WorkingSet</a:t>
             </a:r>
             <a:r>
               <a:rPr lang="en-US" dirty="0" smtClean="0"/>
-              <a:t>Tools)</a:t>
-            </a:r>
-          </a:p>
-          <a:p>
-            <a:pPr lvl="1"/>
-            <a:r>
-              <a:rPr lang="en-US" dirty="0"/>
-              <a:t>Process Explorer</a:t>
-            </a:r>
-            <a:br>
-              <a:rPr lang="en-US" dirty="0"/>
-            </a:br>
-            <a:r>
-              <a:rPr lang="en-US" dirty="0">
-                <a:hlinkClick r:id="rId2"/>
-              </a:rPr>
-              <a:t>http://</a:t>
-            </a:r>
-            <a:r>
-              <a:rPr lang="en-US" dirty="0" smtClean="0">
-                <a:hlinkClick r:id="rId2"/>
-              </a:rPr>
-              <a:t>technet.microsoft.com/en-us/sysinternals/bb896653</a:t>
-            </a:r>
-            <a:endParaRPr lang="en-US" dirty="0" smtClean="0"/>
-          </a:p>
-          <a:p>
+              <a:t> – </a:t>
+            </a:r>
+            <a:r>
+              <a:rPr lang="ru-RU" dirty="0" smtClean="0"/>
+              <a:t>размер в байтах рабочего множества процесса </a:t>
+            </a:r>
             <a:r>
               <a:rPr lang="en-US" dirty="0" smtClean="0"/>
-              <a:t>Microsoft </a:t>
-            </a:r>
-            <a:r>
-              <a:rPr lang="en-US" dirty="0" err="1" smtClean="0"/>
-              <a:t>PerfView</a:t>
-            </a:r>
-            <a:endParaRPr lang="en-US" dirty="0" smtClean="0"/>
-          </a:p>
-          <a:p>
-            <a:r>
-              <a:rPr lang="en-US" dirty="0" err="1" smtClean="0"/>
-              <a:t>dotMemory</a:t>
-            </a:r>
-            <a:r>
-              <a:rPr lang="en-US" dirty="0" smtClean="0"/>
-              <a:t> </a:t>
-            </a:r>
-            <a:r>
-              <a:rPr lang="ru-RU" dirty="0" smtClean="0"/>
-              <a:t>от </a:t>
-            </a:r>
-            <a:r>
-              <a:rPr lang="en-US" dirty="0" smtClean="0"/>
-              <a:t>JetBrains</a:t>
-            </a:r>
+              <a:t>(working set)</a:t>
+            </a:r>
+            <a:endParaRPr lang="en-US" dirty="0"/>
+          </a:p>
+          <a:p>
+            <a:endParaRPr lang="en-US" dirty="0"/>
+          </a:p>
+          <a:p>
             <a:endParaRPr lang="ru-RU" dirty="0"/>
           </a:p>
         </p:txBody>
@@ -15882,7 +15836,7 @@
     </p:spTree>
     <p:extLst>
       <p:ext uri="{BB962C8B-B14F-4D97-AF65-F5344CB8AC3E}">
-        <p14:creationId xmlns:p14="http://schemas.microsoft.com/office/powerpoint/2010/main" val="2842368969"/>
+        <p14:creationId xmlns:p14="http://schemas.microsoft.com/office/powerpoint/2010/main" val="921719331"/>
       </p:ext>
     </p:extLst>
   </p:cSld>
@@ -15928,6 +15882,169 @@
         </p:nvSpPr>
         <p:spPr/>
         <p:txBody>
+          <a:bodyPr>
+            <a:normAutofit fontScale="90000"/>
+          </a:bodyPr>
+          <a:lstStyle/>
+          <a:p>
+            <a:r>
+              <a:rPr lang="ru-RU" dirty="0" smtClean="0"/>
+              <a:t>Мониторинг используемой памяти внешними средствами</a:t>
+            </a:r>
+            <a:endParaRPr lang="ru-RU" dirty="0"/>
+          </a:p>
+        </p:txBody>
+      </p:sp>
+      <p:sp>
+        <p:nvSpPr>
+          <p:cNvPr id="3" name="Content Placeholder 2"/>
+          <p:cNvSpPr>
+            <a:spLocks noGrp="1"/>
+          </p:cNvSpPr>
+          <p:nvPr>
+            <p:ph idx="1"/>
+          </p:nvPr>
+        </p:nvSpPr>
+        <p:spPr/>
+        <p:txBody>
+          <a:bodyPr>
+            <a:normAutofit/>
+          </a:bodyPr>
+          <a:lstStyle/>
+          <a:p>
+            <a:r>
+              <a:rPr lang="ru-RU" dirty="0" smtClean="0"/>
+              <a:t>Счетчики  производительности</a:t>
+            </a:r>
+            <a:endParaRPr lang="en-US" dirty="0" smtClean="0"/>
+          </a:p>
+          <a:p>
+            <a:pPr lvl="1"/>
+            <a:r>
+              <a:rPr lang="en-US" dirty="0" smtClean="0"/>
+              <a:t>Performance Monitor</a:t>
+            </a:r>
+            <a:r>
+              <a:rPr lang="ru-RU" dirty="0" smtClean="0"/>
+              <a:t> (</a:t>
+            </a:r>
+            <a:r>
+              <a:rPr lang="en-US" dirty="0" smtClean="0"/>
+              <a:t>Control Panel </a:t>
+            </a:r>
+            <a:r>
+              <a:rPr lang="en-US" dirty="0"/>
+              <a:t>\ Administrative </a:t>
+            </a:r>
+            <a:r>
+              <a:rPr lang="en-US" dirty="0" smtClean="0"/>
+              <a:t>Tools)</a:t>
+            </a:r>
+          </a:p>
+          <a:p>
+            <a:pPr lvl="1"/>
+            <a:r>
+              <a:rPr lang="en-US" dirty="0"/>
+              <a:t>Process Explorer</a:t>
+            </a:r>
+            <a:br>
+              <a:rPr lang="en-US" dirty="0"/>
+            </a:br>
+            <a:r>
+              <a:rPr lang="en-US" dirty="0">
+                <a:hlinkClick r:id="rId2"/>
+              </a:rPr>
+              <a:t>http://</a:t>
+            </a:r>
+            <a:r>
+              <a:rPr lang="en-US" dirty="0" smtClean="0">
+                <a:hlinkClick r:id="rId2"/>
+              </a:rPr>
+              <a:t>technet.microsoft.com/en-us/sysinternals/bb896653</a:t>
+            </a:r>
+            <a:endParaRPr lang="en-US" dirty="0" smtClean="0"/>
+          </a:p>
+          <a:p>
+            <a:r>
+              <a:rPr lang="en-US" dirty="0" smtClean="0"/>
+              <a:t>Microsoft </a:t>
+            </a:r>
+            <a:r>
+              <a:rPr lang="en-US" dirty="0" err="1" smtClean="0"/>
+              <a:t>PerfView</a:t>
+            </a:r>
+            <a:endParaRPr lang="en-US" dirty="0" smtClean="0"/>
+          </a:p>
+          <a:p>
+            <a:r>
+              <a:rPr lang="en-US" dirty="0" err="1" smtClean="0"/>
+              <a:t>dotMemory</a:t>
+            </a:r>
+            <a:r>
+              <a:rPr lang="en-US" dirty="0" smtClean="0"/>
+              <a:t> </a:t>
+            </a:r>
+            <a:r>
+              <a:rPr lang="ru-RU" dirty="0" smtClean="0"/>
+              <a:t>от </a:t>
+            </a:r>
+            <a:r>
+              <a:rPr lang="en-US" dirty="0" smtClean="0"/>
+              <a:t>JetBrains</a:t>
+            </a:r>
+            <a:endParaRPr lang="ru-RU" dirty="0"/>
+          </a:p>
+        </p:txBody>
+      </p:sp>
+    </p:spTree>
+    <p:extLst>
+      <p:ext uri="{BB962C8B-B14F-4D97-AF65-F5344CB8AC3E}">
+        <p14:creationId xmlns:p14="http://schemas.microsoft.com/office/powerpoint/2010/main" val="2842368969"/>
+      </p:ext>
+    </p:extLst>
+  </p:cSld>
+  <p:clrMapOvr>
+    <a:masterClrMapping/>
+  </p:clrMapOvr>
+  <p:timing>
+    <p:tnLst>
+      <p:par>
+        <p:cTn id="1" dur="indefinite" restart="never" nodeType="tmRoot"/>
+      </p:par>
+    </p:tnLst>
+  </p:timing>
+</p:sld>
+</file>
+
+<file path=ppt/slides/slide33.xml><?xml version="1.0" encoding="utf-8"?>
+<p:sld xmlns:a="http://schemas.openxmlformats.org/drawingml/2006/main" xmlns:r="http://schemas.openxmlformats.org/officeDocument/2006/relationships" xmlns:p="http://schemas.openxmlformats.org/presentationml/2006/main">
+  <p:cSld>
+    <p:spTree>
+      <p:nvGrpSpPr>
+        <p:cNvPr id="1" name=""/>
+        <p:cNvGrpSpPr/>
+        <p:nvPr/>
+      </p:nvGrpSpPr>
+      <p:grpSpPr>
+        <a:xfrm>
+          <a:off x="0" y="0"/>
+          <a:ext cx="0" cy="0"/>
+          <a:chOff x="0" y="0"/>
+          <a:chExt cx="0" cy="0"/>
+        </a:xfrm>
+      </p:grpSpPr>
+      <p:sp>
+        <p:nvSpPr>
+          <p:cNvPr id="2" name="Title 1"/>
+          <p:cNvSpPr>
+            <a:spLocks noGrp="1"/>
+          </p:cNvSpPr>
+          <p:nvPr>
+            <p:ph type="title"/>
+          </p:nvPr>
+        </p:nvSpPr>
+        <p:spPr/>
+        <p:txBody>
           <a:bodyPr/>
           <a:lstStyle/>
           <a:p>
@@ -16078,7 +16195,7 @@
 </p:sld>
 </file>
 
-<file path=ppt/slides/slide33.xml><?xml version="1.0" encoding="utf-8"?>
+<file path=ppt/slides/slide34.xml><?xml version="1.0" encoding="utf-8"?>
 <p:sld xmlns:a="http://schemas.openxmlformats.org/drawingml/2006/main" xmlns:r="http://schemas.openxmlformats.org/officeDocument/2006/relationships" xmlns:p="http://schemas.openxmlformats.org/presentationml/2006/main">
   <p:cSld>
     <p:spTree>
@@ -20709,7 +20826,7 @@
 </p:sld>
 </file>
 
-<file path=ppt/slides/slide34.xml><?xml version="1.0" encoding="utf-8"?>
+<file path=ppt/slides/slide35.xml><?xml version="1.0" encoding="utf-8"?>
 <p:sld xmlns:a="http://schemas.openxmlformats.org/drawingml/2006/main" xmlns:r="http://schemas.openxmlformats.org/officeDocument/2006/relationships" xmlns:p="http://schemas.openxmlformats.org/presentationml/2006/main">
   <p:cSld>
     <p:spTree>
@@ -21309,20 +21426,14 @@
         </p:nvSpPr>
         <p:spPr/>
         <p:txBody>
-          <a:bodyPr>
-            <a:normAutofit/>
-          </a:bodyPr>
+          <a:bodyPr/>
           <a:lstStyle/>
           <a:p>
             <a:r>
-              <a:rPr lang="ru-RU" sz="3600" dirty="0" smtClean="0"/>
-              <a:t>Выделение памяти на стеке: </a:t>
-            </a:r>
-            <a:r>
-              <a:rPr lang="en-US" sz="3600" dirty="0" err="1" smtClean="0"/>
-              <a:t>stackalloc</a:t>
-            </a:r>
-            <a:endParaRPr lang="ru-RU" sz="3600" dirty="0"/>
+              <a:rPr lang="ru-RU" dirty="0" smtClean="0"/>
+              <a:t>Примеры упаковки</a:t>
+            </a:r>
+            <a:endParaRPr lang="ru-RU" dirty="0"/>
           </a:p>
         </p:txBody>
       </p:sp>
@@ -21336,10 +21447,14 @@
             <p:ph idx="1"/>
           </p:nvPr>
         </p:nvSpPr>
-        <p:spPr/>
+        <p:spPr>
+          <a:solidFill>
+            <a:schemeClr val="bg1"/>
+          </a:solidFill>
+        </p:spPr>
         <p:txBody>
           <a:bodyPr>
-            <a:normAutofit fontScale="92500" lnSpcReduction="20000"/>
+            <a:normAutofit/>
           </a:bodyPr>
           <a:lstStyle/>
           <a:p>
@@ -21347,98 +21462,764 @@
               <a:buNone/>
             </a:pPr>
             <a:r>
-              <a:rPr lang="ru-RU" dirty="0" smtClean="0"/>
-              <a:t>С помощью ключевого слова </a:t>
-            </a:r>
-            <a:r>
-              <a:rPr lang="en-US" dirty="0" err="1" smtClean="0"/>
-              <a:t>stackalloc</a:t>
-            </a:r>
-            <a:r>
-              <a:rPr lang="en-US" dirty="0" smtClean="0"/>
-              <a:t> </a:t>
-            </a:r>
-            <a:r>
-              <a:rPr lang="ru-RU" dirty="0" smtClean="0"/>
-              <a:t>можно выделять память </a:t>
-            </a:r>
-            <a:r>
-              <a:rPr lang="ru-RU" smtClean="0"/>
-              <a:t>на стеке что может улучшить производительность:</a:t>
-            </a:r>
-            <a:endParaRPr lang="ru-RU" dirty="0" smtClean="0"/>
-          </a:p>
-          <a:p>
-            <a:r>
-              <a:rPr lang="ru-RU" dirty="0" smtClean="0"/>
-              <a:t>Меньшая нагрузка на </a:t>
-            </a:r>
-            <a:r>
-              <a:rPr lang="en-US" dirty="0" smtClean="0"/>
-              <a:t>GC</a:t>
-            </a:r>
-          </a:p>
-          <a:p>
-            <a:r>
-              <a:rPr lang="ru-RU" dirty="0" smtClean="0"/>
-              <a:t>Память освобождается при выходе из метода</a:t>
-            </a:r>
-          </a:p>
-          <a:p>
-            <a:r>
-              <a:rPr lang="ru-RU" dirty="0" smtClean="0"/>
-              <a:t>Улучшенная «локальность» </a:t>
-            </a:r>
-            <a:r>
-              <a:rPr lang="en-US" dirty="0" smtClean="0"/>
-              <a:t>(locality) </a:t>
-            </a:r>
-            <a:r>
-              <a:rPr lang="ru-RU" dirty="0" smtClean="0"/>
-              <a:t>данных для кеша процессора</a:t>
-            </a:r>
-          </a:p>
-          <a:p>
-            <a:endParaRPr lang="ru-RU" dirty="0"/>
+              <a:rPr lang="ru-RU" sz="1400" dirty="0">
+                <a:solidFill>
+                  <a:srgbClr val="008000"/>
+                </a:solidFill>
+                <a:highlight>
+                  <a:srgbClr val="FFFFFF"/>
+                </a:highlight>
+                <a:latin typeface="Consolas"/>
+              </a:rPr>
+              <a:t>// Приведение типа-значения к </a:t>
+            </a:r>
+            <a:r>
+              <a:rPr lang="en-US" sz="1400" dirty="0" err="1">
+                <a:solidFill>
+                  <a:srgbClr val="008000"/>
+                </a:solidFill>
+                <a:highlight>
+                  <a:srgbClr val="FFFFFF"/>
+                </a:highlight>
+                <a:latin typeface="Consolas"/>
+              </a:rPr>
+              <a:t>System.Object</a:t>
+            </a:r>
+            <a:endParaRPr lang="en-US" sz="1400" dirty="0">
+              <a:solidFill>
+                <a:srgbClr val="000000"/>
+              </a:solidFill>
+              <a:highlight>
+                <a:srgbClr val="FFFFFF"/>
+              </a:highlight>
+              <a:latin typeface="Consolas"/>
+            </a:endParaRPr>
           </a:p>
           <a:p>
             <a:pPr marL="0" indent="0">
               <a:buNone/>
             </a:pPr>
             <a:r>
-              <a:rPr lang="en-US" dirty="0" err="1" smtClean="0"/>
-              <a:t>stackalloc</a:t>
-            </a:r>
-            <a:r>
-              <a:rPr lang="en-US" dirty="0" smtClean="0"/>
+              <a:rPr lang="en-US" sz="1400" dirty="0" err="1">
+                <a:solidFill>
+                  <a:srgbClr val="0000FF"/>
+                </a:solidFill>
+                <a:highlight>
+                  <a:srgbClr val="FFFFFF"/>
+                </a:highlight>
+                <a:latin typeface="Consolas"/>
+              </a:rPr>
+              <a:t>int</a:t>
+            </a:r>
+            <a:r>
+              <a:rPr lang="en-US" sz="1400" dirty="0">
+                <a:solidFill>
+                  <a:srgbClr val="000000"/>
+                </a:solidFill>
+                <a:highlight>
+                  <a:srgbClr val="FFFFFF"/>
+                </a:highlight>
+                <a:latin typeface="Consolas"/>
+              </a:rPr>
+              <a:t> x = 10;</a:t>
+            </a:r>
+          </a:p>
+          <a:p>
+            <a:pPr marL="0" indent="0">
+              <a:buNone/>
+            </a:pPr>
+            <a:r>
+              <a:rPr lang="en-US" sz="1400" dirty="0">
+                <a:solidFill>
+                  <a:srgbClr val="0000FF"/>
+                </a:solidFill>
+                <a:highlight>
+                  <a:srgbClr val="FFFFFF"/>
+                </a:highlight>
+                <a:latin typeface="Consolas"/>
+              </a:rPr>
+              <a:t>object</a:t>
+            </a:r>
+            <a:r>
+              <a:rPr lang="en-US" sz="1400" dirty="0">
+                <a:solidFill>
+                  <a:srgbClr val="000000"/>
+                </a:solidFill>
+                <a:highlight>
+                  <a:srgbClr val="FFFFFF"/>
+                </a:highlight>
+                <a:latin typeface="Consolas"/>
+              </a:rPr>
               <a:t> </a:t>
             </a:r>
             <a:r>
-              <a:rPr lang="ru-RU" dirty="0" smtClean="0"/>
-              <a:t>можно использовать только в </a:t>
-            </a:r>
-            <a:r>
-              <a:rPr lang="en-US" dirty="0" smtClean="0"/>
-              <a:t>unsafe </a:t>
-            </a:r>
-            <a:r>
-              <a:rPr lang="ru-RU" dirty="0" smtClean="0"/>
-              <a:t>контексте.</a:t>
-            </a:r>
-            <a:endParaRPr lang="ru-RU" dirty="0"/>
+              <a:rPr lang="en-US" sz="1400" dirty="0" err="1">
+                <a:solidFill>
+                  <a:srgbClr val="000000"/>
+                </a:solidFill>
+                <a:highlight>
+                  <a:srgbClr val="FFFFFF"/>
+                </a:highlight>
+                <a:latin typeface="Consolas"/>
+              </a:rPr>
+              <a:t>obj</a:t>
+            </a:r>
+            <a:r>
+              <a:rPr lang="en-US" sz="1400" dirty="0">
+                <a:solidFill>
+                  <a:srgbClr val="000000"/>
+                </a:solidFill>
+                <a:highlight>
+                  <a:srgbClr val="FFFFFF"/>
+                </a:highlight>
+                <a:latin typeface="Consolas"/>
+              </a:rPr>
+              <a:t> = x; </a:t>
+            </a:r>
+            <a:r>
+              <a:rPr lang="en-US" sz="1400" dirty="0">
+                <a:solidFill>
+                  <a:srgbClr val="008000"/>
+                </a:solidFill>
+                <a:highlight>
+                  <a:srgbClr val="FFFFFF"/>
+                </a:highlight>
+                <a:latin typeface="Consolas"/>
+              </a:rPr>
+              <a:t>// </a:t>
+            </a:r>
+            <a:r>
+              <a:rPr lang="ru-RU" sz="1400" dirty="0">
+                <a:solidFill>
+                  <a:srgbClr val="008000"/>
+                </a:solidFill>
+                <a:highlight>
+                  <a:srgbClr val="FFFFFF"/>
+                </a:highlight>
+                <a:latin typeface="Consolas"/>
+              </a:rPr>
+              <a:t>упаковка!</a:t>
+            </a:r>
+            <a:endParaRPr lang="ru-RU" sz="1400" dirty="0">
+              <a:solidFill>
+                <a:srgbClr val="000000"/>
+              </a:solidFill>
+              <a:highlight>
+                <a:srgbClr val="FFFFFF"/>
+              </a:highlight>
+              <a:latin typeface="Consolas"/>
+            </a:endParaRPr>
+          </a:p>
+          <a:p>
+            <a:pPr marL="0" indent="0">
+              <a:buNone/>
+            </a:pPr>
+            <a:endParaRPr lang="ru-RU" sz="1400" dirty="0">
+              <a:solidFill>
+                <a:srgbClr val="000000"/>
+              </a:solidFill>
+              <a:highlight>
+                <a:srgbClr val="FFFFFF"/>
+              </a:highlight>
+              <a:latin typeface="Consolas"/>
+            </a:endParaRPr>
+          </a:p>
+          <a:p>
+            <a:pPr marL="0" indent="0">
+              <a:buNone/>
+            </a:pPr>
+            <a:r>
+              <a:rPr lang="ru-RU" sz="1400" dirty="0">
+                <a:solidFill>
+                  <a:srgbClr val="008000"/>
+                </a:solidFill>
+                <a:highlight>
+                  <a:srgbClr val="FFFFFF"/>
+                </a:highlight>
+                <a:latin typeface="Consolas"/>
+              </a:rPr>
+              <a:t>// Приведение типа-значения к типу интерфейса</a:t>
+            </a:r>
+            <a:endParaRPr lang="ru-RU" sz="1400" dirty="0">
+              <a:solidFill>
+                <a:srgbClr val="000000"/>
+              </a:solidFill>
+              <a:highlight>
+                <a:srgbClr val="FFFFFF"/>
+              </a:highlight>
+              <a:latin typeface="Consolas"/>
+            </a:endParaRPr>
+          </a:p>
+          <a:p>
+            <a:pPr marL="0" indent="0">
+              <a:buNone/>
+            </a:pPr>
+            <a:r>
+              <a:rPr lang="en-US" sz="1400" dirty="0">
+                <a:solidFill>
+                  <a:srgbClr val="0000FF"/>
+                </a:solidFill>
+                <a:highlight>
+                  <a:srgbClr val="FFFFFF"/>
+                </a:highlight>
+                <a:latin typeface="Consolas"/>
+              </a:rPr>
+              <a:t>long</a:t>
+            </a:r>
+            <a:r>
+              <a:rPr lang="en-US" sz="1400" dirty="0">
+                <a:solidFill>
+                  <a:srgbClr val="000000"/>
+                </a:solidFill>
+                <a:highlight>
+                  <a:srgbClr val="FFFFFF"/>
+                </a:highlight>
+                <a:latin typeface="Consolas"/>
+              </a:rPr>
+              <a:t> y = 10;</a:t>
+            </a:r>
+          </a:p>
+          <a:p>
+            <a:pPr marL="0" indent="0">
+              <a:buNone/>
+            </a:pPr>
+            <a:r>
+              <a:rPr lang="en-US" sz="1400" dirty="0" err="1">
+                <a:solidFill>
+                  <a:srgbClr val="2B91AF"/>
+                </a:solidFill>
+                <a:highlight>
+                  <a:srgbClr val="FFFFFF"/>
+                </a:highlight>
+                <a:latin typeface="Consolas"/>
+              </a:rPr>
+              <a:t>IConvertible</a:t>
+            </a:r>
+            <a:r>
+              <a:rPr lang="en-US" sz="1400" dirty="0">
+                <a:solidFill>
+                  <a:srgbClr val="000000"/>
+                </a:solidFill>
+                <a:highlight>
+                  <a:srgbClr val="FFFFFF"/>
+                </a:highlight>
+                <a:latin typeface="Consolas"/>
+              </a:rPr>
+              <a:t> </a:t>
+            </a:r>
+            <a:r>
+              <a:rPr lang="en-US" sz="1400" dirty="0" err="1">
+                <a:solidFill>
+                  <a:srgbClr val="000000"/>
+                </a:solidFill>
+                <a:highlight>
+                  <a:srgbClr val="FFFFFF"/>
+                </a:highlight>
+                <a:latin typeface="Consolas"/>
+              </a:rPr>
+              <a:t>iy</a:t>
+            </a:r>
+            <a:r>
+              <a:rPr lang="en-US" sz="1400" dirty="0">
+                <a:solidFill>
+                  <a:srgbClr val="000000"/>
+                </a:solidFill>
+                <a:highlight>
+                  <a:srgbClr val="FFFFFF"/>
+                </a:highlight>
+                <a:latin typeface="Consolas"/>
+              </a:rPr>
+              <a:t> = y; </a:t>
+            </a:r>
+            <a:r>
+              <a:rPr lang="en-US" sz="1400" dirty="0">
+                <a:solidFill>
+                  <a:srgbClr val="008000"/>
+                </a:solidFill>
+                <a:highlight>
+                  <a:srgbClr val="FFFFFF"/>
+                </a:highlight>
+                <a:latin typeface="Consolas"/>
+              </a:rPr>
+              <a:t>// </a:t>
+            </a:r>
+            <a:r>
+              <a:rPr lang="ru-RU" sz="1400" dirty="0">
+                <a:solidFill>
+                  <a:srgbClr val="008000"/>
+                </a:solidFill>
+                <a:highlight>
+                  <a:srgbClr val="FFFFFF"/>
+                </a:highlight>
+                <a:latin typeface="Consolas"/>
+              </a:rPr>
+              <a:t>упаковка!</a:t>
+            </a:r>
+            <a:endParaRPr lang="ru-RU" sz="1400" dirty="0">
+              <a:solidFill>
+                <a:srgbClr val="000000"/>
+              </a:solidFill>
+              <a:highlight>
+                <a:srgbClr val="FFFFFF"/>
+              </a:highlight>
+              <a:latin typeface="Consolas"/>
+            </a:endParaRPr>
+          </a:p>
+          <a:p>
+            <a:pPr marL="0" indent="0">
+              <a:buNone/>
+            </a:pPr>
+            <a:endParaRPr lang="ru-RU" sz="1400" dirty="0">
+              <a:solidFill>
+                <a:srgbClr val="000000"/>
+              </a:solidFill>
+              <a:highlight>
+                <a:srgbClr val="FFFFFF"/>
+              </a:highlight>
+              <a:latin typeface="Consolas"/>
+            </a:endParaRPr>
+          </a:p>
+          <a:p>
+            <a:pPr marL="0" indent="0">
+              <a:buNone/>
+            </a:pPr>
+            <a:r>
+              <a:rPr lang="ru-RU" sz="1400" dirty="0">
+                <a:solidFill>
+                  <a:srgbClr val="008000"/>
+                </a:solidFill>
+                <a:highlight>
+                  <a:srgbClr val="FFFFFF"/>
+                </a:highlight>
+                <a:latin typeface="Consolas"/>
+              </a:rPr>
+              <a:t>//  Вызовы не переопределённых виртуальных методов, унаследованных от System.Object</a:t>
+            </a:r>
+            <a:endParaRPr lang="ru-RU" sz="1400" dirty="0">
+              <a:solidFill>
+                <a:srgbClr val="000000"/>
+              </a:solidFill>
+              <a:highlight>
+                <a:srgbClr val="FFFFFF"/>
+              </a:highlight>
+              <a:latin typeface="Consolas"/>
+            </a:endParaRPr>
+          </a:p>
+          <a:p>
+            <a:pPr marL="0" indent="0">
+              <a:buNone/>
+            </a:pPr>
+            <a:r>
+              <a:rPr lang="en-US" sz="1400" dirty="0" err="1">
+                <a:solidFill>
+                  <a:srgbClr val="2B91AF"/>
+                </a:solidFill>
+                <a:highlight>
+                  <a:srgbClr val="FFFFFF"/>
+                </a:highlight>
+                <a:latin typeface="Consolas"/>
+              </a:rPr>
+              <a:t>DayOfWeek</a:t>
+            </a:r>
+            <a:r>
+              <a:rPr lang="en-US" sz="1400" dirty="0">
+                <a:solidFill>
+                  <a:srgbClr val="000000"/>
+                </a:solidFill>
+                <a:highlight>
+                  <a:srgbClr val="FFFFFF"/>
+                </a:highlight>
+                <a:latin typeface="Consolas"/>
+              </a:rPr>
+              <a:t> </a:t>
+            </a:r>
+            <a:r>
+              <a:rPr lang="en-US" sz="1400" dirty="0" err="1">
+                <a:solidFill>
+                  <a:srgbClr val="000000"/>
+                </a:solidFill>
+                <a:highlight>
+                  <a:srgbClr val="FFFFFF"/>
+                </a:highlight>
+                <a:latin typeface="Consolas"/>
+              </a:rPr>
+              <a:t>weekDay</a:t>
+            </a:r>
+            <a:r>
+              <a:rPr lang="en-US" sz="1400" dirty="0">
+                <a:solidFill>
+                  <a:srgbClr val="000000"/>
+                </a:solidFill>
+                <a:highlight>
+                  <a:srgbClr val="FFFFFF"/>
+                </a:highlight>
+                <a:latin typeface="Consolas"/>
+              </a:rPr>
+              <a:t> = </a:t>
+            </a:r>
+            <a:r>
+              <a:rPr lang="en-US" sz="1400" dirty="0" err="1">
+                <a:solidFill>
+                  <a:srgbClr val="2B91AF"/>
+                </a:solidFill>
+                <a:highlight>
+                  <a:srgbClr val="FFFFFF"/>
+                </a:highlight>
+                <a:latin typeface="Consolas"/>
+              </a:rPr>
+              <a:t>DateTime</a:t>
+            </a:r>
+            <a:r>
+              <a:rPr lang="en-US" sz="1400" dirty="0" err="1">
+                <a:solidFill>
+                  <a:srgbClr val="000000"/>
+                </a:solidFill>
+                <a:highlight>
+                  <a:srgbClr val="FFFFFF"/>
+                </a:highlight>
+                <a:latin typeface="Consolas"/>
+              </a:rPr>
+              <a:t>.Now.DayOfWeek</a:t>
+            </a:r>
+            <a:r>
+              <a:rPr lang="en-US" sz="1400" dirty="0">
+                <a:solidFill>
+                  <a:srgbClr val="000000"/>
+                </a:solidFill>
+                <a:highlight>
+                  <a:srgbClr val="FFFFFF"/>
+                </a:highlight>
+                <a:latin typeface="Consolas"/>
+              </a:rPr>
+              <a:t>;</a:t>
+            </a:r>
+          </a:p>
+          <a:p>
+            <a:pPr marL="0" indent="0">
+              <a:buNone/>
+            </a:pPr>
+            <a:r>
+              <a:rPr lang="en-US" sz="1400" dirty="0" err="1">
+                <a:solidFill>
+                  <a:srgbClr val="0000FF"/>
+                </a:solidFill>
+                <a:highlight>
+                  <a:srgbClr val="FFFFFF"/>
+                </a:highlight>
+                <a:latin typeface="Consolas"/>
+              </a:rPr>
+              <a:t>int</a:t>
+            </a:r>
+            <a:r>
+              <a:rPr lang="en-US" sz="1400" dirty="0">
+                <a:solidFill>
+                  <a:srgbClr val="000000"/>
+                </a:solidFill>
+                <a:highlight>
+                  <a:srgbClr val="FFFFFF"/>
+                </a:highlight>
+                <a:latin typeface="Consolas"/>
+              </a:rPr>
+              <a:t> </a:t>
+            </a:r>
+            <a:r>
+              <a:rPr lang="en-US" sz="1400" dirty="0" err="1">
+                <a:solidFill>
+                  <a:srgbClr val="000000"/>
+                </a:solidFill>
+                <a:highlight>
+                  <a:srgbClr val="FFFFFF"/>
+                </a:highlight>
+                <a:latin typeface="Consolas"/>
+              </a:rPr>
+              <a:t>hashCode</a:t>
+            </a:r>
+            <a:r>
+              <a:rPr lang="en-US" sz="1400" dirty="0">
+                <a:solidFill>
+                  <a:srgbClr val="000000"/>
+                </a:solidFill>
+                <a:highlight>
+                  <a:srgbClr val="FFFFFF"/>
+                </a:highlight>
+                <a:latin typeface="Consolas"/>
+              </a:rPr>
+              <a:t> = </a:t>
+            </a:r>
+            <a:r>
+              <a:rPr lang="en-US" sz="1400" dirty="0" err="1">
+                <a:solidFill>
+                  <a:srgbClr val="000000"/>
+                </a:solidFill>
+                <a:highlight>
+                  <a:srgbClr val="FFFFFF"/>
+                </a:highlight>
+                <a:latin typeface="Consolas"/>
+              </a:rPr>
+              <a:t>weekDay.GetHashCode</a:t>
+            </a:r>
+            <a:r>
+              <a:rPr lang="en-US" sz="1400" dirty="0">
+                <a:solidFill>
+                  <a:srgbClr val="000000"/>
+                </a:solidFill>
+                <a:highlight>
+                  <a:srgbClr val="FFFFFF"/>
+                </a:highlight>
+                <a:latin typeface="Consolas"/>
+              </a:rPr>
+              <a:t>(); </a:t>
+            </a:r>
+            <a:r>
+              <a:rPr lang="en-US" sz="1400" dirty="0">
+                <a:solidFill>
+                  <a:srgbClr val="008000"/>
+                </a:solidFill>
+                <a:highlight>
+                  <a:srgbClr val="FFFFFF"/>
+                </a:highlight>
+                <a:latin typeface="Consolas"/>
+              </a:rPr>
+              <a:t>// </a:t>
+            </a:r>
+            <a:r>
+              <a:rPr lang="ru-RU" sz="1400" dirty="0">
+                <a:solidFill>
+                  <a:srgbClr val="008000"/>
+                </a:solidFill>
+                <a:highlight>
+                  <a:srgbClr val="FFFFFF"/>
+                </a:highlight>
+                <a:latin typeface="Consolas"/>
+              </a:rPr>
+              <a:t>упаковка!</a:t>
+            </a:r>
+            <a:endParaRPr lang="ru-RU" sz="1400" dirty="0">
+              <a:solidFill>
+                <a:srgbClr val="000000"/>
+              </a:solidFill>
+              <a:highlight>
+                <a:srgbClr val="FFFFFF"/>
+              </a:highlight>
+              <a:latin typeface="Consolas"/>
+            </a:endParaRPr>
+          </a:p>
+          <a:p>
+            <a:pPr marL="0" indent="0">
+              <a:buNone/>
+            </a:pPr>
+            <a:endParaRPr lang="ru-RU" sz="1400" dirty="0">
+              <a:solidFill>
+                <a:srgbClr val="000000"/>
+              </a:solidFill>
+              <a:highlight>
+                <a:srgbClr val="FFFFFF"/>
+              </a:highlight>
+              <a:latin typeface="Consolas"/>
+            </a:endParaRPr>
+          </a:p>
+          <a:p>
+            <a:pPr marL="0" indent="0">
+              <a:buNone/>
+            </a:pPr>
+            <a:r>
+              <a:rPr lang="ru-RU" sz="1400" dirty="0">
+                <a:solidFill>
+                  <a:srgbClr val="008000"/>
+                </a:solidFill>
+                <a:highlight>
+                  <a:srgbClr val="FFFFFF"/>
+                </a:highlight>
+                <a:latin typeface="Consolas"/>
+              </a:rPr>
+              <a:t>// Вызов не виртуального метода Object.GetType() на типе-значении</a:t>
+            </a:r>
+            <a:endParaRPr lang="ru-RU" sz="1400" dirty="0">
+              <a:solidFill>
+                <a:srgbClr val="000000"/>
+              </a:solidFill>
+              <a:highlight>
+                <a:srgbClr val="FFFFFF"/>
+              </a:highlight>
+              <a:latin typeface="Consolas"/>
+            </a:endParaRPr>
+          </a:p>
+          <a:p>
+            <a:pPr marL="0" indent="0">
+              <a:buNone/>
+            </a:pPr>
+            <a:r>
+              <a:rPr lang="en-US" sz="1400" dirty="0" err="1">
+                <a:solidFill>
+                  <a:srgbClr val="2B91AF"/>
+                </a:solidFill>
+                <a:highlight>
+                  <a:srgbClr val="FFFFFF"/>
+                </a:highlight>
+                <a:latin typeface="Consolas"/>
+              </a:rPr>
+              <a:t>Guid</a:t>
+            </a:r>
+            <a:r>
+              <a:rPr lang="en-US" sz="1400" dirty="0">
+                <a:solidFill>
+                  <a:srgbClr val="000000"/>
+                </a:solidFill>
+                <a:highlight>
+                  <a:srgbClr val="FFFFFF"/>
+                </a:highlight>
+                <a:latin typeface="Consolas"/>
+              </a:rPr>
+              <a:t> id = </a:t>
+            </a:r>
+            <a:r>
+              <a:rPr lang="en-US" sz="1400" dirty="0" err="1">
+                <a:solidFill>
+                  <a:srgbClr val="2B91AF"/>
+                </a:solidFill>
+                <a:highlight>
+                  <a:srgbClr val="FFFFFF"/>
+                </a:highlight>
+                <a:latin typeface="Consolas"/>
+              </a:rPr>
+              <a:t>Guid</a:t>
+            </a:r>
+            <a:r>
+              <a:rPr lang="en-US" sz="1400" dirty="0" err="1">
+                <a:solidFill>
+                  <a:srgbClr val="000000"/>
+                </a:solidFill>
+                <a:highlight>
+                  <a:srgbClr val="FFFFFF"/>
+                </a:highlight>
+                <a:latin typeface="Consolas"/>
+              </a:rPr>
+              <a:t>.NewGuid</a:t>
+            </a:r>
+            <a:r>
+              <a:rPr lang="en-US" sz="1400" dirty="0">
+                <a:solidFill>
+                  <a:srgbClr val="000000"/>
+                </a:solidFill>
+                <a:highlight>
+                  <a:srgbClr val="FFFFFF"/>
+                </a:highlight>
+                <a:latin typeface="Consolas"/>
+              </a:rPr>
+              <a:t>();</a:t>
+            </a:r>
+          </a:p>
+          <a:p>
+            <a:pPr marL="0" indent="0">
+              <a:buNone/>
+            </a:pPr>
+            <a:r>
+              <a:rPr lang="en-US" sz="1400" dirty="0">
+                <a:solidFill>
+                  <a:srgbClr val="2B91AF"/>
+                </a:solidFill>
+                <a:highlight>
+                  <a:srgbClr val="FFFFFF"/>
+                </a:highlight>
+                <a:latin typeface="Consolas"/>
+              </a:rPr>
+              <a:t>Type</a:t>
+            </a:r>
+            <a:r>
+              <a:rPr lang="en-US" sz="1400" dirty="0">
+                <a:solidFill>
+                  <a:srgbClr val="000000"/>
+                </a:solidFill>
+                <a:highlight>
+                  <a:srgbClr val="FFFFFF"/>
+                </a:highlight>
+                <a:latin typeface="Consolas"/>
+              </a:rPr>
+              <a:t> t = </a:t>
+            </a:r>
+            <a:r>
+              <a:rPr lang="en-US" sz="1400" dirty="0" err="1">
+                <a:solidFill>
+                  <a:srgbClr val="000000"/>
+                </a:solidFill>
+                <a:highlight>
+                  <a:srgbClr val="FFFFFF"/>
+                </a:highlight>
+                <a:latin typeface="Consolas"/>
+              </a:rPr>
+              <a:t>id.GetType</a:t>
+            </a:r>
+            <a:r>
+              <a:rPr lang="en-US" sz="1400" dirty="0">
+                <a:solidFill>
+                  <a:srgbClr val="000000"/>
+                </a:solidFill>
+                <a:highlight>
+                  <a:srgbClr val="FFFFFF"/>
+                </a:highlight>
+                <a:latin typeface="Consolas"/>
+              </a:rPr>
+              <a:t>(); </a:t>
+            </a:r>
+            <a:r>
+              <a:rPr lang="en-US" sz="1400" dirty="0">
+                <a:solidFill>
+                  <a:srgbClr val="008000"/>
+                </a:solidFill>
+                <a:highlight>
+                  <a:srgbClr val="FFFFFF"/>
+                </a:highlight>
+                <a:latin typeface="Consolas"/>
+              </a:rPr>
+              <a:t>// </a:t>
+            </a:r>
+            <a:r>
+              <a:rPr lang="ru-RU" sz="1400" dirty="0">
+                <a:solidFill>
+                  <a:srgbClr val="008000"/>
+                </a:solidFill>
+                <a:highlight>
+                  <a:srgbClr val="FFFFFF"/>
+                </a:highlight>
+                <a:latin typeface="Consolas"/>
+              </a:rPr>
+              <a:t>упаковка!</a:t>
+            </a:r>
+            <a:endParaRPr lang="ru-RU" sz="1400" dirty="0">
+              <a:solidFill>
+                <a:srgbClr val="000000"/>
+              </a:solidFill>
+              <a:highlight>
+                <a:srgbClr val="FFFFFF"/>
+              </a:highlight>
+              <a:latin typeface="Consolas"/>
+            </a:endParaRPr>
+          </a:p>
+          <a:p>
+            <a:pPr marL="0" indent="0">
+              <a:buNone/>
+            </a:pPr>
+            <a:endParaRPr lang="ru-RU" sz="1400" dirty="0"/>
           </a:p>
         </p:txBody>
       </p:sp>
     </p:spTree>
     <p:extLst>
       <p:ext uri="{BB962C8B-B14F-4D97-AF65-F5344CB8AC3E}">
-        <p14:creationId xmlns:p14="http://schemas.microsoft.com/office/powerpoint/2010/main" val="3374218314"/>
+        <p14:creationId xmlns:p14="http://schemas.microsoft.com/office/powerpoint/2010/main" val="626268956"/>
       </p:ext>
     </p:extLst>
   </p:cSld>
   <p:clrMapOvr>
     <a:masterClrMapping/>
   </p:clrMapOvr>
+  <p:timing>
+    <p:tnLst>
+      <p:par>
+        <p:cTn id="1" dur="indefinite" restart="never" nodeType="tmRoot"/>
+      </p:par>
+    </p:tnLst>
+  </p:timing>
 </p:sld>
 </file>
 
@@ -21466,45 +22247,135 @@
             <a:spLocks noGrp="1"/>
           </p:cNvSpPr>
           <p:nvPr>
-            <p:ph type="ctrTitle"/>
+            <p:ph type="title"/>
           </p:nvPr>
         </p:nvSpPr>
         <p:spPr/>
         <p:txBody>
-          <a:bodyPr/>
+          <a:bodyPr>
+            <a:normAutofit/>
+          </a:bodyPr>
           <a:lstStyle/>
           <a:p>
             <a:r>
-              <a:rPr lang="ru-RU" dirty="0" smtClean="0"/>
-              <a:t>Сборщик мусора</a:t>
-            </a:r>
-            <a:endParaRPr lang="ru-RU" dirty="0"/>
+              <a:rPr lang="ru-RU" sz="3600" dirty="0" smtClean="0"/>
+              <a:t>Выделение памяти на стеке: </a:t>
+            </a:r>
+            <a:r>
+              <a:rPr lang="en-US" sz="3600" dirty="0" err="1" smtClean="0"/>
+              <a:t>stackalloc</a:t>
+            </a:r>
+            <a:endParaRPr lang="ru-RU" sz="3600" dirty="0"/>
           </a:p>
         </p:txBody>
       </p:sp>
       <p:sp>
         <p:nvSpPr>
-          <p:cNvPr id="3" name="Subtitle 2"/>
+          <p:cNvPr id="3" name="Content Placeholder 2"/>
           <p:cNvSpPr>
             <a:spLocks noGrp="1"/>
           </p:cNvSpPr>
           <p:nvPr>
-            <p:ph type="subTitle" idx="1"/>
+            <p:ph idx="1"/>
           </p:nvPr>
         </p:nvSpPr>
         <p:spPr/>
         <p:txBody>
-          <a:bodyPr/>
+          <a:bodyPr>
+            <a:normAutofit fontScale="92500" lnSpcReduction="20000"/>
+          </a:bodyPr>
           <a:lstStyle/>
           <a:p>
-            <a:endParaRPr lang="ru-RU"/>
+            <a:pPr marL="0" indent="0">
+              <a:buNone/>
+            </a:pPr>
+            <a:r>
+              <a:rPr lang="ru-RU" dirty="0" smtClean="0"/>
+              <a:t>С помощью ключевого слова </a:t>
+            </a:r>
+            <a:r>
+              <a:rPr lang="en-US" dirty="0" err="1" smtClean="0"/>
+              <a:t>stackalloc</a:t>
+            </a:r>
+            <a:r>
+              <a:rPr lang="en-US" dirty="0" smtClean="0"/>
+              <a:t> </a:t>
+            </a:r>
+            <a:r>
+              <a:rPr lang="ru-RU" dirty="0" smtClean="0"/>
+              <a:t>можно выделять память </a:t>
+            </a:r>
+            <a:r>
+              <a:rPr lang="ru-RU" smtClean="0"/>
+              <a:t>на стеке что может улучшить производительность:</a:t>
+            </a:r>
+            <a:endParaRPr lang="ru-RU" dirty="0" smtClean="0"/>
+          </a:p>
+          <a:p>
+            <a:r>
+              <a:rPr lang="ru-RU" dirty="0" smtClean="0"/>
+              <a:t>Меньшая нагрузка на </a:t>
+            </a:r>
+            <a:r>
+              <a:rPr lang="en-US" dirty="0" smtClean="0"/>
+              <a:t>GC</a:t>
+            </a:r>
+          </a:p>
+          <a:p>
+            <a:r>
+              <a:rPr lang="ru-RU" dirty="0" smtClean="0"/>
+              <a:t>Память освобождается при выходе из метода</a:t>
+            </a:r>
+          </a:p>
+          <a:p>
+            <a:r>
+              <a:rPr lang="ru-RU" dirty="0" smtClean="0"/>
+              <a:t>Улучшенная «локальность» </a:t>
+            </a:r>
+            <a:r>
+              <a:rPr lang="en-US" dirty="0" smtClean="0"/>
+              <a:t>(locality) </a:t>
+            </a:r>
+            <a:r>
+              <a:rPr lang="ru-RU" dirty="0" smtClean="0"/>
+              <a:t>данных для кеша процессора</a:t>
+            </a:r>
+          </a:p>
+          <a:p>
+            <a:endParaRPr lang="ru-RU" dirty="0"/>
+          </a:p>
+          <a:p>
+            <a:pPr marL="0" indent="0">
+              <a:buNone/>
+            </a:pPr>
+            <a:r>
+              <a:rPr lang="en-US" dirty="0" err="1" smtClean="0"/>
+              <a:t>stackalloc</a:t>
+            </a:r>
+            <a:r>
+              <a:rPr lang="en-US" dirty="0" smtClean="0"/>
+              <a:t> </a:t>
+            </a:r>
+            <a:r>
+              <a:rPr lang="ru-RU" dirty="0" smtClean="0"/>
+              <a:t>можно использовать только в </a:t>
+            </a:r>
+            <a:r>
+              <a:rPr lang="en-US" dirty="0" smtClean="0"/>
+              <a:t>unsafe </a:t>
+            </a:r>
+            <a:r>
+              <a:rPr lang="ru-RU" dirty="0" smtClean="0"/>
+              <a:t>контексте.</a:t>
+            </a:r>
+            <a:endParaRPr lang="ru-RU" dirty="0"/>
           </a:p>
         </p:txBody>
       </p:sp>
     </p:spTree>
     <p:extLst>
       <p:ext uri="{BB962C8B-B14F-4D97-AF65-F5344CB8AC3E}">
-        <p14:creationId xmlns:p14="http://schemas.microsoft.com/office/powerpoint/2010/main" val="2047597325"/>
+        <p14:creationId xmlns:p14="http://schemas.microsoft.com/office/powerpoint/2010/main" val="3374218314"/>
       </p:ext>
     </p:extLst>
   </p:cSld>
@@ -21545,6 +22416,85 @@
             <a:spLocks noGrp="1"/>
           </p:cNvSpPr>
           <p:nvPr>
+            <p:ph type="ctrTitle"/>
+          </p:nvPr>
+        </p:nvSpPr>
+        <p:spPr/>
+        <p:txBody>
+          <a:bodyPr/>
+          <a:lstStyle/>
+          <a:p>
+            <a:r>
+              <a:rPr lang="ru-RU" dirty="0" smtClean="0"/>
+              <a:t>Сборщик мусора</a:t>
+            </a:r>
+            <a:endParaRPr lang="ru-RU" dirty="0"/>
+          </a:p>
+        </p:txBody>
+      </p:sp>
+      <p:sp>
+        <p:nvSpPr>
+          <p:cNvPr id="3" name="Subtitle 2"/>
+          <p:cNvSpPr>
+            <a:spLocks noGrp="1"/>
+          </p:cNvSpPr>
+          <p:nvPr>
+            <p:ph type="subTitle" idx="1"/>
+          </p:nvPr>
+        </p:nvSpPr>
+        <p:spPr/>
+        <p:txBody>
+          <a:bodyPr/>
+          <a:lstStyle/>
+          <a:p>
+            <a:endParaRPr lang="ru-RU"/>
+          </a:p>
+        </p:txBody>
+      </p:sp>
+    </p:spTree>
+    <p:extLst>
+      <p:ext uri="{BB962C8B-B14F-4D97-AF65-F5344CB8AC3E}">
+        <p14:creationId xmlns:p14="http://schemas.microsoft.com/office/powerpoint/2010/main" val="2047597325"/>
+      </p:ext>
+    </p:extLst>
+  </p:cSld>
+  <p:clrMapOvr>
+    <a:masterClrMapping/>
+  </p:clrMapOvr>
+  <p:timing>
+    <p:tnLst>
+      <p:par>
+        <p:cTn id="1" dur="indefinite" restart="never" nodeType="tmRoot"/>
+      </p:par>
+    </p:tnLst>
+  </p:timing>
+</p:sld>
+</file>
+
+<file path=ppt/slides/slide8.xml><?xml version="1.0" encoding="utf-8"?>
+<p:sld xmlns:a="http://schemas.openxmlformats.org/drawingml/2006/main" xmlns:r="http://schemas.openxmlformats.org/officeDocument/2006/relationships" xmlns:p="http://schemas.openxmlformats.org/presentationml/2006/main">
+  <p:cSld>
+    <p:spTree>
+      <p:nvGrpSpPr>
+        <p:cNvPr id="1" name=""/>
+        <p:cNvGrpSpPr/>
+        <p:nvPr/>
+      </p:nvGrpSpPr>
+      <p:grpSpPr>
+        <a:xfrm>
+          <a:off x="0" y="0"/>
+          <a:ext cx="0" cy="0"/>
+          <a:chOff x="0" y="0"/>
+          <a:chExt cx="0" cy="0"/>
+        </a:xfrm>
+      </p:grpSpPr>
+      <p:sp>
+        <p:nvSpPr>
+          <p:cNvPr id="2" name="Title 1"/>
+          <p:cNvSpPr>
+            <a:spLocks noGrp="1"/>
+          </p:cNvSpPr>
+          <p:nvPr>
             <p:ph type="title"/>
           </p:nvPr>
         </p:nvSpPr>
@@ -21692,7 +22642,7 @@
 </p:sld>
 </file>
 
-<file path=ppt/slides/slide8.xml><?xml version="1.0" encoding="utf-8"?>
+<file path=ppt/slides/slide9.xml><?xml version="1.0" encoding="utf-8"?>
 <p:sld xmlns:a="http://schemas.openxmlformats.org/drawingml/2006/main" xmlns:r="http://schemas.openxmlformats.org/officeDocument/2006/relationships" xmlns:p="http://schemas.openxmlformats.org/presentationml/2006/main">
   <p:cSld>
     <p:spTree>
@@ -23821,122 +24771,6 @@
 </p:sld>
 </file>
 
-<file path=ppt/slides/slide9.xml><?xml version="1.0" encoding="utf-8"?>
-<p:sld xmlns:a="http://schemas.openxmlformats.org/drawingml/2006/main" xmlns:r="http://schemas.openxmlformats.org/officeDocument/2006/relationships" xmlns:p="http://schemas.openxmlformats.org/presentationml/2006/main">
-  <p:cSld>
-    <p:spTree>
-      <p:nvGrpSpPr>
-        <p:cNvPr id="1" name=""/>
-        <p:cNvGrpSpPr/>
-        <p:nvPr/>
-      </p:nvGrpSpPr>
-      <p:grpSpPr>
-        <a:xfrm>
-          <a:off x="0" y="0"/>
-          <a:ext cx="0" cy="0"/>
-          <a:chOff x="0" y="0"/>
-          <a:chExt cx="0" cy="0"/>
-        </a:xfrm>
-      </p:grpSpPr>
-      <p:sp>
-        <p:nvSpPr>
-          <p:cNvPr id="2" name="Title 1"/>
-          <p:cNvSpPr>
-            <a:spLocks noGrp="1"/>
-          </p:cNvSpPr>
-          <p:nvPr>
-            <p:ph type="title"/>
-          </p:nvPr>
-        </p:nvSpPr>
-        <p:spPr/>
-        <p:txBody>
-          <a:bodyPr/>
-          <a:lstStyle/>
-          <a:p>
-            <a:r>
-              <a:rPr lang="ru-RU" dirty="0" smtClean="0"/>
-              <a:t>Корни</a:t>
-            </a:r>
-            <a:endParaRPr lang="ru-RU" dirty="0"/>
-          </a:p>
-        </p:txBody>
-      </p:sp>
-      <p:sp>
-        <p:nvSpPr>
-          <p:cNvPr id="3" name="Content Placeholder 2"/>
-          <p:cNvSpPr>
-            <a:spLocks noGrp="1"/>
-          </p:cNvSpPr>
-          <p:nvPr>
-            <p:ph idx="1"/>
-          </p:nvPr>
-        </p:nvSpPr>
-        <p:spPr/>
-        <p:txBody>
-          <a:bodyPr>
-            <a:normAutofit fontScale="92500" lnSpcReduction="10000"/>
-          </a:bodyPr>
-          <a:lstStyle/>
-          <a:p>
-            <a:pPr marL="0" indent="0">
-              <a:buNone/>
-            </a:pPr>
-            <a:r>
-              <a:rPr lang="ru-RU" dirty="0" smtClean="0"/>
-              <a:t>Корни – ссылочные переменные с которых сборщик мусора начинает искать достижимые объекты. Корни автоматически считаются достижимыми.</a:t>
-            </a:r>
-          </a:p>
-          <a:p>
-            <a:pPr marL="0" indent="0">
-              <a:buNone/>
-            </a:pPr>
-            <a:endParaRPr lang="ru-RU" dirty="0"/>
-          </a:p>
-          <a:p>
-            <a:r>
-              <a:rPr lang="en-US" dirty="0" smtClean="0"/>
-              <a:t>static </a:t>
-            </a:r>
-            <a:r>
-              <a:rPr lang="ru-RU" dirty="0" smtClean="0"/>
-              <a:t>переменные</a:t>
-            </a:r>
-          </a:p>
-          <a:p>
-            <a:r>
-              <a:rPr lang="ru-RU" dirty="0" smtClean="0"/>
-              <a:t>стек - локальные переменные и аргументы функций</a:t>
-            </a:r>
-          </a:p>
-          <a:p>
-            <a:r>
-              <a:rPr lang="ru-RU" dirty="0" smtClean="0"/>
-              <a:t>регистры процессора</a:t>
-            </a:r>
-            <a:endParaRPr lang="ru-RU" dirty="0"/>
-          </a:p>
-        </p:txBody>
-      </p:sp>
-    </p:spTree>
-    <p:extLst>
-      <p:ext uri="{BB962C8B-B14F-4D97-AF65-F5344CB8AC3E}">
-        <p14:creationId xmlns:p14="http://schemas.microsoft.com/office/powerpoint/2010/main" val="2062523309"/>
-      </p:ext>
-    </p:extLst>
-  </p:cSld>
-  <p:clrMapOvr>
-    <a:masterClrMapping/>
-  </p:clrMapOvr>
-  <p:timing>
-    <p:tnLst>
-      <p:par>
-        <p:cTn id="1" dur="indefinite" restart="never" nodeType="tmRoot"/>
-      </p:par>
-    </p:tnLst>
-  </p:timing>
-</p:sld>
-</file>
-
 <file path=ppt/theme/theme1.xml><?xml version="1.0" encoding="utf-8"?>
 <a:theme xmlns:a="http://schemas.openxmlformats.org/drawingml/2006/main" name="bel-hard-training">
   <a:themeElements>

--- a/Presentation/memory-management-and-gc.pptx
+++ b/Presentation/memory-management-and-gc.pptx
@@ -5,7 +5,7 @@
     <p:sldMasterId id="2147483648" r:id="rId1"/>
   </p:sldMasterIdLst>
   <p:notesMasterIdLst>
-    <p:notesMasterId r:id="rId37"/>
+    <p:notesMasterId r:id="rId39"/>
   </p:notesMasterIdLst>
   <p:sldIdLst>
     <p:sldId id="261" r:id="rId2"/>
@@ -25,24 +25,26 @@
     <p:sldId id="279" r:id="rId16"/>
     <p:sldId id="280" r:id="rId17"/>
     <p:sldId id="281" r:id="rId18"/>
-    <p:sldId id="287" r:id="rId19"/>
-    <p:sldId id="288" r:id="rId20"/>
-    <p:sldId id="272" r:id="rId21"/>
-    <p:sldId id="275" r:id="rId22"/>
-    <p:sldId id="289" r:id="rId23"/>
-    <p:sldId id="276" r:id="rId24"/>
-    <p:sldId id="271" r:id="rId25"/>
-    <p:sldId id="263" r:id="rId26"/>
-    <p:sldId id="284" r:id="rId27"/>
-    <p:sldId id="262" r:id="rId28"/>
-    <p:sldId id="278" r:id="rId29"/>
-    <p:sldId id="282" r:id="rId30"/>
-    <p:sldId id="277" r:id="rId31"/>
-    <p:sldId id="258" r:id="rId32"/>
-    <p:sldId id="259" r:id="rId33"/>
-    <p:sldId id="290" r:id="rId34"/>
-    <p:sldId id="283" r:id="rId35"/>
-    <p:sldId id="260" r:id="rId36"/>
+    <p:sldId id="292" r:id="rId19"/>
+    <p:sldId id="287" r:id="rId20"/>
+    <p:sldId id="288" r:id="rId21"/>
+    <p:sldId id="293" r:id="rId22"/>
+    <p:sldId id="272" r:id="rId23"/>
+    <p:sldId id="275" r:id="rId24"/>
+    <p:sldId id="289" r:id="rId25"/>
+    <p:sldId id="276" r:id="rId26"/>
+    <p:sldId id="271" r:id="rId27"/>
+    <p:sldId id="263" r:id="rId28"/>
+    <p:sldId id="284" r:id="rId29"/>
+    <p:sldId id="262" r:id="rId30"/>
+    <p:sldId id="278" r:id="rId31"/>
+    <p:sldId id="282" r:id="rId32"/>
+    <p:sldId id="277" r:id="rId33"/>
+    <p:sldId id="258" r:id="rId34"/>
+    <p:sldId id="259" r:id="rId35"/>
+    <p:sldId id="290" r:id="rId36"/>
+    <p:sldId id="283" r:id="rId37"/>
+    <p:sldId id="260" r:id="rId38"/>
   </p:sldIdLst>
   <p:sldSz cx="9144000" cy="6858000" type="screen4x3"/>
   <p:notesSz cx="6858000" cy="9144000"/>
@@ -141,6 +143,36 @@
       </a:defRPr>
     </a:lvl9pPr>
   </p:defaultTextStyle>
+  <p:extLst>
+    <p:ext uri="{EFAFB233-063F-42B5-8137-9DF3F51BA10A}">
+      <p15:sldGuideLst xmlns:p15="http://schemas.microsoft.com/office/powerpoint/2012/main">
+        <p15:guide id="1" orient="horz" pos="2160">
+          <p15:clr>
+            <a:srgbClr val="A4A3A4"/>
+          </p15:clr>
+        </p15:guide>
+        <p15:guide id="2" pos="2880">
+          <p15:clr>
+            <a:srgbClr val="A4A3A4"/>
+          </p15:clr>
+        </p15:guide>
+      </p15:sldGuideLst>
+    </p:ext>
+    <p:ext uri="{2D200454-40CA-4A62-9FC3-DE9A4176ACB9}">
+      <p15:notesGuideLst xmlns:p15="http://schemas.microsoft.com/office/powerpoint/2012/main">
+        <p15:guide id="1" orient="horz" pos="2880">
+          <p15:clr>
+            <a:srgbClr val="A4A3A4"/>
+          </p15:clr>
+        </p15:guide>
+        <p15:guide id="2" pos="2160">
+          <p15:clr>
+            <a:srgbClr val="A4A3A4"/>
+          </p15:clr>
+        </p15:guide>
+      </p15:notesGuideLst>
+    </p:ext>
+  </p:extLst>
 </p:presentation>
 </file>
 
@@ -226,7 +258,7 @@
           <a:p>
             <a:fld id="{B24A7054-7FFB-49F4-A126-5DF6E687FF53}" type="datetimeFigureOut">
               <a:rPr lang="ru-RU" smtClean="0"/>
-              <a:t>05.08.2016</a:t>
+              <a:t>03.02.2017</a:t>
             </a:fld>
             <a:endParaRPr lang="ru-RU"/>
           </a:p>
@@ -1592,7 +1624,7 @@
           <a:p>
             <a:fld id="{8E6E6A2A-E9D3-4A0D-B04A-ABDD367A1E08}" type="datetimeFigureOut">
               <a:rPr lang="ru-RU" smtClean="0"/>
-              <a:t>05.08.2016</a:t>
+              <a:t>03.02.2017</a:t>
             </a:fld>
             <a:endParaRPr lang="ru-RU"/>
           </a:p>
@@ -3044,7 +3076,7 @@
           <a:p>
             <a:fld id="{AC3D3127-B7C4-45E3-9797-C527EC9FDD78}" type="datetimeFigureOut">
               <a:rPr lang="ru-RU" smtClean="0"/>
-              <a:t>05.08.2016</a:t>
+              <a:t>03.02.2017</a:t>
             </a:fld>
             <a:endParaRPr lang="ru-RU"/>
           </a:p>
@@ -10299,12 +10331,18 @@
         </p:nvSpPr>
         <p:spPr/>
         <p:txBody>
-          <a:bodyPr/>
+          <a:bodyPr>
+            <a:normAutofit fontScale="90000"/>
+          </a:bodyPr>
           <a:lstStyle/>
           <a:p>
             <a:r>
               <a:rPr lang="en-US" dirty="0" smtClean="0"/>
-              <a:t>using</a:t>
+              <a:t>IDisposable: </a:t>
+            </a:r>
+            <a:r>
+              <a:rPr lang="ru-RU" dirty="0" smtClean="0"/>
+              <a:t>управление ресурсами</a:t>
             </a:r>
             <a:endParaRPr lang="ru-RU" dirty="0"/>
           </a:p>
@@ -10322,36 +10360,81 @@
         </p:nvSpPr>
         <p:spPr/>
         <p:txBody>
-          <a:bodyPr/>
+          <a:bodyPr>
+            <a:normAutofit fontScale="85000" lnSpcReduction="20000"/>
+          </a:bodyPr>
           <a:lstStyle/>
           <a:p>
+            <a:pPr marL="0" indent="0">
+              <a:buNone/>
+            </a:pPr>
             <a:r>
               <a:rPr lang="ru-RU" dirty="0" smtClean="0"/>
-              <a:t>Переменная видна только внутри блока</a:t>
-            </a:r>
-          </a:p>
-          <a:p>
+              <a:t>В </a:t>
+            </a:r>
+            <a:r>
+              <a:rPr lang="en-US" dirty="0" smtClean="0"/>
+              <a:t>.NET </a:t>
+            </a:r>
             <a:r>
               <a:rPr lang="ru-RU" dirty="0" smtClean="0"/>
-              <a:t>Автоматически вызывается </a:t>
+              <a:t>используется недетерминированная модель управления памятью. Это означает что программист не контролирует момент освобождения памяти. Данный подход годится для памяти, но не годится для «объектов» которые находятся вне контроля </a:t>
             </a:r>
             <a:r>
               <a:rPr lang="en-US" dirty="0" smtClean="0"/>
-              <a:t>Dispose() </a:t>
+              <a:t>.NET – </a:t>
             </a:r>
             <a:r>
               <a:rPr lang="ru-RU" dirty="0" smtClean="0"/>
-              <a:t>внутри блока </a:t>
+              <a:t>например, файлы. Создавая объект типа </a:t>
             </a:r>
             <a:r>
               <a:rPr lang="en-US" dirty="0" smtClean="0"/>
-              <a:t>finally</a:t>
-            </a:r>
-          </a:p>
-          <a:p>
+              <a:t>FileStream </a:t>
+            </a:r>
             <a:r>
               <a:rPr lang="ru-RU" dirty="0" smtClean="0"/>
-              <a:t>Переменная доступна только для чтения</a:t>
+              <a:t>мы одновременно создаем т.н. дескриптор (</a:t>
+            </a:r>
+            <a:r>
+              <a:rPr lang="en-US" dirty="0" smtClean="0"/>
+              <a:t>handle</a:t>
+            </a:r>
+            <a:r>
+              <a:rPr lang="ru-RU" dirty="0" smtClean="0"/>
+              <a:t>)</a:t>
+            </a:r>
+            <a:r>
+              <a:rPr lang="en-US" dirty="0" smtClean="0"/>
+              <a:t> – </a:t>
+            </a:r>
+            <a:r>
+              <a:rPr lang="ru-RU" dirty="0" smtClean="0"/>
+              <a:t>системный объект который контролируется ОС </a:t>
+            </a:r>
+            <a:r>
+              <a:rPr lang="en-US" dirty="0" smtClean="0"/>
+              <a:t>Windows. </a:t>
+            </a:r>
+            <a:r>
+              <a:rPr lang="ru-RU" dirty="0" smtClean="0"/>
+              <a:t>Этот дескритор нужно закрывать для корректной работы приложения и экономии системных ресурсов. Интерфейс </a:t>
+            </a:r>
+            <a:r>
+              <a:rPr lang="en-US" dirty="0" smtClean="0"/>
+              <a:t>IDisposable </a:t>
+            </a:r>
+            <a:r>
+              <a:rPr lang="ru-RU" dirty="0" smtClean="0"/>
+              <a:t>с одним методом </a:t>
+            </a:r>
+            <a:r>
+              <a:rPr lang="en-US" dirty="0" smtClean="0"/>
+              <a:t>void Dispose()</a:t>
+            </a:r>
+            <a:r>
+              <a:rPr lang="ru-RU" dirty="0" smtClean="0"/>
+              <a:t> позволяет точно упралять моментом когда нужно освобождать такие ресурсы.</a:t>
             </a:r>
             <a:endParaRPr lang="ru-RU" dirty="0"/>
           </a:p>
@@ -10360,7 +10443,7 @@
     </p:spTree>
     <p:extLst>
       <p:ext uri="{BB962C8B-B14F-4D97-AF65-F5344CB8AC3E}">
-        <p14:creationId xmlns:p14="http://schemas.microsoft.com/office/powerpoint/2010/main" val="1354930669"/>
+        <p14:creationId xmlns:p14="http://schemas.microsoft.com/office/powerpoint/2010/main" val="674408421"/>
       </p:ext>
     </p:extLst>
   </p:cSld>
@@ -10403,12 +10486,8 @@
           <a:lstStyle/>
           <a:p>
             <a:r>
-              <a:rPr lang="ru-RU" dirty="0" smtClean="0"/>
-              <a:t>Своя реализация </a:t>
-            </a:r>
-            <a:r>
-              <a:rPr lang="en-US" dirty="0" err="1" smtClean="0"/>
-              <a:t>IDisposable</a:t>
+              <a:rPr lang="en-US" dirty="0" smtClean="0"/>
+              <a:t>using</a:t>
             </a:r>
             <a:endParaRPr lang="ru-RU" dirty="0"/>
           </a:p>
@@ -10431,13 +10510,31 @@
           <a:p>
             <a:r>
               <a:rPr lang="ru-RU" dirty="0" smtClean="0"/>
-              <a:t>Должна быть реентерабельной</a:t>
+              <a:t>Переменная видна только внутри блока</a:t>
             </a:r>
           </a:p>
           <a:p>
             <a:r>
               <a:rPr lang="ru-RU" dirty="0" smtClean="0"/>
-              <a:t>Не должна генерировать исключений при повторном вызове</a:t>
+              <a:t>Автоматически вызывается </a:t>
+            </a:r>
+            <a:r>
+              <a:rPr lang="en-US" dirty="0" smtClean="0"/>
+              <a:t>Dispose() </a:t>
+            </a:r>
+            <a:r>
+              <a:rPr lang="ru-RU" dirty="0" smtClean="0"/>
+              <a:t>внутри блока </a:t>
+            </a:r>
+            <a:r>
+              <a:rPr lang="en-US" dirty="0" smtClean="0"/>
+              <a:t>finally</a:t>
+            </a:r>
+          </a:p>
+          <a:p>
+            <a:r>
+              <a:rPr lang="ru-RU" dirty="0" smtClean="0"/>
+              <a:t>Переменная доступна только для чтения</a:t>
             </a:r>
             <a:endParaRPr lang="ru-RU" dirty="0"/>
           </a:p>
@@ -10446,7 +10543,7 @@
     </p:spTree>
     <p:extLst>
       <p:ext uri="{BB962C8B-B14F-4D97-AF65-F5344CB8AC3E}">
-        <p14:creationId xmlns:p14="http://schemas.microsoft.com/office/powerpoint/2010/main" val="3947807755"/>
+        <p14:creationId xmlns:p14="http://schemas.microsoft.com/office/powerpoint/2010/main" val="1354930669"/>
       </p:ext>
     </p:extLst>
   </p:cSld>
@@ -11065,21 +11162,16 @@
         </p:nvSpPr>
         <p:spPr/>
         <p:txBody>
-          <a:bodyPr>
-            <a:normAutofit fontScale="90000"/>
-          </a:bodyPr>
+          <a:bodyPr/>
           <a:lstStyle/>
           <a:p>
             <a:r>
               <a:rPr lang="ru-RU" dirty="0" smtClean="0"/>
-              <a:t>Куча для больших объектов</a:t>
-            </a:r>
-            <a:br>
-              <a:rPr lang="ru-RU" dirty="0" smtClean="0"/>
-            </a:br>
-            <a:r>
-              <a:rPr lang="en-US" dirty="0" smtClean="0"/>
-              <a:t>(Large Object Heap – LOH)</a:t>
+              <a:t>Своя реализация </a:t>
+            </a:r>
+            <a:r>
+              <a:rPr lang="en-US" dirty="0" err="1" smtClean="0"/>
+              <a:t>IDisposable</a:t>
             </a:r>
             <a:endParaRPr lang="ru-RU" dirty="0"/>
           </a:p>
@@ -11097,26 +11189,18 @@
         </p:nvSpPr>
         <p:spPr/>
         <p:txBody>
-          <a:bodyPr>
-            <a:normAutofit fontScale="92500" lnSpcReduction="10000"/>
-          </a:bodyPr>
+          <a:bodyPr/>
           <a:lstStyle/>
           <a:p>
             <a:r>
               <a:rPr lang="ru-RU" dirty="0" smtClean="0"/>
-              <a:t>Объекты с размером примерно больше 85 килобайт находятся в отдельной куче</a:t>
+              <a:t>Должна быть реентерабельной</a:t>
             </a:r>
           </a:p>
           <a:p>
             <a:r>
               <a:rPr lang="ru-RU" dirty="0" smtClean="0"/>
-              <a:t>Данная куча не дефрагментируется т.к. это бы создало большую нагрузку. Фрагментация может возникнуть при интенсивном использовании памяти (сотни мегабайт) и программа выделяет большие временные объекты.</a:t>
-            </a:r>
-          </a:p>
-          <a:p>
-            <a:r>
-              <a:rPr lang="ru-RU" dirty="0" smtClean="0"/>
-              <a:t>Объекты в данной куче считаются принадлежащими второму поколению</a:t>
+              <a:t>Не должна генерировать исключений при повторном вызове</a:t>
             </a:r>
             <a:endParaRPr lang="ru-RU" dirty="0"/>
           </a:p>
@@ -11125,7 +11209,7 @@
     </p:spTree>
     <p:extLst>
       <p:ext uri="{BB962C8B-B14F-4D97-AF65-F5344CB8AC3E}">
-        <p14:creationId xmlns:p14="http://schemas.microsoft.com/office/powerpoint/2010/main" val="3103245170"/>
+        <p14:creationId xmlns:p14="http://schemas.microsoft.com/office/powerpoint/2010/main" val="3947807755"/>
       </p:ext>
     </p:extLst>
   </p:cSld>
@@ -11171,33 +11255,20 @@
         </p:nvSpPr>
         <p:spPr/>
         <p:txBody>
-          <a:bodyPr>
-            <a:normAutofit fontScale="90000"/>
-          </a:bodyPr>
+          <a:bodyPr/>
           <a:lstStyle/>
           <a:p>
             <a:r>
               <a:rPr lang="en-US" dirty="0" smtClean="0"/>
-              <a:t>Large Object Heap </a:t>
+              <a:t>IDisposable </a:t>
             </a:r>
             <a:r>
               <a:rPr lang="ru-RU" dirty="0" smtClean="0"/>
-              <a:t>в </a:t>
+              <a:t>и </a:t>
             </a:r>
             <a:r>
               <a:rPr lang="en-US" dirty="0" smtClean="0"/>
-              <a:t>.NET 4.5.1</a:t>
-            </a:r>
-            <a:r>
-              <a:rPr lang="ru-RU" dirty="0" smtClean="0"/>
-              <a:t/>
-            </a:r>
-            <a:br>
-              <a:rPr lang="ru-RU" dirty="0" smtClean="0"/>
-            </a:br>
-            <a:r>
-              <a:rPr lang="ru-RU" dirty="0" smtClean="0"/>
-              <a:t>и выше</a:t>
+              <a:t>foreach</a:t>
             </a:r>
             <a:endParaRPr lang="ru-RU" dirty="0"/>
           </a:p>
@@ -11213,10 +11284,15 @@
             <p:ph idx="1"/>
           </p:nvPr>
         </p:nvSpPr>
-        <p:spPr/>
+        <p:spPr>
+          <a:xfrm>
+            <a:off x="457200" y="1412776"/>
+            <a:ext cx="8229600" cy="1252736"/>
+          </a:xfrm>
+        </p:spPr>
         <p:txBody>
           <a:bodyPr>
-            <a:normAutofit lnSpcReduction="10000"/>
+            <a:normAutofit/>
           </a:bodyPr>
           <a:lstStyle/>
           <a:p>
@@ -11224,142 +11300,614 @@
               <a:buNone/>
             </a:pPr>
             <a:r>
-              <a:rPr lang="ru-RU" dirty="0" smtClean="0"/>
-              <a:t>Добавлена возможность дефрагментации </a:t>
-            </a:r>
-            <a:r>
-              <a:rPr lang="en-US" dirty="0" smtClean="0"/>
-              <a:t>LOH </a:t>
-            </a:r>
-            <a:r>
-              <a:rPr lang="ru-RU" dirty="0" smtClean="0"/>
-              <a:t>по запросу.</a:t>
-            </a:r>
-          </a:p>
+              <a:rPr lang="ru-RU" sz="2800" dirty="0" smtClean="0"/>
+              <a:t>Компилятор автоматически генерирует вызов </a:t>
+            </a:r>
+            <a:r>
+              <a:rPr lang="en-US" sz="2800" dirty="0" smtClean="0"/>
+              <a:t>Dispose() </a:t>
+            </a:r>
+            <a:r>
+              <a:rPr lang="ru-RU" sz="2800" dirty="0" smtClean="0"/>
+              <a:t>для цикла </a:t>
+            </a:r>
+            <a:r>
+              <a:rPr lang="en-US" sz="2800" dirty="0" smtClean="0"/>
+              <a:t>foreach. </a:t>
+            </a:r>
+            <a:r>
+              <a:rPr lang="ru-RU" sz="2800" dirty="0" smtClean="0"/>
+              <a:t>Цикл:</a:t>
+            </a:r>
+            <a:endParaRPr lang="ru-RU" sz="2800" dirty="0"/>
+          </a:p>
+        </p:txBody>
+      </p:sp>
+      <p:sp>
+        <p:nvSpPr>
+          <p:cNvPr id="5" name="Rectangle 4"/>
+          <p:cNvSpPr/>
+          <p:nvPr/>
+        </p:nvSpPr>
+        <p:spPr>
+          <a:xfrm>
+            <a:off x="457200" y="2449487"/>
+            <a:ext cx="8229600" cy="307777"/>
+          </a:xfrm>
+          <a:prstGeom prst="rect">
+            <a:avLst/>
+          </a:prstGeom>
+          <a:solidFill>
+            <a:schemeClr val="bg1"/>
+          </a:solidFill>
+        </p:spPr>
+        <p:txBody>
+          <a:bodyPr wrap="square">
+            <a:spAutoFit/>
+          </a:bodyPr>
+          <a:lstStyle/>
+          <a:p>
+            <a:r>
+              <a:rPr lang="en-US" sz="1400" dirty="0">
+                <a:solidFill>
+                  <a:srgbClr val="0000FF"/>
+                </a:solidFill>
+                <a:latin typeface="Consolas" panose="020B0609020204030204" pitchFamily="49" charset="0"/>
+              </a:rPr>
+              <a:t>foreach</a:t>
+            </a:r>
+            <a:r>
+              <a:rPr lang="en-US" sz="1400" dirty="0">
+                <a:solidFill>
+                  <a:srgbClr val="000000"/>
+                </a:solidFill>
+                <a:latin typeface="Consolas" panose="020B0609020204030204" pitchFamily="49" charset="0"/>
+              </a:rPr>
+              <a:t> (ElementType element </a:t>
+            </a:r>
+            <a:r>
+              <a:rPr lang="en-US" sz="1400" dirty="0">
+                <a:solidFill>
+                  <a:srgbClr val="0000FF"/>
+                </a:solidFill>
+                <a:latin typeface="Consolas" panose="020B0609020204030204" pitchFamily="49" charset="0"/>
+              </a:rPr>
+              <a:t>in</a:t>
+            </a:r>
+            <a:r>
+              <a:rPr lang="en-US" sz="1400" dirty="0">
+                <a:solidFill>
+                  <a:srgbClr val="000000"/>
+                </a:solidFill>
+                <a:latin typeface="Consolas" panose="020B0609020204030204" pitchFamily="49" charset="0"/>
+              </a:rPr>
+              <a:t> collection) statement</a:t>
+            </a:r>
+            <a:endParaRPr lang="ru-RU" sz="1400" dirty="0"/>
+          </a:p>
+        </p:txBody>
+      </p:sp>
+      <p:sp>
+        <p:nvSpPr>
+          <p:cNvPr id="6" name="Content Placeholder 2"/>
+          <p:cNvSpPr txBox="1">
+            <a:spLocks/>
+          </p:cNvSpPr>
+          <p:nvPr/>
+        </p:nvSpPr>
+        <p:spPr>
+          <a:xfrm>
+            <a:off x="457200" y="2881535"/>
+            <a:ext cx="8229600" cy="576064"/>
+          </a:xfrm>
+          <a:prstGeom prst="rect">
+            <a:avLst/>
+          </a:prstGeom>
+        </p:spPr>
+        <p:txBody>
+          <a:bodyPr vert="horz" lIns="91440" tIns="45720" rIns="91440" bIns="45720" rtlCol="0">
+            <a:normAutofit/>
+          </a:bodyPr>
+          <a:lstStyle>
+            <a:lvl1pPr marL="342900" indent="-342900" algn="l" defTabSz="914400" rtl="0" eaLnBrk="1" latinLnBrk="0" hangingPunct="1">
+              <a:spcBef>
+                <a:spcPct val="20000"/>
+              </a:spcBef>
+              <a:buFont typeface="Arial" pitchFamily="34" charset="0"/>
+              <a:buChar char="•"/>
+              <a:defRPr sz="3200" kern="1200">
+                <a:solidFill>
+                  <a:schemeClr val="tx1"/>
+                </a:solidFill>
+                <a:latin typeface="+mn-lt"/>
+                <a:ea typeface="+mn-ea"/>
+                <a:cs typeface="+mn-cs"/>
+              </a:defRPr>
+            </a:lvl1pPr>
+            <a:lvl2pPr marL="742950" indent="-285750" algn="l" defTabSz="914400" rtl="0" eaLnBrk="1" latinLnBrk="0" hangingPunct="1">
+              <a:spcBef>
+                <a:spcPct val="20000"/>
+              </a:spcBef>
+              <a:buFont typeface="Arial" pitchFamily="34" charset="0"/>
+              <a:buChar char="–"/>
+              <a:defRPr sz="2800" kern="1200">
+                <a:solidFill>
+                  <a:schemeClr val="tx1"/>
+                </a:solidFill>
+                <a:latin typeface="+mn-lt"/>
+                <a:ea typeface="+mn-ea"/>
+                <a:cs typeface="+mn-cs"/>
+              </a:defRPr>
+            </a:lvl2pPr>
+            <a:lvl3pPr marL="1143000" indent="-228600" algn="l" defTabSz="914400" rtl="0" eaLnBrk="1" latinLnBrk="0" hangingPunct="1">
+              <a:spcBef>
+                <a:spcPct val="20000"/>
+              </a:spcBef>
+              <a:buFont typeface="Arial" pitchFamily="34" charset="0"/>
+              <a:buChar char="•"/>
+              <a:defRPr sz="2400" kern="1200">
+                <a:solidFill>
+                  <a:schemeClr val="tx1"/>
+                </a:solidFill>
+                <a:latin typeface="+mn-lt"/>
+                <a:ea typeface="+mn-ea"/>
+                <a:cs typeface="+mn-cs"/>
+              </a:defRPr>
+            </a:lvl3pPr>
+            <a:lvl4pPr marL="1600200" indent="-228600" algn="l" defTabSz="914400" rtl="0" eaLnBrk="1" latinLnBrk="0" hangingPunct="1">
+              <a:spcBef>
+                <a:spcPct val="20000"/>
+              </a:spcBef>
+              <a:buFont typeface="Arial" pitchFamily="34" charset="0"/>
+              <a:buChar char="–"/>
+              <a:defRPr sz="2000" kern="1200">
+                <a:solidFill>
+                  <a:schemeClr val="tx1"/>
+                </a:solidFill>
+                <a:latin typeface="+mn-lt"/>
+                <a:ea typeface="+mn-ea"/>
+                <a:cs typeface="+mn-cs"/>
+              </a:defRPr>
+            </a:lvl4pPr>
+            <a:lvl5pPr marL="2057400" indent="-228600" algn="l" defTabSz="914400" rtl="0" eaLnBrk="1" latinLnBrk="0" hangingPunct="1">
+              <a:spcBef>
+                <a:spcPct val="20000"/>
+              </a:spcBef>
+              <a:buFont typeface="Arial" pitchFamily="34" charset="0"/>
+              <a:buChar char="»"/>
+              <a:defRPr sz="2000" kern="1200">
+                <a:solidFill>
+                  <a:schemeClr val="tx1"/>
+                </a:solidFill>
+                <a:latin typeface="+mn-lt"/>
+                <a:ea typeface="+mn-ea"/>
+                <a:cs typeface="+mn-cs"/>
+              </a:defRPr>
+            </a:lvl5pPr>
+            <a:lvl6pPr marL="2514600" indent="-228600" algn="l" defTabSz="914400" rtl="0" eaLnBrk="1" latinLnBrk="0" hangingPunct="1">
+              <a:spcBef>
+                <a:spcPct val="20000"/>
+              </a:spcBef>
+              <a:buFont typeface="Arial" pitchFamily="34" charset="0"/>
+              <a:buChar char="•"/>
+              <a:defRPr sz="2000" kern="1200">
+                <a:solidFill>
+                  <a:schemeClr val="tx1"/>
+                </a:solidFill>
+                <a:latin typeface="+mn-lt"/>
+                <a:ea typeface="+mn-ea"/>
+                <a:cs typeface="+mn-cs"/>
+              </a:defRPr>
+            </a:lvl6pPr>
+            <a:lvl7pPr marL="2971800" indent="-228600" algn="l" defTabSz="914400" rtl="0" eaLnBrk="1" latinLnBrk="0" hangingPunct="1">
+              <a:spcBef>
+                <a:spcPct val="20000"/>
+              </a:spcBef>
+              <a:buFont typeface="Arial" pitchFamily="34" charset="0"/>
+              <a:buChar char="•"/>
+              <a:defRPr sz="2000" kern="1200">
+                <a:solidFill>
+                  <a:schemeClr val="tx1"/>
+                </a:solidFill>
+                <a:latin typeface="+mn-lt"/>
+                <a:ea typeface="+mn-ea"/>
+                <a:cs typeface="+mn-cs"/>
+              </a:defRPr>
+            </a:lvl7pPr>
+            <a:lvl8pPr marL="3429000" indent="-228600" algn="l" defTabSz="914400" rtl="0" eaLnBrk="1" latinLnBrk="0" hangingPunct="1">
+              <a:spcBef>
+                <a:spcPct val="20000"/>
+              </a:spcBef>
+              <a:buFont typeface="Arial" pitchFamily="34" charset="0"/>
+              <a:buChar char="•"/>
+              <a:defRPr sz="2000" kern="1200">
+                <a:solidFill>
+                  <a:schemeClr val="tx1"/>
+                </a:solidFill>
+                <a:latin typeface="+mn-lt"/>
+                <a:ea typeface="+mn-ea"/>
+                <a:cs typeface="+mn-cs"/>
+              </a:defRPr>
+            </a:lvl8pPr>
+            <a:lvl9pPr marL="3886200" indent="-228600" algn="l" defTabSz="914400" rtl="0" eaLnBrk="1" latinLnBrk="0" hangingPunct="1">
+              <a:spcBef>
+                <a:spcPct val="20000"/>
+              </a:spcBef>
+              <a:buFont typeface="Arial" pitchFamily="34" charset="0"/>
+              <a:buChar char="•"/>
+              <a:defRPr sz="2000" kern="1200">
+                <a:solidFill>
+                  <a:schemeClr val="tx1"/>
+                </a:solidFill>
+                <a:latin typeface="+mn-lt"/>
+                <a:ea typeface="+mn-ea"/>
+                <a:cs typeface="+mn-cs"/>
+              </a:defRPr>
+            </a:lvl9pPr>
+          </a:lstStyle>
           <a:p>
             <a:pPr marL="0" indent="0">
+              <a:buFont typeface="Arial" pitchFamily="34" charset="0"/>
               <a:buNone/>
             </a:pPr>
-            <a:endParaRPr lang="ru-RU" dirty="0"/>
-          </a:p>
-          <a:p>
-            <a:pPr marL="0" indent="0">
-              <a:buNone/>
-            </a:pPr>
-            <a:r>
-              <a:rPr lang="en-US" sz="1600" dirty="0" err="1">
+            <a:r>
+              <a:rPr lang="ru-RU" sz="2800" dirty="0"/>
+              <a:t>п</a:t>
+            </a:r>
+            <a:r>
+              <a:rPr lang="ru-RU" sz="2800" dirty="0" smtClean="0"/>
+              <a:t>реобразуется компилятором в (один из вариантов):</a:t>
+            </a:r>
+            <a:endParaRPr lang="ru-RU" sz="2800" dirty="0"/>
+          </a:p>
+        </p:txBody>
+      </p:sp>
+      <p:sp>
+        <p:nvSpPr>
+          <p:cNvPr id="9" name="Rectangle 8"/>
+          <p:cNvSpPr/>
+          <p:nvPr/>
+        </p:nvSpPr>
+        <p:spPr>
+          <a:xfrm>
+            <a:off x="457200" y="3457599"/>
+            <a:ext cx="8229600" cy="2893100"/>
+          </a:xfrm>
+          <a:prstGeom prst="rect">
+            <a:avLst/>
+          </a:prstGeom>
+          <a:solidFill>
+            <a:schemeClr val="bg1"/>
+          </a:solidFill>
+        </p:spPr>
+        <p:txBody>
+          <a:bodyPr wrap="square">
+            <a:spAutoFit/>
+          </a:bodyPr>
+          <a:lstStyle/>
+          <a:p>
+            <a:r>
+              <a:rPr lang="en-US" sz="1400" dirty="0">
+                <a:solidFill>
+                  <a:srgbClr val="000000"/>
+                </a:solidFill>
                 <a:latin typeface="Consolas" panose="020B0609020204030204" pitchFamily="49" charset="0"/>
-                <a:cs typeface="Consolas" panose="020B0609020204030204" pitchFamily="49" charset="0"/>
               </a:rPr>
-              <a:t>GCSettings.LargeObjectHeapCompactionMode</a:t>
-            </a:r>
-            <a:r>
-              <a:rPr lang="en-US" sz="1600" dirty="0">
+              <a:t>E enumerator = (collection).GetEnumerator();</a:t>
+            </a:r>
+          </a:p>
+          <a:p>
+            <a:r>
+              <a:rPr lang="en-US" sz="1400" dirty="0">
+                <a:solidFill>
+                  <a:srgbClr val="0000FF"/>
+                </a:solidFill>
                 <a:latin typeface="Consolas" panose="020B0609020204030204" pitchFamily="49" charset="0"/>
-                <a:cs typeface="Consolas" panose="020B0609020204030204" pitchFamily="49" charset="0"/>
               </a:rPr>
-              <a:t> </a:t>
-            </a:r>
-            <a:r>
-              <a:rPr lang="en-US" sz="1600" dirty="0" smtClean="0">
+              <a:t>try</a:t>
+            </a:r>
+            <a:endParaRPr lang="en-US" sz="1400" dirty="0">
+              <a:solidFill>
+                <a:srgbClr val="000000"/>
+              </a:solidFill>
+              <a:latin typeface="Consolas" panose="020B0609020204030204" pitchFamily="49" charset="0"/>
+            </a:endParaRPr>
+          </a:p>
+          <a:p>
+            <a:r>
+              <a:rPr lang="ru-RU" sz="1400" dirty="0">
+                <a:solidFill>
+                  <a:srgbClr val="000000"/>
+                </a:solidFill>
                 <a:latin typeface="Consolas" panose="020B0609020204030204" pitchFamily="49" charset="0"/>
-                <a:cs typeface="Consolas" panose="020B0609020204030204" pitchFamily="49" charset="0"/>
               </a:rPr>
-              <a:t>=</a:t>
-            </a:r>
-            <a:br>
-              <a:rPr lang="en-US" sz="1600" dirty="0" smtClean="0">
+              <a:t>{</a:t>
+            </a:r>
+          </a:p>
+          <a:p>
+            <a:r>
+              <a:rPr lang="en-US" sz="1400" dirty="0">
+                <a:solidFill>
+                  <a:srgbClr val="000000"/>
+                </a:solidFill>
                 <a:latin typeface="Consolas" panose="020B0609020204030204" pitchFamily="49" charset="0"/>
-                <a:cs typeface="Consolas" panose="020B0609020204030204" pitchFamily="49" charset="0"/>
               </a:rPr>
-            </a:br>
-            <a:r>
-              <a:rPr lang="en-US" sz="1600" dirty="0" smtClean="0">
+              <a:t>    </a:t>
+            </a:r>
+            <a:r>
+              <a:rPr lang="en-US" sz="1400" dirty="0">
+                <a:solidFill>
+                  <a:srgbClr val="0000FF"/>
+                </a:solidFill>
                 <a:latin typeface="Consolas" panose="020B0609020204030204" pitchFamily="49" charset="0"/>
-                <a:cs typeface="Consolas" panose="020B0609020204030204" pitchFamily="49" charset="0"/>
               </a:rPr>
-              <a:t>              </a:t>
-            </a:r>
-            <a:r>
-              <a:rPr lang="en-US" sz="1600" dirty="0" err="1" smtClean="0">
+              <a:t>while</a:t>
+            </a:r>
+            <a:r>
+              <a:rPr lang="en-US" sz="1400" dirty="0">
+                <a:solidFill>
+                  <a:srgbClr val="000000"/>
+                </a:solidFill>
                 <a:latin typeface="Consolas" panose="020B0609020204030204" pitchFamily="49" charset="0"/>
-                <a:cs typeface="Consolas" panose="020B0609020204030204" pitchFamily="49" charset="0"/>
               </a:rPr>
-              <a:t>GCLargeObjectHeapCompactionMode.CompactOnce</a:t>
-            </a:r>
-            <a:r>
-              <a:rPr lang="en-US" sz="1600" dirty="0" smtClean="0">
+              <a:t> (enumerator.MoveNext())</a:t>
+            </a:r>
+          </a:p>
+          <a:p>
+            <a:r>
+              <a:rPr lang="ru-RU" sz="1400" dirty="0">
+                <a:solidFill>
+                  <a:srgbClr val="000000"/>
+                </a:solidFill>
                 <a:latin typeface="Consolas" panose="020B0609020204030204" pitchFamily="49" charset="0"/>
-                <a:cs typeface="Consolas" panose="020B0609020204030204" pitchFamily="49" charset="0"/>
               </a:rPr>
-              <a:t>;</a:t>
-            </a:r>
-            <a:r>
-              <a:rPr lang="ru-RU" sz="1600" dirty="0" smtClean="0">
+              <a:t>    {</a:t>
+            </a:r>
+          </a:p>
+          <a:p>
+            <a:r>
+              <a:rPr lang="en-US" sz="1400" dirty="0">
+                <a:solidFill>
+                  <a:srgbClr val="000000"/>
+                </a:solidFill>
                 <a:latin typeface="Consolas" panose="020B0609020204030204" pitchFamily="49" charset="0"/>
-                <a:cs typeface="Consolas" panose="020B0609020204030204" pitchFamily="49" charset="0"/>
               </a:rPr>
-              <a:t/>
-            </a:r>
-            <a:br>
-              <a:rPr lang="ru-RU" sz="1600" dirty="0" smtClean="0">
+              <a:t>        ElementType element = (ElementType)enumerator.Current;</a:t>
+            </a:r>
+          </a:p>
+          <a:p>
+            <a:r>
+              <a:rPr lang="en-US" sz="1400" dirty="0">
+                <a:solidFill>
+                  <a:srgbClr val="000000"/>
+                </a:solidFill>
                 <a:latin typeface="Consolas" panose="020B0609020204030204" pitchFamily="49" charset="0"/>
-                <a:cs typeface="Consolas" panose="020B0609020204030204" pitchFamily="49" charset="0"/>
               </a:rPr>
-            </a:br>
-            <a:r>
-              <a:rPr lang="en-US" sz="1600" dirty="0" err="1" smtClean="0">
+              <a:t>        statement;</a:t>
+            </a:r>
+          </a:p>
+          <a:p>
+            <a:r>
+              <a:rPr lang="ru-RU" sz="1400" dirty="0">
+                <a:solidFill>
+                  <a:srgbClr val="000000"/>
+                </a:solidFill>
                 <a:latin typeface="Consolas" panose="020B0609020204030204" pitchFamily="49" charset="0"/>
-                <a:cs typeface="Consolas" panose="020B0609020204030204" pitchFamily="49" charset="0"/>
               </a:rPr>
-              <a:t>GC.Collect</a:t>
-            </a:r>
-            <a:r>
-              <a:rPr lang="en-US" sz="1600" dirty="0" smtClean="0">
+              <a:t>    }</a:t>
+            </a:r>
+          </a:p>
+          <a:p>
+            <a:r>
+              <a:rPr lang="ru-RU" sz="1400" dirty="0">
+                <a:solidFill>
+                  <a:srgbClr val="000000"/>
+                </a:solidFill>
                 <a:latin typeface="Consolas" panose="020B0609020204030204" pitchFamily="49" charset="0"/>
-                <a:cs typeface="Consolas" panose="020B0609020204030204" pitchFamily="49" charset="0"/>
               </a:rPr>
-              <a:t>();</a:t>
-            </a:r>
-            <a:endParaRPr lang="ru-RU" sz="1600" dirty="0" smtClean="0">
+              <a:t>}</a:t>
+            </a:r>
+          </a:p>
+          <a:p>
+            <a:r>
+              <a:rPr lang="en-US" sz="1400" dirty="0">
+                <a:solidFill>
+                  <a:srgbClr val="0000FF"/>
+                </a:solidFill>
+                <a:latin typeface="Consolas" panose="020B0609020204030204" pitchFamily="49" charset="0"/>
+              </a:rPr>
+              <a:t>finally</a:t>
+            </a:r>
+            <a:endParaRPr lang="en-US" sz="1400" dirty="0">
+              <a:solidFill>
+                <a:srgbClr val="000000"/>
+              </a:solidFill>
               <a:latin typeface="Consolas" panose="020B0609020204030204" pitchFamily="49" charset="0"/>
-              <a:cs typeface="Consolas" panose="020B0609020204030204" pitchFamily="49" charset="0"/>
             </a:endParaRPr>
           </a:p>
           <a:p>
-            <a:pPr marL="0" indent="0">
-              <a:buNone/>
-            </a:pPr>
-            <a:endParaRPr lang="ru-RU" dirty="0"/>
-          </a:p>
-          <a:p>
-            <a:pPr marL="0" indent="0">
-              <a:buNone/>
-            </a:pPr>
-            <a:r>
-              <a:rPr lang="ru-RU" dirty="0" smtClean="0"/>
-              <a:t>После полной сборки мусора свойство </a:t>
-            </a:r>
-            <a:r>
-              <a:rPr lang="en-US" dirty="0" err="1" smtClean="0"/>
-              <a:t>LargeObjectHeapCompactionMode</a:t>
-            </a:r>
-            <a:r>
-              <a:rPr lang="ru-RU" dirty="0" smtClean="0"/>
-              <a:t> принимает значение </a:t>
-            </a:r>
-            <a:r>
-              <a:rPr lang="en-US" dirty="0" smtClean="0"/>
-              <a:t>Default.</a:t>
-            </a:r>
-            <a:endParaRPr lang="ru-RU" dirty="0"/>
+            <a:r>
+              <a:rPr lang="ru-RU" sz="1400" dirty="0">
+                <a:solidFill>
+                  <a:srgbClr val="000000"/>
+                </a:solidFill>
+                <a:latin typeface="Consolas" panose="020B0609020204030204" pitchFamily="49" charset="0"/>
+              </a:rPr>
+              <a:t>{</a:t>
+            </a:r>
+          </a:p>
+          <a:p>
+            <a:r>
+              <a:rPr lang="en-US" sz="1400" dirty="0" smtClean="0">
+                <a:solidFill>
+                  <a:srgbClr val="000000"/>
+                </a:solidFill>
+                <a:latin typeface="Consolas" panose="020B0609020204030204" pitchFamily="49" charset="0"/>
+              </a:rPr>
+              <a:t>    </a:t>
+            </a:r>
+            <a:r>
+              <a:rPr lang="en-US" sz="1400" dirty="0" smtClean="0">
+                <a:solidFill>
+                  <a:srgbClr val="0000FF"/>
+                </a:solidFill>
+                <a:latin typeface="Consolas" panose="020B0609020204030204" pitchFamily="49" charset="0"/>
+              </a:rPr>
+              <a:t>if</a:t>
+            </a:r>
+            <a:r>
+              <a:rPr lang="en-US" sz="1400" dirty="0" smtClean="0">
+                <a:solidFill>
+                  <a:srgbClr val="000000"/>
+                </a:solidFill>
+                <a:latin typeface="Consolas" panose="020B0609020204030204" pitchFamily="49" charset="0"/>
+              </a:rPr>
+              <a:t> (enumerator != </a:t>
+            </a:r>
+            <a:r>
+              <a:rPr lang="en-US" sz="1400" dirty="0" smtClean="0">
+                <a:solidFill>
+                  <a:srgbClr val="0000FF"/>
+                </a:solidFill>
+                <a:latin typeface="Consolas" panose="020B0609020204030204" pitchFamily="49" charset="0"/>
+              </a:rPr>
+              <a:t>null</a:t>
+            </a:r>
+            <a:r>
+              <a:rPr lang="en-US" sz="1400" dirty="0" smtClean="0">
+                <a:solidFill>
+                  <a:srgbClr val="000000"/>
+                </a:solidFill>
+                <a:latin typeface="Consolas" panose="020B0609020204030204" pitchFamily="49" charset="0"/>
+              </a:rPr>
+              <a:t>) (</a:t>
+            </a:r>
+            <a:r>
+              <a:rPr lang="ru-RU" sz="1400" dirty="0" smtClean="0">
+                <a:solidFill>
+                  <a:srgbClr val="000000"/>
+                </a:solidFill>
+                <a:latin typeface="Consolas" panose="020B0609020204030204" pitchFamily="49" charset="0"/>
+              </a:rPr>
+              <a:t>(</a:t>
+            </a:r>
+            <a:r>
+              <a:rPr lang="en-US" sz="1400" dirty="0" smtClean="0">
+                <a:solidFill>
+                  <a:srgbClr val="000000"/>
+                </a:solidFill>
+                <a:latin typeface="Consolas" panose="020B0609020204030204" pitchFamily="49" charset="0"/>
+              </a:rPr>
+              <a:t>System.</a:t>
+            </a:r>
+            <a:r>
+              <a:rPr lang="en-US" sz="1400" dirty="0" smtClean="0">
+                <a:solidFill>
+                  <a:srgbClr val="2B91AF"/>
+                </a:solidFill>
+                <a:latin typeface="Consolas" panose="020B0609020204030204" pitchFamily="49" charset="0"/>
+              </a:rPr>
+              <a:t>IDisposable</a:t>
+            </a:r>
+            <a:r>
+              <a:rPr lang="ru-RU" sz="1400" dirty="0" smtClean="0">
+                <a:solidFill>
+                  <a:srgbClr val="000000"/>
+                </a:solidFill>
+                <a:latin typeface="Consolas" panose="020B0609020204030204" pitchFamily="49" charset="0"/>
+              </a:rPr>
+              <a:t>)</a:t>
+            </a:r>
+            <a:r>
+              <a:rPr lang="en-US" sz="1400" dirty="0" smtClean="0">
+                <a:solidFill>
+                  <a:srgbClr val="000000"/>
+                </a:solidFill>
+                <a:latin typeface="Consolas" panose="020B0609020204030204" pitchFamily="49" charset="0"/>
+              </a:rPr>
+              <a:t> enumerator).Dispose();</a:t>
+            </a:r>
+          </a:p>
+          <a:p>
+            <a:r>
+              <a:rPr lang="ru-RU" sz="1400" dirty="0" smtClean="0">
+                <a:solidFill>
+                  <a:srgbClr val="000000"/>
+                </a:solidFill>
+                <a:latin typeface="Consolas" panose="020B0609020204030204" pitchFamily="49" charset="0"/>
+              </a:rPr>
+              <a:t>}</a:t>
+            </a:r>
+            <a:endParaRPr lang="ru-RU" sz="1400" dirty="0"/>
+          </a:p>
+        </p:txBody>
+      </p:sp>
+      <p:sp>
+        <p:nvSpPr>
+          <p:cNvPr id="10" name="TextBox 9"/>
+          <p:cNvSpPr txBox="1"/>
+          <p:nvPr/>
+        </p:nvSpPr>
+        <p:spPr>
+          <a:xfrm>
+            <a:off x="457200" y="6453336"/>
+            <a:ext cx="8229600" cy="307777"/>
+          </a:xfrm>
+          <a:prstGeom prst="rect">
+            <a:avLst/>
+          </a:prstGeom>
+          <a:noFill/>
+        </p:spPr>
+        <p:txBody>
+          <a:bodyPr wrap="square" rtlCol="0">
+            <a:spAutoFit/>
+          </a:bodyPr>
+          <a:lstStyle/>
+          <a:p>
+            <a:r>
+              <a:rPr lang="ru-RU" sz="1400" dirty="0" smtClean="0">
+                <a:solidFill>
+                  <a:srgbClr val="FFFF00"/>
+                </a:solidFill>
+              </a:rPr>
+              <a:t>Подробности см. в спецификации </a:t>
+            </a:r>
+            <a:r>
+              <a:rPr lang="en-US" sz="1400" dirty="0" smtClean="0">
+                <a:solidFill>
+                  <a:srgbClr val="FFFF00"/>
+                </a:solidFill>
+              </a:rPr>
+              <a:t>C# </a:t>
+            </a:r>
+            <a:r>
+              <a:rPr lang="ru-RU" sz="1400" dirty="0" smtClean="0">
+                <a:solidFill>
+                  <a:srgbClr val="FFFF00"/>
+                </a:solidFill>
+              </a:rPr>
+              <a:t>- §8</a:t>
+            </a:r>
+            <a:r>
+              <a:rPr lang="en-US" sz="1400" dirty="0" smtClean="0">
+                <a:solidFill>
+                  <a:srgbClr val="FFFF00"/>
+                </a:solidFill>
+              </a:rPr>
+              <a:t>.8.4 The foreach statement</a:t>
+            </a:r>
+            <a:endParaRPr lang="ru-RU" sz="1400" dirty="0" smtClean="0">
+              <a:solidFill>
+                <a:srgbClr val="FFFF00"/>
+              </a:solidFill>
+            </a:endParaRPr>
           </a:p>
         </p:txBody>
       </p:sp>
     </p:spTree>
     <p:extLst>
       <p:ext uri="{BB962C8B-B14F-4D97-AF65-F5344CB8AC3E}">
-        <p14:creationId xmlns:p14="http://schemas.microsoft.com/office/powerpoint/2010/main" val="4119858216"/>
+        <p14:creationId xmlns:p14="http://schemas.microsoft.com/office/powerpoint/2010/main" val="202138129"/>
       </p:ext>
     </p:extLst>
   </p:cSld>
@@ -11405,16 +11953,21 @@
         </p:nvSpPr>
         <p:spPr/>
         <p:txBody>
-          <a:bodyPr/>
+          <a:bodyPr>
+            <a:normAutofit fontScale="90000"/>
+          </a:bodyPr>
           <a:lstStyle/>
           <a:p>
             <a:r>
               <a:rPr lang="ru-RU" dirty="0" smtClean="0"/>
-              <a:t>Временный запрет </a:t>
-            </a:r>
+              <a:t>Куча для больших объектов</a:t>
+            </a:r>
+            <a:br>
+              <a:rPr lang="ru-RU" dirty="0" smtClean="0"/>
+            </a:br>
             <a:r>
               <a:rPr lang="en-US" dirty="0" smtClean="0"/>
-              <a:t>GC (.NET 4.6+)</a:t>
+              <a:t>(Large Object Heap – LOH)</a:t>
             </a:r>
             <a:endParaRPr lang="ru-RU" dirty="0"/>
           </a:p>
@@ -11432,67 +11985,26 @@
         </p:nvSpPr>
         <p:spPr/>
         <p:txBody>
-          <a:bodyPr/>
+          <a:bodyPr>
+            <a:normAutofit fontScale="92500" lnSpcReduction="10000"/>
+          </a:bodyPr>
           <a:lstStyle/>
           <a:p>
-            <a:pPr marL="0" indent="0">
-              <a:buNone/>
-            </a:pPr>
             <a:r>
               <a:rPr lang="ru-RU" dirty="0" smtClean="0"/>
-              <a:t>В </a:t>
-            </a:r>
-            <a:r>
-              <a:rPr lang="en-US" dirty="0" smtClean="0"/>
-              <a:t>.NET 4.6 </a:t>
-            </a:r>
+              <a:t>Объекты с размером примерно больше 85 килобайт находятся в отдельной куче</a:t>
+            </a:r>
+          </a:p>
+          <a:p>
             <a:r>
               <a:rPr lang="ru-RU" dirty="0" smtClean="0"/>
-              <a:t>были добавлены методы</a:t>
-            </a:r>
-            <a:endParaRPr lang="en-US" dirty="0" smtClean="0"/>
-          </a:p>
-          <a:p>
-            <a:r>
-              <a:rPr lang="en-US" dirty="0" err="1" smtClean="0"/>
-              <a:t>GC.TryStartNoGCRegion</a:t>
-            </a:r>
+              <a:t>Данная куча не дефрагментируется т.к. это бы создало большую нагрузку. Фрагментация может возникнуть при интенсивном использовании памяти (сотни мегабайт) и программа выделяет большие временные объекты.</a:t>
+            </a:r>
+          </a:p>
+          <a:p>
             <a:r>
               <a:rPr lang="ru-RU" dirty="0" smtClean="0"/>
-              <a:t>(</a:t>
-            </a:r>
-            <a:r>
-              <a:rPr lang="en-US" dirty="0" smtClean="0"/>
-              <a:t>long </a:t>
-            </a:r>
-            <a:r>
-              <a:rPr lang="en-US" dirty="0" err="1" smtClean="0"/>
-              <a:t>totalSize</a:t>
-            </a:r>
-            <a:r>
-              <a:rPr lang="ru-RU" dirty="0" smtClean="0"/>
-              <a:t>)</a:t>
-            </a:r>
-            <a:endParaRPr lang="en-US" dirty="0" smtClean="0"/>
-          </a:p>
-          <a:p>
-            <a:r>
-              <a:rPr lang="en-US" dirty="0" err="1" smtClean="0"/>
-              <a:t>GC.EndNoGCRegion</a:t>
-            </a:r>
-            <a:r>
-              <a:rPr lang="ru-RU" dirty="0" smtClean="0"/>
-              <a:t>()</a:t>
-            </a:r>
-            <a:endParaRPr lang="en-US" dirty="0" smtClean="0"/>
-          </a:p>
-          <a:p>
-            <a:pPr marL="0" indent="0">
-              <a:buNone/>
-            </a:pPr>
-            <a:r>
-              <a:rPr lang="ru-RU" dirty="0" smtClean="0"/>
-              <a:t>для временного запрета сборки мусора при условии наличия указанного объема памяти.</a:t>
+              <a:t>Объекты в данной куче считаются принадлежащими второму поколению</a:t>
             </a:r>
             <a:endParaRPr lang="ru-RU" dirty="0"/>
           </a:p>
@@ -11501,13 +12013,20 @@
     </p:spTree>
     <p:extLst>
       <p:ext uri="{BB962C8B-B14F-4D97-AF65-F5344CB8AC3E}">
-        <p14:creationId xmlns:p14="http://schemas.microsoft.com/office/powerpoint/2010/main" val="812672197"/>
+        <p14:creationId xmlns:p14="http://schemas.microsoft.com/office/powerpoint/2010/main" val="3103245170"/>
       </p:ext>
     </p:extLst>
   </p:cSld>
   <p:clrMapOvr>
     <a:masterClrMapping/>
   </p:clrMapOvr>
+  <p:timing>
+    <p:tnLst>
+      <p:par>
+        <p:cTn id="1" dur="indefinite" restart="never" nodeType="tmRoot"/>
+      </p:par>
+    </p:tnLst>
+  </p:timing>
 </p:sld>
 </file>
 
@@ -11540,24 +12059,33 @@
         </p:nvSpPr>
         <p:spPr/>
         <p:txBody>
-          <a:bodyPr/>
+          <a:bodyPr>
+            <a:normAutofit fontScale="90000"/>
+          </a:bodyPr>
           <a:lstStyle/>
           <a:p>
             <a:r>
+              <a:rPr lang="en-US" dirty="0" smtClean="0"/>
+              <a:t>Large Object Heap </a:t>
+            </a:r>
+            <a:r>
               <a:rPr lang="ru-RU" dirty="0" smtClean="0"/>
-              <a:t>Конфигурация </a:t>
+              <a:t>в </a:t>
             </a:r>
             <a:r>
               <a:rPr lang="en-US" dirty="0" smtClean="0"/>
-              <a:t>Debug </a:t>
+              <a:t>.NET 4.5.1</a:t>
             </a:r>
             <a:r>
               <a:rPr lang="ru-RU" dirty="0" smtClean="0"/>
-              <a:t>и </a:t>
-            </a:r>
-            <a:r>
-              <a:rPr lang="en-US" dirty="0" smtClean="0"/>
-              <a:t>GC</a:t>
+              <a:t/>
+            </a:r>
+            <a:br>
+              <a:rPr lang="ru-RU" dirty="0" smtClean="0"/>
+            </a:br>
+            <a:r>
+              <a:rPr lang="ru-RU" dirty="0" smtClean="0"/>
+              <a:t>и выше</a:t>
             </a:r>
             <a:endParaRPr lang="ru-RU" dirty="0"/>
           </a:p>
@@ -11575,7 +12103,9 @@
         </p:nvSpPr>
         <p:spPr/>
         <p:txBody>
-          <a:bodyPr/>
+          <a:bodyPr>
+            <a:normAutofit lnSpcReduction="10000"/>
+          </a:bodyPr>
           <a:lstStyle/>
           <a:p>
             <a:pPr marL="0" indent="0">
@@ -11583,35 +12113,132 @@
             </a:pPr>
             <a:r>
               <a:rPr lang="ru-RU" dirty="0" smtClean="0"/>
-              <a:t>При компиляции проекта в конфигурации </a:t>
+              <a:t>Добавлена возможность дефрагментации </a:t>
             </a:r>
             <a:r>
               <a:rPr lang="en-US" dirty="0" smtClean="0"/>
-              <a:t>Debug </a:t>
+              <a:t>LOH </a:t>
             </a:r>
             <a:r>
               <a:rPr lang="ru-RU" dirty="0" smtClean="0"/>
-              <a:t>к сборке добавляется атрибут </a:t>
+              <a:t>по запросу.</a:t>
+            </a:r>
+          </a:p>
+          <a:p>
+            <a:pPr marL="0" indent="0">
+              <a:buNone/>
+            </a:pPr>
+            <a:endParaRPr lang="ru-RU" dirty="0"/>
+          </a:p>
+          <a:p>
+            <a:pPr marL="0" indent="0">
+              <a:buNone/>
+            </a:pPr>
+            <a:r>
+              <a:rPr lang="en-US" sz="1600" dirty="0" err="1">
+                <a:latin typeface="Consolas" panose="020B0609020204030204" pitchFamily="49" charset="0"/>
+                <a:cs typeface="Consolas" panose="020B0609020204030204" pitchFamily="49" charset="0"/>
+              </a:rPr>
+              <a:t>GCSettings.LargeObjectHeapCompactionMode</a:t>
+            </a:r>
+            <a:r>
+              <a:rPr lang="en-US" sz="1600" dirty="0">
+                <a:latin typeface="Consolas" panose="020B0609020204030204" pitchFamily="49" charset="0"/>
+                <a:cs typeface="Consolas" panose="020B0609020204030204" pitchFamily="49" charset="0"/>
+              </a:rPr>
+              <a:t> </a:t>
+            </a:r>
+            <a:r>
+              <a:rPr lang="en-US" sz="1600" dirty="0" smtClean="0">
+                <a:latin typeface="Consolas" panose="020B0609020204030204" pitchFamily="49" charset="0"/>
+                <a:cs typeface="Consolas" panose="020B0609020204030204" pitchFamily="49" charset="0"/>
+              </a:rPr>
+              <a:t>=</a:t>
+            </a:r>
+            <a:br>
+              <a:rPr lang="en-US" sz="1600" dirty="0" smtClean="0">
+                <a:latin typeface="Consolas" panose="020B0609020204030204" pitchFamily="49" charset="0"/>
+                <a:cs typeface="Consolas" panose="020B0609020204030204" pitchFamily="49" charset="0"/>
+              </a:rPr>
+            </a:br>
+            <a:r>
+              <a:rPr lang="en-US" sz="1600" dirty="0" smtClean="0">
+                <a:latin typeface="Consolas" panose="020B0609020204030204" pitchFamily="49" charset="0"/>
+                <a:cs typeface="Consolas" panose="020B0609020204030204" pitchFamily="49" charset="0"/>
+              </a:rPr>
+              <a:t>              </a:t>
+            </a:r>
+            <a:r>
+              <a:rPr lang="en-US" sz="1600" dirty="0" err="1" smtClean="0">
+                <a:latin typeface="Consolas" panose="020B0609020204030204" pitchFamily="49" charset="0"/>
+                <a:cs typeface="Consolas" panose="020B0609020204030204" pitchFamily="49" charset="0"/>
+              </a:rPr>
+              <a:t>GCLargeObjectHeapCompactionMode.CompactOnce</a:t>
+            </a:r>
+            <a:r>
+              <a:rPr lang="en-US" sz="1600" dirty="0" smtClean="0">
+                <a:latin typeface="Consolas" panose="020B0609020204030204" pitchFamily="49" charset="0"/>
+                <a:cs typeface="Consolas" panose="020B0609020204030204" pitchFamily="49" charset="0"/>
+              </a:rPr>
+              <a:t>;</a:t>
+            </a:r>
+            <a:r>
+              <a:rPr lang="ru-RU" sz="1600" dirty="0" smtClean="0">
+                <a:latin typeface="Consolas" panose="020B0609020204030204" pitchFamily="49" charset="0"/>
+                <a:cs typeface="Consolas" panose="020B0609020204030204" pitchFamily="49" charset="0"/>
+              </a:rPr>
+              <a:t/>
+            </a:r>
+            <a:br>
+              <a:rPr lang="ru-RU" sz="1600" dirty="0" smtClean="0">
+                <a:latin typeface="Consolas" panose="020B0609020204030204" pitchFamily="49" charset="0"/>
+                <a:cs typeface="Consolas" panose="020B0609020204030204" pitchFamily="49" charset="0"/>
+              </a:rPr>
+            </a:br>
+            <a:r>
+              <a:rPr lang="en-US" sz="1600" dirty="0" err="1" smtClean="0">
+                <a:latin typeface="Consolas" panose="020B0609020204030204" pitchFamily="49" charset="0"/>
+                <a:cs typeface="Consolas" panose="020B0609020204030204" pitchFamily="49" charset="0"/>
+              </a:rPr>
+              <a:t>GC.Collect</a:t>
+            </a:r>
+            <a:r>
+              <a:rPr lang="en-US" sz="1600" dirty="0" smtClean="0">
+                <a:latin typeface="Consolas" panose="020B0609020204030204" pitchFamily="49" charset="0"/>
+                <a:cs typeface="Consolas" panose="020B0609020204030204" pitchFamily="49" charset="0"/>
+              </a:rPr>
+              <a:t>();</a:t>
+            </a:r>
+            <a:endParaRPr lang="ru-RU" sz="1600" dirty="0" smtClean="0">
+              <a:latin typeface="Consolas" panose="020B0609020204030204" pitchFamily="49" charset="0"/>
+              <a:cs typeface="Consolas" panose="020B0609020204030204" pitchFamily="49" charset="0"/>
+            </a:endParaRPr>
+          </a:p>
+          <a:p>
+            <a:pPr marL="0" indent="0">
+              <a:buNone/>
+            </a:pPr>
+            <a:endParaRPr lang="ru-RU" dirty="0"/>
+          </a:p>
+          <a:p>
+            <a:pPr marL="0" indent="0">
+              <a:buNone/>
+            </a:pPr>
+            <a:r>
+              <a:rPr lang="ru-RU" dirty="0" smtClean="0"/>
+              <a:t>После полной сборки мусора свойство </a:t>
             </a:r>
             <a:r>
               <a:rPr lang="en-US" dirty="0" err="1" smtClean="0"/>
-              <a:t>DebuggableAttribute</a:t>
+              <a:t>LargeObjectHeapCompactionMode</a:t>
             </a:r>
             <a:r>
               <a:rPr lang="ru-RU" dirty="0" smtClean="0"/>
-              <a:t>	который дает команду </a:t>
+              <a:t> принимает значение </a:t>
             </a:r>
             <a:r>
               <a:rPr lang="en-US" dirty="0" smtClean="0"/>
-              <a:t>GC </a:t>
-            </a:r>
-            <a:r>
-              <a:rPr lang="ru-RU" dirty="0" smtClean="0"/>
-              <a:t>исскуственно продлевать время жизни локальных переменных до завершения метода. </a:t>
-            </a:r>
-            <a:r>
-              <a:rPr lang="ru-RU" smtClean="0"/>
-              <a:t>Это сделано чтобы программист мог без помех заниматься отладкой.</a:t>
+              <a:t>Default.</a:t>
             </a:r>
             <a:endParaRPr lang="ru-RU" dirty="0"/>
           </a:p>
@@ -11620,7 +12247,7 @@
     </p:spTree>
     <p:extLst>
       <p:ext uri="{BB962C8B-B14F-4D97-AF65-F5344CB8AC3E}">
-        <p14:creationId xmlns:p14="http://schemas.microsoft.com/office/powerpoint/2010/main" val="1960211568"/>
+        <p14:creationId xmlns:p14="http://schemas.microsoft.com/office/powerpoint/2010/main" val="4119858216"/>
       </p:ext>
     </p:extLst>
   </p:cSld>
@@ -11661,7 +12288,7 @@
             <a:spLocks noGrp="1"/>
           </p:cNvSpPr>
           <p:nvPr>
-            <p:ph type="ctrTitle"/>
+            <p:ph type="title"/>
           </p:nvPr>
         </p:nvSpPr>
         <p:spPr/>
@@ -11671,7 +12298,11 @@
           <a:p>
             <a:r>
               <a:rPr lang="ru-RU" dirty="0" smtClean="0"/>
-              <a:t>Эффективная работа с памятью</a:t>
+              <a:t>Временный запрет </a:t>
+            </a:r>
+            <a:r>
+              <a:rPr lang="en-US" dirty="0" smtClean="0"/>
+              <a:t>GC (.NET 4.6+)</a:t>
             </a:r>
             <a:endParaRPr lang="ru-RU" dirty="0"/>
           </a:p>
@@ -11679,12 +12310,12 @@
       </p:sp>
       <p:sp>
         <p:nvSpPr>
-          <p:cNvPr id="3" name="Subtitle 2"/>
+          <p:cNvPr id="3" name="Content Placeholder 2"/>
           <p:cNvSpPr>
             <a:spLocks noGrp="1"/>
           </p:cNvSpPr>
           <p:nvPr>
-            <p:ph type="subTitle" idx="1"/>
+            <p:ph idx="1"/>
           </p:nvPr>
         </p:nvSpPr>
         <p:spPr/>
@@ -11692,27 +12323,79 @@
           <a:bodyPr/>
           <a:lstStyle/>
           <a:p>
-            <a:endParaRPr lang="ru-RU"/>
+            <a:pPr marL="0" indent="0">
+              <a:buNone/>
+            </a:pPr>
+            <a:r>
+              <a:rPr lang="ru-RU" dirty="0" smtClean="0"/>
+              <a:t>В </a:t>
+            </a:r>
+            <a:r>
+              <a:rPr lang="en-US" dirty="0" smtClean="0"/>
+              <a:t>.NET 4.6 </a:t>
+            </a:r>
+            <a:r>
+              <a:rPr lang="ru-RU" dirty="0" smtClean="0"/>
+              <a:t>были добавлены методы</a:t>
+            </a:r>
+            <a:endParaRPr lang="en-US" dirty="0" smtClean="0"/>
+          </a:p>
+          <a:p>
+            <a:r>
+              <a:rPr lang="en-US" dirty="0" err="1" smtClean="0"/>
+              <a:t>GC.TryStartNoGCRegion</a:t>
+            </a:r>
+            <a:r>
+              <a:rPr lang="ru-RU" dirty="0" smtClean="0"/>
+              <a:t>(</a:t>
+            </a:r>
+            <a:r>
+              <a:rPr lang="en-US" dirty="0" smtClean="0"/>
+              <a:t>long </a:t>
+            </a:r>
+            <a:r>
+              <a:rPr lang="en-US" dirty="0" err="1" smtClean="0"/>
+              <a:t>totalSize</a:t>
+            </a:r>
+            <a:r>
+              <a:rPr lang="ru-RU" dirty="0" smtClean="0"/>
+              <a:t>)</a:t>
+            </a:r>
+            <a:endParaRPr lang="en-US" dirty="0" smtClean="0"/>
+          </a:p>
+          <a:p>
+            <a:r>
+              <a:rPr lang="en-US" dirty="0" err="1" smtClean="0"/>
+              <a:t>GC.EndNoGCRegion</a:t>
+            </a:r>
+            <a:r>
+              <a:rPr lang="ru-RU" dirty="0" smtClean="0"/>
+              <a:t>()</a:t>
+            </a:r>
+            <a:endParaRPr lang="en-US" dirty="0" smtClean="0"/>
+          </a:p>
+          <a:p>
+            <a:pPr marL="0" indent="0">
+              <a:buNone/>
+            </a:pPr>
+            <a:r>
+              <a:rPr lang="ru-RU" dirty="0" smtClean="0"/>
+              <a:t>для временного запрета сборки мусора при условии наличия указанного объема памяти.</a:t>
+            </a:r>
+            <a:endParaRPr lang="ru-RU" dirty="0"/>
           </a:p>
         </p:txBody>
       </p:sp>
     </p:spTree>
     <p:extLst>
       <p:ext uri="{BB962C8B-B14F-4D97-AF65-F5344CB8AC3E}">
-        <p14:creationId xmlns:p14="http://schemas.microsoft.com/office/powerpoint/2010/main" val="2886455791"/>
+        <p14:creationId xmlns:p14="http://schemas.microsoft.com/office/powerpoint/2010/main" val="812672197"/>
       </p:ext>
     </p:extLst>
   </p:cSld>
   <p:clrMapOvr>
     <a:masterClrMapping/>
   </p:clrMapOvr>
-  <p:timing>
-    <p:tnLst>
-      <p:par>
-        <p:cTn id="1" dur="indefinite" restart="never" nodeType="tmRoot"/>
-      </p:par>
-    </p:tnLst>
-  </p:timing>
 </p:sld>
 </file>
 
@@ -11745,6 +12428,211 @@
         </p:nvSpPr>
         <p:spPr/>
         <p:txBody>
+          <a:bodyPr/>
+          <a:lstStyle/>
+          <a:p>
+            <a:r>
+              <a:rPr lang="ru-RU" dirty="0" smtClean="0"/>
+              <a:t>Конфигурация </a:t>
+            </a:r>
+            <a:r>
+              <a:rPr lang="en-US" dirty="0" smtClean="0"/>
+              <a:t>Debug </a:t>
+            </a:r>
+            <a:r>
+              <a:rPr lang="ru-RU" dirty="0" smtClean="0"/>
+              <a:t>и </a:t>
+            </a:r>
+            <a:r>
+              <a:rPr lang="en-US" dirty="0" smtClean="0"/>
+              <a:t>GC</a:t>
+            </a:r>
+            <a:endParaRPr lang="ru-RU" dirty="0"/>
+          </a:p>
+        </p:txBody>
+      </p:sp>
+      <p:sp>
+        <p:nvSpPr>
+          <p:cNvPr id="3" name="Content Placeholder 2"/>
+          <p:cNvSpPr>
+            <a:spLocks noGrp="1"/>
+          </p:cNvSpPr>
+          <p:nvPr>
+            <p:ph idx="1"/>
+          </p:nvPr>
+        </p:nvSpPr>
+        <p:spPr/>
+        <p:txBody>
+          <a:bodyPr/>
+          <a:lstStyle/>
+          <a:p>
+            <a:pPr marL="0" indent="0">
+              <a:buNone/>
+            </a:pPr>
+            <a:r>
+              <a:rPr lang="ru-RU" dirty="0" smtClean="0"/>
+              <a:t>При компиляции проекта в конфигурации </a:t>
+            </a:r>
+            <a:r>
+              <a:rPr lang="en-US" dirty="0" smtClean="0"/>
+              <a:t>Debug </a:t>
+            </a:r>
+            <a:r>
+              <a:rPr lang="ru-RU" dirty="0" smtClean="0"/>
+              <a:t>к сборке добавляется атрибут </a:t>
+            </a:r>
+            <a:r>
+              <a:rPr lang="en-US" dirty="0" err="1" smtClean="0"/>
+              <a:t>DebuggableAttribute</a:t>
+            </a:r>
+            <a:r>
+              <a:rPr lang="ru-RU" dirty="0" smtClean="0"/>
+              <a:t>	который дает команду </a:t>
+            </a:r>
+            <a:r>
+              <a:rPr lang="en-US" dirty="0" smtClean="0"/>
+              <a:t>GC </a:t>
+            </a:r>
+            <a:r>
+              <a:rPr lang="ru-RU" dirty="0" smtClean="0"/>
+              <a:t>исскуственно продлевать время жизни локальных переменных до завершения метода. </a:t>
+            </a:r>
+            <a:r>
+              <a:rPr lang="ru-RU" smtClean="0"/>
+              <a:t>Это сделано чтобы программист мог без помех заниматься отладкой.</a:t>
+            </a:r>
+            <a:endParaRPr lang="ru-RU" dirty="0"/>
+          </a:p>
+        </p:txBody>
+      </p:sp>
+    </p:spTree>
+    <p:extLst>
+      <p:ext uri="{BB962C8B-B14F-4D97-AF65-F5344CB8AC3E}">
+        <p14:creationId xmlns:p14="http://schemas.microsoft.com/office/powerpoint/2010/main" val="1960211568"/>
+      </p:ext>
+    </p:extLst>
+  </p:cSld>
+  <p:clrMapOvr>
+    <a:masterClrMapping/>
+  </p:clrMapOvr>
+  <p:timing>
+    <p:tnLst>
+      <p:par>
+        <p:cTn id="1" dur="indefinite" restart="never" nodeType="tmRoot"/>
+      </p:par>
+    </p:tnLst>
+  </p:timing>
+</p:sld>
+</file>
+
+<file path=ppt/slides/slide26.xml><?xml version="1.0" encoding="utf-8"?>
+<p:sld xmlns:a="http://schemas.openxmlformats.org/drawingml/2006/main" xmlns:r="http://schemas.openxmlformats.org/officeDocument/2006/relationships" xmlns:p="http://schemas.openxmlformats.org/presentationml/2006/main">
+  <p:cSld>
+    <p:spTree>
+      <p:nvGrpSpPr>
+        <p:cNvPr id="1" name=""/>
+        <p:cNvGrpSpPr/>
+        <p:nvPr/>
+      </p:nvGrpSpPr>
+      <p:grpSpPr>
+        <a:xfrm>
+          <a:off x="0" y="0"/>
+          <a:ext cx="0" cy="0"/>
+          <a:chOff x="0" y="0"/>
+          <a:chExt cx="0" cy="0"/>
+        </a:xfrm>
+      </p:grpSpPr>
+      <p:sp>
+        <p:nvSpPr>
+          <p:cNvPr id="2" name="Title 1"/>
+          <p:cNvSpPr>
+            <a:spLocks noGrp="1"/>
+          </p:cNvSpPr>
+          <p:nvPr>
+            <p:ph type="ctrTitle"/>
+          </p:nvPr>
+        </p:nvSpPr>
+        <p:spPr/>
+        <p:txBody>
+          <a:bodyPr/>
+          <a:lstStyle/>
+          <a:p>
+            <a:r>
+              <a:rPr lang="ru-RU" dirty="0" smtClean="0"/>
+              <a:t>Эффективная работа с памятью</a:t>
+            </a:r>
+            <a:endParaRPr lang="ru-RU" dirty="0"/>
+          </a:p>
+        </p:txBody>
+      </p:sp>
+      <p:sp>
+        <p:nvSpPr>
+          <p:cNvPr id="3" name="Subtitle 2"/>
+          <p:cNvSpPr>
+            <a:spLocks noGrp="1"/>
+          </p:cNvSpPr>
+          <p:nvPr>
+            <p:ph type="subTitle" idx="1"/>
+          </p:nvPr>
+        </p:nvSpPr>
+        <p:spPr/>
+        <p:txBody>
+          <a:bodyPr/>
+          <a:lstStyle/>
+          <a:p>
+            <a:endParaRPr lang="ru-RU"/>
+          </a:p>
+        </p:txBody>
+      </p:sp>
+    </p:spTree>
+    <p:extLst>
+      <p:ext uri="{BB962C8B-B14F-4D97-AF65-F5344CB8AC3E}">
+        <p14:creationId xmlns:p14="http://schemas.microsoft.com/office/powerpoint/2010/main" val="2886455791"/>
+      </p:ext>
+    </p:extLst>
+  </p:cSld>
+  <p:clrMapOvr>
+    <a:masterClrMapping/>
+  </p:clrMapOvr>
+  <p:timing>
+    <p:tnLst>
+      <p:par>
+        <p:cTn id="1" dur="indefinite" restart="never" nodeType="tmRoot"/>
+      </p:par>
+    </p:tnLst>
+  </p:timing>
+</p:sld>
+</file>
+
+<file path=ppt/slides/slide27.xml><?xml version="1.0" encoding="utf-8"?>
+<p:sld xmlns:a="http://schemas.openxmlformats.org/drawingml/2006/main" xmlns:r="http://schemas.openxmlformats.org/officeDocument/2006/relationships" xmlns:p="http://schemas.openxmlformats.org/presentationml/2006/main">
+  <p:cSld>
+    <p:spTree>
+      <p:nvGrpSpPr>
+        <p:cNvPr id="1" name=""/>
+        <p:cNvGrpSpPr/>
+        <p:nvPr/>
+      </p:nvGrpSpPr>
+      <p:grpSpPr>
+        <a:xfrm>
+          <a:off x="0" y="0"/>
+          <a:ext cx="0" cy="0"/>
+          <a:chOff x="0" y="0"/>
+          <a:chExt cx="0" cy="0"/>
+        </a:xfrm>
+      </p:grpSpPr>
+      <p:sp>
+        <p:nvSpPr>
+          <p:cNvPr id="2" name="Title 1"/>
+          <p:cNvSpPr>
+            <a:spLocks noGrp="1"/>
+          </p:cNvSpPr>
+          <p:nvPr>
+            <p:ph type="title"/>
+          </p:nvPr>
+        </p:nvSpPr>
+        <p:spPr/>
+        <p:txBody>
           <a:bodyPr>
             <a:normAutofit fontScale="90000"/>
           </a:bodyPr>
@@ -11917,7 +12805,7 @@
 </p:sld>
 </file>
 
-<file path=ppt/slides/slide26.xml><?xml version="1.0" encoding="utf-8"?>
+<file path=ppt/slides/slide28.xml><?xml version="1.0" encoding="utf-8"?>
 <p:sld xmlns:a="http://schemas.openxmlformats.org/drawingml/2006/main" xmlns:r="http://schemas.openxmlformats.org/officeDocument/2006/relationships" xmlns:p="http://schemas.openxmlformats.org/presentationml/2006/main">
   <p:cSld>
     <p:spTree>
@@ -12933,7 +13821,7 @@
 </p:sld>
 </file>
 
-<file path=ppt/slides/slide27.xml><?xml version="1.0" encoding="utf-8"?>
+<file path=ppt/slides/slide29.xml><?xml version="1.0" encoding="utf-8"?>
 <p:sld xmlns:a="http://schemas.openxmlformats.org/drawingml/2006/main" xmlns:r="http://schemas.openxmlformats.org/officeDocument/2006/relationships" xmlns:p="http://schemas.openxmlformats.org/presentationml/2006/main">
   <p:cSld>
     <p:spTree>
@@ -13001,7 +13889,86 @@
 </p:sld>
 </file>
 
-<file path=ppt/slides/slide28.xml><?xml version="1.0" encoding="utf-8"?>
+<file path=ppt/slides/slide3.xml><?xml version="1.0" encoding="utf-8"?>
+<p:sld xmlns:a="http://schemas.openxmlformats.org/drawingml/2006/main" xmlns:r="http://schemas.openxmlformats.org/officeDocument/2006/relationships" xmlns:p="http://schemas.openxmlformats.org/presentationml/2006/main">
+  <p:cSld>
+    <p:spTree>
+      <p:nvGrpSpPr>
+        <p:cNvPr id="1" name=""/>
+        <p:cNvGrpSpPr/>
+        <p:nvPr/>
+      </p:nvGrpSpPr>
+      <p:grpSpPr>
+        <a:xfrm>
+          <a:off x="0" y="0"/>
+          <a:ext cx="0" cy="0"/>
+          <a:chOff x="0" y="0"/>
+          <a:chExt cx="0" cy="0"/>
+        </a:xfrm>
+      </p:grpSpPr>
+      <p:sp>
+        <p:nvSpPr>
+          <p:cNvPr id="2" name="Title 1"/>
+          <p:cNvSpPr>
+            <a:spLocks noGrp="1"/>
+          </p:cNvSpPr>
+          <p:nvPr>
+            <p:ph type="title"/>
+          </p:nvPr>
+        </p:nvSpPr>
+        <p:spPr/>
+        <p:txBody>
+          <a:bodyPr/>
+          <a:lstStyle/>
+          <a:p>
+            <a:r>
+              <a:rPr lang="ru-RU" dirty="0" smtClean="0"/>
+              <a:t>Ссылочные типы</a:t>
+            </a:r>
+            <a:endParaRPr lang="ru-RU" dirty="0"/>
+          </a:p>
+        </p:txBody>
+      </p:sp>
+      <p:sp>
+        <p:nvSpPr>
+          <p:cNvPr id="3" name="Content Placeholder 2"/>
+          <p:cNvSpPr>
+            <a:spLocks noGrp="1"/>
+          </p:cNvSpPr>
+          <p:nvPr>
+            <p:ph idx="1"/>
+          </p:nvPr>
+        </p:nvSpPr>
+        <p:spPr/>
+        <p:txBody>
+          <a:bodyPr/>
+          <a:lstStyle/>
+          <a:p>
+            <a:endParaRPr lang="ru-RU"/>
+          </a:p>
+        </p:txBody>
+      </p:sp>
+    </p:spTree>
+    <p:extLst>
+      <p:ext uri="{BB962C8B-B14F-4D97-AF65-F5344CB8AC3E}">
+        <p14:creationId xmlns:p14="http://schemas.microsoft.com/office/powerpoint/2010/main" val="4243704484"/>
+      </p:ext>
+    </p:extLst>
+  </p:cSld>
+  <p:clrMapOvr>
+    <a:masterClrMapping/>
+  </p:clrMapOvr>
+  <p:timing>
+    <p:tnLst>
+      <p:par>
+        <p:cTn id="1" dur="indefinite" restart="never" nodeType="tmRoot"/>
+      </p:par>
+    </p:tnLst>
+  </p:timing>
+</p:sld>
+</file>
+
+<file path=ppt/slides/slide30.xml><?xml version="1.0" encoding="utf-8"?>
 <p:sld xmlns:a="http://schemas.openxmlformats.org/drawingml/2006/main" xmlns:r="http://schemas.openxmlformats.org/officeDocument/2006/relationships" xmlns:p="http://schemas.openxmlformats.org/presentationml/2006/main">
   <p:cSld>
     <p:spTree>
@@ -14195,7 +15162,7 @@
 </p:sld>
 </file>
 
-<file path=ppt/slides/slide29.xml><?xml version="1.0" encoding="utf-8"?>
+<file path=ppt/slides/slide31.xml><?xml version="1.0" encoding="utf-8"?>
 <p:sld xmlns:a="http://schemas.openxmlformats.org/drawingml/2006/main" xmlns:r="http://schemas.openxmlformats.org/officeDocument/2006/relationships" xmlns:p="http://schemas.openxmlformats.org/presentationml/2006/main">
   <p:cSld>
     <p:spTree>
@@ -15543,300 +16510,6 @@
     <p:extLst>
       <p:ext uri="{BB962C8B-B14F-4D97-AF65-F5344CB8AC3E}">
         <p14:creationId xmlns:p14="http://schemas.microsoft.com/office/powerpoint/2010/main" val="2301603699"/>
-      </p:ext>
-    </p:extLst>
-  </p:cSld>
-  <p:clrMapOvr>
-    <a:masterClrMapping/>
-  </p:clrMapOvr>
-  <p:timing>
-    <p:tnLst>
-      <p:par>
-        <p:cTn id="1" dur="indefinite" restart="never" nodeType="tmRoot"/>
-      </p:par>
-    </p:tnLst>
-  </p:timing>
-</p:sld>
-</file>
-
-<file path=ppt/slides/slide3.xml><?xml version="1.0" encoding="utf-8"?>
-<p:sld xmlns:a="http://schemas.openxmlformats.org/drawingml/2006/main" xmlns:r="http://schemas.openxmlformats.org/officeDocument/2006/relationships" xmlns:p="http://schemas.openxmlformats.org/presentationml/2006/main">
-  <p:cSld>
-    <p:spTree>
-      <p:nvGrpSpPr>
-        <p:cNvPr id="1" name=""/>
-        <p:cNvGrpSpPr/>
-        <p:nvPr/>
-      </p:nvGrpSpPr>
-      <p:grpSpPr>
-        <a:xfrm>
-          <a:off x="0" y="0"/>
-          <a:ext cx="0" cy="0"/>
-          <a:chOff x="0" y="0"/>
-          <a:chExt cx="0" cy="0"/>
-        </a:xfrm>
-      </p:grpSpPr>
-      <p:sp>
-        <p:nvSpPr>
-          <p:cNvPr id="2" name="Title 1"/>
-          <p:cNvSpPr>
-            <a:spLocks noGrp="1"/>
-          </p:cNvSpPr>
-          <p:nvPr>
-            <p:ph type="title"/>
-          </p:nvPr>
-        </p:nvSpPr>
-        <p:spPr/>
-        <p:txBody>
-          <a:bodyPr/>
-          <a:lstStyle/>
-          <a:p>
-            <a:r>
-              <a:rPr lang="ru-RU" dirty="0" smtClean="0"/>
-              <a:t>Ссылочные типы</a:t>
-            </a:r>
-            <a:endParaRPr lang="ru-RU" dirty="0"/>
-          </a:p>
-        </p:txBody>
-      </p:sp>
-      <p:sp>
-        <p:nvSpPr>
-          <p:cNvPr id="3" name="Content Placeholder 2"/>
-          <p:cNvSpPr>
-            <a:spLocks noGrp="1"/>
-          </p:cNvSpPr>
-          <p:nvPr>
-            <p:ph idx="1"/>
-          </p:nvPr>
-        </p:nvSpPr>
-        <p:spPr/>
-        <p:txBody>
-          <a:bodyPr/>
-          <a:lstStyle/>
-          <a:p>
-            <a:endParaRPr lang="ru-RU"/>
-          </a:p>
-        </p:txBody>
-      </p:sp>
-    </p:spTree>
-    <p:extLst>
-      <p:ext uri="{BB962C8B-B14F-4D97-AF65-F5344CB8AC3E}">
-        <p14:creationId xmlns:p14="http://schemas.microsoft.com/office/powerpoint/2010/main" val="4243704484"/>
-      </p:ext>
-    </p:extLst>
-  </p:cSld>
-  <p:clrMapOvr>
-    <a:masterClrMapping/>
-  </p:clrMapOvr>
-  <p:timing>
-    <p:tnLst>
-      <p:par>
-        <p:cTn id="1" dur="indefinite" restart="never" nodeType="tmRoot"/>
-      </p:par>
-    </p:tnLst>
-  </p:timing>
-</p:sld>
-</file>
-
-<file path=ppt/slides/slide30.xml><?xml version="1.0" encoding="utf-8"?>
-<p:sld xmlns:a="http://schemas.openxmlformats.org/drawingml/2006/main" xmlns:r="http://schemas.openxmlformats.org/officeDocument/2006/relationships" xmlns:p="http://schemas.openxmlformats.org/presentationml/2006/main">
-  <p:cSld>
-    <p:spTree>
-      <p:nvGrpSpPr>
-        <p:cNvPr id="1" name=""/>
-        <p:cNvGrpSpPr/>
-        <p:nvPr/>
-      </p:nvGrpSpPr>
-      <p:grpSpPr>
-        <a:xfrm>
-          <a:off x="0" y="0"/>
-          <a:ext cx="0" cy="0"/>
-          <a:chOff x="0" y="0"/>
-          <a:chExt cx="0" cy="0"/>
-        </a:xfrm>
-      </p:grpSpPr>
-      <p:sp>
-        <p:nvSpPr>
-          <p:cNvPr id="2" name="Title 1"/>
-          <p:cNvSpPr>
-            <a:spLocks noGrp="1"/>
-          </p:cNvSpPr>
-          <p:nvPr>
-            <p:ph type="ctrTitle"/>
-          </p:nvPr>
-        </p:nvSpPr>
-        <p:spPr/>
-        <p:txBody>
-          <a:bodyPr/>
-          <a:lstStyle/>
-          <a:p>
-            <a:r>
-              <a:rPr lang="ru-RU" dirty="0" smtClean="0"/>
-              <a:t>Мониторинг используемой памяти</a:t>
-            </a:r>
-            <a:endParaRPr lang="ru-RU" dirty="0"/>
-          </a:p>
-        </p:txBody>
-      </p:sp>
-    </p:spTree>
-    <p:extLst>
-      <p:ext uri="{BB962C8B-B14F-4D97-AF65-F5344CB8AC3E}">
-        <p14:creationId xmlns:p14="http://schemas.microsoft.com/office/powerpoint/2010/main" val="833686513"/>
-      </p:ext>
-    </p:extLst>
-  </p:cSld>
-  <p:clrMapOvr>
-    <a:masterClrMapping/>
-  </p:clrMapOvr>
-  <p:timing>
-    <p:tnLst>
-      <p:par>
-        <p:cTn id="1" dur="indefinite" restart="never" nodeType="tmRoot"/>
-      </p:par>
-    </p:tnLst>
-  </p:timing>
-</p:sld>
-</file>
-
-<file path=ppt/slides/slide31.xml><?xml version="1.0" encoding="utf-8"?>
-<p:sld xmlns:a="http://schemas.openxmlformats.org/drawingml/2006/main" xmlns:r="http://schemas.openxmlformats.org/officeDocument/2006/relationships" xmlns:p="http://schemas.openxmlformats.org/presentationml/2006/main">
-  <p:cSld>
-    <p:spTree>
-      <p:nvGrpSpPr>
-        <p:cNvPr id="1" name=""/>
-        <p:cNvGrpSpPr/>
-        <p:nvPr/>
-      </p:nvGrpSpPr>
-      <p:grpSpPr>
-        <a:xfrm>
-          <a:off x="0" y="0"/>
-          <a:ext cx="0" cy="0"/>
-          <a:chOff x="0" y="0"/>
-          <a:chExt cx="0" cy="0"/>
-        </a:xfrm>
-      </p:grpSpPr>
-      <p:sp>
-        <p:nvSpPr>
-          <p:cNvPr id="2" name="Title 1"/>
-          <p:cNvSpPr>
-            <a:spLocks noGrp="1"/>
-          </p:cNvSpPr>
-          <p:nvPr>
-            <p:ph type="title"/>
-          </p:nvPr>
-        </p:nvSpPr>
-        <p:spPr/>
-        <p:txBody>
-          <a:bodyPr>
-            <a:normAutofit fontScale="90000"/>
-          </a:bodyPr>
-          <a:lstStyle/>
-          <a:p>
-            <a:r>
-              <a:rPr lang="ru-RU" dirty="0" smtClean="0"/>
-              <a:t>Мониторинг используемой памяти из кода</a:t>
-            </a:r>
-            <a:endParaRPr lang="ru-RU" dirty="0"/>
-          </a:p>
-        </p:txBody>
-      </p:sp>
-      <p:sp>
-        <p:nvSpPr>
-          <p:cNvPr id="3" name="Content Placeholder 2"/>
-          <p:cNvSpPr>
-            <a:spLocks noGrp="1"/>
-          </p:cNvSpPr>
-          <p:nvPr>
-            <p:ph idx="1"/>
-          </p:nvPr>
-        </p:nvSpPr>
-        <p:spPr/>
-        <p:txBody>
-          <a:bodyPr/>
-          <a:lstStyle/>
-          <a:p>
-            <a:r>
-              <a:rPr lang="en-US" dirty="0" err="1" smtClean="0"/>
-              <a:t>GC.CollectionCount</a:t>
-            </a:r>
-            <a:r>
-              <a:rPr lang="en-US" dirty="0" smtClean="0"/>
-              <a:t>(</a:t>
-            </a:r>
-            <a:r>
-              <a:rPr lang="ru-RU" dirty="0" smtClean="0"/>
-              <a:t>номерПоколения</a:t>
-            </a:r>
-            <a:r>
-              <a:rPr lang="en-US" dirty="0" smtClean="0"/>
-              <a:t>)</a:t>
-            </a:r>
-            <a:r>
-              <a:rPr lang="ru-RU" dirty="0" smtClean="0"/>
-              <a:t> – сообщает сколько раз выполнялась сборка мусора для указанного поколения</a:t>
-            </a:r>
-          </a:p>
-          <a:p>
-            <a:r>
-              <a:rPr lang="en-US" dirty="0" err="1"/>
-              <a:t>GC.GetTotalMemory</a:t>
-            </a:r>
-            <a:r>
-              <a:rPr lang="en-US" dirty="0"/>
-              <a:t>(</a:t>
-            </a:r>
-            <a:r>
-              <a:rPr lang="en-US" dirty="0" err="1"/>
-              <a:t>bool</a:t>
-            </a:r>
-            <a:r>
-              <a:rPr lang="en-US" dirty="0"/>
-              <a:t> </a:t>
-            </a:r>
-            <a:r>
-              <a:rPr lang="en-US" dirty="0" err="1"/>
-              <a:t>forceFullCollection</a:t>
-            </a:r>
-            <a:r>
-              <a:rPr lang="en-US" dirty="0" smtClean="0"/>
-              <a:t>)</a:t>
-            </a:r>
-            <a:r>
-              <a:rPr lang="ru-RU" dirty="0" smtClean="0"/>
-              <a:t> – возвращает кол-во байтов выделенных в куче</a:t>
-            </a:r>
-          </a:p>
-          <a:p>
-            <a:r>
-              <a:rPr lang="en-US" dirty="0" err="1" smtClean="0"/>
-              <a:t>Environment.WorkingSet</a:t>
-            </a:r>
-            <a:r>
-              <a:rPr lang="en-US" dirty="0" smtClean="0"/>
-              <a:t> – </a:t>
-            </a:r>
-            <a:r>
-              <a:rPr lang="ru-RU" dirty="0" smtClean="0"/>
-              <a:t>размер в байтах рабочего множества процесса </a:t>
-            </a:r>
-            <a:r>
-              <a:rPr lang="en-US" dirty="0" smtClean="0"/>
-              <a:t>(working set)</a:t>
-            </a:r>
-            <a:endParaRPr lang="en-US" dirty="0"/>
-          </a:p>
-          <a:p>
-            <a:endParaRPr lang="en-US" dirty="0"/>
-          </a:p>
-          <a:p>
-            <a:endParaRPr lang="ru-RU" dirty="0"/>
-          </a:p>
-        </p:txBody>
-      </p:sp>
-    </p:spTree>
-    <p:extLst>
-      <p:ext uri="{BB962C8B-B14F-4D97-AF65-F5344CB8AC3E}">
-        <p14:creationId xmlns:p14="http://schemas.microsoft.com/office/powerpoint/2010/main" val="921719331"/>
       </p:ext>
     </p:extLst>
   </p:cSld>
@@ -15877,120 +16550,17 @@
             <a:spLocks noGrp="1"/>
           </p:cNvSpPr>
           <p:nvPr>
-            <p:ph type="title"/>
+            <p:ph type="ctrTitle"/>
           </p:nvPr>
         </p:nvSpPr>
         <p:spPr/>
         <p:txBody>
-          <a:bodyPr>
-            <a:normAutofit fontScale="90000"/>
-          </a:bodyPr>
+          <a:bodyPr/>
           <a:lstStyle/>
           <a:p>
             <a:r>
               <a:rPr lang="ru-RU" dirty="0" smtClean="0"/>
-              <a:t>Мониторинг используемой памяти внешними средствами</a:t>
-            </a:r>
-            <a:endParaRPr lang="ru-RU" dirty="0"/>
-          </a:p>
-        </p:txBody>
-      </p:sp>
-      <p:sp>
-        <p:nvSpPr>
-          <p:cNvPr id="3" name="Content Placeholder 2"/>
-          <p:cNvSpPr>
-            <a:spLocks noGrp="1"/>
-          </p:cNvSpPr>
-          <p:nvPr>
-            <p:ph idx="1"/>
-          </p:nvPr>
-        </p:nvSpPr>
-        <p:spPr/>
-        <p:txBody>
-          <a:bodyPr>
-            <a:normAutofit/>
-          </a:bodyPr>
-          <a:lstStyle/>
-          <a:p>
-            <a:r>
-              <a:rPr lang="ru-RU" dirty="0" smtClean="0"/>
-              <a:t>Счетчики  производительности</a:t>
-            </a:r>
-            <a:endParaRPr lang="en-US" dirty="0" smtClean="0"/>
-          </a:p>
-          <a:p>
-            <a:pPr lvl="1"/>
-            <a:r>
-              <a:rPr lang="en-US" dirty="0" smtClean="0"/>
-              <a:t>Performance Monitor</a:t>
-            </a:r>
-            <a:r>
-              <a:rPr lang="ru-RU" dirty="0" smtClean="0"/>
-              <a:t> (</a:t>
-            </a:r>
-            <a:r>
-              <a:rPr lang="en-US" dirty="0" smtClean="0"/>
-              <a:t>Control Panel </a:t>
-            </a:r>
-            <a:r>
-              <a:rPr lang="en-US" dirty="0"/>
-              <a:t>\ Administrative </a:t>
-            </a:r>
-            <a:r>
-              <a:rPr lang="en-US" dirty="0" smtClean="0"/>
-              <a:t>Tools)</a:t>
-            </a:r>
-          </a:p>
-          <a:p>
-            <a:pPr lvl="1"/>
-            <a:r>
-              <a:rPr lang="en-US" dirty="0"/>
-              <a:t>Process Explorer</a:t>
-            </a:r>
-            <a:br>
-              <a:rPr lang="en-US" dirty="0"/>
-            </a:br>
-            <a:r>
-              <a:rPr lang="en-US" dirty="0">
-                <a:hlinkClick r:id="rId2"/>
-              </a:rPr>
-              <a:t>http://</a:t>
-            </a:r>
-            <a:r>
-              <a:rPr lang="en-US" dirty="0" smtClean="0">
-                <a:hlinkClick r:id="rId2"/>
-              </a:rPr>
-              <a:t>technet.microsoft.com/en-us/sysinternals/bb896653</a:t>
-            </a:r>
-            <a:endParaRPr lang="en-US" dirty="0" smtClean="0"/>
-          </a:p>
-          <a:p>
-            <a:r>
-              <a:rPr lang="en-US" dirty="0" smtClean="0"/>
-              <a:t>Microsoft </a:t>
-            </a:r>
-            <a:r>
-              <a:rPr lang="en-US" dirty="0" err="1" smtClean="0"/>
-              <a:t>PerfView</a:t>
-            </a:r>
-            <a:endParaRPr lang="en-US" dirty="0" smtClean="0"/>
-          </a:p>
-          <a:p>
-            <a:r>
-              <a:rPr lang="en-US" dirty="0" err="1" smtClean="0"/>
-              <a:t>dotMemory</a:t>
-            </a:r>
-            <a:r>
-              <a:rPr lang="en-US" dirty="0" smtClean="0"/>
-              <a:t> </a:t>
-            </a:r>
-            <a:r>
-              <a:rPr lang="ru-RU" dirty="0" smtClean="0"/>
-              <a:t>от </a:t>
-            </a:r>
-            <a:r>
-              <a:rPr lang="en-US" dirty="0" smtClean="0"/>
-              <a:t>JetBrains</a:t>
+              <a:t>Мониторинг используемой памяти</a:t>
             </a:r>
             <a:endParaRPr lang="ru-RU" dirty="0"/>
           </a:p>
@@ -15999,7 +16569,7 @@
     </p:spTree>
     <p:extLst>
       <p:ext uri="{BB962C8B-B14F-4D97-AF65-F5344CB8AC3E}">
-        <p14:creationId xmlns:p14="http://schemas.microsoft.com/office/powerpoint/2010/main" val="2842368969"/>
+        <p14:creationId xmlns:p14="http://schemas.microsoft.com/office/powerpoint/2010/main" val="833686513"/>
       </p:ext>
     </p:extLst>
   </p:cSld>
@@ -16045,6 +16615,324 @@
         </p:nvSpPr>
         <p:spPr/>
         <p:txBody>
+          <a:bodyPr>
+            <a:normAutofit fontScale="90000"/>
+          </a:bodyPr>
+          <a:lstStyle/>
+          <a:p>
+            <a:r>
+              <a:rPr lang="ru-RU" dirty="0" smtClean="0"/>
+              <a:t>Мониторинг используемой памяти из кода</a:t>
+            </a:r>
+            <a:endParaRPr lang="ru-RU" dirty="0"/>
+          </a:p>
+        </p:txBody>
+      </p:sp>
+      <p:sp>
+        <p:nvSpPr>
+          <p:cNvPr id="3" name="Content Placeholder 2"/>
+          <p:cNvSpPr>
+            <a:spLocks noGrp="1"/>
+          </p:cNvSpPr>
+          <p:nvPr>
+            <p:ph idx="1"/>
+          </p:nvPr>
+        </p:nvSpPr>
+        <p:spPr/>
+        <p:txBody>
+          <a:bodyPr/>
+          <a:lstStyle/>
+          <a:p>
+            <a:r>
+              <a:rPr lang="en-US" dirty="0" err="1" smtClean="0"/>
+              <a:t>GC.CollectionCount</a:t>
+            </a:r>
+            <a:r>
+              <a:rPr lang="en-US" dirty="0" smtClean="0"/>
+              <a:t>(</a:t>
+            </a:r>
+            <a:r>
+              <a:rPr lang="ru-RU" dirty="0" smtClean="0"/>
+              <a:t>номерПоколения</a:t>
+            </a:r>
+            <a:r>
+              <a:rPr lang="en-US" dirty="0" smtClean="0"/>
+              <a:t>)</a:t>
+            </a:r>
+            <a:r>
+              <a:rPr lang="ru-RU" dirty="0" smtClean="0"/>
+              <a:t> – сообщает сколько раз выполнялась сборка мусора для указанного поколения</a:t>
+            </a:r>
+          </a:p>
+          <a:p>
+            <a:r>
+              <a:rPr lang="en-US" dirty="0" err="1"/>
+              <a:t>GC.GetTotalMemory</a:t>
+            </a:r>
+            <a:r>
+              <a:rPr lang="en-US" dirty="0"/>
+              <a:t>(</a:t>
+            </a:r>
+            <a:r>
+              <a:rPr lang="en-US" dirty="0" err="1"/>
+              <a:t>bool</a:t>
+            </a:r>
+            <a:r>
+              <a:rPr lang="en-US" dirty="0"/>
+              <a:t> </a:t>
+            </a:r>
+            <a:r>
+              <a:rPr lang="en-US" dirty="0" err="1"/>
+              <a:t>forceFullCollection</a:t>
+            </a:r>
+            <a:r>
+              <a:rPr lang="en-US" dirty="0" smtClean="0"/>
+              <a:t>)</a:t>
+            </a:r>
+            <a:r>
+              <a:rPr lang="ru-RU" dirty="0" smtClean="0"/>
+              <a:t> – возвращает кол-во байтов выделенных в куче</a:t>
+            </a:r>
+          </a:p>
+          <a:p>
+            <a:r>
+              <a:rPr lang="en-US" dirty="0" err="1" smtClean="0"/>
+              <a:t>Environment.WorkingSet</a:t>
+            </a:r>
+            <a:r>
+              <a:rPr lang="en-US" dirty="0" smtClean="0"/>
+              <a:t> – </a:t>
+            </a:r>
+            <a:r>
+              <a:rPr lang="ru-RU" dirty="0" smtClean="0"/>
+              <a:t>размер в байтах рабочего множества процесса </a:t>
+            </a:r>
+            <a:r>
+              <a:rPr lang="en-US" dirty="0" smtClean="0"/>
+              <a:t>(working set)</a:t>
+            </a:r>
+            <a:endParaRPr lang="en-US" dirty="0"/>
+          </a:p>
+          <a:p>
+            <a:endParaRPr lang="en-US" dirty="0"/>
+          </a:p>
+          <a:p>
+            <a:endParaRPr lang="ru-RU" dirty="0"/>
+          </a:p>
+        </p:txBody>
+      </p:sp>
+    </p:spTree>
+    <p:extLst>
+      <p:ext uri="{BB962C8B-B14F-4D97-AF65-F5344CB8AC3E}">
+        <p14:creationId xmlns:p14="http://schemas.microsoft.com/office/powerpoint/2010/main" val="921719331"/>
+      </p:ext>
+    </p:extLst>
+  </p:cSld>
+  <p:clrMapOvr>
+    <a:masterClrMapping/>
+  </p:clrMapOvr>
+  <p:timing>
+    <p:tnLst>
+      <p:par>
+        <p:cTn id="1" dur="indefinite" restart="never" nodeType="tmRoot"/>
+      </p:par>
+    </p:tnLst>
+  </p:timing>
+</p:sld>
+</file>
+
+<file path=ppt/slides/slide34.xml><?xml version="1.0" encoding="utf-8"?>
+<p:sld xmlns:a="http://schemas.openxmlformats.org/drawingml/2006/main" xmlns:r="http://schemas.openxmlformats.org/officeDocument/2006/relationships" xmlns:p="http://schemas.openxmlformats.org/presentationml/2006/main">
+  <p:cSld>
+    <p:spTree>
+      <p:nvGrpSpPr>
+        <p:cNvPr id="1" name=""/>
+        <p:cNvGrpSpPr/>
+        <p:nvPr/>
+      </p:nvGrpSpPr>
+      <p:grpSpPr>
+        <a:xfrm>
+          <a:off x="0" y="0"/>
+          <a:ext cx="0" cy="0"/>
+          <a:chOff x="0" y="0"/>
+          <a:chExt cx="0" cy="0"/>
+        </a:xfrm>
+      </p:grpSpPr>
+      <p:sp>
+        <p:nvSpPr>
+          <p:cNvPr id="2" name="Title 1"/>
+          <p:cNvSpPr>
+            <a:spLocks noGrp="1"/>
+          </p:cNvSpPr>
+          <p:nvPr>
+            <p:ph type="title"/>
+          </p:nvPr>
+        </p:nvSpPr>
+        <p:spPr/>
+        <p:txBody>
+          <a:bodyPr>
+            <a:normAutofit fontScale="90000"/>
+          </a:bodyPr>
+          <a:lstStyle/>
+          <a:p>
+            <a:r>
+              <a:rPr lang="ru-RU" dirty="0" smtClean="0"/>
+              <a:t>Мониторинг используемой памяти внешними средствами</a:t>
+            </a:r>
+            <a:endParaRPr lang="ru-RU" dirty="0"/>
+          </a:p>
+        </p:txBody>
+      </p:sp>
+      <p:sp>
+        <p:nvSpPr>
+          <p:cNvPr id="3" name="Content Placeholder 2"/>
+          <p:cNvSpPr>
+            <a:spLocks noGrp="1"/>
+          </p:cNvSpPr>
+          <p:nvPr>
+            <p:ph idx="1"/>
+          </p:nvPr>
+        </p:nvSpPr>
+        <p:spPr/>
+        <p:txBody>
+          <a:bodyPr>
+            <a:normAutofit/>
+          </a:bodyPr>
+          <a:lstStyle/>
+          <a:p>
+            <a:r>
+              <a:rPr lang="ru-RU" dirty="0" smtClean="0"/>
+              <a:t>Счетчики  производительности</a:t>
+            </a:r>
+            <a:endParaRPr lang="en-US" dirty="0" smtClean="0"/>
+          </a:p>
+          <a:p>
+            <a:pPr lvl="1"/>
+            <a:r>
+              <a:rPr lang="en-US" dirty="0" smtClean="0"/>
+              <a:t>Performance Monitor</a:t>
+            </a:r>
+            <a:r>
+              <a:rPr lang="ru-RU" dirty="0" smtClean="0"/>
+              <a:t> (</a:t>
+            </a:r>
+            <a:r>
+              <a:rPr lang="en-US" dirty="0" smtClean="0"/>
+              <a:t>Control Panel </a:t>
+            </a:r>
+            <a:r>
+              <a:rPr lang="en-US" dirty="0"/>
+              <a:t>\ Administrative </a:t>
+            </a:r>
+            <a:r>
+              <a:rPr lang="en-US" dirty="0" smtClean="0"/>
+              <a:t>Tools)</a:t>
+            </a:r>
+          </a:p>
+          <a:p>
+            <a:pPr lvl="1"/>
+            <a:r>
+              <a:rPr lang="en-US" dirty="0"/>
+              <a:t>Process Explorer</a:t>
+            </a:r>
+            <a:br>
+              <a:rPr lang="en-US" dirty="0"/>
+            </a:br>
+            <a:r>
+              <a:rPr lang="en-US" dirty="0">
+                <a:hlinkClick r:id="rId2"/>
+              </a:rPr>
+              <a:t>http://</a:t>
+            </a:r>
+            <a:r>
+              <a:rPr lang="en-US" dirty="0" smtClean="0">
+                <a:hlinkClick r:id="rId2"/>
+              </a:rPr>
+              <a:t>technet.microsoft.com/en-us/sysinternals/bb896653</a:t>
+            </a:r>
+            <a:endParaRPr lang="en-US" dirty="0" smtClean="0"/>
+          </a:p>
+          <a:p>
+            <a:r>
+              <a:rPr lang="en-US" dirty="0" smtClean="0"/>
+              <a:t>Microsoft </a:t>
+            </a:r>
+            <a:r>
+              <a:rPr lang="en-US" dirty="0" err="1" smtClean="0"/>
+              <a:t>PerfView</a:t>
+            </a:r>
+            <a:endParaRPr lang="en-US" dirty="0" smtClean="0"/>
+          </a:p>
+          <a:p>
+            <a:r>
+              <a:rPr lang="en-US" dirty="0" err="1" smtClean="0"/>
+              <a:t>dotMemory</a:t>
+            </a:r>
+            <a:r>
+              <a:rPr lang="en-US" dirty="0" smtClean="0"/>
+              <a:t> </a:t>
+            </a:r>
+            <a:r>
+              <a:rPr lang="ru-RU" dirty="0" smtClean="0"/>
+              <a:t>от </a:t>
+            </a:r>
+            <a:r>
+              <a:rPr lang="en-US" dirty="0" smtClean="0"/>
+              <a:t>JetBrains</a:t>
+            </a:r>
+            <a:endParaRPr lang="ru-RU" dirty="0"/>
+          </a:p>
+        </p:txBody>
+      </p:sp>
+    </p:spTree>
+    <p:extLst>
+      <p:ext uri="{BB962C8B-B14F-4D97-AF65-F5344CB8AC3E}">
+        <p14:creationId xmlns:p14="http://schemas.microsoft.com/office/powerpoint/2010/main" val="2842368969"/>
+      </p:ext>
+    </p:extLst>
+  </p:cSld>
+  <p:clrMapOvr>
+    <a:masterClrMapping/>
+  </p:clrMapOvr>
+  <p:timing>
+    <p:tnLst>
+      <p:par>
+        <p:cTn id="1" dur="indefinite" restart="never" nodeType="tmRoot"/>
+      </p:par>
+    </p:tnLst>
+  </p:timing>
+</p:sld>
+</file>
+
+<file path=ppt/slides/slide35.xml><?xml version="1.0" encoding="utf-8"?>
+<p:sld xmlns:a="http://schemas.openxmlformats.org/drawingml/2006/main" xmlns:r="http://schemas.openxmlformats.org/officeDocument/2006/relationships" xmlns:p="http://schemas.openxmlformats.org/presentationml/2006/main">
+  <p:cSld>
+    <p:spTree>
+      <p:nvGrpSpPr>
+        <p:cNvPr id="1" name=""/>
+        <p:cNvGrpSpPr/>
+        <p:nvPr/>
+      </p:nvGrpSpPr>
+      <p:grpSpPr>
+        <a:xfrm>
+          <a:off x="0" y="0"/>
+          <a:ext cx="0" cy="0"/>
+          <a:chOff x="0" y="0"/>
+          <a:chExt cx="0" cy="0"/>
+        </a:xfrm>
+      </p:grpSpPr>
+      <p:sp>
+        <p:nvSpPr>
+          <p:cNvPr id="2" name="Title 1"/>
+          <p:cNvSpPr>
+            <a:spLocks noGrp="1"/>
+          </p:cNvSpPr>
+          <p:nvPr>
+            <p:ph type="title"/>
+          </p:nvPr>
+        </p:nvSpPr>
+        <p:spPr/>
+        <p:txBody>
           <a:bodyPr/>
           <a:lstStyle/>
           <a:p>
@@ -16195,7 +17083,7 @@
 </p:sld>
 </file>
 
-<file path=ppt/slides/slide34.xml><?xml version="1.0" encoding="utf-8"?>
+<file path=ppt/slides/slide36.xml><?xml version="1.0" encoding="utf-8"?>
 <p:sld xmlns:a="http://schemas.openxmlformats.org/drawingml/2006/main" xmlns:r="http://schemas.openxmlformats.org/officeDocument/2006/relationships" xmlns:p="http://schemas.openxmlformats.org/presentationml/2006/main">
   <p:cSld>
     <p:spTree>
@@ -20826,7 +21714,7 @@
 </p:sld>
 </file>
 
-<file path=ppt/slides/slide35.xml><?xml version="1.0" encoding="utf-8"?>
+<file path=ppt/slides/slide37.xml><?xml version="1.0" encoding="utf-8"?>
 <p:sld xmlns:a="http://schemas.openxmlformats.org/drawingml/2006/main" xmlns:r="http://schemas.openxmlformats.org/officeDocument/2006/relationships" xmlns:p="http://schemas.openxmlformats.org/presentationml/2006/main">
   <p:cSld>
     <p:spTree>

--- a/Presentation/memory-management-and-gc.pptx
+++ b/Presentation/memory-management-and-gc.pptx
@@ -5,7 +5,7 @@
     <p:sldMasterId id="2147483648" r:id="rId1"/>
   </p:sldMasterIdLst>
   <p:notesMasterIdLst>
-    <p:notesMasterId r:id="rId45"/>
+    <p:notesMasterId r:id="rId47"/>
   </p:notesMasterIdLst>
   <p:sldIdLst>
     <p:sldId id="261" r:id="rId2"/>
@@ -35,22 +35,24 @@
     <p:sldId id="275" r:id="rId26"/>
     <p:sldId id="289" r:id="rId27"/>
     <p:sldId id="276" r:id="rId28"/>
-    <p:sldId id="271" r:id="rId29"/>
-    <p:sldId id="263" r:id="rId30"/>
-    <p:sldId id="284" r:id="rId31"/>
-    <p:sldId id="295" r:id="rId32"/>
-    <p:sldId id="262" r:id="rId33"/>
-    <p:sldId id="278" r:id="rId34"/>
-    <p:sldId id="282" r:id="rId35"/>
-    <p:sldId id="277" r:id="rId36"/>
-    <p:sldId id="258" r:id="rId37"/>
-    <p:sldId id="259" r:id="rId38"/>
-    <p:sldId id="290" r:id="rId39"/>
-    <p:sldId id="283" r:id="rId40"/>
-    <p:sldId id="260" r:id="rId41"/>
-    <p:sldId id="296" r:id="rId42"/>
-    <p:sldId id="297" r:id="rId43"/>
-    <p:sldId id="298" r:id="rId44"/>
+    <p:sldId id="300" r:id="rId29"/>
+    <p:sldId id="301" r:id="rId30"/>
+    <p:sldId id="271" r:id="rId31"/>
+    <p:sldId id="263" r:id="rId32"/>
+    <p:sldId id="284" r:id="rId33"/>
+    <p:sldId id="295" r:id="rId34"/>
+    <p:sldId id="262" r:id="rId35"/>
+    <p:sldId id="278" r:id="rId36"/>
+    <p:sldId id="282" r:id="rId37"/>
+    <p:sldId id="277" r:id="rId38"/>
+    <p:sldId id="258" r:id="rId39"/>
+    <p:sldId id="259" r:id="rId40"/>
+    <p:sldId id="290" r:id="rId41"/>
+    <p:sldId id="283" r:id="rId42"/>
+    <p:sldId id="260" r:id="rId43"/>
+    <p:sldId id="296" r:id="rId44"/>
+    <p:sldId id="297" r:id="rId45"/>
+    <p:sldId id="298" r:id="rId46"/>
   </p:sldIdLst>
   <p:sldSz cx="9144000" cy="6858000" type="screen4x3"/>
   <p:notesSz cx="6858000" cy="9144000"/>
@@ -264,7 +266,7 @@
           <a:p>
             <a:fld id="{B24A7054-7FFB-49F4-A126-5DF6E687FF53}" type="datetimeFigureOut">
               <a:rPr lang="ru-RU" smtClean="0"/>
-              <a:t>26.04.2017</a:t>
+              <a:t>15.10.2017</a:t>
             </a:fld>
             <a:endParaRPr lang="ru-RU"/>
           </a:p>
@@ -1630,7 +1632,7 @@
           <a:p>
             <a:fld id="{8E6E6A2A-E9D3-4A0D-B04A-ABDD367A1E08}" type="datetimeFigureOut">
               <a:rPr lang="ru-RU" smtClean="0"/>
-              <a:t>26.04.2017</a:t>
+              <a:t>15.10.2017</a:t>
             </a:fld>
             <a:endParaRPr lang="ru-RU"/>
           </a:p>
@@ -3082,7 +3084,7 @@
           <a:p>
             <a:fld id="{AC3D3127-B7C4-45E3-9797-C527EC9FDD78}" type="datetimeFigureOut">
               <a:rPr lang="ru-RU" smtClean="0"/>
-              <a:t>26.04.2017</a:t>
+              <a:t>15.10.2017</a:t>
             </a:fld>
             <a:endParaRPr lang="ru-RU"/>
           </a:p>
@@ -11410,7 +11412,6 @@
               <a:rPr lang="en-US" dirty="0"/>
               <a:t>)</a:t>
             </a:r>
-            <a:endParaRPr lang="en-US" dirty="0"/>
           </a:p>
         </p:txBody>
       </p:sp>
@@ -13315,6 +13316,10 @@
           <a:lstStyle/>
           <a:p>
             <a:r>
+              <a:rPr lang="ru-RU" dirty="0" smtClean="0"/>
+              <a:t>Блок </a:t>
+            </a:r>
+            <a:r>
               <a:rPr lang="en-US" dirty="0" smtClean="0"/>
               <a:t>using</a:t>
             </a:r>
@@ -14793,7 +14798,7 @@
       </p:grpSpPr>
       <p:sp>
         <p:nvSpPr>
-          <p:cNvPr id="2" name="Title 1"/>
+          <p:cNvPr id="4" name="Title 3"/>
           <p:cNvSpPr>
             <a:spLocks noGrp="1"/>
           </p:cNvSpPr>
@@ -14808,15 +14813,15 @@
           <a:p>
             <a:r>
               <a:rPr lang="ru-RU" dirty="0" smtClean="0"/>
-              <a:t>Эффективная работа с памятью</a:t>
-            </a:r>
-            <a:endParaRPr lang="ru-RU" dirty="0"/>
+              <a:t>Безопасность</a:t>
+            </a:r>
+            <a:endParaRPr lang="en-US" dirty="0"/>
           </a:p>
         </p:txBody>
       </p:sp>
       <p:sp>
         <p:nvSpPr>
-          <p:cNvPr id="3" name="Subtitle 2"/>
+          <p:cNvPr id="5" name="Subtitle 4"/>
           <p:cNvSpPr>
             <a:spLocks noGrp="1"/>
           </p:cNvSpPr>
@@ -14829,27 +14834,20 @@
           <a:bodyPr/>
           <a:lstStyle/>
           <a:p>
-            <a:endParaRPr lang="ru-RU"/>
+            <a:endParaRPr lang="en-US"/>
           </a:p>
         </p:txBody>
       </p:sp>
     </p:spTree>
     <p:extLst>
       <p:ext uri="{BB962C8B-B14F-4D97-AF65-F5344CB8AC3E}">
-        <p14:creationId xmlns:p14="http://schemas.microsoft.com/office/powerpoint/2010/main" val="2886455791"/>
+        <p14:creationId xmlns:p14="http://schemas.microsoft.com/office/powerpoint/2010/main" val="12959187"/>
       </p:ext>
     </p:extLst>
   </p:cSld>
   <p:clrMapOvr>
     <a:masterClrMapping/>
   </p:clrMapOvr>
-  <p:timing>
-    <p:tnLst>
-      <p:par>
-        <p:cTn id="1" dur="indefinite" restart="never" nodeType="tmRoot"/>
-      </p:par>
-    </p:tnLst>
-  </p:timing>
 </p:sld>
 </file>
 
@@ -14882,175 +14880,77 @@
         </p:nvSpPr>
         <p:spPr/>
         <p:txBody>
-          <a:bodyPr>
-            <a:normAutofit fontScale="90000"/>
-          </a:bodyPr>
+          <a:bodyPr/>
           <a:lstStyle/>
           <a:p>
-            <a:r>
-              <a:rPr lang="ru-RU" dirty="0" smtClean="0"/>
-              <a:t>Два способа сделать </a:t>
-            </a:r>
             <a:r>
               <a:rPr lang="en-US" dirty="0" smtClean="0"/>
               <a:t>GC </a:t>
             </a:r>
             <a:r>
               <a:rPr lang="ru-RU" dirty="0" smtClean="0"/>
-              <a:t>«счастливым»</a:t>
-            </a:r>
-            <a:endParaRPr lang="ru-RU" dirty="0"/>
+              <a:t>и пароли</a:t>
+            </a:r>
+            <a:endParaRPr lang="en-US" dirty="0"/>
           </a:p>
         </p:txBody>
       </p:sp>
       <p:sp>
         <p:nvSpPr>
-          <p:cNvPr id="4" name="Content Placeholder 3"/>
+          <p:cNvPr id="3" name="Content Placeholder 2"/>
           <p:cNvSpPr>
             <a:spLocks noGrp="1"/>
           </p:cNvSpPr>
           <p:nvPr>
-            <p:ph sz="half" idx="1"/>
+            <p:ph idx="1"/>
           </p:nvPr>
         </p:nvSpPr>
-        <p:spPr>
-          <a:ln>
-            <a:solidFill>
-              <a:schemeClr val="bg1"/>
-            </a:solidFill>
-          </a:ln>
-        </p:spPr>
+        <p:spPr/>
         <p:txBody>
-          <a:bodyPr>
-            <a:normAutofit fontScale="92500"/>
-          </a:bodyPr>
+          <a:bodyPr/>
           <a:lstStyle/>
-          <a:p>
-            <a:pPr marL="0" indent="0" algn="ctr">
-              <a:buNone/>
-            </a:pPr>
-            <a:r>
-              <a:rPr lang="ru-RU" b="1" dirty="0" smtClean="0"/>
-              <a:t>Заставить его</a:t>
-            </a:r>
-            <a:br>
-              <a:rPr lang="ru-RU" b="1" dirty="0" smtClean="0"/>
-            </a:br>
-            <a:r>
-              <a:rPr lang="ru-RU" b="1" u="sng" dirty="0" smtClean="0"/>
-              <a:t>реже запускаться</a:t>
-            </a:r>
-          </a:p>
           <a:p>
             <a:pPr marL="0" indent="0">
               <a:buNone/>
             </a:pPr>
-            <a:endParaRPr lang="ru-RU" dirty="0" smtClean="0"/>
-          </a:p>
-          <a:p>
-            <a:pPr marL="0" indent="0">
-              <a:buNone/>
-            </a:pPr>
             <a:r>
               <a:rPr lang="ru-RU" dirty="0" smtClean="0"/>
-              <a:t>Чем меньше выделений памяти, тем реже нужно выполнять уборку мусора</a:t>
-            </a:r>
-          </a:p>
-          <a:p>
-            <a:pPr marL="0" indent="0">
-              <a:buNone/>
-            </a:pPr>
-            <a:endParaRPr lang="ru-RU" dirty="0"/>
-          </a:p>
-          <a:p>
-            <a:pPr marL="0" indent="0">
-              <a:buNone/>
-            </a:pPr>
+              <a:t>Хранение паролей в открытом виде упрощает доступ извне с помощью отладчиков. Дополнительные проблемы создает </a:t>
+            </a:r>
+            <a:r>
+              <a:rPr lang="en-US" dirty="0" smtClean="0"/>
+              <a:t>GC </a:t>
+            </a:r>
             <a:r>
               <a:rPr lang="ru-RU" dirty="0" smtClean="0"/>
-              <a:t>Используйте пулы объектов, по возможности.</a:t>
-            </a:r>
-            <a:endParaRPr lang="ru-RU" dirty="0"/>
-          </a:p>
-        </p:txBody>
-      </p:sp>
-      <p:sp>
-        <p:nvSpPr>
-          <p:cNvPr id="5" name="Content Placeholder 4"/>
-          <p:cNvSpPr>
-            <a:spLocks noGrp="1"/>
-          </p:cNvSpPr>
-          <p:nvPr>
-            <p:ph sz="half" idx="2"/>
-          </p:nvPr>
-        </p:nvSpPr>
-        <p:spPr>
-          <a:ln>
-            <a:solidFill>
-              <a:schemeClr val="bg1"/>
-            </a:solidFill>
-          </a:ln>
-        </p:spPr>
-        <p:txBody>
-          <a:bodyPr>
-            <a:normAutofit fontScale="92500"/>
-          </a:bodyPr>
-          <a:lstStyle/>
-          <a:p>
-            <a:pPr marL="0" indent="0" algn="ctr">
-              <a:buNone/>
-            </a:pPr>
-            <a:r>
-              <a:rPr lang="ru-RU" b="1" u="sng" dirty="0" smtClean="0"/>
-              <a:t>Ускорить</a:t>
-            </a:r>
-            <a:r>
-              <a:rPr lang="ru-RU" b="1" dirty="0"/>
-              <a:t/>
-            </a:r>
-            <a:br>
-              <a:rPr lang="ru-RU" b="1" dirty="0"/>
-            </a:br>
-            <a:r>
-              <a:rPr lang="ru-RU" b="1" dirty="0" smtClean="0"/>
-              <a:t>его работу</a:t>
-            </a:r>
-          </a:p>
-          <a:p>
-            <a:pPr marL="0" indent="0">
-              <a:buNone/>
-            </a:pPr>
-            <a:endParaRPr lang="ru-RU" dirty="0" smtClean="0"/>
-          </a:p>
-          <a:p>
-            <a:pPr marL="0" indent="0">
-              <a:buNone/>
-            </a:pPr>
+              <a:t>перемещая объекты во время дефрагментации. Для надежного хранения паролей следует использовать класс </a:t>
+            </a:r>
+            <a:r>
+              <a:rPr lang="en-US" dirty="0" err="1" smtClean="0"/>
+              <a:t>System.Security.SecureString</a:t>
+            </a:r>
+            <a:r>
+              <a:rPr lang="en-US" dirty="0" smtClean="0"/>
+              <a:t>. </a:t>
+            </a:r>
             <a:r>
               <a:rPr lang="ru-RU" dirty="0" smtClean="0"/>
-              <a:t>Время уборки мусора прямо пропорционально количеству связей которые нужно обойти.</a:t>
-            </a:r>
-            <a:endParaRPr lang="ru-RU" dirty="0"/>
+              <a:t>Его содержимое хранится в зашифрованном виде и не перемещается сборщиком мусора.</a:t>
+            </a:r>
+            <a:endParaRPr lang="en-US" dirty="0"/>
           </a:p>
         </p:txBody>
       </p:sp>
     </p:spTree>
     <p:extLst>
       <p:ext uri="{BB962C8B-B14F-4D97-AF65-F5344CB8AC3E}">
-        <p14:creationId xmlns:p14="http://schemas.microsoft.com/office/powerpoint/2010/main" val="3933915360"/>
+        <p14:creationId xmlns:p14="http://schemas.microsoft.com/office/powerpoint/2010/main" val="3139420691"/>
       </p:ext>
     </p:extLst>
   </p:cSld>
   <p:clrMapOvr>
     <a:masterClrMapping/>
   </p:clrMapOvr>
-  <p:timing>
-    <p:tnLst>
-      <p:par>
-        <p:cTn id="1" dur="indefinite" restart="never" nodeType="tmRoot"/>
-      </p:par>
-    </p:tnLst>
-  </p:timing>
 </p:sld>
 </file>
 
@@ -15134,6 +15034,286 @@
 </file>
 
 <file path=ppt/slides/slide30.xml><?xml version="1.0" encoding="utf-8"?>
+<p:sld xmlns:a="http://schemas.openxmlformats.org/drawingml/2006/main" xmlns:r="http://schemas.openxmlformats.org/officeDocument/2006/relationships" xmlns:p="http://schemas.openxmlformats.org/presentationml/2006/main">
+  <p:cSld>
+    <p:spTree>
+      <p:nvGrpSpPr>
+        <p:cNvPr id="1" name=""/>
+        <p:cNvGrpSpPr/>
+        <p:nvPr/>
+      </p:nvGrpSpPr>
+      <p:grpSpPr>
+        <a:xfrm>
+          <a:off x="0" y="0"/>
+          <a:ext cx="0" cy="0"/>
+          <a:chOff x="0" y="0"/>
+          <a:chExt cx="0" cy="0"/>
+        </a:xfrm>
+      </p:grpSpPr>
+      <p:sp>
+        <p:nvSpPr>
+          <p:cNvPr id="2" name="Title 1"/>
+          <p:cNvSpPr>
+            <a:spLocks noGrp="1"/>
+          </p:cNvSpPr>
+          <p:nvPr>
+            <p:ph type="ctrTitle"/>
+          </p:nvPr>
+        </p:nvSpPr>
+        <p:spPr/>
+        <p:txBody>
+          <a:bodyPr/>
+          <a:lstStyle/>
+          <a:p>
+            <a:r>
+              <a:rPr lang="ru-RU" dirty="0" smtClean="0"/>
+              <a:t>Эффективная работа с памятью</a:t>
+            </a:r>
+            <a:endParaRPr lang="ru-RU" dirty="0"/>
+          </a:p>
+        </p:txBody>
+      </p:sp>
+      <p:sp>
+        <p:nvSpPr>
+          <p:cNvPr id="3" name="Subtitle 2"/>
+          <p:cNvSpPr>
+            <a:spLocks noGrp="1"/>
+          </p:cNvSpPr>
+          <p:nvPr>
+            <p:ph type="subTitle" idx="1"/>
+          </p:nvPr>
+        </p:nvSpPr>
+        <p:spPr/>
+        <p:txBody>
+          <a:bodyPr/>
+          <a:lstStyle/>
+          <a:p>
+            <a:endParaRPr lang="ru-RU" dirty="0"/>
+          </a:p>
+        </p:txBody>
+      </p:sp>
+    </p:spTree>
+    <p:extLst>
+      <p:ext uri="{BB962C8B-B14F-4D97-AF65-F5344CB8AC3E}">
+        <p14:creationId xmlns:p14="http://schemas.microsoft.com/office/powerpoint/2010/main" val="2886455791"/>
+      </p:ext>
+    </p:extLst>
+  </p:cSld>
+  <p:clrMapOvr>
+    <a:masterClrMapping/>
+  </p:clrMapOvr>
+  <p:timing>
+    <p:tnLst>
+      <p:par>
+        <p:cTn id="1" dur="indefinite" restart="never" nodeType="tmRoot"/>
+      </p:par>
+    </p:tnLst>
+  </p:timing>
+</p:sld>
+</file>
+
+<file path=ppt/slides/slide31.xml><?xml version="1.0" encoding="utf-8"?>
+<p:sld xmlns:a="http://schemas.openxmlformats.org/drawingml/2006/main" xmlns:r="http://schemas.openxmlformats.org/officeDocument/2006/relationships" xmlns:p="http://schemas.openxmlformats.org/presentationml/2006/main">
+  <p:cSld>
+    <p:spTree>
+      <p:nvGrpSpPr>
+        <p:cNvPr id="1" name=""/>
+        <p:cNvGrpSpPr/>
+        <p:nvPr/>
+      </p:nvGrpSpPr>
+      <p:grpSpPr>
+        <a:xfrm>
+          <a:off x="0" y="0"/>
+          <a:ext cx="0" cy="0"/>
+          <a:chOff x="0" y="0"/>
+          <a:chExt cx="0" cy="0"/>
+        </a:xfrm>
+      </p:grpSpPr>
+      <p:sp>
+        <p:nvSpPr>
+          <p:cNvPr id="2" name="Title 1"/>
+          <p:cNvSpPr>
+            <a:spLocks noGrp="1"/>
+          </p:cNvSpPr>
+          <p:nvPr>
+            <p:ph type="title"/>
+          </p:nvPr>
+        </p:nvSpPr>
+        <p:spPr/>
+        <p:txBody>
+          <a:bodyPr>
+            <a:normAutofit fontScale="90000"/>
+          </a:bodyPr>
+          <a:lstStyle/>
+          <a:p>
+            <a:r>
+              <a:rPr lang="ru-RU" dirty="0" smtClean="0"/>
+              <a:t>Два способа сделать </a:t>
+            </a:r>
+            <a:r>
+              <a:rPr lang="en-US" dirty="0" smtClean="0"/>
+              <a:t>GC </a:t>
+            </a:r>
+            <a:r>
+              <a:rPr lang="ru-RU" dirty="0" smtClean="0"/>
+              <a:t>«счастливым»</a:t>
+            </a:r>
+            <a:endParaRPr lang="ru-RU" dirty="0"/>
+          </a:p>
+        </p:txBody>
+      </p:sp>
+      <p:sp>
+        <p:nvSpPr>
+          <p:cNvPr id="4" name="Content Placeholder 3"/>
+          <p:cNvSpPr>
+            <a:spLocks noGrp="1"/>
+          </p:cNvSpPr>
+          <p:nvPr>
+            <p:ph sz="half" idx="1"/>
+          </p:nvPr>
+        </p:nvSpPr>
+        <p:spPr>
+          <a:ln>
+            <a:solidFill>
+              <a:schemeClr val="bg1"/>
+            </a:solidFill>
+          </a:ln>
+        </p:spPr>
+        <p:txBody>
+          <a:bodyPr>
+            <a:normAutofit fontScale="92500"/>
+          </a:bodyPr>
+          <a:lstStyle/>
+          <a:p>
+            <a:pPr marL="0" indent="0" algn="ctr">
+              <a:buNone/>
+            </a:pPr>
+            <a:r>
+              <a:rPr lang="ru-RU" b="1" dirty="0" smtClean="0"/>
+              <a:t>Заставить его</a:t>
+            </a:r>
+            <a:br>
+              <a:rPr lang="ru-RU" b="1" dirty="0" smtClean="0"/>
+            </a:br>
+            <a:r>
+              <a:rPr lang="ru-RU" b="1" u="sng" dirty="0" smtClean="0"/>
+              <a:t>реже запускаться</a:t>
+            </a:r>
+          </a:p>
+          <a:p>
+            <a:pPr marL="0" indent="0">
+              <a:buNone/>
+            </a:pPr>
+            <a:endParaRPr lang="ru-RU" dirty="0" smtClean="0"/>
+          </a:p>
+          <a:p>
+            <a:pPr marL="0" indent="0">
+              <a:buNone/>
+            </a:pPr>
+            <a:r>
+              <a:rPr lang="ru-RU" dirty="0" smtClean="0"/>
+              <a:t>Чем меньше выделений памяти, тем реже нужно выполнять уборку мусора</a:t>
+            </a:r>
+          </a:p>
+          <a:p>
+            <a:pPr marL="0" indent="0">
+              <a:buNone/>
+            </a:pPr>
+            <a:endParaRPr lang="ru-RU" dirty="0"/>
+          </a:p>
+          <a:p>
+            <a:pPr marL="0" indent="0">
+              <a:buNone/>
+            </a:pPr>
+            <a:r>
+              <a:rPr lang="ru-RU" dirty="0" smtClean="0"/>
+              <a:t>Используйте пулы объектов, по возможности.</a:t>
+            </a:r>
+            <a:endParaRPr lang="ru-RU" dirty="0"/>
+          </a:p>
+        </p:txBody>
+      </p:sp>
+      <p:sp>
+        <p:nvSpPr>
+          <p:cNvPr id="5" name="Content Placeholder 4"/>
+          <p:cNvSpPr>
+            <a:spLocks noGrp="1"/>
+          </p:cNvSpPr>
+          <p:nvPr>
+            <p:ph sz="half" idx="2"/>
+          </p:nvPr>
+        </p:nvSpPr>
+        <p:spPr>
+          <a:ln>
+            <a:solidFill>
+              <a:schemeClr val="bg1"/>
+            </a:solidFill>
+          </a:ln>
+        </p:spPr>
+        <p:txBody>
+          <a:bodyPr>
+            <a:normAutofit fontScale="92500"/>
+          </a:bodyPr>
+          <a:lstStyle/>
+          <a:p>
+            <a:pPr marL="0" indent="0" algn="ctr">
+              <a:buNone/>
+            </a:pPr>
+            <a:r>
+              <a:rPr lang="ru-RU" b="1" u="sng" dirty="0" smtClean="0"/>
+              <a:t>Ускорить</a:t>
+            </a:r>
+            <a:r>
+              <a:rPr lang="ru-RU" b="1" dirty="0"/>
+              <a:t/>
+            </a:r>
+            <a:br>
+              <a:rPr lang="ru-RU" b="1" dirty="0"/>
+            </a:br>
+            <a:r>
+              <a:rPr lang="ru-RU" b="1" dirty="0" smtClean="0"/>
+              <a:t>его работу</a:t>
+            </a:r>
+          </a:p>
+          <a:p>
+            <a:pPr marL="0" indent="0">
+              <a:buNone/>
+            </a:pPr>
+            <a:endParaRPr lang="ru-RU" dirty="0" smtClean="0"/>
+          </a:p>
+          <a:p>
+            <a:pPr marL="0" indent="0">
+              <a:buNone/>
+            </a:pPr>
+            <a:r>
+              <a:rPr lang="ru-RU" dirty="0" smtClean="0"/>
+              <a:t>Время уборки мусора прямо пропорционально количеству связей которые нужно обойти.</a:t>
+            </a:r>
+            <a:endParaRPr lang="ru-RU" dirty="0"/>
+          </a:p>
+        </p:txBody>
+      </p:sp>
+    </p:spTree>
+    <p:extLst>
+      <p:ext uri="{BB962C8B-B14F-4D97-AF65-F5344CB8AC3E}">
+        <p14:creationId xmlns:p14="http://schemas.microsoft.com/office/powerpoint/2010/main" val="3933915360"/>
+      </p:ext>
+    </p:extLst>
+  </p:cSld>
+  <p:clrMapOvr>
+    <a:masterClrMapping/>
+  </p:clrMapOvr>
+  <p:timing>
+    <p:tnLst>
+      <p:par>
+        <p:cTn id="1" dur="indefinite" restart="never" nodeType="tmRoot"/>
+      </p:par>
+    </p:tnLst>
+  </p:timing>
+</p:sld>
+</file>
+
+<file path=ppt/slides/slide32.xml><?xml version="1.0" encoding="utf-8"?>
 <p:sld xmlns:a="http://schemas.openxmlformats.org/drawingml/2006/main" xmlns:r="http://schemas.openxmlformats.org/officeDocument/2006/relationships" xmlns:p="http://schemas.openxmlformats.org/presentationml/2006/main">
   <p:cSld>
     <p:spTree>
@@ -16149,7 +16329,7 @@
 </p:sld>
 </file>
 
-<file path=ppt/slides/slide31.xml><?xml version="1.0" encoding="utf-8"?>
+<file path=ppt/slides/slide33.xml><?xml version="1.0" encoding="utf-8"?>
 <p:sld xmlns:a="http://schemas.openxmlformats.org/drawingml/2006/main" xmlns:r="http://schemas.openxmlformats.org/officeDocument/2006/relationships" xmlns:p="http://schemas.openxmlformats.org/presentationml/2006/main" show="0">
   <p:cSld>
     <p:spTree>
@@ -16229,7 +16409,7 @@
 </p:sld>
 </file>
 
-<file path=ppt/slides/slide32.xml><?xml version="1.0" encoding="utf-8"?>
+<file path=ppt/slides/slide34.xml><?xml version="1.0" encoding="utf-8"?>
 <p:sld xmlns:a="http://schemas.openxmlformats.org/drawingml/2006/main" xmlns:r="http://schemas.openxmlformats.org/officeDocument/2006/relationships" xmlns:p="http://schemas.openxmlformats.org/presentationml/2006/main">
   <p:cSld>
     <p:spTree>
@@ -16297,7 +16477,7 @@
 </p:sld>
 </file>
 
-<file path=ppt/slides/slide33.xml><?xml version="1.0" encoding="utf-8"?>
+<file path=ppt/slides/slide35.xml><?xml version="1.0" encoding="utf-8"?>
 <p:sld xmlns:a="http://schemas.openxmlformats.org/drawingml/2006/main" xmlns:r="http://schemas.openxmlformats.org/officeDocument/2006/relationships" xmlns:p="http://schemas.openxmlformats.org/presentationml/2006/main">
   <p:cSld>
     <p:spTree>
@@ -17491,7 +17671,7 @@
 </p:sld>
 </file>
 
-<file path=ppt/slides/slide34.xml><?xml version="1.0" encoding="utf-8"?>
+<file path=ppt/slides/slide36.xml><?xml version="1.0" encoding="utf-8"?>
 <p:sld xmlns:a="http://schemas.openxmlformats.org/drawingml/2006/main" xmlns:r="http://schemas.openxmlformats.org/officeDocument/2006/relationships" xmlns:p="http://schemas.openxmlformats.org/presentationml/2006/main">
   <p:cSld>
     <p:spTree>
@@ -18839,221 +19019,6 @@
     <p:extLst>
       <p:ext uri="{BB962C8B-B14F-4D97-AF65-F5344CB8AC3E}">
         <p14:creationId xmlns:p14="http://schemas.microsoft.com/office/powerpoint/2010/main" val="2301603699"/>
-      </p:ext>
-    </p:extLst>
-  </p:cSld>
-  <p:clrMapOvr>
-    <a:masterClrMapping/>
-  </p:clrMapOvr>
-  <p:timing>
-    <p:tnLst>
-      <p:par>
-        <p:cTn id="1" dur="indefinite" restart="never" nodeType="tmRoot"/>
-      </p:par>
-    </p:tnLst>
-  </p:timing>
-</p:sld>
-</file>
-
-<file path=ppt/slides/slide35.xml><?xml version="1.0" encoding="utf-8"?>
-<p:sld xmlns:a="http://schemas.openxmlformats.org/drawingml/2006/main" xmlns:r="http://schemas.openxmlformats.org/officeDocument/2006/relationships" xmlns:p="http://schemas.openxmlformats.org/presentationml/2006/main">
-  <p:cSld>
-    <p:spTree>
-      <p:nvGrpSpPr>
-        <p:cNvPr id="1" name=""/>
-        <p:cNvGrpSpPr/>
-        <p:nvPr/>
-      </p:nvGrpSpPr>
-      <p:grpSpPr>
-        <a:xfrm>
-          <a:off x="0" y="0"/>
-          <a:ext cx="0" cy="0"/>
-          <a:chOff x="0" y="0"/>
-          <a:chExt cx="0" cy="0"/>
-        </a:xfrm>
-      </p:grpSpPr>
-      <p:sp>
-        <p:nvSpPr>
-          <p:cNvPr id="2" name="Title 1"/>
-          <p:cNvSpPr>
-            <a:spLocks noGrp="1"/>
-          </p:cNvSpPr>
-          <p:nvPr>
-            <p:ph type="ctrTitle"/>
-          </p:nvPr>
-        </p:nvSpPr>
-        <p:spPr/>
-        <p:txBody>
-          <a:bodyPr/>
-          <a:lstStyle/>
-          <a:p>
-            <a:r>
-              <a:rPr lang="ru-RU" dirty="0" smtClean="0"/>
-              <a:t>Мониторинг используемой памяти</a:t>
-            </a:r>
-            <a:endParaRPr lang="ru-RU" dirty="0"/>
-          </a:p>
-        </p:txBody>
-      </p:sp>
-    </p:spTree>
-    <p:extLst>
-      <p:ext uri="{BB962C8B-B14F-4D97-AF65-F5344CB8AC3E}">
-        <p14:creationId xmlns:p14="http://schemas.microsoft.com/office/powerpoint/2010/main" val="833686513"/>
-      </p:ext>
-    </p:extLst>
-  </p:cSld>
-  <p:clrMapOvr>
-    <a:masterClrMapping/>
-  </p:clrMapOvr>
-  <p:timing>
-    <p:tnLst>
-      <p:par>
-        <p:cTn id="1" dur="indefinite" restart="never" nodeType="tmRoot"/>
-      </p:par>
-    </p:tnLst>
-  </p:timing>
-</p:sld>
-</file>
-
-<file path=ppt/slides/slide36.xml><?xml version="1.0" encoding="utf-8"?>
-<p:sld xmlns:a="http://schemas.openxmlformats.org/drawingml/2006/main" xmlns:r="http://schemas.openxmlformats.org/officeDocument/2006/relationships" xmlns:p="http://schemas.openxmlformats.org/presentationml/2006/main">
-  <p:cSld>
-    <p:spTree>
-      <p:nvGrpSpPr>
-        <p:cNvPr id="1" name=""/>
-        <p:cNvGrpSpPr/>
-        <p:nvPr/>
-      </p:nvGrpSpPr>
-      <p:grpSpPr>
-        <a:xfrm>
-          <a:off x="0" y="0"/>
-          <a:ext cx="0" cy="0"/>
-          <a:chOff x="0" y="0"/>
-          <a:chExt cx="0" cy="0"/>
-        </a:xfrm>
-      </p:grpSpPr>
-      <p:sp>
-        <p:nvSpPr>
-          <p:cNvPr id="2" name="Title 1"/>
-          <p:cNvSpPr>
-            <a:spLocks noGrp="1"/>
-          </p:cNvSpPr>
-          <p:nvPr>
-            <p:ph type="title"/>
-          </p:nvPr>
-        </p:nvSpPr>
-        <p:spPr/>
-        <p:txBody>
-          <a:bodyPr>
-            <a:normAutofit fontScale="90000"/>
-          </a:bodyPr>
-          <a:lstStyle/>
-          <a:p>
-            <a:r>
-              <a:rPr lang="ru-RU" dirty="0" smtClean="0"/>
-              <a:t>Мониторинг используемой памяти из кода</a:t>
-            </a:r>
-            <a:endParaRPr lang="ru-RU" dirty="0"/>
-          </a:p>
-        </p:txBody>
-      </p:sp>
-      <p:sp>
-        <p:nvSpPr>
-          <p:cNvPr id="3" name="Content Placeholder 2"/>
-          <p:cNvSpPr>
-            <a:spLocks noGrp="1"/>
-          </p:cNvSpPr>
-          <p:nvPr>
-            <p:ph idx="1"/>
-          </p:nvPr>
-        </p:nvSpPr>
-        <p:spPr/>
-        <p:txBody>
-          <a:bodyPr/>
-          <a:lstStyle/>
-          <a:p>
-            <a:r>
-              <a:rPr lang="en-US" dirty="0" err="1" smtClean="0"/>
-              <a:t>GC.CollectionCount</a:t>
-            </a:r>
-            <a:r>
-              <a:rPr lang="en-US" dirty="0" smtClean="0"/>
-              <a:t>(</a:t>
-            </a:r>
-            <a:r>
-              <a:rPr lang="ru-RU" dirty="0" smtClean="0"/>
-              <a:t>номерПоколения</a:t>
-            </a:r>
-            <a:r>
-              <a:rPr lang="en-US" dirty="0" smtClean="0"/>
-              <a:t>)</a:t>
-            </a:r>
-            <a:r>
-              <a:rPr lang="ru-RU" dirty="0" smtClean="0"/>
-              <a:t> – сообщает сколько раз выполнялась сборка мусора для указанного поколения</a:t>
-            </a:r>
-          </a:p>
-          <a:p>
-            <a:r>
-              <a:rPr lang="en-US" dirty="0" err="1"/>
-              <a:t>GC.GetTotalMemory</a:t>
-            </a:r>
-            <a:r>
-              <a:rPr lang="en-US" dirty="0"/>
-              <a:t>(</a:t>
-            </a:r>
-            <a:r>
-              <a:rPr lang="en-US" dirty="0" err="1"/>
-              <a:t>bool</a:t>
-            </a:r>
-            <a:r>
-              <a:rPr lang="en-US" dirty="0"/>
-              <a:t> </a:t>
-            </a:r>
-            <a:r>
-              <a:rPr lang="en-US" dirty="0" err="1"/>
-              <a:t>forceFullCollection</a:t>
-            </a:r>
-            <a:r>
-              <a:rPr lang="en-US" dirty="0" smtClean="0"/>
-              <a:t>)</a:t>
-            </a:r>
-            <a:r>
-              <a:rPr lang="ru-RU" dirty="0" smtClean="0"/>
-              <a:t> – возвращает кол-во байтов выделенных в куче</a:t>
-            </a:r>
-          </a:p>
-          <a:p>
-            <a:r>
-              <a:rPr lang="en-US" dirty="0" err="1" smtClean="0"/>
-              <a:t>Environment.WorkingSet</a:t>
-            </a:r>
-            <a:r>
-              <a:rPr lang="en-US" dirty="0" smtClean="0"/>
-              <a:t> – </a:t>
-            </a:r>
-            <a:r>
-              <a:rPr lang="ru-RU" dirty="0" smtClean="0"/>
-              <a:t>размер в байтах рабочего множества процесса </a:t>
-            </a:r>
-            <a:r>
-              <a:rPr lang="en-US" dirty="0" smtClean="0"/>
-              <a:t>(working set)</a:t>
-            </a:r>
-            <a:endParaRPr lang="en-US" dirty="0"/>
-          </a:p>
-          <a:p>
-            <a:endParaRPr lang="en-US" dirty="0"/>
-          </a:p>
-          <a:p>
-            <a:endParaRPr lang="ru-RU" dirty="0"/>
-          </a:p>
-        </p:txBody>
-      </p:sp>
-    </p:spTree>
-    <p:extLst>
-      <p:ext uri="{BB962C8B-B14F-4D97-AF65-F5344CB8AC3E}">
-        <p14:creationId xmlns:p14="http://schemas.microsoft.com/office/powerpoint/2010/main" val="921719331"/>
       </p:ext>
     </p:extLst>
   </p:cSld>
@@ -19094,120 +19059,17 @@
             <a:spLocks noGrp="1"/>
           </p:cNvSpPr>
           <p:nvPr>
-            <p:ph type="title"/>
+            <p:ph type="ctrTitle"/>
           </p:nvPr>
         </p:nvSpPr>
         <p:spPr/>
         <p:txBody>
-          <a:bodyPr>
-            <a:normAutofit fontScale="90000"/>
-          </a:bodyPr>
+          <a:bodyPr/>
           <a:lstStyle/>
           <a:p>
             <a:r>
               <a:rPr lang="ru-RU" dirty="0" smtClean="0"/>
-              <a:t>Мониторинг используемой памяти внешними средствами</a:t>
-            </a:r>
-            <a:endParaRPr lang="ru-RU" dirty="0"/>
-          </a:p>
-        </p:txBody>
-      </p:sp>
-      <p:sp>
-        <p:nvSpPr>
-          <p:cNvPr id="3" name="Content Placeholder 2"/>
-          <p:cNvSpPr>
-            <a:spLocks noGrp="1"/>
-          </p:cNvSpPr>
-          <p:nvPr>
-            <p:ph idx="1"/>
-          </p:nvPr>
-        </p:nvSpPr>
-        <p:spPr/>
-        <p:txBody>
-          <a:bodyPr>
-            <a:normAutofit/>
-          </a:bodyPr>
-          <a:lstStyle/>
-          <a:p>
-            <a:r>
-              <a:rPr lang="ru-RU" dirty="0" smtClean="0"/>
-              <a:t>Счетчики  производительности</a:t>
-            </a:r>
-            <a:endParaRPr lang="en-US" dirty="0" smtClean="0"/>
-          </a:p>
-          <a:p>
-            <a:pPr lvl="1"/>
-            <a:r>
-              <a:rPr lang="en-US" dirty="0" smtClean="0"/>
-              <a:t>Performance Monitor</a:t>
-            </a:r>
-            <a:r>
-              <a:rPr lang="ru-RU" dirty="0" smtClean="0"/>
-              <a:t> (</a:t>
-            </a:r>
-            <a:r>
-              <a:rPr lang="en-US" dirty="0" smtClean="0"/>
-              <a:t>Control Panel </a:t>
-            </a:r>
-            <a:r>
-              <a:rPr lang="en-US" dirty="0"/>
-              <a:t>\ Administrative </a:t>
-            </a:r>
-            <a:r>
-              <a:rPr lang="en-US" dirty="0" smtClean="0"/>
-              <a:t>Tools)</a:t>
-            </a:r>
-          </a:p>
-          <a:p>
-            <a:pPr lvl="1"/>
-            <a:r>
-              <a:rPr lang="en-US" dirty="0"/>
-              <a:t>Process Explorer</a:t>
-            </a:r>
-            <a:br>
-              <a:rPr lang="en-US" dirty="0"/>
-            </a:br>
-            <a:r>
-              <a:rPr lang="en-US" dirty="0">
-                <a:hlinkClick r:id="rId2"/>
-              </a:rPr>
-              <a:t>http://</a:t>
-            </a:r>
-            <a:r>
-              <a:rPr lang="en-US" dirty="0" smtClean="0">
-                <a:hlinkClick r:id="rId2"/>
-              </a:rPr>
-              <a:t>technet.microsoft.com/en-us/sysinternals/bb896653</a:t>
-            </a:r>
-            <a:endParaRPr lang="en-US" dirty="0" smtClean="0"/>
-          </a:p>
-          <a:p>
-            <a:r>
-              <a:rPr lang="en-US" dirty="0" smtClean="0"/>
-              <a:t>Microsoft </a:t>
-            </a:r>
-            <a:r>
-              <a:rPr lang="en-US" dirty="0" err="1" smtClean="0"/>
-              <a:t>PerfView</a:t>
-            </a:r>
-            <a:endParaRPr lang="en-US" dirty="0" smtClean="0"/>
-          </a:p>
-          <a:p>
-            <a:r>
-              <a:rPr lang="en-US" dirty="0" err="1" smtClean="0"/>
-              <a:t>dotMemory</a:t>
-            </a:r>
-            <a:r>
-              <a:rPr lang="en-US" dirty="0" smtClean="0"/>
-              <a:t> </a:t>
-            </a:r>
-            <a:r>
-              <a:rPr lang="ru-RU" dirty="0" smtClean="0"/>
-              <a:t>от </a:t>
-            </a:r>
-            <a:r>
-              <a:rPr lang="en-US" dirty="0" smtClean="0"/>
-              <a:t>JetBrains</a:t>
+              <a:t>Мониторинг используемой памяти</a:t>
             </a:r>
             <a:endParaRPr lang="ru-RU" dirty="0"/>
           </a:p>
@@ -19216,7 +19078,7 @@
     </p:spTree>
     <p:extLst>
       <p:ext uri="{BB962C8B-B14F-4D97-AF65-F5344CB8AC3E}">
-        <p14:creationId xmlns:p14="http://schemas.microsoft.com/office/powerpoint/2010/main" val="2842368969"/>
+        <p14:creationId xmlns:p14="http://schemas.microsoft.com/office/powerpoint/2010/main" val="833686513"/>
       </p:ext>
     </p:extLst>
   </p:cSld>
@@ -19262,6 +19124,404 @@
         </p:nvSpPr>
         <p:spPr/>
         <p:txBody>
+          <a:bodyPr>
+            <a:normAutofit fontScale="90000"/>
+          </a:bodyPr>
+          <a:lstStyle/>
+          <a:p>
+            <a:r>
+              <a:rPr lang="ru-RU" dirty="0" smtClean="0"/>
+              <a:t>Мониторинг используемой памяти из кода</a:t>
+            </a:r>
+            <a:endParaRPr lang="ru-RU" dirty="0"/>
+          </a:p>
+        </p:txBody>
+      </p:sp>
+      <p:sp>
+        <p:nvSpPr>
+          <p:cNvPr id="3" name="Content Placeholder 2"/>
+          <p:cNvSpPr>
+            <a:spLocks noGrp="1"/>
+          </p:cNvSpPr>
+          <p:nvPr>
+            <p:ph idx="1"/>
+          </p:nvPr>
+        </p:nvSpPr>
+        <p:spPr/>
+        <p:txBody>
+          <a:bodyPr/>
+          <a:lstStyle/>
+          <a:p>
+            <a:r>
+              <a:rPr lang="en-US" dirty="0" err="1" smtClean="0"/>
+              <a:t>GC.CollectionCount</a:t>
+            </a:r>
+            <a:r>
+              <a:rPr lang="en-US" dirty="0" smtClean="0"/>
+              <a:t>(</a:t>
+            </a:r>
+            <a:r>
+              <a:rPr lang="ru-RU" dirty="0" smtClean="0"/>
+              <a:t>номерПоколения</a:t>
+            </a:r>
+            <a:r>
+              <a:rPr lang="en-US" dirty="0" smtClean="0"/>
+              <a:t>)</a:t>
+            </a:r>
+            <a:r>
+              <a:rPr lang="ru-RU" dirty="0" smtClean="0"/>
+              <a:t> – сообщает сколько раз выполнялась сборка мусора для указанного поколения</a:t>
+            </a:r>
+          </a:p>
+          <a:p>
+            <a:r>
+              <a:rPr lang="en-US" dirty="0" err="1"/>
+              <a:t>GC.GetTotalMemory</a:t>
+            </a:r>
+            <a:r>
+              <a:rPr lang="en-US" dirty="0"/>
+              <a:t>(</a:t>
+            </a:r>
+            <a:r>
+              <a:rPr lang="en-US" dirty="0" err="1"/>
+              <a:t>bool</a:t>
+            </a:r>
+            <a:r>
+              <a:rPr lang="en-US" dirty="0"/>
+              <a:t> </a:t>
+            </a:r>
+            <a:r>
+              <a:rPr lang="en-US" dirty="0" err="1"/>
+              <a:t>forceFullCollection</a:t>
+            </a:r>
+            <a:r>
+              <a:rPr lang="en-US" dirty="0" smtClean="0"/>
+              <a:t>)</a:t>
+            </a:r>
+            <a:r>
+              <a:rPr lang="ru-RU" dirty="0" smtClean="0"/>
+              <a:t> – возвращает кол-во байтов выделенных в куче</a:t>
+            </a:r>
+          </a:p>
+          <a:p>
+            <a:r>
+              <a:rPr lang="en-US" dirty="0" err="1" smtClean="0"/>
+              <a:t>Environment.WorkingSet</a:t>
+            </a:r>
+            <a:r>
+              <a:rPr lang="en-US" dirty="0" smtClean="0"/>
+              <a:t> – </a:t>
+            </a:r>
+            <a:r>
+              <a:rPr lang="ru-RU" dirty="0" smtClean="0"/>
+              <a:t>размер в байтах рабочего множества процесса </a:t>
+            </a:r>
+            <a:r>
+              <a:rPr lang="en-US" dirty="0" smtClean="0"/>
+              <a:t>(working set)</a:t>
+            </a:r>
+            <a:endParaRPr lang="en-US" dirty="0"/>
+          </a:p>
+          <a:p>
+            <a:endParaRPr lang="en-US" dirty="0"/>
+          </a:p>
+          <a:p>
+            <a:endParaRPr lang="ru-RU" dirty="0"/>
+          </a:p>
+        </p:txBody>
+      </p:sp>
+    </p:spTree>
+    <p:extLst>
+      <p:ext uri="{BB962C8B-B14F-4D97-AF65-F5344CB8AC3E}">
+        <p14:creationId xmlns:p14="http://schemas.microsoft.com/office/powerpoint/2010/main" val="921719331"/>
+      </p:ext>
+    </p:extLst>
+  </p:cSld>
+  <p:clrMapOvr>
+    <a:masterClrMapping/>
+  </p:clrMapOvr>
+  <p:timing>
+    <p:tnLst>
+      <p:par>
+        <p:cTn id="1" dur="indefinite" restart="never" nodeType="tmRoot"/>
+      </p:par>
+    </p:tnLst>
+  </p:timing>
+</p:sld>
+</file>
+
+<file path=ppt/slides/slide39.xml><?xml version="1.0" encoding="utf-8"?>
+<p:sld xmlns:a="http://schemas.openxmlformats.org/drawingml/2006/main" xmlns:r="http://schemas.openxmlformats.org/officeDocument/2006/relationships" xmlns:p="http://schemas.openxmlformats.org/presentationml/2006/main">
+  <p:cSld>
+    <p:spTree>
+      <p:nvGrpSpPr>
+        <p:cNvPr id="1" name=""/>
+        <p:cNvGrpSpPr/>
+        <p:nvPr/>
+      </p:nvGrpSpPr>
+      <p:grpSpPr>
+        <a:xfrm>
+          <a:off x="0" y="0"/>
+          <a:ext cx="0" cy="0"/>
+          <a:chOff x="0" y="0"/>
+          <a:chExt cx="0" cy="0"/>
+        </a:xfrm>
+      </p:grpSpPr>
+      <p:sp>
+        <p:nvSpPr>
+          <p:cNvPr id="2" name="Title 1"/>
+          <p:cNvSpPr>
+            <a:spLocks noGrp="1"/>
+          </p:cNvSpPr>
+          <p:nvPr>
+            <p:ph type="title"/>
+          </p:nvPr>
+        </p:nvSpPr>
+        <p:spPr/>
+        <p:txBody>
+          <a:bodyPr>
+            <a:normAutofit fontScale="90000"/>
+          </a:bodyPr>
+          <a:lstStyle/>
+          <a:p>
+            <a:r>
+              <a:rPr lang="ru-RU" dirty="0" smtClean="0"/>
+              <a:t>Мониторинг используемой памяти внешними средствами</a:t>
+            </a:r>
+            <a:endParaRPr lang="ru-RU" dirty="0"/>
+          </a:p>
+        </p:txBody>
+      </p:sp>
+      <p:sp>
+        <p:nvSpPr>
+          <p:cNvPr id="3" name="Content Placeholder 2"/>
+          <p:cNvSpPr>
+            <a:spLocks noGrp="1"/>
+          </p:cNvSpPr>
+          <p:nvPr>
+            <p:ph idx="1"/>
+          </p:nvPr>
+        </p:nvSpPr>
+        <p:spPr/>
+        <p:txBody>
+          <a:bodyPr>
+            <a:normAutofit/>
+          </a:bodyPr>
+          <a:lstStyle/>
+          <a:p>
+            <a:r>
+              <a:rPr lang="ru-RU" dirty="0" smtClean="0"/>
+              <a:t>Счетчики  производительности</a:t>
+            </a:r>
+            <a:endParaRPr lang="en-US" dirty="0" smtClean="0"/>
+          </a:p>
+          <a:p>
+            <a:pPr lvl="1"/>
+            <a:r>
+              <a:rPr lang="en-US" dirty="0" smtClean="0"/>
+              <a:t>Performance Monitor</a:t>
+            </a:r>
+            <a:r>
+              <a:rPr lang="ru-RU" dirty="0" smtClean="0"/>
+              <a:t> (</a:t>
+            </a:r>
+            <a:r>
+              <a:rPr lang="en-US" dirty="0" smtClean="0"/>
+              <a:t>Control Panel </a:t>
+            </a:r>
+            <a:r>
+              <a:rPr lang="en-US" dirty="0"/>
+              <a:t>\ Administrative </a:t>
+            </a:r>
+            <a:r>
+              <a:rPr lang="en-US" dirty="0" smtClean="0"/>
+              <a:t>Tools)</a:t>
+            </a:r>
+          </a:p>
+          <a:p>
+            <a:pPr lvl="1"/>
+            <a:r>
+              <a:rPr lang="en-US" dirty="0"/>
+              <a:t>Process Explorer</a:t>
+            </a:r>
+            <a:br>
+              <a:rPr lang="en-US" dirty="0"/>
+            </a:br>
+            <a:r>
+              <a:rPr lang="en-US" dirty="0">
+                <a:hlinkClick r:id="rId2"/>
+              </a:rPr>
+              <a:t>http://</a:t>
+            </a:r>
+            <a:r>
+              <a:rPr lang="en-US" dirty="0" smtClean="0">
+                <a:hlinkClick r:id="rId2"/>
+              </a:rPr>
+              <a:t>technet.microsoft.com/en-us/sysinternals/bb896653</a:t>
+            </a:r>
+            <a:endParaRPr lang="en-US" dirty="0" smtClean="0"/>
+          </a:p>
+          <a:p>
+            <a:r>
+              <a:rPr lang="en-US" dirty="0" smtClean="0"/>
+              <a:t>Microsoft </a:t>
+            </a:r>
+            <a:r>
+              <a:rPr lang="en-US" dirty="0" err="1" smtClean="0"/>
+              <a:t>PerfView</a:t>
+            </a:r>
+            <a:endParaRPr lang="en-US" dirty="0" smtClean="0"/>
+          </a:p>
+          <a:p>
+            <a:r>
+              <a:rPr lang="en-US" dirty="0" err="1" smtClean="0"/>
+              <a:t>dotMemory</a:t>
+            </a:r>
+            <a:r>
+              <a:rPr lang="en-US" dirty="0" smtClean="0"/>
+              <a:t> </a:t>
+            </a:r>
+            <a:r>
+              <a:rPr lang="ru-RU" dirty="0" smtClean="0"/>
+              <a:t>от </a:t>
+            </a:r>
+            <a:r>
+              <a:rPr lang="en-US" dirty="0" smtClean="0"/>
+              <a:t>JetBrains</a:t>
+            </a:r>
+            <a:endParaRPr lang="ru-RU" dirty="0"/>
+          </a:p>
+        </p:txBody>
+      </p:sp>
+    </p:spTree>
+    <p:extLst>
+      <p:ext uri="{BB962C8B-B14F-4D97-AF65-F5344CB8AC3E}">
+        <p14:creationId xmlns:p14="http://schemas.microsoft.com/office/powerpoint/2010/main" val="2842368969"/>
+      </p:ext>
+    </p:extLst>
+  </p:cSld>
+  <p:clrMapOvr>
+    <a:masterClrMapping/>
+  </p:clrMapOvr>
+  <p:timing>
+    <p:tnLst>
+      <p:par>
+        <p:cTn id="1" dur="indefinite" restart="never" nodeType="tmRoot"/>
+      </p:par>
+    </p:tnLst>
+  </p:timing>
+</p:sld>
+</file>
+
+<file path=ppt/slides/slide4.xml><?xml version="1.0" encoding="utf-8"?>
+<p:sld xmlns:a="http://schemas.openxmlformats.org/drawingml/2006/main" xmlns:r="http://schemas.openxmlformats.org/officeDocument/2006/relationships" xmlns:p="http://schemas.openxmlformats.org/presentationml/2006/main" show="0">
+  <p:cSld>
+    <p:spTree>
+      <p:nvGrpSpPr>
+        <p:cNvPr id="1" name=""/>
+        <p:cNvGrpSpPr/>
+        <p:nvPr/>
+      </p:nvGrpSpPr>
+      <p:grpSpPr>
+        <a:xfrm>
+          <a:off x="0" y="0"/>
+          <a:ext cx="0" cy="0"/>
+          <a:chOff x="0" y="0"/>
+          <a:chExt cx="0" cy="0"/>
+        </a:xfrm>
+      </p:grpSpPr>
+      <p:sp>
+        <p:nvSpPr>
+          <p:cNvPr id="2" name="Title 1"/>
+          <p:cNvSpPr>
+            <a:spLocks noGrp="1"/>
+          </p:cNvSpPr>
+          <p:nvPr>
+            <p:ph type="title"/>
+          </p:nvPr>
+        </p:nvSpPr>
+        <p:spPr/>
+        <p:txBody>
+          <a:bodyPr/>
+          <a:lstStyle/>
+          <a:p>
+            <a:r>
+              <a:rPr lang="en-US" dirty="0" err="1"/>
+              <a:t>WeakReference</a:t>
+            </a:r>
+            <a:endParaRPr lang="en-US" dirty="0"/>
+          </a:p>
+        </p:txBody>
+      </p:sp>
+      <p:sp>
+        <p:nvSpPr>
+          <p:cNvPr id="3" name="Content Placeholder 2"/>
+          <p:cNvSpPr>
+            <a:spLocks noGrp="1"/>
+          </p:cNvSpPr>
+          <p:nvPr>
+            <p:ph idx="1"/>
+          </p:nvPr>
+        </p:nvSpPr>
+        <p:spPr/>
+        <p:txBody>
+          <a:bodyPr/>
+          <a:lstStyle/>
+          <a:p>
+            <a:endParaRPr lang="en-US"/>
+          </a:p>
+        </p:txBody>
+      </p:sp>
+    </p:spTree>
+    <p:extLst>
+      <p:ext uri="{BB962C8B-B14F-4D97-AF65-F5344CB8AC3E}">
+        <p14:creationId xmlns:p14="http://schemas.microsoft.com/office/powerpoint/2010/main" val="1186899550"/>
+      </p:ext>
+    </p:extLst>
+  </p:cSld>
+  <p:clrMapOvr>
+    <a:masterClrMapping/>
+  </p:clrMapOvr>
+  <mc:AlternateContent xmlns:mc="http://schemas.openxmlformats.org/markup-compatibility/2006" xmlns:p14="http://schemas.microsoft.com/office/powerpoint/2010/main">
+    <mc:Choice Requires="p14">
+      <p:transition spd="slow" p14:dur="2000"/>
+    </mc:Choice>
+    <mc:Fallback xmlns="">
+      <p:transition spd="slow"/>
+    </mc:Fallback>
+  </mc:AlternateContent>
+</p:sld>
+</file>
+
+<file path=ppt/slides/slide40.xml><?xml version="1.0" encoding="utf-8"?>
+<p:sld xmlns:a="http://schemas.openxmlformats.org/drawingml/2006/main" xmlns:r="http://schemas.openxmlformats.org/officeDocument/2006/relationships" xmlns:p="http://schemas.openxmlformats.org/presentationml/2006/main">
+  <p:cSld>
+    <p:spTree>
+      <p:nvGrpSpPr>
+        <p:cNvPr id="1" name=""/>
+        <p:cNvGrpSpPr/>
+        <p:nvPr/>
+      </p:nvGrpSpPr>
+      <p:grpSpPr>
+        <a:xfrm>
+          <a:off x="0" y="0"/>
+          <a:ext cx="0" cy="0"/>
+          <a:chOff x="0" y="0"/>
+          <a:chExt cx="0" cy="0"/>
+        </a:xfrm>
+      </p:grpSpPr>
+      <p:sp>
+        <p:nvSpPr>
+          <p:cNvPr id="2" name="Title 1"/>
+          <p:cNvSpPr>
+            <a:spLocks noGrp="1"/>
+          </p:cNvSpPr>
+          <p:nvPr>
+            <p:ph type="title"/>
+          </p:nvPr>
+        </p:nvSpPr>
+        <p:spPr/>
+        <p:txBody>
           <a:bodyPr/>
           <a:lstStyle/>
           <a:p>
@@ -19418,7 +19678,7 @@
 </p:sld>
 </file>
 
-<file path=ppt/slides/slide39.xml><?xml version="1.0" encoding="utf-8"?>
+<file path=ppt/slides/slide41.xml><?xml version="1.0" encoding="utf-8"?>
 <p:sld xmlns:a="http://schemas.openxmlformats.org/drawingml/2006/main" xmlns:r="http://schemas.openxmlformats.org/officeDocument/2006/relationships" xmlns:p="http://schemas.openxmlformats.org/presentationml/2006/main">
   <p:cSld>
     <p:spTree>
@@ -19515,8 +19775,20 @@
             <a:tbl>
               <a:tblPr/>
               <a:tblGrid>
-                <a:gridCol w="3312368"/>
-                <a:gridCol w="4896544"/>
+                <a:gridCol w="3312368">
+                  <a:extLst>
+                    <a:ext uri="{9D8B030D-6E8A-4147-A177-3AD203B41FA5}">
+                      <a16:colId xmlns:a16="http://schemas.microsoft.com/office/drawing/2014/main" val="20000"/>
+                    </a:ext>
+                  </a:extLst>
+                </a:gridCol>
+                <a:gridCol w="4896544">
+                  <a:extLst>
+                    <a:ext uri="{9D8B030D-6E8A-4147-A177-3AD203B41FA5}">
+                      <a16:colId xmlns:a16="http://schemas.microsoft.com/office/drawing/2014/main" val="20001"/>
+                    </a:ext>
+                  </a:extLst>
+                </a:gridCol>
               </a:tblGrid>
               <a:tr h="182299">
                 <a:tc>
@@ -19819,6 +20091,11 @@
                     </a:solidFill>
                   </a:tcPr>
                 </a:tc>
+                <a:extLst>
+                  <a:ext uri="{0D108BD9-81ED-4DB2-BD59-A6C34878D82A}">
+                    <a16:rowId xmlns:a16="http://schemas.microsoft.com/office/drawing/2014/main" val="10000"/>
+                  </a:ext>
+                </a:extLst>
               </a:tr>
               <a:tr h="182299">
                 <a:tc>
@@ -20150,6 +20427,11 @@
                     <a:noFill/>
                   </a:tcPr>
                 </a:tc>
+                <a:extLst>
+                  <a:ext uri="{0D108BD9-81ED-4DB2-BD59-A6C34878D82A}">
+                    <a16:rowId xmlns:a16="http://schemas.microsoft.com/office/drawing/2014/main" val="10001"/>
+                  </a:ext>
+                </a:extLst>
               </a:tr>
               <a:tr h="182299">
                 <a:tc>
@@ -20471,6 +20753,11 @@
                     <a:noFill/>
                   </a:tcPr>
                 </a:tc>
+                <a:extLst>
+                  <a:ext uri="{0D108BD9-81ED-4DB2-BD59-A6C34878D82A}">
+                    <a16:rowId xmlns:a16="http://schemas.microsoft.com/office/drawing/2014/main" val="10002"/>
+                  </a:ext>
+                </a:extLst>
               </a:tr>
               <a:tr h="182299">
                 <a:tc>
@@ -20808,6 +21095,11 @@
                     <a:noFill/>
                   </a:tcPr>
                 </a:tc>
+                <a:extLst>
+                  <a:ext uri="{0D108BD9-81ED-4DB2-BD59-A6C34878D82A}">
+                    <a16:rowId xmlns:a16="http://schemas.microsoft.com/office/drawing/2014/main" val="10003"/>
+                  </a:ext>
+                </a:extLst>
               </a:tr>
               <a:tr h="0">
                 <a:tc>
@@ -21129,6 +21421,11 @@
                     <a:noFill/>
                   </a:tcPr>
                 </a:tc>
+                <a:extLst>
+                  <a:ext uri="{0D108BD9-81ED-4DB2-BD59-A6C34878D82A}">
+                    <a16:rowId xmlns:a16="http://schemas.microsoft.com/office/drawing/2014/main" val="10004"/>
+                  </a:ext>
+                </a:extLst>
               </a:tr>
               <a:tr h="0">
                 <a:tc>
@@ -21483,6 +21780,11 @@
                     <a:noFill/>
                   </a:tcPr>
                 </a:tc>
+                <a:extLst>
+                  <a:ext uri="{0D108BD9-81ED-4DB2-BD59-A6C34878D82A}">
+                    <a16:rowId xmlns:a16="http://schemas.microsoft.com/office/drawing/2014/main" val="10005"/>
+                  </a:ext>
+                </a:extLst>
               </a:tr>
               <a:tr h="0">
                 <a:tc>
@@ -21839,6 +22141,11 @@
                     <a:noFill/>
                   </a:tcPr>
                 </a:tc>
+                <a:extLst>
+                  <a:ext uri="{0D108BD9-81ED-4DB2-BD59-A6C34878D82A}">
+                    <a16:rowId xmlns:a16="http://schemas.microsoft.com/office/drawing/2014/main" val="10006"/>
+                  </a:ext>
+                </a:extLst>
               </a:tr>
               <a:tr h="0">
                 <a:tc>
@@ -22193,6 +22500,11 @@
                     <a:noFill/>
                   </a:tcPr>
                 </a:tc>
+                <a:extLst>
+                  <a:ext uri="{0D108BD9-81ED-4DB2-BD59-A6C34878D82A}">
+                    <a16:rowId xmlns:a16="http://schemas.microsoft.com/office/drawing/2014/main" val="10007"/>
+                  </a:ext>
+                </a:extLst>
               </a:tr>
               <a:tr h="0">
                 <a:tc>
@@ -22492,6 +22804,11 @@
                     <a:noFill/>
                   </a:tcPr>
                 </a:tc>
+                <a:extLst>
+                  <a:ext uri="{0D108BD9-81ED-4DB2-BD59-A6C34878D82A}">
+                    <a16:rowId xmlns:a16="http://schemas.microsoft.com/office/drawing/2014/main" val="10008"/>
+                  </a:ext>
+                </a:extLst>
               </a:tr>
               <a:tr h="0">
                 <a:tc>
@@ -22791,6 +23108,11 @@
                     <a:noFill/>
                   </a:tcPr>
                 </a:tc>
+                <a:extLst>
+                  <a:ext uri="{0D108BD9-81ED-4DB2-BD59-A6C34878D82A}">
+                    <a16:rowId xmlns:a16="http://schemas.microsoft.com/office/drawing/2014/main" val="10009"/>
+                  </a:ext>
+                </a:extLst>
               </a:tr>
               <a:tr h="0">
                 <a:tc>
@@ -22954,6 +23276,11 @@
                     <a:noFill/>
                   </a:tcPr>
                 </a:tc>
+                <a:extLst>
+                  <a:ext uri="{0D108BD9-81ED-4DB2-BD59-A6C34878D82A}">
+                    <a16:rowId xmlns:a16="http://schemas.microsoft.com/office/drawing/2014/main" val="10010"/>
+                  </a:ext>
+                </a:extLst>
               </a:tr>
               <a:tr h="0">
                 <a:tc>
@@ -23117,6 +23444,11 @@
                     <a:noFill/>
                   </a:tcPr>
                 </a:tc>
+                <a:extLst>
+                  <a:ext uri="{0D108BD9-81ED-4DB2-BD59-A6C34878D82A}">
+                    <a16:rowId xmlns:a16="http://schemas.microsoft.com/office/drawing/2014/main" val="10011"/>
+                  </a:ext>
+                </a:extLst>
               </a:tr>
               <a:tr h="0">
                 <a:tc>
@@ -23280,6 +23612,11 @@
                     <a:noFill/>
                   </a:tcPr>
                 </a:tc>
+                <a:extLst>
+                  <a:ext uri="{0D108BD9-81ED-4DB2-BD59-A6C34878D82A}">
+                    <a16:rowId xmlns:a16="http://schemas.microsoft.com/office/drawing/2014/main" val="10012"/>
+                  </a:ext>
+                </a:extLst>
               </a:tr>
               <a:tr h="0">
                 <a:tc>
@@ -23443,6 +23780,11 @@
                     <a:noFill/>
                   </a:tcPr>
                 </a:tc>
+                <a:extLst>
+                  <a:ext uri="{0D108BD9-81ED-4DB2-BD59-A6C34878D82A}">
+                    <a16:rowId xmlns:a16="http://schemas.microsoft.com/office/drawing/2014/main" val="10013"/>
+                  </a:ext>
+                </a:extLst>
               </a:tr>
               <a:tr h="0">
                 <a:tc>
@@ -23687,6 +24029,11 @@
                     <a:noFill/>
                   </a:tcPr>
                 </a:tc>
+                <a:extLst>
+                  <a:ext uri="{0D108BD9-81ED-4DB2-BD59-A6C34878D82A}">
+                    <a16:rowId xmlns:a16="http://schemas.microsoft.com/office/drawing/2014/main" val="10014"/>
+                  </a:ext>
+                </a:extLst>
               </a:tr>
               <a:tr h="0">
                 <a:tc>
@@ -23850,6 +24197,11 @@
                     <a:noFill/>
                   </a:tcPr>
                 </a:tc>
+                <a:extLst>
+                  <a:ext uri="{0D108BD9-81ED-4DB2-BD59-A6C34878D82A}">
+                    <a16:rowId xmlns:a16="http://schemas.microsoft.com/office/drawing/2014/main" val="10015"/>
+                  </a:ext>
+                </a:extLst>
               </a:tr>
               <a:tr h="0">
                 <a:tc>
@@ -24024,6 +24376,11 @@
                     <a:noFill/>
                   </a:tcPr>
                 </a:tc>
+                <a:extLst>
+                  <a:ext uri="{0D108BD9-81ED-4DB2-BD59-A6C34878D82A}">
+                    <a16:rowId xmlns:a16="http://schemas.microsoft.com/office/drawing/2014/main" val="10016"/>
+                  </a:ext>
+                </a:extLst>
               </a:tr>
             </a:tbl>
           </a:graphicData>
@@ -24049,87 +24406,7 @@
 </p:sld>
 </file>
 
-<file path=ppt/slides/slide4.xml><?xml version="1.0" encoding="utf-8"?>
-<p:sld xmlns:a="http://schemas.openxmlformats.org/drawingml/2006/main" xmlns:r="http://schemas.openxmlformats.org/officeDocument/2006/relationships" xmlns:p="http://schemas.openxmlformats.org/presentationml/2006/main" show="0">
-  <p:cSld>
-    <p:spTree>
-      <p:nvGrpSpPr>
-        <p:cNvPr id="1" name=""/>
-        <p:cNvGrpSpPr/>
-        <p:nvPr/>
-      </p:nvGrpSpPr>
-      <p:grpSpPr>
-        <a:xfrm>
-          <a:off x="0" y="0"/>
-          <a:ext cx="0" cy="0"/>
-          <a:chOff x="0" y="0"/>
-          <a:chExt cx="0" cy="0"/>
-        </a:xfrm>
-      </p:grpSpPr>
-      <p:sp>
-        <p:nvSpPr>
-          <p:cNvPr id="2" name="Title 1"/>
-          <p:cNvSpPr>
-            <a:spLocks noGrp="1"/>
-          </p:cNvSpPr>
-          <p:nvPr>
-            <p:ph type="title"/>
-          </p:nvPr>
-        </p:nvSpPr>
-        <p:spPr/>
-        <p:txBody>
-          <a:bodyPr/>
-          <a:lstStyle/>
-          <a:p>
-            <a:r>
-              <a:rPr lang="en-US" dirty="0" err="1"/>
-              <a:t>WeakReference</a:t>
-            </a:r>
-            <a:endParaRPr lang="en-US" dirty="0"/>
-          </a:p>
-        </p:txBody>
-      </p:sp>
-      <p:sp>
-        <p:nvSpPr>
-          <p:cNvPr id="3" name="Content Placeholder 2"/>
-          <p:cNvSpPr>
-            <a:spLocks noGrp="1"/>
-          </p:cNvSpPr>
-          <p:nvPr>
-            <p:ph idx="1"/>
-          </p:nvPr>
-        </p:nvSpPr>
-        <p:spPr/>
-        <p:txBody>
-          <a:bodyPr/>
-          <a:lstStyle/>
-          <a:p>
-            <a:endParaRPr lang="en-US"/>
-          </a:p>
-        </p:txBody>
-      </p:sp>
-    </p:spTree>
-    <p:extLst>
-      <p:ext uri="{BB962C8B-B14F-4D97-AF65-F5344CB8AC3E}">
-        <p14:creationId xmlns:p14="http://schemas.microsoft.com/office/powerpoint/2010/main" val="1186899550"/>
-      </p:ext>
-    </p:extLst>
-  </p:cSld>
-  <p:clrMapOvr>
-    <a:masterClrMapping/>
-  </p:clrMapOvr>
-  <mc:AlternateContent xmlns:mc="http://schemas.openxmlformats.org/markup-compatibility/2006" xmlns:p14="http://schemas.microsoft.com/office/powerpoint/2010/main">
-    <mc:Choice Requires="p14">
-      <p:transition spd="slow" p14:dur="2000"/>
-    </mc:Choice>
-    <mc:Fallback xmlns="">
-      <p:transition spd="slow"/>
-    </mc:Fallback>
-  </mc:AlternateContent>
-</p:sld>
-</file>
-
-<file path=ppt/slides/slide40.xml><?xml version="1.0" encoding="utf-8"?>
+<file path=ppt/slides/slide42.xml><?xml version="1.0" encoding="utf-8"?>
 <p:sld xmlns:a="http://schemas.openxmlformats.org/drawingml/2006/main" xmlns:r="http://schemas.openxmlformats.org/officeDocument/2006/relationships" xmlns:p="http://schemas.openxmlformats.org/presentationml/2006/main">
   <p:cSld>
     <p:spTree>
@@ -24276,7 +24553,7 @@
 </p:sld>
 </file>
 
-<file path=ppt/slides/slide41.xml><?xml version="1.0" encoding="utf-8"?>
+<file path=ppt/slides/slide43.xml><?xml version="1.0" encoding="utf-8"?>
 <p:sld xmlns:a="http://schemas.openxmlformats.org/drawingml/2006/main" xmlns:r="http://schemas.openxmlformats.org/officeDocument/2006/relationships" xmlns:p="http://schemas.openxmlformats.org/presentationml/2006/main">
   <p:cSld>
     <p:spTree>
@@ -24355,7 +24632,7 @@
 </p:sld>
 </file>
 
-<file path=ppt/slides/slide42.xml><?xml version="1.0" encoding="utf-8"?>
+<file path=ppt/slides/slide44.xml><?xml version="1.0" encoding="utf-8"?>
 <p:sld xmlns:a="http://schemas.openxmlformats.org/drawingml/2006/main" xmlns:r="http://schemas.openxmlformats.org/officeDocument/2006/relationships" xmlns:p="http://schemas.openxmlformats.org/presentationml/2006/main">
   <p:cSld>
     <p:spTree>
@@ -24523,7 +24800,7 @@
 </p:sld>
 </file>
 
-<file path=ppt/slides/slide43.xml><?xml version="1.0" encoding="utf-8"?>
+<file path=ppt/slides/slide45.xml><?xml version="1.0" encoding="utf-8"?>
 <p:sld xmlns:a="http://schemas.openxmlformats.org/drawingml/2006/main" xmlns:r="http://schemas.openxmlformats.org/officeDocument/2006/relationships" xmlns:p="http://schemas.openxmlformats.org/presentationml/2006/main">
   <p:cSld>
     <p:spTree>

--- a/Presentation/memory-management-and-gc.pptx
+++ b/Presentation/memory-management-and-gc.pptx
@@ -266,7 +266,7 @@
           <a:p>
             <a:fld id="{B24A7054-7FFB-49F4-A126-5DF6E687FF53}" type="datetimeFigureOut">
               <a:rPr lang="ru-RU" smtClean="0"/>
-              <a:t>15.10.2017</a:t>
+              <a:t>01.07.2018</a:t>
             </a:fld>
             <a:endParaRPr lang="ru-RU"/>
           </a:p>
@@ -330,35 +330,35 @@
           <a:p>
             <a:pPr lvl="0"/>
             <a:r>
-              <a:rPr lang="en-US" smtClean="0"/>
+              <a:rPr lang="en-US"/>
               <a:t>Click to edit Master text styles</a:t>
             </a:r>
           </a:p>
           <a:p>
             <a:pPr lvl="1"/>
             <a:r>
-              <a:rPr lang="en-US" smtClean="0"/>
+              <a:rPr lang="en-US"/>
               <a:t>Second level</a:t>
             </a:r>
           </a:p>
           <a:p>
             <a:pPr lvl="2"/>
             <a:r>
-              <a:rPr lang="en-US" smtClean="0"/>
+              <a:rPr lang="en-US"/>
               <a:t>Third level</a:t>
             </a:r>
           </a:p>
           <a:p>
             <a:pPr lvl="3"/>
             <a:r>
-              <a:rPr lang="en-US" smtClean="0"/>
+              <a:rPr lang="en-US"/>
               <a:t>Fourth level</a:t>
             </a:r>
           </a:p>
           <a:p>
             <a:pPr lvl="4"/>
             <a:r>
-              <a:rPr lang="en-US" smtClean="0"/>
+              <a:rPr lang="en-US"/>
               <a:t>Fifth level</a:t>
             </a:r>
             <a:endParaRPr lang="ru-RU"/>
@@ -658,7 +658,7 @@
           <a:p>
             <a:pPr algn="ctr"/>
             <a:r>
-              <a:rPr lang="ru-RU" sz="3600" b="1" i="1" dirty="0" smtClean="0">
+              <a:rPr lang="ru-RU" sz="3600" b="1" i="1" dirty="0">
                 <a:solidFill>
                   <a:schemeClr val="bg1"/>
                 </a:solidFill>
@@ -666,7 +666,7 @@
               <a:t>Основы программирования на </a:t>
             </a:r>
             <a:r>
-              <a:rPr lang="en-US" sz="3600" b="1" i="1" dirty="0" smtClean="0">
+              <a:rPr lang="en-US" sz="3600" b="1" i="1" dirty="0">
                 <a:solidFill>
                   <a:schemeClr val="bg1"/>
                 </a:solidFill>
@@ -773,18 +773,10 @@
                   <a:schemeClr val="bg1"/>
                 </a:solidFill>
               </a:rPr>
-              <a:t>Занятие </a:t>
-            </a:r>
-            <a:r>
-              <a:rPr lang="ru-RU" sz="2400" dirty="0" smtClean="0">
-                <a:solidFill>
-                  <a:schemeClr val="bg1"/>
-                </a:solidFill>
-              </a:rPr>
-              <a:t>№</a:t>
-            </a:r>
-            <a:r>
-              <a:rPr lang="en-US" sz="2400" dirty="0" smtClean="0">
+              <a:t>Занятие №</a:t>
+            </a:r>
+            <a:r>
+              <a:rPr lang="en-US" sz="2400" dirty="0">
                 <a:solidFill>
                   <a:schemeClr val="bg1"/>
                 </a:solidFill>
@@ -792,7 +784,7 @@
               <a:t>1</a:t>
             </a:r>
             <a:r>
-              <a:rPr lang="ru-RU" sz="2400" dirty="0" smtClean="0">
+              <a:rPr lang="ru-RU" sz="2400" dirty="0">
                 <a:solidFill>
                   <a:schemeClr val="bg1"/>
                 </a:solidFill>
@@ -817,13 +809,6 @@
   <p:clrMapOvr>
     <a:masterClrMapping/>
   </p:clrMapOvr>
-  <p:timing>
-    <p:tnLst>
-      <p:par>
-        <p:cTn id="1" dur="indefinite" restart="never" nodeType="tmRoot"/>
-      </p:par>
-    </p:tnLst>
-  </p:timing>
 </p:sldLayout>
 </file>
 
@@ -869,7 +854,7 @@
           </a:lstStyle>
           <a:p>
             <a:r>
-              <a:rPr lang="en-US" smtClean="0"/>
+              <a:rPr lang="en-US"/>
               <a:t>Click to edit Master title style</a:t>
             </a:r>
             <a:endParaRPr lang="ru-RU" dirty="0"/>
@@ -926,35 +911,35 @@
           <a:p>
             <a:pPr lvl="0"/>
             <a:r>
-              <a:rPr lang="en-US" smtClean="0"/>
+              <a:rPr lang="en-US"/>
               <a:t>Click to edit Master text styles</a:t>
             </a:r>
           </a:p>
           <a:p>
             <a:pPr lvl="1"/>
             <a:r>
-              <a:rPr lang="en-US" smtClean="0"/>
+              <a:rPr lang="en-US"/>
               <a:t>Second level</a:t>
             </a:r>
           </a:p>
           <a:p>
             <a:pPr lvl="2"/>
             <a:r>
-              <a:rPr lang="en-US" smtClean="0"/>
+              <a:rPr lang="en-US"/>
               <a:t>Third level</a:t>
             </a:r>
           </a:p>
           <a:p>
             <a:pPr lvl="3"/>
             <a:r>
-              <a:rPr lang="en-US" smtClean="0"/>
+              <a:rPr lang="en-US"/>
               <a:t>Fourth level</a:t>
             </a:r>
           </a:p>
           <a:p>
             <a:pPr lvl="4"/>
             <a:r>
-              <a:rPr lang="en-US" smtClean="0"/>
+              <a:rPr lang="en-US"/>
               <a:t>Fifth level</a:t>
             </a:r>
             <a:endParaRPr lang="ru-RU" dirty="0"/>
@@ -1020,7 +1005,7 @@
           <a:p>
             <a:pPr lvl="0"/>
             <a:r>
-              <a:rPr lang="en-US" smtClean="0"/>
+              <a:rPr lang="en-US"/>
               <a:t>Click to edit Master text styles</a:t>
             </a:r>
           </a:p>
@@ -1081,7 +1066,7 @@
           </a:lstStyle>
           <a:p>
             <a:r>
-              <a:rPr lang="en-US" smtClean="0"/>
+              <a:rPr lang="en-US"/>
               <a:t>Click to edit Master title style</a:t>
             </a:r>
             <a:endParaRPr lang="ru-RU" dirty="0"/>
@@ -1146,7 +1131,7 @@
           </a:lstStyle>
           <a:p>
             <a:r>
-              <a:rPr lang="en-US" smtClean="0"/>
+              <a:rPr lang="en-US"/>
               <a:t>Click icon to add picture</a:t>
             </a:r>
             <a:endParaRPr lang="ru-RU"/>
@@ -1212,7 +1197,7 @@
           <a:p>
             <a:pPr lvl="0"/>
             <a:r>
-              <a:rPr lang="en-US" smtClean="0"/>
+              <a:rPr lang="en-US"/>
               <a:t>Click to edit Master text styles</a:t>
             </a:r>
           </a:p>
@@ -1264,7 +1249,7 @@
           <a:lstStyle/>
           <a:p>
             <a:r>
-              <a:rPr lang="en-US" smtClean="0"/>
+              <a:rPr lang="en-US"/>
               <a:t>Click to edit Master title style</a:t>
             </a:r>
             <a:endParaRPr lang="ru-RU" dirty="0"/>
@@ -1288,35 +1273,35 @@
           <a:p>
             <a:pPr lvl="0"/>
             <a:r>
-              <a:rPr lang="en-US" smtClean="0"/>
+              <a:rPr lang="en-US"/>
               <a:t>Click to edit Master text styles</a:t>
             </a:r>
           </a:p>
           <a:p>
             <a:pPr lvl="1"/>
             <a:r>
-              <a:rPr lang="en-US" smtClean="0"/>
+              <a:rPr lang="en-US"/>
               <a:t>Second level</a:t>
             </a:r>
           </a:p>
           <a:p>
             <a:pPr lvl="2"/>
             <a:r>
-              <a:rPr lang="en-US" smtClean="0"/>
+              <a:rPr lang="en-US"/>
               <a:t>Third level</a:t>
             </a:r>
           </a:p>
           <a:p>
             <a:pPr lvl="3"/>
             <a:r>
-              <a:rPr lang="en-US" smtClean="0"/>
+              <a:rPr lang="en-US"/>
               <a:t>Fourth level</a:t>
             </a:r>
           </a:p>
           <a:p>
             <a:pPr lvl="4"/>
             <a:r>
-              <a:rPr lang="en-US" smtClean="0"/>
+              <a:rPr lang="en-US"/>
               <a:t>Fifth level</a:t>
             </a:r>
             <a:endParaRPr lang="ru-RU" dirty="0"/>
@@ -1374,7 +1359,7 @@
           <a:lstStyle/>
           <a:p>
             <a:r>
-              <a:rPr lang="en-US" smtClean="0"/>
+              <a:rPr lang="en-US"/>
               <a:t>Click to edit Master title style</a:t>
             </a:r>
             <a:endParaRPr lang="ru-RU" dirty="0"/>
@@ -1403,35 +1388,35 @@
           <a:p>
             <a:pPr lvl="0"/>
             <a:r>
-              <a:rPr lang="en-US" smtClean="0"/>
+              <a:rPr lang="en-US"/>
               <a:t>Click to edit Master text styles</a:t>
             </a:r>
           </a:p>
           <a:p>
             <a:pPr lvl="1"/>
             <a:r>
-              <a:rPr lang="en-US" smtClean="0"/>
+              <a:rPr lang="en-US"/>
               <a:t>Second level</a:t>
             </a:r>
           </a:p>
           <a:p>
             <a:pPr lvl="2"/>
             <a:r>
-              <a:rPr lang="en-US" smtClean="0"/>
+              <a:rPr lang="en-US"/>
               <a:t>Third level</a:t>
             </a:r>
           </a:p>
           <a:p>
             <a:pPr lvl="3"/>
             <a:r>
-              <a:rPr lang="en-US" smtClean="0"/>
+              <a:rPr lang="en-US"/>
               <a:t>Fourth level</a:t>
             </a:r>
           </a:p>
           <a:p>
             <a:pPr lvl="4"/>
             <a:r>
-              <a:rPr lang="en-US" smtClean="0"/>
+              <a:rPr lang="en-US"/>
               <a:t>Fifth level</a:t>
             </a:r>
             <a:endParaRPr lang="ru-RU" dirty="0"/>
@@ -1489,7 +1474,7 @@
           <a:lstStyle/>
           <a:p>
             <a:r>
-              <a:rPr lang="en-US" smtClean="0"/>
+              <a:rPr lang="en-US"/>
               <a:t>Click to edit Master title style</a:t>
             </a:r>
             <a:endParaRPr lang="ru-RU"/>
@@ -1608,7 +1593,7 @@
           </a:lstStyle>
           <a:p>
             <a:r>
-              <a:rPr lang="en-US" smtClean="0"/>
+              <a:rPr lang="en-US"/>
               <a:t>Click to edit Master subtitle style</a:t>
             </a:r>
             <a:endParaRPr lang="ru-RU"/>
@@ -1632,7 +1617,7 @@
           <a:p>
             <a:fld id="{8E6E6A2A-E9D3-4A0D-B04A-ABDD367A1E08}" type="datetimeFigureOut">
               <a:rPr lang="ru-RU" smtClean="0"/>
-              <a:t>15.10.2017</a:t>
+              <a:t>01.07.2018</a:t>
             </a:fld>
             <a:endParaRPr lang="ru-RU"/>
           </a:p>
@@ -1738,18 +1723,10 @@
                   <a:schemeClr val="bg1"/>
                 </a:solidFill>
               </a:rPr>
-              <a:t>Занятие </a:t>
-            </a:r>
-            <a:r>
-              <a:rPr lang="ru-RU" sz="2400" dirty="0" smtClean="0">
-                <a:solidFill>
-                  <a:schemeClr val="bg1"/>
-                </a:solidFill>
-              </a:rPr>
-              <a:t>№</a:t>
-            </a:r>
-            <a:r>
-              <a:rPr lang="en-US" sz="2400" dirty="0" smtClean="0">
+              <a:t>Занятие №</a:t>
+            </a:r>
+            <a:r>
+              <a:rPr lang="en-US" sz="2400" dirty="0">
                 <a:solidFill>
                   <a:schemeClr val="bg1"/>
                 </a:solidFill>
@@ -1757,7 +1734,7 @@
               <a:t>2</a:t>
             </a:r>
             <a:r>
-              <a:rPr lang="ru-RU" sz="2400" dirty="0" smtClean="0">
+              <a:rPr lang="ru-RU" sz="2400" dirty="0">
                 <a:solidFill>
                   <a:schemeClr val="bg1"/>
                 </a:solidFill>
@@ -1795,7 +1772,7 @@
           <a:p>
             <a:pPr algn="ctr"/>
             <a:r>
-              <a:rPr lang="ru-RU" sz="3600" b="1" i="1" dirty="0" smtClean="0">
+              <a:rPr lang="ru-RU" sz="3600" b="1" i="1" dirty="0">
                 <a:solidFill>
                   <a:schemeClr val="bg1"/>
                 </a:solidFill>
@@ -1803,7 +1780,7 @@
               <a:t>Основы программирования на </a:t>
             </a:r>
             <a:r>
-              <a:rPr lang="en-US" sz="3600" b="1" i="1" dirty="0" smtClean="0">
+              <a:rPr lang="en-US" sz="3600" b="1" i="1" dirty="0">
                 <a:solidFill>
                   <a:schemeClr val="bg1"/>
                 </a:solidFill>
@@ -1892,13 +1869,6 @@
   <p:clrMapOvr>
     <a:masterClrMapping/>
   </p:clrMapOvr>
-  <p:timing>
-    <p:tnLst>
-      <p:par>
-        <p:cTn id="1" dur="indefinite" restart="never" nodeType="tmRoot"/>
-      </p:par>
-    </p:tnLst>
-  </p:timing>
 </p:sldLayout>
 </file>
 
@@ -1935,7 +1905,7 @@
           <a:lstStyle/>
           <a:p>
             <a:r>
-              <a:rPr lang="en-US" smtClean="0"/>
+              <a:rPr lang="en-US"/>
               <a:t>Click to edit Master title style</a:t>
             </a:r>
             <a:endParaRPr lang="ru-RU" dirty="0"/>
@@ -1959,35 +1929,35 @@
           <a:p>
             <a:pPr lvl="0"/>
             <a:r>
-              <a:rPr lang="en-US" smtClean="0"/>
+              <a:rPr lang="en-US"/>
               <a:t>Click to edit Master text styles</a:t>
             </a:r>
           </a:p>
           <a:p>
             <a:pPr lvl="1"/>
             <a:r>
-              <a:rPr lang="en-US" smtClean="0"/>
+              <a:rPr lang="en-US"/>
               <a:t>Second level</a:t>
             </a:r>
           </a:p>
           <a:p>
             <a:pPr lvl="2"/>
             <a:r>
-              <a:rPr lang="en-US" smtClean="0"/>
+              <a:rPr lang="en-US"/>
               <a:t>Third level</a:t>
             </a:r>
           </a:p>
           <a:p>
             <a:pPr lvl="3"/>
             <a:r>
-              <a:rPr lang="en-US" smtClean="0"/>
+              <a:rPr lang="en-US"/>
               <a:t>Fourth level</a:t>
             </a:r>
           </a:p>
           <a:p>
             <a:pPr lvl="4"/>
             <a:r>
-              <a:rPr lang="en-US" smtClean="0"/>
+              <a:rPr lang="en-US"/>
               <a:t>Fifth level</a:t>
             </a:r>
             <a:endParaRPr lang="ru-RU" dirty="0"/>
@@ -2049,7 +2019,7 @@
           </a:lstStyle>
           <a:p>
             <a:r>
-              <a:rPr lang="en-US" smtClean="0"/>
+              <a:rPr lang="en-US"/>
               <a:t>Click to edit Master title style</a:t>
             </a:r>
             <a:endParaRPr lang="ru-RU" dirty="0"/>
@@ -2169,7 +2139,7 @@
           <a:p>
             <a:pPr lvl="0"/>
             <a:r>
-              <a:rPr lang="en-US" smtClean="0"/>
+              <a:rPr lang="en-US"/>
               <a:t>Click to edit Master text styles</a:t>
             </a:r>
           </a:p>
@@ -2221,7 +2191,7 @@
           <a:lstStyle/>
           <a:p>
             <a:r>
-              <a:rPr lang="en-US" smtClean="0"/>
+              <a:rPr lang="en-US"/>
               <a:t>Click to edit Master title style</a:t>
             </a:r>
             <a:endParaRPr lang="ru-RU" dirty="0"/>
@@ -2278,35 +2248,35 @@
           <a:p>
             <a:pPr lvl="0"/>
             <a:r>
-              <a:rPr lang="en-US" smtClean="0"/>
+              <a:rPr lang="en-US"/>
               <a:t>Click to edit Master text styles</a:t>
             </a:r>
           </a:p>
           <a:p>
             <a:pPr lvl="1"/>
             <a:r>
-              <a:rPr lang="en-US" smtClean="0"/>
+              <a:rPr lang="en-US"/>
               <a:t>Second level</a:t>
             </a:r>
           </a:p>
           <a:p>
             <a:pPr lvl="2"/>
             <a:r>
-              <a:rPr lang="en-US" smtClean="0"/>
+              <a:rPr lang="en-US"/>
               <a:t>Third level</a:t>
             </a:r>
           </a:p>
           <a:p>
             <a:pPr lvl="3"/>
             <a:r>
-              <a:rPr lang="en-US" smtClean="0"/>
+              <a:rPr lang="en-US"/>
               <a:t>Fourth level</a:t>
             </a:r>
           </a:p>
           <a:p>
             <a:pPr lvl="4"/>
             <a:r>
-              <a:rPr lang="en-US" smtClean="0"/>
+              <a:rPr lang="en-US"/>
               <a:t>Fifth level</a:t>
             </a:r>
             <a:endParaRPr lang="ru-RU" dirty="0"/>
@@ -2363,35 +2333,35 @@
           <a:p>
             <a:pPr lvl="0"/>
             <a:r>
-              <a:rPr lang="en-US" smtClean="0"/>
+              <a:rPr lang="en-US"/>
               <a:t>Click to edit Master text styles</a:t>
             </a:r>
           </a:p>
           <a:p>
             <a:pPr lvl="1"/>
             <a:r>
-              <a:rPr lang="en-US" smtClean="0"/>
+              <a:rPr lang="en-US"/>
               <a:t>Second level</a:t>
             </a:r>
           </a:p>
           <a:p>
             <a:pPr lvl="2"/>
             <a:r>
-              <a:rPr lang="en-US" smtClean="0"/>
+              <a:rPr lang="en-US"/>
               <a:t>Third level</a:t>
             </a:r>
           </a:p>
           <a:p>
             <a:pPr lvl="3"/>
             <a:r>
-              <a:rPr lang="en-US" smtClean="0"/>
+              <a:rPr lang="en-US"/>
               <a:t>Fourth level</a:t>
             </a:r>
           </a:p>
           <a:p>
             <a:pPr lvl="4"/>
             <a:r>
-              <a:rPr lang="en-US" smtClean="0"/>
+              <a:rPr lang="en-US"/>
               <a:t>Fifth level</a:t>
             </a:r>
             <a:endParaRPr lang="ru-RU" dirty="0"/>
@@ -2448,7 +2418,7 @@
           </a:lstStyle>
           <a:p>
             <a:r>
-              <a:rPr lang="en-US" smtClean="0"/>
+              <a:rPr lang="en-US"/>
               <a:t>Click to edit Master title style</a:t>
             </a:r>
             <a:endParaRPr lang="ru-RU" dirty="0"/>
@@ -2514,7 +2484,7 @@
           <a:p>
             <a:pPr lvl="0"/>
             <a:r>
-              <a:rPr lang="en-US" smtClean="0"/>
+              <a:rPr lang="en-US"/>
               <a:t>Click to edit Master text styles</a:t>
             </a:r>
           </a:p>
@@ -2570,35 +2540,35 @@
           <a:p>
             <a:pPr lvl="0"/>
             <a:r>
-              <a:rPr lang="en-US" smtClean="0"/>
+              <a:rPr lang="en-US"/>
               <a:t>Click to edit Master text styles</a:t>
             </a:r>
           </a:p>
           <a:p>
             <a:pPr lvl="1"/>
             <a:r>
-              <a:rPr lang="en-US" smtClean="0"/>
+              <a:rPr lang="en-US"/>
               <a:t>Second level</a:t>
             </a:r>
           </a:p>
           <a:p>
             <a:pPr lvl="2"/>
             <a:r>
-              <a:rPr lang="en-US" smtClean="0"/>
+              <a:rPr lang="en-US"/>
               <a:t>Third level</a:t>
             </a:r>
           </a:p>
           <a:p>
             <a:pPr lvl="3"/>
             <a:r>
-              <a:rPr lang="en-US" smtClean="0"/>
+              <a:rPr lang="en-US"/>
               <a:t>Fourth level</a:t>
             </a:r>
           </a:p>
           <a:p>
             <a:pPr lvl="4"/>
             <a:r>
-              <a:rPr lang="en-US" smtClean="0"/>
+              <a:rPr lang="en-US"/>
               <a:t>Fifth level</a:t>
             </a:r>
             <a:endParaRPr lang="ru-RU" dirty="0"/>
@@ -2664,7 +2634,7 @@
           <a:p>
             <a:pPr lvl="0"/>
             <a:r>
-              <a:rPr lang="en-US" smtClean="0"/>
+              <a:rPr lang="en-US"/>
               <a:t>Click to edit Master text styles</a:t>
             </a:r>
           </a:p>
@@ -2720,35 +2690,35 @@
           <a:p>
             <a:pPr lvl="0"/>
             <a:r>
-              <a:rPr lang="en-US" smtClean="0"/>
+              <a:rPr lang="en-US"/>
               <a:t>Click to edit Master text styles</a:t>
             </a:r>
           </a:p>
           <a:p>
             <a:pPr lvl="1"/>
             <a:r>
-              <a:rPr lang="en-US" smtClean="0"/>
+              <a:rPr lang="en-US"/>
               <a:t>Second level</a:t>
             </a:r>
           </a:p>
           <a:p>
             <a:pPr lvl="2"/>
             <a:r>
-              <a:rPr lang="en-US" smtClean="0"/>
+              <a:rPr lang="en-US"/>
               <a:t>Third level</a:t>
             </a:r>
           </a:p>
           <a:p>
             <a:pPr lvl="3"/>
             <a:r>
-              <a:rPr lang="en-US" smtClean="0"/>
+              <a:rPr lang="en-US"/>
               <a:t>Fourth level</a:t>
             </a:r>
           </a:p>
           <a:p>
             <a:pPr lvl="4"/>
             <a:r>
-              <a:rPr lang="en-US" smtClean="0"/>
+              <a:rPr lang="en-US"/>
               <a:t>Fifth level</a:t>
             </a:r>
             <a:endParaRPr lang="ru-RU" dirty="0"/>
@@ -2801,7 +2771,7 @@
           <a:lstStyle/>
           <a:p>
             <a:r>
-              <a:rPr lang="en-US" smtClean="0"/>
+              <a:rPr lang="en-US"/>
               <a:t>Click to edit Master title style</a:t>
             </a:r>
             <a:endParaRPr lang="ru-RU" dirty="0"/>
@@ -2818,13 +2788,6 @@
   <p:clrMapOvr>
     <a:masterClrMapping/>
   </p:clrMapOvr>
-  <p:timing>
-    <p:tnLst>
-      <p:par>
-        <p:cTn id="1" dur="indefinite" restart="never" nodeType="tmRoot"/>
-      </p:par>
-    </p:tnLst>
-  </p:timing>
 </p:sldLayout>
 </file>
 
@@ -2869,14 +2832,14 @@
           <a:p>
             <a:pPr algn="ctr"/>
             <a:r>
-              <a:rPr lang="ru-RU" sz="3200" dirty="0" smtClean="0"/>
+              <a:rPr lang="ru-RU" sz="3200" dirty="0"/>
               <a:t>Название.</a:t>
             </a:r>
             <a:r>
-              <a:rPr lang="ru-RU" sz="3200" baseline="0" dirty="0" smtClean="0"/>
+              <a:rPr lang="ru-RU" sz="3200" baseline="0" dirty="0"/>
               <a:t> Демонстрация.</a:t>
             </a:r>
-            <a:endParaRPr lang="ru-RU" sz="3200" dirty="0" smtClean="0"/>
+            <a:endParaRPr lang="ru-RU" sz="3200" dirty="0"/>
           </a:p>
         </p:txBody>
       </p:sp>
@@ -2980,7 +2943,7 @@
           <a:lstStyle/>
           <a:p>
             <a:r>
-              <a:rPr lang="en-US" smtClean="0"/>
+              <a:rPr lang="en-US"/>
               <a:t>Click to edit Master title style</a:t>
             </a:r>
             <a:endParaRPr lang="ru-RU"/>
@@ -3014,35 +2977,35 @@
           <a:p>
             <a:pPr lvl="0"/>
             <a:r>
-              <a:rPr lang="en-US" smtClean="0"/>
+              <a:rPr lang="en-US"/>
               <a:t>Click to edit Master text styles</a:t>
             </a:r>
           </a:p>
           <a:p>
             <a:pPr lvl="1"/>
             <a:r>
-              <a:rPr lang="en-US" smtClean="0"/>
+              <a:rPr lang="en-US"/>
               <a:t>Second level</a:t>
             </a:r>
           </a:p>
           <a:p>
             <a:pPr lvl="2"/>
             <a:r>
-              <a:rPr lang="en-US" smtClean="0"/>
+              <a:rPr lang="en-US"/>
               <a:t>Third level</a:t>
             </a:r>
           </a:p>
           <a:p>
             <a:pPr lvl="3"/>
             <a:r>
-              <a:rPr lang="en-US" smtClean="0"/>
+              <a:rPr lang="en-US"/>
               <a:t>Fourth level</a:t>
             </a:r>
           </a:p>
           <a:p>
             <a:pPr lvl="4"/>
             <a:r>
-              <a:rPr lang="en-US" smtClean="0"/>
+              <a:rPr lang="en-US"/>
               <a:t>Fifth level</a:t>
             </a:r>
             <a:endParaRPr lang="ru-RU"/>
@@ -3084,7 +3047,7 @@
           <a:p>
             <a:fld id="{AC3D3127-B7C4-45E3-9797-C527EC9FDD78}" type="datetimeFigureOut">
               <a:rPr lang="ru-RU" smtClean="0"/>
-              <a:t>15.10.2017</a:t>
+              <a:t>01.07.2018</a:t>
             </a:fld>
             <a:endParaRPr lang="ru-RU"/>
           </a:p>
@@ -3192,13 +3155,6 @@
     <p:sldLayoutId id="2147483659" r:id="rId13"/>
     <p:sldLayoutId id="2147483662" r:id="rId14"/>
   </p:sldLayoutIdLst>
-  <p:timing>
-    <p:tnLst>
-      <p:par>
-        <p:cTn id="1" dur="indefinite" restart="never" nodeType="tmRoot"/>
-      </p:par>
-    </p:tnLst>
-  </p:timing>
   <p:txStyles>
     <p:titleStyle>
       <a:lvl1pPr algn="ctr" defTabSz="914400" rtl="0" eaLnBrk="1" latinLnBrk="0" hangingPunct="1">
@@ -3478,7 +3434,7 @@
         <p:spPr>
           <a:xfrm>
             <a:off x="143508" y="1304764"/>
-            <a:ext cx="8856984" cy="646331"/>
+            <a:ext cx="8856984" cy="523220"/>
           </a:xfrm>
           <a:prstGeom prst="rect">
             <a:avLst/>
@@ -3492,7 +3448,7 @@
           <a:p>
             <a:pPr algn="ctr"/>
             <a:r>
-              <a:rPr lang="ru-RU" sz="3600" b="1" i="1" dirty="0" smtClean="0">
+              <a:rPr lang="ru-RU" sz="2800" i="1" dirty="0">
                 <a:solidFill>
                   <a:schemeClr val="bg1"/>
                 </a:solidFill>
@@ -3500,14 +3456,14 @@
               <a:t>Основы программирования на </a:t>
             </a:r>
             <a:r>
-              <a:rPr lang="en-US" sz="3600" b="1" i="1" dirty="0" smtClean="0">
+              <a:rPr lang="en-US" sz="2800" i="1" dirty="0">
                 <a:solidFill>
                   <a:schemeClr val="bg1"/>
                 </a:solidFill>
               </a:rPr>
               <a:t>C#</a:t>
             </a:r>
-            <a:endParaRPr lang="ru-RU" sz="3600" b="1" i="1" dirty="0">
+            <a:endParaRPr lang="ru-RU" sz="2800" i="1" dirty="0">
               <a:solidFill>
                 <a:schemeClr val="bg1"/>
               </a:solidFill>
@@ -3515,70 +3471,6 @@
           </a:p>
         </p:txBody>
       </p:sp>
-      <p:pic>
-        <p:nvPicPr>
-          <p:cNvPr id="6" name="Picture 5"/>
-          <p:cNvPicPr>
-            <a:picLocks noChangeAspect="1" noChangeArrowheads="1"/>
-          </p:cNvPicPr>
-          <p:nvPr/>
-        </p:nvPicPr>
-        <p:blipFill>
-          <a:blip r:embed="rId2">
-            <a:extLst>
-              <a:ext uri="{28A0092B-C50C-407E-A947-70E740481C1C}">
-                <a14:useLocalDpi xmlns:a14="http://schemas.microsoft.com/office/drawing/2010/main" val="0"/>
-              </a:ext>
-            </a:extLst>
-          </a:blip>
-          <a:srcRect/>
-          <a:stretch>
-            <a:fillRect/>
-          </a:stretch>
-        </p:blipFill>
-        <p:spPr bwMode="auto">
-          <a:xfrm>
-            <a:off x="1638300" y="3829211"/>
-            <a:ext cx="5867400" cy="1724025"/>
-          </a:xfrm>
-          <a:prstGeom prst="rect">
-            <a:avLst/>
-          </a:prstGeom>
-          <a:noFill/>
-          <a:ln>
-            <a:noFill/>
-          </a:ln>
-          <a:effectLst/>
-          <a:extLst>
-            <a:ext uri="{909E8E84-426E-40DD-AFC4-6F175D3DCCD1}">
-              <a14:hiddenFill xmlns:a14="http://schemas.microsoft.com/office/drawing/2010/main">
-                <a:solidFill>
-                  <a:schemeClr val="accent1"/>
-                </a:solidFill>
-              </a14:hiddenFill>
-            </a:ext>
-            <a:ext uri="{91240B29-F687-4F45-9708-019B960494DF}">
-              <a14:hiddenLine xmlns:a14="http://schemas.microsoft.com/office/drawing/2010/main" w="9525">
-                <a:solidFill>
-                  <a:schemeClr val="tx1"/>
-                </a:solidFill>
-                <a:miter lim="800000"/>
-                <a:headEnd/>
-                <a:tailEnd/>
-              </a14:hiddenLine>
-            </a:ext>
-            <a:ext uri="{AF507438-7753-43E0-B8FC-AC1667EBCBE1}">
-              <a14:hiddenEffects xmlns:a14="http://schemas.microsoft.com/office/drawing/2010/main">
-                <a:effectLst>
-                  <a:outerShdw dist="35921" dir="2700000" algn="ctr" rotWithShape="0">
-                    <a:schemeClr val="bg2"/>
-                  </a:outerShdw>
-                </a:effectLst>
-              </a14:hiddenEffects>
-            </a:ext>
-          </a:extLst>
-        </p:spPr>
-      </p:pic>
       <p:sp>
         <p:nvSpPr>
           <p:cNvPr id="7" name="TextBox 6"/>
@@ -3588,7 +3480,7 @@
         <p:spPr>
           <a:xfrm>
             <a:off x="143508" y="2528900"/>
-            <a:ext cx="8856984" cy="461665"/>
+            <a:ext cx="8856984" cy="1200329"/>
           </a:xfrm>
           <a:prstGeom prst="rect">
             <a:avLst/>
@@ -3603,33 +3495,151 @@
           <a:p>
             <a:pPr algn="ctr"/>
             <a:r>
-              <a:rPr lang="ru-RU" sz="2400" dirty="0" smtClean="0">
+              <a:rPr lang="ru-RU" sz="3600" b="1" dirty="0">
                 <a:solidFill>
                   <a:schemeClr val="bg1"/>
                 </a:solidFill>
+                <a:latin typeface="Footlight MT Light" panose="0204060206030A020304" pitchFamily="18" charset="77"/>
               </a:rPr>
-              <a:t>Управление памятью в </a:t>
-            </a:r>
-            <a:r>
-              <a:rPr lang="en-US" sz="2400" dirty="0" smtClean="0">
+              <a:t>§ Управление памятью в .</a:t>
+            </a:r>
+            <a:r>
+              <a:rPr lang="en-US" sz="3600" b="1" dirty="0">
                 <a:solidFill>
                   <a:schemeClr val="bg1"/>
                 </a:solidFill>
+                <a:latin typeface="Footlight MT Light" panose="0204060206030A020304" pitchFamily="18" charset="77"/>
               </a:rPr>
-              <a:t>.NET. </a:t>
-            </a:r>
-            <a:r>
-              <a:rPr lang="ru-RU" sz="2400" dirty="0" smtClean="0">
+              <a:t>NET. </a:t>
+            </a:r>
+            <a:r>
+              <a:rPr lang="ru-RU" sz="3600" b="1" dirty="0">
                 <a:solidFill>
                   <a:schemeClr val="bg1"/>
                 </a:solidFill>
+                <a:latin typeface="Footlight MT Light" panose="0204060206030A020304" pitchFamily="18" charset="77"/>
               </a:rPr>
-              <a:t>Сборка мусора.</a:t>
-            </a:r>
-            <a:endParaRPr lang="en-US" sz="2400" dirty="0">
+              <a:t>Сборка мусора</a:t>
+            </a:r>
+            <a:endParaRPr lang="en-US" sz="3600" b="1" dirty="0">
               <a:solidFill>
                 <a:schemeClr val="bg1"/>
               </a:solidFill>
+              <a:latin typeface="Footlight MT Light" panose="0204060206030A020304" pitchFamily="18" charset="77"/>
+            </a:endParaRPr>
+          </a:p>
+        </p:txBody>
+      </p:sp>
+      <p:sp>
+        <p:nvSpPr>
+          <p:cNvPr id="8" name="TextBox 7">
+            <a:extLst>
+              <a:ext uri="{FF2B5EF4-FFF2-40B4-BE49-F238E27FC236}">
+                <a16:creationId xmlns:a16="http://schemas.microsoft.com/office/drawing/2014/main" id="{B109B65D-4CC7-6D4D-B0CE-265B451C9B56}"/>
+              </a:ext>
+            </a:extLst>
+          </p:cNvPr>
+          <p:cNvSpPr txBox="1"/>
+          <p:nvPr/>
+        </p:nvSpPr>
+        <p:spPr>
+          <a:xfrm>
+            <a:off x="2339752" y="4984720"/>
+            <a:ext cx="4464496" cy="1138773"/>
+          </a:xfrm>
+          <a:prstGeom prst="rect">
+            <a:avLst/>
+          </a:prstGeom>
+          <a:noFill/>
+        </p:spPr>
+        <p:txBody>
+          <a:bodyPr wrap="square" rtlCol="0">
+            <a:spAutoFit/>
+          </a:bodyPr>
+          <a:lstStyle/>
+          <a:p>
+            <a:r>
+              <a:rPr lang="ru-RU" sz="2000" dirty="0">
+                <a:solidFill>
+                  <a:schemeClr val="bg1"/>
+                </a:solidFill>
+                <a:effectLst>
+                  <a:outerShdw blurRad="50800" dist="38100" dir="5400000" algn="t" rotWithShape="0">
+                    <a:prstClr val="black">
+                      <a:alpha val="40000"/>
+                    </a:prstClr>
+                  </a:outerShdw>
+                </a:effectLst>
+                <a:latin typeface="Segoe Print" panose="02000800000000000000" pitchFamily="2" charset="0"/>
+              </a:rPr>
+              <a:t>Центр Обучающих Технологий</a:t>
+            </a:r>
+          </a:p>
+          <a:p>
+            <a:pPr algn="ctr"/>
+            <a:r>
+              <a:rPr lang="ru-RU" sz="1600" dirty="0">
+                <a:solidFill>
+                  <a:schemeClr val="bg1"/>
+                </a:solidFill>
+                <a:effectLst>
+                  <a:outerShdw blurRad="50800" dist="38100" dir="5400000" algn="t" rotWithShape="0">
+                    <a:prstClr val="black">
+                      <a:alpha val="40000"/>
+                    </a:prstClr>
+                  </a:outerShdw>
+                </a:effectLst>
+                <a:latin typeface="Segoe Print" panose="02000800000000000000" pitchFamily="2" charset="0"/>
+              </a:rPr>
+              <a:t>основан в 2002 году</a:t>
+            </a:r>
+          </a:p>
+          <a:p>
+            <a:pPr algn="ctr"/>
+            <a:endParaRPr lang="ru-RU" sz="1600" dirty="0">
+              <a:solidFill>
+                <a:schemeClr val="bg1"/>
+              </a:solidFill>
+              <a:effectLst>
+                <a:outerShdw blurRad="50800" dist="38100" dir="5400000" algn="t" rotWithShape="0">
+                  <a:prstClr val="black">
+                    <a:alpha val="40000"/>
+                  </a:prstClr>
+                </a:outerShdw>
+              </a:effectLst>
+              <a:latin typeface="Segoe Print" panose="02000800000000000000" pitchFamily="2" charset="0"/>
+            </a:endParaRPr>
+          </a:p>
+          <a:p>
+            <a:pPr algn="ctr"/>
+            <a:r>
+              <a:rPr lang="en-US" sz="1600" dirty="0" err="1">
+                <a:solidFill>
+                  <a:schemeClr val="bg1"/>
+                </a:solidFill>
+                <a:effectLst>
+                  <a:outerShdw blurRad="50800" dist="38100" dir="5400000" algn="t" rotWithShape="0">
+                    <a:prstClr val="black">
+                      <a:alpha val="40000"/>
+                    </a:prstClr>
+                  </a:outerShdw>
+                </a:effectLst>
+                <a:latin typeface="Segoe Print" panose="02000800000000000000" pitchFamily="2" charset="0"/>
+              </a:rPr>
+              <a:t>trainingcenter.by</a:t>
+            </a:r>
+            <a:endParaRPr lang="en-US" sz="1600" dirty="0">
+              <a:solidFill>
+                <a:schemeClr val="bg1"/>
+              </a:solidFill>
+              <a:effectLst>
+                <a:outerShdw blurRad="50800" dist="38100" dir="5400000" algn="t" rotWithShape="0">
+                  <a:prstClr val="black">
+                    <a:alpha val="40000"/>
+                  </a:prstClr>
+                </a:outerShdw>
+              </a:effectLst>
+              <a:latin typeface="Segoe Print" panose="02000800000000000000" pitchFamily="2" charset="0"/>
             </a:endParaRPr>
           </a:p>
         </p:txBody>
@@ -3644,13 +3654,6 @@
   <p:clrMapOvr>
     <a:masterClrMapping/>
   </p:clrMapOvr>
-  <p:timing>
-    <p:tnLst>
-      <p:par>
-        <p:cTn id="1" dur="indefinite" restart="never" nodeType="tmRoot"/>
-      </p:par>
-    </p:tnLst>
-  </p:timing>
 </p:sld>
 </file>
 
@@ -3687,10 +3690,9 @@
           <a:lstStyle/>
           <a:p>
             <a:r>
-              <a:rPr lang="ru-RU" dirty="0" smtClean="0"/>
+              <a:rPr lang="ru-RU" dirty="0"/>
               <a:t>Визуальная демонстрация</a:t>
             </a:r>
-            <a:endParaRPr lang="ru-RU" dirty="0"/>
           </a:p>
         </p:txBody>
       </p:sp>
@@ -3743,7 +3745,7 @@
               <a:defRPr/>
             </a:pPr>
             <a:r>
-              <a:rPr lang="ru-RU" kern="0" noProof="0" dirty="0" smtClean="0">
+              <a:rPr lang="ru-RU" kern="0" noProof="0" dirty="0">
                 <a:solidFill>
                   <a:prstClr val="white"/>
                 </a:solidFill>
@@ -3751,7 +3753,7 @@
               </a:rPr>
               <a:t>Корни</a:t>
             </a:r>
-            <a:endParaRPr kumimoji="0" lang="ru-RU" sz="1800" b="0" i="0" u="none" strike="noStrike" kern="0" cap="none" spc="0" normalizeH="0" baseline="0" noProof="0" dirty="0" smtClean="0">
+            <a:endParaRPr kumimoji="0" lang="ru-RU" sz="1800" b="0" i="0" u="none" strike="noStrike" kern="0" cap="none" spc="0" normalizeH="0" baseline="0" noProof="0" dirty="0">
               <a:ln>
                 <a:noFill/>
               </a:ln>
@@ -3816,7 +3818,7 @@
               <a:tabLst/>
               <a:defRPr/>
             </a:pPr>
-            <a:endParaRPr kumimoji="0" lang="ru-RU" sz="1800" b="0" i="0" u="none" strike="noStrike" kern="0" cap="none" spc="0" normalizeH="0" baseline="0" noProof="0" smtClean="0">
+            <a:endParaRPr kumimoji="0" lang="ru-RU" sz="1800" b="0" i="0" u="none" strike="noStrike" kern="0" cap="none" spc="0" normalizeH="0" baseline="0" noProof="0">
               <a:ln>
                 <a:noFill/>
               </a:ln>
@@ -3881,7 +3883,7 @@
               <a:tabLst/>
               <a:defRPr/>
             </a:pPr>
-            <a:endParaRPr kumimoji="0" lang="ru-RU" sz="1800" b="0" i="0" u="none" strike="noStrike" kern="0" cap="none" spc="0" normalizeH="0" baseline="0" noProof="0" smtClean="0">
+            <a:endParaRPr kumimoji="0" lang="ru-RU" sz="1800" b="0" i="0" u="none" strike="noStrike" kern="0" cap="none" spc="0" normalizeH="0" baseline="0" noProof="0">
               <a:ln>
                 <a:noFill/>
               </a:ln>
@@ -3946,7 +3948,7 @@
               <a:tabLst/>
               <a:defRPr/>
             </a:pPr>
-            <a:endParaRPr kumimoji="0" lang="ru-RU" sz="1800" b="0" i="0" u="none" strike="noStrike" kern="0" cap="none" spc="0" normalizeH="0" baseline="0" noProof="0" smtClean="0">
+            <a:endParaRPr kumimoji="0" lang="ru-RU" sz="1800" b="0" i="0" u="none" strike="noStrike" kern="0" cap="none" spc="0" normalizeH="0" baseline="0" noProof="0">
               <a:ln>
                 <a:noFill/>
               </a:ln>
@@ -4011,7 +4013,7 @@
               <a:tabLst/>
               <a:defRPr/>
             </a:pPr>
-            <a:endParaRPr kumimoji="0" lang="ru-RU" sz="1800" b="0" i="0" u="none" strike="noStrike" kern="0" cap="none" spc="0" normalizeH="0" baseline="0" noProof="0" smtClean="0">
+            <a:endParaRPr kumimoji="0" lang="ru-RU" sz="1800" b="0" i="0" u="none" strike="noStrike" kern="0" cap="none" spc="0" normalizeH="0" baseline="0" noProof="0">
               <a:ln>
                 <a:noFill/>
               </a:ln>
@@ -4076,7 +4078,7 @@
               <a:tabLst/>
               <a:defRPr/>
             </a:pPr>
-            <a:endParaRPr kumimoji="0" lang="ru-RU" sz="1800" b="0" i="0" u="none" strike="noStrike" kern="0" cap="none" spc="0" normalizeH="0" baseline="0" noProof="0" smtClean="0">
+            <a:endParaRPr kumimoji="0" lang="ru-RU" sz="1800" b="0" i="0" u="none" strike="noStrike" kern="0" cap="none" spc="0" normalizeH="0" baseline="0" noProof="0">
               <a:ln>
                 <a:noFill/>
               </a:ln>
@@ -4141,7 +4143,7 @@
               <a:tabLst/>
               <a:defRPr/>
             </a:pPr>
-            <a:endParaRPr kumimoji="0" lang="ru-RU" sz="1800" b="0" i="0" u="none" strike="noStrike" kern="0" cap="none" spc="0" normalizeH="0" baseline="0" noProof="0" smtClean="0">
+            <a:endParaRPr kumimoji="0" lang="ru-RU" sz="1800" b="0" i="0" u="none" strike="noStrike" kern="0" cap="none" spc="0" normalizeH="0" baseline="0" noProof="0">
               <a:ln>
                 <a:noFill/>
               </a:ln>
@@ -4206,7 +4208,7 @@
               <a:tabLst/>
               <a:defRPr/>
             </a:pPr>
-            <a:endParaRPr kumimoji="0" lang="ru-RU" sz="1800" b="0" i="0" u="none" strike="noStrike" kern="0" cap="none" spc="0" normalizeH="0" baseline="0" noProof="0" smtClean="0">
+            <a:endParaRPr kumimoji="0" lang="ru-RU" sz="1800" b="0" i="0" u="none" strike="noStrike" kern="0" cap="none" spc="0" normalizeH="0" baseline="0" noProof="0">
               <a:ln>
                 <a:noFill/>
               </a:ln>
@@ -4271,7 +4273,7 @@
               <a:tabLst/>
               <a:defRPr/>
             </a:pPr>
-            <a:endParaRPr kumimoji="0" lang="ru-RU" sz="1800" b="0" i="0" u="none" strike="noStrike" kern="0" cap="none" spc="0" normalizeH="0" baseline="0" noProof="0" smtClean="0">
+            <a:endParaRPr kumimoji="0" lang="ru-RU" sz="1800" b="0" i="0" u="none" strike="noStrike" kern="0" cap="none" spc="0" normalizeH="0" baseline="0" noProof="0">
               <a:ln>
                 <a:noFill/>
               </a:ln>
@@ -4336,7 +4338,7 @@
               <a:tabLst/>
               <a:defRPr/>
             </a:pPr>
-            <a:endParaRPr kumimoji="0" lang="ru-RU" sz="1800" b="0" i="0" u="none" strike="noStrike" kern="0" cap="none" spc="0" normalizeH="0" baseline="0" noProof="0" smtClean="0">
+            <a:endParaRPr kumimoji="0" lang="ru-RU" sz="1800" b="0" i="0" u="none" strike="noStrike" kern="0" cap="none" spc="0" normalizeH="0" baseline="0" noProof="0">
               <a:ln>
                 <a:noFill/>
               </a:ln>
@@ -4401,7 +4403,7 @@
               <a:tabLst/>
               <a:defRPr/>
             </a:pPr>
-            <a:endParaRPr kumimoji="0" lang="ru-RU" sz="1800" b="0" i="0" u="none" strike="noStrike" kern="0" cap="none" spc="0" normalizeH="0" baseline="0" noProof="0" smtClean="0">
+            <a:endParaRPr kumimoji="0" lang="ru-RU" sz="1800" b="0" i="0" u="none" strike="noStrike" kern="0" cap="none" spc="0" normalizeH="0" baseline="0" noProof="0">
               <a:ln>
                 <a:noFill/>
               </a:ln>
@@ -4875,7 +4877,7 @@
           <a:p>
             <a:pPr algn="ctr"/>
             <a:r>
-              <a:rPr lang="ru-RU" sz="1600" dirty="0" smtClean="0">
+              <a:rPr lang="ru-RU" sz="1600" dirty="0">
                 <a:latin typeface="Century Gothic" panose="020B0502020202020204" pitchFamily="34" charset="0"/>
               </a:rPr>
               <a:t>Стек</a:t>
@@ -4907,13 +4909,13 @@
           <a:p>
             <a:pPr algn="ctr"/>
             <a:r>
-              <a:rPr lang="en-US" sz="1600" dirty="0" smtClean="0">
+              <a:rPr lang="en-US" sz="1600" dirty="0">
                 <a:latin typeface="Century Gothic" panose="020B0502020202020204" pitchFamily="34" charset="0"/>
               </a:rPr>
               <a:t>static </a:t>
             </a:r>
             <a:r>
-              <a:rPr lang="ru-RU" sz="1600" dirty="0" smtClean="0">
+              <a:rPr lang="ru-RU" sz="1600" dirty="0">
                 <a:latin typeface="Century Gothic" panose="020B0502020202020204" pitchFamily="34" charset="0"/>
               </a:rPr>
               <a:t>переменные и регистры</a:t>
@@ -4969,7 +4971,7 @@
               <a:tabLst/>
               <a:defRPr/>
             </a:pPr>
-            <a:endParaRPr kumimoji="0" lang="ru-RU" sz="1800" b="0" i="0" u="none" strike="noStrike" kern="0" cap="none" spc="0" normalizeH="0" baseline="0" noProof="0" smtClean="0">
+            <a:endParaRPr kumimoji="0" lang="ru-RU" sz="1800" b="0" i="0" u="none" strike="noStrike" kern="0" cap="none" spc="0" normalizeH="0" baseline="0" noProof="0">
               <a:ln>
                 <a:noFill/>
               </a:ln>
@@ -5034,7 +5036,7 @@
               <a:tabLst/>
               <a:defRPr/>
             </a:pPr>
-            <a:endParaRPr kumimoji="0" lang="ru-RU" sz="1800" b="0" i="0" u="none" strike="noStrike" kern="0" cap="none" spc="0" normalizeH="0" baseline="0" noProof="0" smtClean="0">
+            <a:endParaRPr kumimoji="0" lang="ru-RU" sz="1800" b="0" i="0" u="none" strike="noStrike" kern="0" cap="none" spc="0" normalizeH="0" baseline="0" noProof="0">
               <a:ln>
                 <a:noFill/>
               </a:ln>
@@ -5099,7 +5101,7 @@
               <a:tabLst/>
               <a:defRPr/>
             </a:pPr>
-            <a:endParaRPr kumimoji="0" lang="ru-RU" sz="1800" b="0" i="0" u="none" strike="noStrike" kern="0" cap="none" spc="0" normalizeH="0" baseline="0" noProof="0" smtClean="0">
+            <a:endParaRPr kumimoji="0" lang="ru-RU" sz="1800" b="0" i="0" u="none" strike="noStrike" kern="0" cap="none" spc="0" normalizeH="0" baseline="0" noProof="0">
               <a:ln>
                 <a:noFill/>
               </a:ln>
@@ -5164,7 +5166,7 @@
               <a:tabLst/>
               <a:defRPr/>
             </a:pPr>
-            <a:endParaRPr kumimoji="0" lang="ru-RU" sz="1800" b="0" i="0" u="none" strike="noStrike" kern="0" cap="none" spc="0" normalizeH="0" baseline="0" noProof="0" smtClean="0">
+            <a:endParaRPr kumimoji="0" lang="ru-RU" sz="1800" b="0" i="0" u="none" strike="noStrike" kern="0" cap="none" spc="0" normalizeH="0" baseline="0" noProof="0">
               <a:ln>
                 <a:noFill/>
               </a:ln>
@@ -5191,14 +5193,6 @@
   <p:clrMapOvr>
     <a:masterClrMapping/>
   </p:clrMapOvr>
-  <mc:AlternateContent xmlns:mc="http://schemas.openxmlformats.org/markup-compatibility/2006" xmlns:p14="http://schemas.microsoft.com/office/powerpoint/2010/main">
-    <mc:Choice Requires="p14">
-      <p:transition p14:dur="0"/>
-    </mc:Choice>
-    <mc:Fallback xmlns="">
-      <p:transition/>
-    </mc:Fallback>
-  </mc:AlternateContent>
   <p:timing>
     <p:tnLst>
       <p:par>
@@ -5816,10 +5810,9 @@
           <a:lstStyle/>
           <a:p>
             <a:r>
-              <a:rPr lang="ru-RU" dirty="0" smtClean="0"/>
+              <a:rPr lang="ru-RU" dirty="0"/>
               <a:t>Корни</a:t>
             </a:r>
-            <a:endParaRPr lang="ru-RU" dirty="0"/>
           </a:p>
         </p:txBody>
       </p:sp>
@@ -5844,7 +5837,7 @@
               <a:buNone/>
             </a:pPr>
             <a:r>
-              <a:rPr lang="ru-RU" dirty="0" smtClean="0"/>
+              <a:rPr lang="ru-RU" dirty="0"/>
               <a:t>Корни – ссылочные переменные с которых сборщик мусора начинает искать достижимые объекты. Корни автоматически считаются достижимыми.</a:t>
             </a:r>
           </a:p>
@@ -5856,26 +5849,25 @@
           </a:p>
           <a:p>
             <a:r>
-              <a:rPr lang="en-US" dirty="0" smtClean="0"/>
+              <a:rPr lang="en-US" dirty="0"/>
               <a:t>static </a:t>
             </a:r>
             <a:r>
-              <a:rPr lang="ru-RU" dirty="0" smtClean="0"/>
+              <a:rPr lang="ru-RU" dirty="0"/>
               <a:t>переменные</a:t>
             </a:r>
           </a:p>
           <a:p>
             <a:r>
-              <a:rPr lang="ru-RU" dirty="0" smtClean="0"/>
+              <a:rPr lang="ru-RU" dirty="0"/>
               <a:t>стек - локальные переменные и аргументы функций</a:t>
             </a:r>
           </a:p>
           <a:p>
             <a:r>
-              <a:rPr lang="ru-RU" dirty="0" smtClean="0"/>
+              <a:rPr lang="ru-RU" dirty="0"/>
               <a:t>регистры процессора</a:t>
             </a:r>
-            <a:endParaRPr lang="ru-RU" dirty="0"/>
           </a:p>
         </p:txBody>
       </p:sp>
@@ -5889,13 +5881,6 @@
   <p:clrMapOvr>
     <a:masterClrMapping/>
   </p:clrMapOvr>
-  <p:timing>
-    <p:tnLst>
-      <p:par>
-        <p:cTn id="1" dur="indefinite" restart="never" nodeType="tmRoot"/>
-      </p:par>
-    </p:tnLst>
-  </p:timing>
 </p:sld>
 </file>
 
@@ -5934,10 +5919,9 @@
           <a:lstStyle/>
           <a:p>
             <a:r>
-              <a:rPr lang="ru-RU" dirty="0" smtClean="0"/>
+              <a:rPr lang="ru-RU" dirty="0"/>
               <a:t>Когда запускается сборщик мусора?</a:t>
             </a:r>
-            <a:endParaRPr lang="ru-RU" dirty="0"/>
           </a:p>
         </p:txBody>
       </p:sp>
@@ -5957,51 +5941,43 @@
           <a:lstStyle/>
           <a:p>
             <a:r>
-              <a:rPr lang="ru-RU" dirty="0" smtClean="0"/>
-              <a:t>Если память </a:t>
-            </a:r>
-            <a:r>
               <a:rPr lang="ru-RU" dirty="0"/>
-              <a:t>выделенная </a:t>
-            </a:r>
-            <a:r>
-              <a:rPr lang="ru-RU" dirty="0" smtClean="0"/>
-              <a:t>в управляемой кучи достигает определенного предела. Данный предел зависит от версии </a:t>
-            </a:r>
-            <a:r>
-              <a:rPr lang="en-US" dirty="0" smtClean="0"/>
+              <a:t>Если память выделенная в управляемой кучи достигает определенного предела. Данный предел зависит от версии </a:t>
+            </a:r>
+            <a:r>
+              <a:rPr lang="en-US" dirty="0"/>
               <a:t>CLR </a:t>
             </a:r>
             <a:r>
-              <a:rPr lang="ru-RU" dirty="0" smtClean="0"/>
+              <a:rPr lang="ru-RU" dirty="0"/>
               <a:t>и также  менятся в зависимости от поведения программы</a:t>
             </a:r>
           </a:p>
           <a:p>
             <a:r>
-              <a:rPr lang="ru-RU" dirty="0" smtClean="0"/>
+              <a:rPr lang="ru-RU" dirty="0"/>
               <a:t>Если </a:t>
             </a:r>
             <a:r>
-              <a:rPr lang="en-US" dirty="0" smtClean="0"/>
+              <a:rPr lang="en-US" dirty="0"/>
               <a:t>Windows</a:t>
             </a:r>
             <a:r>
-              <a:rPr lang="ru-RU" dirty="0" smtClean="0"/>
+              <a:rPr lang="ru-RU" dirty="0"/>
               <a:t> сообщает о приближении к пределу доступной виртуальной памяти</a:t>
             </a:r>
           </a:p>
           <a:p>
             <a:r>
-              <a:rPr lang="ru-RU" dirty="0" smtClean="0"/>
+              <a:rPr lang="ru-RU" dirty="0"/>
               <a:t>Вручную с помощью </a:t>
             </a:r>
             <a:r>
-              <a:rPr lang="en-US" dirty="0" err="1" smtClean="0"/>
+              <a:rPr lang="en-US" dirty="0" err="1"/>
               <a:t>GC.Collect</a:t>
             </a:r>
             <a:r>
-              <a:rPr lang="en-US" dirty="0" smtClean="0"/>
+              <a:rPr lang="en-US" dirty="0"/>
               <a:t>()</a:t>
             </a:r>
             <a:endParaRPr lang="ru-RU" dirty="0"/>
@@ -6018,13 +5994,6 @@
   <p:clrMapOvr>
     <a:masterClrMapping/>
   </p:clrMapOvr>
-  <p:timing>
-    <p:tnLst>
-      <p:par>
-        <p:cTn id="1" dur="indefinite" restart="never" nodeType="tmRoot"/>
-      </p:par>
-    </p:tnLst>
-  </p:timing>
 </p:sld>
 </file>
 
@@ -6063,26 +6032,25 @@
           <a:lstStyle/>
           <a:p>
             <a:r>
-              <a:rPr lang="ru-RU" dirty="0" smtClean="0"/>
+              <a:rPr lang="ru-RU" dirty="0"/>
               <a:t>Сборка мусора на основе поколений</a:t>
             </a:r>
             <a:r>
-              <a:rPr lang="en-US" dirty="0" smtClean="0"/>
+              <a:rPr lang="en-US" dirty="0"/>
               <a:t> </a:t>
             </a:r>
             <a:r>
-              <a:rPr lang="ru-RU" dirty="0" smtClean="0"/>
+              <a:rPr lang="ru-RU" dirty="0"/>
               <a:t>(</a:t>
             </a:r>
             <a:r>
-              <a:rPr lang="en-US" dirty="0" smtClean="0"/>
+              <a:rPr lang="en-US" dirty="0"/>
               <a:t>generation based garbage collection</a:t>
             </a:r>
             <a:r>
-              <a:rPr lang="ru-RU" dirty="0" smtClean="0"/>
+              <a:rPr lang="ru-RU" dirty="0"/>
               <a:t>)</a:t>
             </a:r>
-            <a:endParaRPr lang="ru-RU" dirty="0"/>
           </a:p>
         </p:txBody>
       </p:sp>
@@ -6107,15 +6075,15 @@
               <a:buNone/>
             </a:pPr>
             <a:r>
-              <a:rPr lang="ru-RU" dirty="0" smtClean="0"/>
+              <a:rPr lang="ru-RU" dirty="0"/>
               <a:t>Сборщик мусора в </a:t>
             </a:r>
             <a:r>
-              <a:rPr lang="en-US" dirty="0" smtClean="0"/>
+              <a:rPr lang="en-US" dirty="0"/>
               <a:t>.NET </a:t>
             </a:r>
             <a:r>
-              <a:rPr lang="ru-RU" dirty="0" smtClean="0"/>
+              <a:rPr lang="ru-RU" dirty="0"/>
               <a:t>использует т.н. поколения для повышения эффективности своей работы. Выделяемые объекты делятся на три поколения: 0, 1 и 2.</a:t>
             </a:r>
           </a:p>
@@ -6123,17 +6091,16 @@
             <a:pPr marL="0" indent="0">
               <a:buNone/>
             </a:pPr>
-            <a:endParaRPr lang="ru-RU" dirty="0" smtClean="0"/>
+            <a:endParaRPr lang="ru-RU" dirty="0"/>
           </a:p>
           <a:p>
             <a:pPr marL="0" indent="0">
               <a:buNone/>
             </a:pPr>
             <a:r>
-              <a:rPr lang="ru-RU" dirty="0" smtClean="0"/>
+              <a:rPr lang="ru-RU" dirty="0"/>
               <a:t>Поколения связаны с временем жизни объекта и то сколько сборок мусора они пережили: 0 – коротко-живущие объекты; 1 – объекты со средним временем жизни; 2 – долгоживущие объекты.</a:t>
             </a:r>
-            <a:endParaRPr lang="ru-RU" dirty="0"/>
           </a:p>
         </p:txBody>
       </p:sp>
@@ -6147,13 +6114,6 @@
   <p:clrMapOvr>
     <a:masterClrMapping/>
   </p:clrMapOvr>
-  <p:timing>
-    <p:tnLst>
-      <p:par>
-        <p:cTn id="1" dur="indefinite" restart="never" nodeType="tmRoot"/>
-      </p:par>
-    </p:tnLst>
-  </p:timing>
 </p:sld>
 </file>
 
@@ -6190,10 +6150,9 @@
           <a:lstStyle/>
           <a:p>
             <a:r>
-              <a:rPr lang="ru-RU" dirty="0" smtClean="0"/>
+              <a:rPr lang="ru-RU" dirty="0"/>
               <a:t>Поколения</a:t>
             </a:r>
-            <a:endParaRPr lang="ru-RU" dirty="0"/>
           </a:p>
         </p:txBody>
       </p:sp>
@@ -6259,7 +6218,7 @@
                 <a:tabLst/>
                 <a:defRPr/>
               </a:pPr>
-              <a:endParaRPr kumimoji="0" lang="ru-RU" sz="1800" b="0" i="0" u="none" strike="noStrike" kern="0" cap="none" spc="0" normalizeH="0" baseline="0" noProof="0" smtClean="0">
+              <a:endParaRPr kumimoji="0" lang="ru-RU" sz="1800" b="0" i="0" u="none" strike="noStrike" kern="0" cap="none" spc="0" normalizeH="0" baseline="0" noProof="0">
                 <a:ln>
                   <a:noFill/>
                 </a:ln>
@@ -6325,7 +6284,7 @@
                 <a:defRPr/>
               </a:pPr>
               <a:r>
-                <a:rPr kumimoji="0" lang="en-US" sz="1800" b="1" i="0" u="none" strike="noStrike" kern="0" cap="none" spc="0" normalizeH="0" baseline="0" noProof="0" dirty="0" smtClean="0">
+                <a:rPr kumimoji="0" lang="en-US" sz="1800" b="1" i="0" u="none" strike="noStrike" kern="0" cap="none" spc="0" normalizeH="0" baseline="0" noProof="0" dirty="0">
                   <a:ln>
                     <a:noFill/>
                   </a:ln>
@@ -6341,7 +6300,7 @@
                 </a:rPr>
                 <a:t>a</a:t>
               </a:r>
-              <a:endParaRPr kumimoji="0" lang="ru-RU" sz="1800" b="1" i="0" u="none" strike="noStrike" kern="0" cap="none" spc="0" normalizeH="0" baseline="0" noProof="0" dirty="0" smtClean="0">
+              <a:endParaRPr kumimoji="0" lang="ru-RU" sz="1800" b="1" i="0" u="none" strike="noStrike" kern="0" cap="none" spc="0" normalizeH="0" baseline="0" noProof="0" dirty="0">
                 <a:ln>
                   <a:noFill/>
                 </a:ln>
@@ -6407,7 +6366,7 @@
                 <a:defRPr/>
               </a:pPr>
               <a:r>
-                <a:rPr kumimoji="0" lang="en-US" sz="1800" b="1" i="0" u="none" strike="noStrike" kern="0" cap="none" spc="0" normalizeH="0" baseline="0" noProof="0" dirty="0" smtClean="0">
+                <a:rPr kumimoji="0" lang="en-US" sz="1800" b="1" i="0" u="none" strike="noStrike" kern="0" cap="none" spc="0" normalizeH="0" baseline="0" noProof="0" dirty="0">
                   <a:ln>
                     <a:noFill/>
                   </a:ln>
@@ -6423,7 +6382,7 @@
                 </a:rPr>
                 <a:t>b</a:t>
               </a:r>
-              <a:endParaRPr kumimoji="0" lang="ru-RU" sz="1800" b="1" i="0" u="none" strike="noStrike" kern="0" cap="none" spc="0" normalizeH="0" baseline="0" noProof="0" dirty="0" smtClean="0">
+              <a:endParaRPr kumimoji="0" lang="ru-RU" sz="1800" b="1" i="0" u="none" strike="noStrike" kern="0" cap="none" spc="0" normalizeH="0" baseline="0" noProof="0" dirty="0">
                 <a:ln>
                   <a:noFill/>
                 </a:ln>
@@ -6489,7 +6448,7 @@
                 <a:defRPr/>
               </a:pPr>
               <a:r>
-                <a:rPr kumimoji="0" lang="en-US" sz="1800" b="1" i="0" u="none" strike="noStrike" kern="0" cap="none" spc="0" normalizeH="0" baseline="0" noProof="0" dirty="0" smtClean="0">
+                <a:rPr kumimoji="0" lang="en-US" sz="1800" b="1" i="0" u="none" strike="noStrike" kern="0" cap="none" spc="0" normalizeH="0" baseline="0" noProof="0" dirty="0">
                   <a:ln>
                     <a:noFill/>
                   </a:ln>
@@ -6505,7 +6464,7 @@
                 </a:rPr>
                 <a:t>c</a:t>
               </a:r>
-              <a:endParaRPr kumimoji="0" lang="ru-RU" sz="1800" b="1" i="0" u="none" strike="noStrike" kern="0" cap="none" spc="0" normalizeH="0" baseline="0" noProof="0" dirty="0" smtClean="0">
+              <a:endParaRPr kumimoji="0" lang="ru-RU" sz="1800" b="1" i="0" u="none" strike="noStrike" kern="0" cap="none" spc="0" normalizeH="0" baseline="0" noProof="0" dirty="0">
                 <a:ln>
                   <a:noFill/>
                 </a:ln>
@@ -6571,7 +6530,7 @@
                 <a:defRPr/>
               </a:pPr>
               <a:r>
-                <a:rPr kumimoji="0" lang="en-US" sz="1800" b="1" i="0" u="none" strike="noStrike" kern="0" cap="none" spc="0" normalizeH="0" baseline="0" noProof="0" dirty="0" smtClean="0">
+                <a:rPr kumimoji="0" lang="en-US" sz="1800" b="1" i="0" u="none" strike="noStrike" kern="0" cap="none" spc="0" normalizeH="0" baseline="0" noProof="0" dirty="0">
                   <a:ln>
                     <a:noFill/>
                   </a:ln>
@@ -6587,7 +6546,7 @@
                 </a:rPr>
                 <a:t>d</a:t>
               </a:r>
-              <a:endParaRPr kumimoji="0" lang="ru-RU" sz="1800" b="1" i="0" u="none" strike="noStrike" kern="0" cap="none" spc="0" normalizeH="0" baseline="0" noProof="0" dirty="0" smtClean="0">
+              <a:endParaRPr kumimoji="0" lang="ru-RU" sz="1800" b="1" i="0" u="none" strike="noStrike" kern="0" cap="none" spc="0" normalizeH="0" baseline="0" noProof="0" dirty="0">
                 <a:ln>
                   <a:noFill/>
                 </a:ln>
@@ -6653,7 +6612,7 @@
                 <a:defRPr/>
               </a:pPr>
               <a:r>
-                <a:rPr kumimoji="0" lang="en-US" sz="1800" b="1" i="0" u="none" strike="noStrike" kern="0" cap="none" spc="0" normalizeH="0" baseline="0" noProof="0" dirty="0" smtClean="0">
+                <a:rPr kumimoji="0" lang="en-US" sz="1800" b="1" i="0" u="none" strike="noStrike" kern="0" cap="none" spc="0" normalizeH="0" baseline="0" noProof="0" dirty="0">
                   <a:ln>
                     <a:noFill/>
                   </a:ln>
@@ -6669,7 +6628,7 @@
                 </a:rPr>
                 <a:t>e</a:t>
               </a:r>
-              <a:endParaRPr kumimoji="0" lang="ru-RU" sz="1800" b="1" i="0" u="none" strike="noStrike" kern="0" cap="none" spc="0" normalizeH="0" baseline="0" noProof="0" dirty="0" smtClean="0">
+              <a:endParaRPr kumimoji="0" lang="ru-RU" sz="1800" b="1" i="0" u="none" strike="noStrike" kern="0" cap="none" spc="0" normalizeH="0" baseline="0" noProof="0" dirty="0">
                 <a:ln>
                   <a:noFill/>
                 </a:ln>
@@ -6730,7 +6689,7 @@
                 <a:tabLst/>
                 <a:defRPr/>
               </a:pPr>
-              <a:endParaRPr kumimoji="0" lang="ru-RU" sz="1800" b="0" i="0" u="none" strike="noStrike" kern="0" cap="none" spc="0" normalizeH="0" baseline="0" noProof="0" smtClean="0">
+              <a:endParaRPr kumimoji="0" lang="ru-RU" sz="1800" b="0" i="0" u="none" strike="noStrike" kern="0" cap="none" spc="0" normalizeH="0" baseline="0" noProof="0">
                 <a:ln>
                   <a:noFill/>
                 </a:ln>
@@ -6787,7 +6746,7 @@
                 <a:defRPr/>
               </a:pPr>
               <a:r>
-                <a:rPr kumimoji="0" lang="en-US" sz="2400" b="0" i="0" u="none" strike="noStrike" kern="0" cap="none" spc="0" normalizeH="0" baseline="0" noProof="0" dirty="0" smtClean="0">
+                <a:rPr kumimoji="0" lang="en-US" sz="2400" b="0" i="0" u="none" strike="noStrike" kern="0" cap="none" spc="0" normalizeH="0" baseline="0" noProof="0" dirty="0">
                   <a:ln>
                     <a:noFill/>
                   </a:ln>
@@ -6801,7 +6760,7 @@
                 </a:rPr>
                 <a:t>0</a:t>
               </a:r>
-              <a:endParaRPr kumimoji="0" lang="ru-RU" sz="2400" b="0" i="0" u="none" strike="noStrike" kern="0" cap="none" spc="0" normalizeH="0" baseline="0" noProof="0" dirty="0" smtClean="0">
+              <a:endParaRPr kumimoji="0" lang="ru-RU" sz="2400" b="0" i="0" u="none" strike="noStrike" kern="0" cap="none" spc="0" normalizeH="0" baseline="0" noProof="0" dirty="0">
                 <a:ln>
                   <a:noFill/>
                 </a:ln>
@@ -6879,7 +6838,7 @@
                 <a:tabLst/>
                 <a:defRPr/>
               </a:pPr>
-              <a:endParaRPr kumimoji="0" lang="ru-RU" sz="1800" b="0" i="0" u="none" strike="noStrike" kern="0" cap="none" spc="0" normalizeH="0" baseline="0" noProof="0" smtClean="0">
+              <a:endParaRPr kumimoji="0" lang="ru-RU" sz="1800" b="0" i="0" u="none" strike="noStrike" kern="0" cap="none" spc="0" normalizeH="0" baseline="0" noProof="0">
                 <a:ln>
                   <a:noFill/>
                 </a:ln>
@@ -6945,7 +6904,7 @@
                 <a:defRPr/>
               </a:pPr>
               <a:r>
-                <a:rPr kumimoji="0" lang="en-US" sz="1800" b="1" i="0" u="none" strike="noStrike" kern="0" cap="none" spc="0" normalizeH="0" baseline="0" noProof="0" dirty="0" smtClean="0">
+                <a:rPr kumimoji="0" lang="en-US" sz="1800" b="1" i="0" u="none" strike="noStrike" kern="0" cap="none" spc="0" normalizeH="0" baseline="0" noProof="0" dirty="0">
                   <a:ln>
                     <a:noFill/>
                   </a:ln>
@@ -6961,7 +6920,7 @@
                 </a:rPr>
                 <a:t>a</a:t>
               </a:r>
-              <a:endParaRPr kumimoji="0" lang="ru-RU" sz="1800" b="1" i="0" u="none" strike="noStrike" kern="0" cap="none" spc="0" normalizeH="0" baseline="0" noProof="0" dirty="0" smtClean="0">
+              <a:endParaRPr kumimoji="0" lang="ru-RU" sz="1800" b="1" i="0" u="none" strike="noStrike" kern="0" cap="none" spc="0" normalizeH="0" baseline="0" noProof="0" dirty="0">
                 <a:ln>
                   <a:noFill/>
                 </a:ln>
@@ -7027,7 +6986,7 @@
                 <a:defRPr/>
               </a:pPr>
               <a:r>
-                <a:rPr kumimoji="0" lang="en-US" sz="1800" b="1" i="0" u="none" strike="noStrike" kern="0" cap="none" spc="0" normalizeH="0" baseline="0" noProof="0" dirty="0" smtClean="0">
+                <a:rPr kumimoji="0" lang="en-US" sz="1800" b="1" i="0" u="none" strike="noStrike" kern="0" cap="none" spc="0" normalizeH="0" baseline="0" noProof="0" dirty="0">
                   <a:ln>
                     <a:noFill/>
                   </a:ln>
@@ -7043,7 +7002,7 @@
                 </a:rPr>
                 <a:t>b</a:t>
               </a:r>
-              <a:endParaRPr kumimoji="0" lang="ru-RU" sz="1800" b="1" i="0" u="none" strike="noStrike" kern="0" cap="none" spc="0" normalizeH="0" baseline="0" noProof="0" dirty="0" smtClean="0">
+              <a:endParaRPr kumimoji="0" lang="ru-RU" sz="1800" b="1" i="0" u="none" strike="noStrike" kern="0" cap="none" spc="0" normalizeH="0" baseline="0" noProof="0" dirty="0">
                 <a:ln>
                   <a:noFill/>
                 </a:ln>
@@ -7109,7 +7068,7 @@
                 <a:defRPr/>
               </a:pPr>
               <a:r>
-                <a:rPr kumimoji="0" lang="en-US" sz="1800" b="1" i="0" u="none" strike="noStrike" kern="0" cap="none" spc="0" normalizeH="0" baseline="0" noProof="0" dirty="0" smtClean="0">
+                <a:rPr kumimoji="0" lang="en-US" sz="1800" b="1" i="0" u="none" strike="noStrike" kern="0" cap="none" spc="0" normalizeH="0" baseline="0" noProof="0" dirty="0">
                   <a:ln>
                     <a:noFill/>
                   </a:ln>
@@ -7125,7 +7084,7 @@
                 </a:rPr>
                 <a:t>d</a:t>
               </a:r>
-              <a:endParaRPr kumimoji="0" lang="ru-RU" sz="1800" b="1" i="0" u="none" strike="noStrike" kern="0" cap="none" spc="0" normalizeH="0" baseline="0" noProof="0" dirty="0" smtClean="0">
+              <a:endParaRPr kumimoji="0" lang="ru-RU" sz="1800" b="1" i="0" u="none" strike="noStrike" kern="0" cap="none" spc="0" normalizeH="0" baseline="0" noProof="0" dirty="0">
                 <a:ln>
                   <a:noFill/>
                 </a:ln>
@@ -7186,7 +7145,7 @@
                 <a:tabLst/>
                 <a:defRPr/>
               </a:pPr>
-              <a:endParaRPr kumimoji="0" lang="ru-RU" sz="1800" b="0" i="0" u="none" strike="noStrike" kern="0" cap="none" spc="0" normalizeH="0" baseline="0" noProof="0" smtClean="0">
+              <a:endParaRPr kumimoji="0" lang="ru-RU" sz="1800" b="0" i="0" u="none" strike="noStrike" kern="0" cap="none" spc="0" normalizeH="0" baseline="0" noProof="0">
                 <a:ln>
                   <a:noFill/>
                 </a:ln>
@@ -7243,7 +7202,7 @@
                 <a:defRPr/>
               </a:pPr>
               <a:r>
-                <a:rPr kumimoji="0" lang="en-US" sz="2400" b="0" i="0" u="none" strike="noStrike" kern="0" cap="none" spc="0" normalizeH="0" baseline="0" noProof="0" dirty="0" smtClean="0">
+                <a:rPr kumimoji="0" lang="en-US" sz="2400" b="0" i="0" u="none" strike="noStrike" kern="0" cap="none" spc="0" normalizeH="0" baseline="0" noProof="0" dirty="0">
                   <a:ln>
                     <a:noFill/>
                   </a:ln>
@@ -7257,7 +7216,7 @@
                 </a:rPr>
                 <a:t>1</a:t>
               </a:r>
-              <a:endParaRPr kumimoji="0" lang="ru-RU" sz="2400" b="0" i="0" u="none" strike="noStrike" kern="0" cap="none" spc="0" normalizeH="0" baseline="0" noProof="0" dirty="0" smtClean="0">
+              <a:endParaRPr kumimoji="0" lang="ru-RU" sz="2400" b="0" i="0" u="none" strike="noStrike" kern="0" cap="none" spc="0" normalizeH="0" baseline="0" noProof="0" dirty="0">
                 <a:ln>
                   <a:noFill/>
                 </a:ln>
@@ -7316,7 +7275,7 @@
                 <a:tabLst/>
                 <a:defRPr/>
               </a:pPr>
-              <a:endParaRPr kumimoji="0" lang="ru-RU" sz="1800" b="0" i="0" u="none" strike="noStrike" kern="0" cap="none" spc="0" normalizeH="0" baseline="0" noProof="0" smtClean="0">
+              <a:endParaRPr kumimoji="0" lang="ru-RU" sz="1800" b="0" i="0" u="none" strike="noStrike" kern="0" cap="none" spc="0" normalizeH="0" baseline="0" noProof="0">
                 <a:ln>
                   <a:noFill/>
                 </a:ln>
@@ -7373,7 +7332,7 @@
                 <a:defRPr/>
               </a:pPr>
               <a:r>
-                <a:rPr kumimoji="0" lang="en-US" sz="2400" b="0" i="0" u="none" strike="noStrike" kern="0" cap="none" spc="0" normalizeH="0" baseline="0" noProof="0" dirty="0" smtClean="0">
+                <a:rPr kumimoji="0" lang="en-US" sz="2400" b="0" i="0" u="none" strike="noStrike" kern="0" cap="none" spc="0" normalizeH="0" baseline="0" noProof="0" dirty="0">
                   <a:ln>
                     <a:noFill/>
                   </a:ln>
@@ -7387,7 +7346,7 @@
                 </a:rPr>
                 <a:t>0</a:t>
               </a:r>
-              <a:endParaRPr kumimoji="0" lang="ru-RU" sz="2400" b="0" i="0" u="none" strike="noStrike" kern="0" cap="none" spc="0" normalizeH="0" baseline="0" noProof="0" dirty="0" smtClean="0">
+              <a:endParaRPr kumimoji="0" lang="ru-RU" sz="2400" b="0" i="0" u="none" strike="noStrike" kern="0" cap="none" spc="0" normalizeH="0" baseline="0" noProof="0" dirty="0">
                 <a:ln>
                   <a:noFill/>
                 </a:ln>
@@ -7465,7 +7424,7 @@
                 <a:tabLst/>
                 <a:defRPr/>
               </a:pPr>
-              <a:endParaRPr kumimoji="0" lang="ru-RU" sz="1800" b="0" i="0" u="none" strike="noStrike" kern="0" cap="none" spc="0" normalizeH="0" baseline="0" noProof="0" smtClean="0">
+              <a:endParaRPr kumimoji="0" lang="ru-RU" sz="1800" b="0" i="0" u="none" strike="noStrike" kern="0" cap="none" spc="0" normalizeH="0" baseline="0" noProof="0">
                 <a:ln>
                   <a:noFill/>
                 </a:ln>
@@ -7531,7 +7490,7 @@
                 <a:defRPr/>
               </a:pPr>
               <a:r>
-                <a:rPr kumimoji="0" lang="en-US" sz="1800" b="1" i="0" u="none" strike="noStrike" kern="0" cap="none" spc="0" normalizeH="0" baseline="0" noProof="0" dirty="0" smtClean="0">
+                <a:rPr kumimoji="0" lang="en-US" sz="1800" b="1" i="0" u="none" strike="noStrike" kern="0" cap="none" spc="0" normalizeH="0" baseline="0" noProof="0" dirty="0">
                   <a:ln>
                     <a:noFill/>
                   </a:ln>
@@ -7547,7 +7506,7 @@
                 </a:rPr>
                 <a:t>a</a:t>
               </a:r>
-              <a:endParaRPr kumimoji="0" lang="ru-RU" sz="1800" b="1" i="0" u="none" strike="noStrike" kern="0" cap="none" spc="0" normalizeH="0" baseline="0" noProof="0" dirty="0" smtClean="0">
+              <a:endParaRPr kumimoji="0" lang="ru-RU" sz="1800" b="1" i="0" u="none" strike="noStrike" kern="0" cap="none" spc="0" normalizeH="0" baseline="0" noProof="0" dirty="0">
                 <a:ln>
                   <a:noFill/>
                 </a:ln>
@@ -7613,7 +7572,7 @@
                 <a:defRPr/>
               </a:pPr>
               <a:r>
-                <a:rPr kumimoji="0" lang="en-US" sz="1800" b="1" i="0" u="none" strike="noStrike" kern="0" cap="none" spc="0" normalizeH="0" baseline="0" noProof="0" dirty="0" smtClean="0">
+                <a:rPr kumimoji="0" lang="en-US" sz="1800" b="1" i="0" u="none" strike="noStrike" kern="0" cap="none" spc="0" normalizeH="0" baseline="0" noProof="0" dirty="0">
                   <a:ln>
                     <a:noFill/>
                   </a:ln>
@@ -7629,7 +7588,7 @@
                 </a:rPr>
                 <a:t>b</a:t>
               </a:r>
-              <a:endParaRPr kumimoji="0" lang="ru-RU" sz="1800" b="1" i="0" u="none" strike="noStrike" kern="0" cap="none" spc="0" normalizeH="0" baseline="0" noProof="0" dirty="0" smtClean="0">
+              <a:endParaRPr kumimoji="0" lang="ru-RU" sz="1800" b="1" i="0" u="none" strike="noStrike" kern="0" cap="none" spc="0" normalizeH="0" baseline="0" noProof="0" dirty="0">
                 <a:ln>
                   <a:noFill/>
                 </a:ln>
@@ -7695,7 +7654,7 @@
                 <a:defRPr/>
               </a:pPr>
               <a:r>
-                <a:rPr kumimoji="0" lang="en-US" sz="1800" b="1" i="0" u="none" strike="noStrike" kern="0" cap="none" spc="0" normalizeH="0" baseline="0" noProof="0" dirty="0" smtClean="0">
+                <a:rPr kumimoji="0" lang="en-US" sz="1800" b="1" i="0" u="none" strike="noStrike" kern="0" cap="none" spc="0" normalizeH="0" baseline="0" noProof="0" dirty="0">
                   <a:ln>
                     <a:noFill/>
                   </a:ln>
@@ -7711,7 +7670,7 @@
                 </a:rPr>
                 <a:t>c</a:t>
               </a:r>
-              <a:endParaRPr kumimoji="0" lang="ru-RU" sz="1800" b="1" i="0" u="none" strike="noStrike" kern="0" cap="none" spc="0" normalizeH="0" baseline="0" noProof="0" dirty="0" smtClean="0">
+              <a:endParaRPr kumimoji="0" lang="ru-RU" sz="1800" b="1" i="0" u="none" strike="noStrike" kern="0" cap="none" spc="0" normalizeH="0" baseline="0" noProof="0" dirty="0">
                 <a:ln>
                   <a:noFill/>
                 </a:ln>
@@ -7777,7 +7736,7 @@
                 <a:defRPr/>
               </a:pPr>
               <a:r>
-                <a:rPr kumimoji="0" lang="en-US" sz="1800" b="1" i="0" u="none" strike="noStrike" kern="0" cap="none" spc="0" normalizeH="0" baseline="0" noProof="0" dirty="0" smtClean="0">
+                <a:rPr kumimoji="0" lang="en-US" sz="1800" b="1" i="0" u="none" strike="noStrike" kern="0" cap="none" spc="0" normalizeH="0" baseline="0" noProof="0" dirty="0">
                   <a:ln>
                     <a:noFill/>
                   </a:ln>
@@ -7793,7 +7752,7 @@
                 </a:rPr>
                 <a:t>d</a:t>
               </a:r>
-              <a:endParaRPr kumimoji="0" lang="ru-RU" sz="1800" b="1" i="0" u="none" strike="noStrike" kern="0" cap="none" spc="0" normalizeH="0" baseline="0" noProof="0" dirty="0" smtClean="0">
+              <a:endParaRPr kumimoji="0" lang="ru-RU" sz="1800" b="1" i="0" u="none" strike="noStrike" kern="0" cap="none" spc="0" normalizeH="0" baseline="0" noProof="0" dirty="0">
                 <a:ln>
                   <a:noFill/>
                 </a:ln>
@@ -7859,7 +7818,7 @@
                 <a:defRPr/>
               </a:pPr>
               <a:r>
-                <a:rPr kumimoji="0" lang="en-US" sz="1800" b="1" i="0" u="none" strike="noStrike" kern="0" cap="none" spc="0" normalizeH="0" baseline="0" noProof="0" dirty="0" smtClean="0">
+                <a:rPr kumimoji="0" lang="en-US" sz="1800" b="1" i="0" u="none" strike="noStrike" kern="0" cap="none" spc="0" normalizeH="0" baseline="0" noProof="0" dirty="0">
                   <a:ln>
                     <a:noFill/>
                   </a:ln>
@@ -7875,7 +7834,7 @@
                 </a:rPr>
                 <a:t>e</a:t>
               </a:r>
-              <a:endParaRPr kumimoji="0" lang="ru-RU" sz="1800" b="1" i="0" u="none" strike="noStrike" kern="0" cap="none" spc="0" normalizeH="0" baseline="0" noProof="0" dirty="0" smtClean="0">
+              <a:endParaRPr kumimoji="0" lang="ru-RU" sz="1800" b="1" i="0" u="none" strike="noStrike" kern="0" cap="none" spc="0" normalizeH="0" baseline="0" noProof="0" dirty="0">
                 <a:ln>
                   <a:noFill/>
                 </a:ln>
@@ -7936,7 +7895,7 @@
                 <a:tabLst/>
                 <a:defRPr/>
               </a:pPr>
-              <a:endParaRPr kumimoji="0" lang="ru-RU" sz="1800" b="0" i="0" u="none" strike="noStrike" kern="0" cap="none" spc="0" normalizeH="0" baseline="0" noProof="0" smtClean="0">
+              <a:endParaRPr kumimoji="0" lang="ru-RU" sz="1800" b="0" i="0" u="none" strike="noStrike" kern="0" cap="none" spc="0" normalizeH="0" baseline="0" noProof="0">
                 <a:ln>
                   <a:noFill/>
                 </a:ln>
@@ -7993,7 +7952,7 @@
                 <a:defRPr/>
               </a:pPr>
               <a:r>
-                <a:rPr kumimoji="0" lang="en-US" sz="2400" b="0" i="0" u="none" strike="noStrike" kern="0" cap="none" spc="0" normalizeH="0" baseline="0" noProof="0" dirty="0" smtClean="0">
+                <a:rPr kumimoji="0" lang="en-US" sz="2400" b="0" i="0" u="none" strike="noStrike" kern="0" cap="none" spc="0" normalizeH="0" baseline="0" noProof="0" dirty="0">
                   <a:ln>
                     <a:noFill/>
                   </a:ln>
@@ -8007,7 +7966,7 @@
                 </a:rPr>
                 <a:t>0</a:t>
               </a:r>
-              <a:endParaRPr kumimoji="0" lang="ru-RU" sz="2400" b="0" i="0" u="none" strike="noStrike" kern="0" cap="none" spc="0" normalizeH="0" baseline="0" noProof="0" dirty="0" smtClean="0">
+              <a:endParaRPr kumimoji="0" lang="ru-RU" sz="2400" b="0" i="0" u="none" strike="noStrike" kern="0" cap="none" spc="0" normalizeH="0" baseline="0" noProof="0" dirty="0">
                 <a:ln>
                   <a:noFill/>
                 </a:ln>
@@ -8205,10 +8164,9 @@
           <a:lstStyle/>
           <a:p>
             <a:r>
-              <a:rPr lang="ru-RU" dirty="0" smtClean="0"/>
+              <a:rPr lang="ru-RU" dirty="0"/>
               <a:t>Поколения</a:t>
             </a:r>
-            <a:endParaRPr lang="ru-RU" dirty="0"/>
           </a:p>
         </p:txBody>
       </p:sp>
@@ -8274,7 +8232,7 @@
                 <a:tabLst/>
                 <a:defRPr/>
               </a:pPr>
-              <a:endParaRPr kumimoji="0" lang="ru-RU" sz="1800" b="0" i="0" u="none" strike="noStrike" kern="0" cap="none" spc="0" normalizeH="0" baseline="0" noProof="0" smtClean="0">
+              <a:endParaRPr kumimoji="0" lang="ru-RU" sz="1800" b="0" i="0" u="none" strike="noStrike" kern="0" cap="none" spc="0" normalizeH="0" baseline="0" noProof="0">
                 <a:ln>
                   <a:noFill/>
                 </a:ln>
@@ -8340,7 +8298,7 @@
                 <a:defRPr/>
               </a:pPr>
               <a:r>
-                <a:rPr kumimoji="0" lang="en-US" sz="1800" b="1" i="0" u="none" strike="noStrike" kern="0" cap="none" spc="0" normalizeH="0" baseline="0" noProof="0" dirty="0" smtClean="0">
+                <a:rPr kumimoji="0" lang="en-US" sz="1800" b="1" i="0" u="none" strike="noStrike" kern="0" cap="none" spc="0" normalizeH="0" baseline="0" noProof="0" dirty="0">
                   <a:ln>
                     <a:noFill/>
                   </a:ln>
@@ -8356,7 +8314,7 @@
                 </a:rPr>
                 <a:t>a</a:t>
               </a:r>
-              <a:endParaRPr kumimoji="0" lang="ru-RU" sz="1800" b="1" i="0" u="none" strike="noStrike" kern="0" cap="none" spc="0" normalizeH="0" baseline="0" noProof="0" dirty="0" smtClean="0">
+              <a:endParaRPr kumimoji="0" lang="ru-RU" sz="1800" b="1" i="0" u="none" strike="noStrike" kern="0" cap="none" spc="0" normalizeH="0" baseline="0" noProof="0" dirty="0">
                 <a:ln>
                   <a:noFill/>
                 </a:ln>
@@ -8422,7 +8380,7 @@
                 <a:defRPr/>
               </a:pPr>
               <a:r>
-                <a:rPr kumimoji="0" lang="en-US" sz="1800" b="1" i="0" u="none" strike="noStrike" kern="0" cap="none" spc="0" normalizeH="0" baseline="0" noProof="0" dirty="0" smtClean="0">
+                <a:rPr kumimoji="0" lang="en-US" sz="1800" b="1" i="0" u="none" strike="noStrike" kern="0" cap="none" spc="0" normalizeH="0" baseline="0" noProof="0" dirty="0">
                   <a:ln>
                     <a:noFill/>
                   </a:ln>
@@ -8438,7 +8396,7 @@
                 </a:rPr>
                 <a:t>b</a:t>
               </a:r>
-              <a:endParaRPr kumimoji="0" lang="ru-RU" sz="1800" b="1" i="0" u="none" strike="noStrike" kern="0" cap="none" spc="0" normalizeH="0" baseline="0" noProof="0" dirty="0" smtClean="0">
+              <a:endParaRPr kumimoji="0" lang="ru-RU" sz="1800" b="1" i="0" u="none" strike="noStrike" kern="0" cap="none" spc="0" normalizeH="0" baseline="0" noProof="0" dirty="0">
                 <a:ln>
                   <a:noFill/>
                 </a:ln>
@@ -8504,7 +8462,7 @@
                 <a:defRPr/>
               </a:pPr>
               <a:r>
-                <a:rPr kumimoji="0" lang="en-US" sz="1800" b="1" i="0" u="none" strike="noStrike" kern="0" cap="none" spc="0" normalizeH="0" baseline="0" noProof="0" dirty="0" smtClean="0">
+                <a:rPr kumimoji="0" lang="en-US" sz="1800" b="1" i="0" u="none" strike="noStrike" kern="0" cap="none" spc="0" normalizeH="0" baseline="0" noProof="0" dirty="0">
                   <a:ln>
                     <a:noFill/>
                   </a:ln>
@@ -8520,7 +8478,7 @@
                 </a:rPr>
                 <a:t>d</a:t>
               </a:r>
-              <a:endParaRPr kumimoji="0" lang="ru-RU" sz="1800" b="1" i="0" u="none" strike="noStrike" kern="0" cap="none" spc="0" normalizeH="0" baseline="0" noProof="0" dirty="0" smtClean="0">
+              <a:endParaRPr kumimoji="0" lang="ru-RU" sz="1800" b="1" i="0" u="none" strike="noStrike" kern="0" cap="none" spc="0" normalizeH="0" baseline="0" noProof="0" dirty="0">
                 <a:ln>
                   <a:noFill/>
                 </a:ln>
@@ -8581,7 +8539,7 @@
                 <a:tabLst/>
                 <a:defRPr/>
               </a:pPr>
-              <a:endParaRPr kumimoji="0" lang="ru-RU" sz="1800" b="0" i="0" u="none" strike="noStrike" kern="0" cap="none" spc="0" normalizeH="0" baseline="0" noProof="0" smtClean="0">
+              <a:endParaRPr kumimoji="0" lang="ru-RU" sz="1800" b="0" i="0" u="none" strike="noStrike" kern="0" cap="none" spc="0" normalizeH="0" baseline="0" noProof="0">
                 <a:ln>
                   <a:noFill/>
                 </a:ln>
@@ -8638,7 +8596,7 @@
                 <a:defRPr/>
               </a:pPr>
               <a:r>
-                <a:rPr kumimoji="0" lang="en-US" sz="2400" b="0" i="0" u="none" strike="noStrike" kern="0" cap="none" spc="0" normalizeH="0" baseline="0" noProof="0" dirty="0" smtClean="0">
+                <a:rPr kumimoji="0" lang="en-US" sz="2400" b="0" i="0" u="none" strike="noStrike" kern="0" cap="none" spc="0" normalizeH="0" baseline="0" noProof="0" dirty="0">
                   <a:ln>
                     <a:noFill/>
                   </a:ln>
@@ -8652,7 +8610,7 @@
                 </a:rPr>
                 <a:t>1</a:t>
               </a:r>
-              <a:endParaRPr kumimoji="0" lang="ru-RU" sz="2400" b="0" i="0" u="none" strike="noStrike" kern="0" cap="none" spc="0" normalizeH="0" baseline="0" noProof="0" dirty="0" smtClean="0">
+              <a:endParaRPr kumimoji="0" lang="ru-RU" sz="2400" b="0" i="0" u="none" strike="noStrike" kern="0" cap="none" spc="0" normalizeH="0" baseline="0" noProof="0" dirty="0">
                 <a:ln>
                   <a:noFill/>
                 </a:ln>
@@ -8711,7 +8669,7 @@
                 <a:tabLst/>
                 <a:defRPr/>
               </a:pPr>
-              <a:endParaRPr kumimoji="0" lang="ru-RU" sz="1800" b="0" i="0" u="none" strike="noStrike" kern="0" cap="none" spc="0" normalizeH="0" baseline="0" noProof="0" smtClean="0">
+              <a:endParaRPr kumimoji="0" lang="ru-RU" sz="1800" b="0" i="0" u="none" strike="noStrike" kern="0" cap="none" spc="0" normalizeH="0" baseline="0" noProof="0">
                 <a:ln>
                   <a:noFill/>
                 </a:ln>
@@ -8768,7 +8726,7 @@
                 <a:defRPr/>
               </a:pPr>
               <a:r>
-                <a:rPr kumimoji="0" lang="en-US" sz="2400" b="0" i="0" u="none" strike="noStrike" kern="0" cap="none" spc="0" normalizeH="0" baseline="0" noProof="0" dirty="0" smtClean="0">
+                <a:rPr kumimoji="0" lang="en-US" sz="2400" b="0" i="0" u="none" strike="noStrike" kern="0" cap="none" spc="0" normalizeH="0" baseline="0" noProof="0" dirty="0">
                   <a:ln>
                     <a:noFill/>
                   </a:ln>
@@ -8782,7 +8740,7 @@
                 </a:rPr>
                 <a:t>0</a:t>
               </a:r>
-              <a:endParaRPr kumimoji="0" lang="ru-RU" sz="2400" b="0" i="0" u="none" strike="noStrike" kern="0" cap="none" spc="0" normalizeH="0" baseline="0" noProof="0" dirty="0" smtClean="0">
+              <a:endParaRPr kumimoji="0" lang="ru-RU" sz="2400" b="0" i="0" u="none" strike="noStrike" kern="0" cap="none" spc="0" normalizeH="0" baseline="0" noProof="0" dirty="0">
                 <a:ln>
                   <a:noFill/>
                 </a:ln>
@@ -8846,7 +8804,7 @@
                 <a:defRPr/>
               </a:pPr>
               <a:r>
-                <a:rPr kumimoji="0" lang="en-US" sz="1800" b="1" i="0" u="none" strike="noStrike" kern="0" cap="none" spc="0" normalizeH="0" baseline="0" noProof="0" dirty="0" smtClean="0">
+                <a:rPr kumimoji="0" lang="en-US" sz="1800" b="1" i="0" u="none" strike="noStrike" kern="0" cap="none" spc="0" normalizeH="0" baseline="0" noProof="0" dirty="0">
                   <a:ln>
                     <a:noFill/>
                   </a:ln>
@@ -8862,7 +8820,7 @@
                 </a:rPr>
                 <a:t>f</a:t>
               </a:r>
-              <a:endParaRPr kumimoji="0" lang="ru-RU" sz="1800" b="1" i="0" u="none" strike="noStrike" kern="0" cap="none" spc="0" normalizeH="0" baseline="0" noProof="0" dirty="0" smtClean="0">
+              <a:endParaRPr kumimoji="0" lang="ru-RU" sz="1800" b="1" i="0" u="none" strike="noStrike" kern="0" cap="none" spc="0" normalizeH="0" baseline="0" noProof="0" dirty="0">
                 <a:ln>
                   <a:noFill/>
                 </a:ln>
@@ -8928,7 +8886,7 @@
                 <a:defRPr/>
               </a:pPr>
               <a:r>
-                <a:rPr kumimoji="0" lang="en-US" sz="1800" b="1" i="0" u="none" strike="noStrike" kern="0" cap="none" spc="0" normalizeH="0" baseline="0" noProof="0" dirty="0" smtClean="0">
+                <a:rPr kumimoji="0" lang="en-US" sz="1800" b="1" i="0" u="none" strike="noStrike" kern="0" cap="none" spc="0" normalizeH="0" baseline="0" noProof="0" dirty="0">
                   <a:ln>
                     <a:noFill/>
                   </a:ln>
@@ -8944,7 +8902,7 @@
                 </a:rPr>
                 <a:t>g</a:t>
               </a:r>
-              <a:endParaRPr kumimoji="0" lang="ru-RU" sz="1800" b="1" i="0" u="none" strike="noStrike" kern="0" cap="none" spc="0" normalizeH="0" baseline="0" noProof="0" dirty="0" smtClean="0">
+              <a:endParaRPr kumimoji="0" lang="ru-RU" sz="1800" b="1" i="0" u="none" strike="noStrike" kern="0" cap="none" spc="0" normalizeH="0" baseline="0" noProof="0" dirty="0">
                 <a:ln>
                   <a:noFill/>
                 </a:ln>
@@ -9010,7 +8968,7 @@
                 <a:defRPr/>
               </a:pPr>
               <a:r>
-                <a:rPr kumimoji="0" lang="en-US" sz="1800" b="1" i="0" u="none" strike="noStrike" kern="0" cap="none" spc="0" normalizeH="0" baseline="0" noProof="0" dirty="0" smtClean="0">
+                <a:rPr kumimoji="0" lang="en-US" sz="1800" b="1" i="0" u="none" strike="noStrike" kern="0" cap="none" spc="0" normalizeH="0" baseline="0" noProof="0" dirty="0">
                   <a:ln>
                     <a:noFill/>
                   </a:ln>
@@ -9026,7 +8984,7 @@
                 </a:rPr>
                 <a:t>h</a:t>
               </a:r>
-              <a:endParaRPr kumimoji="0" lang="ru-RU" sz="1800" b="1" i="0" u="none" strike="noStrike" kern="0" cap="none" spc="0" normalizeH="0" baseline="0" noProof="0" dirty="0" smtClean="0">
+              <a:endParaRPr kumimoji="0" lang="ru-RU" sz="1800" b="1" i="0" u="none" strike="noStrike" kern="0" cap="none" spc="0" normalizeH="0" baseline="0" noProof="0" dirty="0">
                 <a:ln>
                   <a:noFill/>
                 </a:ln>
@@ -9092,7 +9050,7 @@
                 <a:defRPr/>
               </a:pPr>
               <a:r>
-                <a:rPr kumimoji="0" lang="en-US" sz="1800" b="1" i="0" u="none" strike="noStrike" kern="0" cap="none" spc="0" normalizeH="0" baseline="0" noProof="0" dirty="0" err="1" smtClean="0">
+                <a:rPr kumimoji="0" lang="en-US" sz="1800" b="1" i="0" u="none" strike="noStrike" kern="0" cap="none" spc="0" normalizeH="0" baseline="0" noProof="0" dirty="0" err="1">
                   <a:ln>
                     <a:noFill/>
                   </a:ln>
@@ -9108,7 +9066,7 @@
                 </a:rPr>
                 <a:t>i</a:t>
               </a:r>
-              <a:endParaRPr kumimoji="0" lang="ru-RU" sz="1800" b="1" i="0" u="none" strike="noStrike" kern="0" cap="none" spc="0" normalizeH="0" baseline="0" noProof="0" dirty="0" smtClean="0">
+              <a:endParaRPr kumimoji="0" lang="ru-RU" sz="1800" b="1" i="0" u="none" strike="noStrike" kern="0" cap="none" spc="0" normalizeH="0" baseline="0" noProof="0" dirty="0">
                 <a:ln>
                   <a:noFill/>
                 </a:ln>
@@ -9174,7 +9132,7 @@
                 <a:defRPr/>
               </a:pPr>
               <a:r>
-                <a:rPr kumimoji="0" lang="en-US" sz="1800" b="1" i="0" u="none" strike="noStrike" kern="0" cap="none" spc="0" normalizeH="0" baseline="0" noProof="0" dirty="0" smtClean="0">
+                <a:rPr kumimoji="0" lang="en-US" sz="1800" b="1" i="0" u="none" strike="noStrike" kern="0" cap="none" spc="0" normalizeH="0" baseline="0" noProof="0" dirty="0">
                   <a:ln>
                     <a:noFill/>
                   </a:ln>
@@ -9190,7 +9148,7 @@
                 </a:rPr>
                 <a:t>j</a:t>
               </a:r>
-              <a:endParaRPr kumimoji="0" lang="ru-RU" sz="1800" b="1" i="0" u="none" strike="noStrike" kern="0" cap="none" spc="0" normalizeH="0" baseline="0" noProof="0" dirty="0" smtClean="0">
+              <a:endParaRPr kumimoji="0" lang="ru-RU" sz="1800" b="1" i="0" u="none" strike="noStrike" kern="0" cap="none" spc="0" normalizeH="0" baseline="0" noProof="0" dirty="0">
                 <a:ln>
                   <a:noFill/>
                 </a:ln>
@@ -9256,7 +9214,7 @@
                 <a:defRPr/>
               </a:pPr>
               <a:r>
-                <a:rPr kumimoji="0" lang="en-US" sz="1800" b="1" i="0" u="none" strike="noStrike" kern="0" cap="none" spc="0" normalizeH="0" baseline="0" noProof="0" dirty="0" smtClean="0">
+                <a:rPr kumimoji="0" lang="en-US" sz="1800" b="1" i="0" u="none" strike="noStrike" kern="0" cap="none" spc="0" normalizeH="0" baseline="0" noProof="0" dirty="0">
                   <a:ln>
                     <a:noFill/>
                   </a:ln>
@@ -9272,7 +9230,7 @@
                 </a:rPr>
                 <a:t>k</a:t>
               </a:r>
-              <a:endParaRPr kumimoji="0" lang="ru-RU" sz="1800" b="1" i="0" u="none" strike="noStrike" kern="0" cap="none" spc="0" normalizeH="0" baseline="0" noProof="0" dirty="0" smtClean="0">
+              <a:endParaRPr kumimoji="0" lang="ru-RU" sz="1800" b="1" i="0" u="none" strike="noStrike" kern="0" cap="none" spc="0" normalizeH="0" baseline="0" noProof="0" dirty="0">
                 <a:ln>
                   <a:noFill/>
                 </a:ln>
@@ -9352,7 +9310,7 @@
                 <a:tabLst/>
                 <a:defRPr/>
               </a:pPr>
-              <a:endParaRPr kumimoji="0" lang="ru-RU" sz="1800" b="0" i="0" u="none" strike="noStrike" kern="0" cap="none" spc="0" normalizeH="0" baseline="0" noProof="0" smtClean="0">
+              <a:endParaRPr kumimoji="0" lang="ru-RU" sz="1800" b="0" i="0" u="none" strike="noStrike" kern="0" cap="none" spc="0" normalizeH="0" baseline="0" noProof="0">
                 <a:ln>
                   <a:noFill/>
                 </a:ln>
@@ -9418,7 +9376,7 @@
                 <a:defRPr/>
               </a:pPr>
               <a:r>
-                <a:rPr kumimoji="0" lang="en-US" sz="1800" b="1" i="0" u="none" strike="noStrike" kern="0" cap="none" spc="0" normalizeH="0" baseline="0" noProof="0" dirty="0" smtClean="0">
+                <a:rPr kumimoji="0" lang="en-US" sz="1800" b="1" i="0" u="none" strike="noStrike" kern="0" cap="none" spc="0" normalizeH="0" baseline="0" noProof="0" dirty="0">
                   <a:ln>
                     <a:noFill/>
                   </a:ln>
@@ -9434,7 +9392,7 @@
                 </a:rPr>
                 <a:t>k</a:t>
               </a:r>
-              <a:endParaRPr kumimoji="0" lang="ru-RU" sz="1800" b="1" i="0" u="none" strike="noStrike" kern="0" cap="none" spc="0" normalizeH="0" baseline="0" noProof="0" dirty="0" smtClean="0">
+              <a:endParaRPr kumimoji="0" lang="ru-RU" sz="1800" b="1" i="0" u="none" strike="noStrike" kern="0" cap="none" spc="0" normalizeH="0" baseline="0" noProof="0" dirty="0">
                 <a:ln>
                   <a:noFill/>
                 </a:ln>
@@ -9495,7 +9453,7 @@
                 <a:tabLst/>
                 <a:defRPr/>
               </a:pPr>
-              <a:endParaRPr kumimoji="0" lang="ru-RU" sz="1800" b="0" i="0" u="none" strike="noStrike" kern="0" cap="none" spc="0" normalizeH="0" baseline="0" noProof="0" smtClean="0">
+              <a:endParaRPr kumimoji="0" lang="ru-RU" sz="1800" b="0" i="0" u="none" strike="noStrike" kern="0" cap="none" spc="0" normalizeH="0" baseline="0" noProof="0">
                 <a:ln>
                   <a:noFill/>
                 </a:ln>
@@ -9552,7 +9510,7 @@
                 <a:defRPr/>
               </a:pPr>
               <a:r>
-                <a:rPr kumimoji="0" lang="en-US" sz="2400" b="0" i="0" u="none" strike="noStrike" kern="0" cap="none" spc="0" normalizeH="0" baseline="0" noProof="0" dirty="0" smtClean="0">
+                <a:rPr kumimoji="0" lang="en-US" sz="2400" b="0" i="0" u="none" strike="noStrike" kern="0" cap="none" spc="0" normalizeH="0" baseline="0" noProof="0" dirty="0">
                   <a:ln>
                     <a:noFill/>
                   </a:ln>
@@ -9566,7 +9524,7 @@
                 </a:rPr>
                 <a:t>0</a:t>
               </a:r>
-              <a:endParaRPr kumimoji="0" lang="ru-RU" sz="2400" b="0" i="0" u="none" strike="noStrike" kern="0" cap="none" spc="0" normalizeH="0" baseline="0" noProof="0" dirty="0" smtClean="0">
+              <a:endParaRPr kumimoji="0" lang="ru-RU" sz="2400" b="0" i="0" u="none" strike="noStrike" kern="0" cap="none" spc="0" normalizeH="0" baseline="0" noProof="0" dirty="0">
                 <a:ln>
                   <a:noFill/>
                 </a:ln>
@@ -9630,7 +9588,7 @@
                 <a:defRPr/>
               </a:pPr>
               <a:r>
-                <a:rPr kumimoji="0" lang="en-US" sz="1800" b="1" i="0" u="none" strike="noStrike" kern="0" cap="none" spc="0" normalizeH="0" baseline="0" noProof="0" dirty="0" smtClean="0">
+                <a:rPr kumimoji="0" lang="en-US" sz="1800" b="1" i="0" u="none" strike="noStrike" kern="0" cap="none" spc="0" normalizeH="0" baseline="0" noProof="0" dirty="0">
                   <a:ln>
                     <a:noFill/>
                   </a:ln>
@@ -9646,7 +9604,7 @@
                 </a:rPr>
                 <a:t>f</a:t>
               </a:r>
-              <a:endParaRPr kumimoji="0" lang="ru-RU" sz="1800" b="1" i="0" u="none" strike="noStrike" kern="0" cap="none" spc="0" normalizeH="0" baseline="0" noProof="0" dirty="0" smtClean="0">
+              <a:endParaRPr kumimoji="0" lang="ru-RU" sz="1800" b="1" i="0" u="none" strike="noStrike" kern="0" cap="none" spc="0" normalizeH="0" baseline="0" noProof="0" dirty="0">
                 <a:ln>
                   <a:noFill/>
                 </a:ln>
@@ -9712,7 +9670,7 @@
                 <a:defRPr/>
               </a:pPr>
               <a:r>
-                <a:rPr kumimoji="0" lang="en-US" sz="1800" b="1" i="0" u="none" strike="noStrike" kern="0" cap="none" spc="0" normalizeH="0" baseline="0" noProof="0" dirty="0" smtClean="0">
+                <a:rPr kumimoji="0" lang="en-US" sz="1800" b="1" i="0" u="none" strike="noStrike" kern="0" cap="none" spc="0" normalizeH="0" baseline="0" noProof="0" dirty="0">
                   <a:ln>
                     <a:noFill/>
                   </a:ln>
@@ -9728,7 +9686,7 @@
                 </a:rPr>
                 <a:t>g</a:t>
               </a:r>
-              <a:endParaRPr kumimoji="0" lang="ru-RU" sz="1800" b="1" i="0" u="none" strike="noStrike" kern="0" cap="none" spc="0" normalizeH="0" baseline="0" noProof="0" dirty="0" smtClean="0">
+              <a:endParaRPr kumimoji="0" lang="ru-RU" sz="1800" b="1" i="0" u="none" strike="noStrike" kern="0" cap="none" spc="0" normalizeH="0" baseline="0" noProof="0" dirty="0">
                 <a:ln>
                   <a:noFill/>
                 </a:ln>
@@ -9794,7 +9752,7 @@
                 <a:defRPr/>
               </a:pPr>
               <a:r>
-                <a:rPr kumimoji="0" lang="en-US" sz="1800" b="1" i="0" u="none" strike="noStrike" kern="0" cap="none" spc="0" normalizeH="0" baseline="0" noProof="0" dirty="0" smtClean="0">
+                <a:rPr kumimoji="0" lang="en-US" sz="1800" b="1" i="0" u="none" strike="noStrike" kern="0" cap="none" spc="0" normalizeH="0" baseline="0" noProof="0" dirty="0">
                   <a:ln>
                     <a:noFill/>
                   </a:ln>
@@ -9810,7 +9768,7 @@
                 </a:rPr>
                 <a:t>h</a:t>
               </a:r>
-              <a:endParaRPr kumimoji="0" lang="ru-RU" sz="1800" b="1" i="0" u="none" strike="noStrike" kern="0" cap="none" spc="0" normalizeH="0" baseline="0" noProof="0" dirty="0" smtClean="0">
+              <a:endParaRPr kumimoji="0" lang="ru-RU" sz="1800" b="1" i="0" u="none" strike="noStrike" kern="0" cap="none" spc="0" normalizeH="0" baseline="0" noProof="0" dirty="0">
                 <a:ln>
                   <a:noFill/>
                 </a:ln>
@@ -9876,7 +9834,7 @@
                 <a:defRPr/>
               </a:pPr>
               <a:r>
-                <a:rPr kumimoji="0" lang="en-US" sz="1800" b="1" i="0" u="none" strike="noStrike" kern="0" cap="none" spc="0" normalizeH="0" baseline="0" noProof="0" dirty="0" err="1" smtClean="0">
+                <a:rPr kumimoji="0" lang="en-US" sz="1800" b="1" i="0" u="none" strike="noStrike" kern="0" cap="none" spc="0" normalizeH="0" baseline="0" noProof="0" dirty="0" err="1">
                   <a:ln>
                     <a:noFill/>
                   </a:ln>
@@ -9892,7 +9850,7 @@
                 </a:rPr>
                 <a:t>i</a:t>
               </a:r>
-              <a:endParaRPr kumimoji="0" lang="ru-RU" sz="1800" b="1" i="0" u="none" strike="noStrike" kern="0" cap="none" spc="0" normalizeH="0" baseline="0" noProof="0" dirty="0" smtClean="0">
+              <a:endParaRPr kumimoji="0" lang="ru-RU" sz="1800" b="1" i="0" u="none" strike="noStrike" kern="0" cap="none" spc="0" normalizeH="0" baseline="0" noProof="0" dirty="0">
                 <a:ln>
                   <a:noFill/>
                 </a:ln>
@@ -9958,7 +9916,7 @@
                 <a:defRPr/>
               </a:pPr>
               <a:r>
-                <a:rPr kumimoji="0" lang="en-US" sz="1800" b="1" i="0" u="none" strike="noStrike" kern="0" cap="none" spc="0" normalizeH="0" baseline="0" noProof="0" dirty="0" smtClean="0">
+                <a:rPr kumimoji="0" lang="en-US" sz="1800" b="1" i="0" u="none" strike="noStrike" kern="0" cap="none" spc="0" normalizeH="0" baseline="0" noProof="0" dirty="0">
                   <a:ln>
                     <a:noFill/>
                   </a:ln>
@@ -9974,7 +9932,7 @@
                 </a:rPr>
                 <a:t>j</a:t>
               </a:r>
-              <a:endParaRPr kumimoji="0" lang="ru-RU" sz="1800" b="1" i="0" u="none" strike="noStrike" kern="0" cap="none" spc="0" normalizeH="0" baseline="0" noProof="0" dirty="0" smtClean="0">
+              <a:endParaRPr kumimoji="0" lang="ru-RU" sz="1800" b="1" i="0" u="none" strike="noStrike" kern="0" cap="none" spc="0" normalizeH="0" baseline="0" noProof="0" dirty="0">
                 <a:ln>
                   <a:noFill/>
                 </a:ln>
@@ -10040,7 +9998,7 @@
                 <a:defRPr/>
               </a:pPr>
               <a:r>
-                <a:rPr kumimoji="0" lang="en-US" sz="1800" b="1" i="0" u="none" strike="noStrike" kern="0" cap="none" spc="0" normalizeH="0" baseline="0" noProof="0" dirty="0" smtClean="0">
+                <a:rPr kumimoji="0" lang="en-US" sz="1800" b="1" i="0" u="none" strike="noStrike" kern="0" cap="none" spc="0" normalizeH="0" baseline="0" noProof="0" dirty="0">
                   <a:ln>
                     <a:noFill/>
                   </a:ln>
@@ -10056,7 +10014,7 @@
                 </a:rPr>
                 <a:t>a</a:t>
               </a:r>
-              <a:endParaRPr kumimoji="0" lang="ru-RU" sz="1800" b="1" i="0" u="none" strike="noStrike" kern="0" cap="none" spc="0" normalizeH="0" baseline="0" noProof="0" dirty="0" smtClean="0">
+              <a:endParaRPr kumimoji="0" lang="ru-RU" sz="1800" b="1" i="0" u="none" strike="noStrike" kern="0" cap="none" spc="0" normalizeH="0" baseline="0" noProof="0" dirty="0">
                 <a:ln>
                   <a:noFill/>
                 </a:ln>
@@ -10122,7 +10080,7 @@
                 <a:defRPr/>
               </a:pPr>
               <a:r>
-                <a:rPr kumimoji="0" lang="en-US" sz="1800" b="1" i="0" u="none" strike="noStrike" kern="0" cap="none" spc="0" normalizeH="0" baseline="0" noProof="0" dirty="0" smtClean="0">
+                <a:rPr kumimoji="0" lang="en-US" sz="1800" b="1" i="0" u="none" strike="noStrike" kern="0" cap="none" spc="0" normalizeH="0" baseline="0" noProof="0" dirty="0">
                   <a:ln>
                     <a:noFill/>
                   </a:ln>
@@ -10138,7 +10096,7 @@
                 </a:rPr>
                 <a:t>b</a:t>
               </a:r>
-              <a:endParaRPr kumimoji="0" lang="ru-RU" sz="1800" b="1" i="0" u="none" strike="noStrike" kern="0" cap="none" spc="0" normalizeH="0" baseline="0" noProof="0" dirty="0" smtClean="0">
+              <a:endParaRPr kumimoji="0" lang="ru-RU" sz="1800" b="1" i="0" u="none" strike="noStrike" kern="0" cap="none" spc="0" normalizeH="0" baseline="0" noProof="0" dirty="0">
                 <a:ln>
                   <a:noFill/>
                 </a:ln>
@@ -10204,7 +10162,7 @@
                 <a:defRPr/>
               </a:pPr>
               <a:r>
-                <a:rPr kumimoji="0" lang="en-US" sz="1800" b="1" i="0" u="none" strike="noStrike" kern="0" cap="none" spc="0" normalizeH="0" baseline="0" noProof="0" dirty="0" smtClean="0">
+                <a:rPr kumimoji="0" lang="en-US" sz="1800" b="1" i="0" u="none" strike="noStrike" kern="0" cap="none" spc="0" normalizeH="0" baseline="0" noProof="0" dirty="0">
                   <a:ln>
                     <a:noFill/>
                   </a:ln>
@@ -10220,7 +10178,7 @@
                 </a:rPr>
                 <a:t>d</a:t>
               </a:r>
-              <a:endParaRPr kumimoji="0" lang="ru-RU" sz="1800" b="1" i="0" u="none" strike="noStrike" kern="0" cap="none" spc="0" normalizeH="0" baseline="0" noProof="0" dirty="0" smtClean="0">
+              <a:endParaRPr kumimoji="0" lang="ru-RU" sz="1800" b="1" i="0" u="none" strike="noStrike" kern="0" cap="none" spc="0" normalizeH="0" baseline="0" noProof="0" dirty="0">
                 <a:ln>
                   <a:noFill/>
                 </a:ln>
@@ -10281,7 +10239,7 @@
                 <a:tabLst/>
                 <a:defRPr/>
               </a:pPr>
-              <a:endParaRPr kumimoji="0" lang="ru-RU" sz="1800" b="0" i="0" u="none" strike="noStrike" kern="0" cap="none" spc="0" normalizeH="0" baseline="0" noProof="0" smtClean="0">
+              <a:endParaRPr kumimoji="0" lang="ru-RU" sz="1800" b="0" i="0" u="none" strike="noStrike" kern="0" cap="none" spc="0" normalizeH="0" baseline="0" noProof="0">
                 <a:ln>
                   <a:noFill/>
                 </a:ln>
@@ -10338,7 +10296,7 @@
                 <a:defRPr/>
               </a:pPr>
               <a:r>
-                <a:rPr kumimoji="0" lang="en-US" sz="2400" b="0" i="0" u="none" strike="noStrike" kern="0" cap="none" spc="0" normalizeH="0" baseline="0" noProof="0" dirty="0" smtClean="0">
+                <a:rPr kumimoji="0" lang="en-US" sz="2400" b="0" i="0" u="none" strike="noStrike" kern="0" cap="none" spc="0" normalizeH="0" baseline="0" noProof="0" dirty="0">
                   <a:ln>
                     <a:noFill/>
                   </a:ln>
@@ -10352,7 +10310,7 @@
                 </a:rPr>
                 <a:t>1</a:t>
               </a:r>
-              <a:endParaRPr kumimoji="0" lang="ru-RU" sz="2400" b="0" i="0" u="none" strike="noStrike" kern="0" cap="none" spc="0" normalizeH="0" baseline="0" noProof="0" dirty="0" smtClean="0">
+              <a:endParaRPr kumimoji="0" lang="ru-RU" sz="2400" b="0" i="0" u="none" strike="noStrike" kern="0" cap="none" spc="0" normalizeH="0" baseline="0" noProof="0" dirty="0">
                 <a:ln>
                   <a:noFill/>
                 </a:ln>
@@ -10430,7 +10388,7 @@
                 <a:tabLst/>
                 <a:defRPr/>
               </a:pPr>
-              <a:endParaRPr kumimoji="0" lang="ru-RU" sz="1800" b="0" i="0" u="none" strike="noStrike" kern="0" cap="none" spc="0" normalizeH="0" baseline="0" noProof="0" smtClean="0">
+              <a:endParaRPr kumimoji="0" lang="ru-RU" sz="1800" b="0" i="0" u="none" strike="noStrike" kern="0" cap="none" spc="0" normalizeH="0" baseline="0" noProof="0">
                 <a:ln>
                   <a:noFill/>
                 </a:ln>
@@ -10491,7 +10449,7 @@
                 <a:tabLst/>
                 <a:defRPr/>
               </a:pPr>
-              <a:endParaRPr kumimoji="0" lang="ru-RU" sz="1800" b="0" i="0" u="none" strike="noStrike" kern="0" cap="none" spc="0" normalizeH="0" baseline="0" noProof="0" smtClean="0">
+              <a:endParaRPr kumimoji="0" lang="ru-RU" sz="1800" b="0" i="0" u="none" strike="noStrike" kern="0" cap="none" spc="0" normalizeH="0" baseline="0" noProof="0">
                 <a:ln>
                   <a:noFill/>
                 </a:ln>
@@ -10548,7 +10506,7 @@
                 <a:defRPr/>
               </a:pPr>
               <a:r>
-                <a:rPr kumimoji="0" lang="en-US" sz="2400" b="0" i="0" u="none" strike="noStrike" kern="0" cap="none" spc="0" normalizeH="0" baseline="0" noProof="0" dirty="0" smtClean="0">
+                <a:rPr kumimoji="0" lang="en-US" sz="2400" b="0" i="0" u="none" strike="noStrike" kern="0" cap="none" spc="0" normalizeH="0" baseline="0" noProof="0" dirty="0">
                   <a:ln>
                     <a:noFill/>
                   </a:ln>
@@ -10562,7 +10520,7 @@
                 </a:rPr>
                 <a:t>0</a:t>
               </a:r>
-              <a:endParaRPr kumimoji="0" lang="ru-RU" sz="2400" b="0" i="0" u="none" strike="noStrike" kern="0" cap="none" spc="0" normalizeH="0" baseline="0" noProof="0" dirty="0" smtClean="0">
+              <a:endParaRPr kumimoji="0" lang="ru-RU" sz="2400" b="0" i="0" u="none" strike="noStrike" kern="0" cap="none" spc="0" normalizeH="0" baseline="0" noProof="0" dirty="0">
                 <a:ln>
                   <a:noFill/>
                 </a:ln>
@@ -10626,7 +10584,7 @@
                 <a:defRPr/>
               </a:pPr>
               <a:r>
-                <a:rPr kumimoji="0" lang="en-US" sz="1800" b="1" i="0" u="none" strike="noStrike" kern="0" cap="none" spc="0" normalizeH="0" baseline="0" noProof="0" dirty="0" smtClean="0">
+                <a:rPr kumimoji="0" lang="en-US" sz="1800" b="1" i="0" u="none" strike="noStrike" kern="0" cap="none" spc="0" normalizeH="0" baseline="0" noProof="0" dirty="0">
                   <a:ln>
                     <a:noFill/>
                   </a:ln>
@@ -10642,7 +10600,7 @@
                 </a:rPr>
                 <a:t>g</a:t>
               </a:r>
-              <a:endParaRPr kumimoji="0" lang="ru-RU" sz="1800" b="1" i="0" u="none" strike="noStrike" kern="0" cap="none" spc="0" normalizeH="0" baseline="0" noProof="0" dirty="0" smtClean="0">
+              <a:endParaRPr kumimoji="0" lang="ru-RU" sz="1800" b="1" i="0" u="none" strike="noStrike" kern="0" cap="none" spc="0" normalizeH="0" baseline="0" noProof="0" dirty="0">
                 <a:ln>
                   <a:noFill/>
                 </a:ln>
@@ -10708,7 +10666,7 @@
                 <a:defRPr/>
               </a:pPr>
               <a:r>
-                <a:rPr kumimoji="0" lang="en-US" sz="1800" b="1" i="0" u="none" strike="noStrike" kern="0" cap="none" spc="0" normalizeH="0" baseline="0" noProof="0" dirty="0" err="1" smtClean="0">
+                <a:rPr kumimoji="0" lang="en-US" sz="1800" b="1" i="0" u="none" strike="noStrike" kern="0" cap="none" spc="0" normalizeH="0" baseline="0" noProof="0" dirty="0" err="1">
                   <a:ln>
                     <a:noFill/>
                   </a:ln>
@@ -10724,7 +10682,7 @@
                 </a:rPr>
                 <a:t>i</a:t>
               </a:r>
-              <a:endParaRPr kumimoji="0" lang="ru-RU" sz="1800" b="1" i="0" u="none" strike="noStrike" kern="0" cap="none" spc="0" normalizeH="0" baseline="0" noProof="0" dirty="0" smtClean="0">
+              <a:endParaRPr kumimoji="0" lang="ru-RU" sz="1800" b="1" i="0" u="none" strike="noStrike" kern="0" cap="none" spc="0" normalizeH="0" baseline="0" noProof="0" dirty="0">
                 <a:ln>
                   <a:noFill/>
                 </a:ln>
@@ -10790,7 +10748,7 @@
                 <a:defRPr/>
               </a:pPr>
               <a:r>
-                <a:rPr kumimoji="0" lang="en-US" sz="1800" b="1" i="0" u="none" strike="noStrike" kern="0" cap="none" spc="0" normalizeH="0" baseline="0" noProof="0" dirty="0" smtClean="0">
+                <a:rPr kumimoji="0" lang="en-US" sz="1800" b="1" i="0" u="none" strike="noStrike" kern="0" cap="none" spc="0" normalizeH="0" baseline="0" noProof="0" dirty="0">
                   <a:ln>
                     <a:noFill/>
                   </a:ln>
@@ -10806,7 +10764,7 @@
                 </a:rPr>
                 <a:t>a</a:t>
               </a:r>
-              <a:endParaRPr kumimoji="0" lang="ru-RU" sz="1800" b="1" i="0" u="none" strike="noStrike" kern="0" cap="none" spc="0" normalizeH="0" baseline="0" noProof="0" dirty="0" smtClean="0">
+              <a:endParaRPr kumimoji="0" lang="ru-RU" sz="1800" b="1" i="0" u="none" strike="noStrike" kern="0" cap="none" spc="0" normalizeH="0" baseline="0" noProof="0" dirty="0">
                 <a:ln>
                   <a:noFill/>
                 </a:ln>
@@ -10872,7 +10830,7 @@
                 <a:defRPr/>
               </a:pPr>
               <a:r>
-                <a:rPr kumimoji="0" lang="en-US" sz="1800" b="1" i="0" u="none" strike="noStrike" kern="0" cap="none" spc="0" normalizeH="0" baseline="0" noProof="0" dirty="0" smtClean="0">
+                <a:rPr kumimoji="0" lang="en-US" sz="1800" b="1" i="0" u="none" strike="noStrike" kern="0" cap="none" spc="0" normalizeH="0" baseline="0" noProof="0" dirty="0">
                   <a:ln>
                     <a:noFill/>
                   </a:ln>
@@ -10888,7 +10846,7 @@
                 </a:rPr>
                 <a:t>d</a:t>
               </a:r>
-              <a:endParaRPr kumimoji="0" lang="ru-RU" sz="1800" b="1" i="0" u="none" strike="noStrike" kern="0" cap="none" spc="0" normalizeH="0" baseline="0" noProof="0" dirty="0" smtClean="0">
+              <a:endParaRPr kumimoji="0" lang="ru-RU" sz="1800" b="1" i="0" u="none" strike="noStrike" kern="0" cap="none" spc="0" normalizeH="0" baseline="0" noProof="0" dirty="0">
                 <a:ln>
                   <a:noFill/>
                 </a:ln>
@@ -10949,7 +10907,7 @@
                 <a:tabLst/>
                 <a:defRPr/>
               </a:pPr>
-              <a:endParaRPr kumimoji="0" lang="ru-RU" sz="1800" b="0" i="0" u="none" strike="noStrike" kern="0" cap="none" spc="0" normalizeH="0" baseline="0" noProof="0" smtClean="0">
+              <a:endParaRPr kumimoji="0" lang="ru-RU" sz="1800" b="0" i="0" u="none" strike="noStrike" kern="0" cap="none" spc="0" normalizeH="0" baseline="0" noProof="0">
                 <a:ln>
                   <a:noFill/>
                 </a:ln>
@@ -11006,7 +10964,7 @@
                 <a:defRPr/>
               </a:pPr>
               <a:r>
-                <a:rPr kumimoji="0" lang="en-US" sz="2400" b="0" i="0" u="none" strike="noStrike" kern="0" cap="none" spc="0" normalizeH="0" baseline="0" noProof="0" dirty="0" smtClean="0">
+                <a:rPr kumimoji="0" lang="en-US" sz="2400" b="0" i="0" u="none" strike="noStrike" kern="0" cap="none" spc="0" normalizeH="0" baseline="0" noProof="0" dirty="0">
                   <a:ln>
                     <a:noFill/>
                   </a:ln>
@@ -11020,7 +10978,7 @@
                 </a:rPr>
                 <a:t>2</a:t>
               </a:r>
-              <a:endParaRPr kumimoji="0" lang="ru-RU" sz="2400" b="0" i="0" u="none" strike="noStrike" kern="0" cap="none" spc="0" normalizeH="0" baseline="0" noProof="0" dirty="0" smtClean="0">
+              <a:endParaRPr kumimoji="0" lang="ru-RU" sz="2400" b="0" i="0" u="none" strike="noStrike" kern="0" cap="none" spc="0" normalizeH="0" baseline="0" noProof="0" dirty="0">
                 <a:ln>
                   <a:noFill/>
                 </a:ln>
@@ -11075,7 +11033,7 @@
                 <a:defRPr/>
               </a:pPr>
               <a:r>
-                <a:rPr kumimoji="0" lang="en-US" sz="2400" b="0" i="0" u="none" strike="noStrike" kern="0" cap="none" spc="0" normalizeH="0" baseline="0" noProof="0" dirty="0" smtClean="0">
+                <a:rPr kumimoji="0" lang="en-US" sz="2400" b="0" i="0" u="none" strike="noStrike" kern="0" cap="none" spc="0" normalizeH="0" baseline="0" noProof="0" dirty="0">
                   <a:ln>
                     <a:noFill/>
                   </a:ln>
@@ -11089,7 +11047,7 @@
                 </a:rPr>
                 <a:t>1</a:t>
               </a:r>
-              <a:endParaRPr kumimoji="0" lang="ru-RU" sz="2400" b="0" i="0" u="none" strike="noStrike" kern="0" cap="none" spc="0" normalizeH="0" baseline="0" noProof="0" dirty="0" smtClean="0">
+              <a:endParaRPr kumimoji="0" lang="ru-RU" sz="2400" b="0" i="0" u="none" strike="noStrike" kern="0" cap="none" spc="0" normalizeH="0" baseline="0" noProof="0" dirty="0">
                 <a:ln>
                   <a:noFill/>
                 </a:ln>
@@ -11148,7 +11106,7 @@
                 <a:tabLst/>
                 <a:defRPr/>
               </a:pPr>
-              <a:endParaRPr kumimoji="0" lang="ru-RU" sz="1800" b="0" i="0" u="none" strike="noStrike" kern="0" cap="none" spc="0" normalizeH="0" baseline="0" noProof="0" smtClean="0">
+              <a:endParaRPr kumimoji="0" lang="ru-RU" sz="1800" b="0" i="0" u="none" strike="noStrike" kern="0" cap="none" spc="0" normalizeH="0" baseline="0" noProof="0">
                 <a:ln>
                   <a:noFill/>
                 </a:ln>
@@ -11348,15 +11306,15 @@
           <a:lstStyle/>
           <a:p>
             <a:r>
-              <a:rPr lang="ru-RU" dirty="0" smtClean="0"/>
+              <a:rPr lang="ru-RU" dirty="0"/>
               <a:t>Деструкторы (</a:t>
             </a:r>
             <a:r>
-              <a:rPr lang="ru-RU" dirty="0" err="1" smtClean="0"/>
+              <a:rPr lang="ru-RU" dirty="0" err="1"/>
               <a:t>Финализаторы</a:t>
             </a:r>
             <a:r>
-              <a:rPr lang="ru-RU" dirty="0" smtClean="0"/>
+              <a:rPr lang="ru-RU" dirty="0"/>
               <a:t>)</a:t>
             </a:r>
             <a:endParaRPr lang="en-US" dirty="0"/>
@@ -11461,15 +11419,15 @@
           <a:lstStyle/>
           <a:p>
             <a:r>
-              <a:rPr lang="en-US" dirty="0" smtClean="0"/>
+              <a:rPr lang="en-US" dirty="0"/>
               <a:t>Workstation GC </a:t>
             </a:r>
             <a:r>
-              <a:rPr lang="ru-RU" dirty="0" smtClean="0"/>
+              <a:rPr lang="ru-RU" dirty="0"/>
               <a:t>и </a:t>
             </a:r>
             <a:r>
-              <a:rPr lang="en-US" dirty="0" smtClean="0"/>
+              <a:rPr lang="en-US" dirty="0"/>
               <a:t>Server GC</a:t>
             </a:r>
             <a:endParaRPr lang="ru-RU" dirty="0"/>
@@ -11500,39 +11458,39 @@
               <a:buNone/>
             </a:pPr>
             <a:r>
-              <a:rPr lang="ru-RU" dirty="0" smtClean="0"/>
+              <a:rPr lang="ru-RU" dirty="0"/>
               <a:t>В </a:t>
             </a:r>
             <a:r>
-              <a:rPr lang="en-US" dirty="0" smtClean="0"/>
+              <a:rPr lang="en-US" dirty="0"/>
               <a:t>.NET </a:t>
             </a:r>
             <a:r>
-              <a:rPr lang="ru-RU" dirty="0" smtClean="0"/>
+              <a:rPr lang="ru-RU" dirty="0"/>
               <a:t>есть два режима работы </a:t>
             </a:r>
             <a:r>
-              <a:rPr lang="en-US" dirty="0" smtClean="0"/>
+              <a:rPr lang="en-US" dirty="0"/>
               <a:t>GC </a:t>
             </a:r>
             <a:r>
-              <a:rPr lang="ru-RU" dirty="0" smtClean="0"/>
+              <a:rPr lang="ru-RU" dirty="0"/>
               <a:t>который можно менять в файле конфигурации приложения. По умолчанию используется </a:t>
             </a:r>
             <a:r>
-              <a:rPr lang="en-US" dirty="0" smtClean="0"/>
+              <a:rPr lang="en-US" dirty="0"/>
               <a:t>concurrent</a:t>
             </a:r>
             <a:r>
-              <a:rPr lang="ru-RU" dirty="0" smtClean="0"/>
+              <a:rPr lang="ru-RU" dirty="0"/>
               <a:t> </a:t>
             </a:r>
             <a:r>
-              <a:rPr lang="en-US" dirty="0" smtClean="0"/>
+              <a:rPr lang="en-US" dirty="0"/>
               <a:t>Workstation GC</a:t>
             </a:r>
             <a:r>
-              <a:rPr lang="ru-RU" dirty="0" smtClean="0"/>
+              <a:rPr lang="ru-RU" dirty="0"/>
               <a:t>.</a:t>
             </a:r>
           </a:p>
@@ -11807,7 +11765,7 @@
           </a:p>
           <a:p>
             <a:r>
-              <a:rPr lang="en-US" dirty="0" smtClean="0">
+              <a:rPr lang="en-US" dirty="0">
                 <a:solidFill>
                   <a:srgbClr val="0000FF"/>
                 </a:solidFill>
@@ -11819,7 +11777,7 @@
               <a:t>  &lt;</a:t>
             </a:r>
             <a:r>
-              <a:rPr lang="en-US" dirty="0" smtClean="0">
+              <a:rPr lang="en-US" dirty="0">
                 <a:solidFill>
                   <a:srgbClr val="A31515"/>
                 </a:solidFill>
@@ -11831,7 +11789,7 @@
               <a:t>runtime</a:t>
             </a:r>
             <a:r>
-              <a:rPr lang="en-US" dirty="0" smtClean="0">
+              <a:rPr lang="en-US" dirty="0">
                 <a:solidFill>
                   <a:srgbClr val="0000FF"/>
                 </a:solidFill>
@@ -11841,137 +11799,6 @@
                 <a:latin typeface="Consolas"/>
               </a:rPr>
               <a:t>&gt;</a:t>
-            </a:r>
-            <a:endParaRPr lang="en-US" dirty="0" smtClean="0">
-              <a:solidFill>
-                <a:srgbClr val="000000"/>
-              </a:solidFill>
-              <a:highlight>
-                <a:srgbClr val="FFFFFF"/>
-              </a:highlight>
-              <a:latin typeface="Consolas"/>
-            </a:endParaRPr>
-          </a:p>
-          <a:p>
-            <a:r>
-              <a:rPr lang="en-US" dirty="0" smtClean="0">
-                <a:solidFill>
-                  <a:srgbClr val="0000FF"/>
-                </a:solidFill>
-                <a:highlight>
-                  <a:srgbClr val="FFFFFF"/>
-                </a:highlight>
-                <a:latin typeface="Consolas"/>
-              </a:rPr>
-              <a:t>    </a:t>
-            </a:r>
-            <a:r>
-              <a:rPr lang="en-US" dirty="0">
-                <a:solidFill>
-                  <a:srgbClr val="0000FF"/>
-                </a:solidFill>
-                <a:highlight>
-                  <a:srgbClr val="FFFFFF"/>
-                </a:highlight>
-                <a:latin typeface="Consolas"/>
-              </a:rPr>
-              <a:t>&lt;</a:t>
-            </a:r>
-            <a:r>
-              <a:rPr lang="en-US" dirty="0" err="1" smtClean="0">
-                <a:solidFill>
-                  <a:srgbClr val="A31515"/>
-                </a:solidFill>
-                <a:highlight>
-                  <a:srgbClr val="FFFFFF"/>
-                </a:highlight>
-                <a:latin typeface="Consolas"/>
-              </a:rPr>
-              <a:t>gcServer</a:t>
-            </a:r>
-            <a:r>
-              <a:rPr lang="en-US" dirty="0" smtClean="0">
-                <a:solidFill>
-                  <a:srgbClr val="A31515"/>
-                </a:solidFill>
-                <a:highlight>
-                  <a:srgbClr val="FFFFFF"/>
-                </a:highlight>
-                <a:latin typeface="Consolas"/>
-              </a:rPr>
-              <a:t> enabled</a:t>
-            </a:r>
-            <a:r>
-              <a:rPr lang="en-US" dirty="0">
-                <a:solidFill>
-                  <a:srgbClr val="0000FF"/>
-                </a:solidFill>
-                <a:highlight>
-                  <a:srgbClr val="FFFFFF"/>
-                </a:highlight>
-                <a:latin typeface="Consolas"/>
-              </a:rPr>
-              <a:t>=</a:t>
-            </a:r>
-            <a:r>
-              <a:rPr lang="en-US" dirty="0">
-                <a:solidFill>
-                  <a:srgbClr val="000000"/>
-                </a:solidFill>
-                <a:highlight>
-                  <a:srgbClr val="FFFFFF"/>
-                </a:highlight>
-                <a:latin typeface="Consolas"/>
-              </a:rPr>
-              <a:t>"</a:t>
-            </a:r>
-            <a:r>
-              <a:rPr lang="en-US" dirty="0" err="1">
-                <a:solidFill>
-                  <a:srgbClr val="0000FF"/>
-                </a:solidFill>
-                <a:highlight>
-                  <a:srgbClr val="FFFFFF"/>
-                </a:highlight>
-                <a:latin typeface="Consolas"/>
-              </a:rPr>
-              <a:t>true|</a:t>
-            </a:r>
-            <a:r>
-              <a:rPr lang="en-US" b="1" dirty="0" err="1">
-                <a:solidFill>
-                  <a:srgbClr val="0000FF"/>
-                </a:solidFill>
-                <a:highlight>
-                  <a:srgbClr val="FFFFFF"/>
-                </a:highlight>
-                <a:latin typeface="Consolas"/>
-              </a:rPr>
-              <a:t>false</a:t>
-            </a:r>
-            <a:r>
-              <a:rPr lang="en-US" dirty="0">
-                <a:solidFill>
-                  <a:srgbClr val="000000"/>
-                </a:solidFill>
-                <a:highlight>
-                  <a:srgbClr val="FFFFFF"/>
-                </a:highlight>
-                <a:latin typeface="Consolas"/>
-              </a:rPr>
-              <a:t>"</a:t>
-            </a:r>
-            <a:r>
-              <a:rPr lang="en-US" dirty="0">
-                <a:solidFill>
-                  <a:srgbClr val="0000FF"/>
-                </a:solidFill>
-                <a:highlight>
-                  <a:srgbClr val="FFFFFF"/>
-                </a:highlight>
-                <a:latin typeface="Consolas"/>
-              </a:rPr>
-              <a:t> /&gt;</a:t>
             </a:r>
             <a:endParaRPr lang="en-US" dirty="0">
               <a:solidFill>
@@ -11994,22 +11821,129 @@
                 </a:highlight>
                 <a:latin typeface="Consolas"/>
               </a:rPr>
-              <a:t>    </a:t>
-            </a:r>
-            <a:r>
-              <a:rPr lang="en-US" dirty="0" smtClean="0">
-                <a:solidFill>
-                  <a:srgbClr val="0000FF"/>
+              <a:t>    &lt;</a:t>
+            </a:r>
+            <a:r>
+              <a:rPr lang="en-US" dirty="0" err="1">
+                <a:solidFill>
+                  <a:srgbClr val="A31515"/>
                 </a:solidFill>
                 <a:highlight>
                   <a:srgbClr val="FFFFFF"/>
                 </a:highlight>
                 <a:latin typeface="Consolas"/>
               </a:rPr>
-              <a:t>&lt;</a:t>
-            </a:r>
-            <a:r>
-              <a:rPr lang="en-US" dirty="0" err="1" smtClean="0">
+              <a:t>gcServer</a:t>
+            </a:r>
+            <a:r>
+              <a:rPr lang="en-US" dirty="0">
+                <a:solidFill>
+                  <a:srgbClr val="A31515"/>
+                </a:solidFill>
+                <a:highlight>
+                  <a:srgbClr val="FFFFFF"/>
+                </a:highlight>
+                <a:latin typeface="Consolas"/>
+              </a:rPr>
+              <a:t> enabled</a:t>
+            </a:r>
+            <a:r>
+              <a:rPr lang="en-US" dirty="0">
+                <a:solidFill>
+                  <a:srgbClr val="0000FF"/>
+                </a:solidFill>
+                <a:highlight>
+                  <a:srgbClr val="FFFFFF"/>
+                </a:highlight>
+                <a:latin typeface="Consolas"/>
+              </a:rPr>
+              <a:t>=</a:t>
+            </a:r>
+            <a:r>
+              <a:rPr lang="en-US" dirty="0">
+                <a:solidFill>
+                  <a:srgbClr val="000000"/>
+                </a:solidFill>
+                <a:highlight>
+                  <a:srgbClr val="FFFFFF"/>
+                </a:highlight>
+                <a:latin typeface="Consolas"/>
+              </a:rPr>
+              <a:t>"</a:t>
+            </a:r>
+            <a:r>
+              <a:rPr lang="en-US" dirty="0" err="1">
+                <a:solidFill>
+                  <a:srgbClr val="0000FF"/>
+                </a:solidFill>
+                <a:highlight>
+                  <a:srgbClr val="FFFFFF"/>
+                </a:highlight>
+                <a:latin typeface="Consolas"/>
+              </a:rPr>
+              <a:t>true|</a:t>
+            </a:r>
+            <a:r>
+              <a:rPr lang="en-US" b="1" dirty="0" err="1">
+                <a:solidFill>
+                  <a:srgbClr val="0000FF"/>
+                </a:solidFill>
+                <a:highlight>
+                  <a:srgbClr val="FFFFFF"/>
+                </a:highlight>
+                <a:latin typeface="Consolas"/>
+              </a:rPr>
+              <a:t>false</a:t>
+            </a:r>
+            <a:r>
+              <a:rPr lang="en-US" dirty="0">
+                <a:solidFill>
+                  <a:srgbClr val="000000"/>
+                </a:solidFill>
+                <a:highlight>
+                  <a:srgbClr val="FFFFFF"/>
+                </a:highlight>
+                <a:latin typeface="Consolas"/>
+              </a:rPr>
+              <a:t>"</a:t>
+            </a:r>
+            <a:r>
+              <a:rPr lang="en-US" dirty="0">
+                <a:solidFill>
+                  <a:srgbClr val="0000FF"/>
+                </a:solidFill>
+                <a:highlight>
+                  <a:srgbClr val="FFFFFF"/>
+                </a:highlight>
+                <a:latin typeface="Consolas"/>
+              </a:rPr>
+              <a:t> /&gt;</a:t>
+            </a:r>
+            <a:endParaRPr lang="en-US" dirty="0">
+              <a:solidFill>
+                <a:srgbClr val="000000"/>
+              </a:solidFill>
+              <a:highlight>
+                <a:srgbClr val="FFFFFF"/>
+              </a:highlight>
+              <a:latin typeface="Consolas"/>
+            </a:endParaRPr>
+          </a:p>
+          <a:p>
+            <a:r>
+              <a:rPr lang="en-US" dirty="0">
+                <a:solidFill>
+                  <a:srgbClr val="0000FF"/>
+                </a:solidFill>
+                <a:highlight>
+                  <a:srgbClr val="FFFFFF"/>
+                </a:highlight>
+                <a:latin typeface="Consolas"/>
+              </a:rPr>
+              <a:t>    &lt;</a:t>
+            </a:r>
+            <a:r>
+              <a:rPr lang="en-US" dirty="0" err="1">
                 <a:solidFill>
                   <a:srgbClr val="A31515"/>
                 </a:solidFill>
@@ -12021,7 +11955,7 @@
               <a:t>gcConcurrent</a:t>
             </a:r>
             <a:r>
-              <a:rPr lang="en-US" dirty="0" smtClean="0">
+              <a:rPr lang="en-US" dirty="0">
                 <a:solidFill>
                   <a:srgbClr val="A31515"/>
                 </a:solidFill>
@@ -12248,7 +12182,7 @@
           <a:lstStyle/>
           <a:p>
             <a:r>
-              <a:rPr lang="en-US" dirty="0" smtClean="0"/>
+              <a:rPr lang="en-US" dirty="0"/>
               <a:t>Workstation GC</a:t>
             </a:r>
             <a:endParaRPr lang="ru-RU" dirty="0"/>
@@ -12273,12 +12207,8 @@
           <a:lstStyle/>
           <a:p>
             <a:r>
-              <a:rPr lang="ru-RU" dirty="0" smtClean="0"/>
-              <a:t>Используется </a:t>
-            </a:r>
-            <a:r>
               <a:rPr lang="ru-RU" dirty="0"/>
-              <a:t>по умолчанию для </a:t>
+              <a:t>Используется по умолчанию для </a:t>
             </a:r>
             <a:r>
               <a:rPr lang="en-US" dirty="0"/>
@@ -12296,78 +12226,57 @@
             </a:r>
             <a:r>
               <a:rPr lang="ru-RU" dirty="0"/>
-              <a:t>работает только в одном потоке. Нет выгоды от использования многоядерных </a:t>
-            </a:r>
-            <a:r>
-              <a:rPr lang="ru-RU" dirty="0" smtClean="0"/>
-              <a:t>процессоров</a:t>
-            </a:r>
-          </a:p>
-          <a:p>
-            <a:r>
-              <a:rPr lang="en-US" dirty="0" smtClean="0"/>
-              <a:t>Concurrent </a:t>
-            </a:r>
+              <a:t>работает только в одном потоке. Нет выгоды от использования многоядерных процессоров</a:t>
+            </a:r>
+          </a:p>
+          <a:p>
             <a:r>
               <a:rPr lang="en-US" dirty="0"/>
-              <a:t>Workstation </a:t>
-            </a:r>
-            <a:r>
-              <a:rPr lang="en-US" dirty="0" smtClean="0"/>
+              <a:t>Concurrent Workstation GC</a:t>
+            </a:r>
+            <a:endParaRPr lang="ru-RU" dirty="0"/>
+          </a:p>
+          <a:p>
+            <a:pPr lvl="1"/>
+            <a:r>
+              <a:rPr lang="ru-RU" dirty="0"/>
+              <a:t>Отдельный поток для </a:t>
+            </a:r>
+            <a:r>
+              <a:rPr lang="en-US" dirty="0"/>
               <a:t>GC</a:t>
             </a:r>
-            <a:endParaRPr lang="ru-RU" dirty="0" smtClean="0"/>
           </a:p>
           <a:p>
             <a:pPr lvl="1"/>
             <a:r>
-              <a:rPr lang="ru-RU" dirty="0" smtClean="0"/>
-              <a:t>Отдельный поток для </a:t>
-            </a:r>
-            <a:r>
-              <a:rPr lang="en-US" dirty="0" smtClean="0"/>
-              <a:t>GC</a:t>
+              <a:rPr lang="ru-RU" dirty="0"/>
+              <a:t>Работает паралельно с приложением. Минимальные задержки исполнения</a:t>
+            </a:r>
+          </a:p>
+          <a:p>
+            <a:r>
+              <a:rPr lang="en-US" dirty="0"/>
+              <a:t>Non-concurrent Workstation GC</a:t>
             </a:r>
           </a:p>
           <a:p>
             <a:pPr lvl="1"/>
             <a:r>
-              <a:rPr lang="ru-RU" dirty="0" smtClean="0"/>
-              <a:t>Работает паралельно с приложением. Минимальные задержки исполнения</a:t>
-            </a:r>
-          </a:p>
-          <a:p>
-            <a:r>
-              <a:rPr lang="en-US" dirty="0" smtClean="0"/>
-              <a:t>Non-concurrent </a:t>
-            </a:r>
-            <a:r>
               <a:rPr lang="en-US" dirty="0"/>
-              <a:t>Workstation </a:t>
-            </a:r>
-            <a:r>
-              <a:rPr lang="en-US" dirty="0" smtClean="0"/>
-              <a:t>GC</a:t>
+              <a:t>GC </a:t>
+            </a:r>
+            <a:r>
+              <a:rPr lang="ru-RU" dirty="0"/>
+              <a:t>запускается в контексте одного из потоков приложения</a:t>
             </a:r>
           </a:p>
           <a:p>
             <a:pPr lvl="1"/>
             <a:r>
-              <a:rPr lang="en-US" dirty="0" smtClean="0"/>
-              <a:t>GC </a:t>
-            </a:r>
-            <a:r>
-              <a:rPr lang="ru-RU" dirty="0" smtClean="0"/>
-              <a:t>запускается в контексте одного из потоков приложения</a:t>
-            </a:r>
-          </a:p>
-          <a:p>
-            <a:pPr lvl="1"/>
-            <a:r>
-              <a:rPr lang="ru-RU" dirty="0" smtClean="0"/>
+              <a:rPr lang="ru-RU" dirty="0"/>
               <a:t>Все остальные потоки останавливаются</a:t>
             </a:r>
-            <a:endParaRPr lang="ru-RU" dirty="0"/>
           </a:p>
         </p:txBody>
       </p:sp>
@@ -12417,7 +12326,7 @@
           <a:lstStyle/>
           <a:p>
             <a:r>
-              <a:rPr lang="en-US" dirty="0" smtClean="0"/>
+              <a:rPr lang="en-US" dirty="0"/>
               <a:t>Server GC</a:t>
             </a:r>
             <a:endParaRPr lang="ru-RU" dirty="0"/>
@@ -12442,100 +12351,91 @@
           <a:lstStyle/>
           <a:p>
             <a:r>
-              <a:rPr lang="ru-RU" dirty="0" smtClean="0"/>
+              <a:rPr lang="ru-RU" dirty="0"/>
               <a:t>Отдельный </a:t>
             </a:r>
             <a:r>
-              <a:rPr lang="en-US" dirty="0" smtClean="0"/>
+              <a:rPr lang="en-US" dirty="0"/>
               <a:t>GC </a:t>
             </a:r>
             <a:r>
-              <a:rPr lang="ru-RU" dirty="0" smtClean="0"/>
+              <a:rPr lang="ru-RU" dirty="0"/>
               <a:t>поток для каждого</a:t>
             </a:r>
             <a:r>
-              <a:rPr lang="en-US" dirty="0" smtClean="0"/>
+              <a:rPr lang="en-US" dirty="0"/>
               <a:t> </a:t>
             </a:r>
             <a:r>
-              <a:rPr lang="ru-RU" dirty="0" smtClean="0"/>
+              <a:rPr lang="ru-RU" dirty="0"/>
               <a:t>ядра</a:t>
             </a:r>
           </a:p>
           <a:p>
             <a:r>
-              <a:rPr lang="ru-RU" dirty="0" smtClean="0"/>
+              <a:rPr lang="ru-RU" dirty="0"/>
               <a:t>Отдельная куча для каждого процессора</a:t>
             </a:r>
           </a:p>
           <a:p>
             <a:r>
-              <a:rPr lang="ru-RU" dirty="0" smtClean="0"/>
+              <a:rPr lang="ru-RU" dirty="0"/>
               <a:t>До .</a:t>
             </a:r>
             <a:r>
               <a:rPr lang="en-US" dirty="0"/>
-              <a:t> NET </a:t>
-            </a:r>
-            <a:r>
-              <a:rPr lang="en-US" dirty="0" smtClean="0"/>
-              <a:t>4.5 </a:t>
-            </a:r>
-            <a:r>
-              <a:rPr lang="ru-RU" dirty="0" smtClean="0"/>
+              <a:t> NET 4.5 </a:t>
+            </a:r>
+            <a:r>
+              <a:rPr lang="ru-RU" dirty="0"/>
               <a:t>работал в </a:t>
             </a:r>
             <a:r>
-              <a:rPr lang="en-US" dirty="0" smtClean="0"/>
+              <a:rPr lang="en-US" dirty="0"/>
               <a:t>non</a:t>
             </a:r>
             <a:r>
-              <a:rPr lang="ru-RU" dirty="0" smtClean="0"/>
+              <a:rPr lang="ru-RU" dirty="0"/>
               <a:t>-</a:t>
             </a:r>
             <a:r>
-              <a:rPr lang="en-US" dirty="0" smtClean="0"/>
+              <a:rPr lang="en-US" dirty="0"/>
               <a:t>concurrent </a:t>
             </a:r>
             <a:r>
-              <a:rPr lang="ru-RU" dirty="0" smtClean="0"/>
+              <a:rPr lang="ru-RU" dirty="0"/>
               <a:t>режиме. То есть все потоки приложения останавливались во время сборки мусора</a:t>
             </a:r>
           </a:p>
           <a:p>
             <a:r>
-              <a:rPr lang="ru-RU" dirty="0" smtClean="0"/>
+              <a:rPr lang="ru-RU" dirty="0"/>
               <a:t>Начиная с </a:t>
             </a:r>
             <a:r>
-              <a:rPr lang="en-US" dirty="0" smtClean="0"/>
+              <a:rPr lang="en-US" dirty="0"/>
               <a:t>.NET 4.5 </a:t>
             </a:r>
             <a:r>
-              <a:rPr lang="ru-RU" dirty="0" smtClean="0"/>
+              <a:rPr lang="ru-RU" dirty="0"/>
               <a:t>поддерживает </a:t>
             </a:r>
             <a:r>
-              <a:rPr lang="en-US" dirty="0" smtClean="0"/>
+              <a:rPr lang="en-US" dirty="0"/>
               <a:t>concurrent </a:t>
             </a:r>
             <a:r>
-              <a:rPr lang="ru-RU" dirty="0" smtClean="0"/>
+              <a:rPr lang="ru-RU" dirty="0"/>
               <a:t>режим. </a:t>
             </a:r>
             <a:r>
-              <a:rPr lang="ru-RU" dirty="0" smtClean="0">
+              <a:rPr lang="ru-RU" dirty="0">
                 <a:solidFill>
                   <a:srgbClr val="FFFF00"/>
                 </a:solidFill>
               </a:rPr>
               <a:t>Хороший выбор для приложений которые интенсивно используют память.</a:t>
             </a:r>
-            <a:endParaRPr lang="ru-RU" dirty="0">
-              <a:solidFill>
-                <a:srgbClr val="FFFF00"/>
-              </a:solidFill>
-            </a:endParaRPr>
           </a:p>
         </p:txBody>
       </p:sp>
@@ -12606,7 +12506,7 @@
           <a:p>
             <a:pPr algn="ctr"/>
             <a:r>
-              <a:rPr lang="en-US" dirty="0" err="1" smtClean="0">
+              <a:rPr lang="en-US" dirty="0" err="1">
                 <a:solidFill>
                   <a:srgbClr val="002060"/>
                 </a:solidFill>
@@ -12614,7 +12514,7 @@
               <a:t>i</a:t>
             </a:r>
             <a:r>
-              <a:rPr lang="en-US" dirty="0" smtClean="0">
+              <a:rPr lang="en-US" dirty="0">
                 <a:solidFill>
                   <a:srgbClr val="002060"/>
                 </a:solidFill>
@@ -12645,14 +12545,13 @@
           <a:lstStyle/>
           <a:p>
             <a:r>
-              <a:rPr lang="en-US" dirty="0" smtClean="0"/>
+              <a:rPr lang="en-US" dirty="0"/>
               <a:t>Value</a:t>
             </a:r>
             <a:r>
-              <a:rPr lang="ru-RU" dirty="0" smtClean="0"/>
+              <a:rPr lang="ru-RU" dirty="0"/>
               <a:t>-типы</a:t>
             </a:r>
-            <a:endParaRPr lang="ru-RU" dirty="0"/>
           </a:p>
         </p:txBody>
       </p:sp>
@@ -12680,18 +12579,18 @@
           <a:p>
             <a:pPr algn="ctr"/>
             <a:r>
-              <a:rPr lang="en-US" sz="2000" dirty="0" smtClean="0"/>
+              <a:rPr lang="en-US" sz="2000" dirty="0"/>
               <a:t>int </a:t>
             </a:r>
             <a:r>
-              <a:rPr lang="en-US" sz="2000" dirty="0" err="1" smtClean="0"/>
+              <a:rPr lang="en-US" sz="2000" dirty="0" err="1"/>
               <a:t>i</a:t>
             </a:r>
             <a:r>
-              <a:rPr lang="en-US" sz="2000" dirty="0" smtClean="0"/>
+              <a:rPr lang="en-US" sz="2000" dirty="0"/>
               <a:t> = 10;</a:t>
             </a:r>
-            <a:endParaRPr lang="ru-RU" sz="2000" dirty="0" smtClean="0"/>
+            <a:endParaRPr lang="ru-RU" sz="2000" dirty="0"/>
           </a:p>
         </p:txBody>
       </p:sp>
@@ -12751,15 +12650,7 @@
                     <a:srgbClr val="002060"/>
                   </a:solidFill>
                 </a:rPr>
-                <a:t>j</a:t>
-              </a:r>
-              <a:r>
-                <a:rPr lang="en-US" dirty="0" smtClean="0">
-                  <a:solidFill>
-                    <a:srgbClr val="002060"/>
-                  </a:solidFill>
-                </a:rPr>
-                <a:t> : 11</a:t>
+                <a:t>j : 11</a:t>
               </a:r>
               <a:endParaRPr lang="ru-RU" dirty="0">
                 <a:solidFill>
@@ -12793,18 +12684,10 @@
             <a:p>
               <a:pPr algn="ctr"/>
               <a:r>
-                <a:rPr lang="en-US" sz="2000" dirty="0" smtClean="0"/>
-                <a:t>int </a:t>
+                <a:rPr lang="en-US" sz="2000" dirty="0"/>
+                <a:t>int j = 11;</a:t>
               </a:r>
-              <a:r>
-                <a:rPr lang="en-US" sz="2000" dirty="0"/>
-                <a:t>j</a:t>
-              </a:r>
-              <a:r>
-                <a:rPr lang="en-US" sz="2000" dirty="0" smtClean="0"/>
-                <a:t> = 11;</a:t>
-              </a:r>
-              <a:endParaRPr lang="ru-RU" sz="2000" dirty="0" smtClean="0"/>
+              <a:endParaRPr lang="ru-RU" sz="2000" dirty="0"/>
             </a:p>
           </p:txBody>
         </p:sp>
@@ -12832,26 +12715,26 @@
           <a:lstStyle/>
           <a:p>
             <a:r>
-              <a:rPr lang="ru-RU" sz="2000" dirty="0" smtClean="0"/>
+              <a:rPr lang="ru-RU" sz="2000" dirty="0"/>
               <a:t>Благодаря своему сравнительно небольшому размеру значения переменных </a:t>
             </a:r>
             <a:r>
-              <a:rPr lang="en-US" sz="2000" dirty="0" smtClean="0"/>
+              <a:rPr lang="en-US" sz="2000" dirty="0"/>
               <a:t>value </a:t>
             </a:r>
             <a:r>
-              <a:rPr lang="ru-RU" sz="2000" dirty="0" smtClean="0"/>
+              <a:rPr lang="ru-RU" sz="2000" dirty="0"/>
               <a:t>типа могут храниться в стеке.</a:t>
             </a:r>
             <a:r>
-              <a:rPr lang="en-US" sz="2000" dirty="0" smtClean="0"/>
+              <a:rPr lang="en-US" sz="2000" dirty="0"/>
               <a:t> </a:t>
             </a:r>
             <a:r>
-              <a:rPr lang="ru-RU" sz="2000" dirty="0" smtClean="0"/>
+              <a:rPr lang="ru-RU" sz="2000" dirty="0"/>
               <a:t>При присваивании происходит копирование значения.</a:t>
             </a:r>
-            <a:endParaRPr lang="en-US" sz="2000" dirty="0" smtClean="0"/>
+            <a:endParaRPr lang="en-US" sz="2000" dirty="0"/>
           </a:p>
           <a:p>
             <a:endParaRPr lang="en-US" sz="2000" dirty="0"/>
@@ -12861,15 +12744,9 @@
               <a:rPr lang="en-US" sz="2000" dirty="0">
                 <a:hlinkClick r:id="rId3"/>
               </a:rPr>
-              <a:t>http://</a:t>
-            </a:r>
-            <a:r>
-              <a:rPr lang="en-US" sz="2000" dirty="0" smtClean="0">
-                <a:hlinkClick r:id="rId3"/>
-              </a:rPr>
-              <a:t>blogs.msdn.com/b/ruericlippert/archive/2010/10/25/the-truth-about-value-types.aspx</a:t>
-            </a:r>
-            <a:endParaRPr lang="ru-RU" sz="2000" dirty="0" smtClean="0"/>
+              <a:t>http://blogs.msdn.com/b/ruericlippert/archive/2010/10/25/the-truth-about-value-types.aspx</a:t>
+            </a:r>
+            <a:endParaRPr lang="ru-RU" sz="2000" dirty="0"/>
           </a:p>
         </p:txBody>
       </p:sp>
@@ -12912,21 +12789,17 @@
               <a:pPr algn="ctr"/>
               <a:r>
                 <a:rPr lang="en-US" sz="2000" dirty="0"/>
-                <a:t>j</a:t>
+                <a:t>j = </a:t>
               </a:r>
               <a:r>
-                <a:rPr lang="en-US" sz="2000" dirty="0" smtClean="0"/>
-                <a:t> = </a:t>
-              </a:r>
-              <a:r>
-                <a:rPr lang="en-US" sz="2000" dirty="0" err="1" smtClean="0"/>
+                <a:rPr lang="en-US" sz="2000" dirty="0" err="1"/>
                 <a:t>i</a:t>
               </a:r>
               <a:r>
-                <a:rPr lang="en-US" sz="2000" dirty="0" smtClean="0"/>
+                <a:rPr lang="en-US" sz="2000" dirty="0"/>
                 <a:t>; </a:t>
               </a:r>
-              <a:endParaRPr lang="ru-RU" sz="2000" dirty="0" smtClean="0"/>
+              <a:endParaRPr lang="ru-RU" sz="2000" dirty="0"/>
             </a:p>
           </p:txBody>
         </p:sp>
@@ -12972,18 +12845,10 @@
                     <a:srgbClr val="002060"/>
                   </a:solidFill>
                 </a:rPr>
-                <a:t>j</a:t>
+                <a:t>j : </a:t>
               </a:r>
               <a:r>
-                <a:rPr lang="en-US" dirty="0" smtClean="0">
-                  <a:solidFill>
-                    <a:srgbClr val="002060"/>
-                  </a:solidFill>
-                </a:rPr>
-                <a:t> : </a:t>
-              </a:r>
-              <a:r>
-                <a:rPr lang="en-US" dirty="0" smtClean="0">
+                <a:rPr lang="en-US" dirty="0">
                   <a:solidFill>
                     <a:srgbClr val="FF0000"/>
                   </a:solidFill>
@@ -13167,14 +13032,13 @@
           <a:lstStyle/>
           <a:p>
             <a:r>
-              <a:rPr lang="en-US" dirty="0" smtClean="0"/>
+              <a:rPr lang="en-US" dirty="0"/>
               <a:t>IDisposable: </a:t>
             </a:r>
             <a:r>
-              <a:rPr lang="ru-RU" dirty="0" smtClean="0"/>
+              <a:rPr lang="ru-RU" dirty="0"/>
               <a:t>управление ресурсами</a:t>
             </a:r>
-            <a:endParaRPr lang="ru-RU" dirty="0"/>
           </a:p>
         </p:txBody>
       </p:sp>
@@ -13199,74 +13063,73 @@
               <a:buNone/>
             </a:pPr>
             <a:r>
-              <a:rPr lang="ru-RU" dirty="0" smtClean="0"/>
+              <a:rPr lang="ru-RU" dirty="0"/>
               <a:t>В </a:t>
             </a:r>
             <a:r>
-              <a:rPr lang="en-US" dirty="0" smtClean="0"/>
+              <a:rPr lang="en-US" dirty="0"/>
               <a:t>.NET </a:t>
             </a:r>
             <a:r>
-              <a:rPr lang="ru-RU" dirty="0" smtClean="0"/>
+              <a:rPr lang="ru-RU" dirty="0"/>
               <a:t>используется недетерминированная модель управления памятью. Это означает что программист не контролирует момент освобождения памяти. Данный подход годится для памяти, но не годится для «объектов» которые находятся вне контроля </a:t>
             </a:r>
             <a:r>
-              <a:rPr lang="en-US" dirty="0" smtClean="0"/>
+              <a:rPr lang="en-US" dirty="0"/>
               <a:t>.NET – </a:t>
             </a:r>
             <a:r>
-              <a:rPr lang="ru-RU" dirty="0" smtClean="0"/>
+              <a:rPr lang="ru-RU" dirty="0"/>
               <a:t>например, файлы. Создавая объект типа </a:t>
             </a:r>
             <a:r>
-              <a:rPr lang="en-US" dirty="0" smtClean="0"/>
+              <a:rPr lang="en-US" dirty="0"/>
               <a:t>FileStream </a:t>
             </a:r>
             <a:r>
-              <a:rPr lang="ru-RU" dirty="0" smtClean="0"/>
+              <a:rPr lang="ru-RU" dirty="0"/>
               <a:t>мы одновременно создаем т.н. дескриптор (</a:t>
             </a:r>
             <a:r>
-              <a:rPr lang="en-US" dirty="0" smtClean="0"/>
+              <a:rPr lang="en-US" dirty="0"/>
               <a:t>handle</a:t>
             </a:r>
             <a:r>
-              <a:rPr lang="ru-RU" dirty="0" smtClean="0"/>
+              <a:rPr lang="ru-RU" dirty="0"/>
               <a:t>)</a:t>
             </a:r>
             <a:r>
-              <a:rPr lang="en-US" dirty="0" smtClean="0"/>
+              <a:rPr lang="en-US" dirty="0"/>
               <a:t> – </a:t>
             </a:r>
             <a:r>
-              <a:rPr lang="ru-RU" dirty="0" smtClean="0"/>
+              <a:rPr lang="ru-RU" dirty="0"/>
               <a:t>системный объект который контролируется ОС </a:t>
             </a:r>
             <a:r>
-              <a:rPr lang="en-US" dirty="0" smtClean="0"/>
+              <a:rPr lang="en-US" dirty="0"/>
               <a:t>Windows. </a:t>
             </a:r>
             <a:r>
-              <a:rPr lang="ru-RU" dirty="0" smtClean="0"/>
+              <a:rPr lang="ru-RU" dirty="0"/>
               <a:t>Этот дескритор нужно закрывать для корректной работы приложения и экономии системных ресурсов. Интерфейс </a:t>
             </a:r>
             <a:r>
-              <a:rPr lang="en-US" dirty="0" smtClean="0"/>
+              <a:rPr lang="en-US" dirty="0"/>
               <a:t>IDisposable </a:t>
             </a:r>
             <a:r>
-              <a:rPr lang="ru-RU" dirty="0" smtClean="0"/>
+              <a:rPr lang="ru-RU" dirty="0"/>
               <a:t>с одним методом </a:t>
             </a:r>
             <a:r>
-              <a:rPr lang="en-US" dirty="0" smtClean="0"/>
+              <a:rPr lang="en-US" dirty="0"/>
               <a:t>void Dispose()</a:t>
             </a:r>
             <a:r>
-              <a:rPr lang="ru-RU" dirty="0" smtClean="0"/>
+              <a:rPr lang="ru-RU" dirty="0"/>
               <a:t> позволяет точно упралять моментом когда нужно освобождать такие ресурсы.</a:t>
             </a:r>
-            <a:endParaRPr lang="ru-RU" dirty="0"/>
           </a:p>
         </p:txBody>
       </p:sp>
@@ -13316,11 +13179,11 @@
           <a:lstStyle/>
           <a:p>
             <a:r>
-              <a:rPr lang="ru-RU" dirty="0" smtClean="0"/>
+              <a:rPr lang="ru-RU" dirty="0"/>
               <a:t>Блок </a:t>
             </a:r>
             <a:r>
-              <a:rPr lang="en-US" dirty="0" smtClean="0"/>
+              <a:rPr lang="en-US" dirty="0"/>
               <a:t>using</a:t>
             </a:r>
             <a:endParaRPr lang="ru-RU" dirty="0"/>
@@ -13343,34 +13206,33 @@
           <a:lstStyle/>
           <a:p>
             <a:r>
-              <a:rPr lang="ru-RU" dirty="0" smtClean="0"/>
+              <a:rPr lang="ru-RU" dirty="0"/>
               <a:t>Переменная видна только внутри блока</a:t>
             </a:r>
           </a:p>
           <a:p>
             <a:r>
-              <a:rPr lang="ru-RU" dirty="0" smtClean="0"/>
+              <a:rPr lang="ru-RU" dirty="0"/>
               <a:t>Автоматически вызывается </a:t>
             </a:r>
             <a:r>
-              <a:rPr lang="en-US" dirty="0" smtClean="0"/>
+              <a:rPr lang="en-US" dirty="0"/>
               <a:t>Dispose() </a:t>
             </a:r>
             <a:r>
-              <a:rPr lang="ru-RU" dirty="0" smtClean="0"/>
+              <a:rPr lang="ru-RU" dirty="0"/>
               <a:t>внутри блока </a:t>
             </a:r>
             <a:r>
-              <a:rPr lang="en-US" dirty="0" smtClean="0"/>
+              <a:rPr lang="en-US" dirty="0"/>
               <a:t>finally</a:t>
             </a:r>
           </a:p>
           <a:p>
             <a:r>
-              <a:rPr lang="ru-RU" dirty="0" smtClean="0"/>
+              <a:rPr lang="ru-RU" dirty="0"/>
               <a:t>Переменная доступна только для чтения</a:t>
             </a:r>
-            <a:endParaRPr lang="ru-RU" dirty="0"/>
           </a:p>
         </p:txBody>
       </p:sp>
@@ -13420,11 +13282,11 @@
           <a:lstStyle/>
           <a:p>
             <a:r>
-              <a:rPr lang="ru-RU" dirty="0" smtClean="0"/>
+              <a:rPr lang="ru-RU" dirty="0"/>
               <a:t>Своя реализация </a:t>
             </a:r>
             <a:r>
-              <a:rPr lang="en-US" dirty="0" err="1" smtClean="0"/>
+              <a:rPr lang="en-US" dirty="0" err="1"/>
               <a:t>IDisposable</a:t>
             </a:r>
             <a:endParaRPr lang="ru-RU" dirty="0"/>
@@ -13447,16 +13309,15 @@
           <a:lstStyle/>
           <a:p>
             <a:r>
-              <a:rPr lang="ru-RU" dirty="0" smtClean="0"/>
+              <a:rPr lang="ru-RU" dirty="0"/>
               <a:t>Должна быть реентерабельной</a:t>
             </a:r>
           </a:p>
           <a:p>
             <a:r>
-              <a:rPr lang="ru-RU" dirty="0" smtClean="0"/>
+              <a:rPr lang="ru-RU" dirty="0"/>
               <a:t>Не должна генерировать исключений при повторном вызове</a:t>
             </a:r>
-            <a:endParaRPr lang="ru-RU" dirty="0"/>
           </a:p>
         </p:txBody>
       </p:sp>
@@ -13470,13 +13331,6 @@
   <p:clrMapOvr>
     <a:masterClrMapping/>
   </p:clrMapOvr>
-  <p:timing>
-    <p:tnLst>
-      <p:par>
-        <p:cTn id="1" dur="indefinite" restart="never" nodeType="tmRoot"/>
-      </p:par>
-    </p:tnLst>
-  </p:timing>
 </p:sld>
 </file>
 
@@ -13513,15 +13367,15 @@
           <a:lstStyle/>
           <a:p>
             <a:r>
-              <a:rPr lang="en-US" dirty="0" smtClean="0"/>
+              <a:rPr lang="en-US" dirty="0"/>
               <a:t>IDisposable </a:t>
             </a:r>
             <a:r>
-              <a:rPr lang="ru-RU" dirty="0" smtClean="0"/>
+              <a:rPr lang="ru-RU" dirty="0"/>
               <a:t>и </a:t>
             </a:r>
             <a:r>
-              <a:rPr lang="en-US" dirty="0" smtClean="0"/>
+              <a:rPr lang="en-US" dirty="0"/>
               <a:t>foreach</a:t>
             </a:r>
             <a:endParaRPr lang="ru-RU" dirty="0"/>
@@ -13554,26 +13408,25 @@
               <a:buNone/>
             </a:pPr>
             <a:r>
-              <a:rPr lang="ru-RU" sz="2800" dirty="0" smtClean="0"/>
+              <a:rPr lang="ru-RU" sz="2800" dirty="0"/>
               <a:t>Компилятор автоматически генерирует вызов </a:t>
             </a:r>
             <a:r>
-              <a:rPr lang="en-US" sz="2800" dirty="0" smtClean="0"/>
+              <a:rPr lang="en-US" sz="2800" dirty="0"/>
               <a:t>Dispose() </a:t>
             </a:r>
             <a:r>
-              <a:rPr lang="ru-RU" sz="2800" dirty="0" smtClean="0"/>
+              <a:rPr lang="ru-RU" sz="2800" dirty="0"/>
               <a:t>для цикла </a:t>
             </a:r>
             <a:r>
-              <a:rPr lang="en-US" sz="2800" dirty="0" smtClean="0"/>
+              <a:rPr lang="en-US" sz="2800" dirty="0"/>
               <a:t>foreach. </a:t>
             </a:r>
             <a:r>
-              <a:rPr lang="ru-RU" sz="2800" dirty="0" smtClean="0"/>
+              <a:rPr lang="ru-RU" sz="2800" dirty="0"/>
               <a:t>Цикл:</a:t>
             </a:r>
-            <a:endParaRPr lang="ru-RU" sz="2800" dirty="0"/>
           </a:p>
         </p:txBody>
       </p:sp>
@@ -13806,13 +13659,8 @@
             </a:pPr>
             <a:r>
               <a:rPr lang="ru-RU" sz="2800" dirty="0"/>
-              <a:t>п</a:t>
-            </a:r>
-            <a:r>
-              <a:rPr lang="ru-RU" sz="2800" dirty="0" smtClean="0"/>
-              <a:t>реобразуется компилятором в (один из вариантов):</a:t>
-            </a:r>
-            <a:endParaRPr lang="ru-RU" sz="2800" dirty="0"/>
+              <a:t>преобразуется компилятором в (один из вариантов):</a:t>
+            </a:r>
           </a:p>
         </p:txBody>
       </p:sp>
@@ -13992,7 +13840,7 @@
           </a:p>
           <a:p>
             <a:r>
-              <a:rPr lang="en-US" sz="1400" dirty="0" smtClean="0">
+              <a:rPr lang="en-US" sz="1400" dirty="0">
                 <a:solidFill>
                   <a:srgbClr val="000000"/>
                 </a:solidFill>
@@ -14001,7 +13849,7 @@
               <a:t>    </a:t>
             </a:r>
             <a:r>
-              <a:rPr lang="en-US" sz="1400" dirty="0" smtClean="0">
+              <a:rPr lang="en-US" sz="1400" dirty="0">
                 <a:solidFill>
                   <a:srgbClr val="0000FF"/>
                 </a:solidFill>
@@ -14010,7 +13858,7 @@
               <a:t>if</a:t>
             </a:r>
             <a:r>
-              <a:rPr lang="en-US" sz="1400" dirty="0" smtClean="0">
+              <a:rPr lang="en-US" sz="1400" dirty="0">
                 <a:solidFill>
                   <a:srgbClr val="000000"/>
                 </a:solidFill>
@@ -14019,7 +13867,7 @@
               <a:t> (enumerator != </a:t>
             </a:r>
             <a:r>
-              <a:rPr lang="en-US" sz="1400" dirty="0" smtClean="0">
+              <a:rPr lang="en-US" sz="1400" dirty="0">
                 <a:solidFill>
                   <a:srgbClr val="0000FF"/>
                 </a:solidFill>
@@ -14028,7 +13876,7 @@
               <a:t>null</a:t>
             </a:r>
             <a:r>
-              <a:rPr lang="en-US" sz="1400" dirty="0" smtClean="0">
+              <a:rPr lang="en-US" sz="1400" dirty="0">
                 <a:solidFill>
                   <a:srgbClr val="000000"/>
                 </a:solidFill>
@@ -14037,7 +13885,7 @@
               <a:t>) (</a:t>
             </a:r>
             <a:r>
-              <a:rPr lang="ru-RU" sz="1400" dirty="0" smtClean="0">
+              <a:rPr lang="ru-RU" sz="1400" dirty="0">
                 <a:solidFill>
                   <a:srgbClr val="000000"/>
                 </a:solidFill>
@@ -14046,7 +13894,7 @@
               <a:t>(</a:t>
             </a:r>
             <a:r>
-              <a:rPr lang="en-US" sz="1400" dirty="0" smtClean="0">
+              <a:rPr lang="en-US" sz="1400" dirty="0">
                 <a:solidFill>
                   <a:srgbClr val="000000"/>
                 </a:solidFill>
@@ -14055,7 +13903,7 @@
               <a:t>System.</a:t>
             </a:r>
             <a:r>
-              <a:rPr lang="en-US" sz="1400" dirty="0" smtClean="0">
+              <a:rPr lang="en-US" sz="1400" dirty="0">
                 <a:solidFill>
                   <a:srgbClr val="2B91AF"/>
                 </a:solidFill>
@@ -14064,7 +13912,7 @@
               <a:t>IDisposable</a:t>
             </a:r>
             <a:r>
-              <a:rPr lang="ru-RU" sz="1400" dirty="0" smtClean="0">
+              <a:rPr lang="ru-RU" sz="1400" dirty="0">
                 <a:solidFill>
                   <a:srgbClr val="000000"/>
                 </a:solidFill>
@@ -14073,7 +13921,7 @@
               <a:t>)</a:t>
             </a:r>
             <a:r>
-              <a:rPr lang="en-US" sz="1400" dirty="0" smtClean="0">
+              <a:rPr lang="en-US" sz="1400" dirty="0">
                 <a:solidFill>
                   <a:srgbClr val="000000"/>
                 </a:solidFill>
@@ -14084,7 +13932,7 @@
           </a:p>
           <a:p>
             <a:r>
-              <a:rPr lang="ru-RU" sz="1400" dirty="0" smtClean="0">
+              <a:rPr lang="ru-RU" sz="1400" dirty="0">
                 <a:solidFill>
                   <a:srgbClr val="000000"/>
                 </a:solidFill>
@@ -14119,7 +13967,7 @@
           <a:lstStyle/>
           <a:p>
             <a:r>
-              <a:rPr lang="ru-RU" sz="1400" dirty="0" smtClean="0">
+              <a:rPr lang="ru-RU" sz="1400" dirty="0">
                 <a:solidFill>
                   <a:srgbClr val="FFFF00"/>
                 </a:solidFill>
@@ -14127,7 +13975,7 @@
               <a:t>Подробности см. в спецификации </a:t>
             </a:r>
             <a:r>
-              <a:rPr lang="en-US" sz="1400" dirty="0" smtClean="0">
+              <a:rPr lang="en-US" sz="1400" dirty="0">
                 <a:solidFill>
                   <a:srgbClr val="FFFF00"/>
                 </a:solidFill>
@@ -14135,7 +13983,7 @@
               <a:t>C# </a:t>
             </a:r>
             <a:r>
-              <a:rPr lang="ru-RU" sz="1400" dirty="0" smtClean="0">
+              <a:rPr lang="ru-RU" sz="1400" dirty="0">
                 <a:solidFill>
                   <a:srgbClr val="FFFF00"/>
                 </a:solidFill>
@@ -14143,14 +13991,14 @@
               <a:t>- §8</a:t>
             </a:r>
             <a:r>
-              <a:rPr lang="en-US" sz="1400" dirty="0" smtClean="0">
+              <a:rPr lang="en-US" sz="1400" dirty="0">
                 <a:solidFill>
                   <a:srgbClr val="FFFF00"/>
                 </a:solidFill>
               </a:rPr>
               <a:t>.8.4 The foreach statement</a:t>
             </a:r>
-            <a:endParaRPr lang="ru-RU" sz="1400" dirty="0" smtClean="0">
+            <a:endParaRPr lang="ru-RU" sz="1400" dirty="0">
               <a:solidFill>
                 <a:srgbClr val="FFFF00"/>
               </a:solidFill>
@@ -14168,13 +14016,6 @@
   <p:clrMapOvr>
     <a:masterClrMapping/>
   </p:clrMapOvr>
-  <p:timing>
-    <p:tnLst>
-      <p:par>
-        <p:cTn id="1" dur="indefinite" restart="never" nodeType="tmRoot"/>
-      </p:par>
-    </p:tnLst>
-  </p:timing>
 </p:sld>
 </file>
 
@@ -14213,14 +14054,14 @@
           <a:lstStyle/>
           <a:p>
             <a:r>
-              <a:rPr lang="ru-RU" dirty="0" smtClean="0"/>
+              <a:rPr lang="ru-RU" dirty="0"/>
               <a:t>Куча для больших объектов</a:t>
             </a:r>
             <a:br>
-              <a:rPr lang="ru-RU" dirty="0" smtClean="0"/>
+              <a:rPr lang="ru-RU" dirty="0"/>
             </a:br>
             <a:r>
-              <a:rPr lang="en-US" dirty="0" smtClean="0"/>
+              <a:rPr lang="en-US" dirty="0"/>
               <a:t>(Large Object Heap – LOH)</a:t>
             </a:r>
             <a:endParaRPr lang="ru-RU" dirty="0"/>
@@ -14245,22 +14086,21 @@
           <a:lstStyle/>
           <a:p>
             <a:r>
-              <a:rPr lang="ru-RU" dirty="0" smtClean="0"/>
+              <a:rPr lang="ru-RU" dirty="0"/>
               <a:t>Объекты с размером примерно больше 85 килобайт находятся в отдельной куче</a:t>
             </a:r>
           </a:p>
           <a:p>
             <a:r>
-              <a:rPr lang="ru-RU" dirty="0" smtClean="0"/>
+              <a:rPr lang="ru-RU" dirty="0"/>
               <a:t>Данная куча не дефрагментируется т.к. это бы создало большую нагрузку. Фрагментация может возникнуть при интенсивном использовании памяти (сотни мегабайт) и программа выделяет большие временные объекты.</a:t>
             </a:r>
           </a:p>
           <a:p>
             <a:r>
-              <a:rPr lang="ru-RU" dirty="0" smtClean="0"/>
+              <a:rPr lang="ru-RU" dirty="0"/>
               <a:t>Объекты в данной куче считаются принадлежащими второму поколению</a:t>
             </a:r>
-            <a:endParaRPr lang="ru-RU" dirty="0"/>
           </a:p>
         </p:txBody>
       </p:sp>
@@ -14274,13 +14114,6 @@
   <p:clrMapOvr>
     <a:masterClrMapping/>
   </p:clrMapOvr>
-  <p:timing>
-    <p:tnLst>
-      <p:par>
-        <p:cTn id="1" dur="indefinite" restart="never" nodeType="tmRoot"/>
-      </p:par>
-    </p:tnLst>
-  </p:timing>
 </p:sld>
 </file>
 
@@ -14319,29 +14152,24 @@
           <a:lstStyle/>
           <a:p>
             <a:r>
-              <a:rPr lang="en-US" dirty="0" smtClean="0"/>
+              <a:rPr lang="en-US" dirty="0"/>
               <a:t>Large Object Heap </a:t>
             </a:r>
             <a:r>
-              <a:rPr lang="ru-RU" dirty="0" smtClean="0"/>
+              <a:rPr lang="ru-RU" dirty="0"/>
               <a:t>в </a:t>
             </a:r>
             <a:r>
-              <a:rPr lang="en-US" dirty="0" smtClean="0"/>
+              <a:rPr lang="en-US" dirty="0"/>
               <a:t>.NET 4.5.1</a:t>
             </a:r>
-            <a:r>
-              <a:rPr lang="ru-RU" dirty="0" smtClean="0"/>
-              <a:t/>
-            </a:r>
             <a:br>
-              <a:rPr lang="ru-RU" dirty="0" smtClean="0"/>
+              <a:rPr lang="ru-RU" dirty="0"/>
             </a:br>
             <a:r>
-              <a:rPr lang="ru-RU" dirty="0" smtClean="0"/>
+              <a:rPr lang="ru-RU" dirty="0"/>
               <a:t>и выше</a:t>
             </a:r>
-            <a:endParaRPr lang="ru-RU" dirty="0"/>
           </a:p>
         </p:txBody>
       </p:sp>
@@ -14366,15 +14194,15 @@
               <a:buNone/>
             </a:pPr>
             <a:r>
-              <a:rPr lang="ru-RU" dirty="0" smtClean="0"/>
+              <a:rPr lang="ru-RU" dirty="0"/>
               <a:t>Добавлена возможность дефрагментации </a:t>
             </a:r>
             <a:r>
-              <a:rPr lang="en-US" dirty="0" smtClean="0"/>
+              <a:rPr lang="en-US" dirty="0"/>
               <a:t>LOH </a:t>
             </a:r>
             <a:r>
-              <a:rPr lang="ru-RU" dirty="0" smtClean="0"/>
+              <a:rPr lang="ru-RU" dirty="0"/>
               <a:t>по запросу.</a:t>
             </a:r>
           </a:p>
@@ -14400,70 +14228,56 @@
                 <a:latin typeface="Consolas" panose="020B0609020204030204" pitchFamily="49" charset="0"/>
                 <a:cs typeface="Consolas" panose="020B0609020204030204" pitchFamily="49" charset="0"/>
               </a:rPr>
-              <a:t> </a:t>
-            </a:r>
-            <a:r>
-              <a:rPr lang="en-US" sz="1600" dirty="0" smtClean="0">
-                <a:latin typeface="Consolas" panose="020B0609020204030204" pitchFamily="49" charset="0"/>
-                <a:cs typeface="Consolas" panose="020B0609020204030204" pitchFamily="49" charset="0"/>
-              </a:rPr>
-              <a:t>=</a:t>
+              <a:t> =</a:t>
             </a:r>
             <a:br>
-              <a:rPr lang="en-US" sz="1600" dirty="0" smtClean="0">
+              <a:rPr lang="en-US" sz="1600" dirty="0">
                 <a:latin typeface="Consolas" panose="020B0609020204030204" pitchFamily="49" charset="0"/>
                 <a:cs typeface="Consolas" panose="020B0609020204030204" pitchFamily="49" charset="0"/>
               </a:rPr>
             </a:br>
             <a:r>
-              <a:rPr lang="en-US" sz="1600" dirty="0" smtClean="0">
+              <a:rPr lang="en-US" sz="1600" dirty="0">
                 <a:latin typeface="Consolas" panose="020B0609020204030204" pitchFamily="49" charset="0"/>
                 <a:cs typeface="Consolas" panose="020B0609020204030204" pitchFamily="49" charset="0"/>
               </a:rPr>
               <a:t>              </a:t>
             </a:r>
             <a:r>
-              <a:rPr lang="en-US" sz="1600" dirty="0" err="1" smtClean="0">
+              <a:rPr lang="en-US" sz="1600" dirty="0" err="1">
                 <a:latin typeface="Consolas" panose="020B0609020204030204" pitchFamily="49" charset="0"/>
                 <a:cs typeface="Consolas" panose="020B0609020204030204" pitchFamily="49" charset="0"/>
               </a:rPr>
               <a:t>GCLargeObjectHeapCompactionMode.CompactOnce</a:t>
             </a:r>
             <a:r>
-              <a:rPr lang="en-US" sz="1600" dirty="0" smtClean="0">
+              <a:rPr lang="en-US" sz="1600" dirty="0">
                 <a:latin typeface="Consolas" panose="020B0609020204030204" pitchFamily="49" charset="0"/>
                 <a:cs typeface="Consolas" panose="020B0609020204030204" pitchFamily="49" charset="0"/>
               </a:rPr>
               <a:t>;</a:t>
             </a:r>
-            <a:r>
-              <a:rPr lang="ru-RU" sz="1600" dirty="0" smtClean="0">
-                <a:latin typeface="Consolas" panose="020B0609020204030204" pitchFamily="49" charset="0"/>
-                <a:cs typeface="Consolas" panose="020B0609020204030204" pitchFamily="49" charset="0"/>
-              </a:rPr>
-              <a:t/>
-            </a:r>
             <a:br>
-              <a:rPr lang="ru-RU" sz="1600" dirty="0" smtClean="0">
+              <a:rPr lang="ru-RU" sz="1600" dirty="0">
                 <a:latin typeface="Consolas" panose="020B0609020204030204" pitchFamily="49" charset="0"/>
                 <a:cs typeface="Consolas" panose="020B0609020204030204" pitchFamily="49" charset="0"/>
               </a:rPr>
             </a:br>
             <a:r>
-              <a:rPr lang="en-US" sz="1600" dirty="0" err="1" smtClean="0">
+              <a:rPr lang="en-US" sz="1600" dirty="0" err="1">
                 <a:latin typeface="Consolas" panose="020B0609020204030204" pitchFamily="49" charset="0"/>
                 <a:cs typeface="Consolas" panose="020B0609020204030204" pitchFamily="49" charset="0"/>
               </a:rPr>
               <a:t>GC.Collect</a:t>
             </a:r>
             <a:r>
-              <a:rPr lang="en-US" sz="1600" dirty="0" smtClean="0">
+              <a:rPr lang="en-US" sz="1600" dirty="0">
                 <a:latin typeface="Consolas" panose="020B0609020204030204" pitchFamily="49" charset="0"/>
                 <a:cs typeface="Consolas" panose="020B0609020204030204" pitchFamily="49" charset="0"/>
               </a:rPr>
               <a:t>();</a:t>
             </a:r>
-            <a:endParaRPr lang="ru-RU" sz="1600" dirty="0" smtClean="0">
+            <a:endParaRPr lang="ru-RU" sz="1600" dirty="0">
               <a:latin typeface="Consolas" panose="020B0609020204030204" pitchFamily="49" charset="0"/>
               <a:cs typeface="Consolas" panose="020B0609020204030204" pitchFamily="49" charset="0"/>
             </a:endParaRPr>
@@ -14479,19 +14293,19 @@
               <a:buNone/>
             </a:pPr>
             <a:r>
-              <a:rPr lang="ru-RU" dirty="0" smtClean="0"/>
+              <a:rPr lang="ru-RU" dirty="0"/>
               <a:t>После полной сборки мусора свойство </a:t>
             </a:r>
             <a:r>
-              <a:rPr lang="en-US" dirty="0" err="1" smtClean="0"/>
+              <a:rPr lang="en-US" dirty="0" err="1"/>
               <a:t>LargeObjectHeapCompactionMode</a:t>
             </a:r>
             <a:r>
-              <a:rPr lang="ru-RU" dirty="0" smtClean="0"/>
+              <a:rPr lang="ru-RU" dirty="0"/>
               <a:t> принимает значение </a:t>
             </a:r>
             <a:r>
-              <a:rPr lang="en-US" dirty="0" smtClean="0"/>
+              <a:rPr lang="en-US" dirty="0"/>
               <a:t>Default.</a:t>
             </a:r>
             <a:endParaRPr lang="ru-RU" dirty="0"/>
@@ -14508,13 +14322,6 @@
   <p:clrMapOvr>
     <a:masterClrMapping/>
   </p:clrMapOvr>
-  <p:timing>
-    <p:tnLst>
-      <p:par>
-        <p:cTn id="1" dur="indefinite" restart="never" nodeType="tmRoot"/>
-      </p:par>
-    </p:tnLst>
-  </p:timing>
 </p:sld>
 </file>
 
@@ -14551,11 +14358,11 @@
           <a:lstStyle/>
           <a:p>
             <a:r>
-              <a:rPr lang="ru-RU" dirty="0" smtClean="0"/>
+              <a:rPr lang="ru-RU" dirty="0"/>
               <a:t>Временный запрет </a:t>
             </a:r>
             <a:r>
-              <a:rPr lang="en-US" dirty="0" smtClean="0"/>
+              <a:rPr lang="en-US" dirty="0"/>
               <a:t>GC (.NET 4.6+)</a:t>
             </a:r>
             <a:endParaRPr lang="ru-RU" dirty="0"/>
@@ -14581,62 +14388,61 @@
               <a:buNone/>
             </a:pPr>
             <a:r>
-              <a:rPr lang="ru-RU" dirty="0" smtClean="0"/>
+              <a:rPr lang="ru-RU" dirty="0"/>
               <a:t>В </a:t>
             </a:r>
             <a:r>
-              <a:rPr lang="en-US" dirty="0" smtClean="0"/>
+              <a:rPr lang="en-US" dirty="0"/>
               <a:t>.NET 4.6 </a:t>
             </a:r>
             <a:r>
-              <a:rPr lang="ru-RU" dirty="0" smtClean="0"/>
+              <a:rPr lang="ru-RU" dirty="0"/>
               <a:t>были добавлены методы</a:t>
             </a:r>
-            <a:endParaRPr lang="en-US" dirty="0" smtClean="0"/>
-          </a:p>
-          <a:p>
-            <a:r>
-              <a:rPr lang="en-US" dirty="0" err="1" smtClean="0"/>
+            <a:endParaRPr lang="en-US" dirty="0"/>
+          </a:p>
+          <a:p>
+            <a:r>
+              <a:rPr lang="en-US" dirty="0" err="1"/>
               <a:t>GC.TryStartNoGCRegion</a:t>
             </a:r>
             <a:r>
-              <a:rPr lang="ru-RU" dirty="0" smtClean="0"/>
+              <a:rPr lang="ru-RU" dirty="0"/>
               <a:t>(</a:t>
             </a:r>
             <a:r>
-              <a:rPr lang="en-US" dirty="0" smtClean="0"/>
+              <a:rPr lang="en-US" dirty="0"/>
               <a:t>long </a:t>
             </a:r>
             <a:r>
-              <a:rPr lang="en-US" dirty="0" err="1" smtClean="0"/>
+              <a:rPr lang="en-US" dirty="0" err="1"/>
               <a:t>totalSize</a:t>
             </a:r>
             <a:r>
-              <a:rPr lang="ru-RU" dirty="0" smtClean="0"/>
+              <a:rPr lang="ru-RU" dirty="0"/>
               <a:t>)</a:t>
             </a:r>
-            <a:endParaRPr lang="en-US" dirty="0" smtClean="0"/>
-          </a:p>
-          <a:p>
-            <a:r>
-              <a:rPr lang="en-US" dirty="0" err="1" smtClean="0"/>
+            <a:endParaRPr lang="en-US" dirty="0"/>
+          </a:p>
+          <a:p>
+            <a:r>
+              <a:rPr lang="en-US" dirty="0" err="1"/>
               <a:t>GC.EndNoGCRegion</a:t>
             </a:r>
             <a:r>
-              <a:rPr lang="ru-RU" dirty="0" smtClean="0"/>
+              <a:rPr lang="ru-RU" dirty="0"/>
               <a:t>()</a:t>
             </a:r>
-            <a:endParaRPr lang="en-US" dirty="0" smtClean="0"/>
+            <a:endParaRPr lang="en-US" dirty="0"/>
           </a:p>
           <a:p>
             <a:pPr marL="0" indent="0">
               <a:buNone/>
             </a:pPr>
             <a:r>
-              <a:rPr lang="ru-RU" dirty="0" smtClean="0"/>
+              <a:rPr lang="ru-RU" dirty="0"/>
               <a:t>для временного запрета сборки мусора при условии наличия указанного объема памяти.</a:t>
             </a:r>
-            <a:endParaRPr lang="ru-RU" dirty="0"/>
           </a:p>
         </p:txBody>
       </p:sp>
@@ -14686,19 +14492,19 @@
           <a:lstStyle/>
           <a:p>
             <a:r>
-              <a:rPr lang="ru-RU" dirty="0" smtClean="0"/>
+              <a:rPr lang="ru-RU" dirty="0"/>
               <a:t>Конфигурация </a:t>
             </a:r>
             <a:r>
-              <a:rPr lang="en-US" dirty="0" smtClean="0"/>
+              <a:rPr lang="en-US" dirty="0"/>
               <a:t>Debug </a:t>
             </a:r>
             <a:r>
-              <a:rPr lang="ru-RU" dirty="0" smtClean="0"/>
+              <a:rPr lang="ru-RU" dirty="0"/>
               <a:t>и </a:t>
             </a:r>
             <a:r>
-              <a:rPr lang="en-US" dirty="0" smtClean="0"/>
+              <a:rPr lang="en-US" dirty="0"/>
               <a:t>GC</a:t>
             </a:r>
             <a:endParaRPr lang="ru-RU" dirty="0"/>
@@ -14724,35 +14530,35 @@
               <a:buNone/>
             </a:pPr>
             <a:r>
-              <a:rPr lang="ru-RU" dirty="0" smtClean="0"/>
+              <a:rPr lang="ru-RU" dirty="0"/>
               <a:t>При компиляции проекта в конфигурации </a:t>
             </a:r>
             <a:r>
-              <a:rPr lang="en-US" dirty="0" smtClean="0"/>
+              <a:rPr lang="en-US" dirty="0"/>
               <a:t>Debug </a:t>
             </a:r>
             <a:r>
-              <a:rPr lang="ru-RU" dirty="0" smtClean="0"/>
+              <a:rPr lang="ru-RU" dirty="0"/>
               <a:t>к сборке добавляется атрибут </a:t>
             </a:r>
             <a:r>
-              <a:rPr lang="en-US" dirty="0" err="1" smtClean="0"/>
+              <a:rPr lang="en-US" dirty="0" err="1"/>
               <a:t>DebuggableAttribute</a:t>
             </a:r>
             <a:r>
-              <a:rPr lang="ru-RU" dirty="0" smtClean="0"/>
+              <a:rPr lang="ru-RU" dirty="0"/>
               <a:t>	который дает команду </a:t>
             </a:r>
             <a:r>
-              <a:rPr lang="en-US" dirty="0" smtClean="0"/>
+              <a:rPr lang="en-US" dirty="0"/>
               <a:t>GC </a:t>
             </a:r>
             <a:r>
-              <a:rPr lang="ru-RU" dirty="0" smtClean="0"/>
+              <a:rPr lang="ru-RU" dirty="0"/>
               <a:t>исскуственно продлевать время жизни локальных переменных до завершения метода. </a:t>
             </a:r>
             <a:r>
-              <a:rPr lang="ru-RU" smtClean="0"/>
+              <a:rPr lang="ru-RU"/>
               <a:t>Это сделано чтобы программист мог без помех заниматься отладкой.</a:t>
             </a:r>
             <a:endParaRPr lang="ru-RU" dirty="0"/>
@@ -14769,13 +14575,6 @@
   <p:clrMapOvr>
     <a:masterClrMapping/>
   </p:clrMapOvr>
-  <p:timing>
-    <p:tnLst>
-      <p:par>
-        <p:cTn id="1" dur="indefinite" restart="never" nodeType="tmRoot"/>
-      </p:par>
-    </p:tnLst>
-  </p:timing>
 </p:sld>
 </file>
 
@@ -14812,7 +14611,7 @@
           <a:lstStyle/>
           <a:p>
             <a:r>
-              <a:rPr lang="ru-RU" dirty="0" smtClean="0"/>
+              <a:rPr lang="ru-RU" dirty="0"/>
               <a:t>Безопасность</a:t>
             </a:r>
             <a:endParaRPr lang="en-US" dirty="0"/>
@@ -14884,11 +14683,11 @@
           <a:lstStyle/>
           <a:p>
             <a:r>
-              <a:rPr lang="en-US" dirty="0" smtClean="0"/>
+              <a:rPr lang="en-US" dirty="0"/>
               <a:t>GC </a:t>
             </a:r>
             <a:r>
-              <a:rPr lang="ru-RU" dirty="0" smtClean="0"/>
+              <a:rPr lang="ru-RU" dirty="0"/>
               <a:t>и пароли</a:t>
             </a:r>
             <a:endParaRPr lang="en-US" dirty="0"/>
@@ -14914,27 +14713,27 @@
               <a:buNone/>
             </a:pPr>
             <a:r>
-              <a:rPr lang="ru-RU" dirty="0" smtClean="0"/>
+              <a:rPr lang="ru-RU" dirty="0"/>
               <a:t>Хранение паролей в открытом виде упрощает доступ извне с помощью отладчиков. Дополнительные проблемы создает </a:t>
             </a:r>
             <a:r>
-              <a:rPr lang="en-US" dirty="0" smtClean="0"/>
+              <a:rPr lang="en-US" dirty="0"/>
               <a:t>GC </a:t>
             </a:r>
             <a:r>
-              <a:rPr lang="ru-RU" dirty="0" smtClean="0"/>
+              <a:rPr lang="ru-RU" dirty="0"/>
               <a:t>перемещая объекты во время дефрагментации. Для надежного хранения паролей следует использовать класс </a:t>
             </a:r>
             <a:r>
-              <a:rPr lang="en-US" dirty="0" err="1" smtClean="0"/>
+              <a:rPr lang="en-US" dirty="0" err="1"/>
               <a:t>System.Security.SecureString</a:t>
             </a:r>
             <a:r>
-              <a:rPr lang="en-US" dirty="0" smtClean="0"/>
+              <a:rPr lang="en-US" dirty="0"/>
               <a:t>. </a:t>
             </a:r>
             <a:r>
-              <a:rPr lang="ru-RU" dirty="0" smtClean="0"/>
+              <a:rPr lang="ru-RU" dirty="0"/>
               <a:t>Его содержимое хранится в зашифрованном виде и не перемещается сборщиком мусора.</a:t>
             </a:r>
             <a:endParaRPr lang="en-US" dirty="0"/>
@@ -14987,10 +14786,9 @@
           <a:lstStyle/>
           <a:p>
             <a:r>
-              <a:rPr lang="ru-RU" dirty="0" smtClean="0"/>
+              <a:rPr lang="ru-RU" dirty="0"/>
               <a:t>Ссылочные типы</a:t>
             </a:r>
-            <a:endParaRPr lang="ru-RU" dirty="0"/>
           </a:p>
         </p:txBody>
       </p:sp>
@@ -15023,13 +14821,6 @@
   <p:clrMapOvr>
     <a:masterClrMapping/>
   </p:clrMapOvr>
-  <p:timing>
-    <p:tnLst>
-      <p:par>
-        <p:cTn id="1" dur="indefinite" restart="never" nodeType="tmRoot"/>
-      </p:par>
-    </p:tnLst>
-  </p:timing>
 </p:sld>
 </file>
 
@@ -15066,10 +14857,9 @@
           <a:lstStyle/>
           <a:p>
             <a:r>
-              <a:rPr lang="ru-RU" dirty="0" smtClean="0"/>
+              <a:rPr lang="ru-RU" dirty="0"/>
               <a:t>Эффективная работа с памятью</a:t>
             </a:r>
-            <a:endParaRPr lang="ru-RU" dirty="0"/>
           </a:p>
         </p:txBody>
       </p:sp>
@@ -15102,13 +14892,6 @@
   <p:clrMapOvr>
     <a:masterClrMapping/>
   </p:clrMapOvr>
-  <p:timing>
-    <p:tnLst>
-      <p:par>
-        <p:cTn id="1" dur="indefinite" restart="never" nodeType="tmRoot"/>
-      </p:par>
-    </p:tnLst>
-  </p:timing>
 </p:sld>
 </file>
 
@@ -15147,18 +14930,17 @@
           <a:lstStyle/>
           <a:p>
             <a:r>
-              <a:rPr lang="ru-RU" dirty="0" smtClean="0"/>
+              <a:rPr lang="ru-RU" dirty="0"/>
               <a:t>Два способа сделать </a:t>
             </a:r>
             <a:r>
-              <a:rPr lang="en-US" dirty="0" smtClean="0"/>
+              <a:rPr lang="en-US" dirty="0"/>
               <a:t>GC </a:t>
             </a:r>
             <a:r>
-              <a:rPr lang="ru-RU" dirty="0" smtClean="0"/>
+              <a:rPr lang="ru-RU" dirty="0"/>
               <a:t>«счастливым»</a:t>
             </a:r>
-            <a:endParaRPr lang="ru-RU" dirty="0"/>
           </a:p>
         </p:txBody>
       </p:sp>
@@ -15189,30 +14971,15 @@
               <a:buNone/>
             </a:pPr>
             <a:r>
-              <a:rPr lang="ru-RU" b="1" dirty="0" smtClean="0"/>
+              <a:rPr lang="ru-RU" b="1" dirty="0"/>
               <a:t>Заставить его</a:t>
             </a:r>
             <a:br>
-              <a:rPr lang="ru-RU" b="1" dirty="0" smtClean="0"/>
+              <a:rPr lang="ru-RU" b="1" dirty="0"/>
             </a:br>
             <a:r>
-              <a:rPr lang="ru-RU" b="1" u="sng" dirty="0" smtClean="0"/>
+              <a:rPr lang="ru-RU" b="1" u="sng" dirty="0"/>
               <a:t>реже запускаться</a:t>
-            </a:r>
-          </a:p>
-          <a:p>
-            <a:pPr marL="0" indent="0">
-              <a:buNone/>
-            </a:pPr>
-            <a:endParaRPr lang="ru-RU" dirty="0" smtClean="0"/>
-          </a:p>
-          <a:p>
-            <a:pPr marL="0" indent="0">
-              <a:buNone/>
-            </a:pPr>
-            <a:r>
-              <a:rPr lang="ru-RU" dirty="0" smtClean="0"/>
-              <a:t>Чем меньше выделений памяти, тем реже нужно выполнять уборку мусора</a:t>
             </a:r>
           </a:p>
           <a:p>
@@ -15226,10 +14993,24 @@
               <a:buNone/>
             </a:pPr>
             <a:r>
-              <a:rPr lang="ru-RU" dirty="0" smtClean="0"/>
+              <a:rPr lang="ru-RU" dirty="0"/>
+              <a:t>Чем меньше выделений памяти, тем реже нужно выполнять уборку мусора</a:t>
+            </a:r>
+          </a:p>
+          <a:p>
+            <a:pPr marL="0" indent="0">
+              <a:buNone/>
+            </a:pPr>
+            <a:endParaRPr lang="ru-RU" dirty="0"/>
+          </a:p>
+          <a:p>
+            <a:pPr marL="0" indent="0">
+              <a:buNone/>
+            </a:pPr>
+            <a:r>
+              <a:rPr lang="ru-RU" dirty="0"/>
               <a:t>Используйте пулы объектов, по возможности.</a:t>
             </a:r>
-            <a:endParaRPr lang="ru-RU" dirty="0"/>
           </a:p>
         </p:txBody>
       </p:sp>
@@ -15260,18 +15041,14 @@
               <a:buNone/>
             </a:pPr>
             <a:r>
-              <a:rPr lang="ru-RU" b="1" u="sng" dirty="0" smtClean="0"/>
+              <a:rPr lang="ru-RU" b="1" u="sng" dirty="0"/>
               <a:t>Ускорить</a:t>
-            </a:r>
-            <a:r>
-              <a:rPr lang="ru-RU" b="1" dirty="0"/>
-              <a:t/>
             </a:r>
             <a:br>
               <a:rPr lang="ru-RU" b="1" dirty="0"/>
             </a:br>
             <a:r>
-              <a:rPr lang="ru-RU" b="1" dirty="0" smtClean="0"/>
+              <a:rPr lang="ru-RU" b="1" dirty="0"/>
               <a:t>его работу</a:t>
             </a:r>
           </a:p>
@@ -15279,17 +15056,16 @@
             <a:pPr marL="0" indent="0">
               <a:buNone/>
             </a:pPr>
-            <a:endParaRPr lang="ru-RU" dirty="0" smtClean="0"/>
+            <a:endParaRPr lang="ru-RU" dirty="0"/>
           </a:p>
           <a:p>
             <a:pPr marL="0" indent="0">
               <a:buNone/>
             </a:pPr>
             <a:r>
-              <a:rPr lang="ru-RU" dirty="0" smtClean="0"/>
+              <a:rPr lang="ru-RU" dirty="0"/>
               <a:t>Время уборки мусора прямо пропорционально количеству связей которые нужно обойти.</a:t>
             </a:r>
-            <a:endParaRPr lang="ru-RU" dirty="0"/>
           </a:p>
         </p:txBody>
       </p:sp>
@@ -15303,13 +15079,6 @@
   <p:clrMapOvr>
     <a:masterClrMapping/>
   </p:clrMapOvr>
-  <p:timing>
-    <p:tnLst>
-      <p:par>
-        <p:cTn id="1" dur="indefinite" restart="never" nodeType="tmRoot"/>
-      </p:par>
-    </p:tnLst>
-  </p:timing>
 </p:sld>
 </file>
 
@@ -15348,18 +15117,17 @@
           <a:lstStyle/>
           <a:p>
             <a:r>
-              <a:rPr lang="ru-RU" sz="3600" dirty="0" smtClean="0"/>
+              <a:rPr lang="ru-RU" sz="3600" dirty="0"/>
               <a:t>Советы по использованию финализаторов (</a:t>
             </a:r>
             <a:r>
-              <a:rPr lang="en-US" sz="3600" dirty="0" smtClean="0"/>
+              <a:rPr lang="en-US" sz="3600" dirty="0"/>
               <a:t>finalizers</a:t>
             </a:r>
             <a:r>
-              <a:rPr lang="ru-RU" sz="3600" dirty="0" smtClean="0"/>
+              <a:rPr lang="ru-RU" sz="3600" dirty="0"/>
               <a:t>)</a:t>
             </a:r>
-            <a:endParaRPr lang="ru-RU" sz="3600" dirty="0"/>
           </a:p>
         </p:txBody>
       </p:sp>
@@ -15381,44 +15149,43 @@
           <a:lstStyle/>
           <a:p>
             <a:r>
-              <a:rPr lang="ru-RU" sz="2400" dirty="0" smtClean="0"/>
+              <a:rPr lang="ru-RU" sz="2400" dirty="0"/>
               <a:t>Классы с финализаторами следует размещать в корне иерархии классов</a:t>
             </a:r>
             <a:br>
-              <a:rPr lang="ru-RU" sz="2400" dirty="0" smtClean="0"/>
+              <a:rPr lang="ru-RU" sz="2400" dirty="0"/>
             </a:br>
-            <a:endParaRPr lang="ru-RU" sz="2400" dirty="0" smtClean="0"/>
-          </a:p>
-          <a:p>
-            <a:endParaRPr lang="ru-RU" sz="2400" dirty="0" smtClean="0"/>
-          </a:p>
-          <a:p>
-            <a:endParaRPr lang="ru-RU" sz="2400" dirty="0" smtClean="0"/>
-          </a:p>
-          <a:p>
-            <a:endParaRPr lang="ru-RU" sz="2400" dirty="0" smtClean="0"/>
-          </a:p>
-          <a:p>
-            <a:endParaRPr lang="ru-RU" sz="2400" dirty="0" smtClean="0"/>
-          </a:p>
-          <a:p>
-            <a:r>
-              <a:rPr lang="ru-RU" sz="2400" dirty="0" smtClean="0"/>
+            <a:endParaRPr lang="ru-RU" sz="2400" dirty="0"/>
+          </a:p>
+          <a:p>
+            <a:endParaRPr lang="ru-RU" sz="2400" dirty="0"/>
+          </a:p>
+          <a:p>
+            <a:endParaRPr lang="ru-RU" sz="2400" dirty="0"/>
+          </a:p>
+          <a:p>
+            <a:endParaRPr lang="ru-RU" sz="2400" dirty="0"/>
+          </a:p>
+          <a:p>
+            <a:endParaRPr lang="ru-RU" sz="2400" dirty="0"/>
+          </a:p>
+          <a:p>
+            <a:r>
+              <a:rPr lang="ru-RU" sz="2400" dirty="0"/>
               <a:t>Быстрый код без блокировок</a:t>
             </a:r>
           </a:p>
           <a:p>
             <a:r>
-              <a:rPr lang="ru-RU" sz="2400" dirty="0" smtClean="0"/>
+              <a:rPr lang="ru-RU" sz="2400" dirty="0"/>
               <a:t>Небольшой размер классов</a:t>
             </a:r>
           </a:p>
           <a:p>
             <a:r>
-              <a:rPr lang="ru-RU" sz="2400" dirty="0" smtClean="0"/>
+              <a:rPr lang="ru-RU" sz="2400" dirty="0"/>
               <a:t>Избегайте циклических зависимостей между классами с финализаторами</a:t>
             </a:r>
-            <a:endParaRPr lang="ru-RU" sz="2400" dirty="0"/>
           </a:p>
         </p:txBody>
       </p:sp>
@@ -15675,10 +15442,10 @@
             <a:p>
               <a:pPr algn="ctr"/>
               <a:r>
-                <a:rPr lang="en-US" sz="2000" dirty="0" err="1" smtClean="0"/>
+                <a:rPr lang="en-US" sz="2000" dirty="0" err="1"/>
                 <a:t>finalizable</a:t>
               </a:r>
-              <a:endParaRPr lang="ru-RU" sz="2000" dirty="0" smtClean="0"/>
+              <a:endParaRPr lang="ru-RU" sz="2000" dirty="0"/>
             </a:p>
           </p:txBody>
         </p:sp>
@@ -15862,7 +15629,7 @@
             <a:p>
               <a:pPr algn="ctr"/>
               <a:r>
-                <a:rPr lang="ru-RU" sz="2800" i="1" dirty="0" smtClean="0"/>
+                <a:rPr lang="ru-RU" sz="2800" i="1" dirty="0"/>
                 <a:t>Правильно</a:t>
               </a:r>
             </a:p>
@@ -16122,10 +15889,10 @@
             <a:p>
               <a:pPr algn="ctr"/>
               <a:r>
-                <a:rPr lang="en-US" sz="2000" dirty="0" err="1" smtClean="0"/>
+                <a:rPr lang="en-US" sz="2000" dirty="0" err="1"/>
                 <a:t>finalizable</a:t>
               </a:r>
-              <a:endParaRPr lang="ru-RU" sz="2000" dirty="0" smtClean="0"/>
+              <a:endParaRPr lang="ru-RU" sz="2000" dirty="0"/>
             </a:p>
           </p:txBody>
         </p:sp>
@@ -16309,7 +16076,7 @@
             <a:p>
               <a:pPr algn="ctr"/>
               <a:r>
-                <a:rPr lang="ru-RU" sz="2800" i="1" dirty="0" smtClean="0"/>
+                <a:rPr lang="ru-RU" sz="2800" i="1" dirty="0"/>
                 <a:t>Неправильно</a:t>
               </a:r>
             </a:p>
@@ -16362,7 +16129,7 @@
           <a:lstStyle/>
           <a:p>
             <a:r>
-              <a:rPr lang="en-US" dirty="0" err="1" smtClean="0"/>
+              <a:rPr lang="en-US" dirty="0" err="1"/>
               <a:t>GC.KeepAlive</a:t>
             </a:r>
             <a:endParaRPr lang="en-US" dirty="0"/>
@@ -16398,14 +16165,6 @@
   <p:clrMapOvr>
     <a:masterClrMapping/>
   </p:clrMapOvr>
-  <mc:AlternateContent xmlns:mc="http://schemas.openxmlformats.org/markup-compatibility/2006" xmlns:p14="http://schemas.microsoft.com/office/powerpoint/2010/main">
-    <mc:Choice Requires="p14">
-      <p:transition spd="slow" p14:dur="2000"/>
-    </mc:Choice>
-    <mc:Fallback xmlns="">
-      <p:transition spd="slow"/>
-    </mc:Fallback>
-  </mc:AlternateContent>
 </p:sld>
 </file>
 
@@ -16442,18 +16201,17 @@
           <a:lstStyle/>
           <a:p>
             <a:r>
-              <a:rPr lang="ru-RU" dirty="0" smtClean="0"/>
+              <a:rPr lang="ru-RU" dirty="0"/>
               <a:t>Как </a:t>
             </a:r>
             <a:r>
-              <a:rPr lang="en-US" dirty="0" smtClean="0"/>
+              <a:rPr lang="en-US" dirty="0"/>
               <a:t>Windows</a:t>
             </a:r>
             <a:r>
-              <a:rPr lang="ru-RU" dirty="0" smtClean="0"/>
+              <a:rPr lang="ru-RU" dirty="0"/>
               <a:t> управляет памятью</a:t>
             </a:r>
-            <a:endParaRPr lang="ru-RU" dirty="0"/>
           </a:p>
         </p:txBody>
       </p:sp>
@@ -16467,13 +16225,6 @@
   <p:clrMapOvr>
     <a:masterClrMapping/>
   </p:clrMapOvr>
-  <p:timing>
-    <p:tnLst>
-      <p:par>
-        <p:cTn id="1" dur="indefinite" restart="never" nodeType="tmRoot"/>
-      </p:par>
-    </p:tnLst>
-  </p:timing>
 </p:sld>
 </file>
 
@@ -16510,11 +16261,11 @@
           <a:lstStyle/>
           <a:p>
             <a:r>
-              <a:rPr lang="ru-RU" dirty="0" smtClean="0"/>
+              <a:rPr lang="ru-RU" dirty="0"/>
               <a:t>Адресное пространство для </a:t>
             </a:r>
             <a:r>
-              <a:rPr lang="en-US" dirty="0" smtClean="0"/>
+              <a:rPr lang="en-US" dirty="0"/>
               <a:t>x86</a:t>
             </a:r>
             <a:endParaRPr lang="ru-RU" dirty="0"/>
@@ -16544,41 +16295,41 @@
           <a:lstStyle/>
           <a:p>
             <a:r>
-              <a:rPr lang="ru-RU" sz="1400" dirty="0" smtClean="0"/>
+              <a:rPr lang="ru-RU" sz="1400" dirty="0"/>
               <a:t>32 бита = 2</a:t>
             </a:r>
             <a:r>
-              <a:rPr lang="en-US" sz="1400" dirty="0" smtClean="0"/>
+              <a:rPr lang="en-US" sz="1400" dirty="0"/>
               <a:t>^32 = 4 </a:t>
             </a:r>
             <a:r>
-              <a:rPr lang="ru-RU" sz="1400" dirty="0" smtClean="0"/>
+              <a:rPr lang="ru-RU" sz="1400" dirty="0"/>
               <a:t>Гбайт</a:t>
             </a:r>
           </a:p>
           <a:p>
             <a:pPr lvl="1"/>
             <a:r>
-              <a:rPr lang="en-US" sz="1400" dirty="0" smtClean="0"/>
+              <a:rPr lang="en-US" sz="1400" dirty="0"/>
               <a:t>/3GB </a:t>
             </a:r>
             <a:r>
-              <a:rPr lang="ru-RU" sz="1400" dirty="0" smtClean="0"/>
+              <a:rPr lang="ru-RU" sz="1400" dirty="0"/>
               <a:t>и </a:t>
             </a:r>
             <a:r>
-              <a:rPr lang="en-US" sz="1400" dirty="0" smtClean="0"/>
+              <a:rPr lang="en-US" sz="1400" dirty="0"/>
               <a:t>/USERVA</a:t>
             </a:r>
             <a:r>
-              <a:rPr lang="ru-RU" sz="1400" dirty="0" smtClean="0"/>
+              <a:rPr lang="ru-RU" sz="1400" dirty="0"/>
               <a:t> могут расширить адресное пространство процесса до 3 Гбайт</a:t>
             </a:r>
           </a:p>
           <a:p>
             <a:pPr lvl="1"/>
             <a:r>
-              <a:rPr lang="ru-RU" sz="1400" dirty="0" smtClean="0"/>
+              <a:rPr lang="ru-RU" sz="1400" dirty="0"/>
               <a:t>Процесс должен быть скомпилирован как «</a:t>
             </a:r>
             <a:r>
@@ -16586,18 +16337,17 @@
               <a:t>large address space aware</a:t>
             </a:r>
             <a:r>
-              <a:rPr lang="ru-RU" sz="1400" dirty="0" smtClean="0"/>
+              <a:rPr lang="ru-RU" sz="1400" dirty="0"/>
               <a:t>» чтобы он мог использовать память выше </a:t>
             </a:r>
             <a:r>
-              <a:rPr lang="en-US" sz="1400" dirty="0" smtClean="0"/>
+              <a:rPr lang="en-US" sz="1400" dirty="0"/>
               <a:t>2 </a:t>
             </a:r>
             <a:r>
-              <a:rPr lang="ru-RU" sz="1400" dirty="0" smtClean="0"/>
+              <a:rPr lang="ru-RU" sz="1400" dirty="0"/>
               <a:t>Гбайт</a:t>
             </a:r>
-            <a:endParaRPr lang="ru-RU" sz="1400" dirty="0"/>
           </a:p>
         </p:txBody>
       </p:sp>
@@ -16806,7 +16556,7 @@
                 <a:defRPr/>
               </a:pPr>
               <a:r>
-                <a:rPr kumimoji="0" lang="en-US" sz="1800" b="0" i="0" u="none" strike="noStrike" kern="0" cap="none" spc="0" normalizeH="0" baseline="0" noProof="0" dirty="0" smtClean="0">
+                <a:rPr kumimoji="0" lang="en-US" sz="1800" b="0" i="0" u="none" strike="noStrike" kern="0" cap="none" spc="0" normalizeH="0" baseline="0" noProof="0" dirty="0">
                   <a:ln>
                     <a:noFill/>
                   </a:ln>
@@ -16823,7 +16573,7 @@
                 <a:t>2 </a:t>
               </a:r>
               <a:r>
-                <a:rPr kumimoji="0" lang="ru-RU" sz="1800" b="0" i="0" u="none" strike="noStrike" kern="0" cap="none" spc="0" normalizeH="0" baseline="0" noProof="0" dirty="0" smtClean="0">
+                <a:rPr kumimoji="0" lang="ru-RU" sz="1800" b="0" i="0" u="none" strike="noStrike" kern="0" cap="none" spc="0" normalizeH="0" baseline="0" noProof="0" dirty="0">
                   <a:ln>
                     <a:noFill/>
                   </a:ln>
@@ -16873,7 +16623,7 @@
                 <a:defRPr/>
               </a:pPr>
               <a:r>
-                <a:rPr kumimoji="0" lang="ru-RU" sz="1800" b="0" i="0" u="none" strike="noStrike" kern="0" cap="none" spc="0" normalizeH="0" baseline="0" noProof="0" dirty="0" smtClean="0">
+                <a:rPr kumimoji="0" lang="ru-RU" sz="1800" b="0" i="0" u="none" strike="noStrike" kern="0" cap="none" spc="0" normalizeH="0" baseline="0" noProof="0" dirty="0">
                   <a:ln>
                     <a:noFill/>
                   </a:ln>
@@ -16889,16 +16639,6 @@
                 </a:rPr>
                 <a:t>Пользовательское</a:t>
               </a:r>
-              <a:r>
-                <a:rPr lang="ru-RU" kern="0" dirty="0">
-                  <a:solidFill>
-                    <a:srgbClr val="FFFFFF"/>
-                  </a:solidFill>
-                  <a:latin typeface="Arial"/>
-                  <a:cs typeface="Calibri" pitchFamily="34" charset="0"/>
-                </a:rPr>
-                <a:t/>
-              </a:r>
               <a:br>
                 <a:rPr lang="ru-RU" kern="0" dirty="0">
                   <a:solidFill>
@@ -16909,7 +16649,7 @@
                 </a:rPr>
               </a:br>
               <a:r>
-                <a:rPr lang="ru-RU" kern="0" dirty="0" smtClean="0">
+                <a:rPr lang="ru-RU" kern="0" dirty="0">
                   <a:solidFill>
                     <a:srgbClr val="FFFFFF"/>
                   </a:solidFill>
@@ -16988,7 +16728,7 @@
                 <a:defRPr/>
               </a:pPr>
               <a:r>
-                <a:rPr kumimoji="0" lang="en-US" sz="1800" b="0" i="0" u="none" strike="noStrike" kern="0" cap="none" spc="0" normalizeH="0" baseline="0" noProof="0" dirty="0" smtClean="0">
+                <a:rPr kumimoji="0" lang="en-US" sz="1800" b="0" i="0" u="none" strike="noStrike" kern="0" cap="none" spc="0" normalizeH="0" baseline="0" noProof="0" dirty="0">
                   <a:ln>
                     <a:noFill/>
                   </a:ln>
@@ -17005,7 +16745,7 @@
                 <a:t>2 </a:t>
               </a:r>
               <a:r>
-                <a:rPr kumimoji="0" lang="ru-RU" sz="1800" b="0" i="0" u="none" strike="noStrike" kern="0" cap="none" spc="0" normalizeH="0" baseline="0" noProof="0" dirty="0" smtClean="0">
+                <a:rPr kumimoji="0" lang="ru-RU" sz="1800" b="0" i="0" u="none" strike="noStrike" kern="0" cap="none" spc="0" normalizeH="0" baseline="0" noProof="0" dirty="0">
                   <a:ln>
                     <a:noFill/>
                   </a:ln>
@@ -17041,7 +16781,7 @@
                 <a:defRPr/>
               </a:pPr>
               <a:r>
-                <a:rPr lang="ru-RU" kern="0" dirty="0" smtClean="0">
+                <a:rPr lang="ru-RU" kern="0" dirty="0">
                   <a:solidFill>
                     <a:srgbClr val="FFFFFF"/>
                   </a:solidFill>
@@ -17051,7 +16791,7 @@
                 <a:t>Системное</a:t>
               </a:r>
               <a:br>
-                <a:rPr lang="ru-RU" kern="0" dirty="0" smtClean="0">
+                <a:rPr lang="ru-RU" kern="0" dirty="0">
                   <a:solidFill>
                     <a:srgbClr val="FFFFFF"/>
                   </a:solidFill>
@@ -17060,7 +16800,7 @@
                 </a:rPr>
               </a:br>
               <a:r>
-                <a:rPr lang="ru-RU" kern="0" dirty="0" smtClean="0">
+                <a:rPr lang="ru-RU" kern="0" dirty="0">
                   <a:solidFill>
                     <a:srgbClr val="FFFFFF"/>
                   </a:solidFill>
@@ -17278,7 +17018,7 @@
                 <a:defRPr/>
               </a:pPr>
               <a:r>
-                <a:rPr lang="ru-RU" kern="0" dirty="0" smtClean="0">
+                <a:rPr lang="ru-RU" kern="0" dirty="0">
                   <a:solidFill>
                     <a:srgbClr val="FFFFFF"/>
                   </a:solidFill>
@@ -17288,7 +17028,7 @@
                 <a:t>3</a:t>
               </a:r>
               <a:r>
-                <a:rPr lang="en-US" kern="0" dirty="0" smtClean="0">
+                <a:rPr lang="en-US" kern="0" dirty="0">
                   <a:solidFill>
                     <a:srgbClr val="FFFFFF"/>
                   </a:solidFill>
@@ -17418,7 +17158,7 @@
                 <a:defRPr/>
               </a:pPr>
               <a:r>
-                <a:rPr kumimoji="0" lang="en-US" sz="1800" b="0" i="0" u="none" strike="noStrike" kern="0" cap="none" spc="0" normalizeH="0" baseline="0" noProof="0" dirty="0" smtClean="0">
+                <a:rPr kumimoji="0" lang="en-US" sz="1800" b="0" i="0" u="none" strike="noStrike" kern="0" cap="none" spc="0" normalizeH="0" baseline="0" noProof="0" dirty="0">
                   <a:ln>
                     <a:noFill/>
                   </a:ln>
@@ -17435,7 +17175,7 @@
                 <a:t>1 </a:t>
               </a:r>
               <a:r>
-                <a:rPr kumimoji="0" lang="ru-RU" sz="1800" b="0" i="0" u="none" strike="noStrike" kern="0" cap="none" spc="0" normalizeH="0" baseline="0" noProof="0" dirty="0" smtClean="0">
+                <a:rPr kumimoji="0" lang="ru-RU" sz="1800" b="0" i="0" u="none" strike="noStrike" kern="0" cap="none" spc="0" normalizeH="0" baseline="0" noProof="0" dirty="0">
                   <a:ln>
                     <a:noFill/>
                   </a:ln>
@@ -17451,7 +17191,7 @@
                 </a:rPr>
                 <a:t>Гбайт</a:t>
               </a:r>
-              <a:endParaRPr kumimoji="0" lang="en-US" sz="1800" b="0" i="0" u="none" strike="noStrike" kern="0" cap="none" spc="0" normalizeH="0" baseline="0" noProof="0" dirty="0" smtClean="0">
+              <a:endParaRPr kumimoji="0" lang="en-US" sz="1800" b="0" i="0" u="none" strike="noStrike" kern="0" cap="none" spc="0" normalizeH="0" baseline="0" noProof="0" dirty="0">
                 <a:ln>
                   <a:noFill/>
                 </a:ln>
@@ -17485,7 +17225,7 @@
                 <a:defRPr/>
               </a:pPr>
               <a:r>
-                <a:rPr kumimoji="0" lang="ru-RU" sz="1800" b="0" i="0" u="none" strike="noStrike" kern="0" cap="none" spc="0" normalizeH="0" baseline="0" noProof="0" dirty="0" smtClean="0">
+                <a:rPr kumimoji="0" lang="ru-RU" sz="1800" b="0" i="0" u="none" strike="noStrike" kern="0" cap="none" spc="0" normalizeH="0" baseline="0" noProof="0" dirty="0">
                   <a:ln>
                     <a:noFill/>
                   </a:ln>
@@ -17501,16 +17241,6 @@
                 </a:rPr>
                 <a:t>Системное</a:t>
               </a:r>
-              <a:r>
-                <a:rPr lang="ru-RU" kern="0" dirty="0">
-                  <a:solidFill>
-                    <a:srgbClr val="FFFFFF"/>
-                  </a:solidFill>
-                  <a:latin typeface="Arial"/>
-                  <a:cs typeface="Calibri" pitchFamily="34" charset="0"/>
-                </a:rPr>
-                <a:t/>
-              </a:r>
               <a:br>
                 <a:rPr lang="ru-RU" kern="0" dirty="0">
                   <a:solidFill>
@@ -17521,7 +17251,7 @@
                 </a:rPr>
               </a:br>
               <a:r>
-                <a:rPr kumimoji="0" lang="ru-RU" sz="1800" b="0" i="0" u="none" strike="noStrike" kern="0" cap="none" spc="0" normalizeH="0" noProof="0" dirty="0" smtClean="0">
+                <a:rPr kumimoji="0" lang="ru-RU" sz="1800" b="0" i="0" u="none" strike="noStrike" kern="0" cap="none" spc="0" normalizeH="0" noProof="0" dirty="0">
                   <a:ln>
                     <a:noFill/>
                   </a:ln>
@@ -17579,7 +17309,7 @@
           <a:p>
             <a:pPr algn="ctr"/>
             <a:r>
-              <a:rPr lang="ru-RU" sz="2800" dirty="0" smtClean="0"/>
+              <a:rPr lang="ru-RU" sz="2800" dirty="0"/>
               <a:t>По умолчанию</a:t>
             </a:r>
           </a:p>
@@ -17609,7 +17339,7 @@
           <a:p>
             <a:pPr algn="ctr"/>
             <a:r>
-              <a:rPr lang="ru-RU" sz="2800" dirty="0" smtClean="0"/>
+              <a:rPr lang="ru-RU" sz="2800" dirty="0"/>
               <a:t>3Гбайт</a:t>
             </a:r>
           </a:p>
@@ -17661,13 +17391,6 @@
   <p:clrMapOvr>
     <a:masterClrMapping/>
   </p:clrMapOvr>
-  <p:timing>
-    <p:tnLst>
-      <p:par>
-        <p:cTn id="1" dur="indefinite" restart="never" nodeType="tmRoot"/>
-      </p:par>
-    </p:tnLst>
-  </p:timing>
 </p:sld>
 </file>
 
@@ -17704,18 +17427,17 @@
           <a:lstStyle/>
           <a:p>
             <a:r>
-              <a:rPr lang="ru-RU" dirty="0" smtClean="0"/>
+              <a:rPr lang="ru-RU" dirty="0"/>
               <a:t>Адресное пространство для </a:t>
             </a:r>
             <a:r>
-              <a:rPr lang="en-US" dirty="0" smtClean="0"/>
+              <a:rPr lang="en-US" dirty="0"/>
               <a:t>x</a:t>
             </a:r>
             <a:r>
-              <a:rPr lang="ru-RU" dirty="0" smtClean="0"/>
+              <a:rPr lang="ru-RU" dirty="0"/>
               <a:t>64</a:t>
             </a:r>
-            <a:endParaRPr lang="ru-RU" dirty="0"/>
           </a:p>
         </p:txBody>
       </p:sp>
@@ -17742,197 +17464,181 @@
           <a:lstStyle/>
           <a:p>
             <a:r>
-              <a:rPr lang="ru-RU" sz="1400" dirty="0" smtClean="0"/>
+              <a:rPr lang="ru-RU" sz="1400" dirty="0"/>
               <a:t>64 бита = 2</a:t>
             </a:r>
             <a:r>
-              <a:rPr lang="en-US" sz="1400" dirty="0" smtClean="0"/>
+              <a:rPr lang="en-US" sz="1400" dirty="0"/>
               <a:t>^</a:t>
             </a:r>
             <a:r>
-              <a:rPr lang="ru-RU" sz="1400" dirty="0" smtClean="0"/>
+              <a:rPr lang="ru-RU" sz="1400" dirty="0"/>
               <a:t>64</a:t>
             </a:r>
             <a:r>
-              <a:rPr lang="en-US" sz="1400" dirty="0" smtClean="0"/>
+              <a:rPr lang="en-US" sz="1400" dirty="0"/>
               <a:t> = 17</a:t>
             </a:r>
             <a:r>
-              <a:rPr lang="ru-RU" sz="1400" dirty="0" smtClean="0"/>
+              <a:rPr lang="ru-RU" sz="1400" dirty="0"/>
               <a:t> </a:t>
             </a:r>
             <a:r>
-              <a:rPr lang="en-US" sz="1400" dirty="0" smtClean="0"/>
+              <a:rPr lang="en-US" sz="1400" dirty="0"/>
               <a:t>179</a:t>
             </a:r>
             <a:r>
-              <a:rPr lang="ru-RU" sz="1400" dirty="0" smtClean="0"/>
+              <a:rPr lang="ru-RU" sz="1400" dirty="0"/>
               <a:t> </a:t>
             </a:r>
             <a:r>
-              <a:rPr lang="en-US" sz="1400" dirty="0" smtClean="0"/>
+              <a:rPr lang="en-US" sz="1400" dirty="0"/>
               <a:t>869</a:t>
             </a:r>
             <a:r>
-              <a:rPr lang="ru-RU" sz="1400" dirty="0" smtClean="0"/>
+              <a:rPr lang="ru-RU" sz="1400" dirty="0"/>
               <a:t> </a:t>
             </a:r>
             <a:r>
-              <a:rPr lang="en-US" sz="1400" dirty="0" smtClean="0"/>
+              <a:rPr lang="en-US" sz="1400" dirty="0"/>
               <a:t>184 </a:t>
             </a:r>
             <a:r>
-              <a:rPr lang="ru-RU" sz="1400" dirty="0" smtClean="0"/>
+              <a:rPr lang="ru-RU" sz="1400" dirty="0"/>
               <a:t>Гб =</a:t>
             </a:r>
             <a:r>
-              <a:rPr lang="en-US" sz="1400" dirty="0" smtClean="0">
+              <a:rPr lang="en-US" sz="1400" dirty="0">
                 <a:latin typeface="Calibri"/>
               </a:rPr>
               <a:t> 16 </a:t>
             </a:r>
             <a:r>
-              <a:rPr lang="ru-RU" sz="1400" dirty="0" smtClean="0">
+              <a:rPr lang="ru-RU" sz="1400" dirty="0">
                 <a:latin typeface="Calibri"/>
               </a:rPr>
               <a:t>Эксабайтов</a:t>
             </a:r>
-            <a:endParaRPr lang="ru-RU" sz="1400" dirty="0" smtClean="0"/>
+            <a:endParaRPr lang="ru-RU" sz="1400" dirty="0"/>
           </a:p>
           <a:p>
             <a:pPr lvl="1"/>
             <a:r>
-              <a:rPr lang="ru-RU" sz="1400" dirty="0" smtClean="0"/>
+              <a:rPr lang="ru-RU" sz="1400" dirty="0"/>
               <a:t>В </a:t>
             </a:r>
             <a:r>
-              <a:rPr lang="en-US" sz="1400" dirty="0" smtClean="0"/>
+              <a:rPr lang="en-US" sz="1400" dirty="0"/>
               <a:t>x64 </a:t>
             </a:r>
             <a:r>
-              <a:rPr lang="ru-RU" sz="1400" dirty="0" smtClean="0"/>
+              <a:rPr lang="ru-RU" sz="1400" dirty="0"/>
               <a:t>архитектуре в данный момент используется 48 битов 	= </a:t>
             </a:r>
             <a:r>
-              <a:rPr lang="en-US" sz="1400" dirty="0" smtClean="0"/>
+              <a:rPr lang="en-US" sz="1400" dirty="0"/>
               <a:t>262</a:t>
             </a:r>
             <a:r>
-              <a:rPr lang="ru-RU" sz="1400" dirty="0" smtClean="0"/>
+              <a:rPr lang="ru-RU" sz="1400" dirty="0"/>
               <a:t> </a:t>
             </a:r>
             <a:r>
-              <a:rPr lang="en-US" sz="1400" dirty="0" smtClean="0"/>
+              <a:rPr lang="en-US" sz="1400" dirty="0"/>
               <a:t>144 </a:t>
             </a:r>
             <a:r>
-              <a:rPr lang="ru-RU" sz="1400" dirty="0" smtClean="0"/>
+              <a:rPr lang="ru-RU" sz="1400" dirty="0"/>
               <a:t>Гб 	</a:t>
             </a:r>
             <a:r>
-              <a:rPr lang="en-US" sz="1400" dirty="0" smtClean="0"/>
-              <a:t>= </a:t>
-            </a:r>
-            <a:r>
               <a:rPr lang="en-US" sz="1400" dirty="0"/>
-              <a:t>256 </a:t>
-            </a:r>
-            <a:r>
-              <a:rPr lang="ru-RU" sz="1400" dirty="0" smtClean="0"/>
+              <a:t>= 256 </a:t>
+            </a:r>
+            <a:r>
+              <a:rPr lang="ru-RU" sz="1400" dirty="0"/>
               <a:t>Тб</a:t>
             </a:r>
           </a:p>
           <a:p>
             <a:pPr lvl="1"/>
             <a:r>
-              <a:rPr lang="ru-RU" sz="1400" dirty="0" smtClean="0"/>
+              <a:rPr lang="ru-RU" sz="1400" dirty="0"/>
               <a:t>В </a:t>
             </a:r>
             <a:r>
-              <a:rPr lang="en-US" sz="1400" dirty="0" smtClean="0"/>
+              <a:rPr lang="en-US" sz="1400" dirty="0"/>
               <a:t>IA-64</a:t>
             </a:r>
             <a:r>
               <a:rPr lang="ru-RU" sz="1400" dirty="0"/>
-              <a:t> архитектуре в данный момент используется </a:t>
-            </a:r>
-            <a:r>
-              <a:rPr lang="ru-RU" sz="1400" dirty="0" smtClean="0"/>
-              <a:t>50 битов 	= </a:t>
-            </a:r>
-            <a:r>
-              <a:rPr lang="en-US" sz="1400" dirty="0" smtClean="0"/>
+              <a:t> архитектуре в данный момент используется 50 битов 	= </a:t>
+            </a:r>
+            <a:r>
+              <a:rPr lang="en-US" sz="1400" dirty="0"/>
               <a:t>1</a:t>
             </a:r>
             <a:r>
-              <a:rPr lang="ru-RU" sz="1400" dirty="0" smtClean="0"/>
+              <a:rPr lang="ru-RU" sz="1400" dirty="0"/>
               <a:t> </a:t>
             </a:r>
             <a:r>
-              <a:rPr lang="en-US" sz="1400" dirty="0" smtClean="0"/>
+              <a:rPr lang="en-US" sz="1400" dirty="0"/>
               <a:t>048</a:t>
             </a:r>
             <a:r>
-              <a:rPr lang="ru-RU" sz="1400" dirty="0" smtClean="0"/>
+              <a:rPr lang="ru-RU" sz="1400" dirty="0"/>
               <a:t> </a:t>
             </a:r>
             <a:r>
-              <a:rPr lang="en-US" sz="1400" dirty="0" smtClean="0"/>
+              <a:rPr lang="en-US" sz="1400" dirty="0"/>
               <a:t>576 </a:t>
             </a:r>
             <a:r>
-              <a:rPr lang="ru-RU" sz="1400" dirty="0" smtClean="0"/>
+              <a:rPr lang="ru-RU" sz="1400" dirty="0"/>
               <a:t>Гб 	</a:t>
             </a:r>
             <a:r>
-              <a:rPr lang="en-US" sz="1400" dirty="0" smtClean="0"/>
-              <a:t>= </a:t>
-            </a:r>
-            <a:r>
               <a:rPr lang="en-US" sz="1400" dirty="0"/>
-              <a:t>1024 </a:t>
-            </a:r>
-            <a:r>
-              <a:rPr lang="ru-RU" sz="1400" dirty="0" smtClean="0"/>
+              <a:t>= 1024 </a:t>
+            </a:r>
+            <a:r>
+              <a:rPr lang="ru-RU" sz="1400" dirty="0"/>
               <a:t>Тб</a:t>
             </a:r>
           </a:p>
           <a:p>
             <a:pPr lvl="1"/>
             <a:r>
-              <a:rPr lang="en-US" sz="1400" dirty="0" smtClean="0"/>
+              <a:rPr lang="en-US" sz="1400" dirty="0"/>
               <a:t>Windows X64 </a:t>
             </a:r>
             <a:r>
-              <a:rPr lang="ru-RU" sz="1400" dirty="0" smtClean="0"/>
+              <a:rPr lang="ru-RU" sz="1400" dirty="0"/>
               <a:t>использует 44 бита 			= </a:t>
             </a:r>
             <a:r>
-              <a:rPr lang="en-US" sz="1400" dirty="0" smtClean="0"/>
+              <a:rPr lang="en-US" sz="1400" dirty="0"/>
               <a:t>16</a:t>
             </a:r>
             <a:r>
-              <a:rPr lang="ru-RU" sz="1400" dirty="0" smtClean="0"/>
+              <a:rPr lang="ru-RU" sz="1400" dirty="0"/>
               <a:t> </a:t>
             </a:r>
             <a:r>
-              <a:rPr lang="en-US" sz="1400" dirty="0" smtClean="0"/>
+              <a:rPr lang="en-US" sz="1400" dirty="0"/>
               <a:t>384 </a:t>
             </a:r>
             <a:r>
-              <a:rPr lang="ru-RU" sz="1400" dirty="0" smtClean="0"/>
+              <a:rPr lang="ru-RU" sz="1400" dirty="0"/>
               <a:t>Гб 		</a:t>
             </a:r>
             <a:r>
-              <a:rPr lang="en-US" sz="1400" dirty="0" smtClean="0"/>
-              <a:t>= </a:t>
-            </a:r>
-            <a:r>
               <a:rPr lang="en-US" sz="1400" dirty="0"/>
-              <a:t>16 </a:t>
-            </a:r>
-            <a:r>
-              <a:rPr lang="ru-RU" sz="1400" dirty="0" smtClean="0"/>
+              <a:t>= 16 </a:t>
+            </a:r>
+            <a:r>
+              <a:rPr lang="ru-RU" sz="1400" dirty="0"/>
               <a:t>Тб</a:t>
             </a:r>
           </a:p>
@@ -18010,7 +17716,7 @@
           <a:p>
             <a:pPr defTabSz="914363"/>
             <a:r>
-              <a:rPr lang="en-US" sz="2800" dirty="0" smtClean="0">
+              <a:rPr lang="en-US" sz="2800" dirty="0">
                 <a:solidFill>
                   <a:srgbClr val="FFFFFF"/>
                 </a:solidFill>
@@ -18018,12 +17724,6 @@
               </a:rPr>
               <a:t>x64</a:t>
             </a:r>
-            <a:endParaRPr lang="en-US" sz="2800" dirty="0">
-              <a:solidFill>
-                <a:srgbClr val="FFFFFF"/>
-              </a:solidFill>
-              <a:latin typeface="Arial"/>
-            </a:endParaRPr>
           </a:p>
         </p:txBody>
       </p:sp>
@@ -18059,7 +17759,7 @@
           <a:p>
             <a:pPr defTabSz="914363"/>
             <a:r>
-              <a:rPr lang="en-US" sz="2800" dirty="0" smtClean="0">
+              <a:rPr lang="en-US" sz="2800" dirty="0">
                 <a:solidFill>
                   <a:srgbClr val="FFFFFF"/>
                 </a:solidFill>
@@ -18068,7 +17768,7 @@
               <a:t>32-</a:t>
             </a:r>
             <a:r>
-              <a:rPr lang="ru-RU" sz="2800" dirty="0" smtClean="0">
+              <a:rPr lang="ru-RU" sz="2800" dirty="0">
                 <a:solidFill>
                   <a:srgbClr val="FFFFFF"/>
                 </a:solidFill>
@@ -18077,7 +17777,7 @@
               <a:t>битовый</a:t>
             </a:r>
             <a:r>
-              <a:rPr lang="en-US" sz="2800" dirty="0" smtClean="0">
+              <a:rPr lang="en-US" sz="2800" dirty="0">
                 <a:solidFill>
                   <a:srgbClr val="FFFFFF"/>
                 </a:solidFill>
@@ -18086,7 +17786,7 @@
               <a:t> </a:t>
             </a:r>
             <a:r>
-              <a:rPr lang="ru-RU" sz="2800" dirty="0" smtClean="0">
+              <a:rPr lang="ru-RU" sz="2800" dirty="0">
                 <a:solidFill>
                   <a:srgbClr val="FFFFFF"/>
                 </a:solidFill>
@@ -18095,7 +17795,7 @@
               <a:t>процесс на </a:t>
             </a:r>
             <a:r>
-              <a:rPr lang="en-US" sz="2800" dirty="0" smtClean="0">
+              <a:rPr lang="en-US" sz="2800" dirty="0">
                 <a:solidFill>
                   <a:srgbClr val="FFFFFF"/>
                 </a:solidFill>
@@ -18103,12 +17803,6 @@
               </a:rPr>
               <a:t>x64</a:t>
             </a:r>
-            <a:endParaRPr lang="en-US" sz="2800" dirty="0">
-              <a:solidFill>
-                <a:srgbClr val="FFFFFF"/>
-              </a:solidFill>
-              <a:latin typeface="Arial"/>
-            </a:endParaRPr>
           </a:p>
         </p:txBody>
       </p:sp>
@@ -18303,7 +17997,7 @@
               <a:defRPr/>
             </a:pPr>
             <a:r>
-              <a:rPr kumimoji="0" lang="en-US" sz="1800" b="0" i="0" u="none" strike="noStrike" kern="0" cap="none" spc="0" normalizeH="0" baseline="0" noProof="0" dirty="0" smtClean="0">
+              <a:rPr kumimoji="0" lang="en-US" sz="1800" b="0" i="0" u="none" strike="noStrike" kern="0" cap="none" spc="0" normalizeH="0" baseline="0" noProof="0" dirty="0">
                 <a:ln>
                   <a:noFill/>
                 </a:ln>
@@ -18320,7 +18014,7 @@
               <a:t>8 </a:t>
             </a:r>
             <a:r>
-              <a:rPr kumimoji="0" lang="ru-RU" sz="1800" b="0" i="0" u="none" strike="noStrike" kern="0" cap="none" spc="0" normalizeH="0" baseline="0" noProof="0" dirty="0" smtClean="0">
+              <a:rPr kumimoji="0" lang="ru-RU" sz="1800" b="0" i="0" u="none" strike="noStrike" kern="0" cap="none" spc="0" normalizeH="0" baseline="0" noProof="0" dirty="0">
                 <a:ln>
                   <a:noFill/>
                 </a:ln>
@@ -18336,7 +18030,7 @@
               </a:rPr>
               <a:t>Тб</a:t>
             </a:r>
-            <a:endParaRPr kumimoji="0" lang="en-US" sz="1800" b="0" i="0" u="none" strike="noStrike" kern="0" cap="none" spc="0" normalizeH="0" baseline="0" noProof="0" dirty="0" smtClean="0">
+            <a:endParaRPr kumimoji="0" lang="en-US" sz="1800" b="0" i="0" u="none" strike="noStrike" kern="0" cap="none" spc="0" normalizeH="0" baseline="0" noProof="0" dirty="0">
               <a:ln>
                 <a:noFill/>
               </a:ln>
@@ -18595,7 +18289,7 @@
               <a:defRPr/>
             </a:pPr>
             <a:r>
-              <a:rPr kumimoji="0" lang="en-US" sz="1800" b="0" i="0" u="none" strike="noStrike" kern="0" cap="none" spc="0" normalizeH="0" baseline="0" noProof="0" dirty="0" smtClean="0">
+              <a:rPr kumimoji="0" lang="en-US" sz="1800" b="0" i="0" u="none" strike="noStrike" kern="0" cap="none" spc="0" normalizeH="0" baseline="0" noProof="0" dirty="0">
                 <a:ln>
                   <a:noFill/>
                 </a:ln>
@@ -18612,7 +18306,7 @@
               <a:t> 4 </a:t>
             </a:r>
             <a:r>
-              <a:rPr kumimoji="0" lang="ru-RU" sz="1800" b="0" i="0" u="none" strike="noStrike" kern="0" cap="none" spc="0" normalizeH="0" baseline="0" noProof="0" dirty="0" smtClean="0">
+              <a:rPr kumimoji="0" lang="ru-RU" sz="1800" b="0" i="0" u="none" strike="noStrike" kern="0" cap="none" spc="0" normalizeH="0" baseline="0" noProof="0" dirty="0">
                 <a:ln>
                   <a:noFill/>
                 </a:ln>
@@ -18760,27 +18454,10 @@
                 <a:ea typeface="+mn-ea"/>
                 <a:cs typeface="Calibri" pitchFamily="34" charset="0"/>
               </a:rPr>
-              <a:t>8</a:t>
-            </a:r>
-            <a:r>
-              <a:rPr kumimoji="0" lang="en-US" sz="1800" b="0" i="0" u="none" strike="noStrike" kern="0" cap="none" spc="0" normalizeH="0" baseline="0" noProof="0" dirty="0" smtClean="0">
-                <a:ln>
-                  <a:noFill/>
-                </a:ln>
-                <a:solidFill>
-                  <a:srgbClr val="FFFFFF"/>
-                </a:solidFill>
-                <a:effectLst/>
-                <a:uLnTx/>
-                <a:uFillTx/>
-                <a:latin typeface="Arial"/>
-                <a:ea typeface="+mn-ea"/>
-                <a:cs typeface="Calibri" pitchFamily="34" charset="0"/>
-              </a:rPr>
-              <a:t> </a:t>
-            </a:r>
-            <a:r>
-              <a:rPr kumimoji="0" lang="ru-RU" sz="1800" b="0" i="0" u="none" strike="noStrike" kern="0" cap="none" spc="0" normalizeH="0" baseline="0" noProof="0" dirty="0" smtClean="0">
+              <a:t>8 </a:t>
+            </a:r>
+            <a:r>
+              <a:rPr kumimoji="0" lang="ru-RU" sz="1800" b="0" i="0" u="none" strike="noStrike" kern="0" cap="none" spc="0" normalizeH="0" baseline="0" noProof="0" dirty="0">
                 <a:ln>
                   <a:noFill/>
                 </a:ln>
@@ -18796,7 +18473,7 @@
               </a:rPr>
               <a:t>Тб</a:t>
             </a:r>
-            <a:endParaRPr kumimoji="0" lang="en-US" sz="1800" b="0" i="0" u="none" strike="noStrike" kern="0" cap="none" spc="0" normalizeH="0" baseline="0" noProof="0" dirty="0" smtClean="0">
+            <a:endParaRPr kumimoji="0" lang="en-US" sz="1800" b="0" i="0" u="none" strike="noStrike" kern="0" cap="none" spc="0" normalizeH="0" baseline="0" noProof="0" dirty="0">
               <a:ln>
                 <a:noFill/>
               </a:ln>
@@ -18917,7 +18594,7 @@
               <a:defRPr/>
             </a:pPr>
             <a:r>
-              <a:rPr kumimoji="0" lang="en-US" sz="1800" b="0" i="0" u="none" strike="noStrike" kern="0" cap="none" spc="0" normalizeH="0" baseline="0" noProof="0" dirty="0" smtClean="0">
+              <a:rPr kumimoji="0" lang="en-US" sz="1800" b="0" i="0" u="none" strike="noStrike" kern="0" cap="none" spc="0" normalizeH="0" baseline="0" noProof="0" dirty="0">
                 <a:ln>
                   <a:noFill/>
                 </a:ln>
@@ -18934,7 +18611,7 @@
               <a:t>8 </a:t>
             </a:r>
             <a:r>
-              <a:rPr kumimoji="0" lang="ru-RU" sz="1800" b="0" i="0" u="none" strike="noStrike" kern="0" cap="none" spc="0" normalizeH="0" baseline="0" noProof="0" dirty="0" smtClean="0">
+              <a:rPr kumimoji="0" lang="ru-RU" sz="1800" b="0" i="0" u="none" strike="noStrike" kern="0" cap="none" spc="0" normalizeH="0" baseline="0" noProof="0" dirty="0">
                 <a:ln>
                   <a:noFill/>
                 </a:ln>
@@ -19025,13 +18702,6 @@
   <p:clrMapOvr>
     <a:masterClrMapping/>
   </p:clrMapOvr>
-  <p:timing>
-    <p:tnLst>
-      <p:par>
-        <p:cTn id="1" dur="indefinite" restart="never" nodeType="tmRoot"/>
-      </p:par>
-    </p:tnLst>
-  </p:timing>
 </p:sld>
 </file>
 
@@ -19068,10 +18738,9 @@
           <a:lstStyle/>
           <a:p>
             <a:r>
-              <a:rPr lang="ru-RU" dirty="0" smtClean="0"/>
+              <a:rPr lang="ru-RU" dirty="0"/>
               <a:t>Мониторинг используемой памяти</a:t>
             </a:r>
-            <a:endParaRPr lang="ru-RU" dirty="0"/>
           </a:p>
         </p:txBody>
       </p:sp>
@@ -19085,13 +18754,6 @@
   <p:clrMapOvr>
     <a:masterClrMapping/>
   </p:clrMapOvr>
-  <p:timing>
-    <p:tnLst>
-      <p:par>
-        <p:cTn id="1" dur="indefinite" restart="never" nodeType="tmRoot"/>
-      </p:par>
-    </p:tnLst>
-  </p:timing>
 </p:sld>
 </file>
 
@@ -19130,10 +18792,9 @@
           <a:lstStyle/>
           <a:p>
             <a:r>
-              <a:rPr lang="ru-RU" dirty="0" smtClean="0"/>
+              <a:rPr lang="ru-RU" dirty="0"/>
               <a:t>Мониторинг используемой памяти из кода</a:t>
             </a:r>
-            <a:endParaRPr lang="ru-RU" dirty="0"/>
           </a:p>
         </p:txBody>
       </p:sp>
@@ -19153,23 +18814,23 @@
           <a:lstStyle/>
           <a:p>
             <a:r>
-              <a:rPr lang="en-US" dirty="0" err="1" smtClean="0"/>
+              <a:rPr lang="en-US" dirty="0" err="1"/>
               <a:t>GC.CollectionCount</a:t>
             </a:r>
             <a:r>
-              <a:rPr lang="en-US" dirty="0" smtClean="0"/>
+              <a:rPr lang="en-US" dirty="0"/>
               <a:t>(</a:t>
             </a:r>
             <a:r>
-              <a:rPr lang="ru-RU" dirty="0" smtClean="0"/>
+              <a:rPr lang="ru-RU" dirty="0"/>
               <a:t>номерПоколения</a:t>
             </a:r>
             <a:r>
-              <a:rPr lang="en-US" dirty="0" smtClean="0"/>
+              <a:rPr lang="en-US" dirty="0"/>
               <a:t>)</a:t>
             </a:r>
             <a:r>
-              <a:rPr lang="ru-RU" dirty="0" smtClean="0"/>
+              <a:rPr lang="ru-RU" dirty="0"/>
               <a:t> – сообщает сколько раз выполнялась сборка мусора для указанного поколения</a:t>
             </a:r>
           </a:p>
@@ -19195,32 +18856,31 @@
               <a:t>forceFullCollection</a:t>
             </a:r>
             <a:r>
-              <a:rPr lang="en-US" dirty="0" smtClean="0"/>
+              <a:rPr lang="en-US" dirty="0"/>
               <a:t>)</a:t>
             </a:r>
             <a:r>
-              <a:rPr lang="ru-RU" dirty="0" smtClean="0"/>
+              <a:rPr lang="ru-RU" dirty="0"/>
               <a:t> – возвращает кол-во байтов выделенных в куче</a:t>
             </a:r>
           </a:p>
           <a:p>
             <a:r>
-              <a:rPr lang="en-US" dirty="0" err="1" smtClean="0"/>
+              <a:rPr lang="en-US" dirty="0" err="1"/>
               <a:t>Environment.WorkingSet</a:t>
             </a:r>
             <a:r>
-              <a:rPr lang="en-US" dirty="0" smtClean="0"/>
+              <a:rPr lang="en-US" dirty="0"/>
               <a:t> – </a:t>
             </a:r>
             <a:r>
-              <a:rPr lang="ru-RU" dirty="0" smtClean="0"/>
+              <a:rPr lang="ru-RU" dirty="0"/>
               <a:t>размер в байтах рабочего множества процесса </a:t>
             </a:r>
             <a:r>
-              <a:rPr lang="en-US" dirty="0" smtClean="0"/>
+              <a:rPr lang="en-US" dirty="0"/>
               <a:t>(working set)</a:t>
             </a:r>
-            <a:endParaRPr lang="en-US" dirty="0"/>
           </a:p>
           <a:p>
             <a:endParaRPr lang="en-US" dirty="0"/>
@@ -19240,13 +18900,6 @@
   <p:clrMapOvr>
     <a:masterClrMapping/>
   </p:clrMapOvr>
-  <p:timing>
-    <p:tnLst>
-      <p:par>
-        <p:cTn id="1" dur="indefinite" restart="never" nodeType="tmRoot"/>
-      </p:par>
-    </p:tnLst>
-  </p:timing>
 </p:sld>
 </file>
 
@@ -19285,10 +18938,9 @@
           <a:lstStyle/>
           <a:p>
             <a:r>
-              <a:rPr lang="ru-RU" dirty="0" smtClean="0"/>
+              <a:rPr lang="ru-RU" dirty="0"/>
               <a:t>Мониторинг используемой памяти внешними средствами</a:t>
             </a:r>
-            <a:endParaRPr lang="ru-RU" dirty="0"/>
           </a:p>
         </p:txBody>
       </p:sp>
@@ -19310,32 +18962,24 @@
           <a:lstStyle/>
           <a:p>
             <a:r>
-              <a:rPr lang="ru-RU" dirty="0" smtClean="0"/>
+              <a:rPr lang="ru-RU" dirty="0"/>
               <a:t>Счетчики  производительности</a:t>
             </a:r>
-            <a:endParaRPr lang="en-US" dirty="0" smtClean="0"/>
+            <a:endParaRPr lang="en-US" dirty="0"/>
           </a:p>
           <a:p>
             <a:pPr lvl="1"/>
             <a:r>
-              <a:rPr lang="en-US" dirty="0" smtClean="0"/>
+              <a:rPr lang="en-US" dirty="0"/>
               <a:t>Performance Monitor</a:t>
             </a:r>
             <a:r>
-              <a:rPr lang="ru-RU" dirty="0" smtClean="0"/>
+              <a:rPr lang="ru-RU" dirty="0"/>
               <a:t> (</a:t>
             </a:r>
             <a:r>
-              <a:rPr lang="en-US" dirty="0" smtClean="0"/>
-              <a:t>Control Panel </a:t>
-            </a:r>
-            <a:r>
               <a:rPr lang="en-US" dirty="0"/>
-              <a:t>\ Administrative </a:t>
-            </a:r>
-            <a:r>
-              <a:rPr lang="en-US" dirty="0" smtClean="0"/>
-              <a:t>Tools)</a:t>
+              <a:t>Control Panel \ Administrative Tools)</a:t>
             </a:r>
           </a:p>
           <a:p>
@@ -19351,42 +18995,36 @@
               <a:rPr lang="en-US" dirty="0">
                 <a:hlinkClick r:id="rId2"/>
               </a:rPr>
-              <a:t>http://</a:t>
-            </a:r>
-            <a:r>
-              <a:rPr lang="en-US" dirty="0" smtClean="0">
-                <a:hlinkClick r:id="rId2"/>
-              </a:rPr>
-              <a:t>technet.microsoft.com/en-us/sysinternals/bb896653</a:t>
-            </a:r>
-            <a:endParaRPr lang="en-US" dirty="0" smtClean="0"/>
-          </a:p>
-          <a:p>
-            <a:r>
-              <a:rPr lang="en-US" dirty="0" smtClean="0"/>
+              <a:t>http://technet.microsoft.com/en-us/sysinternals/bb896653</a:t>
+            </a:r>
+            <a:endParaRPr lang="en-US" dirty="0"/>
+          </a:p>
+          <a:p>
+            <a:r>
+              <a:rPr lang="en-US" dirty="0"/>
               <a:t>Microsoft </a:t>
             </a:r>
             <a:r>
-              <a:rPr lang="en-US" dirty="0" err="1" smtClean="0"/>
+              <a:rPr lang="en-US" dirty="0" err="1"/>
               <a:t>PerfView</a:t>
             </a:r>
-            <a:endParaRPr lang="en-US" dirty="0" smtClean="0"/>
-          </a:p>
-          <a:p>
-            <a:r>
-              <a:rPr lang="en-US" dirty="0" err="1" smtClean="0"/>
+            <a:endParaRPr lang="en-US" dirty="0"/>
+          </a:p>
+          <a:p>
+            <a:r>
+              <a:rPr lang="en-US" dirty="0" err="1"/>
               <a:t>dotMemory</a:t>
             </a:r>
             <a:r>
-              <a:rPr lang="en-US" dirty="0" smtClean="0"/>
+              <a:rPr lang="en-US" dirty="0"/>
               <a:t> </a:t>
             </a:r>
             <a:r>
-              <a:rPr lang="ru-RU" dirty="0" smtClean="0"/>
+              <a:rPr lang="ru-RU" dirty="0"/>
               <a:t>от </a:t>
             </a:r>
             <a:r>
-              <a:rPr lang="en-US" dirty="0" smtClean="0"/>
+              <a:rPr lang="en-US" dirty="0"/>
               <a:t>JetBrains</a:t>
             </a:r>
             <a:endParaRPr lang="ru-RU" dirty="0"/>
@@ -19403,13 +19041,6 @@
   <p:clrMapOvr>
     <a:masterClrMapping/>
   </p:clrMapOvr>
-  <p:timing>
-    <p:tnLst>
-      <p:par>
-        <p:cTn id="1" dur="indefinite" restart="never" nodeType="tmRoot"/>
-      </p:par>
-    </p:tnLst>
-  </p:timing>
 </p:sld>
 </file>
 
@@ -19482,14 +19113,6 @@
   <p:clrMapOvr>
     <a:masterClrMapping/>
   </p:clrMapOvr>
-  <mc:AlternateContent xmlns:mc="http://schemas.openxmlformats.org/markup-compatibility/2006" xmlns:p14="http://schemas.microsoft.com/office/powerpoint/2010/main">
-    <mc:Choice Requires="p14">
-      <p:transition spd="slow" p14:dur="2000"/>
-    </mc:Choice>
-    <mc:Fallback xmlns="">
-      <p:transition spd="slow"/>
-    </mc:Fallback>
-  </mc:AlternateContent>
 </p:sld>
 </file>
 
@@ -19526,7 +19149,7 @@
           <a:lstStyle/>
           <a:p>
             <a:r>
-              <a:rPr lang="en-US" dirty="0" err="1" smtClean="0"/>
+              <a:rPr lang="en-US" dirty="0" err="1"/>
               <a:t>PerfView</a:t>
             </a:r>
             <a:endParaRPr lang="ru-RU" dirty="0"/>
@@ -19554,23 +19177,23 @@
               <a:buNone/>
             </a:pPr>
             <a:r>
-              <a:rPr lang="en-US" dirty="0" err="1" smtClean="0"/>
+              <a:rPr lang="en-US" dirty="0" err="1"/>
               <a:t>PerfView</a:t>
             </a:r>
             <a:r>
-              <a:rPr lang="en-US" dirty="0" smtClean="0"/>
+              <a:rPr lang="en-US" dirty="0"/>
               <a:t> </a:t>
             </a:r>
             <a:r>
-              <a:rPr lang="ru-RU" dirty="0" smtClean="0"/>
+              <a:rPr lang="ru-RU" dirty="0"/>
               <a:t>это бесплатный инструмент для профилирования </a:t>
             </a:r>
             <a:r>
-              <a:rPr lang="en-US" dirty="0" smtClean="0"/>
+              <a:rPr lang="en-US" dirty="0"/>
               <a:t>.NET</a:t>
             </a:r>
             <a:r>
-              <a:rPr lang="ru-RU" dirty="0" smtClean="0"/>
+              <a:rPr lang="ru-RU" dirty="0"/>
               <a:t> приложений.</a:t>
             </a:r>
             <a:endParaRPr lang="en-US" dirty="0"/>
@@ -19579,18 +19202,18 @@
             <a:pPr marL="0" indent="0">
               <a:buNone/>
             </a:pPr>
-            <a:endParaRPr lang="ru-RU" dirty="0" smtClean="0"/>
+            <a:endParaRPr lang="ru-RU" dirty="0"/>
           </a:p>
           <a:p>
             <a:pPr marL="0" indent="0">
               <a:buNone/>
             </a:pPr>
             <a:r>
-              <a:rPr lang="ru-RU" dirty="0" smtClean="0"/>
+              <a:rPr lang="ru-RU" dirty="0"/>
               <a:t>Скачать</a:t>
             </a:r>
             <a:r>
-              <a:rPr lang="en-US" dirty="0" smtClean="0"/>
+              <a:rPr lang="en-US" dirty="0"/>
               <a:t>:</a:t>
             </a:r>
           </a:p>
@@ -19602,21 +19225,15 @@
               <a:rPr lang="en-US" dirty="0">
                 <a:hlinkClick r:id="rId2"/>
               </a:rPr>
-              <a:t>http://</a:t>
-            </a:r>
-            <a:r>
-              <a:rPr lang="en-US" dirty="0" smtClean="0">
-                <a:hlinkClick r:id="rId2"/>
-              </a:rPr>
-              <a:t>www.microsoft.com/en-us/download/details.aspx?id=28567</a:t>
-            </a:r>
-            <a:endParaRPr lang="en-US" dirty="0" smtClean="0"/>
+              <a:t>http://www.microsoft.com/en-us/download/details.aspx?id=28567</a:t>
+            </a:r>
+            <a:endParaRPr lang="en-US" dirty="0"/>
           </a:p>
           <a:p>
             <a:pPr marL="0" indent="0">
               <a:buNone/>
             </a:pPr>
-            <a:endParaRPr lang="en-US" dirty="0" smtClean="0">
+            <a:endParaRPr lang="en-US" dirty="0">
               <a:hlinkClick r:id="rId3"/>
             </a:endParaRPr>
           </a:p>
@@ -19625,11 +19242,11 @@
               <a:buNone/>
             </a:pPr>
             <a:r>
-              <a:rPr lang="ru-RU" dirty="0" smtClean="0"/>
+              <a:rPr lang="ru-RU" dirty="0"/>
               <a:t>Серия обучающих видео</a:t>
             </a:r>
             <a:r>
-              <a:rPr lang="en-US" dirty="0" smtClean="0"/>
+              <a:rPr lang="en-US" dirty="0"/>
               <a:t>:</a:t>
             </a:r>
           </a:p>
@@ -19638,24 +19255,12 @@
               <a:buNone/>
             </a:pPr>
             <a:r>
-              <a:rPr lang="en-US" dirty="0" smtClean="0">
-                <a:hlinkClick r:id="rId3"/>
-              </a:rPr>
-              <a:t>https</a:t>
-            </a:r>
-            <a:r>
               <a:rPr lang="en-US" dirty="0">
                 <a:hlinkClick r:id="rId3"/>
               </a:rPr>
-              <a:t>://</a:t>
-            </a:r>
-            <a:r>
-              <a:rPr lang="en-US" dirty="0" smtClean="0">
-                <a:hlinkClick r:id="rId3"/>
-              </a:rPr>
-              <a:t>channel9.msdn.com/Series/PerfView-Tutorial</a:t>
-            </a:r>
-            <a:endParaRPr lang="en-US" dirty="0" smtClean="0"/>
+              <a:t>https://channel9.msdn.com/Series/PerfView-Tutorial</a:t>
+            </a:r>
+            <a:endParaRPr lang="en-US" dirty="0"/>
           </a:p>
           <a:p>
             <a:pPr marL="0" indent="0">
@@ -19718,34 +19323,26 @@
           <a:lstStyle/>
           <a:p>
             <a:r>
-              <a:rPr lang="ru-RU" sz="2400" dirty="0" smtClean="0"/>
+              <a:rPr lang="ru-RU" sz="2400" dirty="0"/>
               <a:t>Счетчики производительности для мониторинга памяти</a:t>
             </a:r>
-            <a:r>
-              <a:rPr lang="en-US" sz="2400" dirty="0" smtClean="0"/>
-              <a:t/>
-            </a:r>
             <a:br>
-              <a:rPr lang="en-US" sz="2400" dirty="0" smtClean="0"/>
+              <a:rPr lang="en-US" sz="2400" dirty="0"/>
             </a:br>
             <a:r>
-              <a:rPr lang="en-US" sz="2400" dirty="0" smtClean="0"/>
+              <a:rPr lang="en-US" sz="2400" dirty="0"/>
               <a:t>(</a:t>
             </a:r>
             <a:r>
-              <a:rPr lang="ru-RU" sz="2400" dirty="0" smtClean="0"/>
+              <a:rPr lang="ru-RU" sz="2400" dirty="0"/>
               <a:t>категория </a:t>
             </a:r>
             <a:r>
               <a:rPr lang="en-US" sz="2000" dirty="0"/>
-              <a:t>.NET CLR </a:t>
-            </a:r>
-            <a:r>
-              <a:rPr lang="en-US" sz="2000" dirty="0" smtClean="0"/>
-              <a:t>Memory</a:t>
-            </a:r>
-            <a:r>
-              <a:rPr lang="ru-RU" sz="2000" dirty="0" smtClean="0"/>
+              <a:t>.NET CLR Memory</a:t>
+            </a:r>
+            <a:r>
+              <a:rPr lang="ru-RU" sz="2000" dirty="0"/>
               <a:t>)</a:t>
             </a:r>
             <a:endParaRPr lang="ru-RU" sz="2400" dirty="0"/>
@@ -19871,7 +19468,7 @@
                     <a:p>
                       <a:pPr algn="l" fontAlgn="b"/>
                       <a:r>
-                        <a:rPr lang="ru-RU" sz="1400" b="0" i="0" u="none" strike="noStrike" dirty="0" smtClean="0">
+                        <a:rPr lang="ru-RU" sz="1400" b="0" i="0" u="none" strike="noStrike" dirty="0">
                           <a:solidFill>
                             <a:srgbClr val="0070C0"/>
                           </a:solidFill>
@@ -20021,7 +19618,7 @@
                     <a:p>
                       <a:pPr algn="l" fontAlgn="b"/>
                       <a:r>
-                        <a:rPr lang="ru-RU" sz="1400" b="0" i="0" u="none" strike="noStrike" dirty="0" smtClean="0">
+                        <a:rPr lang="ru-RU" sz="1400" b="0" i="0" u="none" strike="noStrike" dirty="0">
                           <a:solidFill>
                             <a:srgbClr val="0070C0"/>
                           </a:solidFill>
@@ -20178,7 +19775,7 @@
                     <a:p>
                       <a:pPr algn="l" fontAlgn="b"/>
                       <a:r>
-                        <a:rPr lang="en-US" sz="1400" b="1" i="0" u="none" strike="noStrike" dirty="0" smtClean="0">
+                        <a:rPr lang="en-US" sz="1400" b="1" i="0" u="none" strike="noStrike" dirty="0">
                           <a:solidFill>
                             <a:schemeClr val="bg1"/>
                           </a:solidFill>
@@ -20188,14 +19785,6 @@
                         </a:rPr>
                         <a:t># Bytes in all Heaps</a:t>
                       </a:r>
-                      <a:endParaRPr lang="en-US" sz="1400" b="1" i="0" u="none" strike="noStrike" dirty="0">
-                        <a:solidFill>
-                          <a:schemeClr val="bg1"/>
-                        </a:solidFill>
-                        <a:effectLst/>
-                        <a:latin typeface="+mn-lt"/>
-                        <a:cs typeface="Consolas" panose="020B0609020204030204" pitchFamily="49" charset="0"/>
-                      </a:endParaRPr>
                     </a:p>
                   </a:txBody>
                   <a:tcPr marL="45720" marR="45720" anchor="b">
@@ -20326,7 +19915,7 @@
                     <a:p>
                       <a:pPr algn="l" fontAlgn="b"/>
                       <a:r>
-                        <a:rPr lang="ru-RU" sz="1400" b="0" i="0" u="none" strike="noStrike" dirty="0" smtClean="0">
+                        <a:rPr lang="ru-RU" sz="1400" b="0" i="0" u="none" strike="noStrike" dirty="0">
                           <a:solidFill>
                             <a:schemeClr val="bg1"/>
                           </a:solidFill>
@@ -20337,7 +19926,7 @@
                         <a:t>Общий размер кучи</a:t>
                       </a:r>
                       <a:r>
-                        <a:rPr lang="en-US" sz="1400" b="0" i="0" u="none" strike="noStrike" dirty="0" smtClean="0">
+                        <a:rPr lang="en-US" sz="1400" b="0" i="0" u="none" strike="noStrike" dirty="0">
                           <a:solidFill>
                             <a:schemeClr val="bg1"/>
                           </a:solidFill>
@@ -20348,7 +19937,7 @@
                         <a:t>:</a:t>
                       </a:r>
                       <a:r>
-                        <a:rPr lang="ru-RU" sz="1400" b="0" i="0" u="none" strike="noStrike" dirty="0" smtClean="0">
+                        <a:rPr lang="ru-RU" sz="1400" b="0" i="0" u="none" strike="noStrike" dirty="0">
                           <a:solidFill>
                             <a:schemeClr val="bg1"/>
                           </a:solidFill>
@@ -20359,7 +19948,7 @@
                         <a:t> </a:t>
                       </a:r>
                       <a:r>
-                        <a:rPr lang="en-US" sz="1400" b="0" i="0" u="none" strike="noStrike" dirty="0" smtClean="0">
+                        <a:rPr lang="en-US" sz="1400" b="0" i="0" u="none" strike="noStrike" dirty="0">
                           <a:solidFill>
                             <a:schemeClr val="bg1"/>
                           </a:solidFill>
@@ -20369,14 +19958,6 @@
                         </a:rPr>
                         <a:t>Gen0+Gen1+Gen2+LOH</a:t>
                       </a:r>
-                      <a:endParaRPr lang="en-US" sz="1400" b="0" i="0" u="none" strike="noStrike" dirty="0">
-                        <a:solidFill>
-                          <a:schemeClr val="bg1"/>
-                        </a:solidFill>
-                        <a:effectLst/>
-                        <a:latin typeface="+mn-lt"/>
-                        <a:cs typeface="Consolas" panose="020B0609020204030204" pitchFamily="49" charset="0"/>
-                      </a:endParaRPr>
                     </a:p>
                   </a:txBody>
                   <a:tcPr marL="45720" marR="45720" anchor="b">
@@ -20514,7 +20095,7 @@
                     <a:p>
                       <a:pPr algn="l" fontAlgn="b"/>
                       <a:r>
-                        <a:rPr lang="en-US" sz="1400" b="1" i="0" u="none" strike="noStrike" kern="1200" dirty="0" smtClean="0">
+                        <a:rPr lang="en-US" sz="1400" b="1" i="0" u="none" strike="noStrike" kern="1200" dirty="0">
                           <a:solidFill>
                             <a:schemeClr val="bg1"/>
                           </a:solidFill>
@@ -20663,7 +20244,7 @@
                     <a:p>
                       <a:pPr algn="l" fontAlgn="b"/>
                       <a:r>
-                        <a:rPr lang="ru-RU" sz="1400" b="0" i="0" u="none" strike="noStrike" dirty="0" smtClean="0">
+                        <a:rPr lang="ru-RU" sz="1400" b="0" i="0" u="none" strike="noStrike" dirty="0">
                           <a:solidFill>
                             <a:schemeClr val="bg1"/>
                           </a:solidFill>
@@ -20674,7 +20255,7 @@
                         <a:t>Текущее кол-во </a:t>
                       </a:r>
                       <a:r>
-                        <a:rPr lang="en-US" sz="1400" b="0" i="0" u="none" strike="noStrike" dirty="0" smtClean="0">
+                        <a:rPr lang="en-US" sz="1400" b="0" i="0" u="none" strike="noStrike" dirty="0">
                           <a:solidFill>
                             <a:schemeClr val="bg1"/>
                           </a:solidFill>
@@ -20685,7 +20266,7 @@
                         <a:t>GC </a:t>
                       </a:r>
                       <a:r>
-                        <a:rPr lang="ru-RU" sz="1400" b="0" i="0" u="none" strike="noStrike" dirty="0" smtClean="0">
+                        <a:rPr lang="ru-RU" sz="1400" b="0" i="0" u="none" strike="noStrike" dirty="0">
                           <a:solidFill>
                             <a:schemeClr val="bg1"/>
                           </a:solidFill>
@@ -20856,7 +20437,7 @@
                         <a:defRPr/>
                       </a:pPr>
                       <a:r>
-                        <a:rPr lang="en-US" sz="1400" b="1" i="0" u="none" strike="noStrike" kern="1200" dirty="0" smtClean="0">
+                        <a:rPr lang="en-US" sz="1400" b="1" i="0" u="none" strike="noStrike" kern="1200" dirty="0">
                           <a:solidFill>
                             <a:schemeClr val="bg1"/>
                           </a:solidFill>
@@ -21005,7 +20586,7 @@
                     <a:p>
                       <a:pPr algn="l" fontAlgn="b"/>
                       <a:r>
-                        <a:rPr lang="ru-RU" sz="1400" b="0" i="0" u="none" strike="noStrike" dirty="0" smtClean="0">
+                        <a:rPr lang="ru-RU" sz="1400" b="0" i="0" u="none" strike="noStrike" dirty="0">
                           <a:solidFill>
                             <a:schemeClr val="bg1"/>
                           </a:solidFill>
@@ -21016,7 +20597,7 @@
                         <a:t>Сколько раз </a:t>
                       </a:r>
                       <a:r>
-                        <a:rPr lang="en-US" sz="1400" b="0" i="0" u="none" strike="noStrike" dirty="0" smtClean="0">
+                        <a:rPr lang="en-US" sz="1400" b="0" i="0" u="none" strike="noStrike" dirty="0">
                           <a:solidFill>
                             <a:schemeClr val="bg1"/>
                           </a:solidFill>
@@ -21027,7 +20608,7 @@
                         <a:t>GC </a:t>
                       </a:r>
                       <a:r>
-                        <a:rPr lang="ru-RU" sz="1400" b="0" i="0" u="none" strike="noStrike" dirty="0" smtClean="0">
+                        <a:rPr lang="ru-RU" sz="1400" b="0" i="0" u="none" strike="noStrike" dirty="0">
                           <a:solidFill>
                             <a:schemeClr val="bg1"/>
                           </a:solidFill>
@@ -21182,7 +20763,7 @@
                     <a:p>
                       <a:pPr algn="l" fontAlgn="b"/>
                       <a:r>
-                        <a:rPr lang="en-US" sz="1400" b="1" i="0" u="none" strike="noStrike" kern="1200" dirty="0" smtClean="0">
+                        <a:rPr lang="en-US" sz="1400" b="1" i="0" u="none" strike="noStrike" kern="1200" dirty="0">
                           <a:solidFill>
                             <a:schemeClr val="bg1"/>
                           </a:solidFill>
@@ -21331,7 +20912,7 @@
                     <a:p>
                       <a:pPr algn="l" fontAlgn="b"/>
                       <a:r>
-                        <a:rPr lang="ru-RU" sz="1400" b="0" i="0" u="none" strike="noStrike" dirty="0" smtClean="0">
+                        <a:rPr lang="ru-RU" sz="1400" b="0" i="0" u="none" strike="noStrike" dirty="0">
                           <a:solidFill>
                             <a:schemeClr val="bg1"/>
                           </a:solidFill>
@@ -21342,7 +20923,7 @@
                         <a:t>Сколько раз вызывался </a:t>
                       </a:r>
                       <a:r>
-                        <a:rPr lang="en-US" sz="1400" b="0" i="0" u="none" strike="noStrike" dirty="0" err="1" smtClean="0">
+                        <a:rPr lang="en-US" sz="1400" b="0" i="0" u="none" strike="noStrike" dirty="0" err="1">
                           <a:solidFill>
                             <a:schemeClr val="bg1"/>
                           </a:solidFill>
@@ -21353,7 +20934,7 @@
                         <a:t>GC.Collect</a:t>
                       </a:r>
                       <a:r>
-                        <a:rPr lang="en-US" sz="1400" b="0" i="0" u="none" strike="noStrike" dirty="0" smtClean="0">
+                        <a:rPr lang="en-US" sz="1400" b="0" i="0" u="none" strike="noStrike" dirty="0">
                           <a:solidFill>
                             <a:schemeClr val="bg1"/>
                           </a:solidFill>
@@ -21363,14 +20944,6 @@
                         </a:rPr>
                         <a:t>()</a:t>
                       </a:r>
-                      <a:endParaRPr lang="en-US" sz="1400" b="0" i="0" u="none" strike="noStrike" dirty="0">
-                        <a:solidFill>
-                          <a:schemeClr val="bg1"/>
-                        </a:solidFill>
-                        <a:effectLst/>
-                        <a:latin typeface="+mn-lt"/>
-                        <a:cs typeface="Consolas" panose="020B0609020204030204" pitchFamily="49" charset="0"/>
-                      </a:endParaRPr>
                     </a:p>
                   </a:txBody>
                   <a:tcPr marL="45720" marR="45720" anchor="b">
@@ -21508,7 +21081,7 @@
                     <a:p>
                       <a:pPr algn="l" fontAlgn="b"/>
                       <a:r>
-                        <a:rPr lang="en-US" sz="1400" b="1" i="0" u="none" strike="noStrike" kern="1200" dirty="0" smtClean="0">
+                        <a:rPr lang="en-US" sz="1400" b="1" i="0" u="none" strike="noStrike" kern="1200" dirty="0">
                           <a:solidFill>
                             <a:schemeClr val="bg1"/>
                           </a:solidFill>
@@ -21657,7 +21230,7 @@
                     <a:p>
                       <a:pPr algn="l" fontAlgn="b"/>
                       <a:r>
-                        <a:rPr lang="ru-RU" sz="1400" b="0" i="0" u="none" strike="noStrike" dirty="0" smtClean="0">
+                        <a:rPr lang="ru-RU" sz="1400" b="0" i="0" u="none" strike="noStrike" dirty="0">
                           <a:solidFill>
                             <a:schemeClr val="bg1"/>
                           </a:solidFill>
@@ -21668,7 +21241,7 @@
                         <a:t>Кол-во</a:t>
                       </a:r>
                       <a:r>
-                        <a:rPr lang="ru-RU" sz="1400" b="0" i="0" u="none" strike="noStrike" baseline="0" dirty="0" smtClean="0">
+                        <a:rPr lang="ru-RU" sz="1400" b="0" i="0" u="none" strike="noStrike" baseline="0" dirty="0">
                           <a:solidFill>
                             <a:schemeClr val="bg1"/>
                           </a:solidFill>
@@ -21679,7 +21252,7 @@
                         <a:t> </a:t>
                       </a:r>
                       <a:r>
-                        <a:rPr lang="en-US" sz="1400" b="0" i="0" u="none" strike="noStrike" baseline="0" dirty="0" smtClean="0">
+                        <a:rPr lang="en-US" sz="1400" b="0" i="0" u="none" strike="noStrike" baseline="0" dirty="0">
                           <a:solidFill>
                             <a:schemeClr val="bg1"/>
                           </a:solidFill>
@@ -21690,7 +21263,7 @@
                         <a:t>committed </a:t>
                       </a:r>
                       <a:r>
-                        <a:rPr lang="ru-RU" sz="1400" b="0" i="0" u="none" strike="noStrike" baseline="0" dirty="0" smtClean="0">
+                        <a:rPr lang="ru-RU" sz="1400" b="0" i="0" u="none" strike="noStrike" baseline="0" dirty="0">
                           <a:solidFill>
                             <a:schemeClr val="bg1"/>
                           </a:solidFill>
@@ -21701,7 +21274,7 @@
                         <a:t>байтов для </a:t>
                       </a:r>
                       <a:r>
-                        <a:rPr lang="en-US" sz="1400" b="0" i="0" u="none" strike="noStrike" baseline="0" dirty="0" smtClean="0">
+                        <a:rPr lang="en-US" sz="1400" b="0" i="0" u="none" strike="noStrike" baseline="0" dirty="0">
                           <a:solidFill>
                             <a:schemeClr val="bg1"/>
                           </a:solidFill>
@@ -21712,7 +21285,7 @@
                         <a:t>GC (</a:t>
                       </a:r>
                       <a:r>
-                        <a:rPr lang="ru-RU" sz="1400" b="0" i="0" u="none" strike="noStrike" baseline="0" dirty="0" smtClean="0">
+                        <a:rPr lang="ru-RU" sz="1400" b="0" i="0" u="none" strike="noStrike" baseline="0" dirty="0">
                           <a:solidFill>
                             <a:schemeClr val="bg1"/>
                           </a:solidFill>
@@ -21883,7 +21456,7 @@
                         <a:defRPr/>
                       </a:pPr>
                       <a:r>
-                        <a:rPr lang="en-US" sz="1400" b="1" i="0" u="none" strike="noStrike" kern="1200" dirty="0" smtClean="0">
+                        <a:rPr lang="en-US" sz="1400" b="1" i="0" u="none" strike="noStrike" kern="1200" dirty="0">
                           <a:solidFill>
                             <a:schemeClr val="bg1"/>
                           </a:solidFill>
@@ -22048,7 +21621,7 @@
                         <a:defRPr/>
                       </a:pPr>
                       <a:r>
-                        <a:rPr lang="ru-RU" sz="1400" b="0" i="0" u="none" strike="noStrike" kern="1200" dirty="0" smtClean="0">
+                        <a:rPr lang="ru-RU" sz="1400" b="0" i="0" u="none" strike="noStrike" kern="1200" dirty="0">
                           <a:solidFill>
                             <a:schemeClr val="bg1"/>
                           </a:solidFill>
@@ -22060,7 +21633,7 @@
                         <a:t>Кол-во</a:t>
                       </a:r>
                       <a:r>
-                        <a:rPr lang="ru-RU" sz="1400" b="0" i="0" u="none" strike="noStrike" kern="1200" baseline="0" dirty="0" smtClean="0">
+                        <a:rPr lang="ru-RU" sz="1400" b="0" i="0" u="none" strike="noStrike" kern="1200" baseline="0" dirty="0">
                           <a:solidFill>
                             <a:schemeClr val="bg1"/>
                           </a:solidFill>
@@ -22072,7 +21645,7 @@
                         <a:t> зарезервированных байтов для </a:t>
                       </a:r>
                       <a:r>
-                        <a:rPr lang="en-US" sz="1400" b="0" i="0" u="none" strike="noStrike" kern="1200" baseline="0" dirty="0" smtClean="0">
+                        <a:rPr lang="en-US" sz="1400" b="0" i="0" u="none" strike="noStrike" kern="1200" baseline="0" dirty="0">
                           <a:solidFill>
                             <a:schemeClr val="bg1"/>
                           </a:solidFill>
@@ -22228,7 +21801,7 @@
                     <a:p>
                       <a:pPr algn="l" fontAlgn="b"/>
                       <a:r>
-                        <a:rPr lang="en-US" sz="1400" b="1" i="0" u="none" strike="noStrike" kern="1200" dirty="0" smtClean="0">
+                        <a:rPr lang="en-US" sz="1400" b="1" i="0" u="none" strike="noStrike" kern="1200" dirty="0">
                           <a:solidFill>
                             <a:schemeClr val="bg1"/>
                           </a:solidFill>
@@ -22377,7 +21950,7 @@
                     <a:p>
                       <a:pPr algn="l" fontAlgn="b"/>
                       <a:r>
-                        <a:rPr lang="ru-RU" sz="1400" b="0" i="0" u="none" strike="noStrike" dirty="0" smtClean="0">
+                        <a:rPr lang="ru-RU" sz="1400" b="0" i="0" u="none" strike="noStrike" dirty="0">
                           <a:solidFill>
                             <a:schemeClr val="bg1"/>
                           </a:solidFill>
@@ -22388,7 +21961,7 @@
                         <a:t>Текущее кол-во</a:t>
                       </a:r>
                       <a:r>
-                        <a:rPr lang="ru-RU" sz="1400" b="0" i="0" u="none" strike="noStrike" baseline="0" dirty="0" smtClean="0">
+                        <a:rPr lang="ru-RU" sz="1400" b="0" i="0" u="none" strike="noStrike" baseline="0" dirty="0">
                           <a:solidFill>
                             <a:schemeClr val="bg1"/>
                           </a:solidFill>
@@ -22399,7 +21972,7 @@
                         <a:t> прикрепленных </a:t>
                       </a:r>
                       <a:r>
-                        <a:rPr lang="en-US" sz="1400" b="0" i="0" u="none" strike="noStrike" baseline="0" dirty="0" smtClean="0">
+                        <a:rPr lang="en-US" sz="1400" b="0" i="0" u="none" strike="noStrike" baseline="0" dirty="0">
                           <a:solidFill>
                             <a:schemeClr val="bg1"/>
                           </a:solidFill>
@@ -22410,7 +21983,7 @@
                         <a:t>(fixed </a:t>
                       </a:r>
                       <a:r>
-                        <a:rPr lang="ru-RU" sz="1400" b="0" i="0" u="none" strike="noStrike" baseline="0" dirty="0" smtClean="0">
+                        <a:rPr lang="ru-RU" sz="1400" b="0" i="0" u="none" strike="noStrike" baseline="0" dirty="0">
                           <a:solidFill>
                             <a:schemeClr val="bg1"/>
                           </a:solidFill>
@@ -22421,7 +21994,7 @@
                         <a:t>в </a:t>
                       </a:r>
                       <a:r>
-                        <a:rPr lang="en-US" sz="1400" b="0" i="0" u="none" strike="noStrike" baseline="0" dirty="0" smtClean="0">
+                        <a:rPr lang="en-US" sz="1400" b="0" i="0" u="none" strike="noStrike" baseline="0" dirty="0">
                           <a:solidFill>
                             <a:schemeClr val="bg1"/>
                           </a:solidFill>
@@ -22432,7 +22005,7 @@
                         <a:t>C#) </a:t>
                       </a:r>
                       <a:r>
-                        <a:rPr lang="ru-RU" sz="1400" b="0" i="0" u="none" strike="noStrike" baseline="0" dirty="0" smtClean="0">
+                        <a:rPr lang="ru-RU" sz="1400" b="0" i="0" u="none" strike="noStrike" baseline="0" dirty="0">
                           <a:solidFill>
                             <a:schemeClr val="bg1"/>
                           </a:solidFill>
@@ -22587,7 +22160,7 @@
                     <a:p>
                       <a:pPr algn="l" fontAlgn="b"/>
                       <a:r>
-                        <a:rPr lang="en-US" sz="1400" b="1" i="0" u="none" strike="noStrike" kern="1200" dirty="0" smtClean="0">
+                        <a:rPr lang="en-US" sz="1400" b="1" i="0" u="none" strike="noStrike" kern="1200" dirty="0">
                           <a:solidFill>
                             <a:schemeClr val="bg1"/>
                           </a:solidFill>
@@ -22736,7 +22309,7 @@
                     <a:p>
                       <a:pPr algn="l" fontAlgn="b"/>
                       <a:r>
-                        <a:rPr lang="ru-RU" sz="1400" b="0" i="0" u="none" strike="noStrike" dirty="0" smtClean="0">
+                        <a:rPr lang="ru-RU" sz="1400" b="0" i="0" u="none" strike="noStrike" dirty="0">
                           <a:solidFill>
                             <a:schemeClr val="bg1"/>
                           </a:solidFill>
@@ -22891,7 +22464,7 @@
                     <a:p>
                       <a:pPr algn="l" fontAlgn="b"/>
                       <a:r>
-                        <a:rPr lang="en-US" sz="1400" b="1" i="0" u="none" strike="noStrike" kern="1200" dirty="0" smtClean="0">
+                        <a:rPr lang="en-US" sz="1400" b="1" i="0" u="none" strike="noStrike" kern="1200" dirty="0">
                           <a:solidFill>
                             <a:schemeClr val="bg1"/>
                           </a:solidFill>
@@ -23040,7 +22613,7 @@
                     <a:p>
                       <a:pPr algn="l" fontAlgn="b"/>
                       <a:r>
-                        <a:rPr lang="ru-RU" sz="1400" b="0" i="0" u="none" strike="noStrike" dirty="0" smtClean="0">
+                        <a:rPr lang="ru-RU" sz="1400" b="0" i="0" u="none" strike="noStrike" dirty="0">
                           <a:solidFill>
                             <a:schemeClr val="bg1"/>
                           </a:solidFill>
@@ -23122,7 +22695,7 @@
                     <a:p>
                       <a:pPr algn="l" fontAlgn="b"/>
                       <a:r>
-                        <a:rPr lang="en-US" sz="1400" b="1" i="0" u="none" strike="noStrike" dirty="0" smtClean="0">
+                        <a:rPr lang="en-US" sz="1400" b="1" i="0" u="none" strike="noStrike" dirty="0">
                           <a:solidFill>
                             <a:schemeClr val="bg1"/>
                           </a:solidFill>
@@ -23132,14 +22705,6 @@
                         </a:rPr>
                         <a:t>Allocated Bytes/sec</a:t>
                       </a:r>
-                      <a:endParaRPr lang="en-US" sz="1400" b="1" i="0" u="none" strike="noStrike" dirty="0">
-                        <a:solidFill>
-                          <a:schemeClr val="bg1"/>
-                        </a:solidFill>
-                        <a:effectLst/>
-                        <a:latin typeface="+mn-lt"/>
-                        <a:cs typeface="Consolas" panose="020B0609020204030204" pitchFamily="49" charset="0"/>
-                      </a:endParaRPr>
                     </a:p>
                   </a:txBody>
                   <a:tcPr marL="45720" marR="45720" anchor="b">
@@ -23197,7 +22762,7 @@
                     <a:p>
                       <a:pPr algn="l" fontAlgn="b"/>
                       <a:r>
-                        <a:rPr lang="ru-RU" sz="1400" b="0" i="0" u="none" strike="noStrike" dirty="0" smtClean="0">
+                        <a:rPr lang="ru-RU" sz="1400" b="0" i="0" u="none" strike="noStrike" dirty="0">
                           <a:solidFill>
                             <a:schemeClr val="bg1"/>
                           </a:solidFill>
@@ -23208,7 +22773,7 @@
                         <a:t>Скорость выделения</a:t>
                       </a:r>
                       <a:r>
-                        <a:rPr lang="ru-RU" sz="1400" b="0" i="0" u="none" strike="noStrike" baseline="0" dirty="0" smtClean="0">
+                        <a:rPr lang="ru-RU" sz="1400" b="0" i="0" u="none" strike="noStrike" baseline="0" dirty="0">
                           <a:solidFill>
                             <a:schemeClr val="bg1"/>
                           </a:solidFill>
@@ -23290,7 +22855,7 @@
                     <a:p>
                       <a:pPr algn="l" fontAlgn="b"/>
                       <a:r>
-                        <a:rPr lang="en-US" sz="1400" b="1" i="0" u="none" strike="noStrike" dirty="0" smtClean="0">
+                        <a:rPr lang="en-US" sz="1400" b="1" i="0" u="none" strike="noStrike" dirty="0">
                           <a:solidFill>
                             <a:schemeClr val="bg1"/>
                           </a:solidFill>
@@ -23300,14 +22865,6 @@
                         </a:rPr>
                         <a:t>Finalization Survivors</a:t>
                       </a:r>
-                      <a:endParaRPr lang="en-US" sz="1400" b="1" i="0" u="none" strike="noStrike" dirty="0">
-                        <a:solidFill>
-                          <a:schemeClr val="bg1"/>
-                        </a:solidFill>
-                        <a:effectLst/>
-                        <a:latin typeface="+mn-lt"/>
-                        <a:cs typeface="Consolas" panose="020B0609020204030204" pitchFamily="49" charset="0"/>
-                      </a:endParaRPr>
                     </a:p>
                   </a:txBody>
                   <a:tcPr marL="45720" marR="45720" anchor="b">
@@ -23365,7 +22922,7 @@
                     <a:p>
                       <a:pPr algn="l" fontAlgn="b"/>
                       <a:r>
-                        <a:rPr lang="ru-RU" sz="1400" b="0" i="0" u="none" strike="noStrike" dirty="0" smtClean="0">
+                        <a:rPr lang="ru-RU" sz="1400" b="0" i="0" u="none" strike="noStrike" dirty="0">
                           <a:solidFill>
                             <a:schemeClr val="bg1"/>
                           </a:solidFill>
@@ -23376,7 +22933,7 @@
                         <a:t>Сколько объектов не были удалены т.к. нужно вызывать </a:t>
                       </a:r>
                       <a:r>
-                        <a:rPr lang="en-US" sz="1400" b="0" i="0" u="none" strike="noStrike" dirty="0" smtClean="0">
+                        <a:rPr lang="en-US" sz="1400" b="0" i="0" u="none" strike="noStrike" dirty="0">
                           <a:solidFill>
                             <a:schemeClr val="bg1"/>
                           </a:solidFill>
@@ -23386,14 +22943,6 @@
                         </a:rPr>
                         <a:t>~Fin</a:t>
                       </a:r>
-                      <a:endParaRPr lang="en-US" sz="1400" b="0" i="0" u="none" strike="noStrike" dirty="0">
-                        <a:solidFill>
-                          <a:schemeClr val="bg1"/>
-                        </a:solidFill>
-                        <a:effectLst/>
-                        <a:latin typeface="+mn-lt"/>
-                        <a:cs typeface="Consolas" panose="020B0609020204030204" pitchFamily="49" charset="0"/>
-                      </a:endParaRPr>
                     </a:p>
                   </a:txBody>
                   <a:tcPr marL="45720" marR="45720" anchor="b">
@@ -23458,7 +23007,7 @@
                     <a:p>
                       <a:pPr algn="l" fontAlgn="b"/>
                       <a:r>
-                        <a:rPr lang="en-US" sz="1400" b="1" i="0" u="none" strike="noStrike" dirty="0" smtClean="0">
+                        <a:rPr lang="en-US" sz="1400" b="1" i="0" u="none" strike="noStrike" dirty="0">
                           <a:solidFill>
                             <a:schemeClr val="bg1"/>
                           </a:solidFill>
@@ -23468,14 +23017,6 @@
                         </a:rPr>
                         <a:t>Gen 0,1 Promoted Bytes/Sec</a:t>
                       </a:r>
-                      <a:endParaRPr lang="en-US" sz="1400" b="1" i="0" u="none" strike="noStrike" dirty="0">
-                        <a:solidFill>
-                          <a:schemeClr val="bg1"/>
-                        </a:solidFill>
-                        <a:effectLst/>
-                        <a:latin typeface="+mn-lt"/>
-                        <a:cs typeface="Consolas" panose="020B0609020204030204" pitchFamily="49" charset="0"/>
-                      </a:endParaRPr>
                     </a:p>
                   </a:txBody>
                   <a:tcPr marL="45720" marR="45720" anchor="b">
@@ -23533,7 +23074,7 @@
                     <a:p>
                       <a:pPr algn="l" fontAlgn="b"/>
                       <a:r>
-                        <a:rPr lang="ru-RU" sz="1400" b="0" i="0" u="none" strike="noStrike" dirty="0" smtClean="0">
+                        <a:rPr lang="ru-RU" sz="1400" b="0" i="0" u="none" strike="noStrike" dirty="0">
                           <a:solidFill>
                             <a:schemeClr val="bg1"/>
                           </a:solidFill>
@@ -23544,7 +23085,7 @@
                         <a:t>Сколько байт/сек</a:t>
                       </a:r>
                       <a:r>
-                        <a:rPr lang="ru-RU" sz="1400" b="0" i="0" u="none" strike="noStrike" baseline="0" dirty="0" smtClean="0">
+                        <a:rPr lang="ru-RU" sz="1400" b="0" i="0" u="none" strike="noStrike" baseline="0" dirty="0">
                           <a:solidFill>
                             <a:schemeClr val="bg1"/>
                           </a:solidFill>
@@ -23626,7 +23167,7 @@
                     <a:p>
                       <a:pPr algn="l" fontAlgn="b"/>
                       <a:r>
-                        <a:rPr lang="en-US" sz="1400" b="1" i="0" u="none" strike="noStrike" dirty="0" smtClean="0">
+                        <a:rPr lang="en-US" sz="1400" b="1" i="0" u="none" strike="noStrike" dirty="0">
                           <a:solidFill>
                             <a:schemeClr val="bg1"/>
                           </a:solidFill>
@@ -23636,14 +23177,6 @@
                         </a:rPr>
                         <a:t>Gen 0</a:t>
                       </a:r>
-                      <a:endParaRPr lang="en-US" sz="1400" b="1" i="0" u="none" strike="noStrike" dirty="0">
-                        <a:solidFill>
-                          <a:schemeClr val="bg1"/>
-                        </a:solidFill>
-                        <a:effectLst/>
-                        <a:latin typeface="+mn-lt"/>
-                        <a:cs typeface="Consolas" panose="020B0609020204030204" pitchFamily="49" charset="0"/>
-                      </a:endParaRPr>
                     </a:p>
                   </a:txBody>
                   <a:tcPr marL="45720" marR="45720" anchor="b">
@@ -23701,7 +23234,7 @@
                     <a:p>
                       <a:pPr algn="l" fontAlgn="b"/>
                       <a:r>
-                        <a:rPr lang="ru-RU" sz="1400" b="0" i="0" u="none" strike="noStrike" dirty="0" smtClean="0">
+                        <a:rPr lang="ru-RU" sz="1400" b="0" i="0" u="none" strike="noStrike" dirty="0">
                           <a:solidFill>
                             <a:schemeClr val="bg1"/>
                           </a:solidFill>
@@ -23712,7 +23245,7 @@
                         <a:t>Максимальный размер поколения</a:t>
                       </a:r>
                       <a:r>
-                        <a:rPr lang="en-US" sz="1400" b="0" i="0" u="none" strike="noStrike" baseline="0" dirty="0" smtClean="0">
+                        <a:rPr lang="en-US" sz="1400" b="0" i="0" u="none" strike="noStrike" baseline="0" dirty="0">
                           <a:solidFill>
                             <a:schemeClr val="bg1"/>
                           </a:solidFill>
@@ -23810,7 +23343,7 @@
                         <a:defRPr/>
                       </a:pPr>
                       <a:r>
-                        <a:rPr lang="en-US" sz="1400" b="1" i="0" u="none" strike="noStrike" dirty="0" smtClean="0">
+                        <a:rPr lang="en-US" sz="1400" b="1" i="0" u="none" strike="noStrike" dirty="0">
                           <a:solidFill>
                             <a:schemeClr val="bg1"/>
                           </a:solidFill>
@@ -23820,19 +23353,8 @@
                         </a:rPr>
                         <a:t>Gen 1,2 heap size</a:t>
                       </a:r>
-                      <a:r>
-                        <a:rPr lang="ru-RU" sz="1400" b="1" i="0" u="none" strike="noStrike" dirty="0" smtClean="0">
-                          <a:solidFill>
-                            <a:schemeClr val="bg1"/>
-                          </a:solidFill>
-                          <a:effectLst/>
-                          <a:latin typeface="+mn-lt"/>
-                          <a:cs typeface="Consolas" panose="020B0609020204030204" pitchFamily="49" charset="0"/>
-                        </a:rPr>
-                        <a:t/>
-                      </a:r>
                       <a:br>
-                        <a:rPr lang="ru-RU" sz="1400" b="1" i="0" u="none" strike="noStrike" dirty="0" smtClean="0">
+                        <a:rPr lang="ru-RU" sz="1400" b="1" i="0" u="none" strike="noStrike" dirty="0">
                           <a:solidFill>
                             <a:schemeClr val="bg1"/>
                           </a:solidFill>
@@ -23842,7 +23364,7 @@
                         </a:rPr>
                       </a:br>
                       <a:r>
-                        <a:rPr lang="en-US" sz="1400" b="1" i="0" u="none" strike="noStrike" dirty="0" smtClean="0">
+                        <a:rPr lang="en-US" sz="1400" b="1" i="0" u="none" strike="noStrike" dirty="0">
                           <a:solidFill>
                             <a:schemeClr val="bg1"/>
                           </a:solidFill>
@@ -23852,14 +23374,6 @@
                         </a:rPr>
                         <a:t>Large Object Heap size</a:t>
                       </a:r>
-                      <a:endParaRPr lang="en-US" sz="1400" b="1" i="0" u="none" strike="noStrike" dirty="0">
-                        <a:solidFill>
-                          <a:schemeClr val="bg1"/>
-                        </a:solidFill>
-                        <a:effectLst/>
-                        <a:latin typeface="+mn-lt"/>
-                        <a:cs typeface="Consolas" panose="020B0609020204030204" pitchFamily="49" charset="0"/>
-                      </a:endParaRPr>
                     </a:p>
                   </a:txBody>
                   <a:tcPr marL="45720" marR="45720" anchor="b">
@@ -23917,7 +23431,7 @@
                     <a:p>
                       <a:pPr algn="l" fontAlgn="b"/>
                       <a:r>
-                        <a:rPr lang="ru-RU" sz="1400" b="0" i="0" u="none" strike="noStrike" dirty="0" smtClean="0">
+                        <a:rPr lang="ru-RU" sz="1400" b="0" i="0" u="none" strike="noStrike" dirty="0">
                           <a:solidFill>
                             <a:schemeClr val="bg1"/>
                           </a:solidFill>
@@ -23928,7 +23442,7 @@
                         <a:t>Текущее</a:t>
                       </a:r>
                       <a:r>
-                        <a:rPr lang="ru-RU" sz="1400" b="0" i="0" u="none" strike="noStrike" baseline="0" dirty="0" smtClean="0">
+                        <a:rPr lang="ru-RU" sz="1400" b="0" i="0" u="none" strike="noStrike" baseline="0" dirty="0">
                           <a:solidFill>
                             <a:schemeClr val="bg1"/>
                           </a:solidFill>
@@ -23939,7 +23453,7 @@
                         <a:t> кол-во байтов в поколениях 1</a:t>
                       </a:r>
                       <a:r>
-                        <a:rPr lang="en-US" sz="1400" b="0" i="0" u="none" strike="noStrike" baseline="0" dirty="0" smtClean="0">
+                        <a:rPr lang="en-US" sz="1400" b="0" i="0" u="none" strike="noStrike" baseline="0" dirty="0">
                           <a:solidFill>
                             <a:schemeClr val="bg1"/>
                           </a:solidFill>
@@ -23950,7 +23464,7 @@
                         <a:t> </a:t>
                       </a:r>
                       <a:r>
-                        <a:rPr lang="ru-RU" sz="1400" b="0" i="0" u="none" strike="noStrike" baseline="0" dirty="0" smtClean="0">
+                        <a:rPr lang="ru-RU" sz="1400" b="0" i="0" u="none" strike="noStrike" baseline="0" dirty="0">
                           <a:solidFill>
                             <a:schemeClr val="bg1"/>
                           </a:solidFill>
@@ -23961,7 +23475,7 @@
                         <a:t>и 2, а также </a:t>
                       </a:r>
                       <a:r>
-                        <a:rPr lang="en-US" sz="1400" b="0" i="0" u="none" strike="noStrike" baseline="0" dirty="0" smtClean="0">
+                        <a:rPr lang="en-US" sz="1400" b="0" i="0" u="none" strike="noStrike" baseline="0" dirty="0">
                           <a:solidFill>
                             <a:schemeClr val="bg1"/>
                           </a:solidFill>
@@ -24043,7 +23557,7 @@
                     <a:p>
                       <a:pPr algn="l" fontAlgn="b"/>
                       <a:r>
-                        <a:rPr lang="en-US" sz="1400" b="1" i="0" u="none" strike="noStrike" dirty="0" smtClean="0">
+                        <a:rPr lang="en-US" sz="1400" b="1" i="0" u="none" strike="noStrike" dirty="0">
                           <a:solidFill>
                             <a:schemeClr val="bg1"/>
                           </a:solidFill>
@@ -24053,14 +23567,6 @@
                         </a:rPr>
                         <a:t>Promoted Finalization-Memory from Gen 0</a:t>
                       </a:r>
-                      <a:endParaRPr lang="en-US" sz="1400" b="1" i="0" u="none" strike="noStrike" dirty="0">
-                        <a:solidFill>
-                          <a:schemeClr val="bg1"/>
-                        </a:solidFill>
-                        <a:effectLst/>
-                        <a:latin typeface="+mn-lt"/>
-                        <a:cs typeface="Consolas" panose="020B0609020204030204" pitchFamily="49" charset="0"/>
-                      </a:endParaRPr>
                     </a:p>
                   </a:txBody>
                   <a:tcPr marL="45720" marR="45720" anchor="b">
@@ -24118,7 +23624,7 @@
                     <a:p>
                       <a:pPr algn="l" fontAlgn="b"/>
                       <a:r>
-                        <a:rPr lang="ru-RU" sz="1400" b="0" i="0" u="none" strike="noStrike" dirty="0" smtClean="0">
+                        <a:rPr lang="ru-RU" sz="1400" b="0" i="0" u="none" strike="noStrike" dirty="0">
                           <a:solidFill>
                             <a:schemeClr val="bg1"/>
                           </a:solidFill>
@@ -24129,7 +23635,7 @@
                         <a:t>Сколько байтов перешло из 0 в 1 т.к. нужен вызов </a:t>
                       </a:r>
                       <a:r>
-                        <a:rPr lang="en-US" sz="1400" b="0" i="0" u="none" strike="noStrike" dirty="0" smtClean="0">
+                        <a:rPr lang="en-US" sz="1400" b="0" i="0" u="none" strike="noStrike" dirty="0">
                           <a:solidFill>
                             <a:schemeClr val="bg1"/>
                           </a:solidFill>
@@ -24139,14 +23645,6 @@
                         </a:rPr>
                         <a:t>~Fin</a:t>
                       </a:r>
-                      <a:endParaRPr lang="en-US" sz="1400" b="0" i="0" u="none" strike="noStrike" dirty="0">
-                        <a:solidFill>
-                          <a:schemeClr val="bg1"/>
-                        </a:solidFill>
-                        <a:effectLst/>
-                        <a:latin typeface="+mn-lt"/>
-                        <a:cs typeface="Consolas" panose="020B0609020204030204" pitchFamily="49" charset="0"/>
-                      </a:endParaRPr>
                     </a:p>
                   </a:txBody>
                   <a:tcPr marL="45720" marR="45720" anchor="b">
@@ -24211,7 +23709,7 @@
                     <a:p>
                       <a:pPr algn="l" fontAlgn="b"/>
                       <a:r>
-                        <a:rPr lang="en-US" sz="1400" b="1" i="0" u="none" strike="noStrike" dirty="0" smtClean="0">
+                        <a:rPr lang="en-US" sz="1400" b="1" i="0" u="none" strike="noStrike" dirty="0">
                           <a:solidFill>
                             <a:schemeClr val="bg1"/>
                           </a:solidFill>
@@ -24221,14 +23719,6 @@
                         </a:rPr>
                         <a:t>Promoted Memory from Gen 0, 1</a:t>
                       </a:r>
-                      <a:endParaRPr lang="en-US" sz="1400" b="1" i="0" u="none" strike="noStrike" dirty="0">
-                        <a:solidFill>
-                          <a:schemeClr val="bg1"/>
-                        </a:solidFill>
-                        <a:effectLst/>
-                        <a:latin typeface="+mn-lt"/>
-                        <a:cs typeface="Consolas" panose="020B0609020204030204" pitchFamily="49" charset="0"/>
-                      </a:endParaRPr>
                     </a:p>
                   </a:txBody>
                   <a:tcPr marL="45720" marR="45720" anchor="b">
@@ -24286,7 +23776,7 @@
                     <a:p>
                       <a:pPr algn="l" fontAlgn="b"/>
                       <a:r>
-                        <a:rPr lang="ru-RU" sz="1400" b="0" i="0" u="none" strike="noStrike" dirty="0" smtClean="0">
+                        <a:rPr lang="ru-RU" sz="1400" b="0" i="0" u="none" strike="noStrike" dirty="0">
                           <a:solidFill>
                             <a:schemeClr val="bg1"/>
                           </a:solidFill>
@@ -24297,7 +23787,7 @@
                         <a:t>Сколько байтов пережило </a:t>
                       </a:r>
                       <a:r>
-                        <a:rPr lang="en-US" sz="1400" b="0" i="0" u="none" strike="noStrike" dirty="0" smtClean="0">
+                        <a:rPr lang="en-US" sz="1400" b="0" i="0" u="none" strike="noStrike" dirty="0">
                           <a:solidFill>
                             <a:schemeClr val="bg1"/>
                           </a:solidFill>
@@ -24308,7 +23798,7 @@
                         <a:t>GC</a:t>
                       </a:r>
                       <a:r>
-                        <a:rPr lang="ru-RU" sz="1400" b="0" i="0" u="none" strike="noStrike" baseline="0" dirty="0" smtClean="0">
+                        <a:rPr lang="ru-RU" sz="1400" b="0" i="0" u="none" strike="noStrike" baseline="0" dirty="0">
                           <a:solidFill>
                             <a:schemeClr val="bg1"/>
                           </a:solidFill>
@@ -24396,13 +23886,6 @@
   <p:clrMapOvr>
     <a:masterClrMapping/>
   </p:clrMapOvr>
-  <p:timing>
-    <p:tnLst>
-      <p:par>
-        <p:cTn id="1" dur="indefinite" restart="never" nodeType="tmRoot"/>
-      </p:par>
-    </p:tnLst>
-  </p:timing>
 </p:sld>
 </file>
 
@@ -24441,11 +23924,11 @@
           <a:lstStyle/>
           <a:p>
             <a:r>
-              <a:rPr lang="ru-RU" dirty="0" smtClean="0"/>
+              <a:rPr lang="ru-RU" dirty="0"/>
               <a:t>Анализ используемой памяти средствами </a:t>
             </a:r>
             <a:r>
-              <a:rPr lang="en-US" dirty="0" smtClean="0"/>
+              <a:rPr lang="en-US" dirty="0"/>
               <a:t>Visual Studio</a:t>
             </a:r>
             <a:endParaRPr lang="ru-RU" dirty="0"/>
@@ -24471,15 +23954,15 @@
               <a:buNone/>
             </a:pPr>
             <a:r>
-              <a:rPr lang="ru-RU" dirty="0" smtClean="0"/>
+              <a:rPr lang="ru-RU" dirty="0"/>
               <a:t>В </a:t>
             </a:r>
             <a:r>
-              <a:rPr lang="en-US" dirty="0" smtClean="0"/>
+              <a:rPr lang="en-US" dirty="0"/>
               <a:t>Visual Studio </a:t>
             </a:r>
             <a:r>
-              <a:rPr lang="ru-RU" dirty="0" smtClean="0"/>
+              <a:rPr lang="ru-RU" dirty="0"/>
               <a:t>встроено средство для профилирования кода с точки зрения использования процессора или памяти.</a:t>
             </a:r>
           </a:p>
@@ -24494,42 +23977,33 @@
               <a:buNone/>
             </a:pPr>
             <a:r>
-              <a:rPr lang="ru-RU" dirty="0" smtClean="0"/>
+              <a:rPr lang="ru-RU" dirty="0"/>
               <a:t>Меню </a:t>
             </a:r>
             <a:r>
-              <a:rPr lang="en-US" dirty="0" smtClean="0"/>
-              <a:t>Analyze </a:t>
-            </a:r>
-            <a:r>
               <a:rPr lang="en-US" dirty="0"/>
-              <a:t>-&gt; </a:t>
-            </a:r>
-            <a:r>
-              <a:rPr lang="en-US" dirty="0" smtClean="0"/>
-              <a:t>Launch </a:t>
-            </a:r>
-            <a:r>
-              <a:rPr lang="en-US" dirty="0" err="1" smtClean="0"/>
+              <a:t>Analyze -&gt; Launch </a:t>
+            </a:r>
+            <a:r>
+              <a:rPr lang="en-US" dirty="0" err="1"/>
               <a:t>Perfomance</a:t>
             </a:r>
             <a:r>
-              <a:rPr lang="en-US" dirty="0" smtClean="0"/>
+              <a:rPr lang="en-US" dirty="0"/>
               <a:t> Wizard. </a:t>
             </a:r>
             <a:r>
-              <a:rPr lang="ru-RU" dirty="0" smtClean="0"/>
+              <a:rPr lang="ru-RU" dirty="0"/>
               <a:t>В диалоге выбираем «</a:t>
             </a:r>
             <a:r>
-              <a:rPr lang="en-US" dirty="0" smtClean="0"/>
+              <a:rPr lang="en-US" dirty="0"/>
               <a:t>.NET Memory Allocation (Sampling)</a:t>
             </a:r>
             <a:r>
-              <a:rPr lang="ru-RU" dirty="0" smtClean="0"/>
+              <a:rPr lang="ru-RU" dirty="0"/>
               <a:t>»</a:t>
             </a:r>
-            <a:endParaRPr lang="ru-RU" dirty="0"/>
           </a:p>
         </p:txBody>
       </p:sp>
@@ -24543,13 +24017,6 @@
   <p:clrMapOvr>
     <a:masterClrMapping/>
   </p:clrMapOvr>
-  <p:timing>
-    <p:tnLst>
-      <p:par>
-        <p:cTn id="1" dur="indefinite" restart="never" nodeType="tmRoot"/>
-      </p:par>
-    </p:tnLst>
-  </p:timing>
 </p:sld>
 </file>
 
@@ -24586,7 +24053,7 @@
           <a:lstStyle/>
           <a:p>
             <a:r>
-              <a:rPr lang="ru-RU" dirty="0" smtClean="0"/>
+              <a:rPr lang="ru-RU" dirty="0"/>
               <a:t>Литература</a:t>
             </a:r>
             <a:endParaRPr lang="en-US" dirty="0"/>
@@ -24622,13 +24089,6 @@
   <p:clrMapOvr>
     <a:masterClrMapping/>
   </p:clrMapOvr>
-  <p:timing>
-    <p:tnLst>
-      <p:par>
-        <p:cTn id="1" dur="indefinite" restart="never" nodeType="tmRoot"/>
-      </p:par>
-    </p:tnLst>
-  </p:timing>
 </p:sld>
 </file>
 
@@ -24673,34 +24133,22 @@
           <a:p>
             <a:r>
               <a:rPr lang="en-US" sz="3200" dirty="0"/>
-              <a:t>Under the Hood of .NET Memory </a:t>
-            </a:r>
-            <a:r>
-              <a:rPr lang="en-US" sz="3200" dirty="0" smtClean="0"/>
-              <a:t>Management</a:t>
-            </a:r>
-            <a:r>
-              <a:rPr lang="ru-RU" sz="3200" dirty="0" smtClean="0"/>
-              <a:t/>
+              <a:t>Under the Hood of .NET Memory Management</a:t>
             </a:r>
             <a:br>
-              <a:rPr lang="ru-RU" sz="3200" dirty="0" smtClean="0"/>
+              <a:rPr lang="ru-RU" sz="3200" dirty="0"/>
             </a:br>
             <a:r>
               <a:rPr lang="en-US" sz="3200" dirty="0"/>
               <a:t>Chris Farrell </a:t>
             </a:r>
             <a:r>
-              <a:rPr lang="ru-RU" sz="3200" dirty="0" smtClean="0"/>
+              <a:rPr lang="ru-RU" sz="3200" dirty="0"/>
               <a:t>и</a:t>
             </a:r>
             <a:r>
-              <a:rPr lang="en-US" sz="3200" dirty="0" smtClean="0"/>
-              <a:t> </a:t>
-            </a:r>
-            <a:r>
               <a:rPr lang="en-US" sz="3200" dirty="0"/>
-              <a:t>Nick Harrison</a:t>
+              <a:t> Nick Harrison</a:t>
             </a:r>
           </a:p>
         </p:txBody>
@@ -24732,15 +24180,9 @@
               <a:rPr lang="en-US" dirty="0">
                 <a:hlinkClick r:id="rId2"/>
               </a:rPr>
-              <a:t>https://</a:t>
-            </a:r>
-            <a:r>
-              <a:rPr lang="en-US" dirty="0" smtClean="0">
-                <a:hlinkClick r:id="rId2"/>
-              </a:rPr>
-              <a:t>www.red-gate.com/library/under-the-hood-of-net-memory-management</a:t>
-            </a:r>
-            <a:endParaRPr lang="ru-RU" dirty="0" smtClean="0"/>
+              <a:t>https://www.red-gate.com/library/under-the-hood-of-net-memory-management</a:t>
+            </a:r>
+            <a:endParaRPr lang="ru-RU" dirty="0"/>
           </a:p>
           <a:p>
             <a:pPr marL="0" indent="0">
@@ -24790,13 +24232,6 @@
   <p:clrMapOvr>
     <a:masterClrMapping/>
   </p:clrMapOvr>
-  <p:timing>
-    <p:tnLst>
-      <p:par>
-        <p:cTn id="1" dur="indefinite" restart="never" nodeType="tmRoot"/>
-      </p:par>
-    </p:tnLst>
-  </p:timing>
 </p:sld>
 </file>
 
@@ -24866,36 +24301,20 @@
               <a:rPr lang="en-US" sz="2400" dirty="0">
                 <a:hlinkClick r:id="rId2"/>
               </a:rPr>
-              <a:t>https://</a:t>
-            </a:r>
-            <a:r>
-              <a:rPr lang="en-US" sz="2400" dirty="0" smtClean="0">
-                <a:hlinkClick r:id="rId2"/>
-              </a:rPr>
-              <a:t>msdn.microsoft.com/magazine/jj863136</a:t>
+              <a:t>https://msdn.microsoft.com/magazine/jj863136</a:t>
             </a:r>
             <a:endParaRPr lang="en-US" sz="2400" dirty="0"/>
           </a:p>
           <a:p>
             <a:r>
-              <a:rPr lang="en-US" sz="2400" dirty="0" smtClean="0"/>
-              <a:t>Part </a:t>
-            </a:r>
-            <a:r>
               <a:rPr lang="en-US" sz="2400" dirty="0"/>
-              <a:t>2: </a:t>
+              <a:t>Part 2: </a:t>
             </a:r>
             <a:r>
               <a:rPr lang="en-US" sz="2400" dirty="0">
                 <a:hlinkClick r:id="rId3"/>
               </a:rPr>
-              <a:t>https://</a:t>
-            </a:r>
-            <a:r>
-              <a:rPr lang="en-US" sz="2400" dirty="0" smtClean="0">
-                <a:hlinkClick r:id="rId3"/>
-              </a:rPr>
-              <a:t>msdn.microsoft.com/magazine/jj883956</a:t>
+              <a:t>https://msdn.microsoft.com/magazine/jj883956</a:t>
             </a:r>
             <a:endParaRPr lang="en-US" sz="2400" dirty="0"/>
           </a:p>
@@ -24911,13 +24330,6 @@
   <p:clrMapOvr>
     <a:masterClrMapping/>
   </p:clrMapOvr>
-  <p:timing>
-    <p:tnLst>
-      <p:par>
-        <p:cTn id="1" dur="indefinite" restart="never" nodeType="tmRoot"/>
-      </p:par>
-    </p:tnLst>
-  </p:timing>
 </p:sld>
 </file>
 
@@ -24956,19 +24368,19 @@
           <a:lstStyle/>
           <a:p>
             <a:r>
-              <a:rPr lang="ru-RU" sz="3200" dirty="0" smtClean="0"/>
+              <a:rPr lang="ru-RU" sz="3200" dirty="0"/>
               <a:t>Упаковка </a:t>
             </a:r>
             <a:r>
-              <a:rPr lang="en-US" sz="3200" dirty="0" smtClean="0"/>
+              <a:rPr lang="en-US" sz="3200" dirty="0"/>
               <a:t>(boxing) </a:t>
             </a:r>
             <a:r>
-              <a:rPr lang="ru-RU" sz="3200" dirty="0" smtClean="0"/>
+              <a:rPr lang="ru-RU" sz="3200" dirty="0"/>
               <a:t>и распаковка </a:t>
             </a:r>
             <a:r>
-              <a:rPr lang="en-US" sz="3200" dirty="0" smtClean="0"/>
+              <a:rPr lang="en-US" sz="3200" dirty="0"/>
               <a:t>(unboxing)</a:t>
             </a:r>
             <a:endParaRPr lang="ru-RU" sz="3200" dirty="0"/>
@@ -25001,86 +24413,85 @@
               <a:buNone/>
             </a:pPr>
             <a:r>
-              <a:rPr lang="ru-RU" sz="2400" dirty="0" smtClean="0"/>
+              <a:rPr lang="ru-RU" sz="2400" dirty="0"/>
               <a:t>В </a:t>
             </a:r>
             <a:r>
-              <a:rPr lang="en-US" sz="2400" dirty="0" smtClean="0"/>
+              <a:rPr lang="en-US" sz="2400" dirty="0"/>
               <a:t>.NET </a:t>
             </a:r>
             <a:r>
-              <a:rPr lang="ru-RU" sz="2400" dirty="0" smtClean="0"/>
+              <a:rPr lang="ru-RU" sz="2400" dirty="0"/>
               <a:t>все типы являются наследниками от ссылочного типа </a:t>
             </a:r>
             <a:r>
-              <a:rPr lang="en-US" sz="2400" dirty="0" err="1" smtClean="0"/>
+              <a:rPr lang="en-US" sz="2400" dirty="0" err="1"/>
               <a:t>System.Object</a:t>
             </a:r>
             <a:r>
-              <a:rPr lang="ru-RU" sz="2400" dirty="0" smtClean="0"/>
+              <a:rPr lang="ru-RU" sz="2400" dirty="0"/>
               <a:t>. В том числе и </a:t>
             </a:r>
             <a:r>
-              <a:rPr lang="en-US" sz="2400" dirty="0" smtClean="0"/>
+              <a:rPr lang="en-US" sz="2400" dirty="0"/>
               <a:t>value </a:t>
             </a:r>
             <a:r>
-              <a:rPr lang="ru-RU" sz="2400" dirty="0" smtClean="0"/>
+              <a:rPr lang="ru-RU" sz="2400" dirty="0"/>
               <a:t>типы, такие как </a:t>
             </a:r>
             <a:r>
-              <a:rPr lang="en-US" sz="2400" dirty="0" err="1" smtClean="0"/>
+              <a:rPr lang="en-US" sz="2400" dirty="0" err="1"/>
               <a:t>int</a:t>
             </a:r>
             <a:r>
-              <a:rPr lang="en-US" sz="2400" dirty="0" smtClean="0"/>
+              <a:rPr lang="en-US" sz="2400" dirty="0"/>
               <a:t>, double, </a:t>
             </a:r>
             <a:r>
-              <a:rPr lang="en-US" sz="2400" dirty="0" err="1" smtClean="0"/>
+              <a:rPr lang="en-US" sz="2400" dirty="0" err="1"/>
               <a:t>DateTime</a:t>
             </a:r>
             <a:r>
-              <a:rPr lang="en-US" sz="2400" dirty="0" smtClean="0"/>
+              <a:rPr lang="en-US" sz="2400" dirty="0"/>
               <a:t> </a:t>
             </a:r>
             <a:r>
-              <a:rPr lang="ru-RU" sz="2400" dirty="0" smtClean="0"/>
+              <a:rPr lang="ru-RU" sz="2400" dirty="0"/>
               <a:t>и другие</a:t>
             </a:r>
             <a:r>
-              <a:rPr lang="en-US" sz="2400" dirty="0" smtClean="0"/>
+              <a:rPr lang="en-US" sz="2400" dirty="0"/>
               <a:t>. </a:t>
             </a:r>
             <a:r>
-              <a:rPr lang="ru-RU" sz="2400" dirty="0" smtClean="0"/>
+              <a:rPr lang="ru-RU" sz="2400" dirty="0"/>
               <a:t>Следовательно можно привести значение</a:t>
             </a:r>
             <a:r>
-              <a:rPr lang="en-US" sz="2400" dirty="0" smtClean="0"/>
+              <a:rPr lang="en-US" sz="2400" dirty="0"/>
               <a:t> value</a:t>
             </a:r>
             <a:r>
-              <a:rPr lang="ru-RU" sz="2400" dirty="0" smtClean="0"/>
+              <a:rPr lang="ru-RU" sz="2400" dirty="0"/>
               <a:t>-типа к типу </a:t>
             </a:r>
             <a:r>
-              <a:rPr lang="en-US" sz="2400" dirty="0" smtClean="0"/>
+              <a:rPr lang="en-US" sz="2400" dirty="0"/>
               <a:t>object. </a:t>
             </a:r>
             <a:r>
-              <a:rPr lang="ru-RU" sz="2400" dirty="0" smtClean="0"/>
+              <a:rPr lang="ru-RU" sz="2400" dirty="0"/>
               <a:t>Этот процесс называется «упаковкой» и в результате копия значения </a:t>
             </a:r>
             <a:r>
-              <a:rPr lang="en-US" sz="2400" dirty="0" smtClean="0"/>
+              <a:rPr lang="en-US" sz="2400" dirty="0"/>
               <a:t>value</a:t>
             </a:r>
             <a:r>
-              <a:rPr lang="ru-RU" sz="2400" dirty="0" smtClean="0"/>
+              <a:rPr lang="ru-RU" sz="2400" dirty="0"/>
               <a:t>-типа оказывается в управляемой куче. Обратный процесс называется «распаковкой». Следует стремиться к избавлению от упаковок/распаковок т.к. они снижают производительность.</a:t>
             </a:r>
-            <a:endParaRPr lang="ru-RU" sz="2400" dirty="0"/>
           </a:p>
         </p:txBody>
       </p:sp>
@@ -25335,13 +24746,6 @@
   <p:clrMapOvr>
     <a:masterClrMapping/>
   </p:clrMapOvr>
-  <p:timing>
-    <p:tnLst>
-      <p:par>
-        <p:cTn id="1" dur="indefinite" restart="never" nodeType="tmRoot"/>
-      </p:par>
-    </p:tnLst>
-  </p:timing>
 </p:sld>
 </file>
 
@@ -25378,10 +24782,9 @@
           <a:lstStyle/>
           <a:p>
             <a:r>
-              <a:rPr lang="ru-RU" dirty="0" smtClean="0"/>
+              <a:rPr lang="ru-RU" dirty="0"/>
               <a:t>Примеры упаковки</a:t>
             </a:r>
-            <a:endParaRPr lang="ru-RU" dirty="0"/>
           </a:p>
         </p:txBody>
       </p:sp>
@@ -26161,13 +25564,6 @@
   <p:clrMapOvr>
     <a:masterClrMapping/>
   </p:clrMapOvr>
-  <p:timing>
-    <p:tnLst>
-      <p:par>
-        <p:cTn id="1" dur="indefinite" restart="never" nodeType="tmRoot"/>
-      </p:par>
-    </p:tnLst>
-  </p:timing>
 </p:sld>
 </file>
 
@@ -26206,11 +25602,11 @@
           <a:lstStyle/>
           <a:p>
             <a:r>
-              <a:rPr lang="ru-RU" sz="3600" dirty="0" smtClean="0"/>
+              <a:rPr lang="ru-RU" sz="3600" dirty="0"/>
               <a:t>Выделение памяти на стеке: </a:t>
             </a:r>
             <a:r>
-              <a:rPr lang="en-US" sz="3600" dirty="0" err="1" smtClean="0"/>
+              <a:rPr lang="en-US" sz="3600" dirty="0" err="1"/>
               <a:t>stackalloc</a:t>
             </a:r>
             <a:endParaRPr lang="ru-RU" sz="3600" dirty="0"/>
@@ -26238,54 +25634,54 @@
               <a:buNone/>
             </a:pPr>
             <a:r>
-              <a:rPr lang="ru-RU" dirty="0" smtClean="0"/>
+              <a:rPr lang="ru-RU" dirty="0"/>
               <a:t>С помощью ключевого слова </a:t>
             </a:r>
             <a:r>
-              <a:rPr lang="en-US" dirty="0" err="1" smtClean="0"/>
+              <a:rPr lang="en-US" dirty="0" err="1"/>
               <a:t>stackalloc</a:t>
             </a:r>
             <a:r>
-              <a:rPr lang="en-US" dirty="0" smtClean="0"/>
+              <a:rPr lang="en-US" dirty="0"/>
               <a:t> </a:t>
             </a:r>
             <a:r>
-              <a:rPr lang="ru-RU" dirty="0" smtClean="0"/>
+              <a:rPr lang="ru-RU" dirty="0"/>
               <a:t>можно выделять память </a:t>
             </a:r>
             <a:r>
-              <a:rPr lang="ru-RU" smtClean="0"/>
+              <a:rPr lang="ru-RU"/>
               <a:t>на стеке что может улучшить производительность:</a:t>
             </a:r>
-            <a:endParaRPr lang="ru-RU" dirty="0" smtClean="0"/>
-          </a:p>
-          <a:p>
-            <a:r>
-              <a:rPr lang="ru-RU" dirty="0" smtClean="0"/>
+            <a:endParaRPr lang="ru-RU" dirty="0"/>
+          </a:p>
+          <a:p>
+            <a:r>
+              <a:rPr lang="ru-RU" dirty="0"/>
               <a:t>Меньшая нагрузка на </a:t>
             </a:r>
             <a:r>
-              <a:rPr lang="en-US" dirty="0" smtClean="0"/>
+              <a:rPr lang="en-US" dirty="0"/>
               <a:t>GC</a:t>
             </a:r>
           </a:p>
           <a:p>
             <a:r>
-              <a:rPr lang="ru-RU" dirty="0" smtClean="0"/>
+              <a:rPr lang="ru-RU" dirty="0"/>
               <a:t>Память освобождается при выходе из метода</a:t>
             </a:r>
           </a:p>
           <a:p>
             <a:r>
-              <a:rPr lang="ru-RU" dirty="0" smtClean="0"/>
+              <a:rPr lang="ru-RU" dirty="0"/>
               <a:t>Улучшенная «локальность» </a:t>
             </a:r>
             <a:r>
-              <a:rPr lang="en-US" dirty="0" smtClean="0"/>
+              <a:rPr lang="en-US" dirty="0"/>
               <a:t>(locality) </a:t>
             </a:r>
             <a:r>
-              <a:rPr lang="ru-RU" dirty="0" smtClean="0"/>
+              <a:rPr lang="ru-RU" dirty="0"/>
               <a:t>данных для кеша процессора</a:t>
             </a:r>
           </a:p>
@@ -26297,26 +25693,25 @@
               <a:buNone/>
             </a:pPr>
             <a:r>
-              <a:rPr lang="en-US" dirty="0" err="1" smtClean="0"/>
+              <a:rPr lang="en-US" dirty="0" err="1"/>
               <a:t>stackalloc</a:t>
             </a:r>
             <a:r>
-              <a:rPr lang="en-US" dirty="0" smtClean="0"/>
+              <a:rPr lang="en-US" dirty="0"/>
               <a:t> </a:t>
             </a:r>
             <a:r>
-              <a:rPr lang="ru-RU" dirty="0" smtClean="0"/>
+              <a:rPr lang="ru-RU" dirty="0"/>
               <a:t>можно использовать только в </a:t>
             </a:r>
             <a:r>
-              <a:rPr lang="en-US" dirty="0" smtClean="0"/>
+              <a:rPr lang="en-US" dirty="0"/>
               <a:t>unsafe </a:t>
             </a:r>
             <a:r>
-              <a:rPr lang="ru-RU" dirty="0" smtClean="0"/>
+              <a:rPr lang="ru-RU" dirty="0"/>
               <a:t>контексте.</a:t>
             </a:r>
-            <a:endParaRPr lang="ru-RU" dirty="0"/>
           </a:p>
         </p:txBody>
       </p:sp>
@@ -26330,13 +25725,6 @@
   <p:clrMapOvr>
     <a:masterClrMapping/>
   </p:clrMapOvr>
-  <p:timing>
-    <p:tnLst>
-      <p:par>
-        <p:cTn id="1" dur="indefinite" restart="never" nodeType="tmRoot"/>
-      </p:par>
-    </p:tnLst>
-  </p:timing>
 </p:sld>
 </file>
 
@@ -26373,10 +25761,9 @@
           <a:lstStyle/>
           <a:p>
             <a:r>
-              <a:rPr lang="ru-RU" dirty="0" smtClean="0"/>
+              <a:rPr lang="ru-RU" dirty="0"/>
               <a:t>Сборщик мусора</a:t>
             </a:r>
-            <a:endParaRPr lang="ru-RU" dirty="0"/>
           </a:p>
         </p:txBody>
       </p:sp>
@@ -26409,13 +25796,6 @@
   <p:clrMapOvr>
     <a:masterClrMapping/>
   </p:clrMapOvr>
-  <p:timing>
-    <p:tnLst>
-      <p:par>
-        <p:cTn id="1" dur="indefinite" restart="never" nodeType="tmRoot"/>
-      </p:par>
-    </p:tnLst>
-  </p:timing>
 </p:sld>
 </file>
 
@@ -26452,10 +25832,9 @@
           <a:lstStyle/>
           <a:p>
             <a:r>
-              <a:rPr lang="ru-RU" dirty="0" smtClean="0"/>
+              <a:rPr lang="ru-RU" dirty="0"/>
               <a:t>Общий алгоритм</a:t>
             </a:r>
-            <a:endParaRPr lang="ru-RU" dirty="0"/>
           </a:p>
         </p:txBody>
       </p:sp>
@@ -26482,83 +25861,77 @@
           <a:lstStyle/>
           <a:p>
             <a:r>
-              <a:rPr lang="ru-RU" sz="2800" dirty="0" smtClean="0"/>
+              <a:rPr lang="ru-RU" sz="2800" dirty="0"/>
               <a:t>Поставить на паузу все потоки процесса (</a:t>
             </a:r>
             <a:r>
-              <a:rPr lang="en-US" sz="2800" dirty="0" smtClean="0"/>
+              <a:rPr lang="en-US" sz="2800" dirty="0"/>
               <a:t>non-concurrent </a:t>
             </a:r>
             <a:r>
               <a:rPr lang="ru-RU" sz="2800" dirty="0"/>
-              <a:t>режим) </a:t>
-            </a:r>
-            <a:r>
-              <a:rPr lang="ru-RU" sz="2800" dirty="0" smtClean="0"/>
-              <a:t>или только часть из них (</a:t>
-            </a:r>
-            <a:r>
-              <a:rPr lang="en-US" sz="2800" dirty="0" smtClean="0"/>
+              <a:t>режим) или только часть из них (</a:t>
+            </a:r>
+            <a:r>
+              <a:rPr lang="en-US" sz="2800" dirty="0"/>
               <a:t>concurrent </a:t>
             </a:r>
             <a:r>
               <a:rPr lang="ru-RU" sz="2800" dirty="0"/>
               <a:t>режим)</a:t>
             </a:r>
-            <a:endParaRPr lang="ru-RU" sz="2800" dirty="0" smtClean="0"/>
-          </a:p>
-          <a:p>
-            <a:r>
-              <a:rPr lang="ru-RU" sz="2800" dirty="0" smtClean="0"/>
+          </a:p>
+          <a:p>
+            <a:r>
+              <a:rPr lang="ru-RU" sz="2800" dirty="0"/>
               <a:t>Определить какие объекты достижимы начиная с «корней» (</a:t>
             </a:r>
             <a:r>
-              <a:rPr lang="en-US" sz="2800" dirty="0" smtClean="0"/>
+              <a:rPr lang="en-US" sz="2800" dirty="0"/>
               <a:t>roots)</a:t>
             </a:r>
           </a:p>
           <a:p>
             <a:r>
-              <a:rPr lang="ru-RU" sz="2800" dirty="0" smtClean="0"/>
+              <a:rPr lang="ru-RU" sz="2800" dirty="0"/>
               <a:t>Недостижимые объекты – мусор!</a:t>
             </a:r>
             <a:r>
-              <a:rPr lang="en-US" sz="2800" dirty="0" smtClean="0"/>
+              <a:rPr lang="en-US" sz="2800" dirty="0"/>
               <a:t> </a:t>
             </a:r>
             <a:r>
-              <a:rPr lang="ru-RU" sz="2800" dirty="0" smtClean="0"/>
+              <a:rPr lang="ru-RU" sz="2800" dirty="0"/>
               <a:t>Удаляем их</a:t>
             </a:r>
           </a:p>
           <a:p>
             <a:r>
-              <a:rPr lang="ru-RU" sz="2800" dirty="0" smtClean="0"/>
+              <a:rPr lang="ru-RU" sz="2800" dirty="0"/>
               <a:t>Выполняем дефрагментацию кучи чтобы свободное пространство шло непрерывным блоком в конце кучи. Одновременно исправляем адреса ссылок.</a:t>
             </a:r>
-            <a:endParaRPr lang="en-US" sz="2800" dirty="0" smtClean="0"/>
+            <a:endParaRPr lang="en-US" sz="2800" dirty="0"/>
           </a:p>
           <a:p>
             <a:pPr lvl="1"/>
             <a:r>
-              <a:rPr lang="ru-RU" sz="2400" dirty="0" smtClean="0"/>
+              <a:rPr lang="ru-RU" sz="2400" dirty="0"/>
               <a:t>Примечание: Для </a:t>
             </a:r>
             <a:r>
-              <a:rPr lang="en-US" sz="2400" dirty="0" smtClean="0"/>
+              <a:rPr lang="en-US" sz="2400" dirty="0"/>
               <a:t>LOH</a:t>
             </a:r>
             <a:r>
-              <a:rPr lang="ru-RU" sz="2400" dirty="0" smtClean="0"/>
+              <a:rPr lang="ru-RU" sz="2400" dirty="0"/>
               <a:t> дефрагментация не выполняется</a:t>
             </a:r>
           </a:p>
           <a:p>
             <a:r>
-              <a:rPr lang="ru-RU" sz="2800" dirty="0" smtClean="0"/>
+              <a:rPr lang="ru-RU" sz="2800" dirty="0"/>
               <a:t>Снимаем все потоки с паузы</a:t>
             </a:r>
-            <a:endParaRPr lang="ru-RU" sz="2800" dirty="0"/>
           </a:p>
         </p:txBody>
       </p:sp>
@@ -26572,21 +25945,6 @@
   <p:clrMapOvr>
     <a:masterClrMapping/>
   </p:clrMapOvr>
-  <mc:AlternateContent xmlns:mc="http://schemas.openxmlformats.org/markup-compatibility/2006" xmlns:p14="http://schemas.microsoft.com/office/powerpoint/2010/main">
-    <mc:Choice Requires="p14">
-      <p:transition p14:dur="0"/>
-    </mc:Choice>
-    <mc:Fallback xmlns="">
-      <p:transition/>
-    </mc:Fallback>
-  </mc:AlternateContent>
-  <p:timing>
-    <p:tnLst>
-      <p:par>
-        <p:cTn id="1" dur="indefinite" restart="never" nodeType="tmRoot"/>
-      </p:par>
-    </p:tnLst>
-  </p:timing>
 </p:sld>
 </file>
 

--- a/Presentation/memory-management-and-gc.pptx
+++ b/Presentation/memory-management-and-gc.pptx
@@ -153,7 +153,7 @@
   </p:defaultTextStyle>
   <p:extLst>
     <p:ext uri="{EFAFB233-063F-42B5-8137-9DF3F51BA10A}">
-      <p15:sldGuideLst xmlns:p15="http://schemas.microsoft.com/office/powerpoint/2012/main">
+      <p15:sldGuideLst xmlns:p15="http://schemas.microsoft.com/office/powerpoint/2012/main" xmlns="">
         <p15:guide id="1" orient="horz" pos="2160">
           <p15:clr>
             <a:srgbClr val="A4A3A4"/>
@@ -167,7 +167,7 @@
       </p15:sldGuideLst>
     </p:ext>
     <p:ext uri="{2D200454-40CA-4A62-9FC3-DE9A4176ACB9}">
-      <p15:notesGuideLst xmlns:p15="http://schemas.microsoft.com/office/powerpoint/2012/main">
+      <p15:notesGuideLst xmlns:p15="http://schemas.microsoft.com/office/powerpoint/2012/main" xmlns="">
         <p15:guide id="1" orient="horz" pos="2880">
           <p15:clr>
             <a:srgbClr val="A4A3A4"/>
@@ -266,7 +266,7 @@
           <a:p>
             <a:fld id="{B24A7054-7FFB-49F4-A126-5DF6E687FF53}" type="datetimeFigureOut">
               <a:rPr lang="ru-RU" smtClean="0"/>
-              <a:t>01.07.2018</a:t>
+              <a:t>22.02.2019</a:t>
             </a:fld>
             <a:endParaRPr lang="ru-RU"/>
           </a:p>
@@ -619,8 +619,8 @@
 </file>
 
 <file path=ppt/slideLayouts/slideLayout1.xml><?xml version="1.0" encoding="utf-8"?>
-<p:sldLayout xmlns:a="http://schemas.openxmlformats.org/drawingml/2006/main" xmlns:r="http://schemas.openxmlformats.org/officeDocument/2006/relationships" xmlns:p="http://schemas.openxmlformats.org/presentationml/2006/main" preserve="1" userDrawn="1">
-  <p:cSld name="Title Slide">
+<p:sldLayout xmlns:a="http://schemas.openxmlformats.org/drawingml/2006/main" xmlns:r="http://schemas.openxmlformats.org/officeDocument/2006/relationships" xmlns:p="http://schemas.openxmlformats.org/presentationml/2006/main" type="obj" preserve="1">
+  <p:cSld name="Title and Content">
     <p:spTree>
       <p:nvGrpSpPr>
         <p:cNvPr id="1" name=""/>
@@ -637,172 +637,83 @@
       </p:grpSpPr>
       <p:sp>
         <p:nvSpPr>
-          <p:cNvPr id="7" name="Rectangle 6"/>
-          <p:cNvSpPr/>
-          <p:nvPr userDrawn="1"/>
+          <p:cNvPr id="2" name="Title 1"/>
+          <p:cNvSpPr>
+            <a:spLocks noGrp="1"/>
+          </p:cNvSpPr>
+          <p:nvPr>
+            <p:ph type="title"/>
+          </p:nvPr>
         </p:nvSpPr>
-        <p:spPr>
-          <a:xfrm>
-            <a:off x="143508" y="1304764"/>
-            <a:ext cx="8856984" cy="646331"/>
-          </a:xfrm>
-          <a:prstGeom prst="rect">
-            <a:avLst/>
-          </a:prstGeom>
-        </p:spPr>
+        <p:spPr/>
         <p:txBody>
-          <a:bodyPr wrap="square">
-            <a:spAutoFit/>
-          </a:bodyPr>
+          <a:bodyPr/>
           <a:lstStyle/>
           <a:p>
-            <a:pPr algn="ctr"/>
-            <a:r>
-              <a:rPr lang="ru-RU" sz="3600" b="1" i="1" dirty="0">
-                <a:solidFill>
-                  <a:schemeClr val="bg1"/>
-                </a:solidFill>
-              </a:rPr>
-              <a:t>Основы программирования на </a:t>
-            </a:r>
-            <a:r>
-              <a:rPr lang="en-US" sz="3600" b="1" i="1" dirty="0">
-                <a:solidFill>
-                  <a:schemeClr val="bg1"/>
-                </a:solidFill>
-              </a:rPr>
-              <a:t>C#</a:t>
-            </a:r>
-            <a:endParaRPr lang="ru-RU" sz="3600" b="1" i="1" dirty="0">
-              <a:solidFill>
-                <a:schemeClr val="bg1"/>
-              </a:solidFill>
-            </a:endParaRPr>
+            <a:r>
+              <a:rPr lang="en-US"/>
+              <a:t>Click to edit Master title style</a:t>
+            </a:r>
+            <a:endParaRPr lang="ru-RU" dirty="0"/>
           </a:p>
         </p:txBody>
       </p:sp>
-      <p:pic>
-        <p:nvPicPr>
-          <p:cNvPr id="8" name="Picture 5"/>
-          <p:cNvPicPr>
-            <a:picLocks noChangeAspect="1" noChangeArrowheads="1"/>
-          </p:cNvPicPr>
-          <p:nvPr userDrawn="1"/>
-        </p:nvPicPr>
-        <p:blipFill>
-          <a:blip r:embed="rId2">
-            <a:extLst>
-              <a:ext uri="{28A0092B-C50C-407E-A947-70E740481C1C}">
-                <a14:useLocalDpi xmlns:a14="http://schemas.microsoft.com/office/drawing/2010/main" val="0"/>
-              </a:ext>
-            </a:extLst>
-          </a:blip>
-          <a:srcRect/>
-          <a:stretch>
-            <a:fillRect/>
-          </a:stretch>
-        </p:blipFill>
-        <p:spPr bwMode="auto">
-          <a:xfrm>
-            <a:off x="1638300" y="3829211"/>
-            <a:ext cx="5867400" cy="1724025"/>
-          </a:xfrm>
-          <a:prstGeom prst="rect">
-            <a:avLst/>
-          </a:prstGeom>
-          <a:noFill/>
-          <a:ln>
-            <a:noFill/>
-          </a:ln>
-          <a:effectLst/>
-          <a:extLst>
-            <a:ext uri="{909E8E84-426E-40DD-AFC4-6F175D3DCCD1}">
-              <a14:hiddenFill xmlns:a14="http://schemas.microsoft.com/office/drawing/2010/main">
-                <a:solidFill>
-                  <a:schemeClr val="accent1"/>
-                </a:solidFill>
-              </a14:hiddenFill>
-            </a:ext>
-            <a:ext uri="{91240B29-F687-4F45-9708-019B960494DF}">
-              <a14:hiddenLine xmlns:a14="http://schemas.microsoft.com/office/drawing/2010/main" w="9525">
-                <a:solidFill>
-                  <a:schemeClr val="tx1"/>
-                </a:solidFill>
-                <a:miter lim="800000"/>
-                <a:headEnd/>
-                <a:tailEnd/>
-              </a14:hiddenLine>
-            </a:ext>
-            <a:ext uri="{AF507438-7753-43E0-B8FC-AC1667EBCBE1}">
-              <a14:hiddenEffects xmlns:a14="http://schemas.microsoft.com/office/drawing/2010/main">
-                <a:effectLst>
-                  <a:outerShdw dist="35921" dir="2700000" algn="ctr" rotWithShape="0">
-                    <a:schemeClr val="bg2"/>
-                  </a:outerShdw>
-                </a:effectLst>
-              </a14:hiddenEffects>
-            </a:ext>
-          </a:extLst>
-        </p:spPr>
-      </p:pic>
       <p:sp>
         <p:nvSpPr>
-          <p:cNvPr id="9" name="TextBox 8"/>
-          <p:cNvSpPr txBox="1"/>
-          <p:nvPr userDrawn="1"/>
+          <p:cNvPr id="3" name="Content Placeholder 2"/>
+          <p:cNvSpPr>
+            <a:spLocks noGrp="1"/>
+          </p:cNvSpPr>
+          <p:nvPr>
+            <p:ph idx="1"/>
+          </p:nvPr>
         </p:nvSpPr>
-        <p:spPr>
-          <a:xfrm>
-            <a:off x="2774873" y="2528900"/>
-            <a:ext cx="4240263" cy="461665"/>
-          </a:xfrm>
-          <a:prstGeom prst="rect">
-            <a:avLst/>
-          </a:prstGeom>
-          <a:noFill/>
-        </p:spPr>
+        <p:spPr/>
         <p:txBody>
-          <a:bodyPr wrap="none" rtlCol="0">
-            <a:spAutoFit/>
-          </a:bodyPr>
+          <a:bodyPr/>
           <a:lstStyle/>
           <a:p>
-            <a:r>
-              <a:rPr lang="ru-RU" sz="2400" dirty="0">
-                <a:solidFill>
-                  <a:schemeClr val="bg1"/>
-                </a:solidFill>
-              </a:rPr>
-              <a:t>Занятие №</a:t>
-            </a:r>
-            <a:r>
-              <a:rPr lang="en-US" sz="2400" dirty="0">
-                <a:solidFill>
-                  <a:schemeClr val="bg1"/>
-                </a:solidFill>
-              </a:rPr>
-              <a:t>1</a:t>
-            </a:r>
-            <a:r>
-              <a:rPr lang="ru-RU" sz="2400" dirty="0">
-                <a:solidFill>
-                  <a:schemeClr val="bg1"/>
-                </a:solidFill>
-              </a:rPr>
-              <a:t>. Название занятия</a:t>
-            </a:r>
-            <a:endParaRPr lang="en-US" sz="2400" dirty="0">
-              <a:solidFill>
-                <a:schemeClr val="bg1"/>
-              </a:solidFill>
-            </a:endParaRPr>
+            <a:pPr lvl="0"/>
+            <a:r>
+              <a:rPr lang="en-US"/>
+              <a:t>Click to edit Master text styles</a:t>
+            </a:r>
+          </a:p>
+          <a:p>
+            <a:pPr lvl="1"/>
+            <a:r>
+              <a:rPr lang="en-US"/>
+              <a:t>Second level</a:t>
+            </a:r>
+          </a:p>
+          <a:p>
+            <a:pPr lvl="2"/>
+            <a:r>
+              <a:rPr lang="en-US"/>
+              <a:t>Third level</a:t>
+            </a:r>
+          </a:p>
+          <a:p>
+            <a:pPr lvl="3"/>
+            <a:r>
+              <a:rPr lang="en-US"/>
+              <a:t>Fourth level</a:t>
+            </a:r>
+          </a:p>
+          <a:p>
+            <a:pPr lvl="4"/>
+            <a:r>
+              <a:rPr lang="en-US"/>
+              <a:t>Fifth level</a:t>
+            </a:r>
+            <a:endParaRPr lang="ru-RU" dirty="0"/>
           </a:p>
         </p:txBody>
       </p:sp>
     </p:spTree>
     <p:extLst>
       <p:ext uri="{BB962C8B-B14F-4D97-AF65-F5344CB8AC3E}">
-        <p14:creationId xmlns:p14="http://schemas.microsoft.com/office/powerpoint/2010/main" val="2062725571"/>
+        <p14:creationId xmlns:p14="http://schemas.microsoft.com/office/powerpoint/2010/main" val="3363467697"/>
       </p:ext>
     </p:extLst>
   </p:cSld>
@@ -813,6 +724,1377 @@
 </file>
 
 <file path=ppt/slideLayouts/slideLayout10.xml><?xml version="1.0" encoding="utf-8"?>
+<p:sldLayout xmlns:a="http://schemas.openxmlformats.org/drawingml/2006/main" xmlns:r="http://schemas.openxmlformats.org/officeDocument/2006/relationships" xmlns:p="http://schemas.openxmlformats.org/presentationml/2006/main" type="vertTx" preserve="1">
+  <p:cSld name="Title and Vertical Text">
+    <p:spTree>
+      <p:nvGrpSpPr>
+        <p:cNvPr id="1" name=""/>
+        <p:cNvGrpSpPr/>
+        <p:nvPr/>
+      </p:nvGrpSpPr>
+      <p:grpSpPr>
+        <a:xfrm>
+          <a:off x="0" y="0"/>
+          <a:ext cx="0" cy="0"/>
+          <a:chOff x="0" y="0"/>
+          <a:chExt cx="0" cy="0"/>
+        </a:xfrm>
+      </p:grpSpPr>
+      <p:sp>
+        <p:nvSpPr>
+          <p:cNvPr id="2" name="Title 1"/>
+          <p:cNvSpPr>
+            <a:spLocks noGrp="1"/>
+          </p:cNvSpPr>
+          <p:nvPr>
+            <p:ph type="title"/>
+          </p:nvPr>
+        </p:nvSpPr>
+        <p:spPr/>
+        <p:txBody>
+          <a:bodyPr/>
+          <a:lstStyle/>
+          <a:p>
+            <a:r>
+              <a:rPr lang="en-US"/>
+              <a:t>Click to edit Master title style</a:t>
+            </a:r>
+            <a:endParaRPr lang="ru-RU" dirty="0"/>
+          </a:p>
+        </p:txBody>
+      </p:sp>
+      <p:sp>
+        <p:nvSpPr>
+          <p:cNvPr id="3" name="Vertical Text Placeholder 2"/>
+          <p:cNvSpPr>
+            <a:spLocks noGrp="1"/>
+          </p:cNvSpPr>
+          <p:nvPr>
+            <p:ph type="body" orient="vert" idx="1"/>
+          </p:nvPr>
+        </p:nvSpPr>
+        <p:spPr/>
+        <p:txBody>
+          <a:bodyPr vert="eaVert"/>
+          <a:lstStyle/>
+          <a:p>
+            <a:pPr lvl="0"/>
+            <a:r>
+              <a:rPr lang="en-US"/>
+              <a:t>Click to edit Master text styles</a:t>
+            </a:r>
+          </a:p>
+          <a:p>
+            <a:pPr lvl="1"/>
+            <a:r>
+              <a:rPr lang="en-US"/>
+              <a:t>Second level</a:t>
+            </a:r>
+          </a:p>
+          <a:p>
+            <a:pPr lvl="2"/>
+            <a:r>
+              <a:rPr lang="en-US"/>
+              <a:t>Third level</a:t>
+            </a:r>
+          </a:p>
+          <a:p>
+            <a:pPr lvl="3"/>
+            <a:r>
+              <a:rPr lang="en-US"/>
+              <a:t>Fourth level</a:t>
+            </a:r>
+          </a:p>
+          <a:p>
+            <a:pPr lvl="4"/>
+            <a:r>
+              <a:rPr lang="en-US"/>
+              <a:t>Fifth level</a:t>
+            </a:r>
+            <a:endParaRPr lang="ru-RU" dirty="0"/>
+          </a:p>
+        </p:txBody>
+      </p:sp>
+    </p:spTree>
+    <p:extLst>
+      <p:ext uri="{BB962C8B-B14F-4D97-AF65-F5344CB8AC3E}">
+        <p14:creationId xmlns:p14="http://schemas.microsoft.com/office/powerpoint/2010/main" val="2015559697"/>
+      </p:ext>
+    </p:extLst>
+  </p:cSld>
+  <p:clrMapOvr>
+    <a:masterClrMapping/>
+  </p:clrMapOvr>
+</p:sldLayout>
+</file>
+
+<file path=ppt/slideLayouts/slideLayout11.xml><?xml version="1.0" encoding="utf-8"?>
+<p:sldLayout xmlns:a="http://schemas.openxmlformats.org/drawingml/2006/main" xmlns:r="http://schemas.openxmlformats.org/officeDocument/2006/relationships" xmlns:p="http://schemas.openxmlformats.org/presentationml/2006/main" type="vertTitleAndTx" preserve="1">
+  <p:cSld name="Vertical Title and Text">
+    <p:spTree>
+      <p:nvGrpSpPr>
+        <p:cNvPr id="1" name=""/>
+        <p:cNvGrpSpPr/>
+        <p:nvPr/>
+      </p:nvGrpSpPr>
+      <p:grpSpPr>
+        <a:xfrm>
+          <a:off x="0" y="0"/>
+          <a:ext cx="0" cy="0"/>
+          <a:chOff x="0" y="0"/>
+          <a:chExt cx="0" cy="0"/>
+        </a:xfrm>
+      </p:grpSpPr>
+      <p:sp>
+        <p:nvSpPr>
+          <p:cNvPr id="2" name="Vertical Title 1"/>
+          <p:cNvSpPr>
+            <a:spLocks noGrp="1"/>
+          </p:cNvSpPr>
+          <p:nvPr>
+            <p:ph type="title" orient="vert"/>
+          </p:nvPr>
+        </p:nvSpPr>
+        <p:spPr>
+          <a:xfrm>
+            <a:off x="6629400" y="274638"/>
+            <a:ext cx="2057400" cy="5851525"/>
+          </a:xfrm>
+        </p:spPr>
+        <p:txBody>
+          <a:bodyPr vert="eaVert"/>
+          <a:lstStyle/>
+          <a:p>
+            <a:r>
+              <a:rPr lang="en-US"/>
+              <a:t>Click to edit Master title style</a:t>
+            </a:r>
+            <a:endParaRPr lang="ru-RU" dirty="0"/>
+          </a:p>
+        </p:txBody>
+      </p:sp>
+      <p:sp>
+        <p:nvSpPr>
+          <p:cNvPr id="3" name="Vertical Text Placeholder 2"/>
+          <p:cNvSpPr>
+            <a:spLocks noGrp="1"/>
+          </p:cNvSpPr>
+          <p:nvPr>
+            <p:ph type="body" orient="vert" idx="1"/>
+          </p:nvPr>
+        </p:nvSpPr>
+        <p:spPr>
+          <a:xfrm>
+            <a:off x="457200" y="274638"/>
+            <a:ext cx="6019800" cy="5851525"/>
+          </a:xfrm>
+        </p:spPr>
+        <p:txBody>
+          <a:bodyPr vert="eaVert"/>
+          <a:lstStyle/>
+          <a:p>
+            <a:pPr lvl="0"/>
+            <a:r>
+              <a:rPr lang="en-US"/>
+              <a:t>Click to edit Master text styles</a:t>
+            </a:r>
+          </a:p>
+          <a:p>
+            <a:pPr lvl="1"/>
+            <a:r>
+              <a:rPr lang="en-US"/>
+              <a:t>Second level</a:t>
+            </a:r>
+          </a:p>
+          <a:p>
+            <a:pPr lvl="2"/>
+            <a:r>
+              <a:rPr lang="en-US"/>
+              <a:t>Third level</a:t>
+            </a:r>
+          </a:p>
+          <a:p>
+            <a:pPr lvl="3"/>
+            <a:r>
+              <a:rPr lang="en-US"/>
+              <a:t>Fourth level</a:t>
+            </a:r>
+          </a:p>
+          <a:p>
+            <a:pPr lvl="4"/>
+            <a:r>
+              <a:rPr lang="en-US"/>
+              <a:t>Fifth level</a:t>
+            </a:r>
+            <a:endParaRPr lang="ru-RU" dirty="0"/>
+          </a:p>
+        </p:txBody>
+      </p:sp>
+    </p:spTree>
+    <p:extLst>
+      <p:ext uri="{BB962C8B-B14F-4D97-AF65-F5344CB8AC3E}">
+        <p14:creationId xmlns:p14="http://schemas.microsoft.com/office/powerpoint/2010/main" val="370514854"/>
+      </p:ext>
+    </p:extLst>
+  </p:cSld>
+  <p:clrMapOvr>
+    <a:masterClrMapping/>
+  </p:clrMapOvr>
+</p:sldLayout>
+</file>
+
+<file path=ppt/slideLayouts/slideLayout12.xml><?xml version="1.0" encoding="utf-8"?>
+<p:sldLayout xmlns:a="http://schemas.openxmlformats.org/drawingml/2006/main" xmlns:r="http://schemas.openxmlformats.org/officeDocument/2006/relationships" xmlns:p="http://schemas.openxmlformats.org/presentationml/2006/main" type="title">
+  <p:cSld name="2_Title Slide">
+    <p:spTree>
+      <p:nvGrpSpPr>
+        <p:cNvPr id="1" name=""/>
+        <p:cNvGrpSpPr/>
+        <p:nvPr/>
+      </p:nvGrpSpPr>
+      <p:grpSpPr>
+        <a:xfrm>
+          <a:off x="0" y="0"/>
+          <a:ext cx="0" cy="0"/>
+          <a:chOff x="0" y="0"/>
+          <a:chExt cx="0" cy="0"/>
+        </a:xfrm>
+      </p:grpSpPr>
+      <p:sp>
+        <p:nvSpPr>
+          <p:cNvPr id="2" name="Title 1"/>
+          <p:cNvSpPr>
+            <a:spLocks noGrp="1"/>
+          </p:cNvSpPr>
+          <p:nvPr>
+            <p:ph type="ctrTitle"/>
+          </p:nvPr>
+        </p:nvSpPr>
+        <p:spPr>
+          <a:xfrm>
+            <a:off x="685800" y="2130425"/>
+            <a:ext cx="7772400" cy="1470025"/>
+          </a:xfrm>
+        </p:spPr>
+        <p:txBody>
+          <a:bodyPr/>
+          <a:lstStyle/>
+          <a:p>
+            <a:r>
+              <a:rPr lang="en-US"/>
+              <a:t>Click to edit Master title style</a:t>
+            </a:r>
+            <a:endParaRPr lang="ru-RU"/>
+          </a:p>
+        </p:txBody>
+      </p:sp>
+      <p:sp>
+        <p:nvSpPr>
+          <p:cNvPr id="3" name="Subtitle 2"/>
+          <p:cNvSpPr>
+            <a:spLocks noGrp="1"/>
+          </p:cNvSpPr>
+          <p:nvPr>
+            <p:ph type="subTitle" idx="1"/>
+          </p:nvPr>
+        </p:nvSpPr>
+        <p:spPr>
+          <a:xfrm>
+            <a:off x="1371600" y="3886200"/>
+            <a:ext cx="6400800" cy="1752600"/>
+          </a:xfrm>
+        </p:spPr>
+        <p:txBody>
+          <a:bodyPr/>
+          <a:lstStyle>
+            <a:lvl1pPr marL="0" indent="0" algn="ctr">
+              <a:buNone/>
+              <a:defRPr>
+                <a:solidFill>
+                  <a:schemeClr val="tx1">
+                    <a:tint val="75000"/>
+                  </a:schemeClr>
+                </a:solidFill>
+              </a:defRPr>
+            </a:lvl1pPr>
+            <a:lvl2pPr marL="457200" indent="0" algn="ctr">
+              <a:buNone/>
+              <a:defRPr>
+                <a:solidFill>
+                  <a:schemeClr val="tx1">
+                    <a:tint val="75000"/>
+                  </a:schemeClr>
+                </a:solidFill>
+              </a:defRPr>
+            </a:lvl2pPr>
+            <a:lvl3pPr marL="914400" indent="0" algn="ctr">
+              <a:buNone/>
+              <a:defRPr>
+                <a:solidFill>
+                  <a:schemeClr val="tx1">
+                    <a:tint val="75000"/>
+                  </a:schemeClr>
+                </a:solidFill>
+              </a:defRPr>
+            </a:lvl3pPr>
+            <a:lvl4pPr marL="1371600" indent="0" algn="ctr">
+              <a:buNone/>
+              <a:defRPr>
+                <a:solidFill>
+                  <a:schemeClr val="tx1">
+                    <a:tint val="75000"/>
+                  </a:schemeClr>
+                </a:solidFill>
+              </a:defRPr>
+            </a:lvl4pPr>
+            <a:lvl5pPr marL="1828800" indent="0" algn="ctr">
+              <a:buNone/>
+              <a:defRPr>
+                <a:solidFill>
+                  <a:schemeClr val="tx1">
+                    <a:tint val="75000"/>
+                  </a:schemeClr>
+                </a:solidFill>
+              </a:defRPr>
+            </a:lvl5pPr>
+            <a:lvl6pPr marL="2286000" indent="0" algn="ctr">
+              <a:buNone/>
+              <a:defRPr>
+                <a:solidFill>
+                  <a:schemeClr val="tx1">
+                    <a:tint val="75000"/>
+                  </a:schemeClr>
+                </a:solidFill>
+              </a:defRPr>
+            </a:lvl6pPr>
+            <a:lvl7pPr marL="2743200" indent="0" algn="ctr">
+              <a:buNone/>
+              <a:defRPr>
+                <a:solidFill>
+                  <a:schemeClr val="tx1">
+                    <a:tint val="75000"/>
+                  </a:schemeClr>
+                </a:solidFill>
+              </a:defRPr>
+            </a:lvl7pPr>
+            <a:lvl8pPr marL="3200400" indent="0" algn="ctr">
+              <a:buNone/>
+              <a:defRPr>
+                <a:solidFill>
+                  <a:schemeClr val="tx1">
+                    <a:tint val="75000"/>
+                  </a:schemeClr>
+                </a:solidFill>
+              </a:defRPr>
+            </a:lvl8pPr>
+            <a:lvl9pPr marL="3657600" indent="0" algn="ctr">
+              <a:buNone/>
+              <a:defRPr>
+                <a:solidFill>
+                  <a:schemeClr val="tx1">
+                    <a:tint val="75000"/>
+                  </a:schemeClr>
+                </a:solidFill>
+              </a:defRPr>
+            </a:lvl9pPr>
+          </a:lstStyle>
+          <a:p>
+            <a:r>
+              <a:rPr lang="en-US"/>
+              <a:t>Click to edit Master subtitle style</a:t>
+            </a:r>
+            <a:endParaRPr lang="ru-RU"/>
+          </a:p>
+        </p:txBody>
+      </p:sp>
+      <p:sp>
+        <p:nvSpPr>
+          <p:cNvPr id="4" name="Date Placeholder 3"/>
+          <p:cNvSpPr>
+            <a:spLocks noGrp="1"/>
+          </p:cNvSpPr>
+          <p:nvPr>
+            <p:ph type="dt" sz="half" idx="10"/>
+          </p:nvPr>
+        </p:nvSpPr>
+        <p:spPr/>
+        <p:txBody>
+          <a:bodyPr/>
+          <a:lstStyle/>
+          <a:p>
+            <a:fld id="{8E6E6A2A-E9D3-4A0D-B04A-ABDD367A1E08}" type="datetimeFigureOut">
+              <a:rPr lang="ru-RU" smtClean="0"/>
+              <a:t>22.02.2019</a:t>
+            </a:fld>
+            <a:endParaRPr lang="ru-RU"/>
+          </a:p>
+        </p:txBody>
+      </p:sp>
+      <p:sp>
+        <p:nvSpPr>
+          <p:cNvPr id="5" name="Footer Placeholder 4"/>
+          <p:cNvSpPr>
+            <a:spLocks noGrp="1"/>
+          </p:cNvSpPr>
+          <p:nvPr>
+            <p:ph type="ftr" sz="quarter" idx="11"/>
+          </p:nvPr>
+        </p:nvSpPr>
+        <p:spPr/>
+        <p:txBody>
+          <a:bodyPr/>
+          <a:lstStyle/>
+          <a:p>
+            <a:endParaRPr lang="ru-RU"/>
+          </a:p>
+        </p:txBody>
+      </p:sp>
+      <p:sp>
+        <p:nvSpPr>
+          <p:cNvPr id="6" name="Slide Number Placeholder 5"/>
+          <p:cNvSpPr>
+            <a:spLocks noGrp="1"/>
+          </p:cNvSpPr>
+          <p:nvPr>
+            <p:ph type="sldNum" sz="quarter" idx="12"/>
+          </p:nvPr>
+        </p:nvSpPr>
+        <p:spPr/>
+        <p:txBody>
+          <a:bodyPr/>
+          <a:lstStyle/>
+          <a:p>
+            <a:fld id="{BC0D3D34-2E8A-4A38-B864-C677BA056495}" type="slidenum">
+              <a:rPr lang="ru-RU" smtClean="0"/>
+              <a:t>‹#›</a:t>
+            </a:fld>
+            <a:endParaRPr lang="ru-RU"/>
+          </a:p>
+        </p:txBody>
+      </p:sp>
+    </p:spTree>
+    <p:extLst>
+      <p:ext uri="{BB962C8B-B14F-4D97-AF65-F5344CB8AC3E}">
+        <p14:creationId xmlns:p14="http://schemas.microsoft.com/office/powerpoint/2010/main" val="1606728436"/>
+      </p:ext>
+    </p:extLst>
+  </p:cSld>
+  <p:clrMapOvr>
+    <a:masterClrMapping/>
+  </p:clrMapOvr>
+</p:sldLayout>
+</file>
+
+<file path=ppt/slideLayouts/slideLayout2.xml><?xml version="1.0" encoding="utf-8"?>
+<p:sldLayout xmlns:a="http://schemas.openxmlformats.org/drawingml/2006/main" xmlns:r="http://schemas.openxmlformats.org/officeDocument/2006/relationships" xmlns:p="http://schemas.openxmlformats.org/presentationml/2006/main" type="secHead" preserve="1">
+  <p:cSld name="Section Header">
+    <p:spTree>
+      <p:nvGrpSpPr>
+        <p:cNvPr id="1" name=""/>
+        <p:cNvGrpSpPr/>
+        <p:nvPr/>
+      </p:nvGrpSpPr>
+      <p:grpSpPr>
+        <a:xfrm>
+          <a:off x="0" y="0"/>
+          <a:ext cx="0" cy="0"/>
+          <a:chOff x="0" y="0"/>
+          <a:chExt cx="0" cy="0"/>
+        </a:xfrm>
+      </p:grpSpPr>
+      <p:sp>
+        <p:nvSpPr>
+          <p:cNvPr id="2" name="Title 1"/>
+          <p:cNvSpPr>
+            <a:spLocks noGrp="1"/>
+          </p:cNvSpPr>
+          <p:nvPr>
+            <p:ph type="title"/>
+          </p:nvPr>
+        </p:nvSpPr>
+        <p:spPr>
+          <a:xfrm>
+            <a:off x="722313" y="4406900"/>
+            <a:ext cx="7772400" cy="1362075"/>
+          </a:xfrm>
+        </p:spPr>
+        <p:txBody>
+          <a:bodyPr anchor="t"/>
+          <a:lstStyle>
+            <a:lvl1pPr algn="l">
+              <a:defRPr sz="4000" b="1" cap="all"/>
+            </a:lvl1pPr>
+          </a:lstStyle>
+          <a:p>
+            <a:r>
+              <a:rPr lang="en-US"/>
+              <a:t>Click to edit Master title style</a:t>
+            </a:r>
+            <a:endParaRPr lang="ru-RU" dirty="0"/>
+          </a:p>
+        </p:txBody>
+      </p:sp>
+      <p:sp>
+        <p:nvSpPr>
+          <p:cNvPr id="3" name="Text Placeholder 2"/>
+          <p:cNvSpPr>
+            <a:spLocks noGrp="1"/>
+          </p:cNvSpPr>
+          <p:nvPr>
+            <p:ph type="body" idx="1"/>
+          </p:nvPr>
+        </p:nvSpPr>
+        <p:spPr>
+          <a:xfrm>
+            <a:off x="722313" y="2906713"/>
+            <a:ext cx="7772400" cy="1500187"/>
+          </a:xfrm>
+        </p:spPr>
+        <p:txBody>
+          <a:bodyPr anchor="b"/>
+          <a:lstStyle>
+            <a:lvl1pPr marL="0" indent="0">
+              <a:buNone/>
+              <a:defRPr sz="2000">
+                <a:solidFill>
+                  <a:schemeClr val="tx1">
+                    <a:tint val="75000"/>
+                  </a:schemeClr>
+                </a:solidFill>
+              </a:defRPr>
+            </a:lvl1pPr>
+            <a:lvl2pPr marL="457200" indent="0">
+              <a:buNone/>
+              <a:defRPr sz="1800">
+                <a:solidFill>
+                  <a:schemeClr val="tx1">
+                    <a:tint val="75000"/>
+                  </a:schemeClr>
+                </a:solidFill>
+              </a:defRPr>
+            </a:lvl2pPr>
+            <a:lvl3pPr marL="914400" indent="0">
+              <a:buNone/>
+              <a:defRPr sz="1600">
+                <a:solidFill>
+                  <a:schemeClr val="tx1">
+                    <a:tint val="75000"/>
+                  </a:schemeClr>
+                </a:solidFill>
+              </a:defRPr>
+            </a:lvl3pPr>
+            <a:lvl4pPr marL="1371600" indent="0">
+              <a:buNone/>
+              <a:defRPr sz="1400">
+                <a:solidFill>
+                  <a:schemeClr val="tx1">
+                    <a:tint val="75000"/>
+                  </a:schemeClr>
+                </a:solidFill>
+              </a:defRPr>
+            </a:lvl4pPr>
+            <a:lvl5pPr marL="1828800" indent="0">
+              <a:buNone/>
+              <a:defRPr sz="1400">
+                <a:solidFill>
+                  <a:schemeClr val="tx1">
+                    <a:tint val="75000"/>
+                  </a:schemeClr>
+                </a:solidFill>
+              </a:defRPr>
+            </a:lvl5pPr>
+            <a:lvl6pPr marL="2286000" indent="0">
+              <a:buNone/>
+              <a:defRPr sz="1400">
+                <a:solidFill>
+                  <a:schemeClr val="tx1">
+                    <a:tint val="75000"/>
+                  </a:schemeClr>
+                </a:solidFill>
+              </a:defRPr>
+            </a:lvl6pPr>
+            <a:lvl7pPr marL="2743200" indent="0">
+              <a:buNone/>
+              <a:defRPr sz="1400">
+                <a:solidFill>
+                  <a:schemeClr val="tx1">
+                    <a:tint val="75000"/>
+                  </a:schemeClr>
+                </a:solidFill>
+              </a:defRPr>
+            </a:lvl7pPr>
+            <a:lvl8pPr marL="3200400" indent="0">
+              <a:buNone/>
+              <a:defRPr sz="1400">
+                <a:solidFill>
+                  <a:schemeClr val="tx1">
+                    <a:tint val="75000"/>
+                  </a:schemeClr>
+                </a:solidFill>
+              </a:defRPr>
+            </a:lvl8pPr>
+            <a:lvl9pPr marL="3657600" indent="0">
+              <a:buNone/>
+              <a:defRPr sz="1400">
+                <a:solidFill>
+                  <a:schemeClr val="tx1">
+                    <a:tint val="75000"/>
+                  </a:schemeClr>
+                </a:solidFill>
+              </a:defRPr>
+            </a:lvl9pPr>
+          </a:lstStyle>
+          <a:p>
+            <a:pPr lvl="0"/>
+            <a:r>
+              <a:rPr lang="en-US"/>
+              <a:t>Click to edit Master text styles</a:t>
+            </a:r>
+          </a:p>
+        </p:txBody>
+      </p:sp>
+    </p:spTree>
+    <p:extLst>
+      <p:ext uri="{BB962C8B-B14F-4D97-AF65-F5344CB8AC3E}">
+        <p14:creationId xmlns:p14="http://schemas.microsoft.com/office/powerpoint/2010/main" val="1627150216"/>
+      </p:ext>
+    </p:extLst>
+  </p:cSld>
+  <p:clrMapOvr>
+    <a:masterClrMapping/>
+  </p:clrMapOvr>
+</p:sldLayout>
+</file>
+
+<file path=ppt/slideLayouts/slideLayout3.xml><?xml version="1.0" encoding="utf-8"?>
+<p:sldLayout xmlns:a="http://schemas.openxmlformats.org/drawingml/2006/main" xmlns:r="http://schemas.openxmlformats.org/officeDocument/2006/relationships" xmlns:p="http://schemas.openxmlformats.org/presentationml/2006/main" type="twoObj" preserve="1">
+  <p:cSld name="Two Content">
+    <p:spTree>
+      <p:nvGrpSpPr>
+        <p:cNvPr id="1" name=""/>
+        <p:cNvGrpSpPr/>
+        <p:nvPr/>
+      </p:nvGrpSpPr>
+      <p:grpSpPr>
+        <a:xfrm>
+          <a:off x="0" y="0"/>
+          <a:ext cx="0" cy="0"/>
+          <a:chOff x="0" y="0"/>
+          <a:chExt cx="0" cy="0"/>
+        </a:xfrm>
+      </p:grpSpPr>
+      <p:sp>
+        <p:nvSpPr>
+          <p:cNvPr id="2" name="Title 1"/>
+          <p:cNvSpPr>
+            <a:spLocks noGrp="1"/>
+          </p:cNvSpPr>
+          <p:nvPr>
+            <p:ph type="title"/>
+          </p:nvPr>
+        </p:nvSpPr>
+        <p:spPr/>
+        <p:txBody>
+          <a:bodyPr/>
+          <a:lstStyle/>
+          <a:p>
+            <a:r>
+              <a:rPr lang="en-US"/>
+              <a:t>Click to edit Master title style</a:t>
+            </a:r>
+            <a:endParaRPr lang="ru-RU" dirty="0"/>
+          </a:p>
+        </p:txBody>
+      </p:sp>
+      <p:sp>
+        <p:nvSpPr>
+          <p:cNvPr id="3" name="Content Placeholder 2"/>
+          <p:cNvSpPr>
+            <a:spLocks noGrp="1"/>
+          </p:cNvSpPr>
+          <p:nvPr>
+            <p:ph sz="half" idx="1"/>
+          </p:nvPr>
+        </p:nvSpPr>
+        <p:spPr>
+          <a:xfrm>
+            <a:off x="457200" y="1600200"/>
+            <a:ext cx="4038600" cy="4525963"/>
+          </a:xfrm>
+        </p:spPr>
+        <p:txBody>
+          <a:bodyPr/>
+          <a:lstStyle>
+            <a:lvl1pPr>
+              <a:defRPr sz="2800"/>
+            </a:lvl1pPr>
+            <a:lvl2pPr>
+              <a:defRPr sz="2400"/>
+            </a:lvl2pPr>
+            <a:lvl3pPr>
+              <a:defRPr sz="2000"/>
+            </a:lvl3pPr>
+            <a:lvl4pPr>
+              <a:defRPr sz="1800"/>
+            </a:lvl4pPr>
+            <a:lvl5pPr>
+              <a:defRPr sz="1800"/>
+            </a:lvl5pPr>
+            <a:lvl6pPr>
+              <a:defRPr sz="1800"/>
+            </a:lvl6pPr>
+            <a:lvl7pPr>
+              <a:defRPr sz="1800"/>
+            </a:lvl7pPr>
+            <a:lvl8pPr>
+              <a:defRPr sz="1800"/>
+            </a:lvl8pPr>
+            <a:lvl9pPr>
+              <a:defRPr sz="1800"/>
+            </a:lvl9pPr>
+          </a:lstStyle>
+          <a:p>
+            <a:pPr lvl="0"/>
+            <a:r>
+              <a:rPr lang="en-US"/>
+              <a:t>Click to edit Master text styles</a:t>
+            </a:r>
+          </a:p>
+          <a:p>
+            <a:pPr lvl="1"/>
+            <a:r>
+              <a:rPr lang="en-US"/>
+              <a:t>Second level</a:t>
+            </a:r>
+          </a:p>
+          <a:p>
+            <a:pPr lvl="2"/>
+            <a:r>
+              <a:rPr lang="en-US"/>
+              <a:t>Third level</a:t>
+            </a:r>
+          </a:p>
+          <a:p>
+            <a:pPr lvl="3"/>
+            <a:r>
+              <a:rPr lang="en-US"/>
+              <a:t>Fourth level</a:t>
+            </a:r>
+          </a:p>
+          <a:p>
+            <a:pPr lvl="4"/>
+            <a:r>
+              <a:rPr lang="en-US"/>
+              <a:t>Fifth level</a:t>
+            </a:r>
+            <a:endParaRPr lang="ru-RU" dirty="0"/>
+          </a:p>
+        </p:txBody>
+      </p:sp>
+      <p:sp>
+        <p:nvSpPr>
+          <p:cNvPr id="4" name="Content Placeholder 3"/>
+          <p:cNvSpPr>
+            <a:spLocks noGrp="1"/>
+          </p:cNvSpPr>
+          <p:nvPr>
+            <p:ph sz="half" idx="2"/>
+          </p:nvPr>
+        </p:nvSpPr>
+        <p:spPr>
+          <a:xfrm>
+            <a:off x="4648200" y="1600200"/>
+            <a:ext cx="4038600" cy="4525963"/>
+          </a:xfrm>
+        </p:spPr>
+        <p:txBody>
+          <a:bodyPr/>
+          <a:lstStyle>
+            <a:lvl1pPr>
+              <a:defRPr sz="2800"/>
+            </a:lvl1pPr>
+            <a:lvl2pPr>
+              <a:defRPr sz="2400"/>
+            </a:lvl2pPr>
+            <a:lvl3pPr>
+              <a:defRPr sz="2000"/>
+            </a:lvl3pPr>
+            <a:lvl4pPr>
+              <a:defRPr sz="1800"/>
+            </a:lvl4pPr>
+            <a:lvl5pPr>
+              <a:defRPr sz="1800"/>
+            </a:lvl5pPr>
+            <a:lvl6pPr>
+              <a:defRPr sz="1800"/>
+            </a:lvl6pPr>
+            <a:lvl7pPr>
+              <a:defRPr sz="1800"/>
+            </a:lvl7pPr>
+            <a:lvl8pPr>
+              <a:defRPr sz="1800"/>
+            </a:lvl8pPr>
+            <a:lvl9pPr>
+              <a:defRPr sz="1800"/>
+            </a:lvl9pPr>
+          </a:lstStyle>
+          <a:p>
+            <a:pPr lvl="0"/>
+            <a:r>
+              <a:rPr lang="en-US"/>
+              <a:t>Click to edit Master text styles</a:t>
+            </a:r>
+          </a:p>
+          <a:p>
+            <a:pPr lvl="1"/>
+            <a:r>
+              <a:rPr lang="en-US"/>
+              <a:t>Second level</a:t>
+            </a:r>
+          </a:p>
+          <a:p>
+            <a:pPr lvl="2"/>
+            <a:r>
+              <a:rPr lang="en-US"/>
+              <a:t>Third level</a:t>
+            </a:r>
+          </a:p>
+          <a:p>
+            <a:pPr lvl="3"/>
+            <a:r>
+              <a:rPr lang="en-US"/>
+              <a:t>Fourth level</a:t>
+            </a:r>
+          </a:p>
+          <a:p>
+            <a:pPr lvl="4"/>
+            <a:r>
+              <a:rPr lang="en-US"/>
+              <a:t>Fifth level</a:t>
+            </a:r>
+            <a:endParaRPr lang="ru-RU" dirty="0"/>
+          </a:p>
+        </p:txBody>
+      </p:sp>
+    </p:spTree>
+    <p:extLst>
+      <p:ext uri="{BB962C8B-B14F-4D97-AF65-F5344CB8AC3E}">
+        <p14:creationId xmlns:p14="http://schemas.microsoft.com/office/powerpoint/2010/main" val="1026234569"/>
+      </p:ext>
+    </p:extLst>
+  </p:cSld>
+  <p:clrMapOvr>
+    <a:masterClrMapping/>
+  </p:clrMapOvr>
+</p:sldLayout>
+</file>
+
+<file path=ppt/slideLayouts/slideLayout4.xml><?xml version="1.0" encoding="utf-8"?>
+<p:sldLayout xmlns:a="http://schemas.openxmlformats.org/drawingml/2006/main" xmlns:r="http://schemas.openxmlformats.org/officeDocument/2006/relationships" xmlns:p="http://schemas.openxmlformats.org/presentationml/2006/main" type="twoTxTwoObj" preserve="1">
+  <p:cSld name="Comparison">
+    <p:spTree>
+      <p:nvGrpSpPr>
+        <p:cNvPr id="1" name=""/>
+        <p:cNvGrpSpPr/>
+        <p:nvPr/>
+      </p:nvGrpSpPr>
+      <p:grpSpPr>
+        <a:xfrm>
+          <a:off x="0" y="0"/>
+          <a:ext cx="0" cy="0"/>
+          <a:chOff x="0" y="0"/>
+          <a:chExt cx="0" cy="0"/>
+        </a:xfrm>
+      </p:grpSpPr>
+      <p:sp>
+        <p:nvSpPr>
+          <p:cNvPr id="2" name="Title 1"/>
+          <p:cNvSpPr>
+            <a:spLocks noGrp="1"/>
+          </p:cNvSpPr>
+          <p:nvPr>
+            <p:ph type="title"/>
+          </p:nvPr>
+        </p:nvSpPr>
+        <p:spPr/>
+        <p:txBody>
+          <a:bodyPr/>
+          <a:lstStyle>
+            <a:lvl1pPr>
+              <a:defRPr/>
+            </a:lvl1pPr>
+          </a:lstStyle>
+          <a:p>
+            <a:r>
+              <a:rPr lang="en-US"/>
+              <a:t>Click to edit Master title style</a:t>
+            </a:r>
+            <a:endParaRPr lang="ru-RU" dirty="0"/>
+          </a:p>
+        </p:txBody>
+      </p:sp>
+      <p:sp>
+        <p:nvSpPr>
+          <p:cNvPr id="3" name="Text Placeholder 2"/>
+          <p:cNvSpPr>
+            <a:spLocks noGrp="1"/>
+          </p:cNvSpPr>
+          <p:nvPr>
+            <p:ph type="body" idx="1"/>
+          </p:nvPr>
+        </p:nvSpPr>
+        <p:spPr>
+          <a:xfrm>
+            <a:off x="457200" y="1535113"/>
+            <a:ext cx="4040188" cy="639762"/>
+          </a:xfrm>
+        </p:spPr>
+        <p:txBody>
+          <a:bodyPr anchor="b"/>
+          <a:lstStyle>
+            <a:lvl1pPr marL="0" indent="0">
+              <a:buNone/>
+              <a:defRPr sz="2400" b="1"/>
+            </a:lvl1pPr>
+            <a:lvl2pPr marL="457200" indent="0">
+              <a:buNone/>
+              <a:defRPr sz="2000" b="1"/>
+            </a:lvl2pPr>
+            <a:lvl3pPr marL="914400" indent="0">
+              <a:buNone/>
+              <a:defRPr sz="1800" b="1"/>
+            </a:lvl3pPr>
+            <a:lvl4pPr marL="1371600" indent="0">
+              <a:buNone/>
+              <a:defRPr sz="1600" b="1"/>
+            </a:lvl4pPr>
+            <a:lvl5pPr marL="1828800" indent="0">
+              <a:buNone/>
+              <a:defRPr sz="1600" b="1"/>
+            </a:lvl5pPr>
+            <a:lvl6pPr marL="2286000" indent="0">
+              <a:buNone/>
+              <a:defRPr sz="1600" b="1"/>
+            </a:lvl6pPr>
+            <a:lvl7pPr marL="2743200" indent="0">
+              <a:buNone/>
+              <a:defRPr sz="1600" b="1"/>
+            </a:lvl7pPr>
+            <a:lvl8pPr marL="3200400" indent="0">
+              <a:buNone/>
+              <a:defRPr sz="1600" b="1"/>
+            </a:lvl8pPr>
+            <a:lvl9pPr marL="3657600" indent="0">
+              <a:buNone/>
+              <a:defRPr sz="1600" b="1"/>
+            </a:lvl9pPr>
+          </a:lstStyle>
+          <a:p>
+            <a:pPr lvl="0"/>
+            <a:r>
+              <a:rPr lang="en-US"/>
+              <a:t>Click to edit Master text styles</a:t>
+            </a:r>
+          </a:p>
+        </p:txBody>
+      </p:sp>
+      <p:sp>
+        <p:nvSpPr>
+          <p:cNvPr id="4" name="Content Placeholder 3"/>
+          <p:cNvSpPr>
+            <a:spLocks noGrp="1"/>
+          </p:cNvSpPr>
+          <p:nvPr>
+            <p:ph sz="half" idx="2"/>
+          </p:nvPr>
+        </p:nvSpPr>
+        <p:spPr>
+          <a:xfrm>
+            <a:off x="457200" y="2174875"/>
+            <a:ext cx="4040188" cy="3951288"/>
+          </a:xfrm>
+        </p:spPr>
+        <p:txBody>
+          <a:bodyPr/>
+          <a:lstStyle>
+            <a:lvl1pPr>
+              <a:defRPr sz="2400"/>
+            </a:lvl1pPr>
+            <a:lvl2pPr>
+              <a:defRPr sz="2000"/>
+            </a:lvl2pPr>
+            <a:lvl3pPr>
+              <a:defRPr sz="1800"/>
+            </a:lvl3pPr>
+            <a:lvl4pPr>
+              <a:defRPr sz="1600"/>
+            </a:lvl4pPr>
+            <a:lvl5pPr>
+              <a:defRPr sz="1600"/>
+            </a:lvl5pPr>
+            <a:lvl6pPr>
+              <a:defRPr sz="1600"/>
+            </a:lvl6pPr>
+            <a:lvl7pPr>
+              <a:defRPr sz="1600"/>
+            </a:lvl7pPr>
+            <a:lvl8pPr>
+              <a:defRPr sz="1600"/>
+            </a:lvl8pPr>
+            <a:lvl9pPr>
+              <a:defRPr sz="1600"/>
+            </a:lvl9pPr>
+          </a:lstStyle>
+          <a:p>
+            <a:pPr lvl="0"/>
+            <a:r>
+              <a:rPr lang="en-US"/>
+              <a:t>Click to edit Master text styles</a:t>
+            </a:r>
+          </a:p>
+          <a:p>
+            <a:pPr lvl="1"/>
+            <a:r>
+              <a:rPr lang="en-US"/>
+              <a:t>Second level</a:t>
+            </a:r>
+          </a:p>
+          <a:p>
+            <a:pPr lvl="2"/>
+            <a:r>
+              <a:rPr lang="en-US"/>
+              <a:t>Third level</a:t>
+            </a:r>
+          </a:p>
+          <a:p>
+            <a:pPr lvl="3"/>
+            <a:r>
+              <a:rPr lang="en-US"/>
+              <a:t>Fourth level</a:t>
+            </a:r>
+          </a:p>
+          <a:p>
+            <a:pPr lvl="4"/>
+            <a:r>
+              <a:rPr lang="en-US"/>
+              <a:t>Fifth level</a:t>
+            </a:r>
+            <a:endParaRPr lang="ru-RU" dirty="0"/>
+          </a:p>
+        </p:txBody>
+      </p:sp>
+      <p:sp>
+        <p:nvSpPr>
+          <p:cNvPr id="5" name="Text Placeholder 4"/>
+          <p:cNvSpPr>
+            <a:spLocks noGrp="1"/>
+          </p:cNvSpPr>
+          <p:nvPr>
+            <p:ph type="body" sz="quarter" idx="3"/>
+          </p:nvPr>
+        </p:nvSpPr>
+        <p:spPr>
+          <a:xfrm>
+            <a:off x="4645025" y="1535113"/>
+            <a:ext cx="4041775" cy="639762"/>
+          </a:xfrm>
+        </p:spPr>
+        <p:txBody>
+          <a:bodyPr anchor="b"/>
+          <a:lstStyle>
+            <a:lvl1pPr marL="0" indent="0">
+              <a:buNone/>
+              <a:defRPr sz="2400" b="1"/>
+            </a:lvl1pPr>
+            <a:lvl2pPr marL="457200" indent="0">
+              <a:buNone/>
+              <a:defRPr sz="2000" b="1"/>
+            </a:lvl2pPr>
+            <a:lvl3pPr marL="914400" indent="0">
+              <a:buNone/>
+              <a:defRPr sz="1800" b="1"/>
+            </a:lvl3pPr>
+            <a:lvl4pPr marL="1371600" indent="0">
+              <a:buNone/>
+              <a:defRPr sz="1600" b="1"/>
+            </a:lvl4pPr>
+            <a:lvl5pPr marL="1828800" indent="0">
+              <a:buNone/>
+              <a:defRPr sz="1600" b="1"/>
+            </a:lvl5pPr>
+            <a:lvl6pPr marL="2286000" indent="0">
+              <a:buNone/>
+              <a:defRPr sz="1600" b="1"/>
+            </a:lvl6pPr>
+            <a:lvl7pPr marL="2743200" indent="0">
+              <a:buNone/>
+              <a:defRPr sz="1600" b="1"/>
+            </a:lvl7pPr>
+            <a:lvl8pPr marL="3200400" indent="0">
+              <a:buNone/>
+              <a:defRPr sz="1600" b="1"/>
+            </a:lvl8pPr>
+            <a:lvl9pPr marL="3657600" indent="0">
+              <a:buNone/>
+              <a:defRPr sz="1600" b="1"/>
+            </a:lvl9pPr>
+          </a:lstStyle>
+          <a:p>
+            <a:pPr lvl="0"/>
+            <a:r>
+              <a:rPr lang="en-US"/>
+              <a:t>Click to edit Master text styles</a:t>
+            </a:r>
+          </a:p>
+        </p:txBody>
+      </p:sp>
+      <p:sp>
+        <p:nvSpPr>
+          <p:cNvPr id="6" name="Content Placeholder 5"/>
+          <p:cNvSpPr>
+            <a:spLocks noGrp="1"/>
+          </p:cNvSpPr>
+          <p:nvPr>
+            <p:ph sz="quarter" idx="4"/>
+          </p:nvPr>
+        </p:nvSpPr>
+        <p:spPr>
+          <a:xfrm>
+            <a:off x="4645025" y="2174875"/>
+            <a:ext cx="4041775" cy="3951288"/>
+          </a:xfrm>
+        </p:spPr>
+        <p:txBody>
+          <a:bodyPr/>
+          <a:lstStyle>
+            <a:lvl1pPr>
+              <a:defRPr sz="2400"/>
+            </a:lvl1pPr>
+            <a:lvl2pPr>
+              <a:defRPr sz="2000"/>
+            </a:lvl2pPr>
+            <a:lvl3pPr>
+              <a:defRPr sz="1800"/>
+            </a:lvl3pPr>
+            <a:lvl4pPr>
+              <a:defRPr sz="1600"/>
+            </a:lvl4pPr>
+            <a:lvl5pPr>
+              <a:defRPr sz="1600"/>
+            </a:lvl5pPr>
+            <a:lvl6pPr>
+              <a:defRPr sz="1600"/>
+            </a:lvl6pPr>
+            <a:lvl7pPr>
+              <a:defRPr sz="1600"/>
+            </a:lvl7pPr>
+            <a:lvl8pPr>
+              <a:defRPr sz="1600"/>
+            </a:lvl8pPr>
+            <a:lvl9pPr>
+              <a:defRPr sz="1600"/>
+            </a:lvl9pPr>
+          </a:lstStyle>
+          <a:p>
+            <a:pPr lvl="0"/>
+            <a:r>
+              <a:rPr lang="en-US"/>
+              <a:t>Click to edit Master text styles</a:t>
+            </a:r>
+          </a:p>
+          <a:p>
+            <a:pPr lvl="1"/>
+            <a:r>
+              <a:rPr lang="en-US"/>
+              <a:t>Second level</a:t>
+            </a:r>
+          </a:p>
+          <a:p>
+            <a:pPr lvl="2"/>
+            <a:r>
+              <a:rPr lang="en-US"/>
+              <a:t>Third level</a:t>
+            </a:r>
+          </a:p>
+          <a:p>
+            <a:pPr lvl="3"/>
+            <a:r>
+              <a:rPr lang="en-US"/>
+              <a:t>Fourth level</a:t>
+            </a:r>
+          </a:p>
+          <a:p>
+            <a:pPr lvl="4"/>
+            <a:r>
+              <a:rPr lang="en-US"/>
+              <a:t>Fifth level</a:t>
+            </a:r>
+            <a:endParaRPr lang="ru-RU" dirty="0"/>
+          </a:p>
+        </p:txBody>
+      </p:sp>
+    </p:spTree>
+    <p:extLst>
+      <p:ext uri="{BB962C8B-B14F-4D97-AF65-F5344CB8AC3E}">
+        <p14:creationId xmlns:p14="http://schemas.microsoft.com/office/powerpoint/2010/main" val="4044979405"/>
+      </p:ext>
+    </p:extLst>
+  </p:cSld>
+  <p:clrMapOvr>
+    <a:masterClrMapping/>
+  </p:clrMapOvr>
+</p:sldLayout>
+</file>
+
+<file path=ppt/slideLayouts/slideLayout5.xml><?xml version="1.0" encoding="utf-8"?>
+<p:sldLayout xmlns:a="http://schemas.openxmlformats.org/drawingml/2006/main" xmlns:r="http://schemas.openxmlformats.org/officeDocument/2006/relationships" xmlns:p="http://schemas.openxmlformats.org/presentationml/2006/main" type="titleOnly" preserve="1">
+  <p:cSld name="Title Only">
+    <p:spTree>
+      <p:nvGrpSpPr>
+        <p:cNvPr id="1" name=""/>
+        <p:cNvGrpSpPr/>
+        <p:nvPr/>
+      </p:nvGrpSpPr>
+      <p:grpSpPr>
+        <a:xfrm>
+          <a:off x="0" y="0"/>
+          <a:ext cx="0" cy="0"/>
+          <a:chOff x="0" y="0"/>
+          <a:chExt cx="0" cy="0"/>
+        </a:xfrm>
+      </p:grpSpPr>
+      <p:sp>
+        <p:nvSpPr>
+          <p:cNvPr id="2" name="Title 1"/>
+          <p:cNvSpPr>
+            <a:spLocks noGrp="1"/>
+          </p:cNvSpPr>
+          <p:nvPr>
+            <p:ph type="title"/>
+          </p:nvPr>
+        </p:nvSpPr>
+        <p:spPr/>
+        <p:txBody>
+          <a:bodyPr/>
+          <a:lstStyle/>
+          <a:p>
+            <a:r>
+              <a:rPr lang="en-US"/>
+              <a:t>Click to edit Master title style</a:t>
+            </a:r>
+            <a:endParaRPr lang="ru-RU" dirty="0"/>
+          </a:p>
+        </p:txBody>
+      </p:sp>
+    </p:spTree>
+    <p:extLst>
+      <p:ext uri="{BB962C8B-B14F-4D97-AF65-F5344CB8AC3E}">
+        <p14:creationId xmlns:p14="http://schemas.microsoft.com/office/powerpoint/2010/main" val="125202666"/>
+      </p:ext>
+    </p:extLst>
+  </p:cSld>
+  <p:clrMapOvr>
+    <a:masterClrMapping/>
+  </p:clrMapOvr>
+</p:sldLayout>
+</file>
+
+<file path=ppt/slideLayouts/slideLayout6.xml><?xml version="1.0" encoding="utf-8"?>
+<p:sldLayout xmlns:a="http://schemas.openxmlformats.org/drawingml/2006/main" xmlns:r="http://schemas.openxmlformats.org/officeDocument/2006/relationships" xmlns:p="http://schemas.openxmlformats.org/presentationml/2006/main" preserve="1" userDrawn="1">
+  <p:cSld name="Demo">
+    <p:spTree>
+      <p:nvGrpSpPr>
+        <p:cNvPr id="1" name=""/>
+        <p:cNvGrpSpPr/>
+        <p:nvPr/>
+      </p:nvGrpSpPr>
+      <p:grpSpPr>
+        <a:xfrm>
+          <a:off x="0" y="0"/>
+          <a:ext cx="0" cy="0"/>
+          <a:chOff x="0" y="0"/>
+          <a:chExt cx="0" cy="0"/>
+        </a:xfrm>
+      </p:grpSpPr>
+      <p:sp>
+        <p:nvSpPr>
+          <p:cNvPr id="10" name="TextBox 9"/>
+          <p:cNvSpPr txBox="1"/>
+          <p:nvPr userDrawn="1"/>
+        </p:nvSpPr>
+        <p:spPr>
+          <a:xfrm>
+            <a:off x="359532" y="3136613"/>
+            <a:ext cx="8424936" cy="584775"/>
+          </a:xfrm>
+          <a:prstGeom prst="rect">
+            <a:avLst/>
+          </a:prstGeom>
+          <a:noFill/>
+        </p:spPr>
+        <p:txBody>
+          <a:bodyPr wrap="square" rtlCol="0" anchor="ctr">
+            <a:spAutoFit/>
+          </a:bodyPr>
+          <a:lstStyle/>
+          <a:p>
+            <a:pPr algn="ctr"/>
+            <a:r>
+              <a:rPr lang="ru-RU" sz="3200" dirty="0"/>
+              <a:t>Название.</a:t>
+            </a:r>
+            <a:r>
+              <a:rPr lang="ru-RU" sz="3200" baseline="0" dirty="0"/>
+              <a:t> Демонстрация.</a:t>
+            </a:r>
+            <a:endParaRPr lang="ru-RU" sz="3200" dirty="0"/>
+          </a:p>
+        </p:txBody>
+      </p:sp>
+    </p:spTree>
+    <p:extLst>
+      <p:ext uri="{BB962C8B-B14F-4D97-AF65-F5344CB8AC3E}">
+        <p14:creationId xmlns:p14="http://schemas.microsoft.com/office/powerpoint/2010/main" val="3308008441"/>
+      </p:ext>
+    </p:extLst>
+  </p:cSld>
+  <p:clrMapOvr>
+    <a:masterClrMapping/>
+  </p:clrMapOvr>
+</p:sldLayout>
+</file>
+
+<file path=ppt/slideLayouts/slideLayout7.xml><?xml version="1.0" encoding="utf-8"?>
+<p:sldLayout xmlns:a="http://schemas.openxmlformats.org/drawingml/2006/main" xmlns:r="http://schemas.openxmlformats.org/officeDocument/2006/relationships" xmlns:p="http://schemas.openxmlformats.org/presentationml/2006/main" type="blank" preserve="1">
+  <p:cSld name="1_Blank">
+    <p:spTree>
+      <p:nvGrpSpPr>
+        <p:cNvPr id="1" name=""/>
+        <p:cNvGrpSpPr/>
+        <p:nvPr/>
+      </p:nvGrpSpPr>
+      <p:grpSpPr>
+        <a:xfrm>
+          <a:off x="0" y="0"/>
+          <a:ext cx="0" cy="0"/>
+          <a:chOff x="0" y="0"/>
+          <a:chExt cx="0" cy="0"/>
+        </a:xfrm>
+      </p:grpSpPr>
+    </p:spTree>
+    <p:extLst>
+      <p:ext uri="{BB962C8B-B14F-4D97-AF65-F5344CB8AC3E}">
+        <p14:creationId xmlns:p14="http://schemas.microsoft.com/office/powerpoint/2010/main" val="2618453949"/>
+      </p:ext>
+    </p:extLst>
+  </p:cSld>
+  <p:clrMapOvr>
+    <a:masterClrMapping/>
+  </p:clrMapOvr>
+</p:sldLayout>
+</file>
+
+<file path=ppt/slideLayouts/slideLayout8.xml><?xml version="1.0" encoding="utf-8"?>
 <p:sldLayout xmlns:a="http://schemas.openxmlformats.org/drawingml/2006/main" xmlns:r="http://schemas.openxmlformats.org/officeDocument/2006/relationships" xmlns:p="http://schemas.openxmlformats.org/presentationml/2006/main" type="objTx" preserve="1">
   <p:cSld name="Content with Caption">
     <p:spTree>
@@ -1024,7 +2306,7 @@
 </p:sldLayout>
 </file>
 
-<file path=ppt/slideLayouts/slideLayout11.xml><?xml version="1.0" encoding="utf-8"?>
+<file path=ppt/slideLayouts/slideLayout9.xml><?xml version="1.0" encoding="utf-8"?>
 <p:sldLayout xmlns:a="http://schemas.openxmlformats.org/drawingml/2006/main" xmlns:r="http://schemas.openxmlformats.org/officeDocument/2006/relationships" xmlns:p="http://schemas.openxmlformats.org/presentationml/2006/main" type="picTx" preserve="1">
   <p:cSld name="Picture with Caption">
     <p:spTree>
@@ -1216,1683 +2498,13 @@
 </p:sldLayout>
 </file>
 
-<file path=ppt/slideLayouts/slideLayout12.xml><?xml version="1.0" encoding="utf-8"?>
-<p:sldLayout xmlns:a="http://schemas.openxmlformats.org/drawingml/2006/main" xmlns:r="http://schemas.openxmlformats.org/officeDocument/2006/relationships" xmlns:p="http://schemas.openxmlformats.org/presentationml/2006/main" type="vertTx" preserve="1">
-  <p:cSld name="Title and Vertical Text">
-    <p:spTree>
-      <p:nvGrpSpPr>
-        <p:cNvPr id="1" name=""/>
-        <p:cNvGrpSpPr/>
-        <p:nvPr/>
-      </p:nvGrpSpPr>
-      <p:grpSpPr>
-        <a:xfrm>
-          <a:off x="0" y="0"/>
-          <a:ext cx="0" cy="0"/>
-          <a:chOff x="0" y="0"/>
-          <a:chExt cx="0" cy="0"/>
-        </a:xfrm>
-      </p:grpSpPr>
-      <p:sp>
-        <p:nvSpPr>
-          <p:cNvPr id="2" name="Title 1"/>
-          <p:cNvSpPr>
-            <a:spLocks noGrp="1"/>
-          </p:cNvSpPr>
-          <p:nvPr>
-            <p:ph type="title"/>
-          </p:nvPr>
-        </p:nvSpPr>
-        <p:spPr/>
-        <p:txBody>
-          <a:bodyPr/>
-          <a:lstStyle/>
-          <a:p>
-            <a:r>
-              <a:rPr lang="en-US"/>
-              <a:t>Click to edit Master title style</a:t>
-            </a:r>
-            <a:endParaRPr lang="ru-RU" dirty="0"/>
-          </a:p>
-        </p:txBody>
-      </p:sp>
-      <p:sp>
-        <p:nvSpPr>
-          <p:cNvPr id="3" name="Vertical Text Placeholder 2"/>
-          <p:cNvSpPr>
-            <a:spLocks noGrp="1"/>
-          </p:cNvSpPr>
-          <p:nvPr>
-            <p:ph type="body" orient="vert" idx="1"/>
-          </p:nvPr>
-        </p:nvSpPr>
-        <p:spPr/>
-        <p:txBody>
-          <a:bodyPr vert="eaVert"/>
-          <a:lstStyle/>
-          <a:p>
-            <a:pPr lvl="0"/>
-            <a:r>
-              <a:rPr lang="en-US"/>
-              <a:t>Click to edit Master text styles</a:t>
-            </a:r>
-          </a:p>
-          <a:p>
-            <a:pPr lvl="1"/>
-            <a:r>
-              <a:rPr lang="en-US"/>
-              <a:t>Second level</a:t>
-            </a:r>
-          </a:p>
-          <a:p>
-            <a:pPr lvl="2"/>
-            <a:r>
-              <a:rPr lang="en-US"/>
-              <a:t>Third level</a:t>
-            </a:r>
-          </a:p>
-          <a:p>
-            <a:pPr lvl="3"/>
-            <a:r>
-              <a:rPr lang="en-US"/>
-              <a:t>Fourth level</a:t>
-            </a:r>
-          </a:p>
-          <a:p>
-            <a:pPr lvl="4"/>
-            <a:r>
-              <a:rPr lang="en-US"/>
-              <a:t>Fifth level</a:t>
-            </a:r>
-            <a:endParaRPr lang="ru-RU" dirty="0"/>
-          </a:p>
-        </p:txBody>
-      </p:sp>
-    </p:spTree>
-    <p:extLst>
-      <p:ext uri="{BB962C8B-B14F-4D97-AF65-F5344CB8AC3E}">
-        <p14:creationId xmlns:p14="http://schemas.microsoft.com/office/powerpoint/2010/main" val="2015559697"/>
-      </p:ext>
-    </p:extLst>
-  </p:cSld>
-  <p:clrMapOvr>
-    <a:masterClrMapping/>
-  </p:clrMapOvr>
-</p:sldLayout>
-</file>
-
-<file path=ppt/slideLayouts/slideLayout13.xml><?xml version="1.0" encoding="utf-8"?>
-<p:sldLayout xmlns:a="http://schemas.openxmlformats.org/drawingml/2006/main" xmlns:r="http://schemas.openxmlformats.org/officeDocument/2006/relationships" xmlns:p="http://schemas.openxmlformats.org/presentationml/2006/main" type="vertTitleAndTx" preserve="1">
-  <p:cSld name="Vertical Title and Text">
-    <p:spTree>
-      <p:nvGrpSpPr>
-        <p:cNvPr id="1" name=""/>
-        <p:cNvGrpSpPr/>
-        <p:nvPr/>
-      </p:nvGrpSpPr>
-      <p:grpSpPr>
-        <a:xfrm>
-          <a:off x="0" y="0"/>
-          <a:ext cx="0" cy="0"/>
-          <a:chOff x="0" y="0"/>
-          <a:chExt cx="0" cy="0"/>
-        </a:xfrm>
-      </p:grpSpPr>
-      <p:sp>
-        <p:nvSpPr>
-          <p:cNvPr id="2" name="Vertical Title 1"/>
-          <p:cNvSpPr>
-            <a:spLocks noGrp="1"/>
-          </p:cNvSpPr>
-          <p:nvPr>
-            <p:ph type="title" orient="vert"/>
-          </p:nvPr>
-        </p:nvSpPr>
-        <p:spPr>
-          <a:xfrm>
-            <a:off x="6629400" y="274638"/>
-            <a:ext cx="2057400" cy="5851525"/>
-          </a:xfrm>
-        </p:spPr>
-        <p:txBody>
-          <a:bodyPr vert="eaVert"/>
-          <a:lstStyle/>
-          <a:p>
-            <a:r>
-              <a:rPr lang="en-US"/>
-              <a:t>Click to edit Master title style</a:t>
-            </a:r>
-            <a:endParaRPr lang="ru-RU" dirty="0"/>
-          </a:p>
-        </p:txBody>
-      </p:sp>
-      <p:sp>
-        <p:nvSpPr>
-          <p:cNvPr id="3" name="Vertical Text Placeholder 2"/>
-          <p:cNvSpPr>
-            <a:spLocks noGrp="1"/>
-          </p:cNvSpPr>
-          <p:nvPr>
-            <p:ph type="body" orient="vert" idx="1"/>
-          </p:nvPr>
-        </p:nvSpPr>
-        <p:spPr>
-          <a:xfrm>
-            <a:off x="457200" y="274638"/>
-            <a:ext cx="6019800" cy="5851525"/>
-          </a:xfrm>
-        </p:spPr>
-        <p:txBody>
-          <a:bodyPr vert="eaVert"/>
-          <a:lstStyle/>
-          <a:p>
-            <a:pPr lvl="0"/>
-            <a:r>
-              <a:rPr lang="en-US"/>
-              <a:t>Click to edit Master text styles</a:t>
-            </a:r>
-          </a:p>
-          <a:p>
-            <a:pPr lvl="1"/>
-            <a:r>
-              <a:rPr lang="en-US"/>
-              <a:t>Second level</a:t>
-            </a:r>
-          </a:p>
-          <a:p>
-            <a:pPr lvl="2"/>
-            <a:r>
-              <a:rPr lang="en-US"/>
-              <a:t>Third level</a:t>
-            </a:r>
-          </a:p>
-          <a:p>
-            <a:pPr lvl="3"/>
-            <a:r>
-              <a:rPr lang="en-US"/>
-              <a:t>Fourth level</a:t>
-            </a:r>
-          </a:p>
-          <a:p>
-            <a:pPr lvl="4"/>
-            <a:r>
-              <a:rPr lang="en-US"/>
-              <a:t>Fifth level</a:t>
-            </a:r>
-            <a:endParaRPr lang="ru-RU" dirty="0"/>
-          </a:p>
-        </p:txBody>
-      </p:sp>
-    </p:spTree>
-    <p:extLst>
-      <p:ext uri="{BB962C8B-B14F-4D97-AF65-F5344CB8AC3E}">
-        <p14:creationId xmlns:p14="http://schemas.microsoft.com/office/powerpoint/2010/main" val="370514854"/>
-      </p:ext>
-    </p:extLst>
-  </p:cSld>
-  <p:clrMapOvr>
-    <a:masterClrMapping/>
-  </p:clrMapOvr>
-</p:sldLayout>
-</file>
-
-<file path=ppt/slideLayouts/slideLayout14.xml><?xml version="1.0" encoding="utf-8"?>
-<p:sldLayout xmlns:a="http://schemas.openxmlformats.org/drawingml/2006/main" xmlns:r="http://schemas.openxmlformats.org/officeDocument/2006/relationships" xmlns:p="http://schemas.openxmlformats.org/presentationml/2006/main" type="title">
-  <p:cSld name="2_Title Slide">
-    <p:spTree>
-      <p:nvGrpSpPr>
-        <p:cNvPr id="1" name=""/>
-        <p:cNvGrpSpPr/>
-        <p:nvPr/>
-      </p:nvGrpSpPr>
-      <p:grpSpPr>
-        <a:xfrm>
-          <a:off x="0" y="0"/>
-          <a:ext cx="0" cy="0"/>
-          <a:chOff x="0" y="0"/>
-          <a:chExt cx="0" cy="0"/>
-        </a:xfrm>
-      </p:grpSpPr>
-      <p:sp>
-        <p:nvSpPr>
-          <p:cNvPr id="2" name="Title 1"/>
-          <p:cNvSpPr>
-            <a:spLocks noGrp="1"/>
-          </p:cNvSpPr>
-          <p:nvPr>
-            <p:ph type="ctrTitle"/>
-          </p:nvPr>
-        </p:nvSpPr>
-        <p:spPr>
-          <a:xfrm>
-            <a:off x="685800" y="2130425"/>
-            <a:ext cx="7772400" cy="1470025"/>
-          </a:xfrm>
-        </p:spPr>
-        <p:txBody>
-          <a:bodyPr/>
-          <a:lstStyle/>
-          <a:p>
-            <a:r>
-              <a:rPr lang="en-US"/>
-              <a:t>Click to edit Master title style</a:t>
-            </a:r>
-            <a:endParaRPr lang="ru-RU"/>
-          </a:p>
-        </p:txBody>
-      </p:sp>
-      <p:sp>
-        <p:nvSpPr>
-          <p:cNvPr id="3" name="Subtitle 2"/>
-          <p:cNvSpPr>
-            <a:spLocks noGrp="1"/>
-          </p:cNvSpPr>
-          <p:nvPr>
-            <p:ph type="subTitle" idx="1"/>
-          </p:nvPr>
-        </p:nvSpPr>
-        <p:spPr>
-          <a:xfrm>
-            <a:off x="1371600" y="3886200"/>
-            <a:ext cx="6400800" cy="1752600"/>
-          </a:xfrm>
-        </p:spPr>
-        <p:txBody>
-          <a:bodyPr/>
-          <a:lstStyle>
-            <a:lvl1pPr marL="0" indent="0" algn="ctr">
-              <a:buNone/>
-              <a:defRPr>
-                <a:solidFill>
-                  <a:schemeClr val="tx1">
-                    <a:tint val="75000"/>
-                  </a:schemeClr>
-                </a:solidFill>
-              </a:defRPr>
-            </a:lvl1pPr>
-            <a:lvl2pPr marL="457200" indent="0" algn="ctr">
-              <a:buNone/>
-              <a:defRPr>
-                <a:solidFill>
-                  <a:schemeClr val="tx1">
-                    <a:tint val="75000"/>
-                  </a:schemeClr>
-                </a:solidFill>
-              </a:defRPr>
-            </a:lvl2pPr>
-            <a:lvl3pPr marL="914400" indent="0" algn="ctr">
-              <a:buNone/>
-              <a:defRPr>
-                <a:solidFill>
-                  <a:schemeClr val="tx1">
-                    <a:tint val="75000"/>
-                  </a:schemeClr>
-                </a:solidFill>
-              </a:defRPr>
-            </a:lvl3pPr>
-            <a:lvl4pPr marL="1371600" indent="0" algn="ctr">
-              <a:buNone/>
-              <a:defRPr>
-                <a:solidFill>
-                  <a:schemeClr val="tx1">
-                    <a:tint val="75000"/>
-                  </a:schemeClr>
-                </a:solidFill>
-              </a:defRPr>
-            </a:lvl4pPr>
-            <a:lvl5pPr marL="1828800" indent="0" algn="ctr">
-              <a:buNone/>
-              <a:defRPr>
-                <a:solidFill>
-                  <a:schemeClr val="tx1">
-                    <a:tint val="75000"/>
-                  </a:schemeClr>
-                </a:solidFill>
-              </a:defRPr>
-            </a:lvl5pPr>
-            <a:lvl6pPr marL="2286000" indent="0" algn="ctr">
-              <a:buNone/>
-              <a:defRPr>
-                <a:solidFill>
-                  <a:schemeClr val="tx1">
-                    <a:tint val="75000"/>
-                  </a:schemeClr>
-                </a:solidFill>
-              </a:defRPr>
-            </a:lvl6pPr>
-            <a:lvl7pPr marL="2743200" indent="0" algn="ctr">
-              <a:buNone/>
-              <a:defRPr>
-                <a:solidFill>
-                  <a:schemeClr val="tx1">
-                    <a:tint val="75000"/>
-                  </a:schemeClr>
-                </a:solidFill>
-              </a:defRPr>
-            </a:lvl7pPr>
-            <a:lvl8pPr marL="3200400" indent="0" algn="ctr">
-              <a:buNone/>
-              <a:defRPr>
-                <a:solidFill>
-                  <a:schemeClr val="tx1">
-                    <a:tint val="75000"/>
-                  </a:schemeClr>
-                </a:solidFill>
-              </a:defRPr>
-            </a:lvl8pPr>
-            <a:lvl9pPr marL="3657600" indent="0" algn="ctr">
-              <a:buNone/>
-              <a:defRPr>
-                <a:solidFill>
-                  <a:schemeClr val="tx1">
-                    <a:tint val="75000"/>
-                  </a:schemeClr>
-                </a:solidFill>
-              </a:defRPr>
-            </a:lvl9pPr>
-          </a:lstStyle>
-          <a:p>
-            <a:r>
-              <a:rPr lang="en-US"/>
-              <a:t>Click to edit Master subtitle style</a:t>
-            </a:r>
-            <a:endParaRPr lang="ru-RU"/>
-          </a:p>
-        </p:txBody>
-      </p:sp>
-      <p:sp>
-        <p:nvSpPr>
-          <p:cNvPr id="4" name="Date Placeholder 3"/>
-          <p:cNvSpPr>
-            <a:spLocks noGrp="1"/>
-          </p:cNvSpPr>
-          <p:nvPr>
-            <p:ph type="dt" sz="half" idx="10"/>
-          </p:nvPr>
-        </p:nvSpPr>
-        <p:spPr/>
-        <p:txBody>
-          <a:bodyPr/>
-          <a:lstStyle/>
-          <a:p>
-            <a:fld id="{8E6E6A2A-E9D3-4A0D-B04A-ABDD367A1E08}" type="datetimeFigureOut">
-              <a:rPr lang="ru-RU" smtClean="0"/>
-              <a:t>01.07.2018</a:t>
-            </a:fld>
-            <a:endParaRPr lang="ru-RU"/>
-          </a:p>
-        </p:txBody>
-      </p:sp>
-      <p:sp>
-        <p:nvSpPr>
-          <p:cNvPr id="5" name="Footer Placeholder 4"/>
-          <p:cNvSpPr>
-            <a:spLocks noGrp="1"/>
-          </p:cNvSpPr>
-          <p:nvPr>
-            <p:ph type="ftr" sz="quarter" idx="11"/>
-          </p:nvPr>
-        </p:nvSpPr>
-        <p:spPr/>
-        <p:txBody>
-          <a:bodyPr/>
-          <a:lstStyle/>
-          <a:p>
-            <a:endParaRPr lang="ru-RU"/>
-          </a:p>
-        </p:txBody>
-      </p:sp>
-      <p:sp>
-        <p:nvSpPr>
-          <p:cNvPr id="6" name="Slide Number Placeholder 5"/>
-          <p:cNvSpPr>
-            <a:spLocks noGrp="1"/>
-          </p:cNvSpPr>
-          <p:nvPr>
-            <p:ph type="sldNum" sz="quarter" idx="12"/>
-          </p:nvPr>
-        </p:nvSpPr>
-        <p:spPr/>
-        <p:txBody>
-          <a:bodyPr/>
-          <a:lstStyle/>
-          <a:p>
-            <a:fld id="{BC0D3D34-2E8A-4A38-B864-C677BA056495}" type="slidenum">
-              <a:rPr lang="ru-RU" smtClean="0"/>
-              <a:t>‹#›</a:t>
-            </a:fld>
-            <a:endParaRPr lang="ru-RU"/>
-          </a:p>
-        </p:txBody>
-      </p:sp>
-    </p:spTree>
-    <p:extLst>
-      <p:ext uri="{BB962C8B-B14F-4D97-AF65-F5344CB8AC3E}">
-        <p14:creationId xmlns:p14="http://schemas.microsoft.com/office/powerpoint/2010/main" val="1606728436"/>
-      </p:ext>
-    </p:extLst>
-  </p:cSld>
-  <p:clrMapOvr>
-    <a:masterClrMapping/>
-  </p:clrMapOvr>
-</p:sldLayout>
-</file>
-
-<file path=ppt/slideLayouts/slideLayout2.xml><?xml version="1.0" encoding="utf-8"?>
-<p:sldLayout xmlns:a="http://schemas.openxmlformats.org/drawingml/2006/main" xmlns:r="http://schemas.openxmlformats.org/officeDocument/2006/relationships" xmlns:p="http://schemas.openxmlformats.org/presentationml/2006/main" preserve="1" userDrawn="1">
-  <p:cSld name="1_Title Slide">
-    <p:spTree>
-      <p:nvGrpSpPr>
-        <p:cNvPr id="1" name=""/>
-        <p:cNvGrpSpPr/>
-        <p:nvPr/>
-      </p:nvGrpSpPr>
-      <p:grpSpPr>
-        <a:xfrm>
-          <a:off x="0" y="0"/>
-          <a:ext cx="0" cy="0"/>
-          <a:chOff x="0" y="0"/>
-          <a:chExt cx="0" cy="0"/>
-        </a:xfrm>
-      </p:grpSpPr>
-      <p:sp>
-        <p:nvSpPr>
-          <p:cNvPr id="9" name="TextBox 8"/>
-          <p:cNvSpPr txBox="1"/>
-          <p:nvPr userDrawn="1"/>
-        </p:nvSpPr>
-        <p:spPr>
-          <a:xfrm>
-            <a:off x="2774873" y="2528900"/>
-            <a:ext cx="4240263" cy="461665"/>
-          </a:xfrm>
-          <a:prstGeom prst="rect">
-            <a:avLst/>
-          </a:prstGeom>
-          <a:noFill/>
-        </p:spPr>
-        <p:txBody>
-          <a:bodyPr wrap="none" rtlCol="0">
-            <a:spAutoFit/>
-          </a:bodyPr>
-          <a:lstStyle/>
-          <a:p>
-            <a:r>
-              <a:rPr lang="ru-RU" sz="2400" dirty="0">
-                <a:solidFill>
-                  <a:schemeClr val="bg1"/>
-                </a:solidFill>
-              </a:rPr>
-              <a:t>Занятие №</a:t>
-            </a:r>
-            <a:r>
-              <a:rPr lang="en-US" sz="2400" dirty="0">
-                <a:solidFill>
-                  <a:schemeClr val="bg1"/>
-                </a:solidFill>
-              </a:rPr>
-              <a:t>2</a:t>
-            </a:r>
-            <a:r>
-              <a:rPr lang="ru-RU" sz="2400" dirty="0">
-                <a:solidFill>
-                  <a:schemeClr val="bg1"/>
-                </a:solidFill>
-              </a:rPr>
-              <a:t>. Название занятия</a:t>
-            </a:r>
-            <a:endParaRPr lang="en-US" sz="2400" dirty="0">
-              <a:solidFill>
-                <a:schemeClr val="bg1"/>
-              </a:solidFill>
-            </a:endParaRPr>
-          </a:p>
-        </p:txBody>
-      </p:sp>
-      <p:sp>
-        <p:nvSpPr>
-          <p:cNvPr id="7" name="Rectangle 6"/>
-          <p:cNvSpPr/>
-          <p:nvPr userDrawn="1"/>
-        </p:nvSpPr>
-        <p:spPr>
-          <a:xfrm>
-            <a:off x="143508" y="1304764"/>
-            <a:ext cx="8856984" cy="646331"/>
-          </a:xfrm>
-          <a:prstGeom prst="rect">
-            <a:avLst/>
-          </a:prstGeom>
-        </p:spPr>
-        <p:txBody>
-          <a:bodyPr wrap="square">
-            <a:spAutoFit/>
-          </a:bodyPr>
-          <a:lstStyle/>
-          <a:p>
-            <a:pPr algn="ctr"/>
-            <a:r>
-              <a:rPr lang="ru-RU" sz="3600" b="1" i="1" dirty="0">
-                <a:solidFill>
-                  <a:schemeClr val="bg1"/>
-                </a:solidFill>
-              </a:rPr>
-              <a:t>Основы программирования на </a:t>
-            </a:r>
-            <a:r>
-              <a:rPr lang="en-US" sz="3600" b="1" i="1" dirty="0">
-                <a:solidFill>
-                  <a:schemeClr val="bg1"/>
-                </a:solidFill>
-              </a:rPr>
-              <a:t>C#</a:t>
-            </a:r>
-            <a:endParaRPr lang="ru-RU" sz="3600" b="1" i="1" dirty="0">
-              <a:solidFill>
-                <a:schemeClr val="bg1"/>
-              </a:solidFill>
-            </a:endParaRPr>
-          </a:p>
-        </p:txBody>
-      </p:sp>
-      <p:pic>
-        <p:nvPicPr>
-          <p:cNvPr id="8" name="Picture 5"/>
-          <p:cNvPicPr>
-            <a:picLocks noChangeAspect="1" noChangeArrowheads="1"/>
-          </p:cNvPicPr>
-          <p:nvPr userDrawn="1"/>
-        </p:nvPicPr>
-        <p:blipFill>
-          <a:blip r:embed="rId2">
-            <a:extLst>
-              <a:ext uri="{28A0092B-C50C-407E-A947-70E740481C1C}">
-                <a14:useLocalDpi xmlns:a14="http://schemas.microsoft.com/office/drawing/2010/main" val="0"/>
-              </a:ext>
-            </a:extLst>
-          </a:blip>
-          <a:srcRect/>
-          <a:stretch>
-            <a:fillRect/>
-          </a:stretch>
-        </p:blipFill>
-        <p:spPr bwMode="auto">
-          <a:xfrm>
-            <a:off x="1638300" y="3829211"/>
-            <a:ext cx="5867400" cy="1724025"/>
-          </a:xfrm>
-          <a:prstGeom prst="rect">
-            <a:avLst/>
-          </a:prstGeom>
-          <a:noFill/>
-          <a:ln>
-            <a:noFill/>
-          </a:ln>
-          <a:effectLst/>
-          <a:extLst>
-            <a:ext uri="{909E8E84-426E-40DD-AFC4-6F175D3DCCD1}">
-              <a14:hiddenFill xmlns:a14="http://schemas.microsoft.com/office/drawing/2010/main">
-                <a:solidFill>
-                  <a:schemeClr val="accent1"/>
-                </a:solidFill>
-              </a14:hiddenFill>
-            </a:ext>
-            <a:ext uri="{91240B29-F687-4F45-9708-019B960494DF}">
-              <a14:hiddenLine xmlns:a14="http://schemas.microsoft.com/office/drawing/2010/main" w="9525">
-                <a:solidFill>
-                  <a:schemeClr val="tx1"/>
-                </a:solidFill>
-                <a:miter lim="800000"/>
-                <a:headEnd/>
-                <a:tailEnd/>
-              </a14:hiddenLine>
-            </a:ext>
-            <a:ext uri="{AF507438-7753-43E0-B8FC-AC1667EBCBE1}">
-              <a14:hiddenEffects xmlns:a14="http://schemas.microsoft.com/office/drawing/2010/main">
-                <a:effectLst>
-                  <a:outerShdw dist="35921" dir="2700000" algn="ctr" rotWithShape="0">
-                    <a:schemeClr val="bg2"/>
-                  </a:outerShdw>
-                </a:effectLst>
-              </a14:hiddenEffects>
-            </a:ext>
-          </a:extLst>
-        </p:spPr>
-      </p:pic>
-    </p:spTree>
-    <p:extLst>
-      <p:ext uri="{BB962C8B-B14F-4D97-AF65-F5344CB8AC3E}">
-        <p14:creationId xmlns:p14="http://schemas.microsoft.com/office/powerpoint/2010/main" val="3296324981"/>
-      </p:ext>
-    </p:extLst>
-  </p:cSld>
-  <p:clrMapOvr>
-    <a:masterClrMapping/>
-  </p:clrMapOvr>
-</p:sldLayout>
-</file>
-
-<file path=ppt/slideLayouts/slideLayout3.xml><?xml version="1.0" encoding="utf-8"?>
-<p:sldLayout xmlns:a="http://schemas.openxmlformats.org/drawingml/2006/main" xmlns:r="http://schemas.openxmlformats.org/officeDocument/2006/relationships" xmlns:p="http://schemas.openxmlformats.org/presentationml/2006/main" type="obj" preserve="1">
-  <p:cSld name="Title and Content">
-    <p:spTree>
-      <p:nvGrpSpPr>
-        <p:cNvPr id="1" name=""/>
-        <p:cNvGrpSpPr/>
-        <p:nvPr/>
-      </p:nvGrpSpPr>
-      <p:grpSpPr>
-        <a:xfrm>
-          <a:off x="0" y="0"/>
-          <a:ext cx="0" cy="0"/>
-          <a:chOff x="0" y="0"/>
-          <a:chExt cx="0" cy="0"/>
-        </a:xfrm>
-      </p:grpSpPr>
-      <p:sp>
-        <p:nvSpPr>
-          <p:cNvPr id="2" name="Title 1"/>
-          <p:cNvSpPr>
-            <a:spLocks noGrp="1"/>
-          </p:cNvSpPr>
-          <p:nvPr>
-            <p:ph type="title"/>
-          </p:nvPr>
-        </p:nvSpPr>
-        <p:spPr/>
-        <p:txBody>
-          <a:bodyPr/>
-          <a:lstStyle/>
-          <a:p>
-            <a:r>
-              <a:rPr lang="en-US"/>
-              <a:t>Click to edit Master title style</a:t>
-            </a:r>
-            <a:endParaRPr lang="ru-RU" dirty="0"/>
-          </a:p>
-        </p:txBody>
-      </p:sp>
-      <p:sp>
-        <p:nvSpPr>
-          <p:cNvPr id="3" name="Content Placeholder 2"/>
-          <p:cNvSpPr>
-            <a:spLocks noGrp="1"/>
-          </p:cNvSpPr>
-          <p:nvPr>
-            <p:ph idx="1"/>
-          </p:nvPr>
-        </p:nvSpPr>
-        <p:spPr/>
-        <p:txBody>
-          <a:bodyPr/>
-          <a:lstStyle/>
-          <a:p>
-            <a:pPr lvl="0"/>
-            <a:r>
-              <a:rPr lang="en-US"/>
-              <a:t>Click to edit Master text styles</a:t>
-            </a:r>
-          </a:p>
-          <a:p>
-            <a:pPr lvl="1"/>
-            <a:r>
-              <a:rPr lang="en-US"/>
-              <a:t>Second level</a:t>
-            </a:r>
-          </a:p>
-          <a:p>
-            <a:pPr lvl="2"/>
-            <a:r>
-              <a:rPr lang="en-US"/>
-              <a:t>Third level</a:t>
-            </a:r>
-          </a:p>
-          <a:p>
-            <a:pPr lvl="3"/>
-            <a:r>
-              <a:rPr lang="en-US"/>
-              <a:t>Fourth level</a:t>
-            </a:r>
-          </a:p>
-          <a:p>
-            <a:pPr lvl="4"/>
-            <a:r>
-              <a:rPr lang="en-US"/>
-              <a:t>Fifth level</a:t>
-            </a:r>
-            <a:endParaRPr lang="ru-RU" dirty="0"/>
-          </a:p>
-        </p:txBody>
-      </p:sp>
-    </p:spTree>
-    <p:extLst>
-      <p:ext uri="{BB962C8B-B14F-4D97-AF65-F5344CB8AC3E}">
-        <p14:creationId xmlns:p14="http://schemas.microsoft.com/office/powerpoint/2010/main" val="3363467697"/>
-      </p:ext>
-    </p:extLst>
-  </p:cSld>
-  <p:clrMapOvr>
-    <a:masterClrMapping/>
-  </p:clrMapOvr>
-</p:sldLayout>
-</file>
-
-<file path=ppt/slideLayouts/slideLayout4.xml><?xml version="1.0" encoding="utf-8"?>
-<p:sldLayout xmlns:a="http://schemas.openxmlformats.org/drawingml/2006/main" xmlns:r="http://schemas.openxmlformats.org/officeDocument/2006/relationships" xmlns:p="http://schemas.openxmlformats.org/presentationml/2006/main" type="secHead" preserve="1">
-  <p:cSld name="Section Header">
-    <p:spTree>
-      <p:nvGrpSpPr>
-        <p:cNvPr id="1" name=""/>
-        <p:cNvGrpSpPr/>
-        <p:nvPr/>
-      </p:nvGrpSpPr>
-      <p:grpSpPr>
-        <a:xfrm>
-          <a:off x="0" y="0"/>
-          <a:ext cx="0" cy="0"/>
-          <a:chOff x="0" y="0"/>
-          <a:chExt cx="0" cy="0"/>
-        </a:xfrm>
-      </p:grpSpPr>
-      <p:sp>
-        <p:nvSpPr>
-          <p:cNvPr id="2" name="Title 1"/>
-          <p:cNvSpPr>
-            <a:spLocks noGrp="1"/>
-          </p:cNvSpPr>
-          <p:nvPr>
-            <p:ph type="title"/>
-          </p:nvPr>
-        </p:nvSpPr>
-        <p:spPr>
-          <a:xfrm>
-            <a:off x="722313" y="4406900"/>
-            <a:ext cx="7772400" cy="1362075"/>
-          </a:xfrm>
-        </p:spPr>
-        <p:txBody>
-          <a:bodyPr anchor="t"/>
-          <a:lstStyle>
-            <a:lvl1pPr algn="l">
-              <a:defRPr sz="4000" b="1" cap="all"/>
-            </a:lvl1pPr>
-          </a:lstStyle>
-          <a:p>
-            <a:r>
-              <a:rPr lang="en-US"/>
-              <a:t>Click to edit Master title style</a:t>
-            </a:r>
-            <a:endParaRPr lang="ru-RU" dirty="0"/>
-          </a:p>
-        </p:txBody>
-      </p:sp>
-      <p:sp>
-        <p:nvSpPr>
-          <p:cNvPr id="3" name="Text Placeholder 2"/>
-          <p:cNvSpPr>
-            <a:spLocks noGrp="1"/>
-          </p:cNvSpPr>
-          <p:nvPr>
-            <p:ph type="body" idx="1"/>
-          </p:nvPr>
-        </p:nvSpPr>
-        <p:spPr>
-          <a:xfrm>
-            <a:off x="722313" y="2906713"/>
-            <a:ext cx="7772400" cy="1500187"/>
-          </a:xfrm>
-        </p:spPr>
-        <p:txBody>
-          <a:bodyPr anchor="b"/>
-          <a:lstStyle>
-            <a:lvl1pPr marL="0" indent="0">
-              <a:buNone/>
-              <a:defRPr sz="2000">
-                <a:solidFill>
-                  <a:schemeClr val="tx1">
-                    <a:tint val="75000"/>
-                  </a:schemeClr>
-                </a:solidFill>
-              </a:defRPr>
-            </a:lvl1pPr>
-            <a:lvl2pPr marL="457200" indent="0">
-              <a:buNone/>
-              <a:defRPr sz="1800">
-                <a:solidFill>
-                  <a:schemeClr val="tx1">
-                    <a:tint val="75000"/>
-                  </a:schemeClr>
-                </a:solidFill>
-              </a:defRPr>
-            </a:lvl2pPr>
-            <a:lvl3pPr marL="914400" indent="0">
-              <a:buNone/>
-              <a:defRPr sz="1600">
-                <a:solidFill>
-                  <a:schemeClr val="tx1">
-                    <a:tint val="75000"/>
-                  </a:schemeClr>
-                </a:solidFill>
-              </a:defRPr>
-            </a:lvl3pPr>
-            <a:lvl4pPr marL="1371600" indent="0">
-              <a:buNone/>
-              <a:defRPr sz="1400">
-                <a:solidFill>
-                  <a:schemeClr val="tx1">
-                    <a:tint val="75000"/>
-                  </a:schemeClr>
-                </a:solidFill>
-              </a:defRPr>
-            </a:lvl4pPr>
-            <a:lvl5pPr marL="1828800" indent="0">
-              <a:buNone/>
-              <a:defRPr sz="1400">
-                <a:solidFill>
-                  <a:schemeClr val="tx1">
-                    <a:tint val="75000"/>
-                  </a:schemeClr>
-                </a:solidFill>
-              </a:defRPr>
-            </a:lvl5pPr>
-            <a:lvl6pPr marL="2286000" indent="0">
-              <a:buNone/>
-              <a:defRPr sz="1400">
-                <a:solidFill>
-                  <a:schemeClr val="tx1">
-                    <a:tint val="75000"/>
-                  </a:schemeClr>
-                </a:solidFill>
-              </a:defRPr>
-            </a:lvl6pPr>
-            <a:lvl7pPr marL="2743200" indent="0">
-              <a:buNone/>
-              <a:defRPr sz="1400">
-                <a:solidFill>
-                  <a:schemeClr val="tx1">
-                    <a:tint val="75000"/>
-                  </a:schemeClr>
-                </a:solidFill>
-              </a:defRPr>
-            </a:lvl7pPr>
-            <a:lvl8pPr marL="3200400" indent="0">
-              <a:buNone/>
-              <a:defRPr sz="1400">
-                <a:solidFill>
-                  <a:schemeClr val="tx1">
-                    <a:tint val="75000"/>
-                  </a:schemeClr>
-                </a:solidFill>
-              </a:defRPr>
-            </a:lvl8pPr>
-            <a:lvl9pPr marL="3657600" indent="0">
-              <a:buNone/>
-              <a:defRPr sz="1400">
-                <a:solidFill>
-                  <a:schemeClr val="tx1">
-                    <a:tint val="75000"/>
-                  </a:schemeClr>
-                </a:solidFill>
-              </a:defRPr>
-            </a:lvl9pPr>
-          </a:lstStyle>
-          <a:p>
-            <a:pPr lvl="0"/>
-            <a:r>
-              <a:rPr lang="en-US"/>
-              <a:t>Click to edit Master text styles</a:t>
-            </a:r>
-          </a:p>
-        </p:txBody>
-      </p:sp>
-    </p:spTree>
-    <p:extLst>
-      <p:ext uri="{BB962C8B-B14F-4D97-AF65-F5344CB8AC3E}">
-        <p14:creationId xmlns:p14="http://schemas.microsoft.com/office/powerpoint/2010/main" val="1627150216"/>
-      </p:ext>
-    </p:extLst>
-  </p:cSld>
-  <p:clrMapOvr>
-    <a:masterClrMapping/>
-  </p:clrMapOvr>
-</p:sldLayout>
-</file>
-
-<file path=ppt/slideLayouts/slideLayout5.xml><?xml version="1.0" encoding="utf-8"?>
-<p:sldLayout xmlns:a="http://schemas.openxmlformats.org/drawingml/2006/main" xmlns:r="http://schemas.openxmlformats.org/officeDocument/2006/relationships" xmlns:p="http://schemas.openxmlformats.org/presentationml/2006/main" type="twoObj" preserve="1">
-  <p:cSld name="Two Content">
-    <p:spTree>
-      <p:nvGrpSpPr>
-        <p:cNvPr id="1" name=""/>
-        <p:cNvGrpSpPr/>
-        <p:nvPr/>
-      </p:nvGrpSpPr>
-      <p:grpSpPr>
-        <a:xfrm>
-          <a:off x="0" y="0"/>
-          <a:ext cx="0" cy="0"/>
-          <a:chOff x="0" y="0"/>
-          <a:chExt cx="0" cy="0"/>
-        </a:xfrm>
-      </p:grpSpPr>
-      <p:sp>
-        <p:nvSpPr>
-          <p:cNvPr id="2" name="Title 1"/>
-          <p:cNvSpPr>
-            <a:spLocks noGrp="1"/>
-          </p:cNvSpPr>
-          <p:nvPr>
-            <p:ph type="title"/>
-          </p:nvPr>
-        </p:nvSpPr>
-        <p:spPr/>
-        <p:txBody>
-          <a:bodyPr/>
-          <a:lstStyle/>
-          <a:p>
-            <a:r>
-              <a:rPr lang="en-US"/>
-              <a:t>Click to edit Master title style</a:t>
-            </a:r>
-            <a:endParaRPr lang="ru-RU" dirty="0"/>
-          </a:p>
-        </p:txBody>
-      </p:sp>
-      <p:sp>
-        <p:nvSpPr>
-          <p:cNvPr id="3" name="Content Placeholder 2"/>
-          <p:cNvSpPr>
-            <a:spLocks noGrp="1"/>
-          </p:cNvSpPr>
-          <p:nvPr>
-            <p:ph sz="half" idx="1"/>
-          </p:nvPr>
-        </p:nvSpPr>
-        <p:spPr>
-          <a:xfrm>
-            <a:off x="457200" y="1600200"/>
-            <a:ext cx="4038600" cy="4525963"/>
-          </a:xfrm>
-        </p:spPr>
-        <p:txBody>
-          <a:bodyPr/>
-          <a:lstStyle>
-            <a:lvl1pPr>
-              <a:defRPr sz="2800"/>
-            </a:lvl1pPr>
-            <a:lvl2pPr>
-              <a:defRPr sz="2400"/>
-            </a:lvl2pPr>
-            <a:lvl3pPr>
-              <a:defRPr sz="2000"/>
-            </a:lvl3pPr>
-            <a:lvl4pPr>
-              <a:defRPr sz="1800"/>
-            </a:lvl4pPr>
-            <a:lvl5pPr>
-              <a:defRPr sz="1800"/>
-            </a:lvl5pPr>
-            <a:lvl6pPr>
-              <a:defRPr sz="1800"/>
-            </a:lvl6pPr>
-            <a:lvl7pPr>
-              <a:defRPr sz="1800"/>
-            </a:lvl7pPr>
-            <a:lvl8pPr>
-              <a:defRPr sz="1800"/>
-            </a:lvl8pPr>
-            <a:lvl9pPr>
-              <a:defRPr sz="1800"/>
-            </a:lvl9pPr>
-          </a:lstStyle>
-          <a:p>
-            <a:pPr lvl="0"/>
-            <a:r>
-              <a:rPr lang="en-US"/>
-              <a:t>Click to edit Master text styles</a:t>
-            </a:r>
-          </a:p>
-          <a:p>
-            <a:pPr lvl="1"/>
-            <a:r>
-              <a:rPr lang="en-US"/>
-              <a:t>Second level</a:t>
-            </a:r>
-          </a:p>
-          <a:p>
-            <a:pPr lvl="2"/>
-            <a:r>
-              <a:rPr lang="en-US"/>
-              <a:t>Third level</a:t>
-            </a:r>
-          </a:p>
-          <a:p>
-            <a:pPr lvl="3"/>
-            <a:r>
-              <a:rPr lang="en-US"/>
-              <a:t>Fourth level</a:t>
-            </a:r>
-          </a:p>
-          <a:p>
-            <a:pPr lvl="4"/>
-            <a:r>
-              <a:rPr lang="en-US"/>
-              <a:t>Fifth level</a:t>
-            </a:r>
-            <a:endParaRPr lang="ru-RU" dirty="0"/>
-          </a:p>
-        </p:txBody>
-      </p:sp>
-      <p:sp>
-        <p:nvSpPr>
-          <p:cNvPr id="4" name="Content Placeholder 3"/>
-          <p:cNvSpPr>
-            <a:spLocks noGrp="1"/>
-          </p:cNvSpPr>
-          <p:nvPr>
-            <p:ph sz="half" idx="2"/>
-          </p:nvPr>
-        </p:nvSpPr>
-        <p:spPr>
-          <a:xfrm>
-            <a:off x="4648200" y="1600200"/>
-            <a:ext cx="4038600" cy="4525963"/>
-          </a:xfrm>
-        </p:spPr>
-        <p:txBody>
-          <a:bodyPr/>
-          <a:lstStyle>
-            <a:lvl1pPr>
-              <a:defRPr sz="2800"/>
-            </a:lvl1pPr>
-            <a:lvl2pPr>
-              <a:defRPr sz="2400"/>
-            </a:lvl2pPr>
-            <a:lvl3pPr>
-              <a:defRPr sz="2000"/>
-            </a:lvl3pPr>
-            <a:lvl4pPr>
-              <a:defRPr sz="1800"/>
-            </a:lvl4pPr>
-            <a:lvl5pPr>
-              <a:defRPr sz="1800"/>
-            </a:lvl5pPr>
-            <a:lvl6pPr>
-              <a:defRPr sz="1800"/>
-            </a:lvl6pPr>
-            <a:lvl7pPr>
-              <a:defRPr sz="1800"/>
-            </a:lvl7pPr>
-            <a:lvl8pPr>
-              <a:defRPr sz="1800"/>
-            </a:lvl8pPr>
-            <a:lvl9pPr>
-              <a:defRPr sz="1800"/>
-            </a:lvl9pPr>
-          </a:lstStyle>
-          <a:p>
-            <a:pPr lvl="0"/>
-            <a:r>
-              <a:rPr lang="en-US"/>
-              <a:t>Click to edit Master text styles</a:t>
-            </a:r>
-          </a:p>
-          <a:p>
-            <a:pPr lvl="1"/>
-            <a:r>
-              <a:rPr lang="en-US"/>
-              <a:t>Second level</a:t>
-            </a:r>
-          </a:p>
-          <a:p>
-            <a:pPr lvl="2"/>
-            <a:r>
-              <a:rPr lang="en-US"/>
-              <a:t>Third level</a:t>
-            </a:r>
-          </a:p>
-          <a:p>
-            <a:pPr lvl="3"/>
-            <a:r>
-              <a:rPr lang="en-US"/>
-              <a:t>Fourth level</a:t>
-            </a:r>
-          </a:p>
-          <a:p>
-            <a:pPr lvl="4"/>
-            <a:r>
-              <a:rPr lang="en-US"/>
-              <a:t>Fifth level</a:t>
-            </a:r>
-            <a:endParaRPr lang="ru-RU" dirty="0"/>
-          </a:p>
-        </p:txBody>
-      </p:sp>
-    </p:spTree>
-    <p:extLst>
-      <p:ext uri="{BB962C8B-B14F-4D97-AF65-F5344CB8AC3E}">
-        <p14:creationId xmlns:p14="http://schemas.microsoft.com/office/powerpoint/2010/main" val="1026234569"/>
-      </p:ext>
-    </p:extLst>
-  </p:cSld>
-  <p:clrMapOvr>
-    <a:masterClrMapping/>
-  </p:clrMapOvr>
-</p:sldLayout>
-</file>
-
-<file path=ppt/slideLayouts/slideLayout6.xml><?xml version="1.0" encoding="utf-8"?>
-<p:sldLayout xmlns:a="http://schemas.openxmlformats.org/drawingml/2006/main" xmlns:r="http://schemas.openxmlformats.org/officeDocument/2006/relationships" xmlns:p="http://schemas.openxmlformats.org/presentationml/2006/main" type="twoTxTwoObj" preserve="1">
-  <p:cSld name="Comparison">
-    <p:spTree>
-      <p:nvGrpSpPr>
-        <p:cNvPr id="1" name=""/>
-        <p:cNvGrpSpPr/>
-        <p:nvPr/>
-      </p:nvGrpSpPr>
-      <p:grpSpPr>
-        <a:xfrm>
-          <a:off x="0" y="0"/>
-          <a:ext cx="0" cy="0"/>
-          <a:chOff x="0" y="0"/>
-          <a:chExt cx="0" cy="0"/>
-        </a:xfrm>
-      </p:grpSpPr>
-      <p:sp>
-        <p:nvSpPr>
-          <p:cNvPr id="2" name="Title 1"/>
-          <p:cNvSpPr>
-            <a:spLocks noGrp="1"/>
-          </p:cNvSpPr>
-          <p:nvPr>
-            <p:ph type="title"/>
-          </p:nvPr>
-        </p:nvSpPr>
-        <p:spPr/>
-        <p:txBody>
-          <a:bodyPr/>
-          <a:lstStyle>
-            <a:lvl1pPr>
-              <a:defRPr/>
-            </a:lvl1pPr>
-          </a:lstStyle>
-          <a:p>
-            <a:r>
-              <a:rPr lang="en-US"/>
-              <a:t>Click to edit Master title style</a:t>
-            </a:r>
-            <a:endParaRPr lang="ru-RU" dirty="0"/>
-          </a:p>
-        </p:txBody>
-      </p:sp>
-      <p:sp>
-        <p:nvSpPr>
-          <p:cNvPr id="3" name="Text Placeholder 2"/>
-          <p:cNvSpPr>
-            <a:spLocks noGrp="1"/>
-          </p:cNvSpPr>
-          <p:nvPr>
-            <p:ph type="body" idx="1"/>
-          </p:nvPr>
-        </p:nvSpPr>
-        <p:spPr>
-          <a:xfrm>
-            <a:off x="457200" y="1535113"/>
-            <a:ext cx="4040188" cy="639762"/>
-          </a:xfrm>
-        </p:spPr>
-        <p:txBody>
-          <a:bodyPr anchor="b"/>
-          <a:lstStyle>
-            <a:lvl1pPr marL="0" indent="0">
-              <a:buNone/>
-              <a:defRPr sz="2400" b="1"/>
-            </a:lvl1pPr>
-            <a:lvl2pPr marL="457200" indent="0">
-              <a:buNone/>
-              <a:defRPr sz="2000" b="1"/>
-            </a:lvl2pPr>
-            <a:lvl3pPr marL="914400" indent="0">
-              <a:buNone/>
-              <a:defRPr sz="1800" b="1"/>
-            </a:lvl3pPr>
-            <a:lvl4pPr marL="1371600" indent="0">
-              <a:buNone/>
-              <a:defRPr sz="1600" b="1"/>
-            </a:lvl4pPr>
-            <a:lvl5pPr marL="1828800" indent="0">
-              <a:buNone/>
-              <a:defRPr sz="1600" b="1"/>
-            </a:lvl5pPr>
-            <a:lvl6pPr marL="2286000" indent="0">
-              <a:buNone/>
-              <a:defRPr sz="1600" b="1"/>
-            </a:lvl6pPr>
-            <a:lvl7pPr marL="2743200" indent="0">
-              <a:buNone/>
-              <a:defRPr sz="1600" b="1"/>
-            </a:lvl7pPr>
-            <a:lvl8pPr marL="3200400" indent="0">
-              <a:buNone/>
-              <a:defRPr sz="1600" b="1"/>
-            </a:lvl8pPr>
-            <a:lvl9pPr marL="3657600" indent="0">
-              <a:buNone/>
-              <a:defRPr sz="1600" b="1"/>
-            </a:lvl9pPr>
-          </a:lstStyle>
-          <a:p>
-            <a:pPr lvl="0"/>
-            <a:r>
-              <a:rPr lang="en-US"/>
-              <a:t>Click to edit Master text styles</a:t>
-            </a:r>
-          </a:p>
-        </p:txBody>
-      </p:sp>
-      <p:sp>
-        <p:nvSpPr>
-          <p:cNvPr id="4" name="Content Placeholder 3"/>
-          <p:cNvSpPr>
-            <a:spLocks noGrp="1"/>
-          </p:cNvSpPr>
-          <p:nvPr>
-            <p:ph sz="half" idx="2"/>
-          </p:nvPr>
-        </p:nvSpPr>
-        <p:spPr>
-          <a:xfrm>
-            <a:off x="457200" y="2174875"/>
-            <a:ext cx="4040188" cy="3951288"/>
-          </a:xfrm>
-        </p:spPr>
-        <p:txBody>
-          <a:bodyPr/>
-          <a:lstStyle>
-            <a:lvl1pPr>
-              <a:defRPr sz="2400"/>
-            </a:lvl1pPr>
-            <a:lvl2pPr>
-              <a:defRPr sz="2000"/>
-            </a:lvl2pPr>
-            <a:lvl3pPr>
-              <a:defRPr sz="1800"/>
-            </a:lvl3pPr>
-            <a:lvl4pPr>
-              <a:defRPr sz="1600"/>
-            </a:lvl4pPr>
-            <a:lvl5pPr>
-              <a:defRPr sz="1600"/>
-            </a:lvl5pPr>
-            <a:lvl6pPr>
-              <a:defRPr sz="1600"/>
-            </a:lvl6pPr>
-            <a:lvl7pPr>
-              <a:defRPr sz="1600"/>
-            </a:lvl7pPr>
-            <a:lvl8pPr>
-              <a:defRPr sz="1600"/>
-            </a:lvl8pPr>
-            <a:lvl9pPr>
-              <a:defRPr sz="1600"/>
-            </a:lvl9pPr>
-          </a:lstStyle>
-          <a:p>
-            <a:pPr lvl="0"/>
-            <a:r>
-              <a:rPr lang="en-US"/>
-              <a:t>Click to edit Master text styles</a:t>
-            </a:r>
-          </a:p>
-          <a:p>
-            <a:pPr lvl="1"/>
-            <a:r>
-              <a:rPr lang="en-US"/>
-              <a:t>Second level</a:t>
-            </a:r>
-          </a:p>
-          <a:p>
-            <a:pPr lvl="2"/>
-            <a:r>
-              <a:rPr lang="en-US"/>
-              <a:t>Third level</a:t>
-            </a:r>
-          </a:p>
-          <a:p>
-            <a:pPr lvl="3"/>
-            <a:r>
-              <a:rPr lang="en-US"/>
-              <a:t>Fourth level</a:t>
-            </a:r>
-          </a:p>
-          <a:p>
-            <a:pPr lvl="4"/>
-            <a:r>
-              <a:rPr lang="en-US"/>
-              <a:t>Fifth level</a:t>
-            </a:r>
-            <a:endParaRPr lang="ru-RU" dirty="0"/>
-          </a:p>
-        </p:txBody>
-      </p:sp>
-      <p:sp>
-        <p:nvSpPr>
-          <p:cNvPr id="5" name="Text Placeholder 4"/>
-          <p:cNvSpPr>
-            <a:spLocks noGrp="1"/>
-          </p:cNvSpPr>
-          <p:nvPr>
-            <p:ph type="body" sz="quarter" idx="3"/>
-          </p:nvPr>
-        </p:nvSpPr>
-        <p:spPr>
-          <a:xfrm>
-            <a:off x="4645025" y="1535113"/>
-            <a:ext cx="4041775" cy="639762"/>
-          </a:xfrm>
-        </p:spPr>
-        <p:txBody>
-          <a:bodyPr anchor="b"/>
-          <a:lstStyle>
-            <a:lvl1pPr marL="0" indent="0">
-              <a:buNone/>
-              <a:defRPr sz="2400" b="1"/>
-            </a:lvl1pPr>
-            <a:lvl2pPr marL="457200" indent="0">
-              <a:buNone/>
-              <a:defRPr sz="2000" b="1"/>
-            </a:lvl2pPr>
-            <a:lvl3pPr marL="914400" indent="0">
-              <a:buNone/>
-              <a:defRPr sz="1800" b="1"/>
-            </a:lvl3pPr>
-            <a:lvl4pPr marL="1371600" indent="0">
-              <a:buNone/>
-              <a:defRPr sz="1600" b="1"/>
-            </a:lvl4pPr>
-            <a:lvl5pPr marL="1828800" indent="0">
-              <a:buNone/>
-              <a:defRPr sz="1600" b="1"/>
-            </a:lvl5pPr>
-            <a:lvl6pPr marL="2286000" indent="0">
-              <a:buNone/>
-              <a:defRPr sz="1600" b="1"/>
-            </a:lvl6pPr>
-            <a:lvl7pPr marL="2743200" indent="0">
-              <a:buNone/>
-              <a:defRPr sz="1600" b="1"/>
-            </a:lvl7pPr>
-            <a:lvl8pPr marL="3200400" indent="0">
-              <a:buNone/>
-              <a:defRPr sz="1600" b="1"/>
-            </a:lvl8pPr>
-            <a:lvl9pPr marL="3657600" indent="0">
-              <a:buNone/>
-              <a:defRPr sz="1600" b="1"/>
-            </a:lvl9pPr>
-          </a:lstStyle>
-          <a:p>
-            <a:pPr lvl="0"/>
-            <a:r>
-              <a:rPr lang="en-US"/>
-              <a:t>Click to edit Master text styles</a:t>
-            </a:r>
-          </a:p>
-        </p:txBody>
-      </p:sp>
-      <p:sp>
-        <p:nvSpPr>
-          <p:cNvPr id="6" name="Content Placeholder 5"/>
-          <p:cNvSpPr>
-            <a:spLocks noGrp="1"/>
-          </p:cNvSpPr>
-          <p:nvPr>
-            <p:ph sz="quarter" idx="4"/>
-          </p:nvPr>
-        </p:nvSpPr>
-        <p:spPr>
-          <a:xfrm>
-            <a:off x="4645025" y="2174875"/>
-            <a:ext cx="4041775" cy="3951288"/>
-          </a:xfrm>
-        </p:spPr>
-        <p:txBody>
-          <a:bodyPr/>
-          <a:lstStyle>
-            <a:lvl1pPr>
-              <a:defRPr sz="2400"/>
-            </a:lvl1pPr>
-            <a:lvl2pPr>
-              <a:defRPr sz="2000"/>
-            </a:lvl2pPr>
-            <a:lvl3pPr>
-              <a:defRPr sz="1800"/>
-            </a:lvl3pPr>
-            <a:lvl4pPr>
-              <a:defRPr sz="1600"/>
-            </a:lvl4pPr>
-            <a:lvl5pPr>
-              <a:defRPr sz="1600"/>
-            </a:lvl5pPr>
-            <a:lvl6pPr>
-              <a:defRPr sz="1600"/>
-            </a:lvl6pPr>
-            <a:lvl7pPr>
-              <a:defRPr sz="1600"/>
-            </a:lvl7pPr>
-            <a:lvl8pPr>
-              <a:defRPr sz="1600"/>
-            </a:lvl8pPr>
-            <a:lvl9pPr>
-              <a:defRPr sz="1600"/>
-            </a:lvl9pPr>
-          </a:lstStyle>
-          <a:p>
-            <a:pPr lvl="0"/>
-            <a:r>
-              <a:rPr lang="en-US"/>
-              <a:t>Click to edit Master text styles</a:t>
-            </a:r>
-          </a:p>
-          <a:p>
-            <a:pPr lvl="1"/>
-            <a:r>
-              <a:rPr lang="en-US"/>
-              <a:t>Second level</a:t>
-            </a:r>
-          </a:p>
-          <a:p>
-            <a:pPr lvl="2"/>
-            <a:r>
-              <a:rPr lang="en-US"/>
-              <a:t>Third level</a:t>
-            </a:r>
-          </a:p>
-          <a:p>
-            <a:pPr lvl="3"/>
-            <a:r>
-              <a:rPr lang="en-US"/>
-              <a:t>Fourth level</a:t>
-            </a:r>
-          </a:p>
-          <a:p>
-            <a:pPr lvl="4"/>
-            <a:r>
-              <a:rPr lang="en-US"/>
-              <a:t>Fifth level</a:t>
-            </a:r>
-            <a:endParaRPr lang="ru-RU" dirty="0"/>
-          </a:p>
-        </p:txBody>
-      </p:sp>
-    </p:spTree>
-    <p:extLst>
-      <p:ext uri="{BB962C8B-B14F-4D97-AF65-F5344CB8AC3E}">
-        <p14:creationId xmlns:p14="http://schemas.microsoft.com/office/powerpoint/2010/main" val="4044979405"/>
-      </p:ext>
-    </p:extLst>
-  </p:cSld>
-  <p:clrMapOvr>
-    <a:masterClrMapping/>
-  </p:clrMapOvr>
-</p:sldLayout>
-</file>
-
-<file path=ppt/slideLayouts/slideLayout7.xml><?xml version="1.0" encoding="utf-8"?>
-<p:sldLayout xmlns:a="http://schemas.openxmlformats.org/drawingml/2006/main" xmlns:r="http://schemas.openxmlformats.org/officeDocument/2006/relationships" xmlns:p="http://schemas.openxmlformats.org/presentationml/2006/main" type="titleOnly" preserve="1">
-  <p:cSld name="Title Only">
-    <p:spTree>
-      <p:nvGrpSpPr>
-        <p:cNvPr id="1" name=""/>
-        <p:cNvGrpSpPr/>
-        <p:nvPr/>
-      </p:nvGrpSpPr>
-      <p:grpSpPr>
-        <a:xfrm>
-          <a:off x="0" y="0"/>
-          <a:ext cx="0" cy="0"/>
-          <a:chOff x="0" y="0"/>
-          <a:chExt cx="0" cy="0"/>
-        </a:xfrm>
-      </p:grpSpPr>
-      <p:sp>
-        <p:nvSpPr>
-          <p:cNvPr id="2" name="Title 1"/>
-          <p:cNvSpPr>
-            <a:spLocks noGrp="1"/>
-          </p:cNvSpPr>
-          <p:nvPr>
-            <p:ph type="title"/>
-          </p:nvPr>
-        </p:nvSpPr>
-        <p:spPr/>
-        <p:txBody>
-          <a:bodyPr/>
-          <a:lstStyle/>
-          <a:p>
-            <a:r>
-              <a:rPr lang="en-US"/>
-              <a:t>Click to edit Master title style</a:t>
-            </a:r>
-            <a:endParaRPr lang="ru-RU" dirty="0"/>
-          </a:p>
-        </p:txBody>
-      </p:sp>
-    </p:spTree>
-    <p:extLst>
-      <p:ext uri="{BB962C8B-B14F-4D97-AF65-F5344CB8AC3E}">
-        <p14:creationId xmlns:p14="http://schemas.microsoft.com/office/powerpoint/2010/main" val="125202666"/>
-      </p:ext>
-    </p:extLst>
-  </p:cSld>
-  <p:clrMapOvr>
-    <a:masterClrMapping/>
-  </p:clrMapOvr>
-</p:sldLayout>
-</file>
-
-<file path=ppt/slideLayouts/slideLayout8.xml><?xml version="1.0" encoding="utf-8"?>
-<p:sldLayout xmlns:a="http://schemas.openxmlformats.org/drawingml/2006/main" xmlns:r="http://schemas.openxmlformats.org/officeDocument/2006/relationships" xmlns:p="http://schemas.openxmlformats.org/presentationml/2006/main" preserve="1" userDrawn="1">
-  <p:cSld name="Demo">
-    <p:spTree>
-      <p:nvGrpSpPr>
-        <p:cNvPr id="1" name=""/>
-        <p:cNvGrpSpPr/>
-        <p:nvPr/>
-      </p:nvGrpSpPr>
-      <p:grpSpPr>
-        <a:xfrm>
-          <a:off x="0" y="0"/>
-          <a:ext cx="0" cy="0"/>
-          <a:chOff x="0" y="0"/>
-          <a:chExt cx="0" cy="0"/>
-        </a:xfrm>
-      </p:grpSpPr>
-      <p:sp>
-        <p:nvSpPr>
-          <p:cNvPr id="10" name="TextBox 9"/>
-          <p:cNvSpPr txBox="1"/>
-          <p:nvPr userDrawn="1"/>
-        </p:nvSpPr>
-        <p:spPr>
-          <a:xfrm>
-            <a:off x="359532" y="3136613"/>
-            <a:ext cx="8424936" cy="584775"/>
-          </a:xfrm>
-          <a:prstGeom prst="rect">
-            <a:avLst/>
-          </a:prstGeom>
-          <a:noFill/>
-        </p:spPr>
-        <p:txBody>
-          <a:bodyPr wrap="square" rtlCol="0" anchor="ctr">
-            <a:spAutoFit/>
-          </a:bodyPr>
-          <a:lstStyle/>
-          <a:p>
-            <a:pPr algn="ctr"/>
-            <a:r>
-              <a:rPr lang="ru-RU" sz="3200" dirty="0"/>
-              <a:t>Название.</a:t>
-            </a:r>
-            <a:r>
-              <a:rPr lang="ru-RU" sz="3200" baseline="0" dirty="0"/>
-              <a:t> Демонстрация.</a:t>
-            </a:r>
-            <a:endParaRPr lang="ru-RU" sz="3200" dirty="0"/>
-          </a:p>
-        </p:txBody>
-      </p:sp>
-    </p:spTree>
-    <p:extLst>
-      <p:ext uri="{BB962C8B-B14F-4D97-AF65-F5344CB8AC3E}">
-        <p14:creationId xmlns:p14="http://schemas.microsoft.com/office/powerpoint/2010/main" val="3308008441"/>
-      </p:ext>
-    </p:extLst>
-  </p:cSld>
-  <p:clrMapOvr>
-    <a:masterClrMapping/>
-  </p:clrMapOvr>
-</p:sldLayout>
-</file>
-
-<file path=ppt/slideLayouts/slideLayout9.xml><?xml version="1.0" encoding="utf-8"?>
-<p:sldLayout xmlns:a="http://schemas.openxmlformats.org/drawingml/2006/main" xmlns:r="http://schemas.openxmlformats.org/officeDocument/2006/relationships" xmlns:p="http://schemas.openxmlformats.org/presentationml/2006/main" type="blank" preserve="1">
-  <p:cSld name="1_Blank">
-    <p:spTree>
-      <p:nvGrpSpPr>
-        <p:cNvPr id="1" name=""/>
-        <p:cNvGrpSpPr/>
-        <p:nvPr/>
-      </p:nvGrpSpPr>
-      <p:grpSpPr>
-        <a:xfrm>
-          <a:off x="0" y="0"/>
-          <a:ext cx="0" cy="0"/>
-          <a:chOff x="0" y="0"/>
-          <a:chExt cx="0" cy="0"/>
-        </a:xfrm>
-      </p:grpSpPr>
-    </p:spTree>
-    <p:extLst>
-      <p:ext uri="{BB962C8B-B14F-4D97-AF65-F5344CB8AC3E}">
-        <p14:creationId xmlns:p14="http://schemas.microsoft.com/office/powerpoint/2010/main" val="2618453949"/>
-      </p:ext>
-    </p:extLst>
-  </p:cSld>
-  <p:clrMapOvr>
-    <a:masterClrMapping/>
-  </p:clrMapOvr>
-</p:sldLayout>
-</file>
-
 <file path=ppt/slideMasters/slideMaster1.xml><?xml version="1.0" encoding="utf-8"?>
 <p:sldMaster xmlns:a="http://schemas.openxmlformats.org/drawingml/2006/main" xmlns:r="http://schemas.openxmlformats.org/officeDocument/2006/relationships" xmlns:p="http://schemas.openxmlformats.org/presentationml/2006/main">
   <p:cSld>
     <p:bg>
       <p:bgPr>
         <a:blipFill dpi="0" rotWithShape="1">
-          <a:blip r:embed="rId16">
+          <a:blip r:embed="rId14">
             <a:lum/>
           </a:blip>
           <a:srcRect/>
@@ -3047,7 +2659,7 @@
           <a:p>
             <a:fld id="{AC3D3127-B7C4-45E3-9797-C527EC9FDD78}" type="datetimeFigureOut">
               <a:rPr lang="ru-RU" smtClean="0"/>
-              <a:t>01.07.2018</a:t>
+              <a:t>22.02.2019</a:t>
             </a:fld>
             <a:endParaRPr lang="ru-RU"/>
           </a:p>
@@ -3140,20 +2752,18 @@
   </p:cSld>
   <p:clrMap bg1="lt1" tx1="dk1" bg2="lt2" tx2="dk2" accent1="accent1" accent2="accent2" accent3="accent3" accent4="accent4" accent5="accent5" accent6="accent6" hlink="hlink" folHlink="folHlink"/>
   <p:sldLayoutIdLst>
-    <p:sldLayoutId id="2147483649" r:id="rId1"/>
-    <p:sldLayoutId id="2147483661" r:id="rId2"/>
-    <p:sldLayoutId id="2147483650" r:id="rId3"/>
-    <p:sldLayoutId id="2147483651" r:id="rId4"/>
-    <p:sldLayoutId id="2147483652" r:id="rId5"/>
-    <p:sldLayoutId id="2147483653" r:id="rId6"/>
-    <p:sldLayoutId id="2147483654" r:id="rId7"/>
-    <p:sldLayoutId id="2147483655" r:id="rId8"/>
-    <p:sldLayoutId id="2147483660" r:id="rId9"/>
-    <p:sldLayoutId id="2147483656" r:id="rId10"/>
-    <p:sldLayoutId id="2147483657" r:id="rId11"/>
-    <p:sldLayoutId id="2147483658" r:id="rId12"/>
-    <p:sldLayoutId id="2147483659" r:id="rId13"/>
-    <p:sldLayoutId id="2147483662" r:id="rId14"/>
+    <p:sldLayoutId id="2147483650" r:id="rId1"/>
+    <p:sldLayoutId id="2147483651" r:id="rId2"/>
+    <p:sldLayoutId id="2147483652" r:id="rId3"/>
+    <p:sldLayoutId id="2147483653" r:id="rId4"/>
+    <p:sldLayoutId id="2147483654" r:id="rId5"/>
+    <p:sldLayoutId id="2147483655" r:id="rId6"/>
+    <p:sldLayoutId id="2147483660" r:id="rId7"/>
+    <p:sldLayoutId id="2147483656" r:id="rId8"/>
+    <p:sldLayoutId id="2147483657" r:id="rId9"/>
+    <p:sldLayoutId id="2147483658" r:id="rId10"/>
+    <p:sldLayoutId id="2147483659" r:id="rId11"/>
+    <p:sldLayoutId id="2147483662" r:id="rId12"/>
   </p:sldLayoutIdLst>
   <p:txStyles>
     <p:titleStyle>
@@ -3535,7 +3145,7 @@
           <p:cNvPr id="8" name="TextBox 7">
             <a:extLst>
               <a:ext uri="{FF2B5EF4-FFF2-40B4-BE49-F238E27FC236}">
-                <a16:creationId xmlns:a16="http://schemas.microsoft.com/office/drawing/2014/main" id="{B109B65D-4CC7-6D4D-B0CE-265B451C9B56}"/>
+                <a16:creationId xmlns:a16="http://schemas.microsoft.com/office/drawing/2014/main" xmlns="" id="{B109B65D-4CC7-6D4D-B0CE-265B451C9B56}"/>
               </a:ext>
             </a:extLst>
           </p:cNvPr>
@@ -14163,6 +13773,10 @@
               <a:rPr lang="en-US" dirty="0"/>
               <a:t>.NET 4.5.1</a:t>
             </a:r>
+            <a:r>
+              <a:rPr lang="ru-RU" dirty="0"/>
+              <a:t/>
+            </a:r>
             <a:br>
               <a:rPr lang="ru-RU" dirty="0"/>
             </a:br>
@@ -14256,6 +13870,13 @@
                 <a:cs typeface="Consolas" panose="020B0609020204030204" pitchFamily="49" charset="0"/>
               </a:rPr>
               <a:t>;</a:t>
+            </a:r>
+            <a:r>
+              <a:rPr lang="ru-RU" sz="1600" dirty="0">
+                <a:latin typeface="Consolas" panose="020B0609020204030204" pitchFamily="49" charset="0"/>
+                <a:cs typeface="Consolas" panose="020B0609020204030204" pitchFamily="49" charset="0"/>
+              </a:rPr>
+              <a:t/>
             </a:r>
             <a:br>
               <a:rPr lang="ru-RU" sz="1600" dirty="0">
@@ -15043,6 +14664,10 @@
             <a:r>
               <a:rPr lang="ru-RU" b="1" u="sng" dirty="0"/>
               <a:t>Ускорить</a:t>
+            </a:r>
+            <a:r>
+              <a:rPr lang="ru-RU" b="1" dirty="0"/>
+              <a:t/>
             </a:r>
             <a:br>
               <a:rPr lang="ru-RU" b="1" dirty="0"/>
@@ -16165,6 +15790,14 @@
   <p:clrMapOvr>
     <a:masterClrMapping/>
   </p:clrMapOvr>
+  <mc:AlternateContent xmlns:mc="http://schemas.openxmlformats.org/markup-compatibility/2006">
+    <mc:Choice xmlns:p14="http://schemas.microsoft.com/office/powerpoint/2010/main" Requires="p14">
+      <p:transition spd="slow" p14:dur="2000"/>
+    </mc:Choice>
+    <mc:Fallback>
+      <p:transition spd="slow"/>
+    </mc:Fallback>
+  </mc:AlternateContent>
 </p:sld>
 </file>
 
@@ -16639,6 +16272,16 @@
                 </a:rPr>
                 <a:t>Пользовательское</a:t>
               </a:r>
+              <a:r>
+                <a:rPr lang="ru-RU" kern="0" dirty="0">
+                  <a:solidFill>
+                    <a:srgbClr val="FFFFFF"/>
+                  </a:solidFill>
+                  <a:latin typeface="Arial"/>
+                  <a:cs typeface="Calibri" pitchFamily="34" charset="0"/>
+                </a:rPr>
+                <a:t/>
+              </a:r>
               <a:br>
                 <a:rPr lang="ru-RU" kern="0" dirty="0">
                   <a:solidFill>
@@ -17241,6 +16884,16 @@
                 </a:rPr>
                 <a:t>Системное</a:t>
               </a:r>
+              <a:r>
+                <a:rPr lang="ru-RU" kern="0" dirty="0">
+                  <a:solidFill>
+                    <a:srgbClr val="FFFFFF"/>
+                  </a:solidFill>
+                  <a:latin typeface="Arial"/>
+                  <a:cs typeface="Calibri" pitchFamily="34" charset="0"/>
+                </a:rPr>
+                <a:t/>
+              </a:r>
               <a:br>
                 <a:rPr lang="ru-RU" kern="0" dirty="0">
                   <a:solidFill>
@@ -19113,6 +18766,14 @@
   <p:clrMapOvr>
     <a:masterClrMapping/>
   </p:clrMapOvr>
+  <mc:AlternateContent xmlns:mc="http://schemas.openxmlformats.org/markup-compatibility/2006">
+    <mc:Choice xmlns:p14="http://schemas.microsoft.com/office/powerpoint/2010/main" Requires="p14">
+      <p:transition spd="slow" p14:dur="2000"/>
+    </mc:Choice>
+    <mc:Fallback>
+      <p:transition spd="slow"/>
+    </mc:Fallback>
+  </mc:AlternateContent>
 </p:sld>
 </file>
 
@@ -19326,6 +18987,10 @@
               <a:rPr lang="ru-RU" sz="2400" dirty="0"/>
               <a:t>Счетчики производительности для мониторинга памяти</a:t>
             </a:r>
+            <a:r>
+              <a:rPr lang="en-US" sz="2400" dirty="0"/>
+              <a:t/>
+            </a:r>
             <a:br>
               <a:rPr lang="en-US" sz="2400" dirty="0"/>
             </a:br>
@@ -19375,14 +19040,14 @@
                 <a:gridCol w="3312368">
                   <a:extLst>
                     <a:ext uri="{9D8B030D-6E8A-4147-A177-3AD203B41FA5}">
-                      <a16:colId xmlns:a16="http://schemas.microsoft.com/office/drawing/2014/main" val="20000"/>
+                      <a16:colId xmlns:a16="http://schemas.microsoft.com/office/drawing/2014/main" xmlns="" val="20000"/>
                     </a:ext>
                   </a:extLst>
                 </a:gridCol>
                 <a:gridCol w="4896544">
                   <a:extLst>
                     <a:ext uri="{9D8B030D-6E8A-4147-A177-3AD203B41FA5}">
-                      <a16:colId xmlns:a16="http://schemas.microsoft.com/office/drawing/2014/main" val="20001"/>
+                      <a16:colId xmlns:a16="http://schemas.microsoft.com/office/drawing/2014/main" xmlns="" val="20001"/>
                     </a:ext>
                   </a:extLst>
                 </a:gridCol>
@@ -19690,7 +19355,7 @@
                 </a:tc>
                 <a:extLst>
                   <a:ext uri="{0D108BD9-81ED-4DB2-BD59-A6C34878D82A}">
-                    <a16:rowId xmlns:a16="http://schemas.microsoft.com/office/drawing/2014/main" val="10000"/>
+                    <a16:rowId xmlns:a16="http://schemas.microsoft.com/office/drawing/2014/main" xmlns="" val="10000"/>
                   </a:ext>
                 </a:extLst>
               </a:tr>
@@ -20010,7 +19675,7 @@
                 </a:tc>
                 <a:extLst>
                   <a:ext uri="{0D108BD9-81ED-4DB2-BD59-A6C34878D82A}">
-                    <a16:rowId xmlns:a16="http://schemas.microsoft.com/office/drawing/2014/main" val="10001"/>
+                    <a16:rowId xmlns:a16="http://schemas.microsoft.com/office/drawing/2014/main" xmlns="" val="10001"/>
                   </a:ext>
                 </a:extLst>
               </a:tr>
@@ -20336,7 +20001,7 @@
                 </a:tc>
                 <a:extLst>
                   <a:ext uri="{0D108BD9-81ED-4DB2-BD59-A6C34878D82A}">
-                    <a16:rowId xmlns:a16="http://schemas.microsoft.com/office/drawing/2014/main" val="10002"/>
+                    <a16:rowId xmlns:a16="http://schemas.microsoft.com/office/drawing/2014/main" xmlns="" val="10002"/>
                   </a:ext>
                 </a:extLst>
               </a:tr>
@@ -20678,7 +20343,7 @@
                 </a:tc>
                 <a:extLst>
                   <a:ext uri="{0D108BD9-81ED-4DB2-BD59-A6C34878D82A}">
-                    <a16:rowId xmlns:a16="http://schemas.microsoft.com/office/drawing/2014/main" val="10003"/>
+                    <a16:rowId xmlns:a16="http://schemas.microsoft.com/office/drawing/2014/main" xmlns="" val="10003"/>
                   </a:ext>
                 </a:extLst>
               </a:tr>
@@ -20996,7 +20661,7 @@
                 </a:tc>
                 <a:extLst>
                   <a:ext uri="{0D108BD9-81ED-4DB2-BD59-A6C34878D82A}">
-                    <a16:rowId xmlns:a16="http://schemas.microsoft.com/office/drawing/2014/main" val="10004"/>
+                    <a16:rowId xmlns:a16="http://schemas.microsoft.com/office/drawing/2014/main" xmlns="" val="10004"/>
                   </a:ext>
                 </a:extLst>
               </a:tr>
@@ -21355,7 +21020,7 @@
                 </a:tc>
                 <a:extLst>
                   <a:ext uri="{0D108BD9-81ED-4DB2-BD59-A6C34878D82A}">
-                    <a16:rowId xmlns:a16="http://schemas.microsoft.com/office/drawing/2014/main" val="10005"/>
+                    <a16:rowId xmlns:a16="http://schemas.microsoft.com/office/drawing/2014/main" xmlns="" val="10005"/>
                   </a:ext>
                 </a:extLst>
               </a:tr>
@@ -21716,7 +21381,7 @@
                 </a:tc>
                 <a:extLst>
                   <a:ext uri="{0D108BD9-81ED-4DB2-BD59-A6C34878D82A}">
-                    <a16:rowId xmlns:a16="http://schemas.microsoft.com/office/drawing/2014/main" val="10006"/>
+                    <a16:rowId xmlns:a16="http://schemas.microsoft.com/office/drawing/2014/main" xmlns="" val="10006"/>
                   </a:ext>
                 </a:extLst>
               </a:tr>
@@ -22075,7 +21740,7 @@
                 </a:tc>
                 <a:extLst>
                   <a:ext uri="{0D108BD9-81ED-4DB2-BD59-A6C34878D82A}">
-                    <a16:rowId xmlns:a16="http://schemas.microsoft.com/office/drawing/2014/main" val="10007"/>
+                    <a16:rowId xmlns:a16="http://schemas.microsoft.com/office/drawing/2014/main" xmlns="" val="10007"/>
                   </a:ext>
                 </a:extLst>
               </a:tr>
@@ -22379,7 +22044,7 @@
                 </a:tc>
                 <a:extLst>
                   <a:ext uri="{0D108BD9-81ED-4DB2-BD59-A6C34878D82A}">
-                    <a16:rowId xmlns:a16="http://schemas.microsoft.com/office/drawing/2014/main" val="10008"/>
+                    <a16:rowId xmlns:a16="http://schemas.microsoft.com/office/drawing/2014/main" xmlns="" val="10008"/>
                   </a:ext>
                 </a:extLst>
               </a:tr>
@@ -22683,7 +22348,7 @@
                 </a:tc>
                 <a:extLst>
                   <a:ext uri="{0D108BD9-81ED-4DB2-BD59-A6C34878D82A}">
-                    <a16:rowId xmlns:a16="http://schemas.microsoft.com/office/drawing/2014/main" val="10009"/>
+                    <a16:rowId xmlns:a16="http://schemas.microsoft.com/office/drawing/2014/main" xmlns="" val="10009"/>
                   </a:ext>
                 </a:extLst>
               </a:tr>
@@ -22843,7 +22508,7 @@
                 </a:tc>
                 <a:extLst>
                   <a:ext uri="{0D108BD9-81ED-4DB2-BD59-A6C34878D82A}">
-                    <a16:rowId xmlns:a16="http://schemas.microsoft.com/office/drawing/2014/main" val="10010"/>
+                    <a16:rowId xmlns:a16="http://schemas.microsoft.com/office/drawing/2014/main" xmlns="" val="10010"/>
                   </a:ext>
                 </a:extLst>
               </a:tr>
@@ -22995,7 +22660,7 @@
                 </a:tc>
                 <a:extLst>
                   <a:ext uri="{0D108BD9-81ED-4DB2-BD59-A6C34878D82A}">
-                    <a16:rowId xmlns:a16="http://schemas.microsoft.com/office/drawing/2014/main" val="10011"/>
+                    <a16:rowId xmlns:a16="http://schemas.microsoft.com/office/drawing/2014/main" xmlns="" val="10011"/>
                   </a:ext>
                 </a:extLst>
               </a:tr>
@@ -23155,7 +22820,7 @@
                 </a:tc>
                 <a:extLst>
                   <a:ext uri="{0D108BD9-81ED-4DB2-BD59-A6C34878D82A}">
-                    <a16:rowId xmlns:a16="http://schemas.microsoft.com/office/drawing/2014/main" val="10012"/>
+                    <a16:rowId xmlns:a16="http://schemas.microsoft.com/office/drawing/2014/main" xmlns="" val="10012"/>
                   </a:ext>
                 </a:extLst>
               </a:tr>
@@ -23315,7 +22980,7 @@
                 </a:tc>
                 <a:extLst>
                   <a:ext uri="{0D108BD9-81ED-4DB2-BD59-A6C34878D82A}">
-                    <a16:rowId xmlns:a16="http://schemas.microsoft.com/office/drawing/2014/main" val="10013"/>
+                    <a16:rowId xmlns:a16="http://schemas.microsoft.com/office/drawing/2014/main" xmlns="" val="10013"/>
                   </a:ext>
                 </a:extLst>
               </a:tr>
@@ -23352,6 +23017,17 @@
                           <a:cs typeface="Consolas" panose="020B0609020204030204" pitchFamily="49" charset="0"/>
                         </a:rPr>
                         <a:t>Gen 1,2 heap size</a:t>
+                      </a:r>
+                      <a:r>
+                        <a:rPr lang="ru-RU" sz="1400" b="1" i="0" u="none" strike="noStrike" dirty="0">
+                          <a:solidFill>
+                            <a:schemeClr val="bg1"/>
+                          </a:solidFill>
+                          <a:effectLst/>
+                          <a:latin typeface="+mn-lt"/>
+                          <a:cs typeface="Consolas" panose="020B0609020204030204" pitchFamily="49" charset="0"/>
+                        </a:rPr>
+                        <a:t/>
                       </a:r>
                       <a:br>
                         <a:rPr lang="ru-RU" sz="1400" b="1" i="0" u="none" strike="noStrike" dirty="0">
@@ -23545,7 +23221,7 @@
                 </a:tc>
                 <a:extLst>
                   <a:ext uri="{0D108BD9-81ED-4DB2-BD59-A6C34878D82A}">
-                    <a16:rowId xmlns:a16="http://schemas.microsoft.com/office/drawing/2014/main" val="10014"/>
+                    <a16:rowId xmlns:a16="http://schemas.microsoft.com/office/drawing/2014/main" xmlns="" val="10014"/>
                   </a:ext>
                 </a:extLst>
               </a:tr>
@@ -23697,7 +23373,7 @@
                 </a:tc>
                 <a:extLst>
                   <a:ext uri="{0D108BD9-81ED-4DB2-BD59-A6C34878D82A}">
-                    <a16:rowId xmlns:a16="http://schemas.microsoft.com/office/drawing/2014/main" val="10015"/>
+                    <a16:rowId xmlns:a16="http://schemas.microsoft.com/office/drawing/2014/main" xmlns="" val="10015"/>
                   </a:ext>
                 </a:extLst>
               </a:tr>
@@ -23868,7 +23544,7 @@
                 </a:tc>
                 <a:extLst>
                   <a:ext uri="{0D108BD9-81ED-4DB2-BD59-A6C34878D82A}">
-                    <a16:rowId xmlns:a16="http://schemas.microsoft.com/office/drawing/2014/main" val="10016"/>
+                    <a16:rowId xmlns:a16="http://schemas.microsoft.com/office/drawing/2014/main" xmlns="" val="10016"/>
                   </a:ext>
                 </a:extLst>
               </a:tr>
@@ -24134,6 +23810,10 @@
             <a:r>
               <a:rPr lang="en-US" sz="3200" dirty="0"/>
               <a:t>Under the Hood of .NET Memory Management</a:t>
+            </a:r>
+            <a:r>
+              <a:rPr lang="ru-RU" sz="3200" dirty="0"/>
+              <a:t/>
             </a:r>
             <a:br>
               <a:rPr lang="ru-RU" sz="3200" dirty="0"/>

--- a/Presentation/memory-management-and-gc.pptx
+++ b/Presentation/memory-management-and-gc.pptx
@@ -153,7 +153,7 @@
   </p:defaultTextStyle>
   <p:extLst>
     <p:ext uri="{EFAFB233-063F-42B5-8137-9DF3F51BA10A}">
-      <p15:sldGuideLst xmlns:p15="http://schemas.microsoft.com/office/powerpoint/2012/main" xmlns="">
+      <p15:sldGuideLst xmlns:p15="http://schemas.microsoft.com/office/powerpoint/2012/main">
         <p15:guide id="1" orient="horz" pos="2160">
           <p15:clr>
             <a:srgbClr val="A4A3A4"/>
@@ -167,7 +167,7 @@
       </p15:sldGuideLst>
     </p:ext>
     <p:ext uri="{2D200454-40CA-4A62-9FC3-DE9A4176ACB9}">
-      <p15:notesGuideLst xmlns:p15="http://schemas.microsoft.com/office/powerpoint/2012/main" xmlns="">
+      <p15:notesGuideLst xmlns:p15="http://schemas.microsoft.com/office/powerpoint/2012/main">
         <p15:guide id="1" orient="horz" pos="2880">
           <p15:clr>
             <a:srgbClr val="A4A3A4"/>
@@ -266,7 +266,7 @@
           <a:p>
             <a:fld id="{B24A7054-7FFB-49F4-A126-5DF6E687FF53}" type="datetimeFigureOut">
               <a:rPr lang="ru-RU" smtClean="0"/>
-              <a:t>22.02.2019</a:t>
+              <a:t>27.03.2020</a:t>
             </a:fld>
             <a:endParaRPr lang="ru-RU"/>
           </a:p>
@@ -1124,7 +1124,7 @@
           <a:p>
             <a:fld id="{8E6E6A2A-E9D3-4A0D-B04A-ABDD367A1E08}" type="datetimeFigureOut">
               <a:rPr lang="ru-RU" smtClean="0"/>
-              <a:t>22.02.2019</a:t>
+              <a:t>27.03.2020</a:t>
             </a:fld>
             <a:endParaRPr lang="ru-RU"/>
           </a:p>
@@ -2659,7 +2659,7 @@
           <a:p>
             <a:fld id="{AC3D3127-B7C4-45E3-9797-C527EC9FDD78}" type="datetimeFigureOut">
               <a:rPr lang="ru-RU" smtClean="0"/>
-              <a:t>22.02.2019</a:t>
+              <a:t>27.03.2020</a:t>
             </a:fld>
             <a:endParaRPr lang="ru-RU"/>
           </a:p>
@@ -3145,7 +3145,7 @@
           <p:cNvPr id="8" name="TextBox 7">
             <a:extLst>
               <a:ext uri="{FF2B5EF4-FFF2-40B4-BE49-F238E27FC236}">
-                <a16:creationId xmlns:a16="http://schemas.microsoft.com/office/drawing/2014/main" xmlns="" id="{B109B65D-4CC7-6D4D-B0CE-265B451C9B56}"/>
+                <a16:creationId xmlns:a16="http://schemas.microsoft.com/office/drawing/2014/main" id="{B109B65D-4CC7-6D4D-B0CE-265B451C9B56}"/>
               </a:ext>
             </a:extLst>
           </p:cNvPr>
@@ -13773,10 +13773,6 @@
               <a:rPr lang="en-US" dirty="0"/>
               <a:t>.NET 4.5.1</a:t>
             </a:r>
-            <a:r>
-              <a:rPr lang="ru-RU" dirty="0"/>
-              <a:t/>
-            </a:r>
             <a:br>
               <a:rPr lang="ru-RU" dirty="0"/>
             </a:br>
@@ -13870,13 +13866,6 @@
                 <a:cs typeface="Consolas" panose="020B0609020204030204" pitchFamily="49" charset="0"/>
               </a:rPr>
               <a:t>;</a:t>
-            </a:r>
-            <a:r>
-              <a:rPr lang="ru-RU" sz="1600" dirty="0">
-                <a:latin typeface="Consolas" panose="020B0609020204030204" pitchFamily="49" charset="0"/>
-                <a:cs typeface="Consolas" panose="020B0609020204030204" pitchFamily="49" charset="0"/>
-              </a:rPr>
-              <a:t/>
             </a:r>
             <a:br>
               <a:rPr lang="ru-RU" sz="1600" dirty="0">
@@ -14144,11 +14133,14 @@
         </p:nvSpPr>
         <p:spPr/>
         <p:txBody>
-          <a:bodyPr/>
+          <a:bodyPr>
+            <a:normAutofit fontScale="92500" lnSpcReduction="10000"/>
+          </a:bodyPr>
           <a:lstStyle/>
           <a:p>
-            <a:pPr marL="0" indent="0">
-              <a:buNone/>
+            <a:pPr marL="514350" indent="-514350">
+              <a:buFont typeface="+mj-lt"/>
+              <a:buAutoNum type="arabicPeriod"/>
             </a:pPr>
             <a:r>
               <a:rPr lang="ru-RU" dirty="0"/>
@@ -14176,11 +14168,54 @@
             </a:r>
             <a:r>
               <a:rPr lang="ru-RU" dirty="0"/>
-              <a:t>исскуственно продлевать время жизни локальных переменных до завершения метода. </a:t>
-            </a:r>
-            <a:r>
-              <a:rPr lang="ru-RU"/>
-              <a:t>Это сделано чтобы программист мог без помех заниматься отладкой.</a:t>
+              <a:t>исскуственно продлевать время жизни локальных переменных до завершения метода. Это сделано чтобы программист мог без помех заниматься отладкой.</a:t>
+            </a:r>
+            <a:endParaRPr lang="en-US" dirty="0"/>
+          </a:p>
+          <a:p>
+            <a:pPr marL="514350" indent="-514350">
+              <a:buFont typeface="+mj-lt"/>
+              <a:buAutoNum type="arabicPeriod"/>
+            </a:pPr>
+            <a:r>
+              <a:rPr lang="ru-RU" dirty="0"/>
+              <a:t>В </a:t>
+            </a:r>
+            <a:r>
+              <a:rPr lang="en-US" dirty="0"/>
+              <a:t>Debug </a:t>
+            </a:r>
+            <a:r>
+              <a:rPr lang="ru-RU" dirty="0"/>
+              <a:t>конфигурации</a:t>
+            </a:r>
+            <a:r>
+              <a:rPr lang="en-US" dirty="0"/>
+              <a:t> </a:t>
+            </a:r>
+            <a:r>
+              <a:rPr lang="ru-RU" dirty="0"/>
+              <a:t>тип для </a:t>
+            </a:r>
+            <a:r>
+              <a:rPr lang="en-US" dirty="0"/>
+              <a:t>state machine </a:t>
+            </a:r>
+            <a:r>
+              <a:rPr lang="ru-RU" dirty="0"/>
+              <a:t>это класс, а в </a:t>
+            </a:r>
+            <a:r>
+              <a:rPr lang="en-US" dirty="0"/>
+              <a:t>Release </a:t>
+            </a:r>
+            <a:r>
+              <a:rPr lang="ru-RU" dirty="0"/>
+              <a:t>конфигурации – </a:t>
+            </a:r>
+            <a:r>
+              <a:rPr lang="en-US" dirty="0"/>
+              <a:t>struct.</a:t>
             </a:r>
             <a:endParaRPr lang="ru-RU" dirty="0"/>
           </a:p>
@@ -14664,10 +14699,6 @@
             <a:r>
               <a:rPr lang="ru-RU" b="1" u="sng" dirty="0"/>
               <a:t>Ускорить</a:t>
-            </a:r>
-            <a:r>
-              <a:rPr lang="ru-RU" b="1" dirty="0"/>
-              <a:t/>
             </a:r>
             <a:br>
               <a:rPr lang="ru-RU" b="1" dirty="0"/>
@@ -15790,14 +15821,6 @@
   <p:clrMapOvr>
     <a:masterClrMapping/>
   </p:clrMapOvr>
-  <mc:AlternateContent xmlns:mc="http://schemas.openxmlformats.org/markup-compatibility/2006">
-    <mc:Choice xmlns:p14="http://schemas.microsoft.com/office/powerpoint/2010/main" Requires="p14">
-      <p:transition spd="slow" p14:dur="2000"/>
-    </mc:Choice>
-    <mc:Fallback>
-      <p:transition spd="slow"/>
-    </mc:Fallback>
-  </mc:AlternateContent>
 </p:sld>
 </file>
 
@@ -16272,16 +16295,6 @@
                 </a:rPr>
                 <a:t>Пользовательское</a:t>
               </a:r>
-              <a:r>
-                <a:rPr lang="ru-RU" kern="0" dirty="0">
-                  <a:solidFill>
-                    <a:srgbClr val="FFFFFF"/>
-                  </a:solidFill>
-                  <a:latin typeface="Arial"/>
-                  <a:cs typeface="Calibri" pitchFamily="34" charset="0"/>
-                </a:rPr>
-                <a:t/>
-              </a:r>
               <a:br>
                 <a:rPr lang="ru-RU" kern="0" dirty="0">
                   <a:solidFill>
@@ -16884,16 +16897,6 @@
                 </a:rPr>
                 <a:t>Системное</a:t>
               </a:r>
-              <a:r>
-                <a:rPr lang="ru-RU" kern="0" dirty="0">
-                  <a:solidFill>
-                    <a:srgbClr val="FFFFFF"/>
-                  </a:solidFill>
-                  <a:latin typeface="Arial"/>
-                  <a:cs typeface="Calibri" pitchFamily="34" charset="0"/>
-                </a:rPr>
-                <a:t/>
-              </a:r>
               <a:br>
                 <a:rPr lang="ru-RU" kern="0" dirty="0">
                   <a:solidFill>
@@ -18766,14 +18769,6 @@
   <p:clrMapOvr>
     <a:masterClrMapping/>
   </p:clrMapOvr>
-  <mc:AlternateContent xmlns:mc="http://schemas.openxmlformats.org/markup-compatibility/2006">
-    <mc:Choice xmlns:p14="http://schemas.microsoft.com/office/powerpoint/2010/main" Requires="p14">
-      <p:transition spd="slow" p14:dur="2000"/>
-    </mc:Choice>
-    <mc:Fallback>
-      <p:transition spd="slow"/>
-    </mc:Fallback>
-  </mc:AlternateContent>
 </p:sld>
 </file>
 
@@ -18987,10 +18982,6 @@
               <a:rPr lang="ru-RU" sz="2400" dirty="0"/>
               <a:t>Счетчики производительности для мониторинга памяти</a:t>
             </a:r>
-            <a:r>
-              <a:rPr lang="en-US" sz="2400" dirty="0"/>
-              <a:t/>
-            </a:r>
             <a:br>
               <a:rPr lang="en-US" sz="2400" dirty="0"/>
             </a:br>
@@ -19040,14 +19031,14 @@
                 <a:gridCol w="3312368">
                   <a:extLst>
                     <a:ext uri="{9D8B030D-6E8A-4147-A177-3AD203B41FA5}">
-                      <a16:colId xmlns:a16="http://schemas.microsoft.com/office/drawing/2014/main" xmlns="" val="20000"/>
+                      <a16:colId xmlns:a16="http://schemas.microsoft.com/office/drawing/2014/main" val="20000"/>
                     </a:ext>
                   </a:extLst>
                 </a:gridCol>
                 <a:gridCol w="4896544">
                   <a:extLst>
                     <a:ext uri="{9D8B030D-6E8A-4147-A177-3AD203B41FA5}">
-                      <a16:colId xmlns:a16="http://schemas.microsoft.com/office/drawing/2014/main" xmlns="" val="20001"/>
+                      <a16:colId xmlns:a16="http://schemas.microsoft.com/office/drawing/2014/main" val="20001"/>
                     </a:ext>
                   </a:extLst>
                 </a:gridCol>
@@ -19355,7 +19346,7 @@
                 </a:tc>
                 <a:extLst>
                   <a:ext uri="{0D108BD9-81ED-4DB2-BD59-A6C34878D82A}">
-                    <a16:rowId xmlns:a16="http://schemas.microsoft.com/office/drawing/2014/main" xmlns="" val="10000"/>
+                    <a16:rowId xmlns:a16="http://schemas.microsoft.com/office/drawing/2014/main" val="10000"/>
                   </a:ext>
                 </a:extLst>
               </a:tr>
@@ -19675,7 +19666,7 @@
                 </a:tc>
                 <a:extLst>
                   <a:ext uri="{0D108BD9-81ED-4DB2-BD59-A6C34878D82A}">
-                    <a16:rowId xmlns:a16="http://schemas.microsoft.com/office/drawing/2014/main" xmlns="" val="10001"/>
+                    <a16:rowId xmlns:a16="http://schemas.microsoft.com/office/drawing/2014/main" val="10001"/>
                   </a:ext>
                 </a:extLst>
               </a:tr>
@@ -20001,7 +19992,7 @@
                 </a:tc>
                 <a:extLst>
                   <a:ext uri="{0D108BD9-81ED-4DB2-BD59-A6C34878D82A}">
-                    <a16:rowId xmlns:a16="http://schemas.microsoft.com/office/drawing/2014/main" xmlns="" val="10002"/>
+                    <a16:rowId xmlns:a16="http://schemas.microsoft.com/office/drawing/2014/main" val="10002"/>
                   </a:ext>
                 </a:extLst>
               </a:tr>
@@ -20343,7 +20334,7 @@
                 </a:tc>
                 <a:extLst>
                   <a:ext uri="{0D108BD9-81ED-4DB2-BD59-A6C34878D82A}">
-                    <a16:rowId xmlns:a16="http://schemas.microsoft.com/office/drawing/2014/main" xmlns="" val="10003"/>
+                    <a16:rowId xmlns:a16="http://schemas.microsoft.com/office/drawing/2014/main" val="10003"/>
                   </a:ext>
                 </a:extLst>
               </a:tr>
@@ -20661,7 +20652,7 @@
                 </a:tc>
                 <a:extLst>
                   <a:ext uri="{0D108BD9-81ED-4DB2-BD59-A6C34878D82A}">
-                    <a16:rowId xmlns:a16="http://schemas.microsoft.com/office/drawing/2014/main" xmlns="" val="10004"/>
+                    <a16:rowId xmlns:a16="http://schemas.microsoft.com/office/drawing/2014/main" val="10004"/>
                   </a:ext>
                 </a:extLst>
               </a:tr>
@@ -21020,7 +21011,7 @@
                 </a:tc>
                 <a:extLst>
                   <a:ext uri="{0D108BD9-81ED-4DB2-BD59-A6C34878D82A}">
-                    <a16:rowId xmlns:a16="http://schemas.microsoft.com/office/drawing/2014/main" xmlns="" val="10005"/>
+                    <a16:rowId xmlns:a16="http://schemas.microsoft.com/office/drawing/2014/main" val="10005"/>
                   </a:ext>
                 </a:extLst>
               </a:tr>
@@ -21381,7 +21372,7 @@
                 </a:tc>
                 <a:extLst>
                   <a:ext uri="{0D108BD9-81ED-4DB2-BD59-A6C34878D82A}">
-                    <a16:rowId xmlns:a16="http://schemas.microsoft.com/office/drawing/2014/main" xmlns="" val="10006"/>
+                    <a16:rowId xmlns:a16="http://schemas.microsoft.com/office/drawing/2014/main" val="10006"/>
                   </a:ext>
                 </a:extLst>
               </a:tr>
@@ -21740,7 +21731,7 @@
                 </a:tc>
                 <a:extLst>
                   <a:ext uri="{0D108BD9-81ED-4DB2-BD59-A6C34878D82A}">
-                    <a16:rowId xmlns:a16="http://schemas.microsoft.com/office/drawing/2014/main" xmlns="" val="10007"/>
+                    <a16:rowId xmlns:a16="http://schemas.microsoft.com/office/drawing/2014/main" val="10007"/>
                   </a:ext>
                 </a:extLst>
               </a:tr>
@@ -22044,7 +22035,7 @@
                 </a:tc>
                 <a:extLst>
                   <a:ext uri="{0D108BD9-81ED-4DB2-BD59-A6C34878D82A}">
-                    <a16:rowId xmlns:a16="http://schemas.microsoft.com/office/drawing/2014/main" xmlns="" val="10008"/>
+                    <a16:rowId xmlns:a16="http://schemas.microsoft.com/office/drawing/2014/main" val="10008"/>
                   </a:ext>
                 </a:extLst>
               </a:tr>
@@ -22348,7 +22339,7 @@
                 </a:tc>
                 <a:extLst>
                   <a:ext uri="{0D108BD9-81ED-4DB2-BD59-A6C34878D82A}">
-                    <a16:rowId xmlns:a16="http://schemas.microsoft.com/office/drawing/2014/main" xmlns="" val="10009"/>
+                    <a16:rowId xmlns:a16="http://schemas.microsoft.com/office/drawing/2014/main" val="10009"/>
                   </a:ext>
                 </a:extLst>
               </a:tr>
@@ -22508,7 +22499,7 @@
                 </a:tc>
                 <a:extLst>
                   <a:ext uri="{0D108BD9-81ED-4DB2-BD59-A6C34878D82A}">
-                    <a16:rowId xmlns:a16="http://schemas.microsoft.com/office/drawing/2014/main" xmlns="" val="10010"/>
+                    <a16:rowId xmlns:a16="http://schemas.microsoft.com/office/drawing/2014/main" val="10010"/>
                   </a:ext>
                 </a:extLst>
               </a:tr>
@@ -22660,7 +22651,7 @@
                 </a:tc>
                 <a:extLst>
                   <a:ext uri="{0D108BD9-81ED-4DB2-BD59-A6C34878D82A}">
-                    <a16:rowId xmlns:a16="http://schemas.microsoft.com/office/drawing/2014/main" xmlns="" val="10011"/>
+                    <a16:rowId xmlns:a16="http://schemas.microsoft.com/office/drawing/2014/main" val="10011"/>
                   </a:ext>
                 </a:extLst>
               </a:tr>
@@ -22820,7 +22811,7 @@
                 </a:tc>
                 <a:extLst>
                   <a:ext uri="{0D108BD9-81ED-4DB2-BD59-A6C34878D82A}">
-                    <a16:rowId xmlns:a16="http://schemas.microsoft.com/office/drawing/2014/main" xmlns="" val="10012"/>
+                    <a16:rowId xmlns:a16="http://schemas.microsoft.com/office/drawing/2014/main" val="10012"/>
                   </a:ext>
                 </a:extLst>
               </a:tr>
@@ -22980,7 +22971,7 @@
                 </a:tc>
                 <a:extLst>
                   <a:ext uri="{0D108BD9-81ED-4DB2-BD59-A6C34878D82A}">
-                    <a16:rowId xmlns:a16="http://schemas.microsoft.com/office/drawing/2014/main" xmlns="" val="10013"/>
+                    <a16:rowId xmlns:a16="http://schemas.microsoft.com/office/drawing/2014/main" val="10013"/>
                   </a:ext>
                 </a:extLst>
               </a:tr>
@@ -23017,17 +23008,6 @@
                           <a:cs typeface="Consolas" panose="020B0609020204030204" pitchFamily="49" charset="0"/>
                         </a:rPr>
                         <a:t>Gen 1,2 heap size</a:t>
-                      </a:r>
-                      <a:r>
-                        <a:rPr lang="ru-RU" sz="1400" b="1" i="0" u="none" strike="noStrike" dirty="0">
-                          <a:solidFill>
-                            <a:schemeClr val="bg1"/>
-                          </a:solidFill>
-                          <a:effectLst/>
-                          <a:latin typeface="+mn-lt"/>
-                          <a:cs typeface="Consolas" panose="020B0609020204030204" pitchFamily="49" charset="0"/>
-                        </a:rPr>
-                        <a:t/>
                       </a:r>
                       <a:br>
                         <a:rPr lang="ru-RU" sz="1400" b="1" i="0" u="none" strike="noStrike" dirty="0">
@@ -23221,7 +23201,7 @@
                 </a:tc>
                 <a:extLst>
                   <a:ext uri="{0D108BD9-81ED-4DB2-BD59-A6C34878D82A}">
-                    <a16:rowId xmlns:a16="http://schemas.microsoft.com/office/drawing/2014/main" xmlns="" val="10014"/>
+                    <a16:rowId xmlns:a16="http://schemas.microsoft.com/office/drawing/2014/main" val="10014"/>
                   </a:ext>
                 </a:extLst>
               </a:tr>
@@ -23373,7 +23353,7 @@
                 </a:tc>
                 <a:extLst>
                   <a:ext uri="{0D108BD9-81ED-4DB2-BD59-A6C34878D82A}">
-                    <a16:rowId xmlns:a16="http://schemas.microsoft.com/office/drawing/2014/main" xmlns="" val="10015"/>
+                    <a16:rowId xmlns:a16="http://schemas.microsoft.com/office/drawing/2014/main" val="10015"/>
                   </a:ext>
                 </a:extLst>
               </a:tr>
@@ -23544,7 +23524,7 @@
                 </a:tc>
                 <a:extLst>
                   <a:ext uri="{0D108BD9-81ED-4DB2-BD59-A6C34878D82A}">
-                    <a16:rowId xmlns:a16="http://schemas.microsoft.com/office/drawing/2014/main" xmlns="" val="10016"/>
+                    <a16:rowId xmlns:a16="http://schemas.microsoft.com/office/drawing/2014/main" val="10016"/>
                   </a:ext>
                 </a:extLst>
               </a:tr>
@@ -23810,10 +23790,6 @@
             <a:r>
               <a:rPr lang="en-US" sz="3200" dirty="0"/>
               <a:t>Under the Hood of .NET Memory Management</a:t>
-            </a:r>
-            <a:r>
-              <a:rPr lang="ru-RU" sz="3200" dirty="0"/>
-              <a:t/>
             </a:r>
             <a:br>
               <a:rPr lang="ru-RU" sz="3200" dirty="0"/>

--- a/Presentation/memory-management-and-gc.pptx
+++ b/Presentation/memory-management-and-gc.pptx
@@ -5,54 +5,55 @@
     <p:sldMasterId id="2147483648" r:id="rId1"/>
   </p:sldMasterIdLst>
   <p:notesMasterIdLst>
-    <p:notesMasterId r:id="rId47"/>
+    <p:notesMasterId r:id="rId48"/>
   </p:notesMasterIdLst>
   <p:sldIdLst>
     <p:sldId id="261" r:id="rId2"/>
     <p:sldId id="257" r:id="rId3"/>
     <p:sldId id="274" r:id="rId4"/>
-    <p:sldId id="294" r:id="rId5"/>
-    <p:sldId id="285" r:id="rId6"/>
-    <p:sldId id="291" r:id="rId7"/>
-    <p:sldId id="286" r:id="rId8"/>
-    <p:sldId id="264" r:id="rId9"/>
-    <p:sldId id="270" r:id="rId10"/>
-    <p:sldId id="265" r:id="rId11"/>
-    <p:sldId id="266" r:id="rId12"/>
-    <p:sldId id="273" r:id="rId13"/>
-    <p:sldId id="268" r:id="rId14"/>
-    <p:sldId id="267" r:id="rId15"/>
-    <p:sldId id="269" r:id="rId16"/>
-    <p:sldId id="299" r:id="rId17"/>
-    <p:sldId id="279" r:id="rId18"/>
-    <p:sldId id="280" r:id="rId19"/>
-    <p:sldId id="281" r:id="rId20"/>
-    <p:sldId id="292" r:id="rId21"/>
-    <p:sldId id="287" r:id="rId22"/>
-    <p:sldId id="288" r:id="rId23"/>
-    <p:sldId id="293" r:id="rId24"/>
-    <p:sldId id="272" r:id="rId25"/>
-    <p:sldId id="275" r:id="rId26"/>
-    <p:sldId id="289" r:id="rId27"/>
-    <p:sldId id="276" r:id="rId28"/>
-    <p:sldId id="300" r:id="rId29"/>
-    <p:sldId id="301" r:id="rId30"/>
-    <p:sldId id="271" r:id="rId31"/>
-    <p:sldId id="263" r:id="rId32"/>
-    <p:sldId id="284" r:id="rId33"/>
-    <p:sldId id="295" r:id="rId34"/>
-    <p:sldId id="262" r:id="rId35"/>
-    <p:sldId id="278" r:id="rId36"/>
-    <p:sldId id="282" r:id="rId37"/>
-    <p:sldId id="277" r:id="rId38"/>
-    <p:sldId id="258" r:id="rId39"/>
-    <p:sldId id="259" r:id="rId40"/>
-    <p:sldId id="290" r:id="rId41"/>
-    <p:sldId id="283" r:id="rId42"/>
-    <p:sldId id="260" r:id="rId43"/>
-    <p:sldId id="296" r:id="rId44"/>
-    <p:sldId id="297" r:id="rId45"/>
-    <p:sldId id="298" r:id="rId46"/>
+    <p:sldId id="302" r:id="rId5"/>
+    <p:sldId id="294" r:id="rId6"/>
+    <p:sldId id="285" r:id="rId7"/>
+    <p:sldId id="291" r:id="rId8"/>
+    <p:sldId id="286" r:id="rId9"/>
+    <p:sldId id="264" r:id="rId10"/>
+    <p:sldId id="270" r:id="rId11"/>
+    <p:sldId id="265" r:id="rId12"/>
+    <p:sldId id="266" r:id="rId13"/>
+    <p:sldId id="273" r:id="rId14"/>
+    <p:sldId id="268" r:id="rId15"/>
+    <p:sldId id="267" r:id="rId16"/>
+    <p:sldId id="269" r:id="rId17"/>
+    <p:sldId id="299" r:id="rId18"/>
+    <p:sldId id="279" r:id="rId19"/>
+    <p:sldId id="280" r:id="rId20"/>
+    <p:sldId id="281" r:id="rId21"/>
+    <p:sldId id="292" r:id="rId22"/>
+    <p:sldId id="287" r:id="rId23"/>
+    <p:sldId id="288" r:id="rId24"/>
+    <p:sldId id="293" r:id="rId25"/>
+    <p:sldId id="272" r:id="rId26"/>
+    <p:sldId id="275" r:id="rId27"/>
+    <p:sldId id="289" r:id="rId28"/>
+    <p:sldId id="276" r:id="rId29"/>
+    <p:sldId id="300" r:id="rId30"/>
+    <p:sldId id="301" r:id="rId31"/>
+    <p:sldId id="271" r:id="rId32"/>
+    <p:sldId id="263" r:id="rId33"/>
+    <p:sldId id="284" r:id="rId34"/>
+    <p:sldId id="295" r:id="rId35"/>
+    <p:sldId id="262" r:id="rId36"/>
+    <p:sldId id="278" r:id="rId37"/>
+    <p:sldId id="282" r:id="rId38"/>
+    <p:sldId id="277" r:id="rId39"/>
+    <p:sldId id="258" r:id="rId40"/>
+    <p:sldId id="259" r:id="rId41"/>
+    <p:sldId id="290" r:id="rId42"/>
+    <p:sldId id="283" r:id="rId43"/>
+    <p:sldId id="260" r:id="rId44"/>
+    <p:sldId id="296" r:id="rId45"/>
+    <p:sldId id="297" r:id="rId46"/>
+    <p:sldId id="298" r:id="rId47"/>
   </p:sldIdLst>
   <p:sldSz cx="9144000" cy="6858000" type="screen4x3"/>
   <p:notesSz cx="6858000" cy="9144000"/>
@@ -153,7 +154,7 @@
   </p:defaultTextStyle>
   <p:extLst>
     <p:ext uri="{EFAFB233-063F-42B5-8137-9DF3F51BA10A}">
-      <p15:sldGuideLst xmlns:p15="http://schemas.microsoft.com/office/powerpoint/2012/main">
+      <p15:sldGuideLst xmlns:p15="http://schemas.microsoft.com/office/powerpoint/2012/main" xmlns="">
         <p15:guide id="1" orient="horz" pos="2160">
           <p15:clr>
             <a:srgbClr val="A4A3A4"/>
@@ -167,7 +168,7 @@
       </p15:sldGuideLst>
     </p:ext>
     <p:ext uri="{2D200454-40CA-4A62-9FC3-DE9A4176ACB9}">
-      <p15:notesGuideLst xmlns:p15="http://schemas.microsoft.com/office/powerpoint/2012/main">
+      <p15:notesGuideLst xmlns:p15="http://schemas.microsoft.com/office/powerpoint/2012/main" xmlns="">
         <p15:guide id="1" orient="horz" pos="2880">
           <p15:clr>
             <a:srgbClr val="A4A3A4"/>
@@ -266,7 +267,7 @@
           <a:p>
             <a:fld id="{B24A7054-7FFB-49F4-A126-5DF6E687FF53}" type="datetimeFigureOut">
               <a:rPr lang="ru-RU" smtClean="0"/>
-              <a:t>27.03.2020</a:t>
+              <a:t>12.05.2020</a:t>
             </a:fld>
             <a:endParaRPr lang="ru-RU"/>
           </a:p>
@@ -1124,7 +1125,7 @@
           <a:p>
             <a:fld id="{8E6E6A2A-E9D3-4A0D-B04A-ABDD367A1E08}" type="datetimeFigureOut">
               <a:rPr lang="ru-RU" smtClean="0"/>
-              <a:t>27.03.2020</a:t>
+              <a:t>12.05.2020</a:t>
             </a:fld>
             <a:endParaRPr lang="ru-RU"/>
           </a:p>
@@ -2659,7 +2660,7 @@
           <a:p>
             <a:fld id="{AC3D3127-B7C4-45E3-9797-C527EC9FDD78}" type="datetimeFigureOut">
               <a:rPr lang="ru-RU" smtClean="0"/>
-              <a:t>27.03.2020</a:t>
+              <a:t>12.05.2020</a:t>
             </a:fld>
             <a:endParaRPr lang="ru-RU"/>
           </a:p>
@@ -3145,7 +3146,7 @@
           <p:cNvPr id="8" name="TextBox 7">
             <a:extLst>
               <a:ext uri="{FF2B5EF4-FFF2-40B4-BE49-F238E27FC236}">
-                <a16:creationId xmlns:a16="http://schemas.microsoft.com/office/drawing/2014/main" id="{B109B65D-4CC7-6D4D-B0CE-265B451C9B56}"/>
+                <a16:creationId xmlns:a16="http://schemas.microsoft.com/office/drawing/2014/main" xmlns="" id="{B109B65D-4CC7-6D4D-B0CE-265B451C9B56}"/>
               </a:ext>
             </a:extLst>
           </p:cNvPr>
@@ -3268,6 +3269,155 @@
 </file>
 
 <file path=ppt/slides/slide10.xml><?xml version="1.0" encoding="utf-8"?>
+<p:sld xmlns:a="http://schemas.openxmlformats.org/drawingml/2006/main" xmlns:r="http://schemas.openxmlformats.org/officeDocument/2006/relationships" xmlns:p="http://schemas.openxmlformats.org/presentationml/2006/main">
+  <p:cSld>
+    <p:spTree>
+      <p:nvGrpSpPr>
+        <p:cNvPr id="1" name=""/>
+        <p:cNvGrpSpPr/>
+        <p:nvPr/>
+      </p:nvGrpSpPr>
+      <p:grpSpPr>
+        <a:xfrm>
+          <a:off x="0" y="0"/>
+          <a:ext cx="0" cy="0"/>
+          <a:chOff x="0" y="0"/>
+          <a:chExt cx="0" cy="0"/>
+        </a:xfrm>
+      </p:grpSpPr>
+      <p:sp>
+        <p:nvSpPr>
+          <p:cNvPr id="2" name="Title 1"/>
+          <p:cNvSpPr>
+            <a:spLocks noGrp="1"/>
+          </p:cNvSpPr>
+          <p:nvPr>
+            <p:ph type="title"/>
+          </p:nvPr>
+        </p:nvSpPr>
+        <p:spPr/>
+        <p:txBody>
+          <a:bodyPr/>
+          <a:lstStyle/>
+          <a:p>
+            <a:r>
+              <a:rPr lang="ru-RU" dirty="0"/>
+              <a:t>Общий алгоритм</a:t>
+            </a:r>
+          </a:p>
+        </p:txBody>
+      </p:sp>
+      <p:sp>
+        <p:nvSpPr>
+          <p:cNvPr id="3" name="Content Placeholder 2"/>
+          <p:cNvSpPr>
+            <a:spLocks noGrp="1"/>
+          </p:cNvSpPr>
+          <p:nvPr>
+            <p:ph idx="1"/>
+          </p:nvPr>
+        </p:nvSpPr>
+        <p:spPr>
+          <a:xfrm>
+            <a:off x="457200" y="1340768"/>
+            <a:ext cx="8229600" cy="4525963"/>
+          </a:xfrm>
+        </p:spPr>
+        <p:txBody>
+          <a:bodyPr>
+            <a:normAutofit fontScale="92500" lnSpcReduction="10000"/>
+          </a:bodyPr>
+          <a:lstStyle/>
+          <a:p>
+            <a:r>
+              <a:rPr lang="ru-RU" sz="2800" dirty="0"/>
+              <a:t>Поставить на паузу все потоки процесса (</a:t>
+            </a:r>
+            <a:r>
+              <a:rPr lang="en-US" sz="2800" dirty="0"/>
+              <a:t>non-concurrent </a:t>
+            </a:r>
+            <a:r>
+              <a:rPr lang="ru-RU" sz="2800" dirty="0"/>
+              <a:t>режим) или только часть из них (</a:t>
+            </a:r>
+            <a:r>
+              <a:rPr lang="en-US" sz="2800" dirty="0"/>
+              <a:t>concurrent </a:t>
+            </a:r>
+            <a:r>
+              <a:rPr lang="ru-RU" sz="2800" dirty="0"/>
+              <a:t>режим)</a:t>
+            </a:r>
+          </a:p>
+          <a:p>
+            <a:r>
+              <a:rPr lang="ru-RU" sz="2800" dirty="0"/>
+              <a:t>Определить какие объекты достижимы начиная с «корней» (</a:t>
+            </a:r>
+            <a:r>
+              <a:rPr lang="en-US" sz="2800" dirty="0"/>
+              <a:t>roots)</a:t>
+            </a:r>
+          </a:p>
+          <a:p>
+            <a:r>
+              <a:rPr lang="ru-RU" sz="2800" dirty="0"/>
+              <a:t>Недостижимые объекты – мусор!</a:t>
+            </a:r>
+            <a:r>
+              <a:rPr lang="en-US" sz="2800" dirty="0"/>
+              <a:t> </a:t>
+            </a:r>
+            <a:r>
+              <a:rPr lang="ru-RU" sz="2800" dirty="0"/>
+              <a:t>Удаляем их</a:t>
+            </a:r>
+          </a:p>
+          <a:p>
+            <a:r>
+              <a:rPr lang="ru-RU" sz="2800" dirty="0"/>
+              <a:t>Выполняем дефрагментацию кучи чтобы свободное пространство шло непрерывным блоком в конце кучи. Одновременно исправляем адреса ссылок.</a:t>
+            </a:r>
+            <a:endParaRPr lang="en-US" sz="2800" dirty="0"/>
+          </a:p>
+          <a:p>
+            <a:pPr lvl="1"/>
+            <a:r>
+              <a:rPr lang="ru-RU" sz="2400" dirty="0"/>
+              <a:t>Примечание: Для </a:t>
+            </a:r>
+            <a:r>
+              <a:rPr lang="en-US" sz="2400" dirty="0"/>
+              <a:t>LOH</a:t>
+            </a:r>
+            <a:r>
+              <a:rPr lang="ru-RU" sz="2400" dirty="0"/>
+              <a:t> дефрагментация не выполняется</a:t>
+            </a:r>
+          </a:p>
+          <a:p>
+            <a:r>
+              <a:rPr lang="ru-RU" sz="2800" dirty="0"/>
+              <a:t>Снимаем все потоки с паузы</a:t>
+            </a:r>
+          </a:p>
+        </p:txBody>
+      </p:sp>
+    </p:spTree>
+    <p:extLst>
+      <p:ext uri="{BB962C8B-B14F-4D97-AF65-F5344CB8AC3E}">
+        <p14:creationId xmlns:p14="http://schemas.microsoft.com/office/powerpoint/2010/main" val="4153099031"/>
+      </p:ext>
+    </p:extLst>
+  </p:cSld>
+  <p:clrMapOvr>
+    <a:masterClrMapping/>
+  </p:clrMapOvr>
+</p:sld>
+</file>
+
+<file path=ppt/slides/slide11.xml><?xml version="1.0" encoding="utf-8"?>
 <p:sld xmlns:a="http://schemas.openxmlformats.org/drawingml/2006/main" xmlns:r="http://schemas.openxmlformats.org/officeDocument/2006/relationships" xmlns:p="http://schemas.openxmlformats.org/presentationml/2006/main">
   <p:cSld>
     <p:spTree>
@@ -5387,7 +5537,7 @@
 </p:sld>
 </file>
 
-<file path=ppt/slides/slide11.xml><?xml version="1.0" encoding="utf-8"?>
+<file path=ppt/slides/slide12.xml><?xml version="1.0" encoding="utf-8"?>
 <p:sld xmlns:a="http://schemas.openxmlformats.org/drawingml/2006/main" xmlns:r="http://schemas.openxmlformats.org/officeDocument/2006/relationships" xmlns:p="http://schemas.openxmlformats.org/presentationml/2006/main">
   <p:cSld>
     <p:spTree>
@@ -5485,119 +5635,6 @@
     <p:extLst>
       <p:ext uri="{BB962C8B-B14F-4D97-AF65-F5344CB8AC3E}">
         <p14:creationId xmlns:p14="http://schemas.microsoft.com/office/powerpoint/2010/main" val="2062523309"/>
-      </p:ext>
-    </p:extLst>
-  </p:cSld>
-  <p:clrMapOvr>
-    <a:masterClrMapping/>
-  </p:clrMapOvr>
-</p:sld>
-</file>
-
-<file path=ppt/slides/slide12.xml><?xml version="1.0" encoding="utf-8"?>
-<p:sld xmlns:a="http://schemas.openxmlformats.org/drawingml/2006/main" xmlns:r="http://schemas.openxmlformats.org/officeDocument/2006/relationships" xmlns:p="http://schemas.openxmlformats.org/presentationml/2006/main">
-  <p:cSld>
-    <p:spTree>
-      <p:nvGrpSpPr>
-        <p:cNvPr id="1" name=""/>
-        <p:cNvGrpSpPr/>
-        <p:nvPr/>
-      </p:nvGrpSpPr>
-      <p:grpSpPr>
-        <a:xfrm>
-          <a:off x="0" y="0"/>
-          <a:ext cx="0" cy="0"/>
-          <a:chOff x="0" y="0"/>
-          <a:chExt cx="0" cy="0"/>
-        </a:xfrm>
-      </p:grpSpPr>
-      <p:sp>
-        <p:nvSpPr>
-          <p:cNvPr id="2" name="Title 1"/>
-          <p:cNvSpPr>
-            <a:spLocks noGrp="1"/>
-          </p:cNvSpPr>
-          <p:nvPr>
-            <p:ph type="title"/>
-          </p:nvPr>
-        </p:nvSpPr>
-        <p:spPr/>
-        <p:txBody>
-          <a:bodyPr>
-            <a:normAutofit fontScale="90000"/>
-          </a:bodyPr>
-          <a:lstStyle/>
-          <a:p>
-            <a:r>
-              <a:rPr lang="ru-RU" dirty="0"/>
-              <a:t>Когда запускается сборщик мусора?</a:t>
-            </a:r>
-          </a:p>
-        </p:txBody>
-      </p:sp>
-      <p:sp>
-        <p:nvSpPr>
-          <p:cNvPr id="3" name="Content Placeholder 2"/>
-          <p:cNvSpPr>
-            <a:spLocks noGrp="1"/>
-          </p:cNvSpPr>
-          <p:nvPr>
-            <p:ph idx="1"/>
-          </p:nvPr>
-        </p:nvSpPr>
-        <p:spPr/>
-        <p:txBody>
-          <a:bodyPr/>
-          <a:lstStyle/>
-          <a:p>
-            <a:r>
-              <a:rPr lang="ru-RU" dirty="0"/>
-              <a:t>Если память выделенная в управляемой кучи достигает определенного предела. Данный предел зависит от версии </a:t>
-            </a:r>
-            <a:r>
-              <a:rPr lang="en-US" dirty="0"/>
-              <a:t>CLR </a:t>
-            </a:r>
-            <a:r>
-              <a:rPr lang="ru-RU" dirty="0"/>
-              <a:t>и также  менятся в зависимости от поведения программы</a:t>
-            </a:r>
-          </a:p>
-          <a:p>
-            <a:r>
-              <a:rPr lang="ru-RU" dirty="0"/>
-              <a:t>Если </a:t>
-            </a:r>
-            <a:r>
-              <a:rPr lang="en-US" dirty="0"/>
-              <a:t>Windows</a:t>
-            </a:r>
-            <a:r>
-              <a:rPr lang="ru-RU" dirty="0"/>
-              <a:t> сообщает о приближении к пределу доступной виртуальной памяти</a:t>
-            </a:r>
-          </a:p>
-          <a:p>
-            <a:r>
-              <a:rPr lang="ru-RU" dirty="0"/>
-              <a:t>Вручную с помощью </a:t>
-            </a:r>
-            <a:r>
-              <a:rPr lang="en-US" dirty="0" err="1"/>
-              <a:t>GC.Collect</a:t>
-            </a:r>
-            <a:r>
-              <a:rPr lang="en-US" dirty="0"/>
-              <a:t>()</a:t>
-            </a:r>
-            <a:endParaRPr lang="ru-RU" dirty="0"/>
-          </a:p>
-        </p:txBody>
-      </p:sp>
-    </p:spTree>
-    <p:extLst>
-      <p:ext uri="{BB962C8B-B14F-4D97-AF65-F5344CB8AC3E}">
-        <p14:creationId xmlns:p14="http://schemas.microsoft.com/office/powerpoint/2010/main" val="2767050093"/>
       </p:ext>
     </p:extLst>
   </p:cSld>
@@ -5643,6 +5680,119 @@
           <a:p>
             <a:r>
               <a:rPr lang="ru-RU" dirty="0"/>
+              <a:t>Когда запускается сборщик мусора?</a:t>
+            </a:r>
+          </a:p>
+        </p:txBody>
+      </p:sp>
+      <p:sp>
+        <p:nvSpPr>
+          <p:cNvPr id="3" name="Content Placeholder 2"/>
+          <p:cNvSpPr>
+            <a:spLocks noGrp="1"/>
+          </p:cNvSpPr>
+          <p:nvPr>
+            <p:ph idx="1"/>
+          </p:nvPr>
+        </p:nvSpPr>
+        <p:spPr/>
+        <p:txBody>
+          <a:bodyPr/>
+          <a:lstStyle/>
+          <a:p>
+            <a:r>
+              <a:rPr lang="ru-RU" dirty="0"/>
+              <a:t>Если память выделенная в управляемой кучи достигает определенного предела. Данный предел зависит от версии </a:t>
+            </a:r>
+            <a:r>
+              <a:rPr lang="en-US" dirty="0"/>
+              <a:t>CLR </a:t>
+            </a:r>
+            <a:r>
+              <a:rPr lang="ru-RU" dirty="0"/>
+              <a:t>и также  менятся в зависимости от поведения программы</a:t>
+            </a:r>
+          </a:p>
+          <a:p>
+            <a:r>
+              <a:rPr lang="ru-RU" dirty="0"/>
+              <a:t>Если </a:t>
+            </a:r>
+            <a:r>
+              <a:rPr lang="en-US" dirty="0"/>
+              <a:t>Windows</a:t>
+            </a:r>
+            <a:r>
+              <a:rPr lang="ru-RU" dirty="0"/>
+              <a:t> сообщает о приближении к пределу доступной виртуальной памяти</a:t>
+            </a:r>
+          </a:p>
+          <a:p>
+            <a:r>
+              <a:rPr lang="ru-RU" dirty="0"/>
+              <a:t>Вручную с помощью </a:t>
+            </a:r>
+            <a:r>
+              <a:rPr lang="en-US" dirty="0" err="1"/>
+              <a:t>GC.Collect</a:t>
+            </a:r>
+            <a:r>
+              <a:rPr lang="en-US" dirty="0"/>
+              <a:t>()</a:t>
+            </a:r>
+            <a:endParaRPr lang="ru-RU" dirty="0"/>
+          </a:p>
+        </p:txBody>
+      </p:sp>
+    </p:spTree>
+    <p:extLst>
+      <p:ext uri="{BB962C8B-B14F-4D97-AF65-F5344CB8AC3E}">
+        <p14:creationId xmlns:p14="http://schemas.microsoft.com/office/powerpoint/2010/main" val="2767050093"/>
+      </p:ext>
+    </p:extLst>
+  </p:cSld>
+  <p:clrMapOvr>
+    <a:masterClrMapping/>
+  </p:clrMapOvr>
+</p:sld>
+</file>
+
+<file path=ppt/slides/slide14.xml><?xml version="1.0" encoding="utf-8"?>
+<p:sld xmlns:a="http://schemas.openxmlformats.org/drawingml/2006/main" xmlns:r="http://schemas.openxmlformats.org/officeDocument/2006/relationships" xmlns:p="http://schemas.openxmlformats.org/presentationml/2006/main">
+  <p:cSld>
+    <p:spTree>
+      <p:nvGrpSpPr>
+        <p:cNvPr id="1" name=""/>
+        <p:cNvGrpSpPr/>
+        <p:nvPr/>
+      </p:nvGrpSpPr>
+      <p:grpSpPr>
+        <a:xfrm>
+          <a:off x="0" y="0"/>
+          <a:ext cx="0" cy="0"/>
+          <a:chOff x="0" y="0"/>
+          <a:chExt cx="0" cy="0"/>
+        </a:xfrm>
+      </p:grpSpPr>
+      <p:sp>
+        <p:nvSpPr>
+          <p:cNvPr id="2" name="Title 1"/>
+          <p:cNvSpPr>
+            <a:spLocks noGrp="1"/>
+          </p:cNvSpPr>
+          <p:nvPr>
+            <p:ph type="title"/>
+          </p:nvPr>
+        </p:nvSpPr>
+        <p:spPr/>
+        <p:txBody>
+          <a:bodyPr>
+            <a:normAutofit fontScale="90000"/>
+          </a:bodyPr>
+          <a:lstStyle/>
+          <a:p>
+            <a:r>
+              <a:rPr lang="ru-RU" dirty="0"/>
               <a:t>Сборка мусора на основе поколений</a:t>
             </a:r>
             <a:r>
@@ -5727,7 +5877,7 @@
 </p:sld>
 </file>
 
-<file path=ppt/slides/slide14.xml><?xml version="1.0" encoding="utf-8"?>
+<file path=ppt/slides/slide15.xml><?xml version="1.0" encoding="utf-8"?>
 <p:sld xmlns:a="http://schemas.openxmlformats.org/drawingml/2006/main" xmlns:r="http://schemas.openxmlformats.org/officeDocument/2006/relationships" xmlns:p="http://schemas.openxmlformats.org/presentationml/2006/main">
   <p:cSld>
     <p:spTree>
@@ -7741,7 +7891,7 @@
 </p:sld>
 </file>
 
-<file path=ppt/slides/slide15.xml><?xml version="1.0" encoding="utf-8"?>
+<file path=ppt/slides/slide16.xml><?xml version="1.0" encoding="utf-8"?>
 <p:sld xmlns:a="http://schemas.openxmlformats.org/drawingml/2006/main" xmlns:r="http://schemas.openxmlformats.org/officeDocument/2006/relationships" xmlns:p="http://schemas.openxmlformats.org/presentationml/2006/main">
   <p:cSld>
     <p:spTree>
@@ -10883,119 +11033,6 @@
 </p:sld>
 </file>
 
-<file path=ppt/slides/slide16.xml><?xml version="1.0" encoding="utf-8"?>
-<p:sld xmlns:a="http://schemas.openxmlformats.org/drawingml/2006/main" xmlns:r="http://schemas.openxmlformats.org/officeDocument/2006/relationships" xmlns:p="http://schemas.openxmlformats.org/presentationml/2006/main">
-  <p:cSld>
-    <p:spTree>
-      <p:nvGrpSpPr>
-        <p:cNvPr id="1" name=""/>
-        <p:cNvGrpSpPr/>
-        <p:nvPr/>
-      </p:nvGrpSpPr>
-      <p:grpSpPr>
-        <a:xfrm>
-          <a:off x="0" y="0"/>
-          <a:ext cx="0" cy="0"/>
-          <a:chOff x="0" y="0"/>
-          <a:chExt cx="0" cy="0"/>
-        </a:xfrm>
-      </p:grpSpPr>
-      <p:sp>
-        <p:nvSpPr>
-          <p:cNvPr id="2" name="Title 1"/>
-          <p:cNvSpPr>
-            <a:spLocks noGrp="1"/>
-          </p:cNvSpPr>
-          <p:nvPr>
-            <p:ph type="title"/>
-          </p:nvPr>
-        </p:nvSpPr>
-        <p:spPr/>
-        <p:txBody>
-          <a:bodyPr/>
-          <a:lstStyle/>
-          <a:p>
-            <a:r>
-              <a:rPr lang="ru-RU" dirty="0"/>
-              <a:t>Деструкторы (</a:t>
-            </a:r>
-            <a:r>
-              <a:rPr lang="ru-RU" dirty="0" err="1"/>
-              <a:t>Финализаторы</a:t>
-            </a:r>
-            <a:r>
-              <a:rPr lang="ru-RU" dirty="0"/>
-              <a:t>)</a:t>
-            </a:r>
-            <a:endParaRPr lang="en-US" dirty="0"/>
-          </a:p>
-        </p:txBody>
-      </p:sp>
-      <p:sp>
-        <p:nvSpPr>
-          <p:cNvPr id="3" name="Content Placeholder 2"/>
-          <p:cNvSpPr>
-            <a:spLocks noGrp="1"/>
-          </p:cNvSpPr>
-          <p:nvPr>
-            <p:ph idx="1"/>
-          </p:nvPr>
-        </p:nvSpPr>
-        <p:spPr/>
-        <p:txBody>
-          <a:bodyPr/>
-          <a:lstStyle/>
-          <a:p>
-            <a:r>
-              <a:rPr lang="en-US" dirty="0" err="1"/>
-              <a:t>GC.SuppressFinalize</a:t>
-            </a:r>
-            <a:r>
-              <a:rPr lang="en-US" dirty="0"/>
-              <a:t>(</a:t>
-            </a:r>
-            <a:r>
-              <a:rPr lang="en-US" dirty="0" err="1"/>
-              <a:t>obj</a:t>
-            </a:r>
-            <a:r>
-              <a:rPr lang="en-US" dirty="0"/>
-              <a:t>)</a:t>
-            </a:r>
-          </a:p>
-          <a:p>
-            <a:r>
-              <a:rPr lang="en-US" dirty="0" err="1"/>
-              <a:t>GC.ReRegisterForFinalize</a:t>
-            </a:r>
-            <a:r>
-              <a:rPr lang="en-US" dirty="0"/>
-              <a:t>(</a:t>
-            </a:r>
-            <a:r>
-              <a:rPr lang="en-US" dirty="0" err="1"/>
-              <a:t>obj</a:t>
-            </a:r>
-            <a:r>
-              <a:rPr lang="en-US" dirty="0"/>
-              <a:t>)</a:t>
-            </a:r>
-          </a:p>
-        </p:txBody>
-      </p:sp>
-    </p:spTree>
-    <p:extLst>
-      <p:ext uri="{BB962C8B-B14F-4D97-AF65-F5344CB8AC3E}">
-        <p14:creationId xmlns:p14="http://schemas.microsoft.com/office/powerpoint/2010/main" val="3924368769"/>
-      </p:ext>
-    </p:extLst>
-  </p:cSld>
-  <p:clrMapOvr>
-    <a:masterClrMapping/>
-  </p:clrMapOvr>
-</p:sld>
-</file>
-
 <file path=ppt/slides/slide17.xml><?xml version="1.0" encoding="utf-8"?>
 <p:sld xmlns:a="http://schemas.openxmlformats.org/drawingml/2006/main" xmlns:r="http://schemas.openxmlformats.org/officeDocument/2006/relationships" xmlns:p="http://schemas.openxmlformats.org/presentationml/2006/main">
   <p:cSld>
@@ -11029,18 +11066,18 @@
           <a:lstStyle/>
           <a:p>
             <a:r>
-              <a:rPr lang="en-US" dirty="0"/>
-              <a:t>Workstation GC </a:t>
-            </a:r>
-            <a:r>
               <a:rPr lang="ru-RU" dirty="0"/>
-              <a:t>и </a:t>
-            </a:r>
-            <a:r>
-              <a:rPr lang="en-US" dirty="0"/>
-              <a:t>Server GC</a:t>
-            </a:r>
-            <a:endParaRPr lang="ru-RU" dirty="0"/>
+              <a:t>Деструкторы (</a:t>
+            </a:r>
+            <a:r>
+              <a:rPr lang="ru-RU" dirty="0" err="1"/>
+              <a:t>Финализаторы</a:t>
+            </a:r>
+            <a:r>
+              <a:rPr lang="ru-RU" dirty="0"/>
+              <a:t>)</a:t>
+            </a:r>
+            <a:endParaRPr lang="en-US" dirty="0"/>
           </a:p>
         </p:txBody>
       </p:sp>
@@ -11054,702 +11091,52 @@
             <p:ph idx="1"/>
           </p:nvPr>
         </p:nvSpPr>
-        <p:spPr>
-          <a:xfrm>
-            <a:off x="457200" y="1600201"/>
-            <a:ext cx="8229600" cy="2116832"/>
-          </a:xfrm>
-        </p:spPr>
+        <p:spPr/>
         <p:txBody>
           <a:bodyPr/>
           <a:lstStyle/>
           <a:p>
-            <a:pPr marL="0" indent="0">
-              <a:buNone/>
-            </a:pPr>
-            <a:r>
-              <a:rPr lang="ru-RU" dirty="0"/>
-              <a:t>В </a:t>
+            <a:r>
+              <a:rPr lang="en-US" dirty="0" err="1"/>
+              <a:t>GC.SuppressFinalize</a:t>
             </a:r>
             <a:r>
               <a:rPr lang="en-US" dirty="0"/>
-              <a:t>.NET </a:t>
-            </a:r>
-            <a:r>
-              <a:rPr lang="ru-RU" dirty="0"/>
-              <a:t>есть два режима работы </a:t>
+              <a:t>(</a:t>
+            </a:r>
+            <a:r>
+              <a:rPr lang="en-US" dirty="0" err="1"/>
+              <a:t>obj</a:t>
             </a:r>
             <a:r>
               <a:rPr lang="en-US" dirty="0"/>
-              <a:t>GC </a:t>
-            </a:r>
-            <a:r>
-              <a:rPr lang="ru-RU" dirty="0"/>
-              <a:t>который можно менять в файле конфигурации приложения. По умолчанию используется </a:t>
+              <a:t>)</a:t>
+            </a:r>
+          </a:p>
+          <a:p>
+            <a:r>
+              <a:rPr lang="en-US" dirty="0" err="1"/>
+              <a:t>GC.ReRegisterForFinalize</a:t>
             </a:r>
             <a:r>
               <a:rPr lang="en-US" dirty="0"/>
-              <a:t>concurrent</a:t>
-            </a:r>
-            <a:r>
-              <a:rPr lang="ru-RU" dirty="0"/>
-              <a:t> </a:t>
+              <a:t>(</a:t>
+            </a:r>
+            <a:r>
+              <a:rPr lang="en-US" dirty="0" err="1"/>
+              <a:t>obj</a:t>
             </a:r>
             <a:r>
               <a:rPr lang="en-US" dirty="0"/>
-              <a:t>Workstation GC</a:t>
-            </a:r>
-            <a:r>
-              <a:rPr lang="ru-RU" dirty="0"/>
-              <a:t>.</a:t>
-            </a:r>
-          </a:p>
-          <a:p>
-            <a:pPr marL="0" indent="0">
-              <a:buNone/>
-            </a:pPr>
-            <a:endParaRPr lang="ru-RU" dirty="0"/>
-          </a:p>
-        </p:txBody>
-      </p:sp>
-      <p:sp>
-        <p:nvSpPr>
-          <p:cNvPr id="5" name="Rectangle 4"/>
-          <p:cNvSpPr/>
-          <p:nvPr/>
-        </p:nvSpPr>
-        <p:spPr>
-          <a:xfrm>
-            <a:off x="457200" y="3861048"/>
-            <a:ext cx="8219256" cy="2031325"/>
-          </a:xfrm>
-          <a:prstGeom prst="rect">
-            <a:avLst/>
-          </a:prstGeom>
-          <a:solidFill>
-            <a:schemeClr val="bg1"/>
-          </a:solidFill>
-        </p:spPr>
-        <p:txBody>
-          <a:bodyPr wrap="square">
-            <a:spAutoFit/>
-          </a:bodyPr>
-          <a:lstStyle/>
-          <a:p>
-            <a:r>
-              <a:rPr lang="en-US" dirty="0">
-                <a:solidFill>
-                  <a:srgbClr val="0000FF"/>
-                </a:solidFill>
-                <a:highlight>
-                  <a:srgbClr val="FFFFFF"/>
-                </a:highlight>
-                <a:latin typeface="Consolas"/>
-              </a:rPr>
-              <a:t>&lt;?</a:t>
-            </a:r>
-            <a:r>
-              <a:rPr lang="en-US" dirty="0">
-                <a:solidFill>
-                  <a:srgbClr val="A31515"/>
-                </a:solidFill>
-                <a:highlight>
-                  <a:srgbClr val="FFFFFF"/>
-                </a:highlight>
-                <a:latin typeface="Consolas"/>
-              </a:rPr>
-              <a:t>xml</a:t>
-            </a:r>
-            <a:r>
-              <a:rPr lang="en-US" dirty="0">
-                <a:solidFill>
-                  <a:srgbClr val="0000FF"/>
-                </a:solidFill>
-                <a:highlight>
-                  <a:srgbClr val="FFFFFF"/>
-                </a:highlight>
-                <a:latin typeface="Consolas"/>
-              </a:rPr>
-              <a:t> </a:t>
-            </a:r>
-            <a:r>
-              <a:rPr lang="en-US" dirty="0">
-                <a:solidFill>
-                  <a:srgbClr val="FF0000"/>
-                </a:solidFill>
-                <a:highlight>
-                  <a:srgbClr val="FFFFFF"/>
-                </a:highlight>
-                <a:latin typeface="Consolas"/>
-              </a:rPr>
-              <a:t>version</a:t>
-            </a:r>
-            <a:r>
-              <a:rPr lang="en-US" dirty="0">
-                <a:solidFill>
-                  <a:srgbClr val="0000FF"/>
-                </a:solidFill>
-                <a:highlight>
-                  <a:srgbClr val="FFFFFF"/>
-                </a:highlight>
-                <a:latin typeface="Consolas"/>
-              </a:rPr>
-              <a:t>=</a:t>
-            </a:r>
-            <a:r>
-              <a:rPr lang="en-US" dirty="0">
-                <a:solidFill>
-                  <a:srgbClr val="000000"/>
-                </a:solidFill>
-                <a:highlight>
-                  <a:srgbClr val="FFFFFF"/>
-                </a:highlight>
-                <a:latin typeface="Consolas"/>
-              </a:rPr>
-              <a:t>"</a:t>
-            </a:r>
-            <a:r>
-              <a:rPr lang="en-US" dirty="0">
-                <a:solidFill>
-                  <a:srgbClr val="0000FF"/>
-                </a:solidFill>
-                <a:highlight>
-                  <a:srgbClr val="FFFFFF"/>
-                </a:highlight>
-                <a:latin typeface="Consolas"/>
-              </a:rPr>
-              <a:t>1.0</a:t>
-            </a:r>
-            <a:r>
-              <a:rPr lang="en-US" dirty="0">
-                <a:solidFill>
-                  <a:srgbClr val="000000"/>
-                </a:solidFill>
-                <a:highlight>
-                  <a:srgbClr val="FFFFFF"/>
-                </a:highlight>
-                <a:latin typeface="Consolas"/>
-              </a:rPr>
-              <a:t>"</a:t>
-            </a:r>
-            <a:r>
-              <a:rPr lang="en-US" dirty="0">
-                <a:solidFill>
-                  <a:srgbClr val="0000FF"/>
-                </a:solidFill>
-                <a:highlight>
-                  <a:srgbClr val="FFFFFF"/>
-                </a:highlight>
-                <a:latin typeface="Consolas"/>
-              </a:rPr>
-              <a:t> </a:t>
-            </a:r>
-            <a:r>
-              <a:rPr lang="en-US" dirty="0">
-                <a:solidFill>
-                  <a:srgbClr val="FF0000"/>
-                </a:solidFill>
-                <a:highlight>
-                  <a:srgbClr val="FFFFFF"/>
-                </a:highlight>
-                <a:latin typeface="Consolas"/>
-              </a:rPr>
-              <a:t>encoding</a:t>
-            </a:r>
-            <a:r>
-              <a:rPr lang="en-US" dirty="0">
-                <a:solidFill>
-                  <a:srgbClr val="0000FF"/>
-                </a:solidFill>
-                <a:highlight>
-                  <a:srgbClr val="FFFFFF"/>
-                </a:highlight>
-                <a:latin typeface="Consolas"/>
-              </a:rPr>
-              <a:t>=</a:t>
-            </a:r>
-            <a:r>
-              <a:rPr lang="en-US" dirty="0">
-                <a:solidFill>
-                  <a:srgbClr val="000000"/>
-                </a:solidFill>
-                <a:highlight>
-                  <a:srgbClr val="FFFFFF"/>
-                </a:highlight>
-                <a:latin typeface="Consolas"/>
-              </a:rPr>
-              <a:t>"</a:t>
-            </a:r>
-            <a:r>
-              <a:rPr lang="en-US" dirty="0">
-                <a:solidFill>
-                  <a:srgbClr val="0000FF"/>
-                </a:solidFill>
-                <a:highlight>
-                  <a:srgbClr val="FFFFFF"/>
-                </a:highlight>
-                <a:latin typeface="Consolas"/>
-              </a:rPr>
-              <a:t>utf-8</a:t>
-            </a:r>
-            <a:r>
-              <a:rPr lang="en-US" dirty="0">
-                <a:solidFill>
-                  <a:srgbClr val="000000"/>
-                </a:solidFill>
-                <a:highlight>
-                  <a:srgbClr val="FFFFFF"/>
-                </a:highlight>
-                <a:latin typeface="Consolas"/>
-              </a:rPr>
-              <a:t>"</a:t>
-            </a:r>
-            <a:r>
-              <a:rPr lang="en-US" dirty="0">
-                <a:solidFill>
-                  <a:srgbClr val="0000FF"/>
-                </a:solidFill>
-                <a:highlight>
-                  <a:srgbClr val="FFFFFF"/>
-                </a:highlight>
-                <a:latin typeface="Consolas"/>
-              </a:rPr>
-              <a:t> ?&gt;</a:t>
-            </a:r>
-            <a:endParaRPr lang="en-US" dirty="0">
-              <a:solidFill>
-                <a:srgbClr val="000000"/>
-              </a:solidFill>
-              <a:highlight>
-                <a:srgbClr val="FFFFFF"/>
-              </a:highlight>
-              <a:latin typeface="Consolas"/>
-            </a:endParaRPr>
-          </a:p>
-          <a:p>
-            <a:r>
-              <a:rPr lang="en-US" dirty="0">
-                <a:solidFill>
-                  <a:srgbClr val="0000FF"/>
-                </a:solidFill>
-                <a:highlight>
-                  <a:srgbClr val="FFFFFF"/>
-                </a:highlight>
-                <a:latin typeface="Consolas"/>
-              </a:rPr>
-              <a:t>&lt;</a:t>
-            </a:r>
-            <a:r>
-              <a:rPr lang="en-US" dirty="0">
-                <a:solidFill>
-                  <a:srgbClr val="A31515"/>
-                </a:solidFill>
-                <a:highlight>
-                  <a:srgbClr val="FFFFFF"/>
-                </a:highlight>
-                <a:latin typeface="Consolas"/>
-              </a:rPr>
-              <a:t>configuration</a:t>
-            </a:r>
-            <a:r>
-              <a:rPr lang="en-US" dirty="0">
-                <a:solidFill>
-                  <a:srgbClr val="0000FF"/>
-                </a:solidFill>
-                <a:highlight>
-                  <a:srgbClr val="FFFFFF"/>
-                </a:highlight>
-                <a:latin typeface="Consolas"/>
-              </a:rPr>
-              <a:t>&gt;</a:t>
-            </a:r>
-            <a:endParaRPr lang="en-US" dirty="0">
-              <a:solidFill>
-                <a:srgbClr val="000000"/>
-              </a:solidFill>
-              <a:highlight>
-                <a:srgbClr val="FFFFFF"/>
-              </a:highlight>
-              <a:latin typeface="Consolas"/>
-            </a:endParaRPr>
-          </a:p>
-          <a:p>
-            <a:r>
-              <a:rPr lang="en-US" dirty="0">
-                <a:solidFill>
-                  <a:srgbClr val="0000FF"/>
-                </a:solidFill>
-                <a:highlight>
-                  <a:srgbClr val="FFFFFF"/>
-                </a:highlight>
-                <a:latin typeface="Consolas"/>
-              </a:rPr>
-              <a:t>  &lt;</a:t>
-            </a:r>
-            <a:r>
-              <a:rPr lang="en-US" dirty="0">
-                <a:solidFill>
-                  <a:srgbClr val="A31515"/>
-                </a:solidFill>
-                <a:highlight>
-                  <a:srgbClr val="FFFFFF"/>
-                </a:highlight>
-                <a:latin typeface="Consolas"/>
-              </a:rPr>
-              <a:t>runtime</a:t>
-            </a:r>
-            <a:r>
-              <a:rPr lang="en-US" dirty="0">
-                <a:solidFill>
-                  <a:srgbClr val="0000FF"/>
-                </a:solidFill>
-                <a:highlight>
-                  <a:srgbClr val="FFFFFF"/>
-                </a:highlight>
-                <a:latin typeface="Consolas"/>
-              </a:rPr>
-              <a:t>&gt;</a:t>
-            </a:r>
-            <a:endParaRPr lang="en-US" dirty="0">
-              <a:solidFill>
-                <a:srgbClr val="000000"/>
-              </a:solidFill>
-              <a:highlight>
-                <a:srgbClr val="FFFFFF"/>
-              </a:highlight>
-              <a:latin typeface="Consolas"/>
-            </a:endParaRPr>
-          </a:p>
-          <a:p>
-            <a:r>
-              <a:rPr lang="en-US" dirty="0">
-                <a:solidFill>
-                  <a:srgbClr val="0000FF"/>
-                </a:solidFill>
-                <a:highlight>
-                  <a:srgbClr val="FFFFFF"/>
-                </a:highlight>
-                <a:latin typeface="Consolas"/>
-              </a:rPr>
-              <a:t>    &lt;</a:t>
-            </a:r>
-            <a:r>
-              <a:rPr lang="en-US" dirty="0" err="1">
-                <a:solidFill>
-                  <a:srgbClr val="A31515"/>
-                </a:solidFill>
-                <a:highlight>
-                  <a:srgbClr val="FFFFFF"/>
-                </a:highlight>
-                <a:latin typeface="Consolas"/>
-              </a:rPr>
-              <a:t>gcServer</a:t>
-            </a:r>
-            <a:r>
-              <a:rPr lang="en-US" dirty="0">
-                <a:solidFill>
-                  <a:srgbClr val="A31515"/>
-                </a:solidFill>
-                <a:highlight>
-                  <a:srgbClr val="FFFFFF"/>
-                </a:highlight>
-                <a:latin typeface="Consolas"/>
-              </a:rPr>
-              <a:t> enabled</a:t>
-            </a:r>
-            <a:r>
-              <a:rPr lang="en-US" dirty="0">
-                <a:solidFill>
-                  <a:srgbClr val="0000FF"/>
-                </a:solidFill>
-                <a:highlight>
-                  <a:srgbClr val="FFFFFF"/>
-                </a:highlight>
-                <a:latin typeface="Consolas"/>
-              </a:rPr>
-              <a:t>=</a:t>
-            </a:r>
-            <a:r>
-              <a:rPr lang="en-US" dirty="0">
-                <a:solidFill>
-                  <a:srgbClr val="000000"/>
-                </a:solidFill>
-                <a:highlight>
-                  <a:srgbClr val="FFFFFF"/>
-                </a:highlight>
-                <a:latin typeface="Consolas"/>
-              </a:rPr>
-              <a:t>"</a:t>
-            </a:r>
-            <a:r>
-              <a:rPr lang="en-US" dirty="0" err="1">
-                <a:solidFill>
-                  <a:srgbClr val="0000FF"/>
-                </a:solidFill>
-                <a:highlight>
-                  <a:srgbClr val="FFFFFF"/>
-                </a:highlight>
-                <a:latin typeface="Consolas"/>
-              </a:rPr>
-              <a:t>true|</a:t>
-            </a:r>
-            <a:r>
-              <a:rPr lang="en-US" b="1" dirty="0" err="1">
-                <a:solidFill>
-                  <a:srgbClr val="0000FF"/>
-                </a:solidFill>
-                <a:highlight>
-                  <a:srgbClr val="FFFFFF"/>
-                </a:highlight>
-                <a:latin typeface="Consolas"/>
-              </a:rPr>
-              <a:t>false</a:t>
-            </a:r>
-            <a:r>
-              <a:rPr lang="en-US" dirty="0">
-                <a:solidFill>
-                  <a:srgbClr val="000000"/>
-                </a:solidFill>
-                <a:highlight>
-                  <a:srgbClr val="FFFFFF"/>
-                </a:highlight>
-                <a:latin typeface="Consolas"/>
-              </a:rPr>
-              <a:t>"</a:t>
-            </a:r>
-            <a:r>
-              <a:rPr lang="en-US" dirty="0">
-                <a:solidFill>
-                  <a:srgbClr val="0000FF"/>
-                </a:solidFill>
-                <a:highlight>
-                  <a:srgbClr val="FFFFFF"/>
-                </a:highlight>
-                <a:latin typeface="Consolas"/>
-              </a:rPr>
-              <a:t> /&gt;</a:t>
-            </a:r>
-            <a:endParaRPr lang="en-US" dirty="0">
-              <a:solidFill>
-                <a:srgbClr val="000000"/>
-              </a:solidFill>
-              <a:highlight>
-                <a:srgbClr val="FFFFFF"/>
-              </a:highlight>
-              <a:latin typeface="Consolas"/>
-            </a:endParaRPr>
-          </a:p>
-          <a:p>
-            <a:r>
-              <a:rPr lang="en-US" dirty="0">
-                <a:solidFill>
-                  <a:srgbClr val="0000FF"/>
-                </a:solidFill>
-                <a:highlight>
-                  <a:srgbClr val="FFFFFF"/>
-                </a:highlight>
-                <a:latin typeface="Consolas"/>
-              </a:rPr>
-              <a:t>    &lt;</a:t>
-            </a:r>
-            <a:r>
-              <a:rPr lang="en-US" dirty="0" err="1">
-                <a:solidFill>
-                  <a:srgbClr val="A31515"/>
-                </a:solidFill>
-                <a:highlight>
-                  <a:srgbClr val="FFFFFF"/>
-                </a:highlight>
-                <a:latin typeface="Consolas"/>
-              </a:rPr>
-              <a:t>gcConcurrent</a:t>
-            </a:r>
-            <a:r>
-              <a:rPr lang="en-US" dirty="0">
-                <a:solidFill>
-                  <a:srgbClr val="A31515"/>
-                </a:solidFill>
-                <a:highlight>
-                  <a:srgbClr val="FFFFFF"/>
-                </a:highlight>
-                <a:latin typeface="Consolas"/>
-              </a:rPr>
-              <a:t> enabled</a:t>
-            </a:r>
-            <a:r>
-              <a:rPr lang="en-US" dirty="0">
-                <a:solidFill>
-                  <a:srgbClr val="0000FF"/>
-                </a:solidFill>
-                <a:highlight>
-                  <a:srgbClr val="FFFFFF"/>
-                </a:highlight>
-                <a:latin typeface="Consolas"/>
-              </a:rPr>
-              <a:t>=</a:t>
-            </a:r>
-            <a:r>
-              <a:rPr lang="en-US" dirty="0">
-                <a:solidFill>
-                  <a:srgbClr val="000000"/>
-                </a:solidFill>
-                <a:highlight>
-                  <a:srgbClr val="FFFFFF"/>
-                </a:highlight>
-                <a:latin typeface="Consolas"/>
-              </a:rPr>
-              <a:t>"</a:t>
-            </a:r>
-            <a:r>
-              <a:rPr lang="en-US" b="1" dirty="0" err="1">
-                <a:solidFill>
-                  <a:srgbClr val="0000FF"/>
-                </a:solidFill>
-                <a:highlight>
-                  <a:srgbClr val="FFFFFF"/>
-                </a:highlight>
-                <a:latin typeface="Consolas"/>
-              </a:rPr>
-              <a:t>true</a:t>
-            </a:r>
-            <a:r>
-              <a:rPr lang="en-US" dirty="0" err="1">
-                <a:solidFill>
-                  <a:srgbClr val="0000FF"/>
-                </a:solidFill>
-                <a:highlight>
-                  <a:srgbClr val="FFFFFF"/>
-                </a:highlight>
-                <a:latin typeface="Consolas"/>
-              </a:rPr>
-              <a:t>|false</a:t>
-            </a:r>
-            <a:r>
-              <a:rPr lang="en-US" dirty="0">
-                <a:solidFill>
-                  <a:srgbClr val="000000"/>
-                </a:solidFill>
-                <a:highlight>
-                  <a:srgbClr val="FFFFFF"/>
-                </a:highlight>
-                <a:latin typeface="Consolas"/>
-              </a:rPr>
-              <a:t>"</a:t>
-            </a:r>
-            <a:r>
-              <a:rPr lang="en-US" dirty="0">
-                <a:solidFill>
-                  <a:srgbClr val="0000FF"/>
-                </a:solidFill>
-                <a:highlight>
-                  <a:srgbClr val="FFFFFF"/>
-                </a:highlight>
-                <a:latin typeface="Consolas"/>
-              </a:rPr>
-              <a:t> /&gt;</a:t>
-            </a:r>
-            <a:endParaRPr lang="en-US" dirty="0">
-              <a:solidFill>
-                <a:srgbClr val="000000"/>
-              </a:solidFill>
-              <a:highlight>
-                <a:srgbClr val="FFFFFF"/>
-              </a:highlight>
-              <a:latin typeface="Consolas"/>
-            </a:endParaRPr>
-          </a:p>
-          <a:p>
-            <a:r>
-              <a:rPr lang="en-US" dirty="0">
-                <a:solidFill>
-                  <a:srgbClr val="0000FF"/>
-                </a:solidFill>
-                <a:highlight>
-                  <a:srgbClr val="FFFFFF"/>
-                </a:highlight>
-                <a:latin typeface="Consolas"/>
-              </a:rPr>
-              <a:t>  &lt;/</a:t>
-            </a:r>
-            <a:r>
-              <a:rPr lang="en-US" dirty="0">
-                <a:solidFill>
-                  <a:srgbClr val="A31515"/>
-                </a:solidFill>
-                <a:highlight>
-                  <a:srgbClr val="FFFFFF"/>
-                </a:highlight>
-                <a:latin typeface="Consolas"/>
-              </a:rPr>
-              <a:t>runtime</a:t>
-            </a:r>
-            <a:r>
-              <a:rPr lang="en-US" dirty="0">
-                <a:solidFill>
-                  <a:srgbClr val="0000FF"/>
-                </a:solidFill>
-                <a:highlight>
-                  <a:srgbClr val="FFFFFF"/>
-                </a:highlight>
-                <a:latin typeface="Consolas"/>
-              </a:rPr>
-              <a:t>&gt;</a:t>
-            </a:r>
-            <a:endParaRPr lang="en-US" dirty="0">
-              <a:solidFill>
-                <a:srgbClr val="000000"/>
-              </a:solidFill>
-              <a:highlight>
-                <a:srgbClr val="FFFFFF"/>
-              </a:highlight>
-              <a:latin typeface="Consolas"/>
-            </a:endParaRPr>
-          </a:p>
-          <a:p>
-            <a:r>
-              <a:rPr lang="en-US" dirty="0">
-                <a:solidFill>
-                  <a:srgbClr val="0000FF"/>
-                </a:solidFill>
-                <a:highlight>
-                  <a:srgbClr val="FFFFFF"/>
-                </a:highlight>
-                <a:latin typeface="Consolas"/>
-              </a:rPr>
-              <a:t>&lt;/</a:t>
-            </a:r>
-            <a:r>
-              <a:rPr lang="en-US" dirty="0">
-                <a:solidFill>
-                  <a:srgbClr val="A31515"/>
-                </a:solidFill>
-                <a:highlight>
-                  <a:srgbClr val="FFFFFF"/>
-                </a:highlight>
-                <a:latin typeface="Consolas"/>
-              </a:rPr>
-              <a:t>configuration</a:t>
-            </a:r>
-            <a:r>
-              <a:rPr lang="en-US" dirty="0">
-                <a:solidFill>
-                  <a:srgbClr val="0000FF"/>
-                </a:solidFill>
-                <a:highlight>
-                  <a:srgbClr val="FFFFFF"/>
-                </a:highlight>
-                <a:latin typeface="Consolas"/>
-              </a:rPr>
-              <a:t>&gt;</a:t>
-            </a:r>
-            <a:endParaRPr lang="ru-RU" dirty="0"/>
+              <a:t>)</a:t>
+            </a:r>
           </a:p>
         </p:txBody>
       </p:sp>
     </p:spTree>
     <p:extLst>
       <p:ext uri="{BB962C8B-B14F-4D97-AF65-F5344CB8AC3E}">
-        <p14:creationId xmlns:p14="http://schemas.microsoft.com/office/powerpoint/2010/main" val="2754726885"/>
+        <p14:creationId xmlns:p14="http://schemas.microsoft.com/office/powerpoint/2010/main" val="3924368769"/>
       </p:ext>
     </p:extLst>
   </p:cSld>
@@ -11793,7 +11180,15 @@
           <a:p>
             <a:r>
               <a:rPr lang="en-US" dirty="0"/>
-              <a:t>Workstation GC</a:t>
+              <a:t>Workstation GC </a:t>
+            </a:r>
+            <a:r>
+              <a:rPr lang="ru-RU" dirty="0"/>
+              <a:t>и </a:t>
+            </a:r>
+            <a:r>
+              <a:rPr lang="en-US" dirty="0"/>
+              <a:t>Server GC</a:t>
             </a:r>
             <a:endParaRPr lang="ru-RU" dirty="0"/>
           </a:p>
@@ -11809,91 +11204,702 @@
             <p:ph idx="1"/>
           </p:nvPr>
         </p:nvSpPr>
-        <p:spPr/>
+        <p:spPr>
+          <a:xfrm>
+            <a:off x="457200" y="1600201"/>
+            <a:ext cx="8229600" cy="2116832"/>
+          </a:xfrm>
+        </p:spPr>
         <p:txBody>
-          <a:bodyPr>
-            <a:normAutofit fontScale="85000" lnSpcReduction="20000"/>
+          <a:bodyPr/>
+          <a:lstStyle/>
+          <a:p>
+            <a:pPr marL="0" indent="0">
+              <a:buNone/>
+            </a:pPr>
+            <a:r>
+              <a:rPr lang="ru-RU" dirty="0"/>
+              <a:t>В </a:t>
+            </a:r>
+            <a:r>
+              <a:rPr lang="en-US" dirty="0"/>
+              <a:t>.NET </a:t>
+            </a:r>
+            <a:r>
+              <a:rPr lang="ru-RU" dirty="0"/>
+              <a:t>есть два режима работы </a:t>
+            </a:r>
+            <a:r>
+              <a:rPr lang="en-US" dirty="0"/>
+              <a:t>GC </a:t>
+            </a:r>
+            <a:r>
+              <a:rPr lang="ru-RU" dirty="0"/>
+              <a:t>который можно менять в файле конфигурации приложения. По умолчанию используется </a:t>
+            </a:r>
+            <a:r>
+              <a:rPr lang="en-US" dirty="0"/>
+              <a:t>concurrent</a:t>
+            </a:r>
+            <a:r>
+              <a:rPr lang="ru-RU" dirty="0"/>
+              <a:t> </a:t>
+            </a:r>
+            <a:r>
+              <a:rPr lang="en-US" dirty="0"/>
+              <a:t>Workstation GC</a:t>
+            </a:r>
+            <a:r>
+              <a:rPr lang="ru-RU" dirty="0"/>
+              <a:t>.</a:t>
+            </a:r>
+          </a:p>
+          <a:p>
+            <a:pPr marL="0" indent="0">
+              <a:buNone/>
+            </a:pPr>
+            <a:endParaRPr lang="ru-RU" dirty="0"/>
+          </a:p>
+        </p:txBody>
+      </p:sp>
+      <p:sp>
+        <p:nvSpPr>
+          <p:cNvPr id="5" name="Rectangle 4"/>
+          <p:cNvSpPr/>
+          <p:nvPr/>
+        </p:nvSpPr>
+        <p:spPr>
+          <a:xfrm>
+            <a:off x="457200" y="3861048"/>
+            <a:ext cx="8219256" cy="2031325"/>
+          </a:xfrm>
+          <a:prstGeom prst="rect">
+            <a:avLst/>
+          </a:prstGeom>
+          <a:solidFill>
+            <a:schemeClr val="bg1"/>
+          </a:solidFill>
+        </p:spPr>
+        <p:txBody>
+          <a:bodyPr wrap="square">
+            <a:spAutoFit/>
           </a:bodyPr>
           <a:lstStyle/>
           <a:p>
             <a:r>
-              <a:rPr lang="ru-RU" dirty="0"/>
-              <a:t>Используется по умолчанию для </a:t>
-            </a:r>
-            <a:r>
-              <a:rPr lang="en-US" dirty="0"/>
-              <a:t>desktop </a:t>
-            </a:r>
-            <a:r>
-              <a:rPr lang="ru-RU" dirty="0"/>
-              <a:t>приложений</a:t>
-            </a:r>
-          </a:p>
-          <a:p>
-            <a:r>
-              <a:rPr lang="en-US" dirty="0"/>
-              <a:t>GC </a:t>
-            </a:r>
-            <a:r>
-              <a:rPr lang="ru-RU" dirty="0"/>
-              <a:t>работает только в одном потоке. Нет выгоды от использования многоядерных процессоров</a:t>
-            </a:r>
-          </a:p>
-          <a:p>
-            <a:r>
-              <a:rPr lang="en-US" dirty="0"/>
-              <a:t>Concurrent Workstation GC</a:t>
+              <a:rPr lang="en-US" dirty="0">
+                <a:solidFill>
+                  <a:srgbClr val="0000FF"/>
+                </a:solidFill>
+                <a:highlight>
+                  <a:srgbClr val="FFFFFF"/>
+                </a:highlight>
+                <a:latin typeface="Consolas"/>
+              </a:rPr>
+              <a:t>&lt;?</a:t>
+            </a:r>
+            <a:r>
+              <a:rPr lang="en-US" dirty="0">
+                <a:solidFill>
+                  <a:srgbClr val="A31515"/>
+                </a:solidFill>
+                <a:highlight>
+                  <a:srgbClr val="FFFFFF"/>
+                </a:highlight>
+                <a:latin typeface="Consolas"/>
+              </a:rPr>
+              <a:t>xml</a:t>
+            </a:r>
+            <a:r>
+              <a:rPr lang="en-US" dirty="0">
+                <a:solidFill>
+                  <a:srgbClr val="0000FF"/>
+                </a:solidFill>
+                <a:highlight>
+                  <a:srgbClr val="FFFFFF"/>
+                </a:highlight>
+                <a:latin typeface="Consolas"/>
+              </a:rPr>
+              <a:t> </a:t>
+            </a:r>
+            <a:r>
+              <a:rPr lang="en-US" dirty="0">
+                <a:solidFill>
+                  <a:srgbClr val="FF0000"/>
+                </a:solidFill>
+                <a:highlight>
+                  <a:srgbClr val="FFFFFF"/>
+                </a:highlight>
+                <a:latin typeface="Consolas"/>
+              </a:rPr>
+              <a:t>version</a:t>
+            </a:r>
+            <a:r>
+              <a:rPr lang="en-US" dirty="0">
+                <a:solidFill>
+                  <a:srgbClr val="0000FF"/>
+                </a:solidFill>
+                <a:highlight>
+                  <a:srgbClr val="FFFFFF"/>
+                </a:highlight>
+                <a:latin typeface="Consolas"/>
+              </a:rPr>
+              <a:t>=</a:t>
+            </a:r>
+            <a:r>
+              <a:rPr lang="en-US" dirty="0">
+                <a:solidFill>
+                  <a:srgbClr val="000000"/>
+                </a:solidFill>
+                <a:highlight>
+                  <a:srgbClr val="FFFFFF"/>
+                </a:highlight>
+                <a:latin typeface="Consolas"/>
+              </a:rPr>
+              <a:t>"</a:t>
+            </a:r>
+            <a:r>
+              <a:rPr lang="en-US" dirty="0">
+                <a:solidFill>
+                  <a:srgbClr val="0000FF"/>
+                </a:solidFill>
+                <a:highlight>
+                  <a:srgbClr val="FFFFFF"/>
+                </a:highlight>
+                <a:latin typeface="Consolas"/>
+              </a:rPr>
+              <a:t>1.0</a:t>
+            </a:r>
+            <a:r>
+              <a:rPr lang="en-US" dirty="0">
+                <a:solidFill>
+                  <a:srgbClr val="000000"/>
+                </a:solidFill>
+                <a:highlight>
+                  <a:srgbClr val="FFFFFF"/>
+                </a:highlight>
+                <a:latin typeface="Consolas"/>
+              </a:rPr>
+              <a:t>"</a:t>
+            </a:r>
+            <a:r>
+              <a:rPr lang="en-US" dirty="0">
+                <a:solidFill>
+                  <a:srgbClr val="0000FF"/>
+                </a:solidFill>
+                <a:highlight>
+                  <a:srgbClr val="FFFFFF"/>
+                </a:highlight>
+                <a:latin typeface="Consolas"/>
+              </a:rPr>
+              <a:t> </a:t>
+            </a:r>
+            <a:r>
+              <a:rPr lang="en-US" dirty="0">
+                <a:solidFill>
+                  <a:srgbClr val="FF0000"/>
+                </a:solidFill>
+                <a:highlight>
+                  <a:srgbClr val="FFFFFF"/>
+                </a:highlight>
+                <a:latin typeface="Consolas"/>
+              </a:rPr>
+              <a:t>encoding</a:t>
+            </a:r>
+            <a:r>
+              <a:rPr lang="en-US" dirty="0">
+                <a:solidFill>
+                  <a:srgbClr val="0000FF"/>
+                </a:solidFill>
+                <a:highlight>
+                  <a:srgbClr val="FFFFFF"/>
+                </a:highlight>
+                <a:latin typeface="Consolas"/>
+              </a:rPr>
+              <a:t>=</a:t>
+            </a:r>
+            <a:r>
+              <a:rPr lang="en-US" dirty="0">
+                <a:solidFill>
+                  <a:srgbClr val="000000"/>
+                </a:solidFill>
+                <a:highlight>
+                  <a:srgbClr val="FFFFFF"/>
+                </a:highlight>
+                <a:latin typeface="Consolas"/>
+              </a:rPr>
+              <a:t>"</a:t>
+            </a:r>
+            <a:r>
+              <a:rPr lang="en-US" dirty="0">
+                <a:solidFill>
+                  <a:srgbClr val="0000FF"/>
+                </a:solidFill>
+                <a:highlight>
+                  <a:srgbClr val="FFFFFF"/>
+                </a:highlight>
+                <a:latin typeface="Consolas"/>
+              </a:rPr>
+              <a:t>utf-8</a:t>
+            </a:r>
+            <a:r>
+              <a:rPr lang="en-US" dirty="0">
+                <a:solidFill>
+                  <a:srgbClr val="000000"/>
+                </a:solidFill>
+                <a:highlight>
+                  <a:srgbClr val="FFFFFF"/>
+                </a:highlight>
+                <a:latin typeface="Consolas"/>
+              </a:rPr>
+              <a:t>"</a:t>
+            </a:r>
+            <a:r>
+              <a:rPr lang="en-US" dirty="0">
+                <a:solidFill>
+                  <a:srgbClr val="0000FF"/>
+                </a:solidFill>
+                <a:highlight>
+                  <a:srgbClr val="FFFFFF"/>
+                </a:highlight>
+                <a:latin typeface="Consolas"/>
+              </a:rPr>
+              <a:t> ?&gt;</a:t>
+            </a:r>
+            <a:endParaRPr lang="en-US" dirty="0">
+              <a:solidFill>
+                <a:srgbClr val="000000"/>
+              </a:solidFill>
+              <a:highlight>
+                <a:srgbClr val="FFFFFF"/>
+              </a:highlight>
+              <a:latin typeface="Consolas"/>
+            </a:endParaRPr>
+          </a:p>
+          <a:p>
+            <a:r>
+              <a:rPr lang="en-US" dirty="0">
+                <a:solidFill>
+                  <a:srgbClr val="0000FF"/>
+                </a:solidFill>
+                <a:highlight>
+                  <a:srgbClr val="FFFFFF"/>
+                </a:highlight>
+                <a:latin typeface="Consolas"/>
+              </a:rPr>
+              <a:t>&lt;</a:t>
+            </a:r>
+            <a:r>
+              <a:rPr lang="en-US" dirty="0">
+                <a:solidFill>
+                  <a:srgbClr val="A31515"/>
+                </a:solidFill>
+                <a:highlight>
+                  <a:srgbClr val="FFFFFF"/>
+                </a:highlight>
+                <a:latin typeface="Consolas"/>
+              </a:rPr>
+              <a:t>configuration</a:t>
+            </a:r>
+            <a:r>
+              <a:rPr lang="en-US" dirty="0">
+                <a:solidFill>
+                  <a:srgbClr val="0000FF"/>
+                </a:solidFill>
+                <a:highlight>
+                  <a:srgbClr val="FFFFFF"/>
+                </a:highlight>
+                <a:latin typeface="Consolas"/>
+              </a:rPr>
+              <a:t>&gt;</a:t>
+            </a:r>
+            <a:endParaRPr lang="en-US" dirty="0">
+              <a:solidFill>
+                <a:srgbClr val="000000"/>
+              </a:solidFill>
+              <a:highlight>
+                <a:srgbClr val="FFFFFF"/>
+              </a:highlight>
+              <a:latin typeface="Consolas"/>
+            </a:endParaRPr>
+          </a:p>
+          <a:p>
+            <a:r>
+              <a:rPr lang="en-US" dirty="0">
+                <a:solidFill>
+                  <a:srgbClr val="0000FF"/>
+                </a:solidFill>
+                <a:highlight>
+                  <a:srgbClr val="FFFFFF"/>
+                </a:highlight>
+                <a:latin typeface="Consolas"/>
+              </a:rPr>
+              <a:t>  &lt;</a:t>
+            </a:r>
+            <a:r>
+              <a:rPr lang="en-US" dirty="0">
+                <a:solidFill>
+                  <a:srgbClr val="A31515"/>
+                </a:solidFill>
+                <a:highlight>
+                  <a:srgbClr val="FFFFFF"/>
+                </a:highlight>
+                <a:latin typeface="Consolas"/>
+              </a:rPr>
+              <a:t>runtime</a:t>
+            </a:r>
+            <a:r>
+              <a:rPr lang="en-US" dirty="0">
+                <a:solidFill>
+                  <a:srgbClr val="0000FF"/>
+                </a:solidFill>
+                <a:highlight>
+                  <a:srgbClr val="FFFFFF"/>
+                </a:highlight>
+                <a:latin typeface="Consolas"/>
+              </a:rPr>
+              <a:t>&gt;</a:t>
+            </a:r>
+            <a:endParaRPr lang="en-US" dirty="0">
+              <a:solidFill>
+                <a:srgbClr val="000000"/>
+              </a:solidFill>
+              <a:highlight>
+                <a:srgbClr val="FFFFFF"/>
+              </a:highlight>
+              <a:latin typeface="Consolas"/>
+            </a:endParaRPr>
+          </a:p>
+          <a:p>
+            <a:r>
+              <a:rPr lang="en-US" dirty="0">
+                <a:solidFill>
+                  <a:srgbClr val="0000FF"/>
+                </a:solidFill>
+                <a:highlight>
+                  <a:srgbClr val="FFFFFF"/>
+                </a:highlight>
+                <a:latin typeface="Consolas"/>
+              </a:rPr>
+              <a:t>    &lt;</a:t>
+            </a:r>
+            <a:r>
+              <a:rPr lang="en-US" dirty="0" err="1">
+                <a:solidFill>
+                  <a:srgbClr val="A31515"/>
+                </a:solidFill>
+                <a:highlight>
+                  <a:srgbClr val="FFFFFF"/>
+                </a:highlight>
+                <a:latin typeface="Consolas"/>
+              </a:rPr>
+              <a:t>gcServer</a:t>
+            </a:r>
+            <a:r>
+              <a:rPr lang="en-US" dirty="0">
+                <a:solidFill>
+                  <a:srgbClr val="A31515"/>
+                </a:solidFill>
+                <a:highlight>
+                  <a:srgbClr val="FFFFFF"/>
+                </a:highlight>
+                <a:latin typeface="Consolas"/>
+              </a:rPr>
+              <a:t> enabled</a:t>
+            </a:r>
+            <a:r>
+              <a:rPr lang="en-US" dirty="0">
+                <a:solidFill>
+                  <a:srgbClr val="0000FF"/>
+                </a:solidFill>
+                <a:highlight>
+                  <a:srgbClr val="FFFFFF"/>
+                </a:highlight>
+                <a:latin typeface="Consolas"/>
+              </a:rPr>
+              <a:t>=</a:t>
+            </a:r>
+            <a:r>
+              <a:rPr lang="en-US" dirty="0">
+                <a:solidFill>
+                  <a:srgbClr val="000000"/>
+                </a:solidFill>
+                <a:highlight>
+                  <a:srgbClr val="FFFFFF"/>
+                </a:highlight>
+                <a:latin typeface="Consolas"/>
+              </a:rPr>
+              <a:t>"</a:t>
+            </a:r>
+            <a:r>
+              <a:rPr lang="en-US" dirty="0" err="1">
+                <a:solidFill>
+                  <a:srgbClr val="0000FF"/>
+                </a:solidFill>
+                <a:highlight>
+                  <a:srgbClr val="FFFFFF"/>
+                </a:highlight>
+                <a:latin typeface="Consolas"/>
+              </a:rPr>
+              <a:t>true|</a:t>
+            </a:r>
+            <a:r>
+              <a:rPr lang="en-US" b="1" dirty="0" err="1">
+                <a:solidFill>
+                  <a:srgbClr val="0000FF"/>
+                </a:solidFill>
+                <a:highlight>
+                  <a:srgbClr val="FFFFFF"/>
+                </a:highlight>
+                <a:latin typeface="Consolas"/>
+              </a:rPr>
+              <a:t>false</a:t>
+            </a:r>
+            <a:r>
+              <a:rPr lang="en-US" dirty="0">
+                <a:solidFill>
+                  <a:srgbClr val="000000"/>
+                </a:solidFill>
+                <a:highlight>
+                  <a:srgbClr val="FFFFFF"/>
+                </a:highlight>
+                <a:latin typeface="Consolas"/>
+              </a:rPr>
+              <a:t>"</a:t>
+            </a:r>
+            <a:r>
+              <a:rPr lang="en-US" dirty="0">
+                <a:solidFill>
+                  <a:srgbClr val="0000FF"/>
+                </a:solidFill>
+                <a:highlight>
+                  <a:srgbClr val="FFFFFF"/>
+                </a:highlight>
+                <a:latin typeface="Consolas"/>
+              </a:rPr>
+              <a:t> /&gt;</a:t>
+            </a:r>
+            <a:endParaRPr lang="en-US" dirty="0">
+              <a:solidFill>
+                <a:srgbClr val="000000"/>
+              </a:solidFill>
+              <a:highlight>
+                <a:srgbClr val="FFFFFF"/>
+              </a:highlight>
+              <a:latin typeface="Consolas"/>
+            </a:endParaRPr>
+          </a:p>
+          <a:p>
+            <a:r>
+              <a:rPr lang="en-US" dirty="0">
+                <a:solidFill>
+                  <a:srgbClr val="0000FF"/>
+                </a:solidFill>
+                <a:highlight>
+                  <a:srgbClr val="FFFFFF"/>
+                </a:highlight>
+                <a:latin typeface="Consolas"/>
+              </a:rPr>
+              <a:t>    &lt;</a:t>
+            </a:r>
+            <a:r>
+              <a:rPr lang="en-US" dirty="0" err="1">
+                <a:solidFill>
+                  <a:srgbClr val="A31515"/>
+                </a:solidFill>
+                <a:highlight>
+                  <a:srgbClr val="FFFFFF"/>
+                </a:highlight>
+                <a:latin typeface="Consolas"/>
+              </a:rPr>
+              <a:t>gcConcurrent</a:t>
+            </a:r>
+            <a:r>
+              <a:rPr lang="en-US" dirty="0">
+                <a:solidFill>
+                  <a:srgbClr val="A31515"/>
+                </a:solidFill>
+                <a:highlight>
+                  <a:srgbClr val="FFFFFF"/>
+                </a:highlight>
+                <a:latin typeface="Consolas"/>
+              </a:rPr>
+              <a:t> enabled</a:t>
+            </a:r>
+            <a:r>
+              <a:rPr lang="en-US" dirty="0">
+                <a:solidFill>
+                  <a:srgbClr val="0000FF"/>
+                </a:solidFill>
+                <a:highlight>
+                  <a:srgbClr val="FFFFFF"/>
+                </a:highlight>
+                <a:latin typeface="Consolas"/>
+              </a:rPr>
+              <a:t>=</a:t>
+            </a:r>
+            <a:r>
+              <a:rPr lang="en-US" dirty="0">
+                <a:solidFill>
+                  <a:srgbClr val="000000"/>
+                </a:solidFill>
+                <a:highlight>
+                  <a:srgbClr val="FFFFFF"/>
+                </a:highlight>
+                <a:latin typeface="Consolas"/>
+              </a:rPr>
+              <a:t>"</a:t>
+            </a:r>
+            <a:r>
+              <a:rPr lang="en-US" b="1" dirty="0" err="1">
+                <a:solidFill>
+                  <a:srgbClr val="0000FF"/>
+                </a:solidFill>
+                <a:highlight>
+                  <a:srgbClr val="FFFFFF"/>
+                </a:highlight>
+                <a:latin typeface="Consolas"/>
+              </a:rPr>
+              <a:t>true</a:t>
+            </a:r>
+            <a:r>
+              <a:rPr lang="en-US" dirty="0" err="1">
+                <a:solidFill>
+                  <a:srgbClr val="0000FF"/>
+                </a:solidFill>
+                <a:highlight>
+                  <a:srgbClr val="FFFFFF"/>
+                </a:highlight>
+                <a:latin typeface="Consolas"/>
+              </a:rPr>
+              <a:t>|false</a:t>
+            </a:r>
+            <a:r>
+              <a:rPr lang="en-US" dirty="0">
+                <a:solidFill>
+                  <a:srgbClr val="000000"/>
+                </a:solidFill>
+                <a:highlight>
+                  <a:srgbClr val="FFFFFF"/>
+                </a:highlight>
+                <a:latin typeface="Consolas"/>
+              </a:rPr>
+              <a:t>"</a:t>
+            </a:r>
+            <a:r>
+              <a:rPr lang="en-US" dirty="0">
+                <a:solidFill>
+                  <a:srgbClr val="0000FF"/>
+                </a:solidFill>
+                <a:highlight>
+                  <a:srgbClr val="FFFFFF"/>
+                </a:highlight>
+                <a:latin typeface="Consolas"/>
+              </a:rPr>
+              <a:t> /&gt;</a:t>
+            </a:r>
+            <a:endParaRPr lang="en-US" dirty="0">
+              <a:solidFill>
+                <a:srgbClr val="000000"/>
+              </a:solidFill>
+              <a:highlight>
+                <a:srgbClr val="FFFFFF"/>
+              </a:highlight>
+              <a:latin typeface="Consolas"/>
+            </a:endParaRPr>
+          </a:p>
+          <a:p>
+            <a:r>
+              <a:rPr lang="en-US" dirty="0">
+                <a:solidFill>
+                  <a:srgbClr val="0000FF"/>
+                </a:solidFill>
+                <a:highlight>
+                  <a:srgbClr val="FFFFFF"/>
+                </a:highlight>
+                <a:latin typeface="Consolas"/>
+              </a:rPr>
+              <a:t>  &lt;/</a:t>
+            </a:r>
+            <a:r>
+              <a:rPr lang="en-US" dirty="0">
+                <a:solidFill>
+                  <a:srgbClr val="A31515"/>
+                </a:solidFill>
+                <a:highlight>
+                  <a:srgbClr val="FFFFFF"/>
+                </a:highlight>
+                <a:latin typeface="Consolas"/>
+              </a:rPr>
+              <a:t>runtime</a:t>
+            </a:r>
+            <a:r>
+              <a:rPr lang="en-US" dirty="0">
+                <a:solidFill>
+                  <a:srgbClr val="0000FF"/>
+                </a:solidFill>
+                <a:highlight>
+                  <a:srgbClr val="FFFFFF"/>
+                </a:highlight>
+                <a:latin typeface="Consolas"/>
+              </a:rPr>
+              <a:t>&gt;</a:t>
+            </a:r>
+            <a:endParaRPr lang="en-US" dirty="0">
+              <a:solidFill>
+                <a:srgbClr val="000000"/>
+              </a:solidFill>
+              <a:highlight>
+                <a:srgbClr val="FFFFFF"/>
+              </a:highlight>
+              <a:latin typeface="Consolas"/>
+            </a:endParaRPr>
+          </a:p>
+          <a:p>
+            <a:r>
+              <a:rPr lang="en-US" dirty="0">
+                <a:solidFill>
+                  <a:srgbClr val="0000FF"/>
+                </a:solidFill>
+                <a:highlight>
+                  <a:srgbClr val="FFFFFF"/>
+                </a:highlight>
+                <a:latin typeface="Consolas"/>
+              </a:rPr>
+              <a:t>&lt;/</a:t>
+            </a:r>
+            <a:r>
+              <a:rPr lang="en-US" dirty="0">
+                <a:solidFill>
+                  <a:srgbClr val="A31515"/>
+                </a:solidFill>
+                <a:highlight>
+                  <a:srgbClr val="FFFFFF"/>
+                </a:highlight>
+                <a:latin typeface="Consolas"/>
+              </a:rPr>
+              <a:t>configuration</a:t>
+            </a:r>
+            <a:r>
+              <a:rPr lang="en-US" dirty="0">
+                <a:solidFill>
+                  <a:srgbClr val="0000FF"/>
+                </a:solidFill>
+                <a:highlight>
+                  <a:srgbClr val="FFFFFF"/>
+                </a:highlight>
+                <a:latin typeface="Consolas"/>
+              </a:rPr>
+              <a:t>&gt;</a:t>
             </a:r>
             <a:endParaRPr lang="ru-RU" dirty="0"/>
-          </a:p>
-          <a:p>
-            <a:pPr lvl="1"/>
-            <a:r>
-              <a:rPr lang="ru-RU" dirty="0"/>
-              <a:t>Отдельный поток для </a:t>
-            </a:r>
-            <a:r>
-              <a:rPr lang="en-US" dirty="0"/>
-              <a:t>GC</a:t>
-            </a:r>
-          </a:p>
-          <a:p>
-            <a:pPr lvl="1"/>
-            <a:r>
-              <a:rPr lang="ru-RU" dirty="0"/>
-              <a:t>Работает паралельно с приложением. Минимальные задержки исполнения</a:t>
-            </a:r>
-          </a:p>
-          <a:p>
-            <a:r>
-              <a:rPr lang="en-US" dirty="0"/>
-              <a:t>Non-concurrent Workstation GC</a:t>
-            </a:r>
-          </a:p>
-          <a:p>
-            <a:pPr lvl="1"/>
-            <a:r>
-              <a:rPr lang="en-US" dirty="0"/>
-              <a:t>GC </a:t>
-            </a:r>
-            <a:r>
-              <a:rPr lang="ru-RU" dirty="0"/>
-              <a:t>запускается в контексте одного из потоков приложения</a:t>
-            </a:r>
-          </a:p>
-          <a:p>
-            <a:pPr lvl="1"/>
-            <a:r>
-              <a:rPr lang="ru-RU" dirty="0"/>
-              <a:t>Все остальные потоки останавливаются</a:t>
-            </a:r>
           </a:p>
         </p:txBody>
       </p:sp>
     </p:spTree>
     <p:extLst>
       <p:ext uri="{BB962C8B-B14F-4D97-AF65-F5344CB8AC3E}">
-        <p14:creationId xmlns:p14="http://schemas.microsoft.com/office/powerpoint/2010/main" val="2543352552"/>
+        <p14:creationId xmlns:p14="http://schemas.microsoft.com/office/powerpoint/2010/main" val="2754726885"/>
       </p:ext>
     </p:extLst>
   </p:cSld>
@@ -11937,7 +11943,7 @@
           <a:p>
             <a:r>
               <a:rPr lang="en-US" dirty="0"/>
-              <a:t>Server GC</a:t>
+              <a:t>Workstation GC</a:t>
             </a:r>
             <a:endParaRPr lang="ru-RU" dirty="0"/>
           </a:p>
@@ -11956,95 +11962,80 @@
         <p:spPr/>
         <p:txBody>
           <a:bodyPr>
-            <a:normAutofit lnSpcReduction="10000"/>
+            <a:normAutofit fontScale="85000" lnSpcReduction="20000"/>
           </a:bodyPr>
           <a:lstStyle/>
           <a:p>
             <a:r>
               <a:rPr lang="ru-RU" dirty="0"/>
-              <a:t>Отдельный </a:t>
-            </a:r>
+              <a:t>Используется по умолчанию для </a:t>
+            </a:r>
+            <a:r>
+              <a:rPr lang="en-US" dirty="0"/>
+              <a:t>desktop </a:t>
+            </a:r>
+            <a:r>
+              <a:rPr lang="ru-RU" dirty="0"/>
+              <a:t>приложений</a:t>
+            </a:r>
+          </a:p>
+          <a:p>
             <a:r>
               <a:rPr lang="en-US" dirty="0"/>
               <a:t>GC </a:t>
             </a:r>
             <a:r>
               <a:rPr lang="ru-RU" dirty="0"/>
-              <a:t>поток для каждого</a:t>
-            </a:r>
+              <a:t>работает только в одном потоке. Нет выгоды от использования многоядерных процессоров</a:t>
+            </a:r>
+          </a:p>
+          <a:p>
             <a:r>
               <a:rPr lang="en-US" dirty="0"/>
-              <a:t> </a:t>
-            </a:r>
+              <a:t>Concurrent Workstation GC</a:t>
+            </a:r>
+            <a:endParaRPr lang="ru-RU" dirty="0"/>
+          </a:p>
+          <a:p>
+            <a:pPr lvl="1"/>
             <a:r>
               <a:rPr lang="ru-RU" dirty="0"/>
-              <a:t>ядра</a:t>
-            </a:r>
-          </a:p>
-          <a:p>
+              <a:t>Отдельный поток для </a:t>
+            </a:r>
+            <a:r>
+              <a:rPr lang="en-US" dirty="0"/>
+              <a:t>GC</a:t>
+            </a:r>
+          </a:p>
+          <a:p>
+            <a:pPr lvl="1"/>
             <a:r>
               <a:rPr lang="ru-RU" dirty="0"/>
-              <a:t>Отдельная куча для каждого процессора</a:t>
-            </a:r>
-          </a:p>
-          <a:p>
+              <a:t>Работает паралельно с приложением. Минимальные задержки исполнения</a:t>
+            </a:r>
+          </a:p>
+          <a:p>
+            <a:r>
+              <a:rPr lang="en-US" dirty="0"/>
+              <a:t>Non-concurrent Workstation GC</a:t>
+            </a:r>
+          </a:p>
+          <a:p>
+            <a:pPr lvl="1"/>
+            <a:r>
+              <a:rPr lang="en-US" dirty="0"/>
+              <a:t>GC </a:t>
+            </a:r>
             <a:r>
               <a:rPr lang="ru-RU" dirty="0"/>
-              <a:t>До .</a:t>
-            </a:r>
-            <a:r>
-              <a:rPr lang="en-US" dirty="0"/>
-              <a:t> NET 4.5 </a:t>
-            </a:r>
+              <a:t>запускается в контексте одного из потоков приложения</a:t>
+            </a:r>
+          </a:p>
+          <a:p>
+            <a:pPr lvl="1"/>
             <a:r>
               <a:rPr lang="ru-RU" dirty="0"/>
-              <a:t>работал в </a:t>
-            </a:r>
-            <a:r>
-              <a:rPr lang="en-US" dirty="0"/>
-              <a:t>non</a:t>
-            </a:r>
-            <a:r>
-              <a:rPr lang="ru-RU" dirty="0"/>
-              <a:t>-</a:t>
-            </a:r>
-            <a:r>
-              <a:rPr lang="en-US" dirty="0"/>
-              <a:t>concurrent </a:t>
-            </a:r>
-            <a:r>
-              <a:rPr lang="ru-RU" dirty="0"/>
-              <a:t>режиме. То есть все потоки приложения останавливались во время сборки мусора</a:t>
-            </a:r>
-          </a:p>
-          <a:p>
-            <a:r>
-              <a:rPr lang="ru-RU" dirty="0"/>
-              <a:t>Начиная с </a:t>
-            </a:r>
-            <a:r>
-              <a:rPr lang="en-US" dirty="0"/>
-              <a:t>.NET 4.5 </a:t>
-            </a:r>
-            <a:r>
-              <a:rPr lang="ru-RU" dirty="0"/>
-              <a:t>поддерживает </a:t>
-            </a:r>
-            <a:r>
-              <a:rPr lang="en-US" dirty="0"/>
-              <a:t>concurrent </a:t>
-            </a:r>
-            <a:r>
-              <a:rPr lang="ru-RU" dirty="0"/>
-              <a:t>режим. </a:t>
-            </a:r>
-            <a:r>
-              <a:rPr lang="ru-RU" dirty="0">
-                <a:solidFill>
-                  <a:srgbClr val="FFFF00"/>
-                </a:solidFill>
-              </a:rPr>
-              <a:t>Хороший выбор для приложений которые интенсивно используют память.</a:t>
+              <a:t>Все остальные потоки останавливаются</a:t>
             </a:r>
           </a:p>
         </p:txBody>
@@ -12052,7 +12043,7 @@
     </p:spTree>
     <p:extLst>
       <p:ext uri="{BB962C8B-B14F-4D97-AF65-F5344CB8AC3E}">
-        <p14:creationId xmlns:p14="http://schemas.microsoft.com/office/powerpoint/2010/main" val="2172271800"/>
+        <p14:creationId xmlns:p14="http://schemas.microsoft.com/office/powerpoint/2010/main" val="2543352552"/>
       </p:ext>
     </p:extLst>
   </p:cSld>
@@ -12155,13 +12146,30 @@
           <a:lstStyle/>
           <a:p>
             <a:r>
-              <a:rPr lang="en-US" dirty="0"/>
-              <a:t>Value</a:t>
-            </a:r>
-            <a:r>
-              <a:rPr lang="ru-RU" dirty="0"/>
-              <a:t>-типы</a:t>
-            </a:r>
+              <a:rPr lang="ru-RU" dirty="0" smtClean="0"/>
+              <a:t>Значимые </a:t>
+            </a:r>
+            <a:r>
+              <a:rPr lang="en-US" dirty="0" smtClean="0"/>
+              <a:t>(</a:t>
+            </a:r>
+            <a:r>
+              <a:rPr lang="en-US" dirty="0" smtClean="0"/>
+              <a:t>v</a:t>
+            </a:r>
+            <a:r>
+              <a:rPr lang="en-US" dirty="0" smtClean="0"/>
+              <a:t>alue</a:t>
+            </a:r>
+            <a:r>
+              <a:rPr lang="en-US" dirty="0" smtClean="0"/>
+              <a:t>) </a:t>
+            </a:r>
+            <a:r>
+              <a:rPr lang="ru-RU" dirty="0" smtClean="0"/>
+              <a:t>типы</a:t>
+            </a:r>
+            <a:endParaRPr lang="ru-RU" dirty="0"/>
           </a:p>
         </p:txBody>
       </p:sp>
@@ -12636,19 +12644,14 @@
         </p:nvSpPr>
         <p:spPr/>
         <p:txBody>
-          <a:bodyPr>
-            <a:normAutofit fontScale="90000"/>
-          </a:bodyPr>
+          <a:bodyPr/>
           <a:lstStyle/>
           <a:p>
             <a:r>
               <a:rPr lang="en-US" dirty="0"/>
-              <a:t>IDisposable: </a:t>
-            </a:r>
-            <a:r>
-              <a:rPr lang="ru-RU" dirty="0"/>
-              <a:t>управление ресурсами</a:t>
-            </a:r>
+              <a:t>Server GC</a:t>
+            </a:r>
+            <a:endParaRPr lang="ru-RU" dirty="0"/>
           </a:p>
         </p:txBody>
       </p:sp>
@@ -12665,80 +12668,95 @@
         <p:spPr/>
         <p:txBody>
           <a:bodyPr>
-            <a:normAutofit fontScale="85000" lnSpcReduction="20000"/>
+            <a:normAutofit lnSpcReduction="10000"/>
           </a:bodyPr>
           <a:lstStyle/>
           <a:p>
-            <a:pPr marL="0" indent="0">
-              <a:buNone/>
-            </a:pPr>
             <a:r>
               <a:rPr lang="ru-RU" dirty="0"/>
-              <a:t>В </a:t>
+              <a:t>Отдельный </a:t>
             </a:r>
             <a:r>
               <a:rPr lang="en-US" dirty="0"/>
-              <a:t>.NET </a:t>
+              <a:t>GC </a:t>
             </a:r>
             <a:r>
               <a:rPr lang="ru-RU" dirty="0"/>
-              <a:t>используется недетерминированная модель управления памятью. Это означает что программист не контролирует момент освобождения памяти. Данный подход годится для памяти, но не годится для «объектов» которые находятся вне контроля </a:t>
+              <a:t>поток для каждого</a:t>
             </a:r>
             <a:r>
               <a:rPr lang="en-US" dirty="0"/>
-              <a:t>.NET – </a:t>
+              <a:t> </a:t>
             </a:r>
             <a:r>
               <a:rPr lang="ru-RU" dirty="0"/>
-              <a:t>например, файлы. Создавая объект типа </a:t>
+              <a:t>ядра</a:t>
+            </a:r>
+          </a:p>
+          <a:p>
+            <a:r>
+              <a:rPr lang="ru-RU" dirty="0"/>
+              <a:t>Отдельная куча для каждого процессора</a:t>
+            </a:r>
+          </a:p>
+          <a:p>
+            <a:r>
+              <a:rPr lang="ru-RU" dirty="0"/>
+              <a:t>До .</a:t>
             </a:r>
             <a:r>
               <a:rPr lang="en-US" dirty="0"/>
-              <a:t>FileStream </a:t>
+              <a:t> NET 4.5 </a:t>
             </a:r>
             <a:r>
               <a:rPr lang="ru-RU" dirty="0"/>
-              <a:t>мы одновременно создаем т.н. дескриптор (</a:t>
+              <a:t>работал в </a:t>
             </a:r>
             <a:r>
               <a:rPr lang="en-US" dirty="0"/>
-              <a:t>handle</a:t>
+              <a:t>non</a:t>
             </a:r>
             <a:r>
               <a:rPr lang="ru-RU" dirty="0"/>
-              <a:t>)</a:t>
+              <a:t>-</a:t>
             </a:r>
             <a:r>
               <a:rPr lang="en-US" dirty="0"/>
-              <a:t> – </a:t>
+              <a:t>concurrent </a:t>
             </a:r>
             <a:r>
               <a:rPr lang="ru-RU" dirty="0"/>
-              <a:t>системный объект который контролируется ОС </a:t>
+              <a:t>режиме. То есть все потоки приложения останавливались во время сборки мусора</a:t>
+            </a:r>
+          </a:p>
+          <a:p>
+            <a:r>
+              <a:rPr lang="ru-RU" dirty="0"/>
+              <a:t>Начиная с </a:t>
             </a:r>
             <a:r>
               <a:rPr lang="en-US" dirty="0"/>
-              <a:t>Windows. </a:t>
+              <a:t>.NET 4.5 </a:t>
             </a:r>
             <a:r>
               <a:rPr lang="ru-RU" dirty="0"/>
-              <a:t>Этот дескритор нужно закрывать для корректной работы приложения и экономии системных ресурсов. Интерфейс </a:t>
+              <a:t>поддерживает </a:t>
             </a:r>
             <a:r>
               <a:rPr lang="en-US" dirty="0"/>
-              <a:t>IDisposable </a:t>
+              <a:t>concurrent </a:t>
             </a:r>
             <a:r>
               <a:rPr lang="ru-RU" dirty="0"/>
-              <a:t>с одним методом </a:t>
-            </a:r>
-            <a:r>
-              <a:rPr lang="en-US" dirty="0"/>
-              <a:t>void Dispose()</a:t>
-            </a:r>
-            <a:r>
-              <a:rPr lang="ru-RU" dirty="0"/>
-              <a:t> позволяет точно упралять моментом когда нужно освобождать такие ресурсы.</a:t>
+              <a:t>режим. </a:t>
+            </a:r>
+            <a:r>
+              <a:rPr lang="ru-RU" dirty="0">
+                <a:solidFill>
+                  <a:srgbClr val="FFFF00"/>
+                </a:solidFill>
+              </a:rPr>
+              <a:t>Хороший выбор для приложений которые интенсивно используют память.</a:t>
             </a:r>
           </a:p>
         </p:txBody>
@@ -12746,7 +12764,7 @@
     </p:spTree>
     <p:extLst>
       <p:ext uri="{BB962C8B-B14F-4D97-AF65-F5344CB8AC3E}">
-        <p14:creationId xmlns:p14="http://schemas.microsoft.com/office/powerpoint/2010/main" val="674408421"/>
+        <p14:creationId xmlns:p14="http://schemas.microsoft.com/office/powerpoint/2010/main" val="2172271800"/>
       </p:ext>
     </p:extLst>
   </p:cSld>
@@ -12785,18 +12803,19 @@
         </p:nvSpPr>
         <p:spPr/>
         <p:txBody>
-          <a:bodyPr/>
+          <a:bodyPr>
+            <a:normAutofit fontScale="90000"/>
+          </a:bodyPr>
           <a:lstStyle/>
           <a:p>
             <a:r>
+              <a:rPr lang="en-US" dirty="0"/>
+              <a:t>IDisposable: </a:t>
+            </a:r>
+            <a:r>
               <a:rPr lang="ru-RU" dirty="0"/>
-              <a:t>Блок </a:t>
-            </a:r>
-            <a:r>
-              <a:rPr lang="en-US" dirty="0"/>
-              <a:t>using</a:t>
-            </a:r>
-            <a:endParaRPr lang="ru-RU" dirty="0"/>
+              <a:t>управление ресурсами</a:t>
+            </a:r>
           </a:p>
         </p:txBody>
       </p:sp>
@@ -12812,36 +12831,81 @@
         </p:nvSpPr>
         <p:spPr/>
         <p:txBody>
-          <a:bodyPr/>
+          <a:bodyPr>
+            <a:normAutofit fontScale="85000" lnSpcReduction="20000"/>
+          </a:bodyPr>
           <a:lstStyle/>
           <a:p>
+            <a:pPr marL="0" indent="0">
+              <a:buNone/>
+            </a:pPr>
             <a:r>
               <a:rPr lang="ru-RU" dirty="0"/>
-              <a:t>Переменная видна только внутри блока</a:t>
-            </a:r>
-          </a:p>
-          <a:p>
+              <a:t>В </a:t>
+            </a:r>
+            <a:r>
+              <a:rPr lang="en-US" dirty="0"/>
+              <a:t>.NET </a:t>
+            </a:r>
             <a:r>
               <a:rPr lang="ru-RU" dirty="0"/>
-              <a:t>Автоматически вызывается </a:t>
+              <a:t>используется недетерминированная модель управления памятью. Это означает что программист не контролирует момент освобождения памяти. Данный подход годится для памяти, но не годится для «объектов» которые находятся вне контроля </a:t>
             </a:r>
             <a:r>
               <a:rPr lang="en-US" dirty="0"/>
-              <a:t>Dispose() </a:t>
+              <a:t>.NET – </a:t>
             </a:r>
             <a:r>
               <a:rPr lang="ru-RU" dirty="0"/>
-              <a:t>внутри блока </a:t>
+              <a:t>например, файлы. Создавая объект типа </a:t>
             </a:r>
             <a:r>
               <a:rPr lang="en-US" dirty="0"/>
-              <a:t>finally</a:t>
-            </a:r>
-          </a:p>
-          <a:p>
+              <a:t>FileStream </a:t>
+            </a:r>
             <a:r>
               <a:rPr lang="ru-RU" dirty="0"/>
-              <a:t>Переменная доступна только для чтения</a:t>
+              <a:t>мы одновременно создаем т.н. дескриптор (</a:t>
+            </a:r>
+            <a:r>
+              <a:rPr lang="en-US" dirty="0"/>
+              <a:t>handle</a:t>
+            </a:r>
+            <a:r>
+              <a:rPr lang="ru-RU" dirty="0"/>
+              <a:t>)</a:t>
+            </a:r>
+            <a:r>
+              <a:rPr lang="en-US" dirty="0"/>
+              <a:t> – </a:t>
+            </a:r>
+            <a:r>
+              <a:rPr lang="ru-RU" dirty="0"/>
+              <a:t>системный объект который контролируется ОС </a:t>
+            </a:r>
+            <a:r>
+              <a:rPr lang="en-US" dirty="0"/>
+              <a:t>Windows. </a:t>
+            </a:r>
+            <a:r>
+              <a:rPr lang="ru-RU" dirty="0"/>
+              <a:t>Этот дескритор нужно закрывать для корректной работы приложения и экономии системных ресурсов. Интерфейс </a:t>
+            </a:r>
+            <a:r>
+              <a:rPr lang="en-US" dirty="0"/>
+              <a:t>IDisposable </a:t>
+            </a:r>
+            <a:r>
+              <a:rPr lang="ru-RU" dirty="0"/>
+              <a:t>с одним методом </a:t>
+            </a:r>
+            <a:r>
+              <a:rPr lang="en-US" dirty="0"/>
+              <a:t>void Dispose()</a:t>
+            </a:r>
+            <a:r>
+              <a:rPr lang="ru-RU" dirty="0"/>
+              <a:t> позволяет точно упралять моментом когда нужно освобождать такие ресурсы.</a:t>
             </a:r>
           </a:p>
         </p:txBody>
@@ -12849,7 +12913,7 @@
     </p:spTree>
     <p:extLst>
       <p:ext uri="{BB962C8B-B14F-4D97-AF65-F5344CB8AC3E}">
-        <p14:creationId xmlns:p14="http://schemas.microsoft.com/office/powerpoint/2010/main" val="1354930669"/>
+        <p14:creationId xmlns:p14="http://schemas.microsoft.com/office/powerpoint/2010/main" val="674408421"/>
       </p:ext>
     </p:extLst>
   </p:cSld>
@@ -12893,11 +12957,11 @@
           <a:p>
             <a:r>
               <a:rPr lang="ru-RU" dirty="0"/>
-              <a:t>Своя реализация </a:t>
-            </a:r>
-            <a:r>
-              <a:rPr lang="en-US" dirty="0" err="1"/>
-              <a:t>IDisposable</a:t>
+              <a:t>Блок </a:t>
+            </a:r>
+            <a:r>
+              <a:rPr lang="en-US" dirty="0"/>
+              <a:t>using</a:t>
             </a:r>
             <a:endParaRPr lang="ru-RU" dirty="0"/>
           </a:p>
@@ -12920,13 +12984,31 @@
           <a:p>
             <a:r>
               <a:rPr lang="ru-RU" dirty="0"/>
-              <a:t>Должна быть реентерабельной</a:t>
+              <a:t>Переменная видна только внутри блока</a:t>
             </a:r>
           </a:p>
           <a:p>
             <a:r>
               <a:rPr lang="ru-RU" dirty="0"/>
-              <a:t>Не должна генерировать исключений при повторном вызове</a:t>
+              <a:t>Автоматически вызывается </a:t>
+            </a:r>
+            <a:r>
+              <a:rPr lang="en-US" dirty="0"/>
+              <a:t>Dispose() </a:t>
+            </a:r>
+            <a:r>
+              <a:rPr lang="ru-RU" dirty="0"/>
+              <a:t>внутри блока </a:t>
+            </a:r>
+            <a:r>
+              <a:rPr lang="en-US" dirty="0"/>
+              <a:t>finally</a:t>
+            </a:r>
+          </a:p>
+          <a:p>
+            <a:r>
+              <a:rPr lang="ru-RU" dirty="0"/>
+              <a:t>Переменная доступна только для чтения</a:t>
             </a:r>
           </a:p>
         </p:txBody>
@@ -12934,7 +13016,7 @@
     </p:spTree>
     <p:extLst>
       <p:ext uri="{BB962C8B-B14F-4D97-AF65-F5344CB8AC3E}">
-        <p14:creationId xmlns:p14="http://schemas.microsoft.com/office/powerpoint/2010/main" val="3947807755"/>
+        <p14:creationId xmlns:p14="http://schemas.microsoft.com/office/powerpoint/2010/main" val="1354930669"/>
       </p:ext>
     </p:extLst>
   </p:cSld>
@@ -12977,16 +13059,12 @@
           <a:lstStyle/>
           <a:p>
             <a:r>
-              <a:rPr lang="en-US" dirty="0"/>
-              <a:t>IDisposable </a:t>
-            </a:r>
-            <a:r>
               <a:rPr lang="ru-RU" dirty="0"/>
-              <a:t>и </a:t>
-            </a:r>
-            <a:r>
-              <a:rPr lang="en-US" dirty="0"/>
-              <a:t>foreach</a:t>
+              <a:t>Своя реализация </a:t>
+            </a:r>
+            <a:r>
+              <a:rPr lang="en-US" dirty="0" err="1"/>
+              <a:t>IDisposable</a:t>
             </a:r>
             <a:endParaRPr lang="ru-RU" dirty="0"/>
           </a:p>
@@ -13002,624 +13080,28 @@
             <p:ph idx="1"/>
           </p:nvPr>
         </p:nvSpPr>
-        <p:spPr>
-          <a:xfrm>
-            <a:off x="457200" y="1412776"/>
-            <a:ext cx="8229600" cy="1252736"/>
-          </a:xfrm>
-        </p:spPr>
+        <p:spPr/>
         <p:txBody>
-          <a:bodyPr>
-            <a:normAutofit/>
-          </a:bodyPr>
+          <a:bodyPr/>
           <a:lstStyle/>
           <a:p>
-            <a:pPr marL="0" indent="0">
-              <a:buNone/>
-            </a:pPr>
-            <a:r>
-              <a:rPr lang="ru-RU" sz="2800" dirty="0"/>
-              <a:t>Компилятор автоматически генерирует вызов </a:t>
-            </a:r>
-            <a:r>
-              <a:rPr lang="en-US" sz="2800" dirty="0"/>
-              <a:t>Dispose() </a:t>
-            </a:r>
-            <a:r>
-              <a:rPr lang="ru-RU" sz="2800" dirty="0"/>
-              <a:t>для цикла </a:t>
-            </a:r>
-            <a:r>
-              <a:rPr lang="en-US" sz="2800" dirty="0"/>
-              <a:t>foreach. </a:t>
-            </a:r>
-            <a:r>
-              <a:rPr lang="ru-RU" sz="2800" dirty="0"/>
-              <a:t>Цикл:</a:t>
-            </a:r>
-          </a:p>
-        </p:txBody>
-      </p:sp>
-      <p:sp>
-        <p:nvSpPr>
-          <p:cNvPr id="5" name="Rectangle 4"/>
-          <p:cNvSpPr/>
-          <p:nvPr/>
-        </p:nvSpPr>
-        <p:spPr>
-          <a:xfrm>
-            <a:off x="457200" y="2449487"/>
-            <a:ext cx="8229600" cy="307777"/>
-          </a:xfrm>
-          <a:prstGeom prst="rect">
-            <a:avLst/>
-          </a:prstGeom>
-          <a:solidFill>
-            <a:schemeClr val="bg1"/>
-          </a:solidFill>
-        </p:spPr>
-        <p:txBody>
-          <a:bodyPr wrap="square">
-            <a:spAutoFit/>
-          </a:bodyPr>
-          <a:lstStyle/>
-          <a:p>
-            <a:r>
-              <a:rPr lang="en-US" sz="1400" dirty="0">
-                <a:solidFill>
-                  <a:srgbClr val="0000FF"/>
-                </a:solidFill>
-                <a:latin typeface="Consolas" panose="020B0609020204030204" pitchFamily="49" charset="0"/>
-              </a:rPr>
-              <a:t>foreach</a:t>
-            </a:r>
-            <a:r>
-              <a:rPr lang="en-US" sz="1400" dirty="0">
-                <a:solidFill>
-                  <a:srgbClr val="000000"/>
-                </a:solidFill>
-                <a:latin typeface="Consolas" panose="020B0609020204030204" pitchFamily="49" charset="0"/>
-              </a:rPr>
-              <a:t> (ElementType element </a:t>
-            </a:r>
-            <a:r>
-              <a:rPr lang="en-US" sz="1400" dirty="0">
-                <a:solidFill>
-                  <a:srgbClr val="0000FF"/>
-                </a:solidFill>
-                <a:latin typeface="Consolas" panose="020B0609020204030204" pitchFamily="49" charset="0"/>
-              </a:rPr>
-              <a:t>in</a:t>
-            </a:r>
-            <a:r>
-              <a:rPr lang="en-US" sz="1400" dirty="0">
-                <a:solidFill>
-                  <a:srgbClr val="000000"/>
-                </a:solidFill>
-                <a:latin typeface="Consolas" panose="020B0609020204030204" pitchFamily="49" charset="0"/>
-              </a:rPr>
-              <a:t> collection) statement</a:t>
-            </a:r>
-            <a:endParaRPr lang="ru-RU" sz="1400" dirty="0"/>
-          </a:p>
-        </p:txBody>
-      </p:sp>
-      <p:sp>
-        <p:nvSpPr>
-          <p:cNvPr id="6" name="Content Placeholder 2"/>
-          <p:cNvSpPr txBox="1">
-            <a:spLocks/>
-          </p:cNvSpPr>
-          <p:nvPr/>
-        </p:nvSpPr>
-        <p:spPr>
-          <a:xfrm>
-            <a:off x="457200" y="2881535"/>
-            <a:ext cx="8229600" cy="576064"/>
-          </a:xfrm>
-          <a:prstGeom prst="rect">
-            <a:avLst/>
-          </a:prstGeom>
-        </p:spPr>
-        <p:txBody>
-          <a:bodyPr vert="horz" lIns="91440" tIns="45720" rIns="91440" bIns="45720" rtlCol="0">
-            <a:normAutofit/>
-          </a:bodyPr>
-          <a:lstStyle>
-            <a:lvl1pPr marL="342900" indent="-342900" algn="l" defTabSz="914400" rtl="0" eaLnBrk="1" latinLnBrk="0" hangingPunct="1">
-              <a:spcBef>
-                <a:spcPct val="20000"/>
-              </a:spcBef>
-              <a:buFont typeface="Arial" pitchFamily="34" charset="0"/>
-              <a:buChar char="•"/>
-              <a:defRPr sz="3200" kern="1200">
-                <a:solidFill>
-                  <a:schemeClr val="tx1"/>
-                </a:solidFill>
-                <a:latin typeface="+mn-lt"/>
-                <a:ea typeface="+mn-ea"/>
-                <a:cs typeface="+mn-cs"/>
-              </a:defRPr>
-            </a:lvl1pPr>
-            <a:lvl2pPr marL="742950" indent="-285750" algn="l" defTabSz="914400" rtl="0" eaLnBrk="1" latinLnBrk="0" hangingPunct="1">
-              <a:spcBef>
-                <a:spcPct val="20000"/>
-              </a:spcBef>
-              <a:buFont typeface="Arial" pitchFamily="34" charset="0"/>
-              <a:buChar char="–"/>
-              <a:defRPr sz="2800" kern="1200">
-                <a:solidFill>
-                  <a:schemeClr val="tx1"/>
-                </a:solidFill>
-                <a:latin typeface="+mn-lt"/>
-                <a:ea typeface="+mn-ea"/>
-                <a:cs typeface="+mn-cs"/>
-              </a:defRPr>
-            </a:lvl2pPr>
-            <a:lvl3pPr marL="1143000" indent="-228600" algn="l" defTabSz="914400" rtl="0" eaLnBrk="1" latinLnBrk="0" hangingPunct="1">
-              <a:spcBef>
-                <a:spcPct val="20000"/>
-              </a:spcBef>
-              <a:buFont typeface="Arial" pitchFamily="34" charset="0"/>
-              <a:buChar char="•"/>
-              <a:defRPr sz="2400" kern="1200">
-                <a:solidFill>
-                  <a:schemeClr val="tx1"/>
-                </a:solidFill>
-                <a:latin typeface="+mn-lt"/>
-                <a:ea typeface="+mn-ea"/>
-                <a:cs typeface="+mn-cs"/>
-              </a:defRPr>
-            </a:lvl3pPr>
-            <a:lvl4pPr marL="1600200" indent="-228600" algn="l" defTabSz="914400" rtl="0" eaLnBrk="1" latinLnBrk="0" hangingPunct="1">
-              <a:spcBef>
-                <a:spcPct val="20000"/>
-              </a:spcBef>
-              <a:buFont typeface="Arial" pitchFamily="34" charset="0"/>
-              <a:buChar char="–"/>
-              <a:defRPr sz="2000" kern="1200">
-                <a:solidFill>
-                  <a:schemeClr val="tx1"/>
-                </a:solidFill>
-                <a:latin typeface="+mn-lt"/>
-                <a:ea typeface="+mn-ea"/>
-                <a:cs typeface="+mn-cs"/>
-              </a:defRPr>
-            </a:lvl4pPr>
-            <a:lvl5pPr marL="2057400" indent="-228600" algn="l" defTabSz="914400" rtl="0" eaLnBrk="1" latinLnBrk="0" hangingPunct="1">
-              <a:spcBef>
-                <a:spcPct val="20000"/>
-              </a:spcBef>
-              <a:buFont typeface="Arial" pitchFamily="34" charset="0"/>
-              <a:buChar char="»"/>
-              <a:defRPr sz="2000" kern="1200">
-                <a:solidFill>
-                  <a:schemeClr val="tx1"/>
-                </a:solidFill>
-                <a:latin typeface="+mn-lt"/>
-                <a:ea typeface="+mn-ea"/>
-                <a:cs typeface="+mn-cs"/>
-              </a:defRPr>
-            </a:lvl5pPr>
-            <a:lvl6pPr marL="2514600" indent="-228600" algn="l" defTabSz="914400" rtl="0" eaLnBrk="1" latinLnBrk="0" hangingPunct="1">
-              <a:spcBef>
-                <a:spcPct val="20000"/>
-              </a:spcBef>
-              <a:buFont typeface="Arial" pitchFamily="34" charset="0"/>
-              <a:buChar char="•"/>
-              <a:defRPr sz="2000" kern="1200">
-                <a:solidFill>
-                  <a:schemeClr val="tx1"/>
-                </a:solidFill>
-                <a:latin typeface="+mn-lt"/>
-                <a:ea typeface="+mn-ea"/>
-                <a:cs typeface="+mn-cs"/>
-              </a:defRPr>
-            </a:lvl6pPr>
-            <a:lvl7pPr marL="2971800" indent="-228600" algn="l" defTabSz="914400" rtl="0" eaLnBrk="1" latinLnBrk="0" hangingPunct="1">
-              <a:spcBef>
-                <a:spcPct val="20000"/>
-              </a:spcBef>
-              <a:buFont typeface="Arial" pitchFamily="34" charset="0"/>
-              <a:buChar char="•"/>
-              <a:defRPr sz="2000" kern="1200">
-                <a:solidFill>
-                  <a:schemeClr val="tx1"/>
-                </a:solidFill>
-                <a:latin typeface="+mn-lt"/>
-                <a:ea typeface="+mn-ea"/>
-                <a:cs typeface="+mn-cs"/>
-              </a:defRPr>
-            </a:lvl7pPr>
-            <a:lvl8pPr marL="3429000" indent="-228600" algn="l" defTabSz="914400" rtl="0" eaLnBrk="1" latinLnBrk="0" hangingPunct="1">
-              <a:spcBef>
-                <a:spcPct val="20000"/>
-              </a:spcBef>
-              <a:buFont typeface="Arial" pitchFamily="34" charset="0"/>
-              <a:buChar char="•"/>
-              <a:defRPr sz="2000" kern="1200">
-                <a:solidFill>
-                  <a:schemeClr val="tx1"/>
-                </a:solidFill>
-                <a:latin typeface="+mn-lt"/>
-                <a:ea typeface="+mn-ea"/>
-                <a:cs typeface="+mn-cs"/>
-              </a:defRPr>
-            </a:lvl8pPr>
-            <a:lvl9pPr marL="3886200" indent="-228600" algn="l" defTabSz="914400" rtl="0" eaLnBrk="1" latinLnBrk="0" hangingPunct="1">
-              <a:spcBef>
-                <a:spcPct val="20000"/>
-              </a:spcBef>
-              <a:buFont typeface="Arial" pitchFamily="34" charset="0"/>
-              <a:buChar char="•"/>
-              <a:defRPr sz="2000" kern="1200">
-                <a:solidFill>
-                  <a:schemeClr val="tx1"/>
-                </a:solidFill>
-                <a:latin typeface="+mn-lt"/>
-                <a:ea typeface="+mn-ea"/>
-                <a:cs typeface="+mn-cs"/>
-              </a:defRPr>
-            </a:lvl9pPr>
-          </a:lstStyle>
-          <a:p>
-            <a:pPr marL="0" indent="0">
-              <a:buFont typeface="Arial" pitchFamily="34" charset="0"/>
-              <a:buNone/>
-            </a:pPr>
-            <a:r>
-              <a:rPr lang="ru-RU" sz="2800" dirty="0"/>
-              <a:t>преобразуется компилятором в (один из вариантов):</a:t>
-            </a:r>
-          </a:p>
-        </p:txBody>
-      </p:sp>
-      <p:sp>
-        <p:nvSpPr>
-          <p:cNvPr id="9" name="Rectangle 8"/>
-          <p:cNvSpPr/>
-          <p:nvPr/>
-        </p:nvSpPr>
-        <p:spPr>
-          <a:xfrm>
-            <a:off x="457200" y="3457599"/>
-            <a:ext cx="8229600" cy="2893100"/>
-          </a:xfrm>
-          <a:prstGeom prst="rect">
-            <a:avLst/>
-          </a:prstGeom>
-          <a:solidFill>
-            <a:schemeClr val="bg1"/>
-          </a:solidFill>
-        </p:spPr>
-        <p:txBody>
-          <a:bodyPr wrap="square">
-            <a:spAutoFit/>
-          </a:bodyPr>
-          <a:lstStyle/>
-          <a:p>
-            <a:r>
-              <a:rPr lang="en-US" sz="1400" dirty="0">
-                <a:solidFill>
-                  <a:srgbClr val="000000"/>
-                </a:solidFill>
-                <a:latin typeface="Consolas" panose="020B0609020204030204" pitchFamily="49" charset="0"/>
-              </a:rPr>
-              <a:t>E enumerator = (collection).GetEnumerator();</a:t>
-            </a:r>
-          </a:p>
-          <a:p>
-            <a:r>
-              <a:rPr lang="en-US" sz="1400" dirty="0">
-                <a:solidFill>
-                  <a:srgbClr val="0000FF"/>
-                </a:solidFill>
-                <a:latin typeface="Consolas" panose="020B0609020204030204" pitchFamily="49" charset="0"/>
-              </a:rPr>
-              <a:t>try</a:t>
-            </a:r>
-            <a:endParaRPr lang="en-US" sz="1400" dirty="0">
-              <a:solidFill>
-                <a:srgbClr val="000000"/>
-              </a:solidFill>
-              <a:latin typeface="Consolas" panose="020B0609020204030204" pitchFamily="49" charset="0"/>
-            </a:endParaRPr>
-          </a:p>
-          <a:p>
-            <a:r>
-              <a:rPr lang="ru-RU" sz="1400" dirty="0">
-                <a:solidFill>
-                  <a:srgbClr val="000000"/>
-                </a:solidFill>
-                <a:latin typeface="Consolas" panose="020B0609020204030204" pitchFamily="49" charset="0"/>
-              </a:rPr>
-              <a:t>{</a:t>
-            </a:r>
-          </a:p>
-          <a:p>
-            <a:r>
-              <a:rPr lang="en-US" sz="1400" dirty="0">
-                <a:solidFill>
-                  <a:srgbClr val="000000"/>
-                </a:solidFill>
-                <a:latin typeface="Consolas" panose="020B0609020204030204" pitchFamily="49" charset="0"/>
-              </a:rPr>
-              <a:t>    </a:t>
-            </a:r>
-            <a:r>
-              <a:rPr lang="en-US" sz="1400" dirty="0">
-                <a:solidFill>
-                  <a:srgbClr val="0000FF"/>
-                </a:solidFill>
-                <a:latin typeface="Consolas" panose="020B0609020204030204" pitchFamily="49" charset="0"/>
-              </a:rPr>
-              <a:t>while</a:t>
-            </a:r>
-            <a:r>
-              <a:rPr lang="en-US" sz="1400" dirty="0">
-                <a:solidFill>
-                  <a:srgbClr val="000000"/>
-                </a:solidFill>
-                <a:latin typeface="Consolas" panose="020B0609020204030204" pitchFamily="49" charset="0"/>
-              </a:rPr>
-              <a:t> (enumerator.MoveNext())</a:t>
-            </a:r>
-          </a:p>
-          <a:p>
-            <a:r>
-              <a:rPr lang="ru-RU" sz="1400" dirty="0">
-                <a:solidFill>
-                  <a:srgbClr val="000000"/>
-                </a:solidFill>
-                <a:latin typeface="Consolas" panose="020B0609020204030204" pitchFamily="49" charset="0"/>
-              </a:rPr>
-              <a:t>    {</a:t>
-            </a:r>
-          </a:p>
-          <a:p>
-            <a:r>
-              <a:rPr lang="en-US" sz="1400" dirty="0">
-                <a:solidFill>
-                  <a:srgbClr val="000000"/>
-                </a:solidFill>
-                <a:latin typeface="Consolas" panose="020B0609020204030204" pitchFamily="49" charset="0"/>
-              </a:rPr>
-              <a:t>        ElementType element = (ElementType)enumerator.Current;</a:t>
-            </a:r>
-          </a:p>
-          <a:p>
-            <a:r>
-              <a:rPr lang="en-US" sz="1400" dirty="0">
-                <a:solidFill>
-                  <a:srgbClr val="000000"/>
-                </a:solidFill>
-                <a:latin typeface="Consolas" panose="020B0609020204030204" pitchFamily="49" charset="0"/>
-              </a:rPr>
-              <a:t>        statement;</a:t>
-            </a:r>
-          </a:p>
-          <a:p>
-            <a:r>
-              <a:rPr lang="ru-RU" sz="1400" dirty="0">
-                <a:solidFill>
-                  <a:srgbClr val="000000"/>
-                </a:solidFill>
-                <a:latin typeface="Consolas" panose="020B0609020204030204" pitchFamily="49" charset="0"/>
-              </a:rPr>
-              <a:t>    }</a:t>
-            </a:r>
-          </a:p>
-          <a:p>
-            <a:r>
-              <a:rPr lang="ru-RU" sz="1400" dirty="0">
-                <a:solidFill>
-                  <a:srgbClr val="000000"/>
-                </a:solidFill>
-                <a:latin typeface="Consolas" panose="020B0609020204030204" pitchFamily="49" charset="0"/>
-              </a:rPr>
-              <a:t>}</a:t>
-            </a:r>
-          </a:p>
-          <a:p>
-            <a:r>
-              <a:rPr lang="en-US" sz="1400" dirty="0">
-                <a:solidFill>
-                  <a:srgbClr val="0000FF"/>
-                </a:solidFill>
-                <a:latin typeface="Consolas" panose="020B0609020204030204" pitchFamily="49" charset="0"/>
-              </a:rPr>
-              <a:t>finally</a:t>
-            </a:r>
-            <a:endParaRPr lang="en-US" sz="1400" dirty="0">
-              <a:solidFill>
-                <a:srgbClr val="000000"/>
-              </a:solidFill>
-              <a:latin typeface="Consolas" panose="020B0609020204030204" pitchFamily="49" charset="0"/>
-            </a:endParaRPr>
-          </a:p>
-          <a:p>
-            <a:r>
-              <a:rPr lang="ru-RU" sz="1400" dirty="0">
-                <a:solidFill>
-                  <a:srgbClr val="000000"/>
-                </a:solidFill>
-                <a:latin typeface="Consolas" panose="020B0609020204030204" pitchFamily="49" charset="0"/>
-              </a:rPr>
-              <a:t>{</a:t>
-            </a:r>
-          </a:p>
-          <a:p>
-            <a:r>
-              <a:rPr lang="en-US" sz="1400" dirty="0">
-                <a:solidFill>
-                  <a:srgbClr val="000000"/>
-                </a:solidFill>
-                <a:latin typeface="Consolas" panose="020B0609020204030204" pitchFamily="49" charset="0"/>
-              </a:rPr>
-              <a:t>    </a:t>
-            </a:r>
-            <a:r>
-              <a:rPr lang="en-US" sz="1400" dirty="0">
-                <a:solidFill>
-                  <a:srgbClr val="0000FF"/>
-                </a:solidFill>
-                <a:latin typeface="Consolas" panose="020B0609020204030204" pitchFamily="49" charset="0"/>
-              </a:rPr>
-              <a:t>if</a:t>
-            </a:r>
-            <a:r>
-              <a:rPr lang="en-US" sz="1400" dirty="0">
-                <a:solidFill>
-                  <a:srgbClr val="000000"/>
-                </a:solidFill>
-                <a:latin typeface="Consolas" panose="020B0609020204030204" pitchFamily="49" charset="0"/>
-              </a:rPr>
-              <a:t> (enumerator != </a:t>
-            </a:r>
-            <a:r>
-              <a:rPr lang="en-US" sz="1400" dirty="0">
-                <a:solidFill>
-                  <a:srgbClr val="0000FF"/>
-                </a:solidFill>
-                <a:latin typeface="Consolas" panose="020B0609020204030204" pitchFamily="49" charset="0"/>
-              </a:rPr>
-              <a:t>null</a:t>
-            </a:r>
-            <a:r>
-              <a:rPr lang="en-US" sz="1400" dirty="0">
-                <a:solidFill>
-                  <a:srgbClr val="000000"/>
-                </a:solidFill>
-                <a:latin typeface="Consolas" panose="020B0609020204030204" pitchFamily="49" charset="0"/>
-              </a:rPr>
-              <a:t>) (</a:t>
-            </a:r>
-            <a:r>
-              <a:rPr lang="ru-RU" sz="1400" dirty="0">
-                <a:solidFill>
-                  <a:srgbClr val="000000"/>
-                </a:solidFill>
-                <a:latin typeface="Consolas" panose="020B0609020204030204" pitchFamily="49" charset="0"/>
-              </a:rPr>
-              <a:t>(</a:t>
-            </a:r>
-            <a:r>
-              <a:rPr lang="en-US" sz="1400" dirty="0">
-                <a:solidFill>
-                  <a:srgbClr val="000000"/>
-                </a:solidFill>
-                <a:latin typeface="Consolas" panose="020B0609020204030204" pitchFamily="49" charset="0"/>
-              </a:rPr>
-              <a:t>System.</a:t>
-            </a:r>
-            <a:r>
-              <a:rPr lang="en-US" sz="1400" dirty="0">
-                <a:solidFill>
-                  <a:srgbClr val="2B91AF"/>
-                </a:solidFill>
-                <a:latin typeface="Consolas" panose="020B0609020204030204" pitchFamily="49" charset="0"/>
-              </a:rPr>
-              <a:t>IDisposable</a:t>
-            </a:r>
-            <a:r>
-              <a:rPr lang="ru-RU" sz="1400" dirty="0">
-                <a:solidFill>
-                  <a:srgbClr val="000000"/>
-                </a:solidFill>
-                <a:latin typeface="Consolas" panose="020B0609020204030204" pitchFamily="49" charset="0"/>
-              </a:rPr>
-              <a:t>)</a:t>
-            </a:r>
-            <a:r>
-              <a:rPr lang="en-US" sz="1400" dirty="0">
-                <a:solidFill>
-                  <a:srgbClr val="000000"/>
-                </a:solidFill>
-                <a:latin typeface="Consolas" panose="020B0609020204030204" pitchFamily="49" charset="0"/>
-              </a:rPr>
-              <a:t> enumerator).Dispose();</a:t>
-            </a:r>
-          </a:p>
-          <a:p>
-            <a:r>
-              <a:rPr lang="ru-RU" sz="1400" dirty="0">
-                <a:solidFill>
-                  <a:srgbClr val="000000"/>
-                </a:solidFill>
-                <a:latin typeface="Consolas" panose="020B0609020204030204" pitchFamily="49" charset="0"/>
-              </a:rPr>
-              <a:t>}</a:t>
-            </a:r>
-            <a:endParaRPr lang="ru-RU" sz="1400" dirty="0"/>
-          </a:p>
-        </p:txBody>
-      </p:sp>
-      <p:sp>
-        <p:nvSpPr>
-          <p:cNvPr id="10" name="TextBox 9"/>
-          <p:cNvSpPr txBox="1"/>
-          <p:nvPr/>
-        </p:nvSpPr>
-        <p:spPr>
-          <a:xfrm>
-            <a:off x="457200" y="6453336"/>
-            <a:ext cx="8229600" cy="307777"/>
-          </a:xfrm>
-          <a:prstGeom prst="rect">
-            <a:avLst/>
-          </a:prstGeom>
-          <a:noFill/>
-        </p:spPr>
-        <p:txBody>
-          <a:bodyPr wrap="square" rtlCol="0">
-            <a:spAutoFit/>
-          </a:bodyPr>
-          <a:lstStyle/>
-          <a:p>
-            <a:r>
-              <a:rPr lang="ru-RU" sz="1400" dirty="0">
-                <a:solidFill>
-                  <a:srgbClr val="FFFF00"/>
-                </a:solidFill>
-              </a:rPr>
-              <a:t>Подробности см. в спецификации </a:t>
-            </a:r>
-            <a:r>
-              <a:rPr lang="en-US" sz="1400" dirty="0">
-                <a:solidFill>
-                  <a:srgbClr val="FFFF00"/>
-                </a:solidFill>
-              </a:rPr>
-              <a:t>C# </a:t>
-            </a:r>
-            <a:r>
-              <a:rPr lang="ru-RU" sz="1400" dirty="0">
-                <a:solidFill>
-                  <a:srgbClr val="FFFF00"/>
-                </a:solidFill>
-              </a:rPr>
-              <a:t>- §8</a:t>
-            </a:r>
-            <a:r>
-              <a:rPr lang="en-US" sz="1400" dirty="0">
-                <a:solidFill>
-                  <a:srgbClr val="FFFF00"/>
-                </a:solidFill>
-              </a:rPr>
-              <a:t>.8.4 The foreach statement</a:t>
-            </a:r>
-            <a:endParaRPr lang="ru-RU" sz="1400" dirty="0">
-              <a:solidFill>
-                <a:srgbClr val="FFFF00"/>
-              </a:solidFill>
-            </a:endParaRPr>
+            <a:r>
+              <a:rPr lang="ru-RU" dirty="0"/>
+              <a:t>Должна быть реентерабельной</a:t>
+            </a:r>
+          </a:p>
+          <a:p>
+            <a:r>
+              <a:rPr lang="ru-RU" dirty="0"/>
+              <a:t>Не должна генерировать исключений при повторном вызове</a:t>
+            </a:r>
           </a:p>
         </p:txBody>
       </p:sp>
     </p:spTree>
     <p:extLst>
       <p:ext uri="{BB962C8B-B14F-4D97-AF65-F5344CB8AC3E}">
-        <p14:creationId xmlns:p14="http://schemas.microsoft.com/office/powerpoint/2010/main" val="202138129"/>
+        <p14:creationId xmlns:p14="http://schemas.microsoft.com/office/powerpoint/2010/main" val="3947807755"/>
       </p:ext>
     </p:extLst>
   </p:cSld>
@@ -13658,21 +13140,20 @@
         </p:nvSpPr>
         <p:spPr/>
         <p:txBody>
-          <a:bodyPr>
-            <a:normAutofit fontScale="90000"/>
-          </a:bodyPr>
+          <a:bodyPr/>
           <a:lstStyle/>
           <a:p>
             <a:r>
+              <a:rPr lang="en-US" dirty="0"/>
+              <a:t>IDisposable </a:t>
+            </a:r>
+            <a:r>
               <a:rPr lang="ru-RU" dirty="0"/>
-              <a:t>Куча для больших объектов</a:t>
-            </a:r>
-            <a:br>
-              <a:rPr lang="ru-RU" dirty="0"/>
-            </a:br>
+              <a:t>и </a:t>
+            </a:r>
             <a:r>
               <a:rPr lang="en-US" dirty="0"/>
-              <a:t>(Large Object Heap – LOH)</a:t>
+              <a:t>foreach</a:t>
             </a:r>
             <a:endParaRPr lang="ru-RU" dirty="0"/>
           </a:p>
@@ -13688,36 +13169,624 @@
             <p:ph idx="1"/>
           </p:nvPr>
         </p:nvSpPr>
-        <p:spPr/>
+        <p:spPr>
+          <a:xfrm>
+            <a:off x="457200" y="1412776"/>
+            <a:ext cx="8229600" cy="1252736"/>
+          </a:xfrm>
+        </p:spPr>
         <p:txBody>
           <a:bodyPr>
-            <a:normAutofit fontScale="92500" lnSpcReduction="10000"/>
+            <a:normAutofit/>
           </a:bodyPr>
           <a:lstStyle/>
           <a:p>
-            <a:r>
-              <a:rPr lang="ru-RU" dirty="0"/>
-              <a:t>Объекты с размером примерно больше 85 килобайт находятся в отдельной куче</a:t>
-            </a:r>
-          </a:p>
-          <a:p>
-            <a:r>
-              <a:rPr lang="ru-RU" dirty="0"/>
-              <a:t>Данная куча не дефрагментируется т.к. это бы создало большую нагрузку. Фрагментация может возникнуть при интенсивном использовании памяти (сотни мегабайт) и программа выделяет большие временные объекты.</a:t>
-            </a:r>
-          </a:p>
-          <a:p>
-            <a:r>
-              <a:rPr lang="ru-RU" dirty="0"/>
-              <a:t>Объекты в данной куче считаются принадлежащими второму поколению</a:t>
-            </a:r>
+            <a:pPr marL="0" indent="0">
+              <a:buNone/>
+            </a:pPr>
+            <a:r>
+              <a:rPr lang="ru-RU" sz="2800" dirty="0"/>
+              <a:t>Компилятор автоматически генерирует вызов </a:t>
+            </a:r>
+            <a:r>
+              <a:rPr lang="en-US" sz="2800" dirty="0"/>
+              <a:t>Dispose() </a:t>
+            </a:r>
+            <a:r>
+              <a:rPr lang="ru-RU" sz="2800" dirty="0"/>
+              <a:t>для цикла </a:t>
+            </a:r>
+            <a:r>
+              <a:rPr lang="en-US" sz="2800" dirty="0"/>
+              <a:t>foreach. </a:t>
+            </a:r>
+            <a:r>
+              <a:rPr lang="ru-RU" sz="2800" dirty="0"/>
+              <a:t>Цикл:</a:t>
+            </a:r>
+          </a:p>
+        </p:txBody>
+      </p:sp>
+      <p:sp>
+        <p:nvSpPr>
+          <p:cNvPr id="5" name="Rectangle 4"/>
+          <p:cNvSpPr/>
+          <p:nvPr/>
+        </p:nvSpPr>
+        <p:spPr>
+          <a:xfrm>
+            <a:off x="457200" y="2449487"/>
+            <a:ext cx="8229600" cy="307777"/>
+          </a:xfrm>
+          <a:prstGeom prst="rect">
+            <a:avLst/>
+          </a:prstGeom>
+          <a:solidFill>
+            <a:schemeClr val="bg1"/>
+          </a:solidFill>
+        </p:spPr>
+        <p:txBody>
+          <a:bodyPr wrap="square">
+            <a:spAutoFit/>
+          </a:bodyPr>
+          <a:lstStyle/>
+          <a:p>
+            <a:r>
+              <a:rPr lang="en-US" sz="1400" dirty="0">
+                <a:solidFill>
+                  <a:srgbClr val="0000FF"/>
+                </a:solidFill>
+                <a:latin typeface="Consolas" panose="020B0609020204030204" pitchFamily="49" charset="0"/>
+              </a:rPr>
+              <a:t>foreach</a:t>
+            </a:r>
+            <a:r>
+              <a:rPr lang="en-US" sz="1400" dirty="0">
+                <a:solidFill>
+                  <a:srgbClr val="000000"/>
+                </a:solidFill>
+                <a:latin typeface="Consolas" panose="020B0609020204030204" pitchFamily="49" charset="0"/>
+              </a:rPr>
+              <a:t> (ElementType element </a:t>
+            </a:r>
+            <a:r>
+              <a:rPr lang="en-US" sz="1400" dirty="0">
+                <a:solidFill>
+                  <a:srgbClr val="0000FF"/>
+                </a:solidFill>
+                <a:latin typeface="Consolas" panose="020B0609020204030204" pitchFamily="49" charset="0"/>
+              </a:rPr>
+              <a:t>in</a:t>
+            </a:r>
+            <a:r>
+              <a:rPr lang="en-US" sz="1400" dirty="0">
+                <a:solidFill>
+                  <a:srgbClr val="000000"/>
+                </a:solidFill>
+                <a:latin typeface="Consolas" panose="020B0609020204030204" pitchFamily="49" charset="0"/>
+              </a:rPr>
+              <a:t> collection) statement</a:t>
+            </a:r>
+            <a:endParaRPr lang="ru-RU" sz="1400" dirty="0"/>
+          </a:p>
+        </p:txBody>
+      </p:sp>
+      <p:sp>
+        <p:nvSpPr>
+          <p:cNvPr id="6" name="Content Placeholder 2"/>
+          <p:cNvSpPr txBox="1">
+            <a:spLocks/>
+          </p:cNvSpPr>
+          <p:nvPr/>
+        </p:nvSpPr>
+        <p:spPr>
+          <a:xfrm>
+            <a:off x="457200" y="2881535"/>
+            <a:ext cx="8229600" cy="576064"/>
+          </a:xfrm>
+          <a:prstGeom prst="rect">
+            <a:avLst/>
+          </a:prstGeom>
+        </p:spPr>
+        <p:txBody>
+          <a:bodyPr vert="horz" lIns="91440" tIns="45720" rIns="91440" bIns="45720" rtlCol="0">
+            <a:normAutofit/>
+          </a:bodyPr>
+          <a:lstStyle>
+            <a:lvl1pPr marL="342900" indent="-342900" algn="l" defTabSz="914400" rtl="0" eaLnBrk="1" latinLnBrk="0" hangingPunct="1">
+              <a:spcBef>
+                <a:spcPct val="20000"/>
+              </a:spcBef>
+              <a:buFont typeface="Arial" pitchFamily="34" charset="0"/>
+              <a:buChar char="•"/>
+              <a:defRPr sz="3200" kern="1200">
+                <a:solidFill>
+                  <a:schemeClr val="tx1"/>
+                </a:solidFill>
+                <a:latin typeface="+mn-lt"/>
+                <a:ea typeface="+mn-ea"/>
+                <a:cs typeface="+mn-cs"/>
+              </a:defRPr>
+            </a:lvl1pPr>
+            <a:lvl2pPr marL="742950" indent="-285750" algn="l" defTabSz="914400" rtl="0" eaLnBrk="1" latinLnBrk="0" hangingPunct="1">
+              <a:spcBef>
+                <a:spcPct val="20000"/>
+              </a:spcBef>
+              <a:buFont typeface="Arial" pitchFamily="34" charset="0"/>
+              <a:buChar char="–"/>
+              <a:defRPr sz="2800" kern="1200">
+                <a:solidFill>
+                  <a:schemeClr val="tx1"/>
+                </a:solidFill>
+                <a:latin typeface="+mn-lt"/>
+                <a:ea typeface="+mn-ea"/>
+                <a:cs typeface="+mn-cs"/>
+              </a:defRPr>
+            </a:lvl2pPr>
+            <a:lvl3pPr marL="1143000" indent="-228600" algn="l" defTabSz="914400" rtl="0" eaLnBrk="1" latinLnBrk="0" hangingPunct="1">
+              <a:spcBef>
+                <a:spcPct val="20000"/>
+              </a:spcBef>
+              <a:buFont typeface="Arial" pitchFamily="34" charset="0"/>
+              <a:buChar char="•"/>
+              <a:defRPr sz="2400" kern="1200">
+                <a:solidFill>
+                  <a:schemeClr val="tx1"/>
+                </a:solidFill>
+                <a:latin typeface="+mn-lt"/>
+                <a:ea typeface="+mn-ea"/>
+                <a:cs typeface="+mn-cs"/>
+              </a:defRPr>
+            </a:lvl3pPr>
+            <a:lvl4pPr marL="1600200" indent="-228600" algn="l" defTabSz="914400" rtl="0" eaLnBrk="1" latinLnBrk="0" hangingPunct="1">
+              <a:spcBef>
+                <a:spcPct val="20000"/>
+              </a:spcBef>
+              <a:buFont typeface="Arial" pitchFamily="34" charset="0"/>
+              <a:buChar char="–"/>
+              <a:defRPr sz="2000" kern="1200">
+                <a:solidFill>
+                  <a:schemeClr val="tx1"/>
+                </a:solidFill>
+                <a:latin typeface="+mn-lt"/>
+                <a:ea typeface="+mn-ea"/>
+                <a:cs typeface="+mn-cs"/>
+              </a:defRPr>
+            </a:lvl4pPr>
+            <a:lvl5pPr marL="2057400" indent="-228600" algn="l" defTabSz="914400" rtl="0" eaLnBrk="1" latinLnBrk="0" hangingPunct="1">
+              <a:spcBef>
+                <a:spcPct val="20000"/>
+              </a:spcBef>
+              <a:buFont typeface="Arial" pitchFamily="34" charset="0"/>
+              <a:buChar char="»"/>
+              <a:defRPr sz="2000" kern="1200">
+                <a:solidFill>
+                  <a:schemeClr val="tx1"/>
+                </a:solidFill>
+                <a:latin typeface="+mn-lt"/>
+                <a:ea typeface="+mn-ea"/>
+                <a:cs typeface="+mn-cs"/>
+              </a:defRPr>
+            </a:lvl5pPr>
+            <a:lvl6pPr marL="2514600" indent="-228600" algn="l" defTabSz="914400" rtl="0" eaLnBrk="1" latinLnBrk="0" hangingPunct="1">
+              <a:spcBef>
+                <a:spcPct val="20000"/>
+              </a:spcBef>
+              <a:buFont typeface="Arial" pitchFamily="34" charset="0"/>
+              <a:buChar char="•"/>
+              <a:defRPr sz="2000" kern="1200">
+                <a:solidFill>
+                  <a:schemeClr val="tx1"/>
+                </a:solidFill>
+                <a:latin typeface="+mn-lt"/>
+                <a:ea typeface="+mn-ea"/>
+                <a:cs typeface="+mn-cs"/>
+              </a:defRPr>
+            </a:lvl6pPr>
+            <a:lvl7pPr marL="2971800" indent="-228600" algn="l" defTabSz="914400" rtl="0" eaLnBrk="1" latinLnBrk="0" hangingPunct="1">
+              <a:spcBef>
+                <a:spcPct val="20000"/>
+              </a:spcBef>
+              <a:buFont typeface="Arial" pitchFamily="34" charset="0"/>
+              <a:buChar char="•"/>
+              <a:defRPr sz="2000" kern="1200">
+                <a:solidFill>
+                  <a:schemeClr val="tx1"/>
+                </a:solidFill>
+                <a:latin typeface="+mn-lt"/>
+                <a:ea typeface="+mn-ea"/>
+                <a:cs typeface="+mn-cs"/>
+              </a:defRPr>
+            </a:lvl7pPr>
+            <a:lvl8pPr marL="3429000" indent="-228600" algn="l" defTabSz="914400" rtl="0" eaLnBrk="1" latinLnBrk="0" hangingPunct="1">
+              <a:spcBef>
+                <a:spcPct val="20000"/>
+              </a:spcBef>
+              <a:buFont typeface="Arial" pitchFamily="34" charset="0"/>
+              <a:buChar char="•"/>
+              <a:defRPr sz="2000" kern="1200">
+                <a:solidFill>
+                  <a:schemeClr val="tx1"/>
+                </a:solidFill>
+                <a:latin typeface="+mn-lt"/>
+                <a:ea typeface="+mn-ea"/>
+                <a:cs typeface="+mn-cs"/>
+              </a:defRPr>
+            </a:lvl8pPr>
+            <a:lvl9pPr marL="3886200" indent="-228600" algn="l" defTabSz="914400" rtl="0" eaLnBrk="1" latinLnBrk="0" hangingPunct="1">
+              <a:spcBef>
+                <a:spcPct val="20000"/>
+              </a:spcBef>
+              <a:buFont typeface="Arial" pitchFamily="34" charset="0"/>
+              <a:buChar char="•"/>
+              <a:defRPr sz="2000" kern="1200">
+                <a:solidFill>
+                  <a:schemeClr val="tx1"/>
+                </a:solidFill>
+                <a:latin typeface="+mn-lt"/>
+                <a:ea typeface="+mn-ea"/>
+                <a:cs typeface="+mn-cs"/>
+              </a:defRPr>
+            </a:lvl9pPr>
+          </a:lstStyle>
+          <a:p>
+            <a:pPr marL="0" indent="0">
+              <a:buFont typeface="Arial" pitchFamily="34" charset="0"/>
+              <a:buNone/>
+            </a:pPr>
+            <a:r>
+              <a:rPr lang="ru-RU" sz="2800" dirty="0"/>
+              <a:t>преобразуется компилятором в (один из вариантов):</a:t>
+            </a:r>
+          </a:p>
+        </p:txBody>
+      </p:sp>
+      <p:sp>
+        <p:nvSpPr>
+          <p:cNvPr id="9" name="Rectangle 8"/>
+          <p:cNvSpPr/>
+          <p:nvPr/>
+        </p:nvSpPr>
+        <p:spPr>
+          <a:xfrm>
+            <a:off x="457200" y="3457599"/>
+            <a:ext cx="8229600" cy="2893100"/>
+          </a:xfrm>
+          <a:prstGeom prst="rect">
+            <a:avLst/>
+          </a:prstGeom>
+          <a:solidFill>
+            <a:schemeClr val="bg1"/>
+          </a:solidFill>
+        </p:spPr>
+        <p:txBody>
+          <a:bodyPr wrap="square">
+            <a:spAutoFit/>
+          </a:bodyPr>
+          <a:lstStyle/>
+          <a:p>
+            <a:r>
+              <a:rPr lang="en-US" sz="1400" dirty="0">
+                <a:solidFill>
+                  <a:srgbClr val="000000"/>
+                </a:solidFill>
+                <a:latin typeface="Consolas" panose="020B0609020204030204" pitchFamily="49" charset="0"/>
+              </a:rPr>
+              <a:t>E enumerator = (collection).GetEnumerator();</a:t>
+            </a:r>
+          </a:p>
+          <a:p>
+            <a:r>
+              <a:rPr lang="en-US" sz="1400" dirty="0">
+                <a:solidFill>
+                  <a:srgbClr val="0000FF"/>
+                </a:solidFill>
+                <a:latin typeface="Consolas" panose="020B0609020204030204" pitchFamily="49" charset="0"/>
+              </a:rPr>
+              <a:t>try</a:t>
+            </a:r>
+            <a:endParaRPr lang="en-US" sz="1400" dirty="0">
+              <a:solidFill>
+                <a:srgbClr val="000000"/>
+              </a:solidFill>
+              <a:latin typeface="Consolas" panose="020B0609020204030204" pitchFamily="49" charset="0"/>
+            </a:endParaRPr>
+          </a:p>
+          <a:p>
+            <a:r>
+              <a:rPr lang="ru-RU" sz="1400" dirty="0">
+                <a:solidFill>
+                  <a:srgbClr val="000000"/>
+                </a:solidFill>
+                <a:latin typeface="Consolas" panose="020B0609020204030204" pitchFamily="49" charset="0"/>
+              </a:rPr>
+              <a:t>{</a:t>
+            </a:r>
+          </a:p>
+          <a:p>
+            <a:r>
+              <a:rPr lang="en-US" sz="1400" dirty="0">
+                <a:solidFill>
+                  <a:srgbClr val="000000"/>
+                </a:solidFill>
+                <a:latin typeface="Consolas" panose="020B0609020204030204" pitchFamily="49" charset="0"/>
+              </a:rPr>
+              <a:t>    </a:t>
+            </a:r>
+            <a:r>
+              <a:rPr lang="en-US" sz="1400" dirty="0">
+                <a:solidFill>
+                  <a:srgbClr val="0000FF"/>
+                </a:solidFill>
+                <a:latin typeface="Consolas" panose="020B0609020204030204" pitchFamily="49" charset="0"/>
+              </a:rPr>
+              <a:t>while</a:t>
+            </a:r>
+            <a:r>
+              <a:rPr lang="en-US" sz="1400" dirty="0">
+                <a:solidFill>
+                  <a:srgbClr val="000000"/>
+                </a:solidFill>
+                <a:latin typeface="Consolas" panose="020B0609020204030204" pitchFamily="49" charset="0"/>
+              </a:rPr>
+              <a:t> (enumerator.MoveNext())</a:t>
+            </a:r>
+          </a:p>
+          <a:p>
+            <a:r>
+              <a:rPr lang="ru-RU" sz="1400" dirty="0">
+                <a:solidFill>
+                  <a:srgbClr val="000000"/>
+                </a:solidFill>
+                <a:latin typeface="Consolas" panose="020B0609020204030204" pitchFamily="49" charset="0"/>
+              </a:rPr>
+              <a:t>    {</a:t>
+            </a:r>
+          </a:p>
+          <a:p>
+            <a:r>
+              <a:rPr lang="en-US" sz="1400" dirty="0">
+                <a:solidFill>
+                  <a:srgbClr val="000000"/>
+                </a:solidFill>
+                <a:latin typeface="Consolas" panose="020B0609020204030204" pitchFamily="49" charset="0"/>
+              </a:rPr>
+              <a:t>        ElementType element = (ElementType)enumerator.Current;</a:t>
+            </a:r>
+          </a:p>
+          <a:p>
+            <a:r>
+              <a:rPr lang="en-US" sz="1400" dirty="0">
+                <a:solidFill>
+                  <a:srgbClr val="000000"/>
+                </a:solidFill>
+                <a:latin typeface="Consolas" panose="020B0609020204030204" pitchFamily="49" charset="0"/>
+              </a:rPr>
+              <a:t>        statement;</a:t>
+            </a:r>
+          </a:p>
+          <a:p>
+            <a:r>
+              <a:rPr lang="ru-RU" sz="1400" dirty="0">
+                <a:solidFill>
+                  <a:srgbClr val="000000"/>
+                </a:solidFill>
+                <a:latin typeface="Consolas" panose="020B0609020204030204" pitchFamily="49" charset="0"/>
+              </a:rPr>
+              <a:t>    }</a:t>
+            </a:r>
+          </a:p>
+          <a:p>
+            <a:r>
+              <a:rPr lang="ru-RU" sz="1400" dirty="0">
+                <a:solidFill>
+                  <a:srgbClr val="000000"/>
+                </a:solidFill>
+                <a:latin typeface="Consolas" panose="020B0609020204030204" pitchFamily="49" charset="0"/>
+              </a:rPr>
+              <a:t>}</a:t>
+            </a:r>
+          </a:p>
+          <a:p>
+            <a:r>
+              <a:rPr lang="en-US" sz="1400" dirty="0">
+                <a:solidFill>
+                  <a:srgbClr val="0000FF"/>
+                </a:solidFill>
+                <a:latin typeface="Consolas" panose="020B0609020204030204" pitchFamily="49" charset="0"/>
+              </a:rPr>
+              <a:t>finally</a:t>
+            </a:r>
+            <a:endParaRPr lang="en-US" sz="1400" dirty="0">
+              <a:solidFill>
+                <a:srgbClr val="000000"/>
+              </a:solidFill>
+              <a:latin typeface="Consolas" panose="020B0609020204030204" pitchFamily="49" charset="0"/>
+            </a:endParaRPr>
+          </a:p>
+          <a:p>
+            <a:r>
+              <a:rPr lang="ru-RU" sz="1400" dirty="0">
+                <a:solidFill>
+                  <a:srgbClr val="000000"/>
+                </a:solidFill>
+                <a:latin typeface="Consolas" panose="020B0609020204030204" pitchFamily="49" charset="0"/>
+              </a:rPr>
+              <a:t>{</a:t>
+            </a:r>
+          </a:p>
+          <a:p>
+            <a:r>
+              <a:rPr lang="en-US" sz="1400" dirty="0">
+                <a:solidFill>
+                  <a:srgbClr val="000000"/>
+                </a:solidFill>
+                <a:latin typeface="Consolas" panose="020B0609020204030204" pitchFamily="49" charset="0"/>
+              </a:rPr>
+              <a:t>    </a:t>
+            </a:r>
+            <a:r>
+              <a:rPr lang="en-US" sz="1400" dirty="0">
+                <a:solidFill>
+                  <a:srgbClr val="0000FF"/>
+                </a:solidFill>
+                <a:latin typeface="Consolas" panose="020B0609020204030204" pitchFamily="49" charset="0"/>
+              </a:rPr>
+              <a:t>if</a:t>
+            </a:r>
+            <a:r>
+              <a:rPr lang="en-US" sz="1400" dirty="0">
+                <a:solidFill>
+                  <a:srgbClr val="000000"/>
+                </a:solidFill>
+                <a:latin typeface="Consolas" panose="020B0609020204030204" pitchFamily="49" charset="0"/>
+              </a:rPr>
+              <a:t> (enumerator != </a:t>
+            </a:r>
+            <a:r>
+              <a:rPr lang="en-US" sz="1400" dirty="0">
+                <a:solidFill>
+                  <a:srgbClr val="0000FF"/>
+                </a:solidFill>
+                <a:latin typeface="Consolas" panose="020B0609020204030204" pitchFamily="49" charset="0"/>
+              </a:rPr>
+              <a:t>null</a:t>
+            </a:r>
+            <a:r>
+              <a:rPr lang="en-US" sz="1400" dirty="0">
+                <a:solidFill>
+                  <a:srgbClr val="000000"/>
+                </a:solidFill>
+                <a:latin typeface="Consolas" panose="020B0609020204030204" pitchFamily="49" charset="0"/>
+              </a:rPr>
+              <a:t>) (</a:t>
+            </a:r>
+            <a:r>
+              <a:rPr lang="ru-RU" sz="1400" dirty="0">
+                <a:solidFill>
+                  <a:srgbClr val="000000"/>
+                </a:solidFill>
+                <a:latin typeface="Consolas" panose="020B0609020204030204" pitchFamily="49" charset="0"/>
+              </a:rPr>
+              <a:t>(</a:t>
+            </a:r>
+            <a:r>
+              <a:rPr lang="en-US" sz="1400" dirty="0">
+                <a:solidFill>
+                  <a:srgbClr val="000000"/>
+                </a:solidFill>
+                <a:latin typeface="Consolas" panose="020B0609020204030204" pitchFamily="49" charset="0"/>
+              </a:rPr>
+              <a:t>System.</a:t>
+            </a:r>
+            <a:r>
+              <a:rPr lang="en-US" sz="1400" dirty="0">
+                <a:solidFill>
+                  <a:srgbClr val="2B91AF"/>
+                </a:solidFill>
+                <a:latin typeface="Consolas" panose="020B0609020204030204" pitchFamily="49" charset="0"/>
+              </a:rPr>
+              <a:t>IDisposable</a:t>
+            </a:r>
+            <a:r>
+              <a:rPr lang="ru-RU" sz="1400" dirty="0">
+                <a:solidFill>
+                  <a:srgbClr val="000000"/>
+                </a:solidFill>
+                <a:latin typeface="Consolas" panose="020B0609020204030204" pitchFamily="49" charset="0"/>
+              </a:rPr>
+              <a:t>)</a:t>
+            </a:r>
+            <a:r>
+              <a:rPr lang="en-US" sz="1400" dirty="0">
+                <a:solidFill>
+                  <a:srgbClr val="000000"/>
+                </a:solidFill>
+                <a:latin typeface="Consolas" panose="020B0609020204030204" pitchFamily="49" charset="0"/>
+              </a:rPr>
+              <a:t> enumerator).Dispose();</a:t>
+            </a:r>
+          </a:p>
+          <a:p>
+            <a:r>
+              <a:rPr lang="ru-RU" sz="1400" dirty="0">
+                <a:solidFill>
+                  <a:srgbClr val="000000"/>
+                </a:solidFill>
+                <a:latin typeface="Consolas" panose="020B0609020204030204" pitchFamily="49" charset="0"/>
+              </a:rPr>
+              <a:t>}</a:t>
+            </a:r>
+            <a:endParaRPr lang="ru-RU" sz="1400" dirty="0"/>
+          </a:p>
+        </p:txBody>
+      </p:sp>
+      <p:sp>
+        <p:nvSpPr>
+          <p:cNvPr id="10" name="TextBox 9"/>
+          <p:cNvSpPr txBox="1"/>
+          <p:nvPr/>
+        </p:nvSpPr>
+        <p:spPr>
+          <a:xfrm>
+            <a:off x="457200" y="6453336"/>
+            <a:ext cx="8229600" cy="307777"/>
+          </a:xfrm>
+          <a:prstGeom prst="rect">
+            <a:avLst/>
+          </a:prstGeom>
+          <a:noFill/>
+        </p:spPr>
+        <p:txBody>
+          <a:bodyPr wrap="square" rtlCol="0">
+            <a:spAutoFit/>
+          </a:bodyPr>
+          <a:lstStyle/>
+          <a:p>
+            <a:r>
+              <a:rPr lang="ru-RU" sz="1400" dirty="0">
+                <a:solidFill>
+                  <a:srgbClr val="FFFF00"/>
+                </a:solidFill>
+              </a:rPr>
+              <a:t>Подробности см. в спецификации </a:t>
+            </a:r>
+            <a:r>
+              <a:rPr lang="en-US" sz="1400" dirty="0">
+                <a:solidFill>
+                  <a:srgbClr val="FFFF00"/>
+                </a:solidFill>
+              </a:rPr>
+              <a:t>C# </a:t>
+            </a:r>
+            <a:r>
+              <a:rPr lang="ru-RU" sz="1400" dirty="0">
+                <a:solidFill>
+                  <a:srgbClr val="FFFF00"/>
+                </a:solidFill>
+              </a:rPr>
+              <a:t>- §8</a:t>
+            </a:r>
+            <a:r>
+              <a:rPr lang="en-US" sz="1400" dirty="0">
+                <a:solidFill>
+                  <a:srgbClr val="FFFF00"/>
+                </a:solidFill>
+              </a:rPr>
+              <a:t>.8.4 The foreach statement</a:t>
+            </a:r>
+            <a:endParaRPr lang="ru-RU" sz="1400" dirty="0">
+              <a:solidFill>
+                <a:srgbClr val="FFFF00"/>
+              </a:solidFill>
+            </a:endParaRPr>
           </a:p>
         </p:txBody>
       </p:sp>
     </p:spTree>
     <p:extLst>
       <p:ext uri="{BB962C8B-B14F-4D97-AF65-F5344CB8AC3E}">
-        <p14:creationId xmlns:p14="http://schemas.microsoft.com/office/powerpoint/2010/main" val="3103245170"/>
+        <p14:creationId xmlns:p14="http://schemas.microsoft.com/office/powerpoint/2010/main" val="202138129"/>
       </p:ext>
     </p:extLst>
   </p:cSld>
@@ -13762,24 +13831,17 @@
           <a:lstStyle/>
           <a:p>
             <a:r>
-              <a:rPr lang="en-US" dirty="0"/>
-              <a:t>Large Object Heap </a:t>
-            </a:r>
-            <a:r>
               <a:rPr lang="ru-RU" dirty="0"/>
-              <a:t>в </a:t>
-            </a:r>
-            <a:r>
-              <a:rPr lang="en-US" dirty="0"/>
-              <a:t>.NET 4.5.1</a:t>
+              <a:t>Куча для больших объектов</a:t>
             </a:r>
             <a:br>
               <a:rPr lang="ru-RU" dirty="0"/>
             </a:br>
             <a:r>
-              <a:rPr lang="ru-RU" dirty="0"/>
-              <a:t>и выше</a:t>
-            </a:r>
+              <a:rPr lang="en-US" dirty="0"/>
+              <a:t>(Large Object Heap – LOH)</a:t>
+            </a:r>
+            <a:endParaRPr lang="ru-RU" dirty="0"/>
           </a:p>
         </p:txBody>
       </p:sp>
@@ -13796,136 +13858,33 @@
         <p:spPr/>
         <p:txBody>
           <a:bodyPr>
-            <a:normAutofit lnSpcReduction="10000"/>
+            <a:normAutofit fontScale="92500" lnSpcReduction="10000"/>
           </a:bodyPr>
           <a:lstStyle/>
           <a:p>
-            <a:pPr marL="0" indent="0">
-              <a:buNone/>
-            </a:pPr>
             <a:r>
               <a:rPr lang="ru-RU" dirty="0"/>
-              <a:t>Добавлена возможность дефрагментации </a:t>
-            </a:r>
-            <a:r>
-              <a:rPr lang="en-US" dirty="0"/>
-              <a:t>LOH </a:t>
-            </a:r>
+              <a:t>Объекты с размером примерно больше 85 килобайт находятся в отдельной куче</a:t>
+            </a:r>
+          </a:p>
+          <a:p>
             <a:r>
               <a:rPr lang="ru-RU" dirty="0"/>
-              <a:t>по запросу.</a:t>
-            </a:r>
-          </a:p>
-          <a:p>
-            <a:pPr marL="0" indent="0">
-              <a:buNone/>
-            </a:pPr>
-            <a:endParaRPr lang="ru-RU" dirty="0"/>
-          </a:p>
-          <a:p>
-            <a:pPr marL="0" indent="0">
-              <a:buNone/>
-            </a:pPr>
-            <a:r>
-              <a:rPr lang="en-US" sz="1600" dirty="0" err="1">
-                <a:latin typeface="Consolas" panose="020B0609020204030204" pitchFamily="49" charset="0"/>
-                <a:cs typeface="Consolas" panose="020B0609020204030204" pitchFamily="49" charset="0"/>
-              </a:rPr>
-              <a:t>GCSettings.LargeObjectHeapCompactionMode</a:t>
-            </a:r>
-            <a:r>
-              <a:rPr lang="en-US" sz="1600" dirty="0">
-                <a:latin typeface="Consolas" panose="020B0609020204030204" pitchFamily="49" charset="0"/>
-                <a:cs typeface="Consolas" panose="020B0609020204030204" pitchFamily="49" charset="0"/>
-              </a:rPr>
-              <a:t> =</a:t>
-            </a:r>
-            <a:br>
-              <a:rPr lang="en-US" sz="1600" dirty="0">
-                <a:latin typeface="Consolas" panose="020B0609020204030204" pitchFamily="49" charset="0"/>
-                <a:cs typeface="Consolas" panose="020B0609020204030204" pitchFamily="49" charset="0"/>
-              </a:rPr>
-            </a:br>
-            <a:r>
-              <a:rPr lang="en-US" sz="1600" dirty="0">
-                <a:latin typeface="Consolas" panose="020B0609020204030204" pitchFamily="49" charset="0"/>
-                <a:cs typeface="Consolas" panose="020B0609020204030204" pitchFamily="49" charset="0"/>
-              </a:rPr>
-              <a:t>              </a:t>
-            </a:r>
-            <a:r>
-              <a:rPr lang="en-US" sz="1600" dirty="0" err="1">
-                <a:latin typeface="Consolas" panose="020B0609020204030204" pitchFamily="49" charset="0"/>
-                <a:cs typeface="Consolas" panose="020B0609020204030204" pitchFamily="49" charset="0"/>
-              </a:rPr>
-              <a:t>GCLargeObjectHeapCompactionMode.CompactOnce</a:t>
-            </a:r>
-            <a:r>
-              <a:rPr lang="en-US" sz="1600" dirty="0">
-                <a:latin typeface="Consolas" panose="020B0609020204030204" pitchFamily="49" charset="0"/>
-                <a:cs typeface="Consolas" panose="020B0609020204030204" pitchFamily="49" charset="0"/>
-              </a:rPr>
-              <a:t>;</a:t>
-            </a:r>
-            <a:br>
-              <a:rPr lang="ru-RU" sz="1600" dirty="0">
-                <a:latin typeface="Consolas" panose="020B0609020204030204" pitchFamily="49" charset="0"/>
-                <a:cs typeface="Consolas" panose="020B0609020204030204" pitchFamily="49" charset="0"/>
-              </a:rPr>
-            </a:br>
-            <a:r>
-              <a:rPr lang="en-US" sz="1600" dirty="0" err="1">
-                <a:latin typeface="Consolas" panose="020B0609020204030204" pitchFamily="49" charset="0"/>
-                <a:cs typeface="Consolas" panose="020B0609020204030204" pitchFamily="49" charset="0"/>
-              </a:rPr>
-              <a:t>GC.Collect</a:t>
-            </a:r>
-            <a:r>
-              <a:rPr lang="en-US" sz="1600" dirty="0">
-                <a:latin typeface="Consolas" panose="020B0609020204030204" pitchFamily="49" charset="0"/>
-                <a:cs typeface="Consolas" panose="020B0609020204030204" pitchFamily="49" charset="0"/>
-              </a:rPr>
-              <a:t>();</a:t>
-            </a:r>
-            <a:endParaRPr lang="ru-RU" sz="1600" dirty="0">
-              <a:latin typeface="Consolas" panose="020B0609020204030204" pitchFamily="49" charset="0"/>
-              <a:cs typeface="Consolas" panose="020B0609020204030204" pitchFamily="49" charset="0"/>
-            </a:endParaRPr>
-          </a:p>
-          <a:p>
-            <a:pPr marL="0" indent="0">
-              <a:buNone/>
-            </a:pPr>
-            <a:endParaRPr lang="ru-RU" dirty="0"/>
-          </a:p>
-          <a:p>
-            <a:pPr marL="0" indent="0">
-              <a:buNone/>
-            </a:pPr>
+              <a:t>Данная куча не дефрагментируется т.к. это бы создало большую нагрузку. Фрагментация может возникнуть при интенсивном использовании памяти (сотни мегабайт) и программа выделяет большие временные объекты.</a:t>
+            </a:r>
+          </a:p>
+          <a:p>
             <a:r>
               <a:rPr lang="ru-RU" dirty="0"/>
-              <a:t>После полной сборки мусора свойство </a:t>
-            </a:r>
-            <a:r>
-              <a:rPr lang="en-US" dirty="0" err="1"/>
-              <a:t>LargeObjectHeapCompactionMode</a:t>
-            </a:r>
-            <a:r>
-              <a:rPr lang="ru-RU" dirty="0"/>
-              <a:t> принимает значение </a:t>
-            </a:r>
-            <a:r>
-              <a:rPr lang="en-US" dirty="0"/>
-              <a:t>Default.</a:t>
-            </a:r>
-            <a:endParaRPr lang="ru-RU" dirty="0"/>
+              <a:t>Объекты в данной куче считаются принадлежащими второму поколению</a:t>
+            </a:r>
           </a:p>
         </p:txBody>
       </p:sp>
     </p:spTree>
     <p:extLst>
       <p:ext uri="{BB962C8B-B14F-4D97-AF65-F5344CB8AC3E}">
-        <p14:creationId xmlns:p14="http://schemas.microsoft.com/office/powerpoint/2010/main" val="4119858216"/>
+        <p14:creationId xmlns:p14="http://schemas.microsoft.com/office/powerpoint/2010/main" val="3103245170"/>
       </p:ext>
     </p:extLst>
   </p:cSld>
@@ -13964,18 +13923,34 @@
         </p:nvSpPr>
         <p:spPr/>
         <p:txBody>
-          <a:bodyPr/>
+          <a:bodyPr>
+            <a:normAutofit fontScale="90000"/>
+          </a:bodyPr>
           <a:lstStyle/>
           <a:p>
             <a:r>
+              <a:rPr lang="en-US" dirty="0"/>
+              <a:t>Large Object Heap </a:t>
+            </a:r>
+            <a:r>
               <a:rPr lang="ru-RU" dirty="0"/>
-              <a:t>Временный запрет </a:t>
+              <a:t>в </a:t>
             </a:r>
             <a:r>
               <a:rPr lang="en-US" dirty="0"/>
-              <a:t>GC (.NET 4.6+)</a:t>
-            </a:r>
-            <a:endParaRPr lang="ru-RU" dirty="0"/>
+              <a:t>.NET 4.5.1</a:t>
+            </a:r>
+            <a:r>
+              <a:rPr lang="ru-RU" dirty="0"/>
+              <a:t/>
+            </a:r>
+            <a:br>
+              <a:rPr lang="ru-RU" dirty="0"/>
+            </a:br>
+            <a:r>
+              <a:rPr lang="ru-RU" dirty="0"/>
+              <a:t>и выше</a:t>
+            </a:r>
           </a:p>
         </p:txBody>
       </p:sp>
@@ -13991,7 +13966,9 @@
         </p:nvSpPr>
         <p:spPr/>
         <p:txBody>
-          <a:bodyPr/>
+          <a:bodyPr>
+            <a:normAutofit lnSpcReduction="10000"/>
+          </a:bodyPr>
           <a:lstStyle/>
           <a:p>
             <a:pPr marL="0" indent="0">
@@ -13999,67 +13976,134 @@
             </a:pPr>
             <a:r>
               <a:rPr lang="ru-RU" dirty="0"/>
-              <a:t>В </a:t>
+              <a:t>Добавлена возможность дефрагментации </a:t>
             </a:r>
             <a:r>
               <a:rPr lang="en-US" dirty="0"/>
-              <a:t>.NET 4.6 </a:t>
+              <a:t>LOH </a:t>
             </a:r>
             <a:r>
               <a:rPr lang="ru-RU" dirty="0"/>
-              <a:t>были добавлены методы</a:t>
-            </a:r>
-            <a:endParaRPr lang="en-US" dirty="0"/>
-          </a:p>
-          <a:p>
-            <a:r>
-              <a:rPr lang="en-US" dirty="0" err="1"/>
-              <a:t>GC.TryStartNoGCRegion</a:t>
-            </a:r>
-            <a:r>
-              <a:rPr lang="ru-RU" dirty="0"/>
-              <a:t>(</a:t>
-            </a:r>
-            <a:r>
-              <a:rPr lang="en-US" dirty="0"/>
-              <a:t>long </a:t>
-            </a:r>
-            <a:r>
-              <a:rPr lang="en-US" dirty="0" err="1"/>
-              <a:t>totalSize</a:t>
-            </a:r>
-            <a:r>
-              <a:rPr lang="ru-RU" dirty="0"/>
-              <a:t>)</a:t>
-            </a:r>
-            <a:endParaRPr lang="en-US" dirty="0"/>
-          </a:p>
-          <a:p>
-            <a:r>
-              <a:rPr lang="en-US" dirty="0" err="1"/>
-              <a:t>GC.EndNoGCRegion</a:t>
-            </a:r>
-            <a:r>
-              <a:rPr lang="ru-RU" dirty="0"/>
-              <a:t>()</a:t>
-            </a:r>
-            <a:endParaRPr lang="en-US" dirty="0"/>
+              <a:t>по запросу.</a:t>
+            </a:r>
           </a:p>
           <a:p>
             <a:pPr marL="0" indent="0">
               <a:buNone/>
             </a:pPr>
+            <a:endParaRPr lang="ru-RU" dirty="0"/>
+          </a:p>
+          <a:p>
+            <a:pPr marL="0" indent="0">
+              <a:buNone/>
+            </a:pPr>
+            <a:r>
+              <a:rPr lang="en-US" sz="1600" dirty="0" err="1">
+                <a:latin typeface="Consolas" panose="020B0609020204030204" pitchFamily="49" charset="0"/>
+                <a:cs typeface="Consolas" panose="020B0609020204030204" pitchFamily="49" charset="0"/>
+              </a:rPr>
+              <a:t>GCSettings.LargeObjectHeapCompactionMode</a:t>
+            </a:r>
+            <a:r>
+              <a:rPr lang="en-US" sz="1600" dirty="0">
+                <a:latin typeface="Consolas" panose="020B0609020204030204" pitchFamily="49" charset="0"/>
+                <a:cs typeface="Consolas" panose="020B0609020204030204" pitchFamily="49" charset="0"/>
+              </a:rPr>
+              <a:t> =</a:t>
+            </a:r>
+            <a:br>
+              <a:rPr lang="en-US" sz="1600" dirty="0">
+                <a:latin typeface="Consolas" panose="020B0609020204030204" pitchFamily="49" charset="0"/>
+                <a:cs typeface="Consolas" panose="020B0609020204030204" pitchFamily="49" charset="0"/>
+              </a:rPr>
+            </a:br>
+            <a:r>
+              <a:rPr lang="en-US" sz="1600" dirty="0">
+                <a:latin typeface="Consolas" panose="020B0609020204030204" pitchFamily="49" charset="0"/>
+                <a:cs typeface="Consolas" panose="020B0609020204030204" pitchFamily="49" charset="0"/>
+              </a:rPr>
+              <a:t>              </a:t>
+            </a:r>
+            <a:r>
+              <a:rPr lang="en-US" sz="1600" dirty="0" err="1">
+                <a:latin typeface="Consolas" panose="020B0609020204030204" pitchFamily="49" charset="0"/>
+                <a:cs typeface="Consolas" panose="020B0609020204030204" pitchFamily="49" charset="0"/>
+              </a:rPr>
+              <a:t>GCLargeObjectHeapCompactionMode.CompactOnce</a:t>
+            </a:r>
+            <a:r>
+              <a:rPr lang="en-US" sz="1600" dirty="0">
+                <a:latin typeface="Consolas" panose="020B0609020204030204" pitchFamily="49" charset="0"/>
+                <a:cs typeface="Consolas" panose="020B0609020204030204" pitchFamily="49" charset="0"/>
+              </a:rPr>
+              <a:t>;</a:t>
+            </a:r>
+            <a:r>
+              <a:rPr lang="ru-RU" sz="1600" dirty="0">
+                <a:latin typeface="Consolas" panose="020B0609020204030204" pitchFamily="49" charset="0"/>
+                <a:cs typeface="Consolas" panose="020B0609020204030204" pitchFamily="49" charset="0"/>
+              </a:rPr>
+              <a:t/>
+            </a:r>
+            <a:br>
+              <a:rPr lang="ru-RU" sz="1600" dirty="0">
+                <a:latin typeface="Consolas" panose="020B0609020204030204" pitchFamily="49" charset="0"/>
+                <a:cs typeface="Consolas" panose="020B0609020204030204" pitchFamily="49" charset="0"/>
+              </a:rPr>
+            </a:br>
+            <a:r>
+              <a:rPr lang="en-US" sz="1600" dirty="0" err="1">
+                <a:latin typeface="Consolas" panose="020B0609020204030204" pitchFamily="49" charset="0"/>
+                <a:cs typeface="Consolas" panose="020B0609020204030204" pitchFamily="49" charset="0"/>
+              </a:rPr>
+              <a:t>GC.Collect</a:t>
+            </a:r>
+            <a:r>
+              <a:rPr lang="en-US" sz="1600" dirty="0">
+                <a:latin typeface="Consolas" panose="020B0609020204030204" pitchFamily="49" charset="0"/>
+                <a:cs typeface="Consolas" panose="020B0609020204030204" pitchFamily="49" charset="0"/>
+              </a:rPr>
+              <a:t>();</a:t>
+            </a:r>
+            <a:endParaRPr lang="ru-RU" sz="1600" dirty="0">
+              <a:latin typeface="Consolas" panose="020B0609020204030204" pitchFamily="49" charset="0"/>
+              <a:cs typeface="Consolas" panose="020B0609020204030204" pitchFamily="49" charset="0"/>
+            </a:endParaRPr>
+          </a:p>
+          <a:p>
+            <a:pPr marL="0" indent="0">
+              <a:buNone/>
+            </a:pPr>
+            <a:endParaRPr lang="ru-RU" dirty="0"/>
+          </a:p>
+          <a:p>
+            <a:pPr marL="0" indent="0">
+              <a:buNone/>
+            </a:pPr>
             <a:r>
               <a:rPr lang="ru-RU" dirty="0"/>
-              <a:t>для временного запрета сборки мусора при условии наличия указанного объема памяти.</a:t>
-            </a:r>
+              <a:t>После полной сборки мусора свойство </a:t>
+            </a:r>
+            <a:r>
+              <a:rPr lang="en-US" dirty="0" err="1"/>
+              <a:t>LargeObjectHeapCompactionMode</a:t>
+            </a:r>
+            <a:r>
+              <a:rPr lang="ru-RU" dirty="0"/>
+              <a:t> принимает значение </a:t>
+            </a:r>
+            <a:r>
+              <a:rPr lang="en-US" dirty="0"/>
+              <a:t>Default.</a:t>
+            </a:r>
+            <a:endParaRPr lang="ru-RU" dirty="0"/>
           </a:p>
         </p:txBody>
       </p:sp>
     </p:spTree>
     <p:extLst>
       <p:ext uri="{BB962C8B-B14F-4D97-AF65-F5344CB8AC3E}">
-        <p14:creationId xmlns:p14="http://schemas.microsoft.com/office/powerpoint/2010/main" val="812672197"/>
+        <p14:creationId xmlns:p14="http://schemas.microsoft.com/office/powerpoint/2010/main" val="4119858216"/>
       </p:ext>
     </p:extLst>
   </p:cSld>
@@ -14103,6 +14147,140 @@
           <a:p>
             <a:r>
               <a:rPr lang="ru-RU" dirty="0"/>
+              <a:t>Временный запрет </a:t>
+            </a:r>
+            <a:r>
+              <a:rPr lang="en-US" dirty="0"/>
+              <a:t>GC (.NET 4.6+)</a:t>
+            </a:r>
+            <a:endParaRPr lang="ru-RU" dirty="0"/>
+          </a:p>
+        </p:txBody>
+      </p:sp>
+      <p:sp>
+        <p:nvSpPr>
+          <p:cNvPr id="3" name="Content Placeholder 2"/>
+          <p:cNvSpPr>
+            <a:spLocks noGrp="1"/>
+          </p:cNvSpPr>
+          <p:nvPr>
+            <p:ph idx="1"/>
+          </p:nvPr>
+        </p:nvSpPr>
+        <p:spPr/>
+        <p:txBody>
+          <a:bodyPr/>
+          <a:lstStyle/>
+          <a:p>
+            <a:pPr marL="0" indent="0">
+              <a:buNone/>
+            </a:pPr>
+            <a:r>
+              <a:rPr lang="ru-RU" dirty="0"/>
+              <a:t>В </a:t>
+            </a:r>
+            <a:r>
+              <a:rPr lang="en-US" dirty="0"/>
+              <a:t>.NET 4.6 </a:t>
+            </a:r>
+            <a:r>
+              <a:rPr lang="ru-RU" dirty="0"/>
+              <a:t>были добавлены методы</a:t>
+            </a:r>
+            <a:endParaRPr lang="en-US" dirty="0"/>
+          </a:p>
+          <a:p>
+            <a:r>
+              <a:rPr lang="en-US" dirty="0" err="1"/>
+              <a:t>GC.TryStartNoGCRegion</a:t>
+            </a:r>
+            <a:r>
+              <a:rPr lang="ru-RU" dirty="0"/>
+              <a:t>(</a:t>
+            </a:r>
+            <a:r>
+              <a:rPr lang="en-US" dirty="0"/>
+              <a:t>long </a:t>
+            </a:r>
+            <a:r>
+              <a:rPr lang="en-US" dirty="0" err="1"/>
+              <a:t>totalSize</a:t>
+            </a:r>
+            <a:r>
+              <a:rPr lang="ru-RU" dirty="0"/>
+              <a:t>)</a:t>
+            </a:r>
+            <a:endParaRPr lang="en-US" dirty="0"/>
+          </a:p>
+          <a:p>
+            <a:r>
+              <a:rPr lang="en-US" dirty="0" err="1"/>
+              <a:t>GC.EndNoGCRegion</a:t>
+            </a:r>
+            <a:r>
+              <a:rPr lang="ru-RU" dirty="0"/>
+              <a:t>()</a:t>
+            </a:r>
+            <a:endParaRPr lang="en-US" dirty="0"/>
+          </a:p>
+          <a:p>
+            <a:pPr marL="0" indent="0">
+              <a:buNone/>
+            </a:pPr>
+            <a:r>
+              <a:rPr lang="ru-RU" dirty="0"/>
+              <a:t>для временного запрета сборки мусора при условии наличия указанного объема памяти.</a:t>
+            </a:r>
+          </a:p>
+        </p:txBody>
+      </p:sp>
+    </p:spTree>
+    <p:extLst>
+      <p:ext uri="{BB962C8B-B14F-4D97-AF65-F5344CB8AC3E}">
+        <p14:creationId xmlns:p14="http://schemas.microsoft.com/office/powerpoint/2010/main" val="812672197"/>
+      </p:ext>
+    </p:extLst>
+  </p:cSld>
+  <p:clrMapOvr>
+    <a:masterClrMapping/>
+  </p:clrMapOvr>
+</p:sld>
+</file>
+
+<file path=ppt/slides/slide28.xml><?xml version="1.0" encoding="utf-8"?>
+<p:sld xmlns:a="http://schemas.openxmlformats.org/drawingml/2006/main" xmlns:r="http://schemas.openxmlformats.org/officeDocument/2006/relationships" xmlns:p="http://schemas.openxmlformats.org/presentationml/2006/main">
+  <p:cSld>
+    <p:spTree>
+      <p:nvGrpSpPr>
+        <p:cNvPr id="1" name=""/>
+        <p:cNvGrpSpPr/>
+        <p:nvPr/>
+      </p:nvGrpSpPr>
+      <p:grpSpPr>
+        <a:xfrm>
+          <a:off x="0" y="0"/>
+          <a:ext cx="0" cy="0"/>
+          <a:chOff x="0" y="0"/>
+          <a:chExt cx="0" cy="0"/>
+        </a:xfrm>
+      </p:grpSpPr>
+      <p:sp>
+        <p:nvSpPr>
+          <p:cNvPr id="2" name="Title 1"/>
+          <p:cNvSpPr>
+            <a:spLocks noGrp="1"/>
+          </p:cNvSpPr>
+          <p:nvPr>
+            <p:ph type="title"/>
+          </p:nvPr>
+        </p:nvSpPr>
+        <p:spPr/>
+        <p:txBody>
+          <a:bodyPr/>
+          <a:lstStyle/>
+          <a:p>
+            <a:r>
+              <a:rPr lang="ru-RU" dirty="0"/>
               <a:t>Конфигурация </a:t>
             </a:r>
             <a:r>
@@ -14234,7 +14412,7 @@
 </p:sld>
 </file>
 
-<file path=ppt/slides/slide28.xml><?xml version="1.0" encoding="utf-8"?>
+<file path=ppt/slides/slide29.xml><?xml version="1.0" encoding="utf-8"?>
 <p:sld xmlns:a="http://schemas.openxmlformats.org/drawingml/2006/main" xmlns:r="http://schemas.openxmlformats.org/officeDocument/2006/relationships" xmlns:p="http://schemas.openxmlformats.org/presentationml/2006/main">
   <p:cSld>
     <p:spTree>
@@ -14297,109 +14475,6 @@
     <p:extLst>
       <p:ext uri="{BB962C8B-B14F-4D97-AF65-F5344CB8AC3E}">
         <p14:creationId xmlns:p14="http://schemas.microsoft.com/office/powerpoint/2010/main" val="12959187"/>
-      </p:ext>
-    </p:extLst>
-  </p:cSld>
-  <p:clrMapOvr>
-    <a:masterClrMapping/>
-  </p:clrMapOvr>
-</p:sld>
-</file>
-
-<file path=ppt/slides/slide29.xml><?xml version="1.0" encoding="utf-8"?>
-<p:sld xmlns:a="http://schemas.openxmlformats.org/drawingml/2006/main" xmlns:r="http://schemas.openxmlformats.org/officeDocument/2006/relationships" xmlns:p="http://schemas.openxmlformats.org/presentationml/2006/main">
-  <p:cSld>
-    <p:spTree>
-      <p:nvGrpSpPr>
-        <p:cNvPr id="1" name=""/>
-        <p:cNvGrpSpPr/>
-        <p:nvPr/>
-      </p:nvGrpSpPr>
-      <p:grpSpPr>
-        <a:xfrm>
-          <a:off x="0" y="0"/>
-          <a:ext cx="0" cy="0"/>
-          <a:chOff x="0" y="0"/>
-          <a:chExt cx="0" cy="0"/>
-        </a:xfrm>
-      </p:grpSpPr>
-      <p:sp>
-        <p:nvSpPr>
-          <p:cNvPr id="2" name="Title 1"/>
-          <p:cNvSpPr>
-            <a:spLocks noGrp="1"/>
-          </p:cNvSpPr>
-          <p:nvPr>
-            <p:ph type="title"/>
-          </p:nvPr>
-        </p:nvSpPr>
-        <p:spPr/>
-        <p:txBody>
-          <a:bodyPr/>
-          <a:lstStyle/>
-          <a:p>
-            <a:r>
-              <a:rPr lang="en-US" dirty="0"/>
-              <a:t>GC </a:t>
-            </a:r>
-            <a:r>
-              <a:rPr lang="ru-RU" dirty="0"/>
-              <a:t>и пароли</a:t>
-            </a:r>
-            <a:endParaRPr lang="en-US" dirty="0"/>
-          </a:p>
-        </p:txBody>
-      </p:sp>
-      <p:sp>
-        <p:nvSpPr>
-          <p:cNvPr id="3" name="Content Placeholder 2"/>
-          <p:cNvSpPr>
-            <a:spLocks noGrp="1"/>
-          </p:cNvSpPr>
-          <p:nvPr>
-            <p:ph idx="1"/>
-          </p:nvPr>
-        </p:nvSpPr>
-        <p:spPr/>
-        <p:txBody>
-          <a:bodyPr/>
-          <a:lstStyle/>
-          <a:p>
-            <a:pPr marL="0" indent="0">
-              <a:buNone/>
-            </a:pPr>
-            <a:r>
-              <a:rPr lang="ru-RU" dirty="0"/>
-              <a:t>Хранение паролей в открытом виде упрощает доступ извне с помощью отладчиков. Дополнительные проблемы создает </a:t>
-            </a:r>
-            <a:r>
-              <a:rPr lang="en-US" dirty="0"/>
-              <a:t>GC </a:t>
-            </a:r>
-            <a:r>
-              <a:rPr lang="ru-RU" dirty="0"/>
-              <a:t>перемещая объекты во время дефрагментации. Для надежного хранения паролей следует использовать класс </a:t>
-            </a:r>
-            <a:r>
-              <a:rPr lang="en-US" dirty="0" err="1"/>
-              <a:t>System.Security.SecureString</a:t>
-            </a:r>
-            <a:r>
-              <a:rPr lang="en-US" dirty="0"/>
-              <a:t>. </a:t>
-            </a:r>
-            <a:r>
-              <a:rPr lang="ru-RU" dirty="0"/>
-              <a:t>Его содержимое хранится в зашифрованном виде и не перемещается сборщиком мусора.</a:t>
-            </a:r>
-            <a:endParaRPr lang="en-US" dirty="0"/>
-          </a:p>
-        </p:txBody>
-      </p:sp>
-    </p:spTree>
-    <p:extLst>
-      <p:ext uri="{BB962C8B-B14F-4D97-AF65-F5344CB8AC3E}">
-        <p14:creationId xmlns:p14="http://schemas.microsoft.com/office/powerpoint/2010/main" val="3139420691"/>
       </p:ext>
     </p:extLst>
   </p:cSld>
@@ -14477,6 +14552,13 @@
   <p:clrMapOvr>
     <a:masterClrMapping/>
   </p:clrMapOvr>
+  <p:timing>
+    <p:tnLst>
+      <p:par>
+        <p:cTn id="1" dur="indefinite" restart="never" nodeType="tmRoot"/>
+      </p:par>
+    </p:tnLst>
+  </p:timing>
 </p:sld>
 </file>
 
@@ -14504,7 +14586,7 @@
             <a:spLocks noGrp="1"/>
           </p:cNvSpPr>
           <p:nvPr>
-            <p:ph type="ctrTitle"/>
+            <p:ph type="title"/>
           </p:nvPr>
         </p:nvSpPr>
         <p:spPr/>
@@ -14513,20 +14595,25 @@
           <a:lstStyle/>
           <a:p>
             <a:r>
+              <a:rPr lang="en-US" dirty="0"/>
+              <a:t>GC </a:t>
+            </a:r>
+            <a:r>
               <a:rPr lang="ru-RU" dirty="0"/>
-              <a:t>Эффективная работа с памятью</a:t>
-            </a:r>
+              <a:t>и пароли</a:t>
+            </a:r>
+            <a:endParaRPr lang="en-US" dirty="0"/>
           </a:p>
         </p:txBody>
       </p:sp>
       <p:sp>
         <p:nvSpPr>
-          <p:cNvPr id="3" name="Subtitle 2"/>
+          <p:cNvPr id="3" name="Content Placeholder 2"/>
           <p:cNvSpPr>
             <a:spLocks noGrp="1"/>
           </p:cNvSpPr>
           <p:nvPr>
-            <p:ph type="subTitle" idx="1"/>
+            <p:ph idx="1"/>
           </p:nvPr>
         </p:nvSpPr>
         <p:spPr/>
@@ -14534,14 +14621,41 @@
           <a:bodyPr/>
           <a:lstStyle/>
           <a:p>
-            <a:endParaRPr lang="ru-RU" dirty="0"/>
+            <a:pPr marL="0" indent="0">
+              <a:buNone/>
+            </a:pPr>
+            <a:r>
+              <a:rPr lang="ru-RU" dirty="0"/>
+              <a:t>Хранение паролей в открытом виде упрощает доступ извне с помощью отладчиков. Дополнительные проблемы создает </a:t>
+            </a:r>
+            <a:r>
+              <a:rPr lang="en-US" dirty="0"/>
+              <a:t>GC </a:t>
+            </a:r>
+            <a:r>
+              <a:rPr lang="ru-RU" dirty="0"/>
+              <a:t>перемещая объекты во время дефрагментации. Для надежного хранения паролей следует использовать класс </a:t>
+            </a:r>
+            <a:r>
+              <a:rPr lang="en-US" dirty="0" err="1"/>
+              <a:t>System.Security.SecureString</a:t>
+            </a:r>
+            <a:r>
+              <a:rPr lang="en-US" dirty="0"/>
+              <a:t>. </a:t>
+            </a:r>
+            <a:r>
+              <a:rPr lang="ru-RU" dirty="0"/>
+              <a:t>Его содержимое хранится в зашифрованном виде и не перемещается сборщиком мусора.</a:t>
+            </a:r>
+            <a:endParaRPr lang="en-US" dirty="0"/>
           </a:p>
         </p:txBody>
       </p:sp>
     </p:spTree>
     <p:extLst>
       <p:ext uri="{BB962C8B-B14F-4D97-AF65-F5344CB8AC3E}">
-        <p14:creationId xmlns:p14="http://schemas.microsoft.com/office/powerpoint/2010/main" val="2886455791"/>
+        <p14:creationId xmlns:p14="http://schemas.microsoft.com/office/powerpoint/2010/main" val="3139420691"/>
       </p:ext>
     </p:extLst>
   </p:cSld>
@@ -14575,6 +14689,77 @@
             <a:spLocks noGrp="1"/>
           </p:cNvSpPr>
           <p:nvPr>
+            <p:ph type="ctrTitle"/>
+          </p:nvPr>
+        </p:nvSpPr>
+        <p:spPr/>
+        <p:txBody>
+          <a:bodyPr/>
+          <a:lstStyle/>
+          <a:p>
+            <a:r>
+              <a:rPr lang="ru-RU" dirty="0"/>
+              <a:t>Эффективная работа с памятью</a:t>
+            </a:r>
+          </a:p>
+        </p:txBody>
+      </p:sp>
+      <p:sp>
+        <p:nvSpPr>
+          <p:cNvPr id="3" name="Subtitle 2"/>
+          <p:cNvSpPr>
+            <a:spLocks noGrp="1"/>
+          </p:cNvSpPr>
+          <p:nvPr>
+            <p:ph type="subTitle" idx="1"/>
+          </p:nvPr>
+        </p:nvSpPr>
+        <p:spPr/>
+        <p:txBody>
+          <a:bodyPr/>
+          <a:lstStyle/>
+          <a:p>
+            <a:endParaRPr lang="ru-RU" dirty="0"/>
+          </a:p>
+        </p:txBody>
+      </p:sp>
+    </p:spTree>
+    <p:extLst>
+      <p:ext uri="{BB962C8B-B14F-4D97-AF65-F5344CB8AC3E}">
+        <p14:creationId xmlns:p14="http://schemas.microsoft.com/office/powerpoint/2010/main" val="2886455791"/>
+      </p:ext>
+    </p:extLst>
+  </p:cSld>
+  <p:clrMapOvr>
+    <a:masterClrMapping/>
+  </p:clrMapOvr>
+</p:sld>
+</file>
+
+<file path=ppt/slides/slide32.xml><?xml version="1.0" encoding="utf-8"?>
+<p:sld xmlns:a="http://schemas.openxmlformats.org/drawingml/2006/main" xmlns:r="http://schemas.openxmlformats.org/officeDocument/2006/relationships" xmlns:p="http://schemas.openxmlformats.org/presentationml/2006/main">
+  <p:cSld>
+    <p:spTree>
+      <p:nvGrpSpPr>
+        <p:cNvPr id="1" name=""/>
+        <p:cNvGrpSpPr/>
+        <p:nvPr/>
+      </p:nvGrpSpPr>
+      <p:grpSpPr>
+        <a:xfrm>
+          <a:off x="0" y="0"/>
+          <a:ext cx="0" cy="0"/>
+          <a:chOff x="0" y="0"/>
+          <a:chExt cx="0" cy="0"/>
+        </a:xfrm>
+      </p:grpSpPr>
+      <p:sp>
+        <p:nvSpPr>
+          <p:cNvPr id="2" name="Title 1"/>
+          <p:cNvSpPr>
+            <a:spLocks noGrp="1"/>
+          </p:cNvSpPr>
+          <p:nvPr>
             <p:ph type="title"/>
           </p:nvPr>
         </p:nvSpPr>
@@ -14700,6 +14885,10 @@
               <a:rPr lang="ru-RU" b="1" u="sng" dirty="0"/>
               <a:t>Ускорить</a:t>
             </a:r>
+            <a:r>
+              <a:rPr lang="ru-RU" b="1" dirty="0"/>
+              <a:t/>
+            </a:r>
             <a:br>
               <a:rPr lang="ru-RU" b="1" dirty="0"/>
             </a:br>
@@ -14738,7 +14927,7 @@
 </p:sld>
 </file>
 
-<file path=ppt/slides/slide32.xml><?xml version="1.0" encoding="utf-8"?>
+<file path=ppt/slides/slide33.xml><?xml version="1.0" encoding="utf-8"?>
 <p:sld xmlns:a="http://schemas.openxmlformats.org/drawingml/2006/main" xmlns:r="http://schemas.openxmlformats.org/officeDocument/2006/relationships" xmlns:p="http://schemas.openxmlformats.org/presentationml/2006/main">
   <p:cSld>
     <p:spTree>
@@ -15752,7 +15941,7 @@
 </p:sld>
 </file>
 
-<file path=ppt/slides/slide33.xml><?xml version="1.0" encoding="utf-8"?>
+<file path=ppt/slides/slide34.xml><?xml version="1.0" encoding="utf-8"?>
 <p:sld xmlns:a="http://schemas.openxmlformats.org/drawingml/2006/main" xmlns:r="http://schemas.openxmlformats.org/officeDocument/2006/relationships" xmlns:p="http://schemas.openxmlformats.org/presentationml/2006/main" show="0">
   <p:cSld>
     <p:spTree>
@@ -15821,10 +16010,18 @@
   <p:clrMapOvr>
     <a:masterClrMapping/>
   </p:clrMapOvr>
+  <mc:AlternateContent xmlns:mc="http://schemas.openxmlformats.org/markup-compatibility/2006">
+    <mc:Choice xmlns:p14="http://schemas.microsoft.com/office/powerpoint/2010/main" Requires="p14">
+      <p:transition spd="slow" p14:dur="2000"/>
+    </mc:Choice>
+    <mc:Fallback>
+      <p:transition spd="slow"/>
+    </mc:Fallback>
+  </mc:AlternateContent>
 </p:sld>
 </file>
 
-<file path=ppt/slides/slide34.xml><?xml version="1.0" encoding="utf-8"?>
+<file path=ppt/slides/slide35.xml><?xml version="1.0" encoding="utf-8"?>
 <p:sld xmlns:a="http://schemas.openxmlformats.org/drawingml/2006/main" xmlns:r="http://schemas.openxmlformats.org/officeDocument/2006/relationships" xmlns:p="http://schemas.openxmlformats.org/presentationml/2006/main">
   <p:cSld>
     <p:spTree>
@@ -15884,7 +16081,7 @@
 </p:sld>
 </file>
 
-<file path=ppt/slides/slide35.xml><?xml version="1.0" encoding="utf-8"?>
+<file path=ppt/slides/slide36.xml><?xml version="1.0" encoding="utf-8"?>
 <p:sld xmlns:a="http://schemas.openxmlformats.org/drawingml/2006/main" xmlns:r="http://schemas.openxmlformats.org/officeDocument/2006/relationships" xmlns:p="http://schemas.openxmlformats.org/presentationml/2006/main">
   <p:cSld>
     <p:spTree>
@@ -16295,6 +16492,16 @@
                 </a:rPr>
                 <a:t>Пользовательское</a:t>
               </a:r>
+              <a:r>
+                <a:rPr lang="ru-RU" kern="0" dirty="0">
+                  <a:solidFill>
+                    <a:srgbClr val="FFFFFF"/>
+                  </a:solidFill>
+                  <a:latin typeface="Arial"/>
+                  <a:cs typeface="Calibri" pitchFamily="34" charset="0"/>
+                </a:rPr>
+                <a:t/>
+              </a:r>
               <a:br>
                 <a:rPr lang="ru-RU" kern="0" dirty="0">
                   <a:solidFill>
@@ -16897,6 +17104,16 @@
                 </a:rPr>
                 <a:t>Системное</a:t>
               </a:r>
+              <a:r>
+                <a:rPr lang="ru-RU" kern="0" dirty="0">
+                  <a:solidFill>
+                    <a:srgbClr val="FFFFFF"/>
+                  </a:solidFill>
+                  <a:latin typeface="Arial"/>
+                  <a:cs typeface="Calibri" pitchFamily="34" charset="0"/>
+                </a:rPr>
+                <a:t/>
+              </a:r>
               <a:br>
                 <a:rPr lang="ru-RU" kern="0" dirty="0">
                   <a:solidFill>
@@ -17050,7 +17267,7 @@
 </p:sld>
 </file>
 
-<file path=ppt/slides/slide36.xml><?xml version="1.0" encoding="utf-8"?>
+<file path=ppt/slides/slide37.xml><?xml version="1.0" encoding="utf-8"?>
 <p:sld xmlns:a="http://schemas.openxmlformats.org/drawingml/2006/main" xmlns:r="http://schemas.openxmlformats.org/officeDocument/2006/relationships" xmlns:p="http://schemas.openxmlformats.org/presentationml/2006/main">
   <p:cSld>
     <p:spTree>
@@ -18361,7 +18578,7 @@
 </p:sld>
 </file>
 
-<file path=ppt/slides/slide37.xml><?xml version="1.0" encoding="utf-8"?>
+<file path=ppt/slides/slide38.xml><?xml version="1.0" encoding="utf-8"?>
 <p:sld xmlns:a="http://schemas.openxmlformats.org/drawingml/2006/main" xmlns:r="http://schemas.openxmlformats.org/officeDocument/2006/relationships" xmlns:p="http://schemas.openxmlformats.org/presentationml/2006/main">
   <p:cSld>
     <p:spTree>
@@ -18404,152 +18621,6 @@
     <p:extLst>
       <p:ext uri="{BB962C8B-B14F-4D97-AF65-F5344CB8AC3E}">
         <p14:creationId xmlns:p14="http://schemas.microsoft.com/office/powerpoint/2010/main" val="833686513"/>
-      </p:ext>
-    </p:extLst>
-  </p:cSld>
-  <p:clrMapOvr>
-    <a:masterClrMapping/>
-  </p:clrMapOvr>
-</p:sld>
-</file>
-
-<file path=ppt/slides/slide38.xml><?xml version="1.0" encoding="utf-8"?>
-<p:sld xmlns:a="http://schemas.openxmlformats.org/drawingml/2006/main" xmlns:r="http://schemas.openxmlformats.org/officeDocument/2006/relationships" xmlns:p="http://schemas.openxmlformats.org/presentationml/2006/main">
-  <p:cSld>
-    <p:spTree>
-      <p:nvGrpSpPr>
-        <p:cNvPr id="1" name=""/>
-        <p:cNvGrpSpPr/>
-        <p:nvPr/>
-      </p:nvGrpSpPr>
-      <p:grpSpPr>
-        <a:xfrm>
-          <a:off x="0" y="0"/>
-          <a:ext cx="0" cy="0"/>
-          <a:chOff x="0" y="0"/>
-          <a:chExt cx="0" cy="0"/>
-        </a:xfrm>
-      </p:grpSpPr>
-      <p:sp>
-        <p:nvSpPr>
-          <p:cNvPr id="2" name="Title 1"/>
-          <p:cNvSpPr>
-            <a:spLocks noGrp="1"/>
-          </p:cNvSpPr>
-          <p:nvPr>
-            <p:ph type="title"/>
-          </p:nvPr>
-        </p:nvSpPr>
-        <p:spPr/>
-        <p:txBody>
-          <a:bodyPr>
-            <a:normAutofit fontScale="90000"/>
-          </a:bodyPr>
-          <a:lstStyle/>
-          <a:p>
-            <a:r>
-              <a:rPr lang="ru-RU" dirty="0"/>
-              <a:t>Мониторинг используемой памяти из кода</a:t>
-            </a:r>
-          </a:p>
-        </p:txBody>
-      </p:sp>
-      <p:sp>
-        <p:nvSpPr>
-          <p:cNvPr id="3" name="Content Placeholder 2"/>
-          <p:cNvSpPr>
-            <a:spLocks noGrp="1"/>
-          </p:cNvSpPr>
-          <p:nvPr>
-            <p:ph idx="1"/>
-          </p:nvPr>
-        </p:nvSpPr>
-        <p:spPr/>
-        <p:txBody>
-          <a:bodyPr/>
-          <a:lstStyle/>
-          <a:p>
-            <a:r>
-              <a:rPr lang="en-US" dirty="0" err="1"/>
-              <a:t>GC.CollectionCount</a:t>
-            </a:r>
-            <a:r>
-              <a:rPr lang="en-US" dirty="0"/>
-              <a:t>(</a:t>
-            </a:r>
-            <a:r>
-              <a:rPr lang="ru-RU" dirty="0"/>
-              <a:t>номерПоколения</a:t>
-            </a:r>
-            <a:r>
-              <a:rPr lang="en-US" dirty="0"/>
-              <a:t>)</a:t>
-            </a:r>
-            <a:r>
-              <a:rPr lang="ru-RU" dirty="0"/>
-              <a:t> – сообщает сколько раз выполнялась сборка мусора для указанного поколения</a:t>
-            </a:r>
-          </a:p>
-          <a:p>
-            <a:r>
-              <a:rPr lang="en-US" dirty="0" err="1"/>
-              <a:t>GC.GetTotalMemory</a:t>
-            </a:r>
-            <a:r>
-              <a:rPr lang="en-US" dirty="0"/>
-              <a:t>(</a:t>
-            </a:r>
-            <a:r>
-              <a:rPr lang="en-US" dirty="0" err="1"/>
-              <a:t>bool</a:t>
-            </a:r>
-            <a:r>
-              <a:rPr lang="en-US" dirty="0"/>
-              <a:t> </a:t>
-            </a:r>
-            <a:r>
-              <a:rPr lang="en-US" dirty="0" err="1"/>
-              <a:t>forceFullCollection</a:t>
-            </a:r>
-            <a:r>
-              <a:rPr lang="en-US" dirty="0"/>
-              <a:t>)</a:t>
-            </a:r>
-            <a:r>
-              <a:rPr lang="ru-RU" dirty="0"/>
-              <a:t> – возвращает кол-во байтов выделенных в куче</a:t>
-            </a:r>
-          </a:p>
-          <a:p>
-            <a:r>
-              <a:rPr lang="en-US" dirty="0" err="1"/>
-              <a:t>Environment.WorkingSet</a:t>
-            </a:r>
-            <a:r>
-              <a:rPr lang="en-US" dirty="0"/>
-              <a:t> – </a:t>
-            </a:r>
-            <a:r>
-              <a:rPr lang="ru-RU" dirty="0"/>
-              <a:t>размер в байтах рабочего множества процесса </a:t>
-            </a:r>
-            <a:r>
-              <a:rPr lang="en-US" dirty="0"/>
-              <a:t>(working set)</a:t>
-            </a:r>
-          </a:p>
-          <a:p>
-            <a:endParaRPr lang="en-US" dirty="0"/>
-          </a:p>
-          <a:p>
-            <a:endParaRPr lang="ru-RU" dirty="0"/>
-          </a:p>
-        </p:txBody>
-      </p:sp>
-    </p:spTree>
-    <p:extLst>
-      <p:ext uri="{BB962C8B-B14F-4D97-AF65-F5344CB8AC3E}">
-        <p14:creationId xmlns:p14="http://schemas.microsoft.com/office/powerpoint/2010/main" val="921719331"/>
       </p:ext>
     </p:extLst>
   </p:cSld>
@@ -18595,7 +18666,7 @@
           <a:p>
             <a:r>
               <a:rPr lang="ru-RU" dirty="0"/>
-              <a:t>Мониторинг используемой памяти внешними средствами</a:t>
+              <a:t>Мониторинг используемой памяти из кода</a:t>
             </a:r>
           </a:p>
         </p:txBody>
@@ -18612,77 +18683,82 @@
         </p:nvSpPr>
         <p:spPr/>
         <p:txBody>
-          <a:bodyPr>
-            <a:normAutofit/>
-          </a:bodyPr>
+          <a:bodyPr/>
           <a:lstStyle/>
           <a:p>
             <a:r>
+              <a:rPr lang="en-US" dirty="0" err="1"/>
+              <a:t>GC.CollectionCount</a:t>
+            </a:r>
+            <a:r>
+              <a:rPr lang="en-US" dirty="0"/>
+              <a:t>(</a:t>
+            </a:r>
+            <a:r>
               <a:rPr lang="ru-RU" dirty="0"/>
-              <a:t>Счетчики  производительности</a:t>
-            </a:r>
-            <a:endParaRPr lang="en-US" dirty="0"/>
-          </a:p>
-          <a:p>
-            <a:pPr lvl="1"/>
+              <a:t>номерПоколения</a:t>
+            </a:r>
             <a:r>
               <a:rPr lang="en-US" dirty="0"/>
-              <a:t>Performance Monitor</a:t>
+              <a:t>)</a:t>
             </a:r>
             <a:r>
               <a:rPr lang="ru-RU" dirty="0"/>
-              <a:t> (</a:t>
+              <a:t> – сообщает сколько раз выполнялась сборка мусора для указанного поколения</a:t>
+            </a:r>
+          </a:p>
+          <a:p>
+            <a:r>
+              <a:rPr lang="en-US" dirty="0" err="1"/>
+              <a:t>GC.GetTotalMemory</a:t>
             </a:r>
             <a:r>
               <a:rPr lang="en-US" dirty="0"/>
-              <a:t>Control Panel \ Administrative Tools)</a:t>
-            </a:r>
-          </a:p>
-          <a:p>
-            <a:pPr lvl="1"/>
-            <a:r>
-              <a:rPr lang="en-US" dirty="0"/>
-              <a:t>Process Explorer</a:t>
-            </a:r>
-            <a:br>
-              <a:rPr lang="en-US" dirty="0"/>
-            </a:br>
-            <a:r>
-              <a:rPr lang="en-US" dirty="0">
-                <a:hlinkClick r:id="rId2"/>
-              </a:rPr>
-              <a:t>http://technet.microsoft.com/en-us/sysinternals/bb896653</a:t>
-            </a:r>
-            <a:endParaRPr lang="en-US" dirty="0"/>
-          </a:p>
-          <a:p>
-            <a:r>
-              <a:rPr lang="en-US" dirty="0"/>
-              <a:t>Microsoft </a:t>
+              <a:t>(</a:t>
             </a:r>
             <a:r>
               <a:rPr lang="en-US" dirty="0" err="1"/>
-              <a:t>PerfView</a:t>
-            </a:r>
-            <a:endParaRPr lang="en-US" dirty="0"/>
-          </a:p>
-          <a:p>
-            <a:r>
-              <a:rPr lang="en-US" dirty="0" err="1"/>
-              <a:t>dotMemory</a:t>
+              <a:t>bool</a:t>
             </a:r>
             <a:r>
               <a:rPr lang="en-US" dirty="0"/>
               <a:t> </a:t>
             </a:r>
             <a:r>
+              <a:rPr lang="en-US" dirty="0" err="1"/>
+              <a:t>forceFullCollection</a:t>
+            </a:r>
+            <a:r>
+              <a:rPr lang="en-US" dirty="0"/>
+              <a:t>)</a:t>
+            </a:r>
+            <a:r>
               <a:rPr lang="ru-RU" dirty="0"/>
-              <a:t>от </a:t>
+              <a:t> – возвращает кол-во байтов выделенных в куче</a:t>
+            </a:r>
+          </a:p>
+          <a:p>
+            <a:r>
+              <a:rPr lang="en-US" dirty="0" err="1"/>
+              <a:t>Environment.WorkingSet</a:t>
             </a:r>
             <a:r>
               <a:rPr lang="en-US" dirty="0"/>
-              <a:t>JetBrains</a:t>
-            </a:r>
+              <a:t> – </a:t>
+            </a:r>
+            <a:r>
+              <a:rPr lang="ru-RU" dirty="0"/>
+              <a:t>размер в байтах рабочего множества процесса </a:t>
+            </a:r>
+            <a:r>
+              <a:rPr lang="en-US" dirty="0"/>
+              <a:t>(working set)</a:t>
+            </a:r>
+          </a:p>
+          <a:p>
+            <a:endParaRPr lang="en-US" dirty="0"/>
+          </a:p>
+          <a:p>
             <a:endParaRPr lang="ru-RU" dirty="0"/>
           </a:p>
         </p:txBody>
@@ -18690,7 +18766,7 @@
     </p:spTree>
     <p:extLst>
       <p:ext uri="{BB962C8B-B14F-4D97-AF65-F5344CB8AC3E}">
-        <p14:creationId xmlns:p14="http://schemas.microsoft.com/office/powerpoint/2010/main" val="2842368969"/>
+        <p14:creationId xmlns:p14="http://schemas.microsoft.com/office/powerpoint/2010/main" val="921719331"/>
       </p:ext>
     </p:extLst>
   </p:cSld>
@@ -18701,7 +18777,7 @@
 </file>
 
 <file path=ppt/slides/slide4.xml><?xml version="1.0" encoding="utf-8"?>
-<p:sld xmlns:a="http://schemas.openxmlformats.org/drawingml/2006/main" xmlns:r="http://schemas.openxmlformats.org/officeDocument/2006/relationships" xmlns:p="http://schemas.openxmlformats.org/presentationml/2006/main" show="0">
+<p:sld xmlns:a="http://schemas.openxmlformats.org/drawingml/2006/main" xmlns:r="http://schemas.openxmlformats.org/officeDocument/2006/relationships" xmlns:p="http://schemas.openxmlformats.org/presentationml/2006/main">
   <p:cSld>
     <p:spTree>
       <p:nvGrpSpPr>
@@ -18719,7 +18795,7 @@
       </p:grpSpPr>
       <p:sp>
         <p:nvSpPr>
-          <p:cNvPr id="2" name="Title 1"/>
+          <p:cNvPr id="4" name="Title 3"/>
           <p:cNvSpPr>
             <a:spLocks noGrp="1"/>
           </p:cNvSpPr>
@@ -18733,16 +18809,24 @@
           <a:lstStyle/>
           <a:p>
             <a:r>
-              <a:rPr lang="en-US" dirty="0" err="1"/>
-              <a:t>WeakReference</a:t>
-            </a:r>
-            <a:endParaRPr lang="en-US" dirty="0"/>
+              <a:rPr lang="ru-RU" dirty="0" smtClean="0"/>
+              <a:t>Куча </a:t>
+            </a:r>
+            <a:r>
+              <a:rPr lang="en-US" dirty="0" smtClean="0"/>
+              <a:t>vs </a:t>
+            </a:r>
+            <a:r>
+              <a:rPr lang="ru-RU" dirty="0" smtClean="0"/>
+              <a:t>Стек</a:t>
+            </a:r>
+            <a:endParaRPr lang="ru-RU" dirty="0"/>
           </a:p>
         </p:txBody>
       </p:sp>
       <p:sp>
         <p:nvSpPr>
-          <p:cNvPr id="3" name="Content Placeholder 2"/>
+          <p:cNvPr id="5" name="Content Placeholder 4"/>
           <p:cNvSpPr>
             <a:spLocks noGrp="1"/>
           </p:cNvSpPr>
@@ -18752,23 +18836,123 @@
         </p:nvSpPr>
         <p:spPr/>
         <p:txBody>
-          <a:bodyPr/>
+          <a:bodyPr>
+            <a:normAutofit fontScale="62500" lnSpcReduction="20000"/>
+          </a:bodyPr>
           <a:lstStyle/>
           <a:p>
-            <a:endParaRPr lang="en-US"/>
+            <a:r>
+              <a:rPr lang="ru-RU" dirty="0" smtClean="0"/>
+              <a:t>Куча это память общего назначения</a:t>
+            </a:r>
+            <a:br>
+              <a:rPr lang="ru-RU" dirty="0" smtClean="0"/>
+            </a:br>
+            <a:r>
+              <a:rPr lang="ru-RU" sz="2400" dirty="0" smtClean="0"/>
+              <a:t>Существует все время пока работает прииложение</a:t>
+            </a:r>
+          </a:p>
+          <a:p>
+            <a:endParaRPr lang="ru-RU" dirty="0" smtClean="0"/>
+          </a:p>
+          <a:p>
+            <a:r>
+              <a:rPr lang="ru-RU" dirty="0" smtClean="0"/>
+              <a:t>Стек – область памяти для данных используемых в методах</a:t>
+            </a:r>
+          </a:p>
+          <a:p>
+            <a:endParaRPr lang="ru-RU" dirty="0" smtClean="0"/>
+          </a:p>
+          <a:p>
+            <a:r>
+              <a:rPr lang="ru-RU" dirty="0" smtClean="0"/>
+              <a:t>Каждый метод резервирует </a:t>
+            </a:r>
+            <a:r>
+              <a:rPr lang="en-US" dirty="0" smtClean="0"/>
+              <a:t>(push) </a:t>
+            </a:r>
+            <a:r>
+              <a:rPr lang="ru-RU" dirty="0" smtClean="0"/>
+              <a:t>место на стеке для локальных переменных</a:t>
+            </a:r>
+          </a:p>
+          <a:p>
+            <a:endParaRPr lang="ru-RU" dirty="0" smtClean="0"/>
+          </a:p>
+          <a:p>
+            <a:r>
+              <a:rPr lang="ru-RU" dirty="0" smtClean="0"/>
+              <a:t>Освобождает </a:t>
+            </a:r>
+            <a:r>
+              <a:rPr lang="en-US" dirty="0" smtClean="0"/>
+              <a:t>(pop)</a:t>
+            </a:r>
+            <a:r>
+              <a:rPr lang="ru-RU" dirty="0" smtClean="0"/>
+              <a:t> при завершении метода</a:t>
+            </a:r>
+            <a:br>
+              <a:rPr lang="ru-RU" dirty="0" smtClean="0"/>
+            </a:br>
+            <a:r>
+              <a:rPr lang="ru-RU" sz="2500" dirty="0"/>
+              <a:t>Данные на </a:t>
+            </a:r>
+            <a:r>
+              <a:rPr lang="ru-RU" sz="2500" dirty="0" smtClean="0"/>
+              <a:t>стеке существуют пока выполняется метод</a:t>
+            </a:r>
+          </a:p>
+          <a:p>
+            <a:endParaRPr lang="ru-RU" dirty="0" smtClean="0"/>
+          </a:p>
+          <a:p>
+            <a:r>
+              <a:rPr lang="ru-RU" dirty="0" smtClean="0"/>
+              <a:t>Значимые типы</a:t>
+            </a:r>
+            <a:r>
+              <a:rPr lang="en-US" dirty="0" smtClean="0"/>
+              <a:t> </a:t>
+            </a:r>
+            <a:r>
+              <a:rPr lang="ru-RU" dirty="0" smtClean="0"/>
+              <a:t>являются "целыми" данными и следовательно размещаются непосредственно в стеке</a:t>
+            </a:r>
+          </a:p>
+          <a:p>
+            <a:endParaRPr lang="ru-RU" dirty="0" smtClean="0"/>
+          </a:p>
+          <a:p>
+            <a:r>
+              <a:rPr lang="ru-RU" dirty="0" smtClean="0"/>
+              <a:t>Выделение и освобождене очень дешево, но общий объем ограничен</a:t>
+            </a:r>
+            <a:endParaRPr lang="ru-RU" dirty="0"/>
           </a:p>
         </p:txBody>
       </p:sp>
     </p:spTree>
     <p:extLst>
       <p:ext uri="{BB962C8B-B14F-4D97-AF65-F5344CB8AC3E}">
-        <p14:creationId xmlns:p14="http://schemas.microsoft.com/office/powerpoint/2010/main" val="1186899550"/>
+        <p14:creationId xmlns:p14="http://schemas.microsoft.com/office/powerpoint/2010/main" val="1609881174"/>
       </p:ext>
     </p:extLst>
   </p:cSld>
   <p:clrMapOvr>
     <a:masterClrMapping/>
   </p:clrMapOvr>
+  <p:timing>
+    <p:tnLst>
+      <p:par>
+        <p:cTn id="1" dur="indefinite" restart="never" nodeType="tmRoot"/>
+      </p:par>
+    </p:tnLst>
+  </p:timing>
 </p:sld>
 </file>
 
@@ -18801,6 +18985,147 @@
         </p:nvSpPr>
         <p:spPr/>
         <p:txBody>
+          <a:bodyPr>
+            <a:normAutofit fontScale="90000"/>
+          </a:bodyPr>
+          <a:lstStyle/>
+          <a:p>
+            <a:r>
+              <a:rPr lang="ru-RU" dirty="0"/>
+              <a:t>Мониторинг используемой памяти внешними средствами</a:t>
+            </a:r>
+          </a:p>
+        </p:txBody>
+      </p:sp>
+      <p:sp>
+        <p:nvSpPr>
+          <p:cNvPr id="3" name="Content Placeholder 2"/>
+          <p:cNvSpPr>
+            <a:spLocks noGrp="1"/>
+          </p:cNvSpPr>
+          <p:nvPr>
+            <p:ph idx="1"/>
+          </p:nvPr>
+        </p:nvSpPr>
+        <p:spPr/>
+        <p:txBody>
+          <a:bodyPr>
+            <a:normAutofit/>
+          </a:bodyPr>
+          <a:lstStyle/>
+          <a:p>
+            <a:r>
+              <a:rPr lang="ru-RU" dirty="0"/>
+              <a:t>Счетчики  производительности</a:t>
+            </a:r>
+            <a:endParaRPr lang="en-US" dirty="0"/>
+          </a:p>
+          <a:p>
+            <a:pPr lvl="1"/>
+            <a:r>
+              <a:rPr lang="en-US" dirty="0"/>
+              <a:t>Performance Monitor</a:t>
+            </a:r>
+            <a:r>
+              <a:rPr lang="ru-RU" dirty="0"/>
+              <a:t> (</a:t>
+            </a:r>
+            <a:r>
+              <a:rPr lang="en-US" dirty="0"/>
+              <a:t>Control Panel \ Administrative Tools)</a:t>
+            </a:r>
+          </a:p>
+          <a:p>
+            <a:pPr lvl="1"/>
+            <a:r>
+              <a:rPr lang="en-US" dirty="0"/>
+              <a:t>Process Explorer</a:t>
+            </a:r>
+            <a:br>
+              <a:rPr lang="en-US" dirty="0"/>
+            </a:br>
+            <a:r>
+              <a:rPr lang="en-US" dirty="0">
+                <a:hlinkClick r:id="rId2"/>
+              </a:rPr>
+              <a:t>http://technet.microsoft.com/en-us/sysinternals/bb896653</a:t>
+            </a:r>
+            <a:endParaRPr lang="en-US" dirty="0"/>
+          </a:p>
+          <a:p>
+            <a:r>
+              <a:rPr lang="en-US" dirty="0"/>
+              <a:t>Microsoft </a:t>
+            </a:r>
+            <a:r>
+              <a:rPr lang="en-US" dirty="0" err="1"/>
+              <a:t>PerfView</a:t>
+            </a:r>
+            <a:endParaRPr lang="en-US" dirty="0"/>
+          </a:p>
+          <a:p>
+            <a:r>
+              <a:rPr lang="en-US" dirty="0" err="1"/>
+              <a:t>dotMemory</a:t>
+            </a:r>
+            <a:r>
+              <a:rPr lang="en-US" dirty="0"/>
+              <a:t> </a:t>
+            </a:r>
+            <a:r>
+              <a:rPr lang="ru-RU" dirty="0"/>
+              <a:t>от </a:t>
+            </a:r>
+            <a:r>
+              <a:rPr lang="en-US" dirty="0"/>
+              <a:t>JetBrains</a:t>
+            </a:r>
+            <a:endParaRPr lang="ru-RU" dirty="0"/>
+          </a:p>
+        </p:txBody>
+      </p:sp>
+    </p:spTree>
+    <p:extLst>
+      <p:ext uri="{BB962C8B-B14F-4D97-AF65-F5344CB8AC3E}">
+        <p14:creationId xmlns:p14="http://schemas.microsoft.com/office/powerpoint/2010/main" val="2842368969"/>
+      </p:ext>
+    </p:extLst>
+  </p:cSld>
+  <p:clrMapOvr>
+    <a:masterClrMapping/>
+  </p:clrMapOvr>
+</p:sld>
+</file>
+
+<file path=ppt/slides/slide41.xml><?xml version="1.0" encoding="utf-8"?>
+<p:sld xmlns:a="http://schemas.openxmlformats.org/drawingml/2006/main" xmlns:r="http://schemas.openxmlformats.org/officeDocument/2006/relationships" xmlns:p="http://schemas.openxmlformats.org/presentationml/2006/main">
+  <p:cSld>
+    <p:spTree>
+      <p:nvGrpSpPr>
+        <p:cNvPr id="1" name=""/>
+        <p:cNvGrpSpPr/>
+        <p:nvPr/>
+      </p:nvGrpSpPr>
+      <p:grpSpPr>
+        <a:xfrm>
+          <a:off x="0" y="0"/>
+          <a:ext cx="0" cy="0"/>
+          <a:chOff x="0" y="0"/>
+          <a:chExt cx="0" cy="0"/>
+        </a:xfrm>
+      </p:grpSpPr>
+      <p:sp>
+        <p:nvSpPr>
+          <p:cNvPr id="2" name="Title 1"/>
+          <p:cNvSpPr>
+            <a:spLocks noGrp="1"/>
+          </p:cNvSpPr>
+          <p:nvPr>
+            <p:ph type="title"/>
+          </p:nvPr>
+        </p:nvSpPr>
+        <p:spPr/>
+        <p:txBody>
           <a:bodyPr/>
           <a:lstStyle/>
           <a:p>
@@ -18939,7 +19264,7 @@
 </p:sld>
 </file>
 
-<file path=ppt/slides/slide41.xml><?xml version="1.0" encoding="utf-8"?>
+<file path=ppt/slides/slide42.xml><?xml version="1.0" encoding="utf-8"?>
 <p:sld xmlns:a="http://schemas.openxmlformats.org/drawingml/2006/main" xmlns:r="http://schemas.openxmlformats.org/officeDocument/2006/relationships" xmlns:p="http://schemas.openxmlformats.org/presentationml/2006/main">
   <p:cSld>
     <p:spTree>
@@ -18982,6 +19307,10 @@
               <a:rPr lang="ru-RU" sz="2400" dirty="0"/>
               <a:t>Счетчики производительности для мониторинга памяти</a:t>
             </a:r>
+            <a:r>
+              <a:rPr lang="en-US" sz="2400" dirty="0"/>
+              <a:t/>
+            </a:r>
             <a:br>
               <a:rPr lang="en-US" sz="2400" dirty="0"/>
             </a:br>
@@ -19031,14 +19360,14 @@
                 <a:gridCol w="3312368">
                   <a:extLst>
                     <a:ext uri="{9D8B030D-6E8A-4147-A177-3AD203B41FA5}">
-                      <a16:colId xmlns:a16="http://schemas.microsoft.com/office/drawing/2014/main" val="20000"/>
+                      <a16:colId xmlns:a16="http://schemas.microsoft.com/office/drawing/2014/main" xmlns="" val="20000"/>
                     </a:ext>
                   </a:extLst>
                 </a:gridCol>
                 <a:gridCol w="4896544">
                   <a:extLst>
                     <a:ext uri="{9D8B030D-6E8A-4147-A177-3AD203B41FA5}">
-                      <a16:colId xmlns:a16="http://schemas.microsoft.com/office/drawing/2014/main" val="20001"/>
+                      <a16:colId xmlns:a16="http://schemas.microsoft.com/office/drawing/2014/main" xmlns="" val="20001"/>
                     </a:ext>
                   </a:extLst>
                 </a:gridCol>
@@ -19346,7 +19675,7 @@
                 </a:tc>
                 <a:extLst>
                   <a:ext uri="{0D108BD9-81ED-4DB2-BD59-A6C34878D82A}">
-                    <a16:rowId xmlns:a16="http://schemas.microsoft.com/office/drawing/2014/main" val="10000"/>
+                    <a16:rowId xmlns:a16="http://schemas.microsoft.com/office/drawing/2014/main" xmlns="" val="10000"/>
                   </a:ext>
                 </a:extLst>
               </a:tr>
@@ -19666,7 +19995,7 @@
                 </a:tc>
                 <a:extLst>
                   <a:ext uri="{0D108BD9-81ED-4DB2-BD59-A6C34878D82A}">
-                    <a16:rowId xmlns:a16="http://schemas.microsoft.com/office/drawing/2014/main" val="10001"/>
+                    <a16:rowId xmlns:a16="http://schemas.microsoft.com/office/drawing/2014/main" xmlns="" val="10001"/>
                   </a:ext>
                 </a:extLst>
               </a:tr>
@@ -19992,7 +20321,7 @@
                 </a:tc>
                 <a:extLst>
                   <a:ext uri="{0D108BD9-81ED-4DB2-BD59-A6C34878D82A}">
-                    <a16:rowId xmlns:a16="http://schemas.microsoft.com/office/drawing/2014/main" val="10002"/>
+                    <a16:rowId xmlns:a16="http://schemas.microsoft.com/office/drawing/2014/main" xmlns="" val="10002"/>
                   </a:ext>
                 </a:extLst>
               </a:tr>
@@ -20334,7 +20663,7 @@
                 </a:tc>
                 <a:extLst>
                   <a:ext uri="{0D108BD9-81ED-4DB2-BD59-A6C34878D82A}">
-                    <a16:rowId xmlns:a16="http://schemas.microsoft.com/office/drawing/2014/main" val="10003"/>
+                    <a16:rowId xmlns:a16="http://schemas.microsoft.com/office/drawing/2014/main" xmlns="" val="10003"/>
                   </a:ext>
                 </a:extLst>
               </a:tr>
@@ -20652,7 +20981,7 @@
                 </a:tc>
                 <a:extLst>
                   <a:ext uri="{0D108BD9-81ED-4DB2-BD59-A6C34878D82A}">
-                    <a16:rowId xmlns:a16="http://schemas.microsoft.com/office/drawing/2014/main" val="10004"/>
+                    <a16:rowId xmlns:a16="http://schemas.microsoft.com/office/drawing/2014/main" xmlns="" val="10004"/>
                   </a:ext>
                 </a:extLst>
               </a:tr>
@@ -21011,7 +21340,7 @@
                 </a:tc>
                 <a:extLst>
                   <a:ext uri="{0D108BD9-81ED-4DB2-BD59-A6C34878D82A}">
-                    <a16:rowId xmlns:a16="http://schemas.microsoft.com/office/drawing/2014/main" val="10005"/>
+                    <a16:rowId xmlns:a16="http://schemas.microsoft.com/office/drawing/2014/main" xmlns="" val="10005"/>
                   </a:ext>
                 </a:extLst>
               </a:tr>
@@ -21372,7 +21701,7 @@
                 </a:tc>
                 <a:extLst>
                   <a:ext uri="{0D108BD9-81ED-4DB2-BD59-A6C34878D82A}">
-                    <a16:rowId xmlns:a16="http://schemas.microsoft.com/office/drawing/2014/main" val="10006"/>
+                    <a16:rowId xmlns:a16="http://schemas.microsoft.com/office/drawing/2014/main" xmlns="" val="10006"/>
                   </a:ext>
                 </a:extLst>
               </a:tr>
@@ -21731,7 +22060,7 @@
                 </a:tc>
                 <a:extLst>
                   <a:ext uri="{0D108BD9-81ED-4DB2-BD59-A6C34878D82A}">
-                    <a16:rowId xmlns:a16="http://schemas.microsoft.com/office/drawing/2014/main" val="10007"/>
+                    <a16:rowId xmlns:a16="http://schemas.microsoft.com/office/drawing/2014/main" xmlns="" val="10007"/>
                   </a:ext>
                 </a:extLst>
               </a:tr>
@@ -22035,7 +22364,7 @@
                 </a:tc>
                 <a:extLst>
                   <a:ext uri="{0D108BD9-81ED-4DB2-BD59-A6C34878D82A}">
-                    <a16:rowId xmlns:a16="http://schemas.microsoft.com/office/drawing/2014/main" val="10008"/>
+                    <a16:rowId xmlns:a16="http://schemas.microsoft.com/office/drawing/2014/main" xmlns="" val="10008"/>
                   </a:ext>
                 </a:extLst>
               </a:tr>
@@ -22339,7 +22668,7 @@
                 </a:tc>
                 <a:extLst>
                   <a:ext uri="{0D108BD9-81ED-4DB2-BD59-A6C34878D82A}">
-                    <a16:rowId xmlns:a16="http://schemas.microsoft.com/office/drawing/2014/main" val="10009"/>
+                    <a16:rowId xmlns:a16="http://schemas.microsoft.com/office/drawing/2014/main" xmlns="" val="10009"/>
                   </a:ext>
                 </a:extLst>
               </a:tr>
@@ -22499,7 +22828,7 @@
                 </a:tc>
                 <a:extLst>
                   <a:ext uri="{0D108BD9-81ED-4DB2-BD59-A6C34878D82A}">
-                    <a16:rowId xmlns:a16="http://schemas.microsoft.com/office/drawing/2014/main" val="10010"/>
+                    <a16:rowId xmlns:a16="http://schemas.microsoft.com/office/drawing/2014/main" xmlns="" val="10010"/>
                   </a:ext>
                 </a:extLst>
               </a:tr>
@@ -22651,7 +22980,7 @@
                 </a:tc>
                 <a:extLst>
                   <a:ext uri="{0D108BD9-81ED-4DB2-BD59-A6C34878D82A}">
-                    <a16:rowId xmlns:a16="http://schemas.microsoft.com/office/drawing/2014/main" val="10011"/>
+                    <a16:rowId xmlns:a16="http://schemas.microsoft.com/office/drawing/2014/main" xmlns="" val="10011"/>
                   </a:ext>
                 </a:extLst>
               </a:tr>
@@ -22811,7 +23140,7 @@
                 </a:tc>
                 <a:extLst>
                   <a:ext uri="{0D108BD9-81ED-4DB2-BD59-A6C34878D82A}">
-                    <a16:rowId xmlns:a16="http://schemas.microsoft.com/office/drawing/2014/main" val="10012"/>
+                    <a16:rowId xmlns:a16="http://schemas.microsoft.com/office/drawing/2014/main" xmlns="" val="10012"/>
                   </a:ext>
                 </a:extLst>
               </a:tr>
@@ -22971,7 +23300,7 @@
                 </a:tc>
                 <a:extLst>
                   <a:ext uri="{0D108BD9-81ED-4DB2-BD59-A6C34878D82A}">
-                    <a16:rowId xmlns:a16="http://schemas.microsoft.com/office/drawing/2014/main" val="10013"/>
+                    <a16:rowId xmlns:a16="http://schemas.microsoft.com/office/drawing/2014/main" xmlns="" val="10013"/>
                   </a:ext>
                 </a:extLst>
               </a:tr>
@@ -23008,6 +23337,17 @@
                           <a:cs typeface="Consolas" panose="020B0609020204030204" pitchFamily="49" charset="0"/>
                         </a:rPr>
                         <a:t>Gen 1,2 heap size</a:t>
+                      </a:r>
+                      <a:r>
+                        <a:rPr lang="ru-RU" sz="1400" b="1" i="0" u="none" strike="noStrike" dirty="0">
+                          <a:solidFill>
+                            <a:schemeClr val="bg1"/>
+                          </a:solidFill>
+                          <a:effectLst/>
+                          <a:latin typeface="+mn-lt"/>
+                          <a:cs typeface="Consolas" panose="020B0609020204030204" pitchFamily="49" charset="0"/>
+                        </a:rPr>
+                        <a:t/>
                       </a:r>
                       <a:br>
                         <a:rPr lang="ru-RU" sz="1400" b="1" i="0" u="none" strike="noStrike" dirty="0">
@@ -23201,7 +23541,7 @@
                 </a:tc>
                 <a:extLst>
                   <a:ext uri="{0D108BD9-81ED-4DB2-BD59-A6C34878D82A}">
-                    <a16:rowId xmlns:a16="http://schemas.microsoft.com/office/drawing/2014/main" val="10014"/>
+                    <a16:rowId xmlns:a16="http://schemas.microsoft.com/office/drawing/2014/main" xmlns="" val="10014"/>
                   </a:ext>
                 </a:extLst>
               </a:tr>
@@ -23353,7 +23693,7 @@
                 </a:tc>
                 <a:extLst>
                   <a:ext uri="{0D108BD9-81ED-4DB2-BD59-A6C34878D82A}">
-                    <a16:rowId xmlns:a16="http://schemas.microsoft.com/office/drawing/2014/main" val="10015"/>
+                    <a16:rowId xmlns:a16="http://schemas.microsoft.com/office/drawing/2014/main" xmlns="" val="10015"/>
                   </a:ext>
                 </a:extLst>
               </a:tr>
@@ -23524,7 +23864,7 @@
                 </a:tc>
                 <a:extLst>
                   <a:ext uri="{0D108BD9-81ED-4DB2-BD59-A6C34878D82A}">
-                    <a16:rowId xmlns:a16="http://schemas.microsoft.com/office/drawing/2014/main" val="10016"/>
+                    <a16:rowId xmlns:a16="http://schemas.microsoft.com/office/drawing/2014/main" xmlns="" val="10016"/>
                   </a:ext>
                 </a:extLst>
               </a:tr>
@@ -23536,137 +23876,6 @@
     <p:extLst>
       <p:ext uri="{BB962C8B-B14F-4D97-AF65-F5344CB8AC3E}">
         <p14:creationId xmlns:p14="http://schemas.microsoft.com/office/powerpoint/2010/main" val="81790670"/>
-      </p:ext>
-    </p:extLst>
-  </p:cSld>
-  <p:clrMapOvr>
-    <a:masterClrMapping/>
-  </p:clrMapOvr>
-</p:sld>
-</file>
-
-<file path=ppt/slides/slide42.xml><?xml version="1.0" encoding="utf-8"?>
-<p:sld xmlns:a="http://schemas.openxmlformats.org/drawingml/2006/main" xmlns:r="http://schemas.openxmlformats.org/officeDocument/2006/relationships" xmlns:p="http://schemas.openxmlformats.org/presentationml/2006/main">
-  <p:cSld>
-    <p:spTree>
-      <p:nvGrpSpPr>
-        <p:cNvPr id="1" name=""/>
-        <p:cNvGrpSpPr/>
-        <p:nvPr/>
-      </p:nvGrpSpPr>
-      <p:grpSpPr>
-        <a:xfrm>
-          <a:off x="0" y="0"/>
-          <a:ext cx="0" cy="0"/>
-          <a:chOff x="0" y="0"/>
-          <a:chExt cx="0" cy="0"/>
-        </a:xfrm>
-      </p:grpSpPr>
-      <p:sp>
-        <p:nvSpPr>
-          <p:cNvPr id="2" name="Title 1"/>
-          <p:cNvSpPr>
-            <a:spLocks noGrp="1"/>
-          </p:cNvSpPr>
-          <p:nvPr>
-            <p:ph type="title"/>
-          </p:nvPr>
-        </p:nvSpPr>
-        <p:spPr/>
-        <p:txBody>
-          <a:bodyPr>
-            <a:normAutofit fontScale="90000"/>
-          </a:bodyPr>
-          <a:lstStyle/>
-          <a:p>
-            <a:r>
-              <a:rPr lang="ru-RU" dirty="0"/>
-              <a:t>Анализ используемой памяти средствами </a:t>
-            </a:r>
-            <a:r>
-              <a:rPr lang="en-US" dirty="0"/>
-              <a:t>Visual Studio</a:t>
-            </a:r>
-            <a:endParaRPr lang="ru-RU" dirty="0"/>
-          </a:p>
-        </p:txBody>
-      </p:sp>
-      <p:sp>
-        <p:nvSpPr>
-          <p:cNvPr id="3" name="Content Placeholder 2"/>
-          <p:cNvSpPr>
-            <a:spLocks noGrp="1"/>
-          </p:cNvSpPr>
-          <p:nvPr>
-            <p:ph idx="1"/>
-          </p:nvPr>
-        </p:nvSpPr>
-        <p:spPr/>
-        <p:txBody>
-          <a:bodyPr/>
-          <a:lstStyle/>
-          <a:p>
-            <a:pPr marL="0" indent="0">
-              <a:buNone/>
-            </a:pPr>
-            <a:r>
-              <a:rPr lang="ru-RU" dirty="0"/>
-              <a:t>В </a:t>
-            </a:r>
-            <a:r>
-              <a:rPr lang="en-US" dirty="0"/>
-              <a:t>Visual Studio </a:t>
-            </a:r>
-            <a:r>
-              <a:rPr lang="ru-RU" dirty="0"/>
-              <a:t>встроено средство для профилирования кода с точки зрения использования процессора или памяти.</a:t>
-            </a:r>
-          </a:p>
-          <a:p>
-            <a:pPr marL="0" indent="0">
-              <a:buNone/>
-            </a:pPr>
-            <a:endParaRPr lang="ru-RU" dirty="0"/>
-          </a:p>
-          <a:p>
-            <a:pPr marL="0" indent="0">
-              <a:buNone/>
-            </a:pPr>
-            <a:r>
-              <a:rPr lang="ru-RU" dirty="0"/>
-              <a:t>Меню </a:t>
-            </a:r>
-            <a:r>
-              <a:rPr lang="en-US" dirty="0"/>
-              <a:t>Analyze -&gt; Launch </a:t>
-            </a:r>
-            <a:r>
-              <a:rPr lang="en-US" dirty="0" err="1"/>
-              <a:t>Perfomance</a:t>
-            </a:r>
-            <a:r>
-              <a:rPr lang="en-US" dirty="0"/>
-              <a:t> Wizard. </a:t>
-            </a:r>
-            <a:r>
-              <a:rPr lang="ru-RU" dirty="0"/>
-              <a:t>В диалоге выбираем «</a:t>
-            </a:r>
-            <a:r>
-              <a:rPr lang="en-US" dirty="0"/>
-              <a:t>.NET Memory Allocation (Sampling)</a:t>
-            </a:r>
-            <a:r>
-              <a:rPr lang="ru-RU" dirty="0"/>
-              <a:t>»</a:t>
-            </a:r>
-          </a:p>
-        </p:txBody>
-      </p:sp>
-    </p:spTree>
-    <p:extLst>
-      <p:ext uri="{BB962C8B-B14F-4D97-AF65-F5344CB8AC3E}">
-        <p14:creationId xmlns:p14="http://schemas.microsoft.com/office/powerpoint/2010/main" val="3413446304"/>
       </p:ext>
     </p:extLst>
   </p:cSld>
@@ -23705,6 +23914,137 @@
         </p:nvSpPr>
         <p:spPr/>
         <p:txBody>
+          <a:bodyPr>
+            <a:normAutofit fontScale="90000"/>
+          </a:bodyPr>
+          <a:lstStyle/>
+          <a:p>
+            <a:r>
+              <a:rPr lang="ru-RU" dirty="0"/>
+              <a:t>Анализ используемой памяти средствами </a:t>
+            </a:r>
+            <a:r>
+              <a:rPr lang="en-US" dirty="0"/>
+              <a:t>Visual Studio</a:t>
+            </a:r>
+            <a:endParaRPr lang="ru-RU" dirty="0"/>
+          </a:p>
+        </p:txBody>
+      </p:sp>
+      <p:sp>
+        <p:nvSpPr>
+          <p:cNvPr id="3" name="Content Placeholder 2"/>
+          <p:cNvSpPr>
+            <a:spLocks noGrp="1"/>
+          </p:cNvSpPr>
+          <p:nvPr>
+            <p:ph idx="1"/>
+          </p:nvPr>
+        </p:nvSpPr>
+        <p:spPr/>
+        <p:txBody>
+          <a:bodyPr/>
+          <a:lstStyle/>
+          <a:p>
+            <a:pPr marL="0" indent="0">
+              <a:buNone/>
+            </a:pPr>
+            <a:r>
+              <a:rPr lang="ru-RU" dirty="0"/>
+              <a:t>В </a:t>
+            </a:r>
+            <a:r>
+              <a:rPr lang="en-US" dirty="0"/>
+              <a:t>Visual Studio </a:t>
+            </a:r>
+            <a:r>
+              <a:rPr lang="ru-RU" dirty="0"/>
+              <a:t>встроено средство для профилирования кода с точки зрения использования процессора или памяти.</a:t>
+            </a:r>
+          </a:p>
+          <a:p>
+            <a:pPr marL="0" indent="0">
+              <a:buNone/>
+            </a:pPr>
+            <a:endParaRPr lang="ru-RU" dirty="0"/>
+          </a:p>
+          <a:p>
+            <a:pPr marL="0" indent="0">
+              <a:buNone/>
+            </a:pPr>
+            <a:r>
+              <a:rPr lang="ru-RU" dirty="0"/>
+              <a:t>Меню </a:t>
+            </a:r>
+            <a:r>
+              <a:rPr lang="en-US" dirty="0"/>
+              <a:t>Analyze -&gt; Launch </a:t>
+            </a:r>
+            <a:r>
+              <a:rPr lang="en-US" dirty="0" err="1"/>
+              <a:t>Perfomance</a:t>
+            </a:r>
+            <a:r>
+              <a:rPr lang="en-US" dirty="0"/>
+              <a:t> Wizard. </a:t>
+            </a:r>
+            <a:r>
+              <a:rPr lang="ru-RU" dirty="0"/>
+              <a:t>В диалоге выбираем «</a:t>
+            </a:r>
+            <a:r>
+              <a:rPr lang="en-US" dirty="0"/>
+              <a:t>.NET Memory Allocation (Sampling)</a:t>
+            </a:r>
+            <a:r>
+              <a:rPr lang="ru-RU" dirty="0"/>
+              <a:t>»</a:t>
+            </a:r>
+          </a:p>
+        </p:txBody>
+      </p:sp>
+    </p:spTree>
+    <p:extLst>
+      <p:ext uri="{BB962C8B-B14F-4D97-AF65-F5344CB8AC3E}">
+        <p14:creationId xmlns:p14="http://schemas.microsoft.com/office/powerpoint/2010/main" val="3413446304"/>
+      </p:ext>
+    </p:extLst>
+  </p:cSld>
+  <p:clrMapOvr>
+    <a:masterClrMapping/>
+  </p:clrMapOvr>
+</p:sld>
+</file>
+
+<file path=ppt/slides/slide44.xml><?xml version="1.0" encoding="utf-8"?>
+<p:sld xmlns:a="http://schemas.openxmlformats.org/drawingml/2006/main" xmlns:r="http://schemas.openxmlformats.org/officeDocument/2006/relationships" xmlns:p="http://schemas.openxmlformats.org/presentationml/2006/main">
+  <p:cSld>
+    <p:spTree>
+      <p:nvGrpSpPr>
+        <p:cNvPr id="1" name=""/>
+        <p:cNvGrpSpPr/>
+        <p:nvPr/>
+      </p:nvGrpSpPr>
+      <p:grpSpPr>
+        <a:xfrm>
+          <a:off x="0" y="0"/>
+          <a:ext cx="0" cy="0"/>
+          <a:chOff x="0" y="0"/>
+          <a:chExt cx="0" cy="0"/>
+        </a:xfrm>
+      </p:grpSpPr>
+      <p:sp>
+        <p:nvSpPr>
+          <p:cNvPr id="2" name="Title 1"/>
+          <p:cNvSpPr>
+            <a:spLocks noGrp="1"/>
+          </p:cNvSpPr>
+          <p:nvPr>
+            <p:ph type="title"/>
+          </p:nvPr>
+        </p:nvSpPr>
+        <p:spPr/>
+        <p:txBody>
           <a:bodyPr/>
           <a:lstStyle/>
           <a:p>
@@ -23748,7 +24088,7 @@
 </p:sld>
 </file>
 
-<file path=ppt/slides/slide44.xml><?xml version="1.0" encoding="utf-8"?>
+<file path=ppt/slides/slide45.xml><?xml version="1.0" encoding="utf-8"?>
 <p:sld xmlns:a="http://schemas.openxmlformats.org/drawingml/2006/main" xmlns:r="http://schemas.openxmlformats.org/officeDocument/2006/relationships" xmlns:p="http://schemas.openxmlformats.org/presentationml/2006/main">
   <p:cSld>
     <p:spTree>
@@ -23790,6 +24130,10 @@
             <a:r>
               <a:rPr lang="en-US" sz="3200" dirty="0"/>
               <a:t>Under the Hood of .NET Memory Management</a:t>
+            </a:r>
+            <a:r>
+              <a:rPr lang="ru-RU" sz="3200" dirty="0"/>
+              <a:t/>
             </a:r>
             <a:br>
               <a:rPr lang="ru-RU" sz="3200" dirty="0"/>
@@ -23891,7 +24235,7 @@
 </p:sld>
 </file>
 
-<file path=ppt/slides/slide45.xml><?xml version="1.0" encoding="utf-8"?>
+<file path=ppt/slides/slide46.xml><?xml version="1.0" encoding="utf-8"?>
 <p:sld xmlns:a="http://schemas.openxmlformats.org/drawingml/2006/main" xmlns:r="http://schemas.openxmlformats.org/officeDocument/2006/relationships" xmlns:p="http://schemas.openxmlformats.org/presentationml/2006/main">
   <p:cSld>
     <p:spTree>
@@ -23990,6 +24334,93 @@
 </file>
 
 <file path=ppt/slides/slide5.xml><?xml version="1.0" encoding="utf-8"?>
+<p:sld xmlns:a="http://schemas.openxmlformats.org/drawingml/2006/main" xmlns:r="http://schemas.openxmlformats.org/officeDocument/2006/relationships" xmlns:p="http://schemas.openxmlformats.org/presentationml/2006/main" show="0">
+  <p:cSld>
+    <p:spTree>
+      <p:nvGrpSpPr>
+        <p:cNvPr id="1" name=""/>
+        <p:cNvGrpSpPr/>
+        <p:nvPr/>
+      </p:nvGrpSpPr>
+      <p:grpSpPr>
+        <a:xfrm>
+          <a:off x="0" y="0"/>
+          <a:ext cx="0" cy="0"/>
+          <a:chOff x="0" y="0"/>
+          <a:chExt cx="0" cy="0"/>
+        </a:xfrm>
+      </p:grpSpPr>
+      <p:sp>
+        <p:nvSpPr>
+          <p:cNvPr id="2" name="Title 1"/>
+          <p:cNvSpPr>
+            <a:spLocks noGrp="1"/>
+          </p:cNvSpPr>
+          <p:nvPr>
+            <p:ph type="title"/>
+          </p:nvPr>
+        </p:nvSpPr>
+        <p:spPr/>
+        <p:txBody>
+          <a:bodyPr/>
+          <a:lstStyle/>
+          <a:p>
+            <a:r>
+              <a:rPr lang="en-US" dirty="0" err="1"/>
+              <a:t>WeakReference</a:t>
+            </a:r>
+            <a:endParaRPr lang="en-US" dirty="0"/>
+          </a:p>
+        </p:txBody>
+      </p:sp>
+      <p:sp>
+        <p:nvSpPr>
+          <p:cNvPr id="3" name="Content Placeholder 2"/>
+          <p:cNvSpPr>
+            <a:spLocks noGrp="1"/>
+          </p:cNvSpPr>
+          <p:nvPr>
+            <p:ph idx="1"/>
+          </p:nvPr>
+        </p:nvSpPr>
+        <p:spPr/>
+        <p:txBody>
+          <a:bodyPr/>
+          <a:lstStyle/>
+          <a:p>
+            <a:endParaRPr lang="en-US"/>
+          </a:p>
+        </p:txBody>
+      </p:sp>
+    </p:spTree>
+    <p:extLst>
+      <p:ext uri="{BB962C8B-B14F-4D97-AF65-F5344CB8AC3E}">
+        <p14:creationId xmlns:p14="http://schemas.microsoft.com/office/powerpoint/2010/main" val="1186899550"/>
+      </p:ext>
+    </p:extLst>
+  </p:cSld>
+  <p:clrMapOvr>
+    <a:masterClrMapping/>
+  </p:clrMapOvr>
+  <mc:AlternateContent xmlns:mc="http://schemas.openxmlformats.org/markup-compatibility/2006">
+    <mc:Choice xmlns:p14="http://schemas.microsoft.com/office/powerpoint/2010/main" Requires="p14">
+      <p:transition spd="slow" p14:dur="2000"/>
+    </mc:Choice>
+    <mc:Fallback>
+      <p:transition spd="slow"/>
+    </mc:Fallback>
+  </mc:AlternateContent>
+  <p:timing>
+    <p:tnLst>
+      <p:par>
+        <p:cTn id="1" dur="indefinite" restart="never" nodeType="tmRoot"/>
+      </p:par>
+    </p:tnLst>
+  </p:timing>
+</p:sld>
+</file>
+
+<file path=ppt/slides/slide6.xml><?xml version="1.0" encoding="utf-8"?>
 <p:sld xmlns:a="http://schemas.openxmlformats.org/drawingml/2006/main" xmlns:r="http://schemas.openxmlformats.org/officeDocument/2006/relationships" xmlns:p="http://schemas.openxmlformats.org/presentationml/2006/main">
   <p:cSld>
     <p:spTree>
@@ -24402,824 +24833,13 @@
   <p:clrMapOvr>
     <a:masterClrMapping/>
   </p:clrMapOvr>
-</p:sld>
-</file>
-
-<file path=ppt/slides/slide6.xml><?xml version="1.0" encoding="utf-8"?>
-<p:sld xmlns:a="http://schemas.openxmlformats.org/drawingml/2006/main" xmlns:r="http://schemas.openxmlformats.org/officeDocument/2006/relationships" xmlns:p="http://schemas.openxmlformats.org/presentationml/2006/main">
-  <p:cSld>
-    <p:spTree>
-      <p:nvGrpSpPr>
-        <p:cNvPr id="1" name=""/>
-        <p:cNvGrpSpPr/>
-        <p:nvPr/>
-      </p:nvGrpSpPr>
-      <p:grpSpPr>
-        <a:xfrm>
-          <a:off x="0" y="0"/>
-          <a:ext cx="0" cy="0"/>
-          <a:chOff x="0" y="0"/>
-          <a:chExt cx="0" cy="0"/>
-        </a:xfrm>
-      </p:grpSpPr>
-      <p:sp>
-        <p:nvSpPr>
-          <p:cNvPr id="2" name="Title 1"/>
-          <p:cNvSpPr>
-            <a:spLocks noGrp="1"/>
-          </p:cNvSpPr>
-          <p:nvPr>
-            <p:ph type="title"/>
-          </p:nvPr>
-        </p:nvSpPr>
-        <p:spPr/>
-        <p:txBody>
-          <a:bodyPr/>
-          <a:lstStyle/>
-          <a:p>
-            <a:r>
-              <a:rPr lang="ru-RU" dirty="0"/>
-              <a:t>Примеры упаковки</a:t>
-            </a:r>
-          </a:p>
-        </p:txBody>
-      </p:sp>
-      <p:sp>
-        <p:nvSpPr>
-          <p:cNvPr id="3" name="Content Placeholder 2"/>
-          <p:cNvSpPr>
-            <a:spLocks noGrp="1"/>
-          </p:cNvSpPr>
-          <p:nvPr>
-            <p:ph idx="1"/>
-          </p:nvPr>
-        </p:nvSpPr>
-        <p:spPr>
-          <a:solidFill>
-            <a:schemeClr val="bg1"/>
-          </a:solidFill>
-        </p:spPr>
-        <p:txBody>
-          <a:bodyPr>
-            <a:normAutofit/>
-          </a:bodyPr>
-          <a:lstStyle/>
-          <a:p>
-            <a:pPr marL="0" indent="0">
-              <a:buNone/>
-            </a:pPr>
-            <a:r>
-              <a:rPr lang="ru-RU" sz="1400" dirty="0">
-                <a:solidFill>
-                  <a:srgbClr val="008000"/>
-                </a:solidFill>
-                <a:highlight>
-                  <a:srgbClr val="FFFFFF"/>
-                </a:highlight>
-                <a:latin typeface="Consolas"/>
-              </a:rPr>
-              <a:t>// Приведение типа-значения к </a:t>
-            </a:r>
-            <a:r>
-              <a:rPr lang="en-US" sz="1400" dirty="0" err="1">
-                <a:solidFill>
-                  <a:srgbClr val="008000"/>
-                </a:solidFill>
-                <a:highlight>
-                  <a:srgbClr val="FFFFFF"/>
-                </a:highlight>
-                <a:latin typeface="Consolas"/>
-              </a:rPr>
-              <a:t>System.Object</a:t>
-            </a:r>
-            <a:endParaRPr lang="en-US" sz="1400" dirty="0">
-              <a:solidFill>
-                <a:srgbClr val="000000"/>
-              </a:solidFill>
-              <a:highlight>
-                <a:srgbClr val="FFFFFF"/>
-              </a:highlight>
-              <a:latin typeface="Consolas"/>
-            </a:endParaRPr>
-          </a:p>
-          <a:p>
-            <a:pPr marL="0" indent="0">
-              <a:buNone/>
-            </a:pPr>
-            <a:r>
-              <a:rPr lang="en-US" sz="1400" dirty="0" err="1">
-                <a:solidFill>
-                  <a:srgbClr val="0000FF"/>
-                </a:solidFill>
-                <a:highlight>
-                  <a:srgbClr val="FFFFFF"/>
-                </a:highlight>
-                <a:latin typeface="Consolas"/>
-              </a:rPr>
-              <a:t>int</a:t>
-            </a:r>
-            <a:r>
-              <a:rPr lang="en-US" sz="1400" dirty="0">
-                <a:solidFill>
-                  <a:srgbClr val="000000"/>
-                </a:solidFill>
-                <a:highlight>
-                  <a:srgbClr val="FFFFFF"/>
-                </a:highlight>
-                <a:latin typeface="Consolas"/>
-              </a:rPr>
-              <a:t> x = 10;</a:t>
-            </a:r>
-          </a:p>
-          <a:p>
-            <a:pPr marL="0" indent="0">
-              <a:buNone/>
-            </a:pPr>
-            <a:r>
-              <a:rPr lang="en-US" sz="1400" dirty="0">
-                <a:solidFill>
-                  <a:srgbClr val="0000FF"/>
-                </a:solidFill>
-                <a:highlight>
-                  <a:srgbClr val="FFFFFF"/>
-                </a:highlight>
-                <a:latin typeface="Consolas"/>
-              </a:rPr>
-              <a:t>object</a:t>
-            </a:r>
-            <a:r>
-              <a:rPr lang="en-US" sz="1400" dirty="0">
-                <a:solidFill>
-                  <a:srgbClr val="000000"/>
-                </a:solidFill>
-                <a:highlight>
-                  <a:srgbClr val="FFFFFF"/>
-                </a:highlight>
-                <a:latin typeface="Consolas"/>
-              </a:rPr>
-              <a:t> </a:t>
-            </a:r>
-            <a:r>
-              <a:rPr lang="en-US" sz="1400" dirty="0" err="1">
-                <a:solidFill>
-                  <a:srgbClr val="000000"/>
-                </a:solidFill>
-                <a:highlight>
-                  <a:srgbClr val="FFFFFF"/>
-                </a:highlight>
-                <a:latin typeface="Consolas"/>
-              </a:rPr>
-              <a:t>obj</a:t>
-            </a:r>
-            <a:r>
-              <a:rPr lang="en-US" sz="1400" dirty="0">
-                <a:solidFill>
-                  <a:srgbClr val="000000"/>
-                </a:solidFill>
-                <a:highlight>
-                  <a:srgbClr val="FFFFFF"/>
-                </a:highlight>
-                <a:latin typeface="Consolas"/>
-              </a:rPr>
-              <a:t> = x; </a:t>
-            </a:r>
-            <a:r>
-              <a:rPr lang="en-US" sz="1400" dirty="0">
-                <a:solidFill>
-                  <a:srgbClr val="008000"/>
-                </a:solidFill>
-                <a:highlight>
-                  <a:srgbClr val="FFFFFF"/>
-                </a:highlight>
-                <a:latin typeface="Consolas"/>
-              </a:rPr>
-              <a:t>// </a:t>
-            </a:r>
-            <a:r>
-              <a:rPr lang="ru-RU" sz="1400" dirty="0">
-                <a:solidFill>
-                  <a:srgbClr val="008000"/>
-                </a:solidFill>
-                <a:highlight>
-                  <a:srgbClr val="FFFFFF"/>
-                </a:highlight>
-                <a:latin typeface="Consolas"/>
-              </a:rPr>
-              <a:t>упаковка!</a:t>
-            </a:r>
-            <a:endParaRPr lang="ru-RU" sz="1400" dirty="0">
-              <a:solidFill>
-                <a:srgbClr val="000000"/>
-              </a:solidFill>
-              <a:highlight>
-                <a:srgbClr val="FFFFFF"/>
-              </a:highlight>
-              <a:latin typeface="Consolas"/>
-            </a:endParaRPr>
-          </a:p>
-          <a:p>
-            <a:pPr marL="0" indent="0">
-              <a:buNone/>
-            </a:pPr>
-            <a:endParaRPr lang="ru-RU" sz="1400" dirty="0">
-              <a:solidFill>
-                <a:srgbClr val="000000"/>
-              </a:solidFill>
-              <a:highlight>
-                <a:srgbClr val="FFFFFF"/>
-              </a:highlight>
-              <a:latin typeface="Consolas"/>
-            </a:endParaRPr>
-          </a:p>
-          <a:p>
-            <a:pPr marL="0" indent="0">
-              <a:buNone/>
-            </a:pPr>
-            <a:r>
-              <a:rPr lang="ru-RU" sz="1400" dirty="0">
-                <a:solidFill>
-                  <a:srgbClr val="008000"/>
-                </a:solidFill>
-                <a:highlight>
-                  <a:srgbClr val="FFFFFF"/>
-                </a:highlight>
-                <a:latin typeface="Consolas"/>
-              </a:rPr>
-              <a:t>// Приведение типа-значения к типу интерфейса</a:t>
-            </a:r>
-            <a:endParaRPr lang="ru-RU" sz="1400" dirty="0">
-              <a:solidFill>
-                <a:srgbClr val="000000"/>
-              </a:solidFill>
-              <a:highlight>
-                <a:srgbClr val="FFFFFF"/>
-              </a:highlight>
-              <a:latin typ